--- a/doc/designDoc.pptx
+++ b/doc/designDoc.pptx
@@ -104,6 +104,11 @@
       </a:defRPr>
     </a:lvl9pPr>
   </p:defaultTextStyle>
+  <p:extLst>
+    <p:ext uri="{EFAFB233-063F-42B5-8137-9DF3F51BA10A}">
+      <p15:sldGuideLst xmlns:p15="http://schemas.microsoft.com/office/powerpoint/2012/main"/>
+    </p:ext>
+  </p:extLst>
 </p:presentation>
 </file>
 
@@ -256,7 +261,7 @@
           <a:p>
             <a:fld id="{F953FF10-B1B6-4147-A9BC-BC236B7E3AD4}" type="datetimeFigureOut">
               <a:rPr lang="en-SG" smtClean="0"/>
-              <a:t>27/3/2024</a:t>
+              <a:t>3/4/2024</a:t>
             </a:fld>
             <a:endParaRPr lang="en-SG"/>
           </a:p>
@@ -456,7 +461,7 @@
           <a:p>
             <a:fld id="{F953FF10-B1B6-4147-A9BC-BC236B7E3AD4}" type="datetimeFigureOut">
               <a:rPr lang="en-SG" smtClean="0"/>
-              <a:t>27/3/2024</a:t>
+              <a:t>3/4/2024</a:t>
             </a:fld>
             <a:endParaRPr lang="en-SG"/>
           </a:p>
@@ -666,7 +671,7 @@
           <a:p>
             <a:fld id="{F953FF10-B1B6-4147-A9BC-BC236B7E3AD4}" type="datetimeFigureOut">
               <a:rPr lang="en-SG" smtClean="0"/>
-              <a:t>27/3/2024</a:t>
+              <a:t>3/4/2024</a:t>
             </a:fld>
             <a:endParaRPr lang="en-SG"/>
           </a:p>
@@ -866,7 +871,7 @@
           <a:p>
             <a:fld id="{F953FF10-B1B6-4147-A9BC-BC236B7E3AD4}" type="datetimeFigureOut">
               <a:rPr lang="en-SG" smtClean="0"/>
-              <a:t>27/3/2024</a:t>
+              <a:t>3/4/2024</a:t>
             </a:fld>
             <a:endParaRPr lang="en-SG"/>
           </a:p>
@@ -1142,7 +1147,7 @@
           <a:p>
             <a:fld id="{F953FF10-B1B6-4147-A9BC-BC236B7E3AD4}" type="datetimeFigureOut">
               <a:rPr lang="en-SG" smtClean="0"/>
-              <a:t>27/3/2024</a:t>
+              <a:t>3/4/2024</a:t>
             </a:fld>
             <a:endParaRPr lang="en-SG"/>
           </a:p>
@@ -1410,7 +1415,7 @@
           <a:p>
             <a:fld id="{F953FF10-B1B6-4147-A9BC-BC236B7E3AD4}" type="datetimeFigureOut">
               <a:rPr lang="en-SG" smtClean="0"/>
-              <a:t>27/3/2024</a:t>
+              <a:t>3/4/2024</a:t>
             </a:fld>
             <a:endParaRPr lang="en-SG"/>
           </a:p>
@@ -1825,7 +1830,7 @@
           <a:p>
             <a:fld id="{F953FF10-B1B6-4147-A9BC-BC236B7E3AD4}" type="datetimeFigureOut">
               <a:rPr lang="en-SG" smtClean="0"/>
-              <a:t>27/3/2024</a:t>
+              <a:t>3/4/2024</a:t>
             </a:fld>
             <a:endParaRPr lang="en-SG"/>
           </a:p>
@@ -1967,7 +1972,7 @@
           <a:p>
             <a:fld id="{F953FF10-B1B6-4147-A9BC-BC236B7E3AD4}" type="datetimeFigureOut">
               <a:rPr lang="en-SG" smtClean="0"/>
-              <a:t>27/3/2024</a:t>
+              <a:t>3/4/2024</a:t>
             </a:fld>
             <a:endParaRPr lang="en-SG"/>
           </a:p>
@@ -2080,7 +2085,7 @@
           <a:p>
             <a:fld id="{F953FF10-B1B6-4147-A9BC-BC236B7E3AD4}" type="datetimeFigureOut">
               <a:rPr lang="en-SG" smtClean="0"/>
-              <a:t>27/3/2024</a:t>
+              <a:t>3/4/2024</a:t>
             </a:fld>
             <a:endParaRPr lang="en-SG"/>
           </a:p>
@@ -2393,7 +2398,7 @@
           <a:p>
             <a:fld id="{F953FF10-B1B6-4147-A9BC-BC236B7E3AD4}" type="datetimeFigureOut">
               <a:rPr lang="en-SG" smtClean="0"/>
-              <a:t>27/3/2024</a:t>
+              <a:t>3/4/2024</a:t>
             </a:fld>
             <a:endParaRPr lang="en-SG"/>
           </a:p>
@@ -2682,7 +2687,7 @@
           <a:p>
             <a:fld id="{F953FF10-B1B6-4147-A9BC-BC236B7E3AD4}" type="datetimeFigureOut">
               <a:rPr lang="en-SG" smtClean="0"/>
-              <a:t>27/3/2024</a:t>
+              <a:t>3/4/2024</a:t>
             </a:fld>
             <a:endParaRPr lang="en-SG"/>
           </a:p>
@@ -2925,7 +2930,7 @@
           <a:p>
             <a:fld id="{F953FF10-B1B6-4147-A9BC-BC236B7E3AD4}" type="datetimeFigureOut">
               <a:rPr lang="en-SG" smtClean="0"/>
-              <a:t>27/3/2024</a:t>
+              <a:t>3/4/2024</a:t>
             </a:fld>
             <a:endParaRPr lang="en-SG"/>
           </a:p>
@@ -3476,7 +3481,7 @@
         </p:nvSpPr>
         <p:spPr>
           <a:xfrm>
-            <a:off x="560455" y="5546807"/>
+            <a:off x="811521" y="3273009"/>
             <a:ext cx="2318109" cy="523220"/>
           </a:xfrm>
           <a:prstGeom prst="rect">
@@ -3492,7 +3497,7 @@
           <a:p>
             <a:r>
               <a:rPr lang="en-US" sz="1400" b="1" dirty="0"/>
-              <a:t>2D Power Grid System Emulator</a:t>
+              <a:t>2D Power Grid System Real-world Emulator</a:t>
             </a:r>
             <a:endParaRPr lang="en-SG" sz="1400" b="1" dirty="0"/>
           </a:p>
@@ -3512,8 +3517,8 @@
         </p:nvSpPr>
         <p:spPr>
           <a:xfrm>
-            <a:off x="4906961" y="4111406"/>
-            <a:ext cx="1257619" cy="1004757"/>
+            <a:off x="4778046" y="2571052"/>
+            <a:ext cx="978956" cy="769069"/>
           </a:xfrm>
           <a:prstGeom prst="rect">
             <a:avLst/>
@@ -3521,8 +3526,9 @@
           <a:noFill/>
           <a:ln>
             <a:solidFill>
-              <a:schemeClr val="accent2">
+              <a:schemeClr val="tx2">
                 <a:lumMod val="75000"/>
+                <a:lumOff val="25000"/>
               </a:schemeClr>
             </a:solidFill>
             <a:prstDash val="sysDash"/>
@@ -3575,7 +3581,7 @@
         </p:blipFill>
         <p:spPr>
           <a:xfrm>
-            <a:off x="4975131" y="4180528"/>
+            <a:off x="4870741" y="2681652"/>
             <a:ext cx="770439" cy="547868"/>
           </a:xfrm>
           <a:prstGeom prst="rect">
@@ -3605,7 +3611,7 @@
         </p:blipFill>
         <p:spPr>
           <a:xfrm>
-            <a:off x="4975131" y="2865630"/>
+            <a:off x="4824392" y="3953355"/>
             <a:ext cx="867590" cy="563370"/>
           </a:xfrm>
           <a:prstGeom prst="rect">
@@ -3613,6 +3619,2259 @@
           </a:prstGeom>
         </p:spPr>
       </p:pic>
+      <p:sp>
+        <p:nvSpPr>
+          <p:cNvPr id="2" name="Rectangle 1">
+            <a:extLst>
+              <a:ext uri="{FF2B5EF4-FFF2-40B4-BE49-F238E27FC236}">
+                <a16:creationId xmlns:a16="http://schemas.microsoft.com/office/drawing/2014/main" id="{DB56C15E-5D66-34E8-0EE9-3839C3BFD020}"/>
+              </a:ext>
+            </a:extLst>
+          </p:cNvPr>
+          <p:cNvSpPr/>
+          <p:nvPr/>
+        </p:nvSpPr>
+        <p:spPr>
+          <a:xfrm>
+            <a:off x="4778045" y="1257300"/>
+            <a:ext cx="978956" cy="871157"/>
+          </a:xfrm>
+          <a:prstGeom prst="rect">
+            <a:avLst/>
+          </a:prstGeom>
+          <a:noFill/>
+          <a:ln>
+            <a:solidFill>
+              <a:schemeClr val="accent6">
+                <a:lumMod val="75000"/>
+              </a:schemeClr>
+            </a:solidFill>
+            <a:prstDash val="sysDash"/>
+          </a:ln>
+        </p:spPr>
+        <p:style>
+          <a:lnRef idx="2">
+            <a:schemeClr val="accent1">
+              <a:shade val="15000"/>
+            </a:schemeClr>
+          </a:lnRef>
+          <a:fillRef idx="1">
+            <a:schemeClr val="accent1"/>
+          </a:fillRef>
+          <a:effectRef idx="0">
+            <a:schemeClr val="accent1"/>
+          </a:effectRef>
+          <a:fontRef idx="minor">
+            <a:schemeClr val="lt1"/>
+          </a:fontRef>
+        </p:style>
+        <p:txBody>
+          <a:bodyPr rtlCol="0" anchor="ctr"/>
+          <a:lstStyle/>
+          <a:p>
+            <a:pPr algn="ctr"/>
+            <a:endParaRPr lang="en-SG" dirty="0"/>
+          </a:p>
+        </p:txBody>
+      </p:sp>
+      <p:pic>
+        <p:nvPicPr>
+          <p:cNvPr id="3" name="Picture 2" descr="TM221CE16R Schneider Electric Modicon M221 PLC CPU Mini USB Interface –  Ralakde Automation">
+            <a:extLst>
+              <a:ext uri="{FF2B5EF4-FFF2-40B4-BE49-F238E27FC236}">
+                <a16:creationId xmlns:a16="http://schemas.microsoft.com/office/drawing/2014/main" id="{A502D6EF-C886-F547-7CF4-AA62FB56DEF4}"/>
+              </a:ext>
+            </a:extLst>
+          </p:cNvPr>
+          <p:cNvPicPr>
+            <a:picLocks noChangeAspect="1" noChangeArrowheads="1"/>
+          </p:cNvPicPr>
+          <p:nvPr/>
+        </p:nvPicPr>
+        <p:blipFill>
+          <a:blip r:embed="rId6">
+            <a:extLst>
+              <a:ext uri="{28A0092B-C50C-407E-A947-70E740481C1C}">
+                <a14:useLocalDpi xmlns:a14="http://schemas.microsoft.com/office/drawing/2010/main" val="0"/>
+              </a:ext>
+            </a:extLst>
+          </a:blip>
+          <a:srcRect/>
+          <a:stretch>
+            <a:fillRect/>
+          </a:stretch>
+        </p:blipFill>
+        <p:spPr bwMode="auto">
+          <a:xfrm>
+            <a:off x="4926032" y="1358125"/>
+            <a:ext cx="659858" cy="723400"/>
+          </a:xfrm>
+          <a:prstGeom prst="rect">
+            <a:avLst/>
+          </a:prstGeom>
+          <a:noFill/>
+          <a:extLst>
+            <a:ext uri="{909E8E84-426E-40DD-AFC4-6F175D3DCCD1}">
+              <a14:hiddenFill xmlns:a14="http://schemas.microsoft.com/office/drawing/2010/main">
+                <a:solidFill>
+                  <a:srgbClr val="FFFFFF"/>
+                </a:solidFill>
+              </a14:hiddenFill>
+            </a:ext>
+          </a:extLst>
+        </p:spPr>
+      </p:pic>
+      <p:sp>
+        <p:nvSpPr>
+          <p:cNvPr id="9" name="TextBox 8">
+            <a:extLst>
+              <a:ext uri="{FF2B5EF4-FFF2-40B4-BE49-F238E27FC236}">
+                <a16:creationId xmlns:a16="http://schemas.microsoft.com/office/drawing/2014/main" id="{5E68980F-2CEB-4E92-E1CB-D4626FE58D64}"/>
+              </a:ext>
+            </a:extLst>
+          </p:cNvPr>
+          <p:cNvSpPr txBox="1"/>
+          <p:nvPr/>
+        </p:nvSpPr>
+        <p:spPr>
+          <a:xfrm>
+            <a:off x="4677182" y="818750"/>
+            <a:ext cx="1389197" cy="461665"/>
+          </a:xfrm>
+          <a:prstGeom prst="rect">
+            <a:avLst/>
+          </a:prstGeom>
+          <a:noFill/>
+        </p:spPr>
+        <p:txBody>
+          <a:bodyPr wrap="square" rtlCol="0">
+            <a:spAutoFit/>
+          </a:bodyPr>
+          <a:lstStyle/>
+          <a:p>
+            <a:r>
+              <a:rPr lang="en-US" sz="1200" b="1" dirty="0"/>
+              <a:t>PLC simulator [Modbus-TCP]</a:t>
+            </a:r>
+            <a:endParaRPr lang="en-SG" sz="1200" b="1" dirty="0"/>
+          </a:p>
+        </p:txBody>
+      </p:sp>
+      <p:sp>
+        <p:nvSpPr>
+          <p:cNvPr id="11" name="TextBox 10">
+            <a:extLst>
+              <a:ext uri="{FF2B5EF4-FFF2-40B4-BE49-F238E27FC236}">
+                <a16:creationId xmlns:a16="http://schemas.microsoft.com/office/drawing/2014/main" id="{3CFAF408-EBC6-A07A-99CF-9EF61C62D1E1}"/>
+              </a:ext>
+            </a:extLst>
+          </p:cNvPr>
+          <p:cNvSpPr txBox="1"/>
+          <p:nvPr/>
+        </p:nvSpPr>
+        <p:spPr>
+          <a:xfrm>
+            <a:off x="4677182" y="2128457"/>
+            <a:ext cx="1389197" cy="461665"/>
+          </a:xfrm>
+          <a:prstGeom prst="rect">
+            <a:avLst/>
+          </a:prstGeom>
+          <a:noFill/>
+        </p:spPr>
+        <p:txBody>
+          <a:bodyPr wrap="square" rtlCol="0">
+            <a:spAutoFit/>
+          </a:bodyPr>
+          <a:lstStyle/>
+          <a:p>
+            <a:r>
+              <a:rPr lang="en-US" sz="1200" b="1" dirty="0"/>
+              <a:t>RTU simulator [S7Comm]</a:t>
+            </a:r>
+            <a:endParaRPr lang="en-SG" sz="1200" b="1" dirty="0"/>
+          </a:p>
+        </p:txBody>
+      </p:sp>
+      <p:cxnSp>
+        <p:nvCxnSpPr>
+          <p:cNvPr id="14" name="Straight Connector 13">
+            <a:extLst>
+              <a:ext uri="{FF2B5EF4-FFF2-40B4-BE49-F238E27FC236}">
+                <a16:creationId xmlns:a16="http://schemas.microsoft.com/office/drawing/2014/main" id="{26629695-A375-25D2-6157-2EA28A3D795F}"/>
+              </a:ext>
+            </a:extLst>
+          </p:cNvPr>
+          <p:cNvCxnSpPr>
+            <a:cxnSpLocks/>
+          </p:cNvCxnSpPr>
+          <p:nvPr/>
+        </p:nvCxnSpPr>
+        <p:spPr>
+          <a:xfrm flipV="1">
+            <a:off x="3489566" y="1875759"/>
+            <a:ext cx="1288479" cy="0"/>
+          </a:xfrm>
+          <a:prstGeom prst="line">
+            <a:avLst/>
+          </a:prstGeom>
+          <a:ln>
+            <a:solidFill>
+              <a:schemeClr val="tx1"/>
+            </a:solidFill>
+          </a:ln>
+        </p:spPr>
+        <p:style>
+          <a:lnRef idx="2">
+            <a:schemeClr val="accent1"/>
+          </a:lnRef>
+          <a:fillRef idx="0">
+            <a:schemeClr val="accent1"/>
+          </a:fillRef>
+          <a:effectRef idx="1">
+            <a:schemeClr val="accent1"/>
+          </a:effectRef>
+          <a:fontRef idx="minor">
+            <a:schemeClr val="tx1"/>
+          </a:fontRef>
+        </p:style>
+      </p:cxnSp>
+      <p:cxnSp>
+        <p:nvCxnSpPr>
+          <p:cNvPr id="15" name="Straight Connector 14">
+            <a:extLst>
+              <a:ext uri="{FF2B5EF4-FFF2-40B4-BE49-F238E27FC236}">
+                <a16:creationId xmlns:a16="http://schemas.microsoft.com/office/drawing/2014/main" id="{A4B6316F-7719-E585-2B9F-47B7BC748909}"/>
+              </a:ext>
+            </a:extLst>
+          </p:cNvPr>
+          <p:cNvCxnSpPr>
+            <a:cxnSpLocks/>
+          </p:cNvCxnSpPr>
+          <p:nvPr/>
+        </p:nvCxnSpPr>
+        <p:spPr>
+          <a:xfrm flipV="1">
+            <a:off x="3489565" y="2771109"/>
+            <a:ext cx="1288479" cy="0"/>
+          </a:xfrm>
+          <a:prstGeom prst="line">
+            <a:avLst/>
+          </a:prstGeom>
+          <a:ln>
+            <a:solidFill>
+              <a:schemeClr val="tx1"/>
+            </a:solidFill>
+          </a:ln>
+        </p:spPr>
+        <p:style>
+          <a:lnRef idx="2">
+            <a:schemeClr val="accent1"/>
+          </a:lnRef>
+          <a:fillRef idx="0">
+            <a:schemeClr val="accent1"/>
+          </a:fillRef>
+          <a:effectRef idx="1">
+            <a:schemeClr val="accent1"/>
+          </a:effectRef>
+          <a:fontRef idx="minor">
+            <a:schemeClr val="tx1"/>
+          </a:fontRef>
+        </p:style>
+      </p:cxnSp>
+      <p:sp>
+        <p:nvSpPr>
+          <p:cNvPr id="16" name="Rectangle 15">
+            <a:extLst>
+              <a:ext uri="{FF2B5EF4-FFF2-40B4-BE49-F238E27FC236}">
+                <a16:creationId xmlns:a16="http://schemas.microsoft.com/office/drawing/2014/main" id="{B067CA3F-2A68-85E5-838B-47C0B96D7BF0}"/>
+              </a:ext>
+            </a:extLst>
+          </p:cNvPr>
+          <p:cNvSpPr/>
+          <p:nvPr/>
+        </p:nvSpPr>
+        <p:spPr>
+          <a:xfrm>
+            <a:off x="4703347" y="1816164"/>
+            <a:ext cx="123987" cy="119190"/>
+          </a:xfrm>
+          <a:prstGeom prst="rect">
+            <a:avLst/>
+          </a:prstGeom>
+          <a:solidFill>
+            <a:schemeClr val="bg1">
+              <a:lumMod val="75000"/>
+            </a:schemeClr>
+          </a:solidFill>
+        </p:spPr>
+        <p:style>
+          <a:lnRef idx="2">
+            <a:schemeClr val="dk1">
+              <a:shade val="15000"/>
+            </a:schemeClr>
+          </a:lnRef>
+          <a:fillRef idx="1">
+            <a:schemeClr val="dk1"/>
+          </a:fillRef>
+          <a:effectRef idx="0">
+            <a:schemeClr val="dk1"/>
+          </a:effectRef>
+          <a:fontRef idx="minor">
+            <a:schemeClr val="lt1"/>
+          </a:fontRef>
+        </p:style>
+        <p:txBody>
+          <a:bodyPr rtlCol="0" anchor="ctr"/>
+          <a:lstStyle/>
+          <a:p>
+            <a:pPr algn="ctr"/>
+            <a:endParaRPr lang="en-SG"/>
+          </a:p>
+        </p:txBody>
+      </p:sp>
+      <p:sp>
+        <p:nvSpPr>
+          <p:cNvPr id="17" name="Rectangle 16">
+            <a:extLst>
+              <a:ext uri="{FF2B5EF4-FFF2-40B4-BE49-F238E27FC236}">
+                <a16:creationId xmlns:a16="http://schemas.microsoft.com/office/drawing/2014/main" id="{E98DED24-B179-B7E8-E3BF-B42E3C2CA16B}"/>
+              </a:ext>
+            </a:extLst>
+          </p:cNvPr>
+          <p:cNvSpPr/>
+          <p:nvPr/>
+        </p:nvSpPr>
+        <p:spPr>
+          <a:xfrm>
+            <a:off x="4700406" y="2711514"/>
+            <a:ext cx="123987" cy="119190"/>
+          </a:xfrm>
+          <a:prstGeom prst="rect">
+            <a:avLst/>
+          </a:prstGeom>
+          <a:solidFill>
+            <a:schemeClr val="bg1">
+              <a:lumMod val="75000"/>
+            </a:schemeClr>
+          </a:solidFill>
+        </p:spPr>
+        <p:style>
+          <a:lnRef idx="2">
+            <a:schemeClr val="dk1">
+              <a:shade val="15000"/>
+            </a:schemeClr>
+          </a:lnRef>
+          <a:fillRef idx="1">
+            <a:schemeClr val="dk1"/>
+          </a:fillRef>
+          <a:effectRef idx="0">
+            <a:schemeClr val="dk1"/>
+          </a:effectRef>
+          <a:fontRef idx="minor">
+            <a:schemeClr val="lt1"/>
+          </a:fontRef>
+        </p:style>
+        <p:txBody>
+          <a:bodyPr rtlCol="0" anchor="ctr"/>
+          <a:lstStyle/>
+          <a:p>
+            <a:pPr algn="ctr"/>
+            <a:endParaRPr lang="en-SG"/>
+          </a:p>
+        </p:txBody>
+      </p:sp>
+      <p:sp>
+        <p:nvSpPr>
+          <p:cNvPr id="18" name="Rectangle 17">
+            <a:extLst>
+              <a:ext uri="{FF2B5EF4-FFF2-40B4-BE49-F238E27FC236}">
+                <a16:creationId xmlns:a16="http://schemas.microsoft.com/office/drawing/2014/main" id="{F952A7DD-CF0F-B16A-78D8-0B44CEA18840}"/>
+              </a:ext>
+            </a:extLst>
+          </p:cNvPr>
+          <p:cNvSpPr/>
+          <p:nvPr/>
+        </p:nvSpPr>
+        <p:spPr>
+          <a:xfrm>
+            <a:off x="3440277" y="1816164"/>
+            <a:ext cx="123987" cy="119190"/>
+          </a:xfrm>
+          <a:prstGeom prst="rect">
+            <a:avLst/>
+          </a:prstGeom>
+          <a:solidFill>
+            <a:schemeClr val="bg1">
+              <a:lumMod val="75000"/>
+            </a:schemeClr>
+          </a:solidFill>
+        </p:spPr>
+        <p:style>
+          <a:lnRef idx="2">
+            <a:schemeClr val="dk1">
+              <a:shade val="15000"/>
+            </a:schemeClr>
+          </a:lnRef>
+          <a:fillRef idx="1">
+            <a:schemeClr val="dk1"/>
+          </a:fillRef>
+          <a:effectRef idx="0">
+            <a:schemeClr val="dk1"/>
+          </a:effectRef>
+          <a:fontRef idx="minor">
+            <a:schemeClr val="lt1"/>
+          </a:fontRef>
+        </p:style>
+        <p:txBody>
+          <a:bodyPr rtlCol="0" anchor="ctr"/>
+          <a:lstStyle/>
+          <a:p>
+            <a:pPr algn="ctr"/>
+            <a:endParaRPr lang="en-SG"/>
+          </a:p>
+        </p:txBody>
+      </p:sp>
+      <p:sp>
+        <p:nvSpPr>
+          <p:cNvPr id="19" name="Rectangle 18">
+            <a:extLst>
+              <a:ext uri="{FF2B5EF4-FFF2-40B4-BE49-F238E27FC236}">
+                <a16:creationId xmlns:a16="http://schemas.microsoft.com/office/drawing/2014/main" id="{0E028699-9681-5E77-51CC-CFE009537F42}"/>
+              </a:ext>
+            </a:extLst>
+          </p:cNvPr>
+          <p:cNvSpPr/>
+          <p:nvPr/>
+        </p:nvSpPr>
+        <p:spPr>
+          <a:xfrm>
+            <a:off x="3421991" y="2700593"/>
+            <a:ext cx="123987" cy="119190"/>
+          </a:xfrm>
+          <a:prstGeom prst="rect">
+            <a:avLst/>
+          </a:prstGeom>
+          <a:solidFill>
+            <a:schemeClr val="bg1">
+              <a:lumMod val="75000"/>
+            </a:schemeClr>
+          </a:solidFill>
+        </p:spPr>
+        <p:style>
+          <a:lnRef idx="2">
+            <a:schemeClr val="dk1">
+              <a:shade val="15000"/>
+            </a:schemeClr>
+          </a:lnRef>
+          <a:fillRef idx="1">
+            <a:schemeClr val="dk1"/>
+          </a:fillRef>
+          <a:effectRef idx="0">
+            <a:schemeClr val="dk1"/>
+          </a:effectRef>
+          <a:fontRef idx="minor">
+            <a:schemeClr val="lt1"/>
+          </a:fontRef>
+        </p:style>
+        <p:txBody>
+          <a:bodyPr rtlCol="0" anchor="ctr"/>
+          <a:lstStyle/>
+          <a:p>
+            <a:pPr algn="ctr"/>
+            <a:endParaRPr lang="en-SG"/>
+          </a:p>
+        </p:txBody>
+      </p:sp>
+      <p:sp>
+        <p:nvSpPr>
+          <p:cNvPr id="20" name="TextBox 19">
+            <a:extLst>
+              <a:ext uri="{FF2B5EF4-FFF2-40B4-BE49-F238E27FC236}">
+                <a16:creationId xmlns:a16="http://schemas.microsoft.com/office/drawing/2014/main" id="{979F144D-7E95-133D-B631-1D692B07E542}"/>
+              </a:ext>
+            </a:extLst>
+          </p:cNvPr>
+          <p:cNvSpPr txBox="1"/>
+          <p:nvPr/>
+        </p:nvSpPr>
+        <p:spPr>
+          <a:xfrm>
+            <a:off x="3502270" y="1394117"/>
+            <a:ext cx="1389197" cy="461665"/>
+          </a:xfrm>
+          <a:prstGeom prst="rect">
+            <a:avLst/>
+          </a:prstGeom>
+          <a:noFill/>
+        </p:spPr>
+        <p:txBody>
+          <a:bodyPr wrap="square" rtlCol="0">
+            <a:spAutoFit/>
+          </a:bodyPr>
+          <a:lstStyle/>
+          <a:p>
+            <a:r>
+              <a:rPr lang="en-US" sz="1200" dirty="0">
+                <a:solidFill>
+                  <a:schemeClr val="tx1">
+                    <a:lumMod val="50000"/>
+                    <a:lumOff val="50000"/>
+                  </a:schemeClr>
+                </a:solidFill>
+              </a:rPr>
+              <a:t>Electrical signal simulation </a:t>
+            </a:r>
+            <a:endParaRPr lang="en-SG" sz="1200" dirty="0">
+              <a:solidFill>
+                <a:schemeClr val="tx1">
+                  <a:lumMod val="50000"/>
+                  <a:lumOff val="50000"/>
+                </a:schemeClr>
+              </a:solidFill>
+            </a:endParaRPr>
+          </a:p>
+        </p:txBody>
+      </p:sp>
+      <p:sp>
+        <p:nvSpPr>
+          <p:cNvPr id="22" name="TextBox 21">
+            <a:extLst>
+              <a:ext uri="{FF2B5EF4-FFF2-40B4-BE49-F238E27FC236}">
+                <a16:creationId xmlns:a16="http://schemas.microsoft.com/office/drawing/2014/main" id="{46F7AE8B-17F1-C723-797C-4588C9B78E1A}"/>
+              </a:ext>
+            </a:extLst>
+          </p:cNvPr>
+          <p:cNvSpPr txBox="1"/>
+          <p:nvPr/>
+        </p:nvSpPr>
+        <p:spPr>
+          <a:xfrm>
+            <a:off x="3536835" y="2237086"/>
+            <a:ext cx="1389197" cy="461665"/>
+          </a:xfrm>
+          <a:prstGeom prst="rect">
+            <a:avLst/>
+          </a:prstGeom>
+          <a:noFill/>
+        </p:spPr>
+        <p:txBody>
+          <a:bodyPr wrap="square" rtlCol="0">
+            <a:spAutoFit/>
+          </a:bodyPr>
+          <a:lstStyle/>
+          <a:p>
+            <a:r>
+              <a:rPr lang="en-US" sz="1200" dirty="0">
+                <a:solidFill>
+                  <a:schemeClr val="tx1">
+                    <a:lumMod val="50000"/>
+                    <a:lumOff val="50000"/>
+                  </a:schemeClr>
+                </a:solidFill>
+              </a:rPr>
+              <a:t>Electrical signal simulation </a:t>
+            </a:r>
+            <a:endParaRPr lang="en-SG" sz="1200" dirty="0">
+              <a:solidFill>
+                <a:schemeClr val="tx1">
+                  <a:lumMod val="50000"/>
+                  <a:lumOff val="50000"/>
+                </a:schemeClr>
+              </a:solidFill>
+            </a:endParaRPr>
+          </a:p>
+        </p:txBody>
+      </p:sp>
+      <p:sp>
+        <p:nvSpPr>
+          <p:cNvPr id="23" name="Rectangle 22">
+            <a:extLst>
+              <a:ext uri="{FF2B5EF4-FFF2-40B4-BE49-F238E27FC236}">
+                <a16:creationId xmlns:a16="http://schemas.microsoft.com/office/drawing/2014/main" id="{454D6D45-1A3C-B29E-4857-5543D506680F}"/>
+              </a:ext>
+            </a:extLst>
+          </p:cNvPr>
+          <p:cNvSpPr/>
+          <p:nvPr/>
+        </p:nvSpPr>
+        <p:spPr>
+          <a:xfrm>
+            <a:off x="4778044" y="3850789"/>
+            <a:ext cx="978956" cy="769069"/>
+          </a:xfrm>
+          <a:prstGeom prst="rect">
+            <a:avLst/>
+          </a:prstGeom>
+          <a:noFill/>
+          <a:ln>
+            <a:solidFill>
+              <a:schemeClr val="tx2">
+                <a:lumMod val="75000"/>
+                <a:lumOff val="25000"/>
+              </a:schemeClr>
+            </a:solidFill>
+            <a:prstDash val="sysDash"/>
+          </a:ln>
+        </p:spPr>
+        <p:style>
+          <a:lnRef idx="2">
+            <a:schemeClr val="accent1">
+              <a:shade val="15000"/>
+            </a:schemeClr>
+          </a:lnRef>
+          <a:fillRef idx="1">
+            <a:schemeClr val="accent1"/>
+          </a:fillRef>
+          <a:effectRef idx="0">
+            <a:schemeClr val="accent1"/>
+          </a:effectRef>
+          <a:fontRef idx="minor">
+            <a:schemeClr val="lt1"/>
+          </a:fontRef>
+        </p:style>
+        <p:txBody>
+          <a:bodyPr rtlCol="0" anchor="ctr"/>
+          <a:lstStyle/>
+          <a:p>
+            <a:pPr algn="ctr"/>
+            <a:endParaRPr lang="en-SG" dirty="0"/>
+          </a:p>
+        </p:txBody>
+      </p:sp>
+      <p:sp>
+        <p:nvSpPr>
+          <p:cNvPr id="24" name="TextBox 23">
+            <a:extLst>
+              <a:ext uri="{FF2B5EF4-FFF2-40B4-BE49-F238E27FC236}">
+                <a16:creationId xmlns:a16="http://schemas.microsoft.com/office/drawing/2014/main" id="{F2E444B3-7B30-3C49-7949-5F6BAF3D0A09}"/>
+              </a:ext>
+            </a:extLst>
+          </p:cNvPr>
+          <p:cNvSpPr txBox="1"/>
+          <p:nvPr/>
+        </p:nvSpPr>
+        <p:spPr>
+          <a:xfrm>
+            <a:off x="4386391" y="3545648"/>
+            <a:ext cx="2021331" cy="276999"/>
+          </a:xfrm>
+          <a:prstGeom prst="rect">
+            <a:avLst/>
+          </a:prstGeom>
+          <a:noFill/>
+        </p:spPr>
+        <p:txBody>
+          <a:bodyPr wrap="square" rtlCol="0">
+            <a:spAutoFit/>
+          </a:bodyPr>
+          <a:lstStyle/>
+          <a:p>
+            <a:r>
+              <a:rPr lang="en-US" sz="1200" b="1" dirty="0"/>
+              <a:t>PLC simulator [S7Comm]</a:t>
+            </a:r>
+            <a:endParaRPr lang="en-SG" sz="1200" b="1" dirty="0"/>
+          </a:p>
+        </p:txBody>
+      </p:sp>
+      <p:cxnSp>
+        <p:nvCxnSpPr>
+          <p:cNvPr id="27" name="Straight Connector 26">
+            <a:extLst>
+              <a:ext uri="{FF2B5EF4-FFF2-40B4-BE49-F238E27FC236}">
+                <a16:creationId xmlns:a16="http://schemas.microsoft.com/office/drawing/2014/main" id="{A5FE26C3-A34E-86E0-5F47-17359AACE305}"/>
+              </a:ext>
+            </a:extLst>
+          </p:cNvPr>
+          <p:cNvCxnSpPr>
+            <a:cxnSpLocks/>
+          </p:cNvCxnSpPr>
+          <p:nvPr/>
+        </p:nvCxnSpPr>
+        <p:spPr>
+          <a:xfrm flipV="1">
+            <a:off x="3518470" y="4038218"/>
+            <a:ext cx="1288479" cy="0"/>
+          </a:xfrm>
+          <a:prstGeom prst="line">
+            <a:avLst/>
+          </a:prstGeom>
+          <a:ln>
+            <a:solidFill>
+              <a:schemeClr val="tx1"/>
+            </a:solidFill>
+          </a:ln>
+        </p:spPr>
+        <p:style>
+          <a:lnRef idx="2">
+            <a:schemeClr val="accent1"/>
+          </a:lnRef>
+          <a:fillRef idx="0">
+            <a:schemeClr val="accent1"/>
+          </a:fillRef>
+          <a:effectRef idx="1">
+            <a:schemeClr val="accent1"/>
+          </a:effectRef>
+          <a:fontRef idx="minor">
+            <a:schemeClr val="tx1"/>
+          </a:fontRef>
+        </p:style>
+      </p:cxnSp>
+      <p:sp>
+        <p:nvSpPr>
+          <p:cNvPr id="28" name="Rectangle 27">
+            <a:extLst>
+              <a:ext uri="{FF2B5EF4-FFF2-40B4-BE49-F238E27FC236}">
+                <a16:creationId xmlns:a16="http://schemas.microsoft.com/office/drawing/2014/main" id="{CC755E0B-AB8E-BF68-4110-5EBDCC1F209E}"/>
+              </a:ext>
+            </a:extLst>
+          </p:cNvPr>
+          <p:cNvSpPr/>
+          <p:nvPr/>
+        </p:nvSpPr>
+        <p:spPr>
+          <a:xfrm>
+            <a:off x="3450896" y="3967702"/>
+            <a:ext cx="123987" cy="119190"/>
+          </a:xfrm>
+          <a:prstGeom prst="rect">
+            <a:avLst/>
+          </a:prstGeom>
+          <a:solidFill>
+            <a:schemeClr val="bg1">
+              <a:lumMod val="75000"/>
+            </a:schemeClr>
+          </a:solidFill>
+        </p:spPr>
+        <p:style>
+          <a:lnRef idx="2">
+            <a:schemeClr val="dk1">
+              <a:shade val="15000"/>
+            </a:schemeClr>
+          </a:lnRef>
+          <a:fillRef idx="1">
+            <a:schemeClr val="dk1"/>
+          </a:fillRef>
+          <a:effectRef idx="0">
+            <a:schemeClr val="dk1"/>
+          </a:effectRef>
+          <a:fontRef idx="minor">
+            <a:schemeClr val="lt1"/>
+          </a:fontRef>
+        </p:style>
+        <p:txBody>
+          <a:bodyPr rtlCol="0" anchor="ctr"/>
+          <a:lstStyle/>
+          <a:p>
+            <a:pPr algn="ctr"/>
+            <a:endParaRPr lang="en-SG"/>
+          </a:p>
+        </p:txBody>
+      </p:sp>
+      <p:sp>
+        <p:nvSpPr>
+          <p:cNvPr id="29" name="Rectangle 28">
+            <a:extLst>
+              <a:ext uri="{FF2B5EF4-FFF2-40B4-BE49-F238E27FC236}">
+                <a16:creationId xmlns:a16="http://schemas.microsoft.com/office/drawing/2014/main" id="{83245DE0-68B4-D92F-14AA-824AF7FEE4EA}"/>
+              </a:ext>
+            </a:extLst>
+          </p:cNvPr>
+          <p:cNvSpPr/>
+          <p:nvPr/>
+        </p:nvSpPr>
+        <p:spPr>
+          <a:xfrm>
+            <a:off x="4688029" y="3967702"/>
+            <a:ext cx="123987" cy="119190"/>
+          </a:xfrm>
+          <a:prstGeom prst="rect">
+            <a:avLst/>
+          </a:prstGeom>
+          <a:solidFill>
+            <a:schemeClr val="bg1">
+              <a:lumMod val="75000"/>
+            </a:schemeClr>
+          </a:solidFill>
+        </p:spPr>
+        <p:style>
+          <a:lnRef idx="2">
+            <a:schemeClr val="dk1">
+              <a:shade val="15000"/>
+            </a:schemeClr>
+          </a:lnRef>
+          <a:fillRef idx="1">
+            <a:schemeClr val="dk1"/>
+          </a:fillRef>
+          <a:effectRef idx="0">
+            <a:schemeClr val="dk1"/>
+          </a:effectRef>
+          <a:fontRef idx="minor">
+            <a:schemeClr val="lt1"/>
+          </a:fontRef>
+        </p:style>
+        <p:txBody>
+          <a:bodyPr rtlCol="0" anchor="ctr"/>
+          <a:lstStyle/>
+          <a:p>
+            <a:pPr algn="ctr"/>
+            <a:endParaRPr lang="en-SG"/>
+          </a:p>
+        </p:txBody>
+      </p:sp>
+      <p:sp>
+        <p:nvSpPr>
+          <p:cNvPr id="30" name="Rectangle 29">
+            <a:extLst>
+              <a:ext uri="{FF2B5EF4-FFF2-40B4-BE49-F238E27FC236}">
+                <a16:creationId xmlns:a16="http://schemas.microsoft.com/office/drawing/2014/main" id="{E9B8B1C9-DD82-D18B-415B-9382F9222C51}"/>
+              </a:ext>
+            </a:extLst>
+          </p:cNvPr>
+          <p:cNvSpPr/>
+          <p:nvPr/>
+        </p:nvSpPr>
+        <p:spPr>
+          <a:xfrm>
+            <a:off x="4766480" y="4933380"/>
+            <a:ext cx="978956" cy="769069"/>
+          </a:xfrm>
+          <a:prstGeom prst="rect">
+            <a:avLst/>
+          </a:prstGeom>
+          <a:noFill/>
+          <a:ln>
+            <a:solidFill>
+              <a:schemeClr val="tx2">
+                <a:lumMod val="75000"/>
+                <a:lumOff val="25000"/>
+              </a:schemeClr>
+            </a:solidFill>
+            <a:prstDash val="sysDash"/>
+          </a:ln>
+        </p:spPr>
+        <p:style>
+          <a:lnRef idx="2">
+            <a:schemeClr val="accent1">
+              <a:shade val="15000"/>
+            </a:schemeClr>
+          </a:lnRef>
+          <a:fillRef idx="1">
+            <a:schemeClr val="accent1"/>
+          </a:fillRef>
+          <a:effectRef idx="0">
+            <a:schemeClr val="accent1"/>
+          </a:effectRef>
+          <a:fontRef idx="minor">
+            <a:schemeClr val="lt1"/>
+          </a:fontRef>
+        </p:style>
+        <p:txBody>
+          <a:bodyPr rtlCol="0" anchor="ctr"/>
+          <a:lstStyle/>
+          <a:p>
+            <a:pPr algn="ctr"/>
+            <a:endParaRPr lang="en-SG" dirty="0"/>
+          </a:p>
+        </p:txBody>
+      </p:sp>
+      <p:pic>
+        <p:nvPicPr>
+          <p:cNvPr id="31" name="Picture 30">
+            <a:extLst>
+              <a:ext uri="{FF2B5EF4-FFF2-40B4-BE49-F238E27FC236}">
+                <a16:creationId xmlns:a16="http://schemas.microsoft.com/office/drawing/2014/main" id="{8D6539A9-D715-9B93-1711-332EAC91DB5F}"/>
+              </a:ext>
+            </a:extLst>
+          </p:cNvPr>
+          <p:cNvPicPr>
+            <a:picLocks noChangeAspect="1"/>
+          </p:cNvPicPr>
+          <p:nvPr/>
+        </p:nvPicPr>
+        <p:blipFill>
+          <a:blip r:embed="rId4"/>
+          <a:stretch>
+            <a:fillRect/>
+          </a:stretch>
+        </p:blipFill>
+        <p:spPr>
+          <a:xfrm>
+            <a:off x="4882302" y="5030227"/>
+            <a:ext cx="770439" cy="547868"/>
+          </a:xfrm>
+          <a:prstGeom prst="rect">
+            <a:avLst/>
+          </a:prstGeom>
+        </p:spPr>
+      </p:pic>
+      <p:sp>
+        <p:nvSpPr>
+          <p:cNvPr id="32" name="TextBox 31">
+            <a:extLst>
+              <a:ext uri="{FF2B5EF4-FFF2-40B4-BE49-F238E27FC236}">
+                <a16:creationId xmlns:a16="http://schemas.microsoft.com/office/drawing/2014/main" id="{1B29F5FD-8404-993C-2840-96925FC9C08A}"/>
+              </a:ext>
+            </a:extLst>
+          </p:cNvPr>
+          <p:cNvSpPr txBox="1"/>
+          <p:nvPr/>
+        </p:nvSpPr>
+        <p:spPr>
+          <a:xfrm>
+            <a:off x="4474366" y="4689910"/>
+            <a:ext cx="2223047" cy="276999"/>
+          </a:xfrm>
+          <a:prstGeom prst="rect">
+            <a:avLst/>
+          </a:prstGeom>
+          <a:noFill/>
+        </p:spPr>
+        <p:txBody>
+          <a:bodyPr wrap="square" rtlCol="0">
+            <a:spAutoFit/>
+          </a:bodyPr>
+          <a:lstStyle/>
+          <a:p>
+            <a:r>
+              <a:rPr lang="en-US" sz="1200" b="1" dirty="0"/>
+              <a:t>RTU simulator [S7Comm]</a:t>
+            </a:r>
+            <a:endParaRPr lang="en-SG" sz="1200" b="1" dirty="0"/>
+          </a:p>
+        </p:txBody>
+      </p:sp>
+      <p:sp>
+        <p:nvSpPr>
+          <p:cNvPr id="33" name="Rectangle 32">
+            <a:extLst>
+              <a:ext uri="{FF2B5EF4-FFF2-40B4-BE49-F238E27FC236}">
+                <a16:creationId xmlns:a16="http://schemas.microsoft.com/office/drawing/2014/main" id="{E92727F0-E907-9307-86B8-069F25A9903C}"/>
+              </a:ext>
+            </a:extLst>
+          </p:cNvPr>
+          <p:cNvSpPr/>
+          <p:nvPr/>
+        </p:nvSpPr>
+        <p:spPr>
+          <a:xfrm>
+            <a:off x="4700404" y="5195424"/>
+            <a:ext cx="123987" cy="119190"/>
+          </a:xfrm>
+          <a:prstGeom prst="rect">
+            <a:avLst/>
+          </a:prstGeom>
+          <a:solidFill>
+            <a:schemeClr val="bg1">
+              <a:lumMod val="75000"/>
+            </a:schemeClr>
+          </a:solidFill>
+        </p:spPr>
+        <p:style>
+          <a:lnRef idx="2">
+            <a:schemeClr val="dk1">
+              <a:shade val="15000"/>
+            </a:schemeClr>
+          </a:lnRef>
+          <a:fillRef idx="1">
+            <a:schemeClr val="dk1"/>
+          </a:fillRef>
+          <a:effectRef idx="0">
+            <a:schemeClr val="dk1"/>
+          </a:effectRef>
+          <a:fontRef idx="minor">
+            <a:schemeClr val="lt1"/>
+          </a:fontRef>
+        </p:style>
+        <p:txBody>
+          <a:bodyPr rtlCol="0" anchor="ctr"/>
+          <a:lstStyle/>
+          <a:p>
+            <a:pPr algn="ctr"/>
+            <a:endParaRPr lang="en-SG"/>
+          </a:p>
+        </p:txBody>
+      </p:sp>
+      <p:cxnSp>
+        <p:nvCxnSpPr>
+          <p:cNvPr id="34" name="Straight Connector 33">
+            <a:extLst>
+              <a:ext uri="{FF2B5EF4-FFF2-40B4-BE49-F238E27FC236}">
+                <a16:creationId xmlns:a16="http://schemas.microsoft.com/office/drawing/2014/main" id="{EAC0656F-B493-B8A2-B732-056803BA2D55}"/>
+              </a:ext>
+            </a:extLst>
+          </p:cNvPr>
+          <p:cNvCxnSpPr>
+            <a:cxnSpLocks/>
+            <a:stCxn id="35" idx="3"/>
+            <a:endCxn id="33" idx="1"/>
+          </p:cNvCxnSpPr>
+          <p:nvPr/>
+        </p:nvCxnSpPr>
+        <p:spPr>
+          <a:xfrm flipV="1">
+            <a:off x="3570211" y="5255019"/>
+            <a:ext cx="1130193" cy="3300"/>
+          </a:xfrm>
+          <a:prstGeom prst="line">
+            <a:avLst/>
+          </a:prstGeom>
+          <a:ln>
+            <a:solidFill>
+              <a:schemeClr val="tx1"/>
+            </a:solidFill>
+          </a:ln>
+        </p:spPr>
+        <p:style>
+          <a:lnRef idx="2">
+            <a:schemeClr val="accent1"/>
+          </a:lnRef>
+          <a:fillRef idx="0">
+            <a:schemeClr val="accent1"/>
+          </a:fillRef>
+          <a:effectRef idx="1">
+            <a:schemeClr val="accent1"/>
+          </a:effectRef>
+          <a:fontRef idx="minor">
+            <a:schemeClr val="tx1"/>
+          </a:fontRef>
+        </p:style>
+      </p:cxnSp>
+      <p:sp>
+        <p:nvSpPr>
+          <p:cNvPr id="35" name="Rectangle 34">
+            <a:extLst>
+              <a:ext uri="{FF2B5EF4-FFF2-40B4-BE49-F238E27FC236}">
+                <a16:creationId xmlns:a16="http://schemas.microsoft.com/office/drawing/2014/main" id="{284EC95E-95DB-6C4E-4846-D41500C4D8C1}"/>
+              </a:ext>
+            </a:extLst>
+          </p:cNvPr>
+          <p:cNvSpPr/>
+          <p:nvPr/>
+        </p:nvSpPr>
+        <p:spPr>
+          <a:xfrm>
+            <a:off x="3446224" y="5198724"/>
+            <a:ext cx="123987" cy="119190"/>
+          </a:xfrm>
+          <a:prstGeom prst="rect">
+            <a:avLst/>
+          </a:prstGeom>
+          <a:solidFill>
+            <a:schemeClr val="bg1">
+              <a:lumMod val="75000"/>
+            </a:schemeClr>
+          </a:solidFill>
+        </p:spPr>
+        <p:style>
+          <a:lnRef idx="2">
+            <a:schemeClr val="dk1">
+              <a:shade val="15000"/>
+            </a:schemeClr>
+          </a:lnRef>
+          <a:fillRef idx="1">
+            <a:schemeClr val="dk1"/>
+          </a:fillRef>
+          <a:effectRef idx="0">
+            <a:schemeClr val="dk1"/>
+          </a:effectRef>
+          <a:fontRef idx="minor">
+            <a:schemeClr val="lt1"/>
+          </a:fontRef>
+        </p:style>
+        <p:txBody>
+          <a:bodyPr rtlCol="0" anchor="ctr"/>
+          <a:lstStyle/>
+          <a:p>
+            <a:pPr algn="ctr"/>
+            <a:endParaRPr lang="en-SG"/>
+          </a:p>
+        </p:txBody>
+      </p:sp>
+      <p:sp>
+        <p:nvSpPr>
+          <p:cNvPr id="42" name="Rectangle 41">
+            <a:extLst>
+              <a:ext uri="{FF2B5EF4-FFF2-40B4-BE49-F238E27FC236}">
+                <a16:creationId xmlns:a16="http://schemas.microsoft.com/office/drawing/2014/main" id="{8D009844-604F-0CC7-F860-71BD758D93A7}"/>
+              </a:ext>
+            </a:extLst>
+          </p:cNvPr>
+          <p:cNvSpPr/>
+          <p:nvPr/>
+        </p:nvSpPr>
+        <p:spPr>
+          <a:xfrm>
+            <a:off x="4682962" y="4342205"/>
+            <a:ext cx="123987" cy="119190"/>
+          </a:xfrm>
+          <a:prstGeom prst="rect">
+            <a:avLst/>
+          </a:prstGeom>
+          <a:solidFill>
+            <a:schemeClr val="bg1">
+              <a:lumMod val="75000"/>
+            </a:schemeClr>
+          </a:solidFill>
+        </p:spPr>
+        <p:style>
+          <a:lnRef idx="2">
+            <a:schemeClr val="dk1">
+              <a:shade val="15000"/>
+            </a:schemeClr>
+          </a:lnRef>
+          <a:fillRef idx="1">
+            <a:schemeClr val="dk1"/>
+          </a:fillRef>
+          <a:effectRef idx="0">
+            <a:schemeClr val="dk1"/>
+          </a:effectRef>
+          <a:fontRef idx="minor">
+            <a:schemeClr val="lt1"/>
+          </a:fontRef>
+        </p:style>
+        <p:txBody>
+          <a:bodyPr rtlCol="0" anchor="ctr"/>
+          <a:lstStyle/>
+          <a:p>
+            <a:pPr algn="ctr"/>
+            <a:endParaRPr lang="en-SG"/>
+          </a:p>
+        </p:txBody>
+      </p:sp>
+      <p:sp>
+        <p:nvSpPr>
+          <p:cNvPr id="43" name="Rectangle 42">
+            <a:extLst>
+              <a:ext uri="{FF2B5EF4-FFF2-40B4-BE49-F238E27FC236}">
+                <a16:creationId xmlns:a16="http://schemas.microsoft.com/office/drawing/2014/main" id="{759BB7C2-81A2-2A8E-148F-1B322BBF168F}"/>
+              </a:ext>
+            </a:extLst>
+          </p:cNvPr>
+          <p:cNvSpPr/>
+          <p:nvPr/>
+        </p:nvSpPr>
+        <p:spPr>
+          <a:xfrm>
+            <a:off x="4700404" y="4960319"/>
+            <a:ext cx="123987" cy="119190"/>
+          </a:xfrm>
+          <a:prstGeom prst="rect">
+            <a:avLst/>
+          </a:prstGeom>
+          <a:solidFill>
+            <a:schemeClr val="bg1">
+              <a:lumMod val="75000"/>
+            </a:schemeClr>
+          </a:solidFill>
+        </p:spPr>
+        <p:style>
+          <a:lnRef idx="2">
+            <a:schemeClr val="dk1">
+              <a:shade val="15000"/>
+            </a:schemeClr>
+          </a:lnRef>
+          <a:fillRef idx="1">
+            <a:schemeClr val="dk1"/>
+          </a:fillRef>
+          <a:effectRef idx="0">
+            <a:schemeClr val="dk1"/>
+          </a:effectRef>
+          <a:fontRef idx="minor">
+            <a:schemeClr val="lt1"/>
+          </a:fontRef>
+        </p:style>
+        <p:txBody>
+          <a:bodyPr rtlCol="0" anchor="ctr"/>
+          <a:lstStyle/>
+          <a:p>
+            <a:pPr algn="ctr"/>
+            <a:endParaRPr lang="en-SG"/>
+          </a:p>
+        </p:txBody>
+      </p:sp>
+      <p:cxnSp>
+        <p:nvCxnSpPr>
+          <p:cNvPr id="47" name="Connector: Elbow 46">
+            <a:extLst>
+              <a:ext uri="{FF2B5EF4-FFF2-40B4-BE49-F238E27FC236}">
+                <a16:creationId xmlns:a16="http://schemas.microsoft.com/office/drawing/2014/main" id="{73B74CC0-7780-2BBD-CBBA-1C500EBC3199}"/>
+              </a:ext>
+            </a:extLst>
+          </p:cNvPr>
+          <p:cNvCxnSpPr>
+            <a:cxnSpLocks/>
+            <a:stCxn id="42" idx="1"/>
+            <a:endCxn id="43" idx="1"/>
+          </p:cNvCxnSpPr>
+          <p:nvPr/>
+        </p:nvCxnSpPr>
+        <p:spPr>
+          <a:xfrm rot="10800000" flipH="1" flipV="1">
+            <a:off x="4682962" y="4401800"/>
+            <a:ext cx="17442" cy="618114"/>
+          </a:xfrm>
+          <a:prstGeom prst="bentConnector3">
+            <a:avLst>
+              <a:gd name="adj1" fmla="val -1310630"/>
+            </a:avLst>
+          </a:prstGeom>
+          <a:ln>
+            <a:solidFill>
+              <a:schemeClr val="tx1"/>
+            </a:solidFill>
+          </a:ln>
+        </p:spPr>
+        <p:style>
+          <a:lnRef idx="2">
+            <a:schemeClr val="accent1"/>
+          </a:lnRef>
+          <a:fillRef idx="0">
+            <a:schemeClr val="accent1"/>
+          </a:fillRef>
+          <a:effectRef idx="1">
+            <a:schemeClr val="accent1"/>
+          </a:effectRef>
+          <a:fontRef idx="minor">
+            <a:schemeClr val="tx1"/>
+          </a:fontRef>
+        </p:style>
+      </p:cxnSp>
+      <p:sp>
+        <p:nvSpPr>
+          <p:cNvPr id="50" name="Rectangle 49">
+            <a:extLst>
+              <a:ext uri="{FF2B5EF4-FFF2-40B4-BE49-F238E27FC236}">
+                <a16:creationId xmlns:a16="http://schemas.microsoft.com/office/drawing/2014/main" id="{B4852F93-4023-D38B-6806-7B893FD39C3A}"/>
+              </a:ext>
+            </a:extLst>
+          </p:cNvPr>
+          <p:cNvSpPr/>
+          <p:nvPr/>
+        </p:nvSpPr>
+        <p:spPr>
+          <a:xfrm>
+            <a:off x="2974888" y="3000754"/>
+            <a:ext cx="123987" cy="119190"/>
+          </a:xfrm>
+          <a:prstGeom prst="rect">
+            <a:avLst/>
+          </a:prstGeom>
+          <a:solidFill>
+            <a:schemeClr val="bg1">
+              <a:lumMod val="75000"/>
+            </a:schemeClr>
+          </a:solidFill>
+        </p:spPr>
+        <p:style>
+          <a:lnRef idx="2">
+            <a:schemeClr val="dk1">
+              <a:shade val="15000"/>
+            </a:schemeClr>
+          </a:lnRef>
+          <a:fillRef idx="1">
+            <a:schemeClr val="dk1"/>
+          </a:fillRef>
+          <a:effectRef idx="0">
+            <a:schemeClr val="dk1"/>
+          </a:effectRef>
+          <a:fontRef idx="minor">
+            <a:schemeClr val="lt1"/>
+          </a:fontRef>
+        </p:style>
+        <p:txBody>
+          <a:bodyPr rtlCol="0" anchor="ctr"/>
+          <a:lstStyle/>
+          <a:p>
+            <a:pPr algn="ctr"/>
+            <a:endParaRPr lang="en-SG"/>
+          </a:p>
+        </p:txBody>
+      </p:sp>
+      <p:sp>
+        <p:nvSpPr>
+          <p:cNvPr id="51" name="Rectangle 50">
+            <a:extLst>
+              <a:ext uri="{FF2B5EF4-FFF2-40B4-BE49-F238E27FC236}">
+                <a16:creationId xmlns:a16="http://schemas.microsoft.com/office/drawing/2014/main" id="{CF2B858D-28ED-33B0-A1BE-DA19733002B0}"/>
+              </a:ext>
+            </a:extLst>
+          </p:cNvPr>
+          <p:cNvSpPr/>
+          <p:nvPr/>
+        </p:nvSpPr>
+        <p:spPr>
+          <a:xfrm>
+            <a:off x="2984168" y="3743340"/>
+            <a:ext cx="123987" cy="119190"/>
+          </a:xfrm>
+          <a:prstGeom prst="rect">
+            <a:avLst/>
+          </a:prstGeom>
+          <a:solidFill>
+            <a:schemeClr val="bg1">
+              <a:lumMod val="75000"/>
+            </a:schemeClr>
+          </a:solidFill>
+        </p:spPr>
+        <p:style>
+          <a:lnRef idx="2">
+            <a:schemeClr val="dk1">
+              <a:shade val="15000"/>
+            </a:schemeClr>
+          </a:lnRef>
+          <a:fillRef idx="1">
+            <a:schemeClr val="dk1"/>
+          </a:fillRef>
+          <a:effectRef idx="0">
+            <a:schemeClr val="dk1"/>
+          </a:effectRef>
+          <a:fontRef idx="minor">
+            <a:schemeClr val="lt1"/>
+          </a:fontRef>
+        </p:style>
+        <p:txBody>
+          <a:bodyPr rtlCol="0" anchor="ctr"/>
+          <a:lstStyle/>
+          <a:p>
+            <a:pPr algn="ctr"/>
+            <a:endParaRPr lang="en-SG"/>
+          </a:p>
+        </p:txBody>
+      </p:sp>
+      <p:cxnSp>
+        <p:nvCxnSpPr>
+          <p:cNvPr id="52" name="Straight Connector 51">
+            <a:extLst>
+              <a:ext uri="{FF2B5EF4-FFF2-40B4-BE49-F238E27FC236}">
+                <a16:creationId xmlns:a16="http://schemas.microsoft.com/office/drawing/2014/main" id="{681031AD-2D61-FB4F-54FE-BA9C4E3DFDF7}"/>
+              </a:ext>
+            </a:extLst>
+          </p:cNvPr>
+          <p:cNvCxnSpPr>
+            <a:cxnSpLocks/>
+            <a:stCxn id="50" idx="2"/>
+            <a:endCxn id="51" idx="0"/>
+          </p:cNvCxnSpPr>
+          <p:nvPr/>
+        </p:nvCxnSpPr>
+        <p:spPr>
+          <a:xfrm>
+            <a:off x="3036882" y="3119944"/>
+            <a:ext cx="0" cy="623396"/>
+          </a:xfrm>
+          <a:prstGeom prst="line">
+            <a:avLst/>
+          </a:prstGeom>
+          <a:ln>
+            <a:solidFill>
+              <a:schemeClr val="tx1"/>
+            </a:solidFill>
+          </a:ln>
+        </p:spPr>
+        <p:style>
+          <a:lnRef idx="2">
+            <a:schemeClr val="accent1"/>
+          </a:lnRef>
+          <a:fillRef idx="0">
+            <a:schemeClr val="accent1"/>
+          </a:fillRef>
+          <a:effectRef idx="1">
+            <a:schemeClr val="accent1"/>
+          </a:effectRef>
+          <a:fontRef idx="minor">
+            <a:schemeClr val="tx1"/>
+          </a:fontRef>
+        </p:style>
+      </p:cxnSp>
+      <p:sp>
+        <p:nvSpPr>
+          <p:cNvPr id="55" name="TextBox 54">
+            <a:extLst>
+              <a:ext uri="{FF2B5EF4-FFF2-40B4-BE49-F238E27FC236}">
+                <a16:creationId xmlns:a16="http://schemas.microsoft.com/office/drawing/2014/main" id="{AE38319A-45BF-B4D0-FACE-5165C9FC830F}"/>
+              </a:ext>
+            </a:extLst>
+          </p:cNvPr>
+          <p:cNvSpPr txBox="1"/>
+          <p:nvPr/>
+        </p:nvSpPr>
+        <p:spPr>
+          <a:xfrm>
+            <a:off x="3506295" y="4101246"/>
+            <a:ext cx="1389197" cy="461665"/>
+          </a:xfrm>
+          <a:prstGeom prst="rect">
+            <a:avLst/>
+          </a:prstGeom>
+          <a:noFill/>
+        </p:spPr>
+        <p:txBody>
+          <a:bodyPr wrap="square" rtlCol="0">
+            <a:spAutoFit/>
+          </a:bodyPr>
+          <a:lstStyle/>
+          <a:p>
+            <a:r>
+              <a:rPr lang="en-US" sz="1200" dirty="0">
+                <a:solidFill>
+                  <a:schemeClr val="tx1">
+                    <a:lumMod val="50000"/>
+                    <a:lumOff val="50000"/>
+                  </a:schemeClr>
+                </a:solidFill>
+              </a:rPr>
+              <a:t>Electrical signal simulation </a:t>
+            </a:r>
+            <a:endParaRPr lang="en-SG" sz="1200" dirty="0">
+              <a:solidFill>
+                <a:schemeClr val="tx1">
+                  <a:lumMod val="50000"/>
+                  <a:lumOff val="50000"/>
+                </a:schemeClr>
+              </a:solidFill>
+            </a:endParaRPr>
+          </a:p>
+        </p:txBody>
+      </p:sp>
+      <p:sp>
+        <p:nvSpPr>
+          <p:cNvPr id="56" name="TextBox 55">
+            <a:extLst>
+              <a:ext uri="{FF2B5EF4-FFF2-40B4-BE49-F238E27FC236}">
+                <a16:creationId xmlns:a16="http://schemas.microsoft.com/office/drawing/2014/main" id="{6169127C-B340-8097-8C55-0D98B1A5A443}"/>
+              </a:ext>
+            </a:extLst>
+          </p:cNvPr>
+          <p:cNvSpPr txBox="1"/>
+          <p:nvPr/>
+        </p:nvSpPr>
+        <p:spPr>
+          <a:xfrm>
+            <a:off x="3046161" y="3206731"/>
+            <a:ext cx="1389197" cy="461665"/>
+          </a:xfrm>
+          <a:prstGeom prst="rect">
+            <a:avLst/>
+          </a:prstGeom>
+          <a:noFill/>
+        </p:spPr>
+        <p:txBody>
+          <a:bodyPr wrap="square" rtlCol="0">
+            <a:spAutoFit/>
+          </a:bodyPr>
+          <a:lstStyle/>
+          <a:p>
+            <a:r>
+              <a:rPr lang="en-US" sz="1200" dirty="0">
+                <a:solidFill>
+                  <a:schemeClr val="tx1">
+                    <a:lumMod val="50000"/>
+                    <a:lumOff val="50000"/>
+                  </a:schemeClr>
+                </a:solidFill>
+              </a:rPr>
+              <a:t>Power supply simulation </a:t>
+            </a:r>
+            <a:endParaRPr lang="en-SG" sz="1200" dirty="0">
+              <a:solidFill>
+                <a:schemeClr val="tx1">
+                  <a:lumMod val="50000"/>
+                  <a:lumOff val="50000"/>
+                </a:schemeClr>
+              </a:solidFill>
+            </a:endParaRPr>
+          </a:p>
+        </p:txBody>
+      </p:sp>
+      <p:pic>
+        <p:nvPicPr>
+          <p:cNvPr id="57" name="Picture 56" descr="A screenshot of a computer&#10;&#10;Description automatically generated">
+            <a:extLst>
+              <a:ext uri="{FF2B5EF4-FFF2-40B4-BE49-F238E27FC236}">
+                <a16:creationId xmlns:a16="http://schemas.microsoft.com/office/drawing/2014/main" id="{553E21F1-F2C3-E2D8-5144-878CBBAD8BBA}"/>
+              </a:ext>
+            </a:extLst>
+          </p:cNvPr>
+          <p:cNvPicPr>
+            <a:picLocks noChangeAspect="1"/>
+          </p:cNvPicPr>
+          <p:nvPr/>
+        </p:nvPicPr>
+        <p:blipFill>
+          <a:blip r:embed="rId7">
+            <a:extLst>
+              <a:ext uri="{28A0092B-C50C-407E-A947-70E740481C1C}">
+                <a14:useLocalDpi xmlns:a14="http://schemas.microsoft.com/office/drawing/2010/main" val="0"/>
+              </a:ext>
+            </a:extLst>
+          </a:blip>
+          <a:stretch>
+            <a:fillRect/>
+          </a:stretch>
+        </p:blipFill>
+        <p:spPr>
+          <a:xfrm>
+            <a:off x="7500272" y="1139794"/>
+            <a:ext cx="1900047" cy="1088325"/>
+          </a:xfrm>
+          <a:prstGeom prst="rect">
+            <a:avLst/>
+          </a:prstGeom>
+          <a:ln w="9525">
+            <a:solidFill>
+              <a:schemeClr val="tx1"/>
+            </a:solidFill>
+          </a:ln>
+        </p:spPr>
+      </p:pic>
+      <p:pic>
+        <p:nvPicPr>
+          <p:cNvPr id="58" name="Picture 57" descr="A screenshot of a computer&#10;&#10;Description automatically generated">
+            <a:extLst>
+              <a:ext uri="{FF2B5EF4-FFF2-40B4-BE49-F238E27FC236}">
+                <a16:creationId xmlns:a16="http://schemas.microsoft.com/office/drawing/2014/main" id="{890A21EA-803E-CC5A-AD90-CC8557235644}"/>
+              </a:ext>
+            </a:extLst>
+          </p:cNvPr>
+          <p:cNvPicPr>
+            <a:picLocks noChangeAspect="1"/>
+          </p:cNvPicPr>
+          <p:nvPr/>
+        </p:nvPicPr>
+        <p:blipFill>
+          <a:blip r:embed="rId8">
+            <a:extLst>
+              <a:ext uri="{28A0092B-C50C-407E-A947-70E740481C1C}">
+                <a14:useLocalDpi xmlns:a14="http://schemas.microsoft.com/office/drawing/2010/main" val="0"/>
+              </a:ext>
+            </a:extLst>
+          </a:blip>
+          <a:stretch>
+            <a:fillRect/>
+          </a:stretch>
+        </p:blipFill>
+        <p:spPr>
+          <a:xfrm>
+            <a:off x="7529581" y="2654527"/>
+            <a:ext cx="1900047" cy="1011117"/>
+          </a:xfrm>
+          <a:prstGeom prst="rect">
+            <a:avLst/>
+          </a:prstGeom>
+          <a:ln w="12700">
+            <a:solidFill>
+              <a:schemeClr val="tx1"/>
+            </a:solidFill>
+          </a:ln>
+        </p:spPr>
+      </p:pic>
+      <p:pic>
+        <p:nvPicPr>
+          <p:cNvPr id="59" name="Picture 58" descr="Graphical user interface, application&#10;&#10;Description automatically generated">
+            <a:extLst>
+              <a:ext uri="{FF2B5EF4-FFF2-40B4-BE49-F238E27FC236}">
+                <a16:creationId xmlns:a16="http://schemas.microsoft.com/office/drawing/2014/main" id="{2326BE70-F5D2-21C7-DCFE-7FF9A5605BDE}"/>
+              </a:ext>
+            </a:extLst>
+          </p:cNvPr>
+          <p:cNvPicPr>
+            <a:picLocks noChangeAspect="1"/>
+          </p:cNvPicPr>
+          <p:nvPr/>
+        </p:nvPicPr>
+        <p:blipFill>
+          <a:blip r:embed="rId9">
+            <a:extLst>
+              <a:ext uri="{28A0092B-C50C-407E-A947-70E740481C1C}">
+                <a14:useLocalDpi xmlns:a14="http://schemas.microsoft.com/office/drawing/2010/main" val="0"/>
+              </a:ext>
+            </a:extLst>
+          </a:blip>
+          <a:stretch>
+            <a:fillRect/>
+          </a:stretch>
+        </p:blipFill>
+        <p:spPr>
+          <a:xfrm>
+            <a:off x="7436392" y="4235040"/>
+            <a:ext cx="2650427" cy="1111141"/>
+          </a:xfrm>
+          <a:prstGeom prst="rect">
+            <a:avLst/>
+          </a:prstGeom>
+        </p:spPr>
+      </p:pic>
+      <p:cxnSp>
+        <p:nvCxnSpPr>
+          <p:cNvPr id="61" name="Straight Connector 60">
+            <a:extLst>
+              <a:ext uri="{FF2B5EF4-FFF2-40B4-BE49-F238E27FC236}">
+                <a16:creationId xmlns:a16="http://schemas.microsoft.com/office/drawing/2014/main" id="{7AA372C2-7590-B0F3-5BD1-C99004ED1CA9}"/>
+              </a:ext>
+            </a:extLst>
+          </p:cNvPr>
+          <p:cNvCxnSpPr>
+            <a:cxnSpLocks/>
+          </p:cNvCxnSpPr>
+          <p:nvPr/>
+        </p:nvCxnSpPr>
+        <p:spPr>
+          <a:xfrm>
+            <a:off x="6580455" y="1068567"/>
+            <a:ext cx="0" cy="4362775"/>
+          </a:xfrm>
+          <a:prstGeom prst="line">
+            <a:avLst/>
+          </a:prstGeom>
+          <a:ln>
+            <a:solidFill>
+              <a:schemeClr val="accent6">
+                <a:lumMod val="75000"/>
+              </a:schemeClr>
+            </a:solidFill>
+          </a:ln>
+        </p:spPr>
+        <p:style>
+          <a:lnRef idx="2">
+            <a:schemeClr val="accent1"/>
+          </a:lnRef>
+          <a:fillRef idx="0">
+            <a:schemeClr val="accent1"/>
+          </a:fillRef>
+          <a:effectRef idx="1">
+            <a:schemeClr val="accent1"/>
+          </a:effectRef>
+          <a:fontRef idx="minor">
+            <a:schemeClr val="tx1"/>
+          </a:fontRef>
+        </p:style>
+      </p:cxnSp>
+      <p:sp>
+        <p:nvSpPr>
+          <p:cNvPr id="63" name="TextBox 62">
+            <a:extLst>
+              <a:ext uri="{FF2B5EF4-FFF2-40B4-BE49-F238E27FC236}">
+                <a16:creationId xmlns:a16="http://schemas.microsoft.com/office/drawing/2014/main" id="{D176CAB0-40F4-2763-D1D3-F68A3BD3615E}"/>
+              </a:ext>
+            </a:extLst>
+          </p:cNvPr>
+          <p:cNvSpPr txBox="1"/>
+          <p:nvPr/>
+        </p:nvSpPr>
+        <p:spPr>
+          <a:xfrm>
+            <a:off x="6140384" y="809789"/>
+            <a:ext cx="833305" cy="276999"/>
+          </a:xfrm>
+          <a:prstGeom prst="rect">
+            <a:avLst/>
+          </a:prstGeom>
+          <a:noFill/>
+        </p:spPr>
+        <p:txBody>
+          <a:bodyPr wrap="square" rtlCol="0">
+            <a:spAutoFit/>
+          </a:bodyPr>
+          <a:lstStyle/>
+          <a:p>
+            <a:r>
+              <a:rPr lang="en-US" sz="1200" b="1" dirty="0">
+                <a:solidFill>
+                  <a:schemeClr val="accent3">
+                    <a:lumMod val="75000"/>
+                  </a:schemeClr>
+                </a:solidFill>
+              </a:rPr>
+              <a:t>Modbus</a:t>
+            </a:r>
+            <a:r>
+              <a:rPr lang="en-US" sz="1200" b="1" dirty="0"/>
+              <a:t> </a:t>
+            </a:r>
+            <a:endParaRPr lang="en-SG" sz="1200" b="1" dirty="0"/>
+          </a:p>
+        </p:txBody>
+      </p:sp>
+      <p:cxnSp>
+        <p:nvCxnSpPr>
+          <p:cNvPr id="64" name="Straight Connector 63">
+            <a:extLst>
+              <a:ext uri="{FF2B5EF4-FFF2-40B4-BE49-F238E27FC236}">
+                <a16:creationId xmlns:a16="http://schemas.microsoft.com/office/drawing/2014/main" id="{88977953-C680-B275-03E2-2B3B04BB8163}"/>
+              </a:ext>
+            </a:extLst>
+          </p:cNvPr>
+          <p:cNvCxnSpPr>
+            <a:cxnSpLocks/>
+          </p:cNvCxnSpPr>
+          <p:nvPr/>
+        </p:nvCxnSpPr>
+        <p:spPr>
+          <a:xfrm flipV="1">
+            <a:off x="5757000" y="1651243"/>
+            <a:ext cx="833304" cy="0"/>
+          </a:xfrm>
+          <a:prstGeom prst="line">
+            <a:avLst/>
+          </a:prstGeom>
+          <a:ln>
+            <a:solidFill>
+              <a:schemeClr val="accent6">
+                <a:lumMod val="75000"/>
+              </a:schemeClr>
+            </a:solidFill>
+          </a:ln>
+        </p:spPr>
+        <p:style>
+          <a:lnRef idx="2">
+            <a:schemeClr val="accent1"/>
+          </a:lnRef>
+          <a:fillRef idx="0">
+            <a:schemeClr val="accent1"/>
+          </a:fillRef>
+          <a:effectRef idx="1">
+            <a:schemeClr val="accent1"/>
+          </a:effectRef>
+          <a:fontRef idx="minor">
+            <a:schemeClr val="tx1"/>
+          </a:fontRef>
+        </p:style>
+      </p:cxnSp>
+      <p:cxnSp>
+        <p:nvCxnSpPr>
+          <p:cNvPr id="67" name="Straight Connector 66">
+            <a:extLst>
+              <a:ext uri="{FF2B5EF4-FFF2-40B4-BE49-F238E27FC236}">
+                <a16:creationId xmlns:a16="http://schemas.microsoft.com/office/drawing/2014/main" id="{9AAE9E0A-A19E-42C5-FAB7-6B79C634C3EA}"/>
+              </a:ext>
+            </a:extLst>
+          </p:cNvPr>
+          <p:cNvCxnSpPr>
+            <a:cxnSpLocks/>
+          </p:cNvCxnSpPr>
+          <p:nvPr/>
+        </p:nvCxnSpPr>
+        <p:spPr>
+          <a:xfrm>
+            <a:off x="6590304" y="1816164"/>
+            <a:ext cx="909968" cy="0"/>
+          </a:xfrm>
+          <a:prstGeom prst="line">
+            <a:avLst/>
+          </a:prstGeom>
+          <a:ln>
+            <a:solidFill>
+              <a:schemeClr val="accent6">
+                <a:lumMod val="75000"/>
+              </a:schemeClr>
+            </a:solidFill>
+          </a:ln>
+        </p:spPr>
+        <p:style>
+          <a:lnRef idx="2">
+            <a:schemeClr val="accent1"/>
+          </a:lnRef>
+          <a:fillRef idx="0">
+            <a:schemeClr val="accent1"/>
+          </a:fillRef>
+          <a:effectRef idx="1">
+            <a:schemeClr val="accent1"/>
+          </a:effectRef>
+          <a:fontRef idx="minor">
+            <a:schemeClr val="tx1"/>
+          </a:fontRef>
+        </p:style>
+      </p:cxnSp>
+      <p:cxnSp>
+        <p:nvCxnSpPr>
+          <p:cNvPr id="70" name="Straight Connector 69">
+            <a:extLst>
+              <a:ext uri="{FF2B5EF4-FFF2-40B4-BE49-F238E27FC236}">
+                <a16:creationId xmlns:a16="http://schemas.microsoft.com/office/drawing/2014/main" id="{50A82333-3F68-4009-2C0B-4A925B7ADC89}"/>
+              </a:ext>
+            </a:extLst>
+          </p:cNvPr>
+          <p:cNvCxnSpPr>
+            <a:cxnSpLocks/>
+          </p:cNvCxnSpPr>
+          <p:nvPr/>
+        </p:nvCxnSpPr>
+        <p:spPr>
+          <a:xfrm>
+            <a:off x="6580455" y="3206466"/>
+            <a:ext cx="919817" cy="0"/>
+          </a:xfrm>
+          <a:prstGeom prst="line">
+            <a:avLst/>
+          </a:prstGeom>
+          <a:ln>
+            <a:solidFill>
+              <a:schemeClr val="accent6">
+                <a:lumMod val="75000"/>
+              </a:schemeClr>
+            </a:solidFill>
+          </a:ln>
+        </p:spPr>
+        <p:style>
+          <a:lnRef idx="2">
+            <a:schemeClr val="accent1"/>
+          </a:lnRef>
+          <a:fillRef idx="0">
+            <a:schemeClr val="accent1"/>
+          </a:fillRef>
+          <a:effectRef idx="1">
+            <a:schemeClr val="accent1"/>
+          </a:effectRef>
+          <a:fontRef idx="minor">
+            <a:schemeClr val="tx1"/>
+          </a:fontRef>
+        </p:style>
+      </p:cxnSp>
+      <p:cxnSp>
+        <p:nvCxnSpPr>
+          <p:cNvPr id="72" name="Straight Connector 71">
+            <a:extLst>
+              <a:ext uri="{FF2B5EF4-FFF2-40B4-BE49-F238E27FC236}">
+                <a16:creationId xmlns:a16="http://schemas.microsoft.com/office/drawing/2014/main" id="{B099A1AB-B36F-CBFD-F7BF-7464C8B3B562}"/>
+              </a:ext>
+            </a:extLst>
+          </p:cNvPr>
+          <p:cNvCxnSpPr>
+            <a:cxnSpLocks/>
+          </p:cNvCxnSpPr>
+          <p:nvPr/>
+        </p:nvCxnSpPr>
+        <p:spPr>
+          <a:xfrm>
+            <a:off x="7001888" y="1191909"/>
+            <a:ext cx="0" cy="4386186"/>
+          </a:xfrm>
+          <a:prstGeom prst="line">
+            <a:avLst/>
+          </a:prstGeom>
+          <a:ln>
+            <a:solidFill>
+              <a:schemeClr val="tx2">
+                <a:lumMod val="75000"/>
+                <a:lumOff val="25000"/>
+              </a:schemeClr>
+            </a:solidFill>
+            <a:prstDash val="sysDash"/>
+          </a:ln>
+        </p:spPr>
+        <p:style>
+          <a:lnRef idx="2">
+            <a:schemeClr val="accent1"/>
+          </a:lnRef>
+          <a:fillRef idx="0">
+            <a:schemeClr val="accent1"/>
+          </a:fillRef>
+          <a:effectRef idx="1">
+            <a:schemeClr val="accent1"/>
+          </a:effectRef>
+          <a:fontRef idx="minor">
+            <a:schemeClr val="tx1"/>
+          </a:fontRef>
+        </p:style>
+      </p:cxnSp>
+      <p:sp>
+        <p:nvSpPr>
+          <p:cNvPr id="75" name="TextBox 74">
+            <a:extLst>
+              <a:ext uri="{FF2B5EF4-FFF2-40B4-BE49-F238E27FC236}">
+                <a16:creationId xmlns:a16="http://schemas.microsoft.com/office/drawing/2014/main" id="{B7C8BD0A-27D2-C696-DF5F-177EF5A43436}"/>
+              </a:ext>
+            </a:extLst>
+          </p:cNvPr>
+          <p:cNvSpPr txBox="1"/>
+          <p:nvPr/>
+        </p:nvSpPr>
+        <p:spPr>
+          <a:xfrm>
+            <a:off x="6557036" y="5604515"/>
+            <a:ext cx="1534799" cy="276999"/>
+          </a:xfrm>
+          <a:prstGeom prst="rect">
+            <a:avLst/>
+          </a:prstGeom>
+          <a:noFill/>
+        </p:spPr>
+        <p:txBody>
+          <a:bodyPr wrap="square" rtlCol="0">
+            <a:spAutoFit/>
+          </a:bodyPr>
+          <a:lstStyle/>
+          <a:p>
+            <a:r>
+              <a:rPr lang="en-US" sz="1200" b="1" dirty="0">
+                <a:solidFill>
+                  <a:schemeClr val="tx2">
+                    <a:lumMod val="75000"/>
+                    <a:lumOff val="25000"/>
+                  </a:schemeClr>
+                </a:solidFill>
+              </a:rPr>
+              <a:t>S7Comm bus </a:t>
+            </a:r>
+            <a:endParaRPr lang="en-SG" sz="1200" b="1" dirty="0">
+              <a:solidFill>
+                <a:schemeClr val="tx2">
+                  <a:lumMod val="75000"/>
+                  <a:lumOff val="25000"/>
+                </a:schemeClr>
+              </a:solidFill>
+            </a:endParaRPr>
+          </a:p>
+        </p:txBody>
+      </p:sp>
+      <p:cxnSp>
+        <p:nvCxnSpPr>
+          <p:cNvPr id="76" name="Straight Connector 75">
+            <a:extLst>
+              <a:ext uri="{FF2B5EF4-FFF2-40B4-BE49-F238E27FC236}">
+                <a16:creationId xmlns:a16="http://schemas.microsoft.com/office/drawing/2014/main" id="{1BB4164E-5A8B-7C34-633D-8D53E27F92BA}"/>
+              </a:ext>
+            </a:extLst>
+          </p:cNvPr>
+          <p:cNvCxnSpPr>
+            <a:cxnSpLocks/>
+            <a:stCxn id="8" idx="3"/>
+          </p:cNvCxnSpPr>
+          <p:nvPr/>
+        </p:nvCxnSpPr>
+        <p:spPr>
+          <a:xfrm>
+            <a:off x="5757002" y="2955587"/>
+            <a:ext cx="1241211" cy="0"/>
+          </a:xfrm>
+          <a:prstGeom prst="line">
+            <a:avLst/>
+          </a:prstGeom>
+          <a:ln>
+            <a:solidFill>
+              <a:schemeClr val="tx2">
+                <a:lumMod val="75000"/>
+                <a:lumOff val="25000"/>
+              </a:schemeClr>
+            </a:solidFill>
+            <a:prstDash val="sysDash"/>
+          </a:ln>
+        </p:spPr>
+        <p:style>
+          <a:lnRef idx="2">
+            <a:schemeClr val="accent1"/>
+          </a:lnRef>
+          <a:fillRef idx="0">
+            <a:schemeClr val="accent1"/>
+          </a:fillRef>
+          <a:effectRef idx="1">
+            <a:schemeClr val="accent1"/>
+          </a:effectRef>
+          <a:fontRef idx="minor">
+            <a:schemeClr val="tx1"/>
+          </a:fontRef>
+        </p:style>
+      </p:cxnSp>
+      <p:cxnSp>
+        <p:nvCxnSpPr>
+          <p:cNvPr id="82" name="Straight Connector 81">
+            <a:extLst>
+              <a:ext uri="{FF2B5EF4-FFF2-40B4-BE49-F238E27FC236}">
+                <a16:creationId xmlns:a16="http://schemas.microsoft.com/office/drawing/2014/main" id="{F56BB083-FBCE-26F7-B99D-2517CA459620}"/>
+              </a:ext>
+            </a:extLst>
+          </p:cNvPr>
+          <p:cNvCxnSpPr>
+            <a:cxnSpLocks/>
+          </p:cNvCxnSpPr>
+          <p:nvPr/>
+        </p:nvCxnSpPr>
+        <p:spPr>
+          <a:xfrm>
+            <a:off x="5757002" y="4217055"/>
+            <a:ext cx="1241211" cy="0"/>
+          </a:xfrm>
+          <a:prstGeom prst="line">
+            <a:avLst/>
+          </a:prstGeom>
+          <a:ln>
+            <a:solidFill>
+              <a:schemeClr val="tx2">
+                <a:lumMod val="75000"/>
+                <a:lumOff val="25000"/>
+              </a:schemeClr>
+            </a:solidFill>
+            <a:prstDash val="sysDash"/>
+          </a:ln>
+        </p:spPr>
+        <p:style>
+          <a:lnRef idx="2">
+            <a:schemeClr val="accent1"/>
+          </a:lnRef>
+          <a:fillRef idx="0">
+            <a:schemeClr val="accent1"/>
+          </a:fillRef>
+          <a:effectRef idx="1">
+            <a:schemeClr val="accent1"/>
+          </a:effectRef>
+          <a:fontRef idx="minor">
+            <a:schemeClr val="tx1"/>
+          </a:fontRef>
+        </p:style>
+      </p:cxnSp>
+      <p:cxnSp>
+        <p:nvCxnSpPr>
+          <p:cNvPr id="83" name="Straight Connector 82">
+            <a:extLst>
+              <a:ext uri="{FF2B5EF4-FFF2-40B4-BE49-F238E27FC236}">
+                <a16:creationId xmlns:a16="http://schemas.microsoft.com/office/drawing/2014/main" id="{038708EB-36F2-DA08-05C5-0196AEEE385A}"/>
+              </a:ext>
+            </a:extLst>
+          </p:cNvPr>
+          <p:cNvCxnSpPr>
+            <a:cxnSpLocks/>
+            <a:stCxn id="30" idx="3"/>
+          </p:cNvCxnSpPr>
+          <p:nvPr/>
+        </p:nvCxnSpPr>
+        <p:spPr>
+          <a:xfrm>
+            <a:off x="5745436" y="5317915"/>
+            <a:ext cx="1252777" cy="0"/>
+          </a:xfrm>
+          <a:prstGeom prst="line">
+            <a:avLst/>
+          </a:prstGeom>
+          <a:ln>
+            <a:solidFill>
+              <a:schemeClr val="tx2">
+                <a:lumMod val="75000"/>
+                <a:lumOff val="25000"/>
+              </a:schemeClr>
+            </a:solidFill>
+            <a:prstDash val="sysDash"/>
+          </a:ln>
+        </p:spPr>
+        <p:style>
+          <a:lnRef idx="2">
+            <a:schemeClr val="accent1"/>
+          </a:lnRef>
+          <a:fillRef idx="0">
+            <a:schemeClr val="accent1"/>
+          </a:fillRef>
+          <a:effectRef idx="1">
+            <a:schemeClr val="accent1"/>
+          </a:effectRef>
+          <a:fontRef idx="minor">
+            <a:schemeClr val="tx1"/>
+          </a:fontRef>
+        </p:style>
+      </p:cxnSp>
+      <p:cxnSp>
+        <p:nvCxnSpPr>
+          <p:cNvPr id="86" name="Straight Connector 85">
+            <a:extLst>
+              <a:ext uri="{FF2B5EF4-FFF2-40B4-BE49-F238E27FC236}">
+                <a16:creationId xmlns:a16="http://schemas.microsoft.com/office/drawing/2014/main" id="{C20D8B27-C70F-65F2-91B4-64B8CA1E3FAA}"/>
+              </a:ext>
+            </a:extLst>
+          </p:cNvPr>
+          <p:cNvCxnSpPr>
+            <a:cxnSpLocks/>
+          </p:cNvCxnSpPr>
+          <p:nvPr/>
+        </p:nvCxnSpPr>
+        <p:spPr>
+          <a:xfrm>
+            <a:off x="6998213" y="3534619"/>
+            <a:ext cx="531368" cy="0"/>
+          </a:xfrm>
+          <a:prstGeom prst="line">
+            <a:avLst/>
+          </a:prstGeom>
+          <a:ln>
+            <a:solidFill>
+              <a:schemeClr val="tx2">
+                <a:lumMod val="75000"/>
+                <a:lumOff val="25000"/>
+              </a:schemeClr>
+            </a:solidFill>
+            <a:prstDash val="sysDash"/>
+          </a:ln>
+        </p:spPr>
+        <p:style>
+          <a:lnRef idx="2">
+            <a:schemeClr val="accent1"/>
+          </a:lnRef>
+          <a:fillRef idx="0">
+            <a:schemeClr val="accent1"/>
+          </a:fillRef>
+          <a:effectRef idx="1">
+            <a:schemeClr val="accent1"/>
+          </a:effectRef>
+          <a:fontRef idx="minor">
+            <a:schemeClr val="tx1"/>
+          </a:fontRef>
+        </p:style>
+      </p:cxnSp>
+      <p:cxnSp>
+        <p:nvCxnSpPr>
+          <p:cNvPr id="88" name="Straight Connector 87">
+            <a:extLst>
+              <a:ext uri="{FF2B5EF4-FFF2-40B4-BE49-F238E27FC236}">
+                <a16:creationId xmlns:a16="http://schemas.microsoft.com/office/drawing/2014/main" id="{B46453A1-A246-470F-FD4B-505634F7E55F}"/>
+              </a:ext>
+            </a:extLst>
+          </p:cNvPr>
+          <p:cNvCxnSpPr>
+            <a:cxnSpLocks/>
+            <a:endCxn id="59" idx="1"/>
+          </p:cNvCxnSpPr>
+          <p:nvPr/>
+        </p:nvCxnSpPr>
+        <p:spPr>
+          <a:xfrm flipV="1">
+            <a:off x="7020527" y="4790611"/>
+            <a:ext cx="415865" cy="5476"/>
+          </a:xfrm>
+          <a:prstGeom prst="line">
+            <a:avLst/>
+          </a:prstGeom>
+          <a:ln>
+            <a:solidFill>
+              <a:schemeClr val="tx2">
+                <a:lumMod val="75000"/>
+                <a:lumOff val="25000"/>
+              </a:schemeClr>
+            </a:solidFill>
+            <a:prstDash val="sysDash"/>
+          </a:ln>
+        </p:spPr>
+        <p:style>
+          <a:lnRef idx="2">
+            <a:schemeClr val="accent1"/>
+          </a:lnRef>
+          <a:fillRef idx="0">
+            <a:schemeClr val="accent1"/>
+          </a:fillRef>
+          <a:effectRef idx="1">
+            <a:schemeClr val="accent1"/>
+          </a:effectRef>
+          <a:fontRef idx="minor">
+            <a:schemeClr val="tx1"/>
+          </a:fontRef>
+        </p:style>
+      </p:cxnSp>
+      <p:sp>
+        <p:nvSpPr>
+          <p:cNvPr id="91" name="TextBox 90">
+            <a:extLst>
+              <a:ext uri="{FF2B5EF4-FFF2-40B4-BE49-F238E27FC236}">
+                <a16:creationId xmlns:a16="http://schemas.microsoft.com/office/drawing/2014/main" id="{AAA1618C-1F74-B98A-8E64-1F5B30C35A09}"/>
+              </a:ext>
+            </a:extLst>
+          </p:cNvPr>
+          <p:cNvSpPr txBox="1"/>
+          <p:nvPr/>
+        </p:nvSpPr>
+        <p:spPr>
+          <a:xfrm>
+            <a:off x="7436392" y="812969"/>
+            <a:ext cx="2208199" cy="276999"/>
+          </a:xfrm>
+          <a:prstGeom prst="rect">
+            <a:avLst/>
+          </a:prstGeom>
+          <a:noFill/>
+        </p:spPr>
+        <p:txBody>
+          <a:bodyPr wrap="square" rtlCol="0">
+            <a:spAutoFit/>
+          </a:bodyPr>
+          <a:lstStyle/>
+          <a:p>
+            <a:r>
+              <a:rPr lang="en-US" sz="1200" b="1" dirty="0"/>
+              <a:t>Railway Signal System HMI</a:t>
+            </a:r>
+            <a:endParaRPr lang="en-SG" sz="1200" b="1" dirty="0"/>
+          </a:p>
+        </p:txBody>
+      </p:sp>
+      <p:sp>
+        <p:nvSpPr>
+          <p:cNvPr id="92" name="TextBox 91">
+            <a:extLst>
+              <a:ext uri="{FF2B5EF4-FFF2-40B4-BE49-F238E27FC236}">
+                <a16:creationId xmlns:a16="http://schemas.microsoft.com/office/drawing/2014/main" id="{E4AEBEF4-9F8A-20F0-5D40-7485DFAFCE59}"/>
+              </a:ext>
+            </a:extLst>
+          </p:cNvPr>
+          <p:cNvSpPr txBox="1"/>
+          <p:nvPr/>
+        </p:nvSpPr>
+        <p:spPr>
+          <a:xfrm>
+            <a:off x="7461984" y="2357476"/>
+            <a:ext cx="2208199" cy="276999"/>
+          </a:xfrm>
+          <a:prstGeom prst="rect">
+            <a:avLst/>
+          </a:prstGeom>
+          <a:noFill/>
+        </p:spPr>
+        <p:txBody>
+          <a:bodyPr wrap="square" rtlCol="0">
+            <a:spAutoFit/>
+          </a:bodyPr>
+          <a:lstStyle/>
+          <a:p>
+            <a:r>
+              <a:rPr lang="en-US" sz="1200" b="1" dirty="0"/>
+              <a:t>Railway Train System HMI</a:t>
+            </a:r>
+            <a:endParaRPr lang="en-SG" sz="1200" b="1" dirty="0"/>
+          </a:p>
+        </p:txBody>
+      </p:sp>
+      <p:sp>
+        <p:nvSpPr>
+          <p:cNvPr id="93" name="TextBox 92">
+            <a:extLst>
+              <a:ext uri="{FF2B5EF4-FFF2-40B4-BE49-F238E27FC236}">
+                <a16:creationId xmlns:a16="http://schemas.microsoft.com/office/drawing/2014/main" id="{9A38814E-1516-670C-20D8-AAEBCC3073D3}"/>
+              </a:ext>
+            </a:extLst>
+          </p:cNvPr>
+          <p:cNvSpPr txBox="1"/>
+          <p:nvPr/>
+        </p:nvSpPr>
+        <p:spPr>
+          <a:xfrm>
+            <a:off x="7357431" y="3955104"/>
+            <a:ext cx="2980916" cy="276999"/>
+          </a:xfrm>
+          <a:prstGeom prst="rect">
+            <a:avLst/>
+          </a:prstGeom>
+          <a:noFill/>
+        </p:spPr>
+        <p:txBody>
+          <a:bodyPr wrap="square" rtlCol="0">
+            <a:spAutoFit/>
+          </a:bodyPr>
+          <a:lstStyle/>
+          <a:p>
+            <a:r>
+              <a:rPr lang="en-US" sz="1200" b="1" dirty="0"/>
+              <a:t>Power Grid and Substation System HMI</a:t>
+            </a:r>
+            <a:endParaRPr lang="en-SG" sz="1200" b="1" dirty="0"/>
+          </a:p>
+        </p:txBody>
+      </p:sp>
     </p:spTree>
     <p:extLst>
       <p:ext uri="{BB962C8B-B14F-4D97-AF65-F5344CB8AC3E}">

--- a/doc/designDoc.pptx
+++ b/doc/designDoc.pptx
@@ -261,7 +261,7 @@
           <a:p>
             <a:fld id="{F953FF10-B1B6-4147-A9BC-BC236B7E3AD4}" type="datetimeFigureOut">
               <a:rPr lang="en-SG" smtClean="0"/>
-              <a:t>3/4/2024</a:t>
+              <a:t>4/4/2024</a:t>
             </a:fld>
             <a:endParaRPr lang="en-SG"/>
           </a:p>
@@ -461,7 +461,7 @@
           <a:p>
             <a:fld id="{F953FF10-B1B6-4147-A9BC-BC236B7E3AD4}" type="datetimeFigureOut">
               <a:rPr lang="en-SG" smtClean="0"/>
-              <a:t>3/4/2024</a:t>
+              <a:t>4/4/2024</a:t>
             </a:fld>
             <a:endParaRPr lang="en-SG"/>
           </a:p>
@@ -671,7 +671,7 @@
           <a:p>
             <a:fld id="{F953FF10-B1B6-4147-A9BC-BC236B7E3AD4}" type="datetimeFigureOut">
               <a:rPr lang="en-SG" smtClean="0"/>
-              <a:t>3/4/2024</a:t>
+              <a:t>4/4/2024</a:t>
             </a:fld>
             <a:endParaRPr lang="en-SG"/>
           </a:p>
@@ -871,7 +871,7 @@
           <a:p>
             <a:fld id="{F953FF10-B1B6-4147-A9BC-BC236B7E3AD4}" type="datetimeFigureOut">
               <a:rPr lang="en-SG" smtClean="0"/>
-              <a:t>3/4/2024</a:t>
+              <a:t>4/4/2024</a:t>
             </a:fld>
             <a:endParaRPr lang="en-SG"/>
           </a:p>
@@ -1147,7 +1147,7 @@
           <a:p>
             <a:fld id="{F953FF10-B1B6-4147-A9BC-BC236B7E3AD4}" type="datetimeFigureOut">
               <a:rPr lang="en-SG" smtClean="0"/>
-              <a:t>3/4/2024</a:t>
+              <a:t>4/4/2024</a:t>
             </a:fld>
             <a:endParaRPr lang="en-SG"/>
           </a:p>
@@ -1415,7 +1415,7 @@
           <a:p>
             <a:fld id="{F953FF10-B1B6-4147-A9BC-BC236B7E3AD4}" type="datetimeFigureOut">
               <a:rPr lang="en-SG" smtClean="0"/>
-              <a:t>3/4/2024</a:t>
+              <a:t>4/4/2024</a:t>
             </a:fld>
             <a:endParaRPr lang="en-SG"/>
           </a:p>
@@ -1830,7 +1830,7 @@
           <a:p>
             <a:fld id="{F953FF10-B1B6-4147-A9BC-BC236B7E3AD4}" type="datetimeFigureOut">
               <a:rPr lang="en-SG" smtClean="0"/>
-              <a:t>3/4/2024</a:t>
+              <a:t>4/4/2024</a:t>
             </a:fld>
             <a:endParaRPr lang="en-SG"/>
           </a:p>
@@ -1972,7 +1972,7 @@
           <a:p>
             <a:fld id="{F953FF10-B1B6-4147-A9BC-BC236B7E3AD4}" type="datetimeFigureOut">
               <a:rPr lang="en-SG" smtClean="0"/>
-              <a:t>3/4/2024</a:t>
+              <a:t>4/4/2024</a:t>
             </a:fld>
             <a:endParaRPr lang="en-SG"/>
           </a:p>
@@ -2085,7 +2085,7 @@
           <a:p>
             <a:fld id="{F953FF10-B1B6-4147-A9BC-BC236B7E3AD4}" type="datetimeFigureOut">
               <a:rPr lang="en-SG" smtClean="0"/>
-              <a:t>3/4/2024</a:t>
+              <a:t>4/4/2024</a:t>
             </a:fld>
             <a:endParaRPr lang="en-SG"/>
           </a:p>
@@ -2398,7 +2398,7 @@
           <a:p>
             <a:fld id="{F953FF10-B1B6-4147-A9BC-BC236B7E3AD4}" type="datetimeFigureOut">
               <a:rPr lang="en-SG" smtClean="0"/>
-              <a:t>3/4/2024</a:t>
+              <a:t>4/4/2024</a:t>
             </a:fld>
             <a:endParaRPr lang="en-SG"/>
           </a:p>
@@ -2687,7 +2687,7 @@
           <a:p>
             <a:fld id="{F953FF10-B1B6-4147-A9BC-BC236B7E3AD4}" type="datetimeFigureOut">
               <a:rPr lang="en-SG" smtClean="0"/>
-              <a:t>3/4/2024</a:t>
+              <a:t>4/4/2024</a:t>
             </a:fld>
             <a:endParaRPr lang="en-SG"/>
           </a:p>
@@ -2930,7 +2930,7 @@
           <a:p>
             <a:fld id="{F953FF10-B1B6-4147-A9BC-BC236B7E3AD4}" type="datetimeFigureOut">
               <a:rPr lang="en-SG" smtClean="0"/>
-              <a:t>3/4/2024</a:t>
+              <a:t>4/4/2024</a:t>
             </a:fld>
             <a:endParaRPr lang="en-SG"/>
           </a:p>
@@ -3646,7 +3646,7 @@
                 <a:lumMod val="75000"/>
               </a:schemeClr>
             </a:solidFill>
-            <a:prstDash val="sysDash"/>
+            <a:prstDash val="solid"/>
           </a:ln>
         </p:spPr>
         <p:style>
@@ -5154,7 +5154,7 @@
         </p:blipFill>
         <p:spPr>
           <a:xfrm>
-            <a:off x="7529581" y="2654527"/>
+            <a:off x="7510483" y="2511594"/>
             <a:ext cx="1900047" cy="1011117"/>
           </a:xfrm>
           <a:prstGeom prst="rect">
@@ -5195,7 +5195,7 @@
         </p:blipFill>
         <p:spPr>
           <a:xfrm>
-            <a:off x="7436392" y="4235040"/>
+            <a:off x="7500272" y="3855290"/>
             <a:ext cx="2650427" cy="1111141"/>
           </a:xfrm>
           <a:prstGeom prst="rect">
@@ -5219,8 +5219,8 @@
         </p:nvCxnSpPr>
         <p:spPr>
           <a:xfrm>
-            <a:off x="6580455" y="1068567"/>
-            <a:ext cx="0" cy="4362775"/>
+            <a:off x="6580455" y="1194297"/>
+            <a:ext cx="0" cy="4652629"/>
           </a:xfrm>
           <a:prstGeom prst="line">
             <a:avLst/>
@@ -5262,7 +5262,7 @@
         </p:nvSpPr>
         <p:spPr>
           <a:xfrm>
-            <a:off x="6140384" y="809789"/>
+            <a:off x="6102922" y="969454"/>
             <a:ext cx="833305" cy="276999"/>
           </a:xfrm>
           <a:prstGeom prst="rect">
@@ -5305,13 +5305,14 @@
           </p:cNvPr>
           <p:cNvCxnSpPr>
             <a:cxnSpLocks/>
+            <a:stCxn id="2" idx="3"/>
           </p:cNvCxnSpPr>
           <p:nvPr/>
         </p:nvCxnSpPr>
         <p:spPr>
-          <a:xfrm flipV="1">
-            <a:off x="5757000" y="1651243"/>
-            <a:ext cx="833304" cy="0"/>
+          <a:xfrm>
+            <a:off x="5757001" y="1692879"/>
+            <a:ext cx="821948" cy="0"/>
           </a:xfrm>
           <a:prstGeom prst="line">
             <a:avLst/>
@@ -5355,7 +5356,7 @@
         </p:nvCxnSpPr>
         <p:spPr>
           <a:xfrm>
-            <a:off x="6590304" y="1816164"/>
+            <a:off x="6578949" y="1554109"/>
             <a:ext cx="909968" cy="0"/>
           </a:xfrm>
           <a:prstGeom prst="line">
@@ -5400,7 +5401,7 @@
         </p:nvCxnSpPr>
         <p:spPr>
           <a:xfrm>
-            <a:off x="6580455" y="3206466"/>
+            <a:off x="6569100" y="2760188"/>
             <a:ext cx="919817" cy="0"/>
           </a:xfrm>
           <a:prstGeom prst="line">
@@ -5444,9 +5445,9 @@
           <p:nvPr/>
         </p:nvCxnSpPr>
         <p:spPr>
-          <a:xfrm>
-            <a:off x="7001888" y="1191909"/>
-            <a:ext cx="0" cy="4386186"/>
+          <a:xfrm flipH="1">
+            <a:off x="6998213" y="1191909"/>
+            <a:ext cx="3675" cy="4655017"/>
           </a:xfrm>
           <a:prstGeom prst="line">
             <a:avLst/>
@@ -5490,8 +5491,8 @@
         </p:nvSpPr>
         <p:spPr>
           <a:xfrm>
-            <a:off x="6557036" y="5604515"/>
-            <a:ext cx="1534799" cy="276999"/>
+            <a:off x="6282231" y="5877583"/>
+            <a:ext cx="1121678" cy="276999"/>
           </a:xfrm>
           <a:prstGeom prst="rect">
             <a:avLst/>
@@ -5685,7 +5686,7 @@
         </p:nvCxnSpPr>
         <p:spPr>
           <a:xfrm>
-            <a:off x="6998213" y="3534619"/>
+            <a:off x="7008963" y="3273009"/>
             <a:ext cx="531368" cy="0"/>
           </a:xfrm>
           <a:prstGeom prst="line">
@@ -5732,9 +5733,9 @@
           <p:nvPr/>
         </p:nvCxnSpPr>
         <p:spPr>
-          <a:xfrm flipV="1">
-            <a:off x="7020527" y="4790611"/>
-            <a:ext cx="415865" cy="5476"/>
+          <a:xfrm>
+            <a:off x="7008963" y="4410860"/>
+            <a:ext cx="491309" cy="1"/>
           </a:xfrm>
           <a:prstGeom prst="line">
             <a:avLst/>
@@ -5814,7 +5815,7 @@
         </p:nvSpPr>
         <p:spPr>
           <a:xfrm>
-            <a:off x="7461984" y="2357476"/>
+            <a:off x="7415475" y="2226512"/>
             <a:ext cx="2208199" cy="276999"/>
           </a:xfrm>
           <a:prstGeom prst="rect">
@@ -5850,7 +5851,7 @@
         </p:nvSpPr>
         <p:spPr>
           <a:xfrm>
-            <a:off x="7357431" y="3955104"/>
+            <a:off x="7415475" y="3558404"/>
             <a:ext cx="2980916" cy="276999"/>
           </a:xfrm>
           <a:prstGeom prst="rect">
@@ -5872,6 +5873,582 @@
           </a:p>
         </p:txBody>
       </p:sp>
+      <p:sp>
+        <p:nvSpPr>
+          <p:cNvPr id="13" name="TextBox 12">
+            <a:extLst>
+              <a:ext uri="{FF2B5EF4-FFF2-40B4-BE49-F238E27FC236}">
+                <a16:creationId xmlns:a16="http://schemas.microsoft.com/office/drawing/2014/main" id="{E6537011-A8F7-D82B-4CE3-7BF486404638}"/>
+              </a:ext>
+            </a:extLst>
+          </p:cNvPr>
+          <p:cNvSpPr txBox="1"/>
+          <p:nvPr/>
+        </p:nvSpPr>
+        <p:spPr>
+          <a:xfrm>
+            <a:off x="768772" y="430357"/>
+            <a:ext cx="4532004" cy="338554"/>
+          </a:xfrm>
+          <a:prstGeom prst="rect">
+            <a:avLst/>
+          </a:prstGeom>
+          <a:noFill/>
+          <a:ln w="12700">
+            <a:solidFill>
+              <a:schemeClr val="tx1"/>
+            </a:solidFill>
+            <a:prstDash val="sysDash"/>
+          </a:ln>
+        </p:spPr>
+        <p:txBody>
+          <a:bodyPr wrap="square">
+            <a:spAutoFit/>
+          </a:bodyPr>
+          <a:lstStyle/>
+          <a:p>
+            <a:r>
+              <a:rPr lang="en-US" sz="1600" b="1" dirty="0"/>
+              <a:t>Virtual PLC/RTU System Connection Diagram</a:t>
+            </a:r>
+            <a:endParaRPr lang="en-SG" sz="1600" b="1" dirty="0"/>
+          </a:p>
+        </p:txBody>
+      </p:sp>
+      <p:sp>
+        <p:nvSpPr>
+          <p:cNvPr id="21" name="Rectangle 20">
+            <a:extLst>
+              <a:ext uri="{FF2B5EF4-FFF2-40B4-BE49-F238E27FC236}">
+                <a16:creationId xmlns:a16="http://schemas.microsoft.com/office/drawing/2014/main" id="{8C4FB91B-5D64-BA7A-D9D1-E927393DBD82}"/>
+              </a:ext>
+            </a:extLst>
+          </p:cNvPr>
+          <p:cNvSpPr/>
+          <p:nvPr/>
+        </p:nvSpPr>
+        <p:spPr>
+          <a:xfrm>
+            <a:off x="811521" y="5945067"/>
+            <a:ext cx="175568" cy="119190"/>
+          </a:xfrm>
+          <a:prstGeom prst="rect">
+            <a:avLst/>
+          </a:prstGeom>
+          <a:solidFill>
+            <a:schemeClr val="bg1">
+              <a:lumMod val="75000"/>
+            </a:schemeClr>
+          </a:solidFill>
+        </p:spPr>
+        <p:style>
+          <a:lnRef idx="2">
+            <a:schemeClr val="dk1">
+              <a:shade val="15000"/>
+            </a:schemeClr>
+          </a:lnRef>
+          <a:fillRef idx="1">
+            <a:schemeClr val="dk1"/>
+          </a:fillRef>
+          <a:effectRef idx="0">
+            <a:schemeClr val="dk1"/>
+          </a:effectRef>
+          <a:fontRef idx="minor">
+            <a:schemeClr val="lt1"/>
+          </a:fontRef>
+        </p:style>
+        <p:txBody>
+          <a:bodyPr rtlCol="0" anchor="ctr"/>
+          <a:lstStyle/>
+          <a:p>
+            <a:pPr algn="ctr"/>
+            <a:endParaRPr lang="en-SG"/>
+          </a:p>
+        </p:txBody>
+      </p:sp>
+      <p:sp>
+        <p:nvSpPr>
+          <p:cNvPr id="25" name="Rectangle 24">
+            <a:extLst>
+              <a:ext uri="{FF2B5EF4-FFF2-40B4-BE49-F238E27FC236}">
+                <a16:creationId xmlns:a16="http://schemas.microsoft.com/office/drawing/2014/main" id="{EFD2EEA6-8129-B633-BAE5-59F24640873B}"/>
+              </a:ext>
+            </a:extLst>
+          </p:cNvPr>
+          <p:cNvSpPr/>
+          <p:nvPr/>
+        </p:nvSpPr>
+        <p:spPr>
+          <a:xfrm>
+            <a:off x="1277354" y="5945067"/>
+            <a:ext cx="175568" cy="119190"/>
+          </a:xfrm>
+          <a:prstGeom prst="rect">
+            <a:avLst/>
+          </a:prstGeom>
+          <a:solidFill>
+            <a:schemeClr val="bg1">
+              <a:lumMod val="75000"/>
+            </a:schemeClr>
+          </a:solidFill>
+        </p:spPr>
+        <p:style>
+          <a:lnRef idx="2">
+            <a:schemeClr val="dk1">
+              <a:shade val="15000"/>
+            </a:schemeClr>
+          </a:lnRef>
+          <a:fillRef idx="1">
+            <a:schemeClr val="dk1"/>
+          </a:fillRef>
+          <a:effectRef idx="0">
+            <a:schemeClr val="dk1"/>
+          </a:effectRef>
+          <a:fontRef idx="minor">
+            <a:schemeClr val="lt1"/>
+          </a:fontRef>
+        </p:style>
+        <p:txBody>
+          <a:bodyPr rtlCol="0" anchor="ctr"/>
+          <a:lstStyle/>
+          <a:p>
+            <a:pPr algn="ctr"/>
+            <a:endParaRPr lang="en-SG"/>
+          </a:p>
+        </p:txBody>
+      </p:sp>
+      <p:cxnSp>
+        <p:nvCxnSpPr>
+          <p:cNvPr id="26" name="Straight Connector 25">
+            <a:extLst>
+              <a:ext uri="{FF2B5EF4-FFF2-40B4-BE49-F238E27FC236}">
+                <a16:creationId xmlns:a16="http://schemas.microsoft.com/office/drawing/2014/main" id="{6FB774B6-0575-0219-5AC9-D578FF792B39}"/>
+              </a:ext>
+            </a:extLst>
+          </p:cNvPr>
+          <p:cNvCxnSpPr>
+            <a:cxnSpLocks/>
+            <a:stCxn id="21" idx="3"/>
+            <a:endCxn id="25" idx="1"/>
+          </p:cNvCxnSpPr>
+          <p:nvPr/>
+        </p:nvCxnSpPr>
+        <p:spPr>
+          <a:xfrm>
+            <a:off x="987089" y="6004662"/>
+            <a:ext cx="290265" cy="0"/>
+          </a:xfrm>
+          <a:prstGeom prst="line">
+            <a:avLst/>
+          </a:prstGeom>
+          <a:ln>
+            <a:solidFill>
+              <a:schemeClr val="tx1"/>
+            </a:solidFill>
+          </a:ln>
+        </p:spPr>
+        <p:style>
+          <a:lnRef idx="2">
+            <a:schemeClr val="accent1"/>
+          </a:lnRef>
+          <a:fillRef idx="0">
+            <a:schemeClr val="accent1"/>
+          </a:fillRef>
+          <a:effectRef idx="1">
+            <a:schemeClr val="accent1"/>
+          </a:effectRef>
+          <a:fontRef idx="minor">
+            <a:schemeClr val="tx1"/>
+          </a:fontRef>
+        </p:style>
+      </p:cxnSp>
+      <p:sp>
+        <p:nvSpPr>
+          <p:cNvPr id="38" name="TextBox 37">
+            <a:extLst>
+              <a:ext uri="{FF2B5EF4-FFF2-40B4-BE49-F238E27FC236}">
+                <a16:creationId xmlns:a16="http://schemas.microsoft.com/office/drawing/2014/main" id="{FB194BC6-C4D8-9433-3710-3F8C647C7A28}"/>
+              </a:ext>
+            </a:extLst>
+          </p:cNvPr>
+          <p:cNvSpPr txBox="1"/>
+          <p:nvPr/>
+        </p:nvSpPr>
+        <p:spPr>
+          <a:xfrm>
+            <a:off x="1467417" y="5881514"/>
+            <a:ext cx="3006949" cy="276999"/>
+          </a:xfrm>
+          <a:prstGeom prst="rect">
+            <a:avLst/>
+          </a:prstGeom>
+          <a:noFill/>
+        </p:spPr>
+        <p:txBody>
+          <a:bodyPr wrap="square" rtlCol="0">
+            <a:spAutoFit/>
+          </a:bodyPr>
+          <a:lstStyle/>
+          <a:p>
+            <a:r>
+              <a:rPr lang="en-US" sz="1200" dirty="0"/>
+              <a:t>Electrical signal / Physical Wire Simulation</a:t>
+            </a:r>
+            <a:endParaRPr lang="en-SG" sz="1200" dirty="0"/>
+          </a:p>
+        </p:txBody>
+      </p:sp>
+      <p:cxnSp>
+        <p:nvCxnSpPr>
+          <p:cNvPr id="39" name="Straight Connector 38">
+            <a:extLst>
+              <a:ext uri="{FF2B5EF4-FFF2-40B4-BE49-F238E27FC236}">
+                <a16:creationId xmlns:a16="http://schemas.microsoft.com/office/drawing/2014/main" id="{7C8E7A00-4BAD-247F-84DE-8B0C596EC160}"/>
+              </a:ext>
+            </a:extLst>
+          </p:cNvPr>
+          <p:cNvCxnSpPr>
+            <a:cxnSpLocks/>
+          </p:cNvCxnSpPr>
+          <p:nvPr/>
+        </p:nvCxnSpPr>
+        <p:spPr>
+          <a:xfrm>
+            <a:off x="811521" y="5702449"/>
+            <a:ext cx="577735" cy="0"/>
+          </a:xfrm>
+          <a:prstGeom prst="line">
+            <a:avLst/>
+          </a:prstGeom>
+          <a:ln>
+            <a:solidFill>
+              <a:schemeClr val="accent6">
+                <a:lumMod val="75000"/>
+              </a:schemeClr>
+            </a:solidFill>
+          </a:ln>
+        </p:spPr>
+        <p:style>
+          <a:lnRef idx="2">
+            <a:schemeClr val="accent1"/>
+          </a:lnRef>
+          <a:fillRef idx="0">
+            <a:schemeClr val="accent1"/>
+          </a:fillRef>
+          <a:effectRef idx="1">
+            <a:schemeClr val="accent1"/>
+          </a:effectRef>
+          <a:fontRef idx="minor">
+            <a:schemeClr val="tx1"/>
+          </a:fontRef>
+        </p:style>
+      </p:cxnSp>
+      <p:sp>
+        <p:nvSpPr>
+          <p:cNvPr id="41" name="TextBox 40">
+            <a:extLst>
+              <a:ext uri="{FF2B5EF4-FFF2-40B4-BE49-F238E27FC236}">
+                <a16:creationId xmlns:a16="http://schemas.microsoft.com/office/drawing/2014/main" id="{9902B424-41BE-3883-0AC6-5D51049BD458}"/>
+              </a:ext>
+            </a:extLst>
+          </p:cNvPr>
+          <p:cNvSpPr txBox="1"/>
+          <p:nvPr/>
+        </p:nvSpPr>
+        <p:spPr>
+          <a:xfrm>
+            <a:off x="1505078" y="5578095"/>
+            <a:ext cx="1140630" cy="276999"/>
+          </a:xfrm>
+          <a:prstGeom prst="rect">
+            <a:avLst/>
+          </a:prstGeom>
+          <a:noFill/>
+        </p:spPr>
+        <p:txBody>
+          <a:bodyPr wrap="square" rtlCol="0">
+            <a:spAutoFit/>
+          </a:bodyPr>
+          <a:lstStyle/>
+          <a:p>
+            <a:r>
+              <a:rPr lang="en-US" sz="1200" b="1" dirty="0">
+                <a:solidFill>
+                  <a:schemeClr val="accent3">
+                    <a:lumMod val="75000"/>
+                  </a:schemeClr>
+                </a:solidFill>
+              </a:rPr>
+              <a:t>Modbus-TCP</a:t>
+            </a:r>
+            <a:r>
+              <a:rPr lang="en-US" sz="1200" b="1" dirty="0"/>
+              <a:t> </a:t>
+            </a:r>
+            <a:endParaRPr lang="en-SG" sz="1200" b="1" dirty="0"/>
+          </a:p>
+        </p:txBody>
+      </p:sp>
+      <p:cxnSp>
+        <p:nvCxnSpPr>
+          <p:cNvPr id="44" name="Straight Connector 43">
+            <a:extLst>
+              <a:ext uri="{FF2B5EF4-FFF2-40B4-BE49-F238E27FC236}">
+                <a16:creationId xmlns:a16="http://schemas.microsoft.com/office/drawing/2014/main" id="{1E702276-852E-0C13-A357-027D8A003932}"/>
+              </a:ext>
+            </a:extLst>
+          </p:cNvPr>
+          <p:cNvCxnSpPr>
+            <a:cxnSpLocks/>
+          </p:cNvCxnSpPr>
+          <p:nvPr/>
+        </p:nvCxnSpPr>
+        <p:spPr>
+          <a:xfrm flipV="1">
+            <a:off x="2812057" y="5702951"/>
+            <a:ext cx="415865" cy="5476"/>
+          </a:xfrm>
+          <a:prstGeom prst="line">
+            <a:avLst/>
+          </a:prstGeom>
+          <a:ln>
+            <a:solidFill>
+              <a:schemeClr val="tx2">
+                <a:lumMod val="75000"/>
+                <a:lumOff val="25000"/>
+              </a:schemeClr>
+            </a:solidFill>
+            <a:prstDash val="sysDash"/>
+          </a:ln>
+        </p:spPr>
+        <p:style>
+          <a:lnRef idx="2">
+            <a:schemeClr val="accent1"/>
+          </a:lnRef>
+          <a:fillRef idx="0">
+            <a:schemeClr val="accent1"/>
+          </a:fillRef>
+          <a:effectRef idx="1">
+            <a:schemeClr val="accent1"/>
+          </a:effectRef>
+          <a:fontRef idx="minor">
+            <a:schemeClr val="tx1"/>
+          </a:fontRef>
+        </p:style>
+      </p:cxnSp>
+      <p:sp>
+        <p:nvSpPr>
+          <p:cNvPr id="45" name="TextBox 44">
+            <a:extLst>
+              <a:ext uri="{FF2B5EF4-FFF2-40B4-BE49-F238E27FC236}">
+                <a16:creationId xmlns:a16="http://schemas.microsoft.com/office/drawing/2014/main" id="{C3481E5B-2D6F-8AC1-54D7-1A3C3FE941C5}"/>
+              </a:ext>
+            </a:extLst>
+          </p:cNvPr>
+          <p:cNvSpPr txBox="1"/>
+          <p:nvPr/>
+        </p:nvSpPr>
+        <p:spPr>
+          <a:xfrm>
+            <a:off x="3226116" y="5569927"/>
+            <a:ext cx="1534799" cy="276999"/>
+          </a:xfrm>
+          <a:prstGeom prst="rect">
+            <a:avLst/>
+          </a:prstGeom>
+          <a:noFill/>
+        </p:spPr>
+        <p:txBody>
+          <a:bodyPr wrap="square" rtlCol="0">
+            <a:spAutoFit/>
+          </a:bodyPr>
+          <a:lstStyle/>
+          <a:p>
+            <a:r>
+              <a:rPr lang="en-US" sz="1200" b="1" dirty="0">
+                <a:solidFill>
+                  <a:schemeClr val="tx2">
+                    <a:lumMod val="75000"/>
+                    <a:lumOff val="25000"/>
+                  </a:schemeClr>
+                </a:solidFill>
+              </a:rPr>
+              <a:t>S7Comm bus </a:t>
+            </a:r>
+            <a:endParaRPr lang="en-SG" sz="1200" b="1" dirty="0">
+              <a:solidFill>
+                <a:schemeClr val="tx2">
+                  <a:lumMod val="75000"/>
+                  <a:lumOff val="25000"/>
+                </a:schemeClr>
+              </a:solidFill>
+            </a:endParaRPr>
+          </a:p>
+        </p:txBody>
+      </p:sp>
+      <p:pic>
+        <p:nvPicPr>
+          <p:cNvPr id="46" name="Picture 45">
+            <a:extLst>
+              <a:ext uri="{FF2B5EF4-FFF2-40B4-BE49-F238E27FC236}">
+                <a16:creationId xmlns:a16="http://schemas.microsoft.com/office/drawing/2014/main" id="{D4582A2D-14C9-2B61-966A-386E586EEB5E}"/>
+              </a:ext>
+            </a:extLst>
+          </p:cNvPr>
+          <p:cNvPicPr>
+            <a:picLocks noChangeAspect="1"/>
+          </p:cNvPicPr>
+          <p:nvPr/>
+        </p:nvPicPr>
+        <p:blipFill rotWithShape="1">
+          <a:blip r:embed="rId10"/>
+          <a:srcRect b="18796"/>
+          <a:stretch/>
+        </p:blipFill>
+        <p:spPr>
+          <a:xfrm>
+            <a:off x="7475746" y="5268534"/>
+            <a:ext cx="2013279" cy="795723"/>
+          </a:xfrm>
+          <a:prstGeom prst="rect">
+            <a:avLst/>
+          </a:prstGeom>
+          <a:ln w="9525">
+            <a:solidFill>
+              <a:schemeClr val="tx1"/>
+            </a:solidFill>
+          </a:ln>
+        </p:spPr>
+      </p:pic>
+      <p:sp>
+        <p:nvSpPr>
+          <p:cNvPr id="60" name="TextBox 59">
+            <a:extLst>
+              <a:ext uri="{FF2B5EF4-FFF2-40B4-BE49-F238E27FC236}">
+                <a16:creationId xmlns:a16="http://schemas.microsoft.com/office/drawing/2014/main" id="{E88E917E-43F4-3E13-DF56-7BC4A518B996}"/>
+              </a:ext>
+            </a:extLst>
+          </p:cNvPr>
+          <p:cNvSpPr txBox="1"/>
+          <p:nvPr/>
+        </p:nvSpPr>
+        <p:spPr>
+          <a:xfrm>
+            <a:off x="7428126" y="5030466"/>
+            <a:ext cx="2460919" cy="276999"/>
+          </a:xfrm>
+          <a:prstGeom prst="rect">
+            <a:avLst/>
+          </a:prstGeom>
+          <a:noFill/>
+        </p:spPr>
+        <p:txBody>
+          <a:bodyPr wrap="square" rtlCol="0">
+            <a:spAutoFit/>
+          </a:bodyPr>
+          <a:lstStyle/>
+          <a:p>
+            <a:r>
+              <a:rPr lang="en-US" sz="1200" b="1" dirty="0"/>
+              <a:t>Transformer display panel </a:t>
+            </a:r>
+            <a:endParaRPr lang="en-SG" sz="1200" b="1" dirty="0"/>
+          </a:p>
+        </p:txBody>
+      </p:sp>
+      <p:cxnSp>
+        <p:nvCxnSpPr>
+          <p:cNvPr id="65" name="Straight Connector 64">
+            <a:extLst>
+              <a:ext uri="{FF2B5EF4-FFF2-40B4-BE49-F238E27FC236}">
+                <a16:creationId xmlns:a16="http://schemas.microsoft.com/office/drawing/2014/main" id="{AA7EF537-4CFE-A54C-12A0-AD93D3B30BA6}"/>
+              </a:ext>
+            </a:extLst>
+          </p:cNvPr>
+          <p:cNvCxnSpPr>
+            <a:cxnSpLocks/>
+          </p:cNvCxnSpPr>
+          <p:nvPr/>
+        </p:nvCxnSpPr>
+        <p:spPr>
+          <a:xfrm>
+            <a:off x="7008963" y="5522000"/>
+            <a:ext cx="491309" cy="1"/>
+          </a:xfrm>
+          <a:prstGeom prst="line">
+            <a:avLst/>
+          </a:prstGeom>
+          <a:ln>
+            <a:solidFill>
+              <a:schemeClr val="tx2">
+                <a:lumMod val="75000"/>
+                <a:lumOff val="25000"/>
+              </a:schemeClr>
+            </a:solidFill>
+            <a:prstDash val="sysDash"/>
+          </a:ln>
+        </p:spPr>
+        <p:style>
+          <a:lnRef idx="2">
+            <a:schemeClr val="accent1"/>
+          </a:lnRef>
+          <a:fillRef idx="0">
+            <a:schemeClr val="accent1"/>
+          </a:fillRef>
+          <a:effectRef idx="1">
+            <a:schemeClr val="accent1"/>
+          </a:effectRef>
+          <a:fontRef idx="minor">
+            <a:schemeClr val="tx1"/>
+          </a:fontRef>
+        </p:style>
+      </p:cxnSp>
+      <p:cxnSp>
+        <p:nvCxnSpPr>
+          <p:cNvPr id="69" name="Straight Connector 68">
+            <a:extLst>
+              <a:ext uri="{FF2B5EF4-FFF2-40B4-BE49-F238E27FC236}">
+                <a16:creationId xmlns:a16="http://schemas.microsoft.com/office/drawing/2014/main" id="{FF80EB93-95AD-DC1A-B4B9-96E5B4F09674}"/>
+              </a:ext>
+            </a:extLst>
+          </p:cNvPr>
+          <p:cNvCxnSpPr>
+            <a:cxnSpLocks/>
+            <a:endCxn id="46" idx="1"/>
+          </p:cNvCxnSpPr>
+          <p:nvPr/>
+        </p:nvCxnSpPr>
+        <p:spPr>
+          <a:xfrm>
+            <a:off x="6578949" y="5666396"/>
+            <a:ext cx="896797" cy="0"/>
+          </a:xfrm>
+          <a:prstGeom prst="line">
+            <a:avLst/>
+          </a:prstGeom>
+          <a:ln>
+            <a:solidFill>
+              <a:schemeClr val="accent6">
+                <a:lumMod val="75000"/>
+              </a:schemeClr>
+            </a:solidFill>
+          </a:ln>
+        </p:spPr>
+        <p:style>
+          <a:lnRef idx="2">
+            <a:schemeClr val="accent1"/>
+          </a:lnRef>
+          <a:fillRef idx="0">
+            <a:schemeClr val="accent1"/>
+          </a:fillRef>
+          <a:effectRef idx="1">
+            <a:schemeClr val="accent1"/>
+          </a:effectRef>
+          <a:fontRef idx="minor">
+            <a:schemeClr val="tx1"/>
+          </a:fontRef>
+        </p:style>
+      </p:cxnSp>
     </p:spTree>
     <p:extLst>
       <p:ext uri="{BB962C8B-B14F-4D97-AF65-F5344CB8AC3E}">

--- a/doc/designDoc.pptx
+++ b/doc/designDoc.pptx
@@ -6,6 +6,9 @@
   </p:sldMasterIdLst>
   <p:sldIdLst>
     <p:sldId id="256" r:id="rId2"/>
+    <p:sldId id="257" r:id="rId3"/>
+    <p:sldId id="258" r:id="rId4"/>
+    <p:sldId id="259" r:id="rId5"/>
   </p:sldIdLst>
   <p:sldSz cx="12192000" cy="6858000"/>
   <p:notesSz cx="6858000" cy="9144000"/>
@@ -261,7 +264,7 @@
           <a:p>
             <a:fld id="{F953FF10-B1B6-4147-A9BC-BC236B7E3AD4}" type="datetimeFigureOut">
               <a:rPr lang="en-SG" smtClean="0"/>
-              <a:t>4/4/2024</a:t>
+              <a:t>5/4/2024</a:t>
             </a:fld>
             <a:endParaRPr lang="en-SG"/>
           </a:p>
@@ -461,7 +464,7 @@
           <a:p>
             <a:fld id="{F953FF10-B1B6-4147-A9BC-BC236B7E3AD4}" type="datetimeFigureOut">
               <a:rPr lang="en-SG" smtClean="0"/>
-              <a:t>4/4/2024</a:t>
+              <a:t>5/4/2024</a:t>
             </a:fld>
             <a:endParaRPr lang="en-SG"/>
           </a:p>
@@ -671,7 +674,7 @@
           <a:p>
             <a:fld id="{F953FF10-B1B6-4147-A9BC-BC236B7E3AD4}" type="datetimeFigureOut">
               <a:rPr lang="en-SG" smtClean="0"/>
-              <a:t>4/4/2024</a:t>
+              <a:t>5/4/2024</a:t>
             </a:fld>
             <a:endParaRPr lang="en-SG"/>
           </a:p>
@@ -871,7 +874,7 @@
           <a:p>
             <a:fld id="{F953FF10-B1B6-4147-A9BC-BC236B7E3AD4}" type="datetimeFigureOut">
               <a:rPr lang="en-SG" smtClean="0"/>
-              <a:t>4/4/2024</a:t>
+              <a:t>5/4/2024</a:t>
             </a:fld>
             <a:endParaRPr lang="en-SG"/>
           </a:p>
@@ -1147,7 +1150,7 @@
           <a:p>
             <a:fld id="{F953FF10-B1B6-4147-A9BC-BC236B7E3AD4}" type="datetimeFigureOut">
               <a:rPr lang="en-SG" smtClean="0"/>
-              <a:t>4/4/2024</a:t>
+              <a:t>5/4/2024</a:t>
             </a:fld>
             <a:endParaRPr lang="en-SG"/>
           </a:p>
@@ -1415,7 +1418,7 @@
           <a:p>
             <a:fld id="{F953FF10-B1B6-4147-A9BC-BC236B7E3AD4}" type="datetimeFigureOut">
               <a:rPr lang="en-SG" smtClean="0"/>
-              <a:t>4/4/2024</a:t>
+              <a:t>5/4/2024</a:t>
             </a:fld>
             <a:endParaRPr lang="en-SG"/>
           </a:p>
@@ -1830,7 +1833,7 @@
           <a:p>
             <a:fld id="{F953FF10-B1B6-4147-A9BC-BC236B7E3AD4}" type="datetimeFigureOut">
               <a:rPr lang="en-SG" smtClean="0"/>
-              <a:t>4/4/2024</a:t>
+              <a:t>5/4/2024</a:t>
             </a:fld>
             <a:endParaRPr lang="en-SG"/>
           </a:p>
@@ -1972,7 +1975,7 @@
           <a:p>
             <a:fld id="{F953FF10-B1B6-4147-A9BC-BC236B7E3AD4}" type="datetimeFigureOut">
               <a:rPr lang="en-SG" smtClean="0"/>
-              <a:t>4/4/2024</a:t>
+              <a:t>5/4/2024</a:t>
             </a:fld>
             <a:endParaRPr lang="en-SG"/>
           </a:p>
@@ -2085,7 +2088,7 @@
           <a:p>
             <a:fld id="{F953FF10-B1B6-4147-A9BC-BC236B7E3AD4}" type="datetimeFigureOut">
               <a:rPr lang="en-SG" smtClean="0"/>
-              <a:t>4/4/2024</a:t>
+              <a:t>5/4/2024</a:t>
             </a:fld>
             <a:endParaRPr lang="en-SG"/>
           </a:p>
@@ -2398,7 +2401,7 @@
           <a:p>
             <a:fld id="{F953FF10-B1B6-4147-A9BC-BC236B7E3AD4}" type="datetimeFigureOut">
               <a:rPr lang="en-SG" smtClean="0"/>
-              <a:t>4/4/2024</a:t>
+              <a:t>5/4/2024</a:t>
             </a:fld>
             <a:endParaRPr lang="en-SG"/>
           </a:p>
@@ -2687,7 +2690,7 @@
           <a:p>
             <a:fld id="{F953FF10-B1B6-4147-A9BC-BC236B7E3AD4}" type="datetimeFigureOut">
               <a:rPr lang="en-SG" smtClean="0"/>
-              <a:t>4/4/2024</a:t>
+              <a:t>5/4/2024</a:t>
             </a:fld>
             <a:endParaRPr lang="en-SG"/>
           </a:p>
@@ -2930,7 +2933,7 @@
           <a:p>
             <a:fld id="{F953FF10-B1B6-4147-A9BC-BC236B7E3AD4}" type="datetimeFigureOut">
               <a:rPr lang="en-SG" smtClean="0"/>
-              <a:t>4/4/2024</a:t>
+              <a:t>5/4/2024</a:t>
             </a:fld>
             <a:endParaRPr lang="en-SG"/>
           </a:p>
@@ -6462,6 +6465,9008 @@
 </p:sld>
 </file>
 
+<file path=ppt/slides/slide2.xml><?xml version="1.0" encoding="utf-8"?>
+<p:sld xmlns:a="http://schemas.openxmlformats.org/drawingml/2006/main" xmlns:r="http://schemas.openxmlformats.org/officeDocument/2006/relationships" xmlns:p="http://schemas.openxmlformats.org/presentationml/2006/main">
+  <p:cSld>
+    <p:spTree>
+      <p:nvGrpSpPr>
+        <p:cNvPr id="1" name=""/>
+        <p:cNvGrpSpPr/>
+        <p:nvPr/>
+      </p:nvGrpSpPr>
+      <p:grpSpPr>
+        <a:xfrm>
+          <a:off x="0" y="0"/>
+          <a:ext cx="0" cy="0"/>
+          <a:chOff x="0" y="0"/>
+          <a:chExt cx="0" cy="0"/>
+        </a:xfrm>
+      </p:grpSpPr>
+      <p:sp>
+        <p:nvSpPr>
+          <p:cNvPr id="73" name="Rectangle 72">
+            <a:extLst>
+              <a:ext uri="{FF2B5EF4-FFF2-40B4-BE49-F238E27FC236}">
+                <a16:creationId xmlns:a16="http://schemas.microsoft.com/office/drawing/2014/main" id="{12EBCA50-D8A7-2996-E06F-9EA14C179D44}"/>
+              </a:ext>
+            </a:extLst>
+          </p:cNvPr>
+          <p:cNvSpPr/>
+          <p:nvPr/>
+        </p:nvSpPr>
+        <p:spPr>
+          <a:xfrm>
+            <a:off x="4841817" y="4685213"/>
+            <a:ext cx="2183130" cy="1183736"/>
+          </a:xfrm>
+          <a:prstGeom prst="rect">
+            <a:avLst/>
+          </a:prstGeom>
+          <a:noFill/>
+        </p:spPr>
+        <p:style>
+          <a:lnRef idx="2">
+            <a:schemeClr val="accent1">
+              <a:shade val="15000"/>
+            </a:schemeClr>
+          </a:lnRef>
+          <a:fillRef idx="1">
+            <a:schemeClr val="accent1"/>
+          </a:fillRef>
+          <a:effectRef idx="0">
+            <a:schemeClr val="accent1"/>
+          </a:effectRef>
+          <a:fontRef idx="minor">
+            <a:schemeClr val="lt1"/>
+          </a:fontRef>
+        </p:style>
+        <p:txBody>
+          <a:bodyPr rtlCol="0" anchor="ctr"/>
+          <a:lstStyle/>
+          <a:p>
+            <a:pPr algn="ctr"/>
+            <a:endParaRPr lang="en-SG" dirty="0"/>
+          </a:p>
+        </p:txBody>
+      </p:sp>
+      <p:pic>
+        <p:nvPicPr>
+          <p:cNvPr id="3" name="Picture 2">
+            <a:extLst>
+              <a:ext uri="{FF2B5EF4-FFF2-40B4-BE49-F238E27FC236}">
+                <a16:creationId xmlns:a16="http://schemas.microsoft.com/office/drawing/2014/main" id="{EA84BBB1-0024-C36F-68D7-140C8053A5FD}"/>
+              </a:ext>
+            </a:extLst>
+          </p:cNvPr>
+          <p:cNvPicPr>
+            <a:picLocks noChangeAspect="1"/>
+          </p:cNvPicPr>
+          <p:nvPr/>
+        </p:nvPicPr>
+        <p:blipFill>
+          <a:blip r:embed="rId2"/>
+          <a:stretch>
+            <a:fillRect/>
+          </a:stretch>
+        </p:blipFill>
+        <p:spPr>
+          <a:xfrm>
+            <a:off x="1603912" y="2407183"/>
+            <a:ext cx="1629622" cy="964121"/>
+          </a:xfrm>
+          <a:prstGeom prst="rect">
+            <a:avLst/>
+          </a:prstGeom>
+          <a:ln w="12700">
+            <a:solidFill>
+              <a:schemeClr val="tx1"/>
+            </a:solidFill>
+          </a:ln>
+        </p:spPr>
+      </p:pic>
+      <p:pic>
+        <p:nvPicPr>
+          <p:cNvPr id="10" name="Picture 9">
+            <a:extLst>
+              <a:ext uri="{FF2B5EF4-FFF2-40B4-BE49-F238E27FC236}">
+                <a16:creationId xmlns:a16="http://schemas.microsoft.com/office/drawing/2014/main" id="{8E80128F-6562-8A46-C80F-516E853F6562}"/>
+              </a:ext>
+            </a:extLst>
+          </p:cNvPr>
+          <p:cNvPicPr>
+            <a:picLocks noChangeAspect="1"/>
+          </p:cNvPicPr>
+          <p:nvPr/>
+        </p:nvPicPr>
+        <p:blipFill>
+          <a:blip r:embed="rId3"/>
+          <a:stretch>
+            <a:fillRect/>
+          </a:stretch>
+        </p:blipFill>
+        <p:spPr>
+          <a:xfrm>
+            <a:off x="1564966" y="778081"/>
+            <a:ext cx="1435809" cy="1044225"/>
+          </a:xfrm>
+          <a:prstGeom prst="rect">
+            <a:avLst/>
+          </a:prstGeom>
+          <a:ln w="12700">
+            <a:solidFill>
+              <a:schemeClr val="tx1"/>
+            </a:solidFill>
+          </a:ln>
+        </p:spPr>
+      </p:pic>
+      <p:pic>
+        <p:nvPicPr>
+          <p:cNvPr id="11" name="Picture 10">
+            <a:extLst>
+              <a:ext uri="{FF2B5EF4-FFF2-40B4-BE49-F238E27FC236}">
+                <a16:creationId xmlns:a16="http://schemas.microsoft.com/office/drawing/2014/main" id="{EB8839E0-1D26-27C2-C3D2-71BBE832C53E}"/>
+              </a:ext>
+            </a:extLst>
+          </p:cNvPr>
+          <p:cNvPicPr>
+            <a:picLocks noChangeAspect="1"/>
+          </p:cNvPicPr>
+          <p:nvPr/>
+        </p:nvPicPr>
+        <p:blipFill>
+          <a:blip r:embed="rId4"/>
+          <a:stretch>
+            <a:fillRect/>
+          </a:stretch>
+        </p:blipFill>
+        <p:spPr>
+          <a:xfrm flipH="1">
+            <a:off x="1634398" y="4171325"/>
+            <a:ext cx="1086101" cy="1161947"/>
+          </a:xfrm>
+          <a:prstGeom prst="rect">
+            <a:avLst/>
+          </a:prstGeom>
+          <a:ln w="9525">
+            <a:solidFill>
+              <a:schemeClr val="tx1"/>
+            </a:solidFill>
+          </a:ln>
+        </p:spPr>
+      </p:pic>
+      <p:sp>
+        <p:nvSpPr>
+          <p:cNvPr id="12" name="Rectangle 11">
+            <a:extLst>
+              <a:ext uri="{FF2B5EF4-FFF2-40B4-BE49-F238E27FC236}">
+                <a16:creationId xmlns:a16="http://schemas.microsoft.com/office/drawing/2014/main" id="{6E3075C0-8709-B930-ED79-4C114DB1E5A3}"/>
+              </a:ext>
+            </a:extLst>
+          </p:cNvPr>
+          <p:cNvSpPr/>
+          <p:nvPr/>
+        </p:nvSpPr>
+        <p:spPr>
+          <a:xfrm>
+            <a:off x="4869180" y="674370"/>
+            <a:ext cx="2040960" cy="1017269"/>
+          </a:xfrm>
+          <a:prstGeom prst="rect">
+            <a:avLst/>
+          </a:prstGeom>
+          <a:noFill/>
+        </p:spPr>
+        <p:style>
+          <a:lnRef idx="2">
+            <a:schemeClr val="accent1">
+              <a:shade val="15000"/>
+            </a:schemeClr>
+          </a:lnRef>
+          <a:fillRef idx="1">
+            <a:schemeClr val="accent1"/>
+          </a:fillRef>
+          <a:effectRef idx="0">
+            <a:schemeClr val="accent1"/>
+          </a:effectRef>
+          <a:fontRef idx="minor">
+            <a:schemeClr val="lt1"/>
+          </a:fontRef>
+        </p:style>
+        <p:txBody>
+          <a:bodyPr rtlCol="0" anchor="ctr"/>
+          <a:lstStyle/>
+          <a:p>
+            <a:pPr algn="ctr"/>
+            <a:endParaRPr lang="en-SG" dirty="0"/>
+          </a:p>
+        </p:txBody>
+      </p:sp>
+      <p:pic>
+        <p:nvPicPr>
+          <p:cNvPr id="13" name="Picture 12">
+            <a:extLst>
+              <a:ext uri="{FF2B5EF4-FFF2-40B4-BE49-F238E27FC236}">
+                <a16:creationId xmlns:a16="http://schemas.microsoft.com/office/drawing/2014/main" id="{220FF5B0-50AF-1BD7-B04C-30755341F08D}"/>
+              </a:ext>
+            </a:extLst>
+          </p:cNvPr>
+          <p:cNvPicPr>
+            <a:picLocks noChangeAspect="1"/>
+          </p:cNvPicPr>
+          <p:nvPr/>
+        </p:nvPicPr>
+        <p:blipFill>
+          <a:blip r:embed="rId5"/>
+          <a:stretch>
+            <a:fillRect/>
+          </a:stretch>
+        </p:blipFill>
+        <p:spPr>
+          <a:xfrm>
+            <a:off x="4982590" y="533904"/>
+            <a:ext cx="400622" cy="274983"/>
+          </a:xfrm>
+          <a:prstGeom prst="rect">
+            <a:avLst/>
+          </a:prstGeom>
+        </p:spPr>
+      </p:pic>
+      <p:sp>
+        <p:nvSpPr>
+          <p:cNvPr id="14" name="TextBox 13">
+            <a:extLst>
+              <a:ext uri="{FF2B5EF4-FFF2-40B4-BE49-F238E27FC236}">
+                <a16:creationId xmlns:a16="http://schemas.microsoft.com/office/drawing/2014/main" id="{74936F77-D23D-B94E-764D-91124D5A0936}"/>
+              </a:ext>
+            </a:extLst>
+          </p:cNvPr>
+          <p:cNvSpPr txBox="1"/>
+          <p:nvPr/>
+        </p:nvSpPr>
+        <p:spPr>
+          <a:xfrm>
+            <a:off x="5396944" y="758982"/>
+            <a:ext cx="1499464" cy="307777"/>
+          </a:xfrm>
+          <a:prstGeom prst="rect">
+            <a:avLst/>
+          </a:prstGeom>
+          <a:noFill/>
+        </p:spPr>
+        <p:txBody>
+          <a:bodyPr wrap="square" rtlCol="0">
+            <a:spAutoFit/>
+          </a:bodyPr>
+          <a:lstStyle/>
+          <a:p>
+            <a:r>
+              <a:rPr lang="en-US" sz="1400" b="1" dirty="0"/>
+              <a:t>Windows OS VM</a:t>
+            </a:r>
+            <a:endParaRPr lang="en-SG" sz="1400" b="1" dirty="0"/>
+          </a:p>
+        </p:txBody>
+      </p:sp>
+      <p:sp>
+        <p:nvSpPr>
+          <p:cNvPr id="15" name="Rectangle 14">
+            <a:extLst>
+              <a:ext uri="{FF2B5EF4-FFF2-40B4-BE49-F238E27FC236}">
+                <a16:creationId xmlns:a16="http://schemas.microsoft.com/office/drawing/2014/main" id="{F0B67A0E-3F3F-B917-D53C-4C41D8EAA1CE}"/>
+              </a:ext>
+            </a:extLst>
+          </p:cNvPr>
+          <p:cNvSpPr/>
+          <p:nvPr/>
+        </p:nvSpPr>
+        <p:spPr>
+          <a:xfrm>
+            <a:off x="5266372" y="1199589"/>
+            <a:ext cx="1183005" cy="287243"/>
+          </a:xfrm>
+          <a:prstGeom prst="rect">
+            <a:avLst/>
+          </a:prstGeom>
+          <a:solidFill>
+            <a:schemeClr val="accent6">
+              <a:lumMod val="75000"/>
+            </a:schemeClr>
+          </a:solidFill>
+        </p:spPr>
+        <p:style>
+          <a:lnRef idx="2">
+            <a:schemeClr val="accent1">
+              <a:shade val="50000"/>
+            </a:schemeClr>
+          </a:lnRef>
+          <a:fillRef idx="1">
+            <a:schemeClr val="accent1"/>
+          </a:fillRef>
+          <a:effectRef idx="0">
+            <a:schemeClr val="accent1"/>
+          </a:effectRef>
+          <a:fontRef idx="minor">
+            <a:schemeClr val="lt1"/>
+          </a:fontRef>
+        </p:style>
+        <p:txBody>
+          <a:bodyPr rtlCol="0" anchor="ctr"/>
+          <a:lstStyle/>
+          <a:p>
+            <a:r>
+              <a:rPr lang="en-US" sz="1200" b="1" dirty="0"/>
+              <a:t>PLC Simulator</a:t>
+            </a:r>
+            <a:endParaRPr lang="en-SG" sz="1200" b="1" dirty="0"/>
+          </a:p>
+        </p:txBody>
+      </p:sp>
+      <p:sp>
+        <p:nvSpPr>
+          <p:cNvPr id="16" name="Rectangle 15">
+            <a:extLst>
+              <a:ext uri="{FF2B5EF4-FFF2-40B4-BE49-F238E27FC236}">
+                <a16:creationId xmlns:a16="http://schemas.microsoft.com/office/drawing/2014/main" id="{824BA262-2111-74A7-B361-5F1B0AC2FD8B}"/>
+              </a:ext>
+            </a:extLst>
+          </p:cNvPr>
+          <p:cNvSpPr/>
+          <p:nvPr/>
+        </p:nvSpPr>
+        <p:spPr>
+          <a:xfrm>
+            <a:off x="6593682" y="1199589"/>
+            <a:ext cx="824388" cy="365760"/>
+          </a:xfrm>
+          <a:prstGeom prst="rect">
+            <a:avLst/>
+          </a:prstGeom>
+          <a:solidFill>
+            <a:schemeClr val="accent6">
+              <a:lumMod val="75000"/>
+            </a:schemeClr>
+          </a:solidFill>
+        </p:spPr>
+        <p:style>
+          <a:lnRef idx="2">
+            <a:schemeClr val="accent1">
+              <a:shade val="50000"/>
+            </a:schemeClr>
+          </a:lnRef>
+          <a:fillRef idx="1">
+            <a:schemeClr val="accent1"/>
+          </a:fillRef>
+          <a:effectRef idx="0">
+            <a:schemeClr val="accent1"/>
+          </a:effectRef>
+          <a:fontRef idx="minor">
+            <a:schemeClr val="lt1"/>
+          </a:fontRef>
+        </p:style>
+        <p:txBody>
+          <a:bodyPr rtlCol="0" anchor="ctr"/>
+          <a:lstStyle/>
+          <a:p>
+            <a:r>
+              <a:rPr lang="en-US" sz="1200" b="1" dirty="0"/>
+              <a:t>Modbus Interface</a:t>
+            </a:r>
+            <a:endParaRPr lang="en-SG" sz="1200" b="1" dirty="0"/>
+          </a:p>
+        </p:txBody>
+      </p:sp>
+      <p:sp>
+        <p:nvSpPr>
+          <p:cNvPr id="17" name="Rectangle 16">
+            <a:extLst>
+              <a:ext uri="{FF2B5EF4-FFF2-40B4-BE49-F238E27FC236}">
+                <a16:creationId xmlns:a16="http://schemas.microsoft.com/office/drawing/2014/main" id="{35A48A30-CE8F-192F-DD86-F8DFF098FBD2}"/>
+              </a:ext>
+            </a:extLst>
+          </p:cNvPr>
+          <p:cNvSpPr/>
+          <p:nvPr/>
+        </p:nvSpPr>
+        <p:spPr>
+          <a:xfrm>
+            <a:off x="4243388" y="1198289"/>
+            <a:ext cx="824388" cy="365760"/>
+          </a:xfrm>
+          <a:prstGeom prst="rect">
+            <a:avLst/>
+          </a:prstGeom>
+          <a:solidFill>
+            <a:schemeClr val="accent6">
+              <a:lumMod val="75000"/>
+            </a:schemeClr>
+          </a:solidFill>
+        </p:spPr>
+        <p:style>
+          <a:lnRef idx="2">
+            <a:schemeClr val="accent1">
+              <a:shade val="50000"/>
+            </a:schemeClr>
+          </a:lnRef>
+          <a:fillRef idx="1">
+            <a:schemeClr val="accent1"/>
+          </a:fillRef>
+          <a:effectRef idx="0">
+            <a:schemeClr val="accent1"/>
+          </a:effectRef>
+          <a:fontRef idx="minor">
+            <a:schemeClr val="lt1"/>
+          </a:fontRef>
+        </p:style>
+        <p:txBody>
+          <a:bodyPr rtlCol="0" anchor="ctr"/>
+          <a:lstStyle/>
+          <a:p>
+            <a:r>
+              <a:rPr lang="en-US" sz="1200" b="1" dirty="0"/>
+              <a:t>UDP/TCP Interface</a:t>
+            </a:r>
+            <a:endParaRPr lang="en-SG" sz="1200" b="1" dirty="0"/>
+          </a:p>
+        </p:txBody>
+      </p:sp>
+      <p:sp>
+        <p:nvSpPr>
+          <p:cNvPr id="18" name="TextBox 17">
+            <a:extLst>
+              <a:ext uri="{FF2B5EF4-FFF2-40B4-BE49-F238E27FC236}">
+                <a16:creationId xmlns:a16="http://schemas.microsoft.com/office/drawing/2014/main" id="{E1E0B918-118C-5360-E7F0-5D239E15676E}"/>
+              </a:ext>
+            </a:extLst>
+          </p:cNvPr>
+          <p:cNvSpPr txBox="1"/>
+          <p:nvPr/>
+        </p:nvSpPr>
+        <p:spPr>
+          <a:xfrm>
+            <a:off x="1435554" y="488781"/>
+            <a:ext cx="2382066" cy="307777"/>
+          </a:xfrm>
+          <a:prstGeom prst="rect">
+            <a:avLst/>
+          </a:prstGeom>
+          <a:noFill/>
+        </p:spPr>
+        <p:txBody>
+          <a:bodyPr wrap="square" rtlCol="0">
+            <a:spAutoFit/>
+          </a:bodyPr>
+          <a:lstStyle/>
+          <a:p>
+            <a:r>
+              <a:rPr lang="en-US" sz="1400" b="1" dirty="0"/>
+              <a:t>Virtual OT device emulator </a:t>
+            </a:r>
+            <a:endParaRPr lang="en-SG" sz="1400" b="1" dirty="0"/>
+          </a:p>
+        </p:txBody>
+      </p:sp>
+      <p:cxnSp>
+        <p:nvCxnSpPr>
+          <p:cNvPr id="21" name="Straight Connector 20">
+            <a:extLst>
+              <a:ext uri="{FF2B5EF4-FFF2-40B4-BE49-F238E27FC236}">
+                <a16:creationId xmlns:a16="http://schemas.microsoft.com/office/drawing/2014/main" id="{0CF1E682-D313-C320-85B2-F75E54A1FB16}"/>
+              </a:ext>
+            </a:extLst>
+          </p:cNvPr>
+          <p:cNvCxnSpPr>
+            <a:stCxn id="19" idx="3"/>
+            <a:endCxn id="17" idx="1"/>
+          </p:cNvCxnSpPr>
+          <p:nvPr/>
+        </p:nvCxnSpPr>
+        <p:spPr>
+          <a:xfrm flipV="1">
+            <a:off x="3733051" y="1381169"/>
+            <a:ext cx="510337" cy="0"/>
+          </a:xfrm>
+          <a:prstGeom prst="line">
+            <a:avLst/>
+          </a:prstGeom>
+        </p:spPr>
+        <p:style>
+          <a:lnRef idx="2">
+            <a:schemeClr val="accent1"/>
+          </a:lnRef>
+          <a:fillRef idx="0">
+            <a:schemeClr val="accent1"/>
+          </a:fillRef>
+          <a:effectRef idx="1">
+            <a:schemeClr val="accent1"/>
+          </a:effectRef>
+          <a:fontRef idx="minor">
+            <a:schemeClr val="tx1"/>
+          </a:fontRef>
+        </p:style>
+      </p:cxnSp>
+      <p:sp>
+        <p:nvSpPr>
+          <p:cNvPr id="22" name="Rectangle 21">
+            <a:extLst>
+              <a:ext uri="{FF2B5EF4-FFF2-40B4-BE49-F238E27FC236}">
+                <a16:creationId xmlns:a16="http://schemas.microsoft.com/office/drawing/2014/main" id="{904D2CC7-AC76-77BC-BAEB-EBB1EB418E29}"/>
+              </a:ext>
+            </a:extLst>
+          </p:cNvPr>
+          <p:cNvSpPr/>
+          <p:nvPr/>
+        </p:nvSpPr>
+        <p:spPr>
+          <a:xfrm>
+            <a:off x="4869180" y="1927985"/>
+            <a:ext cx="2183130" cy="1120631"/>
+          </a:xfrm>
+          <a:prstGeom prst="rect">
+            <a:avLst/>
+          </a:prstGeom>
+          <a:noFill/>
+        </p:spPr>
+        <p:style>
+          <a:lnRef idx="2">
+            <a:schemeClr val="accent1">
+              <a:shade val="15000"/>
+            </a:schemeClr>
+          </a:lnRef>
+          <a:fillRef idx="1">
+            <a:schemeClr val="accent1"/>
+          </a:fillRef>
+          <a:effectRef idx="0">
+            <a:schemeClr val="accent1"/>
+          </a:effectRef>
+          <a:fontRef idx="minor">
+            <a:schemeClr val="lt1"/>
+          </a:fontRef>
+        </p:style>
+        <p:txBody>
+          <a:bodyPr rtlCol="0" anchor="ctr"/>
+          <a:lstStyle/>
+          <a:p>
+            <a:pPr algn="ctr"/>
+            <a:endParaRPr lang="en-SG" dirty="0"/>
+          </a:p>
+        </p:txBody>
+      </p:sp>
+      <p:sp>
+        <p:nvSpPr>
+          <p:cNvPr id="23" name="TextBox 22">
+            <a:extLst>
+              <a:ext uri="{FF2B5EF4-FFF2-40B4-BE49-F238E27FC236}">
+                <a16:creationId xmlns:a16="http://schemas.microsoft.com/office/drawing/2014/main" id="{77A1233B-0BD6-4073-9C92-B4D79134FF7B}"/>
+              </a:ext>
+            </a:extLst>
+          </p:cNvPr>
+          <p:cNvSpPr txBox="1"/>
+          <p:nvPr/>
+        </p:nvSpPr>
+        <p:spPr>
+          <a:xfrm>
+            <a:off x="5474146" y="1931761"/>
+            <a:ext cx="1303564" cy="307777"/>
+          </a:xfrm>
+          <a:prstGeom prst="rect">
+            <a:avLst/>
+          </a:prstGeom>
+          <a:noFill/>
+        </p:spPr>
+        <p:txBody>
+          <a:bodyPr wrap="square" rtlCol="0">
+            <a:spAutoFit/>
+          </a:bodyPr>
+          <a:lstStyle/>
+          <a:p>
+            <a:r>
+              <a:rPr lang="en-US" sz="1400" b="1" dirty="0"/>
+              <a:t>Raspberry PI</a:t>
+            </a:r>
+            <a:endParaRPr lang="en-SG" sz="1400" b="1" dirty="0"/>
+          </a:p>
+        </p:txBody>
+      </p:sp>
+      <p:pic>
+        <p:nvPicPr>
+          <p:cNvPr id="25" name="Picture 24">
+            <a:extLst>
+              <a:ext uri="{FF2B5EF4-FFF2-40B4-BE49-F238E27FC236}">
+                <a16:creationId xmlns:a16="http://schemas.microsoft.com/office/drawing/2014/main" id="{CE47B083-16BD-A3F0-7CE7-3FF2B424F994}"/>
+              </a:ext>
+            </a:extLst>
+          </p:cNvPr>
+          <p:cNvPicPr>
+            <a:picLocks noChangeAspect="1"/>
+          </p:cNvPicPr>
+          <p:nvPr/>
+        </p:nvPicPr>
+        <p:blipFill>
+          <a:blip r:embed="rId6"/>
+          <a:stretch>
+            <a:fillRect/>
+          </a:stretch>
+        </p:blipFill>
+        <p:spPr>
+          <a:xfrm>
+            <a:off x="4919120" y="1776251"/>
+            <a:ext cx="477824" cy="443694"/>
+          </a:xfrm>
+          <a:prstGeom prst="rect">
+            <a:avLst/>
+          </a:prstGeom>
+        </p:spPr>
+      </p:pic>
+      <p:sp>
+        <p:nvSpPr>
+          <p:cNvPr id="26" name="Rectangle 25">
+            <a:extLst>
+              <a:ext uri="{FF2B5EF4-FFF2-40B4-BE49-F238E27FC236}">
+                <a16:creationId xmlns:a16="http://schemas.microsoft.com/office/drawing/2014/main" id="{F908E961-E21D-6EAE-D614-55F0C18BD6EE}"/>
+              </a:ext>
+            </a:extLst>
+          </p:cNvPr>
+          <p:cNvSpPr/>
+          <p:nvPr/>
+        </p:nvSpPr>
+        <p:spPr>
+          <a:xfrm>
+            <a:off x="5445821" y="2259496"/>
+            <a:ext cx="1289026" cy="287243"/>
+          </a:xfrm>
+          <a:prstGeom prst="rect">
+            <a:avLst/>
+          </a:prstGeom>
+          <a:solidFill>
+            <a:schemeClr val="accent6">
+              <a:lumMod val="75000"/>
+            </a:schemeClr>
+          </a:solidFill>
+        </p:spPr>
+        <p:style>
+          <a:lnRef idx="2">
+            <a:schemeClr val="accent1">
+              <a:shade val="50000"/>
+            </a:schemeClr>
+          </a:lnRef>
+          <a:fillRef idx="1">
+            <a:schemeClr val="accent1"/>
+          </a:fillRef>
+          <a:effectRef idx="0">
+            <a:schemeClr val="accent1"/>
+          </a:effectRef>
+          <a:fontRef idx="minor">
+            <a:schemeClr val="lt1"/>
+          </a:fontRef>
+        </p:style>
+        <p:txBody>
+          <a:bodyPr rtlCol="0" anchor="ctr"/>
+          <a:lstStyle/>
+          <a:p>
+            <a:r>
+              <a:rPr lang="en-US" sz="1200" b="1" dirty="0"/>
+              <a:t>PLC Simulator</a:t>
+            </a:r>
+            <a:endParaRPr lang="en-SG" sz="1200" b="1" dirty="0"/>
+          </a:p>
+        </p:txBody>
+      </p:sp>
+      <p:sp>
+        <p:nvSpPr>
+          <p:cNvPr id="28" name="Rectangle 27">
+            <a:extLst>
+              <a:ext uri="{FF2B5EF4-FFF2-40B4-BE49-F238E27FC236}">
+                <a16:creationId xmlns:a16="http://schemas.microsoft.com/office/drawing/2014/main" id="{FDB13330-634B-BB48-B026-94D3183DC4C4}"/>
+              </a:ext>
+            </a:extLst>
+          </p:cNvPr>
+          <p:cNvSpPr/>
+          <p:nvPr/>
+        </p:nvSpPr>
+        <p:spPr>
+          <a:xfrm>
+            <a:off x="6655535" y="2622132"/>
+            <a:ext cx="824388" cy="365760"/>
+          </a:xfrm>
+          <a:prstGeom prst="rect">
+            <a:avLst/>
+          </a:prstGeom>
+          <a:solidFill>
+            <a:schemeClr val="accent6">
+              <a:lumMod val="75000"/>
+            </a:schemeClr>
+          </a:solidFill>
+        </p:spPr>
+        <p:style>
+          <a:lnRef idx="2">
+            <a:schemeClr val="accent1">
+              <a:shade val="50000"/>
+            </a:schemeClr>
+          </a:lnRef>
+          <a:fillRef idx="1">
+            <a:schemeClr val="accent1"/>
+          </a:fillRef>
+          <a:effectRef idx="0">
+            <a:schemeClr val="accent1"/>
+          </a:effectRef>
+          <a:fontRef idx="minor">
+            <a:schemeClr val="lt1"/>
+          </a:fontRef>
+        </p:style>
+        <p:txBody>
+          <a:bodyPr rtlCol="0" anchor="ctr"/>
+          <a:lstStyle/>
+          <a:p>
+            <a:r>
+              <a:rPr lang="en-US" sz="1200" b="1" dirty="0"/>
+              <a:t>Modbus Interface</a:t>
+            </a:r>
+            <a:endParaRPr lang="en-SG" sz="1200" b="1" dirty="0"/>
+          </a:p>
+        </p:txBody>
+      </p:sp>
+      <p:sp>
+        <p:nvSpPr>
+          <p:cNvPr id="29" name="Rectangle 28">
+            <a:extLst>
+              <a:ext uri="{FF2B5EF4-FFF2-40B4-BE49-F238E27FC236}">
+                <a16:creationId xmlns:a16="http://schemas.microsoft.com/office/drawing/2014/main" id="{09B9123B-9207-9152-362F-454B5F99B725}"/>
+              </a:ext>
+            </a:extLst>
+          </p:cNvPr>
+          <p:cNvSpPr/>
+          <p:nvPr/>
+        </p:nvSpPr>
+        <p:spPr>
+          <a:xfrm>
+            <a:off x="4999903" y="2676600"/>
+            <a:ext cx="1289026" cy="287243"/>
+          </a:xfrm>
+          <a:prstGeom prst="rect">
+            <a:avLst/>
+          </a:prstGeom>
+          <a:solidFill>
+            <a:schemeClr val="accent6">
+              <a:lumMod val="75000"/>
+            </a:schemeClr>
+          </a:solidFill>
+        </p:spPr>
+        <p:style>
+          <a:lnRef idx="2">
+            <a:schemeClr val="accent1">
+              <a:shade val="50000"/>
+            </a:schemeClr>
+          </a:lnRef>
+          <a:fillRef idx="1">
+            <a:schemeClr val="accent1"/>
+          </a:fillRef>
+          <a:effectRef idx="0">
+            <a:schemeClr val="accent1"/>
+          </a:effectRef>
+          <a:fontRef idx="minor">
+            <a:schemeClr val="lt1"/>
+          </a:fontRef>
+        </p:style>
+        <p:txBody>
+          <a:bodyPr rtlCol="0" anchor="ctr"/>
+          <a:lstStyle/>
+          <a:p>
+            <a:r>
+              <a:rPr lang="en-US" sz="1200" b="1" dirty="0"/>
+              <a:t>GPIO interface</a:t>
+            </a:r>
+            <a:endParaRPr lang="en-SG" sz="1200" b="1" dirty="0"/>
+          </a:p>
+        </p:txBody>
+      </p:sp>
+      <p:cxnSp>
+        <p:nvCxnSpPr>
+          <p:cNvPr id="31" name="Straight Connector 30">
+            <a:extLst>
+              <a:ext uri="{FF2B5EF4-FFF2-40B4-BE49-F238E27FC236}">
+                <a16:creationId xmlns:a16="http://schemas.microsoft.com/office/drawing/2014/main" id="{4BB9F1E5-09DC-F14D-D67E-609F2475C09C}"/>
+              </a:ext>
+            </a:extLst>
+          </p:cNvPr>
+          <p:cNvCxnSpPr>
+            <a:cxnSpLocks/>
+          </p:cNvCxnSpPr>
+          <p:nvPr/>
+        </p:nvCxnSpPr>
+        <p:spPr>
+          <a:xfrm>
+            <a:off x="3265319" y="2529330"/>
+            <a:ext cx="1603861" cy="0"/>
+          </a:xfrm>
+          <a:prstGeom prst="line">
+            <a:avLst/>
+          </a:prstGeom>
+        </p:spPr>
+        <p:style>
+          <a:lnRef idx="2">
+            <a:schemeClr val="accent1"/>
+          </a:lnRef>
+          <a:fillRef idx="0">
+            <a:schemeClr val="accent1"/>
+          </a:fillRef>
+          <a:effectRef idx="1">
+            <a:schemeClr val="accent1"/>
+          </a:effectRef>
+          <a:fontRef idx="minor">
+            <a:schemeClr val="tx1"/>
+          </a:fontRef>
+        </p:style>
+      </p:cxnSp>
+      <p:cxnSp>
+        <p:nvCxnSpPr>
+          <p:cNvPr id="33" name="Straight Connector 32">
+            <a:extLst>
+              <a:ext uri="{FF2B5EF4-FFF2-40B4-BE49-F238E27FC236}">
+                <a16:creationId xmlns:a16="http://schemas.microsoft.com/office/drawing/2014/main" id="{64033A23-A0C5-7B52-653C-9EFEC23AA50B}"/>
+              </a:ext>
+            </a:extLst>
+          </p:cNvPr>
+          <p:cNvCxnSpPr>
+            <a:cxnSpLocks/>
+          </p:cNvCxnSpPr>
+          <p:nvPr/>
+        </p:nvCxnSpPr>
+        <p:spPr>
+          <a:xfrm>
+            <a:off x="3265319" y="2707379"/>
+            <a:ext cx="1603861" cy="0"/>
+          </a:xfrm>
+          <a:prstGeom prst="line">
+            <a:avLst/>
+          </a:prstGeom>
+        </p:spPr>
+        <p:style>
+          <a:lnRef idx="2">
+            <a:schemeClr val="accent1"/>
+          </a:lnRef>
+          <a:fillRef idx="0">
+            <a:schemeClr val="accent1"/>
+          </a:fillRef>
+          <a:effectRef idx="1">
+            <a:schemeClr val="accent1"/>
+          </a:effectRef>
+          <a:fontRef idx="minor">
+            <a:schemeClr val="tx1"/>
+          </a:fontRef>
+        </p:style>
+      </p:cxnSp>
+      <p:cxnSp>
+        <p:nvCxnSpPr>
+          <p:cNvPr id="34" name="Straight Connector 33">
+            <a:extLst>
+              <a:ext uri="{FF2B5EF4-FFF2-40B4-BE49-F238E27FC236}">
+                <a16:creationId xmlns:a16="http://schemas.microsoft.com/office/drawing/2014/main" id="{B50395C5-8DEC-B2C6-6F54-721FF664B1BB}"/>
+              </a:ext>
+            </a:extLst>
+          </p:cNvPr>
+          <p:cNvCxnSpPr>
+            <a:cxnSpLocks/>
+          </p:cNvCxnSpPr>
+          <p:nvPr/>
+        </p:nvCxnSpPr>
+        <p:spPr>
+          <a:xfrm>
+            <a:off x="3265319" y="2923491"/>
+            <a:ext cx="1603861" cy="0"/>
+          </a:xfrm>
+          <a:prstGeom prst="line">
+            <a:avLst/>
+          </a:prstGeom>
+        </p:spPr>
+        <p:style>
+          <a:lnRef idx="2">
+            <a:schemeClr val="accent1"/>
+          </a:lnRef>
+          <a:fillRef idx="0">
+            <a:schemeClr val="accent1"/>
+          </a:fillRef>
+          <a:effectRef idx="1">
+            <a:schemeClr val="accent1"/>
+          </a:effectRef>
+          <a:fontRef idx="minor">
+            <a:schemeClr val="tx1"/>
+          </a:fontRef>
+        </p:style>
+      </p:cxnSp>
+      <p:sp>
+        <p:nvSpPr>
+          <p:cNvPr id="36" name="TextBox 35">
+            <a:extLst>
+              <a:ext uri="{FF2B5EF4-FFF2-40B4-BE49-F238E27FC236}">
+                <a16:creationId xmlns:a16="http://schemas.microsoft.com/office/drawing/2014/main" id="{1088D0FB-AC99-7923-2DF1-31194DEDDD53}"/>
+              </a:ext>
+            </a:extLst>
+          </p:cNvPr>
+          <p:cNvSpPr txBox="1"/>
+          <p:nvPr/>
+        </p:nvSpPr>
+        <p:spPr>
+          <a:xfrm>
+            <a:off x="1516116" y="2053966"/>
+            <a:ext cx="1862064" cy="307777"/>
+          </a:xfrm>
+          <a:prstGeom prst="rect">
+            <a:avLst/>
+          </a:prstGeom>
+          <a:noFill/>
+        </p:spPr>
+        <p:txBody>
+          <a:bodyPr wrap="square" rtlCol="0">
+            <a:spAutoFit/>
+          </a:bodyPr>
+          <a:lstStyle/>
+          <a:p>
+            <a:r>
+              <a:rPr lang="en-US" sz="1400" b="1" dirty="0"/>
+              <a:t>Physical OT device</a:t>
+            </a:r>
+            <a:endParaRPr lang="en-SG" sz="1400" b="1" dirty="0"/>
+          </a:p>
+        </p:txBody>
+      </p:sp>
+      <p:sp>
+        <p:nvSpPr>
+          <p:cNvPr id="39" name="Rectangle 38">
+            <a:extLst>
+              <a:ext uri="{FF2B5EF4-FFF2-40B4-BE49-F238E27FC236}">
+                <a16:creationId xmlns:a16="http://schemas.microsoft.com/office/drawing/2014/main" id="{2D913537-1CE1-6597-37DC-CB38AE72899D}"/>
+              </a:ext>
+            </a:extLst>
+          </p:cNvPr>
+          <p:cNvSpPr/>
+          <p:nvPr/>
+        </p:nvSpPr>
+        <p:spPr>
+          <a:xfrm>
+            <a:off x="4855549" y="3288754"/>
+            <a:ext cx="2183130" cy="1183736"/>
+          </a:xfrm>
+          <a:prstGeom prst="rect">
+            <a:avLst/>
+          </a:prstGeom>
+          <a:noFill/>
+        </p:spPr>
+        <p:style>
+          <a:lnRef idx="2">
+            <a:schemeClr val="accent1">
+              <a:shade val="15000"/>
+            </a:schemeClr>
+          </a:lnRef>
+          <a:fillRef idx="1">
+            <a:schemeClr val="accent1"/>
+          </a:fillRef>
+          <a:effectRef idx="0">
+            <a:schemeClr val="accent1"/>
+          </a:effectRef>
+          <a:fontRef idx="minor">
+            <a:schemeClr val="lt1"/>
+          </a:fontRef>
+        </p:style>
+        <p:txBody>
+          <a:bodyPr rtlCol="0" anchor="ctr"/>
+          <a:lstStyle/>
+          <a:p>
+            <a:pPr algn="ctr"/>
+            <a:endParaRPr lang="en-SG" dirty="0"/>
+          </a:p>
+        </p:txBody>
+      </p:sp>
+      <p:sp>
+        <p:nvSpPr>
+          <p:cNvPr id="40" name="TextBox 39">
+            <a:extLst>
+              <a:ext uri="{FF2B5EF4-FFF2-40B4-BE49-F238E27FC236}">
+                <a16:creationId xmlns:a16="http://schemas.microsoft.com/office/drawing/2014/main" id="{FF252C49-06ED-5CEB-8905-00FADFB74823}"/>
+              </a:ext>
+            </a:extLst>
+          </p:cNvPr>
+          <p:cNvSpPr txBox="1"/>
+          <p:nvPr/>
+        </p:nvSpPr>
+        <p:spPr>
+          <a:xfrm>
+            <a:off x="5396944" y="3316624"/>
+            <a:ext cx="1709603" cy="307777"/>
+          </a:xfrm>
+          <a:prstGeom prst="rect">
+            <a:avLst/>
+          </a:prstGeom>
+          <a:noFill/>
+        </p:spPr>
+        <p:txBody>
+          <a:bodyPr wrap="square" rtlCol="0">
+            <a:spAutoFit/>
+          </a:bodyPr>
+          <a:lstStyle/>
+          <a:p>
+            <a:r>
+              <a:rPr lang="en-US" sz="1400" b="1" dirty="0" err="1"/>
+              <a:t>BeagleBone</a:t>
+            </a:r>
+            <a:r>
+              <a:rPr lang="en-US" sz="1400" b="1" dirty="0"/>
+              <a:t>-Black</a:t>
+            </a:r>
+            <a:endParaRPr lang="en-SG" sz="1400" b="1" dirty="0"/>
+          </a:p>
+        </p:txBody>
+      </p:sp>
+      <p:sp>
+        <p:nvSpPr>
+          <p:cNvPr id="41" name="Rectangle 40">
+            <a:extLst>
+              <a:ext uri="{FF2B5EF4-FFF2-40B4-BE49-F238E27FC236}">
+                <a16:creationId xmlns:a16="http://schemas.microsoft.com/office/drawing/2014/main" id="{64709892-2C8C-14C1-DFC9-394BC694700F}"/>
+              </a:ext>
+            </a:extLst>
+          </p:cNvPr>
+          <p:cNvSpPr/>
+          <p:nvPr/>
+        </p:nvSpPr>
+        <p:spPr>
+          <a:xfrm>
+            <a:off x="5474146" y="3658348"/>
+            <a:ext cx="1289026" cy="287243"/>
+          </a:xfrm>
+          <a:prstGeom prst="rect">
+            <a:avLst/>
+          </a:prstGeom>
+          <a:solidFill>
+            <a:schemeClr val="accent6">
+              <a:lumMod val="75000"/>
+            </a:schemeClr>
+          </a:solidFill>
+        </p:spPr>
+        <p:style>
+          <a:lnRef idx="2">
+            <a:schemeClr val="accent1">
+              <a:shade val="50000"/>
+            </a:schemeClr>
+          </a:lnRef>
+          <a:fillRef idx="1">
+            <a:schemeClr val="accent1"/>
+          </a:fillRef>
+          <a:effectRef idx="0">
+            <a:schemeClr val="accent1"/>
+          </a:effectRef>
+          <a:fontRef idx="minor">
+            <a:schemeClr val="lt1"/>
+          </a:fontRef>
+        </p:style>
+        <p:txBody>
+          <a:bodyPr rtlCol="0" anchor="ctr"/>
+          <a:lstStyle/>
+          <a:p>
+            <a:r>
+              <a:rPr lang="en-US" sz="1200" b="1" dirty="0"/>
+              <a:t>RTU Simulator</a:t>
+            </a:r>
+            <a:endParaRPr lang="en-SG" sz="1200" b="1" dirty="0"/>
+          </a:p>
+        </p:txBody>
+      </p:sp>
+      <p:sp>
+        <p:nvSpPr>
+          <p:cNvPr id="43" name="Rectangle 42">
+            <a:extLst>
+              <a:ext uri="{FF2B5EF4-FFF2-40B4-BE49-F238E27FC236}">
+                <a16:creationId xmlns:a16="http://schemas.microsoft.com/office/drawing/2014/main" id="{5D09E90E-3852-5ABD-367A-1057698E3BD7}"/>
+              </a:ext>
+            </a:extLst>
+          </p:cNvPr>
+          <p:cNvSpPr/>
+          <p:nvPr/>
+        </p:nvSpPr>
+        <p:spPr>
+          <a:xfrm>
+            <a:off x="6655535" y="4051697"/>
+            <a:ext cx="824388" cy="365760"/>
+          </a:xfrm>
+          <a:prstGeom prst="rect">
+            <a:avLst/>
+          </a:prstGeom>
+          <a:solidFill>
+            <a:schemeClr val="accent6">
+              <a:lumMod val="75000"/>
+            </a:schemeClr>
+          </a:solidFill>
+        </p:spPr>
+        <p:style>
+          <a:lnRef idx="2">
+            <a:schemeClr val="accent1">
+              <a:shade val="50000"/>
+            </a:schemeClr>
+          </a:lnRef>
+          <a:fillRef idx="1">
+            <a:schemeClr val="accent1"/>
+          </a:fillRef>
+          <a:effectRef idx="0">
+            <a:schemeClr val="accent1"/>
+          </a:effectRef>
+          <a:fontRef idx="minor">
+            <a:schemeClr val="lt1"/>
+          </a:fontRef>
+        </p:style>
+        <p:txBody>
+          <a:bodyPr rtlCol="0" anchor="ctr"/>
+          <a:lstStyle/>
+          <a:p>
+            <a:r>
+              <a:rPr lang="en-US" sz="1200" b="1" dirty="0"/>
+              <a:t>S7commInterface</a:t>
+            </a:r>
+            <a:endParaRPr lang="en-SG" sz="1200" b="1" dirty="0"/>
+          </a:p>
+        </p:txBody>
+      </p:sp>
+      <p:sp>
+        <p:nvSpPr>
+          <p:cNvPr id="44" name="TextBox 43">
+            <a:extLst>
+              <a:ext uri="{FF2B5EF4-FFF2-40B4-BE49-F238E27FC236}">
+                <a16:creationId xmlns:a16="http://schemas.microsoft.com/office/drawing/2014/main" id="{146239E7-3F14-DCC9-010F-DE22B62D3A04}"/>
+              </a:ext>
+            </a:extLst>
+          </p:cNvPr>
+          <p:cNvSpPr txBox="1"/>
+          <p:nvPr/>
+        </p:nvSpPr>
+        <p:spPr>
+          <a:xfrm>
+            <a:off x="1519886" y="3581598"/>
+            <a:ext cx="2536662" cy="523220"/>
+          </a:xfrm>
+          <a:prstGeom prst="rect">
+            <a:avLst/>
+          </a:prstGeom>
+          <a:noFill/>
+        </p:spPr>
+        <p:txBody>
+          <a:bodyPr wrap="square" rtlCol="0">
+            <a:spAutoFit/>
+          </a:bodyPr>
+          <a:lstStyle/>
+          <a:p>
+            <a:r>
+              <a:rPr lang="en-US" sz="1400" b="1" dirty="0"/>
+              <a:t>Physical OT device with serial port</a:t>
+            </a:r>
+            <a:endParaRPr lang="en-SG" sz="1400" b="1" dirty="0"/>
+          </a:p>
+        </p:txBody>
+      </p:sp>
+      <p:cxnSp>
+        <p:nvCxnSpPr>
+          <p:cNvPr id="45" name="Straight Connector 44">
+            <a:extLst>
+              <a:ext uri="{FF2B5EF4-FFF2-40B4-BE49-F238E27FC236}">
+                <a16:creationId xmlns:a16="http://schemas.microsoft.com/office/drawing/2014/main" id="{C9A37708-3DA4-8223-0123-5554373951AC}"/>
+              </a:ext>
+            </a:extLst>
+          </p:cNvPr>
+          <p:cNvCxnSpPr>
+            <a:cxnSpLocks/>
+          </p:cNvCxnSpPr>
+          <p:nvPr/>
+        </p:nvCxnSpPr>
+        <p:spPr>
+          <a:xfrm>
+            <a:off x="2726173" y="4805949"/>
+            <a:ext cx="2115644" cy="0"/>
+          </a:xfrm>
+          <a:prstGeom prst="line">
+            <a:avLst/>
+          </a:prstGeom>
+        </p:spPr>
+        <p:style>
+          <a:lnRef idx="2">
+            <a:schemeClr val="accent1"/>
+          </a:lnRef>
+          <a:fillRef idx="0">
+            <a:schemeClr val="accent1"/>
+          </a:fillRef>
+          <a:effectRef idx="1">
+            <a:schemeClr val="accent1"/>
+          </a:effectRef>
+          <a:fontRef idx="minor">
+            <a:schemeClr val="tx1"/>
+          </a:fontRef>
+        </p:style>
+      </p:cxnSp>
+      <p:cxnSp>
+        <p:nvCxnSpPr>
+          <p:cNvPr id="47" name="Straight Connector 46">
+            <a:extLst>
+              <a:ext uri="{FF2B5EF4-FFF2-40B4-BE49-F238E27FC236}">
+                <a16:creationId xmlns:a16="http://schemas.microsoft.com/office/drawing/2014/main" id="{5B093355-500E-0365-AEA0-EEAB781AFDD1}"/>
+              </a:ext>
+            </a:extLst>
+          </p:cNvPr>
+          <p:cNvCxnSpPr>
+            <a:cxnSpLocks/>
+          </p:cNvCxnSpPr>
+          <p:nvPr/>
+        </p:nvCxnSpPr>
+        <p:spPr>
+          <a:xfrm>
+            <a:off x="2720500" y="5063250"/>
+            <a:ext cx="2105109" cy="0"/>
+          </a:xfrm>
+          <a:prstGeom prst="line">
+            <a:avLst/>
+          </a:prstGeom>
+        </p:spPr>
+        <p:style>
+          <a:lnRef idx="2">
+            <a:schemeClr val="accent1"/>
+          </a:lnRef>
+          <a:fillRef idx="0">
+            <a:schemeClr val="accent1"/>
+          </a:fillRef>
+          <a:effectRef idx="1">
+            <a:schemeClr val="accent1"/>
+          </a:effectRef>
+          <a:fontRef idx="minor">
+            <a:schemeClr val="tx1"/>
+          </a:fontRef>
+        </p:style>
+      </p:cxnSp>
+      <p:pic>
+        <p:nvPicPr>
+          <p:cNvPr id="38" name="Picture 37">
+            <a:extLst>
+              <a:ext uri="{FF2B5EF4-FFF2-40B4-BE49-F238E27FC236}">
+                <a16:creationId xmlns:a16="http://schemas.microsoft.com/office/drawing/2014/main" id="{F6FA5DEC-6E68-8D2F-1043-AC260C6D1305}"/>
+              </a:ext>
+            </a:extLst>
+          </p:cNvPr>
+          <p:cNvPicPr>
+            <a:picLocks noChangeAspect="1"/>
+          </p:cNvPicPr>
+          <p:nvPr/>
+        </p:nvPicPr>
+        <p:blipFill>
+          <a:blip r:embed="rId7"/>
+          <a:stretch>
+            <a:fillRect/>
+          </a:stretch>
+        </p:blipFill>
+        <p:spPr>
+          <a:xfrm>
+            <a:off x="4963772" y="3152175"/>
+            <a:ext cx="438258" cy="438258"/>
+          </a:xfrm>
+          <a:prstGeom prst="rect">
+            <a:avLst/>
+          </a:prstGeom>
+        </p:spPr>
+      </p:pic>
+      <p:sp>
+        <p:nvSpPr>
+          <p:cNvPr id="59" name="Rectangle 58">
+            <a:extLst>
+              <a:ext uri="{FF2B5EF4-FFF2-40B4-BE49-F238E27FC236}">
+                <a16:creationId xmlns:a16="http://schemas.microsoft.com/office/drawing/2014/main" id="{8C256DFD-EC34-6374-ADAD-8A941CF6A452}"/>
+              </a:ext>
+            </a:extLst>
+          </p:cNvPr>
+          <p:cNvSpPr/>
+          <p:nvPr/>
+        </p:nvSpPr>
+        <p:spPr>
+          <a:xfrm>
+            <a:off x="4945790" y="4085081"/>
+            <a:ext cx="1289026" cy="287243"/>
+          </a:xfrm>
+          <a:prstGeom prst="rect">
+            <a:avLst/>
+          </a:prstGeom>
+          <a:solidFill>
+            <a:schemeClr val="accent6">
+              <a:lumMod val="75000"/>
+            </a:schemeClr>
+          </a:solidFill>
+        </p:spPr>
+        <p:style>
+          <a:lnRef idx="2">
+            <a:schemeClr val="accent1">
+              <a:shade val="50000"/>
+            </a:schemeClr>
+          </a:lnRef>
+          <a:fillRef idx="1">
+            <a:schemeClr val="accent1"/>
+          </a:fillRef>
+          <a:effectRef idx="0">
+            <a:schemeClr val="accent1"/>
+          </a:effectRef>
+          <a:fontRef idx="minor">
+            <a:schemeClr val="lt1"/>
+          </a:fontRef>
+        </p:style>
+        <p:txBody>
+          <a:bodyPr rtlCol="0" anchor="ctr"/>
+          <a:lstStyle/>
+          <a:p>
+            <a:r>
+              <a:rPr lang="en-US" sz="1200" b="1" dirty="0"/>
+              <a:t>GPIO interface</a:t>
+            </a:r>
+            <a:endParaRPr lang="en-SG" sz="1200" b="1" dirty="0"/>
+          </a:p>
+        </p:txBody>
+      </p:sp>
+      <p:sp>
+        <p:nvSpPr>
+          <p:cNvPr id="61" name="Rectangle 60">
+            <a:extLst>
+              <a:ext uri="{FF2B5EF4-FFF2-40B4-BE49-F238E27FC236}">
+                <a16:creationId xmlns:a16="http://schemas.microsoft.com/office/drawing/2014/main" id="{5DAAA7BF-D935-AB90-5E85-D3403E06BB2E}"/>
+              </a:ext>
+            </a:extLst>
+          </p:cNvPr>
+          <p:cNvSpPr/>
+          <p:nvPr/>
+        </p:nvSpPr>
+        <p:spPr>
+          <a:xfrm>
+            <a:off x="4413415" y="3648137"/>
+            <a:ext cx="824388" cy="365760"/>
+          </a:xfrm>
+          <a:prstGeom prst="rect">
+            <a:avLst/>
+          </a:prstGeom>
+          <a:solidFill>
+            <a:schemeClr val="accent6">
+              <a:lumMod val="75000"/>
+            </a:schemeClr>
+          </a:solidFill>
+        </p:spPr>
+        <p:style>
+          <a:lnRef idx="2">
+            <a:schemeClr val="accent1">
+              <a:shade val="50000"/>
+            </a:schemeClr>
+          </a:lnRef>
+          <a:fillRef idx="1">
+            <a:schemeClr val="accent1"/>
+          </a:fillRef>
+          <a:effectRef idx="0">
+            <a:schemeClr val="accent1"/>
+          </a:effectRef>
+          <a:fontRef idx="minor">
+            <a:schemeClr val="lt1"/>
+          </a:fontRef>
+        </p:style>
+        <p:txBody>
+          <a:bodyPr rtlCol="0" anchor="ctr"/>
+          <a:lstStyle/>
+          <a:p>
+            <a:r>
+              <a:rPr lang="en-US" sz="1200" b="1" dirty="0"/>
+              <a:t>UDP/TCP Interface</a:t>
+            </a:r>
+            <a:endParaRPr lang="en-SG" sz="1200" b="1" dirty="0"/>
+          </a:p>
+        </p:txBody>
+      </p:sp>
+      <p:cxnSp>
+        <p:nvCxnSpPr>
+          <p:cNvPr id="63" name="Connector: Elbow 62">
+            <a:extLst>
+              <a:ext uri="{FF2B5EF4-FFF2-40B4-BE49-F238E27FC236}">
+                <a16:creationId xmlns:a16="http://schemas.microsoft.com/office/drawing/2014/main" id="{F6B068C6-41FC-CB18-02EB-86211BC402CD}"/>
+              </a:ext>
+            </a:extLst>
+          </p:cNvPr>
+          <p:cNvCxnSpPr>
+            <a:cxnSpLocks/>
+            <a:stCxn id="61" idx="1"/>
+            <a:endCxn id="19" idx="0"/>
+          </p:cNvCxnSpPr>
+          <p:nvPr/>
+        </p:nvCxnSpPr>
+        <p:spPr>
+          <a:xfrm rot="10800000">
+            <a:off x="3320857" y="1205865"/>
+            <a:ext cx="1092558" cy="2625153"/>
+          </a:xfrm>
+          <a:prstGeom prst="bentConnector4">
+            <a:avLst>
+              <a:gd name="adj1" fmla="val 31136"/>
+              <a:gd name="adj2" fmla="val 86067"/>
+            </a:avLst>
+          </a:prstGeom>
+        </p:spPr>
+        <p:style>
+          <a:lnRef idx="2">
+            <a:schemeClr val="accent1"/>
+          </a:lnRef>
+          <a:fillRef idx="0">
+            <a:schemeClr val="accent1"/>
+          </a:fillRef>
+          <a:effectRef idx="1">
+            <a:schemeClr val="accent1"/>
+          </a:effectRef>
+          <a:fontRef idx="minor">
+            <a:schemeClr val="tx1"/>
+          </a:fontRef>
+        </p:style>
+      </p:cxnSp>
+      <p:cxnSp>
+        <p:nvCxnSpPr>
+          <p:cNvPr id="64" name="Connector: Elbow 63">
+            <a:extLst>
+              <a:ext uri="{FF2B5EF4-FFF2-40B4-BE49-F238E27FC236}">
+                <a16:creationId xmlns:a16="http://schemas.microsoft.com/office/drawing/2014/main" id="{B17E54AF-93E0-73F5-EEA0-B71AEA3D18C9}"/>
+              </a:ext>
+            </a:extLst>
+          </p:cNvPr>
+          <p:cNvCxnSpPr>
+            <a:cxnSpLocks/>
+            <a:stCxn id="59" idx="1"/>
+          </p:cNvCxnSpPr>
+          <p:nvPr/>
+        </p:nvCxnSpPr>
+        <p:spPr>
+          <a:xfrm rot="10800000">
+            <a:off x="3237120" y="3048621"/>
+            <a:ext cx="1708670" cy="1180083"/>
+          </a:xfrm>
+          <a:prstGeom prst="bentConnector3">
+            <a:avLst>
+              <a:gd name="adj1" fmla="val 60034"/>
+            </a:avLst>
+          </a:prstGeom>
+        </p:spPr>
+        <p:style>
+          <a:lnRef idx="2">
+            <a:schemeClr val="accent1"/>
+          </a:lnRef>
+          <a:fillRef idx="0">
+            <a:schemeClr val="accent1"/>
+          </a:fillRef>
+          <a:effectRef idx="1">
+            <a:schemeClr val="accent1"/>
+          </a:effectRef>
+          <a:fontRef idx="minor">
+            <a:schemeClr val="tx1"/>
+          </a:fontRef>
+        </p:style>
+      </p:cxnSp>
+      <p:sp>
+        <p:nvSpPr>
+          <p:cNvPr id="19" name="Rectangle 18">
+            <a:extLst>
+              <a:ext uri="{FF2B5EF4-FFF2-40B4-BE49-F238E27FC236}">
+                <a16:creationId xmlns:a16="http://schemas.microsoft.com/office/drawing/2014/main" id="{C60A1D16-D76C-B148-2572-923F1569B90D}"/>
+              </a:ext>
+            </a:extLst>
+          </p:cNvPr>
+          <p:cNvSpPr/>
+          <p:nvPr/>
+        </p:nvSpPr>
+        <p:spPr>
+          <a:xfrm>
+            <a:off x="2908663" y="1205864"/>
+            <a:ext cx="824388" cy="365760"/>
+          </a:xfrm>
+          <a:prstGeom prst="rect">
+            <a:avLst/>
+          </a:prstGeom>
+          <a:solidFill>
+            <a:schemeClr val="accent6">
+              <a:lumMod val="75000"/>
+            </a:schemeClr>
+          </a:solidFill>
+        </p:spPr>
+        <p:style>
+          <a:lnRef idx="2">
+            <a:schemeClr val="accent1">
+              <a:shade val="50000"/>
+            </a:schemeClr>
+          </a:lnRef>
+          <a:fillRef idx="1">
+            <a:schemeClr val="accent1"/>
+          </a:fillRef>
+          <a:effectRef idx="0">
+            <a:schemeClr val="accent1"/>
+          </a:effectRef>
+          <a:fontRef idx="minor">
+            <a:schemeClr val="lt1"/>
+          </a:fontRef>
+        </p:style>
+        <p:txBody>
+          <a:bodyPr rtlCol="0" anchor="ctr"/>
+          <a:lstStyle/>
+          <a:p>
+            <a:r>
+              <a:rPr lang="en-US" sz="1200" b="1" dirty="0"/>
+              <a:t>UDP/TCP Interface</a:t>
+            </a:r>
+            <a:endParaRPr lang="en-SG" sz="1200" b="1" dirty="0"/>
+          </a:p>
+        </p:txBody>
+      </p:sp>
+      <p:sp>
+        <p:nvSpPr>
+          <p:cNvPr id="74" name="TextBox 73">
+            <a:extLst>
+              <a:ext uri="{FF2B5EF4-FFF2-40B4-BE49-F238E27FC236}">
+                <a16:creationId xmlns:a16="http://schemas.microsoft.com/office/drawing/2014/main" id="{EB9DAAB2-0CB1-76B4-969C-D28B8CA66855}"/>
+              </a:ext>
+            </a:extLst>
+          </p:cNvPr>
+          <p:cNvSpPr txBox="1"/>
+          <p:nvPr/>
+        </p:nvSpPr>
+        <p:spPr>
+          <a:xfrm>
+            <a:off x="5383212" y="4713083"/>
+            <a:ext cx="1709603" cy="307777"/>
+          </a:xfrm>
+          <a:prstGeom prst="rect">
+            <a:avLst/>
+          </a:prstGeom>
+          <a:noFill/>
+        </p:spPr>
+        <p:txBody>
+          <a:bodyPr wrap="square" rtlCol="0">
+            <a:spAutoFit/>
+          </a:bodyPr>
+          <a:lstStyle/>
+          <a:p>
+            <a:r>
+              <a:rPr lang="en-US" sz="1400" b="1" dirty="0"/>
+              <a:t>Linus server</a:t>
+            </a:r>
+            <a:endParaRPr lang="en-SG" sz="1400" b="1" dirty="0"/>
+          </a:p>
+        </p:txBody>
+      </p:sp>
+      <p:sp>
+        <p:nvSpPr>
+          <p:cNvPr id="75" name="Rectangle 74">
+            <a:extLst>
+              <a:ext uri="{FF2B5EF4-FFF2-40B4-BE49-F238E27FC236}">
+                <a16:creationId xmlns:a16="http://schemas.microsoft.com/office/drawing/2014/main" id="{28551C2C-3580-9385-BF20-47FD4F1A6250}"/>
+              </a:ext>
+            </a:extLst>
+          </p:cNvPr>
+          <p:cNvSpPr/>
+          <p:nvPr/>
+        </p:nvSpPr>
+        <p:spPr>
+          <a:xfrm>
+            <a:off x="5341879" y="5029243"/>
+            <a:ext cx="1183005" cy="287243"/>
+          </a:xfrm>
+          <a:prstGeom prst="rect">
+            <a:avLst/>
+          </a:prstGeom>
+          <a:solidFill>
+            <a:schemeClr val="accent6">
+              <a:lumMod val="75000"/>
+            </a:schemeClr>
+          </a:solidFill>
+        </p:spPr>
+        <p:style>
+          <a:lnRef idx="2">
+            <a:schemeClr val="accent1">
+              <a:shade val="50000"/>
+            </a:schemeClr>
+          </a:lnRef>
+          <a:fillRef idx="1">
+            <a:schemeClr val="accent1"/>
+          </a:fillRef>
+          <a:effectRef idx="0">
+            <a:schemeClr val="accent1"/>
+          </a:effectRef>
+          <a:fontRef idx="minor">
+            <a:schemeClr val="lt1"/>
+          </a:fontRef>
+        </p:style>
+        <p:txBody>
+          <a:bodyPr rtlCol="0" anchor="ctr"/>
+          <a:lstStyle/>
+          <a:p>
+            <a:r>
+              <a:rPr lang="en-US" sz="1200" b="1" dirty="0"/>
+              <a:t>PLC Simulator</a:t>
+            </a:r>
+            <a:endParaRPr lang="en-SG" sz="1200" b="1" dirty="0"/>
+          </a:p>
+        </p:txBody>
+      </p:sp>
+      <p:sp>
+        <p:nvSpPr>
+          <p:cNvPr id="76" name="Rectangle 75">
+            <a:extLst>
+              <a:ext uri="{FF2B5EF4-FFF2-40B4-BE49-F238E27FC236}">
+                <a16:creationId xmlns:a16="http://schemas.microsoft.com/office/drawing/2014/main" id="{F8CE376C-EAE1-792B-E562-AE1488E1641E}"/>
+              </a:ext>
+            </a:extLst>
+          </p:cNvPr>
+          <p:cNvSpPr/>
+          <p:nvPr/>
+        </p:nvSpPr>
+        <p:spPr>
+          <a:xfrm>
+            <a:off x="6700621" y="4865850"/>
+            <a:ext cx="824388" cy="365760"/>
+          </a:xfrm>
+          <a:prstGeom prst="rect">
+            <a:avLst/>
+          </a:prstGeom>
+          <a:solidFill>
+            <a:schemeClr val="accent6">
+              <a:lumMod val="75000"/>
+            </a:schemeClr>
+          </a:solidFill>
+        </p:spPr>
+        <p:style>
+          <a:lnRef idx="2">
+            <a:schemeClr val="accent1">
+              <a:shade val="50000"/>
+            </a:schemeClr>
+          </a:lnRef>
+          <a:fillRef idx="1">
+            <a:schemeClr val="accent1"/>
+          </a:fillRef>
+          <a:effectRef idx="0">
+            <a:schemeClr val="accent1"/>
+          </a:effectRef>
+          <a:fontRef idx="minor">
+            <a:schemeClr val="lt1"/>
+          </a:fontRef>
+        </p:style>
+        <p:txBody>
+          <a:bodyPr rtlCol="0" anchor="ctr"/>
+          <a:lstStyle/>
+          <a:p>
+            <a:r>
+              <a:rPr lang="en-US" sz="1200" b="1" dirty="0"/>
+              <a:t>Modbus Interface</a:t>
+            </a:r>
+            <a:endParaRPr lang="en-SG" sz="1200" b="1" dirty="0"/>
+          </a:p>
+        </p:txBody>
+      </p:sp>
+      <p:sp>
+        <p:nvSpPr>
+          <p:cNvPr id="77" name="Rectangle 76">
+            <a:extLst>
+              <a:ext uri="{FF2B5EF4-FFF2-40B4-BE49-F238E27FC236}">
+                <a16:creationId xmlns:a16="http://schemas.microsoft.com/office/drawing/2014/main" id="{A4EBF0A5-D3B9-F52D-1594-B03D957D67C1}"/>
+              </a:ext>
+            </a:extLst>
+          </p:cNvPr>
+          <p:cNvSpPr/>
+          <p:nvPr/>
+        </p:nvSpPr>
+        <p:spPr>
+          <a:xfrm>
+            <a:off x="6694353" y="5384377"/>
+            <a:ext cx="824388" cy="365760"/>
+          </a:xfrm>
+          <a:prstGeom prst="rect">
+            <a:avLst/>
+          </a:prstGeom>
+          <a:solidFill>
+            <a:schemeClr val="accent6">
+              <a:lumMod val="75000"/>
+            </a:schemeClr>
+          </a:solidFill>
+        </p:spPr>
+        <p:style>
+          <a:lnRef idx="2">
+            <a:schemeClr val="accent1">
+              <a:shade val="50000"/>
+            </a:schemeClr>
+          </a:lnRef>
+          <a:fillRef idx="1">
+            <a:schemeClr val="accent1"/>
+          </a:fillRef>
+          <a:effectRef idx="0">
+            <a:schemeClr val="accent1"/>
+          </a:effectRef>
+          <a:fontRef idx="minor">
+            <a:schemeClr val="lt1"/>
+          </a:fontRef>
+        </p:style>
+        <p:txBody>
+          <a:bodyPr rtlCol="0" anchor="ctr"/>
+          <a:lstStyle/>
+          <a:p>
+            <a:r>
+              <a:rPr lang="en-US" sz="1200" b="1" dirty="0"/>
+              <a:t>S7commInterface</a:t>
+            </a:r>
+            <a:endParaRPr lang="en-SG" sz="1200" b="1" dirty="0"/>
+          </a:p>
+        </p:txBody>
+      </p:sp>
+      <p:cxnSp>
+        <p:nvCxnSpPr>
+          <p:cNvPr id="81" name="Straight Connector 80">
+            <a:extLst>
+              <a:ext uri="{FF2B5EF4-FFF2-40B4-BE49-F238E27FC236}">
+                <a16:creationId xmlns:a16="http://schemas.microsoft.com/office/drawing/2014/main" id="{DAF8B06E-A6C0-8FFE-C301-891DD730042B}"/>
+              </a:ext>
+            </a:extLst>
+          </p:cNvPr>
+          <p:cNvCxnSpPr>
+            <a:cxnSpLocks/>
+          </p:cNvCxnSpPr>
+          <p:nvPr/>
+        </p:nvCxnSpPr>
+        <p:spPr>
+          <a:xfrm>
+            <a:off x="8072841" y="735576"/>
+            <a:ext cx="0" cy="5014561"/>
+          </a:xfrm>
+          <a:prstGeom prst="line">
+            <a:avLst/>
+          </a:prstGeom>
+          <a:ln>
+            <a:solidFill>
+              <a:schemeClr val="accent6">
+                <a:lumMod val="75000"/>
+              </a:schemeClr>
+            </a:solidFill>
+          </a:ln>
+        </p:spPr>
+        <p:style>
+          <a:lnRef idx="2">
+            <a:schemeClr val="accent1"/>
+          </a:lnRef>
+          <a:fillRef idx="0">
+            <a:schemeClr val="accent1"/>
+          </a:fillRef>
+          <a:effectRef idx="1">
+            <a:schemeClr val="accent1"/>
+          </a:effectRef>
+          <a:fontRef idx="minor">
+            <a:schemeClr val="tx1"/>
+          </a:fontRef>
+        </p:style>
+      </p:cxnSp>
+      <p:cxnSp>
+        <p:nvCxnSpPr>
+          <p:cNvPr id="82" name="Straight Connector 81">
+            <a:extLst>
+              <a:ext uri="{FF2B5EF4-FFF2-40B4-BE49-F238E27FC236}">
+                <a16:creationId xmlns:a16="http://schemas.microsoft.com/office/drawing/2014/main" id="{C45048D2-62DA-0425-08EC-D21CE083AD5C}"/>
+              </a:ext>
+            </a:extLst>
+          </p:cNvPr>
+          <p:cNvCxnSpPr>
+            <a:cxnSpLocks/>
+          </p:cNvCxnSpPr>
+          <p:nvPr/>
+        </p:nvCxnSpPr>
+        <p:spPr>
+          <a:xfrm>
+            <a:off x="8667983" y="698522"/>
+            <a:ext cx="0" cy="5088668"/>
+          </a:xfrm>
+          <a:prstGeom prst="line">
+            <a:avLst/>
+          </a:prstGeom>
+          <a:ln>
+            <a:solidFill>
+              <a:schemeClr val="tx2">
+                <a:lumMod val="75000"/>
+                <a:lumOff val="25000"/>
+              </a:schemeClr>
+            </a:solidFill>
+            <a:prstDash val="sysDash"/>
+          </a:ln>
+        </p:spPr>
+        <p:style>
+          <a:lnRef idx="2">
+            <a:schemeClr val="accent1"/>
+          </a:lnRef>
+          <a:fillRef idx="0">
+            <a:schemeClr val="accent1"/>
+          </a:fillRef>
+          <a:effectRef idx="1">
+            <a:schemeClr val="accent1"/>
+          </a:effectRef>
+          <a:fontRef idx="minor">
+            <a:schemeClr val="tx1"/>
+          </a:fontRef>
+        </p:style>
+      </p:cxnSp>
+      <p:sp>
+        <p:nvSpPr>
+          <p:cNvPr id="88" name="TextBox 87">
+            <a:extLst>
+              <a:ext uri="{FF2B5EF4-FFF2-40B4-BE49-F238E27FC236}">
+                <a16:creationId xmlns:a16="http://schemas.microsoft.com/office/drawing/2014/main" id="{DFC9037F-7469-0294-5067-DD0673261718}"/>
+              </a:ext>
+            </a:extLst>
+          </p:cNvPr>
+          <p:cNvSpPr txBox="1"/>
+          <p:nvPr/>
+        </p:nvSpPr>
+        <p:spPr>
+          <a:xfrm>
+            <a:off x="7611287" y="474642"/>
+            <a:ext cx="833305" cy="276999"/>
+          </a:xfrm>
+          <a:prstGeom prst="rect">
+            <a:avLst/>
+          </a:prstGeom>
+          <a:noFill/>
+        </p:spPr>
+        <p:txBody>
+          <a:bodyPr wrap="square" rtlCol="0">
+            <a:spAutoFit/>
+          </a:bodyPr>
+          <a:lstStyle/>
+          <a:p>
+            <a:r>
+              <a:rPr lang="en-US" sz="1200" b="1" dirty="0">
+                <a:solidFill>
+                  <a:schemeClr val="accent3">
+                    <a:lumMod val="75000"/>
+                  </a:schemeClr>
+                </a:solidFill>
+              </a:rPr>
+              <a:t>Modbus</a:t>
+            </a:r>
+            <a:r>
+              <a:rPr lang="en-US" sz="1200" b="1" dirty="0"/>
+              <a:t> </a:t>
+            </a:r>
+            <a:endParaRPr lang="en-SG" sz="1200" b="1" dirty="0"/>
+          </a:p>
+        </p:txBody>
+      </p:sp>
+      <p:sp>
+        <p:nvSpPr>
+          <p:cNvPr id="89" name="TextBox 88">
+            <a:extLst>
+              <a:ext uri="{FF2B5EF4-FFF2-40B4-BE49-F238E27FC236}">
+                <a16:creationId xmlns:a16="http://schemas.microsoft.com/office/drawing/2014/main" id="{0E3C1837-B3D1-174D-6FD7-F29C3211E994}"/>
+              </a:ext>
+            </a:extLst>
+          </p:cNvPr>
+          <p:cNvSpPr txBox="1"/>
+          <p:nvPr/>
+        </p:nvSpPr>
+        <p:spPr>
+          <a:xfrm>
+            <a:off x="8345307" y="471400"/>
+            <a:ext cx="1121678" cy="276999"/>
+          </a:xfrm>
+          <a:prstGeom prst="rect">
+            <a:avLst/>
+          </a:prstGeom>
+          <a:noFill/>
+        </p:spPr>
+        <p:txBody>
+          <a:bodyPr wrap="square" rtlCol="0">
+            <a:spAutoFit/>
+          </a:bodyPr>
+          <a:lstStyle/>
+          <a:p>
+            <a:r>
+              <a:rPr lang="en-US" sz="1200" b="1" dirty="0">
+                <a:solidFill>
+                  <a:schemeClr val="tx2">
+                    <a:lumMod val="75000"/>
+                    <a:lumOff val="25000"/>
+                  </a:schemeClr>
+                </a:solidFill>
+              </a:rPr>
+              <a:t>S7Comm bus </a:t>
+            </a:r>
+            <a:endParaRPr lang="en-SG" sz="1200" b="1" dirty="0">
+              <a:solidFill>
+                <a:schemeClr val="tx2">
+                  <a:lumMod val="75000"/>
+                  <a:lumOff val="25000"/>
+                </a:schemeClr>
+              </a:solidFill>
+            </a:endParaRPr>
+          </a:p>
+        </p:txBody>
+      </p:sp>
+      <p:cxnSp>
+        <p:nvCxnSpPr>
+          <p:cNvPr id="90" name="Straight Connector 89">
+            <a:extLst>
+              <a:ext uri="{FF2B5EF4-FFF2-40B4-BE49-F238E27FC236}">
+                <a16:creationId xmlns:a16="http://schemas.microsoft.com/office/drawing/2014/main" id="{A3914107-7E32-CA37-FF9E-A12E7839F5DE}"/>
+              </a:ext>
+            </a:extLst>
+          </p:cNvPr>
+          <p:cNvCxnSpPr>
+            <a:cxnSpLocks/>
+          </p:cNvCxnSpPr>
+          <p:nvPr/>
+        </p:nvCxnSpPr>
+        <p:spPr>
+          <a:xfrm>
+            <a:off x="7418070" y="1388744"/>
+            <a:ext cx="641312" cy="0"/>
+          </a:xfrm>
+          <a:prstGeom prst="line">
+            <a:avLst/>
+          </a:prstGeom>
+        </p:spPr>
+        <p:style>
+          <a:lnRef idx="2">
+            <a:schemeClr val="accent1"/>
+          </a:lnRef>
+          <a:fillRef idx="0">
+            <a:schemeClr val="accent1"/>
+          </a:fillRef>
+          <a:effectRef idx="1">
+            <a:schemeClr val="accent1"/>
+          </a:effectRef>
+          <a:fontRef idx="minor">
+            <a:schemeClr val="tx1"/>
+          </a:fontRef>
+        </p:style>
+      </p:cxnSp>
+      <p:cxnSp>
+        <p:nvCxnSpPr>
+          <p:cNvPr id="93" name="Straight Connector 92">
+            <a:extLst>
+              <a:ext uri="{FF2B5EF4-FFF2-40B4-BE49-F238E27FC236}">
+                <a16:creationId xmlns:a16="http://schemas.microsoft.com/office/drawing/2014/main" id="{A3BC09B0-3933-49A6-0FD6-354DE8A0489A}"/>
+              </a:ext>
+            </a:extLst>
+          </p:cNvPr>
+          <p:cNvCxnSpPr>
+            <a:cxnSpLocks/>
+          </p:cNvCxnSpPr>
+          <p:nvPr/>
+        </p:nvCxnSpPr>
+        <p:spPr>
+          <a:xfrm>
+            <a:off x="7505282" y="2805012"/>
+            <a:ext cx="554100" cy="0"/>
+          </a:xfrm>
+          <a:prstGeom prst="line">
+            <a:avLst/>
+          </a:prstGeom>
+        </p:spPr>
+        <p:style>
+          <a:lnRef idx="2">
+            <a:schemeClr val="accent1"/>
+          </a:lnRef>
+          <a:fillRef idx="0">
+            <a:schemeClr val="accent1"/>
+          </a:fillRef>
+          <a:effectRef idx="1">
+            <a:schemeClr val="accent1"/>
+          </a:effectRef>
+          <a:fontRef idx="minor">
+            <a:schemeClr val="tx1"/>
+          </a:fontRef>
+        </p:style>
+      </p:cxnSp>
+      <p:cxnSp>
+        <p:nvCxnSpPr>
+          <p:cNvPr id="95" name="Straight Connector 94">
+            <a:extLst>
+              <a:ext uri="{FF2B5EF4-FFF2-40B4-BE49-F238E27FC236}">
+                <a16:creationId xmlns:a16="http://schemas.microsoft.com/office/drawing/2014/main" id="{7DF596E9-810A-179A-6CE9-78ACEA6FD7B5}"/>
+              </a:ext>
+            </a:extLst>
+          </p:cNvPr>
+          <p:cNvCxnSpPr>
+            <a:cxnSpLocks/>
+          </p:cNvCxnSpPr>
+          <p:nvPr/>
+        </p:nvCxnSpPr>
+        <p:spPr>
+          <a:xfrm>
+            <a:off x="7518741" y="5063250"/>
+            <a:ext cx="554100" cy="0"/>
+          </a:xfrm>
+          <a:prstGeom prst="line">
+            <a:avLst/>
+          </a:prstGeom>
+        </p:spPr>
+        <p:style>
+          <a:lnRef idx="2">
+            <a:schemeClr val="accent1"/>
+          </a:lnRef>
+          <a:fillRef idx="0">
+            <a:schemeClr val="accent1"/>
+          </a:fillRef>
+          <a:effectRef idx="1">
+            <a:schemeClr val="accent1"/>
+          </a:effectRef>
+          <a:fontRef idx="minor">
+            <a:schemeClr val="tx1"/>
+          </a:fontRef>
+        </p:style>
+      </p:cxnSp>
+      <p:cxnSp>
+        <p:nvCxnSpPr>
+          <p:cNvPr id="96" name="Straight Connector 95">
+            <a:extLst>
+              <a:ext uri="{FF2B5EF4-FFF2-40B4-BE49-F238E27FC236}">
+                <a16:creationId xmlns:a16="http://schemas.microsoft.com/office/drawing/2014/main" id="{8E00382C-0F23-BB11-C26B-EAAB17561669}"/>
+              </a:ext>
+            </a:extLst>
+          </p:cNvPr>
+          <p:cNvCxnSpPr>
+            <a:cxnSpLocks/>
+          </p:cNvCxnSpPr>
+          <p:nvPr/>
+        </p:nvCxnSpPr>
+        <p:spPr>
+          <a:xfrm>
+            <a:off x="7473839" y="4180549"/>
+            <a:ext cx="1194144" cy="0"/>
+          </a:xfrm>
+          <a:prstGeom prst="line">
+            <a:avLst/>
+          </a:prstGeom>
+          <a:ln>
+            <a:prstDash val="sysDash"/>
+          </a:ln>
+        </p:spPr>
+        <p:style>
+          <a:lnRef idx="2">
+            <a:schemeClr val="accent1"/>
+          </a:lnRef>
+          <a:fillRef idx="0">
+            <a:schemeClr val="accent1"/>
+          </a:fillRef>
+          <a:effectRef idx="1">
+            <a:schemeClr val="accent1"/>
+          </a:effectRef>
+          <a:fontRef idx="minor">
+            <a:schemeClr val="tx1"/>
+          </a:fontRef>
+        </p:style>
+      </p:cxnSp>
+      <p:cxnSp>
+        <p:nvCxnSpPr>
+          <p:cNvPr id="98" name="Straight Connector 97">
+            <a:extLst>
+              <a:ext uri="{FF2B5EF4-FFF2-40B4-BE49-F238E27FC236}">
+                <a16:creationId xmlns:a16="http://schemas.microsoft.com/office/drawing/2014/main" id="{CE2A545E-CD0B-9A44-40BF-7A458D6BE939}"/>
+              </a:ext>
+            </a:extLst>
+          </p:cNvPr>
+          <p:cNvCxnSpPr>
+            <a:cxnSpLocks/>
+          </p:cNvCxnSpPr>
+          <p:nvPr/>
+        </p:nvCxnSpPr>
+        <p:spPr>
+          <a:xfrm>
+            <a:off x="7524776" y="5567257"/>
+            <a:ext cx="1143207" cy="0"/>
+          </a:xfrm>
+          <a:prstGeom prst="line">
+            <a:avLst/>
+          </a:prstGeom>
+          <a:ln>
+            <a:prstDash val="sysDash"/>
+          </a:ln>
+        </p:spPr>
+        <p:style>
+          <a:lnRef idx="2">
+            <a:schemeClr val="accent1"/>
+          </a:lnRef>
+          <a:fillRef idx="0">
+            <a:schemeClr val="accent1"/>
+          </a:fillRef>
+          <a:effectRef idx="1">
+            <a:schemeClr val="accent1"/>
+          </a:effectRef>
+          <a:fontRef idx="minor">
+            <a:schemeClr val="tx1"/>
+          </a:fontRef>
+        </p:style>
+      </p:cxnSp>
+      <p:sp>
+        <p:nvSpPr>
+          <p:cNvPr id="100" name="Rectangle 99">
+            <a:extLst>
+              <a:ext uri="{FF2B5EF4-FFF2-40B4-BE49-F238E27FC236}">
+                <a16:creationId xmlns:a16="http://schemas.microsoft.com/office/drawing/2014/main" id="{87E1DFF7-1D3A-D8B4-81BF-6BA8FDE82F9D}"/>
+              </a:ext>
+            </a:extLst>
+          </p:cNvPr>
+          <p:cNvSpPr/>
+          <p:nvPr/>
+        </p:nvSpPr>
+        <p:spPr>
+          <a:xfrm>
+            <a:off x="9271679" y="1056161"/>
+            <a:ext cx="1489498" cy="1422576"/>
+          </a:xfrm>
+          <a:prstGeom prst="rect">
+            <a:avLst/>
+          </a:prstGeom>
+          <a:noFill/>
+        </p:spPr>
+        <p:style>
+          <a:lnRef idx="2">
+            <a:schemeClr val="accent1">
+              <a:shade val="15000"/>
+            </a:schemeClr>
+          </a:lnRef>
+          <a:fillRef idx="1">
+            <a:schemeClr val="accent1"/>
+          </a:fillRef>
+          <a:effectRef idx="0">
+            <a:schemeClr val="accent1"/>
+          </a:effectRef>
+          <a:fontRef idx="minor">
+            <a:schemeClr val="lt1"/>
+          </a:fontRef>
+        </p:style>
+        <p:txBody>
+          <a:bodyPr rtlCol="0" anchor="ctr"/>
+          <a:lstStyle/>
+          <a:p>
+            <a:pPr algn="ctr"/>
+            <a:endParaRPr lang="en-SG" dirty="0"/>
+          </a:p>
+        </p:txBody>
+      </p:sp>
+      <p:sp>
+        <p:nvSpPr>
+          <p:cNvPr id="102" name="TextBox 101">
+            <a:extLst>
+              <a:ext uri="{FF2B5EF4-FFF2-40B4-BE49-F238E27FC236}">
+                <a16:creationId xmlns:a16="http://schemas.microsoft.com/office/drawing/2014/main" id="{4F090450-9450-FE7A-233C-F1C4124FCC3D}"/>
+              </a:ext>
+            </a:extLst>
+          </p:cNvPr>
+          <p:cNvSpPr txBox="1"/>
+          <p:nvPr/>
+        </p:nvSpPr>
+        <p:spPr>
+          <a:xfrm>
+            <a:off x="9332939" y="1082251"/>
+            <a:ext cx="1499464" cy="307777"/>
+          </a:xfrm>
+          <a:prstGeom prst="rect">
+            <a:avLst/>
+          </a:prstGeom>
+          <a:noFill/>
+        </p:spPr>
+        <p:txBody>
+          <a:bodyPr wrap="square" rtlCol="0">
+            <a:spAutoFit/>
+          </a:bodyPr>
+          <a:lstStyle/>
+          <a:p>
+            <a:r>
+              <a:rPr lang="en-US" sz="1400" b="1" dirty="0"/>
+              <a:t>SCADA HMI</a:t>
+            </a:r>
+            <a:endParaRPr lang="en-SG" sz="1400" b="1" dirty="0"/>
+          </a:p>
+        </p:txBody>
+      </p:sp>
+      <p:sp>
+        <p:nvSpPr>
+          <p:cNvPr id="103" name="Rectangle 102">
+            <a:extLst>
+              <a:ext uri="{FF2B5EF4-FFF2-40B4-BE49-F238E27FC236}">
+                <a16:creationId xmlns:a16="http://schemas.microsoft.com/office/drawing/2014/main" id="{244E06AA-17FD-CF38-EF2A-2359DAA36F5A}"/>
+              </a:ext>
+            </a:extLst>
+          </p:cNvPr>
+          <p:cNvSpPr/>
+          <p:nvPr/>
+        </p:nvSpPr>
+        <p:spPr>
+          <a:xfrm>
+            <a:off x="9170617" y="1476420"/>
+            <a:ext cx="824388" cy="365760"/>
+          </a:xfrm>
+          <a:prstGeom prst="rect">
+            <a:avLst/>
+          </a:prstGeom>
+          <a:solidFill>
+            <a:schemeClr val="accent6">
+              <a:lumMod val="75000"/>
+            </a:schemeClr>
+          </a:solidFill>
+        </p:spPr>
+        <p:style>
+          <a:lnRef idx="2">
+            <a:schemeClr val="accent1">
+              <a:shade val="50000"/>
+            </a:schemeClr>
+          </a:lnRef>
+          <a:fillRef idx="1">
+            <a:schemeClr val="accent1"/>
+          </a:fillRef>
+          <a:effectRef idx="0">
+            <a:schemeClr val="accent1"/>
+          </a:effectRef>
+          <a:fontRef idx="minor">
+            <a:schemeClr val="lt1"/>
+          </a:fontRef>
+        </p:style>
+        <p:txBody>
+          <a:bodyPr rtlCol="0" anchor="ctr"/>
+          <a:lstStyle/>
+          <a:p>
+            <a:r>
+              <a:rPr lang="en-US" sz="1200" b="1" dirty="0"/>
+              <a:t>Modbus Interface</a:t>
+            </a:r>
+            <a:endParaRPr lang="en-SG" sz="1200" b="1" dirty="0"/>
+          </a:p>
+        </p:txBody>
+      </p:sp>
+      <p:sp>
+        <p:nvSpPr>
+          <p:cNvPr id="104" name="Rectangle 103">
+            <a:extLst>
+              <a:ext uri="{FF2B5EF4-FFF2-40B4-BE49-F238E27FC236}">
+                <a16:creationId xmlns:a16="http://schemas.microsoft.com/office/drawing/2014/main" id="{905F9DD9-A703-3A6A-0494-92579921C430}"/>
+              </a:ext>
+            </a:extLst>
+          </p:cNvPr>
+          <p:cNvSpPr/>
+          <p:nvPr/>
+        </p:nvSpPr>
+        <p:spPr>
+          <a:xfrm>
+            <a:off x="9170617" y="2020521"/>
+            <a:ext cx="824388" cy="365760"/>
+          </a:xfrm>
+          <a:prstGeom prst="rect">
+            <a:avLst/>
+          </a:prstGeom>
+          <a:solidFill>
+            <a:schemeClr val="accent6">
+              <a:lumMod val="75000"/>
+            </a:schemeClr>
+          </a:solidFill>
+        </p:spPr>
+        <p:style>
+          <a:lnRef idx="2">
+            <a:schemeClr val="accent1">
+              <a:shade val="50000"/>
+            </a:schemeClr>
+          </a:lnRef>
+          <a:fillRef idx="1">
+            <a:schemeClr val="accent1"/>
+          </a:fillRef>
+          <a:effectRef idx="0">
+            <a:schemeClr val="accent1"/>
+          </a:effectRef>
+          <a:fontRef idx="minor">
+            <a:schemeClr val="lt1"/>
+          </a:fontRef>
+        </p:style>
+        <p:txBody>
+          <a:bodyPr rtlCol="0" anchor="ctr"/>
+          <a:lstStyle/>
+          <a:p>
+            <a:r>
+              <a:rPr lang="en-US" sz="1200" b="1" dirty="0"/>
+              <a:t>S7commInterface</a:t>
+            </a:r>
+            <a:endParaRPr lang="en-SG" sz="1200" b="1" dirty="0"/>
+          </a:p>
+        </p:txBody>
+      </p:sp>
+      <p:cxnSp>
+        <p:nvCxnSpPr>
+          <p:cNvPr id="105" name="Straight Connector 104">
+            <a:extLst>
+              <a:ext uri="{FF2B5EF4-FFF2-40B4-BE49-F238E27FC236}">
+                <a16:creationId xmlns:a16="http://schemas.microsoft.com/office/drawing/2014/main" id="{E06D6A55-299D-A263-96C6-309744575EC5}"/>
+              </a:ext>
+            </a:extLst>
+          </p:cNvPr>
+          <p:cNvCxnSpPr>
+            <a:cxnSpLocks/>
+            <a:endCxn id="103" idx="1"/>
+          </p:cNvCxnSpPr>
+          <p:nvPr/>
+        </p:nvCxnSpPr>
+        <p:spPr>
+          <a:xfrm>
+            <a:off x="8059382" y="1641653"/>
+            <a:ext cx="1111235" cy="0"/>
+          </a:xfrm>
+          <a:prstGeom prst="line">
+            <a:avLst/>
+          </a:prstGeom>
+        </p:spPr>
+        <p:style>
+          <a:lnRef idx="2">
+            <a:schemeClr val="accent1"/>
+          </a:lnRef>
+          <a:fillRef idx="0">
+            <a:schemeClr val="accent1"/>
+          </a:fillRef>
+          <a:effectRef idx="1">
+            <a:schemeClr val="accent1"/>
+          </a:effectRef>
+          <a:fontRef idx="minor">
+            <a:schemeClr val="tx1"/>
+          </a:fontRef>
+        </p:style>
+      </p:cxnSp>
+      <p:cxnSp>
+        <p:nvCxnSpPr>
+          <p:cNvPr id="108" name="Straight Connector 107">
+            <a:extLst>
+              <a:ext uri="{FF2B5EF4-FFF2-40B4-BE49-F238E27FC236}">
+                <a16:creationId xmlns:a16="http://schemas.microsoft.com/office/drawing/2014/main" id="{82852EDF-FCC8-96D7-F7B3-C8E9DBEC2627}"/>
+              </a:ext>
+            </a:extLst>
+          </p:cNvPr>
+          <p:cNvCxnSpPr>
+            <a:cxnSpLocks/>
+            <a:endCxn id="104" idx="1"/>
+          </p:cNvCxnSpPr>
+          <p:nvPr/>
+        </p:nvCxnSpPr>
+        <p:spPr>
+          <a:xfrm>
+            <a:off x="8695346" y="2203401"/>
+            <a:ext cx="475271" cy="0"/>
+          </a:xfrm>
+          <a:prstGeom prst="line">
+            <a:avLst/>
+          </a:prstGeom>
+          <a:ln>
+            <a:prstDash val="sysDash"/>
+          </a:ln>
+        </p:spPr>
+        <p:style>
+          <a:lnRef idx="2">
+            <a:schemeClr val="accent1"/>
+          </a:lnRef>
+          <a:fillRef idx="0">
+            <a:schemeClr val="accent1"/>
+          </a:fillRef>
+          <a:effectRef idx="1">
+            <a:schemeClr val="accent1"/>
+          </a:effectRef>
+          <a:fontRef idx="minor">
+            <a:schemeClr val="tx1"/>
+          </a:fontRef>
+        </p:style>
+      </p:cxnSp>
+      <p:sp>
+        <p:nvSpPr>
+          <p:cNvPr id="111" name="Rectangle 110">
+            <a:extLst>
+              <a:ext uri="{FF2B5EF4-FFF2-40B4-BE49-F238E27FC236}">
+                <a16:creationId xmlns:a16="http://schemas.microsoft.com/office/drawing/2014/main" id="{DB4EE7A6-DAFD-2D87-AC2F-39301BDADF5D}"/>
+              </a:ext>
+            </a:extLst>
+          </p:cNvPr>
+          <p:cNvSpPr/>
+          <p:nvPr/>
+        </p:nvSpPr>
+        <p:spPr>
+          <a:xfrm>
+            <a:off x="9316871" y="2723184"/>
+            <a:ext cx="1489498" cy="1203664"/>
+          </a:xfrm>
+          <a:prstGeom prst="rect">
+            <a:avLst/>
+          </a:prstGeom>
+          <a:noFill/>
+        </p:spPr>
+        <p:style>
+          <a:lnRef idx="2">
+            <a:schemeClr val="accent1">
+              <a:shade val="15000"/>
+            </a:schemeClr>
+          </a:lnRef>
+          <a:fillRef idx="1">
+            <a:schemeClr val="accent1"/>
+          </a:fillRef>
+          <a:effectRef idx="0">
+            <a:schemeClr val="accent1"/>
+          </a:effectRef>
+          <a:fontRef idx="minor">
+            <a:schemeClr val="lt1"/>
+          </a:fontRef>
+        </p:style>
+        <p:txBody>
+          <a:bodyPr rtlCol="0" anchor="ctr"/>
+          <a:lstStyle/>
+          <a:p>
+            <a:pPr algn="ctr"/>
+            <a:endParaRPr lang="en-SG" dirty="0"/>
+          </a:p>
+        </p:txBody>
+      </p:sp>
+      <p:sp>
+        <p:nvSpPr>
+          <p:cNvPr id="112" name="TextBox 111">
+            <a:extLst>
+              <a:ext uri="{FF2B5EF4-FFF2-40B4-BE49-F238E27FC236}">
+                <a16:creationId xmlns:a16="http://schemas.microsoft.com/office/drawing/2014/main" id="{407F6CC9-69C7-1EBA-D128-9E45A54896B4}"/>
+              </a:ext>
+            </a:extLst>
+          </p:cNvPr>
+          <p:cNvSpPr txBox="1"/>
+          <p:nvPr/>
+        </p:nvSpPr>
+        <p:spPr>
+          <a:xfrm>
+            <a:off x="9341600" y="2772544"/>
+            <a:ext cx="1428238" cy="523220"/>
+          </a:xfrm>
+          <a:prstGeom prst="rect">
+            <a:avLst/>
+          </a:prstGeom>
+          <a:noFill/>
+        </p:spPr>
+        <p:txBody>
+          <a:bodyPr wrap="square" rtlCol="0">
+            <a:spAutoFit/>
+          </a:bodyPr>
+          <a:lstStyle/>
+          <a:p>
+            <a:r>
+              <a:rPr lang="en-US" sz="1400" b="1" dirty="0"/>
+              <a:t>ICS Remote Console</a:t>
+            </a:r>
+            <a:endParaRPr lang="en-SG" sz="1400" b="1" dirty="0"/>
+          </a:p>
+        </p:txBody>
+      </p:sp>
+      <p:sp>
+        <p:nvSpPr>
+          <p:cNvPr id="113" name="Rectangle 112">
+            <a:extLst>
+              <a:ext uri="{FF2B5EF4-FFF2-40B4-BE49-F238E27FC236}">
+                <a16:creationId xmlns:a16="http://schemas.microsoft.com/office/drawing/2014/main" id="{28F00258-5772-0E28-D303-CDCA4191090D}"/>
+              </a:ext>
+            </a:extLst>
+          </p:cNvPr>
+          <p:cNvSpPr/>
+          <p:nvPr/>
+        </p:nvSpPr>
+        <p:spPr>
+          <a:xfrm>
+            <a:off x="9170617" y="3342535"/>
+            <a:ext cx="824388" cy="365760"/>
+          </a:xfrm>
+          <a:prstGeom prst="rect">
+            <a:avLst/>
+          </a:prstGeom>
+          <a:solidFill>
+            <a:schemeClr val="accent6">
+              <a:lumMod val="75000"/>
+            </a:schemeClr>
+          </a:solidFill>
+        </p:spPr>
+        <p:style>
+          <a:lnRef idx="2">
+            <a:schemeClr val="accent1">
+              <a:shade val="50000"/>
+            </a:schemeClr>
+          </a:lnRef>
+          <a:fillRef idx="1">
+            <a:schemeClr val="accent1"/>
+          </a:fillRef>
+          <a:effectRef idx="0">
+            <a:schemeClr val="accent1"/>
+          </a:effectRef>
+          <a:fontRef idx="minor">
+            <a:schemeClr val="lt1"/>
+          </a:fontRef>
+        </p:style>
+        <p:txBody>
+          <a:bodyPr rtlCol="0" anchor="ctr"/>
+          <a:lstStyle/>
+          <a:p>
+            <a:r>
+              <a:rPr lang="en-US" sz="1200" b="1" dirty="0"/>
+              <a:t>S7commInterface</a:t>
+            </a:r>
+            <a:endParaRPr lang="en-SG" sz="1200" b="1" dirty="0"/>
+          </a:p>
+        </p:txBody>
+      </p:sp>
+      <p:cxnSp>
+        <p:nvCxnSpPr>
+          <p:cNvPr id="114" name="Straight Connector 113">
+            <a:extLst>
+              <a:ext uri="{FF2B5EF4-FFF2-40B4-BE49-F238E27FC236}">
+                <a16:creationId xmlns:a16="http://schemas.microsoft.com/office/drawing/2014/main" id="{2A336C96-B24A-BED1-6A84-9378AEA5E8A2}"/>
+              </a:ext>
+            </a:extLst>
+          </p:cNvPr>
+          <p:cNvCxnSpPr>
+            <a:cxnSpLocks/>
+          </p:cNvCxnSpPr>
+          <p:nvPr/>
+        </p:nvCxnSpPr>
+        <p:spPr>
+          <a:xfrm>
+            <a:off x="8667983" y="3585801"/>
+            <a:ext cx="475271" cy="0"/>
+          </a:xfrm>
+          <a:prstGeom prst="line">
+            <a:avLst/>
+          </a:prstGeom>
+          <a:ln>
+            <a:prstDash val="sysDash"/>
+          </a:ln>
+        </p:spPr>
+        <p:style>
+          <a:lnRef idx="2">
+            <a:schemeClr val="accent1"/>
+          </a:lnRef>
+          <a:fillRef idx="0">
+            <a:schemeClr val="accent1"/>
+          </a:fillRef>
+          <a:effectRef idx="1">
+            <a:schemeClr val="accent1"/>
+          </a:effectRef>
+          <a:fontRef idx="minor">
+            <a:schemeClr val="tx1"/>
+          </a:fontRef>
+        </p:style>
+      </p:cxnSp>
+      <p:sp>
+        <p:nvSpPr>
+          <p:cNvPr id="115" name="Rectangle 114">
+            <a:extLst>
+              <a:ext uri="{FF2B5EF4-FFF2-40B4-BE49-F238E27FC236}">
+                <a16:creationId xmlns:a16="http://schemas.microsoft.com/office/drawing/2014/main" id="{16288571-CCC5-D769-2585-E816BCF7F05C}"/>
+              </a:ext>
+            </a:extLst>
+          </p:cNvPr>
+          <p:cNvSpPr/>
+          <p:nvPr/>
+        </p:nvSpPr>
+        <p:spPr>
+          <a:xfrm>
+            <a:off x="9310970" y="4127418"/>
+            <a:ext cx="1489498" cy="1132586"/>
+          </a:xfrm>
+          <a:prstGeom prst="rect">
+            <a:avLst/>
+          </a:prstGeom>
+          <a:noFill/>
+        </p:spPr>
+        <p:style>
+          <a:lnRef idx="2">
+            <a:schemeClr val="accent1">
+              <a:shade val="15000"/>
+            </a:schemeClr>
+          </a:lnRef>
+          <a:fillRef idx="1">
+            <a:schemeClr val="accent1"/>
+          </a:fillRef>
+          <a:effectRef idx="0">
+            <a:schemeClr val="accent1"/>
+          </a:effectRef>
+          <a:fontRef idx="minor">
+            <a:schemeClr val="lt1"/>
+          </a:fontRef>
+        </p:style>
+        <p:txBody>
+          <a:bodyPr rtlCol="0" anchor="ctr"/>
+          <a:lstStyle/>
+          <a:p>
+            <a:pPr algn="ctr"/>
+            <a:endParaRPr lang="en-SG" dirty="0"/>
+          </a:p>
+        </p:txBody>
+      </p:sp>
+      <p:sp>
+        <p:nvSpPr>
+          <p:cNvPr id="116" name="TextBox 115">
+            <a:extLst>
+              <a:ext uri="{FF2B5EF4-FFF2-40B4-BE49-F238E27FC236}">
+                <a16:creationId xmlns:a16="http://schemas.microsoft.com/office/drawing/2014/main" id="{CDFE05AA-915C-764A-E608-3559B389E562}"/>
+              </a:ext>
+            </a:extLst>
+          </p:cNvPr>
+          <p:cNvSpPr txBox="1"/>
+          <p:nvPr/>
+        </p:nvSpPr>
+        <p:spPr>
+          <a:xfrm>
+            <a:off x="9349793" y="4206030"/>
+            <a:ext cx="1581776" cy="523220"/>
+          </a:xfrm>
+          <a:prstGeom prst="rect">
+            <a:avLst/>
+          </a:prstGeom>
+          <a:noFill/>
+        </p:spPr>
+        <p:txBody>
+          <a:bodyPr wrap="square" rtlCol="0">
+            <a:spAutoFit/>
+          </a:bodyPr>
+          <a:lstStyle/>
+          <a:p>
+            <a:r>
+              <a:rPr lang="en-US" sz="1400" b="1" dirty="0"/>
+              <a:t>ICS Engineering station </a:t>
+            </a:r>
+            <a:endParaRPr lang="en-SG" sz="1400" b="1" dirty="0"/>
+          </a:p>
+        </p:txBody>
+      </p:sp>
+      <p:sp>
+        <p:nvSpPr>
+          <p:cNvPr id="118" name="Rectangle 117">
+            <a:extLst>
+              <a:ext uri="{FF2B5EF4-FFF2-40B4-BE49-F238E27FC236}">
+                <a16:creationId xmlns:a16="http://schemas.microsoft.com/office/drawing/2014/main" id="{C6E24E50-05C7-612A-D868-0916A38791B4}"/>
+              </a:ext>
+            </a:extLst>
+          </p:cNvPr>
+          <p:cNvSpPr/>
+          <p:nvPr/>
+        </p:nvSpPr>
+        <p:spPr>
+          <a:xfrm>
+            <a:off x="9129537" y="4746940"/>
+            <a:ext cx="824388" cy="365760"/>
+          </a:xfrm>
+          <a:prstGeom prst="rect">
+            <a:avLst/>
+          </a:prstGeom>
+          <a:solidFill>
+            <a:schemeClr val="accent6">
+              <a:lumMod val="75000"/>
+            </a:schemeClr>
+          </a:solidFill>
+        </p:spPr>
+        <p:style>
+          <a:lnRef idx="2">
+            <a:schemeClr val="accent1">
+              <a:shade val="50000"/>
+            </a:schemeClr>
+          </a:lnRef>
+          <a:fillRef idx="1">
+            <a:schemeClr val="accent1"/>
+          </a:fillRef>
+          <a:effectRef idx="0">
+            <a:schemeClr val="accent1"/>
+          </a:effectRef>
+          <a:fontRef idx="minor">
+            <a:schemeClr val="lt1"/>
+          </a:fontRef>
+        </p:style>
+        <p:txBody>
+          <a:bodyPr rtlCol="0" anchor="ctr"/>
+          <a:lstStyle/>
+          <a:p>
+            <a:r>
+              <a:rPr lang="en-US" sz="1200" b="1" dirty="0"/>
+              <a:t>Modbus Interface</a:t>
+            </a:r>
+            <a:endParaRPr lang="en-SG" sz="1200" b="1" dirty="0"/>
+          </a:p>
+        </p:txBody>
+      </p:sp>
+      <p:cxnSp>
+        <p:nvCxnSpPr>
+          <p:cNvPr id="119" name="Straight Connector 118">
+            <a:extLst>
+              <a:ext uri="{FF2B5EF4-FFF2-40B4-BE49-F238E27FC236}">
+                <a16:creationId xmlns:a16="http://schemas.microsoft.com/office/drawing/2014/main" id="{E1A02E87-5D85-A344-858B-83F495F724D1}"/>
+              </a:ext>
+            </a:extLst>
+          </p:cNvPr>
+          <p:cNvCxnSpPr>
+            <a:cxnSpLocks/>
+            <a:endCxn id="118" idx="1"/>
+          </p:cNvCxnSpPr>
+          <p:nvPr/>
+        </p:nvCxnSpPr>
+        <p:spPr>
+          <a:xfrm>
+            <a:off x="8072841" y="4929820"/>
+            <a:ext cx="1056696" cy="0"/>
+          </a:xfrm>
+          <a:prstGeom prst="line">
+            <a:avLst/>
+          </a:prstGeom>
+        </p:spPr>
+        <p:style>
+          <a:lnRef idx="2">
+            <a:schemeClr val="accent1"/>
+          </a:lnRef>
+          <a:fillRef idx="0">
+            <a:schemeClr val="accent1"/>
+          </a:fillRef>
+          <a:effectRef idx="1">
+            <a:schemeClr val="accent1"/>
+          </a:effectRef>
+          <a:fontRef idx="minor">
+            <a:schemeClr val="tx1"/>
+          </a:fontRef>
+        </p:style>
+      </p:cxnSp>
+      <p:sp>
+        <p:nvSpPr>
+          <p:cNvPr id="42" name="Rectangle 41">
+            <a:extLst>
+              <a:ext uri="{FF2B5EF4-FFF2-40B4-BE49-F238E27FC236}">
+                <a16:creationId xmlns:a16="http://schemas.microsoft.com/office/drawing/2014/main" id="{3BAD348A-BD1E-9C8F-DFCC-2C35F05E4C2B}"/>
+              </a:ext>
+            </a:extLst>
+          </p:cNvPr>
+          <p:cNvSpPr/>
+          <p:nvPr/>
+        </p:nvSpPr>
+        <p:spPr>
+          <a:xfrm>
+            <a:off x="4073677" y="4759628"/>
+            <a:ext cx="1137101" cy="365760"/>
+          </a:xfrm>
+          <a:prstGeom prst="rect">
+            <a:avLst/>
+          </a:prstGeom>
+          <a:solidFill>
+            <a:schemeClr val="accent6">
+              <a:lumMod val="75000"/>
+            </a:schemeClr>
+          </a:solidFill>
+        </p:spPr>
+        <p:style>
+          <a:lnRef idx="2">
+            <a:schemeClr val="accent1">
+              <a:shade val="50000"/>
+            </a:schemeClr>
+          </a:lnRef>
+          <a:fillRef idx="1">
+            <a:schemeClr val="accent1"/>
+          </a:fillRef>
+          <a:effectRef idx="0">
+            <a:schemeClr val="accent1"/>
+          </a:effectRef>
+          <a:fontRef idx="minor">
+            <a:schemeClr val="lt1"/>
+          </a:fontRef>
+        </p:style>
+        <p:txBody>
+          <a:bodyPr rtlCol="0" anchor="ctr"/>
+          <a:lstStyle/>
+          <a:p>
+            <a:r>
+              <a:rPr lang="en-US" sz="1200" b="1" dirty="0"/>
+              <a:t>Serial interface</a:t>
+            </a:r>
+            <a:endParaRPr lang="en-SG" sz="1200" b="1" dirty="0"/>
+          </a:p>
+        </p:txBody>
+      </p:sp>
+    </p:spTree>
+    <p:extLst>
+      <p:ext uri="{BB962C8B-B14F-4D97-AF65-F5344CB8AC3E}">
+        <p14:creationId xmlns:p14="http://schemas.microsoft.com/office/powerpoint/2010/main" val="686692504"/>
+      </p:ext>
+    </p:extLst>
+  </p:cSld>
+  <p:clrMapOvr>
+    <a:masterClrMapping/>
+  </p:clrMapOvr>
+</p:sld>
+</file>
+
+<file path=ppt/slides/slide3.xml><?xml version="1.0" encoding="utf-8"?>
+<p:sld xmlns:a="http://schemas.openxmlformats.org/drawingml/2006/main" xmlns:r="http://schemas.openxmlformats.org/officeDocument/2006/relationships" xmlns:p="http://schemas.openxmlformats.org/presentationml/2006/main">
+  <p:cSld>
+    <p:spTree>
+      <p:nvGrpSpPr>
+        <p:cNvPr id="1" name=""/>
+        <p:cNvGrpSpPr/>
+        <p:nvPr/>
+      </p:nvGrpSpPr>
+      <p:grpSpPr>
+        <a:xfrm>
+          <a:off x="0" y="0"/>
+          <a:ext cx="0" cy="0"/>
+          <a:chOff x="0" y="0"/>
+          <a:chExt cx="0" cy="0"/>
+        </a:xfrm>
+      </p:grpSpPr>
+      <p:pic>
+        <p:nvPicPr>
+          <p:cNvPr id="4" name="Picture 3" descr="A green squares with black lines&#10;&#10;Description automatically generated">
+            <a:extLst>
+              <a:ext uri="{FF2B5EF4-FFF2-40B4-BE49-F238E27FC236}">
+                <a16:creationId xmlns:a16="http://schemas.microsoft.com/office/drawing/2014/main" id="{A8BA9922-ACAF-D0EF-424E-454537296EF2}"/>
+              </a:ext>
+            </a:extLst>
+          </p:cNvPr>
+          <p:cNvPicPr>
+            <a:picLocks noChangeAspect="1"/>
+          </p:cNvPicPr>
+          <p:nvPr/>
+        </p:nvPicPr>
+        <p:blipFill>
+          <a:blip r:embed="rId2">
+            <a:extLst>
+              <a:ext uri="{28A0092B-C50C-407E-A947-70E740481C1C}">
+                <a14:useLocalDpi xmlns:a14="http://schemas.microsoft.com/office/drawing/2010/main" val="0"/>
+              </a:ext>
+            </a:extLst>
+          </a:blip>
+          <a:stretch>
+            <a:fillRect/>
+          </a:stretch>
+        </p:blipFill>
+        <p:spPr>
+          <a:xfrm>
+            <a:off x="3066369" y="939041"/>
+            <a:ext cx="1935629" cy="1137431"/>
+          </a:xfrm>
+          <a:prstGeom prst="rect">
+            <a:avLst/>
+          </a:prstGeom>
+        </p:spPr>
+      </p:pic>
+      <p:sp>
+        <p:nvSpPr>
+          <p:cNvPr id="5" name="Isosceles Triangle 4">
+            <a:extLst>
+              <a:ext uri="{FF2B5EF4-FFF2-40B4-BE49-F238E27FC236}">
+                <a16:creationId xmlns:a16="http://schemas.microsoft.com/office/drawing/2014/main" id="{4C3CD89E-04ED-8B38-0263-A481AF150E82}"/>
+              </a:ext>
+            </a:extLst>
+          </p:cNvPr>
+          <p:cNvSpPr/>
+          <p:nvPr/>
+        </p:nvSpPr>
+        <p:spPr>
+          <a:xfrm rot="16200000">
+            <a:off x="4356016" y="1176285"/>
+            <a:ext cx="847725" cy="714456"/>
+          </a:xfrm>
+          <a:prstGeom prst="triangle">
+            <a:avLst/>
+          </a:prstGeom>
+          <a:solidFill>
+            <a:schemeClr val="accent2">
+              <a:alpha val="50000"/>
+            </a:schemeClr>
+          </a:solidFill>
+          <a:ln>
+            <a:noFill/>
+          </a:ln>
+        </p:spPr>
+        <p:style>
+          <a:lnRef idx="0">
+            <a:scrgbClr r="0" g="0" b="0"/>
+          </a:lnRef>
+          <a:fillRef idx="0">
+            <a:scrgbClr r="0" g="0" b="0"/>
+          </a:fillRef>
+          <a:effectRef idx="0">
+            <a:scrgbClr r="0" g="0" b="0"/>
+          </a:effectRef>
+          <a:fontRef idx="minor">
+            <a:schemeClr val="lt1"/>
+          </a:fontRef>
+        </p:style>
+        <p:txBody>
+          <a:bodyPr rtlCol="0" anchor="ctr"/>
+          <a:lstStyle/>
+          <a:p>
+            <a:pPr algn="ctr"/>
+            <a:endParaRPr lang="en-SG" dirty="0"/>
+          </a:p>
+        </p:txBody>
+      </p:sp>
+      <p:cxnSp>
+        <p:nvCxnSpPr>
+          <p:cNvPr id="6" name="Straight Arrow Connector 5">
+            <a:extLst>
+              <a:ext uri="{FF2B5EF4-FFF2-40B4-BE49-F238E27FC236}">
+                <a16:creationId xmlns:a16="http://schemas.microsoft.com/office/drawing/2014/main" id="{EEE86A51-E949-EFFF-043A-C36B008DB048}"/>
+              </a:ext>
+            </a:extLst>
+          </p:cNvPr>
+          <p:cNvCxnSpPr>
+            <a:cxnSpLocks/>
+          </p:cNvCxnSpPr>
+          <p:nvPr/>
+        </p:nvCxnSpPr>
+        <p:spPr>
+          <a:xfrm flipH="1">
+            <a:off x="5137107" y="1109650"/>
+            <a:ext cx="581022" cy="151687"/>
+          </a:xfrm>
+          <a:prstGeom prst="straightConnector1">
+            <a:avLst/>
+          </a:prstGeom>
+          <a:ln>
+            <a:tailEnd type="triangle"/>
+          </a:ln>
+        </p:spPr>
+        <p:style>
+          <a:lnRef idx="1">
+            <a:schemeClr val="accent1"/>
+          </a:lnRef>
+          <a:fillRef idx="0">
+            <a:schemeClr val="accent1"/>
+          </a:fillRef>
+          <a:effectRef idx="0">
+            <a:schemeClr val="accent1"/>
+          </a:effectRef>
+          <a:fontRef idx="minor">
+            <a:schemeClr val="tx1"/>
+          </a:fontRef>
+        </p:style>
+      </p:cxnSp>
+      <p:sp>
+        <p:nvSpPr>
+          <p:cNvPr id="7" name="TextBox 6">
+            <a:extLst>
+              <a:ext uri="{FF2B5EF4-FFF2-40B4-BE49-F238E27FC236}">
+                <a16:creationId xmlns:a16="http://schemas.microsoft.com/office/drawing/2014/main" id="{6DB5B7CF-D6ED-DF20-9A12-D0BAE24A50CB}"/>
+              </a:ext>
+            </a:extLst>
+          </p:cNvPr>
+          <p:cNvSpPr txBox="1"/>
+          <p:nvPr/>
+        </p:nvSpPr>
+        <p:spPr>
+          <a:xfrm>
+            <a:off x="5728845" y="805951"/>
+            <a:ext cx="1585365" cy="461665"/>
+          </a:xfrm>
+          <a:prstGeom prst="rect">
+            <a:avLst/>
+          </a:prstGeom>
+          <a:noFill/>
+        </p:spPr>
+        <p:txBody>
+          <a:bodyPr wrap="square">
+            <a:spAutoFit/>
+          </a:bodyPr>
+          <a:lstStyle/>
+          <a:p>
+            <a:r>
+              <a:rPr lang="en-US" sz="1200" b="1" dirty="0">
+                <a:solidFill>
+                  <a:schemeClr val="tx1">
+                    <a:lumMod val="75000"/>
+                    <a:lumOff val="25000"/>
+                  </a:schemeClr>
+                </a:solidFill>
+              </a:rPr>
+              <a:t>Front sensor detection area</a:t>
+            </a:r>
+            <a:endParaRPr lang="en-SG" sz="1200" b="1" dirty="0">
+              <a:solidFill>
+                <a:schemeClr val="tx1">
+                  <a:lumMod val="75000"/>
+                  <a:lumOff val="25000"/>
+                </a:schemeClr>
+              </a:solidFill>
+            </a:endParaRPr>
+          </a:p>
+        </p:txBody>
+      </p:sp>
+      <p:cxnSp>
+        <p:nvCxnSpPr>
+          <p:cNvPr id="8" name="Straight Arrow Connector 7">
+            <a:extLst>
+              <a:ext uri="{FF2B5EF4-FFF2-40B4-BE49-F238E27FC236}">
+                <a16:creationId xmlns:a16="http://schemas.microsoft.com/office/drawing/2014/main" id="{4650D5EF-92A1-33DB-E466-C306270D7A7B}"/>
+              </a:ext>
+            </a:extLst>
+          </p:cNvPr>
+          <p:cNvCxnSpPr>
+            <a:cxnSpLocks/>
+          </p:cNvCxnSpPr>
+          <p:nvPr/>
+        </p:nvCxnSpPr>
+        <p:spPr>
+          <a:xfrm flipH="1">
+            <a:off x="4344710" y="857485"/>
+            <a:ext cx="10386" cy="555539"/>
+          </a:xfrm>
+          <a:prstGeom prst="straightConnector1">
+            <a:avLst/>
+          </a:prstGeom>
+          <a:ln>
+            <a:tailEnd type="triangle"/>
+          </a:ln>
+        </p:spPr>
+        <p:style>
+          <a:lnRef idx="1">
+            <a:schemeClr val="accent1"/>
+          </a:lnRef>
+          <a:fillRef idx="0">
+            <a:schemeClr val="accent1"/>
+          </a:fillRef>
+          <a:effectRef idx="0">
+            <a:schemeClr val="accent1"/>
+          </a:effectRef>
+          <a:fontRef idx="minor">
+            <a:schemeClr val="tx1"/>
+          </a:fontRef>
+        </p:style>
+      </p:cxnSp>
+      <p:sp>
+        <p:nvSpPr>
+          <p:cNvPr id="9" name="TextBox 8">
+            <a:extLst>
+              <a:ext uri="{FF2B5EF4-FFF2-40B4-BE49-F238E27FC236}">
+                <a16:creationId xmlns:a16="http://schemas.microsoft.com/office/drawing/2014/main" id="{0DEE6CFA-8E55-17F5-1090-9DF09FB65318}"/>
+              </a:ext>
+            </a:extLst>
+          </p:cNvPr>
+          <p:cNvSpPr txBox="1"/>
+          <p:nvPr/>
+        </p:nvSpPr>
+        <p:spPr>
+          <a:xfrm>
+            <a:off x="4111958" y="599889"/>
+            <a:ext cx="1787913" cy="276999"/>
+          </a:xfrm>
+          <a:prstGeom prst="rect">
+            <a:avLst/>
+          </a:prstGeom>
+          <a:noFill/>
+        </p:spPr>
+        <p:txBody>
+          <a:bodyPr wrap="square">
+            <a:spAutoFit/>
+          </a:bodyPr>
+          <a:lstStyle/>
+          <a:p>
+            <a:r>
+              <a:rPr lang="en-US" sz="1200" b="1" dirty="0">
+                <a:solidFill>
+                  <a:schemeClr val="tx1">
+                    <a:lumMod val="75000"/>
+                    <a:lumOff val="25000"/>
+                  </a:schemeClr>
+                </a:solidFill>
+              </a:rPr>
+              <a:t>Front detection sensor</a:t>
+            </a:r>
+            <a:endParaRPr lang="en-SG" sz="1200" b="1" dirty="0">
+              <a:solidFill>
+                <a:schemeClr val="tx1">
+                  <a:lumMod val="75000"/>
+                  <a:lumOff val="25000"/>
+                </a:schemeClr>
+              </a:solidFill>
+            </a:endParaRPr>
+          </a:p>
+        </p:txBody>
+      </p:sp>
+      <p:cxnSp>
+        <p:nvCxnSpPr>
+          <p:cNvPr id="10" name="Straight Arrow Connector 9">
+            <a:extLst>
+              <a:ext uri="{FF2B5EF4-FFF2-40B4-BE49-F238E27FC236}">
+                <a16:creationId xmlns:a16="http://schemas.microsoft.com/office/drawing/2014/main" id="{013A0594-73CA-9E97-B9F6-1603DA6B2E2B}"/>
+              </a:ext>
+            </a:extLst>
+          </p:cNvPr>
+          <p:cNvCxnSpPr>
+            <a:cxnSpLocks/>
+          </p:cNvCxnSpPr>
+          <p:nvPr/>
+        </p:nvCxnSpPr>
+        <p:spPr>
+          <a:xfrm>
+            <a:off x="4143480" y="650727"/>
+            <a:ext cx="0" cy="762297"/>
+          </a:xfrm>
+          <a:prstGeom prst="straightConnector1">
+            <a:avLst/>
+          </a:prstGeom>
+          <a:ln>
+            <a:tailEnd type="triangle"/>
+          </a:ln>
+        </p:spPr>
+        <p:style>
+          <a:lnRef idx="1">
+            <a:schemeClr val="accent1"/>
+          </a:lnRef>
+          <a:fillRef idx="0">
+            <a:schemeClr val="accent1"/>
+          </a:fillRef>
+          <a:effectRef idx="0">
+            <a:schemeClr val="accent1"/>
+          </a:effectRef>
+          <a:fontRef idx="minor">
+            <a:schemeClr val="tx1"/>
+          </a:fontRef>
+        </p:style>
+      </p:cxnSp>
+      <p:sp>
+        <p:nvSpPr>
+          <p:cNvPr id="11" name="TextBox 10">
+            <a:extLst>
+              <a:ext uri="{FF2B5EF4-FFF2-40B4-BE49-F238E27FC236}">
+                <a16:creationId xmlns:a16="http://schemas.microsoft.com/office/drawing/2014/main" id="{2EB4190D-D0C6-C37B-C6BC-02E960FFA911}"/>
+              </a:ext>
+            </a:extLst>
+          </p:cNvPr>
+          <p:cNvSpPr txBox="1"/>
+          <p:nvPr/>
+        </p:nvSpPr>
+        <p:spPr>
+          <a:xfrm>
+            <a:off x="3853828" y="440995"/>
+            <a:ext cx="1585365" cy="276999"/>
+          </a:xfrm>
+          <a:prstGeom prst="rect">
+            <a:avLst/>
+          </a:prstGeom>
+          <a:noFill/>
+        </p:spPr>
+        <p:txBody>
+          <a:bodyPr wrap="square">
+            <a:spAutoFit/>
+          </a:bodyPr>
+          <a:lstStyle/>
+          <a:p>
+            <a:r>
+              <a:rPr lang="en-US" sz="1200" b="1" dirty="0">
+                <a:solidFill>
+                  <a:schemeClr val="tx1">
+                    <a:lumMod val="75000"/>
+                    <a:lumOff val="25000"/>
+                  </a:schemeClr>
+                </a:solidFill>
+              </a:rPr>
+              <a:t>Speed sensor  </a:t>
+            </a:r>
+            <a:endParaRPr lang="en-SG" sz="1200" b="1" dirty="0">
+              <a:solidFill>
+                <a:schemeClr val="tx1">
+                  <a:lumMod val="75000"/>
+                  <a:lumOff val="25000"/>
+                </a:schemeClr>
+              </a:solidFill>
+            </a:endParaRPr>
+          </a:p>
+        </p:txBody>
+      </p:sp>
+      <p:cxnSp>
+        <p:nvCxnSpPr>
+          <p:cNvPr id="12" name="Straight Arrow Connector 11">
+            <a:extLst>
+              <a:ext uri="{FF2B5EF4-FFF2-40B4-BE49-F238E27FC236}">
+                <a16:creationId xmlns:a16="http://schemas.microsoft.com/office/drawing/2014/main" id="{913D1C83-4A1E-E33A-1987-D3D69EAFA8FB}"/>
+              </a:ext>
+            </a:extLst>
+          </p:cNvPr>
+          <p:cNvCxnSpPr>
+            <a:cxnSpLocks/>
+          </p:cNvCxnSpPr>
+          <p:nvPr/>
+        </p:nvCxnSpPr>
+        <p:spPr>
+          <a:xfrm>
+            <a:off x="3558413" y="717994"/>
+            <a:ext cx="432667" cy="706011"/>
+          </a:xfrm>
+          <a:prstGeom prst="straightConnector1">
+            <a:avLst/>
+          </a:prstGeom>
+          <a:ln>
+            <a:tailEnd type="triangle"/>
+          </a:ln>
+        </p:spPr>
+        <p:style>
+          <a:lnRef idx="1">
+            <a:schemeClr val="accent1"/>
+          </a:lnRef>
+          <a:fillRef idx="0">
+            <a:schemeClr val="accent1"/>
+          </a:fillRef>
+          <a:effectRef idx="0">
+            <a:schemeClr val="accent1"/>
+          </a:effectRef>
+          <a:fontRef idx="minor">
+            <a:schemeClr val="tx1"/>
+          </a:fontRef>
+        </p:style>
+      </p:cxnSp>
+      <p:sp>
+        <p:nvSpPr>
+          <p:cNvPr id="13" name="TextBox 12">
+            <a:extLst>
+              <a:ext uri="{FF2B5EF4-FFF2-40B4-BE49-F238E27FC236}">
+                <a16:creationId xmlns:a16="http://schemas.microsoft.com/office/drawing/2014/main" id="{0498248B-A420-63C2-9D4D-FCD054B79C8A}"/>
+              </a:ext>
+            </a:extLst>
+          </p:cNvPr>
+          <p:cNvSpPr txBox="1"/>
+          <p:nvPr/>
+        </p:nvSpPr>
+        <p:spPr>
+          <a:xfrm>
+            <a:off x="2660539" y="486809"/>
+            <a:ext cx="1585365" cy="276999"/>
+          </a:xfrm>
+          <a:prstGeom prst="rect">
+            <a:avLst/>
+          </a:prstGeom>
+          <a:noFill/>
+        </p:spPr>
+        <p:txBody>
+          <a:bodyPr wrap="square">
+            <a:spAutoFit/>
+          </a:bodyPr>
+          <a:lstStyle/>
+          <a:p>
+            <a:r>
+              <a:rPr lang="en-US" sz="1200" b="1" dirty="0">
+                <a:solidFill>
+                  <a:schemeClr val="tx1">
+                    <a:lumMod val="75000"/>
+                    <a:lumOff val="25000"/>
+                  </a:schemeClr>
+                </a:solidFill>
+              </a:rPr>
+              <a:t>Throttle &amp; break</a:t>
+            </a:r>
+            <a:endParaRPr lang="en-SG" sz="1200" b="1" dirty="0">
+              <a:solidFill>
+                <a:schemeClr val="tx1">
+                  <a:lumMod val="75000"/>
+                  <a:lumOff val="25000"/>
+                </a:schemeClr>
+              </a:solidFill>
+            </a:endParaRPr>
+          </a:p>
+        </p:txBody>
+      </p:sp>
+      <p:sp>
+        <p:nvSpPr>
+          <p:cNvPr id="14" name="Rectangle 13">
+            <a:extLst>
+              <a:ext uri="{FF2B5EF4-FFF2-40B4-BE49-F238E27FC236}">
+                <a16:creationId xmlns:a16="http://schemas.microsoft.com/office/drawing/2014/main" id="{85F3023E-F42B-9F0B-2B73-85E5B28FCCA6}"/>
+              </a:ext>
+            </a:extLst>
+          </p:cNvPr>
+          <p:cNvSpPr/>
+          <p:nvPr/>
+        </p:nvSpPr>
+        <p:spPr>
+          <a:xfrm>
+            <a:off x="2535570" y="2847722"/>
+            <a:ext cx="3152775" cy="1758110"/>
+          </a:xfrm>
+          <a:prstGeom prst="rect">
+            <a:avLst/>
+          </a:prstGeom>
+        </p:spPr>
+        <p:style>
+          <a:lnRef idx="2">
+            <a:schemeClr val="dk1"/>
+          </a:lnRef>
+          <a:fillRef idx="1">
+            <a:schemeClr val="lt1"/>
+          </a:fillRef>
+          <a:effectRef idx="0">
+            <a:schemeClr val="dk1"/>
+          </a:effectRef>
+          <a:fontRef idx="minor">
+            <a:schemeClr val="dk1"/>
+          </a:fontRef>
+        </p:style>
+        <p:txBody>
+          <a:bodyPr rtlCol="0" anchor="ctr"/>
+          <a:lstStyle/>
+          <a:p>
+            <a:pPr algn="ctr"/>
+            <a:endParaRPr lang="en-SG" dirty="0"/>
+          </a:p>
+        </p:txBody>
+      </p:sp>
+      <p:pic>
+        <p:nvPicPr>
+          <p:cNvPr id="15" name="Picture 14">
+            <a:extLst>
+              <a:ext uri="{FF2B5EF4-FFF2-40B4-BE49-F238E27FC236}">
+                <a16:creationId xmlns:a16="http://schemas.microsoft.com/office/drawing/2014/main" id="{FAB37E31-F434-DF5F-F6E3-ED2067B7E1FB}"/>
+              </a:ext>
+            </a:extLst>
+          </p:cNvPr>
+          <p:cNvPicPr>
+            <a:picLocks noChangeAspect="1"/>
+          </p:cNvPicPr>
+          <p:nvPr/>
+        </p:nvPicPr>
+        <p:blipFill>
+          <a:blip r:embed="rId3"/>
+          <a:stretch>
+            <a:fillRect/>
+          </a:stretch>
+        </p:blipFill>
+        <p:spPr>
+          <a:xfrm>
+            <a:off x="5203854" y="4272849"/>
+            <a:ext cx="421420" cy="248638"/>
+          </a:xfrm>
+          <a:prstGeom prst="rect">
+            <a:avLst/>
+          </a:prstGeom>
+          <a:ln>
+            <a:solidFill>
+              <a:schemeClr val="tx1"/>
+            </a:solidFill>
+          </a:ln>
+        </p:spPr>
+      </p:pic>
+      <p:sp>
+        <p:nvSpPr>
+          <p:cNvPr id="16" name="TextBox 15">
+            <a:extLst>
+              <a:ext uri="{FF2B5EF4-FFF2-40B4-BE49-F238E27FC236}">
+                <a16:creationId xmlns:a16="http://schemas.microsoft.com/office/drawing/2014/main" id="{B21206E1-39A1-3596-5F33-3D727BC60419}"/>
+              </a:ext>
+            </a:extLst>
+          </p:cNvPr>
+          <p:cNvSpPr txBox="1"/>
+          <p:nvPr/>
+        </p:nvSpPr>
+        <p:spPr>
+          <a:xfrm>
+            <a:off x="4604756" y="2964507"/>
+            <a:ext cx="599768" cy="369332"/>
+          </a:xfrm>
+          <a:prstGeom prst="rect">
+            <a:avLst/>
+          </a:prstGeom>
+          <a:solidFill>
+            <a:schemeClr val="accent1"/>
+          </a:solidFill>
+        </p:spPr>
+        <p:txBody>
+          <a:bodyPr wrap="square" rtlCol="0">
+            <a:spAutoFit/>
+          </a:bodyPr>
+          <a:lstStyle/>
+          <a:p>
+            <a:r>
+              <a:rPr lang="en-US" dirty="0">
+                <a:solidFill>
+                  <a:schemeClr val="bg1"/>
+                </a:solidFill>
+              </a:rPr>
+              <a:t>HR0</a:t>
+            </a:r>
+            <a:endParaRPr lang="en-SG" dirty="0">
+              <a:solidFill>
+                <a:schemeClr val="bg1"/>
+              </a:solidFill>
+            </a:endParaRPr>
+          </a:p>
+        </p:txBody>
+      </p:sp>
+      <p:cxnSp>
+        <p:nvCxnSpPr>
+          <p:cNvPr id="17" name="Connector: Elbow 16">
+            <a:extLst>
+              <a:ext uri="{FF2B5EF4-FFF2-40B4-BE49-F238E27FC236}">
+                <a16:creationId xmlns:a16="http://schemas.microsoft.com/office/drawing/2014/main" id="{792A7035-855C-18CD-EB31-45A0AE24DE39}"/>
+              </a:ext>
+            </a:extLst>
+          </p:cNvPr>
+          <p:cNvCxnSpPr>
+            <a:endCxn id="16" idx="3"/>
+          </p:cNvCxnSpPr>
+          <p:nvPr/>
+        </p:nvCxnSpPr>
+        <p:spPr>
+          <a:xfrm rot="16200000" flipH="1">
+            <a:off x="4028872" y="1973520"/>
+            <a:ext cx="1501877" cy="849428"/>
+          </a:xfrm>
+          <a:prstGeom prst="bentConnector4">
+            <a:avLst>
+              <a:gd name="adj1" fmla="val 43852"/>
+              <a:gd name="adj2" fmla="val 126912"/>
+            </a:avLst>
+          </a:prstGeom>
+          <a:ln w="28575">
+            <a:solidFill>
+              <a:srgbClr val="7030A0"/>
+            </a:solidFill>
+          </a:ln>
+        </p:spPr>
+        <p:style>
+          <a:lnRef idx="1">
+            <a:schemeClr val="accent1"/>
+          </a:lnRef>
+          <a:fillRef idx="0">
+            <a:schemeClr val="accent1"/>
+          </a:fillRef>
+          <a:effectRef idx="0">
+            <a:schemeClr val="accent1"/>
+          </a:effectRef>
+          <a:fontRef idx="minor">
+            <a:schemeClr val="tx1"/>
+          </a:fontRef>
+        </p:style>
+      </p:cxnSp>
+      <p:sp>
+        <p:nvSpPr>
+          <p:cNvPr id="18" name="TextBox 17">
+            <a:extLst>
+              <a:ext uri="{FF2B5EF4-FFF2-40B4-BE49-F238E27FC236}">
+                <a16:creationId xmlns:a16="http://schemas.microsoft.com/office/drawing/2014/main" id="{D7E83538-82E4-192C-BD61-EF3F85E210B3}"/>
+              </a:ext>
+            </a:extLst>
+          </p:cNvPr>
+          <p:cNvSpPr txBox="1"/>
+          <p:nvPr/>
+        </p:nvSpPr>
+        <p:spPr>
+          <a:xfrm>
+            <a:off x="2641654" y="3612525"/>
+            <a:ext cx="849429" cy="369332"/>
+          </a:xfrm>
+          <a:prstGeom prst="rect">
+            <a:avLst/>
+          </a:prstGeom>
+          <a:solidFill>
+            <a:schemeClr val="accent1"/>
+          </a:solidFill>
+        </p:spPr>
+        <p:txBody>
+          <a:bodyPr wrap="square" rtlCol="0">
+            <a:spAutoFit/>
+          </a:bodyPr>
+          <a:lstStyle/>
+          <a:p>
+            <a:r>
+              <a:rPr lang="en-US" dirty="0">
+                <a:solidFill>
+                  <a:schemeClr val="bg1"/>
+                </a:solidFill>
+              </a:rPr>
+              <a:t>Coil00</a:t>
+            </a:r>
+            <a:endParaRPr lang="en-SG" dirty="0">
+              <a:solidFill>
+                <a:schemeClr val="bg1"/>
+              </a:solidFill>
+            </a:endParaRPr>
+          </a:p>
+        </p:txBody>
+      </p:sp>
+      <p:sp>
+        <p:nvSpPr>
+          <p:cNvPr id="19" name="TextBox 18">
+            <a:extLst>
+              <a:ext uri="{FF2B5EF4-FFF2-40B4-BE49-F238E27FC236}">
+                <a16:creationId xmlns:a16="http://schemas.microsoft.com/office/drawing/2014/main" id="{6AC51008-48DB-B117-308D-11904F861362}"/>
+              </a:ext>
+            </a:extLst>
+          </p:cNvPr>
+          <p:cNvSpPr txBox="1"/>
+          <p:nvPr/>
+        </p:nvSpPr>
+        <p:spPr>
+          <a:xfrm>
+            <a:off x="2660539" y="4109178"/>
+            <a:ext cx="825321" cy="369332"/>
+          </a:xfrm>
+          <a:prstGeom prst="rect">
+            <a:avLst/>
+          </a:prstGeom>
+          <a:solidFill>
+            <a:schemeClr val="accent1"/>
+          </a:solidFill>
+        </p:spPr>
+        <p:txBody>
+          <a:bodyPr wrap="square" rtlCol="0">
+            <a:spAutoFit/>
+          </a:bodyPr>
+          <a:lstStyle/>
+          <a:p>
+            <a:r>
+              <a:rPr lang="en-US" dirty="0">
+                <a:solidFill>
+                  <a:schemeClr val="bg1"/>
+                </a:solidFill>
+              </a:rPr>
+              <a:t>Coil01</a:t>
+            </a:r>
+            <a:endParaRPr lang="en-SG" dirty="0">
+              <a:solidFill>
+                <a:schemeClr val="bg1"/>
+              </a:solidFill>
+            </a:endParaRPr>
+          </a:p>
+        </p:txBody>
+      </p:sp>
+      <p:cxnSp>
+        <p:nvCxnSpPr>
+          <p:cNvPr id="20" name="Straight Arrow Connector 19">
+            <a:extLst>
+              <a:ext uri="{FF2B5EF4-FFF2-40B4-BE49-F238E27FC236}">
+                <a16:creationId xmlns:a16="http://schemas.microsoft.com/office/drawing/2014/main" id="{BD2CB106-ADF3-2AD9-CE1B-A5FAFC0E955E}"/>
+              </a:ext>
+            </a:extLst>
+          </p:cNvPr>
+          <p:cNvCxnSpPr>
+            <a:cxnSpLocks/>
+          </p:cNvCxnSpPr>
+          <p:nvPr/>
+        </p:nvCxnSpPr>
+        <p:spPr>
+          <a:xfrm>
+            <a:off x="2730562" y="1109650"/>
+            <a:ext cx="986378" cy="314355"/>
+          </a:xfrm>
+          <a:prstGeom prst="straightConnector1">
+            <a:avLst/>
+          </a:prstGeom>
+          <a:ln>
+            <a:tailEnd type="triangle"/>
+          </a:ln>
+        </p:spPr>
+        <p:style>
+          <a:lnRef idx="1">
+            <a:schemeClr val="accent1"/>
+          </a:lnRef>
+          <a:fillRef idx="0">
+            <a:schemeClr val="accent1"/>
+          </a:fillRef>
+          <a:effectRef idx="0">
+            <a:schemeClr val="accent1"/>
+          </a:effectRef>
+          <a:fontRef idx="minor">
+            <a:schemeClr val="tx1"/>
+          </a:fontRef>
+        </p:style>
+      </p:cxnSp>
+      <p:sp>
+        <p:nvSpPr>
+          <p:cNvPr id="21" name="TextBox 20">
+            <a:extLst>
+              <a:ext uri="{FF2B5EF4-FFF2-40B4-BE49-F238E27FC236}">
+                <a16:creationId xmlns:a16="http://schemas.microsoft.com/office/drawing/2014/main" id="{32D8F11B-DCAC-16D4-8C9E-7004FAB81A98}"/>
+              </a:ext>
+            </a:extLst>
+          </p:cNvPr>
+          <p:cNvSpPr txBox="1"/>
+          <p:nvPr/>
+        </p:nvSpPr>
+        <p:spPr>
+          <a:xfrm>
+            <a:off x="2122356" y="744972"/>
+            <a:ext cx="986378" cy="461665"/>
+          </a:xfrm>
+          <a:prstGeom prst="rect">
+            <a:avLst/>
+          </a:prstGeom>
+          <a:noFill/>
+        </p:spPr>
+        <p:txBody>
+          <a:bodyPr wrap="square">
+            <a:spAutoFit/>
+          </a:bodyPr>
+          <a:lstStyle/>
+          <a:p>
+            <a:r>
+              <a:rPr lang="en-US" sz="1200" b="1" dirty="0">
+                <a:solidFill>
+                  <a:schemeClr val="tx1">
+                    <a:lumMod val="75000"/>
+                    <a:lumOff val="25000"/>
+                  </a:schemeClr>
+                </a:solidFill>
+              </a:rPr>
+              <a:t>Overall train </a:t>
+            </a:r>
+          </a:p>
+          <a:p>
+            <a:r>
+              <a:rPr lang="en-US" sz="1200" b="1" dirty="0">
+                <a:solidFill>
+                  <a:schemeClr val="tx1">
+                    <a:lumMod val="75000"/>
+                    <a:lumOff val="25000"/>
+                  </a:schemeClr>
+                </a:solidFill>
+              </a:rPr>
+              <a:t>power</a:t>
+            </a:r>
+            <a:endParaRPr lang="en-SG" sz="1200" b="1" dirty="0">
+              <a:solidFill>
+                <a:schemeClr val="tx1">
+                  <a:lumMod val="75000"/>
+                  <a:lumOff val="25000"/>
+                </a:schemeClr>
+              </a:solidFill>
+            </a:endParaRPr>
+          </a:p>
+        </p:txBody>
+      </p:sp>
+      <p:sp>
+        <p:nvSpPr>
+          <p:cNvPr id="22" name="TextBox 21">
+            <a:extLst>
+              <a:ext uri="{FF2B5EF4-FFF2-40B4-BE49-F238E27FC236}">
+                <a16:creationId xmlns:a16="http://schemas.microsoft.com/office/drawing/2014/main" id="{93F2D4AB-83C4-6B81-70DA-2125A9742AA2}"/>
+              </a:ext>
+            </a:extLst>
+          </p:cNvPr>
+          <p:cNvSpPr txBox="1"/>
+          <p:nvPr/>
+        </p:nvSpPr>
+        <p:spPr>
+          <a:xfrm>
+            <a:off x="4702114" y="3600503"/>
+            <a:ext cx="599768" cy="369332"/>
+          </a:xfrm>
+          <a:prstGeom prst="rect">
+            <a:avLst/>
+          </a:prstGeom>
+          <a:solidFill>
+            <a:schemeClr val="accent1"/>
+          </a:solidFill>
+        </p:spPr>
+        <p:txBody>
+          <a:bodyPr wrap="square" rtlCol="0">
+            <a:spAutoFit/>
+          </a:bodyPr>
+          <a:lstStyle/>
+          <a:p>
+            <a:r>
+              <a:rPr lang="en-US" dirty="0">
+                <a:solidFill>
+                  <a:schemeClr val="bg1"/>
+                </a:solidFill>
+              </a:rPr>
+              <a:t>HR1</a:t>
+            </a:r>
+            <a:endParaRPr lang="en-SG" dirty="0">
+              <a:solidFill>
+                <a:schemeClr val="bg1"/>
+              </a:solidFill>
+            </a:endParaRPr>
+          </a:p>
+        </p:txBody>
+      </p:sp>
+      <p:cxnSp>
+        <p:nvCxnSpPr>
+          <p:cNvPr id="23" name="Connector: Elbow 22">
+            <a:extLst>
+              <a:ext uri="{FF2B5EF4-FFF2-40B4-BE49-F238E27FC236}">
+                <a16:creationId xmlns:a16="http://schemas.microsoft.com/office/drawing/2014/main" id="{445CFE30-8CC1-E507-01E7-EBD26353F822}"/>
+              </a:ext>
+            </a:extLst>
+          </p:cNvPr>
+          <p:cNvCxnSpPr>
+            <a:cxnSpLocks/>
+          </p:cNvCxnSpPr>
+          <p:nvPr/>
+        </p:nvCxnSpPr>
+        <p:spPr>
+          <a:xfrm rot="16200000" flipH="1">
+            <a:off x="3505417" y="2286204"/>
+            <a:ext cx="1959956" cy="683827"/>
+          </a:xfrm>
+          <a:prstGeom prst="bentConnector3">
+            <a:avLst>
+              <a:gd name="adj1" fmla="val 90132"/>
+            </a:avLst>
+          </a:prstGeom>
+          <a:ln w="28575">
+            <a:solidFill>
+              <a:srgbClr val="7030A0"/>
+            </a:solidFill>
+          </a:ln>
+        </p:spPr>
+        <p:style>
+          <a:lnRef idx="1">
+            <a:schemeClr val="accent1"/>
+          </a:lnRef>
+          <a:fillRef idx="0">
+            <a:schemeClr val="accent1"/>
+          </a:fillRef>
+          <a:effectRef idx="0">
+            <a:schemeClr val="accent1"/>
+          </a:effectRef>
+          <a:fontRef idx="minor">
+            <a:schemeClr val="tx1"/>
+          </a:fontRef>
+        </p:style>
+      </p:cxnSp>
+      <p:cxnSp>
+        <p:nvCxnSpPr>
+          <p:cNvPr id="24" name="Straight Arrow Connector 23">
+            <a:extLst>
+              <a:ext uri="{FF2B5EF4-FFF2-40B4-BE49-F238E27FC236}">
+                <a16:creationId xmlns:a16="http://schemas.microsoft.com/office/drawing/2014/main" id="{81974B76-B7CB-CDC8-6C0D-AF4DF2756FDB}"/>
+              </a:ext>
+            </a:extLst>
+          </p:cNvPr>
+          <p:cNvCxnSpPr>
+            <a:cxnSpLocks/>
+          </p:cNvCxnSpPr>
+          <p:nvPr/>
+        </p:nvCxnSpPr>
+        <p:spPr>
+          <a:xfrm flipH="1">
+            <a:off x="4300500" y="3214773"/>
+            <a:ext cx="304255" cy="550412"/>
+          </a:xfrm>
+          <a:prstGeom prst="straightConnector1">
+            <a:avLst/>
+          </a:prstGeom>
+          <a:ln w="19050">
+            <a:prstDash val="sysDash"/>
+            <a:tailEnd type="triangle"/>
+          </a:ln>
+        </p:spPr>
+        <p:style>
+          <a:lnRef idx="1">
+            <a:schemeClr val="dk1"/>
+          </a:lnRef>
+          <a:fillRef idx="0">
+            <a:schemeClr val="dk1"/>
+          </a:fillRef>
+          <a:effectRef idx="0">
+            <a:schemeClr val="dk1"/>
+          </a:effectRef>
+          <a:fontRef idx="minor">
+            <a:schemeClr val="tx1"/>
+          </a:fontRef>
+        </p:style>
+      </p:cxnSp>
+      <p:pic>
+        <p:nvPicPr>
+          <p:cNvPr id="25" name="Picture 24">
+            <a:extLst>
+              <a:ext uri="{FF2B5EF4-FFF2-40B4-BE49-F238E27FC236}">
+                <a16:creationId xmlns:a16="http://schemas.microsoft.com/office/drawing/2014/main" id="{A812B3B0-3F53-41E1-CAE2-9F5F9EDC77C0}"/>
+              </a:ext>
+            </a:extLst>
+          </p:cNvPr>
+          <p:cNvPicPr>
+            <a:picLocks noChangeAspect="1"/>
+          </p:cNvPicPr>
+          <p:nvPr/>
+        </p:nvPicPr>
+        <p:blipFill>
+          <a:blip r:embed="rId4"/>
+          <a:stretch>
+            <a:fillRect/>
+          </a:stretch>
+        </p:blipFill>
+        <p:spPr>
+          <a:xfrm>
+            <a:off x="3700336" y="3524812"/>
+            <a:ext cx="610493" cy="520714"/>
+          </a:xfrm>
+          <a:prstGeom prst="rect">
+            <a:avLst/>
+          </a:prstGeom>
+        </p:spPr>
+      </p:pic>
+      <p:cxnSp>
+        <p:nvCxnSpPr>
+          <p:cNvPr id="26" name="Straight Arrow Connector 25">
+            <a:extLst>
+              <a:ext uri="{FF2B5EF4-FFF2-40B4-BE49-F238E27FC236}">
+                <a16:creationId xmlns:a16="http://schemas.microsoft.com/office/drawing/2014/main" id="{A7A73203-E401-06ED-6E13-C56E1A23C167}"/>
+              </a:ext>
+            </a:extLst>
+          </p:cNvPr>
+          <p:cNvCxnSpPr>
+            <a:cxnSpLocks/>
+            <a:stCxn id="25" idx="1"/>
+            <a:endCxn id="18" idx="3"/>
+          </p:cNvCxnSpPr>
+          <p:nvPr/>
+        </p:nvCxnSpPr>
+        <p:spPr>
+          <a:xfrm flipH="1">
+            <a:off x="3491083" y="3785169"/>
+            <a:ext cx="209253" cy="12022"/>
+          </a:xfrm>
+          <a:prstGeom prst="straightConnector1">
+            <a:avLst/>
+          </a:prstGeom>
+          <a:ln w="19050">
+            <a:prstDash val="sysDash"/>
+            <a:tailEnd type="triangle"/>
+          </a:ln>
+        </p:spPr>
+        <p:style>
+          <a:lnRef idx="1">
+            <a:schemeClr val="dk1"/>
+          </a:lnRef>
+          <a:fillRef idx="0">
+            <a:schemeClr val="dk1"/>
+          </a:fillRef>
+          <a:effectRef idx="0">
+            <a:schemeClr val="dk1"/>
+          </a:effectRef>
+          <a:fontRef idx="minor">
+            <a:schemeClr val="tx1"/>
+          </a:fontRef>
+        </p:style>
+      </p:cxnSp>
+      <p:cxnSp>
+        <p:nvCxnSpPr>
+          <p:cNvPr id="27" name="Connector: Elbow 26">
+            <a:extLst>
+              <a:ext uri="{FF2B5EF4-FFF2-40B4-BE49-F238E27FC236}">
+                <a16:creationId xmlns:a16="http://schemas.microsoft.com/office/drawing/2014/main" id="{2E03F7E5-569F-FC7A-4C69-CE345DD66C68}"/>
+              </a:ext>
+            </a:extLst>
+          </p:cNvPr>
+          <p:cNvCxnSpPr>
+            <a:cxnSpLocks/>
+            <a:endCxn id="18" idx="0"/>
+          </p:cNvCxnSpPr>
+          <p:nvPr/>
+        </p:nvCxnSpPr>
+        <p:spPr>
+          <a:xfrm rot="5400000">
+            <a:off x="2544326" y="2192688"/>
+            <a:ext cx="1941881" cy="897793"/>
+          </a:xfrm>
+          <a:prstGeom prst="bentConnector3">
+            <a:avLst>
+              <a:gd name="adj1" fmla="val 50000"/>
+            </a:avLst>
+          </a:prstGeom>
+          <a:ln w="28575">
+            <a:solidFill>
+              <a:srgbClr val="7030A0"/>
+            </a:solidFill>
+          </a:ln>
+        </p:spPr>
+        <p:style>
+          <a:lnRef idx="1">
+            <a:schemeClr val="accent1"/>
+          </a:lnRef>
+          <a:fillRef idx="0">
+            <a:schemeClr val="accent1"/>
+          </a:fillRef>
+          <a:effectRef idx="0">
+            <a:schemeClr val="accent1"/>
+          </a:effectRef>
+          <a:fontRef idx="minor">
+            <a:schemeClr val="tx1"/>
+          </a:fontRef>
+        </p:style>
+      </p:cxnSp>
+      <p:cxnSp>
+        <p:nvCxnSpPr>
+          <p:cNvPr id="28" name="Connector: Elbow 27">
+            <a:extLst>
+              <a:ext uri="{FF2B5EF4-FFF2-40B4-BE49-F238E27FC236}">
+                <a16:creationId xmlns:a16="http://schemas.microsoft.com/office/drawing/2014/main" id="{7945A849-CA0A-DB72-764A-2968E7747B01}"/>
+              </a:ext>
+            </a:extLst>
+          </p:cNvPr>
+          <p:cNvCxnSpPr>
+            <a:cxnSpLocks/>
+            <a:endCxn id="19" idx="1"/>
+          </p:cNvCxnSpPr>
+          <p:nvPr/>
+        </p:nvCxnSpPr>
+        <p:spPr>
+          <a:xfrm rot="5400000">
+            <a:off x="1891025" y="2387589"/>
+            <a:ext cx="2675769" cy="1136740"/>
+          </a:xfrm>
+          <a:prstGeom prst="bentConnector4">
+            <a:avLst>
+              <a:gd name="adj1" fmla="val 27682"/>
+              <a:gd name="adj2" fmla="val 120110"/>
+            </a:avLst>
+          </a:prstGeom>
+          <a:ln w="28575">
+            <a:solidFill>
+              <a:srgbClr val="7030A0"/>
+            </a:solidFill>
+          </a:ln>
+        </p:spPr>
+        <p:style>
+          <a:lnRef idx="1">
+            <a:schemeClr val="accent1"/>
+          </a:lnRef>
+          <a:fillRef idx="0">
+            <a:schemeClr val="accent1"/>
+          </a:fillRef>
+          <a:effectRef idx="0">
+            <a:schemeClr val="accent1"/>
+          </a:effectRef>
+          <a:fontRef idx="minor">
+            <a:schemeClr val="tx1"/>
+          </a:fontRef>
+        </p:style>
+      </p:cxnSp>
+      <p:sp>
+        <p:nvSpPr>
+          <p:cNvPr id="29" name="TextBox 28">
+            <a:extLst>
+              <a:ext uri="{FF2B5EF4-FFF2-40B4-BE49-F238E27FC236}">
+                <a16:creationId xmlns:a16="http://schemas.microsoft.com/office/drawing/2014/main" id="{C8B0FC40-9E90-E50E-7F60-49685A68667D}"/>
+              </a:ext>
+            </a:extLst>
+          </p:cNvPr>
+          <p:cNvSpPr txBox="1"/>
+          <p:nvPr/>
+        </p:nvSpPr>
+        <p:spPr>
+          <a:xfrm>
+            <a:off x="4315005" y="2637860"/>
+            <a:ext cx="1346628" cy="400110"/>
+          </a:xfrm>
+          <a:prstGeom prst="rect">
+            <a:avLst/>
+          </a:prstGeom>
+          <a:noFill/>
+        </p:spPr>
+        <p:txBody>
+          <a:bodyPr wrap="square">
+            <a:spAutoFit/>
+          </a:bodyPr>
+          <a:lstStyle/>
+          <a:p>
+            <a:r>
+              <a:rPr lang="en-US" sz="1000" b="1" dirty="0">
+                <a:solidFill>
+                  <a:schemeClr val="tx1">
+                    <a:lumMod val="75000"/>
+                    <a:lumOff val="25000"/>
+                  </a:schemeClr>
+                </a:solidFill>
+              </a:rPr>
+              <a:t>Front sensor state holding register </a:t>
+            </a:r>
+            <a:endParaRPr lang="en-SG" sz="1000" b="1" dirty="0">
+              <a:solidFill>
+                <a:schemeClr val="tx1">
+                  <a:lumMod val="75000"/>
+                  <a:lumOff val="25000"/>
+                </a:schemeClr>
+              </a:solidFill>
+            </a:endParaRPr>
+          </a:p>
+        </p:txBody>
+      </p:sp>
+      <p:sp>
+        <p:nvSpPr>
+          <p:cNvPr id="30" name="TextBox 29">
+            <a:extLst>
+              <a:ext uri="{FF2B5EF4-FFF2-40B4-BE49-F238E27FC236}">
+                <a16:creationId xmlns:a16="http://schemas.microsoft.com/office/drawing/2014/main" id="{D2F7C6C4-357A-F7BE-55A3-D869C8417963}"/>
+              </a:ext>
+            </a:extLst>
+          </p:cNvPr>
+          <p:cNvSpPr txBox="1"/>
+          <p:nvPr/>
+        </p:nvSpPr>
+        <p:spPr>
+          <a:xfrm>
+            <a:off x="5253814" y="3467834"/>
+            <a:ext cx="937751" cy="553998"/>
+          </a:xfrm>
+          <a:prstGeom prst="rect">
+            <a:avLst/>
+          </a:prstGeom>
+          <a:noFill/>
+        </p:spPr>
+        <p:txBody>
+          <a:bodyPr wrap="square">
+            <a:spAutoFit/>
+          </a:bodyPr>
+          <a:lstStyle/>
+          <a:p>
+            <a:r>
+              <a:rPr lang="en-US" sz="1000" b="1" dirty="0">
+                <a:solidFill>
+                  <a:schemeClr val="tx1">
+                    <a:lumMod val="75000"/>
+                    <a:lumOff val="25000"/>
+                  </a:schemeClr>
+                </a:solidFill>
+              </a:rPr>
+              <a:t>Speed sensor state holding register </a:t>
+            </a:r>
+            <a:endParaRPr lang="en-SG" sz="1000" b="1" dirty="0">
+              <a:solidFill>
+                <a:schemeClr val="tx1">
+                  <a:lumMod val="75000"/>
+                  <a:lumOff val="25000"/>
+                </a:schemeClr>
+              </a:solidFill>
+            </a:endParaRPr>
+          </a:p>
+        </p:txBody>
+      </p:sp>
+      <p:sp>
+        <p:nvSpPr>
+          <p:cNvPr id="31" name="TextBox 30">
+            <a:extLst>
+              <a:ext uri="{FF2B5EF4-FFF2-40B4-BE49-F238E27FC236}">
+                <a16:creationId xmlns:a16="http://schemas.microsoft.com/office/drawing/2014/main" id="{F12B4DB3-30CB-3386-BB81-DBC07C376326}"/>
+              </a:ext>
+            </a:extLst>
+          </p:cNvPr>
+          <p:cNvSpPr txBox="1"/>
+          <p:nvPr/>
+        </p:nvSpPr>
+        <p:spPr>
+          <a:xfrm>
+            <a:off x="2569565" y="3234735"/>
+            <a:ext cx="1117949" cy="400110"/>
+          </a:xfrm>
+          <a:prstGeom prst="rect">
+            <a:avLst/>
+          </a:prstGeom>
+          <a:noFill/>
+        </p:spPr>
+        <p:txBody>
+          <a:bodyPr wrap="square">
+            <a:spAutoFit/>
+          </a:bodyPr>
+          <a:lstStyle/>
+          <a:p>
+            <a:r>
+              <a:rPr lang="en-US" sz="1000" b="1" dirty="0">
+                <a:solidFill>
+                  <a:schemeClr val="tx1">
+                    <a:lumMod val="75000"/>
+                    <a:lumOff val="25000"/>
+                  </a:schemeClr>
+                </a:solidFill>
+              </a:rPr>
+              <a:t>Coil output to throttle &amp; break</a:t>
+            </a:r>
+            <a:endParaRPr lang="en-SG" sz="1000" b="1" dirty="0">
+              <a:solidFill>
+                <a:schemeClr val="tx1">
+                  <a:lumMod val="75000"/>
+                  <a:lumOff val="25000"/>
+                </a:schemeClr>
+              </a:solidFill>
+            </a:endParaRPr>
+          </a:p>
+        </p:txBody>
+      </p:sp>
+      <p:sp>
+        <p:nvSpPr>
+          <p:cNvPr id="32" name="TextBox 31">
+            <a:extLst>
+              <a:ext uri="{FF2B5EF4-FFF2-40B4-BE49-F238E27FC236}">
+                <a16:creationId xmlns:a16="http://schemas.microsoft.com/office/drawing/2014/main" id="{5A34D43C-B489-2751-6845-F82268B505F4}"/>
+              </a:ext>
+            </a:extLst>
+          </p:cNvPr>
+          <p:cNvSpPr txBox="1"/>
+          <p:nvPr/>
+        </p:nvSpPr>
+        <p:spPr>
+          <a:xfrm>
+            <a:off x="3432105" y="4095936"/>
+            <a:ext cx="1117949" cy="400110"/>
+          </a:xfrm>
+          <a:prstGeom prst="rect">
+            <a:avLst/>
+          </a:prstGeom>
+          <a:noFill/>
+        </p:spPr>
+        <p:txBody>
+          <a:bodyPr wrap="square">
+            <a:spAutoFit/>
+          </a:bodyPr>
+          <a:lstStyle/>
+          <a:p>
+            <a:r>
+              <a:rPr lang="en-US" sz="1000" b="1" dirty="0">
+                <a:solidFill>
+                  <a:schemeClr val="tx1">
+                    <a:lumMod val="75000"/>
+                    <a:lumOff val="25000"/>
+                  </a:schemeClr>
+                </a:solidFill>
+              </a:rPr>
+              <a:t>Coil output to train power</a:t>
+            </a:r>
+            <a:endParaRPr lang="en-SG" sz="1000" b="1" dirty="0">
+              <a:solidFill>
+                <a:schemeClr val="tx1">
+                  <a:lumMod val="75000"/>
+                  <a:lumOff val="25000"/>
+                </a:schemeClr>
+              </a:solidFill>
+            </a:endParaRPr>
+          </a:p>
+        </p:txBody>
+      </p:sp>
+      <p:pic>
+        <p:nvPicPr>
+          <p:cNvPr id="33" name="Picture 32" descr="A screen shot of a device&#10;&#10;Description automatically generated">
+            <a:extLst>
+              <a:ext uri="{FF2B5EF4-FFF2-40B4-BE49-F238E27FC236}">
+                <a16:creationId xmlns:a16="http://schemas.microsoft.com/office/drawing/2014/main" id="{0E839675-FBA8-748E-550F-3859AFE50ED6}"/>
+              </a:ext>
+            </a:extLst>
+          </p:cNvPr>
+          <p:cNvPicPr>
+            <a:picLocks noChangeAspect="1"/>
+          </p:cNvPicPr>
+          <p:nvPr/>
+        </p:nvPicPr>
+        <p:blipFill>
+          <a:blip r:embed="rId5">
+            <a:extLst>
+              <a:ext uri="{28A0092B-C50C-407E-A947-70E740481C1C}">
+                <a14:useLocalDpi xmlns:a14="http://schemas.microsoft.com/office/drawing/2010/main" val="0"/>
+              </a:ext>
+            </a:extLst>
+          </a:blip>
+          <a:stretch>
+            <a:fillRect/>
+          </a:stretch>
+        </p:blipFill>
+        <p:spPr>
+          <a:xfrm>
+            <a:off x="6437821" y="2810586"/>
+            <a:ext cx="1931347" cy="1795246"/>
+          </a:xfrm>
+          <a:prstGeom prst="rect">
+            <a:avLst/>
+          </a:prstGeom>
+        </p:spPr>
+      </p:pic>
+      <p:sp>
+        <p:nvSpPr>
+          <p:cNvPr id="34" name="TextBox 33">
+            <a:extLst>
+              <a:ext uri="{FF2B5EF4-FFF2-40B4-BE49-F238E27FC236}">
+                <a16:creationId xmlns:a16="http://schemas.microsoft.com/office/drawing/2014/main" id="{E048C03B-2E63-0505-8127-E608CEF1412B}"/>
+              </a:ext>
+            </a:extLst>
+          </p:cNvPr>
+          <p:cNvSpPr txBox="1"/>
+          <p:nvPr/>
+        </p:nvSpPr>
+        <p:spPr>
+          <a:xfrm>
+            <a:off x="6290130" y="2499360"/>
+            <a:ext cx="1713345" cy="276999"/>
+          </a:xfrm>
+          <a:prstGeom prst="rect">
+            <a:avLst/>
+          </a:prstGeom>
+          <a:noFill/>
+        </p:spPr>
+        <p:txBody>
+          <a:bodyPr wrap="square">
+            <a:spAutoFit/>
+          </a:bodyPr>
+          <a:lstStyle/>
+          <a:p>
+            <a:r>
+              <a:rPr lang="en-US" sz="1200" b="1" dirty="0">
+                <a:solidFill>
+                  <a:schemeClr val="tx1">
+                    <a:lumMod val="75000"/>
+                    <a:lumOff val="25000"/>
+                  </a:schemeClr>
+                </a:solidFill>
+              </a:rPr>
+              <a:t>Train HMI control panel</a:t>
+            </a:r>
+            <a:endParaRPr lang="en-SG" sz="1200" b="1" dirty="0">
+              <a:solidFill>
+                <a:schemeClr val="tx1">
+                  <a:lumMod val="75000"/>
+                  <a:lumOff val="25000"/>
+                </a:schemeClr>
+              </a:solidFill>
+            </a:endParaRPr>
+          </a:p>
+        </p:txBody>
+      </p:sp>
+      <p:cxnSp>
+        <p:nvCxnSpPr>
+          <p:cNvPr id="35" name="Connector: Elbow 34">
+            <a:extLst>
+              <a:ext uri="{FF2B5EF4-FFF2-40B4-BE49-F238E27FC236}">
+                <a16:creationId xmlns:a16="http://schemas.microsoft.com/office/drawing/2014/main" id="{7441CA4A-1879-D528-8EED-AB8FAA1E0406}"/>
+              </a:ext>
+            </a:extLst>
+          </p:cNvPr>
+          <p:cNvCxnSpPr>
+            <a:stCxn id="22" idx="2"/>
+          </p:cNvCxnSpPr>
+          <p:nvPr/>
+        </p:nvCxnSpPr>
+        <p:spPr>
+          <a:xfrm rot="16200000" flipH="1">
+            <a:off x="5650238" y="3321594"/>
+            <a:ext cx="139343" cy="1435823"/>
+          </a:xfrm>
+          <a:prstGeom prst="bentConnector2">
+            <a:avLst/>
+          </a:prstGeom>
+          <a:ln w="19050">
+            <a:solidFill>
+              <a:srgbClr val="00B050"/>
+            </a:solidFill>
+            <a:tailEnd type="triangle"/>
+          </a:ln>
+        </p:spPr>
+        <p:style>
+          <a:lnRef idx="1">
+            <a:schemeClr val="accent1"/>
+          </a:lnRef>
+          <a:fillRef idx="0">
+            <a:schemeClr val="accent1"/>
+          </a:fillRef>
+          <a:effectRef idx="0">
+            <a:schemeClr val="accent1"/>
+          </a:effectRef>
+          <a:fontRef idx="minor">
+            <a:schemeClr val="tx1"/>
+          </a:fontRef>
+        </p:style>
+      </p:cxnSp>
+      <p:sp>
+        <p:nvSpPr>
+          <p:cNvPr id="36" name="TextBox 35">
+            <a:extLst>
+              <a:ext uri="{FF2B5EF4-FFF2-40B4-BE49-F238E27FC236}">
+                <a16:creationId xmlns:a16="http://schemas.microsoft.com/office/drawing/2014/main" id="{96369EB8-DF7C-CC7D-BF4C-0E552323691A}"/>
+              </a:ext>
+            </a:extLst>
+          </p:cNvPr>
+          <p:cNvSpPr txBox="1"/>
+          <p:nvPr/>
+        </p:nvSpPr>
+        <p:spPr>
+          <a:xfrm>
+            <a:off x="5661633" y="4586907"/>
+            <a:ext cx="1213314" cy="276999"/>
+          </a:xfrm>
+          <a:prstGeom prst="rect">
+            <a:avLst/>
+          </a:prstGeom>
+          <a:noFill/>
+        </p:spPr>
+        <p:txBody>
+          <a:bodyPr wrap="square">
+            <a:spAutoFit/>
+          </a:bodyPr>
+          <a:lstStyle/>
+          <a:p>
+            <a:r>
+              <a:rPr lang="en-US" sz="1200" b="1" dirty="0">
+                <a:solidFill>
+                  <a:schemeClr val="accent6">
+                    <a:lumMod val="75000"/>
+                  </a:schemeClr>
+                </a:solidFill>
+              </a:rPr>
+              <a:t>Modbus </a:t>
+            </a:r>
+            <a:r>
+              <a:rPr lang="en-US" sz="1200" b="1" dirty="0" err="1">
+                <a:solidFill>
+                  <a:schemeClr val="accent6">
+                    <a:lumMod val="75000"/>
+                  </a:schemeClr>
+                </a:solidFill>
+              </a:rPr>
+              <a:t>cmd</a:t>
+            </a:r>
+            <a:endParaRPr lang="en-SG" sz="1200" b="1" dirty="0">
+              <a:solidFill>
+                <a:schemeClr val="accent6">
+                  <a:lumMod val="75000"/>
+                </a:schemeClr>
+              </a:solidFill>
+            </a:endParaRPr>
+          </a:p>
+        </p:txBody>
+      </p:sp>
+      <p:cxnSp>
+        <p:nvCxnSpPr>
+          <p:cNvPr id="37" name="Connector: Elbow 36">
+            <a:extLst>
+              <a:ext uri="{FF2B5EF4-FFF2-40B4-BE49-F238E27FC236}">
+                <a16:creationId xmlns:a16="http://schemas.microsoft.com/office/drawing/2014/main" id="{C99EB948-7063-2F86-33BD-E8840ABA1104}"/>
+              </a:ext>
+            </a:extLst>
+          </p:cNvPr>
+          <p:cNvCxnSpPr>
+            <a:stCxn id="33" idx="2"/>
+            <a:endCxn id="19" idx="2"/>
+          </p:cNvCxnSpPr>
+          <p:nvPr/>
+        </p:nvCxnSpPr>
+        <p:spPr>
+          <a:xfrm rot="5400000" flipH="1">
+            <a:off x="5174687" y="2377024"/>
+            <a:ext cx="127322" cy="4330295"/>
+          </a:xfrm>
+          <a:prstGeom prst="bentConnector3">
+            <a:avLst>
+              <a:gd name="adj1" fmla="val -179545"/>
+            </a:avLst>
+          </a:prstGeom>
+          <a:ln w="19050">
+            <a:solidFill>
+              <a:srgbClr val="00B050"/>
+            </a:solidFill>
+            <a:tailEnd type="triangle"/>
+          </a:ln>
+        </p:spPr>
+        <p:style>
+          <a:lnRef idx="1">
+            <a:schemeClr val="accent1"/>
+          </a:lnRef>
+          <a:fillRef idx="0">
+            <a:schemeClr val="accent1"/>
+          </a:fillRef>
+          <a:effectRef idx="0">
+            <a:schemeClr val="accent1"/>
+          </a:effectRef>
+          <a:fontRef idx="minor">
+            <a:schemeClr val="tx1"/>
+          </a:fontRef>
+        </p:style>
+      </p:cxnSp>
+      <p:cxnSp>
+        <p:nvCxnSpPr>
+          <p:cNvPr id="38" name="Straight Arrow Connector 37">
+            <a:extLst>
+              <a:ext uri="{FF2B5EF4-FFF2-40B4-BE49-F238E27FC236}">
+                <a16:creationId xmlns:a16="http://schemas.microsoft.com/office/drawing/2014/main" id="{3B1F919B-A827-B67E-C8EA-9650E040A152}"/>
+              </a:ext>
+            </a:extLst>
+          </p:cNvPr>
+          <p:cNvCxnSpPr>
+            <a:cxnSpLocks/>
+          </p:cNvCxnSpPr>
+          <p:nvPr/>
+        </p:nvCxnSpPr>
+        <p:spPr>
+          <a:xfrm flipH="1">
+            <a:off x="5214184" y="2183340"/>
+            <a:ext cx="1196925" cy="877048"/>
+          </a:xfrm>
+          <a:prstGeom prst="straightConnector1">
+            <a:avLst/>
+          </a:prstGeom>
+          <a:ln w="19050">
+            <a:solidFill>
+              <a:srgbClr val="FF0000"/>
+            </a:solidFill>
+            <a:tailEnd type="triangle"/>
+          </a:ln>
+        </p:spPr>
+        <p:style>
+          <a:lnRef idx="1">
+            <a:schemeClr val="accent1"/>
+          </a:lnRef>
+          <a:fillRef idx="0">
+            <a:schemeClr val="accent1"/>
+          </a:fillRef>
+          <a:effectRef idx="0">
+            <a:schemeClr val="accent1"/>
+          </a:effectRef>
+          <a:fontRef idx="minor">
+            <a:schemeClr val="tx1"/>
+          </a:fontRef>
+        </p:style>
+      </p:cxnSp>
+      <p:sp>
+        <p:nvSpPr>
+          <p:cNvPr id="39" name="TextBox 38">
+            <a:extLst>
+              <a:ext uri="{FF2B5EF4-FFF2-40B4-BE49-F238E27FC236}">
+                <a16:creationId xmlns:a16="http://schemas.microsoft.com/office/drawing/2014/main" id="{6B3AFD5B-E0BB-2F43-0B6F-9F35FD7B2D6B}"/>
+              </a:ext>
+            </a:extLst>
+          </p:cNvPr>
+          <p:cNvSpPr txBox="1"/>
+          <p:nvPr/>
+        </p:nvSpPr>
+        <p:spPr>
+          <a:xfrm>
+            <a:off x="5427618" y="1883510"/>
+            <a:ext cx="1347155" cy="461665"/>
+          </a:xfrm>
+          <a:prstGeom prst="rect">
+            <a:avLst/>
+          </a:prstGeom>
+          <a:noFill/>
+        </p:spPr>
+        <p:txBody>
+          <a:bodyPr wrap="square">
+            <a:spAutoFit/>
+          </a:bodyPr>
+          <a:lstStyle/>
+          <a:p>
+            <a:r>
+              <a:rPr lang="en-US" sz="1200" b="1" dirty="0">
+                <a:solidFill>
+                  <a:srgbClr val="FF0000"/>
+                </a:solidFill>
+              </a:rPr>
+              <a:t>False Modbus </a:t>
+            </a:r>
+            <a:r>
+              <a:rPr lang="en-US" sz="1200" b="1" dirty="0" err="1">
+                <a:solidFill>
+                  <a:srgbClr val="FF0000"/>
+                </a:solidFill>
+              </a:rPr>
+              <a:t>cmd</a:t>
+            </a:r>
+            <a:r>
+              <a:rPr lang="en-US" sz="1200" b="1" dirty="0">
+                <a:solidFill>
+                  <a:srgbClr val="FF0000"/>
+                </a:solidFill>
+              </a:rPr>
+              <a:t>/data </a:t>
+            </a:r>
+            <a:endParaRPr lang="en-SG" sz="1200" b="1" dirty="0">
+              <a:solidFill>
+                <a:srgbClr val="FF0000"/>
+              </a:solidFill>
+            </a:endParaRPr>
+          </a:p>
+        </p:txBody>
+      </p:sp>
+      <p:pic>
+        <p:nvPicPr>
+          <p:cNvPr id="40" name="Picture 39">
+            <a:extLst>
+              <a:ext uri="{FF2B5EF4-FFF2-40B4-BE49-F238E27FC236}">
+                <a16:creationId xmlns:a16="http://schemas.microsoft.com/office/drawing/2014/main" id="{5A954C6F-6BE3-F57E-C85B-654FCFF86CB2}"/>
+              </a:ext>
+            </a:extLst>
+          </p:cNvPr>
+          <p:cNvPicPr>
+            <a:picLocks noChangeAspect="1"/>
+          </p:cNvPicPr>
+          <p:nvPr/>
+        </p:nvPicPr>
+        <p:blipFill>
+          <a:blip r:embed="rId6"/>
+          <a:stretch>
+            <a:fillRect/>
+          </a:stretch>
+        </p:blipFill>
+        <p:spPr>
+          <a:xfrm>
+            <a:off x="6522545" y="1968132"/>
+            <a:ext cx="417996" cy="292597"/>
+          </a:xfrm>
+          <a:prstGeom prst="rect">
+            <a:avLst/>
+          </a:prstGeom>
+        </p:spPr>
+      </p:pic>
+      <p:sp>
+        <p:nvSpPr>
+          <p:cNvPr id="41" name="TextBox 40">
+            <a:extLst>
+              <a:ext uri="{FF2B5EF4-FFF2-40B4-BE49-F238E27FC236}">
+                <a16:creationId xmlns:a16="http://schemas.microsoft.com/office/drawing/2014/main" id="{9E02D705-EF63-C01A-4843-7ABABFD1AF22}"/>
+              </a:ext>
+            </a:extLst>
+          </p:cNvPr>
+          <p:cNvSpPr txBox="1"/>
+          <p:nvPr/>
+        </p:nvSpPr>
+        <p:spPr>
+          <a:xfrm>
+            <a:off x="3575437" y="3162776"/>
+            <a:ext cx="1309163" cy="461665"/>
+          </a:xfrm>
+          <a:prstGeom prst="rect">
+            <a:avLst/>
+          </a:prstGeom>
+          <a:noFill/>
+        </p:spPr>
+        <p:txBody>
+          <a:bodyPr wrap="square">
+            <a:spAutoFit/>
+          </a:bodyPr>
+          <a:lstStyle/>
+          <a:p>
+            <a:r>
+              <a:rPr lang="en-US" sz="1200" b="1" dirty="0">
+                <a:solidFill>
+                  <a:schemeClr val="tx1">
+                    <a:lumMod val="75000"/>
+                    <a:lumOff val="25000"/>
+                  </a:schemeClr>
+                </a:solidFill>
+              </a:rPr>
+              <a:t>Train Auto control logic </a:t>
+            </a:r>
+            <a:endParaRPr lang="en-SG" sz="1200" b="1" dirty="0">
+              <a:solidFill>
+                <a:schemeClr val="tx1">
+                  <a:lumMod val="75000"/>
+                  <a:lumOff val="25000"/>
+                </a:schemeClr>
+              </a:solidFill>
+            </a:endParaRPr>
+          </a:p>
+        </p:txBody>
+      </p:sp>
+      <p:sp>
+        <p:nvSpPr>
+          <p:cNvPr id="43" name="TextBox 42">
+            <a:extLst>
+              <a:ext uri="{FF2B5EF4-FFF2-40B4-BE49-F238E27FC236}">
+                <a16:creationId xmlns:a16="http://schemas.microsoft.com/office/drawing/2014/main" id="{C17DE7FD-7371-8122-3EC1-0D24D9B9C2CF}"/>
+              </a:ext>
+            </a:extLst>
+          </p:cNvPr>
+          <p:cNvSpPr txBox="1"/>
+          <p:nvPr/>
+        </p:nvSpPr>
+        <p:spPr>
+          <a:xfrm>
+            <a:off x="5681918" y="3879632"/>
+            <a:ext cx="777558" cy="461665"/>
+          </a:xfrm>
+          <a:prstGeom prst="rect">
+            <a:avLst/>
+          </a:prstGeom>
+          <a:noFill/>
+        </p:spPr>
+        <p:txBody>
+          <a:bodyPr wrap="square">
+            <a:spAutoFit/>
+          </a:bodyPr>
+          <a:lstStyle/>
+          <a:p>
+            <a:r>
+              <a:rPr lang="en-US" sz="1200" b="1" dirty="0">
+                <a:solidFill>
+                  <a:schemeClr val="accent6">
+                    <a:lumMod val="75000"/>
+                  </a:schemeClr>
+                </a:solidFill>
+              </a:rPr>
+              <a:t>Modbus data</a:t>
+            </a:r>
+            <a:endParaRPr lang="en-SG" sz="1200" b="1" dirty="0">
+              <a:solidFill>
+                <a:schemeClr val="accent6">
+                  <a:lumMod val="75000"/>
+                </a:schemeClr>
+              </a:solidFill>
+            </a:endParaRPr>
+          </a:p>
+        </p:txBody>
+      </p:sp>
+    </p:spTree>
+    <p:extLst>
+      <p:ext uri="{BB962C8B-B14F-4D97-AF65-F5344CB8AC3E}">
+        <p14:creationId xmlns:p14="http://schemas.microsoft.com/office/powerpoint/2010/main" val="319543477"/>
+      </p:ext>
+    </p:extLst>
+  </p:cSld>
+  <p:clrMapOvr>
+    <a:masterClrMapping/>
+  </p:clrMapOvr>
+</p:sld>
+</file>
+
+<file path=ppt/slides/slide4.xml><?xml version="1.0" encoding="utf-8"?>
+<p:sld xmlns:a="http://schemas.openxmlformats.org/drawingml/2006/main" xmlns:r="http://schemas.openxmlformats.org/officeDocument/2006/relationships" xmlns:p="http://schemas.openxmlformats.org/presentationml/2006/main">
+  <p:cSld>
+    <p:spTree>
+      <p:nvGrpSpPr>
+        <p:cNvPr id="1" name=""/>
+        <p:cNvGrpSpPr/>
+        <p:nvPr/>
+      </p:nvGrpSpPr>
+      <p:grpSpPr>
+        <a:xfrm>
+          <a:off x="0" y="0"/>
+          <a:ext cx="0" cy="0"/>
+          <a:chOff x="0" y="0"/>
+          <a:chExt cx="0" cy="0"/>
+        </a:xfrm>
+      </p:grpSpPr>
+      <p:pic>
+        <p:nvPicPr>
+          <p:cNvPr id="4" name="Picture 3" descr="A green squares with black lines&#10;&#10;Description automatically generated">
+            <a:extLst>
+              <a:ext uri="{FF2B5EF4-FFF2-40B4-BE49-F238E27FC236}">
+                <a16:creationId xmlns:a16="http://schemas.microsoft.com/office/drawing/2014/main" id="{5B0DF82B-3946-8F98-ADB4-531073882ACE}"/>
+              </a:ext>
+            </a:extLst>
+          </p:cNvPr>
+          <p:cNvPicPr>
+            <a:picLocks noChangeAspect="1"/>
+          </p:cNvPicPr>
+          <p:nvPr/>
+        </p:nvPicPr>
+        <p:blipFill>
+          <a:blip r:embed="rId2">
+            <a:extLst>
+              <a:ext uri="{28A0092B-C50C-407E-A947-70E740481C1C}">
+                <a14:useLocalDpi xmlns:a14="http://schemas.microsoft.com/office/drawing/2010/main" val="0"/>
+              </a:ext>
+            </a:extLst>
+          </a:blip>
+          <a:stretch>
+            <a:fillRect/>
+          </a:stretch>
+        </p:blipFill>
+        <p:spPr>
+          <a:xfrm>
+            <a:off x="3306099" y="1808237"/>
+            <a:ext cx="1935629" cy="1137431"/>
+          </a:xfrm>
+          <a:prstGeom prst="rect">
+            <a:avLst/>
+          </a:prstGeom>
+        </p:spPr>
+      </p:pic>
+      <p:pic>
+        <p:nvPicPr>
+          <p:cNvPr id="1026" name="Picture 2" descr="Train Side View: Over 3,932 Royalty-Free Licensable Stock Illustrations &amp;  Drawings | Shutterstock">
+            <a:extLst>
+              <a:ext uri="{FF2B5EF4-FFF2-40B4-BE49-F238E27FC236}">
+                <a16:creationId xmlns:a16="http://schemas.microsoft.com/office/drawing/2014/main" id="{05C84AC5-8E7D-B336-5800-78633156BDA6}"/>
+              </a:ext>
+            </a:extLst>
+          </p:cNvPr>
+          <p:cNvPicPr>
+            <a:picLocks noChangeAspect="1" noChangeArrowheads="1"/>
+          </p:cNvPicPr>
+          <p:nvPr/>
+        </p:nvPicPr>
+        <p:blipFill rotWithShape="1">
+          <a:blip r:embed="rId3">
+            <a:alphaModFix amt="70000"/>
+            <a:extLst>
+              <a:ext uri="{28A0092B-C50C-407E-A947-70E740481C1C}">
+                <a14:useLocalDpi xmlns:a14="http://schemas.microsoft.com/office/drawing/2010/main" val="0"/>
+              </a:ext>
+            </a:extLst>
+          </a:blip>
+          <a:srcRect t="18869" b="33339"/>
+          <a:stretch/>
+        </p:blipFill>
+        <p:spPr bwMode="auto">
+          <a:xfrm flipH="1">
+            <a:off x="1052290" y="3538833"/>
+            <a:ext cx="5674025" cy="1668781"/>
+          </a:xfrm>
+          <a:prstGeom prst="rect">
+            <a:avLst/>
+          </a:prstGeom>
+          <a:noFill/>
+          <a:extLst>
+            <a:ext uri="{909E8E84-426E-40DD-AFC4-6F175D3DCCD1}">
+              <a14:hiddenFill xmlns:a14="http://schemas.microsoft.com/office/drawing/2010/main">
+                <a:solidFill>
+                  <a:srgbClr val="FFFFFF"/>
+                </a:solidFill>
+              </a14:hiddenFill>
+            </a:ext>
+          </a:extLst>
+        </p:spPr>
+      </p:pic>
+      <p:sp>
+        <p:nvSpPr>
+          <p:cNvPr id="5" name="Isosceles Triangle 4">
+            <a:extLst>
+              <a:ext uri="{FF2B5EF4-FFF2-40B4-BE49-F238E27FC236}">
+                <a16:creationId xmlns:a16="http://schemas.microsoft.com/office/drawing/2014/main" id="{BD22889C-A1F1-B0A0-2203-AC5FBF52D7B4}"/>
+              </a:ext>
+            </a:extLst>
+          </p:cNvPr>
+          <p:cNvSpPr/>
+          <p:nvPr/>
+        </p:nvSpPr>
+        <p:spPr>
+          <a:xfrm rot="16200000">
+            <a:off x="4817865" y="1911984"/>
+            <a:ext cx="847725" cy="1006603"/>
+          </a:xfrm>
+          <a:prstGeom prst="triangle">
+            <a:avLst/>
+          </a:prstGeom>
+          <a:solidFill>
+            <a:schemeClr val="accent2">
+              <a:alpha val="50000"/>
+            </a:schemeClr>
+          </a:solidFill>
+          <a:ln>
+            <a:noFill/>
+          </a:ln>
+        </p:spPr>
+        <p:style>
+          <a:lnRef idx="0">
+            <a:scrgbClr r="0" g="0" b="0"/>
+          </a:lnRef>
+          <a:fillRef idx="0">
+            <a:scrgbClr r="0" g="0" b="0"/>
+          </a:fillRef>
+          <a:effectRef idx="0">
+            <a:scrgbClr r="0" g="0" b="0"/>
+          </a:effectRef>
+          <a:fontRef idx="minor">
+            <a:schemeClr val="lt1"/>
+          </a:fontRef>
+        </p:style>
+        <p:txBody>
+          <a:bodyPr rtlCol="0" anchor="ctr"/>
+          <a:lstStyle/>
+          <a:p>
+            <a:pPr algn="ctr"/>
+            <a:endParaRPr lang="en-SG" dirty="0"/>
+          </a:p>
+        </p:txBody>
+      </p:sp>
+      <p:sp>
+        <p:nvSpPr>
+          <p:cNvPr id="6" name="Isosceles Triangle 5">
+            <a:extLst>
+              <a:ext uri="{FF2B5EF4-FFF2-40B4-BE49-F238E27FC236}">
+                <a16:creationId xmlns:a16="http://schemas.microsoft.com/office/drawing/2014/main" id="{07D77336-6A32-673B-193C-5CA1FE807357}"/>
+              </a:ext>
+            </a:extLst>
+          </p:cNvPr>
+          <p:cNvSpPr/>
+          <p:nvPr/>
+        </p:nvSpPr>
+        <p:spPr>
+          <a:xfrm rot="16200000">
+            <a:off x="6548049" y="3762879"/>
+            <a:ext cx="847725" cy="1311809"/>
+          </a:xfrm>
+          <a:prstGeom prst="triangle">
+            <a:avLst/>
+          </a:prstGeom>
+          <a:solidFill>
+            <a:schemeClr val="accent2">
+              <a:alpha val="50000"/>
+            </a:schemeClr>
+          </a:solidFill>
+          <a:ln>
+            <a:noFill/>
+          </a:ln>
+        </p:spPr>
+        <p:style>
+          <a:lnRef idx="0">
+            <a:scrgbClr r="0" g="0" b="0"/>
+          </a:lnRef>
+          <a:fillRef idx="0">
+            <a:scrgbClr r="0" g="0" b="0"/>
+          </a:fillRef>
+          <a:effectRef idx="0">
+            <a:scrgbClr r="0" g="0" b="0"/>
+          </a:effectRef>
+          <a:fontRef idx="minor">
+            <a:schemeClr val="lt1"/>
+          </a:fontRef>
+        </p:style>
+        <p:txBody>
+          <a:bodyPr rtlCol="0" anchor="ctr"/>
+          <a:lstStyle/>
+          <a:p>
+            <a:pPr algn="ctr"/>
+            <a:endParaRPr lang="en-SG" dirty="0"/>
+          </a:p>
+        </p:txBody>
+      </p:sp>
+      <p:sp>
+        <p:nvSpPr>
+          <p:cNvPr id="8" name="Rectangle 7">
+            <a:extLst>
+              <a:ext uri="{FF2B5EF4-FFF2-40B4-BE49-F238E27FC236}">
+                <a16:creationId xmlns:a16="http://schemas.microsoft.com/office/drawing/2014/main" id="{2EA51EB4-09A6-B19E-38AD-D6A3EB8EAECD}"/>
+              </a:ext>
+            </a:extLst>
+          </p:cNvPr>
+          <p:cNvSpPr/>
+          <p:nvPr/>
+        </p:nvSpPr>
+        <p:spPr>
+          <a:xfrm>
+            <a:off x="6254013" y="4359188"/>
+            <a:ext cx="123987" cy="119190"/>
+          </a:xfrm>
+          <a:prstGeom prst="rect">
+            <a:avLst/>
+          </a:prstGeom>
+          <a:solidFill>
+            <a:schemeClr val="bg1">
+              <a:lumMod val="75000"/>
+            </a:schemeClr>
+          </a:solidFill>
+        </p:spPr>
+        <p:style>
+          <a:lnRef idx="2">
+            <a:schemeClr val="dk1">
+              <a:shade val="15000"/>
+            </a:schemeClr>
+          </a:lnRef>
+          <a:fillRef idx="1">
+            <a:schemeClr val="dk1"/>
+          </a:fillRef>
+          <a:effectRef idx="0">
+            <a:schemeClr val="dk1"/>
+          </a:effectRef>
+          <a:fontRef idx="minor">
+            <a:schemeClr val="lt1"/>
+          </a:fontRef>
+        </p:style>
+        <p:txBody>
+          <a:bodyPr rtlCol="0" anchor="ctr"/>
+          <a:lstStyle/>
+          <a:p>
+            <a:pPr algn="ctr"/>
+            <a:endParaRPr lang="en-SG"/>
+          </a:p>
+        </p:txBody>
+      </p:sp>
+      <p:pic>
+        <p:nvPicPr>
+          <p:cNvPr id="9" name="Picture 8" descr="TM221CE16R Schneider Electric Modicon M221 PLC CPU Mini USB Interface –  Ralakde Automation">
+            <a:extLst>
+              <a:ext uri="{FF2B5EF4-FFF2-40B4-BE49-F238E27FC236}">
+                <a16:creationId xmlns:a16="http://schemas.microsoft.com/office/drawing/2014/main" id="{B17530AE-2CE8-9259-EF43-F93E2EFC8FB0}"/>
+              </a:ext>
+            </a:extLst>
+          </p:cNvPr>
+          <p:cNvPicPr>
+            <a:picLocks noChangeAspect="1" noChangeArrowheads="1"/>
+          </p:cNvPicPr>
+          <p:nvPr/>
+        </p:nvPicPr>
+        <p:blipFill>
+          <a:blip r:embed="rId4">
+            <a:extLst>
+              <a:ext uri="{28A0092B-C50C-407E-A947-70E740481C1C}">
+                <a14:useLocalDpi xmlns:a14="http://schemas.microsoft.com/office/drawing/2010/main" val="0"/>
+              </a:ext>
+            </a:extLst>
+          </a:blip>
+          <a:srcRect/>
+          <a:stretch>
+            <a:fillRect/>
+          </a:stretch>
+        </p:blipFill>
+        <p:spPr bwMode="auto">
+          <a:xfrm>
+            <a:off x="6586345" y="482409"/>
+            <a:ext cx="641390" cy="703154"/>
+          </a:xfrm>
+          <a:prstGeom prst="rect">
+            <a:avLst/>
+          </a:prstGeom>
+          <a:noFill/>
+          <a:extLst>
+            <a:ext uri="{909E8E84-426E-40DD-AFC4-6F175D3DCCD1}">
+              <a14:hiddenFill xmlns:a14="http://schemas.microsoft.com/office/drawing/2010/main">
+                <a:solidFill>
+                  <a:srgbClr val="FFFFFF"/>
+                </a:solidFill>
+              </a14:hiddenFill>
+            </a:ext>
+          </a:extLst>
+        </p:spPr>
+      </p:pic>
+      <p:cxnSp>
+        <p:nvCxnSpPr>
+          <p:cNvPr id="12" name="Straight Connector 11">
+            <a:extLst>
+              <a:ext uri="{FF2B5EF4-FFF2-40B4-BE49-F238E27FC236}">
+                <a16:creationId xmlns:a16="http://schemas.microsoft.com/office/drawing/2014/main" id="{0FBD4F52-1293-433A-4385-4A27C56A1995}"/>
+              </a:ext>
+            </a:extLst>
+          </p:cNvPr>
+          <p:cNvCxnSpPr>
+            <a:cxnSpLocks/>
+          </p:cNvCxnSpPr>
+          <p:nvPr/>
+        </p:nvCxnSpPr>
+        <p:spPr>
+          <a:xfrm>
+            <a:off x="1143000" y="1382712"/>
+            <a:ext cx="6937223" cy="15546"/>
+          </a:xfrm>
+          <a:prstGeom prst="line">
+            <a:avLst/>
+          </a:prstGeom>
+          <a:ln w="38100">
+            <a:solidFill>
+              <a:srgbClr val="C00000"/>
+            </a:solidFill>
+          </a:ln>
+        </p:spPr>
+        <p:style>
+          <a:lnRef idx="2">
+            <a:schemeClr val="accent1"/>
+          </a:lnRef>
+          <a:fillRef idx="0">
+            <a:schemeClr val="accent1"/>
+          </a:fillRef>
+          <a:effectRef idx="1">
+            <a:schemeClr val="accent1"/>
+          </a:effectRef>
+          <a:fontRef idx="minor">
+            <a:schemeClr val="tx1"/>
+          </a:fontRef>
+        </p:style>
+      </p:cxnSp>
+      <p:cxnSp>
+        <p:nvCxnSpPr>
+          <p:cNvPr id="20" name="Straight Connector 19">
+            <a:extLst>
+              <a:ext uri="{FF2B5EF4-FFF2-40B4-BE49-F238E27FC236}">
+                <a16:creationId xmlns:a16="http://schemas.microsoft.com/office/drawing/2014/main" id="{80459E76-8A71-EF31-0B71-E97C2A636750}"/>
+              </a:ext>
+            </a:extLst>
+          </p:cNvPr>
+          <p:cNvCxnSpPr>
+            <a:cxnSpLocks/>
+          </p:cNvCxnSpPr>
+          <p:nvPr/>
+        </p:nvCxnSpPr>
+        <p:spPr>
+          <a:xfrm flipH="1">
+            <a:off x="2342074" y="1598372"/>
+            <a:ext cx="0" cy="2820411"/>
+          </a:xfrm>
+          <a:prstGeom prst="line">
+            <a:avLst/>
+          </a:prstGeom>
+          <a:ln>
+            <a:solidFill>
+              <a:srgbClr val="C00000"/>
+            </a:solidFill>
+          </a:ln>
+        </p:spPr>
+        <p:style>
+          <a:lnRef idx="2">
+            <a:schemeClr val="accent1"/>
+          </a:lnRef>
+          <a:fillRef idx="0">
+            <a:schemeClr val="accent1"/>
+          </a:fillRef>
+          <a:effectRef idx="1">
+            <a:schemeClr val="accent1"/>
+          </a:effectRef>
+          <a:fontRef idx="minor">
+            <a:schemeClr val="tx1"/>
+          </a:fontRef>
+        </p:style>
+      </p:cxnSp>
+      <p:cxnSp>
+        <p:nvCxnSpPr>
+          <p:cNvPr id="28" name="Straight Connector 27">
+            <a:extLst>
+              <a:ext uri="{FF2B5EF4-FFF2-40B4-BE49-F238E27FC236}">
+                <a16:creationId xmlns:a16="http://schemas.microsoft.com/office/drawing/2014/main" id="{5E03FE7C-3356-094C-44B5-03945AF6BE20}"/>
+              </a:ext>
+            </a:extLst>
+          </p:cNvPr>
+          <p:cNvCxnSpPr>
+            <a:cxnSpLocks/>
+          </p:cNvCxnSpPr>
+          <p:nvPr/>
+        </p:nvCxnSpPr>
+        <p:spPr>
+          <a:xfrm>
+            <a:off x="3748707" y="1339164"/>
+            <a:ext cx="128371" cy="198731"/>
+          </a:xfrm>
+          <a:prstGeom prst="line">
+            <a:avLst/>
+          </a:prstGeom>
+        </p:spPr>
+        <p:style>
+          <a:lnRef idx="2">
+            <a:schemeClr val="accent1"/>
+          </a:lnRef>
+          <a:fillRef idx="0">
+            <a:schemeClr val="accent1"/>
+          </a:fillRef>
+          <a:effectRef idx="1">
+            <a:schemeClr val="accent1"/>
+          </a:effectRef>
+          <a:fontRef idx="minor">
+            <a:schemeClr val="tx1"/>
+          </a:fontRef>
+        </p:style>
+      </p:cxnSp>
+      <p:sp>
+        <p:nvSpPr>
+          <p:cNvPr id="19" name="Oval 18">
+            <a:extLst>
+              <a:ext uri="{FF2B5EF4-FFF2-40B4-BE49-F238E27FC236}">
+                <a16:creationId xmlns:a16="http://schemas.microsoft.com/office/drawing/2014/main" id="{7FF6801A-49EA-B38E-8314-E6488EE0B5E0}"/>
+              </a:ext>
+            </a:extLst>
+          </p:cNvPr>
+          <p:cNvSpPr/>
+          <p:nvPr/>
+        </p:nvSpPr>
+        <p:spPr>
+          <a:xfrm>
+            <a:off x="3683101" y="1277780"/>
+            <a:ext cx="157467" cy="193325"/>
+          </a:xfrm>
+          <a:prstGeom prst="ellipse">
+            <a:avLst/>
+          </a:prstGeom>
+          <a:solidFill>
+            <a:schemeClr val="tx1">
+              <a:lumMod val="50000"/>
+              <a:lumOff val="50000"/>
+            </a:schemeClr>
+          </a:solidFill>
+        </p:spPr>
+        <p:style>
+          <a:lnRef idx="2">
+            <a:schemeClr val="accent1">
+              <a:shade val="15000"/>
+            </a:schemeClr>
+          </a:lnRef>
+          <a:fillRef idx="1">
+            <a:schemeClr val="accent1"/>
+          </a:fillRef>
+          <a:effectRef idx="0">
+            <a:schemeClr val="accent1"/>
+          </a:effectRef>
+          <a:fontRef idx="minor">
+            <a:schemeClr val="lt1"/>
+          </a:fontRef>
+        </p:style>
+        <p:txBody>
+          <a:bodyPr rtlCol="0" anchor="ctr"/>
+          <a:lstStyle/>
+          <a:p>
+            <a:pPr algn="ctr"/>
+            <a:endParaRPr lang="en-SG" dirty="0"/>
+          </a:p>
+        </p:txBody>
+      </p:sp>
+      <p:sp>
+        <p:nvSpPr>
+          <p:cNvPr id="30" name="TextBox 29">
+            <a:extLst>
+              <a:ext uri="{FF2B5EF4-FFF2-40B4-BE49-F238E27FC236}">
+                <a16:creationId xmlns:a16="http://schemas.microsoft.com/office/drawing/2014/main" id="{EBDF40B6-AF45-DBE2-DFC0-6FD620C39778}"/>
+              </a:ext>
+            </a:extLst>
+          </p:cNvPr>
+          <p:cNvSpPr txBox="1"/>
+          <p:nvPr/>
+        </p:nvSpPr>
+        <p:spPr>
+          <a:xfrm>
+            <a:off x="432332" y="1040151"/>
+            <a:ext cx="1725959" cy="307777"/>
+          </a:xfrm>
+          <a:prstGeom prst="rect">
+            <a:avLst/>
+          </a:prstGeom>
+          <a:noFill/>
+        </p:spPr>
+        <p:txBody>
+          <a:bodyPr wrap="square">
+            <a:spAutoFit/>
+          </a:bodyPr>
+          <a:lstStyle/>
+          <a:p>
+            <a:r>
+              <a:rPr lang="en-US" sz="1400" b="1" dirty="0">
+                <a:solidFill>
+                  <a:srgbClr val="C00000"/>
+                </a:solidFill>
+              </a:rPr>
+              <a:t>Third Rail 750V DC </a:t>
+            </a:r>
+            <a:endParaRPr lang="en-SG" sz="1400" b="1" dirty="0">
+              <a:solidFill>
+                <a:srgbClr val="C00000"/>
+              </a:solidFill>
+            </a:endParaRPr>
+          </a:p>
+        </p:txBody>
+      </p:sp>
+      <p:sp>
+        <p:nvSpPr>
+          <p:cNvPr id="40" name="TextBox 39">
+            <a:extLst>
+              <a:ext uri="{FF2B5EF4-FFF2-40B4-BE49-F238E27FC236}">
+                <a16:creationId xmlns:a16="http://schemas.microsoft.com/office/drawing/2014/main" id="{590B723B-6D23-ED28-D9A1-84FB4720E70C}"/>
+              </a:ext>
+            </a:extLst>
+          </p:cNvPr>
+          <p:cNvSpPr txBox="1"/>
+          <p:nvPr/>
+        </p:nvSpPr>
+        <p:spPr>
+          <a:xfrm>
+            <a:off x="4273913" y="3134653"/>
+            <a:ext cx="2736470" cy="276999"/>
+          </a:xfrm>
+          <a:prstGeom prst="rect">
+            <a:avLst/>
+          </a:prstGeom>
+          <a:noFill/>
+        </p:spPr>
+        <p:txBody>
+          <a:bodyPr wrap="square">
+            <a:spAutoFit/>
+          </a:bodyPr>
+          <a:lstStyle/>
+          <a:p>
+            <a:r>
+              <a:rPr lang="en-US" sz="1200" b="1" dirty="0"/>
+              <a:t>Train front collision  detection radar</a:t>
+            </a:r>
+            <a:endParaRPr lang="en-SG" sz="1200" b="1" dirty="0"/>
+          </a:p>
+        </p:txBody>
+      </p:sp>
+      <p:cxnSp>
+        <p:nvCxnSpPr>
+          <p:cNvPr id="45" name="Straight Arrow Connector 44">
+            <a:extLst>
+              <a:ext uri="{FF2B5EF4-FFF2-40B4-BE49-F238E27FC236}">
+                <a16:creationId xmlns:a16="http://schemas.microsoft.com/office/drawing/2014/main" id="{684DA85C-CB32-8EE9-F356-8F08B08AD643}"/>
+              </a:ext>
+            </a:extLst>
+          </p:cNvPr>
+          <p:cNvCxnSpPr>
+            <a:cxnSpLocks/>
+          </p:cNvCxnSpPr>
+          <p:nvPr/>
+        </p:nvCxnSpPr>
+        <p:spPr>
+          <a:xfrm>
+            <a:off x="6289277" y="3442171"/>
+            <a:ext cx="0" cy="864869"/>
+          </a:xfrm>
+          <a:prstGeom prst="straightConnector1">
+            <a:avLst/>
+          </a:prstGeom>
+          <a:ln w="9525">
+            <a:prstDash val="sysDash"/>
+            <a:tailEnd type="triangle"/>
+          </a:ln>
+        </p:spPr>
+        <p:style>
+          <a:lnRef idx="2">
+            <a:schemeClr val="accent2"/>
+          </a:lnRef>
+          <a:fillRef idx="0">
+            <a:schemeClr val="accent2"/>
+          </a:fillRef>
+          <a:effectRef idx="1">
+            <a:schemeClr val="accent2"/>
+          </a:effectRef>
+          <a:fontRef idx="minor">
+            <a:schemeClr val="tx1"/>
+          </a:fontRef>
+        </p:style>
+      </p:cxnSp>
+      <p:cxnSp>
+        <p:nvCxnSpPr>
+          <p:cNvPr id="47" name="Straight Connector 46">
+            <a:extLst>
+              <a:ext uri="{FF2B5EF4-FFF2-40B4-BE49-F238E27FC236}">
+                <a16:creationId xmlns:a16="http://schemas.microsoft.com/office/drawing/2014/main" id="{A620A2FC-F4F9-2AC5-84A9-3E4EE73BDF3C}"/>
+              </a:ext>
+            </a:extLst>
+          </p:cNvPr>
+          <p:cNvCxnSpPr>
+            <a:cxnSpLocks/>
+          </p:cNvCxnSpPr>
+          <p:nvPr/>
+        </p:nvCxnSpPr>
+        <p:spPr>
+          <a:xfrm>
+            <a:off x="2391938" y="1419117"/>
+            <a:ext cx="128371" cy="198731"/>
+          </a:xfrm>
+          <a:prstGeom prst="line">
+            <a:avLst/>
+          </a:prstGeom>
+        </p:spPr>
+        <p:style>
+          <a:lnRef idx="2">
+            <a:schemeClr val="accent1"/>
+          </a:lnRef>
+          <a:fillRef idx="0">
+            <a:schemeClr val="accent1"/>
+          </a:fillRef>
+          <a:effectRef idx="1">
+            <a:schemeClr val="accent1"/>
+          </a:effectRef>
+          <a:fontRef idx="minor">
+            <a:schemeClr val="tx1"/>
+          </a:fontRef>
+        </p:style>
+      </p:cxnSp>
+      <p:cxnSp>
+        <p:nvCxnSpPr>
+          <p:cNvPr id="50" name="Straight Arrow Connector 49">
+            <a:extLst>
+              <a:ext uri="{FF2B5EF4-FFF2-40B4-BE49-F238E27FC236}">
+                <a16:creationId xmlns:a16="http://schemas.microsoft.com/office/drawing/2014/main" id="{C0263F62-2988-1372-F9CB-6FEF5117DD3E}"/>
+              </a:ext>
+            </a:extLst>
+          </p:cNvPr>
+          <p:cNvCxnSpPr>
+            <a:cxnSpLocks/>
+          </p:cNvCxnSpPr>
+          <p:nvPr/>
+        </p:nvCxnSpPr>
+        <p:spPr>
+          <a:xfrm flipV="1">
+            <a:off x="4611611" y="2586979"/>
+            <a:ext cx="0" cy="503391"/>
+          </a:xfrm>
+          <a:prstGeom prst="straightConnector1">
+            <a:avLst/>
+          </a:prstGeom>
+          <a:ln w="9525">
+            <a:prstDash val="sysDash"/>
+            <a:tailEnd type="triangle"/>
+          </a:ln>
+        </p:spPr>
+        <p:style>
+          <a:lnRef idx="2">
+            <a:schemeClr val="accent2"/>
+          </a:lnRef>
+          <a:fillRef idx="0">
+            <a:schemeClr val="accent2"/>
+          </a:fillRef>
+          <a:effectRef idx="1">
+            <a:schemeClr val="accent2"/>
+          </a:effectRef>
+          <a:fontRef idx="minor">
+            <a:schemeClr val="tx1"/>
+          </a:fontRef>
+        </p:style>
+      </p:cxnSp>
+      <p:sp>
+        <p:nvSpPr>
+          <p:cNvPr id="59" name="TextBox 58">
+            <a:extLst>
+              <a:ext uri="{FF2B5EF4-FFF2-40B4-BE49-F238E27FC236}">
+                <a16:creationId xmlns:a16="http://schemas.microsoft.com/office/drawing/2014/main" id="{B07F35FC-0495-5CA2-9FC7-077A4630AF1E}"/>
+              </a:ext>
+            </a:extLst>
+          </p:cNvPr>
+          <p:cNvSpPr txBox="1"/>
+          <p:nvPr/>
+        </p:nvSpPr>
+        <p:spPr>
+          <a:xfrm>
+            <a:off x="6135340" y="2451742"/>
+            <a:ext cx="2721090" cy="276999"/>
+          </a:xfrm>
+          <a:prstGeom prst="rect">
+            <a:avLst/>
+          </a:prstGeom>
+          <a:noFill/>
+        </p:spPr>
+        <p:txBody>
+          <a:bodyPr wrap="square">
+            <a:spAutoFit/>
+          </a:bodyPr>
+          <a:lstStyle/>
+          <a:p>
+            <a:r>
+              <a:rPr lang="en-US" sz="1200" b="1" dirty="0"/>
+              <a:t>Front radar detection area</a:t>
+            </a:r>
+            <a:endParaRPr lang="en-SG" sz="1200" b="1" dirty="0"/>
+          </a:p>
+        </p:txBody>
+      </p:sp>
+      <p:cxnSp>
+        <p:nvCxnSpPr>
+          <p:cNvPr id="60" name="Straight Arrow Connector 59">
+            <a:extLst>
+              <a:ext uri="{FF2B5EF4-FFF2-40B4-BE49-F238E27FC236}">
+                <a16:creationId xmlns:a16="http://schemas.microsoft.com/office/drawing/2014/main" id="{A2B7CAF1-45F7-323F-CDFD-3CF7795DB710}"/>
+              </a:ext>
+            </a:extLst>
+          </p:cNvPr>
+          <p:cNvCxnSpPr>
+            <a:cxnSpLocks/>
+            <a:stCxn id="59" idx="1"/>
+          </p:cNvCxnSpPr>
+          <p:nvPr/>
+        </p:nvCxnSpPr>
+        <p:spPr>
+          <a:xfrm flipH="1" flipV="1">
+            <a:off x="5745029" y="2586979"/>
+            <a:ext cx="390311" cy="3263"/>
+          </a:xfrm>
+          <a:prstGeom prst="straightConnector1">
+            <a:avLst/>
+          </a:prstGeom>
+          <a:ln w="9525">
+            <a:prstDash val="sysDash"/>
+            <a:tailEnd type="triangle"/>
+          </a:ln>
+        </p:spPr>
+        <p:style>
+          <a:lnRef idx="2">
+            <a:schemeClr val="accent2"/>
+          </a:lnRef>
+          <a:fillRef idx="0">
+            <a:schemeClr val="accent2"/>
+          </a:fillRef>
+          <a:effectRef idx="1">
+            <a:schemeClr val="accent2"/>
+          </a:effectRef>
+          <a:fontRef idx="minor">
+            <a:schemeClr val="tx1"/>
+          </a:fontRef>
+        </p:style>
+      </p:cxnSp>
+      <p:cxnSp>
+        <p:nvCxnSpPr>
+          <p:cNvPr id="1024" name="Straight Arrow Connector 1023">
+            <a:extLst>
+              <a:ext uri="{FF2B5EF4-FFF2-40B4-BE49-F238E27FC236}">
+                <a16:creationId xmlns:a16="http://schemas.microsoft.com/office/drawing/2014/main" id="{9A9C2D04-CFD1-36C8-762F-E0336D7AD71B}"/>
+              </a:ext>
+            </a:extLst>
+          </p:cNvPr>
+          <p:cNvCxnSpPr>
+            <a:cxnSpLocks/>
+          </p:cNvCxnSpPr>
+          <p:nvPr/>
+        </p:nvCxnSpPr>
+        <p:spPr>
+          <a:xfrm>
+            <a:off x="7237505" y="2728741"/>
+            <a:ext cx="0" cy="1145864"/>
+          </a:xfrm>
+          <a:prstGeom prst="straightConnector1">
+            <a:avLst/>
+          </a:prstGeom>
+          <a:ln w="9525">
+            <a:prstDash val="sysDash"/>
+            <a:tailEnd type="triangle"/>
+          </a:ln>
+        </p:spPr>
+        <p:style>
+          <a:lnRef idx="2">
+            <a:schemeClr val="accent2"/>
+          </a:lnRef>
+          <a:fillRef idx="0">
+            <a:schemeClr val="accent2"/>
+          </a:fillRef>
+          <a:effectRef idx="1">
+            <a:schemeClr val="accent2"/>
+          </a:effectRef>
+          <a:fontRef idx="minor">
+            <a:schemeClr val="tx1"/>
+          </a:fontRef>
+        </p:style>
+      </p:cxnSp>
+      <p:cxnSp>
+        <p:nvCxnSpPr>
+          <p:cNvPr id="1029" name="Connector: Elbow 1028">
+            <a:extLst>
+              <a:ext uri="{FF2B5EF4-FFF2-40B4-BE49-F238E27FC236}">
+                <a16:creationId xmlns:a16="http://schemas.microsoft.com/office/drawing/2014/main" id="{08888F50-4BD6-325F-E6AB-2891EE4F79A3}"/>
+              </a:ext>
+            </a:extLst>
+          </p:cNvPr>
+          <p:cNvCxnSpPr>
+            <a:cxnSpLocks/>
+            <a:stCxn id="19" idx="0"/>
+          </p:cNvCxnSpPr>
+          <p:nvPr/>
+        </p:nvCxnSpPr>
+        <p:spPr>
+          <a:xfrm rot="5400000" flipH="1" flipV="1">
+            <a:off x="5061462" y="-256873"/>
+            <a:ext cx="235027" cy="2834280"/>
+          </a:xfrm>
+          <a:prstGeom prst="bentConnector2">
+            <a:avLst/>
+          </a:prstGeom>
+          <a:ln>
+            <a:solidFill>
+              <a:schemeClr val="accent6">
+                <a:lumMod val="75000"/>
+              </a:schemeClr>
+            </a:solidFill>
+          </a:ln>
+        </p:spPr>
+        <p:style>
+          <a:lnRef idx="2">
+            <a:schemeClr val="accent1"/>
+          </a:lnRef>
+          <a:fillRef idx="0">
+            <a:schemeClr val="accent1"/>
+          </a:fillRef>
+          <a:effectRef idx="1">
+            <a:schemeClr val="accent1"/>
+          </a:effectRef>
+          <a:fontRef idx="minor">
+            <a:schemeClr val="tx1"/>
+          </a:fontRef>
+        </p:style>
+      </p:cxnSp>
+      <p:cxnSp>
+        <p:nvCxnSpPr>
+          <p:cNvPr id="1032" name="Connector: Elbow 1031">
+            <a:extLst>
+              <a:ext uri="{FF2B5EF4-FFF2-40B4-BE49-F238E27FC236}">
+                <a16:creationId xmlns:a16="http://schemas.microsoft.com/office/drawing/2014/main" id="{D10888A0-7325-CE2A-5FEF-D60D96686AE7}"/>
+              </a:ext>
+            </a:extLst>
+          </p:cNvPr>
+          <p:cNvCxnSpPr>
+            <a:cxnSpLocks/>
+            <a:stCxn id="15" idx="0"/>
+            <a:endCxn id="9" idx="1"/>
+          </p:cNvCxnSpPr>
+          <p:nvPr/>
+        </p:nvCxnSpPr>
+        <p:spPr>
+          <a:xfrm rot="5400000" flipH="1" flipV="1">
+            <a:off x="4247353" y="-1037396"/>
+            <a:ext cx="467609" cy="4210375"/>
+          </a:xfrm>
+          <a:prstGeom prst="bentConnector2">
+            <a:avLst/>
+          </a:prstGeom>
+          <a:ln>
+            <a:solidFill>
+              <a:schemeClr val="accent6">
+                <a:lumMod val="75000"/>
+              </a:schemeClr>
+            </a:solidFill>
+          </a:ln>
+        </p:spPr>
+        <p:style>
+          <a:lnRef idx="2">
+            <a:schemeClr val="accent1"/>
+          </a:lnRef>
+          <a:fillRef idx="0">
+            <a:schemeClr val="accent1"/>
+          </a:fillRef>
+          <a:effectRef idx="1">
+            <a:schemeClr val="accent1"/>
+          </a:effectRef>
+          <a:fontRef idx="minor">
+            <a:schemeClr val="tx1"/>
+          </a:fontRef>
+        </p:style>
+      </p:cxnSp>
+      <p:cxnSp>
+        <p:nvCxnSpPr>
+          <p:cNvPr id="1035" name="Straight Connector 1034">
+            <a:extLst>
+              <a:ext uri="{FF2B5EF4-FFF2-40B4-BE49-F238E27FC236}">
+                <a16:creationId xmlns:a16="http://schemas.microsoft.com/office/drawing/2014/main" id="{FFD7B9B4-4E92-3FCA-9DFC-9BA68529A170}"/>
+              </a:ext>
+            </a:extLst>
+          </p:cNvPr>
+          <p:cNvCxnSpPr>
+            <a:cxnSpLocks/>
+          </p:cNvCxnSpPr>
+          <p:nvPr/>
+        </p:nvCxnSpPr>
+        <p:spPr>
+          <a:xfrm>
+            <a:off x="3774402" y="1593900"/>
+            <a:ext cx="1" cy="738049"/>
+          </a:xfrm>
+          <a:prstGeom prst="line">
+            <a:avLst/>
+          </a:prstGeom>
+          <a:ln>
+            <a:solidFill>
+              <a:srgbClr val="C00000"/>
+            </a:solidFill>
+          </a:ln>
+        </p:spPr>
+        <p:style>
+          <a:lnRef idx="2">
+            <a:schemeClr val="accent1"/>
+          </a:lnRef>
+          <a:fillRef idx="0">
+            <a:schemeClr val="accent1"/>
+          </a:fillRef>
+          <a:effectRef idx="1">
+            <a:schemeClr val="accent1"/>
+          </a:effectRef>
+          <a:fontRef idx="minor">
+            <a:schemeClr val="tx1"/>
+          </a:fontRef>
+        </p:style>
+      </p:cxnSp>
+      <p:pic>
+        <p:nvPicPr>
+          <p:cNvPr id="1043" name="Picture 1042" descr="A black and white circular object with a circular object in the middle&#10;&#10;Description automatically generated">
+            <a:extLst>
+              <a:ext uri="{FF2B5EF4-FFF2-40B4-BE49-F238E27FC236}">
+                <a16:creationId xmlns:a16="http://schemas.microsoft.com/office/drawing/2014/main" id="{95FD3222-8196-ED77-5CB1-B79AB5CF3DF3}"/>
+              </a:ext>
+            </a:extLst>
+          </p:cNvPr>
+          <p:cNvPicPr>
+            <a:picLocks noChangeAspect="1"/>
+          </p:cNvPicPr>
+          <p:nvPr/>
+        </p:nvPicPr>
+        <p:blipFill>
+          <a:blip r:embed="rId5">
+            <a:extLst>
+              <a:ext uri="{28A0092B-C50C-407E-A947-70E740481C1C}">
+                <a14:useLocalDpi xmlns:a14="http://schemas.microsoft.com/office/drawing/2010/main" val="0"/>
+              </a:ext>
+            </a:extLst>
+          </a:blip>
+          <a:stretch>
+            <a:fillRect/>
+          </a:stretch>
+        </p:blipFill>
+        <p:spPr>
+          <a:xfrm>
+            <a:off x="2158290" y="4445631"/>
+            <a:ext cx="533481" cy="533481"/>
+          </a:xfrm>
+          <a:prstGeom prst="rect">
+            <a:avLst/>
+          </a:prstGeom>
+          <a:ln w="9525">
+            <a:solidFill>
+              <a:schemeClr val="tx1"/>
+            </a:solidFill>
+          </a:ln>
+        </p:spPr>
+      </p:pic>
+      <p:cxnSp>
+        <p:nvCxnSpPr>
+          <p:cNvPr id="1044" name="Straight Arrow Connector 1043">
+            <a:extLst>
+              <a:ext uri="{FF2B5EF4-FFF2-40B4-BE49-F238E27FC236}">
+                <a16:creationId xmlns:a16="http://schemas.microsoft.com/office/drawing/2014/main" id="{D8BC79F6-9D57-71B9-D94D-061365A4A135}"/>
+              </a:ext>
+            </a:extLst>
+          </p:cNvPr>
+          <p:cNvCxnSpPr>
+            <a:cxnSpLocks/>
+            <a:stCxn id="1053" idx="0"/>
+          </p:cNvCxnSpPr>
+          <p:nvPr/>
+        </p:nvCxnSpPr>
+        <p:spPr>
+          <a:xfrm flipV="1">
+            <a:off x="2919164" y="2516816"/>
+            <a:ext cx="781902" cy="715147"/>
+          </a:xfrm>
+          <a:prstGeom prst="straightConnector1">
+            <a:avLst/>
+          </a:prstGeom>
+          <a:ln w="9525">
+            <a:prstDash val="sysDash"/>
+            <a:tailEnd type="triangle"/>
+          </a:ln>
+        </p:spPr>
+        <p:style>
+          <a:lnRef idx="2">
+            <a:schemeClr val="accent2"/>
+          </a:lnRef>
+          <a:fillRef idx="0">
+            <a:schemeClr val="accent2"/>
+          </a:fillRef>
+          <a:effectRef idx="1">
+            <a:schemeClr val="accent2"/>
+          </a:effectRef>
+          <a:fontRef idx="minor">
+            <a:schemeClr val="tx1"/>
+          </a:fontRef>
+        </p:style>
+      </p:cxnSp>
+      <p:cxnSp>
+        <p:nvCxnSpPr>
+          <p:cNvPr id="1047" name="Straight Arrow Connector 1046">
+            <a:extLst>
+              <a:ext uri="{FF2B5EF4-FFF2-40B4-BE49-F238E27FC236}">
+                <a16:creationId xmlns:a16="http://schemas.microsoft.com/office/drawing/2014/main" id="{B828270B-15D1-209D-2501-56D87A297130}"/>
+              </a:ext>
+            </a:extLst>
+          </p:cNvPr>
+          <p:cNvCxnSpPr>
+            <a:cxnSpLocks/>
+          </p:cNvCxnSpPr>
+          <p:nvPr/>
+        </p:nvCxnSpPr>
+        <p:spPr>
+          <a:xfrm flipH="1">
+            <a:off x="2486694" y="3508962"/>
+            <a:ext cx="79801" cy="909821"/>
+          </a:xfrm>
+          <a:prstGeom prst="straightConnector1">
+            <a:avLst/>
+          </a:prstGeom>
+          <a:ln w="9525">
+            <a:prstDash val="sysDash"/>
+            <a:tailEnd type="triangle"/>
+          </a:ln>
+        </p:spPr>
+        <p:style>
+          <a:lnRef idx="2">
+            <a:schemeClr val="accent2"/>
+          </a:lnRef>
+          <a:fillRef idx="0">
+            <a:schemeClr val="accent2"/>
+          </a:fillRef>
+          <a:effectRef idx="1">
+            <a:schemeClr val="accent2"/>
+          </a:effectRef>
+          <a:fontRef idx="minor">
+            <a:schemeClr val="tx1"/>
+          </a:fontRef>
+        </p:style>
+      </p:cxnSp>
+      <p:sp>
+        <p:nvSpPr>
+          <p:cNvPr id="1053" name="TextBox 1052">
+            <a:extLst>
+              <a:ext uri="{FF2B5EF4-FFF2-40B4-BE49-F238E27FC236}">
+                <a16:creationId xmlns:a16="http://schemas.microsoft.com/office/drawing/2014/main" id="{65A1A3D0-3686-6B7A-28C5-CDAF83EF1E07}"/>
+              </a:ext>
+            </a:extLst>
+          </p:cNvPr>
+          <p:cNvSpPr txBox="1"/>
+          <p:nvPr/>
+        </p:nvSpPr>
+        <p:spPr>
+          <a:xfrm>
+            <a:off x="2324853" y="3231963"/>
+            <a:ext cx="1188622" cy="276999"/>
+          </a:xfrm>
+          <a:prstGeom prst="rect">
+            <a:avLst/>
+          </a:prstGeom>
+          <a:noFill/>
+        </p:spPr>
+        <p:txBody>
+          <a:bodyPr wrap="square">
+            <a:spAutoFit/>
+          </a:bodyPr>
+          <a:lstStyle/>
+          <a:p>
+            <a:r>
+              <a:rPr lang="en-US" sz="1200" b="1" dirty="0"/>
+              <a:t>Train DC moto</a:t>
+            </a:r>
+            <a:endParaRPr lang="en-SG" sz="1200" b="1" dirty="0"/>
+          </a:p>
+        </p:txBody>
+      </p:sp>
+      <p:pic>
+        <p:nvPicPr>
+          <p:cNvPr id="1056" name="Picture 1055" descr="TM221CE16R Schneider Electric Modicon M221 PLC CPU Mini USB Interface –  Ralakde Automation">
+            <a:extLst>
+              <a:ext uri="{FF2B5EF4-FFF2-40B4-BE49-F238E27FC236}">
+                <a16:creationId xmlns:a16="http://schemas.microsoft.com/office/drawing/2014/main" id="{38D7F0C4-93AA-EEFD-F9D3-B85A38490F1E}"/>
+              </a:ext>
+            </a:extLst>
+          </p:cNvPr>
+          <p:cNvPicPr>
+            <a:picLocks noChangeAspect="1" noChangeArrowheads="1"/>
+          </p:cNvPicPr>
+          <p:nvPr/>
+        </p:nvPicPr>
+        <p:blipFill>
+          <a:blip r:embed="rId4">
+            <a:extLst>
+              <a:ext uri="{28A0092B-C50C-407E-A947-70E740481C1C}">
+                <a14:useLocalDpi xmlns:a14="http://schemas.microsoft.com/office/drawing/2010/main" val="0"/>
+              </a:ext>
+            </a:extLst>
+          </a:blip>
+          <a:srcRect/>
+          <a:stretch>
+            <a:fillRect/>
+          </a:stretch>
+        </p:blipFill>
+        <p:spPr bwMode="auto">
+          <a:xfrm>
+            <a:off x="4961958" y="5278036"/>
+            <a:ext cx="559540" cy="613422"/>
+          </a:xfrm>
+          <a:prstGeom prst="rect">
+            <a:avLst/>
+          </a:prstGeom>
+          <a:noFill/>
+          <a:extLst>
+            <a:ext uri="{909E8E84-426E-40DD-AFC4-6F175D3DCCD1}">
+              <a14:hiddenFill xmlns:a14="http://schemas.microsoft.com/office/drawing/2010/main">
+                <a:solidFill>
+                  <a:srgbClr val="FFFFFF"/>
+                </a:solidFill>
+              </a14:hiddenFill>
+            </a:ext>
+          </a:extLst>
+        </p:spPr>
+      </p:pic>
+      <p:cxnSp>
+        <p:nvCxnSpPr>
+          <p:cNvPr id="1057" name="Connector: Elbow 1056">
+            <a:extLst>
+              <a:ext uri="{FF2B5EF4-FFF2-40B4-BE49-F238E27FC236}">
+                <a16:creationId xmlns:a16="http://schemas.microsoft.com/office/drawing/2014/main" id="{5BFEE4BE-CB43-B711-D1E4-2FF44FFC2C80}"/>
+              </a:ext>
+            </a:extLst>
+          </p:cNvPr>
+          <p:cNvCxnSpPr>
+            <a:cxnSpLocks/>
+            <a:stCxn id="1056" idx="3"/>
+            <a:endCxn id="8" idx="2"/>
+          </p:cNvCxnSpPr>
+          <p:nvPr/>
+        </p:nvCxnSpPr>
+        <p:spPr>
+          <a:xfrm flipV="1">
+            <a:off x="5521498" y="4478378"/>
+            <a:ext cx="794509" cy="1106369"/>
+          </a:xfrm>
+          <a:prstGeom prst="bentConnector2">
+            <a:avLst/>
+          </a:prstGeom>
+          <a:ln w="19050">
+            <a:solidFill>
+              <a:schemeClr val="accent6">
+                <a:lumMod val="75000"/>
+              </a:schemeClr>
+            </a:solidFill>
+          </a:ln>
+        </p:spPr>
+        <p:style>
+          <a:lnRef idx="2">
+            <a:schemeClr val="accent1"/>
+          </a:lnRef>
+          <a:fillRef idx="0">
+            <a:schemeClr val="accent1"/>
+          </a:fillRef>
+          <a:effectRef idx="1">
+            <a:schemeClr val="accent1"/>
+          </a:effectRef>
+          <a:fontRef idx="minor">
+            <a:schemeClr val="tx1"/>
+          </a:fontRef>
+        </p:style>
+      </p:cxnSp>
+      <p:cxnSp>
+        <p:nvCxnSpPr>
+          <p:cNvPr id="1060" name="Connector: Elbow 1059">
+            <a:extLst>
+              <a:ext uri="{FF2B5EF4-FFF2-40B4-BE49-F238E27FC236}">
+                <a16:creationId xmlns:a16="http://schemas.microsoft.com/office/drawing/2014/main" id="{404C0C81-7C66-B99D-CF76-31D8C0F0DAEF}"/>
+              </a:ext>
+            </a:extLst>
+          </p:cNvPr>
+          <p:cNvCxnSpPr>
+            <a:cxnSpLocks/>
+            <a:stCxn id="1043" idx="2"/>
+            <a:endCxn id="1056" idx="1"/>
+          </p:cNvCxnSpPr>
+          <p:nvPr/>
+        </p:nvCxnSpPr>
+        <p:spPr>
+          <a:xfrm rot="16200000" flipH="1">
+            <a:off x="3390677" y="4013465"/>
+            <a:ext cx="605635" cy="2536927"/>
+          </a:xfrm>
+          <a:prstGeom prst="bentConnector2">
+            <a:avLst/>
+          </a:prstGeom>
+          <a:ln w="19050">
+            <a:solidFill>
+              <a:schemeClr val="accent6">
+                <a:lumMod val="75000"/>
+              </a:schemeClr>
+            </a:solidFill>
+          </a:ln>
+        </p:spPr>
+        <p:style>
+          <a:lnRef idx="2">
+            <a:schemeClr val="accent1"/>
+          </a:lnRef>
+          <a:fillRef idx="0">
+            <a:schemeClr val="accent1"/>
+          </a:fillRef>
+          <a:effectRef idx="1">
+            <a:schemeClr val="accent1"/>
+          </a:effectRef>
+          <a:fontRef idx="minor">
+            <a:schemeClr val="tx1"/>
+          </a:fontRef>
+        </p:style>
+      </p:cxnSp>
+      <p:sp>
+        <p:nvSpPr>
+          <p:cNvPr id="15" name="Oval 14">
+            <a:extLst>
+              <a:ext uri="{FF2B5EF4-FFF2-40B4-BE49-F238E27FC236}">
+                <a16:creationId xmlns:a16="http://schemas.microsoft.com/office/drawing/2014/main" id="{B9FFF8A3-AC59-0EC7-5E72-7B555735952B}"/>
+              </a:ext>
+            </a:extLst>
+          </p:cNvPr>
+          <p:cNvSpPr/>
+          <p:nvPr/>
+        </p:nvSpPr>
+        <p:spPr>
+          <a:xfrm>
+            <a:off x="2297236" y="1301595"/>
+            <a:ext cx="157467" cy="193325"/>
+          </a:xfrm>
+          <a:prstGeom prst="ellipse">
+            <a:avLst/>
+          </a:prstGeom>
+          <a:solidFill>
+            <a:schemeClr val="tx1">
+              <a:lumMod val="50000"/>
+              <a:lumOff val="50000"/>
+            </a:schemeClr>
+          </a:solidFill>
+        </p:spPr>
+        <p:style>
+          <a:lnRef idx="2">
+            <a:schemeClr val="accent1">
+              <a:shade val="15000"/>
+            </a:schemeClr>
+          </a:lnRef>
+          <a:fillRef idx="1">
+            <a:schemeClr val="accent1"/>
+          </a:fillRef>
+          <a:effectRef idx="0">
+            <a:schemeClr val="accent1"/>
+          </a:effectRef>
+          <a:fontRef idx="minor">
+            <a:schemeClr val="lt1"/>
+          </a:fontRef>
+        </p:style>
+        <p:txBody>
+          <a:bodyPr rtlCol="0" anchor="ctr"/>
+          <a:lstStyle/>
+          <a:p>
+            <a:pPr algn="ctr"/>
+            <a:endParaRPr lang="en-SG" dirty="0"/>
+          </a:p>
+        </p:txBody>
+      </p:sp>
+      <p:sp>
+        <p:nvSpPr>
+          <p:cNvPr id="1063" name="TextBox 1062">
+            <a:extLst>
+              <a:ext uri="{FF2B5EF4-FFF2-40B4-BE49-F238E27FC236}">
+                <a16:creationId xmlns:a16="http://schemas.microsoft.com/office/drawing/2014/main" id="{A30572B1-AF9B-8ABB-B3A0-E4AC87857E98}"/>
+              </a:ext>
+            </a:extLst>
+          </p:cNvPr>
+          <p:cNvSpPr txBox="1"/>
+          <p:nvPr/>
+        </p:nvSpPr>
+        <p:spPr>
+          <a:xfrm>
+            <a:off x="2303532" y="906204"/>
+            <a:ext cx="1537036" cy="461665"/>
+          </a:xfrm>
+          <a:prstGeom prst="rect">
+            <a:avLst/>
+          </a:prstGeom>
+          <a:noFill/>
+        </p:spPr>
+        <p:txBody>
+          <a:bodyPr wrap="square">
+            <a:spAutoFit/>
+          </a:bodyPr>
+          <a:lstStyle/>
+          <a:p>
+            <a:r>
+              <a:rPr lang="en-US" sz="1200" b="1" dirty="0"/>
+              <a:t>Third Railway Power Input Switch</a:t>
+            </a:r>
+            <a:endParaRPr lang="en-SG" sz="1200" b="1" dirty="0"/>
+          </a:p>
+        </p:txBody>
+      </p:sp>
+      <p:pic>
+        <p:nvPicPr>
+          <p:cNvPr id="1065" name="Picture 1064">
+            <a:extLst>
+              <a:ext uri="{FF2B5EF4-FFF2-40B4-BE49-F238E27FC236}">
+                <a16:creationId xmlns:a16="http://schemas.microsoft.com/office/drawing/2014/main" id="{DF2C0F3C-3AD8-E371-8C42-5FB8A535673C}"/>
+              </a:ext>
+            </a:extLst>
+          </p:cNvPr>
+          <p:cNvPicPr>
+            <a:picLocks noChangeAspect="1"/>
+          </p:cNvPicPr>
+          <p:nvPr/>
+        </p:nvPicPr>
+        <p:blipFill>
+          <a:blip r:embed="rId6"/>
+          <a:stretch>
+            <a:fillRect/>
+          </a:stretch>
+        </p:blipFill>
+        <p:spPr>
+          <a:xfrm>
+            <a:off x="3760365" y="4893055"/>
+            <a:ext cx="642054" cy="456572"/>
+          </a:xfrm>
+          <a:prstGeom prst="rect">
+            <a:avLst/>
+          </a:prstGeom>
+        </p:spPr>
+      </p:pic>
+      <p:cxnSp>
+        <p:nvCxnSpPr>
+          <p:cNvPr id="1067" name="Straight Connector 1066">
+            <a:extLst>
+              <a:ext uri="{FF2B5EF4-FFF2-40B4-BE49-F238E27FC236}">
+                <a16:creationId xmlns:a16="http://schemas.microsoft.com/office/drawing/2014/main" id="{FE4F6AB3-B101-ADE7-6E50-8BDF4131BD85}"/>
+              </a:ext>
+            </a:extLst>
+          </p:cNvPr>
+          <p:cNvCxnSpPr>
+            <a:cxnSpLocks/>
+            <a:endCxn id="1068" idx="3"/>
+          </p:cNvCxnSpPr>
+          <p:nvPr/>
+        </p:nvCxnSpPr>
+        <p:spPr>
+          <a:xfrm>
+            <a:off x="2342074" y="4133271"/>
+            <a:ext cx="1498494" cy="0"/>
+          </a:xfrm>
+          <a:prstGeom prst="line">
+            <a:avLst/>
+          </a:prstGeom>
+          <a:ln>
+            <a:solidFill>
+              <a:srgbClr val="C00000"/>
+            </a:solidFill>
+          </a:ln>
+        </p:spPr>
+        <p:style>
+          <a:lnRef idx="2">
+            <a:schemeClr val="accent1"/>
+          </a:lnRef>
+          <a:fillRef idx="0">
+            <a:schemeClr val="accent1"/>
+          </a:fillRef>
+          <a:effectRef idx="1">
+            <a:schemeClr val="accent1"/>
+          </a:effectRef>
+          <a:fontRef idx="minor">
+            <a:schemeClr val="tx1"/>
+          </a:fontRef>
+        </p:style>
+      </p:cxnSp>
+      <p:sp>
+        <p:nvSpPr>
+          <p:cNvPr id="1068" name="Rectangle 1067">
+            <a:extLst>
+              <a:ext uri="{FF2B5EF4-FFF2-40B4-BE49-F238E27FC236}">
+                <a16:creationId xmlns:a16="http://schemas.microsoft.com/office/drawing/2014/main" id="{0750F095-033B-1A77-469F-B2CBB251D5F9}"/>
+              </a:ext>
+            </a:extLst>
+          </p:cNvPr>
+          <p:cNvSpPr/>
+          <p:nvPr/>
+        </p:nvSpPr>
+        <p:spPr>
+          <a:xfrm flipH="1">
+            <a:off x="3840568" y="4053411"/>
+            <a:ext cx="146309" cy="159719"/>
+          </a:xfrm>
+          <a:prstGeom prst="rect">
+            <a:avLst/>
+          </a:prstGeom>
+          <a:solidFill>
+            <a:schemeClr val="bg1">
+              <a:lumMod val="85000"/>
+            </a:schemeClr>
+          </a:solidFill>
+          <a:ln>
+            <a:solidFill>
+              <a:srgbClr val="C00000"/>
+            </a:solidFill>
+          </a:ln>
+        </p:spPr>
+        <p:style>
+          <a:lnRef idx="2">
+            <a:schemeClr val="dk1">
+              <a:shade val="15000"/>
+            </a:schemeClr>
+          </a:lnRef>
+          <a:fillRef idx="1">
+            <a:schemeClr val="dk1"/>
+          </a:fillRef>
+          <a:effectRef idx="0">
+            <a:schemeClr val="dk1"/>
+          </a:effectRef>
+          <a:fontRef idx="minor">
+            <a:schemeClr val="lt1"/>
+          </a:fontRef>
+        </p:style>
+        <p:txBody>
+          <a:bodyPr rtlCol="0" anchor="ctr"/>
+          <a:lstStyle/>
+          <a:p>
+            <a:pPr algn="ctr"/>
+            <a:endParaRPr lang="en-SG"/>
+          </a:p>
+        </p:txBody>
+      </p:sp>
+      <p:cxnSp>
+        <p:nvCxnSpPr>
+          <p:cNvPr id="1069" name="Straight Arrow Connector 1068">
+            <a:extLst>
+              <a:ext uri="{FF2B5EF4-FFF2-40B4-BE49-F238E27FC236}">
+                <a16:creationId xmlns:a16="http://schemas.microsoft.com/office/drawing/2014/main" id="{9DC6A89D-4721-D1BD-8A3D-A0A308607E9E}"/>
+              </a:ext>
+            </a:extLst>
+          </p:cNvPr>
+          <p:cNvCxnSpPr>
+            <a:cxnSpLocks/>
+          </p:cNvCxnSpPr>
+          <p:nvPr/>
+        </p:nvCxnSpPr>
+        <p:spPr>
+          <a:xfrm flipV="1">
+            <a:off x="4173771" y="2511141"/>
+            <a:ext cx="22764" cy="891527"/>
+          </a:xfrm>
+          <a:prstGeom prst="straightConnector1">
+            <a:avLst/>
+          </a:prstGeom>
+          <a:ln w="9525">
+            <a:prstDash val="sysDash"/>
+            <a:tailEnd type="triangle"/>
+          </a:ln>
+        </p:spPr>
+        <p:style>
+          <a:lnRef idx="2">
+            <a:schemeClr val="accent2"/>
+          </a:lnRef>
+          <a:fillRef idx="0">
+            <a:schemeClr val="accent2"/>
+          </a:fillRef>
+          <a:effectRef idx="1">
+            <a:schemeClr val="accent2"/>
+          </a:effectRef>
+          <a:fontRef idx="minor">
+            <a:schemeClr val="tx1"/>
+          </a:fontRef>
+        </p:style>
+      </p:cxnSp>
+      <p:cxnSp>
+        <p:nvCxnSpPr>
+          <p:cNvPr id="1072" name="Straight Arrow Connector 1071">
+            <a:extLst>
+              <a:ext uri="{FF2B5EF4-FFF2-40B4-BE49-F238E27FC236}">
+                <a16:creationId xmlns:a16="http://schemas.microsoft.com/office/drawing/2014/main" id="{B0FE80D5-6A08-33A4-0A41-F308A38F6B2A}"/>
+              </a:ext>
+            </a:extLst>
+          </p:cNvPr>
+          <p:cNvCxnSpPr>
+            <a:cxnSpLocks/>
+          </p:cNvCxnSpPr>
+          <p:nvPr/>
+        </p:nvCxnSpPr>
+        <p:spPr>
+          <a:xfrm flipH="1">
+            <a:off x="3919293" y="3681191"/>
+            <a:ext cx="0" cy="376696"/>
+          </a:xfrm>
+          <a:prstGeom prst="straightConnector1">
+            <a:avLst/>
+          </a:prstGeom>
+          <a:ln w="9525">
+            <a:prstDash val="sysDash"/>
+            <a:tailEnd type="triangle"/>
+          </a:ln>
+        </p:spPr>
+        <p:style>
+          <a:lnRef idx="2">
+            <a:schemeClr val="accent2"/>
+          </a:lnRef>
+          <a:fillRef idx="0">
+            <a:schemeClr val="accent2"/>
+          </a:fillRef>
+          <a:effectRef idx="1">
+            <a:schemeClr val="accent2"/>
+          </a:effectRef>
+          <a:fontRef idx="minor">
+            <a:schemeClr val="tx1"/>
+          </a:fontRef>
+        </p:style>
+      </p:cxnSp>
+      <p:sp>
+        <p:nvSpPr>
+          <p:cNvPr id="1074" name="TextBox 1073">
+            <a:extLst>
+              <a:ext uri="{FF2B5EF4-FFF2-40B4-BE49-F238E27FC236}">
+                <a16:creationId xmlns:a16="http://schemas.microsoft.com/office/drawing/2014/main" id="{5FDD360D-41DD-15CD-FC32-459089F90A0E}"/>
+              </a:ext>
+            </a:extLst>
+          </p:cNvPr>
+          <p:cNvSpPr txBox="1"/>
+          <p:nvPr/>
+        </p:nvSpPr>
+        <p:spPr>
+          <a:xfrm>
+            <a:off x="3359895" y="3368831"/>
+            <a:ext cx="1745081" cy="276999"/>
+          </a:xfrm>
+          <a:prstGeom prst="rect">
+            <a:avLst/>
+          </a:prstGeom>
+          <a:noFill/>
+        </p:spPr>
+        <p:txBody>
+          <a:bodyPr wrap="square">
+            <a:spAutoFit/>
+          </a:bodyPr>
+          <a:lstStyle/>
+          <a:p>
+            <a:r>
+              <a:rPr lang="en-US" sz="1200" b="1" dirty="0"/>
+              <a:t>Input voltage sensor</a:t>
+            </a:r>
+            <a:endParaRPr lang="en-SG" sz="1200" b="1" dirty="0"/>
+          </a:p>
+        </p:txBody>
+      </p:sp>
+      <p:sp>
+        <p:nvSpPr>
+          <p:cNvPr id="1078" name="Rectangle 1077">
+            <a:extLst>
+              <a:ext uri="{FF2B5EF4-FFF2-40B4-BE49-F238E27FC236}">
+                <a16:creationId xmlns:a16="http://schemas.microsoft.com/office/drawing/2014/main" id="{0F474119-F290-8B89-0F0B-8DF87A54DCF3}"/>
+              </a:ext>
+            </a:extLst>
+          </p:cNvPr>
+          <p:cNvSpPr/>
+          <p:nvPr/>
+        </p:nvSpPr>
+        <p:spPr>
+          <a:xfrm flipH="1">
+            <a:off x="2271816" y="4193736"/>
+            <a:ext cx="146309" cy="159719"/>
+          </a:xfrm>
+          <a:prstGeom prst="rect">
+            <a:avLst/>
+          </a:prstGeom>
+          <a:solidFill>
+            <a:schemeClr val="bg1">
+              <a:lumMod val="85000"/>
+            </a:schemeClr>
+          </a:solidFill>
+          <a:ln>
+            <a:solidFill>
+              <a:srgbClr val="C00000"/>
+            </a:solidFill>
+          </a:ln>
+        </p:spPr>
+        <p:style>
+          <a:lnRef idx="2">
+            <a:schemeClr val="dk1">
+              <a:shade val="15000"/>
+            </a:schemeClr>
+          </a:lnRef>
+          <a:fillRef idx="1">
+            <a:schemeClr val="dk1"/>
+          </a:fillRef>
+          <a:effectRef idx="0">
+            <a:schemeClr val="dk1"/>
+          </a:effectRef>
+          <a:fontRef idx="minor">
+            <a:schemeClr val="lt1"/>
+          </a:fontRef>
+        </p:style>
+        <p:txBody>
+          <a:bodyPr rtlCol="0" anchor="ctr"/>
+          <a:lstStyle/>
+          <a:p>
+            <a:pPr algn="ctr"/>
+            <a:endParaRPr lang="en-SG"/>
+          </a:p>
+        </p:txBody>
+      </p:sp>
+      <p:cxnSp>
+        <p:nvCxnSpPr>
+          <p:cNvPr id="1079" name="Straight Arrow Connector 1078">
+            <a:extLst>
+              <a:ext uri="{FF2B5EF4-FFF2-40B4-BE49-F238E27FC236}">
+                <a16:creationId xmlns:a16="http://schemas.microsoft.com/office/drawing/2014/main" id="{7C2F4718-54C4-C283-A376-8912E943123F}"/>
+              </a:ext>
+            </a:extLst>
+          </p:cNvPr>
+          <p:cNvCxnSpPr>
+            <a:cxnSpLocks/>
+            <a:stCxn id="1210" idx="0"/>
+          </p:cNvCxnSpPr>
+          <p:nvPr/>
+        </p:nvCxnSpPr>
+        <p:spPr>
+          <a:xfrm flipV="1">
+            <a:off x="2891413" y="2225647"/>
+            <a:ext cx="730002" cy="136270"/>
+          </a:xfrm>
+          <a:prstGeom prst="straightConnector1">
+            <a:avLst/>
+          </a:prstGeom>
+          <a:ln w="9525">
+            <a:prstDash val="sysDash"/>
+            <a:tailEnd type="triangle"/>
+          </a:ln>
+        </p:spPr>
+        <p:style>
+          <a:lnRef idx="2">
+            <a:schemeClr val="accent2"/>
+          </a:lnRef>
+          <a:fillRef idx="0">
+            <a:schemeClr val="accent2"/>
+          </a:fillRef>
+          <a:effectRef idx="1">
+            <a:schemeClr val="accent2"/>
+          </a:effectRef>
+          <a:fontRef idx="minor">
+            <a:schemeClr val="tx1"/>
+          </a:fontRef>
+        </p:style>
+      </p:cxnSp>
+      <p:sp>
+        <p:nvSpPr>
+          <p:cNvPr id="1082" name="TextBox 1081">
+            <a:extLst>
+              <a:ext uri="{FF2B5EF4-FFF2-40B4-BE49-F238E27FC236}">
+                <a16:creationId xmlns:a16="http://schemas.microsoft.com/office/drawing/2014/main" id="{1BAF3119-7B23-9417-AC0A-CD6000AE670A}"/>
+              </a:ext>
+            </a:extLst>
+          </p:cNvPr>
+          <p:cNvSpPr txBox="1"/>
+          <p:nvPr/>
+        </p:nvSpPr>
+        <p:spPr>
+          <a:xfrm>
+            <a:off x="2651562" y="3559423"/>
+            <a:ext cx="1274203" cy="276999"/>
+          </a:xfrm>
+          <a:prstGeom prst="rect">
+            <a:avLst/>
+          </a:prstGeom>
+          <a:noFill/>
+        </p:spPr>
+        <p:txBody>
+          <a:bodyPr wrap="square">
+            <a:spAutoFit/>
+          </a:bodyPr>
+          <a:lstStyle/>
+          <a:p>
+            <a:r>
+              <a:rPr lang="en-US" sz="1200" b="1" dirty="0"/>
+              <a:t>Current sensor</a:t>
+            </a:r>
+            <a:endParaRPr lang="en-SG" sz="1200" b="1" dirty="0"/>
+          </a:p>
+        </p:txBody>
+      </p:sp>
+      <p:cxnSp>
+        <p:nvCxnSpPr>
+          <p:cNvPr id="1084" name="Straight Arrow Connector 1083">
+            <a:extLst>
+              <a:ext uri="{FF2B5EF4-FFF2-40B4-BE49-F238E27FC236}">
+                <a16:creationId xmlns:a16="http://schemas.microsoft.com/office/drawing/2014/main" id="{CEF7A8F0-26E5-BAD9-5763-04FF35853801}"/>
+              </a:ext>
+            </a:extLst>
+          </p:cNvPr>
+          <p:cNvCxnSpPr>
+            <a:cxnSpLocks/>
+            <a:endCxn id="1078" idx="1"/>
+          </p:cNvCxnSpPr>
+          <p:nvPr/>
+        </p:nvCxnSpPr>
+        <p:spPr>
+          <a:xfrm flipH="1">
+            <a:off x="2418125" y="3765209"/>
+            <a:ext cx="745439" cy="508387"/>
+          </a:xfrm>
+          <a:prstGeom prst="straightConnector1">
+            <a:avLst/>
+          </a:prstGeom>
+          <a:ln w="9525">
+            <a:prstDash val="sysDash"/>
+            <a:tailEnd type="triangle"/>
+          </a:ln>
+        </p:spPr>
+        <p:style>
+          <a:lnRef idx="2">
+            <a:schemeClr val="accent2"/>
+          </a:lnRef>
+          <a:fillRef idx="0">
+            <a:schemeClr val="accent2"/>
+          </a:fillRef>
+          <a:effectRef idx="1">
+            <a:schemeClr val="accent2"/>
+          </a:effectRef>
+          <a:fontRef idx="minor">
+            <a:schemeClr val="tx1"/>
+          </a:fontRef>
+        </p:style>
+      </p:cxnSp>
+      <p:sp>
+        <p:nvSpPr>
+          <p:cNvPr id="1091" name="Rectangle 1090">
+            <a:extLst>
+              <a:ext uri="{FF2B5EF4-FFF2-40B4-BE49-F238E27FC236}">
+                <a16:creationId xmlns:a16="http://schemas.microsoft.com/office/drawing/2014/main" id="{DA4B398E-C560-CED5-EB98-546825AB7879}"/>
+              </a:ext>
+            </a:extLst>
+          </p:cNvPr>
+          <p:cNvSpPr/>
+          <p:nvPr/>
+        </p:nvSpPr>
+        <p:spPr>
+          <a:xfrm flipH="1">
+            <a:off x="4666394" y="4579019"/>
+            <a:ext cx="146309" cy="159719"/>
+          </a:xfrm>
+          <a:prstGeom prst="rect">
+            <a:avLst/>
+          </a:prstGeom>
+          <a:solidFill>
+            <a:schemeClr val="bg1">
+              <a:lumMod val="85000"/>
+            </a:schemeClr>
+          </a:solidFill>
+          <a:ln>
+            <a:solidFill>
+              <a:srgbClr val="C00000"/>
+            </a:solidFill>
+          </a:ln>
+        </p:spPr>
+        <p:style>
+          <a:lnRef idx="2">
+            <a:schemeClr val="dk1">
+              <a:shade val="15000"/>
+            </a:schemeClr>
+          </a:lnRef>
+          <a:fillRef idx="1">
+            <a:schemeClr val="dk1"/>
+          </a:fillRef>
+          <a:effectRef idx="0">
+            <a:schemeClr val="dk1"/>
+          </a:effectRef>
+          <a:fontRef idx="minor">
+            <a:schemeClr val="lt1"/>
+          </a:fontRef>
+        </p:style>
+        <p:txBody>
+          <a:bodyPr rtlCol="0" anchor="ctr"/>
+          <a:lstStyle/>
+          <a:p>
+            <a:pPr algn="ctr"/>
+            <a:endParaRPr lang="en-SG"/>
+          </a:p>
+        </p:txBody>
+      </p:sp>
+      <p:cxnSp>
+        <p:nvCxnSpPr>
+          <p:cNvPr id="1092" name="Straight Arrow Connector 1091">
+            <a:extLst>
+              <a:ext uri="{FF2B5EF4-FFF2-40B4-BE49-F238E27FC236}">
+                <a16:creationId xmlns:a16="http://schemas.microsoft.com/office/drawing/2014/main" id="{BB9E4D19-8779-B5D8-AA0D-7FBD44F53D92}"/>
+              </a:ext>
+            </a:extLst>
+          </p:cNvPr>
+          <p:cNvCxnSpPr>
+            <a:cxnSpLocks/>
+          </p:cNvCxnSpPr>
+          <p:nvPr/>
+        </p:nvCxnSpPr>
+        <p:spPr>
+          <a:xfrm flipV="1">
+            <a:off x="4393031" y="2511141"/>
+            <a:ext cx="0" cy="1170050"/>
+          </a:xfrm>
+          <a:prstGeom prst="straightConnector1">
+            <a:avLst/>
+          </a:prstGeom>
+          <a:ln w="9525">
+            <a:prstDash val="sysDash"/>
+            <a:tailEnd type="triangle"/>
+          </a:ln>
+        </p:spPr>
+        <p:style>
+          <a:lnRef idx="2">
+            <a:schemeClr val="accent2"/>
+          </a:lnRef>
+          <a:fillRef idx="0">
+            <a:schemeClr val="accent2"/>
+          </a:fillRef>
+          <a:effectRef idx="1">
+            <a:schemeClr val="accent2"/>
+          </a:effectRef>
+          <a:fontRef idx="minor">
+            <a:schemeClr val="tx1"/>
+          </a:fontRef>
+        </p:style>
+      </p:cxnSp>
+      <p:sp>
+        <p:nvSpPr>
+          <p:cNvPr id="1095" name="TextBox 1094">
+            <a:extLst>
+              <a:ext uri="{FF2B5EF4-FFF2-40B4-BE49-F238E27FC236}">
+                <a16:creationId xmlns:a16="http://schemas.microsoft.com/office/drawing/2014/main" id="{EABD0113-FA0F-E5C8-1153-CDBEE4172D62}"/>
+              </a:ext>
+            </a:extLst>
+          </p:cNvPr>
+          <p:cNvSpPr txBox="1"/>
+          <p:nvPr/>
+        </p:nvSpPr>
+        <p:spPr>
+          <a:xfrm>
+            <a:off x="4127597" y="3688863"/>
+            <a:ext cx="1532347" cy="276999"/>
+          </a:xfrm>
+          <a:prstGeom prst="rect">
+            <a:avLst/>
+          </a:prstGeom>
+          <a:noFill/>
+        </p:spPr>
+        <p:txBody>
+          <a:bodyPr wrap="square">
+            <a:spAutoFit/>
+          </a:bodyPr>
+          <a:lstStyle/>
+          <a:p>
+            <a:r>
+              <a:rPr lang="en-US" sz="1200" b="1" dirty="0"/>
+              <a:t>Train speed sensor</a:t>
+            </a:r>
+            <a:endParaRPr lang="en-SG" sz="1200" b="1" dirty="0"/>
+          </a:p>
+        </p:txBody>
+      </p:sp>
+      <p:cxnSp>
+        <p:nvCxnSpPr>
+          <p:cNvPr id="1097" name="Straight Arrow Connector 1096">
+            <a:extLst>
+              <a:ext uri="{FF2B5EF4-FFF2-40B4-BE49-F238E27FC236}">
+                <a16:creationId xmlns:a16="http://schemas.microsoft.com/office/drawing/2014/main" id="{7BE9B290-6664-FEBE-1244-C29FCA9EB397}"/>
+              </a:ext>
+            </a:extLst>
+          </p:cNvPr>
+          <p:cNvCxnSpPr>
+            <a:cxnSpLocks/>
+          </p:cNvCxnSpPr>
+          <p:nvPr/>
+        </p:nvCxnSpPr>
+        <p:spPr>
+          <a:xfrm>
+            <a:off x="4732316" y="3930344"/>
+            <a:ext cx="0" cy="638133"/>
+          </a:xfrm>
+          <a:prstGeom prst="straightConnector1">
+            <a:avLst/>
+          </a:prstGeom>
+          <a:ln w="9525">
+            <a:prstDash val="sysDash"/>
+            <a:tailEnd type="triangle"/>
+          </a:ln>
+        </p:spPr>
+        <p:style>
+          <a:lnRef idx="2">
+            <a:schemeClr val="accent2"/>
+          </a:lnRef>
+          <a:fillRef idx="0">
+            <a:schemeClr val="accent2"/>
+          </a:fillRef>
+          <a:effectRef idx="1">
+            <a:schemeClr val="accent2"/>
+          </a:effectRef>
+          <a:fontRef idx="minor">
+            <a:schemeClr val="tx1"/>
+          </a:fontRef>
+        </p:style>
+      </p:cxnSp>
+      <p:cxnSp>
+        <p:nvCxnSpPr>
+          <p:cNvPr id="1099" name="Connector: Elbow 1098">
+            <a:extLst>
+              <a:ext uri="{FF2B5EF4-FFF2-40B4-BE49-F238E27FC236}">
+                <a16:creationId xmlns:a16="http://schemas.microsoft.com/office/drawing/2014/main" id="{A071B3AB-903E-78C0-2EB5-57FD23AD33CA}"/>
+              </a:ext>
+            </a:extLst>
+          </p:cNvPr>
+          <p:cNvCxnSpPr>
+            <a:cxnSpLocks/>
+            <a:stCxn id="1065" idx="3"/>
+            <a:endCxn id="8" idx="1"/>
+          </p:cNvCxnSpPr>
+          <p:nvPr/>
+        </p:nvCxnSpPr>
+        <p:spPr>
+          <a:xfrm flipV="1">
+            <a:off x="4402419" y="4418783"/>
+            <a:ext cx="1851594" cy="702558"/>
+          </a:xfrm>
+          <a:prstGeom prst="bentConnector3">
+            <a:avLst>
+              <a:gd name="adj1" fmla="val 50000"/>
+            </a:avLst>
+          </a:prstGeom>
+          <a:ln w="19050">
+            <a:solidFill>
+              <a:schemeClr val="tx2">
+                <a:lumMod val="75000"/>
+                <a:lumOff val="25000"/>
+              </a:schemeClr>
+            </a:solidFill>
+          </a:ln>
+        </p:spPr>
+        <p:style>
+          <a:lnRef idx="2">
+            <a:schemeClr val="accent1"/>
+          </a:lnRef>
+          <a:fillRef idx="0">
+            <a:schemeClr val="accent1"/>
+          </a:fillRef>
+          <a:effectRef idx="1">
+            <a:schemeClr val="accent1"/>
+          </a:effectRef>
+          <a:fontRef idx="minor">
+            <a:schemeClr val="tx1"/>
+          </a:fontRef>
+        </p:style>
+      </p:cxnSp>
+      <p:cxnSp>
+        <p:nvCxnSpPr>
+          <p:cNvPr id="1103" name="Connector: Elbow 1102">
+            <a:extLst>
+              <a:ext uri="{FF2B5EF4-FFF2-40B4-BE49-F238E27FC236}">
+                <a16:creationId xmlns:a16="http://schemas.microsoft.com/office/drawing/2014/main" id="{648905BF-77AF-974E-870B-A15A344AAD7E}"/>
+              </a:ext>
+            </a:extLst>
+          </p:cNvPr>
+          <p:cNvCxnSpPr>
+            <a:cxnSpLocks/>
+            <a:stCxn id="1065" idx="3"/>
+            <a:endCxn id="1091" idx="2"/>
+          </p:cNvCxnSpPr>
+          <p:nvPr/>
+        </p:nvCxnSpPr>
+        <p:spPr>
+          <a:xfrm flipV="1">
+            <a:off x="4402419" y="4738738"/>
+            <a:ext cx="337129" cy="382603"/>
+          </a:xfrm>
+          <a:prstGeom prst="bentConnector2">
+            <a:avLst/>
+          </a:prstGeom>
+          <a:ln w="19050">
+            <a:solidFill>
+              <a:schemeClr val="tx2">
+                <a:lumMod val="75000"/>
+                <a:lumOff val="25000"/>
+              </a:schemeClr>
+            </a:solidFill>
+          </a:ln>
+        </p:spPr>
+        <p:style>
+          <a:lnRef idx="2">
+            <a:schemeClr val="accent1"/>
+          </a:lnRef>
+          <a:fillRef idx="0">
+            <a:schemeClr val="accent1"/>
+          </a:fillRef>
+          <a:effectRef idx="1">
+            <a:schemeClr val="accent1"/>
+          </a:effectRef>
+          <a:fontRef idx="minor">
+            <a:schemeClr val="tx1"/>
+          </a:fontRef>
+        </p:style>
+      </p:cxnSp>
+      <p:cxnSp>
+        <p:nvCxnSpPr>
+          <p:cNvPr id="1106" name="Connector: Elbow 1105">
+            <a:extLst>
+              <a:ext uri="{FF2B5EF4-FFF2-40B4-BE49-F238E27FC236}">
+                <a16:creationId xmlns:a16="http://schemas.microsoft.com/office/drawing/2014/main" id="{68E617F6-1A63-751C-E07E-7CE0B4BE0937}"/>
+              </a:ext>
+            </a:extLst>
+          </p:cNvPr>
+          <p:cNvCxnSpPr>
+            <a:cxnSpLocks/>
+            <a:stCxn id="1065" idx="0"/>
+            <a:endCxn id="1068" idx="2"/>
+          </p:cNvCxnSpPr>
+          <p:nvPr/>
+        </p:nvCxnSpPr>
+        <p:spPr>
+          <a:xfrm rot="16200000" flipV="1">
+            <a:off x="3657595" y="4469258"/>
+            <a:ext cx="679925" cy="167670"/>
+          </a:xfrm>
+          <a:prstGeom prst="bentConnector3">
+            <a:avLst>
+              <a:gd name="adj1" fmla="val 50000"/>
+            </a:avLst>
+          </a:prstGeom>
+          <a:ln w="19050">
+            <a:solidFill>
+              <a:schemeClr val="tx2">
+                <a:lumMod val="75000"/>
+                <a:lumOff val="25000"/>
+              </a:schemeClr>
+            </a:solidFill>
+          </a:ln>
+        </p:spPr>
+        <p:style>
+          <a:lnRef idx="2">
+            <a:schemeClr val="accent1"/>
+          </a:lnRef>
+          <a:fillRef idx="0">
+            <a:schemeClr val="accent1"/>
+          </a:fillRef>
+          <a:effectRef idx="1">
+            <a:schemeClr val="accent1"/>
+          </a:effectRef>
+          <a:fontRef idx="minor">
+            <a:schemeClr val="tx1"/>
+          </a:fontRef>
+        </p:style>
+      </p:cxnSp>
+      <p:cxnSp>
+        <p:nvCxnSpPr>
+          <p:cNvPr id="1109" name="Connector: Elbow 1108">
+            <a:extLst>
+              <a:ext uri="{FF2B5EF4-FFF2-40B4-BE49-F238E27FC236}">
+                <a16:creationId xmlns:a16="http://schemas.microsoft.com/office/drawing/2014/main" id="{B0B19B5C-FE6E-B5FC-2BDC-2ED29474753C}"/>
+              </a:ext>
+            </a:extLst>
+          </p:cNvPr>
+          <p:cNvCxnSpPr>
+            <a:cxnSpLocks/>
+            <a:stCxn id="1065" idx="1"/>
+          </p:cNvCxnSpPr>
+          <p:nvPr/>
+        </p:nvCxnSpPr>
+        <p:spPr>
+          <a:xfrm rot="10800000">
+            <a:off x="2444857" y="4260455"/>
+            <a:ext cx="1315509" cy="860886"/>
+          </a:xfrm>
+          <a:prstGeom prst="bentConnector3">
+            <a:avLst>
+              <a:gd name="adj1" fmla="val 61295"/>
+            </a:avLst>
+          </a:prstGeom>
+          <a:ln w="19050">
+            <a:solidFill>
+              <a:schemeClr val="tx2">
+                <a:lumMod val="75000"/>
+                <a:lumOff val="25000"/>
+              </a:schemeClr>
+            </a:solidFill>
+          </a:ln>
+        </p:spPr>
+        <p:style>
+          <a:lnRef idx="2">
+            <a:schemeClr val="accent1"/>
+          </a:lnRef>
+          <a:fillRef idx="0">
+            <a:schemeClr val="accent1"/>
+          </a:fillRef>
+          <a:effectRef idx="1">
+            <a:schemeClr val="accent1"/>
+          </a:effectRef>
+          <a:fontRef idx="minor">
+            <a:schemeClr val="tx1"/>
+          </a:fontRef>
+        </p:style>
+      </p:cxnSp>
+      <p:cxnSp>
+        <p:nvCxnSpPr>
+          <p:cNvPr id="1117" name="Connector: Elbow 1116">
+            <a:extLst>
+              <a:ext uri="{FF2B5EF4-FFF2-40B4-BE49-F238E27FC236}">
+                <a16:creationId xmlns:a16="http://schemas.microsoft.com/office/drawing/2014/main" id="{4E5B2FD1-BC58-61D2-7143-0FFFB449923A}"/>
+              </a:ext>
+            </a:extLst>
+          </p:cNvPr>
+          <p:cNvCxnSpPr>
+            <a:cxnSpLocks/>
+            <a:stCxn id="1065" idx="2"/>
+          </p:cNvCxnSpPr>
+          <p:nvPr/>
+        </p:nvCxnSpPr>
+        <p:spPr>
+          <a:xfrm rot="16200000" flipH="1">
+            <a:off x="4471374" y="4959645"/>
+            <a:ext cx="91671" cy="871634"/>
+          </a:xfrm>
+          <a:prstGeom prst="bentConnector2">
+            <a:avLst/>
+          </a:prstGeom>
+        </p:spPr>
+        <p:style>
+          <a:lnRef idx="2">
+            <a:schemeClr val="accent1"/>
+          </a:lnRef>
+          <a:fillRef idx="0">
+            <a:schemeClr val="accent1"/>
+          </a:fillRef>
+          <a:effectRef idx="1">
+            <a:schemeClr val="accent1"/>
+          </a:effectRef>
+          <a:fontRef idx="minor">
+            <a:schemeClr val="tx1"/>
+          </a:fontRef>
+        </p:style>
+      </p:cxnSp>
+      <p:sp>
+        <p:nvSpPr>
+          <p:cNvPr id="1119" name="TextBox 1118">
+            <a:extLst>
+              <a:ext uri="{FF2B5EF4-FFF2-40B4-BE49-F238E27FC236}">
+                <a16:creationId xmlns:a16="http://schemas.microsoft.com/office/drawing/2014/main" id="{B0D02CF8-D9FD-7D03-9A99-8895A49E7F67}"/>
+              </a:ext>
+            </a:extLst>
+          </p:cNvPr>
+          <p:cNvSpPr txBox="1"/>
+          <p:nvPr/>
+        </p:nvSpPr>
+        <p:spPr>
+          <a:xfrm>
+            <a:off x="4196595" y="1520276"/>
+            <a:ext cx="2721089" cy="307777"/>
+          </a:xfrm>
+          <a:prstGeom prst="rect">
+            <a:avLst/>
+          </a:prstGeom>
+          <a:noFill/>
+        </p:spPr>
+        <p:txBody>
+          <a:bodyPr wrap="square">
+            <a:spAutoFit/>
+          </a:bodyPr>
+          <a:lstStyle/>
+          <a:p>
+            <a:r>
+              <a:rPr lang="en-US" sz="1400" b="1" dirty="0"/>
+              <a:t>2D Train in real-world emulator </a:t>
+            </a:r>
+            <a:endParaRPr lang="en-SG" sz="1400" b="1" dirty="0"/>
+          </a:p>
+        </p:txBody>
+      </p:sp>
+      <p:sp>
+        <p:nvSpPr>
+          <p:cNvPr id="1120" name="TextBox 1119">
+            <a:extLst>
+              <a:ext uri="{FF2B5EF4-FFF2-40B4-BE49-F238E27FC236}">
+                <a16:creationId xmlns:a16="http://schemas.microsoft.com/office/drawing/2014/main" id="{41D45341-49D6-B98C-E5D5-3E7823D7F92B}"/>
+              </a:ext>
+            </a:extLst>
+          </p:cNvPr>
+          <p:cNvSpPr txBox="1"/>
+          <p:nvPr/>
+        </p:nvSpPr>
+        <p:spPr>
+          <a:xfrm>
+            <a:off x="522560" y="3184714"/>
+            <a:ext cx="1935834" cy="738664"/>
+          </a:xfrm>
+          <a:prstGeom prst="rect">
+            <a:avLst/>
+          </a:prstGeom>
+          <a:noFill/>
+        </p:spPr>
+        <p:txBody>
+          <a:bodyPr wrap="square">
+            <a:spAutoFit/>
+          </a:bodyPr>
+          <a:lstStyle/>
+          <a:p>
+            <a:r>
+              <a:rPr lang="en-US" sz="1400" b="1" dirty="0"/>
+              <a:t>Real-world train module function mapping </a:t>
+            </a:r>
+            <a:endParaRPr lang="en-SG" sz="1400" b="1" dirty="0"/>
+          </a:p>
+        </p:txBody>
+      </p:sp>
+      <p:sp>
+        <p:nvSpPr>
+          <p:cNvPr id="1121" name="TextBox 1120">
+            <a:extLst>
+              <a:ext uri="{FF2B5EF4-FFF2-40B4-BE49-F238E27FC236}">
+                <a16:creationId xmlns:a16="http://schemas.microsoft.com/office/drawing/2014/main" id="{F372504B-3945-0598-FF50-4551EE0EF4E7}"/>
+              </a:ext>
+            </a:extLst>
+          </p:cNvPr>
+          <p:cNvSpPr txBox="1"/>
+          <p:nvPr/>
+        </p:nvSpPr>
+        <p:spPr>
+          <a:xfrm>
+            <a:off x="7227735" y="329228"/>
+            <a:ext cx="1484286" cy="461665"/>
+          </a:xfrm>
+          <a:prstGeom prst="rect">
+            <a:avLst/>
+          </a:prstGeom>
+          <a:noFill/>
+        </p:spPr>
+        <p:txBody>
+          <a:bodyPr wrap="square">
+            <a:spAutoFit/>
+          </a:bodyPr>
+          <a:lstStyle/>
+          <a:p>
+            <a:r>
+              <a:rPr lang="en-US" sz="1200" b="1" dirty="0"/>
+              <a:t>Track power control PLC</a:t>
+            </a:r>
+            <a:endParaRPr lang="en-SG" sz="1200" b="1" dirty="0"/>
+          </a:p>
+        </p:txBody>
+      </p:sp>
+      <p:sp>
+        <p:nvSpPr>
+          <p:cNvPr id="1122" name="TextBox 1121">
+            <a:extLst>
+              <a:ext uri="{FF2B5EF4-FFF2-40B4-BE49-F238E27FC236}">
+                <a16:creationId xmlns:a16="http://schemas.microsoft.com/office/drawing/2014/main" id="{AD87C052-FA55-C274-3781-861DAFE5E90A}"/>
+              </a:ext>
+            </a:extLst>
+          </p:cNvPr>
+          <p:cNvSpPr txBox="1"/>
+          <p:nvPr/>
+        </p:nvSpPr>
+        <p:spPr>
+          <a:xfrm>
+            <a:off x="5369330" y="5073443"/>
+            <a:ext cx="1356985" cy="461665"/>
+          </a:xfrm>
+          <a:prstGeom prst="rect">
+            <a:avLst/>
+          </a:prstGeom>
+          <a:noFill/>
+        </p:spPr>
+        <p:txBody>
+          <a:bodyPr wrap="square">
+            <a:spAutoFit/>
+          </a:bodyPr>
+          <a:lstStyle/>
+          <a:p>
+            <a:r>
+              <a:rPr lang="en-US" sz="1200" b="1" dirty="0"/>
+              <a:t>Train driving control PLC</a:t>
+            </a:r>
+            <a:endParaRPr lang="en-SG" sz="1200" b="1" dirty="0"/>
+          </a:p>
+        </p:txBody>
+      </p:sp>
+      <p:sp>
+        <p:nvSpPr>
+          <p:cNvPr id="1123" name="TextBox 1122">
+            <a:extLst>
+              <a:ext uri="{FF2B5EF4-FFF2-40B4-BE49-F238E27FC236}">
+                <a16:creationId xmlns:a16="http://schemas.microsoft.com/office/drawing/2014/main" id="{747D5387-E797-7817-45A6-AAA0C24E36B6}"/>
+              </a:ext>
+            </a:extLst>
+          </p:cNvPr>
+          <p:cNvSpPr txBox="1"/>
+          <p:nvPr/>
+        </p:nvSpPr>
+        <p:spPr>
+          <a:xfrm>
+            <a:off x="2722209" y="5332774"/>
+            <a:ext cx="2017339" cy="276999"/>
+          </a:xfrm>
+          <a:prstGeom prst="rect">
+            <a:avLst/>
+          </a:prstGeom>
+          <a:noFill/>
+        </p:spPr>
+        <p:txBody>
+          <a:bodyPr wrap="square">
+            <a:spAutoFit/>
+          </a:bodyPr>
+          <a:lstStyle/>
+          <a:p>
+            <a:r>
+              <a:rPr lang="en-US" sz="1200" b="1" dirty="0"/>
+              <a:t>Train sensors RTU</a:t>
+            </a:r>
+            <a:endParaRPr lang="en-SG" sz="1200" b="1" dirty="0"/>
+          </a:p>
+        </p:txBody>
+      </p:sp>
+      <p:pic>
+        <p:nvPicPr>
+          <p:cNvPr id="1124" name="Picture 1123" descr="A screen shot of a device&#10;&#10;Description automatically generated">
+            <a:extLst>
+              <a:ext uri="{FF2B5EF4-FFF2-40B4-BE49-F238E27FC236}">
+                <a16:creationId xmlns:a16="http://schemas.microsoft.com/office/drawing/2014/main" id="{539EDD9A-3F94-1E44-E8BB-E5B676691C2C}"/>
+              </a:ext>
+            </a:extLst>
+          </p:cNvPr>
+          <p:cNvPicPr>
+            <a:picLocks noChangeAspect="1"/>
+          </p:cNvPicPr>
+          <p:nvPr/>
+        </p:nvPicPr>
+        <p:blipFill>
+          <a:blip r:embed="rId7">
+            <a:extLst>
+              <a:ext uri="{28A0092B-C50C-407E-A947-70E740481C1C}">
+                <a14:useLocalDpi xmlns:a14="http://schemas.microsoft.com/office/drawing/2010/main" val="0"/>
+              </a:ext>
+            </a:extLst>
+          </a:blip>
+          <a:stretch>
+            <a:fillRect/>
+          </a:stretch>
+        </p:blipFill>
+        <p:spPr>
+          <a:xfrm>
+            <a:off x="7978699" y="4734442"/>
+            <a:ext cx="1433671" cy="1332642"/>
+          </a:xfrm>
+          <a:prstGeom prst="rect">
+            <a:avLst/>
+          </a:prstGeom>
+        </p:spPr>
+      </p:pic>
+      <p:sp>
+        <p:nvSpPr>
+          <p:cNvPr id="1129" name="TextBox 1128">
+            <a:extLst>
+              <a:ext uri="{FF2B5EF4-FFF2-40B4-BE49-F238E27FC236}">
+                <a16:creationId xmlns:a16="http://schemas.microsoft.com/office/drawing/2014/main" id="{9A3E4ADB-A99A-0EB1-389E-08C4CC9A0290}"/>
+              </a:ext>
+            </a:extLst>
+          </p:cNvPr>
+          <p:cNvSpPr txBox="1"/>
+          <p:nvPr/>
+        </p:nvSpPr>
+        <p:spPr>
+          <a:xfrm>
+            <a:off x="6804630" y="5412332"/>
+            <a:ext cx="1086932" cy="276999"/>
+          </a:xfrm>
+          <a:prstGeom prst="rect">
+            <a:avLst/>
+          </a:prstGeom>
+          <a:noFill/>
+        </p:spPr>
+        <p:txBody>
+          <a:bodyPr wrap="square">
+            <a:spAutoFit/>
+          </a:bodyPr>
+          <a:lstStyle/>
+          <a:p>
+            <a:r>
+              <a:rPr lang="en-US" sz="1200" b="1" dirty="0">
+                <a:solidFill>
+                  <a:schemeClr val="accent6">
+                    <a:lumMod val="75000"/>
+                  </a:schemeClr>
+                </a:solidFill>
+              </a:rPr>
+              <a:t>Modbus-TCP</a:t>
+            </a:r>
+            <a:endParaRPr lang="en-SG" sz="1200" b="1" dirty="0">
+              <a:solidFill>
+                <a:schemeClr val="accent6">
+                  <a:lumMod val="75000"/>
+                </a:schemeClr>
+              </a:solidFill>
+            </a:endParaRPr>
+          </a:p>
+        </p:txBody>
+      </p:sp>
+      <p:cxnSp>
+        <p:nvCxnSpPr>
+          <p:cNvPr id="1130" name="Connector: Elbow 1129">
+            <a:extLst>
+              <a:ext uri="{FF2B5EF4-FFF2-40B4-BE49-F238E27FC236}">
+                <a16:creationId xmlns:a16="http://schemas.microsoft.com/office/drawing/2014/main" id="{38FD973D-163B-243C-5F4A-7875F0C149EF}"/>
+              </a:ext>
+            </a:extLst>
+          </p:cNvPr>
+          <p:cNvCxnSpPr>
+            <a:cxnSpLocks/>
+          </p:cNvCxnSpPr>
+          <p:nvPr/>
+        </p:nvCxnSpPr>
+        <p:spPr>
+          <a:xfrm>
+            <a:off x="4373975" y="5273457"/>
+            <a:ext cx="3595903" cy="704074"/>
+          </a:xfrm>
+          <a:prstGeom prst="bentConnector3">
+            <a:avLst>
+              <a:gd name="adj1" fmla="val -1176"/>
+            </a:avLst>
+          </a:prstGeom>
+          <a:ln>
+            <a:prstDash val="sysDash"/>
+          </a:ln>
+        </p:spPr>
+        <p:style>
+          <a:lnRef idx="2">
+            <a:schemeClr val="accent1"/>
+          </a:lnRef>
+          <a:fillRef idx="0">
+            <a:schemeClr val="accent1"/>
+          </a:fillRef>
+          <a:effectRef idx="1">
+            <a:schemeClr val="accent1"/>
+          </a:effectRef>
+          <a:fontRef idx="minor">
+            <a:schemeClr val="tx1"/>
+          </a:fontRef>
+        </p:style>
+      </p:cxnSp>
+      <p:sp>
+        <p:nvSpPr>
+          <p:cNvPr id="1136" name="TextBox 1135">
+            <a:extLst>
+              <a:ext uri="{FF2B5EF4-FFF2-40B4-BE49-F238E27FC236}">
+                <a16:creationId xmlns:a16="http://schemas.microsoft.com/office/drawing/2014/main" id="{99CC3018-30B0-A7A2-A0F8-1E85AA302E8A}"/>
+              </a:ext>
+            </a:extLst>
+          </p:cNvPr>
+          <p:cNvSpPr txBox="1"/>
+          <p:nvPr/>
+        </p:nvSpPr>
+        <p:spPr>
+          <a:xfrm>
+            <a:off x="7089333" y="5712518"/>
+            <a:ext cx="880546" cy="276999"/>
+          </a:xfrm>
+          <a:prstGeom prst="rect">
+            <a:avLst/>
+          </a:prstGeom>
+          <a:noFill/>
+        </p:spPr>
+        <p:txBody>
+          <a:bodyPr wrap="square">
+            <a:spAutoFit/>
+          </a:bodyPr>
+          <a:lstStyle/>
+          <a:p>
+            <a:r>
+              <a:rPr lang="en-US" sz="1200" b="1" dirty="0">
+                <a:solidFill>
+                  <a:schemeClr val="accent1"/>
+                </a:solidFill>
+              </a:rPr>
+              <a:t>S7comm</a:t>
+            </a:r>
+            <a:endParaRPr lang="en-SG" sz="1200" b="1" dirty="0">
+              <a:solidFill>
+                <a:schemeClr val="accent1"/>
+              </a:solidFill>
+            </a:endParaRPr>
+          </a:p>
+        </p:txBody>
+      </p:sp>
+      <p:sp>
+        <p:nvSpPr>
+          <p:cNvPr id="1140" name="TextBox 1139">
+            <a:extLst>
+              <a:ext uri="{FF2B5EF4-FFF2-40B4-BE49-F238E27FC236}">
+                <a16:creationId xmlns:a16="http://schemas.microsoft.com/office/drawing/2014/main" id="{FED38978-27C5-8183-F47B-989849080E7F}"/>
+              </a:ext>
+            </a:extLst>
+          </p:cNvPr>
+          <p:cNvSpPr txBox="1"/>
+          <p:nvPr/>
+        </p:nvSpPr>
+        <p:spPr>
+          <a:xfrm>
+            <a:off x="7992874" y="4278940"/>
+            <a:ext cx="1511987" cy="461665"/>
+          </a:xfrm>
+          <a:prstGeom prst="rect">
+            <a:avLst/>
+          </a:prstGeom>
+          <a:noFill/>
+        </p:spPr>
+        <p:txBody>
+          <a:bodyPr wrap="square">
+            <a:spAutoFit/>
+          </a:bodyPr>
+          <a:lstStyle/>
+          <a:p>
+            <a:r>
+              <a:rPr lang="en-US" sz="1200" b="1" dirty="0"/>
+              <a:t>Train Driver Console [ on Train ]</a:t>
+            </a:r>
+            <a:endParaRPr lang="en-SG" sz="1200" b="1" dirty="0"/>
+          </a:p>
+        </p:txBody>
+      </p:sp>
+      <p:pic>
+        <p:nvPicPr>
+          <p:cNvPr id="1142" name="Picture 1141">
+            <a:extLst>
+              <a:ext uri="{FF2B5EF4-FFF2-40B4-BE49-F238E27FC236}">
+                <a16:creationId xmlns:a16="http://schemas.microsoft.com/office/drawing/2014/main" id="{ED93FCE2-3D54-2043-C505-36F6DF7EF28B}"/>
+              </a:ext>
+            </a:extLst>
+          </p:cNvPr>
+          <p:cNvPicPr>
+            <a:picLocks noChangeAspect="1"/>
+          </p:cNvPicPr>
+          <p:nvPr/>
+        </p:nvPicPr>
+        <p:blipFill>
+          <a:blip r:embed="rId8"/>
+          <a:stretch>
+            <a:fillRect/>
+          </a:stretch>
+        </p:blipFill>
+        <p:spPr>
+          <a:xfrm>
+            <a:off x="1378154" y="4335064"/>
+            <a:ext cx="379553" cy="367567"/>
+          </a:xfrm>
+          <a:prstGeom prst="rect">
+            <a:avLst/>
+          </a:prstGeom>
+          <a:ln w="9525">
+            <a:solidFill>
+              <a:schemeClr val="tx1"/>
+            </a:solidFill>
+          </a:ln>
+        </p:spPr>
+      </p:pic>
+      <p:sp>
+        <p:nvSpPr>
+          <p:cNvPr id="1143" name="TextBox 1142">
+            <a:extLst>
+              <a:ext uri="{FF2B5EF4-FFF2-40B4-BE49-F238E27FC236}">
+                <a16:creationId xmlns:a16="http://schemas.microsoft.com/office/drawing/2014/main" id="{27B0C8AC-F6DD-0A37-B288-9436B8F01A65}"/>
+              </a:ext>
+            </a:extLst>
+          </p:cNvPr>
+          <p:cNvSpPr txBox="1"/>
+          <p:nvPr/>
+        </p:nvSpPr>
+        <p:spPr>
+          <a:xfrm>
+            <a:off x="496273" y="5005598"/>
+            <a:ext cx="915093" cy="461665"/>
+          </a:xfrm>
+          <a:prstGeom prst="rect">
+            <a:avLst/>
+          </a:prstGeom>
+          <a:noFill/>
+        </p:spPr>
+        <p:txBody>
+          <a:bodyPr wrap="square">
+            <a:spAutoFit/>
+          </a:bodyPr>
+          <a:lstStyle/>
+          <a:p>
+            <a:r>
+              <a:rPr lang="en-US" sz="1200" b="1" dirty="0"/>
+              <a:t>On train antenna  </a:t>
+            </a:r>
+            <a:endParaRPr lang="en-SG" sz="1200" b="1" dirty="0"/>
+          </a:p>
+        </p:txBody>
+      </p:sp>
+      <p:cxnSp>
+        <p:nvCxnSpPr>
+          <p:cNvPr id="1144" name="Straight Arrow Connector 1143">
+            <a:extLst>
+              <a:ext uri="{FF2B5EF4-FFF2-40B4-BE49-F238E27FC236}">
+                <a16:creationId xmlns:a16="http://schemas.microsoft.com/office/drawing/2014/main" id="{E0CE0585-220E-D4F3-7EC2-D1F0A06F2396}"/>
+              </a:ext>
+            </a:extLst>
+          </p:cNvPr>
+          <p:cNvCxnSpPr>
+            <a:cxnSpLocks/>
+          </p:cNvCxnSpPr>
+          <p:nvPr/>
+        </p:nvCxnSpPr>
+        <p:spPr>
+          <a:xfrm flipV="1">
+            <a:off x="996487" y="4629415"/>
+            <a:ext cx="298823" cy="402147"/>
+          </a:xfrm>
+          <a:prstGeom prst="straightConnector1">
+            <a:avLst/>
+          </a:prstGeom>
+          <a:ln w="9525">
+            <a:prstDash val="sysDash"/>
+            <a:tailEnd type="triangle"/>
+          </a:ln>
+        </p:spPr>
+        <p:style>
+          <a:lnRef idx="2">
+            <a:schemeClr val="accent2"/>
+          </a:lnRef>
+          <a:fillRef idx="0">
+            <a:schemeClr val="accent2"/>
+          </a:fillRef>
+          <a:effectRef idx="1">
+            <a:schemeClr val="accent2"/>
+          </a:effectRef>
+          <a:fontRef idx="minor">
+            <a:schemeClr val="tx1"/>
+          </a:fontRef>
+        </p:style>
+      </p:cxnSp>
+      <p:cxnSp>
+        <p:nvCxnSpPr>
+          <p:cNvPr id="1147" name="Connector: Elbow 1146">
+            <a:extLst>
+              <a:ext uri="{FF2B5EF4-FFF2-40B4-BE49-F238E27FC236}">
+                <a16:creationId xmlns:a16="http://schemas.microsoft.com/office/drawing/2014/main" id="{A7D508F8-C439-F466-E00C-448286FA3FE5}"/>
+              </a:ext>
+            </a:extLst>
+          </p:cNvPr>
+          <p:cNvCxnSpPr>
+            <a:cxnSpLocks/>
+            <a:endCxn id="1142" idx="3"/>
+          </p:cNvCxnSpPr>
+          <p:nvPr/>
+        </p:nvCxnSpPr>
+        <p:spPr>
+          <a:xfrm rot="16200000" flipV="1">
+            <a:off x="1501489" y="4775067"/>
+            <a:ext cx="734847" cy="222410"/>
+          </a:xfrm>
+          <a:prstGeom prst="bentConnector2">
+            <a:avLst/>
+          </a:prstGeom>
+          <a:ln w="19050">
+            <a:solidFill>
+              <a:schemeClr val="tx2">
+                <a:lumMod val="75000"/>
+                <a:lumOff val="25000"/>
+              </a:schemeClr>
+            </a:solidFill>
+            <a:prstDash val="sysDash"/>
+          </a:ln>
+        </p:spPr>
+        <p:style>
+          <a:lnRef idx="2">
+            <a:schemeClr val="accent1"/>
+          </a:lnRef>
+          <a:fillRef idx="0">
+            <a:schemeClr val="accent1"/>
+          </a:fillRef>
+          <a:effectRef idx="1">
+            <a:schemeClr val="accent1"/>
+          </a:effectRef>
+          <a:fontRef idx="minor">
+            <a:schemeClr val="tx1"/>
+          </a:fontRef>
+        </p:style>
+      </p:cxnSp>
+      <p:cxnSp>
+        <p:nvCxnSpPr>
+          <p:cNvPr id="1160" name="Straight Connector 1159">
+            <a:extLst>
+              <a:ext uri="{FF2B5EF4-FFF2-40B4-BE49-F238E27FC236}">
+                <a16:creationId xmlns:a16="http://schemas.microsoft.com/office/drawing/2014/main" id="{A5B80EED-E2EA-D1F3-3AA3-9A8A0E69F0EF}"/>
+              </a:ext>
+            </a:extLst>
+          </p:cNvPr>
+          <p:cNvCxnSpPr/>
+          <p:nvPr/>
+        </p:nvCxnSpPr>
+        <p:spPr>
+          <a:xfrm>
+            <a:off x="1980118" y="5253695"/>
+            <a:ext cx="1780247" cy="0"/>
+          </a:xfrm>
+          <a:prstGeom prst="line">
+            <a:avLst/>
+          </a:prstGeom>
+          <a:ln>
+            <a:prstDash val="sysDash"/>
+          </a:ln>
+        </p:spPr>
+        <p:style>
+          <a:lnRef idx="2">
+            <a:schemeClr val="accent1"/>
+          </a:lnRef>
+          <a:fillRef idx="0">
+            <a:schemeClr val="accent1"/>
+          </a:fillRef>
+          <a:effectRef idx="1">
+            <a:schemeClr val="accent1"/>
+          </a:effectRef>
+          <a:fontRef idx="minor">
+            <a:schemeClr val="tx1"/>
+          </a:fontRef>
+        </p:style>
+      </p:cxnSp>
+      <p:cxnSp>
+        <p:nvCxnSpPr>
+          <p:cNvPr id="1173" name="Straight Connector 1172">
+            <a:extLst>
+              <a:ext uri="{FF2B5EF4-FFF2-40B4-BE49-F238E27FC236}">
+                <a16:creationId xmlns:a16="http://schemas.microsoft.com/office/drawing/2014/main" id="{5DAE4A83-89D2-07A1-F39B-263EE6DF884C}"/>
+              </a:ext>
+            </a:extLst>
+          </p:cNvPr>
+          <p:cNvCxnSpPr>
+            <a:cxnSpLocks/>
+          </p:cNvCxnSpPr>
+          <p:nvPr/>
+        </p:nvCxnSpPr>
+        <p:spPr>
+          <a:xfrm>
+            <a:off x="5521498" y="5697060"/>
+            <a:ext cx="2448380" cy="0"/>
+          </a:xfrm>
+          <a:prstGeom prst="line">
+            <a:avLst/>
+          </a:prstGeom>
+          <a:ln>
+            <a:solidFill>
+              <a:schemeClr val="accent6">
+                <a:lumMod val="75000"/>
+              </a:schemeClr>
+            </a:solidFill>
+            <a:prstDash val="sysDash"/>
+          </a:ln>
+        </p:spPr>
+        <p:style>
+          <a:lnRef idx="2">
+            <a:schemeClr val="accent1"/>
+          </a:lnRef>
+          <a:fillRef idx="0">
+            <a:schemeClr val="accent1"/>
+          </a:fillRef>
+          <a:effectRef idx="1">
+            <a:schemeClr val="accent1"/>
+          </a:effectRef>
+          <a:fontRef idx="minor">
+            <a:schemeClr val="tx1"/>
+          </a:fontRef>
+        </p:style>
+      </p:cxnSp>
+      <p:pic>
+        <p:nvPicPr>
+          <p:cNvPr id="1180" name="Picture 1179">
+            <a:extLst>
+              <a:ext uri="{FF2B5EF4-FFF2-40B4-BE49-F238E27FC236}">
+                <a16:creationId xmlns:a16="http://schemas.microsoft.com/office/drawing/2014/main" id="{DC0E9BFB-824F-81AC-9152-60EE4EE329F7}"/>
+              </a:ext>
+            </a:extLst>
+          </p:cNvPr>
+          <p:cNvPicPr>
+            <a:picLocks noChangeAspect="1"/>
+          </p:cNvPicPr>
+          <p:nvPr/>
+        </p:nvPicPr>
+        <p:blipFill>
+          <a:blip r:embed="rId9"/>
+          <a:stretch>
+            <a:fillRect/>
+          </a:stretch>
+        </p:blipFill>
+        <p:spPr>
+          <a:xfrm>
+            <a:off x="1252076" y="5968716"/>
+            <a:ext cx="625739" cy="619418"/>
+          </a:xfrm>
+          <a:prstGeom prst="rect">
+            <a:avLst/>
+          </a:prstGeom>
+          <a:ln w="9525">
+            <a:solidFill>
+              <a:schemeClr val="tx1"/>
+            </a:solidFill>
+          </a:ln>
+        </p:spPr>
+      </p:pic>
+      <p:sp>
+        <p:nvSpPr>
+          <p:cNvPr id="1183" name="TextBox 1182">
+            <a:extLst>
+              <a:ext uri="{FF2B5EF4-FFF2-40B4-BE49-F238E27FC236}">
+                <a16:creationId xmlns:a16="http://schemas.microsoft.com/office/drawing/2014/main" id="{5FE68155-7D17-F9B8-F565-500C2229FD95}"/>
+              </a:ext>
+            </a:extLst>
+          </p:cNvPr>
+          <p:cNvSpPr txBox="1"/>
+          <p:nvPr/>
+        </p:nvSpPr>
+        <p:spPr>
+          <a:xfrm>
+            <a:off x="1873358" y="5814023"/>
+            <a:ext cx="915093" cy="461665"/>
+          </a:xfrm>
+          <a:prstGeom prst="rect">
+            <a:avLst/>
+          </a:prstGeom>
+          <a:noFill/>
+        </p:spPr>
+        <p:txBody>
+          <a:bodyPr wrap="square">
+            <a:spAutoFit/>
+          </a:bodyPr>
+          <a:lstStyle/>
+          <a:p>
+            <a:r>
+              <a:rPr lang="en-US" sz="1200" b="1" dirty="0"/>
+              <a:t>Railway antenna  </a:t>
+            </a:r>
+            <a:endParaRPr lang="en-SG" sz="1200" b="1" dirty="0"/>
+          </a:p>
+        </p:txBody>
+      </p:sp>
+      <p:cxnSp>
+        <p:nvCxnSpPr>
+          <p:cNvPr id="1184" name="Straight Connector 1183">
+            <a:extLst>
+              <a:ext uri="{FF2B5EF4-FFF2-40B4-BE49-F238E27FC236}">
+                <a16:creationId xmlns:a16="http://schemas.microsoft.com/office/drawing/2014/main" id="{662B7F3D-BDAE-D671-0FA7-3D3921543B54}"/>
+              </a:ext>
+            </a:extLst>
+          </p:cNvPr>
+          <p:cNvCxnSpPr>
+            <a:cxnSpLocks/>
+            <a:endCxn id="1180" idx="0"/>
+          </p:cNvCxnSpPr>
+          <p:nvPr/>
+        </p:nvCxnSpPr>
+        <p:spPr>
+          <a:xfrm>
+            <a:off x="1564946" y="4699992"/>
+            <a:ext cx="0" cy="1268724"/>
+          </a:xfrm>
+          <a:prstGeom prst="line">
+            <a:avLst/>
+          </a:prstGeom>
+          <a:ln>
+            <a:prstDash val="dash"/>
+          </a:ln>
+        </p:spPr>
+        <p:style>
+          <a:lnRef idx="1">
+            <a:schemeClr val="dk1"/>
+          </a:lnRef>
+          <a:fillRef idx="0">
+            <a:schemeClr val="dk1"/>
+          </a:fillRef>
+          <a:effectRef idx="0">
+            <a:schemeClr val="dk1"/>
+          </a:effectRef>
+          <a:fontRef idx="minor">
+            <a:schemeClr val="tx1"/>
+          </a:fontRef>
+        </p:style>
+      </p:cxnSp>
+      <p:pic>
+        <p:nvPicPr>
+          <p:cNvPr id="1189" name="Picture 1188">
+            <a:extLst>
+              <a:ext uri="{FF2B5EF4-FFF2-40B4-BE49-F238E27FC236}">
+                <a16:creationId xmlns:a16="http://schemas.microsoft.com/office/drawing/2014/main" id="{CC32FDF2-961F-4918-A10B-A6C58F99C85A}"/>
+              </a:ext>
+            </a:extLst>
+          </p:cNvPr>
+          <p:cNvPicPr>
+            <a:picLocks noChangeAspect="1"/>
+          </p:cNvPicPr>
+          <p:nvPr/>
+        </p:nvPicPr>
+        <p:blipFill>
+          <a:blip r:embed="rId10"/>
+          <a:stretch>
+            <a:fillRect/>
+          </a:stretch>
+        </p:blipFill>
+        <p:spPr>
+          <a:xfrm>
+            <a:off x="918607" y="2320831"/>
+            <a:ext cx="854072" cy="683258"/>
+          </a:xfrm>
+          <a:prstGeom prst="rect">
+            <a:avLst/>
+          </a:prstGeom>
+        </p:spPr>
+      </p:pic>
+      <p:sp>
+        <p:nvSpPr>
+          <p:cNvPr id="1190" name="TextBox 1189">
+            <a:extLst>
+              <a:ext uri="{FF2B5EF4-FFF2-40B4-BE49-F238E27FC236}">
+                <a16:creationId xmlns:a16="http://schemas.microsoft.com/office/drawing/2014/main" id="{A5C5595E-3C19-2FA2-B8AD-A7D8CF5FE9E1}"/>
+              </a:ext>
+            </a:extLst>
+          </p:cNvPr>
+          <p:cNvSpPr txBox="1"/>
+          <p:nvPr/>
+        </p:nvSpPr>
+        <p:spPr>
+          <a:xfrm>
+            <a:off x="636289" y="1895912"/>
+            <a:ext cx="1575598" cy="461665"/>
+          </a:xfrm>
+          <a:prstGeom prst="rect">
+            <a:avLst/>
+          </a:prstGeom>
+          <a:noFill/>
+        </p:spPr>
+        <p:txBody>
+          <a:bodyPr wrap="square">
+            <a:spAutoFit/>
+          </a:bodyPr>
+          <a:lstStyle/>
+          <a:p>
+            <a:r>
+              <a:rPr lang="en-US" sz="1200" b="1" dirty="0"/>
+              <a:t>On Train Emergency Power Control </a:t>
+            </a:r>
+            <a:endParaRPr lang="en-SG" sz="1200" b="1" dirty="0"/>
+          </a:p>
+        </p:txBody>
+      </p:sp>
+      <p:sp>
+        <p:nvSpPr>
+          <p:cNvPr id="1191" name="Oval 1190">
+            <a:extLst>
+              <a:ext uri="{FF2B5EF4-FFF2-40B4-BE49-F238E27FC236}">
+                <a16:creationId xmlns:a16="http://schemas.microsoft.com/office/drawing/2014/main" id="{6C60814D-7EDD-2994-77F7-AA15913C9D11}"/>
+              </a:ext>
+            </a:extLst>
+          </p:cNvPr>
+          <p:cNvSpPr/>
+          <p:nvPr/>
+        </p:nvSpPr>
+        <p:spPr>
+          <a:xfrm>
+            <a:off x="2256869" y="3703553"/>
+            <a:ext cx="157467" cy="193325"/>
+          </a:xfrm>
+          <a:prstGeom prst="ellipse">
+            <a:avLst/>
+          </a:prstGeom>
+          <a:solidFill>
+            <a:schemeClr val="tx1">
+              <a:lumMod val="50000"/>
+              <a:lumOff val="50000"/>
+            </a:schemeClr>
+          </a:solidFill>
+        </p:spPr>
+        <p:style>
+          <a:lnRef idx="2">
+            <a:schemeClr val="accent1">
+              <a:shade val="15000"/>
+            </a:schemeClr>
+          </a:lnRef>
+          <a:fillRef idx="1">
+            <a:schemeClr val="accent1"/>
+          </a:fillRef>
+          <a:effectRef idx="0">
+            <a:schemeClr val="accent1"/>
+          </a:effectRef>
+          <a:fontRef idx="minor">
+            <a:schemeClr val="lt1"/>
+          </a:fontRef>
+        </p:style>
+        <p:txBody>
+          <a:bodyPr rtlCol="0" anchor="ctr"/>
+          <a:lstStyle/>
+          <a:p>
+            <a:pPr algn="ctr"/>
+            <a:endParaRPr lang="en-SG" dirty="0"/>
+          </a:p>
+        </p:txBody>
+      </p:sp>
+      <p:cxnSp>
+        <p:nvCxnSpPr>
+          <p:cNvPr id="1192" name="Straight Connector 1191">
+            <a:extLst>
+              <a:ext uri="{FF2B5EF4-FFF2-40B4-BE49-F238E27FC236}">
+                <a16:creationId xmlns:a16="http://schemas.microsoft.com/office/drawing/2014/main" id="{B62BEAD8-CAE0-BAEB-F542-966D00E64132}"/>
+              </a:ext>
+            </a:extLst>
+          </p:cNvPr>
+          <p:cNvCxnSpPr>
+            <a:cxnSpLocks/>
+          </p:cNvCxnSpPr>
+          <p:nvPr/>
+        </p:nvCxnSpPr>
+        <p:spPr>
+          <a:xfrm flipH="1" flipV="1">
+            <a:off x="2123495" y="3593566"/>
+            <a:ext cx="139955" cy="171643"/>
+          </a:xfrm>
+          <a:prstGeom prst="line">
+            <a:avLst/>
+          </a:prstGeom>
+        </p:spPr>
+        <p:style>
+          <a:lnRef idx="2">
+            <a:schemeClr val="accent1"/>
+          </a:lnRef>
+          <a:fillRef idx="0">
+            <a:schemeClr val="accent1"/>
+          </a:fillRef>
+          <a:effectRef idx="1">
+            <a:schemeClr val="accent1"/>
+          </a:effectRef>
+          <a:fontRef idx="minor">
+            <a:schemeClr val="tx1"/>
+          </a:fontRef>
+        </p:style>
+      </p:cxnSp>
+      <p:sp>
+        <p:nvSpPr>
+          <p:cNvPr id="1196" name="Oval 1195">
+            <a:extLst>
+              <a:ext uri="{FF2B5EF4-FFF2-40B4-BE49-F238E27FC236}">
+                <a16:creationId xmlns:a16="http://schemas.microsoft.com/office/drawing/2014/main" id="{FDEBE31E-7809-7559-F961-32DFD3D15372}"/>
+              </a:ext>
+            </a:extLst>
+          </p:cNvPr>
+          <p:cNvSpPr/>
+          <p:nvPr/>
+        </p:nvSpPr>
+        <p:spPr>
+          <a:xfrm>
+            <a:off x="3701066" y="2062039"/>
+            <a:ext cx="157467" cy="193325"/>
+          </a:xfrm>
+          <a:prstGeom prst="ellipse">
+            <a:avLst/>
+          </a:prstGeom>
+          <a:solidFill>
+            <a:schemeClr val="tx1">
+              <a:lumMod val="50000"/>
+              <a:lumOff val="50000"/>
+            </a:schemeClr>
+          </a:solidFill>
+        </p:spPr>
+        <p:style>
+          <a:lnRef idx="2">
+            <a:schemeClr val="accent1">
+              <a:shade val="15000"/>
+            </a:schemeClr>
+          </a:lnRef>
+          <a:fillRef idx="1">
+            <a:schemeClr val="accent1"/>
+          </a:fillRef>
+          <a:effectRef idx="0">
+            <a:schemeClr val="accent1"/>
+          </a:effectRef>
+          <a:fontRef idx="minor">
+            <a:schemeClr val="lt1"/>
+          </a:fontRef>
+        </p:style>
+        <p:txBody>
+          <a:bodyPr rtlCol="0" anchor="ctr"/>
+          <a:lstStyle/>
+          <a:p>
+            <a:pPr algn="ctr"/>
+            <a:endParaRPr lang="en-SG" dirty="0"/>
+          </a:p>
+        </p:txBody>
+      </p:sp>
+      <p:cxnSp>
+        <p:nvCxnSpPr>
+          <p:cNvPr id="1197" name="Straight Connector 1196">
+            <a:extLst>
+              <a:ext uri="{FF2B5EF4-FFF2-40B4-BE49-F238E27FC236}">
+                <a16:creationId xmlns:a16="http://schemas.microsoft.com/office/drawing/2014/main" id="{583D9EF9-EC21-9581-3C31-16BF8F5A9E67}"/>
+              </a:ext>
+            </a:extLst>
+          </p:cNvPr>
+          <p:cNvCxnSpPr>
+            <a:cxnSpLocks/>
+          </p:cNvCxnSpPr>
+          <p:nvPr/>
+        </p:nvCxnSpPr>
+        <p:spPr>
+          <a:xfrm flipH="1" flipV="1">
+            <a:off x="3624844" y="2025627"/>
+            <a:ext cx="82803" cy="98068"/>
+          </a:xfrm>
+          <a:prstGeom prst="line">
+            <a:avLst/>
+          </a:prstGeom>
+          <a:ln>
+            <a:solidFill>
+              <a:schemeClr val="bg1"/>
+            </a:solidFill>
+          </a:ln>
+        </p:spPr>
+        <p:style>
+          <a:lnRef idx="2">
+            <a:schemeClr val="accent1"/>
+          </a:lnRef>
+          <a:fillRef idx="0">
+            <a:schemeClr val="accent1"/>
+          </a:fillRef>
+          <a:effectRef idx="1">
+            <a:schemeClr val="accent1"/>
+          </a:effectRef>
+          <a:fontRef idx="minor">
+            <a:schemeClr val="tx1"/>
+          </a:fontRef>
+        </p:style>
+      </p:cxnSp>
+      <p:cxnSp>
+        <p:nvCxnSpPr>
+          <p:cNvPr id="1199" name="Connector: Elbow 1198">
+            <a:extLst>
+              <a:ext uri="{FF2B5EF4-FFF2-40B4-BE49-F238E27FC236}">
+                <a16:creationId xmlns:a16="http://schemas.microsoft.com/office/drawing/2014/main" id="{E819F192-30FB-BE9D-116F-04C8BF9AC59C}"/>
+              </a:ext>
+            </a:extLst>
+          </p:cNvPr>
+          <p:cNvCxnSpPr>
+            <a:cxnSpLocks/>
+            <a:stCxn id="1189" idx="3"/>
+            <a:endCxn id="1191" idx="3"/>
+          </p:cNvCxnSpPr>
+          <p:nvPr/>
+        </p:nvCxnSpPr>
+        <p:spPr>
+          <a:xfrm>
+            <a:off x="1772679" y="2662460"/>
+            <a:ext cx="507251" cy="1206106"/>
+          </a:xfrm>
+          <a:prstGeom prst="bentConnector4">
+            <a:avLst>
+              <a:gd name="adj1" fmla="val 47727"/>
+              <a:gd name="adj2" fmla="val 118954"/>
+            </a:avLst>
+          </a:prstGeom>
+          <a:ln>
+            <a:solidFill>
+              <a:schemeClr val="accent6">
+                <a:lumMod val="75000"/>
+              </a:schemeClr>
+            </a:solidFill>
+          </a:ln>
+        </p:spPr>
+        <p:style>
+          <a:lnRef idx="2">
+            <a:schemeClr val="accent1"/>
+          </a:lnRef>
+          <a:fillRef idx="0">
+            <a:schemeClr val="accent1"/>
+          </a:fillRef>
+          <a:effectRef idx="1">
+            <a:schemeClr val="accent1"/>
+          </a:effectRef>
+          <a:fontRef idx="minor">
+            <a:schemeClr val="tx1"/>
+          </a:fontRef>
+        </p:style>
+      </p:cxnSp>
+      <p:cxnSp>
+        <p:nvCxnSpPr>
+          <p:cNvPr id="1202" name="Connector: Elbow 1201">
+            <a:extLst>
+              <a:ext uri="{FF2B5EF4-FFF2-40B4-BE49-F238E27FC236}">
+                <a16:creationId xmlns:a16="http://schemas.microsoft.com/office/drawing/2014/main" id="{29154012-2E1B-E5B7-C097-A99E57E12C0F}"/>
+              </a:ext>
+            </a:extLst>
+          </p:cNvPr>
+          <p:cNvCxnSpPr>
+            <a:cxnSpLocks/>
+            <a:endCxn id="1196" idx="2"/>
+          </p:cNvCxnSpPr>
+          <p:nvPr/>
+        </p:nvCxnSpPr>
+        <p:spPr>
+          <a:xfrm flipV="1">
+            <a:off x="1757707" y="2158702"/>
+            <a:ext cx="1943359" cy="370580"/>
+          </a:xfrm>
+          <a:prstGeom prst="bentConnector3">
+            <a:avLst>
+              <a:gd name="adj1" fmla="val 12946"/>
+            </a:avLst>
+          </a:prstGeom>
+          <a:ln>
+            <a:solidFill>
+              <a:schemeClr val="accent6">
+                <a:lumMod val="75000"/>
+              </a:schemeClr>
+            </a:solidFill>
+          </a:ln>
+        </p:spPr>
+        <p:style>
+          <a:lnRef idx="2">
+            <a:schemeClr val="accent1"/>
+          </a:lnRef>
+          <a:fillRef idx="0">
+            <a:schemeClr val="accent1"/>
+          </a:fillRef>
+          <a:effectRef idx="1">
+            <a:schemeClr val="accent1"/>
+          </a:effectRef>
+          <a:fontRef idx="minor">
+            <a:schemeClr val="tx1"/>
+          </a:fontRef>
+        </p:style>
+      </p:cxnSp>
+      <p:sp>
+        <p:nvSpPr>
+          <p:cNvPr id="1210" name="TextBox 1209">
+            <a:extLst>
+              <a:ext uri="{FF2B5EF4-FFF2-40B4-BE49-F238E27FC236}">
+                <a16:creationId xmlns:a16="http://schemas.microsoft.com/office/drawing/2014/main" id="{D46A18E9-875A-9323-0791-658EDC643FC9}"/>
+              </a:ext>
+            </a:extLst>
+          </p:cNvPr>
+          <p:cNvSpPr txBox="1"/>
+          <p:nvPr/>
+        </p:nvSpPr>
+        <p:spPr>
+          <a:xfrm>
+            <a:off x="2433866" y="2361917"/>
+            <a:ext cx="915093" cy="646331"/>
+          </a:xfrm>
+          <a:prstGeom prst="rect">
+            <a:avLst/>
+          </a:prstGeom>
+          <a:noFill/>
+        </p:spPr>
+        <p:txBody>
+          <a:bodyPr wrap="square">
+            <a:spAutoFit/>
+          </a:bodyPr>
+          <a:lstStyle/>
+          <a:p>
+            <a:r>
+              <a:rPr lang="en-US" sz="1200" b="1" dirty="0"/>
+              <a:t>Train input power switch</a:t>
+            </a:r>
+            <a:endParaRPr lang="en-SG" sz="1200" b="1" dirty="0"/>
+          </a:p>
+        </p:txBody>
+      </p:sp>
+      <p:cxnSp>
+        <p:nvCxnSpPr>
+          <p:cNvPr id="1213" name="Straight Arrow Connector 1212">
+            <a:extLst>
+              <a:ext uri="{FF2B5EF4-FFF2-40B4-BE49-F238E27FC236}">
+                <a16:creationId xmlns:a16="http://schemas.microsoft.com/office/drawing/2014/main" id="{1D98C60C-EB7C-F51D-E21D-236961DA1370}"/>
+              </a:ext>
+            </a:extLst>
+          </p:cNvPr>
+          <p:cNvCxnSpPr>
+            <a:cxnSpLocks/>
+            <a:stCxn id="1082" idx="0"/>
+          </p:cNvCxnSpPr>
+          <p:nvPr/>
+        </p:nvCxnSpPr>
+        <p:spPr>
+          <a:xfrm flipV="1">
+            <a:off x="3288664" y="2541842"/>
+            <a:ext cx="668302" cy="1017581"/>
+          </a:xfrm>
+          <a:prstGeom prst="straightConnector1">
+            <a:avLst/>
+          </a:prstGeom>
+          <a:ln w="9525">
+            <a:prstDash val="sysDash"/>
+            <a:tailEnd type="triangle"/>
+          </a:ln>
+        </p:spPr>
+        <p:style>
+          <a:lnRef idx="2">
+            <a:schemeClr val="accent2"/>
+          </a:lnRef>
+          <a:fillRef idx="0">
+            <a:schemeClr val="accent2"/>
+          </a:fillRef>
+          <a:effectRef idx="1">
+            <a:schemeClr val="accent2"/>
+          </a:effectRef>
+          <a:fontRef idx="minor">
+            <a:schemeClr val="tx1"/>
+          </a:fontRef>
+        </p:style>
+      </p:cxnSp>
+      <p:cxnSp>
+        <p:nvCxnSpPr>
+          <p:cNvPr id="1216" name="Straight Arrow Connector 1215">
+            <a:extLst>
+              <a:ext uri="{FF2B5EF4-FFF2-40B4-BE49-F238E27FC236}">
+                <a16:creationId xmlns:a16="http://schemas.microsoft.com/office/drawing/2014/main" id="{74CFADFE-6868-9A5D-8486-972EFFFF9F27}"/>
+              </a:ext>
+            </a:extLst>
+          </p:cNvPr>
+          <p:cNvCxnSpPr>
+            <a:cxnSpLocks/>
+          </p:cNvCxnSpPr>
+          <p:nvPr/>
+        </p:nvCxnSpPr>
+        <p:spPr>
+          <a:xfrm flipH="1">
+            <a:off x="2379106" y="3031289"/>
+            <a:ext cx="224133" cy="603909"/>
+          </a:xfrm>
+          <a:prstGeom prst="straightConnector1">
+            <a:avLst/>
+          </a:prstGeom>
+          <a:ln w="9525">
+            <a:prstDash val="sysDash"/>
+            <a:tailEnd type="triangle"/>
+          </a:ln>
+        </p:spPr>
+        <p:style>
+          <a:lnRef idx="2">
+            <a:schemeClr val="accent2"/>
+          </a:lnRef>
+          <a:fillRef idx="0">
+            <a:schemeClr val="accent2"/>
+          </a:fillRef>
+          <a:effectRef idx="1">
+            <a:schemeClr val="accent2"/>
+          </a:effectRef>
+          <a:fontRef idx="minor">
+            <a:schemeClr val="tx1"/>
+          </a:fontRef>
+        </p:style>
+      </p:cxnSp>
+      <p:pic>
+        <p:nvPicPr>
+          <p:cNvPr id="1240" name="Picture 1239">
+            <a:extLst>
+              <a:ext uri="{FF2B5EF4-FFF2-40B4-BE49-F238E27FC236}">
+                <a16:creationId xmlns:a16="http://schemas.microsoft.com/office/drawing/2014/main" id="{941B4CAE-184A-FAF9-3F36-8FD3904B2FFD}"/>
+              </a:ext>
+            </a:extLst>
+          </p:cNvPr>
+          <p:cNvPicPr>
+            <a:picLocks noChangeAspect="1"/>
+          </p:cNvPicPr>
+          <p:nvPr/>
+        </p:nvPicPr>
+        <p:blipFill>
+          <a:blip r:embed="rId11"/>
+          <a:stretch>
+            <a:fillRect/>
+          </a:stretch>
+        </p:blipFill>
+        <p:spPr>
+          <a:xfrm>
+            <a:off x="8370922" y="1916866"/>
+            <a:ext cx="3214207" cy="1727636"/>
+          </a:xfrm>
+          <a:prstGeom prst="rect">
+            <a:avLst/>
+          </a:prstGeom>
+          <a:ln w="9525">
+            <a:solidFill>
+              <a:schemeClr val="tx1"/>
+            </a:solidFill>
+          </a:ln>
+        </p:spPr>
+      </p:pic>
+      <p:cxnSp>
+        <p:nvCxnSpPr>
+          <p:cNvPr id="1244" name="Connector: Elbow 1243">
+            <a:extLst>
+              <a:ext uri="{FF2B5EF4-FFF2-40B4-BE49-F238E27FC236}">
+                <a16:creationId xmlns:a16="http://schemas.microsoft.com/office/drawing/2014/main" id="{A0C91CB8-D7E9-1DC4-81F2-C4E149C0D2B4}"/>
+              </a:ext>
+            </a:extLst>
+          </p:cNvPr>
+          <p:cNvCxnSpPr>
+            <a:cxnSpLocks/>
+            <a:stCxn id="1180" idx="3"/>
+            <a:endCxn id="1240" idx="2"/>
+          </p:cNvCxnSpPr>
+          <p:nvPr/>
+        </p:nvCxnSpPr>
+        <p:spPr>
+          <a:xfrm flipV="1">
+            <a:off x="1877815" y="3644502"/>
+            <a:ext cx="8100211" cy="2633923"/>
+          </a:xfrm>
+          <a:prstGeom prst="bentConnector2">
+            <a:avLst/>
+          </a:prstGeom>
+          <a:ln>
+            <a:prstDash val="sysDash"/>
+          </a:ln>
+        </p:spPr>
+        <p:style>
+          <a:lnRef idx="2">
+            <a:schemeClr val="accent1"/>
+          </a:lnRef>
+          <a:fillRef idx="0">
+            <a:schemeClr val="accent1"/>
+          </a:fillRef>
+          <a:effectRef idx="1">
+            <a:schemeClr val="accent1"/>
+          </a:effectRef>
+          <a:fontRef idx="minor">
+            <a:schemeClr val="tx1"/>
+          </a:fontRef>
+        </p:style>
+      </p:cxnSp>
+      <p:cxnSp>
+        <p:nvCxnSpPr>
+          <p:cNvPr id="1247" name="Connector: Elbow 1246">
+            <a:extLst>
+              <a:ext uri="{FF2B5EF4-FFF2-40B4-BE49-F238E27FC236}">
+                <a16:creationId xmlns:a16="http://schemas.microsoft.com/office/drawing/2014/main" id="{B2C079C1-CEED-ECD6-E64F-DE73DDB7C57D}"/>
+              </a:ext>
+            </a:extLst>
+          </p:cNvPr>
+          <p:cNvCxnSpPr>
+            <a:cxnSpLocks/>
+            <a:stCxn id="9" idx="3"/>
+            <a:endCxn id="1240" idx="0"/>
+          </p:cNvCxnSpPr>
+          <p:nvPr/>
+        </p:nvCxnSpPr>
+        <p:spPr>
+          <a:xfrm>
+            <a:off x="7227735" y="833986"/>
+            <a:ext cx="2750291" cy="1082880"/>
+          </a:xfrm>
+          <a:prstGeom prst="bentConnector2">
+            <a:avLst/>
+          </a:prstGeom>
+          <a:ln>
+            <a:solidFill>
+              <a:schemeClr val="accent6">
+                <a:lumMod val="75000"/>
+              </a:schemeClr>
+            </a:solidFill>
+            <a:prstDash val="sysDash"/>
+          </a:ln>
+        </p:spPr>
+        <p:style>
+          <a:lnRef idx="2">
+            <a:schemeClr val="accent1"/>
+          </a:lnRef>
+          <a:fillRef idx="0">
+            <a:schemeClr val="accent1"/>
+          </a:fillRef>
+          <a:effectRef idx="1">
+            <a:schemeClr val="accent1"/>
+          </a:effectRef>
+          <a:fontRef idx="minor">
+            <a:schemeClr val="tx1"/>
+          </a:fontRef>
+        </p:style>
+      </p:cxnSp>
+      <p:sp>
+        <p:nvSpPr>
+          <p:cNvPr id="1241" name="TextBox 1240">
+            <a:extLst>
+              <a:ext uri="{FF2B5EF4-FFF2-40B4-BE49-F238E27FC236}">
+                <a16:creationId xmlns:a16="http://schemas.microsoft.com/office/drawing/2014/main" id="{85F366BD-1882-1877-2329-F129175D95BE}"/>
+              </a:ext>
+            </a:extLst>
+          </p:cNvPr>
+          <p:cNvSpPr txBox="1"/>
+          <p:nvPr/>
+        </p:nvSpPr>
+        <p:spPr>
+          <a:xfrm>
+            <a:off x="8370922" y="1617848"/>
+            <a:ext cx="2721089" cy="276999"/>
+          </a:xfrm>
+          <a:prstGeom prst="rect">
+            <a:avLst/>
+          </a:prstGeom>
+          <a:noFill/>
+        </p:spPr>
+        <p:txBody>
+          <a:bodyPr wrap="square">
+            <a:spAutoFit/>
+          </a:bodyPr>
+          <a:lstStyle/>
+          <a:p>
+            <a:r>
+              <a:rPr lang="en-US" sz="1200" b="1" dirty="0"/>
+              <a:t>HQ Trains Operation &amp; Monitor HMI</a:t>
+            </a:r>
+            <a:endParaRPr lang="en-SG" sz="1200" b="1" dirty="0"/>
+          </a:p>
+        </p:txBody>
+      </p:sp>
+      <p:sp>
+        <p:nvSpPr>
+          <p:cNvPr id="1250" name="TextBox 1249">
+            <a:extLst>
+              <a:ext uri="{FF2B5EF4-FFF2-40B4-BE49-F238E27FC236}">
+                <a16:creationId xmlns:a16="http://schemas.microsoft.com/office/drawing/2014/main" id="{57766BA1-38D8-4805-1583-8B2EDC5C2A67}"/>
+              </a:ext>
+            </a:extLst>
+          </p:cNvPr>
+          <p:cNvSpPr txBox="1"/>
+          <p:nvPr/>
+        </p:nvSpPr>
+        <p:spPr>
+          <a:xfrm>
+            <a:off x="8898737" y="901651"/>
+            <a:ext cx="1086932" cy="276999"/>
+          </a:xfrm>
+          <a:prstGeom prst="rect">
+            <a:avLst/>
+          </a:prstGeom>
+          <a:noFill/>
+        </p:spPr>
+        <p:txBody>
+          <a:bodyPr wrap="square">
+            <a:spAutoFit/>
+          </a:bodyPr>
+          <a:lstStyle/>
+          <a:p>
+            <a:r>
+              <a:rPr lang="en-US" sz="1200" b="1" dirty="0">
+                <a:solidFill>
+                  <a:schemeClr val="accent6">
+                    <a:lumMod val="75000"/>
+                  </a:schemeClr>
+                </a:solidFill>
+              </a:rPr>
+              <a:t>Modbus-TCP</a:t>
+            </a:r>
+            <a:endParaRPr lang="en-SG" sz="1200" b="1" dirty="0">
+              <a:solidFill>
+                <a:schemeClr val="accent6">
+                  <a:lumMod val="75000"/>
+                </a:schemeClr>
+              </a:solidFill>
+            </a:endParaRPr>
+          </a:p>
+        </p:txBody>
+      </p:sp>
+      <p:sp>
+        <p:nvSpPr>
+          <p:cNvPr id="1251" name="TextBox 1250">
+            <a:extLst>
+              <a:ext uri="{FF2B5EF4-FFF2-40B4-BE49-F238E27FC236}">
+                <a16:creationId xmlns:a16="http://schemas.microsoft.com/office/drawing/2014/main" id="{69AEC4D6-5BB6-DAE7-7506-F033660C02E5}"/>
+              </a:ext>
+            </a:extLst>
+          </p:cNvPr>
+          <p:cNvSpPr txBox="1"/>
+          <p:nvPr/>
+        </p:nvSpPr>
+        <p:spPr>
+          <a:xfrm>
+            <a:off x="10006326" y="3702628"/>
+            <a:ext cx="880546" cy="276999"/>
+          </a:xfrm>
+          <a:prstGeom prst="rect">
+            <a:avLst/>
+          </a:prstGeom>
+          <a:noFill/>
+        </p:spPr>
+        <p:txBody>
+          <a:bodyPr wrap="square">
+            <a:spAutoFit/>
+          </a:bodyPr>
+          <a:lstStyle/>
+          <a:p>
+            <a:r>
+              <a:rPr lang="en-US" sz="1200" b="1" dirty="0">
+                <a:solidFill>
+                  <a:schemeClr val="accent1"/>
+                </a:solidFill>
+              </a:rPr>
+              <a:t>S7comm</a:t>
+            </a:r>
+            <a:endParaRPr lang="en-SG" sz="1200" b="1" dirty="0">
+              <a:solidFill>
+                <a:schemeClr val="accent1"/>
+              </a:solidFill>
+            </a:endParaRPr>
+          </a:p>
+        </p:txBody>
+      </p:sp>
+      <p:sp>
+        <p:nvSpPr>
+          <p:cNvPr id="1252" name="TextBox 1251">
+            <a:extLst>
+              <a:ext uri="{FF2B5EF4-FFF2-40B4-BE49-F238E27FC236}">
+                <a16:creationId xmlns:a16="http://schemas.microsoft.com/office/drawing/2014/main" id="{217F9B8D-F2C8-A997-6467-B022AE33ECB4}"/>
+              </a:ext>
+            </a:extLst>
+          </p:cNvPr>
+          <p:cNvSpPr txBox="1"/>
+          <p:nvPr/>
+        </p:nvSpPr>
+        <p:spPr>
+          <a:xfrm>
+            <a:off x="1246900" y="5293689"/>
+            <a:ext cx="986686" cy="461665"/>
+          </a:xfrm>
+          <a:prstGeom prst="rect">
+            <a:avLst/>
+          </a:prstGeom>
+          <a:noFill/>
+        </p:spPr>
+        <p:txBody>
+          <a:bodyPr wrap="square">
+            <a:spAutoFit/>
+          </a:bodyPr>
+          <a:lstStyle/>
+          <a:p>
+            <a:r>
+              <a:rPr lang="en-US" sz="1200" b="1" dirty="0"/>
+              <a:t>Wireless connection</a:t>
+            </a:r>
+            <a:endParaRPr lang="en-SG" sz="1200" b="1" dirty="0"/>
+          </a:p>
+        </p:txBody>
+      </p:sp>
+      <p:cxnSp>
+        <p:nvCxnSpPr>
+          <p:cNvPr id="1253" name="Straight Connector 1252">
+            <a:extLst>
+              <a:ext uri="{FF2B5EF4-FFF2-40B4-BE49-F238E27FC236}">
+                <a16:creationId xmlns:a16="http://schemas.microsoft.com/office/drawing/2014/main" id="{9785E123-1588-0DD8-643A-D0CA8AEE299C}"/>
+              </a:ext>
+            </a:extLst>
+          </p:cNvPr>
+          <p:cNvCxnSpPr>
+            <a:cxnSpLocks/>
+          </p:cNvCxnSpPr>
+          <p:nvPr/>
+        </p:nvCxnSpPr>
+        <p:spPr>
+          <a:xfrm>
+            <a:off x="10371157" y="6034094"/>
+            <a:ext cx="315028" cy="0"/>
+          </a:xfrm>
+          <a:prstGeom prst="line">
+            <a:avLst/>
+          </a:prstGeom>
+          <a:ln>
+            <a:solidFill>
+              <a:schemeClr val="accent6">
+                <a:lumMod val="75000"/>
+              </a:schemeClr>
+            </a:solidFill>
+            <a:prstDash val="sysDash"/>
+          </a:ln>
+        </p:spPr>
+        <p:style>
+          <a:lnRef idx="2">
+            <a:schemeClr val="accent1"/>
+          </a:lnRef>
+          <a:fillRef idx="0">
+            <a:schemeClr val="accent1"/>
+          </a:fillRef>
+          <a:effectRef idx="1">
+            <a:schemeClr val="accent1"/>
+          </a:effectRef>
+          <a:fontRef idx="minor">
+            <a:schemeClr val="tx1"/>
+          </a:fontRef>
+        </p:style>
+      </p:cxnSp>
+      <p:cxnSp>
+        <p:nvCxnSpPr>
+          <p:cNvPr id="1258" name="Straight Connector 1257">
+            <a:extLst>
+              <a:ext uri="{FF2B5EF4-FFF2-40B4-BE49-F238E27FC236}">
+                <a16:creationId xmlns:a16="http://schemas.microsoft.com/office/drawing/2014/main" id="{140017F8-C31B-E85F-45B2-752DAD55E9A7}"/>
+              </a:ext>
+            </a:extLst>
+          </p:cNvPr>
+          <p:cNvCxnSpPr>
+            <a:cxnSpLocks/>
+          </p:cNvCxnSpPr>
+          <p:nvPr/>
+        </p:nvCxnSpPr>
+        <p:spPr>
+          <a:xfrm>
+            <a:off x="10393001" y="4452961"/>
+            <a:ext cx="314022" cy="0"/>
+          </a:xfrm>
+          <a:prstGeom prst="line">
+            <a:avLst/>
+          </a:prstGeom>
+        </p:spPr>
+        <p:style>
+          <a:lnRef idx="2">
+            <a:schemeClr val="accent3"/>
+          </a:lnRef>
+          <a:fillRef idx="0">
+            <a:schemeClr val="accent3"/>
+          </a:fillRef>
+          <a:effectRef idx="1">
+            <a:schemeClr val="accent3"/>
+          </a:effectRef>
+          <a:fontRef idx="minor">
+            <a:schemeClr val="tx1"/>
+          </a:fontRef>
+        </p:style>
+      </p:cxnSp>
+      <p:cxnSp>
+        <p:nvCxnSpPr>
+          <p:cNvPr id="1261" name="Straight Connector 1260">
+            <a:extLst>
+              <a:ext uri="{FF2B5EF4-FFF2-40B4-BE49-F238E27FC236}">
+                <a16:creationId xmlns:a16="http://schemas.microsoft.com/office/drawing/2014/main" id="{3D2425EF-D66B-F046-CFD9-557AB376D848}"/>
+              </a:ext>
+            </a:extLst>
+          </p:cNvPr>
+          <p:cNvCxnSpPr>
+            <a:cxnSpLocks/>
+          </p:cNvCxnSpPr>
+          <p:nvPr/>
+        </p:nvCxnSpPr>
+        <p:spPr>
+          <a:xfrm>
+            <a:off x="10372163" y="4140600"/>
+            <a:ext cx="314022" cy="0"/>
+          </a:xfrm>
+          <a:prstGeom prst="line">
+            <a:avLst/>
+          </a:prstGeom>
+          <a:ln>
+            <a:solidFill>
+              <a:srgbClr val="C00000"/>
+            </a:solidFill>
+          </a:ln>
+        </p:spPr>
+        <p:style>
+          <a:lnRef idx="2">
+            <a:schemeClr val="accent1"/>
+          </a:lnRef>
+          <a:fillRef idx="0">
+            <a:schemeClr val="accent1"/>
+          </a:fillRef>
+          <a:effectRef idx="1">
+            <a:schemeClr val="accent1"/>
+          </a:effectRef>
+          <a:fontRef idx="minor">
+            <a:schemeClr val="tx1"/>
+          </a:fontRef>
+        </p:style>
+      </p:cxnSp>
+      <p:sp>
+        <p:nvSpPr>
+          <p:cNvPr id="1264" name="TextBox 1263">
+            <a:extLst>
+              <a:ext uri="{FF2B5EF4-FFF2-40B4-BE49-F238E27FC236}">
+                <a16:creationId xmlns:a16="http://schemas.microsoft.com/office/drawing/2014/main" id="{E5296794-AFEC-A8E1-8B70-0A32F7875F14}"/>
+              </a:ext>
+            </a:extLst>
+          </p:cNvPr>
+          <p:cNvSpPr txBox="1"/>
+          <p:nvPr/>
+        </p:nvSpPr>
+        <p:spPr>
+          <a:xfrm>
+            <a:off x="10707023" y="4010440"/>
+            <a:ext cx="1220921" cy="253916"/>
+          </a:xfrm>
+          <a:prstGeom prst="rect">
+            <a:avLst/>
+          </a:prstGeom>
+          <a:noFill/>
+        </p:spPr>
+        <p:txBody>
+          <a:bodyPr wrap="square">
+            <a:spAutoFit/>
+          </a:bodyPr>
+          <a:lstStyle/>
+          <a:p>
+            <a:r>
+              <a:rPr lang="en-US" sz="1050" b="1" dirty="0"/>
+              <a:t>DC power </a:t>
+            </a:r>
+            <a:endParaRPr lang="en-SG" sz="1050" b="1" dirty="0"/>
+          </a:p>
+        </p:txBody>
+      </p:sp>
+      <p:sp>
+        <p:nvSpPr>
+          <p:cNvPr id="1266" name="TextBox 1265">
+            <a:extLst>
+              <a:ext uri="{FF2B5EF4-FFF2-40B4-BE49-F238E27FC236}">
+                <a16:creationId xmlns:a16="http://schemas.microsoft.com/office/drawing/2014/main" id="{9DDDEA77-DAC6-B428-921A-39BC4C58E244}"/>
+              </a:ext>
+            </a:extLst>
+          </p:cNvPr>
+          <p:cNvSpPr txBox="1"/>
+          <p:nvPr/>
+        </p:nvSpPr>
+        <p:spPr>
+          <a:xfrm>
+            <a:off x="10707023" y="4298546"/>
+            <a:ext cx="1220921" cy="415498"/>
+          </a:xfrm>
+          <a:prstGeom prst="rect">
+            <a:avLst/>
+          </a:prstGeom>
+          <a:noFill/>
+        </p:spPr>
+        <p:txBody>
+          <a:bodyPr wrap="square">
+            <a:spAutoFit/>
+          </a:bodyPr>
+          <a:lstStyle/>
+          <a:p>
+            <a:r>
+              <a:rPr lang="en-US" sz="1050" b="1" dirty="0"/>
+              <a:t>Electrical Signal to PLC</a:t>
+            </a:r>
+            <a:endParaRPr lang="en-SG" sz="1050" b="1" dirty="0"/>
+          </a:p>
+        </p:txBody>
+      </p:sp>
+      <p:cxnSp>
+        <p:nvCxnSpPr>
+          <p:cNvPr id="1267" name="Straight Connector 1266">
+            <a:extLst>
+              <a:ext uri="{FF2B5EF4-FFF2-40B4-BE49-F238E27FC236}">
+                <a16:creationId xmlns:a16="http://schemas.microsoft.com/office/drawing/2014/main" id="{A35EBDB2-B6DD-461E-32A1-4AE6AA50111E}"/>
+              </a:ext>
+            </a:extLst>
+          </p:cNvPr>
+          <p:cNvCxnSpPr>
+            <a:cxnSpLocks/>
+          </p:cNvCxnSpPr>
+          <p:nvPr/>
+        </p:nvCxnSpPr>
+        <p:spPr>
+          <a:xfrm flipV="1">
+            <a:off x="10572266" y="4937369"/>
+            <a:ext cx="165526" cy="2685"/>
+          </a:xfrm>
+          <a:prstGeom prst="line">
+            <a:avLst/>
+          </a:prstGeom>
+        </p:spPr>
+        <p:style>
+          <a:lnRef idx="2">
+            <a:schemeClr val="accent1"/>
+          </a:lnRef>
+          <a:fillRef idx="0">
+            <a:schemeClr val="accent1"/>
+          </a:fillRef>
+          <a:effectRef idx="1">
+            <a:schemeClr val="accent1"/>
+          </a:effectRef>
+          <a:fontRef idx="minor">
+            <a:schemeClr val="tx1"/>
+          </a:fontRef>
+        </p:style>
+      </p:cxnSp>
+      <p:sp>
+        <p:nvSpPr>
+          <p:cNvPr id="1268" name="Oval 1267">
+            <a:extLst>
+              <a:ext uri="{FF2B5EF4-FFF2-40B4-BE49-F238E27FC236}">
+                <a16:creationId xmlns:a16="http://schemas.microsoft.com/office/drawing/2014/main" id="{B6C1CFA2-F6C5-89F9-D87A-15875EC587EB}"/>
+              </a:ext>
+            </a:extLst>
+          </p:cNvPr>
+          <p:cNvSpPr/>
+          <p:nvPr/>
+        </p:nvSpPr>
+        <p:spPr>
+          <a:xfrm>
+            <a:off x="10335660" y="4872672"/>
+            <a:ext cx="130215" cy="158768"/>
+          </a:xfrm>
+          <a:prstGeom prst="ellipse">
+            <a:avLst/>
+          </a:prstGeom>
+          <a:solidFill>
+            <a:schemeClr val="tx1">
+              <a:lumMod val="50000"/>
+              <a:lumOff val="50000"/>
+            </a:schemeClr>
+          </a:solidFill>
+        </p:spPr>
+        <p:style>
+          <a:lnRef idx="2">
+            <a:schemeClr val="accent1">
+              <a:shade val="15000"/>
+            </a:schemeClr>
+          </a:lnRef>
+          <a:fillRef idx="1">
+            <a:schemeClr val="accent1"/>
+          </a:fillRef>
+          <a:effectRef idx="0">
+            <a:schemeClr val="accent1"/>
+          </a:effectRef>
+          <a:fontRef idx="minor">
+            <a:schemeClr val="lt1"/>
+          </a:fontRef>
+        </p:style>
+        <p:txBody>
+          <a:bodyPr rtlCol="0" anchor="ctr"/>
+          <a:lstStyle/>
+          <a:p>
+            <a:pPr algn="ctr"/>
+            <a:endParaRPr lang="en-SG" dirty="0"/>
+          </a:p>
+        </p:txBody>
+      </p:sp>
+      <p:sp>
+        <p:nvSpPr>
+          <p:cNvPr id="1270" name="TextBox 1269">
+            <a:extLst>
+              <a:ext uri="{FF2B5EF4-FFF2-40B4-BE49-F238E27FC236}">
+                <a16:creationId xmlns:a16="http://schemas.microsoft.com/office/drawing/2014/main" id="{C0263227-2C59-214C-00ED-9EC49AD61CE6}"/>
+              </a:ext>
+            </a:extLst>
+          </p:cNvPr>
+          <p:cNvSpPr txBox="1"/>
+          <p:nvPr/>
+        </p:nvSpPr>
+        <p:spPr>
+          <a:xfrm>
+            <a:off x="10698965" y="4734442"/>
+            <a:ext cx="1095913" cy="415498"/>
+          </a:xfrm>
+          <a:prstGeom prst="rect">
+            <a:avLst/>
+          </a:prstGeom>
+          <a:noFill/>
+        </p:spPr>
+        <p:txBody>
+          <a:bodyPr wrap="square">
+            <a:spAutoFit/>
+          </a:bodyPr>
+          <a:lstStyle/>
+          <a:p>
+            <a:r>
+              <a:rPr lang="en-US" sz="1050" b="1" dirty="0"/>
+              <a:t>latching relay or switch</a:t>
+            </a:r>
+            <a:endParaRPr lang="en-SG" sz="1050" b="1" dirty="0"/>
+          </a:p>
+        </p:txBody>
+      </p:sp>
+      <p:sp>
+        <p:nvSpPr>
+          <p:cNvPr id="1271" name="Rectangle 1270">
+            <a:extLst>
+              <a:ext uri="{FF2B5EF4-FFF2-40B4-BE49-F238E27FC236}">
+                <a16:creationId xmlns:a16="http://schemas.microsoft.com/office/drawing/2014/main" id="{6AFFFC0C-D2E5-9260-438A-F6092D33C6D3}"/>
+              </a:ext>
+            </a:extLst>
+          </p:cNvPr>
+          <p:cNvSpPr/>
+          <p:nvPr/>
+        </p:nvSpPr>
+        <p:spPr>
+          <a:xfrm>
+            <a:off x="10354785" y="5278927"/>
+            <a:ext cx="123987" cy="119190"/>
+          </a:xfrm>
+          <a:prstGeom prst="rect">
+            <a:avLst/>
+          </a:prstGeom>
+          <a:solidFill>
+            <a:schemeClr val="bg1">
+              <a:lumMod val="75000"/>
+            </a:schemeClr>
+          </a:solidFill>
+        </p:spPr>
+        <p:style>
+          <a:lnRef idx="2">
+            <a:schemeClr val="dk1">
+              <a:shade val="15000"/>
+            </a:schemeClr>
+          </a:lnRef>
+          <a:fillRef idx="1">
+            <a:schemeClr val="dk1"/>
+          </a:fillRef>
+          <a:effectRef idx="0">
+            <a:schemeClr val="dk1"/>
+          </a:effectRef>
+          <a:fontRef idx="minor">
+            <a:schemeClr val="lt1"/>
+          </a:fontRef>
+        </p:style>
+        <p:txBody>
+          <a:bodyPr rtlCol="0" anchor="ctr"/>
+          <a:lstStyle/>
+          <a:p>
+            <a:pPr algn="ctr"/>
+            <a:endParaRPr lang="en-SG"/>
+          </a:p>
+        </p:txBody>
+      </p:sp>
+      <p:sp>
+        <p:nvSpPr>
+          <p:cNvPr id="1272" name="Rectangle 1271">
+            <a:extLst>
+              <a:ext uri="{FF2B5EF4-FFF2-40B4-BE49-F238E27FC236}">
+                <a16:creationId xmlns:a16="http://schemas.microsoft.com/office/drawing/2014/main" id="{CCB3DB03-C678-2543-87CD-20B69718965B}"/>
+              </a:ext>
+            </a:extLst>
+          </p:cNvPr>
+          <p:cNvSpPr/>
+          <p:nvPr/>
+        </p:nvSpPr>
+        <p:spPr>
+          <a:xfrm flipH="1">
+            <a:off x="10591483" y="5287156"/>
+            <a:ext cx="115540" cy="119190"/>
+          </a:xfrm>
+          <a:prstGeom prst="rect">
+            <a:avLst/>
+          </a:prstGeom>
+          <a:solidFill>
+            <a:schemeClr val="bg1">
+              <a:lumMod val="85000"/>
+            </a:schemeClr>
+          </a:solidFill>
+          <a:ln>
+            <a:solidFill>
+              <a:srgbClr val="C00000"/>
+            </a:solidFill>
+          </a:ln>
+        </p:spPr>
+        <p:style>
+          <a:lnRef idx="2">
+            <a:schemeClr val="dk1">
+              <a:shade val="15000"/>
+            </a:schemeClr>
+          </a:lnRef>
+          <a:fillRef idx="1">
+            <a:schemeClr val="dk1"/>
+          </a:fillRef>
+          <a:effectRef idx="0">
+            <a:schemeClr val="dk1"/>
+          </a:effectRef>
+          <a:fontRef idx="minor">
+            <a:schemeClr val="lt1"/>
+          </a:fontRef>
+        </p:style>
+        <p:txBody>
+          <a:bodyPr rtlCol="0" anchor="ctr"/>
+          <a:lstStyle/>
+          <a:p>
+            <a:pPr algn="ctr"/>
+            <a:endParaRPr lang="en-SG"/>
+          </a:p>
+        </p:txBody>
+      </p:sp>
+      <p:sp>
+        <p:nvSpPr>
+          <p:cNvPr id="1273" name="TextBox 1272">
+            <a:extLst>
+              <a:ext uri="{FF2B5EF4-FFF2-40B4-BE49-F238E27FC236}">
+                <a16:creationId xmlns:a16="http://schemas.microsoft.com/office/drawing/2014/main" id="{10244521-A1BA-E40D-351E-677E3C1EFB65}"/>
+              </a:ext>
+            </a:extLst>
+          </p:cNvPr>
+          <p:cNvSpPr txBox="1"/>
+          <p:nvPr/>
+        </p:nvSpPr>
+        <p:spPr>
+          <a:xfrm>
+            <a:off x="10749537" y="5232994"/>
+            <a:ext cx="1220921" cy="253916"/>
+          </a:xfrm>
+          <a:prstGeom prst="rect">
+            <a:avLst/>
+          </a:prstGeom>
+          <a:noFill/>
+        </p:spPr>
+        <p:txBody>
+          <a:bodyPr wrap="square">
+            <a:spAutoFit/>
+          </a:bodyPr>
+          <a:lstStyle/>
+          <a:p>
+            <a:r>
+              <a:rPr lang="en-US" sz="1050" b="1" dirty="0"/>
+              <a:t>Sensors</a:t>
+            </a:r>
+            <a:endParaRPr lang="en-SG" sz="1050" b="1" dirty="0"/>
+          </a:p>
+        </p:txBody>
+      </p:sp>
+      <p:cxnSp>
+        <p:nvCxnSpPr>
+          <p:cNvPr id="1274" name="Straight Connector 1273">
+            <a:extLst>
+              <a:ext uri="{FF2B5EF4-FFF2-40B4-BE49-F238E27FC236}">
+                <a16:creationId xmlns:a16="http://schemas.microsoft.com/office/drawing/2014/main" id="{7B0FB7DC-5B7E-6E87-4F35-9D0936521702}"/>
+              </a:ext>
+            </a:extLst>
+          </p:cNvPr>
+          <p:cNvCxnSpPr>
+            <a:cxnSpLocks/>
+          </p:cNvCxnSpPr>
+          <p:nvPr/>
+        </p:nvCxnSpPr>
+        <p:spPr>
+          <a:xfrm>
+            <a:off x="10384943" y="5632824"/>
+            <a:ext cx="314022" cy="0"/>
+          </a:xfrm>
+          <a:prstGeom prst="line">
+            <a:avLst/>
+          </a:prstGeom>
+        </p:spPr>
+        <p:style>
+          <a:lnRef idx="2">
+            <a:schemeClr val="accent3"/>
+          </a:lnRef>
+          <a:fillRef idx="0">
+            <a:schemeClr val="accent3"/>
+          </a:fillRef>
+          <a:effectRef idx="1">
+            <a:schemeClr val="accent3"/>
+          </a:effectRef>
+          <a:fontRef idx="minor">
+            <a:schemeClr val="tx1"/>
+          </a:fontRef>
+        </p:style>
+      </p:cxnSp>
+      <p:sp>
+        <p:nvSpPr>
+          <p:cNvPr id="1275" name="TextBox 1274">
+            <a:extLst>
+              <a:ext uri="{FF2B5EF4-FFF2-40B4-BE49-F238E27FC236}">
+                <a16:creationId xmlns:a16="http://schemas.microsoft.com/office/drawing/2014/main" id="{8A9AFCBC-3DA0-B655-48FA-9713B23D71FE}"/>
+              </a:ext>
+            </a:extLst>
+          </p:cNvPr>
+          <p:cNvSpPr txBox="1"/>
+          <p:nvPr/>
+        </p:nvSpPr>
+        <p:spPr>
+          <a:xfrm>
+            <a:off x="10775305" y="5461141"/>
+            <a:ext cx="1220921" cy="415498"/>
+          </a:xfrm>
+          <a:prstGeom prst="rect">
+            <a:avLst/>
+          </a:prstGeom>
+          <a:noFill/>
+        </p:spPr>
+        <p:txBody>
+          <a:bodyPr wrap="square">
+            <a:spAutoFit/>
+          </a:bodyPr>
+          <a:lstStyle/>
+          <a:p>
+            <a:r>
+              <a:rPr lang="en-US" sz="1050" b="1" dirty="0"/>
+              <a:t>Electrical Signal to RTU</a:t>
+            </a:r>
+            <a:endParaRPr lang="en-SG" sz="1050" b="1" dirty="0"/>
+          </a:p>
+        </p:txBody>
+      </p:sp>
+      <p:cxnSp>
+        <p:nvCxnSpPr>
+          <p:cNvPr id="1277" name="Straight Connector 1276">
+            <a:extLst>
+              <a:ext uri="{FF2B5EF4-FFF2-40B4-BE49-F238E27FC236}">
+                <a16:creationId xmlns:a16="http://schemas.microsoft.com/office/drawing/2014/main" id="{EA910B00-DC45-D2DB-24EF-CE9BC97B8CD3}"/>
+              </a:ext>
+            </a:extLst>
+          </p:cNvPr>
+          <p:cNvCxnSpPr>
+            <a:cxnSpLocks/>
+          </p:cNvCxnSpPr>
+          <p:nvPr/>
+        </p:nvCxnSpPr>
+        <p:spPr>
+          <a:xfrm flipV="1">
+            <a:off x="10467249" y="4831694"/>
+            <a:ext cx="148071" cy="71376"/>
+          </a:xfrm>
+          <a:prstGeom prst="line">
+            <a:avLst/>
+          </a:prstGeom>
+        </p:spPr>
+        <p:style>
+          <a:lnRef idx="2">
+            <a:schemeClr val="accent1"/>
+          </a:lnRef>
+          <a:fillRef idx="0">
+            <a:schemeClr val="accent1"/>
+          </a:fillRef>
+          <a:effectRef idx="1">
+            <a:schemeClr val="accent1"/>
+          </a:effectRef>
+          <a:fontRef idx="minor">
+            <a:schemeClr val="tx1"/>
+          </a:fontRef>
+        </p:style>
+      </p:cxnSp>
+      <p:sp>
+        <p:nvSpPr>
+          <p:cNvPr id="1279" name="TextBox 1278">
+            <a:extLst>
+              <a:ext uri="{FF2B5EF4-FFF2-40B4-BE49-F238E27FC236}">
+                <a16:creationId xmlns:a16="http://schemas.microsoft.com/office/drawing/2014/main" id="{9AB6C429-2EC4-6E7B-93D7-89B94B1447B3}"/>
+              </a:ext>
+            </a:extLst>
+          </p:cNvPr>
+          <p:cNvSpPr txBox="1"/>
+          <p:nvPr/>
+        </p:nvSpPr>
+        <p:spPr>
+          <a:xfrm>
+            <a:off x="10775305" y="5921372"/>
+            <a:ext cx="1220921" cy="253916"/>
+          </a:xfrm>
+          <a:prstGeom prst="rect">
+            <a:avLst/>
+          </a:prstGeom>
+          <a:noFill/>
+        </p:spPr>
+        <p:txBody>
+          <a:bodyPr wrap="square">
+            <a:spAutoFit/>
+          </a:bodyPr>
+          <a:lstStyle/>
+          <a:p>
+            <a:r>
+              <a:rPr lang="en-US" sz="1050" b="1" dirty="0"/>
+              <a:t>Modbus</a:t>
+            </a:r>
+            <a:endParaRPr lang="en-SG" sz="1050" b="1" dirty="0"/>
+          </a:p>
+        </p:txBody>
+      </p:sp>
+      <p:cxnSp>
+        <p:nvCxnSpPr>
+          <p:cNvPr id="1280" name="Straight Connector 1279">
+            <a:extLst>
+              <a:ext uri="{FF2B5EF4-FFF2-40B4-BE49-F238E27FC236}">
+                <a16:creationId xmlns:a16="http://schemas.microsoft.com/office/drawing/2014/main" id="{95085870-0A92-51EA-83F2-34E00D45B648}"/>
+              </a:ext>
+            </a:extLst>
+          </p:cNvPr>
+          <p:cNvCxnSpPr>
+            <a:cxnSpLocks/>
+          </p:cNvCxnSpPr>
+          <p:nvPr/>
+        </p:nvCxnSpPr>
+        <p:spPr>
+          <a:xfrm>
+            <a:off x="10393001" y="6351086"/>
+            <a:ext cx="315028" cy="0"/>
+          </a:xfrm>
+          <a:prstGeom prst="line">
+            <a:avLst/>
+          </a:prstGeom>
+          <a:ln>
+            <a:solidFill>
+              <a:schemeClr val="accent4">
+                <a:lumMod val="50000"/>
+              </a:schemeClr>
+            </a:solidFill>
+            <a:prstDash val="sysDash"/>
+          </a:ln>
+        </p:spPr>
+        <p:style>
+          <a:lnRef idx="2">
+            <a:schemeClr val="accent1"/>
+          </a:lnRef>
+          <a:fillRef idx="0">
+            <a:schemeClr val="accent1"/>
+          </a:fillRef>
+          <a:effectRef idx="1">
+            <a:schemeClr val="accent1"/>
+          </a:effectRef>
+          <a:fontRef idx="minor">
+            <a:schemeClr val="tx1"/>
+          </a:fontRef>
+        </p:style>
+      </p:cxnSp>
+      <p:sp>
+        <p:nvSpPr>
+          <p:cNvPr id="1281" name="TextBox 1280">
+            <a:extLst>
+              <a:ext uri="{FF2B5EF4-FFF2-40B4-BE49-F238E27FC236}">
+                <a16:creationId xmlns:a16="http://schemas.microsoft.com/office/drawing/2014/main" id="{C2353912-F4F0-AB65-7B19-80C9E5B22750}"/>
+              </a:ext>
+            </a:extLst>
+          </p:cNvPr>
+          <p:cNvSpPr txBox="1"/>
+          <p:nvPr/>
+        </p:nvSpPr>
+        <p:spPr>
+          <a:xfrm>
+            <a:off x="10775304" y="6224128"/>
+            <a:ext cx="1220921" cy="253916"/>
+          </a:xfrm>
+          <a:prstGeom prst="rect">
+            <a:avLst/>
+          </a:prstGeom>
+          <a:noFill/>
+        </p:spPr>
+        <p:txBody>
+          <a:bodyPr wrap="square">
+            <a:spAutoFit/>
+          </a:bodyPr>
+          <a:lstStyle/>
+          <a:p>
+            <a:r>
+              <a:rPr lang="en-US" sz="1050" b="1" dirty="0"/>
+              <a:t>S7comm-Bus</a:t>
+            </a:r>
+            <a:endParaRPr lang="en-SG" sz="1050" b="1" dirty="0"/>
+          </a:p>
+        </p:txBody>
+      </p:sp>
+    </p:spTree>
+    <p:extLst>
+      <p:ext uri="{BB962C8B-B14F-4D97-AF65-F5344CB8AC3E}">
+        <p14:creationId xmlns:p14="http://schemas.microsoft.com/office/powerpoint/2010/main" val="1039190101"/>
+      </p:ext>
+    </p:extLst>
+  </p:cSld>
+  <p:clrMapOvr>
+    <a:masterClrMapping/>
+  </p:clrMapOvr>
+</p:sld>
+</file>
+
 <file path=ppt/theme/theme1.xml><?xml version="1.0" encoding="utf-8"?>
 <a:theme xmlns:a="http://schemas.openxmlformats.org/drawingml/2006/main" name="Office Theme">
   <a:themeElements>

--- a/doc/designDoc.pptx
+++ b/doc/designDoc.pptx
@@ -7,8 +7,9 @@
   <p:sldIdLst>
     <p:sldId id="256" r:id="rId2"/>
     <p:sldId id="257" r:id="rId3"/>
-    <p:sldId id="258" r:id="rId4"/>
-    <p:sldId id="259" r:id="rId5"/>
+    <p:sldId id="260" r:id="rId4"/>
+    <p:sldId id="258" r:id="rId5"/>
+    <p:sldId id="259" r:id="rId6"/>
   </p:sldIdLst>
   <p:sldSz cx="12192000" cy="6858000"/>
   <p:notesSz cx="6858000" cy="9144000"/>
@@ -264,7 +265,7 @@
           <a:p>
             <a:fld id="{F953FF10-B1B6-4147-A9BC-BC236B7E3AD4}" type="datetimeFigureOut">
               <a:rPr lang="en-SG" smtClean="0"/>
-              <a:t>5/4/2024</a:t>
+              <a:t>6/4/2024</a:t>
             </a:fld>
             <a:endParaRPr lang="en-SG"/>
           </a:p>
@@ -464,7 +465,7 @@
           <a:p>
             <a:fld id="{F953FF10-B1B6-4147-A9BC-BC236B7E3AD4}" type="datetimeFigureOut">
               <a:rPr lang="en-SG" smtClean="0"/>
-              <a:t>5/4/2024</a:t>
+              <a:t>6/4/2024</a:t>
             </a:fld>
             <a:endParaRPr lang="en-SG"/>
           </a:p>
@@ -674,7 +675,7 @@
           <a:p>
             <a:fld id="{F953FF10-B1B6-4147-A9BC-BC236B7E3AD4}" type="datetimeFigureOut">
               <a:rPr lang="en-SG" smtClean="0"/>
-              <a:t>5/4/2024</a:t>
+              <a:t>6/4/2024</a:t>
             </a:fld>
             <a:endParaRPr lang="en-SG"/>
           </a:p>
@@ -874,7 +875,7 @@
           <a:p>
             <a:fld id="{F953FF10-B1B6-4147-A9BC-BC236B7E3AD4}" type="datetimeFigureOut">
               <a:rPr lang="en-SG" smtClean="0"/>
-              <a:t>5/4/2024</a:t>
+              <a:t>6/4/2024</a:t>
             </a:fld>
             <a:endParaRPr lang="en-SG"/>
           </a:p>
@@ -1150,7 +1151,7 @@
           <a:p>
             <a:fld id="{F953FF10-B1B6-4147-A9BC-BC236B7E3AD4}" type="datetimeFigureOut">
               <a:rPr lang="en-SG" smtClean="0"/>
-              <a:t>5/4/2024</a:t>
+              <a:t>6/4/2024</a:t>
             </a:fld>
             <a:endParaRPr lang="en-SG"/>
           </a:p>
@@ -1418,7 +1419,7 @@
           <a:p>
             <a:fld id="{F953FF10-B1B6-4147-A9BC-BC236B7E3AD4}" type="datetimeFigureOut">
               <a:rPr lang="en-SG" smtClean="0"/>
-              <a:t>5/4/2024</a:t>
+              <a:t>6/4/2024</a:t>
             </a:fld>
             <a:endParaRPr lang="en-SG"/>
           </a:p>
@@ -1833,7 +1834,7 @@
           <a:p>
             <a:fld id="{F953FF10-B1B6-4147-A9BC-BC236B7E3AD4}" type="datetimeFigureOut">
               <a:rPr lang="en-SG" smtClean="0"/>
-              <a:t>5/4/2024</a:t>
+              <a:t>6/4/2024</a:t>
             </a:fld>
             <a:endParaRPr lang="en-SG"/>
           </a:p>
@@ -1975,7 +1976,7 @@
           <a:p>
             <a:fld id="{F953FF10-B1B6-4147-A9BC-BC236B7E3AD4}" type="datetimeFigureOut">
               <a:rPr lang="en-SG" smtClean="0"/>
-              <a:t>5/4/2024</a:t>
+              <a:t>6/4/2024</a:t>
             </a:fld>
             <a:endParaRPr lang="en-SG"/>
           </a:p>
@@ -2088,7 +2089,7 @@
           <a:p>
             <a:fld id="{F953FF10-B1B6-4147-A9BC-BC236B7E3AD4}" type="datetimeFigureOut">
               <a:rPr lang="en-SG" smtClean="0"/>
-              <a:t>5/4/2024</a:t>
+              <a:t>6/4/2024</a:t>
             </a:fld>
             <a:endParaRPr lang="en-SG"/>
           </a:p>
@@ -2401,7 +2402,7 @@
           <a:p>
             <a:fld id="{F953FF10-B1B6-4147-A9BC-BC236B7E3AD4}" type="datetimeFigureOut">
               <a:rPr lang="en-SG" smtClean="0"/>
-              <a:t>5/4/2024</a:t>
+              <a:t>6/4/2024</a:t>
             </a:fld>
             <a:endParaRPr lang="en-SG"/>
           </a:p>
@@ -2690,7 +2691,7 @@
           <a:p>
             <a:fld id="{F953FF10-B1B6-4147-A9BC-BC236B7E3AD4}" type="datetimeFigureOut">
               <a:rPr lang="en-SG" smtClean="0"/>
-              <a:t>5/4/2024</a:t>
+              <a:t>6/4/2024</a:t>
             </a:fld>
             <a:endParaRPr lang="en-SG"/>
           </a:p>
@@ -2933,7 +2934,7 @@
           <a:p>
             <a:fld id="{F953FF10-B1B6-4147-A9BC-BC236B7E3AD4}" type="datetimeFigureOut">
               <a:rPr lang="en-SG" smtClean="0"/>
-              <a:t>5/4/2024</a:t>
+              <a:t>6/4/2024</a:t>
             </a:fld>
             <a:endParaRPr lang="en-SG"/>
           </a:p>
@@ -6484,6 +6485,55 @@
       </p:grpSpPr>
       <p:sp>
         <p:nvSpPr>
+          <p:cNvPr id="37" name="Rectangle 36">
+            <a:extLst>
+              <a:ext uri="{FF2B5EF4-FFF2-40B4-BE49-F238E27FC236}">
+                <a16:creationId xmlns:a16="http://schemas.microsoft.com/office/drawing/2014/main" id="{BDA94B1C-9FE6-C6F6-B0A6-9D0554B263D2}"/>
+              </a:ext>
+            </a:extLst>
+          </p:cNvPr>
+          <p:cNvSpPr/>
+          <p:nvPr/>
+        </p:nvSpPr>
+        <p:spPr>
+          <a:xfrm>
+            <a:off x="1603912" y="5440668"/>
+            <a:ext cx="1774267" cy="523214"/>
+          </a:xfrm>
+          <a:prstGeom prst="rect">
+            <a:avLst/>
+          </a:prstGeom>
+          <a:solidFill>
+            <a:schemeClr val="bg2"/>
+          </a:solidFill>
+        </p:spPr>
+        <p:style>
+          <a:lnRef idx="2">
+            <a:schemeClr val="accent1">
+              <a:shade val="15000"/>
+            </a:schemeClr>
+          </a:lnRef>
+          <a:fillRef idx="1">
+            <a:schemeClr val="accent1"/>
+          </a:fillRef>
+          <a:effectRef idx="0">
+            <a:schemeClr val="accent1"/>
+          </a:effectRef>
+          <a:fontRef idx="minor">
+            <a:schemeClr val="lt1"/>
+          </a:fontRef>
+        </p:style>
+        <p:txBody>
+          <a:bodyPr rtlCol="0" anchor="ctr"/>
+          <a:lstStyle/>
+          <a:p>
+            <a:pPr algn="ctr"/>
+            <a:endParaRPr lang="en-SG"/>
+          </a:p>
+        </p:txBody>
+      </p:sp>
+      <p:sp>
+        <p:nvSpPr>
           <p:cNvPr id="73" name="Rectangle 72">
             <a:extLst>
               <a:ext uri="{FF2B5EF4-FFF2-40B4-BE49-F238E27FC236}">
@@ -6497,7 +6547,7 @@
         <p:spPr>
           <a:xfrm>
             <a:off x="4841817" y="4685213"/>
-            <a:ext cx="2183130" cy="1183736"/>
+            <a:ext cx="2183130" cy="1064924"/>
           </a:xfrm>
           <a:prstGeom prst="rect">
             <a:avLst/>
@@ -6621,8 +6671,8 @@
         </p:blipFill>
         <p:spPr>
           <a:xfrm flipH="1">
-            <a:off x="1634398" y="4171325"/>
-            <a:ext cx="1086101" cy="1161947"/>
+            <a:off x="1747212" y="4085081"/>
+            <a:ext cx="959550" cy="1026558"/>
           </a:xfrm>
           <a:prstGeom prst="rect">
             <a:avLst/>
@@ -6649,7 +6699,7 @@
         <p:spPr>
           <a:xfrm>
             <a:off x="4869180" y="674370"/>
-            <a:ext cx="2040960" cy="1017269"/>
+            <a:ext cx="2146966" cy="1017269"/>
           </a:xfrm>
           <a:prstGeom prst="rect">
             <a:avLst/>
@@ -6703,7 +6753,7 @@
         </p:blipFill>
         <p:spPr>
           <a:xfrm>
-            <a:off x="4982590" y="533904"/>
+            <a:off x="5007226" y="772636"/>
             <a:ext cx="400622" cy="274983"/>
           </a:xfrm>
           <a:prstGeom prst="rect">
@@ -6761,8 +6811,60 @@
         </p:nvSpPr>
         <p:spPr>
           <a:xfrm>
-            <a:off x="5266372" y="1199589"/>
+            <a:off x="5335725" y="1234641"/>
             <a:ext cx="1183005" cy="287243"/>
+          </a:xfrm>
+          <a:prstGeom prst="rect">
+            <a:avLst/>
+          </a:prstGeom>
+          <a:solidFill>
+            <a:schemeClr val="tx1"/>
+          </a:solidFill>
+        </p:spPr>
+        <p:style>
+          <a:lnRef idx="2">
+            <a:schemeClr val="accent1">
+              <a:shade val="50000"/>
+            </a:schemeClr>
+          </a:lnRef>
+          <a:fillRef idx="1">
+            <a:schemeClr val="accent1"/>
+          </a:fillRef>
+          <a:effectRef idx="0">
+            <a:schemeClr val="accent1"/>
+          </a:effectRef>
+          <a:fontRef idx="minor">
+            <a:schemeClr val="lt1"/>
+          </a:fontRef>
+        </p:style>
+        <p:txBody>
+          <a:bodyPr rtlCol="0" anchor="ctr"/>
+          <a:lstStyle/>
+          <a:p>
+            <a:r>
+              <a:rPr lang="en-US" sz="1200" b="1" dirty="0"/>
+              <a:t>PLC Simulator</a:t>
+            </a:r>
+            <a:endParaRPr lang="en-SG" sz="1200" b="1" dirty="0"/>
+          </a:p>
+        </p:txBody>
+      </p:sp>
+      <p:sp>
+        <p:nvSpPr>
+          <p:cNvPr id="16" name="Rectangle 15">
+            <a:extLst>
+              <a:ext uri="{FF2B5EF4-FFF2-40B4-BE49-F238E27FC236}">
+                <a16:creationId xmlns:a16="http://schemas.microsoft.com/office/drawing/2014/main" id="{824BA262-2111-74A7-B361-5F1B0AC2FD8B}"/>
+              </a:ext>
+            </a:extLst>
+          </p:cNvPr>
+          <p:cNvSpPr/>
+          <p:nvPr/>
+        </p:nvSpPr>
+        <p:spPr>
+          <a:xfrm>
+            <a:off x="6773090" y="1205864"/>
+            <a:ext cx="824388" cy="365760"/>
           </a:xfrm>
           <a:prstGeom prst="rect">
             <a:avLst/>
@@ -6795,60 +6897,6 @@
           <a:p>
             <a:r>
               <a:rPr lang="en-US" sz="1200" b="1" dirty="0"/>
-              <a:t>PLC Simulator</a:t>
-            </a:r>
-            <a:endParaRPr lang="en-SG" sz="1200" b="1" dirty="0"/>
-          </a:p>
-        </p:txBody>
-      </p:sp>
-      <p:sp>
-        <p:nvSpPr>
-          <p:cNvPr id="16" name="Rectangle 15">
-            <a:extLst>
-              <a:ext uri="{FF2B5EF4-FFF2-40B4-BE49-F238E27FC236}">
-                <a16:creationId xmlns:a16="http://schemas.microsoft.com/office/drawing/2014/main" id="{824BA262-2111-74A7-B361-5F1B0AC2FD8B}"/>
-              </a:ext>
-            </a:extLst>
-          </p:cNvPr>
-          <p:cNvSpPr/>
-          <p:nvPr/>
-        </p:nvSpPr>
-        <p:spPr>
-          <a:xfrm>
-            <a:off x="6593682" y="1199589"/>
-            <a:ext cx="824388" cy="365760"/>
-          </a:xfrm>
-          <a:prstGeom prst="rect">
-            <a:avLst/>
-          </a:prstGeom>
-          <a:solidFill>
-            <a:schemeClr val="accent6">
-              <a:lumMod val="75000"/>
-            </a:schemeClr>
-          </a:solidFill>
-        </p:spPr>
-        <p:style>
-          <a:lnRef idx="2">
-            <a:schemeClr val="accent1">
-              <a:shade val="50000"/>
-            </a:schemeClr>
-          </a:lnRef>
-          <a:fillRef idx="1">
-            <a:schemeClr val="accent1"/>
-          </a:fillRef>
-          <a:effectRef idx="0">
-            <a:schemeClr val="accent1"/>
-          </a:effectRef>
-          <a:fontRef idx="minor">
-            <a:schemeClr val="lt1"/>
-          </a:fontRef>
-        </p:style>
-        <p:txBody>
-          <a:bodyPr rtlCol="0" anchor="ctr"/>
-          <a:lstStyle/>
-          <a:p>
-            <a:r>
-              <a:rPr lang="en-US" sz="1200" b="1" dirty="0"/>
               <a:t>Modbus Interface</a:t>
             </a:r>
             <a:endParaRPr lang="en-SG" sz="1200" b="1" dirty="0"/>
@@ -6876,9 +6924,7 @@
             <a:avLst/>
           </a:prstGeom>
           <a:solidFill>
-            <a:schemeClr val="accent6">
-              <a:lumMod val="75000"/>
-            </a:schemeClr>
+            <a:schemeClr val="accent2"/>
           </a:solidFill>
         </p:spPr>
         <p:style>
@@ -7089,7 +7135,7 @@
         </p:blipFill>
         <p:spPr>
           <a:xfrm>
-            <a:off x="4919120" y="1776251"/>
+            <a:off x="4965797" y="2016532"/>
             <a:ext cx="477824" cy="443694"/>
           </a:xfrm>
           <a:prstGeom prst="rect">
@@ -7111,8 +7157,60 @@
         </p:nvSpPr>
         <p:spPr>
           <a:xfrm>
-            <a:off x="5445821" y="2259496"/>
+            <a:off x="5544683" y="2259151"/>
             <a:ext cx="1289026" cy="287243"/>
+          </a:xfrm>
+          <a:prstGeom prst="rect">
+            <a:avLst/>
+          </a:prstGeom>
+          <a:solidFill>
+            <a:schemeClr val="tx1"/>
+          </a:solidFill>
+        </p:spPr>
+        <p:style>
+          <a:lnRef idx="2">
+            <a:schemeClr val="accent1">
+              <a:shade val="50000"/>
+            </a:schemeClr>
+          </a:lnRef>
+          <a:fillRef idx="1">
+            <a:schemeClr val="accent1"/>
+          </a:fillRef>
+          <a:effectRef idx="0">
+            <a:schemeClr val="accent1"/>
+          </a:effectRef>
+          <a:fontRef idx="minor">
+            <a:schemeClr val="lt1"/>
+          </a:fontRef>
+        </p:style>
+        <p:txBody>
+          <a:bodyPr rtlCol="0" anchor="ctr"/>
+          <a:lstStyle/>
+          <a:p>
+            <a:r>
+              <a:rPr lang="en-US" sz="1200" b="1" dirty="0"/>
+              <a:t>PLC Simulator</a:t>
+            </a:r>
+            <a:endParaRPr lang="en-SG" sz="1200" b="1" dirty="0"/>
+          </a:p>
+        </p:txBody>
+      </p:sp>
+      <p:sp>
+        <p:nvSpPr>
+          <p:cNvPr id="28" name="Rectangle 27">
+            <a:extLst>
+              <a:ext uri="{FF2B5EF4-FFF2-40B4-BE49-F238E27FC236}">
+                <a16:creationId xmlns:a16="http://schemas.microsoft.com/office/drawing/2014/main" id="{FDB13330-634B-BB48-B026-94D3183DC4C4}"/>
+              </a:ext>
+            </a:extLst>
+          </p:cNvPr>
+          <p:cNvSpPr/>
+          <p:nvPr/>
+        </p:nvSpPr>
+        <p:spPr>
+          <a:xfrm>
+            <a:off x="6655535" y="2622132"/>
+            <a:ext cx="824388" cy="365760"/>
           </a:xfrm>
           <a:prstGeom prst="rect">
             <a:avLst/>
@@ -7145,60 +7243,6 @@
           <a:p>
             <a:r>
               <a:rPr lang="en-US" sz="1200" b="1" dirty="0"/>
-              <a:t>PLC Simulator</a:t>
-            </a:r>
-            <a:endParaRPr lang="en-SG" sz="1200" b="1" dirty="0"/>
-          </a:p>
-        </p:txBody>
-      </p:sp>
-      <p:sp>
-        <p:nvSpPr>
-          <p:cNvPr id="28" name="Rectangle 27">
-            <a:extLst>
-              <a:ext uri="{FF2B5EF4-FFF2-40B4-BE49-F238E27FC236}">
-                <a16:creationId xmlns:a16="http://schemas.microsoft.com/office/drawing/2014/main" id="{FDB13330-634B-BB48-B026-94D3183DC4C4}"/>
-              </a:ext>
-            </a:extLst>
-          </p:cNvPr>
-          <p:cNvSpPr/>
-          <p:nvPr/>
-        </p:nvSpPr>
-        <p:spPr>
-          <a:xfrm>
-            <a:off x="6655535" y="2622132"/>
-            <a:ext cx="824388" cy="365760"/>
-          </a:xfrm>
-          <a:prstGeom prst="rect">
-            <a:avLst/>
-          </a:prstGeom>
-          <a:solidFill>
-            <a:schemeClr val="accent6">
-              <a:lumMod val="75000"/>
-            </a:schemeClr>
-          </a:solidFill>
-        </p:spPr>
-        <p:style>
-          <a:lnRef idx="2">
-            <a:schemeClr val="accent1">
-              <a:shade val="50000"/>
-            </a:schemeClr>
-          </a:lnRef>
-          <a:fillRef idx="1">
-            <a:schemeClr val="accent1"/>
-          </a:fillRef>
-          <a:effectRef idx="0">
-            <a:schemeClr val="accent1"/>
-          </a:effectRef>
-          <a:fontRef idx="minor">
-            <a:schemeClr val="lt1"/>
-          </a:fontRef>
-        </p:style>
-        <p:txBody>
-          <a:bodyPr rtlCol="0" anchor="ctr"/>
-          <a:lstStyle/>
-          <a:p>
-            <a:r>
-              <a:rPr lang="en-US" sz="1200" b="1" dirty="0"/>
               <a:t>Modbus Interface</a:t>
             </a:r>
             <a:endParaRPr lang="en-SG" sz="1200" b="1" dirty="0"/>
@@ -7226,9 +7270,7 @@
             <a:avLst/>
           </a:prstGeom>
           <a:solidFill>
-            <a:schemeClr val="accent6">
-              <a:lumMod val="75000"/>
-            </a:schemeClr>
+            <a:schemeClr val="accent2"/>
           </a:solidFill>
         </p:spPr>
         <p:style>
@@ -7517,9 +7559,7 @@
             <a:avLst/>
           </a:prstGeom>
           <a:solidFill>
-            <a:schemeClr val="accent6">
-              <a:lumMod val="75000"/>
-            </a:schemeClr>
+            <a:schemeClr val="tx1"/>
           </a:solidFill>
         </p:spPr>
         <p:style>
@@ -7571,8 +7611,9 @@
             <a:avLst/>
           </a:prstGeom>
           <a:solidFill>
-            <a:schemeClr val="accent6">
+            <a:schemeClr val="tx2">
               <a:lumMod val="75000"/>
+              <a:lumOff val="25000"/>
             </a:schemeClr>
           </a:solidFill>
         </p:spPr>
@@ -7618,8 +7659,8 @@
         </p:nvSpPr>
         <p:spPr>
           <a:xfrm>
-            <a:off x="1519886" y="3581598"/>
-            <a:ext cx="2536662" cy="523220"/>
+            <a:off x="1529467" y="3498592"/>
+            <a:ext cx="1927235" cy="523220"/>
           </a:xfrm>
           <a:prstGeom prst="rect">
             <a:avLst/>
@@ -7744,6 +7785,11 @@
           <a:prstGeom prst="rect">
             <a:avLst/>
           </a:prstGeom>
+          <a:ln w="6350">
+            <a:solidFill>
+              <a:schemeClr val="tx1"/>
+            </a:solidFill>
+          </a:ln>
         </p:spPr>
       </p:pic>
       <p:sp>
@@ -7762,6 +7808,334 @@
           <a:xfrm>
             <a:off x="4945790" y="4085081"/>
             <a:ext cx="1289026" cy="287243"/>
+          </a:xfrm>
+          <a:prstGeom prst="rect">
+            <a:avLst/>
+          </a:prstGeom>
+          <a:solidFill>
+            <a:schemeClr val="accent2"/>
+          </a:solidFill>
+        </p:spPr>
+        <p:style>
+          <a:lnRef idx="2">
+            <a:schemeClr val="accent1">
+              <a:shade val="50000"/>
+            </a:schemeClr>
+          </a:lnRef>
+          <a:fillRef idx="1">
+            <a:schemeClr val="accent1"/>
+          </a:fillRef>
+          <a:effectRef idx="0">
+            <a:schemeClr val="accent1"/>
+          </a:effectRef>
+          <a:fontRef idx="minor">
+            <a:schemeClr val="lt1"/>
+          </a:fontRef>
+        </p:style>
+        <p:txBody>
+          <a:bodyPr rtlCol="0" anchor="ctr"/>
+          <a:lstStyle/>
+          <a:p>
+            <a:r>
+              <a:rPr lang="en-US" sz="1200" b="1" dirty="0"/>
+              <a:t>GPIO interface</a:t>
+            </a:r>
+            <a:endParaRPr lang="en-SG" sz="1200" b="1" dirty="0"/>
+          </a:p>
+        </p:txBody>
+      </p:sp>
+      <p:sp>
+        <p:nvSpPr>
+          <p:cNvPr id="61" name="Rectangle 60">
+            <a:extLst>
+              <a:ext uri="{FF2B5EF4-FFF2-40B4-BE49-F238E27FC236}">
+                <a16:creationId xmlns:a16="http://schemas.microsoft.com/office/drawing/2014/main" id="{5DAAA7BF-D935-AB90-5E85-D3403E06BB2E}"/>
+              </a:ext>
+            </a:extLst>
+          </p:cNvPr>
+          <p:cNvSpPr/>
+          <p:nvPr/>
+        </p:nvSpPr>
+        <p:spPr>
+          <a:xfrm>
+            <a:off x="4413415" y="3648137"/>
+            <a:ext cx="824388" cy="365760"/>
+          </a:xfrm>
+          <a:prstGeom prst="rect">
+            <a:avLst/>
+          </a:prstGeom>
+          <a:solidFill>
+            <a:schemeClr val="accent2"/>
+          </a:solidFill>
+        </p:spPr>
+        <p:style>
+          <a:lnRef idx="2">
+            <a:schemeClr val="accent1">
+              <a:shade val="50000"/>
+            </a:schemeClr>
+          </a:lnRef>
+          <a:fillRef idx="1">
+            <a:schemeClr val="accent1"/>
+          </a:fillRef>
+          <a:effectRef idx="0">
+            <a:schemeClr val="accent1"/>
+          </a:effectRef>
+          <a:fontRef idx="minor">
+            <a:schemeClr val="lt1"/>
+          </a:fontRef>
+        </p:style>
+        <p:txBody>
+          <a:bodyPr rtlCol="0" anchor="ctr"/>
+          <a:lstStyle/>
+          <a:p>
+            <a:r>
+              <a:rPr lang="en-US" sz="1200" b="1" dirty="0"/>
+              <a:t>UDP/TCP Interface</a:t>
+            </a:r>
+            <a:endParaRPr lang="en-SG" sz="1200" b="1" dirty="0"/>
+          </a:p>
+        </p:txBody>
+      </p:sp>
+      <p:cxnSp>
+        <p:nvCxnSpPr>
+          <p:cNvPr id="63" name="Connector: Elbow 62">
+            <a:extLst>
+              <a:ext uri="{FF2B5EF4-FFF2-40B4-BE49-F238E27FC236}">
+                <a16:creationId xmlns:a16="http://schemas.microsoft.com/office/drawing/2014/main" id="{F6B068C6-41FC-CB18-02EB-86211BC402CD}"/>
+              </a:ext>
+            </a:extLst>
+          </p:cNvPr>
+          <p:cNvCxnSpPr>
+            <a:cxnSpLocks/>
+            <a:stCxn id="61" idx="1"/>
+            <a:endCxn id="19" idx="0"/>
+          </p:cNvCxnSpPr>
+          <p:nvPr/>
+        </p:nvCxnSpPr>
+        <p:spPr>
+          <a:xfrm rot="10800000">
+            <a:off x="3320857" y="1205865"/>
+            <a:ext cx="1092558" cy="2625153"/>
+          </a:xfrm>
+          <a:prstGeom prst="bentConnector4">
+            <a:avLst>
+              <a:gd name="adj1" fmla="val 31136"/>
+              <a:gd name="adj2" fmla="val 88679"/>
+            </a:avLst>
+          </a:prstGeom>
+        </p:spPr>
+        <p:style>
+          <a:lnRef idx="2">
+            <a:schemeClr val="accent1"/>
+          </a:lnRef>
+          <a:fillRef idx="0">
+            <a:schemeClr val="accent1"/>
+          </a:fillRef>
+          <a:effectRef idx="1">
+            <a:schemeClr val="accent1"/>
+          </a:effectRef>
+          <a:fontRef idx="minor">
+            <a:schemeClr val="tx1"/>
+          </a:fontRef>
+        </p:style>
+      </p:cxnSp>
+      <p:cxnSp>
+        <p:nvCxnSpPr>
+          <p:cNvPr id="64" name="Connector: Elbow 63">
+            <a:extLst>
+              <a:ext uri="{FF2B5EF4-FFF2-40B4-BE49-F238E27FC236}">
+                <a16:creationId xmlns:a16="http://schemas.microsoft.com/office/drawing/2014/main" id="{B17E54AF-93E0-73F5-EEA0-B71AEA3D18C9}"/>
+              </a:ext>
+            </a:extLst>
+          </p:cNvPr>
+          <p:cNvCxnSpPr>
+            <a:cxnSpLocks/>
+            <a:stCxn id="59" idx="1"/>
+          </p:cNvCxnSpPr>
+          <p:nvPr/>
+        </p:nvCxnSpPr>
+        <p:spPr>
+          <a:xfrm rot="10800000">
+            <a:off x="3237120" y="3048621"/>
+            <a:ext cx="1708670" cy="1180083"/>
+          </a:xfrm>
+          <a:prstGeom prst="bentConnector3">
+            <a:avLst>
+              <a:gd name="adj1" fmla="val 60034"/>
+            </a:avLst>
+          </a:prstGeom>
+        </p:spPr>
+        <p:style>
+          <a:lnRef idx="2">
+            <a:schemeClr val="accent1"/>
+          </a:lnRef>
+          <a:fillRef idx="0">
+            <a:schemeClr val="accent1"/>
+          </a:fillRef>
+          <a:effectRef idx="1">
+            <a:schemeClr val="accent1"/>
+          </a:effectRef>
+          <a:fontRef idx="minor">
+            <a:schemeClr val="tx1"/>
+          </a:fontRef>
+        </p:style>
+      </p:cxnSp>
+      <p:sp>
+        <p:nvSpPr>
+          <p:cNvPr id="19" name="Rectangle 18">
+            <a:extLst>
+              <a:ext uri="{FF2B5EF4-FFF2-40B4-BE49-F238E27FC236}">
+                <a16:creationId xmlns:a16="http://schemas.microsoft.com/office/drawing/2014/main" id="{C60A1D16-D76C-B148-2572-923F1569B90D}"/>
+              </a:ext>
+            </a:extLst>
+          </p:cNvPr>
+          <p:cNvSpPr/>
+          <p:nvPr/>
+        </p:nvSpPr>
+        <p:spPr>
+          <a:xfrm>
+            <a:off x="2908663" y="1205864"/>
+            <a:ext cx="824388" cy="365760"/>
+          </a:xfrm>
+          <a:prstGeom prst="rect">
+            <a:avLst/>
+          </a:prstGeom>
+          <a:solidFill>
+            <a:schemeClr val="accent2"/>
+          </a:solidFill>
+        </p:spPr>
+        <p:style>
+          <a:lnRef idx="2">
+            <a:schemeClr val="accent1">
+              <a:shade val="50000"/>
+            </a:schemeClr>
+          </a:lnRef>
+          <a:fillRef idx="1">
+            <a:schemeClr val="accent1"/>
+          </a:fillRef>
+          <a:effectRef idx="0">
+            <a:schemeClr val="accent1"/>
+          </a:effectRef>
+          <a:fontRef idx="minor">
+            <a:schemeClr val="lt1"/>
+          </a:fontRef>
+        </p:style>
+        <p:txBody>
+          <a:bodyPr rtlCol="0" anchor="ctr"/>
+          <a:lstStyle/>
+          <a:p>
+            <a:r>
+              <a:rPr lang="en-US" sz="1100" b="1" dirty="0"/>
+              <a:t>UDP/TCP Interface</a:t>
+            </a:r>
+            <a:endParaRPr lang="en-SG" sz="1100" b="1" dirty="0"/>
+          </a:p>
+        </p:txBody>
+      </p:sp>
+      <p:sp>
+        <p:nvSpPr>
+          <p:cNvPr id="74" name="TextBox 73">
+            <a:extLst>
+              <a:ext uri="{FF2B5EF4-FFF2-40B4-BE49-F238E27FC236}">
+                <a16:creationId xmlns:a16="http://schemas.microsoft.com/office/drawing/2014/main" id="{EB9DAAB2-0CB1-76B4-969C-D28B8CA66855}"/>
+              </a:ext>
+            </a:extLst>
+          </p:cNvPr>
+          <p:cNvSpPr txBox="1"/>
+          <p:nvPr/>
+        </p:nvSpPr>
+        <p:spPr>
+          <a:xfrm>
+            <a:off x="5350075" y="4729250"/>
+            <a:ext cx="1283656" cy="307777"/>
+          </a:xfrm>
+          <a:prstGeom prst="rect">
+            <a:avLst/>
+          </a:prstGeom>
+          <a:noFill/>
+        </p:spPr>
+        <p:txBody>
+          <a:bodyPr wrap="square" rtlCol="0">
+            <a:spAutoFit/>
+          </a:bodyPr>
+          <a:lstStyle/>
+          <a:p>
+            <a:r>
+              <a:rPr lang="en-US" sz="1400" b="1" dirty="0"/>
+              <a:t>Linus server</a:t>
+            </a:r>
+            <a:endParaRPr lang="en-SG" sz="1400" b="1" dirty="0"/>
+          </a:p>
+        </p:txBody>
+      </p:sp>
+      <p:sp>
+        <p:nvSpPr>
+          <p:cNvPr id="75" name="Rectangle 74">
+            <a:extLst>
+              <a:ext uri="{FF2B5EF4-FFF2-40B4-BE49-F238E27FC236}">
+                <a16:creationId xmlns:a16="http://schemas.microsoft.com/office/drawing/2014/main" id="{28551C2C-3580-9385-BF20-47FD4F1A6250}"/>
+              </a:ext>
+            </a:extLst>
+          </p:cNvPr>
+          <p:cNvSpPr/>
+          <p:nvPr/>
+        </p:nvSpPr>
+        <p:spPr>
+          <a:xfrm>
+            <a:off x="5341879" y="5029243"/>
+            <a:ext cx="1251803" cy="287243"/>
+          </a:xfrm>
+          <a:prstGeom prst="rect">
+            <a:avLst/>
+          </a:prstGeom>
+          <a:solidFill>
+            <a:schemeClr val="tx1"/>
+          </a:solidFill>
+        </p:spPr>
+        <p:style>
+          <a:lnRef idx="2">
+            <a:schemeClr val="accent1">
+              <a:shade val="50000"/>
+            </a:schemeClr>
+          </a:lnRef>
+          <a:fillRef idx="1">
+            <a:schemeClr val="accent1"/>
+          </a:fillRef>
+          <a:effectRef idx="0">
+            <a:schemeClr val="accent1"/>
+          </a:effectRef>
+          <a:fontRef idx="minor">
+            <a:schemeClr val="lt1"/>
+          </a:fontRef>
+        </p:style>
+        <p:txBody>
+          <a:bodyPr rtlCol="0" anchor="ctr"/>
+          <a:lstStyle/>
+          <a:p>
+            <a:r>
+              <a:rPr lang="en-US" sz="1200" b="1" dirty="0"/>
+              <a:t>RTU  Simulator</a:t>
+            </a:r>
+            <a:endParaRPr lang="en-SG" sz="1200" b="1" dirty="0"/>
+          </a:p>
+        </p:txBody>
+      </p:sp>
+      <p:sp>
+        <p:nvSpPr>
+          <p:cNvPr id="76" name="Rectangle 75">
+            <a:extLst>
+              <a:ext uri="{FF2B5EF4-FFF2-40B4-BE49-F238E27FC236}">
+                <a16:creationId xmlns:a16="http://schemas.microsoft.com/office/drawing/2014/main" id="{F8CE376C-EAE1-792B-E562-AE1488E1641E}"/>
+              </a:ext>
+            </a:extLst>
+          </p:cNvPr>
+          <p:cNvSpPr/>
+          <p:nvPr/>
+        </p:nvSpPr>
+        <p:spPr>
+          <a:xfrm>
+            <a:off x="6688240" y="4739404"/>
+            <a:ext cx="824388" cy="365760"/>
           </a:xfrm>
           <a:prstGeom prst="rect">
             <a:avLst/>
@@ -7794,342 +8168,6 @@
           <a:p>
             <a:r>
               <a:rPr lang="en-US" sz="1200" b="1" dirty="0"/>
-              <a:t>GPIO interface</a:t>
-            </a:r>
-            <a:endParaRPr lang="en-SG" sz="1200" b="1" dirty="0"/>
-          </a:p>
-        </p:txBody>
-      </p:sp>
-      <p:sp>
-        <p:nvSpPr>
-          <p:cNvPr id="61" name="Rectangle 60">
-            <a:extLst>
-              <a:ext uri="{FF2B5EF4-FFF2-40B4-BE49-F238E27FC236}">
-                <a16:creationId xmlns:a16="http://schemas.microsoft.com/office/drawing/2014/main" id="{5DAAA7BF-D935-AB90-5E85-D3403E06BB2E}"/>
-              </a:ext>
-            </a:extLst>
-          </p:cNvPr>
-          <p:cNvSpPr/>
-          <p:nvPr/>
-        </p:nvSpPr>
-        <p:spPr>
-          <a:xfrm>
-            <a:off x="4413415" y="3648137"/>
-            <a:ext cx="824388" cy="365760"/>
-          </a:xfrm>
-          <a:prstGeom prst="rect">
-            <a:avLst/>
-          </a:prstGeom>
-          <a:solidFill>
-            <a:schemeClr val="accent6">
-              <a:lumMod val="75000"/>
-            </a:schemeClr>
-          </a:solidFill>
-        </p:spPr>
-        <p:style>
-          <a:lnRef idx="2">
-            <a:schemeClr val="accent1">
-              <a:shade val="50000"/>
-            </a:schemeClr>
-          </a:lnRef>
-          <a:fillRef idx="1">
-            <a:schemeClr val="accent1"/>
-          </a:fillRef>
-          <a:effectRef idx="0">
-            <a:schemeClr val="accent1"/>
-          </a:effectRef>
-          <a:fontRef idx="minor">
-            <a:schemeClr val="lt1"/>
-          </a:fontRef>
-        </p:style>
-        <p:txBody>
-          <a:bodyPr rtlCol="0" anchor="ctr"/>
-          <a:lstStyle/>
-          <a:p>
-            <a:r>
-              <a:rPr lang="en-US" sz="1200" b="1" dirty="0"/>
-              <a:t>UDP/TCP Interface</a:t>
-            </a:r>
-            <a:endParaRPr lang="en-SG" sz="1200" b="1" dirty="0"/>
-          </a:p>
-        </p:txBody>
-      </p:sp>
-      <p:cxnSp>
-        <p:nvCxnSpPr>
-          <p:cNvPr id="63" name="Connector: Elbow 62">
-            <a:extLst>
-              <a:ext uri="{FF2B5EF4-FFF2-40B4-BE49-F238E27FC236}">
-                <a16:creationId xmlns:a16="http://schemas.microsoft.com/office/drawing/2014/main" id="{F6B068C6-41FC-CB18-02EB-86211BC402CD}"/>
-              </a:ext>
-            </a:extLst>
-          </p:cNvPr>
-          <p:cNvCxnSpPr>
-            <a:cxnSpLocks/>
-            <a:stCxn id="61" idx="1"/>
-            <a:endCxn id="19" idx="0"/>
-          </p:cNvCxnSpPr>
-          <p:nvPr/>
-        </p:nvCxnSpPr>
-        <p:spPr>
-          <a:xfrm rot="10800000">
-            <a:off x="3320857" y="1205865"/>
-            <a:ext cx="1092558" cy="2625153"/>
-          </a:xfrm>
-          <a:prstGeom prst="bentConnector4">
-            <a:avLst>
-              <a:gd name="adj1" fmla="val 31136"/>
-              <a:gd name="adj2" fmla="val 86067"/>
-            </a:avLst>
-          </a:prstGeom>
-        </p:spPr>
-        <p:style>
-          <a:lnRef idx="2">
-            <a:schemeClr val="accent1"/>
-          </a:lnRef>
-          <a:fillRef idx="0">
-            <a:schemeClr val="accent1"/>
-          </a:fillRef>
-          <a:effectRef idx="1">
-            <a:schemeClr val="accent1"/>
-          </a:effectRef>
-          <a:fontRef idx="minor">
-            <a:schemeClr val="tx1"/>
-          </a:fontRef>
-        </p:style>
-      </p:cxnSp>
-      <p:cxnSp>
-        <p:nvCxnSpPr>
-          <p:cNvPr id="64" name="Connector: Elbow 63">
-            <a:extLst>
-              <a:ext uri="{FF2B5EF4-FFF2-40B4-BE49-F238E27FC236}">
-                <a16:creationId xmlns:a16="http://schemas.microsoft.com/office/drawing/2014/main" id="{B17E54AF-93E0-73F5-EEA0-B71AEA3D18C9}"/>
-              </a:ext>
-            </a:extLst>
-          </p:cNvPr>
-          <p:cNvCxnSpPr>
-            <a:cxnSpLocks/>
-            <a:stCxn id="59" idx="1"/>
-          </p:cNvCxnSpPr>
-          <p:nvPr/>
-        </p:nvCxnSpPr>
-        <p:spPr>
-          <a:xfrm rot="10800000">
-            <a:off x="3237120" y="3048621"/>
-            <a:ext cx="1708670" cy="1180083"/>
-          </a:xfrm>
-          <a:prstGeom prst="bentConnector3">
-            <a:avLst>
-              <a:gd name="adj1" fmla="val 60034"/>
-            </a:avLst>
-          </a:prstGeom>
-        </p:spPr>
-        <p:style>
-          <a:lnRef idx="2">
-            <a:schemeClr val="accent1"/>
-          </a:lnRef>
-          <a:fillRef idx="0">
-            <a:schemeClr val="accent1"/>
-          </a:fillRef>
-          <a:effectRef idx="1">
-            <a:schemeClr val="accent1"/>
-          </a:effectRef>
-          <a:fontRef idx="minor">
-            <a:schemeClr val="tx1"/>
-          </a:fontRef>
-        </p:style>
-      </p:cxnSp>
-      <p:sp>
-        <p:nvSpPr>
-          <p:cNvPr id="19" name="Rectangle 18">
-            <a:extLst>
-              <a:ext uri="{FF2B5EF4-FFF2-40B4-BE49-F238E27FC236}">
-                <a16:creationId xmlns:a16="http://schemas.microsoft.com/office/drawing/2014/main" id="{C60A1D16-D76C-B148-2572-923F1569B90D}"/>
-              </a:ext>
-            </a:extLst>
-          </p:cNvPr>
-          <p:cNvSpPr/>
-          <p:nvPr/>
-        </p:nvSpPr>
-        <p:spPr>
-          <a:xfrm>
-            <a:off x="2908663" y="1205864"/>
-            <a:ext cx="824388" cy="365760"/>
-          </a:xfrm>
-          <a:prstGeom prst="rect">
-            <a:avLst/>
-          </a:prstGeom>
-          <a:solidFill>
-            <a:schemeClr val="accent6">
-              <a:lumMod val="75000"/>
-            </a:schemeClr>
-          </a:solidFill>
-        </p:spPr>
-        <p:style>
-          <a:lnRef idx="2">
-            <a:schemeClr val="accent1">
-              <a:shade val="50000"/>
-            </a:schemeClr>
-          </a:lnRef>
-          <a:fillRef idx="1">
-            <a:schemeClr val="accent1"/>
-          </a:fillRef>
-          <a:effectRef idx="0">
-            <a:schemeClr val="accent1"/>
-          </a:effectRef>
-          <a:fontRef idx="minor">
-            <a:schemeClr val="lt1"/>
-          </a:fontRef>
-        </p:style>
-        <p:txBody>
-          <a:bodyPr rtlCol="0" anchor="ctr"/>
-          <a:lstStyle/>
-          <a:p>
-            <a:r>
-              <a:rPr lang="en-US" sz="1200" b="1" dirty="0"/>
-              <a:t>UDP/TCP Interface</a:t>
-            </a:r>
-            <a:endParaRPr lang="en-SG" sz="1200" b="1" dirty="0"/>
-          </a:p>
-        </p:txBody>
-      </p:sp>
-      <p:sp>
-        <p:nvSpPr>
-          <p:cNvPr id="74" name="TextBox 73">
-            <a:extLst>
-              <a:ext uri="{FF2B5EF4-FFF2-40B4-BE49-F238E27FC236}">
-                <a16:creationId xmlns:a16="http://schemas.microsoft.com/office/drawing/2014/main" id="{EB9DAAB2-0CB1-76B4-969C-D28B8CA66855}"/>
-              </a:ext>
-            </a:extLst>
-          </p:cNvPr>
-          <p:cNvSpPr txBox="1"/>
-          <p:nvPr/>
-        </p:nvSpPr>
-        <p:spPr>
-          <a:xfrm>
-            <a:off x="5383212" y="4713083"/>
-            <a:ext cx="1709603" cy="307777"/>
-          </a:xfrm>
-          <a:prstGeom prst="rect">
-            <a:avLst/>
-          </a:prstGeom>
-          <a:noFill/>
-        </p:spPr>
-        <p:txBody>
-          <a:bodyPr wrap="square" rtlCol="0">
-            <a:spAutoFit/>
-          </a:bodyPr>
-          <a:lstStyle/>
-          <a:p>
-            <a:r>
-              <a:rPr lang="en-US" sz="1400" b="1" dirty="0"/>
-              <a:t>Linus server</a:t>
-            </a:r>
-            <a:endParaRPr lang="en-SG" sz="1400" b="1" dirty="0"/>
-          </a:p>
-        </p:txBody>
-      </p:sp>
-      <p:sp>
-        <p:nvSpPr>
-          <p:cNvPr id="75" name="Rectangle 74">
-            <a:extLst>
-              <a:ext uri="{FF2B5EF4-FFF2-40B4-BE49-F238E27FC236}">
-                <a16:creationId xmlns:a16="http://schemas.microsoft.com/office/drawing/2014/main" id="{28551C2C-3580-9385-BF20-47FD4F1A6250}"/>
-              </a:ext>
-            </a:extLst>
-          </p:cNvPr>
-          <p:cNvSpPr/>
-          <p:nvPr/>
-        </p:nvSpPr>
-        <p:spPr>
-          <a:xfrm>
-            <a:off x="5341879" y="5029243"/>
-            <a:ext cx="1183005" cy="287243"/>
-          </a:xfrm>
-          <a:prstGeom prst="rect">
-            <a:avLst/>
-          </a:prstGeom>
-          <a:solidFill>
-            <a:schemeClr val="accent6">
-              <a:lumMod val="75000"/>
-            </a:schemeClr>
-          </a:solidFill>
-        </p:spPr>
-        <p:style>
-          <a:lnRef idx="2">
-            <a:schemeClr val="accent1">
-              <a:shade val="50000"/>
-            </a:schemeClr>
-          </a:lnRef>
-          <a:fillRef idx="1">
-            <a:schemeClr val="accent1"/>
-          </a:fillRef>
-          <a:effectRef idx="0">
-            <a:schemeClr val="accent1"/>
-          </a:effectRef>
-          <a:fontRef idx="minor">
-            <a:schemeClr val="lt1"/>
-          </a:fontRef>
-        </p:style>
-        <p:txBody>
-          <a:bodyPr rtlCol="0" anchor="ctr"/>
-          <a:lstStyle/>
-          <a:p>
-            <a:r>
-              <a:rPr lang="en-US" sz="1200" b="1" dirty="0"/>
-              <a:t>PLC Simulator</a:t>
-            </a:r>
-            <a:endParaRPr lang="en-SG" sz="1200" b="1" dirty="0"/>
-          </a:p>
-        </p:txBody>
-      </p:sp>
-      <p:sp>
-        <p:nvSpPr>
-          <p:cNvPr id="76" name="Rectangle 75">
-            <a:extLst>
-              <a:ext uri="{FF2B5EF4-FFF2-40B4-BE49-F238E27FC236}">
-                <a16:creationId xmlns:a16="http://schemas.microsoft.com/office/drawing/2014/main" id="{F8CE376C-EAE1-792B-E562-AE1488E1641E}"/>
-              </a:ext>
-            </a:extLst>
-          </p:cNvPr>
-          <p:cNvSpPr/>
-          <p:nvPr/>
-        </p:nvSpPr>
-        <p:spPr>
-          <a:xfrm>
-            <a:off x="6700621" y="4865850"/>
-            <a:ext cx="824388" cy="365760"/>
-          </a:xfrm>
-          <a:prstGeom prst="rect">
-            <a:avLst/>
-          </a:prstGeom>
-          <a:solidFill>
-            <a:schemeClr val="accent6">
-              <a:lumMod val="75000"/>
-            </a:schemeClr>
-          </a:solidFill>
-        </p:spPr>
-        <p:style>
-          <a:lnRef idx="2">
-            <a:schemeClr val="accent1">
-              <a:shade val="50000"/>
-            </a:schemeClr>
-          </a:lnRef>
-          <a:fillRef idx="1">
-            <a:schemeClr val="accent1"/>
-          </a:fillRef>
-          <a:effectRef idx="0">
-            <a:schemeClr val="accent1"/>
-          </a:effectRef>
-          <a:fontRef idx="minor">
-            <a:schemeClr val="lt1"/>
-          </a:fontRef>
-        </p:style>
-        <p:txBody>
-          <a:bodyPr rtlCol="0" anchor="ctr"/>
-          <a:lstStyle/>
-          <a:p>
-            <a:r>
-              <a:rPr lang="en-US" sz="1200" b="1" dirty="0"/>
               <a:t>Modbus Interface</a:t>
             </a:r>
             <a:endParaRPr lang="en-SG" sz="1200" b="1" dirty="0"/>
@@ -8150,15 +8188,16 @@
         </p:nvSpPr>
         <p:spPr>
           <a:xfrm>
-            <a:off x="6694353" y="5384377"/>
+            <a:off x="6716229" y="5257788"/>
             <a:ext cx="824388" cy="365760"/>
           </a:xfrm>
           <a:prstGeom prst="rect">
             <a:avLst/>
           </a:prstGeom>
           <a:solidFill>
-            <a:schemeClr val="accent6">
+            <a:schemeClr val="tx2">
               <a:lumMod val="75000"/>
+              <a:lumOff val="25000"/>
             </a:schemeClr>
           </a:solidFill>
         </p:spPr>
@@ -8389,13 +8428,14 @@
           </p:cNvPr>
           <p:cNvCxnSpPr>
             <a:cxnSpLocks/>
+            <a:stCxn id="16" idx="3"/>
           </p:cNvCxnSpPr>
           <p:nvPr/>
         </p:nvCxnSpPr>
         <p:spPr>
           <a:xfrm>
-            <a:off x="7418070" y="1388744"/>
-            <a:ext cx="641312" cy="0"/>
+            <a:off x="7597478" y="1388744"/>
+            <a:ext cx="461904" cy="0"/>
           </a:xfrm>
           <a:prstGeom prst="line">
             <a:avLst/>
@@ -8470,7 +8510,7 @@
         </p:nvCxnSpPr>
         <p:spPr>
           <a:xfrm>
-            <a:off x="7518741" y="5063250"/>
+            <a:off x="7505282" y="4866511"/>
             <a:ext cx="554100" cy="0"/>
           </a:xfrm>
           <a:prstGeom prst="line">
@@ -8549,7 +8589,7 @@
         </p:nvCxnSpPr>
         <p:spPr>
           <a:xfrm>
-            <a:off x="7524776" y="5567257"/>
+            <a:off x="7540617" y="5452957"/>
             <a:ext cx="1143207" cy="0"/>
           </a:xfrm>
           <a:prstGeom prst="line">
@@ -8732,8 +8772,9 @@
             <a:avLst/>
           </a:prstGeom>
           <a:solidFill>
-            <a:schemeClr val="accent6">
+            <a:schemeClr val="tx2">
               <a:lumMod val="75000"/>
+              <a:lumOff val="25000"/>
             </a:schemeClr>
           </a:solidFill>
         </p:spPr>
@@ -8950,8 +8991,9 @@
             <a:avLst/>
           </a:prstGeom>
           <a:solidFill>
-            <a:schemeClr val="accent6">
+            <a:schemeClr val="tx2">
               <a:lumMod val="75000"/>
+              <a:lumOff val="25000"/>
             </a:schemeClr>
           </a:solidFill>
         </p:spPr>
@@ -9039,7 +9081,7 @@
         <p:spPr>
           <a:xfrm>
             <a:off x="9310970" y="4127418"/>
-            <a:ext cx="1489498" cy="1132586"/>
+            <a:ext cx="1489498" cy="1030541"/>
           </a:xfrm>
           <a:prstGeom prst="rect">
             <a:avLst/>
@@ -9172,13 +9214,12 @@
           </p:cNvPr>
           <p:cNvCxnSpPr>
             <a:cxnSpLocks/>
-            <a:endCxn id="118" idx="1"/>
           </p:cNvCxnSpPr>
           <p:nvPr/>
         </p:nvCxnSpPr>
         <p:spPr>
           <a:xfrm>
-            <a:off x="8072841" y="4929820"/>
+            <a:off x="8086651" y="5020400"/>
             <a:ext cx="1056696" cy="0"/>
           </a:xfrm>
           <a:prstGeom prst="line">
@@ -9214,16 +9255,14 @@
         </p:nvSpPr>
         <p:spPr>
           <a:xfrm>
-            <a:off x="4073677" y="4759628"/>
-            <a:ext cx="1137101" cy="365760"/>
+            <a:off x="4380264" y="4759628"/>
+            <a:ext cx="830514" cy="365760"/>
           </a:xfrm>
           <a:prstGeom prst="rect">
             <a:avLst/>
           </a:prstGeom>
           <a:solidFill>
-            <a:schemeClr val="accent6">
-              <a:lumMod val="75000"/>
-            </a:schemeClr>
+            <a:schemeClr val="accent2"/>
           </a:solidFill>
         </p:spPr>
         <p:style>
@@ -9254,6 +9293,199 @@
           </a:p>
         </p:txBody>
       </p:sp>
+      <p:pic>
+        <p:nvPicPr>
+          <p:cNvPr id="30" name="Picture 29">
+            <a:extLst>
+              <a:ext uri="{FF2B5EF4-FFF2-40B4-BE49-F238E27FC236}">
+                <a16:creationId xmlns:a16="http://schemas.microsoft.com/office/drawing/2014/main" id="{997CDF8A-914D-1DEC-4B42-88617EA5E454}"/>
+              </a:ext>
+            </a:extLst>
+          </p:cNvPr>
+          <p:cNvPicPr>
+            <a:picLocks noChangeAspect="1"/>
+          </p:cNvPicPr>
+          <p:nvPr/>
+        </p:nvPicPr>
+        <p:blipFill>
+          <a:blip r:embed="rId8"/>
+          <a:stretch>
+            <a:fillRect/>
+          </a:stretch>
+        </p:blipFill>
+        <p:spPr>
+          <a:xfrm>
+            <a:off x="2508687" y="5503897"/>
+            <a:ext cx="799952" cy="391879"/>
+          </a:xfrm>
+          <a:prstGeom prst="rect">
+            <a:avLst/>
+          </a:prstGeom>
+        </p:spPr>
+      </p:pic>
+      <p:pic>
+        <p:nvPicPr>
+          <p:cNvPr id="35" name="Picture 34">
+            <a:extLst>
+              <a:ext uri="{FF2B5EF4-FFF2-40B4-BE49-F238E27FC236}">
+                <a16:creationId xmlns:a16="http://schemas.microsoft.com/office/drawing/2014/main" id="{54774180-BF9F-DF68-DCB0-F5B2989702ED}"/>
+              </a:ext>
+            </a:extLst>
+          </p:cNvPr>
+          <p:cNvPicPr>
+            <a:picLocks noChangeAspect="1"/>
+          </p:cNvPicPr>
+          <p:nvPr/>
+        </p:nvPicPr>
+        <p:blipFill>
+          <a:blip r:embed="rId9"/>
+          <a:stretch>
+            <a:fillRect/>
+          </a:stretch>
+        </p:blipFill>
+        <p:spPr>
+          <a:xfrm>
+            <a:off x="1654946" y="5503291"/>
+            <a:ext cx="826034" cy="397968"/>
+          </a:xfrm>
+          <a:prstGeom prst="rect">
+            <a:avLst/>
+          </a:prstGeom>
+        </p:spPr>
+      </p:pic>
+      <p:sp>
+        <p:nvSpPr>
+          <p:cNvPr id="46" name="TextBox 45">
+            <a:extLst>
+              <a:ext uri="{FF2B5EF4-FFF2-40B4-BE49-F238E27FC236}">
+                <a16:creationId xmlns:a16="http://schemas.microsoft.com/office/drawing/2014/main" id="{6B03C689-2675-1B86-2E87-622554B23443}"/>
+              </a:ext>
+            </a:extLst>
+          </p:cNvPr>
+          <p:cNvSpPr txBox="1"/>
+          <p:nvPr/>
+        </p:nvSpPr>
+        <p:spPr>
+          <a:xfrm>
+            <a:off x="1483530" y="5157960"/>
+            <a:ext cx="1927235" cy="307777"/>
+          </a:xfrm>
+          <a:prstGeom prst="rect">
+            <a:avLst/>
+          </a:prstGeom>
+          <a:noFill/>
+        </p:spPr>
+        <p:txBody>
+          <a:bodyPr wrap="square" rtlCol="0">
+            <a:spAutoFit/>
+          </a:bodyPr>
+          <a:lstStyle/>
+          <a:p>
+            <a:r>
+              <a:rPr lang="en-US" sz="1400" b="1" dirty="0"/>
+              <a:t>OT wireless sensors</a:t>
+            </a:r>
+            <a:endParaRPr lang="en-SG" sz="1400" b="1" dirty="0"/>
+          </a:p>
+        </p:txBody>
+      </p:sp>
+      <p:sp>
+        <p:nvSpPr>
+          <p:cNvPr id="48" name="Rectangle 47">
+            <a:extLst>
+              <a:ext uri="{FF2B5EF4-FFF2-40B4-BE49-F238E27FC236}">
+                <a16:creationId xmlns:a16="http://schemas.microsoft.com/office/drawing/2014/main" id="{F271F8C1-3695-FC71-7B80-34828EA34613}"/>
+              </a:ext>
+            </a:extLst>
+          </p:cNvPr>
+          <p:cNvSpPr/>
+          <p:nvPr/>
+        </p:nvSpPr>
+        <p:spPr>
+          <a:xfrm>
+            <a:off x="4393501" y="5320551"/>
+            <a:ext cx="824388" cy="365760"/>
+          </a:xfrm>
+          <a:prstGeom prst="rect">
+            <a:avLst/>
+          </a:prstGeom>
+          <a:solidFill>
+            <a:schemeClr val="accent2"/>
+          </a:solidFill>
+        </p:spPr>
+        <p:style>
+          <a:lnRef idx="2">
+            <a:schemeClr val="accent1">
+              <a:shade val="50000"/>
+            </a:schemeClr>
+          </a:lnRef>
+          <a:fillRef idx="1">
+            <a:schemeClr val="accent1"/>
+          </a:fillRef>
+          <a:effectRef idx="0">
+            <a:schemeClr val="accent1"/>
+          </a:effectRef>
+          <a:fontRef idx="minor">
+            <a:schemeClr val="lt1"/>
+          </a:fontRef>
+        </p:style>
+        <p:txBody>
+          <a:bodyPr rtlCol="0" anchor="ctr"/>
+          <a:lstStyle/>
+          <a:p>
+            <a:r>
+              <a:rPr lang="en-US" sz="1200" b="1" dirty="0"/>
+              <a:t>UDP/TCP Interface</a:t>
+            </a:r>
+            <a:endParaRPr lang="en-SG" sz="1200" b="1" dirty="0"/>
+          </a:p>
+        </p:txBody>
+      </p:sp>
+      <p:cxnSp>
+        <p:nvCxnSpPr>
+          <p:cNvPr id="49" name="Straight Connector 48">
+            <a:extLst>
+              <a:ext uri="{FF2B5EF4-FFF2-40B4-BE49-F238E27FC236}">
+                <a16:creationId xmlns:a16="http://schemas.microsoft.com/office/drawing/2014/main" id="{4EACDE7A-555D-C5BC-8F52-39D51DC3D824}"/>
+              </a:ext>
+            </a:extLst>
+          </p:cNvPr>
+          <p:cNvCxnSpPr>
+            <a:cxnSpLocks/>
+            <a:endCxn id="48" idx="1"/>
+          </p:cNvCxnSpPr>
+          <p:nvPr/>
+        </p:nvCxnSpPr>
+        <p:spPr>
+          <a:xfrm>
+            <a:off x="3378179" y="5503431"/>
+            <a:ext cx="1015322" cy="0"/>
+          </a:xfrm>
+          <a:prstGeom prst="line">
+            <a:avLst/>
+          </a:prstGeom>
+          <a:ln>
+            <a:solidFill>
+              <a:schemeClr val="tx1"/>
+            </a:solidFill>
+            <a:prstDash val="sysDash"/>
+          </a:ln>
+        </p:spPr>
+        <p:style>
+          <a:lnRef idx="2">
+            <a:schemeClr val="accent1"/>
+          </a:lnRef>
+          <a:fillRef idx="0">
+            <a:schemeClr val="accent1"/>
+          </a:fillRef>
+          <a:effectRef idx="1">
+            <a:schemeClr val="accent1"/>
+          </a:effectRef>
+          <a:fontRef idx="minor">
+            <a:schemeClr val="tx1"/>
+          </a:fontRef>
+        </p:style>
+      </p:cxnSp>
     </p:spTree>
     <p:extLst>
       <p:ext uri="{BB962C8B-B14F-4D97-AF65-F5344CB8AC3E}">
@@ -9284,6 +9516,4291 @@
           <a:chExt cx="0" cy="0"/>
         </a:xfrm>
       </p:grpSpPr>
+      <p:cxnSp>
+        <p:nvCxnSpPr>
+          <p:cNvPr id="2" name="Straight Connector 1">
+            <a:extLst>
+              <a:ext uri="{FF2B5EF4-FFF2-40B4-BE49-F238E27FC236}">
+                <a16:creationId xmlns:a16="http://schemas.microsoft.com/office/drawing/2014/main" id="{84E04BA6-1FA4-6585-22EE-4BD06DBB1FB9}"/>
+              </a:ext>
+            </a:extLst>
+          </p:cNvPr>
+          <p:cNvCxnSpPr/>
+          <p:nvPr/>
+        </p:nvCxnSpPr>
+        <p:spPr>
+          <a:xfrm>
+            <a:off x="1301215" y="1623056"/>
+            <a:ext cx="0" cy="426720"/>
+          </a:xfrm>
+          <a:prstGeom prst="line">
+            <a:avLst/>
+          </a:prstGeom>
+          <a:ln w="28575"/>
+        </p:spPr>
+        <p:style>
+          <a:lnRef idx="1">
+            <a:schemeClr val="accent1"/>
+          </a:lnRef>
+          <a:fillRef idx="0">
+            <a:schemeClr val="accent1"/>
+          </a:fillRef>
+          <a:effectRef idx="0">
+            <a:schemeClr val="accent1"/>
+          </a:effectRef>
+          <a:fontRef idx="minor">
+            <a:schemeClr val="tx1"/>
+          </a:fontRef>
+        </p:style>
+      </p:cxnSp>
+      <p:cxnSp>
+        <p:nvCxnSpPr>
+          <p:cNvPr id="3" name="Straight Connector 2">
+            <a:extLst>
+              <a:ext uri="{FF2B5EF4-FFF2-40B4-BE49-F238E27FC236}">
+                <a16:creationId xmlns:a16="http://schemas.microsoft.com/office/drawing/2014/main" id="{7EB95DA1-65B0-7BB3-F7DB-A613AB7E7318}"/>
+              </a:ext>
+            </a:extLst>
+          </p:cNvPr>
+          <p:cNvCxnSpPr>
+            <a:cxnSpLocks/>
+          </p:cNvCxnSpPr>
+          <p:nvPr/>
+        </p:nvCxnSpPr>
+        <p:spPr>
+          <a:xfrm flipV="1">
+            <a:off x="1692552" y="1623056"/>
+            <a:ext cx="1460" cy="426720"/>
+          </a:xfrm>
+          <a:prstGeom prst="line">
+            <a:avLst/>
+          </a:prstGeom>
+          <a:ln w="28575"/>
+        </p:spPr>
+        <p:style>
+          <a:lnRef idx="1">
+            <a:schemeClr val="accent1"/>
+          </a:lnRef>
+          <a:fillRef idx="0">
+            <a:schemeClr val="accent1"/>
+          </a:fillRef>
+          <a:effectRef idx="0">
+            <a:schemeClr val="accent1"/>
+          </a:effectRef>
+          <a:fontRef idx="minor">
+            <a:schemeClr val="tx1"/>
+          </a:fontRef>
+        </p:style>
+      </p:cxnSp>
+      <p:cxnSp>
+        <p:nvCxnSpPr>
+          <p:cNvPr id="4" name="Straight Connector 3">
+            <a:extLst>
+              <a:ext uri="{FF2B5EF4-FFF2-40B4-BE49-F238E27FC236}">
+                <a16:creationId xmlns:a16="http://schemas.microsoft.com/office/drawing/2014/main" id="{E8D0B765-FA56-CB9F-BF44-BFBC7DD848BC}"/>
+              </a:ext>
+            </a:extLst>
+          </p:cNvPr>
+          <p:cNvCxnSpPr>
+            <a:cxnSpLocks/>
+          </p:cNvCxnSpPr>
+          <p:nvPr/>
+        </p:nvCxnSpPr>
+        <p:spPr>
+          <a:xfrm>
+            <a:off x="1301215" y="1623730"/>
+            <a:ext cx="392066" cy="0"/>
+          </a:xfrm>
+          <a:prstGeom prst="line">
+            <a:avLst/>
+          </a:prstGeom>
+          <a:ln w="28575"/>
+        </p:spPr>
+        <p:style>
+          <a:lnRef idx="1">
+            <a:schemeClr val="accent1"/>
+          </a:lnRef>
+          <a:fillRef idx="0">
+            <a:schemeClr val="accent1"/>
+          </a:fillRef>
+          <a:effectRef idx="0">
+            <a:schemeClr val="accent1"/>
+          </a:effectRef>
+          <a:fontRef idx="minor">
+            <a:schemeClr val="tx1"/>
+          </a:fontRef>
+        </p:style>
+      </p:cxnSp>
+      <p:cxnSp>
+        <p:nvCxnSpPr>
+          <p:cNvPr id="5" name="Straight Connector 4">
+            <a:extLst>
+              <a:ext uri="{FF2B5EF4-FFF2-40B4-BE49-F238E27FC236}">
+                <a16:creationId xmlns:a16="http://schemas.microsoft.com/office/drawing/2014/main" id="{62609C86-16D3-228B-DE4A-0A650DE4339E}"/>
+              </a:ext>
+            </a:extLst>
+          </p:cNvPr>
+          <p:cNvCxnSpPr>
+            <a:cxnSpLocks/>
+          </p:cNvCxnSpPr>
+          <p:nvPr/>
+        </p:nvCxnSpPr>
+        <p:spPr>
+          <a:xfrm>
+            <a:off x="1692552" y="2049776"/>
+            <a:ext cx="3068387" cy="0"/>
+          </a:xfrm>
+          <a:prstGeom prst="line">
+            <a:avLst/>
+          </a:prstGeom>
+          <a:ln w="28575"/>
+        </p:spPr>
+        <p:style>
+          <a:lnRef idx="1">
+            <a:schemeClr val="accent1"/>
+          </a:lnRef>
+          <a:fillRef idx="0">
+            <a:schemeClr val="accent1"/>
+          </a:fillRef>
+          <a:effectRef idx="0">
+            <a:schemeClr val="accent1"/>
+          </a:effectRef>
+          <a:fontRef idx="minor">
+            <a:schemeClr val="tx1"/>
+          </a:fontRef>
+        </p:style>
+      </p:cxnSp>
+      <p:cxnSp>
+        <p:nvCxnSpPr>
+          <p:cNvPr id="6" name="Straight Connector 5">
+            <a:extLst>
+              <a:ext uri="{FF2B5EF4-FFF2-40B4-BE49-F238E27FC236}">
+                <a16:creationId xmlns:a16="http://schemas.microsoft.com/office/drawing/2014/main" id="{965FC113-3C1F-9900-9AC1-CD94499FDE01}"/>
+              </a:ext>
+            </a:extLst>
+          </p:cNvPr>
+          <p:cNvCxnSpPr/>
+          <p:nvPr/>
+        </p:nvCxnSpPr>
+        <p:spPr>
+          <a:xfrm>
+            <a:off x="4760939" y="1623056"/>
+            <a:ext cx="0" cy="426720"/>
+          </a:xfrm>
+          <a:prstGeom prst="line">
+            <a:avLst/>
+          </a:prstGeom>
+          <a:ln w="28575"/>
+        </p:spPr>
+        <p:style>
+          <a:lnRef idx="1">
+            <a:schemeClr val="accent1"/>
+          </a:lnRef>
+          <a:fillRef idx="0">
+            <a:schemeClr val="accent1"/>
+          </a:fillRef>
+          <a:effectRef idx="0">
+            <a:schemeClr val="accent1"/>
+          </a:effectRef>
+          <a:fontRef idx="minor">
+            <a:schemeClr val="tx1"/>
+          </a:fontRef>
+        </p:style>
+      </p:cxnSp>
+      <p:cxnSp>
+        <p:nvCxnSpPr>
+          <p:cNvPr id="7" name="Straight Connector 6">
+            <a:extLst>
+              <a:ext uri="{FF2B5EF4-FFF2-40B4-BE49-F238E27FC236}">
+                <a16:creationId xmlns:a16="http://schemas.microsoft.com/office/drawing/2014/main" id="{8D34150F-B6C0-C5A5-F533-F260439E9E00}"/>
+              </a:ext>
+            </a:extLst>
+          </p:cNvPr>
+          <p:cNvCxnSpPr>
+            <a:cxnSpLocks/>
+          </p:cNvCxnSpPr>
+          <p:nvPr/>
+        </p:nvCxnSpPr>
+        <p:spPr>
+          <a:xfrm flipH="1">
+            <a:off x="4760939" y="1623056"/>
+            <a:ext cx="421683" cy="0"/>
+          </a:xfrm>
+          <a:prstGeom prst="line">
+            <a:avLst/>
+          </a:prstGeom>
+          <a:ln w="28575"/>
+        </p:spPr>
+        <p:style>
+          <a:lnRef idx="1">
+            <a:schemeClr val="accent1"/>
+          </a:lnRef>
+          <a:fillRef idx="0">
+            <a:schemeClr val="accent1"/>
+          </a:fillRef>
+          <a:effectRef idx="0">
+            <a:schemeClr val="accent1"/>
+          </a:effectRef>
+          <a:fontRef idx="minor">
+            <a:schemeClr val="tx1"/>
+          </a:fontRef>
+        </p:style>
+      </p:cxnSp>
+      <p:cxnSp>
+        <p:nvCxnSpPr>
+          <p:cNvPr id="8" name="Straight Connector 7">
+            <a:extLst>
+              <a:ext uri="{FF2B5EF4-FFF2-40B4-BE49-F238E27FC236}">
+                <a16:creationId xmlns:a16="http://schemas.microsoft.com/office/drawing/2014/main" id="{343E73BE-F633-1EC4-8F0E-86F2A206E56A}"/>
+              </a:ext>
+            </a:extLst>
+          </p:cNvPr>
+          <p:cNvCxnSpPr/>
+          <p:nvPr/>
+        </p:nvCxnSpPr>
+        <p:spPr>
+          <a:xfrm>
+            <a:off x="5176522" y="1623056"/>
+            <a:ext cx="0" cy="426720"/>
+          </a:xfrm>
+          <a:prstGeom prst="line">
+            <a:avLst/>
+          </a:prstGeom>
+          <a:ln w="28575"/>
+        </p:spPr>
+        <p:style>
+          <a:lnRef idx="1">
+            <a:schemeClr val="accent1"/>
+          </a:lnRef>
+          <a:fillRef idx="0">
+            <a:schemeClr val="accent1"/>
+          </a:fillRef>
+          <a:effectRef idx="0">
+            <a:schemeClr val="accent1"/>
+          </a:effectRef>
+          <a:fontRef idx="minor">
+            <a:schemeClr val="tx1"/>
+          </a:fontRef>
+        </p:style>
+      </p:cxnSp>
+      <p:cxnSp>
+        <p:nvCxnSpPr>
+          <p:cNvPr id="9" name="Straight Connector 8">
+            <a:extLst>
+              <a:ext uri="{FF2B5EF4-FFF2-40B4-BE49-F238E27FC236}">
+                <a16:creationId xmlns:a16="http://schemas.microsoft.com/office/drawing/2014/main" id="{D0A0BB0D-069C-E607-982F-7369D5EA555D}"/>
+              </a:ext>
+            </a:extLst>
+          </p:cNvPr>
+          <p:cNvCxnSpPr>
+            <a:cxnSpLocks/>
+          </p:cNvCxnSpPr>
+          <p:nvPr/>
+        </p:nvCxnSpPr>
+        <p:spPr>
+          <a:xfrm>
+            <a:off x="5176522" y="2049776"/>
+            <a:ext cx="721358" cy="0"/>
+          </a:xfrm>
+          <a:prstGeom prst="line">
+            <a:avLst/>
+          </a:prstGeom>
+          <a:ln w="28575"/>
+        </p:spPr>
+        <p:style>
+          <a:lnRef idx="1">
+            <a:schemeClr val="accent1"/>
+          </a:lnRef>
+          <a:fillRef idx="0">
+            <a:schemeClr val="accent1"/>
+          </a:fillRef>
+          <a:effectRef idx="0">
+            <a:schemeClr val="accent1"/>
+          </a:effectRef>
+          <a:fontRef idx="minor">
+            <a:schemeClr val="tx1"/>
+          </a:fontRef>
+        </p:style>
+      </p:cxnSp>
+      <p:cxnSp>
+        <p:nvCxnSpPr>
+          <p:cNvPr id="10" name="Straight Connector 9">
+            <a:extLst>
+              <a:ext uri="{FF2B5EF4-FFF2-40B4-BE49-F238E27FC236}">
+                <a16:creationId xmlns:a16="http://schemas.microsoft.com/office/drawing/2014/main" id="{03B69FA4-D062-E879-FB03-C17C0678E9C3}"/>
+              </a:ext>
+            </a:extLst>
+          </p:cNvPr>
+          <p:cNvCxnSpPr>
+            <a:cxnSpLocks/>
+          </p:cNvCxnSpPr>
+          <p:nvPr/>
+        </p:nvCxnSpPr>
+        <p:spPr>
+          <a:xfrm>
+            <a:off x="857079" y="2049776"/>
+            <a:ext cx="444136" cy="0"/>
+          </a:xfrm>
+          <a:prstGeom prst="line">
+            <a:avLst/>
+          </a:prstGeom>
+          <a:ln w="28575"/>
+        </p:spPr>
+        <p:style>
+          <a:lnRef idx="1">
+            <a:schemeClr val="accent1"/>
+          </a:lnRef>
+          <a:fillRef idx="0">
+            <a:schemeClr val="accent1"/>
+          </a:fillRef>
+          <a:effectRef idx="0">
+            <a:schemeClr val="accent1"/>
+          </a:effectRef>
+          <a:fontRef idx="minor">
+            <a:schemeClr val="tx1"/>
+          </a:fontRef>
+        </p:style>
+      </p:cxnSp>
+      <p:cxnSp>
+        <p:nvCxnSpPr>
+          <p:cNvPr id="11" name="Straight Connector 10">
+            <a:extLst>
+              <a:ext uri="{FF2B5EF4-FFF2-40B4-BE49-F238E27FC236}">
+                <a16:creationId xmlns:a16="http://schemas.microsoft.com/office/drawing/2014/main" id="{35A0F380-D395-F875-D4D4-C482DCA1BCC5}"/>
+              </a:ext>
+            </a:extLst>
+          </p:cNvPr>
+          <p:cNvCxnSpPr>
+            <a:cxnSpLocks/>
+          </p:cNvCxnSpPr>
+          <p:nvPr/>
+        </p:nvCxnSpPr>
+        <p:spPr>
+          <a:xfrm>
+            <a:off x="1301215" y="891540"/>
+            <a:ext cx="28906" cy="4949190"/>
+          </a:xfrm>
+          <a:prstGeom prst="line">
+            <a:avLst/>
+          </a:prstGeom>
+          <a:ln>
+            <a:prstDash val="dash"/>
+          </a:ln>
+        </p:spPr>
+        <p:style>
+          <a:lnRef idx="1">
+            <a:schemeClr val="dk1"/>
+          </a:lnRef>
+          <a:fillRef idx="0">
+            <a:schemeClr val="dk1"/>
+          </a:fillRef>
+          <a:effectRef idx="0">
+            <a:schemeClr val="dk1"/>
+          </a:effectRef>
+          <a:fontRef idx="minor">
+            <a:schemeClr val="tx1"/>
+          </a:fontRef>
+        </p:style>
+      </p:cxnSp>
+      <p:sp>
+        <p:nvSpPr>
+          <p:cNvPr id="14" name="TextBox 13">
+            <a:extLst>
+              <a:ext uri="{FF2B5EF4-FFF2-40B4-BE49-F238E27FC236}">
+                <a16:creationId xmlns:a16="http://schemas.microsoft.com/office/drawing/2014/main" id="{A5AB779C-FF3D-0F78-D397-F122354B461C}"/>
+              </a:ext>
+            </a:extLst>
+          </p:cNvPr>
+          <p:cNvSpPr txBox="1"/>
+          <p:nvPr/>
+        </p:nvSpPr>
+        <p:spPr>
+          <a:xfrm>
+            <a:off x="1129195" y="704072"/>
+            <a:ext cx="573871" cy="276999"/>
+          </a:xfrm>
+          <a:prstGeom prst="rect">
+            <a:avLst/>
+          </a:prstGeom>
+          <a:noFill/>
+          <a:ln>
+            <a:noFill/>
+          </a:ln>
+        </p:spPr>
+        <p:txBody>
+          <a:bodyPr wrap="square" rtlCol="0">
+            <a:spAutoFit/>
+          </a:bodyPr>
+          <a:lstStyle/>
+          <a:p>
+            <a:r>
+              <a:rPr lang="en-SG" sz="1200" b="1" dirty="0"/>
+              <a:t>0S</a:t>
+            </a:r>
+          </a:p>
+        </p:txBody>
+      </p:sp>
+      <p:cxnSp>
+        <p:nvCxnSpPr>
+          <p:cNvPr id="15" name="Straight Connector 14">
+            <a:extLst>
+              <a:ext uri="{FF2B5EF4-FFF2-40B4-BE49-F238E27FC236}">
+                <a16:creationId xmlns:a16="http://schemas.microsoft.com/office/drawing/2014/main" id="{95800CB4-B48D-217F-8BEE-D570D8C93DC6}"/>
+              </a:ext>
+            </a:extLst>
+          </p:cNvPr>
+          <p:cNvCxnSpPr/>
+          <p:nvPr/>
+        </p:nvCxnSpPr>
+        <p:spPr>
+          <a:xfrm>
+            <a:off x="1311270" y="2757147"/>
+            <a:ext cx="0" cy="426720"/>
+          </a:xfrm>
+          <a:prstGeom prst="line">
+            <a:avLst/>
+          </a:prstGeom>
+          <a:ln w="28575"/>
+        </p:spPr>
+        <p:style>
+          <a:lnRef idx="1">
+            <a:schemeClr val="accent1"/>
+          </a:lnRef>
+          <a:fillRef idx="0">
+            <a:schemeClr val="accent1"/>
+          </a:fillRef>
+          <a:effectRef idx="0">
+            <a:schemeClr val="accent1"/>
+          </a:effectRef>
+          <a:fontRef idx="minor">
+            <a:schemeClr val="tx1"/>
+          </a:fontRef>
+        </p:style>
+      </p:cxnSp>
+      <p:cxnSp>
+        <p:nvCxnSpPr>
+          <p:cNvPr id="17" name="Straight Connector 16">
+            <a:extLst>
+              <a:ext uri="{FF2B5EF4-FFF2-40B4-BE49-F238E27FC236}">
+                <a16:creationId xmlns:a16="http://schemas.microsoft.com/office/drawing/2014/main" id="{71E82D25-0883-3603-F274-1BE580AB9270}"/>
+              </a:ext>
+            </a:extLst>
+          </p:cNvPr>
+          <p:cNvCxnSpPr>
+            <a:cxnSpLocks/>
+          </p:cNvCxnSpPr>
+          <p:nvPr/>
+        </p:nvCxnSpPr>
+        <p:spPr>
+          <a:xfrm>
+            <a:off x="1311270" y="2757821"/>
+            <a:ext cx="2994332" cy="7547"/>
+          </a:xfrm>
+          <a:prstGeom prst="line">
+            <a:avLst/>
+          </a:prstGeom>
+          <a:ln w="28575"/>
+        </p:spPr>
+        <p:style>
+          <a:lnRef idx="1">
+            <a:schemeClr val="accent1"/>
+          </a:lnRef>
+          <a:fillRef idx="0">
+            <a:schemeClr val="accent1"/>
+          </a:fillRef>
+          <a:effectRef idx="0">
+            <a:schemeClr val="accent1"/>
+          </a:effectRef>
+          <a:fontRef idx="minor">
+            <a:schemeClr val="tx1"/>
+          </a:fontRef>
+        </p:style>
+      </p:cxnSp>
+      <p:cxnSp>
+        <p:nvCxnSpPr>
+          <p:cNvPr id="19" name="Straight Connector 18">
+            <a:extLst>
+              <a:ext uri="{FF2B5EF4-FFF2-40B4-BE49-F238E27FC236}">
+                <a16:creationId xmlns:a16="http://schemas.microsoft.com/office/drawing/2014/main" id="{CD22EA55-6D83-4AF8-C234-9F0F86F13B82}"/>
+              </a:ext>
+            </a:extLst>
+          </p:cNvPr>
+          <p:cNvCxnSpPr/>
+          <p:nvPr/>
+        </p:nvCxnSpPr>
+        <p:spPr>
+          <a:xfrm>
+            <a:off x="4307478" y="2765368"/>
+            <a:ext cx="0" cy="426720"/>
+          </a:xfrm>
+          <a:prstGeom prst="line">
+            <a:avLst/>
+          </a:prstGeom>
+          <a:ln w="28575"/>
+        </p:spPr>
+        <p:style>
+          <a:lnRef idx="1">
+            <a:schemeClr val="accent1"/>
+          </a:lnRef>
+          <a:fillRef idx="0">
+            <a:schemeClr val="accent1"/>
+          </a:fillRef>
+          <a:effectRef idx="0">
+            <a:schemeClr val="accent1"/>
+          </a:effectRef>
+          <a:fontRef idx="minor">
+            <a:schemeClr val="tx1"/>
+          </a:fontRef>
+        </p:style>
+      </p:cxnSp>
+      <p:cxnSp>
+        <p:nvCxnSpPr>
+          <p:cNvPr id="20" name="Straight Connector 19">
+            <a:extLst>
+              <a:ext uri="{FF2B5EF4-FFF2-40B4-BE49-F238E27FC236}">
+                <a16:creationId xmlns:a16="http://schemas.microsoft.com/office/drawing/2014/main" id="{41DF4115-2DA7-C42F-6D8F-0DB36895856C}"/>
+              </a:ext>
+            </a:extLst>
+          </p:cNvPr>
+          <p:cNvCxnSpPr>
+            <a:cxnSpLocks/>
+          </p:cNvCxnSpPr>
+          <p:nvPr/>
+        </p:nvCxnSpPr>
+        <p:spPr>
+          <a:xfrm flipH="1">
+            <a:off x="4305602" y="3186384"/>
+            <a:ext cx="421683" cy="0"/>
+          </a:xfrm>
+          <a:prstGeom prst="line">
+            <a:avLst/>
+          </a:prstGeom>
+          <a:ln w="28575"/>
+        </p:spPr>
+        <p:style>
+          <a:lnRef idx="1">
+            <a:schemeClr val="accent1"/>
+          </a:lnRef>
+          <a:fillRef idx="0">
+            <a:schemeClr val="accent1"/>
+          </a:fillRef>
+          <a:effectRef idx="0">
+            <a:schemeClr val="accent1"/>
+          </a:effectRef>
+          <a:fontRef idx="minor">
+            <a:schemeClr val="tx1"/>
+          </a:fontRef>
+        </p:style>
+      </p:cxnSp>
+      <p:cxnSp>
+        <p:nvCxnSpPr>
+          <p:cNvPr id="21" name="Straight Connector 20">
+            <a:extLst>
+              <a:ext uri="{FF2B5EF4-FFF2-40B4-BE49-F238E27FC236}">
+                <a16:creationId xmlns:a16="http://schemas.microsoft.com/office/drawing/2014/main" id="{35102B2D-71B4-1432-6699-383535CD3020}"/>
+              </a:ext>
+            </a:extLst>
+          </p:cNvPr>
+          <p:cNvCxnSpPr/>
+          <p:nvPr/>
+        </p:nvCxnSpPr>
+        <p:spPr>
+          <a:xfrm>
+            <a:off x="5186577" y="2757147"/>
+            <a:ext cx="0" cy="426720"/>
+          </a:xfrm>
+          <a:prstGeom prst="line">
+            <a:avLst/>
+          </a:prstGeom>
+          <a:ln w="28575"/>
+        </p:spPr>
+        <p:style>
+          <a:lnRef idx="1">
+            <a:schemeClr val="accent1"/>
+          </a:lnRef>
+          <a:fillRef idx="0">
+            <a:schemeClr val="accent1"/>
+          </a:fillRef>
+          <a:effectRef idx="0">
+            <a:schemeClr val="accent1"/>
+          </a:effectRef>
+          <a:fontRef idx="minor">
+            <a:schemeClr val="tx1"/>
+          </a:fontRef>
+        </p:style>
+      </p:cxnSp>
+      <p:cxnSp>
+        <p:nvCxnSpPr>
+          <p:cNvPr id="22" name="Straight Connector 21">
+            <a:extLst>
+              <a:ext uri="{FF2B5EF4-FFF2-40B4-BE49-F238E27FC236}">
+                <a16:creationId xmlns:a16="http://schemas.microsoft.com/office/drawing/2014/main" id="{59E56929-0EF5-A73E-286F-CBD936C87FAF}"/>
+              </a:ext>
+            </a:extLst>
+          </p:cNvPr>
+          <p:cNvCxnSpPr>
+            <a:cxnSpLocks/>
+          </p:cNvCxnSpPr>
+          <p:nvPr/>
+        </p:nvCxnSpPr>
+        <p:spPr>
+          <a:xfrm>
+            <a:off x="5186577" y="3183867"/>
+            <a:ext cx="711303" cy="0"/>
+          </a:xfrm>
+          <a:prstGeom prst="line">
+            <a:avLst/>
+          </a:prstGeom>
+          <a:ln w="28575"/>
+        </p:spPr>
+        <p:style>
+          <a:lnRef idx="1">
+            <a:schemeClr val="accent1"/>
+          </a:lnRef>
+          <a:fillRef idx="0">
+            <a:schemeClr val="accent1"/>
+          </a:fillRef>
+          <a:effectRef idx="0">
+            <a:schemeClr val="accent1"/>
+          </a:effectRef>
+          <a:fontRef idx="minor">
+            <a:schemeClr val="tx1"/>
+          </a:fontRef>
+        </p:style>
+      </p:cxnSp>
+      <p:cxnSp>
+        <p:nvCxnSpPr>
+          <p:cNvPr id="23" name="Straight Connector 22">
+            <a:extLst>
+              <a:ext uri="{FF2B5EF4-FFF2-40B4-BE49-F238E27FC236}">
+                <a16:creationId xmlns:a16="http://schemas.microsoft.com/office/drawing/2014/main" id="{7F04A19C-62DA-CA46-54CA-57EB60C4F1F2}"/>
+              </a:ext>
+            </a:extLst>
+          </p:cNvPr>
+          <p:cNvCxnSpPr>
+            <a:cxnSpLocks/>
+          </p:cNvCxnSpPr>
+          <p:nvPr/>
+        </p:nvCxnSpPr>
+        <p:spPr>
+          <a:xfrm>
+            <a:off x="867134" y="3183867"/>
+            <a:ext cx="444136" cy="0"/>
+          </a:xfrm>
+          <a:prstGeom prst="line">
+            <a:avLst/>
+          </a:prstGeom>
+          <a:ln w="28575"/>
+        </p:spPr>
+        <p:style>
+          <a:lnRef idx="1">
+            <a:schemeClr val="accent1"/>
+          </a:lnRef>
+          <a:fillRef idx="0">
+            <a:schemeClr val="accent1"/>
+          </a:fillRef>
+          <a:effectRef idx="0">
+            <a:schemeClr val="accent1"/>
+          </a:effectRef>
+          <a:fontRef idx="minor">
+            <a:schemeClr val="tx1"/>
+          </a:fontRef>
+        </p:style>
+      </p:cxnSp>
+      <p:cxnSp>
+        <p:nvCxnSpPr>
+          <p:cNvPr id="24" name="Straight Connector 23">
+            <a:extLst>
+              <a:ext uri="{FF2B5EF4-FFF2-40B4-BE49-F238E27FC236}">
+                <a16:creationId xmlns:a16="http://schemas.microsoft.com/office/drawing/2014/main" id="{580EDCB8-96B7-D01F-23CB-EF2DE61960AA}"/>
+              </a:ext>
+            </a:extLst>
+          </p:cNvPr>
+          <p:cNvCxnSpPr>
+            <a:cxnSpLocks/>
+          </p:cNvCxnSpPr>
+          <p:nvPr/>
+        </p:nvCxnSpPr>
+        <p:spPr>
+          <a:xfrm>
+            <a:off x="1311270" y="3117181"/>
+            <a:ext cx="0" cy="459401"/>
+          </a:xfrm>
+          <a:prstGeom prst="line">
+            <a:avLst/>
+          </a:prstGeom>
+          <a:ln>
+            <a:prstDash val="dash"/>
+          </a:ln>
+        </p:spPr>
+        <p:style>
+          <a:lnRef idx="1">
+            <a:schemeClr val="dk1"/>
+          </a:lnRef>
+          <a:fillRef idx="0">
+            <a:schemeClr val="dk1"/>
+          </a:fillRef>
+          <a:effectRef idx="0">
+            <a:schemeClr val="dk1"/>
+          </a:effectRef>
+          <a:fontRef idx="minor">
+            <a:schemeClr val="tx1"/>
+          </a:fontRef>
+        </p:style>
+      </p:cxnSp>
+      <p:cxnSp>
+        <p:nvCxnSpPr>
+          <p:cNvPr id="25" name="Straight Connector 24">
+            <a:extLst>
+              <a:ext uri="{FF2B5EF4-FFF2-40B4-BE49-F238E27FC236}">
+                <a16:creationId xmlns:a16="http://schemas.microsoft.com/office/drawing/2014/main" id="{88D9813C-5698-C9E5-B051-E091506F6E3C}"/>
+              </a:ext>
+            </a:extLst>
+          </p:cNvPr>
+          <p:cNvCxnSpPr>
+            <a:cxnSpLocks/>
+          </p:cNvCxnSpPr>
+          <p:nvPr/>
+        </p:nvCxnSpPr>
+        <p:spPr>
+          <a:xfrm>
+            <a:off x="5205325" y="1623056"/>
+            <a:ext cx="738944" cy="0"/>
+          </a:xfrm>
+          <a:prstGeom prst="line">
+            <a:avLst/>
+          </a:prstGeom>
+          <a:ln>
+            <a:prstDash val="dash"/>
+          </a:ln>
+        </p:spPr>
+        <p:style>
+          <a:lnRef idx="1">
+            <a:schemeClr val="dk1"/>
+          </a:lnRef>
+          <a:fillRef idx="0">
+            <a:schemeClr val="dk1"/>
+          </a:fillRef>
+          <a:effectRef idx="0">
+            <a:schemeClr val="dk1"/>
+          </a:effectRef>
+          <a:fontRef idx="minor">
+            <a:schemeClr val="tx1"/>
+          </a:fontRef>
+        </p:style>
+      </p:cxnSp>
+      <p:cxnSp>
+        <p:nvCxnSpPr>
+          <p:cNvPr id="33" name="Straight Connector 32">
+            <a:extLst>
+              <a:ext uri="{FF2B5EF4-FFF2-40B4-BE49-F238E27FC236}">
+                <a16:creationId xmlns:a16="http://schemas.microsoft.com/office/drawing/2014/main" id="{C5F8A345-17E2-36AB-54BF-167528E114A8}"/>
+              </a:ext>
+            </a:extLst>
+          </p:cNvPr>
+          <p:cNvCxnSpPr>
+            <a:cxnSpLocks/>
+          </p:cNvCxnSpPr>
+          <p:nvPr/>
+        </p:nvCxnSpPr>
+        <p:spPr>
+          <a:xfrm>
+            <a:off x="2117409" y="872286"/>
+            <a:ext cx="28906" cy="4949190"/>
+          </a:xfrm>
+          <a:prstGeom prst="line">
+            <a:avLst/>
+          </a:prstGeom>
+          <a:ln>
+            <a:prstDash val="dash"/>
+          </a:ln>
+        </p:spPr>
+        <p:style>
+          <a:lnRef idx="1">
+            <a:schemeClr val="dk1"/>
+          </a:lnRef>
+          <a:fillRef idx="0">
+            <a:schemeClr val="dk1"/>
+          </a:fillRef>
+          <a:effectRef idx="0">
+            <a:schemeClr val="dk1"/>
+          </a:effectRef>
+          <a:fontRef idx="minor">
+            <a:schemeClr val="tx1"/>
+          </a:fontRef>
+        </p:style>
+      </p:cxnSp>
+      <p:cxnSp>
+        <p:nvCxnSpPr>
+          <p:cNvPr id="34" name="Straight Connector 33">
+            <a:extLst>
+              <a:ext uri="{FF2B5EF4-FFF2-40B4-BE49-F238E27FC236}">
+                <a16:creationId xmlns:a16="http://schemas.microsoft.com/office/drawing/2014/main" id="{3281373C-881A-20DD-D404-157966C8D4FE}"/>
+              </a:ext>
+            </a:extLst>
+          </p:cNvPr>
+          <p:cNvCxnSpPr>
+            <a:cxnSpLocks/>
+          </p:cNvCxnSpPr>
+          <p:nvPr/>
+        </p:nvCxnSpPr>
+        <p:spPr>
+          <a:xfrm>
+            <a:off x="2837274" y="891540"/>
+            <a:ext cx="28906" cy="4949190"/>
+          </a:xfrm>
+          <a:prstGeom prst="line">
+            <a:avLst/>
+          </a:prstGeom>
+          <a:ln>
+            <a:prstDash val="dash"/>
+          </a:ln>
+        </p:spPr>
+        <p:style>
+          <a:lnRef idx="1">
+            <a:schemeClr val="dk1"/>
+          </a:lnRef>
+          <a:fillRef idx="0">
+            <a:schemeClr val="dk1"/>
+          </a:fillRef>
+          <a:effectRef idx="0">
+            <a:schemeClr val="dk1"/>
+          </a:effectRef>
+          <a:fontRef idx="minor">
+            <a:schemeClr val="tx1"/>
+          </a:fontRef>
+        </p:style>
+      </p:cxnSp>
+      <p:cxnSp>
+        <p:nvCxnSpPr>
+          <p:cNvPr id="35" name="Straight Connector 34">
+            <a:extLst>
+              <a:ext uri="{FF2B5EF4-FFF2-40B4-BE49-F238E27FC236}">
+                <a16:creationId xmlns:a16="http://schemas.microsoft.com/office/drawing/2014/main" id="{22430185-D2BD-2516-A349-FE9F66E07315}"/>
+              </a:ext>
+            </a:extLst>
+          </p:cNvPr>
+          <p:cNvCxnSpPr>
+            <a:cxnSpLocks/>
+          </p:cNvCxnSpPr>
+          <p:nvPr/>
+        </p:nvCxnSpPr>
+        <p:spPr>
+          <a:xfrm>
+            <a:off x="3590671" y="891540"/>
+            <a:ext cx="28906" cy="4949190"/>
+          </a:xfrm>
+          <a:prstGeom prst="line">
+            <a:avLst/>
+          </a:prstGeom>
+          <a:ln>
+            <a:prstDash val="dash"/>
+          </a:ln>
+        </p:spPr>
+        <p:style>
+          <a:lnRef idx="1">
+            <a:schemeClr val="dk1"/>
+          </a:lnRef>
+          <a:fillRef idx="0">
+            <a:schemeClr val="dk1"/>
+          </a:fillRef>
+          <a:effectRef idx="0">
+            <a:schemeClr val="dk1"/>
+          </a:effectRef>
+          <a:fontRef idx="minor">
+            <a:schemeClr val="tx1"/>
+          </a:fontRef>
+        </p:style>
+      </p:cxnSp>
+      <p:cxnSp>
+        <p:nvCxnSpPr>
+          <p:cNvPr id="36" name="Straight Connector 35">
+            <a:extLst>
+              <a:ext uri="{FF2B5EF4-FFF2-40B4-BE49-F238E27FC236}">
+                <a16:creationId xmlns:a16="http://schemas.microsoft.com/office/drawing/2014/main" id="{E06B3DB9-FC7E-8302-3621-56FA9551744E}"/>
+              </a:ext>
+            </a:extLst>
+          </p:cNvPr>
+          <p:cNvCxnSpPr>
+            <a:cxnSpLocks/>
+          </p:cNvCxnSpPr>
+          <p:nvPr/>
+        </p:nvCxnSpPr>
+        <p:spPr>
+          <a:xfrm>
+            <a:off x="4302712" y="891540"/>
+            <a:ext cx="28906" cy="4949190"/>
+          </a:xfrm>
+          <a:prstGeom prst="line">
+            <a:avLst/>
+          </a:prstGeom>
+          <a:ln>
+            <a:prstDash val="dash"/>
+          </a:ln>
+        </p:spPr>
+        <p:style>
+          <a:lnRef idx="1">
+            <a:schemeClr val="dk1"/>
+          </a:lnRef>
+          <a:fillRef idx="0">
+            <a:schemeClr val="dk1"/>
+          </a:fillRef>
+          <a:effectRef idx="0">
+            <a:schemeClr val="dk1"/>
+          </a:effectRef>
+          <a:fontRef idx="minor">
+            <a:schemeClr val="tx1"/>
+          </a:fontRef>
+        </p:style>
+      </p:cxnSp>
+      <p:cxnSp>
+        <p:nvCxnSpPr>
+          <p:cNvPr id="37" name="Straight Connector 36">
+            <a:extLst>
+              <a:ext uri="{FF2B5EF4-FFF2-40B4-BE49-F238E27FC236}">
+                <a16:creationId xmlns:a16="http://schemas.microsoft.com/office/drawing/2014/main" id="{B6981686-95E6-5F6F-B8C1-904255B7B806}"/>
+              </a:ext>
+            </a:extLst>
+          </p:cNvPr>
+          <p:cNvCxnSpPr>
+            <a:cxnSpLocks/>
+          </p:cNvCxnSpPr>
+          <p:nvPr/>
+        </p:nvCxnSpPr>
+        <p:spPr>
+          <a:xfrm>
+            <a:off x="5190872" y="872286"/>
+            <a:ext cx="28906" cy="4949190"/>
+          </a:xfrm>
+          <a:prstGeom prst="line">
+            <a:avLst/>
+          </a:prstGeom>
+          <a:ln>
+            <a:prstDash val="dash"/>
+          </a:ln>
+        </p:spPr>
+        <p:style>
+          <a:lnRef idx="1">
+            <a:schemeClr val="dk1"/>
+          </a:lnRef>
+          <a:fillRef idx="0">
+            <a:schemeClr val="dk1"/>
+          </a:fillRef>
+          <a:effectRef idx="0">
+            <a:schemeClr val="dk1"/>
+          </a:effectRef>
+          <a:fontRef idx="minor">
+            <a:schemeClr val="tx1"/>
+          </a:fontRef>
+        </p:style>
+      </p:cxnSp>
+      <p:cxnSp>
+        <p:nvCxnSpPr>
+          <p:cNvPr id="40" name="Straight Connector 39">
+            <a:extLst>
+              <a:ext uri="{FF2B5EF4-FFF2-40B4-BE49-F238E27FC236}">
+                <a16:creationId xmlns:a16="http://schemas.microsoft.com/office/drawing/2014/main" id="{9DA9D2B4-0D6F-18BB-FFCF-9377040EE5DA}"/>
+              </a:ext>
+            </a:extLst>
+          </p:cNvPr>
+          <p:cNvCxnSpPr/>
+          <p:nvPr/>
+        </p:nvCxnSpPr>
+        <p:spPr>
+          <a:xfrm>
+            <a:off x="4760939" y="2765368"/>
+            <a:ext cx="0" cy="426720"/>
+          </a:xfrm>
+          <a:prstGeom prst="line">
+            <a:avLst/>
+          </a:prstGeom>
+          <a:ln w="28575"/>
+        </p:spPr>
+        <p:style>
+          <a:lnRef idx="1">
+            <a:schemeClr val="accent1"/>
+          </a:lnRef>
+          <a:fillRef idx="0">
+            <a:schemeClr val="accent1"/>
+          </a:fillRef>
+          <a:effectRef idx="0">
+            <a:schemeClr val="accent1"/>
+          </a:effectRef>
+          <a:fontRef idx="minor">
+            <a:schemeClr val="tx1"/>
+          </a:fontRef>
+        </p:style>
+      </p:cxnSp>
+      <p:cxnSp>
+        <p:nvCxnSpPr>
+          <p:cNvPr id="41" name="Straight Connector 40">
+            <a:extLst>
+              <a:ext uri="{FF2B5EF4-FFF2-40B4-BE49-F238E27FC236}">
+                <a16:creationId xmlns:a16="http://schemas.microsoft.com/office/drawing/2014/main" id="{6DE5452D-5F4B-4098-AD72-D2A54F4FC49C}"/>
+              </a:ext>
+            </a:extLst>
+          </p:cNvPr>
+          <p:cNvCxnSpPr>
+            <a:cxnSpLocks/>
+          </p:cNvCxnSpPr>
+          <p:nvPr/>
+        </p:nvCxnSpPr>
+        <p:spPr>
+          <a:xfrm flipH="1">
+            <a:off x="4760939" y="2765368"/>
+            <a:ext cx="421683" cy="0"/>
+          </a:xfrm>
+          <a:prstGeom prst="line">
+            <a:avLst/>
+          </a:prstGeom>
+          <a:ln w="28575"/>
+        </p:spPr>
+        <p:style>
+          <a:lnRef idx="1">
+            <a:schemeClr val="accent1"/>
+          </a:lnRef>
+          <a:fillRef idx="0">
+            <a:schemeClr val="accent1"/>
+          </a:fillRef>
+          <a:effectRef idx="0">
+            <a:schemeClr val="accent1"/>
+          </a:effectRef>
+          <a:fontRef idx="minor">
+            <a:schemeClr val="tx1"/>
+          </a:fontRef>
+        </p:style>
+      </p:cxnSp>
+      <p:cxnSp>
+        <p:nvCxnSpPr>
+          <p:cNvPr id="42" name="Straight Connector 41">
+            <a:extLst>
+              <a:ext uri="{FF2B5EF4-FFF2-40B4-BE49-F238E27FC236}">
+                <a16:creationId xmlns:a16="http://schemas.microsoft.com/office/drawing/2014/main" id="{8D43D9C8-2A90-A621-1A62-2D63C7F17ADF}"/>
+              </a:ext>
+            </a:extLst>
+          </p:cNvPr>
+          <p:cNvCxnSpPr>
+            <a:cxnSpLocks/>
+          </p:cNvCxnSpPr>
+          <p:nvPr/>
+        </p:nvCxnSpPr>
+        <p:spPr>
+          <a:xfrm>
+            <a:off x="885985" y="3804897"/>
+            <a:ext cx="1594325" cy="0"/>
+          </a:xfrm>
+          <a:prstGeom prst="line">
+            <a:avLst/>
+          </a:prstGeom>
+          <a:ln w="28575"/>
+        </p:spPr>
+        <p:style>
+          <a:lnRef idx="1">
+            <a:schemeClr val="accent1"/>
+          </a:lnRef>
+          <a:fillRef idx="0">
+            <a:schemeClr val="accent1"/>
+          </a:fillRef>
+          <a:effectRef idx="0">
+            <a:schemeClr val="accent1"/>
+          </a:effectRef>
+          <a:fontRef idx="minor">
+            <a:schemeClr val="tx1"/>
+          </a:fontRef>
+        </p:style>
+      </p:cxnSp>
+      <p:cxnSp>
+        <p:nvCxnSpPr>
+          <p:cNvPr id="44" name="Straight Connector 43">
+            <a:extLst>
+              <a:ext uri="{FF2B5EF4-FFF2-40B4-BE49-F238E27FC236}">
+                <a16:creationId xmlns:a16="http://schemas.microsoft.com/office/drawing/2014/main" id="{D715A863-BB57-7552-0770-1709C414A04D}"/>
+              </a:ext>
+            </a:extLst>
+          </p:cNvPr>
+          <p:cNvCxnSpPr/>
+          <p:nvPr/>
+        </p:nvCxnSpPr>
+        <p:spPr>
+          <a:xfrm>
+            <a:off x="2480310" y="3804897"/>
+            <a:ext cx="0" cy="426720"/>
+          </a:xfrm>
+          <a:prstGeom prst="line">
+            <a:avLst/>
+          </a:prstGeom>
+          <a:ln w="28575"/>
+        </p:spPr>
+        <p:style>
+          <a:lnRef idx="1">
+            <a:schemeClr val="accent1"/>
+          </a:lnRef>
+          <a:fillRef idx="0">
+            <a:schemeClr val="accent1"/>
+          </a:fillRef>
+          <a:effectRef idx="0">
+            <a:schemeClr val="accent1"/>
+          </a:effectRef>
+          <a:fontRef idx="minor">
+            <a:schemeClr val="tx1"/>
+          </a:fontRef>
+        </p:style>
+      </p:cxnSp>
+      <p:cxnSp>
+        <p:nvCxnSpPr>
+          <p:cNvPr id="45" name="Straight Connector 44">
+            <a:extLst>
+              <a:ext uri="{FF2B5EF4-FFF2-40B4-BE49-F238E27FC236}">
+                <a16:creationId xmlns:a16="http://schemas.microsoft.com/office/drawing/2014/main" id="{4E1F49C6-8AD9-20BD-2F84-C85ED081320D}"/>
+              </a:ext>
+            </a:extLst>
+          </p:cNvPr>
+          <p:cNvCxnSpPr/>
+          <p:nvPr/>
+        </p:nvCxnSpPr>
+        <p:spPr>
+          <a:xfrm>
+            <a:off x="3954780" y="3804897"/>
+            <a:ext cx="0" cy="426720"/>
+          </a:xfrm>
+          <a:prstGeom prst="line">
+            <a:avLst/>
+          </a:prstGeom>
+          <a:ln w="28575"/>
+        </p:spPr>
+        <p:style>
+          <a:lnRef idx="1">
+            <a:schemeClr val="accent1"/>
+          </a:lnRef>
+          <a:fillRef idx="0">
+            <a:schemeClr val="accent1"/>
+          </a:fillRef>
+          <a:effectRef idx="0">
+            <a:schemeClr val="accent1"/>
+          </a:effectRef>
+          <a:fontRef idx="minor">
+            <a:schemeClr val="tx1"/>
+          </a:fontRef>
+        </p:style>
+      </p:cxnSp>
+      <p:cxnSp>
+        <p:nvCxnSpPr>
+          <p:cNvPr id="46" name="Straight Connector 45">
+            <a:extLst>
+              <a:ext uri="{FF2B5EF4-FFF2-40B4-BE49-F238E27FC236}">
+                <a16:creationId xmlns:a16="http://schemas.microsoft.com/office/drawing/2014/main" id="{3E220A9B-58D4-7961-FC3C-76B246E5A1FA}"/>
+              </a:ext>
+            </a:extLst>
+          </p:cNvPr>
+          <p:cNvCxnSpPr>
+            <a:cxnSpLocks/>
+          </p:cNvCxnSpPr>
+          <p:nvPr/>
+        </p:nvCxnSpPr>
+        <p:spPr>
+          <a:xfrm>
+            <a:off x="2480310" y="4231617"/>
+            <a:ext cx="1474470" cy="0"/>
+          </a:xfrm>
+          <a:prstGeom prst="line">
+            <a:avLst/>
+          </a:prstGeom>
+          <a:ln w="28575"/>
+        </p:spPr>
+        <p:style>
+          <a:lnRef idx="1">
+            <a:schemeClr val="accent1"/>
+          </a:lnRef>
+          <a:fillRef idx="0">
+            <a:schemeClr val="accent1"/>
+          </a:fillRef>
+          <a:effectRef idx="0">
+            <a:schemeClr val="accent1"/>
+          </a:effectRef>
+          <a:fontRef idx="minor">
+            <a:schemeClr val="tx1"/>
+          </a:fontRef>
+        </p:style>
+      </p:cxnSp>
+      <p:cxnSp>
+        <p:nvCxnSpPr>
+          <p:cNvPr id="48" name="Straight Connector 47">
+            <a:extLst>
+              <a:ext uri="{FF2B5EF4-FFF2-40B4-BE49-F238E27FC236}">
+                <a16:creationId xmlns:a16="http://schemas.microsoft.com/office/drawing/2014/main" id="{7566C53F-6DCD-3C4F-CA63-F1C8D696D906}"/>
+              </a:ext>
+            </a:extLst>
+          </p:cNvPr>
+          <p:cNvCxnSpPr>
+            <a:cxnSpLocks/>
+          </p:cNvCxnSpPr>
+          <p:nvPr/>
+        </p:nvCxnSpPr>
+        <p:spPr>
+          <a:xfrm>
+            <a:off x="3939038" y="3804897"/>
+            <a:ext cx="1958842" cy="0"/>
+          </a:xfrm>
+          <a:prstGeom prst="line">
+            <a:avLst/>
+          </a:prstGeom>
+          <a:ln w="28575"/>
+        </p:spPr>
+        <p:style>
+          <a:lnRef idx="1">
+            <a:schemeClr val="accent1"/>
+          </a:lnRef>
+          <a:fillRef idx="0">
+            <a:schemeClr val="accent1"/>
+          </a:fillRef>
+          <a:effectRef idx="0">
+            <a:schemeClr val="accent1"/>
+          </a:effectRef>
+          <a:fontRef idx="minor">
+            <a:schemeClr val="tx1"/>
+          </a:fontRef>
+        </p:style>
+      </p:cxnSp>
+      <p:cxnSp>
+        <p:nvCxnSpPr>
+          <p:cNvPr id="52" name="Straight Connector 51">
+            <a:extLst>
+              <a:ext uri="{FF2B5EF4-FFF2-40B4-BE49-F238E27FC236}">
+                <a16:creationId xmlns:a16="http://schemas.microsoft.com/office/drawing/2014/main" id="{B48B9DB4-4EC6-5E78-2BD0-9037241C7007}"/>
+              </a:ext>
+            </a:extLst>
+          </p:cNvPr>
+          <p:cNvCxnSpPr>
+            <a:cxnSpLocks/>
+          </p:cNvCxnSpPr>
+          <p:nvPr/>
+        </p:nvCxnSpPr>
+        <p:spPr>
+          <a:xfrm>
+            <a:off x="867134" y="5088867"/>
+            <a:ext cx="1970140" cy="0"/>
+          </a:xfrm>
+          <a:prstGeom prst="line">
+            <a:avLst/>
+          </a:prstGeom>
+          <a:ln w="28575"/>
+        </p:spPr>
+        <p:style>
+          <a:lnRef idx="1">
+            <a:schemeClr val="accent1"/>
+          </a:lnRef>
+          <a:fillRef idx="0">
+            <a:schemeClr val="accent1"/>
+          </a:fillRef>
+          <a:effectRef idx="0">
+            <a:schemeClr val="accent1"/>
+          </a:effectRef>
+          <a:fontRef idx="minor">
+            <a:schemeClr val="tx1"/>
+          </a:fontRef>
+        </p:style>
+      </p:cxnSp>
+      <p:cxnSp>
+        <p:nvCxnSpPr>
+          <p:cNvPr id="54" name="Straight Connector 53">
+            <a:extLst>
+              <a:ext uri="{FF2B5EF4-FFF2-40B4-BE49-F238E27FC236}">
+                <a16:creationId xmlns:a16="http://schemas.microsoft.com/office/drawing/2014/main" id="{3964D2F8-BCCA-9AB2-812E-5FE6CD8E4F79}"/>
+              </a:ext>
+            </a:extLst>
+          </p:cNvPr>
+          <p:cNvCxnSpPr/>
+          <p:nvPr/>
+        </p:nvCxnSpPr>
+        <p:spPr>
+          <a:xfrm>
+            <a:off x="2866180" y="4662147"/>
+            <a:ext cx="0" cy="426720"/>
+          </a:xfrm>
+          <a:prstGeom prst="line">
+            <a:avLst/>
+          </a:prstGeom>
+          <a:ln w="28575"/>
+        </p:spPr>
+        <p:style>
+          <a:lnRef idx="1">
+            <a:schemeClr val="accent1"/>
+          </a:lnRef>
+          <a:fillRef idx="0">
+            <a:schemeClr val="accent1"/>
+          </a:fillRef>
+          <a:effectRef idx="0">
+            <a:schemeClr val="accent1"/>
+          </a:effectRef>
+          <a:fontRef idx="minor">
+            <a:schemeClr val="tx1"/>
+          </a:fontRef>
+        </p:style>
+      </p:cxnSp>
+      <p:cxnSp>
+        <p:nvCxnSpPr>
+          <p:cNvPr id="55" name="Straight Connector 54">
+            <a:extLst>
+              <a:ext uri="{FF2B5EF4-FFF2-40B4-BE49-F238E27FC236}">
+                <a16:creationId xmlns:a16="http://schemas.microsoft.com/office/drawing/2014/main" id="{6FA0C837-5342-BA72-3AE1-14104821E61A}"/>
+              </a:ext>
+            </a:extLst>
+          </p:cNvPr>
+          <p:cNvCxnSpPr>
+            <a:cxnSpLocks/>
+          </p:cNvCxnSpPr>
+          <p:nvPr/>
+        </p:nvCxnSpPr>
+        <p:spPr>
+          <a:xfrm flipH="1">
+            <a:off x="2866180" y="4676695"/>
+            <a:ext cx="753397" cy="0"/>
+          </a:xfrm>
+          <a:prstGeom prst="line">
+            <a:avLst/>
+          </a:prstGeom>
+          <a:ln w="28575"/>
+        </p:spPr>
+        <p:style>
+          <a:lnRef idx="1">
+            <a:schemeClr val="accent1"/>
+          </a:lnRef>
+          <a:fillRef idx="0">
+            <a:schemeClr val="accent1"/>
+          </a:fillRef>
+          <a:effectRef idx="0">
+            <a:schemeClr val="accent1"/>
+          </a:effectRef>
+          <a:fontRef idx="minor">
+            <a:schemeClr val="tx1"/>
+          </a:fontRef>
+        </p:style>
+      </p:cxnSp>
+      <p:cxnSp>
+        <p:nvCxnSpPr>
+          <p:cNvPr id="57" name="Straight Connector 56">
+            <a:extLst>
+              <a:ext uri="{FF2B5EF4-FFF2-40B4-BE49-F238E27FC236}">
+                <a16:creationId xmlns:a16="http://schemas.microsoft.com/office/drawing/2014/main" id="{2B6DACD4-CB95-62AC-CF90-3E4F31FEFA92}"/>
+              </a:ext>
+            </a:extLst>
+          </p:cNvPr>
+          <p:cNvCxnSpPr/>
+          <p:nvPr/>
+        </p:nvCxnSpPr>
+        <p:spPr>
+          <a:xfrm>
+            <a:off x="3619577" y="4662147"/>
+            <a:ext cx="0" cy="426720"/>
+          </a:xfrm>
+          <a:prstGeom prst="line">
+            <a:avLst/>
+          </a:prstGeom>
+          <a:ln w="28575"/>
+        </p:spPr>
+        <p:style>
+          <a:lnRef idx="1">
+            <a:schemeClr val="accent1"/>
+          </a:lnRef>
+          <a:fillRef idx="0">
+            <a:schemeClr val="accent1"/>
+          </a:fillRef>
+          <a:effectRef idx="0">
+            <a:schemeClr val="accent1"/>
+          </a:effectRef>
+          <a:fontRef idx="minor">
+            <a:schemeClr val="tx1"/>
+          </a:fontRef>
+        </p:style>
+      </p:cxnSp>
+      <p:cxnSp>
+        <p:nvCxnSpPr>
+          <p:cNvPr id="58" name="Straight Connector 57">
+            <a:extLst>
+              <a:ext uri="{FF2B5EF4-FFF2-40B4-BE49-F238E27FC236}">
+                <a16:creationId xmlns:a16="http://schemas.microsoft.com/office/drawing/2014/main" id="{A28D9842-B688-FE61-867A-B9079DB912E8}"/>
+              </a:ext>
+            </a:extLst>
+          </p:cNvPr>
+          <p:cNvCxnSpPr>
+            <a:cxnSpLocks/>
+          </p:cNvCxnSpPr>
+          <p:nvPr/>
+        </p:nvCxnSpPr>
+        <p:spPr>
+          <a:xfrm>
+            <a:off x="3619577" y="5088867"/>
+            <a:ext cx="712041" cy="0"/>
+          </a:xfrm>
+          <a:prstGeom prst="line">
+            <a:avLst/>
+          </a:prstGeom>
+          <a:ln w="28575"/>
+        </p:spPr>
+        <p:style>
+          <a:lnRef idx="1">
+            <a:schemeClr val="accent1"/>
+          </a:lnRef>
+          <a:fillRef idx="0">
+            <a:schemeClr val="accent1"/>
+          </a:fillRef>
+          <a:effectRef idx="0">
+            <a:schemeClr val="accent1"/>
+          </a:effectRef>
+          <a:fontRef idx="minor">
+            <a:schemeClr val="tx1"/>
+          </a:fontRef>
+        </p:style>
+      </p:cxnSp>
+      <p:cxnSp>
+        <p:nvCxnSpPr>
+          <p:cNvPr id="60" name="Straight Connector 59">
+            <a:extLst>
+              <a:ext uri="{FF2B5EF4-FFF2-40B4-BE49-F238E27FC236}">
+                <a16:creationId xmlns:a16="http://schemas.microsoft.com/office/drawing/2014/main" id="{A07B8956-EB03-C8D8-F023-288068E6745C}"/>
+              </a:ext>
+            </a:extLst>
+          </p:cNvPr>
+          <p:cNvCxnSpPr>
+            <a:cxnSpLocks/>
+          </p:cNvCxnSpPr>
+          <p:nvPr/>
+        </p:nvCxnSpPr>
+        <p:spPr>
+          <a:xfrm flipH="1">
+            <a:off x="4331618" y="4676695"/>
+            <a:ext cx="883865" cy="0"/>
+          </a:xfrm>
+          <a:prstGeom prst="line">
+            <a:avLst/>
+          </a:prstGeom>
+          <a:ln w="28575"/>
+        </p:spPr>
+        <p:style>
+          <a:lnRef idx="1">
+            <a:schemeClr val="accent1"/>
+          </a:lnRef>
+          <a:fillRef idx="0">
+            <a:schemeClr val="accent1"/>
+          </a:fillRef>
+          <a:effectRef idx="0">
+            <a:schemeClr val="accent1"/>
+          </a:effectRef>
+          <a:fontRef idx="minor">
+            <a:schemeClr val="tx1"/>
+          </a:fontRef>
+        </p:style>
+      </p:cxnSp>
+      <p:cxnSp>
+        <p:nvCxnSpPr>
+          <p:cNvPr id="62" name="Straight Connector 61">
+            <a:extLst>
+              <a:ext uri="{FF2B5EF4-FFF2-40B4-BE49-F238E27FC236}">
+                <a16:creationId xmlns:a16="http://schemas.microsoft.com/office/drawing/2014/main" id="{7A3551EA-56D6-63E7-0B1C-C506177B191C}"/>
+              </a:ext>
+            </a:extLst>
+          </p:cNvPr>
+          <p:cNvCxnSpPr/>
+          <p:nvPr/>
+        </p:nvCxnSpPr>
+        <p:spPr>
+          <a:xfrm>
+            <a:off x="4325572" y="4676695"/>
+            <a:ext cx="0" cy="426720"/>
+          </a:xfrm>
+          <a:prstGeom prst="line">
+            <a:avLst/>
+          </a:prstGeom>
+          <a:ln w="28575"/>
+        </p:spPr>
+        <p:style>
+          <a:lnRef idx="1">
+            <a:schemeClr val="accent1"/>
+          </a:lnRef>
+          <a:fillRef idx="0">
+            <a:schemeClr val="accent1"/>
+          </a:fillRef>
+          <a:effectRef idx="0">
+            <a:schemeClr val="accent1"/>
+          </a:effectRef>
+          <a:fontRef idx="minor">
+            <a:schemeClr val="tx1"/>
+          </a:fontRef>
+        </p:style>
+      </p:cxnSp>
+      <p:cxnSp>
+        <p:nvCxnSpPr>
+          <p:cNvPr id="63" name="Straight Connector 62">
+            <a:extLst>
+              <a:ext uri="{FF2B5EF4-FFF2-40B4-BE49-F238E27FC236}">
+                <a16:creationId xmlns:a16="http://schemas.microsoft.com/office/drawing/2014/main" id="{A861B18C-2686-33D7-9F3B-CD255E23F2B2}"/>
+              </a:ext>
+            </a:extLst>
+          </p:cNvPr>
+          <p:cNvCxnSpPr/>
+          <p:nvPr/>
+        </p:nvCxnSpPr>
+        <p:spPr>
+          <a:xfrm>
+            <a:off x="5186577" y="4662147"/>
+            <a:ext cx="0" cy="426720"/>
+          </a:xfrm>
+          <a:prstGeom prst="line">
+            <a:avLst/>
+          </a:prstGeom>
+          <a:ln w="28575"/>
+        </p:spPr>
+        <p:style>
+          <a:lnRef idx="1">
+            <a:schemeClr val="accent1"/>
+          </a:lnRef>
+          <a:fillRef idx="0">
+            <a:schemeClr val="accent1"/>
+          </a:fillRef>
+          <a:effectRef idx="0">
+            <a:schemeClr val="accent1"/>
+          </a:effectRef>
+          <a:fontRef idx="minor">
+            <a:schemeClr val="tx1"/>
+          </a:fontRef>
+        </p:style>
+      </p:cxnSp>
+      <p:cxnSp>
+        <p:nvCxnSpPr>
+          <p:cNvPr id="64" name="Straight Connector 63">
+            <a:extLst>
+              <a:ext uri="{FF2B5EF4-FFF2-40B4-BE49-F238E27FC236}">
+                <a16:creationId xmlns:a16="http://schemas.microsoft.com/office/drawing/2014/main" id="{A307E12C-D3D1-65D2-AAC2-03DB37F51712}"/>
+              </a:ext>
+            </a:extLst>
+          </p:cNvPr>
+          <p:cNvCxnSpPr>
+            <a:cxnSpLocks/>
+          </p:cNvCxnSpPr>
+          <p:nvPr/>
+        </p:nvCxnSpPr>
+        <p:spPr>
+          <a:xfrm flipH="1">
+            <a:off x="5186577" y="5088867"/>
+            <a:ext cx="711303" cy="0"/>
+          </a:xfrm>
+          <a:prstGeom prst="line">
+            <a:avLst/>
+          </a:prstGeom>
+          <a:ln w="28575"/>
+        </p:spPr>
+        <p:style>
+          <a:lnRef idx="1">
+            <a:schemeClr val="accent1"/>
+          </a:lnRef>
+          <a:fillRef idx="0">
+            <a:schemeClr val="accent1"/>
+          </a:fillRef>
+          <a:effectRef idx="0">
+            <a:schemeClr val="accent1"/>
+          </a:effectRef>
+          <a:fontRef idx="minor">
+            <a:schemeClr val="tx1"/>
+          </a:fontRef>
+        </p:style>
+      </p:cxnSp>
+      <p:sp>
+        <p:nvSpPr>
+          <p:cNvPr id="66" name="TextBox 65">
+            <a:extLst>
+              <a:ext uri="{FF2B5EF4-FFF2-40B4-BE49-F238E27FC236}">
+                <a16:creationId xmlns:a16="http://schemas.microsoft.com/office/drawing/2014/main" id="{F0CF9779-D3C9-86A1-F8D9-99A75B824F22}"/>
+              </a:ext>
+            </a:extLst>
+          </p:cNvPr>
+          <p:cNvSpPr txBox="1"/>
+          <p:nvPr/>
+        </p:nvSpPr>
+        <p:spPr>
+          <a:xfrm>
+            <a:off x="1947836" y="686391"/>
+            <a:ext cx="573871" cy="276999"/>
+          </a:xfrm>
+          <a:prstGeom prst="rect">
+            <a:avLst/>
+          </a:prstGeom>
+          <a:noFill/>
+          <a:ln>
+            <a:noFill/>
+          </a:ln>
+        </p:spPr>
+        <p:txBody>
+          <a:bodyPr wrap="square" rtlCol="0">
+            <a:spAutoFit/>
+          </a:bodyPr>
+          <a:lstStyle/>
+          <a:p>
+            <a:r>
+              <a:rPr lang="en-SG" sz="1200" b="1" dirty="0"/>
+              <a:t>2S</a:t>
+            </a:r>
+          </a:p>
+        </p:txBody>
+      </p:sp>
+      <p:sp>
+        <p:nvSpPr>
+          <p:cNvPr id="67" name="TextBox 66">
+            <a:extLst>
+              <a:ext uri="{FF2B5EF4-FFF2-40B4-BE49-F238E27FC236}">
+                <a16:creationId xmlns:a16="http://schemas.microsoft.com/office/drawing/2014/main" id="{11C276E0-A524-BA9A-72AF-ED8AB3232D49}"/>
+              </a:ext>
+            </a:extLst>
+          </p:cNvPr>
+          <p:cNvSpPr txBox="1"/>
+          <p:nvPr/>
+        </p:nvSpPr>
+        <p:spPr>
+          <a:xfrm>
+            <a:off x="2674675" y="698287"/>
+            <a:ext cx="573871" cy="276999"/>
+          </a:xfrm>
+          <a:prstGeom prst="rect">
+            <a:avLst/>
+          </a:prstGeom>
+          <a:noFill/>
+          <a:ln>
+            <a:noFill/>
+          </a:ln>
+        </p:spPr>
+        <p:txBody>
+          <a:bodyPr wrap="square" rtlCol="0">
+            <a:spAutoFit/>
+          </a:bodyPr>
+          <a:lstStyle/>
+          <a:p>
+            <a:r>
+              <a:rPr lang="en-SG" sz="1200" b="1" dirty="0"/>
+              <a:t>4S</a:t>
+            </a:r>
+          </a:p>
+        </p:txBody>
+      </p:sp>
+      <p:sp>
+        <p:nvSpPr>
+          <p:cNvPr id="68" name="TextBox 67">
+            <a:extLst>
+              <a:ext uri="{FF2B5EF4-FFF2-40B4-BE49-F238E27FC236}">
+                <a16:creationId xmlns:a16="http://schemas.microsoft.com/office/drawing/2014/main" id="{7E01DF01-A6CA-699E-3491-58CA649DD892}"/>
+              </a:ext>
+            </a:extLst>
+          </p:cNvPr>
+          <p:cNvSpPr txBox="1"/>
+          <p:nvPr/>
+        </p:nvSpPr>
+        <p:spPr>
+          <a:xfrm>
+            <a:off x="3425998" y="681677"/>
+            <a:ext cx="573871" cy="276999"/>
+          </a:xfrm>
+          <a:prstGeom prst="rect">
+            <a:avLst/>
+          </a:prstGeom>
+          <a:noFill/>
+          <a:ln>
+            <a:noFill/>
+          </a:ln>
+        </p:spPr>
+        <p:txBody>
+          <a:bodyPr wrap="square" rtlCol="0">
+            <a:spAutoFit/>
+          </a:bodyPr>
+          <a:lstStyle/>
+          <a:p>
+            <a:r>
+              <a:rPr lang="en-SG" sz="1200" b="1" dirty="0"/>
+              <a:t>6S</a:t>
+            </a:r>
+          </a:p>
+        </p:txBody>
+      </p:sp>
+      <p:sp>
+        <p:nvSpPr>
+          <p:cNvPr id="69" name="TextBox 68">
+            <a:extLst>
+              <a:ext uri="{FF2B5EF4-FFF2-40B4-BE49-F238E27FC236}">
+                <a16:creationId xmlns:a16="http://schemas.microsoft.com/office/drawing/2014/main" id="{AB1C6F3A-9590-87BF-07B6-E329DEFAB601}"/>
+              </a:ext>
+            </a:extLst>
+          </p:cNvPr>
+          <p:cNvSpPr txBox="1"/>
+          <p:nvPr/>
+        </p:nvSpPr>
+        <p:spPr>
+          <a:xfrm>
+            <a:off x="4124842" y="681676"/>
+            <a:ext cx="573871" cy="276999"/>
+          </a:xfrm>
+          <a:prstGeom prst="rect">
+            <a:avLst/>
+          </a:prstGeom>
+          <a:noFill/>
+          <a:ln>
+            <a:noFill/>
+          </a:ln>
+        </p:spPr>
+        <p:txBody>
+          <a:bodyPr wrap="square" rtlCol="0">
+            <a:spAutoFit/>
+          </a:bodyPr>
+          <a:lstStyle/>
+          <a:p>
+            <a:r>
+              <a:rPr lang="en-SG" sz="1200" b="1" dirty="0"/>
+              <a:t>8S</a:t>
+            </a:r>
+          </a:p>
+        </p:txBody>
+      </p:sp>
+      <p:sp>
+        <p:nvSpPr>
+          <p:cNvPr id="70" name="TextBox 69">
+            <a:extLst>
+              <a:ext uri="{FF2B5EF4-FFF2-40B4-BE49-F238E27FC236}">
+                <a16:creationId xmlns:a16="http://schemas.microsoft.com/office/drawing/2014/main" id="{D1C548AF-8EF2-BA8F-252E-1B024628987A}"/>
+              </a:ext>
+            </a:extLst>
+          </p:cNvPr>
+          <p:cNvSpPr txBox="1"/>
+          <p:nvPr/>
+        </p:nvSpPr>
+        <p:spPr>
+          <a:xfrm>
+            <a:off x="4971780" y="659156"/>
+            <a:ext cx="573871" cy="276999"/>
+          </a:xfrm>
+          <a:prstGeom prst="rect">
+            <a:avLst/>
+          </a:prstGeom>
+          <a:noFill/>
+          <a:ln>
+            <a:noFill/>
+          </a:ln>
+        </p:spPr>
+        <p:txBody>
+          <a:bodyPr wrap="square" rtlCol="0">
+            <a:spAutoFit/>
+          </a:bodyPr>
+          <a:lstStyle/>
+          <a:p>
+            <a:r>
+              <a:rPr lang="en-SG" sz="1200" b="1" dirty="0"/>
+              <a:t>10S</a:t>
+            </a:r>
+          </a:p>
+        </p:txBody>
+      </p:sp>
+      <p:cxnSp>
+        <p:nvCxnSpPr>
+          <p:cNvPr id="71" name="Straight Connector 70">
+            <a:extLst>
+              <a:ext uri="{FF2B5EF4-FFF2-40B4-BE49-F238E27FC236}">
+                <a16:creationId xmlns:a16="http://schemas.microsoft.com/office/drawing/2014/main" id="{4C3F9548-FAD1-6A1B-90E0-014251C30B35}"/>
+              </a:ext>
+            </a:extLst>
+          </p:cNvPr>
+          <p:cNvCxnSpPr>
+            <a:cxnSpLocks/>
+          </p:cNvCxnSpPr>
+          <p:nvPr/>
+        </p:nvCxnSpPr>
+        <p:spPr>
+          <a:xfrm>
+            <a:off x="5915363" y="836787"/>
+            <a:ext cx="28906" cy="4949190"/>
+          </a:xfrm>
+          <a:prstGeom prst="line">
+            <a:avLst/>
+          </a:prstGeom>
+          <a:ln>
+            <a:prstDash val="dash"/>
+          </a:ln>
+        </p:spPr>
+        <p:style>
+          <a:lnRef idx="1">
+            <a:schemeClr val="dk1"/>
+          </a:lnRef>
+          <a:fillRef idx="0">
+            <a:schemeClr val="dk1"/>
+          </a:fillRef>
+          <a:effectRef idx="0">
+            <a:schemeClr val="dk1"/>
+          </a:effectRef>
+          <a:fontRef idx="minor">
+            <a:schemeClr val="tx1"/>
+          </a:fontRef>
+        </p:style>
+      </p:cxnSp>
+      <p:sp>
+        <p:nvSpPr>
+          <p:cNvPr id="72" name="TextBox 71">
+            <a:extLst>
+              <a:ext uri="{FF2B5EF4-FFF2-40B4-BE49-F238E27FC236}">
+                <a16:creationId xmlns:a16="http://schemas.microsoft.com/office/drawing/2014/main" id="{E078B6FB-4D93-8160-0395-79D3C5D5CC25}"/>
+              </a:ext>
+            </a:extLst>
+          </p:cNvPr>
+          <p:cNvSpPr txBox="1"/>
+          <p:nvPr/>
+        </p:nvSpPr>
+        <p:spPr>
+          <a:xfrm>
+            <a:off x="5711859" y="620806"/>
+            <a:ext cx="573871" cy="276999"/>
+          </a:xfrm>
+          <a:prstGeom prst="rect">
+            <a:avLst/>
+          </a:prstGeom>
+          <a:noFill/>
+          <a:ln>
+            <a:noFill/>
+          </a:ln>
+        </p:spPr>
+        <p:txBody>
+          <a:bodyPr wrap="square" rtlCol="0">
+            <a:spAutoFit/>
+          </a:bodyPr>
+          <a:lstStyle/>
+          <a:p>
+            <a:r>
+              <a:rPr lang="en-SG" sz="1200" b="1" dirty="0"/>
+              <a:t>12S</a:t>
+            </a:r>
+          </a:p>
+        </p:txBody>
+      </p:sp>
+      <p:cxnSp>
+        <p:nvCxnSpPr>
+          <p:cNvPr id="75" name="Straight Connector 74">
+            <a:extLst>
+              <a:ext uri="{FF2B5EF4-FFF2-40B4-BE49-F238E27FC236}">
+                <a16:creationId xmlns:a16="http://schemas.microsoft.com/office/drawing/2014/main" id="{B0753B36-0E81-3B7E-91E5-C5024E9C73C8}"/>
+              </a:ext>
+            </a:extLst>
+          </p:cNvPr>
+          <p:cNvCxnSpPr>
+            <a:cxnSpLocks/>
+          </p:cNvCxnSpPr>
+          <p:nvPr/>
+        </p:nvCxnSpPr>
+        <p:spPr>
+          <a:xfrm>
+            <a:off x="5215483" y="2765368"/>
+            <a:ext cx="699880" cy="0"/>
+          </a:xfrm>
+          <a:prstGeom prst="line">
+            <a:avLst/>
+          </a:prstGeom>
+          <a:ln>
+            <a:prstDash val="dash"/>
+          </a:ln>
+        </p:spPr>
+        <p:style>
+          <a:lnRef idx="1">
+            <a:schemeClr val="dk1"/>
+          </a:lnRef>
+          <a:fillRef idx="0">
+            <a:schemeClr val="dk1"/>
+          </a:fillRef>
+          <a:effectRef idx="0">
+            <a:schemeClr val="dk1"/>
+          </a:effectRef>
+          <a:fontRef idx="minor">
+            <a:schemeClr val="tx1"/>
+          </a:fontRef>
+        </p:style>
+      </p:cxnSp>
+      <p:cxnSp>
+        <p:nvCxnSpPr>
+          <p:cNvPr id="80" name="Straight Connector 79">
+            <a:extLst>
+              <a:ext uri="{FF2B5EF4-FFF2-40B4-BE49-F238E27FC236}">
+                <a16:creationId xmlns:a16="http://schemas.microsoft.com/office/drawing/2014/main" id="{4408D15F-943E-33C0-262F-09860BAE2CCC}"/>
+              </a:ext>
+            </a:extLst>
+          </p:cNvPr>
+          <p:cNvCxnSpPr>
+            <a:cxnSpLocks/>
+          </p:cNvCxnSpPr>
+          <p:nvPr/>
+        </p:nvCxnSpPr>
+        <p:spPr>
+          <a:xfrm>
+            <a:off x="3954780" y="4234735"/>
+            <a:ext cx="1989489" cy="0"/>
+          </a:xfrm>
+          <a:prstGeom prst="line">
+            <a:avLst/>
+          </a:prstGeom>
+          <a:ln>
+            <a:prstDash val="dash"/>
+          </a:ln>
+        </p:spPr>
+        <p:style>
+          <a:lnRef idx="1">
+            <a:schemeClr val="dk1"/>
+          </a:lnRef>
+          <a:fillRef idx="0">
+            <a:schemeClr val="dk1"/>
+          </a:fillRef>
+          <a:effectRef idx="0">
+            <a:schemeClr val="dk1"/>
+          </a:effectRef>
+          <a:fontRef idx="minor">
+            <a:schemeClr val="tx1"/>
+          </a:fontRef>
+        </p:style>
+      </p:cxnSp>
+      <p:cxnSp>
+        <p:nvCxnSpPr>
+          <p:cNvPr id="82" name="Straight Connector 81">
+            <a:extLst>
+              <a:ext uri="{FF2B5EF4-FFF2-40B4-BE49-F238E27FC236}">
+                <a16:creationId xmlns:a16="http://schemas.microsoft.com/office/drawing/2014/main" id="{595B77BD-B53A-2EBB-DF69-B67C251EF35A}"/>
+              </a:ext>
+            </a:extLst>
+          </p:cNvPr>
+          <p:cNvCxnSpPr>
+            <a:cxnSpLocks/>
+          </p:cNvCxnSpPr>
+          <p:nvPr/>
+        </p:nvCxnSpPr>
+        <p:spPr>
+          <a:xfrm>
+            <a:off x="5244389" y="4653835"/>
+            <a:ext cx="699880" cy="0"/>
+          </a:xfrm>
+          <a:prstGeom prst="line">
+            <a:avLst/>
+          </a:prstGeom>
+          <a:ln>
+            <a:prstDash val="dash"/>
+          </a:ln>
+        </p:spPr>
+        <p:style>
+          <a:lnRef idx="1">
+            <a:schemeClr val="dk1"/>
+          </a:lnRef>
+          <a:fillRef idx="0">
+            <a:schemeClr val="dk1"/>
+          </a:fillRef>
+          <a:effectRef idx="0">
+            <a:schemeClr val="dk1"/>
+          </a:effectRef>
+          <a:fontRef idx="minor">
+            <a:schemeClr val="tx1"/>
+          </a:fontRef>
+        </p:style>
+      </p:cxnSp>
+      <p:sp>
+        <p:nvSpPr>
+          <p:cNvPr id="83" name="TextBox 82">
+            <a:extLst>
+              <a:ext uri="{FF2B5EF4-FFF2-40B4-BE49-F238E27FC236}">
+                <a16:creationId xmlns:a16="http://schemas.microsoft.com/office/drawing/2014/main" id="{4D9E291E-427B-474A-2546-55E1D550275D}"/>
+              </a:ext>
+            </a:extLst>
+          </p:cNvPr>
+          <p:cNvSpPr txBox="1"/>
+          <p:nvPr/>
+        </p:nvSpPr>
+        <p:spPr>
+          <a:xfrm>
+            <a:off x="5929816" y="1392223"/>
+            <a:ext cx="964907" cy="461665"/>
+          </a:xfrm>
+          <a:prstGeom prst="rect">
+            <a:avLst/>
+          </a:prstGeom>
+          <a:noFill/>
+          <a:ln>
+            <a:noFill/>
+          </a:ln>
+        </p:spPr>
+        <p:txBody>
+          <a:bodyPr wrap="square" rtlCol="0">
+            <a:spAutoFit/>
+          </a:bodyPr>
+          <a:lstStyle/>
+          <a:p>
+            <a:r>
+              <a:rPr lang="en-SG" sz="1200" dirty="0"/>
+              <a:t>Voltage Hight [5V] </a:t>
+            </a:r>
+          </a:p>
+        </p:txBody>
+      </p:sp>
+      <p:sp>
+        <p:nvSpPr>
+          <p:cNvPr id="84" name="TextBox 83">
+            <a:extLst>
+              <a:ext uri="{FF2B5EF4-FFF2-40B4-BE49-F238E27FC236}">
+                <a16:creationId xmlns:a16="http://schemas.microsoft.com/office/drawing/2014/main" id="{99859B0B-A2DB-731D-C756-74EF27CD52E1}"/>
+              </a:ext>
+            </a:extLst>
+          </p:cNvPr>
+          <p:cNvSpPr txBox="1"/>
+          <p:nvPr/>
+        </p:nvSpPr>
+        <p:spPr>
+          <a:xfrm>
+            <a:off x="5937043" y="1853888"/>
+            <a:ext cx="964907" cy="461665"/>
+          </a:xfrm>
+          <a:prstGeom prst="rect">
+            <a:avLst/>
+          </a:prstGeom>
+          <a:noFill/>
+          <a:ln>
+            <a:noFill/>
+          </a:ln>
+        </p:spPr>
+        <p:txBody>
+          <a:bodyPr wrap="square" rtlCol="0">
+            <a:spAutoFit/>
+          </a:bodyPr>
+          <a:lstStyle/>
+          <a:p>
+            <a:r>
+              <a:rPr lang="en-SG" sz="1200" dirty="0"/>
+              <a:t>Voltage Low [0V] </a:t>
+            </a:r>
+          </a:p>
+        </p:txBody>
+      </p:sp>
+      <p:sp>
+        <p:nvSpPr>
+          <p:cNvPr id="85" name="TextBox 84">
+            <a:extLst>
+              <a:ext uri="{FF2B5EF4-FFF2-40B4-BE49-F238E27FC236}">
+                <a16:creationId xmlns:a16="http://schemas.microsoft.com/office/drawing/2014/main" id="{D9C41EC6-5783-9B38-126A-DE7CD07403E0}"/>
+              </a:ext>
+            </a:extLst>
+          </p:cNvPr>
+          <p:cNvSpPr txBox="1"/>
+          <p:nvPr/>
+        </p:nvSpPr>
+        <p:spPr>
+          <a:xfrm>
+            <a:off x="5908137" y="2507234"/>
+            <a:ext cx="964907" cy="461665"/>
+          </a:xfrm>
+          <a:prstGeom prst="rect">
+            <a:avLst/>
+          </a:prstGeom>
+          <a:noFill/>
+          <a:ln>
+            <a:noFill/>
+          </a:ln>
+        </p:spPr>
+        <p:txBody>
+          <a:bodyPr wrap="square" rtlCol="0">
+            <a:spAutoFit/>
+          </a:bodyPr>
+          <a:lstStyle/>
+          <a:p>
+            <a:r>
+              <a:rPr lang="en-SG" sz="1200" dirty="0"/>
+              <a:t>Voltage Hight [5V] </a:t>
+            </a:r>
+          </a:p>
+        </p:txBody>
+      </p:sp>
+      <p:sp>
+        <p:nvSpPr>
+          <p:cNvPr id="86" name="TextBox 85">
+            <a:extLst>
+              <a:ext uri="{FF2B5EF4-FFF2-40B4-BE49-F238E27FC236}">
+                <a16:creationId xmlns:a16="http://schemas.microsoft.com/office/drawing/2014/main" id="{B390C557-0C80-CC8C-9F4B-C74E58F38A96}"/>
+              </a:ext>
+            </a:extLst>
+          </p:cNvPr>
+          <p:cNvSpPr txBox="1"/>
+          <p:nvPr/>
+        </p:nvSpPr>
+        <p:spPr>
+          <a:xfrm>
+            <a:off x="5951495" y="2962613"/>
+            <a:ext cx="964907" cy="461665"/>
+          </a:xfrm>
+          <a:prstGeom prst="rect">
+            <a:avLst/>
+          </a:prstGeom>
+          <a:noFill/>
+          <a:ln>
+            <a:noFill/>
+          </a:ln>
+        </p:spPr>
+        <p:txBody>
+          <a:bodyPr wrap="square" rtlCol="0">
+            <a:spAutoFit/>
+          </a:bodyPr>
+          <a:lstStyle/>
+          <a:p>
+            <a:r>
+              <a:rPr lang="en-SG" sz="1200" dirty="0"/>
+              <a:t>Voltage Low [0V] </a:t>
+            </a:r>
+          </a:p>
+        </p:txBody>
+      </p:sp>
+      <p:sp>
+        <p:nvSpPr>
+          <p:cNvPr id="87" name="TextBox 86">
+            <a:extLst>
+              <a:ext uri="{FF2B5EF4-FFF2-40B4-BE49-F238E27FC236}">
+                <a16:creationId xmlns:a16="http://schemas.microsoft.com/office/drawing/2014/main" id="{F95E565C-EC8C-A884-58CF-F68E179D8C25}"/>
+              </a:ext>
+            </a:extLst>
+          </p:cNvPr>
+          <p:cNvSpPr txBox="1"/>
+          <p:nvPr/>
+        </p:nvSpPr>
+        <p:spPr>
+          <a:xfrm>
+            <a:off x="5958618" y="3991328"/>
+            <a:ext cx="964907" cy="461665"/>
+          </a:xfrm>
+          <a:prstGeom prst="rect">
+            <a:avLst/>
+          </a:prstGeom>
+          <a:noFill/>
+          <a:ln>
+            <a:noFill/>
+          </a:ln>
+        </p:spPr>
+        <p:txBody>
+          <a:bodyPr wrap="square" rtlCol="0">
+            <a:spAutoFit/>
+          </a:bodyPr>
+          <a:lstStyle/>
+          <a:p>
+            <a:r>
+              <a:rPr lang="en-SG" sz="1200" dirty="0"/>
+              <a:t>Voltage Low [0V] </a:t>
+            </a:r>
+          </a:p>
+        </p:txBody>
+      </p:sp>
+      <p:sp>
+        <p:nvSpPr>
+          <p:cNvPr id="88" name="TextBox 87">
+            <a:extLst>
+              <a:ext uri="{FF2B5EF4-FFF2-40B4-BE49-F238E27FC236}">
+                <a16:creationId xmlns:a16="http://schemas.microsoft.com/office/drawing/2014/main" id="{31FEA637-E5F1-7AC8-E8F5-F411830D14B2}"/>
+              </a:ext>
+            </a:extLst>
+          </p:cNvPr>
+          <p:cNvSpPr txBox="1"/>
+          <p:nvPr/>
+        </p:nvSpPr>
+        <p:spPr>
+          <a:xfrm>
+            <a:off x="5977969" y="4890055"/>
+            <a:ext cx="964907" cy="461665"/>
+          </a:xfrm>
+          <a:prstGeom prst="rect">
+            <a:avLst/>
+          </a:prstGeom>
+          <a:noFill/>
+          <a:ln>
+            <a:noFill/>
+          </a:ln>
+        </p:spPr>
+        <p:txBody>
+          <a:bodyPr wrap="square" rtlCol="0">
+            <a:spAutoFit/>
+          </a:bodyPr>
+          <a:lstStyle/>
+          <a:p>
+            <a:r>
+              <a:rPr lang="en-SG" sz="1200" dirty="0"/>
+              <a:t>Voltage Low [0V] </a:t>
+            </a:r>
+          </a:p>
+        </p:txBody>
+      </p:sp>
+      <p:sp>
+        <p:nvSpPr>
+          <p:cNvPr id="89" name="TextBox 88">
+            <a:extLst>
+              <a:ext uri="{FF2B5EF4-FFF2-40B4-BE49-F238E27FC236}">
+                <a16:creationId xmlns:a16="http://schemas.microsoft.com/office/drawing/2014/main" id="{1C4910DB-4AC6-B2C9-C9C0-8860E4DC41CB}"/>
+              </a:ext>
+            </a:extLst>
+          </p:cNvPr>
+          <p:cNvSpPr txBox="1"/>
+          <p:nvPr/>
+        </p:nvSpPr>
+        <p:spPr>
+          <a:xfrm>
+            <a:off x="5944931" y="3561938"/>
+            <a:ext cx="964907" cy="461665"/>
+          </a:xfrm>
+          <a:prstGeom prst="rect">
+            <a:avLst/>
+          </a:prstGeom>
+          <a:noFill/>
+          <a:ln>
+            <a:noFill/>
+          </a:ln>
+        </p:spPr>
+        <p:txBody>
+          <a:bodyPr wrap="square" rtlCol="0">
+            <a:spAutoFit/>
+          </a:bodyPr>
+          <a:lstStyle/>
+          <a:p>
+            <a:r>
+              <a:rPr lang="en-SG" sz="1200" dirty="0"/>
+              <a:t>Voltage Hight [5V] </a:t>
+            </a:r>
+          </a:p>
+        </p:txBody>
+      </p:sp>
+      <p:sp>
+        <p:nvSpPr>
+          <p:cNvPr id="90" name="TextBox 89">
+            <a:extLst>
+              <a:ext uri="{FF2B5EF4-FFF2-40B4-BE49-F238E27FC236}">
+                <a16:creationId xmlns:a16="http://schemas.microsoft.com/office/drawing/2014/main" id="{153F0EBD-4803-881E-42C6-7A88A4AB9EC0}"/>
+              </a:ext>
+            </a:extLst>
+          </p:cNvPr>
+          <p:cNvSpPr txBox="1"/>
+          <p:nvPr/>
+        </p:nvSpPr>
+        <p:spPr>
+          <a:xfrm>
+            <a:off x="5968880" y="4480697"/>
+            <a:ext cx="964907" cy="461665"/>
+          </a:xfrm>
+          <a:prstGeom prst="rect">
+            <a:avLst/>
+          </a:prstGeom>
+          <a:noFill/>
+          <a:ln>
+            <a:noFill/>
+          </a:ln>
+        </p:spPr>
+        <p:txBody>
+          <a:bodyPr wrap="square" rtlCol="0">
+            <a:spAutoFit/>
+          </a:bodyPr>
+          <a:lstStyle/>
+          <a:p>
+            <a:r>
+              <a:rPr lang="en-SG" sz="1200" dirty="0"/>
+              <a:t>Voltage Hight [5V] </a:t>
+            </a:r>
+          </a:p>
+        </p:txBody>
+      </p:sp>
+      <p:sp>
+        <p:nvSpPr>
+          <p:cNvPr id="91" name="TextBox 90">
+            <a:extLst>
+              <a:ext uri="{FF2B5EF4-FFF2-40B4-BE49-F238E27FC236}">
+                <a16:creationId xmlns:a16="http://schemas.microsoft.com/office/drawing/2014/main" id="{985B2107-A972-EB01-8ED3-6BAEAA8B3715}"/>
+              </a:ext>
+            </a:extLst>
+          </p:cNvPr>
+          <p:cNvSpPr txBox="1"/>
+          <p:nvPr/>
+        </p:nvSpPr>
+        <p:spPr>
+          <a:xfrm>
+            <a:off x="60663" y="1513250"/>
+            <a:ext cx="1068532" cy="646331"/>
+          </a:xfrm>
+          <a:prstGeom prst="rect">
+            <a:avLst/>
+          </a:prstGeom>
+          <a:noFill/>
+          <a:ln>
+            <a:noFill/>
+          </a:ln>
+        </p:spPr>
+        <p:txBody>
+          <a:bodyPr wrap="square" rtlCol="0">
+            <a:spAutoFit/>
+          </a:bodyPr>
+          <a:lstStyle/>
+          <a:p>
+            <a:r>
+              <a:rPr lang="en-SG" sz="1200" dirty="0"/>
+              <a:t>PLC physical Contacts wire 1</a:t>
+            </a:r>
+          </a:p>
+        </p:txBody>
+      </p:sp>
+      <p:sp>
+        <p:nvSpPr>
+          <p:cNvPr id="92" name="TextBox 91">
+            <a:extLst>
+              <a:ext uri="{FF2B5EF4-FFF2-40B4-BE49-F238E27FC236}">
+                <a16:creationId xmlns:a16="http://schemas.microsoft.com/office/drawing/2014/main" id="{B4BA0FD0-0419-B75F-8EB3-D26C8C91A133}"/>
+              </a:ext>
+            </a:extLst>
+          </p:cNvPr>
+          <p:cNvSpPr txBox="1"/>
+          <p:nvPr/>
+        </p:nvSpPr>
+        <p:spPr>
+          <a:xfrm>
+            <a:off x="116253" y="2729564"/>
+            <a:ext cx="1068532" cy="646331"/>
+          </a:xfrm>
+          <a:prstGeom prst="rect">
+            <a:avLst/>
+          </a:prstGeom>
+          <a:noFill/>
+          <a:ln>
+            <a:noFill/>
+          </a:ln>
+        </p:spPr>
+        <p:txBody>
+          <a:bodyPr wrap="square" rtlCol="0">
+            <a:spAutoFit/>
+          </a:bodyPr>
+          <a:lstStyle/>
+          <a:p>
+            <a:r>
+              <a:rPr lang="en-SG" sz="1200" dirty="0"/>
+              <a:t>PLC physical Contacts wire 2</a:t>
+            </a:r>
+          </a:p>
+        </p:txBody>
+      </p:sp>
+      <p:sp>
+        <p:nvSpPr>
+          <p:cNvPr id="93" name="TextBox 92">
+            <a:extLst>
+              <a:ext uri="{FF2B5EF4-FFF2-40B4-BE49-F238E27FC236}">
+                <a16:creationId xmlns:a16="http://schemas.microsoft.com/office/drawing/2014/main" id="{179F5790-36C2-94E2-9913-D5AA4BE37D66}"/>
+              </a:ext>
+            </a:extLst>
+          </p:cNvPr>
+          <p:cNvSpPr txBox="1"/>
+          <p:nvPr/>
+        </p:nvSpPr>
+        <p:spPr>
+          <a:xfrm>
+            <a:off x="116253" y="3714006"/>
+            <a:ext cx="1068532" cy="646331"/>
+          </a:xfrm>
+          <a:prstGeom prst="rect">
+            <a:avLst/>
+          </a:prstGeom>
+          <a:noFill/>
+          <a:ln>
+            <a:noFill/>
+          </a:ln>
+        </p:spPr>
+        <p:txBody>
+          <a:bodyPr wrap="square" rtlCol="0">
+            <a:spAutoFit/>
+          </a:bodyPr>
+          <a:lstStyle/>
+          <a:p>
+            <a:r>
+              <a:rPr lang="en-SG" sz="1200" dirty="0"/>
+              <a:t>PLC physical Contacts wire 3</a:t>
+            </a:r>
+          </a:p>
+        </p:txBody>
+      </p:sp>
+      <p:sp>
+        <p:nvSpPr>
+          <p:cNvPr id="94" name="TextBox 93">
+            <a:extLst>
+              <a:ext uri="{FF2B5EF4-FFF2-40B4-BE49-F238E27FC236}">
+                <a16:creationId xmlns:a16="http://schemas.microsoft.com/office/drawing/2014/main" id="{63C37458-B92D-BB6B-BDFB-4054245E1CC7}"/>
+              </a:ext>
+            </a:extLst>
+          </p:cNvPr>
+          <p:cNvSpPr txBox="1"/>
+          <p:nvPr/>
+        </p:nvSpPr>
+        <p:spPr>
+          <a:xfrm>
+            <a:off x="132255" y="4552341"/>
+            <a:ext cx="1068532" cy="646331"/>
+          </a:xfrm>
+          <a:prstGeom prst="rect">
+            <a:avLst/>
+          </a:prstGeom>
+          <a:noFill/>
+          <a:ln>
+            <a:noFill/>
+          </a:ln>
+        </p:spPr>
+        <p:txBody>
+          <a:bodyPr wrap="square" rtlCol="0">
+            <a:spAutoFit/>
+          </a:bodyPr>
+          <a:lstStyle/>
+          <a:p>
+            <a:r>
+              <a:rPr lang="en-SG" sz="1200" dirty="0"/>
+              <a:t>PLC physical Contacts wire 4</a:t>
+            </a:r>
+          </a:p>
+        </p:txBody>
+      </p:sp>
+      <p:graphicFrame>
+        <p:nvGraphicFramePr>
+          <p:cNvPr id="95" name="Table 94">
+            <a:extLst>
+              <a:ext uri="{FF2B5EF4-FFF2-40B4-BE49-F238E27FC236}">
+                <a16:creationId xmlns:a16="http://schemas.microsoft.com/office/drawing/2014/main" id="{A2722FD5-C4DF-279A-EA7F-2C0AE6311A58}"/>
+              </a:ext>
+            </a:extLst>
+          </p:cNvPr>
+          <p:cNvGraphicFramePr>
+            <a:graphicFrameLocks noGrp="1"/>
+          </p:cNvGraphicFramePr>
+          <p:nvPr>
+            <p:extLst>
+              <p:ext uri="{D42A27DB-BD31-4B8C-83A1-F6EECF244321}">
+                <p14:modId xmlns:p14="http://schemas.microsoft.com/office/powerpoint/2010/main" val="531392565"/>
+              </p:ext>
+            </p:extLst>
+          </p:nvPr>
+        </p:nvGraphicFramePr>
+        <p:xfrm>
+          <a:off x="7039252" y="872286"/>
+          <a:ext cx="4974116" cy="4392720"/>
+        </p:xfrm>
+        <a:graphic>
+          <a:graphicData uri="http://schemas.openxmlformats.org/drawingml/2006/table">
+            <a:tbl>
+              <a:tblPr firstRow="1" bandRow="1">
+                <a:tableStyleId>{5C22544A-7EE6-4342-B048-85BDC9FD1C3A}</a:tableStyleId>
+              </a:tblPr>
+              <a:tblGrid>
+                <a:gridCol w="355294">
+                  <a:extLst>
+                    <a:ext uri="{9D8B030D-6E8A-4147-A177-3AD203B41FA5}">
+                      <a16:colId xmlns:a16="http://schemas.microsoft.com/office/drawing/2014/main" val="3665562435"/>
+                    </a:ext>
+                  </a:extLst>
+                </a:gridCol>
+                <a:gridCol w="355294">
+                  <a:extLst>
+                    <a:ext uri="{9D8B030D-6E8A-4147-A177-3AD203B41FA5}">
+                      <a16:colId xmlns:a16="http://schemas.microsoft.com/office/drawing/2014/main" val="2416590360"/>
+                    </a:ext>
+                  </a:extLst>
+                </a:gridCol>
+                <a:gridCol w="355294">
+                  <a:extLst>
+                    <a:ext uri="{9D8B030D-6E8A-4147-A177-3AD203B41FA5}">
+                      <a16:colId xmlns:a16="http://schemas.microsoft.com/office/drawing/2014/main" val="837016703"/>
+                    </a:ext>
+                  </a:extLst>
+                </a:gridCol>
+                <a:gridCol w="355294">
+                  <a:extLst>
+                    <a:ext uri="{9D8B030D-6E8A-4147-A177-3AD203B41FA5}">
+                      <a16:colId xmlns:a16="http://schemas.microsoft.com/office/drawing/2014/main" val="3497816643"/>
+                    </a:ext>
+                  </a:extLst>
+                </a:gridCol>
+                <a:gridCol w="355294">
+                  <a:extLst>
+                    <a:ext uri="{9D8B030D-6E8A-4147-A177-3AD203B41FA5}">
+                      <a16:colId xmlns:a16="http://schemas.microsoft.com/office/drawing/2014/main" val="3375987162"/>
+                    </a:ext>
+                  </a:extLst>
+                </a:gridCol>
+                <a:gridCol w="355294">
+                  <a:extLst>
+                    <a:ext uri="{9D8B030D-6E8A-4147-A177-3AD203B41FA5}">
+                      <a16:colId xmlns:a16="http://schemas.microsoft.com/office/drawing/2014/main" val="892342173"/>
+                    </a:ext>
+                  </a:extLst>
+                </a:gridCol>
+                <a:gridCol w="355294">
+                  <a:extLst>
+                    <a:ext uri="{9D8B030D-6E8A-4147-A177-3AD203B41FA5}">
+                      <a16:colId xmlns:a16="http://schemas.microsoft.com/office/drawing/2014/main" val="4055363881"/>
+                    </a:ext>
+                  </a:extLst>
+                </a:gridCol>
+                <a:gridCol w="355294">
+                  <a:extLst>
+                    <a:ext uri="{9D8B030D-6E8A-4147-A177-3AD203B41FA5}">
+                      <a16:colId xmlns:a16="http://schemas.microsoft.com/office/drawing/2014/main" val="2375926077"/>
+                    </a:ext>
+                  </a:extLst>
+                </a:gridCol>
+                <a:gridCol w="355294">
+                  <a:extLst>
+                    <a:ext uri="{9D8B030D-6E8A-4147-A177-3AD203B41FA5}">
+                      <a16:colId xmlns:a16="http://schemas.microsoft.com/office/drawing/2014/main" val="4213474844"/>
+                    </a:ext>
+                  </a:extLst>
+                </a:gridCol>
+                <a:gridCol w="355294">
+                  <a:extLst>
+                    <a:ext uri="{9D8B030D-6E8A-4147-A177-3AD203B41FA5}">
+                      <a16:colId xmlns:a16="http://schemas.microsoft.com/office/drawing/2014/main" val="3623908359"/>
+                    </a:ext>
+                  </a:extLst>
+                </a:gridCol>
+                <a:gridCol w="355294">
+                  <a:extLst>
+                    <a:ext uri="{9D8B030D-6E8A-4147-A177-3AD203B41FA5}">
+                      <a16:colId xmlns:a16="http://schemas.microsoft.com/office/drawing/2014/main" val="1039046465"/>
+                    </a:ext>
+                  </a:extLst>
+                </a:gridCol>
+                <a:gridCol w="355294">
+                  <a:extLst>
+                    <a:ext uri="{9D8B030D-6E8A-4147-A177-3AD203B41FA5}">
+                      <a16:colId xmlns:a16="http://schemas.microsoft.com/office/drawing/2014/main" val="2233994037"/>
+                    </a:ext>
+                  </a:extLst>
+                </a:gridCol>
+                <a:gridCol w="355294">
+                  <a:extLst>
+                    <a:ext uri="{9D8B030D-6E8A-4147-A177-3AD203B41FA5}">
+                      <a16:colId xmlns:a16="http://schemas.microsoft.com/office/drawing/2014/main" val="2203341326"/>
+                    </a:ext>
+                  </a:extLst>
+                </a:gridCol>
+                <a:gridCol w="355294">
+                  <a:extLst>
+                    <a:ext uri="{9D8B030D-6E8A-4147-A177-3AD203B41FA5}">
+                      <a16:colId xmlns:a16="http://schemas.microsoft.com/office/drawing/2014/main" val="3191529351"/>
+                    </a:ext>
+                  </a:extLst>
+                </a:gridCol>
+              </a:tblGrid>
+              <a:tr h="878544">
+                <a:tc>
+                  <a:txBody>
+                    <a:bodyPr/>
+                    <a:lstStyle/>
+                    <a:p>
+                      <a:pPr algn="ctr"/>
+                      <a:endParaRPr lang="en-SG" sz="1100" dirty="0"/>
+                    </a:p>
+                  </a:txBody>
+                  <a:tcPr anchor="ctr">
+                    <a:lnL w="12700" cap="flat" cmpd="sng" algn="ctr">
+                      <a:solidFill>
+                        <a:schemeClr val="tx1"/>
+                      </a:solidFill>
+                      <a:prstDash val="solid"/>
+                      <a:round/>
+                      <a:headEnd type="none" w="med" len="med"/>
+                      <a:tailEnd type="none" w="med" len="med"/>
+                    </a:lnL>
+                    <a:lnT w="12700" cap="flat" cmpd="sng" algn="ctr">
+                      <a:solidFill>
+                        <a:schemeClr val="tx1"/>
+                      </a:solidFill>
+                      <a:prstDash val="solid"/>
+                      <a:round/>
+                      <a:headEnd type="none" w="med" len="med"/>
+                      <a:tailEnd type="none" w="med" len="med"/>
+                    </a:lnT>
+                  </a:tcPr>
+                </a:tc>
+                <a:tc>
+                  <a:txBody>
+                    <a:bodyPr/>
+                    <a:lstStyle/>
+                    <a:p>
+                      <a:pPr marL="0" marR="0" lvl="0" indent="0" algn="ctr" defTabSz="914400" rtl="0" eaLnBrk="1" fontAlgn="auto" latinLnBrk="0" hangingPunct="1">
+                        <a:lnSpc>
+                          <a:spcPct val="100000"/>
+                        </a:lnSpc>
+                        <a:spcBef>
+                          <a:spcPts val="0"/>
+                        </a:spcBef>
+                        <a:spcAft>
+                          <a:spcPts val="0"/>
+                        </a:spcAft>
+                        <a:buClrTx/>
+                        <a:buSzTx/>
+                        <a:buFontTx/>
+                        <a:buNone/>
+                        <a:tabLst/>
+                        <a:defRPr/>
+                      </a:pPr>
+                      <a:r>
+                        <a:rPr lang="en-SG" sz="1200" dirty="0"/>
+                        <a:t>0s</a:t>
+                      </a:r>
+                    </a:p>
+                  </a:txBody>
+                  <a:tcPr anchor="ctr">
+                    <a:lnT w="12700" cap="flat" cmpd="sng" algn="ctr">
+                      <a:solidFill>
+                        <a:schemeClr val="tx1"/>
+                      </a:solidFill>
+                      <a:prstDash val="solid"/>
+                      <a:round/>
+                      <a:headEnd type="none" w="med" len="med"/>
+                      <a:tailEnd type="none" w="med" len="med"/>
+                    </a:lnT>
+                  </a:tcPr>
+                </a:tc>
+                <a:tc>
+                  <a:txBody>
+                    <a:bodyPr/>
+                    <a:lstStyle/>
+                    <a:p>
+                      <a:pPr algn="ctr"/>
+                      <a:r>
+                        <a:rPr lang="en-SG" sz="1200" dirty="0"/>
+                        <a:t>1s</a:t>
+                      </a:r>
+                    </a:p>
+                  </a:txBody>
+                  <a:tcPr anchor="ctr">
+                    <a:lnT w="12700" cap="flat" cmpd="sng" algn="ctr">
+                      <a:solidFill>
+                        <a:schemeClr val="tx1"/>
+                      </a:solidFill>
+                      <a:prstDash val="solid"/>
+                      <a:round/>
+                      <a:headEnd type="none" w="med" len="med"/>
+                      <a:tailEnd type="none" w="med" len="med"/>
+                    </a:lnT>
+                  </a:tcPr>
+                </a:tc>
+                <a:tc>
+                  <a:txBody>
+                    <a:bodyPr/>
+                    <a:lstStyle/>
+                    <a:p>
+                      <a:pPr algn="ctr"/>
+                      <a:r>
+                        <a:rPr lang="en-SG" sz="1200" dirty="0"/>
+                        <a:t>2s</a:t>
+                      </a:r>
+                    </a:p>
+                  </a:txBody>
+                  <a:tcPr anchor="ctr">
+                    <a:lnT w="12700" cap="flat" cmpd="sng" algn="ctr">
+                      <a:solidFill>
+                        <a:schemeClr val="tx1"/>
+                      </a:solidFill>
+                      <a:prstDash val="solid"/>
+                      <a:round/>
+                      <a:headEnd type="none" w="med" len="med"/>
+                      <a:tailEnd type="none" w="med" len="med"/>
+                    </a:lnT>
+                  </a:tcPr>
+                </a:tc>
+                <a:tc>
+                  <a:txBody>
+                    <a:bodyPr/>
+                    <a:lstStyle/>
+                    <a:p>
+                      <a:pPr algn="ctr"/>
+                      <a:r>
+                        <a:rPr lang="en-SG" sz="1200" dirty="0"/>
+                        <a:t>3s</a:t>
+                      </a:r>
+                    </a:p>
+                  </a:txBody>
+                  <a:tcPr anchor="ctr">
+                    <a:lnT w="12700" cap="flat" cmpd="sng" algn="ctr">
+                      <a:solidFill>
+                        <a:schemeClr val="tx1"/>
+                      </a:solidFill>
+                      <a:prstDash val="solid"/>
+                      <a:round/>
+                      <a:headEnd type="none" w="med" len="med"/>
+                      <a:tailEnd type="none" w="med" len="med"/>
+                    </a:lnT>
+                  </a:tcPr>
+                </a:tc>
+                <a:tc>
+                  <a:txBody>
+                    <a:bodyPr/>
+                    <a:lstStyle/>
+                    <a:p>
+                      <a:pPr algn="ctr"/>
+                      <a:r>
+                        <a:rPr lang="en-SG" sz="1200" dirty="0"/>
+                        <a:t>4s</a:t>
+                      </a:r>
+                    </a:p>
+                  </a:txBody>
+                  <a:tcPr anchor="ctr">
+                    <a:lnT w="12700" cap="flat" cmpd="sng" algn="ctr">
+                      <a:solidFill>
+                        <a:schemeClr val="tx1"/>
+                      </a:solidFill>
+                      <a:prstDash val="solid"/>
+                      <a:round/>
+                      <a:headEnd type="none" w="med" len="med"/>
+                      <a:tailEnd type="none" w="med" len="med"/>
+                    </a:lnT>
+                  </a:tcPr>
+                </a:tc>
+                <a:tc>
+                  <a:txBody>
+                    <a:bodyPr/>
+                    <a:lstStyle/>
+                    <a:p>
+                      <a:pPr algn="ctr"/>
+                      <a:r>
+                        <a:rPr lang="en-SG" sz="1200" dirty="0"/>
+                        <a:t>5s</a:t>
+                      </a:r>
+                    </a:p>
+                  </a:txBody>
+                  <a:tcPr anchor="ctr">
+                    <a:lnT w="12700" cap="flat" cmpd="sng" algn="ctr">
+                      <a:solidFill>
+                        <a:schemeClr val="tx1"/>
+                      </a:solidFill>
+                      <a:prstDash val="solid"/>
+                      <a:round/>
+                      <a:headEnd type="none" w="med" len="med"/>
+                      <a:tailEnd type="none" w="med" len="med"/>
+                    </a:lnT>
+                  </a:tcPr>
+                </a:tc>
+                <a:tc>
+                  <a:txBody>
+                    <a:bodyPr/>
+                    <a:lstStyle/>
+                    <a:p>
+                      <a:pPr algn="ctr"/>
+                      <a:r>
+                        <a:rPr lang="en-SG" sz="1200" dirty="0"/>
+                        <a:t>6s</a:t>
+                      </a:r>
+                    </a:p>
+                  </a:txBody>
+                  <a:tcPr anchor="ctr">
+                    <a:lnT w="12700" cap="flat" cmpd="sng" algn="ctr">
+                      <a:solidFill>
+                        <a:schemeClr val="tx1"/>
+                      </a:solidFill>
+                      <a:prstDash val="solid"/>
+                      <a:round/>
+                      <a:headEnd type="none" w="med" len="med"/>
+                      <a:tailEnd type="none" w="med" len="med"/>
+                    </a:lnT>
+                  </a:tcPr>
+                </a:tc>
+                <a:tc>
+                  <a:txBody>
+                    <a:bodyPr/>
+                    <a:lstStyle/>
+                    <a:p>
+                      <a:pPr algn="ctr"/>
+                      <a:r>
+                        <a:rPr lang="en-SG" sz="1200" dirty="0"/>
+                        <a:t>7s</a:t>
+                      </a:r>
+                    </a:p>
+                  </a:txBody>
+                  <a:tcPr anchor="ctr">
+                    <a:lnT w="12700" cap="flat" cmpd="sng" algn="ctr">
+                      <a:solidFill>
+                        <a:schemeClr val="tx1"/>
+                      </a:solidFill>
+                      <a:prstDash val="solid"/>
+                      <a:round/>
+                      <a:headEnd type="none" w="med" len="med"/>
+                      <a:tailEnd type="none" w="med" len="med"/>
+                    </a:lnT>
+                  </a:tcPr>
+                </a:tc>
+                <a:tc>
+                  <a:txBody>
+                    <a:bodyPr/>
+                    <a:lstStyle/>
+                    <a:p>
+                      <a:pPr algn="ctr"/>
+                      <a:r>
+                        <a:rPr lang="en-SG" sz="1200" dirty="0"/>
+                        <a:t>8s</a:t>
+                      </a:r>
+                    </a:p>
+                  </a:txBody>
+                  <a:tcPr anchor="ctr">
+                    <a:lnT w="12700" cap="flat" cmpd="sng" algn="ctr">
+                      <a:solidFill>
+                        <a:schemeClr val="tx1"/>
+                      </a:solidFill>
+                      <a:prstDash val="solid"/>
+                      <a:round/>
+                      <a:headEnd type="none" w="med" len="med"/>
+                      <a:tailEnd type="none" w="med" len="med"/>
+                    </a:lnT>
+                  </a:tcPr>
+                </a:tc>
+                <a:tc>
+                  <a:txBody>
+                    <a:bodyPr/>
+                    <a:lstStyle/>
+                    <a:p>
+                      <a:pPr algn="ctr"/>
+                      <a:r>
+                        <a:rPr lang="en-SG" sz="1200" dirty="0"/>
+                        <a:t>9s</a:t>
+                      </a:r>
+                    </a:p>
+                  </a:txBody>
+                  <a:tcPr anchor="ctr">
+                    <a:lnT w="12700" cap="flat" cmpd="sng" algn="ctr">
+                      <a:solidFill>
+                        <a:schemeClr val="tx1"/>
+                      </a:solidFill>
+                      <a:prstDash val="solid"/>
+                      <a:round/>
+                      <a:headEnd type="none" w="med" len="med"/>
+                      <a:tailEnd type="none" w="med" len="med"/>
+                    </a:lnT>
+                  </a:tcPr>
+                </a:tc>
+                <a:tc>
+                  <a:txBody>
+                    <a:bodyPr/>
+                    <a:lstStyle/>
+                    <a:p>
+                      <a:pPr algn="ctr"/>
+                      <a:r>
+                        <a:rPr lang="en-SG" sz="1200" dirty="0"/>
+                        <a:t>10</a:t>
+                      </a:r>
+                    </a:p>
+                  </a:txBody>
+                  <a:tcPr anchor="ctr">
+                    <a:lnT w="12700" cap="flat" cmpd="sng" algn="ctr">
+                      <a:solidFill>
+                        <a:schemeClr val="tx1"/>
+                      </a:solidFill>
+                      <a:prstDash val="solid"/>
+                      <a:round/>
+                      <a:headEnd type="none" w="med" len="med"/>
+                      <a:tailEnd type="none" w="med" len="med"/>
+                    </a:lnT>
+                  </a:tcPr>
+                </a:tc>
+                <a:tc>
+                  <a:txBody>
+                    <a:bodyPr/>
+                    <a:lstStyle/>
+                    <a:p>
+                      <a:pPr algn="ctr"/>
+                      <a:r>
+                        <a:rPr lang="en-SG" sz="1200" dirty="0"/>
+                        <a:t>11</a:t>
+                      </a:r>
+                    </a:p>
+                  </a:txBody>
+                  <a:tcPr anchor="ctr">
+                    <a:lnT w="12700" cap="flat" cmpd="sng" algn="ctr">
+                      <a:solidFill>
+                        <a:schemeClr val="tx1"/>
+                      </a:solidFill>
+                      <a:prstDash val="solid"/>
+                      <a:round/>
+                      <a:headEnd type="none" w="med" len="med"/>
+                      <a:tailEnd type="none" w="med" len="med"/>
+                    </a:lnT>
+                  </a:tcPr>
+                </a:tc>
+                <a:tc>
+                  <a:txBody>
+                    <a:bodyPr/>
+                    <a:lstStyle/>
+                    <a:p>
+                      <a:pPr algn="ctr"/>
+                      <a:r>
+                        <a:rPr lang="en-SG" sz="1200" dirty="0"/>
+                        <a:t>12</a:t>
+                      </a:r>
+                    </a:p>
+                  </a:txBody>
+                  <a:tcPr anchor="ctr">
+                    <a:lnR w="12700" cap="flat" cmpd="sng" algn="ctr">
+                      <a:solidFill>
+                        <a:schemeClr val="tx1"/>
+                      </a:solidFill>
+                      <a:prstDash val="solid"/>
+                      <a:round/>
+                      <a:headEnd type="none" w="med" len="med"/>
+                      <a:tailEnd type="none" w="med" len="med"/>
+                    </a:lnR>
+                    <a:lnT w="12700" cap="flat" cmpd="sng" algn="ctr">
+                      <a:solidFill>
+                        <a:schemeClr val="tx1"/>
+                      </a:solidFill>
+                      <a:prstDash val="solid"/>
+                      <a:round/>
+                      <a:headEnd type="none" w="med" len="med"/>
+                      <a:tailEnd type="none" w="med" len="med"/>
+                    </a:lnT>
+                  </a:tcPr>
+                </a:tc>
+                <a:extLst>
+                  <a:ext uri="{0D108BD9-81ED-4DB2-BD59-A6C34878D82A}">
+                    <a16:rowId xmlns:a16="http://schemas.microsoft.com/office/drawing/2014/main" val="3286248441"/>
+                  </a:ext>
+                </a:extLst>
+              </a:tr>
+              <a:tr h="878544">
+                <a:tc>
+                  <a:txBody>
+                    <a:bodyPr/>
+                    <a:lstStyle/>
+                    <a:p>
+                      <a:pPr algn="ctr"/>
+                      <a:r>
+                        <a:rPr lang="en-SG" sz="1100" dirty="0"/>
+                        <a:t>W1</a:t>
+                      </a:r>
+                    </a:p>
+                  </a:txBody>
+                  <a:tcPr anchor="ctr">
+                    <a:lnL w="12700" cap="flat" cmpd="sng" algn="ctr">
+                      <a:solidFill>
+                        <a:schemeClr val="tx1"/>
+                      </a:solidFill>
+                      <a:prstDash val="solid"/>
+                      <a:round/>
+                      <a:headEnd type="none" w="med" len="med"/>
+                      <a:tailEnd type="none" w="med" len="med"/>
+                    </a:lnL>
+                  </a:tcPr>
+                </a:tc>
+                <a:tc>
+                  <a:txBody>
+                    <a:bodyPr/>
+                    <a:lstStyle/>
+                    <a:p>
+                      <a:pPr algn="ctr"/>
+                      <a:r>
+                        <a:rPr lang="en-SG" sz="1100" b="1" dirty="0"/>
+                        <a:t>1</a:t>
+                      </a:r>
+                    </a:p>
+                  </a:txBody>
+                  <a:tcPr anchor="ctr"/>
+                </a:tc>
+                <a:tc>
+                  <a:txBody>
+                    <a:bodyPr/>
+                    <a:lstStyle/>
+                    <a:p>
+                      <a:pPr algn="ctr"/>
+                      <a:r>
+                        <a:rPr lang="en-SG" sz="1100" b="1" dirty="0"/>
+                        <a:t>1</a:t>
+                      </a:r>
+                    </a:p>
+                  </a:txBody>
+                  <a:tcPr anchor="ctr"/>
+                </a:tc>
+                <a:tc>
+                  <a:txBody>
+                    <a:bodyPr/>
+                    <a:lstStyle/>
+                    <a:p>
+                      <a:pPr algn="ctr"/>
+                      <a:r>
+                        <a:rPr lang="en-SG" sz="1100" b="1" dirty="0"/>
+                        <a:t>0</a:t>
+                      </a:r>
+                    </a:p>
+                  </a:txBody>
+                  <a:tcPr anchor="ctr"/>
+                </a:tc>
+                <a:tc>
+                  <a:txBody>
+                    <a:bodyPr/>
+                    <a:lstStyle/>
+                    <a:p>
+                      <a:pPr algn="ctr"/>
+                      <a:r>
+                        <a:rPr lang="en-SG" sz="1100" b="1" dirty="0"/>
+                        <a:t>0</a:t>
+                      </a:r>
+                    </a:p>
+                  </a:txBody>
+                  <a:tcPr anchor="ctr"/>
+                </a:tc>
+                <a:tc>
+                  <a:txBody>
+                    <a:bodyPr/>
+                    <a:lstStyle/>
+                    <a:p>
+                      <a:pPr algn="ctr"/>
+                      <a:r>
+                        <a:rPr lang="en-SG" sz="1100" b="1" dirty="0"/>
+                        <a:t>0</a:t>
+                      </a:r>
+                    </a:p>
+                  </a:txBody>
+                  <a:tcPr anchor="ctr"/>
+                </a:tc>
+                <a:tc>
+                  <a:txBody>
+                    <a:bodyPr/>
+                    <a:lstStyle/>
+                    <a:p>
+                      <a:pPr algn="ctr"/>
+                      <a:r>
+                        <a:rPr lang="en-SG" sz="1100" b="1" dirty="0"/>
+                        <a:t>0</a:t>
+                      </a:r>
+                    </a:p>
+                  </a:txBody>
+                  <a:tcPr anchor="ctr"/>
+                </a:tc>
+                <a:tc>
+                  <a:txBody>
+                    <a:bodyPr/>
+                    <a:lstStyle/>
+                    <a:p>
+                      <a:pPr algn="ctr"/>
+                      <a:r>
+                        <a:rPr lang="en-SG" sz="1100" b="1" dirty="0"/>
+                        <a:t>0</a:t>
+                      </a:r>
+                    </a:p>
+                  </a:txBody>
+                  <a:tcPr anchor="ctr"/>
+                </a:tc>
+                <a:tc>
+                  <a:txBody>
+                    <a:bodyPr/>
+                    <a:lstStyle/>
+                    <a:p>
+                      <a:pPr algn="ctr"/>
+                      <a:r>
+                        <a:rPr lang="en-SG" sz="1100" b="1" dirty="0"/>
+                        <a:t>0</a:t>
+                      </a:r>
+                    </a:p>
+                  </a:txBody>
+                  <a:tcPr anchor="ctr"/>
+                </a:tc>
+                <a:tc>
+                  <a:txBody>
+                    <a:bodyPr/>
+                    <a:lstStyle/>
+                    <a:p>
+                      <a:pPr algn="ctr"/>
+                      <a:r>
+                        <a:rPr lang="en-SG" sz="1100" b="1" dirty="0"/>
+                        <a:t>0</a:t>
+                      </a:r>
+                    </a:p>
+                  </a:txBody>
+                  <a:tcPr anchor="ctr"/>
+                </a:tc>
+                <a:tc>
+                  <a:txBody>
+                    <a:bodyPr/>
+                    <a:lstStyle/>
+                    <a:p>
+                      <a:pPr algn="ctr"/>
+                      <a:r>
+                        <a:rPr lang="en-SG" sz="1100" b="1" dirty="0"/>
+                        <a:t>1</a:t>
+                      </a:r>
+                    </a:p>
+                  </a:txBody>
+                  <a:tcPr anchor="ctr"/>
+                </a:tc>
+                <a:tc>
+                  <a:txBody>
+                    <a:bodyPr/>
+                    <a:lstStyle/>
+                    <a:p>
+                      <a:pPr algn="ctr"/>
+                      <a:r>
+                        <a:rPr lang="en-SG" sz="1100" b="1" dirty="0"/>
+                        <a:t>0</a:t>
+                      </a:r>
+                    </a:p>
+                  </a:txBody>
+                  <a:tcPr anchor="ctr"/>
+                </a:tc>
+                <a:tc>
+                  <a:txBody>
+                    <a:bodyPr/>
+                    <a:lstStyle/>
+                    <a:p>
+                      <a:pPr algn="ctr"/>
+                      <a:r>
+                        <a:rPr lang="en-SG" sz="1100" b="1" dirty="0"/>
+                        <a:t>0</a:t>
+                      </a:r>
+                    </a:p>
+                  </a:txBody>
+                  <a:tcPr anchor="ctr"/>
+                </a:tc>
+                <a:tc>
+                  <a:txBody>
+                    <a:bodyPr/>
+                    <a:lstStyle/>
+                    <a:p>
+                      <a:pPr algn="ctr"/>
+                      <a:r>
+                        <a:rPr lang="en-SG" sz="1100" b="1" dirty="0"/>
+                        <a:t>0</a:t>
+                      </a:r>
+                    </a:p>
+                  </a:txBody>
+                  <a:tcPr anchor="ctr">
+                    <a:lnR w="12700" cap="flat" cmpd="sng" algn="ctr">
+                      <a:solidFill>
+                        <a:schemeClr val="tx1"/>
+                      </a:solidFill>
+                      <a:prstDash val="solid"/>
+                      <a:round/>
+                      <a:headEnd type="none" w="med" len="med"/>
+                      <a:tailEnd type="none" w="med" len="med"/>
+                    </a:lnR>
+                  </a:tcPr>
+                </a:tc>
+                <a:extLst>
+                  <a:ext uri="{0D108BD9-81ED-4DB2-BD59-A6C34878D82A}">
+                    <a16:rowId xmlns:a16="http://schemas.microsoft.com/office/drawing/2014/main" val="1871063659"/>
+                  </a:ext>
+                </a:extLst>
+              </a:tr>
+              <a:tr h="878544">
+                <a:tc>
+                  <a:txBody>
+                    <a:bodyPr/>
+                    <a:lstStyle/>
+                    <a:p>
+                      <a:pPr algn="ctr"/>
+                      <a:r>
+                        <a:rPr lang="en-SG" sz="1100" dirty="0"/>
+                        <a:t>W2</a:t>
+                      </a:r>
+                    </a:p>
+                  </a:txBody>
+                  <a:tcPr anchor="ctr">
+                    <a:lnL w="12700" cap="flat" cmpd="sng" algn="ctr">
+                      <a:solidFill>
+                        <a:schemeClr val="tx1"/>
+                      </a:solidFill>
+                      <a:prstDash val="solid"/>
+                      <a:round/>
+                      <a:headEnd type="none" w="med" len="med"/>
+                      <a:tailEnd type="none" w="med" len="med"/>
+                    </a:lnL>
+                  </a:tcPr>
+                </a:tc>
+                <a:tc>
+                  <a:txBody>
+                    <a:bodyPr/>
+                    <a:lstStyle/>
+                    <a:p>
+                      <a:pPr algn="ctr"/>
+                      <a:r>
+                        <a:rPr lang="en-SG" sz="1100" b="1" dirty="0"/>
+                        <a:t>1</a:t>
+                      </a:r>
+                    </a:p>
+                  </a:txBody>
+                  <a:tcPr anchor="ctr"/>
+                </a:tc>
+                <a:tc>
+                  <a:txBody>
+                    <a:bodyPr/>
+                    <a:lstStyle/>
+                    <a:p>
+                      <a:pPr algn="ctr"/>
+                      <a:r>
+                        <a:rPr lang="en-SG" sz="1100" b="1" dirty="0"/>
+                        <a:t>1</a:t>
+                      </a:r>
+                    </a:p>
+                  </a:txBody>
+                  <a:tcPr anchor="ctr"/>
+                </a:tc>
+                <a:tc>
+                  <a:txBody>
+                    <a:bodyPr/>
+                    <a:lstStyle/>
+                    <a:p>
+                      <a:pPr algn="ctr"/>
+                      <a:r>
+                        <a:rPr lang="en-SG" sz="1100" b="1" dirty="0"/>
+                        <a:t>1</a:t>
+                      </a:r>
+                    </a:p>
+                  </a:txBody>
+                  <a:tcPr anchor="ctr"/>
+                </a:tc>
+                <a:tc>
+                  <a:txBody>
+                    <a:bodyPr/>
+                    <a:lstStyle/>
+                    <a:p>
+                      <a:pPr algn="ctr"/>
+                      <a:r>
+                        <a:rPr lang="en-SG" sz="1100" b="1" dirty="0"/>
+                        <a:t>1</a:t>
+                      </a:r>
+                    </a:p>
+                  </a:txBody>
+                  <a:tcPr anchor="ctr"/>
+                </a:tc>
+                <a:tc>
+                  <a:txBody>
+                    <a:bodyPr/>
+                    <a:lstStyle/>
+                    <a:p>
+                      <a:pPr algn="ctr"/>
+                      <a:r>
+                        <a:rPr lang="en-SG" sz="1100" b="1" dirty="0"/>
+                        <a:t>1</a:t>
+                      </a:r>
+                    </a:p>
+                  </a:txBody>
+                  <a:tcPr anchor="ctr"/>
+                </a:tc>
+                <a:tc>
+                  <a:txBody>
+                    <a:bodyPr/>
+                    <a:lstStyle/>
+                    <a:p>
+                      <a:pPr algn="ctr"/>
+                      <a:r>
+                        <a:rPr lang="en-SG" sz="1100" b="1" dirty="0"/>
+                        <a:t>1</a:t>
+                      </a:r>
+                    </a:p>
+                  </a:txBody>
+                  <a:tcPr anchor="ctr"/>
+                </a:tc>
+                <a:tc>
+                  <a:txBody>
+                    <a:bodyPr/>
+                    <a:lstStyle/>
+                    <a:p>
+                      <a:pPr algn="ctr"/>
+                      <a:r>
+                        <a:rPr lang="en-SG" sz="1100" b="1" dirty="0"/>
+                        <a:t>1</a:t>
+                      </a:r>
+                    </a:p>
+                  </a:txBody>
+                  <a:tcPr anchor="ctr"/>
+                </a:tc>
+                <a:tc>
+                  <a:txBody>
+                    <a:bodyPr/>
+                    <a:lstStyle/>
+                    <a:p>
+                      <a:pPr algn="ctr"/>
+                      <a:r>
+                        <a:rPr lang="en-SG" sz="1100" b="1" dirty="0"/>
+                        <a:t>1</a:t>
+                      </a:r>
+                    </a:p>
+                  </a:txBody>
+                  <a:tcPr anchor="ctr"/>
+                </a:tc>
+                <a:tc>
+                  <a:txBody>
+                    <a:bodyPr/>
+                    <a:lstStyle/>
+                    <a:p>
+                      <a:pPr algn="ctr"/>
+                      <a:r>
+                        <a:rPr lang="en-SG" sz="1100" b="1" dirty="0"/>
+                        <a:t>0</a:t>
+                      </a:r>
+                    </a:p>
+                  </a:txBody>
+                  <a:tcPr anchor="ctr"/>
+                </a:tc>
+                <a:tc>
+                  <a:txBody>
+                    <a:bodyPr/>
+                    <a:lstStyle/>
+                    <a:p>
+                      <a:pPr algn="ctr"/>
+                      <a:r>
+                        <a:rPr lang="en-SG" sz="1100" b="1" dirty="0"/>
+                        <a:t>1</a:t>
+                      </a:r>
+                    </a:p>
+                  </a:txBody>
+                  <a:tcPr anchor="ctr"/>
+                </a:tc>
+                <a:tc>
+                  <a:txBody>
+                    <a:bodyPr/>
+                    <a:lstStyle/>
+                    <a:p>
+                      <a:pPr algn="ctr"/>
+                      <a:r>
+                        <a:rPr lang="en-SG" sz="1100" b="1" dirty="0"/>
+                        <a:t>0</a:t>
+                      </a:r>
+                    </a:p>
+                  </a:txBody>
+                  <a:tcPr anchor="ctr"/>
+                </a:tc>
+                <a:tc>
+                  <a:txBody>
+                    <a:bodyPr/>
+                    <a:lstStyle/>
+                    <a:p>
+                      <a:pPr algn="ctr"/>
+                      <a:r>
+                        <a:rPr lang="en-SG" sz="1100" b="1" dirty="0"/>
+                        <a:t>0</a:t>
+                      </a:r>
+                    </a:p>
+                  </a:txBody>
+                  <a:tcPr anchor="ctr"/>
+                </a:tc>
+                <a:tc>
+                  <a:txBody>
+                    <a:bodyPr/>
+                    <a:lstStyle/>
+                    <a:p>
+                      <a:pPr algn="ctr"/>
+                      <a:r>
+                        <a:rPr lang="en-SG" sz="1100" b="1" dirty="0"/>
+                        <a:t>0</a:t>
+                      </a:r>
+                    </a:p>
+                  </a:txBody>
+                  <a:tcPr anchor="ctr">
+                    <a:lnR w="12700" cap="flat" cmpd="sng" algn="ctr">
+                      <a:solidFill>
+                        <a:schemeClr val="tx1"/>
+                      </a:solidFill>
+                      <a:prstDash val="solid"/>
+                      <a:round/>
+                      <a:headEnd type="none" w="med" len="med"/>
+                      <a:tailEnd type="none" w="med" len="med"/>
+                    </a:lnR>
+                  </a:tcPr>
+                </a:tc>
+                <a:extLst>
+                  <a:ext uri="{0D108BD9-81ED-4DB2-BD59-A6C34878D82A}">
+                    <a16:rowId xmlns:a16="http://schemas.microsoft.com/office/drawing/2014/main" val="4289889412"/>
+                  </a:ext>
+                </a:extLst>
+              </a:tr>
+              <a:tr h="878544">
+                <a:tc>
+                  <a:txBody>
+                    <a:bodyPr/>
+                    <a:lstStyle/>
+                    <a:p>
+                      <a:pPr algn="ctr"/>
+                      <a:r>
+                        <a:rPr lang="en-SG" sz="1100" dirty="0"/>
+                        <a:t>W3</a:t>
+                      </a:r>
+                    </a:p>
+                  </a:txBody>
+                  <a:tcPr anchor="ctr">
+                    <a:lnL w="12700" cap="flat" cmpd="sng" algn="ctr">
+                      <a:solidFill>
+                        <a:schemeClr val="tx1"/>
+                      </a:solidFill>
+                      <a:prstDash val="solid"/>
+                      <a:round/>
+                      <a:headEnd type="none" w="med" len="med"/>
+                      <a:tailEnd type="none" w="med" len="med"/>
+                    </a:lnL>
+                  </a:tcPr>
+                </a:tc>
+                <a:tc>
+                  <a:txBody>
+                    <a:bodyPr/>
+                    <a:lstStyle/>
+                    <a:p>
+                      <a:pPr algn="ctr"/>
+                      <a:r>
+                        <a:rPr lang="en-SG" sz="1100" b="1" dirty="0"/>
+                        <a:t>1</a:t>
+                      </a:r>
+                    </a:p>
+                  </a:txBody>
+                  <a:tcPr anchor="ctr"/>
+                </a:tc>
+                <a:tc>
+                  <a:txBody>
+                    <a:bodyPr/>
+                    <a:lstStyle/>
+                    <a:p>
+                      <a:pPr algn="ctr"/>
+                      <a:r>
+                        <a:rPr lang="en-SG" sz="1100" b="1" dirty="0"/>
+                        <a:t>1</a:t>
+                      </a:r>
+                    </a:p>
+                  </a:txBody>
+                  <a:tcPr anchor="ctr"/>
+                </a:tc>
+                <a:tc>
+                  <a:txBody>
+                    <a:bodyPr/>
+                    <a:lstStyle/>
+                    <a:p>
+                      <a:pPr algn="ctr"/>
+                      <a:r>
+                        <a:rPr lang="en-SG" sz="1100" b="1" dirty="0"/>
+                        <a:t>1</a:t>
+                      </a:r>
+                    </a:p>
+                  </a:txBody>
+                  <a:tcPr anchor="ctr"/>
+                </a:tc>
+                <a:tc>
+                  <a:txBody>
+                    <a:bodyPr/>
+                    <a:lstStyle/>
+                    <a:p>
+                      <a:pPr algn="ctr"/>
+                      <a:r>
+                        <a:rPr lang="en-SG" sz="1100" b="1" dirty="0"/>
+                        <a:t>1</a:t>
+                      </a:r>
+                    </a:p>
+                  </a:txBody>
+                  <a:tcPr anchor="ctr"/>
+                </a:tc>
+                <a:tc>
+                  <a:txBody>
+                    <a:bodyPr/>
+                    <a:lstStyle/>
+                    <a:p>
+                      <a:pPr algn="ctr"/>
+                      <a:r>
+                        <a:rPr lang="en-SG" sz="1100" b="1" dirty="0"/>
+                        <a:t>0</a:t>
+                      </a:r>
+                    </a:p>
+                  </a:txBody>
+                  <a:tcPr anchor="ctr"/>
+                </a:tc>
+                <a:tc>
+                  <a:txBody>
+                    <a:bodyPr/>
+                    <a:lstStyle/>
+                    <a:p>
+                      <a:pPr algn="ctr"/>
+                      <a:r>
+                        <a:rPr lang="en-SG" sz="1100" b="1" dirty="0"/>
+                        <a:t>0</a:t>
+                      </a:r>
+                    </a:p>
+                  </a:txBody>
+                  <a:tcPr anchor="ctr"/>
+                </a:tc>
+                <a:tc>
+                  <a:txBody>
+                    <a:bodyPr/>
+                    <a:lstStyle/>
+                    <a:p>
+                      <a:pPr algn="ctr"/>
+                      <a:r>
+                        <a:rPr lang="en-SG" sz="1100" b="1" dirty="0"/>
+                        <a:t>0</a:t>
+                      </a:r>
+                    </a:p>
+                  </a:txBody>
+                  <a:tcPr anchor="ctr"/>
+                </a:tc>
+                <a:tc>
+                  <a:txBody>
+                    <a:bodyPr/>
+                    <a:lstStyle/>
+                    <a:p>
+                      <a:pPr algn="ctr"/>
+                      <a:r>
+                        <a:rPr lang="en-SG" sz="1100" b="1" dirty="0"/>
+                        <a:t>1</a:t>
+                      </a:r>
+                    </a:p>
+                  </a:txBody>
+                  <a:tcPr anchor="ctr"/>
+                </a:tc>
+                <a:tc>
+                  <a:txBody>
+                    <a:bodyPr/>
+                    <a:lstStyle/>
+                    <a:p>
+                      <a:pPr algn="ctr"/>
+                      <a:r>
+                        <a:rPr lang="en-SG" sz="1100" b="1" dirty="0"/>
+                        <a:t>1</a:t>
+                      </a:r>
+                    </a:p>
+                  </a:txBody>
+                  <a:tcPr anchor="ctr"/>
+                </a:tc>
+                <a:tc>
+                  <a:txBody>
+                    <a:bodyPr/>
+                    <a:lstStyle/>
+                    <a:p>
+                      <a:pPr algn="ctr"/>
+                      <a:r>
+                        <a:rPr lang="en-SG" sz="1100" b="1" dirty="0"/>
+                        <a:t>1</a:t>
+                      </a:r>
+                    </a:p>
+                  </a:txBody>
+                  <a:tcPr anchor="ctr"/>
+                </a:tc>
+                <a:tc>
+                  <a:txBody>
+                    <a:bodyPr/>
+                    <a:lstStyle/>
+                    <a:p>
+                      <a:pPr algn="ctr"/>
+                      <a:r>
+                        <a:rPr lang="en-SG" sz="1100" b="1" dirty="0"/>
+                        <a:t>1</a:t>
+                      </a:r>
+                    </a:p>
+                  </a:txBody>
+                  <a:tcPr anchor="ctr"/>
+                </a:tc>
+                <a:tc>
+                  <a:txBody>
+                    <a:bodyPr/>
+                    <a:lstStyle/>
+                    <a:p>
+                      <a:pPr algn="ctr"/>
+                      <a:r>
+                        <a:rPr lang="en-SG" sz="1100" b="1" dirty="0"/>
+                        <a:t>1</a:t>
+                      </a:r>
+                    </a:p>
+                  </a:txBody>
+                  <a:tcPr anchor="ctr"/>
+                </a:tc>
+                <a:tc>
+                  <a:txBody>
+                    <a:bodyPr/>
+                    <a:lstStyle/>
+                    <a:p>
+                      <a:pPr algn="ctr"/>
+                      <a:r>
+                        <a:rPr lang="en-SG" sz="1100" b="1" dirty="0"/>
+                        <a:t>1</a:t>
+                      </a:r>
+                    </a:p>
+                  </a:txBody>
+                  <a:tcPr anchor="ctr">
+                    <a:lnR w="12700" cap="flat" cmpd="sng" algn="ctr">
+                      <a:solidFill>
+                        <a:schemeClr val="tx1"/>
+                      </a:solidFill>
+                      <a:prstDash val="solid"/>
+                      <a:round/>
+                      <a:headEnd type="none" w="med" len="med"/>
+                      <a:tailEnd type="none" w="med" len="med"/>
+                    </a:lnR>
+                  </a:tcPr>
+                </a:tc>
+                <a:extLst>
+                  <a:ext uri="{0D108BD9-81ED-4DB2-BD59-A6C34878D82A}">
+                    <a16:rowId xmlns:a16="http://schemas.microsoft.com/office/drawing/2014/main" val="1579818583"/>
+                  </a:ext>
+                </a:extLst>
+              </a:tr>
+              <a:tr h="878544">
+                <a:tc>
+                  <a:txBody>
+                    <a:bodyPr/>
+                    <a:lstStyle/>
+                    <a:p>
+                      <a:pPr algn="ctr"/>
+                      <a:r>
+                        <a:rPr lang="en-SG" sz="1100" dirty="0"/>
+                        <a:t>W4</a:t>
+                      </a:r>
+                    </a:p>
+                  </a:txBody>
+                  <a:tcPr anchor="ctr">
+                    <a:lnL w="12700" cap="flat" cmpd="sng" algn="ctr">
+                      <a:solidFill>
+                        <a:schemeClr val="tx1"/>
+                      </a:solidFill>
+                      <a:prstDash val="solid"/>
+                      <a:round/>
+                      <a:headEnd type="none" w="med" len="med"/>
+                      <a:tailEnd type="none" w="med" len="med"/>
+                    </a:lnL>
+                    <a:lnB w="12700" cap="flat" cmpd="sng" algn="ctr">
+                      <a:solidFill>
+                        <a:schemeClr val="tx1"/>
+                      </a:solidFill>
+                      <a:prstDash val="solid"/>
+                      <a:round/>
+                      <a:headEnd type="none" w="med" len="med"/>
+                      <a:tailEnd type="none" w="med" len="med"/>
+                    </a:lnB>
+                  </a:tcPr>
+                </a:tc>
+                <a:tc>
+                  <a:txBody>
+                    <a:bodyPr/>
+                    <a:lstStyle/>
+                    <a:p>
+                      <a:pPr algn="ctr"/>
+                      <a:r>
+                        <a:rPr lang="en-SG" sz="1100" b="1" dirty="0"/>
+                        <a:t>0</a:t>
+                      </a:r>
+                    </a:p>
+                  </a:txBody>
+                  <a:tcPr anchor="ctr">
+                    <a:lnB w="12700" cap="flat" cmpd="sng" algn="ctr">
+                      <a:solidFill>
+                        <a:schemeClr val="tx1"/>
+                      </a:solidFill>
+                      <a:prstDash val="solid"/>
+                      <a:round/>
+                      <a:headEnd type="none" w="med" len="med"/>
+                      <a:tailEnd type="none" w="med" len="med"/>
+                    </a:lnB>
+                  </a:tcPr>
+                </a:tc>
+                <a:tc>
+                  <a:txBody>
+                    <a:bodyPr/>
+                    <a:lstStyle/>
+                    <a:p>
+                      <a:pPr algn="ctr"/>
+                      <a:r>
+                        <a:rPr lang="en-SG" sz="1100" b="1" dirty="0"/>
+                        <a:t>0</a:t>
+                      </a:r>
+                    </a:p>
+                  </a:txBody>
+                  <a:tcPr anchor="ctr">
+                    <a:lnB w="12700" cap="flat" cmpd="sng" algn="ctr">
+                      <a:solidFill>
+                        <a:schemeClr val="tx1"/>
+                      </a:solidFill>
+                      <a:prstDash val="solid"/>
+                      <a:round/>
+                      <a:headEnd type="none" w="med" len="med"/>
+                      <a:tailEnd type="none" w="med" len="med"/>
+                    </a:lnB>
+                  </a:tcPr>
+                </a:tc>
+                <a:tc>
+                  <a:txBody>
+                    <a:bodyPr/>
+                    <a:lstStyle/>
+                    <a:p>
+                      <a:pPr algn="ctr"/>
+                      <a:r>
+                        <a:rPr lang="en-SG" sz="1100" b="1" dirty="0"/>
+                        <a:t>0</a:t>
+                      </a:r>
+                    </a:p>
+                  </a:txBody>
+                  <a:tcPr anchor="ctr">
+                    <a:lnB w="12700" cap="flat" cmpd="sng" algn="ctr">
+                      <a:solidFill>
+                        <a:schemeClr val="tx1"/>
+                      </a:solidFill>
+                      <a:prstDash val="solid"/>
+                      <a:round/>
+                      <a:headEnd type="none" w="med" len="med"/>
+                      <a:tailEnd type="none" w="med" len="med"/>
+                    </a:lnB>
+                  </a:tcPr>
+                </a:tc>
+                <a:tc>
+                  <a:txBody>
+                    <a:bodyPr/>
+                    <a:lstStyle/>
+                    <a:p>
+                      <a:pPr algn="ctr"/>
+                      <a:r>
+                        <a:rPr lang="en-SG" sz="1100" b="1" dirty="0"/>
+                        <a:t>0</a:t>
+                      </a:r>
+                    </a:p>
+                  </a:txBody>
+                  <a:tcPr anchor="ctr">
+                    <a:lnB w="12700" cap="flat" cmpd="sng" algn="ctr">
+                      <a:solidFill>
+                        <a:schemeClr val="tx1"/>
+                      </a:solidFill>
+                      <a:prstDash val="solid"/>
+                      <a:round/>
+                      <a:headEnd type="none" w="med" len="med"/>
+                      <a:tailEnd type="none" w="med" len="med"/>
+                    </a:lnB>
+                  </a:tcPr>
+                </a:tc>
+                <a:tc>
+                  <a:txBody>
+                    <a:bodyPr/>
+                    <a:lstStyle/>
+                    <a:p>
+                      <a:pPr algn="ctr"/>
+                      <a:r>
+                        <a:rPr lang="en-SG" sz="1100" b="1" dirty="0"/>
+                        <a:t>0</a:t>
+                      </a:r>
+                    </a:p>
+                  </a:txBody>
+                  <a:tcPr anchor="ctr">
+                    <a:lnB w="12700" cap="flat" cmpd="sng" algn="ctr">
+                      <a:solidFill>
+                        <a:schemeClr val="tx1"/>
+                      </a:solidFill>
+                      <a:prstDash val="solid"/>
+                      <a:round/>
+                      <a:headEnd type="none" w="med" len="med"/>
+                      <a:tailEnd type="none" w="med" len="med"/>
+                    </a:lnB>
+                  </a:tcPr>
+                </a:tc>
+                <a:tc>
+                  <a:txBody>
+                    <a:bodyPr/>
+                    <a:lstStyle/>
+                    <a:p>
+                      <a:pPr algn="ctr"/>
+                      <a:r>
+                        <a:rPr lang="en-SG" sz="1100" b="1" dirty="0"/>
+                        <a:t>1</a:t>
+                      </a:r>
+                    </a:p>
+                  </a:txBody>
+                  <a:tcPr anchor="ctr">
+                    <a:lnB w="12700" cap="flat" cmpd="sng" algn="ctr">
+                      <a:solidFill>
+                        <a:schemeClr val="tx1"/>
+                      </a:solidFill>
+                      <a:prstDash val="solid"/>
+                      <a:round/>
+                      <a:headEnd type="none" w="med" len="med"/>
+                      <a:tailEnd type="none" w="med" len="med"/>
+                    </a:lnB>
+                  </a:tcPr>
+                </a:tc>
+                <a:tc>
+                  <a:txBody>
+                    <a:bodyPr/>
+                    <a:lstStyle/>
+                    <a:p>
+                      <a:pPr algn="ctr"/>
+                      <a:r>
+                        <a:rPr lang="en-SG" sz="1100" b="1" dirty="0"/>
+                        <a:t>1</a:t>
+                      </a:r>
+                    </a:p>
+                  </a:txBody>
+                  <a:tcPr anchor="ctr">
+                    <a:lnB w="12700" cap="flat" cmpd="sng" algn="ctr">
+                      <a:solidFill>
+                        <a:schemeClr val="tx1"/>
+                      </a:solidFill>
+                      <a:prstDash val="solid"/>
+                      <a:round/>
+                      <a:headEnd type="none" w="med" len="med"/>
+                      <a:tailEnd type="none" w="med" len="med"/>
+                    </a:lnB>
+                  </a:tcPr>
+                </a:tc>
+                <a:tc>
+                  <a:txBody>
+                    <a:bodyPr/>
+                    <a:lstStyle/>
+                    <a:p>
+                      <a:pPr algn="ctr"/>
+                      <a:r>
+                        <a:rPr lang="en-SG" sz="1100" b="1" dirty="0"/>
+                        <a:t>0</a:t>
+                      </a:r>
+                    </a:p>
+                  </a:txBody>
+                  <a:tcPr anchor="ctr">
+                    <a:lnB w="12700" cap="flat" cmpd="sng" algn="ctr">
+                      <a:solidFill>
+                        <a:schemeClr val="tx1"/>
+                      </a:solidFill>
+                      <a:prstDash val="solid"/>
+                      <a:round/>
+                      <a:headEnd type="none" w="med" len="med"/>
+                      <a:tailEnd type="none" w="med" len="med"/>
+                    </a:lnB>
+                  </a:tcPr>
+                </a:tc>
+                <a:tc>
+                  <a:txBody>
+                    <a:bodyPr/>
+                    <a:lstStyle/>
+                    <a:p>
+                      <a:pPr algn="ctr"/>
+                      <a:r>
+                        <a:rPr lang="en-SG" sz="1100" b="1" dirty="0"/>
+                        <a:t>1</a:t>
+                      </a:r>
+                    </a:p>
+                  </a:txBody>
+                  <a:tcPr anchor="ctr">
+                    <a:lnB w="12700" cap="flat" cmpd="sng" algn="ctr">
+                      <a:solidFill>
+                        <a:schemeClr val="tx1"/>
+                      </a:solidFill>
+                      <a:prstDash val="solid"/>
+                      <a:round/>
+                      <a:headEnd type="none" w="med" len="med"/>
+                      <a:tailEnd type="none" w="med" len="med"/>
+                    </a:lnB>
+                  </a:tcPr>
+                </a:tc>
+                <a:tc>
+                  <a:txBody>
+                    <a:bodyPr/>
+                    <a:lstStyle/>
+                    <a:p>
+                      <a:pPr algn="ctr"/>
+                      <a:r>
+                        <a:rPr lang="en-SG" sz="1100" b="1" dirty="0"/>
+                        <a:t>1</a:t>
+                      </a:r>
+                    </a:p>
+                  </a:txBody>
+                  <a:tcPr anchor="ctr">
+                    <a:lnB w="12700" cap="flat" cmpd="sng" algn="ctr">
+                      <a:solidFill>
+                        <a:schemeClr val="tx1"/>
+                      </a:solidFill>
+                      <a:prstDash val="solid"/>
+                      <a:round/>
+                      <a:headEnd type="none" w="med" len="med"/>
+                      <a:tailEnd type="none" w="med" len="med"/>
+                    </a:lnB>
+                  </a:tcPr>
+                </a:tc>
+                <a:tc>
+                  <a:txBody>
+                    <a:bodyPr/>
+                    <a:lstStyle/>
+                    <a:p>
+                      <a:pPr algn="ctr"/>
+                      <a:r>
+                        <a:rPr lang="en-SG" sz="1100" b="1" dirty="0"/>
+                        <a:t>0</a:t>
+                      </a:r>
+                    </a:p>
+                  </a:txBody>
+                  <a:tcPr anchor="ctr">
+                    <a:lnB w="12700" cap="flat" cmpd="sng" algn="ctr">
+                      <a:solidFill>
+                        <a:schemeClr val="tx1"/>
+                      </a:solidFill>
+                      <a:prstDash val="solid"/>
+                      <a:round/>
+                      <a:headEnd type="none" w="med" len="med"/>
+                      <a:tailEnd type="none" w="med" len="med"/>
+                    </a:lnB>
+                  </a:tcPr>
+                </a:tc>
+                <a:tc>
+                  <a:txBody>
+                    <a:bodyPr/>
+                    <a:lstStyle/>
+                    <a:p>
+                      <a:pPr algn="ctr"/>
+                      <a:r>
+                        <a:rPr lang="en-SG" sz="1100" b="1" dirty="0"/>
+                        <a:t>0</a:t>
+                      </a:r>
+                    </a:p>
+                  </a:txBody>
+                  <a:tcPr anchor="ctr">
+                    <a:lnB w="12700" cap="flat" cmpd="sng" algn="ctr">
+                      <a:solidFill>
+                        <a:schemeClr val="tx1"/>
+                      </a:solidFill>
+                      <a:prstDash val="solid"/>
+                      <a:round/>
+                      <a:headEnd type="none" w="med" len="med"/>
+                      <a:tailEnd type="none" w="med" len="med"/>
+                    </a:lnB>
+                  </a:tcPr>
+                </a:tc>
+                <a:tc>
+                  <a:txBody>
+                    <a:bodyPr/>
+                    <a:lstStyle/>
+                    <a:p>
+                      <a:pPr algn="ctr"/>
+                      <a:r>
+                        <a:rPr lang="en-SG" sz="1100" b="1" dirty="0"/>
+                        <a:t>0</a:t>
+                      </a:r>
+                    </a:p>
+                  </a:txBody>
+                  <a:tcPr anchor="ctr">
+                    <a:lnR w="12700" cap="flat" cmpd="sng" algn="ctr">
+                      <a:solidFill>
+                        <a:schemeClr val="tx1"/>
+                      </a:solidFill>
+                      <a:prstDash val="solid"/>
+                      <a:round/>
+                      <a:headEnd type="none" w="med" len="med"/>
+                      <a:tailEnd type="none" w="med" len="med"/>
+                    </a:lnR>
+                    <a:lnB w="12700" cap="flat" cmpd="sng" algn="ctr">
+                      <a:solidFill>
+                        <a:schemeClr val="tx1"/>
+                      </a:solidFill>
+                      <a:prstDash val="solid"/>
+                      <a:round/>
+                      <a:headEnd type="none" w="med" len="med"/>
+                      <a:tailEnd type="none" w="med" len="med"/>
+                    </a:lnB>
+                  </a:tcPr>
+                </a:tc>
+                <a:extLst>
+                  <a:ext uri="{0D108BD9-81ED-4DB2-BD59-A6C34878D82A}">
+                    <a16:rowId xmlns:a16="http://schemas.microsoft.com/office/drawing/2014/main" val="612811499"/>
+                  </a:ext>
+                </a:extLst>
+              </a:tr>
+            </a:tbl>
+          </a:graphicData>
+        </a:graphic>
+      </p:graphicFrame>
+      <p:cxnSp>
+        <p:nvCxnSpPr>
+          <p:cNvPr id="102" name="Straight Arrow Connector 101">
+            <a:extLst>
+              <a:ext uri="{FF2B5EF4-FFF2-40B4-BE49-F238E27FC236}">
+                <a16:creationId xmlns:a16="http://schemas.microsoft.com/office/drawing/2014/main" id="{1E0FBF02-79D2-5D77-AF52-91942795F46E}"/>
+              </a:ext>
+            </a:extLst>
+          </p:cNvPr>
+          <p:cNvCxnSpPr>
+            <a:cxnSpLocks/>
+          </p:cNvCxnSpPr>
+          <p:nvPr/>
+        </p:nvCxnSpPr>
+        <p:spPr>
+          <a:xfrm>
+            <a:off x="8629650" y="5314883"/>
+            <a:ext cx="0" cy="301660"/>
+          </a:xfrm>
+          <a:prstGeom prst="straightConnector1">
+            <a:avLst/>
+          </a:prstGeom>
+          <a:ln>
+            <a:solidFill>
+              <a:srgbClr val="FF0000"/>
+            </a:solidFill>
+            <a:tailEnd type="triangle"/>
+          </a:ln>
+        </p:spPr>
+        <p:style>
+          <a:lnRef idx="2">
+            <a:schemeClr val="accent1"/>
+          </a:lnRef>
+          <a:fillRef idx="0">
+            <a:schemeClr val="accent1"/>
+          </a:fillRef>
+          <a:effectRef idx="1">
+            <a:schemeClr val="accent1"/>
+          </a:effectRef>
+          <a:fontRef idx="minor">
+            <a:schemeClr val="tx1"/>
+          </a:fontRef>
+        </p:style>
+      </p:cxnSp>
+      <p:pic>
+        <p:nvPicPr>
+          <p:cNvPr id="106" name="Picture 105">
+            <a:extLst>
+              <a:ext uri="{FF2B5EF4-FFF2-40B4-BE49-F238E27FC236}">
+                <a16:creationId xmlns:a16="http://schemas.microsoft.com/office/drawing/2014/main" id="{30742227-93AF-D0AD-401F-867D784F2A77}"/>
+              </a:ext>
+            </a:extLst>
+          </p:cNvPr>
+          <p:cNvPicPr>
+            <a:picLocks noChangeAspect="1"/>
+          </p:cNvPicPr>
+          <p:nvPr/>
+        </p:nvPicPr>
+        <p:blipFill>
+          <a:blip r:embed="rId2"/>
+          <a:stretch>
+            <a:fillRect/>
+          </a:stretch>
+        </p:blipFill>
+        <p:spPr>
+          <a:xfrm>
+            <a:off x="7092368" y="5616543"/>
+            <a:ext cx="4591740" cy="391856"/>
+          </a:xfrm>
+          <a:prstGeom prst="rect">
+            <a:avLst/>
+          </a:prstGeom>
+        </p:spPr>
+      </p:pic>
+      <p:sp>
+        <p:nvSpPr>
+          <p:cNvPr id="107" name="Rectangle 106">
+            <a:extLst>
+              <a:ext uri="{FF2B5EF4-FFF2-40B4-BE49-F238E27FC236}">
+                <a16:creationId xmlns:a16="http://schemas.microsoft.com/office/drawing/2014/main" id="{B8828BC9-4393-34C9-889E-707ABC4C285F}"/>
+              </a:ext>
+            </a:extLst>
+          </p:cNvPr>
+          <p:cNvSpPr/>
+          <p:nvPr/>
+        </p:nvSpPr>
+        <p:spPr>
+          <a:xfrm>
+            <a:off x="8507579" y="1105786"/>
+            <a:ext cx="302437" cy="4224020"/>
+          </a:xfrm>
+          <a:prstGeom prst="rect">
+            <a:avLst/>
+          </a:prstGeom>
+          <a:noFill/>
+          <a:ln>
+            <a:solidFill>
+              <a:srgbClr val="FF0000"/>
+            </a:solidFill>
+            <a:prstDash val="sysDash"/>
+          </a:ln>
+        </p:spPr>
+        <p:style>
+          <a:lnRef idx="2">
+            <a:schemeClr val="accent1">
+              <a:shade val="15000"/>
+            </a:schemeClr>
+          </a:lnRef>
+          <a:fillRef idx="1">
+            <a:schemeClr val="accent1"/>
+          </a:fillRef>
+          <a:effectRef idx="0">
+            <a:schemeClr val="accent1"/>
+          </a:effectRef>
+          <a:fontRef idx="minor">
+            <a:schemeClr val="lt1"/>
+          </a:fontRef>
+        </p:style>
+        <p:txBody>
+          <a:bodyPr rtlCol="0" anchor="ctr"/>
+          <a:lstStyle/>
+          <a:p>
+            <a:pPr algn="ctr"/>
+            <a:endParaRPr lang="en-SG" dirty="0"/>
+          </a:p>
+        </p:txBody>
+      </p:sp>
+      <p:sp>
+        <p:nvSpPr>
+          <p:cNvPr id="108" name="TextBox 107">
+            <a:extLst>
+              <a:ext uri="{FF2B5EF4-FFF2-40B4-BE49-F238E27FC236}">
+                <a16:creationId xmlns:a16="http://schemas.microsoft.com/office/drawing/2014/main" id="{B9A7D594-6EE4-AADB-B224-4BB19C19C31A}"/>
+              </a:ext>
+            </a:extLst>
+          </p:cNvPr>
+          <p:cNvSpPr txBox="1"/>
+          <p:nvPr/>
+        </p:nvSpPr>
+        <p:spPr>
+          <a:xfrm>
+            <a:off x="6639855" y="5204540"/>
+            <a:ext cx="2052714" cy="461665"/>
+          </a:xfrm>
+          <a:prstGeom prst="rect">
+            <a:avLst/>
+          </a:prstGeom>
+          <a:noFill/>
+        </p:spPr>
+        <p:txBody>
+          <a:bodyPr wrap="square" rtlCol="0">
+            <a:spAutoFit/>
+          </a:bodyPr>
+          <a:lstStyle/>
+          <a:p>
+            <a:r>
+              <a:rPr lang="en-US" sz="1200" b="1" dirty="0"/>
+              <a:t>Physical electrical signal simulation message : </a:t>
+            </a:r>
+            <a:endParaRPr lang="en-SG" sz="1200" b="1" dirty="0"/>
+          </a:p>
+        </p:txBody>
+      </p:sp>
+      <p:sp>
+        <p:nvSpPr>
+          <p:cNvPr id="109" name="TextBox 108">
+            <a:extLst>
+              <a:ext uri="{FF2B5EF4-FFF2-40B4-BE49-F238E27FC236}">
+                <a16:creationId xmlns:a16="http://schemas.microsoft.com/office/drawing/2014/main" id="{87219A7C-E89A-2E00-34DF-79A30BD6B4EE}"/>
+              </a:ext>
+            </a:extLst>
+          </p:cNvPr>
+          <p:cNvSpPr txBox="1"/>
+          <p:nvPr/>
+        </p:nvSpPr>
+        <p:spPr>
+          <a:xfrm>
+            <a:off x="489766" y="225828"/>
+            <a:ext cx="5222093" cy="338554"/>
+          </a:xfrm>
+          <a:prstGeom prst="rect">
+            <a:avLst/>
+          </a:prstGeom>
+          <a:noFill/>
+        </p:spPr>
+        <p:txBody>
+          <a:bodyPr wrap="square" rtlCol="0">
+            <a:spAutoFit/>
+          </a:bodyPr>
+          <a:lstStyle/>
+          <a:p>
+            <a:r>
+              <a:rPr lang="en-US" sz="1600" b="1" dirty="0"/>
+              <a:t>Physical electrical signal change to real PLC Contacts</a:t>
+            </a:r>
+            <a:endParaRPr lang="en-SG" sz="1600" b="1" dirty="0"/>
+          </a:p>
+        </p:txBody>
+      </p:sp>
+      <p:sp>
+        <p:nvSpPr>
+          <p:cNvPr id="110" name="Arrow: Right 109">
+            <a:extLst>
+              <a:ext uri="{FF2B5EF4-FFF2-40B4-BE49-F238E27FC236}">
+                <a16:creationId xmlns:a16="http://schemas.microsoft.com/office/drawing/2014/main" id="{3482E8CC-2882-7A9F-9B06-49CEDC48BC02}"/>
+              </a:ext>
+            </a:extLst>
+          </p:cNvPr>
+          <p:cNvSpPr/>
+          <p:nvPr/>
+        </p:nvSpPr>
+        <p:spPr>
+          <a:xfrm>
+            <a:off x="5958618" y="341106"/>
+            <a:ext cx="837477" cy="148611"/>
+          </a:xfrm>
+          <a:prstGeom prst="rightArrow">
+            <a:avLst/>
+          </a:prstGeom>
+        </p:spPr>
+        <p:style>
+          <a:lnRef idx="2">
+            <a:schemeClr val="accent1">
+              <a:shade val="15000"/>
+            </a:schemeClr>
+          </a:lnRef>
+          <a:fillRef idx="1">
+            <a:schemeClr val="accent1"/>
+          </a:fillRef>
+          <a:effectRef idx="0">
+            <a:schemeClr val="accent1"/>
+          </a:effectRef>
+          <a:fontRef idx="minor">
+            <a:schemeClr val="lt1"/>
+          </a:fontRef>
+        </p:style>
+        <p:txBody>
+          <a:bodyPr rtlCol="0" anchor="ctr"/>
+          <a:lstStyle/>
+          <a:p>
+            <a:pPr algn="ctr"/>
+            <a:endParaRPr lang="en-SG"/>
+          </a:p>
+        </p:txBody>
+      </p:sp>
+      <p:sp>
+        <p:nvSpPr>
+          <p:cNvPr id="111" name="TextBox 110">
+            <a:extLst>
+              <a:ext uri="{FF2B5EF4-FFF2-40B4-BE49-F238E27FC236}">
+                <a16:creationId xmlns:a16="http://schemas.microsoft.com/office/drawing/2014/main" id="{285CCD32-F13C-5EFD-004C-05AC4499D993}"/>
+              </a:ext>
+            </a:extLst>
+          </p:cNvPr>
+          <p:cNvSpPr txBox="1"/>
+          <p:nvPr/>
+        </p:nvSpPr>
+        <p:spPr>
+          <a:xfrm>
+            <a:off x="6894723" y="242571"/>
+            <a:ext cx="4809826" cy="338554"/>
+          </a:xfrm>
+          <a:prstGeom prst="rect">
+            <a:avLst/>
+          </a:prstGeom>
+          <a:noFill/>
+        </p:spPr>
+        <p:txBody>
+          <a:bodyPr wrap="square" rtlCol="0">
+            <a:spAutoFit/>
+          </a:bodyPr>
+          <a:lstStyle/>
+          <a:p>
+            <a:r>
+              <a:rPr lang="en-US" sz="1600" b="1" dirty="0"/>
+              <a:t>Simulated electrical signal change to virtual PLC  </a:t>
+            </a:r>
+            <a:endParaRPr lang="en-SG" sz="1600" b="1" dirty="0"/>
+          </a:p>
+        </p:txBody>
+      </p:sp>
+    </p:spTree>
+    <p:extLst>
+      <p:ext uri="{BB962C8B-B14F-4D97-AF65-F5344CB8AC3E}">
+        <p14:creationId xmlns:p14="http://schemas.microsoft.com/office/powerpoint/2010/main" val="710496114"/>
+      </p:ext>
+    </p:extLst>
+  </p:cSld>
+  <p:clrMapOvr>
+    <a:masterClrMapping/>
+  </p:clrMapOvr>
+</p:sld>
+</file>
+
+<file path=ppt/slides/slide4.xml><?xml version="1.0" encoding="utf-8"?>
+<p:sld xmlns:a="http://schemas.openxmlformats.org/drawingml/2006/main" xmlns:r="http://schemas.openxmlformats.org/officeDocument/2006/relationships" xmlns:p="http://schemas.openxmlformats.org/presentationml/2006/main">
+  <p:cSld>
+    <p:spTree>
+      <p:nvGrpSpPr>
+        <p:cNvPr id="1" name=""/>
+        <p:cNvGrpSpPr/>
+        <p:nvPr/>
+      </p:nvGrpSpPr>
+      <p:grpSpPr>
+        <a:xfrm>
+          <a:off x="0" y="0"/>
+          <a:ext cx="0" cy="0"/>
+          <a:chOff x="0" y="0"/>
+          <a:chExt cx="0" cy="0"/>
+        </a:xfrm>
+      </p:grpSpPr>
       <p:pic>
         <p:nvPicPr>
           <p:cNvPr id="4" name="Picture 3" descr="A green squares with black lines&#10;&#10;Description automatically generated">
@@ -11083,7 +15600,7 @@
 </p:sld>
 </file>
 
-<file path=ppt/slides/slide4.xml><?xml version="1.0" encoding="utf-8"?>
+<file path=ppt/slides/slide5.xml><?xml version="1.0" encoding="utf-8"?>
 <p:sld xmlns:a="http://schemas.openxmlformats.org/drawingml/2006/main" xmlns:r="http://schemas.openxmlformats.org/officeDocument/2006/relationships" xmlns:p="http://schemas.openxmlformats.org/presentationml/2006/main">
   <p:cSld>
     <p:spTree>

--- a/doc/designDoc.pptx
+++ b/doc/designDoc.pptx
@@ -4,12 +4,16 @@
   <p:sldMasterIdLst>
     <p:sldMasterId id="2147483648" r:id="rId1"/>
   </p:sldMasterIdLst>
+  <p:notesMasterIdLst>
+    <p:notesMasterId r:id="rId8"/>
+  </p:notesMasterIdLst>
   <p:sldIdLst>
     <p:sldId id="256" r:id="rId2"/>
     <p:sldId id="257" r:id="rId3"/>
-    <p:sldId id="260" r:id="rId4"/>
-    <p:sldId id="258" r:id="rId5"/>
-    <p:sldId id="259" r:id="rId6"/>
+    <p:sldId id="261" r:id="rId4"/>
+    <p:sldId id="260" r:id="rId5"/>
+    <p:sldId id="258" r:id="rId6"/>
+    <p:sldId id="259" r:id="rId7"/>
   </p:sldIdLst>
   <p:sldSz cx="12192000" cy="6858000"/>
   <p:notesSz cx="6858000" cy="9144000"/>
@@ -116,6 +120,440 @@
 </p:presentation>
 </file>
 
+<file path=ppt/notesMasters/notesMaster1.xml><?xml version="1.0" encoding="utf-8"?>
+<p:notesMaster xmlns:a="http://schemas.openxmlformats.org/drawingml/2006/main" xmlns:r="http://schemas.openxmlformats.org/officeDocument/2006/relationships" xmlns:p="http://schemas.openxmlformats.org/presentationml/2006/main">
+  <p:cSld>
+    <p:bg>
+      <p:bgRef idx="1001">
+        <a:schemeClr val="bg1"/>
+      </p:bgRef>
+    </p:bg>
+    <p:spTree>
+      <p:nvGrpSpPr>
+        <p:cNvPr id="1" name=""/>
+        <p:cNvGrpSpPr/>
+        <p:nvPr/>
+      </p:nvGrpSpPr>
+      <p:grpSpPr>
+        <a:xfrm>
+          <a:off x="0" y="0"/>
+          <a:ext cx="0" cy="0"/>
+          <a:chOff x="0" y="0"/>
+          <a:chExt cx="0" cy="0"/>
+        </a:xfrm>
+      </p:grpSpPr>
+      <p:sp>
+        <p:nvSpPr>
+          <p:cNvPr id="2" name="Header Placeholder 1"/>
+          <p:cNvSpPr>
+            <a:spLocks noGrp="1"/>
+          </p:cNvSpPr>
+          <p:nvPr>
+            <p:ph type="hdr" sz="quarter"/>
+          </p:nvPr>
+        </p:nvSpPr>
+        <p:spPr>
+          <a:xfrm>
+            <a:off x="0" y="0"/>
+            <a:ext cx="2971800" cy="458788"/>
+          </a:xfrm>
+          <a:prstGeom prst="rect">
+            <a:avLst/>
+          </a:prstGeom>
+        </p:spPr>
+        <p:txBody>
+          <a:bodyPr vert="horz" lIns="91440" tIns="45720" rIns="91440" bIns="45720" rtlCol="0"/>
+          <a:lstStyle>
+            <a:lvl1pPr algn="l">
+              <a:defRPr sz="1200"/>
+            </a:lvl1pPr>
+          </a:lstStyle>
+          <a:p>
+            <a:endParaRPr lang="en-SG"/>
+          </a:p>
+        </p:txBody>
+      </p:sp>
+      <p:sp>
+        <p:nvSpPr>
+          <p:cNvPr id="3" name="Date Placeholder 2"/>
+          <p:cNvSpPr>
+            <a:spLocks noGrp="1"/>
+          </p:cNvSpPr>
+          <p:nvPr>
+            <p:ph type="dt" idx="1"/>
+          </p:nvPr>
+        </p:nvSpPr>
+        <p:spPr>
+          <a:xfrm>
+            <a:off x="3884613" y="0"/>
+            <a:ext cx="2971800" cy="458788"/>
+          </a:xfrm>
+          <a:prstGeom prst="rect">
+            <a:avLst/>
+          </a:prstGeom>
+        </p:spPr>
+        <p:txBody>
+          <a:bodyPr vert="horz" lIns="91440" tIns="45720" rIns="91440" bIns="45720" rtlCol="0"/>
+          <a:lstStyle>
+            <a:lvl1pPr algn="r">
+              <a:defRPr sz="1200"/>
+            </a:lvl1pPr>
+          </a:lstStyle>
+          <a:p>
+            <a:fld id="{CA98FC0A-A656-46B8-8BCE-B9957593F2EC}" type="datetimeFigureOut">
+              <a:rPr lang="en-SG" smtClean="0"/>
+              <a:t>7/4/2024</a:t>
+            </a:fld>
+            <a:endParaRPr lang="en-SG"/>
+          </a:p>
+        </p:txBody>
+      </p:sp>
+      <p:sp>
+        <p:nvSpPr>
+          <p:cNvPr id="4" name="Slide Image Placeholder 3"/>
+          <p:cNvSpPr>
+            <a:spLocks noGrp="1" noRot="1" noChangeAspect="1"/>
+          </p:cNvSpPr>
+          <p:nvPr>
+            <p:ph type="sldImg" idx="2"/>
+          </p:nvPr>
+        </p:nvSpPr>
+        <p:spPr>
+          <a:xfrm>
+            <a:off x="685800" y="1143000"/>
+            <a:ext cx="5486400" cy="3086100"/>
+          </a:xfrm>
+          <a:prstGeom prst="rect">
+            <a:avLst/>
+          </a:prstGeom>
+          <a:noFill/>
+          <a:ln w="12700">
+            <a:solidFill>
+              <a:prstClr val="black"/>
+            </a:solidFill>
+          </a:ln>
+        </p:spPr>
+        <p:txBody>
+          <a:bodyPr vert="horz" lIns="91440" tIns="45720" rIns="91440" bIns="45720" rtlCol="0" anchor="ctr"/>
+          <a:lstStyle/>
+          <a:p>
+            <a:endParaRPr lang="en-SG"/>
+          </a:p>
+        </p:txBody>
+      </p:sp>
+      <p:sp>
+        <p:nvSpPr>
+          <p:cNvPr id="5" name="Notes Placeholder 4"/>
+          <p:cNvSpPr>
+            <a:spLocks noGrp="1"/>
+          </p:cNvSpPr>
+          <p:nvPr>
+            <p:ph type="body" sz="quarter" idx="3"/>
+          </p:nvPr>
+        </p:nvSpPr>
+        <p:spPr>
+          <a:xfrm>
+            <a:off x="685800" y="4400550"/>
+            <a:ext cx="5486400" cy="3600450"/>
+          </a:xfrm>
+          <a:prstGeom prst="rect">
+            <a:avLst/>
+          </a:prstGeom>
+        </p:spPr>
+        <p:txBody>
+          <a:bodyPr vert="horz" lIns="91440" tIns="45720" rIns="91440" bIns="45720" rtlCol="0"/>
+          <a:lstStyle/>
+          <a:p>
+            <a:pPr lvl="0"/>
+            <a:r>
+              <a:rPr lang="en-US"/>
+              <a:t>Click to edit Master text styles</a:t>
+            </a:r>
+          </a:p>
+          <a:p>
+            <a:pPr lvl="1"/>
+            <a:r>
+              <a:rPr lang="en-US"/>
+              <a:t>Second level</a:t>
+            </a:r>
+          </a:p>
+          <a:p>
+            <a:pPr lvl="2"/>
+            <a:r>
+              <a:rPr lang="en-US"/>
+              <a:t>Third level</a:t>
+            </a:r>
+          </a:p>
+          <a:p>
+            <a:pPr lvl="3"/>
+            <a:r>
+              <a:rPr lang="en-US"/>
+              <a:t>Fourth level</a:t>
+            </a:r>
+          </a:p>
+          <a:p>
+            <a:pPr lvl="4"/>
+            <a:r>
+              <a:rPr lang="en-US"/>
+              <a:t>Fifth level</a:t>
+            </a:r>
+            <a:endParaRPr lang="en-SG"/>
+          </a:p>
+        </p:txBody>
+      </p:sp>
+      <p:sp>
+        <p:nvSpPr>
+          <p:cNvPr id="6" name="Footer Placeholder 5"/>
+          <p:cNvSpPr>
+            <a:spLocks noGrp="1"/>
+          </p:cNvSpPr>
+          <p:nvPr>
+            <p:ph type="ftr" sz="quarter" idx="4"/>
+          </p:nvPr>
+        </p:nvSpPr>
+        <p:spPr>
+          <a:xfrm>
+            <a:off x="0" y="8685213"/>
+            <a:ext cx="2971800" cy="458787"/>
+          </a:xfrm>
+          <a:prstGeom prst="rect">
+            <a:avLst/>
+          </a:prstGeom>
+        </p:spPr>
+        <p:txBody>
+          <a:bodyPr vert="horz" lIns="91440" tIns="45720" rIns="91440" bIns="45720" rtlCol="0" anchor="b"/>
+          <a:lstStyle>
+            <a:lvl1pPr algn="l">
+              <a:defRPr sz="1200"/>
+            </a:lvl1pPr>
+          </a:lstStyle>
+          <a:p>
+            <a:endParaRPr lang="en-SG"/>
+          </a:p>
+        </p:txBody>
+      </p:sp>
+      <p:sp>
+        <p:nvSpPr>
+          <p:cNvPr id="7" name="Slide Number Placeholder 6"/>
+          <p:cNvSpPr>
+            <a:spLocks noGrp="1"/>
+          </p:cNvSpPr>
+          <p:nvPr>
+            <p:ph type="sldNum" sz="quarter" idx="5"/>
+          </p:nvPr>
+        </p:nvSpPr>
+        <p:spPr>
+          <a:xfrm>
+            <a:off x="3884613" y="8685213"/>
+            <a:ext cx="2971800" cy="458787"/>
+          </a:xfrm>
+          <a:prstGeom prst="rect">
+            <a:avLst/>
+          </a:prstGeom>
+        </p:spPr>
+        <p:txBody>
+          <a:bodyPr vert="horz" lIns="91440" tIns="45720" rIns="91440" bIns="45720" rtlCol="0" anchor="b"/>
+          <a:lstStyle>
+            <a:lvl1pPr algn="r">
+              <a:defRPr sz="1200"/>
+            </a:lvl1pPr>
+          </a:lstStyle>
+          <a:p>
+            <a:fld id="{61AB7AF4-7E82-4D46-A58C-FC86BB2F4A6B}" type="slidenum">
+              <a:rPr lang="en-SG" smtClean="0"/>
+              <a:t>‹#›</a:t>
+            </a:fld>
+            <a:endParaRPr lang="en-SG"/>
+          </a:p>
+        </p:txBody>
+      </p:sp>
+    </p:spTree>
+    <p:extLst>
+      <p:ext uri="{BB962C8B-B14F-4D97-AF65-F5344CB8AC3E}">
+        <p14:creationId xmlns:p14="http://schemas.microsoft.com/office/powerpoint/2010/main" val="3304947590"/>
+      </p:ext>
+    </p:extLst>
+  </p:cSld>
+  <p:clrMap bg1="lt1" tx1="dk1" bg2="lt2" tx2="dk2" accent1="accent1" accent2="accent2" accent3="accent3" accent4="accent4" accent5="accent5" accent6="accent6" hlink="hlink" folHlink="folHlink"/>
+  <p:notesStyle>
+    <a:lvl1pPr marL="0" algn="l" defTabSz="914400" rtl="0" eaLnBrk="1" latinLnBrk="0" hangingPunct="1">
+      <a:defRPr sz="1200" kern="1200">
+        <a:solidFill>
+          <a:schemeClr val="tx1"/>
+        </a:solidFill>
+        <a:latin typeface="+mn-lt"/>
+        <a:ea typeface="+mn-ea"/>
+        <a:cs typeface="+mn-cs"/>
+      </a:defRPr>
+    </a:lvl1pPr>
+    <a:lvl2pPr marL="457200" algn="l" defTabSz="914400" rtl="0" eaLnBrk="1" latinLnBrk="0" hangingPunct="1">
+      <a:defRPr sz="1200" kern="1200">
+        <a:solidFill>
+          <a:schemeClr val="tx1"/>
+        </a:solidFill>
+        <a:latin typeface="+mn-lt"/>
+        <a:ea typeface="+mn-ea"/>
+        <a:cs typeface="+mn-cs"/>
+      </a:defRPr>
+    </a:lvl2pPr>
+    <a:lvl3pPr marL="914400" algn="l" defTabSz="914400" rtl="0" eaLnBrk="1" latinLnBrk="0" hangingPunct="1">
+      <a:defRPr sz="1200" kern="1200">
+        <a:solidFill>
+          <a:schemeClr val="tx1"/>
+        </a:solidFill>
+        <a:latin typeface="+mn-lt"/>
+        <a:ea typeface="+mn-ea"/>
+        <a:cs typeface="+mn-cs"/>
+      </a:defRPr>
+    </a:lvl3pPr>
+    <a:lvl4pPr marL="1371600" algn="l" defTabSz="914400" rtl="0" eaLnBrk="1" latinLnBrk="0" hangingPunct="1">
+      <a:defRPr sz="1200" kern="1200">
+        <a:solidFill>
+          <a:schemeClr val="tx1"/>
+        </a:solidFill>
+        <a:latin typeface="+mn-lt"/>
+        <a:ea typeface="+mn-ea"/>
+        <a:cs typeface="+mn-cs"/>
+      </a:defRPr>
+    </a:lvl4pPr>
+    <a:lvl5pPr marL="1828800" algn="l" defTabSz="914400" rtl="0" eaLnBrk="1" latinLnBrk="0" hangingPunct="1">
+      <a:defRPr sz="1200" kern="1200">
+        <a:solidFill>
+          <a:schemeClr val="tx1"/>
+        </a:solidFill>
+        <a:latin typeface="+mn-lt"/>
+        <a:ea typeface="+mn-ea"/>
+        <a:cs typeface="+mn-cs"/>
+      </a:defRPr>
+    </a:lvl5pPr>
+    <a:lvl6pPr marL="2286000" algn="l" defTabSz="914400" rtl="0" eaLnBrk="1" latinLnBrk="0" hangingPunct="1">
+      <a:defRPr sz="1200" kern="1200">
+        <a:solidFill>
+          <a:schemeClr val="tx1"/>
+        </a:solidFill>
+        <a:latin typeface="+mn-lt"/>
+        <a:ea typeface="+mn-ea"/>
+        <a:cs typeface="+mn-cs"/>
+      </a:defRPr>
+    </a:lvl6pPr>
+    <a:lvl7pPr marL="2743200" algn="l" defTabSz="914400" rtl="0" eaLnBrk="1" latinLnBrk="0" hangingPunct="1">
+      <a:defRPr sz="1200" kern="1200">
+        <a:solidFill>
+          <a:schemeClr val="tx1"/>
+        </a:solidFill>
+        <a:latin typeface="+mn-lt"/>
+        <a:ea typeface="+mn-ea"/>
+        <a:cs typeface="+mn-cs"/>
+      </a:defRPr>
+    </a:lvl7pPr>
+    <a:lvl8pPr marL="3200400" algn="l" defTabSz="914400" rtl="0" eaLnBrk="1" latinLnBrk="0" hangingPunct="1">
+      <a:defRPr sz="1200" kern="1200">
+        <a:solidFill>
+          <a:schemeClr val="tx1"/>
+        </a:solidFill>
+        <a:latin typeface="+mn-lt"/>
+        <a:ea typeface="+mn-ea"/>
+        <a:cs typeface="+mn-cs"/>
+      </a:defRPr>
+    </a:lvl8pPr>
+    <a:lvl9pPr marL="3657600" algn="l" defTabSz="914400" rtl="0" eaLnBrk="1" latinLnBrk="0" hangingPunct="1">
+      <a:defRPr sz="1200" kern="1200">
+        <a:solidFill>
+          <a:schemeClr val="tx1"/>
+        </a:solidFill>
+        <a:latin typeface="+mn-lt"/>
+        <a:ea typeface="+mn-ea"/>
+        <a:cs typeface="+mn-cs"/>
+      </a:defRPr>
+    </a:lvl9pPr>
+  </p:notesStyle>
+</p:notesMaster>
+</file>
+
+<file path=ppt/notesSlides/notesSlide1.xml><?xml version="1.0" encoding="utf-8"?>
+<p:notes xmlns:a="http://schemas.openxmlformats.org/drawingml/2006/main" xmlns:r="http://schemas.openxmlformats.org/officeDocument/2006/relationships" xmlns:p="http://schemas.openxmlformats.org/presentationml/2006/main">
+  <p:cSld>
+    <p:spTree>
+      <p:nvGrpSpPr>
+        <p:cNvPr id="1" name=""/>
+        <p:cNvGrpSpPr/>
+        <p:nvPr/>
+      </p:nvGrpSpPr>
+      <p:grpSpPr>
+        <a:xfrm>
+          <a:off x="0" y="0"/>
+          <a:ext cx="0" cy="0"/>
+          <a:chOff x="0" y="0"/>
+          <a:chExt cx="0" cy="0"/>
+        </a:xfrm>
+      </p:grpSpPr>
+      <p:sp>
+        <p:nvSpPr>
+          <p:cNvPr id="2" name="Slide Image Placeholder 1"/>
+          <p:cNvSpPr>
+            <a:spLocks noGrp="1" noRot="1" noChangeAspect="1"/>
+          </p:cNvSpPr>
+          <p:nvPr>
+            <p:ph type="sldImg"/>
+          </p:nvPr>
+        </p:nvSpPr>
+        <p:spPr/>
+      </p:sp>
+      <p:sp>
+        <p:nvSpPr>
+          <p:cNvPr id="3" name="Notes Placeholder 2"/>
+          <p:cNvSpPr>
+            <a:spLocks noGrp="1"/>
+          </p:cNvSpPr>
+          <p:nvPr>
+            <p:ph type="body" idx="1"/>
+          </p:nvPr>
+        </p:nvSpPr>
+        <p:spPr/>
+        <p:txBody>
+          <a:bodyPr/>
+          <a:lstStyle/>
+          <a:p>
+            <a:endParaRPr lang="en-SG" dirty="0"/>
+          </a:p>
+        </p:txBody>
+      </p:sp>
+      <p:sp>
+        <p:nvSpPr>
+          <p:cNvPr id="4" name="Slide Number Placeholder 3"/>
+          <p:cNvSpPr>
+            <a:spLocks noGrp="1"/>
+          </p:cNvSpPr>
+          <p:nvPr>
+            <p:ph type="sldNum" sz="quarter" idx="5"/>
+          </p:nvPr>
+        </p:nvSpPr>
+        <p:spPr/>
+        <p:txBody>
+          <a:bodyPr/>
+          <a:lstStyle/>
+          <a:p>
+            <a:fld id="{61AB7AF4-7E82-4D46-A58C-FC86BB2F4A6B}" type="slidenum">
+              <a:rPr lang="en-SG" smtClean="0"/>
+              <a:t>2</a:t>
+            </a:fld>
+            <a:endParaRPr lang="en-SG"/>
+          </a:p>
+        </p:txBody>
+      </p:sp>
+    </p:spTree>
+    <p:extLst>
+      <p:ext uri="{BB962C8B-B14F-4D97-AF65-F5344CB8AC3E}">
+        <p14:creationId xmlns:p14="http://schemas.microsoft.com/office/powerpoint/2010/main" val="2321731084"/>
+      </p:ext>
+    </p:extLst>
+  </p:cSld>
+  <p:clrMapOvr>
+    <a:masterClrMapping/>
+  </p:clrMapOvr>
+</p:notes>
+</file>
+
 <file path=ppt/slideLayouts/slideLayout1.xml><?xml version="1.0" encoding="utf-8"?>
 <p:sldLayout xmlns:a="http://schemas.openxmlformats.org/drawingml/2006/main" xmlns:r="http://schemas.openxmlformats.org/officeDocument/2006/relationships" xmlns:p="http://schemas.openxmlformats.org/presentationml/2006/main" type="title" preserve="1">
   <p:cSld name="Title Slide">
@@ -265,7 +703,7 @@
           <a:p>
             <a:fld id="{F953FF10-B1B6-4147-A9BC-BC236B7E3AD4}" type="datetimeFigureOut">
               <a:rPr lang="en-SG" smtClean="0"/>
-              <a:t>6/4/2024</a:t>
+              <a:t>7/4/2024</a:t>
             </a:fld>
             <a:endParaRPr lang="en-SG"/>
           </a:p>
@@ -465,7 +903,7 @@
           <a:p>
             <a:fld id="{F953FF10-B1B6-4147-A9BC-BC236B7E3AD4}" type="datetimeFigureOut">
               <a:rPr lang="en-SG" smtClean="0"/>
-              <a:t>6/4/2024</a:t>
+              <a:t>7/4/2024</a:t>
             </a:fld>
             <a:endParaRPr lang="en-SG"/>
           </a:p>
@@ -675,7 +1113,7 @@
           <a:p>
             <a:fld id="{F953FF10-B1B6-4147-A9BC-BC236B7E3AD4}" type="datetimeFigureOut">
               <a:rPr lang="en-SG" smtClean="0"/>
-              <a:t>6/4/2024</a:t>
+              <a:t>7/4/2024</a:t>
             </a:fld>
             <a:endParaRPr lang="en-SG"/>
           </a:p>
@@ -875,7 +1313,7 @@
           <a:p>
             <a:fld id="{F953FF10-B1B6-4147-A9BC-BC236B7E3AD4}" type="datetimeFigureOut">
               <a:rPr lang="en-SG" smtClean="0"/>
-              <a:t>6/4/2024</a:t>
+              <a:t>7/4/2024</a:t>
             </a:fld>
             <a:endParaRPr lang="en-SG"/>
           </a:p>
@@ -1151,7 +1589,7 @@
           <a:p>
             <a:fld id="{F953FF10-B1B6-4147-A9BC-BC236B7E3AD4}" type="datetimeFigureOut">
               <a:rPr lang="en-SG" smtClean="0"/>
-              <a:t>6/4/2024</a:t>
+              <a:t>7/4/2024</a:t>
             </a:fld>
             <a:endParaRPr lang="en-SG"/>
           </a:p>
@@ -1419,7 +1857,7 @@
           <a:p>
             <a:fld id="{F953FF10-B1B6-4147-A9BC-BC236B7E3AD4}" type="datetimeFigureOut">
               <a:rPr lang="en-SG" smtClean="0"/>
-              <a:t>6/4/2024</a:t>
+              <a:t>7/4/2024</a:t>
             </a:fld>
             <a:endParaRPr lang="en-SG"/>
           </a:p>
@@ -1834,7 +2272,7 @@
           <a:p>
             <a:fld id="{F953FF10-B1B6-4147-A9BC-BC236B7E3AD4}" type="datetimeFigureOut">
               <a:rPr lang="en-SG" smtClean="0"/>
-              <a:t>6/4/2024</a:t>
+              <a:t>7/4/2024</a:t>
             </a:fld>
             <a:endParaRPr lang="en-SG"/>
           </a:p>
@@ -1976,7 +2414,7 @@
           <a:p>
             <a:fld id="{F953FF10-B1B6-4147-A9BC-BC236B7E3AD4}" type="datetimeFigureOut">
               <a:rPr lang="en-SG" smtClean="0"/>
-              <a:t>6/4/2024</a:t>
+              <a:t>7/4/2024</a:t>
             </a:fld>
             <a:endParaRPr lang="en-SG"/>
           </a:p>
@@ -2089,7 +2527,7 @@
           <a:p>
             <a:fld id="{F953FF10-B1B6-4147-A9BC-BC236B7E3AD4}" type="datetimeFigureOut">
               <a:rPr lang="en-SG" smtClean="0"/>
-              <a:t>6/4/2024</a:t>
+              <a:t>7/4/2024</a:t>
             </a:fld>
             <a:endParaRPr lang="en-SG"/>
           </a:p>
@@ -2402,7 +2840,7 @@
           <a:p>
             <a:fld id="{F953FF10-B1B6-4147-A9BC-BC236B7E3AD4}" type="datetimeFigureOut">
               <a:rPr lang="en-SG" smtClean="0"/>
-              <a:t>6/4/2024</a:t>
+              <a:t>7/4/2024</a:t>
             </a:fld>
             <a:endParaRPr lang="en-SG"/>
           </a:p>
@@ -2691,7 +3129,7 @@
           <a:p>
             <a:fld id="{F953FF10-B1B6-4147-A9BC-BC236B7E3AD4}" type="datetimeFigureOut">
               <a:rPr lang="en-SG" smtClean="0"/>
-              <a:t>6/4/2024</a:t>
+              <a:t>7/4/2024</a:t>
             </a:fld>
             <a:endParaRPr lang="en-SG"/>
           </a:p>
@@ -2934,7 +3372,7 @@
           <a:p>
             <a:fld id="{F953FF10-B1B6-4147-A9BC-BC236B7E3AD4}" type="datetimeFigureOut">
               <a:rPr lang="en-SG" smtClean="0"/>
-              <a:t>6/4/2024</a:t>
+              <a:t>7/4/2024</a:t>
             </a:fld>
             <a:endParaRPr lang="en-SG"/>
           </a:p>
@@ -6594,7 +7032,7 @@
           <p:nvPr/>
         </p:nvPicPr>
         <p:blipFill>
-          <a:blip r:embed="rId2"/>
+          <a:blip r:embed="rId3"/>
           <a:stretch>
             <a:fillRect/>
           </a:stretch>
@@ -6620,41 +7058,6 @@
             <a:extLst>
               <a:ext uri="{FF2B5EF4-FFF2-40B4-BE49-F238E27FC236}">
                 <a16:creationId xmlns:a16="http://schemas.microsoft.com/office/drawing/2014/main" id="{8E80128F-6562-8A46-C80F-516E853F6562}"/>
-              </a:ext>
-            </a:extLst>
-          </p:cNvPr>
-          <p:cNvPicPr>
-            <a:picLocks noChangeAspect="1"/>
-          </p:cNvPicPr>
-          <p:nvPr/>
-        </p:nvPicPr>
-        <p:blipFill>
-          <a:blip r:embed="rId3"/>
-          <a:stretch>
-            <a:fillRect/>
-          </a:stretch>
-        </p:blipFill>
-        <p:spPr>
-          <a:xfrm>
-            <a:off x="1564966" y="778081"/>
-            <a:ext cx="1435809" cy="1044225"/>
-          </a:xfrm>
-          <a:prstGeom prst="rect">
-            <a:avLst/>
-          </a:prstGeom>
-          <a:ln w="12700">
-            <a:solidFill>
-              <a:schemeClr val="tx1"/>
-            </a:solidFill>
-          </a:ln>
-        </p:spPr>
-      </p:pic>
-      <p:pic>
-        <p:nvPicPr>
-          <p:cNvPr id="11" name="Picture 10">
-            <a:extLst>
-              <a:ext uri="{FF2B5EF4-FFF2-40B4-BE49-F238E27FC236}">
-                <a16:creationId xmlns:a16="http://schemas.microsoft.com/office/drawing/2014/main" id="{EB8839E0-1D26-27C2-C3D2-71BBE832C53E}"/>
               </a:ext>
             </a:extLst>
           </p:cNvPr>
@@ -6670,73 +7073,26 @@
           </a:stretch>
         </p:blipFill>
         <p:spPr>
-          <a:xfrm flipH="1">
-            <a:off x="1747212" y="4085081"/>
-            <a:ext cx="959550" cy="1026558"/>
+          <a:xfrm>
+            <a:off x="1564966" y="778081"/>
+            <a:ext cx="1435809" cy="1044225"/>
           </a:xfrm>
           <a:prstGeom prst="rect">
             <a:avLst/>
           </a:prstGeom>
-          <a:ln w="9525">
+          <a:ln w="12700">
             <a:solidFill>
               <a:schemeClr val="tx1"/>
             </a:solidFill>
           </a:ln>
         </p:spPr>
       </p:pic>
-      <p:sp>
-        <p:nvSpPr>
-          <p:cNvPr id="12" name="Rectangle 11">
-            <a:extLst>
-              <a:ext uri="{FF2B5EF4-FFF2-40B4-BE49-F238E27FC236}">
-                <a16:creationId xmlns:a16="http://schemas.microsoft.com/office/drawing/2014/main" id="{6E3075C0-8709-B930-ED79-4C114DB1E5A3}"/>
-              </a:ext>
-            </a:extLst>
-          </p:cNvPr>
-          <p:cNvSpPr/>
-          <p:nvPr/>
-        </p:nvSpPr>
-        <p:spPr>
-          <a:xfrm>
-            <a:off x="4869180" y="674370"/>
-            <a:ext cx="2146966" cy="1017269"/>
-          </a:xfrm>
-          <a:prstGeom prst="rect">
-            <a:avLst/>
-          </a:prstGeom>
-          <a:noFill/>
-        </p:spPr>
-        <p:style>
-          <a:lnRef idx="2">
-            <a:schemeClr val="accent1">
-              <a:shade val="15000"/>
-            </a:schemeClr>
-          </a:lnRef>
-          <a:fillRef idx="1">
-            <a:schemeClr val="accent1"/>
-          </a:fillRef>
-          <a:effectRef idx="0">
-            <a:schemeClr val="accent1"/>
-          </a:effectRef>
-          <a:fontRef idx="minor">
-            <a:schemeClr val="lt1"/>
-          </a:fontRef>
-        </p:style>
-        <p:txBody>
-          <a:bodyPr rtlCol="0" anchor="ctr"/>
-          <a:lstStyle/>
-          <a:p>
-            <a:pPr algn="ctr"/>
-            <a:endParaRPr lang="en-SG" dirty="0"/>
-          </a:p>
-        </p:txBody>
-      </p:sp>
       <p:pic>
         <p:nvPicPr>
-          <p:cNvPr id="13" name="Picture 12">
-            <a:extLst>
-              <a:ext uri="{FF2B5EF4-FFF2-40B4-BE49-F238E27FC236}">
-                <a16:creationId xmlns:a16="http://schemas.microsoft.com/office/drawing/2014/main" id="{220FF5B0-50AF-1BD7-B04C-30755341F08D}"/>
+          <p:cNvPr id="11" name="Picture 10">
+            <a:extLst>
+              <a:ext uri="{FF2B5EF4-FFF2-40B4-BE49-F238E27FC236}">
+                <a16:creationId xmlns:a16="http://schemas.microsoft.com/office/drawing/2014/main" id="{EB8839E0-1D26-27C2-C3D2-71BBE832C53E}"/>
               </a:ext>
             </a:extLst>
           </p:cNvPr>
@@ -6752,57 +7108,26 @@
           </a:stretch>
         </p:blipFill>
         <p:spPr>
-          <a:xfrm>
-            <a:off x="5007226" y="772636"/>
-            <a:ext cx="400622" cy="274983"/>
+          <a:xfrm flipH="1">
+            <a:off x="1747212" y="4085081"/>
+            <a:ext cx="959550" cy="1026558"/>
           </a:xfrm>
           <a:prstGeom prst="rect">
             <a:avLst/>
           </a:prstGeom>
+          <a:ln w="9525">
+            <a:solidFill>
+              <a:schemeClr val="tx1"/>
+            </a:solidFill>
+          </a:ln>
         </p:spPr>
       </p:pic>
       <p:sp>
         <p:nvSpPr>
-          <p:cNvPr id="14" name="TextBox 13">
-            <a:extLst>
-              <a:ext uri="{FF2B5EF4-FFF2-40B4-BE49-F238E27FC236}">
-                <a16:creationId xmlns:a16="http://schemas.microsoft.com/office/drawing/2014/main" id="{74936F77-D23D-B94E-764D-91124D5A0936}"/>
-              </a:ext>
-            </a:extLst>
-          </p:cNvPr>
-          <p:cNvSpPr txBox="1"/>
-          <p:nvPr/>
-        </p:nvSpPr>
-        <p:spPr>
-          <a:xfrm>
-            <a:off x="5396944" y="758982"/>
-            <a:ext cx="1499464" cy="307777"/>
-          </a:xfrm>
-          <a:prstGeom prst="rect">
-            <a:avLst/>
-          </a:prstGeom>
-          <a:noFill/>
-        </p:spPr>
-        <p:txBody>
-          <a:bodyPr wrap="square" rtlCol="0">
-            <a:spAutoFit/>
-          </a:bodyPr>
-          <a:lstStyle/>
-          <a:p>
-            <a:r>
-              <a:rPr lang="en-US" sz="1400" b="1" dirty="0"/>
-              <a:t>Windows OS VM</a:t>
-            </a:r>
-            <a:endParaRPr lang="en-SG" sz="1400" b="1" dirty="0"/>
-          </a:p>
-        </p:txBody>
-      </p:sp>
-      <p:sp>
-        <p:nvSpPr>
-          <p:cNvPr id="15" name="Rectangle 14">
-            <a:extLst>
-              <a:ext uri="{FF2B5EF4-FFF2-40B4-BE49-F238E27FC236}">
-                <a16:creationId xmlns:a16="http://schemas.microsoft.com/office/drawing/2014/main" id="{F0B67A0E-3F3F-B917-D53C-4C41D8EAA1CE}"/>
+          <p:cNvPr id="12" name="Rectangle 11">
+            <a:extLst>
+              <a:ext uri="{FF2B5EF4-FFF2-40B4-BE49-F238E27FC236}">
+                <a16:creationId xmlns:a16="http://schemas.microsoft.com/office/drawing/2014/main" id="{6E3075C0-8709-B930-ED79-4C114DB1E5A3}"/>
               </a:ext>
             </a:extLst>
           </p:cNvPr>
@@ -6811,241 +7136,8 @@
         </p:nvSpPr>
         <p:spPr>
           <a:xfrm>
-            <a:off x="5335725" y="1234641"/>
-            <a:ext cx="1183005" cy="287243"/>
-          </a:xfrm>
-          <a:prstGeom prst="rect">
-            <a:avLst/>
-          </a:prstGeom>
-          <a:solidFill>
-            <a:schemeClr val="tx1"/>
-          </a:solidFill>
-        </p:spPr>
-        <p:style>
-          <a:lnRef idx="2">
-            <a:schemeClr val="accent1">
-              <a:shade val="50000"/>
-            </a:schemeClr>
-          </a:lnRef>
-          <a:fillRef idx="1">
-            <a:schemeClr val="accent1"/>
-          </a:fillRef>
-          <a:effectRef idx="0">
-            <a:schemeClr val="accent1"/>
-          </a:effectRef>
-          <a:fontRef idx="minor">
-            <a:schemeClr val="lt1"/>
-          </a:fontRef>
-        </p:style>
-        <p:txBody>
-          <a:bodyPr rtlCol="0" anchor="ctr"/>
-          <a:lstStyle/>
-          <a:p>
-            <a:r>
-              <a:rPr lang="en-US" sz="1200" b="1" dirty="0"/>
-              <a:t>PLC Simulator</a:t>
-            </a:r>
-            <a:endParaRPr lang="en-SG" sz="1200" b="1" dirty="0"/>
-          </a:p>
-        </p:txBody>
-      </p:sp>
-      <p:sp>
-        <p:nvSpPr>
-          <p:cNvPr id="16" name="Rectangle 15">
-            <a:extLst>
-              <a:ext uri="{FF2B5EF4-FFF2-40B4-BE49-F238E27FC236}">
-                <a16:creationId xmlns:a16="http://schemas.microsoft.com/office/drawing/2014/main" id="{824BA262-2111-74A7-B361-5F1B0AC2FD8B}"/>
-              </a:ext>
-            </a:extLst>
-          </p:cNvPr>
-          <p:cNvSpPr/>
-          <p:nvPr/>
-        </p:nvSpPr>
-        <p:spPr>
-          <a:xfrm>
-            <a:off x="6773090" y="1205864"/>
-            <a:ext cx="824388" cy="365760"/>
-          </a:xfrm>
-          <a:prstGeom prst="rect">
-            <a:avLst/>
-          </a:prstGeom>
-          <a:solidFill>
-            <a:schemeClr val="accent6">
-              <a:lumMod val="75000"/>
-            </a:schemeClr>
-          </a:solidFill>
-        </p:spPr>
-        <p:style>
-          <a:lnRef idx="2">
-            <a:schemeClr val="accent1">
-              <a:shade val="50000"/>
-            </a:schemeClr>
-          </a:lnRef>
-          <a:fillRef idx="1">
-            <a:schemeClr val="accent1"/>
-          </a:fillRef>
-          <a:effectRef idx="0">
-            <a:schemeClr val="accent1"/>
-          </a:effectRef>
-          <a:fontRef idx="minor">
-            <a:schemeClr val="lt1"/>
-          </a:fontRef>
-        </p:style>
-        <p:txBody>
-          <a:bodyPr rtlCol="0" anchor="ctr"/>
-          <a:lstStyle/>
-          <a:p>
-            <a:r>
-              <a:rPr lang="en-US" sz="1200" b="1" dirty="0"/>
-              <a:t>Modbus Interface</a:t>
-            </a:r>
-            <a:endParaRPr lang="en-SG" sz="1200" b="1" dirty="0"/>
-          </a:p>
-        </p:txBody>
-      </p:sp>
-      <p:sp>
-        <p:nvSpPr>
-          <p:cNvPr id="17" name="Rectangle 16">
-            <a:extLst>
-              <a:ext uri="{FF2B5EF4-FFF2-40B4-BE49-F238E27FC236}">
-                <a16:creationId xmlns:a16="http://schemas.microsoft.com/office/drawing/2014/main" id="{35A48A30-CE8F-192F-DD86-F8DFF098FBD2}"/>
-              </a:ext>
-            </a:extLst>
-          </p:cNvPr>
-          <p:cNvSpPr/>
-          <p:nvPr/>
-        </p:nvSpPr>
-        <p:spPr>
-          <a:xfrm>
-            <a:off x="4243388" y="1198289"/>
-            <a:ext cx="824388" cy="365760"/>
-          </a:xfrm>
-          <a:prstGeom prst="rect">
-            <a:avLst/>
-          </a:prstGeom>
-          <a:solidFill>
-            <a:schemeClr val="accent2"/>
-          </a:solidFill>
-        </p:spPr>
-        <p:style>
-          <a:lnRef idx="2">
-            <a:schemeClr val="accent1">
-              <a:shade val="50000"/>
-            </a:schemeClr>
-          </a:lnRef>
-          <a:fillRef idx="1">
-            <a:schemeClr val="accent1"/>
-          </a:fillRef>
-          <a:effectRef idx="0">
-            <a:schemeClr val="accent1"/>
-          </a:effectRef>
-          <a:fontRef idx="minor">
-            <a:schemeClr val="lt1"/>
-          </a:fontRef>
-        </p:style>
-        <p:txBody>
-          <a:bodyPr rtlCol="0" anchor="ctr"/>
-          <a:lstStyle/>
-          <a:p>
-            <a:r>
-              <a:rPr lang="en-US" sz="1200" b="1" dirty="0"/>
-              <a:t>UDP/TCP Interface</a:t>
-            </a:r>
-            <a:endParaRPr lang="en-SG" sz="1200" b="1" dirty="0"/>
-          </a:p>
-        </p:txBody>
-      </p:sp>
-      <p:sp>
-        <p:nvSpPr>
-          <p:cNvPr id="18" name="TextBox 17">
-            <a:extLst>
-              <a:ext uri="{FF2B5EF4-FFF2-40B4-BE49-F238E27FC236}">
-                <a16:creationId xmlns:a16="http://schemas.microsoft.com/office/drawing/2014/main" id="{E1E0B918-118C-5360-E7F0-5D239E15676E}"/>
-              </a:ext>
-            </a:extLst>
-          </p:cNvPr>
-          <p:cNvSpPr txBox="1"/>
-          <p:nvPr/>
-        </p:nvSpPr>
-        <p:spPr>
-          <a:xfrm>
-            <a:off x="1435554" y="488781"/>
-            <a:ext cx="2382066" cy="307777"/>
-          </a:xfrm>
-          <a:prstGeom prst="rect">
-            <a:avLst/>
-          </a:prstGeom>
-          <a:noFill/>
-        </p:spPr>
-        <p:txBody>
-          <a:bodyPr wrap="square" rtlCol="0">
-            <a:spAutoFit/>
-          </a:bodyPr>
-          <a:lstStyle/>
-          <a:p>
-            <a:r>
-              <a:rPr lang="en-US" sz="1400" b="1" dirty="0"/>
-              <a:t>Virtual OT device emulator </a:t>
-            </a:r>
-            <a:endParaRPr lang="en-SG" sz="1400" b="1" dirty="0"/>
-          </a:p>
-        </p:txBody>
-      </p:sp>
-      <p:cxnSp>
-        <p:nvCxnSpPr>
-          <p:cNvPr id="21" name="Straight Connector 20">
-            <a:extLst>
-              <a:ext uri="{FF2B5EF4-FFF2-40B4-BE49-F238E27FC236}">
-                <a16:creationId xmlns:a16="http://schemas.microsoft.com/office/drawing/2014/main" id="{0CF1E682-D313-C320-85B2-F75E54A1FB16}"/>
-              </a:ext>
-            </a:extLst>
-          </p:cNvPr>
-          <p:cNvCxnSpPr>
-            <a:stCxn id="19" idx="3"/>
-            <a:endCxn id="17" idx="1"/>
-          </p:cNvCxnSpPr>
-          <p:nvPr/>
-        </p:nvCxnSpPr>
-        <p:spPr>
-          <a:xfrm flipV="1">
-            <a:off x="3733051" y="1381169"/>
-            <a:ext cx="510337" cy="0"/>
-          </a:xfrm>
-          <a:prstGeom prst="line">
-            <a:avLst/>
-          </a:prstGeom>
-        </p:spPr>
-        <p:style>
-          <a:lnRef idx="2">
-            <a:schemeClr val="accent1"/>
-          </a:lnRef>
-          <a:fillRef idx="0">
-            <a:schemeClr val="accent1"/>
-          </a:fillRef>
-          <a:effectRef idx="1">
-            <a:schemeClr val="accent1"/>
-          </a:effectRef>
-          <a:fontRef idx="minor">
-            <a:schemeClr val="tx1"/>
-          </a:fontRef>
-        </p:style>
-      </p:cxnSp>
-      <p:sp>
-        <p:nvSpPr>
-          <p:cNvPr id="22" name="Rectangle 21">
-            <a:extLst>
-              <a:ext uri="{FF2B5EF4-FFF2-40B4-BE49-F238E27FC236}">
-                <a16:creationId xmlns:a16="http://schemas.microsoft.com/office/drawing/2014/main" id="{904D2CC7-AC76-77BC-BAEB-EBB1EB418E29}"/>
-              </a:ext>
-            </a:extLst>
-          </p:cNvPr>
-          <p:cNvSpPr/>
-          <p:nvPr/>
-        </p:nvSpPr>
-        <p:spPr>
-          <a:xfrm>
-            <a:off x="4869180" y="1927985"/>
-            <a:ext cx="2183130" cy="1120631"/>
+            <a:off x="4869180" y="674371"/>
+            <a:ext cx="2146966" cy="947770"/>
           </a:xfrm>
           <a:prstGeom prst="rect">
             <a:avLst/>
@@ -7077,48 +7169,12 @@
           </a:p>
         </p:txBody>
       </p:sp>
-      <p:sp>
-        <p:nvSpPr>
-          <p:cNvPr id="23" name="TextBox 22">
-            <a:extLst>
-              <a:ext uri="{FF2B5EF4-FFF2-40B4-BE49-F238E27FC236}">
-                <a16:creationId xmlns:a16="http://schemas.microsoft.com/office/drawing/2014/main" id="{77A1233B-0BD6-4073-9C92-B4D79134FF7B}"/>
-              </a:ext>
-            </a:extLst>
-          </p:cNvPr>
-          <p:cNvSpPr txBox="1"/>
-          <p:nvPr/>
-        </p:nvSpPr>
-        <p:spPr>
-          <a:xfrm>
-            <a:off x="5474146" y="1931761"/>
-            <a:ext cx="1303564" cy="307777"/>
-          </a:xfrm>
-          <a:prstGeom prst="rect">
-            <a:avLst/>
-          </a:prstGeom>
-          <a:noFill/>
-        </p:spPr>
-        <p:txBody>
-          <a:bodyPr wrap="square" rtlCol="0">
-            <a:spAutoFit/>
-          </a:bodyPr>
-          <a:lstStyle/>
-          <a:p>
-            <a:r>
-              <a:rPr lang="en-US" sz="1400" b="1" dirty="0"/>
-              <a:t>Raspberry PI</a:t>
-            </a:r>
-            <a:endParaRPr lang="en-SG" sz="1400" b="1" dirty="0"/>
-          </a:p>
-        </p:txBody>
-      </p:sp>
       <p:pic>
         <p:nvPicPr>
-          <p:cNvPr id="25" name="Picture 24">
-            <a:extLst>
-              <a:ext uri="{FF2B5EF4-FFF2-40B4-BE49-F238E27FC236}">
-                <a16:creationId xmlns:a16="http://schemas.microsoft.com/office/drawing/2014/main" id="{CE47B083-16BD-A3F0-7CE7-3FF2B424F994}"/>
+          <p:cNvPr id="13" name="Picture 12">
+            <a:extLst>
+              <a:ext uri="{FF2B5EF4-FFF2-40B4-BE49-F238E27FC236}">
+                <a16:creationId xmlns:a16="http://schemas.microsoft.com/office/drawing/2014/main" id="{220FF5B0-50AF-1BD7-B04C-30755341F08D}"/>
               </a:ext>
             </a:extLst>
           </p:cNvPr>
@@ -7135,8 +7191,8 @@
         </p:blipFill>
         <p:spPr>
           <a:xfrm>
-            <a:off x="4965797" y="2016532"/>
-            <a:ext cx="477824" cy="443694"/>
+            <a:off x="5007226" y="772636"/>
+            <a:ext cx="400622" cy="274983"/>
           </a:xfrm>
           <a:prstGeom prst="rect">
             <a:avLst/>
@@ -7145,10 +7201,46 @@
       </p:pic>
       <p:sp>
         <p:nvSpPr>
-          <p:cNvPr id="26" name="Rectangle 25">
-            <a:extLst>
-              <a:ext uri="{FF2B5EF4-FFF2-40B4-BE49-F238E27FC236}">
-                <a16:creationId xmlns:a16="http://schemas.microsoft.com/office/drawing/2014/main" id="{F908E961-E21D-6EAE-D614-55F0C18BD6EE}"/>
+          <p:cNvPr id="14" name="TextBox 13">
+            <a:extLst>
+              <a:ext uri="{FF2B5EF4-FFF2-40B4-BE49-F238E27FC236}">
+                <a16:creationId xmlns:a16="http://schemas.microsoft.com/office/drawing/2014/main" id="{74936F77-D23D-B94E-764D-91124D5A0936}"/>
+              </a:ext>
+            </a:extLst>
+          </p:cNvPr>
+          <p:cNvSpPr txBox="1"/>
+          <p:nvPr/>
+        </p:nvSpPr>
+        <p:spPr>
+          <a:xfrm>
+            <a:off x="5396944" y="758982"/>
+            <a:ext cx="1499464" cy="307777"/>
+          </a:xfrm>
+          <a:prstGeom prst="rect">
+            <a:avLst/>
+          </a:prstGeom>
+          <a:noFill/>
+        </p:spPr>
+        <p:txBody>
+          <a:bodyPr wrap="square" rtlCol="0">
+            <a:spAutoFit/>
+          </a:bodyPr>
+          <a:lstStyle/>
+          <a:p>
+            <a:r>
+              <a:rPr lang="en-US" sz="1400" b="1" dirty="0"/>
+              <a:t>Windows OS VM</a:t>
+            </a:r>
+            <a:endParaRPr lang="en-SG" sz="1400" b="1" dirty="0"/>
+          </a:p>
+        </p:txBody>
+      </p:sp>
+      <p:sp>
+        <p:nvSpPr>
+          <p:cNvPr id="15" name="Rectangle 14">
+            <a:extLst>
+              <a:ext uri="{FF2B5EF4-FFF2-40B4-BE49-F238E27FC236}">
+                <a16:creationId xmlns:a16="http://schemas.microsoft.com/office/drawing/2014/main" id="{F0B67A0E-3F3F-B917-D53C-4C41D8EAA1CE}"/>
               </a:ext>
             </a:extLst>
           </p:cNvPr>
@@ -7157,8 +7249,8 @@
         </p:nvSpPr>
         <p:spPr>
           <a:xfrm>
-            <a:off x="5544683" y="2259151"/>
-            <a:ext cx="1289026" cy="287243"/>
+            <a:off x="5418911" y="1163270"/>
+            <a:ext cx="1183005" cy="287243"/>
           </a:xfrm>
           <a:prstGeom prst="rect">
             <a:avLst/>
@@ -7197,10 +7289,10 @@
       </p:sp>
       <p:sp>
         <p:nvSpPr>
-          <p:cNvPr id="28" name="Rectangle 27">
-            <a:extLst>
-              <a:ext uri="{FF2B5EF4-FFF2-40B4-BE49-F238E27FC236}">
-                <a16:creationId xmlns:a16="http://schemas.microsoft.com/office/drawing/2014/main" id="{FDB13330-634B-BB48-B026-94D3183DC4C4}"/>
+          <p:cNvPr id="16" name="Rectangle 15">
+            <a:extLst>
+              <a:ext uri="{FF2B5EF4-FFF2-40B4-BE49-F238E27FC236}">
+                <a16:creationId xmlns:a16="http://schemas.microsoft.com/office/drawing/2014/main" id="{824BA262-2111-74A7-B361-5F1B0AC2FD8B}"/>
               </a:ext>
             </a:extLst>
           </p:cNvPr>
@@ -7209,8 +7301,8 @@
         </p:nvSpPr>
         <p:spPr>
           <a:xfrm>
-            <a:off x="6655535" y="2622132"/>
-            <a:ext cx="824388" cy="365760"/>
+            <a:off x="6773090" y="1205864"/>
+            <a:ext cx="704610" cy="365760"/>
           </a:xfrm>
           <a:prstGeom prst="rect">
             <a:avLst/>
@@ -7242,19 +7334,19 @@
           <a:lstStyle/>
           <a:p>
             <a:r>
-              <a:rPr lang="en-US" sz="1200" b="1" dirty="0"/>
-              <a:t>Modbus Interface</a:t>
+              <a:rPr lang="en-US" sz="1050" b="1" dirty="0"/>
+              <a:t>Modbus server </a:t>
             </a:r>
-            <a:endParaRPr lang="en-SG" sz="1200" b="1" dirty="0"/>
-          </a:p>
-        </p:txBody>
-      </p:sp>
-      <p:sp>
-        <p:nvSpPr>
-          <p:cNvPr id="29" name="Rectangle 28">
-            <a:extLst>
-              <a:ext uri="{FF2B5EF4-FFF2-40B4-BE49-F238E27FC236}">
-                <a16:creationId xmlns:a16="http://schemas.microsoft.com/office/drawing/2014/main" id="{09B9123B-9207-9152-362F-454B5F99B725}"/>
+            <a:endParaRPr lang="en-SG" sz="1050" b="1" dirty="0"/>
+          </a:p>
+        </p:txBody>
+      </p:sp>
+      <p:sp>
+        <p:nvSpPr>
+          <p:cNvPr id="17" name="Rectangle 16">
+            <a:extLst>
+              <a:ext uri="{FF2B5EF4-FFF2-40B4-BE49-F238E27FC236}">
+                <a16:creationId xmlns:a16="http://schemas.microsoft.com/office/drawing/2014/main" id="{35A48A30-CE8F-192F-DD86-F8DFF098FBD2}"/>
               </a:ext>
             </a:extLst>
           </p:cNvPr>
@@ -7263,8 +7355,8 @@
         </p:nvSpPr>
         <p:spPr>
           <a:xfrm>
-            <a:off x="4999903" y="2676600"/>
-            <a:ext cx="1289026" cy="287243"/>
+            <a:off x="4243388" y="1198289"/>
+            <a:ext cx="824388" cy="365760"/>
           </a:xfrm>
           <a:prstGeom prst="rect">
             <a:avLst/>
@@ -7294,10 +7386,364 @@
           <a:lstStyle/>
           <a:p>
             <a:r>
+              <a:rPr lang="en-US" sz="1050" b="1" dirty="0"/>
+              <a:t>UDP/TCP Interface</a:t>
+            </a:r>
+            <a:endParaRPr lang="en-SG" sz="1050" b="1" dirty="0"/>
+          </a:p>
+        </p:txBody>
+      </p:sp>
+      <p:sp>
+        <p:nvSpPr>
+          <p:cNvPr id="18" name="TextBox 17">
+            <a:extLst>
+              <a:ext uri="{FF2B5EF4-FFF2-40B4-BE49-F238E27FC236}">
+                <a16:creationId xmlns:a16="http://schemas.microsoft.com/office/drawing/2014/main" id="{E1E0B918-118C-5360-E7F0-5D239E15676E}"/>
+              </a:ext>
+            </a:extLst>
+          </p:cNvPr>
+          <p:cNvSpPr txBox="1"/>
+          <p:nvPr/>
+        </p:nvSpPr>
+        <p:spPr>
+          <a:xfrm>
+            <a:off x="1435554" y="488781"/>
+            <a:ext cx="2382066" cy="307777"/>
+          </a:xfrm>
+          <a:prstGeom prst="rect">
+            <a:avLst/>
+          </a:prstGeom>
+          <a:noFill/>
+        </p:spPr>
+        <p:txBody>
+          <a:bodyPr wrap="square" rtlCol="0">
+            <a:spAutoFit/>
+          </a:bodyPr>
+          <a:lstStyle/>
+          <a:p>
+            <a:r>
+              <a:rPr lang="en-US" sz="1400" b="1" dirty="0"/>
+              <a:t>Virtual OT device emulator </a:t>
+            </a:r>
+            <a:endParaRPr lang="en-SG" sz="1400" b="1" dirty="0"/>
+          </a:p>
+        </p:txBody>
+      </p:sp>
+      <p:cxnSp>
+        <p:nvCxnSpPr>
+          <p:cNvPr id="21" name="Straight Connector 20">
+            <a:extLst>
+              <a:ext uri="{FF2B5EF4-FFF2-40B4-BE49-F238E27FC236}">
+                <a16:creationId xmlns:a16="http://schemas.microsoft.com/office/drawing/2014/main" id="{0CF1E682-D313-C320-85B2-F75E54A1FB16}"/>
+              </a:ext>
+            </a:extLst>
+          </p:cNvPr>
+          <p:cNvCxnSpPr>
+            <a:stCxn id="19" idx="3"/>
+            <a:endCxn id="17" idx="1"/>
+          </p:cNvCxnSpPr>
+          <p:nvPr/>
+        </p:nvCxnSpPr>
+        <p:spPr>
+          <a:xfrm flipV="1">
+            <a:off x="3733051" y="1381169"/>
+            <a:ext cx="510337" cy="0"/>
+          </a:xfrm>
+          <a:prstGeom prst="line">
+            <a:avLst/>
+          </a:prstGeom>
+          <a:ln>
+            <a:solidFill>
+              <a:schemeClr val="accent2">
+                <a:lumMod val="75000"/>
+              </a:schemeClr>
+            </a:solidFill>
+            <a:prstDash val="sysDash"/>
+          </a:ln>
+        </p:spPr>
+        <p:style>
+          <a:lnRef idx="2">
+            <a:schemeClr val="accent1"/>
+          </a:lnRef>
+          <a:fillRef idx="0">
+            <a:schemeClr val="accent1"/>
+          </a:fillRef>
+          <a:effectRef idx="1">
+            <a:schemeClr val="accent1"/>
+          </a:effectRef>
+          <a:fontRef idx="minor">
+            <a:schemeClr val="tx1"/>
+          </a:fontRef>
+        </p:style>
+      </p:cxnSp>
+      <p:sp>
+        <p:nvSpPr>
+          <p:cNvPr id="22" name="Rectangle 21">
+            <a:extLst>
+              <a:ext uri="{FF2B5EF4-FFF2-40B4-BE49-F238E27FC236}">
+                <a16:creationId xmlns:a16="http://schemas.microsoft.com/office/drawing/2014/main" id="{904D2CC7-AC76-77BC-BAEB-EBB1EB418E29}"/>
+              </a:ext>
+            </a:extLst>
+          </p:cNvPr>
+          <p:cNvSpPr/>
+          <p:nvPr/>
+        </p:nvSpPr>
+        <p:spPr>
+          <a:xfrm>
+            <a:off x="4869180" y="1927985"/>
+            <a:ext cx="2183130" cy="1120631"/>
+          </a:xfrm>
+          <a:prstGeom prst="rect">
+            <a:avLst/>
+          </a:prstGeom>
+          <a:noFill/>
+        </p:spPr>
+        <p:style>
+          <a:lnRef idx="2">
+            <a:schemeClr val="accent1">
+              <a:shade val="15000"/>
+            </a:schemeClr>
+          </a:lnRef>
+          <a:fillRef idx="1">
+            <a:schemeClr val="accent1"/>
+          </a:fillRef>
+          <a:effectRef idx="0">
+            <a:schemeClr val="accent1"/>
+          </a:effectRef>
+          <a:fontRef idx="minor">
+            <a:schemeClr val="lt1"/>
+          </a:fontRef>
+        </p:style>
+        <p:txBody>
+          <a:bodyPr rtlCol="0" anchor="ctr"/>
+          <a:lstStyle/>
+          <a:p>
+            <a:pPr algn="ctr"/>
+            <a:endParaRPr lang="en-SG" dirty="0"/>
+          </a:p>
+        </p:txBody>
+      </p:sp>
+      <p:sp>
+        <p:nvSpPr>
+          <p:cNvPr id="23" name="TextBox 22">
+            <a:extLst>
+              <a:ext uri="{FF2B5EF4-FFF2-40B4-BE49-F238E27FC236}">
+                <a16:creationId xmlns:a16="http://schemas.microsoft.com/office/drawing/2014/main" id="{77A1233B-0BD6-4073-9C92-B4D79134FF7B}"/>
+              </a:ext>
+            </a:extLst>
+          </p:cNvPr>
+          <p:cNvSpPr txBox="1"/>
+          <p:nvPr/>
+        </p:nvSpPr>
+        <p:spPr>
+          <a:xfrm>
+            <a:off x="5474146" y="1931761"/>
+            <a:ext cx="1303564" cy="307777"/>
+          </a:xfrm>
+          <a:prstGeom prst="rect">
+            <a:avLst/>
+          </a:prstGeom>
+          <a:noFill/>
+        </p:spPr>
+        <p:txBody>
+          <a:bodyPr wrap="square" rtlCol="0">
+            <a:spAutoFit/>
+          </a:bodyPr>
+          <a:lstStyle/>
+          <a:p>
+            <a:r>
+              <a:rPr lang="en-US" sz="1400" b="1" dirty="0"/>
+              <a:t>Raspberry PI</a:t>
+            </a:r>
+            <a:endParaRPr lang="en-SG" sz="1400" b="1" dirty="0"/>
+          </a:p>
+        </p:txBody>
+      </p:sp>
+      <p:pic>
+        <p:nvPicPr>
+          <p:cNvPr id="25" name="Picture 24">
+            <a:extLst>
+              <a:ext uri="{FF2B5EF4-FFF2-40B4-BE49-F238E27FC236}">
+                <a16:creationId xmlns:a16="http://schemas.microsoft.com/office/drawing/2014/main" id="{CE47B083-16BD-A3F0-7CE7-3FF2B424F994}"/>
+              </a:ext>
+            </a:extLst>
+          </p:cNvPr>
+          <p:cNvPicPr>
+            <a:picLocks noChangeAspect="1"/>
+          </p:cNvPicPr>
+          <p:nvPr/>
+        </p:nvPicPr>
+        <p:blipFill>
+          <a:blip r:embed="rId7"/>
+          <a:stretch>
+            <a:fillRect/>
+          </a:stretch>
+        </p:blipFill>
+        <p:spPr>
+          <a:xfrm>
+            <a:off x="4965797" y="2016532"/>
+            <a:ext cx="477824" cy="443694"/>
+          </a:xfrm>
+          <a:prstGeom prst="rect">
+            <a:avLst/>
+          </a:prstGeom>
+        </p:spPr>
+      </p:pic>
+      <p:sp>
+        <p:nvSpPr>
+          <p:cNvPr id="26" name="Rectangle 25">
+            <a:extLst>
+              <a:ext uri="{FF2B5EF4-FFF2-40B4-BE49-F238E27FC236}">
+                <a16:creationId xmlns:a16="http://schemas.microsoft.com/office/drawing/2014/main" id="{F908E961-E21D-6EAE-D614-55F0C18BD6EE}"/>
+              </a:ext>
+            </a:extLst>
+          </p:cNvPr>
+          <p:cNvSpPr/>
+          <p:nvPr/>
+        </p:nvSpPr>
+        <p:spPr>
+          <a:xfrm>
+            <a:off x="5544683" y="2259151"/>
+            <a:ext cx="1289026" cy="287243"/>
+          </a:xfrm>
+          <a:prstGeom prst="rect">
+            <a:avLst/>
+          </a:prstGeom>
+          <a:solidFill>
+            <a:schemeClr val="tx1"/>
+          </a:solidFill>
+        </p:spPr>
+        <p:style>
+          <a:lnRef idx="2">
+            <a:schemeClr val="accent1">
+              <a:shade val="50000"/>
+            </a:schemeClr>
+          </a:lnRef>
+          <a:fillRef idx="1">
+            <a:schemeClr val="accent1"/>
+          </a:fillRef>
+          <a:effectRef idx="0">
+            <a:schemeClr val="accent1"/>
+          </a:effectRef>
+          <a:fontRef idx="minor">
+            <a:schemeClr val="lt1"/>
+          </a:fontRef>
+        </p:style>
+        <p:txBody>
+          <a:bodyPr rtlCol="0" anchor="ctr"/>
+          <a:lstStyle/>
+          <a:p>
+            <a:r>
               <a:rPr lang="en-US" sz="1200" b="1" dirty="0"/>
+              <a:t>PLC Simulator</a:t>
+            </a:r>
+            <a:endParaRPr lang="en-SG" sz="1200" b="1" dirty="0"/>
+          </a:p>
+        </p:txBody>
+      </p:sp>
+      <p:sp>
+        <p:nvSpPr>
+          <p:cNvPr id="28" name="Rectangle 27">
+            <a:extLst>
+              <a:ext uri="{FF2B5EF4-FFF2-40B4-BE49-F238E27FC236}">
+                <a16:creationId xmlns:a16="http://schemas.microsoft.com/office/drawing/2014/main" id="{FDB13330-634B-BB48-B026-94D3183DC4C4}"/>
+              </a:ext>
+            </a:extLst>
+          </p:cNvPr>
+          <p:cNvSpPr/>
+          <p:nvPr/>
+        </p:nvSpPr>
+        <p:spPr>
+          <a:xfrm>
+            <a:off x="6716229" y="2622132"/>
+            <a:ext cx="707725" cy="365760"/>
+          </a:xfrm>
+          <a:prstGeom prst="rect">
+            <a:avLst/>
+          </a:prstGeom>
+          <a:solidFill>
+            <a:schemeClr val="accent6">
+              <a:lumMod val="75000"/>
+            </a:schemeClr>
+          </a:solidFill>
+        </p:spPr>
+        <p:style>
+          <a:lnRef idx="2">
+            <a:schemeClr val="accent1">
+              <a:shade val="50000"/>
+            </a:schemeClr>
+          </a:lnRef>
+          <a:fillRef idx="1">
+            <a:schemeClr val="accent1"/>
+          </a:fillRef>
+          <a:effectRef idx="0">
+            <a:schemeClr val="accent1"/>
+          </a:effectRef>
+          <a:fontRef idx="minor">
+            <a:schemeClr val="lt1"/>
+          </a:fontRef>
+        </p:style>
+        <p:txBody>
+          <a:bodyPr rtlCol="0" anchor="ctr"/>
+          <a:lstStyle/>
+          <a:p>
+            <a:r>
+              <a:rPr lang="en-US" sz="1050" b="1" dirty="0"/>
+              <a:t>Modbus Server</a:t>
+            </a:r>
+            <a:endParaRPr lang="en-SG" sz="1050" b="1" dirty="0"/>
+          </a:p>
+        </p:txBody>
+      </p:sp>
+      <p:sp>
+        <p:nvSpPr>
+          <p:cNvPr id="29" name="Rectangle 28">
+            <a:extLst>
+              <a:ext uri="{FF2B5EF4-FFF2-40B4-BE49-F238E27FC236}">
+                <a16:creationId xmlns:a16="http://schemas.microsoft.com/office/drawing/2014/main" id="{09B9123B-9207-9152-362F-454B5F99B725}"/>
+              </a:ext>
+            </a:extLst>
+          </p:cNvPr>
+          <p:cNvSpPr/>
+          <p:nvPr/>
+        </p:nvSpPr>
+        <p:spPr>
+          <a:xfrm>
+            <a:off x="4917288" y="2657527"/>
+            <a:ext cx="1134552" cy="243914"/>
+          </a:xfrm>
+          <a:prstGeom prst="rect">
+            <a:avLst/>
+          </a:prstGeom>
+          <a:solidFill>
+            <a:schemeClr val="accent2"/>
+          </a:solidFill>
+        </p:spPr>
+        <p:style>
+          <a:lnRef idx="2">
+            <a:schemeClr val="accent1">
+              <a:shade val="50000"/>
+            </a:schemeClr>
+          </a:lnRef>
+          <a:fillRef idx="1">
+            <a:schemeClr val="accent1"/>
+          </a:fillRef>
+          <a:effectRef idx="0">
+            <a:schemeClr val="accent1"/>
+          </a:effectRef>
+          <a:fontRef idx="minor">
+            <a:schemeClr val="lt1"/>
+          </a:fontRef>
+        </p:style>
+        <p:txBody>
+          <a:bodyPr rtlCol="0" anchor="ctr"/>
+          <a:lstStyle/>
+          <a:p>
+            <a:r>
+              <a:rPr lang="en-US" sz="1050" b="1" dirty="0"/>
               <a:t>GPIO interface</a:t>
             </a:r>
-            <a:endParaRPr lang="en-SG" sz="1200" b="1" dirty="0"/>
+            <a:endParaRPr lang="en-SG" sz="1050" b="1" dirty="0"/>
           </a:p>
         </p:txBody>
       </p:sp>
@@ -7393,7 +7839,7 @@
         </p:nvCxnSpPr>
         <p:spPr>
           <a:xfrm>
-            <a:off x="3265319" y="2923491"/>
+            <a:off x="3260556" y="2877510"/>
             <a:ext cx="1603861" cy="0"/>
           </a:xfrm>
           <a:prstGeom prst="line">
@@ -7604,8 +8050,8 @@
         </p:nvSpPr>
         <p:spPr>
           <a:xfrm>
-            <a:off x="6655535" y="4051697"/>
-            <a:ext cx="824388" cy="365760"/>
+            <a:off x="6716229" y="4051697"/>
+            <a:ext cx="763694" cy="365760"/>
           </a:xfrm>
           <a:prstGeom prst="rect">
             <a:avLst/>
@@ -7638,10 +8084,10 @@
           <a:lstStyle/>
           <a:p>
             <a:r>
-              <a:rPr lang="en-US" sz="1200" b="1" dirty="0"/>
-              <a:t>S7commInterface</a:t>
+              <a:rPr lang="en-US" sz="1050" b="1" dirty="0"/>
+              <a:t>S7Comm Server</a:t>
             </a:r>
-            <a:endParaRPr lang="en-SG" sz="1200" b="1" dirty="0"/>
+            <a:endParaRPr lang="en-SG" sz="1050" b="1" dirty="0"/>
           </a:p>
         </p:txBody>
       </p:sp>
@@ -7772,7 +8218,7 @@
           <p:nvPr/>
         </p:nvPicPr>
         <p:blipFill>
-          <a:blip r:embed="rId7"/>
+          <a:blip r:embed="rId8"/>
           <a:stretch>
             <a:fillRect/>
           </a:stretch>
@@ -7806,8 +8252,8 @@
         </p:nvSpPr>
         <p:spPr>
           <a:xfrm>
-            <a:off x="4945790" y="4085081"/>
-            <a:ext cx="1289026" cy="287243"/>
+            <a:off x="4945790" y="4140754"/>
+            <a:ext cx="1150210" cy="231570"/>
           </a:xfrm>
           <a:prstGeom prst="rect">
             <a:avLst/>
@@ -7837,10 +8283,10 @@
           <a:lstStyle/>
           <a:p>
             <a:r>
-              <a:rPr lang="en-US" sz="1200" b="1" dirty="0"/>
+              <a:rPr lang="en-US" sz="1100" b="1" dirty="0"/>
               <a:t>GPIO interface</a:t>
             </a:r>
-            <a:endParaRPr lang="en-SG" sz="1200" b="1" dirty="0"/>
+            <a:endParaRPr lang="en-SG" sz="1100" b="1" dirty="0"/>
           </a:p>
         </p:txBody>
       </p:sp>
@@ -7858,8 +8304,8 @@
         </p:nvSpPr>
         <p:spPr>
           <a:xfrm>
-            <a:off x="4413415" y="3648137"/>
-            <a:ext cx="824388" cy="365760"/>
+            <a:off x="4413415" y="3673837"/>
+            <a:ext cx="750939" cy="340059"/>
           </a:xfrm>
           <a:prstGeom prst="rect">
             <a:avLst/>
@@ -7889,10 +8335,10 @@
           <a:lstStyle/>
           <a:p>
             <a:r>
-              <a:rPr lang="en-US" sz="1200" b="1" dirty="0"/>
+              <a:rPr lang="en-US" sz="1000" b="1" dirty="0"/>
               <a:t>UDP/TCP Interface</a:t>
             </a:r>
-            <a:endParaRPr lang="en-SG" sz="1200" b="1" dirty="0"/>
+            <a:endParaRPr lang="en-SG" sz="1000" b="1" dirty="0"/>
           </a:p>
         </p:txBody>
       </p:sp>
@@ -7915,14 +8361,22 @@
         <p:spPr>
           <a:xfrm rot="10800000">
             <a:off x="3320857" y="1205865"/>
-            <a:ext cx="1092558" cy="2625153"/>
+            <a:ext cx="1092558" cy="2638003"/>
           </a:xfrm>
           <a:prstGeom prst="bentConnector4">
             <a:avLst>
-              <a:gd name="adj1" fmla="val 31136"/>
-              <a:gd name="adj2" fmla="val 88679"/>
+              <a:gd name="adj1" fmla="val 39505"/>
+              <a:gd name="adj2" fmla="val 88215"/>
             </a:avLst>
           </a:prstGeom>
+          <a:ln>
+            <a:solidFill>
+              <a:schemeClr val="accent2">
+                <a:lumMod val="75000"/>
+              </a:schemeClr>
+            </a:solidFill>
+            <a:prstDash val="sysDash"/>
+          </a:ln>
         </p:spPr>
         <p:style>
           <a:lnRef idx="2">
@@ -7956,12 +8410,12 @@
         </p:nvCxnSpPr>
         <p:spPr>
           <a:xfrm rot="10800000">
-            <a:off x="3237120" y="3048621"/>
-            <a:ext cx="1708670" cy="1180083"/>
+            <a:off x="3237120" y="3048629"/>
+            <a:ext cx="1708670" cy="1207911"/>
           </a:xfrm>
           <a:prstGeom prst="bentConnector3">
             <a:avLst>
-              <a:gd name="adj1" fmla="val 60034"/>
+              <a:gd name="adj1" fmla="val 68195"/>
             </a:avLst>
           </a:prstGeom>
         </p:spPr>
@@ -8025,10 +8479,10 @@
           <a:lstStyle/>
           <a:p>
             <a:r>
-              <a:rPr lang="en-US" sz="1100" b="1" dirty="0"/>
+              <a:rPr lang="en-US" sz="1050" b="1" dirty="0"/>
               <a:t>UDP/TCP Interface</a:t>
             </a:r>
-            <a:endParaRPr lang="en-SG" sz="1100" b="1" dirty="0"/>
+            <a:endParaRPr lang="en-SG" sz="1050" b="1" dirty="0"/>
           </a:p>
         </p:txBody>
       </p:sp>
@@ -8046,8 +8500,8 @@
         </p:nvSpPr>
         <p:spPr>
           <a:xfrm>
-            <a:off x="5350075" y="4729250"/>
-            <a:ext cx="1283656" cy="307777"/>
+            <a:off x="5833813" y="4706367"/>
+            <a:ext cx="1048431" cy="523220"/>
           </a:xfrm>
           <a:prstGeom prst="rect">
             <a:avLst/>
@@ -8082,7 +8536,7 @@
         </p:nvSpPr>
         <p:spPr>
           <a:xfrm>
-            <a:off x="5341879" y="5029243"/>
+            <a:off x="5359949" y="5264836"/>
             <a:ext cx="1251803" cy="287243"/>
           </a:xfrm>
           <a:prstGeom prst="rect">
@@ -8134,8 +8588,8 @@
         </p:nvSpPr>
         <p:spPr>
           <a:xfrm>
-            <a:off x="6688240" y="4739404"/>
-            <a:ext cx="824388" cy="365760"/>
+            <a:off x="6777710" y="4739404"/>
+            <a:ext cx="734918" cy="365760"/>
           </a:xfrm>
           <a:prstGeom prst="rect">
             <a:avLst/>
@@ -8167,10 +8621,10 @@
           <a:lstStyle/>
           <a:p>
             <a:r>
-              <a:rPr lang="en-US" sz="1200" b="1" dirty="0"/>
-              <a:t>Modbus Interface</a:t>
+              <a:rPr lang="en-US" sz="1100" b="1" dirty="0"/>
+              <a:t>Modbus Server</a:t>
             </a:r>
-            <a:endParaRPr lang="en-SG" sz="1200" b="1" dirty="0"/>
+            <a:endParaRPr lang="en-SG" sz="1100" b="1" dirty="0"/>
           </a:p>
         </p:txBody>
       </p:sp>
@@ -8188,8 +8642,8 @@
         </p:nvSpPr>
         <p:spPr>
           <a:xfrm>
-            <a:off x="6716229" y="5257788"/>
-            <a:ext cx="824388" cy="365760"/>
+            <a:off x="6773090" y="5257788"/>
+            <a:ext cx="767526" cy="365760"/>
           </a:xfrm>
           <a:prstGeom prst="rect">
             <a:avLst/>
@@ -8222,10 +8676,10 @@
           <a:lstStyle/>
           <a:p>
             <a:r>
-              <a:rPr lang="en-US" sz="1200" b="1" dirty="0"/>
-              <a:t>S7commInterface</a:t>
+              <a:rPr lang="en-US" sz="1050" b="1" dirty="0"/>
+              <a:t>S7Comm Server</a:t>
             </a:r>
-            <a:endParaRPr lang="en-SG" sz="1200" b="1" dirty="0"/>
+            <a:endParaRPr lang="en-SG" sz="1050" b="1" dirty="0"/>
           </a:p>
         </p:txBody>
       </p:sp>
@@ -8434,12 +8888,19 @@
         </p:nvCxnSpPr>
         <p:spPr>
           <a:xfrm>
-            <a:off x="7597478" y="1388744"/>
-            <a:ext cx="461904" cy="0"/>
+            <a:off x="7477700" y="1388744"/>
+            <a:ext cx="581682" cy="0"/>
           </a:xfrm>
           <a:prstGeom prst="line">
             <a:avLst/>
           </a:prstGeom>
+          <a:ln>
+            <a:solidFill>
+              <a:schemeClr val="accent6">
+                <a:lumMod val="75000"/>
+              </a:schemeClr>
+            </a:solidFill>
+          </a:ln>
         </p:spPr>
         <p:style>
           <a:lnRef idx="2">
@@ -8467,17 +8928,25 @@
           </p:cNvPr>
           <p:cNvCxnSpPr>
             <a:cxnSpLocks/>
+            <a:stCxn id="28" idx="3"/>
           </p:cNvCxnSpPr>
           <p:nvPr/>
         </p:nvCxnSpPr>
         <p:spPr>
           <a:xfrm>
-            <a:off x="7505282" y="2805012"/>
-            <a:ext cx="554100" cy="0"/>
+            <a:off x="7423954" y="2805012"/>
+            <a:ext cx="642774" cy="0"/>
           </a:xfrm>
           <a:prstGeom prst="line">
             <a:avLst/>
           </a:prstGeom>
+          <a:ln>
+            <a:solidFill>
+              <a:schemeClr val="accent6">
+                <a:lumMod val="75000"/>
+              </a:schemeClr>
+            </a:solidFill>
+          </a:ln>
         </p:spPr>
         <p:style>
           <a:lnRef idx="2">
@@ -8510,12 +8979,19 @@
         </p:nvCxnSpPr>
         <p:spPr>
           <a:xfrm>
-            <a:off x="7505282" y="4866511"/>
+            <a:off x="7512628" y="4922284"/>
             <a:ext cx="554100" cy="0"/>
           </a:xfrm>
           <a:prstGeom prst="line">
             <a:avLst/>
           </a:prstGeom>
+          <a:ln>
+            <a:solidFill>
+              <a:schemeClr val="accent6">
+                <a:lumMod val="75000"/>
+              </a:schemeClr>
+            </a:solidFill>
+          </a:ln>
         </p:spPr>
         <p:style>
           <a:lnRef idx="2">
@@ -8628,8 +9104,8 @@
         </p:nvSpPr>
         <p:spPr>
           <a:xfrm>
-            <a:off x="9271679" y="1056161"/>
-            <a:ext cx="1489498" cy="1422576"/>
+            <a:off x="9271678" y="899403"/>
+            <a:ext cx="1292393" cy="1202990"/>
           </a:xfrm>
           <a:prstGeom prst="rect">
             <a:avLst/>
@@ -8675,7 +9151,7 @@
         </p:nvSpPr>
         <p:spPr>
           <a:xfrm>
-            <a:off x="9332939" y="1082251"/>
+            <a:off x="9244189" y="909479"/>
             <a:ext cx="1499464" cy="307777"/>
           </a:xfrm>
           <a:prstGeom prst="rect">
@@ -8711,8 +9187,8 @@
         </p:nvSpPr>
         <p:spPr>
           <a:xfrm>
-            <a:off x="9170617" y="1476420"/>
-            <a:ext cx="824388" cy="365760"/>
+            <a:off x="9183013" y="1318373"/>
+            <a:ext cx="1231637" cy="227132"/>
           </a:xfrm>
           <a:prstGeom prst="rect">
             <a:avLst/>
@@ -8744,10 +9220,10 @@
           <a:lstStyle/>
           <a:p>
             <a:r>
-              <a:rPr lang="en-US" sz="1200" b="1" dirty="0"/>
-              <a:t>Modbus Interface</a:t>
+              <a:rPr lang="en-US" sz="1050" b="1" dirty="0"/>
+              <a:t>Modbus Client</a:t>
             </a:r>
-            <a:endParaRPr lang="en-SG" sz="1200" b="1" dirty="0"/>
+            <a:endParaRPr lang="en-SG" sz="1050" b="1" dirty="0"/>
           </a:p>
         </p:txBody>
       </p:sp>
@@ -8765,8 +9241,8 @@
         </p:nvSpPr>
         <p:spPr>
           <a:xfrm>
-            <a:off x="9170617" y="2020521"/>
-            <a:ext cx="824388" cy="365760"/>
+            <a:off x="9183014" y="1674457"/>
+            <a:ext cx="1231639" cy="238628"/>
           </a:xfrm>
           <a:prstGeom prst="rect">
             <a:avLst/>
@@ -8799,10 +9275,10 @@
           <a:lstStyle/>
           <a:p>
             <a:r>
-              <a:rPr lang="en-US" sz="1200" b="1" dirty="0"/>
-              <a:t>S7commInterface</a:t>
+              <a:rPr lang="en-US" sz="1050" b="1" dirty="0"/>
+              <a:t>S7Comm Client</a:t>
             </a:r>
-            <a:endParaRPr lang="en-SG" sz="1200" b="1" dirty="0"/>
+            <a:endParaRPr lang="en-SG" sz="1050" b="1" dirty="0"/>
           </a:p>
         </p:txBody>
       </p:sp>
@@ -8817,18 +9293,24 @@
           </p:cNvPr>
           <p:cNvCxnSpPr>
             <a:cxnSpLocks/>
-            <a:endCxn id="103" idx="1"/>
           </p:cNvCxnSpPr>
           <p:nvPr/>
         </p:nvCxnSpPr>
         <p:spPr>
           <a:xfrm>
-            <a:off x="8059382" y="1641653"/>
+            <a:off x="8051898" y="1450513"/>
             <a:ext cx="1111235" cy="0"/>
           </a:xfrm>
           <a:prstGeom prst="line">
             <a:avLst/>
           </a:prstGeom>
+          <a:ln>
+            <a:solidFill>
+              <a:schemeClr val="accent6">
+                <a:lumMod val="75000"/>
+              </a:schemeClr>
+            </a:solidFill>
+          </a:ln>
         </p:spPr>
         <p:style>
           <a:lnRef idx="2">
@@ -8856,14 +9338,13 @@
           </p:cNvPr>
           <p:cNvCxnSpPr>
             <a:cxnSpLocks/>
-            <a:endCxn id="104" idx="1"/>
           </p:cNvCxnSpPr>
           <p:nvPr/>
         </p:nvCxnSpPr>
         <p:spPr>
           <a:xfrm>
-            <a:off x="8695346" y="2203401"/>
-            <a:ext cx="475271" cy="0"/>
+            <a:off x="8667983" y="1788645"/>
+            <a:ext cx="515031" cy="0"/>
           </a:xfrm>
           <a:prstGeom prst="line">
             <a:avLst/>
@@ -8901,8 +9382,8 @@
         </p:nvSpPr>
         <p:spPr>
           <a:xfrm>
-            <a:off x="9316871" y="2723184"/>
-            <a:ext cx="1489498" cy="1203664"/>
+            <a:off x="9289544" y="2293270"/>
+            <a:ext cx="1274530" cy="900192"/>
           </a:xfrm>
           <a:prstGeom prst="rect">
             <a:avLst/>
@@ -8948,7 +9429,7 @@
         </p:nvSpPr>
         <p:spPr>
           <a:xfrm>
-            <a:off x="9341600" y="2772544"/>
+            <a:off x="9259710" y="2282337"/>
             <a:ext cx="1428238" cy="523220"/>
           </a:xfrm>
           <a:prstGeom prst="rect">
@@ -8970,61 +9451,6 @@
           </a:p>
         </p:txBody>
       </p:sp>
-      <p:sp>
-        <p:nvSpPr>
-          <p:cNvPr id="113" name="Rectangle 112">
-            <a:extLst>
-              <a:ext uri="{FF2B5EF4-FFF2-40B4-BE49-F238E27FC236}">
-                <a16:creationId xmlns:a16="http://schemas.microsoft.com/office/drawing/2014/main" id="{28F00258-5772-0E28-D303-CDCA4191090D}"/>
-              </a:ext>
-            </a:extLst>
-          </p:cNvPr>
-          <p:cNvSpPr/>
-          <p:nvPr/>
-        </p:nvSpPr>
-        <p:spPr>
-          <a:xfrm>
-            <a:off x="9170617" y="3342535"/>
-            <a:ext cx="824388" cy="365760"/>
-          </a:xfrm>
-          <a:prstGeom prst="rect">
-            <a:avLst/>
-          </a:prstGeom>
-          <a:solidFill>
-            <a:schemeClr val="tx2">
-              <a:lumMod val="75000"/>
-              <a:lumOff val="25000"/>
-            </a:schemeClr>
-          </a:solidFill>
-        </p:spPr>
-        <p:style>
-          <a:lnRef idx="2">
-            <a:schemeClr val="accent1">
-              <a:shade val="50000"/>
-            </a:schemeClr>
-          </a:lnRef>
-          <a:fillRef idx="1">
-            <a:schemeClr val="accent1"/>
-          </a:fillRef>
-          <a:effectRef idx="0">
-            <a:schemeClr val="accent1"/>
-          </a:effectRef>
-          <a:fontRef idx="minor">
-            <a:schemeClr val="lt1"/>
-          </a:fontRef>
-        </p:style>
-        <p:txBody>
-          <a:bodyPr rtlCol="0" anchor="ctr"/>
-          <a:lstStyle/>
-          <a:p>
-            <a:r>
-              <a:rPr lang="en-US" sz="1200" b="1" dirty="0"/>
-              <a:t>S7commInterface</a:t>
-            </a:r>
-            <a:endParaRPr lang="en-SG" sz="1200" b="1" dirty="0"/>
-          </a:p>
-        </p:txBody>
-      </p:sp>
       <p:cxnSp>
         <p:nvCxnSpPr>
           <p:cNvPr id="114" name="Straight Connector 113">
@@ -9041,7 +9467,7 @@
         </p:nvCxnSpPr>
         <p:spPr>
           <a:xfrm>
-            <a:off x="8667983" y="3585801"/>
+            <a:off x="8687862" y="2961276"/>
             <a:ext cx="475271" cy="0"/>
           </a:xfrm>
           <a:prstGeom prst="line">
@@ -9080,8 +9506,8 @@
         </p:nvSpPr>
         <p:spPr>
           <a:xfrm>
-            <a:off x="9310970" y="4127418"/>
-            <a:ext cx="1489498" cy="1030541"/>
+            <a:off x="9281130" y="3387470"/>
+            <a:ext cx="1335289" cy="959378"/>
           </a:xfrm>
           <a:prstGeom prst="rect">
             <a:avLst/>
@@ -9127,8 +9553,8 @@
         </p:nvSpPr>
         <p:spPr>
           <a:xfrm>
-            <a:off x="9349793" y="4206030"/>
-            <a:ext cx="1581776" cy="523220"/>
+            <a:off x="9223051" y="3416754"/>
+            <a:ext cx="1560641" cy="532751"/>
           </a:xfrm>
           <a:prstGeom prst="rect">
             <a:avLst/>
@@ -9149,12 +9575,58 @@
           </a:p>
         </p:txBody>
       </p:sp>
-      <p:sp>
-        <p:nvSpPr>
-          <p:cNvPr id="118" name="Rectangle 117">
-            <a:extLst>
-              <a:ext uri="{FF2B5EF4-FFF2-40B4-BE49-F238E27FC236}">
-                <a16:creationId xmlns:a16="http://schemas.microsoft.com/office/drawing/2014/main" id="{C6E24E50-05C7-612A-D868-0916A38791B4}"/>
+      <p:cxnSp>
+        <p:nvCxnSpPr>
+          <p:cNvPr id="119" name="Straight Connector 118">
+            <a:extLst>
+              <a:ext uri="{FF2B5EF4-FFF2-40B4-BE49-F238E27FC236}">
+                <a16:creationId xmlns:a16="http://schemas.microsoft.com/office/drawing/2014/main" id="{E1A02E87-5D85-A344-858B-83F495F724D1}"/>
+              </a:ext>
+            </a:extLst>
+          </p:cNvPr>
+          <p:cNvCxnSpPr>
+            <a:cxnSpLocks/>
+            <a:endCxn id="142" idx="1"/>
+          </p:cNvCxnSpPr>
+          <p:nvPr/>
+        </p:nvCxnSpPr>
+        <p:spPr>
+          <a:xfrm>
+            <a:off x="8076179" y="4045204"/>
+            <a:ext cx="1033331" cy="0"/>
+          </a:xfrm>
+          <a:prstGeom prst="line">
+            <a:avLst/>
+          </a:prstGeom>
+          <a:ln>
+            <a:solidFill>
+              <a:schemeClr val="accent6">
+                <a:lumMod val="75000"/>
+              </a:schemeClr>
+            </a:solidFill>
+          </a:ln>
+        </p:spPr>
+        <p:style>
+          <a:lnRef idx="2">
+            <a:schemeClr val="accent1"/>
+          </a:lnRef>
+          <a:fillRef idx="0">
+            <a:schemeClr val="accent1"/>
+          </a:fillRef>
+          <a:effectRef idx="1">
+            <a:schemeClr val="accent1"/>
+          </a:effectRef>
+          <a:fontRef idx="minor">
+            <a:schemeClr val="tx1"/>
+          </a:fontRef>
+        </p:style>
+      </p:cxnSp>
+      <p:sp>
+        <p:nvSpPr>
+          <p:cNvPr id="42" name="Rectangle 41">
+            <a:extLst>
+              <a:ext uri="{FF2B5EF4-FFF2-40B4-BE49-F238E27FC236}">
+                <a16:creationId xmlns:a16="http://schemas.microsoft.com/office/drawing/2014/main" id="{3BAD348A-BD1E-9C8F-DFCC-2C35F05E4C2B}"/>
               </a:ext>
             </a:extLst>
           </p:cNvPr>
@@ -9163,16 +9635,14 @@
         </p:nvSpPr>
         <p:spPr>
           <a:xfrm>
-            <a:off x="9129537" y="4746940"/>
-            <a:ext cx="824388" cy="365760"/>
+            <a:off x="4380264" y="4759628"/>
+            <a:ext cx="830514" cy="365760"/>
           </a:xfrm>
           <a:prstGeom prst="rect">
             <a:avLst/>
           </a:prstGeom>
           <a:solidFill>
-            <a:schemeClr val="accent6">
-              <a:lumMod val="75000"/>
-            </a:schemeClr>
+            <a:schemeClr val="accent2"/>
           </a:solidFill>
         </p:spPr>
         <p:style>
@@ -9196,100 +9666,10 @@
           <a:lstStyle/>
           <a:p>
             <a:r>
-              <a:rPr lang="en-US" sz="1200" b="1" dirty="0"/>
-              <a:t>Modbus Interface</a:t>
-            </a:r>
-            <a:endParaRPr lang="en-SG" sz="1200" b="1" dirty="0"/>
-          </a:p>
-        </p:txBody>
-      </p:sp>
-      <p:cxnSp>
-        <p:nvCxnSpPr>
-          <p:cNvPr id="119" name="Straight Connector 118">
-            <a:extLst>
-              <a:ext uri="{FF2B5EF4-FFF2-40B4-BE49-F238E27FC236}">
-                <a16:creationId xmlns:a16="http://schemas.microsoft.com/office/drawing/2014/main" id="{E1A02E87-5D85-A344-858B-83F495F724D1}"/>
-              </a:ext>
-            </a:extLst>
-          </p:cNvPr>
-          <p:cNvCxnSpPr>
-            <a:cxnSpLocks/>
-          </p:cNvCxnSpPr>
-          <p:nvPr/>
-        </p:nvCxnSpPr>
-        <p:spPr>
-          <a:xfrm>
-            <a:off x="8086651" y="5020400"/>
-            <a:ext cx="1056696" cy="0"/>
-          </a:xfrm>
-          <a:prstGeom prst="line">
-            <a:avLst/>
-          </a:prstGeom>
-        </p:spPr>
-        <p:style>
-          <a:lnRef idx="2">
-            <a:schemeClr val="accent1"/>
-          </a:lnRef>
-          <a:fillRef idx="0">
-            <a:schemeClr val="accent1"/>
-          </a:fillRef>
-          <a:effectRef idx="1">
-            <a:schemeClr val="accent1"/>
-          </a:effectRef>
-          <a:fontRef idx="minor">
-            <a:schemeClr val="tx1"/>
-          </a:fontRef>
-        </p:style>
-      </p:cxnSp>
-      <p:sp>
-        <p:nvSpPr>
-          <p:cNvPr id="42" name="Rectangle 41">
-            <a:extLst>
-              <a:ext uri="{FF2B5EF4-FFF2-40B4-BE49-F238E27FC236}">
-                <a16:creationId xmlns:a16="http://schemas.microsoft.com/office/drawing/2014/main" id="{3BAD348A-BD1E-9C8F-DFCC-2C35F05E4C2B}"/>
-              </a:ext>
-            </a:extLst>
-          </p:cNvPr>
-          <p:cNvSpPr/>
-          <p:nvPr/>
-        </p:nvSpPr>
-        <p:spPr>
-          <a:xfrm>
-            <a:off x="4380264" y="4759628"/>
-            <a:ext cx="830514" cy="365760"/>
-          </a:xfrm>
-          <a:prstGeom prst="rect">
-            <a:avLst/>
-          </a:prstGeom>
-          <a:solidFill>
-            <a:schemeClr val="accent2"/>
-          </a:solidFill>
-        </p:spPr>
-        <p:style>
-          <a:lnRef idx="2">
-            <a:schemeClr val="accent1">
-              <a:shade val="50000"/>
-            </a:schemeClr>
-          </a:lnRef>
-          <a:fillRef idx="1">
-            <a:schemeClr val="accent1"/>
-          </a:fillRef>
-          <a:effectRef idx="0">
-            <a:schemeClr val="accent1"/>
-          </a:effectRef>
-          <a:fontRef idx="minor">
-            <a:schemeClr val="lt1"/>
-          </a:fontRef>
-        </p:style>
-        <p:txBody>
-          <a:bodyPr rtlCol="0" anchor="ctr"/>
-          <a:lstStyle/>
-          <a:p>
-            <a:r>
-              <a:rPr lang="en-US" sz="1200" b="1" dirty="0"/>
+              <a:rPr lang="en-US" sz="1050" b="1" dirty="0"/>
               <a:t>Serial interface</a:t>
             </a:r>
-            <a:endParaRPr lang="en-SG" sz="1200" b="1" dirty="0"/>
+            <a:endParaRPr lang="en-SG" sz="1050" b="1" dirty="0"/>
           </a:p>
         </p:txBody>
       </p:sp>
@@ -9299,36 +9679,6 @@
             <a:extLst>
               <a:ext uri="{FF2B5EF4-FFF2-40B4-BE49-F238E27FC236}">
                 <a16:creationId xmlns:a16="http://schemas.microsoft.com/office/drawing/2014/main" id="{997CDF8A-914D-1DEC-4B42-88617EA5E454}"/>
-              </a:ext>
-            </a:extLst>
-          </p:cNvPr>
-          <p:cNvPicPr>
-            <a:picLocks noChangeAspect="1"/>
-          </p:cNvPicPr>
-          <p:nvPr/>
-        </p:nvPicPr>
-        <p:blipFill>
-          <a:blip r:embed="rId8"/>
-          <a:stretch>
-            <a:fillRect/>
-          </a:stretch>
-        </p:blipFill>
-        <p:spPr>
-          <a:xfrm>
-            <a:off x="2508687" y="5503897"/>
-            <a:ext cx="799952" cy="391879"/>
-          </a:xfrm>
-          <a:prstGeom prst="rect">
-            <a:avLst/>
-          </a:prstGeom>
-        </p:spPr>
-      </p:pic>
-      <p:pic>
-        <p:nvPicPr>
-          <p:cNvPr id="35" name="Picture 34">
-            <a:extLst>
-              <a:ext uri="{FF2B5EF4-FFF2-40B4-BE49-F238E27FC236}">
-                <a16:creationId xmlns:a16="http://schemas.microsoft.com/office/drawing/2014/main" id="{54774180-BF9F-DF68-DCB0-F5B2989702ED}"/>
               </a:ext>
             </a:extLst>
           </p:cNvPr>
@@ -9345,6 +9695,36 @@
         </p:blipFill>
         <p:spPr>
           <a:xfrm>
+            <a:off x="2508687" y="5503897"/>
+            <a:ext cx="799952" cy="391879"/>
+          </a:xfrm>
+          <a:prstGeom prst="rect">
+            <a:avLst/>
+          </a:prstGeom>
+        </p:spPr>
+      </p:pic>
+      <p:pic>
+        <p:nvPicPr>
+          <p:cNvPr id="35" name="Picture 34">
+            <a:extLst>
+              <a:ext uri="{FF2B5EF4-FFF2-40B4-BE49-F238E27FC236}">
+                <a16:creationId xmlns:a16="http://schemas.microsoft.com/office/drawing/2014/main" id="{54774180-BF9F-DF68-DCB0-F5B2989702ED}"/>
+              </a:ext>
+            </a:extLst>
+          </p:cNvPr>
+          <p:cNvPicPr>
+            <a:picLocks noChangeAspect="1"/>
+          </p:cNvPicPr>
+          <p:nvPr/>
+        </p:nvPicPr>
+        <p:blipFill>
+          <a:blip r:embed="rId10"/>
+          <a:stretch>
+            <a:fillRect/>
+          </a:stretch>
+        </p:blipFill>
+        <p:spPr>
+          <a:xfrm>
             <a:off x="1654946" y="5503291"/>
             <a:ext cx="826034" cy="397968"/>
           </a:xfrm>
@@ -9434,10 +9814,10 @@
           <a:lstStyle/>
           <a:p>
             <a:r>
-              <a:rPr lang="en-US" sz="1200" b="1" dirty="0"/>
+              <a:rPr lang="en-US" sz="1050" b="1" dirty="0"/>
               <a:t>UDP/TCP Interface</a:t>
             </a:r>
-            <a:endParaRPr lang="en-SG" sz="1200" b="1" dirty="0"/>
+            <a:endParaRPr lang="en-SG" sz="1050" b="1" dirty="0"/>
           </a:p>
         </p:txBody>
       </p:sp>
@@ -9468,6 +9848,1356 @@
             <a:solidFill>
               <a:schemeClr val="tx1"/>
             </a:solidFill>
+            <a:prstDash val="sysDash"/>
+          </a:ln>
+        </p:spPr>
+        <p:style>
+          <a:lnRef idx="2">
+            <a:schemeClr val="accent1"/>
+          </a:lnRef>
+          <a:fillRef idx="0">
+            <a:schemeClr val="accent1"/>
+          </a:fillRef>
+          <a:effectRef idx="1">
+            <a:schemeClr val="accent1"/>
+          </a:effectRef>
+          <a:fontRef idx="minor">
+            <a:schemeClr val="tx1"/>
+          </a:fontRef>
+        </p:style>
+      </p:cxnSp>
+      <p:sp>
+        <p:nvSpPr>
+          <p:cNvPr id="2" name="TextBox 1">
+            <a:extLst>
+              <a:ext uri="{FF2B5EF4-FFF2-40B4-BE49-F238E27FC236}">
+                <a16:creationId xmlns:a16="http://schemas.microsoft.com/office/drawing/2014/main" id="{2536F42C-BD1C-E670-2C12-9491B201BEAB}"/>
+              </a:ext>
+            </a:extLst>
+          </p:cNvPr>
+          <p:cNvSpPr txBox="1"/>
+          <p:nvPr/>
+        </p:nvSpPr>
+        <p:spPr>
+          <a:xfrm>
+            <a:off x="3952232" y="1651314"/>
+            <a:ext cx="1185010" cy="707886"/>
+          </a:xfrm>
+          <a:prstGeom prst="rect">
+            <a:avLst/>
+          </a:prstGeom>
+          <a:noFill/>
+        </p:spPr>
+        <p:txBody>
+          <a:bodyPr wrap="square" rtlCol="0">
+            <a:spAutoFit/>
+          </a:bodyPr>
+          <a:lstStyle/>
+          <a:p>
+            <a:r>
+              <a:rPr lang="en-US" sz="1000" dirty="0">
+                <a:solidFill>
+                  <a:schemeClr val="accent2">
+                    <a:lumMod val="75000"/>
+                  </a:schemeClr>
+                </a:solidFill>
+              </a:rPr>
+              <a:t>Network connection simulate electrical wire</a:t>
+            </a:r>
+            <a:endParaRPr lang="en-SG" sz="1000" dirty="0">
+              <a:solidFill>
+                <a:schemeClr val="accent2">
+                  <a:lumMod val="75000"/>
+                </a:schemeClr>
+              </a:solidFill>
+            </a:endParaRPr>
+          </a:p>
+        </p:txBody>
+      </p:sp>
+      <p:sp>
+        <p:nvSpPr>
+          <p:cNvPr id="7" name="TextBox 6">
+            <a:extLst>
+              <a:ext uri="{FF2B5EF4-FFF2-40B4-BE49-F238E27FC236}">
+                <a16:creationId xmlns:a16="http://schemas.microsoft.com/office/drawing/2014/main" id="{0992FE7B-DECA-FF81-ECEA-D2695F4A7D3B}"/>
+              </a:ext>
+            </a:extLst>
+          </p:cNvPr>
+          <p:cNvSpPr txBox="1"/>
+          <p:nvPr/>
+        </p:nvSpPr>
+        <p:spPr>
+          <a:xfrm>
+            <a:off x="3936430" y="2501331"/>
+            <a:ext cx="1020072" cy="400110"/>
+          </a:xfrm>
+          <a:prstGeom prst="rect">
+            <a:avLst/>
+          </a:prstGeom>
+          <a:noFill/>
+        </p:spPr>
+        <p:txBody>
+          <a:bodyPr wrap="square" rtlCol="0">
+            <a:spAutoFit/>
+          </a:bodyPr>
+          <a:lstStyle/>
+          <a:p>
+            <a:r>
+              <a:rPr lang="en-US" sz="1000" dirty="0">
+                <a:solidFill>
+                  <a:schemeClr val="tx2">
+                    <a:lumMod val="75000"/>
+                    <a:lumOff val="25000"/>
+                  </a:schemeClr>
+                </a:solidFill>
+              </a:rPr>
+              <a:t>Physical electrical wire </a:t>
+            </a:r>
+            <a:endParaRPr lang="en-SG" sz="1000" dirty="0">
+              <a:solidFill>
+                <a:schemeClr val="tx2">
+                  <a:lumMod val="75000"/>
+                  <a:lumOff val="25000"/>
+                </a:schemeClr>
+              </a:solidFill>
+            </a:endParaRPr>
+          </a:p>
+        </p:txBody>
+      </p:sp>
+      <p:sp>
+        <p:nvSpPr>
+          <p:cNvPr id="8" name="TextBox 7">
+            <a:extLst>
+              <a:ext uri="{FF2B5EF4-FFF2-40B4-BE49-F238E27FC236}">
+                <a16:creationId xmlns:a16="http://schemas.microsoft.com/office/drawing/2014/main" id="{36F26B72-7A34-5ED5-8922-B94DB577B6DE}"/>
+              </a:ext>
+            </a:extLst>
+          </p:cNvPr>
+          <p:cNvSpPr txBox="1"/>
+          <p:nvPr/>
+        </p:nvSpPr>
+        <p:spPr>
+          <a:xfrm>
+            <a:off x="2880968" y="4587163"/>
+            <a:ext cx="1532447" cy="246221"/>
+          </a:xfrm>
+          <a:prstGeom prst="rect">
+            <a:avLst/>
+          </a:prstGeom>
+          <a:noFill/>
+        </p:spPr>
+        <p:txBody>
+          <a:bodyPr wrap="square" rtlCol="0">
+            <a:spAutoFit/>
+          </a:bodyPr>
+          <a:lstStyle/>
+          <a:p>
+            <a:r>
+              <a:rPr lang="en-US" sz="1000" dirty="0">
+                <a:solidFill>
+                  <a:schemeClr val="tx2">
+                    <a:lumMod val="75000"/>
+                    <a:lumOff val="25000"/>
+                  </a:schemeClr>
+                </a:solidFill>
+              </a:rPr>
+              <a:t>USB to RS232 adapter</a:t>
+            </a:r>
+            <a:endParaRPr lang="en-SG" sz="1000" dirty="0">
+              <a:solidFill>
+                <a:schemeClr val="tx2">
+                  <a:lumMod val="75000"/>
+                  <a:lumOff val="25000"/>
+                </a:schemeClr>
+              </a:solidFill>
+            </a:endParaRPr>
+          </a:p>
+        </p:txBody>
+      </p:sp>
+      <p:sp>
+        <p:nvSpPr>
+          <p:cNvPr id="9" name="TextBox 8">
+            <a:extLst>
+              <a:ext uri="{FF2B5EF4-FFF2-40B4-BE49-F238E27FC236}">
+                <a16:creationId xmlns:a16="http://schemas.microsoft.com/office/drawing/2014/main" id="{B8D45DDE-1A91-4709-71EB-3B8DB449F429}"/>
+              </a:ext>
+            </a:extLst>
+          </p:cNvPr>
+          <p:cNvSpPr txBox="1"/>
+          <p:nvPr/>
+        </p:nvSpPr>
+        <p:spPr>
+          <a:xfrm>
+            <a:off x="2874385" y="4836235"/>
+            <a:ext cx="1532447" cy="246221"/>
+          </a:xfrm>
+          <a:prstGeom prst="rect">
+            <a:avLst/>
+          </a:prstGeom>
+          <a:noFill/>
+        </p:spPr>
+        <p:txBody>
+          <a:bodyPr wrap="square" rtlCol="0">
+            <a:spAutoFit/>
+          </a:bodyPr>
+          <a:lstStyle/>
+          <a:p>
+            <a:r>
+              <a:rPr lang="en-US" sz="1000" dirty="0">
+                <a:solidFill>
+                  <a:schemeClr val="tx2">
+                    <a:lumMod val="75000"/>
+                    <a:lumOff val="25000"/>
+                  </a:schemeClr>
+                </a:solidFill>
+              </a:rPr>
+              <a:t>USB to RS485 adapter</a:t>
+            </a:r>
+            <a:endParaRPr lang="en-SG" sz="1000" dirty="0">
+              <a:solidFill>
+                <a:schemeClr val="tx2">
+                  <a:lumMod val="75000"/>
+                  <a:lumOff val="25000"/>
+                </a:schemeClr>
+              </a:solidFill>
+            </a:endParaRPr>
+          </a:p>
+        </p:txBody>
+      </p:sp>
+      <p:sp>
+        <p:nvSpPr>
+          <p:cNvPr id="20" name="TextBox 19">
+            <a:extLst>
+              <a:ext uri="{FF2B5EF4-FFF2-40B4-BE49-F238E27FC236}">
+                <a16:creationId xmlns:a16="http://schemas.microsoft.com/office/drawing/2014/main" id="{8C38E1CA-564C-BD33-2B08-9830768C8349}"/>
+              </a:ext>
+            </a:extLst>
+          </p:cNvPr>
+          <p:cNvSpPr txBox="1"/>
+          <p:nvPr/>
+        </p:nvSpPr>
+        <p:spPr>
+          <a:xfrm>
+            <a:off x="3414150" y="5515299"/>
+            <a:ext cx="1189985" cy="400110"/>
+          </a:xfrm>
+          <a:prstGeom prst="rect">
+            <a:avLst/>
+          </a:prstGeom>
+          <a:noFill/>
+        </p:spPr>
+        <p:txBody>
+          <a:bodyPr wrap="square" rtlCol="0">
+            <a:spAutoFit/>
+          </a:bodyPr>
+          <a:lstStyle/>
+          <a:p>
+            <a:r>
+              <a:rPr lang="en-US" sz="1000" dirty="0"/>
+              <a:t>Wireless connection</a:t>
+            </a:r>
+            <a:endParaRPr lang="en-SG" sz="1000" dirty="0"/>
+          </a:p>
+        </p:txBody>
+      </p:sp>
+      <p:pic>
+        <p:nvPicPr>
+          <p:cNvPr id="62" name="Picture 61">
+            <a:extLst>
+              <a:ext uri="{FF2B5EF4-FFF2-40B4-BE49-F238E27FC236}">
+                <a16:creationId xmlns:a16="http://schemas.microsoft.com/office/drawing/2014/main" id="{B76FE4A2-16CB-5785-E943-830B7AABD0CB}"/>
+              </a:ext>
+            </a:extLst>
+          </p:cNvPr>
+          <p:cNvPicPr>
+            <a:picLocks noChangeAspect="1"/>
+          </p:cNvPicPr>
+          <p:nvPr/>
+        </p:nvPicPr>
+        <p:blipFill>
+          <a:blip r:embed="rId11"/>
+          <a:stretch>
+            <a:fillRect/>
+          </a:stretch>
+        </p:blipFill>
+        <p:spPr>
+          <a:xfrm>
+            <a:off x="5352208" y="4759628"/>
+            <a:ext cx="436376" cy="421830"/>
+          </a:xfrm>
+          <a:prstGeom prst="rect">
+            <a:avLst/>
+          </a:prstGeom>
+          <a:ln w="3175">
+            <a:solidFill>
+              <a:schemeClr val="tx1"/>
+            </a:solidFill>
+          </a:ln>
+        </p:spPr>
+      </p:pic>
+      <p:sp>
+        <p:nvSpPr>
+          <p:cNvPr id="65" name="Rectangle 64">
+            <a:extLst>
+              <a:ext uri="{FF2B5EF4-FFF2-40B4-BE49-F238E27FC236}">
+                <a16:creationId xmlns:a16="http://schemas.microsoft.com/office/drawing/2014/main" id="{3F575C6A-B271-8236-371F-705DF8DBE1F2}"/>
+              </a:ext>
+            </a:extLst>
+          </p:cNvPr>
+          <p:cNvSpPr/>
+          <p:nvPr/>
+        </p:nvSpPr>
+        <p:spPr>
+          <a:xfrm>
+            <a:off x="6044911" y="1554533"/>
+            <a:ext cx="210139" cy="196583"/>
+          </a:xfrm>
+          <a:prstGeom prst="rect">
+            <a:avLst/>
+          </a:prstGeom>
+        </p:spPr>
+        <p:style>
+          <a:lnRef idx="2">
+            <a:schemeClr val="accent1">
+              <a:shade val="15000"/>
+            </a:schemeClr>
+          </a:lnRef>
+          <a:fillRef idx="1">
+            <a:schemeClr val="accent1"/>
+          </a:fillRef>
+          <a:effectRef idx="0">
+            <a:schemeClr val="accent1"/>
+          </a:effectRef>
+          <a:fontRef idx="minor">
+            <a:schemeClr val="lt1"/>
+          </a:fontRef>
+        </p:style>
+        <p:txBody>
+          <a:bodyPr rtlCol="0" anchor="ctr"/>
+          <a:lstStyle/>
+          <a:p>
+            <a:pPr algn="ctr"/>
+            <a:endParaRPr lang="en-SG"/>
+          </a:p>
+        </p:txBody>
+      </p:sp>
+      <p:sp>
+        <p:nvSpPr>
+          <p:cNvPr id="66" name="Rectangle 65">
+            <a:extLst>
+              <a:ext uri="{FF2B5EF4-FFF2-40B4-BE49-F238E27FC236}">
+                <a16:creationId xmlns:a16="http://schemas.microsoft.com/office/drawing/2014/main" id="{3B592503-32D5-5B1D-75E9-59B221370DD9}"/>
+              </a:ext>
+            </a:extLst>
+          </p:cNvPr>
+          <p:cNvSpPr/>
+          <p:nvPr/>
+        </p:nvSpPr>
+        <p:spPr>
+          <a:xfrm>
+            <a:off x="6996175" y="2212647"/>
+            <a:ext cx="182075" cy="164889"/>
+          </a:xfrm>
+          <a:prstGeom prst="rect">
+            <a:avLst/>
+          </a:prstGeom>
+        </p:spPr>
+        <p:style>
+          <a:lnRef idx="2">
+            <a:schemeClr val="accent1">
+              <a:shade val="15000"/>
+            </a:schemeClr>
+          </a:lnRef>
+          <a:fillRef idx="1">
+            <a:schemeClr val="accent1"/>
+          </a:fillRef>
+          <a:effectRef idx="0">
+            <a:schemeClr val="accent1"/>
+          </a:effectRef>
+          <a:fontRef idx="minor">
+            <a:schemeClr val="lt1"/>
+          </a:fontRef>
+        </p:style>
+        <p:txBody>
+          <a:bodyPr rtlCol="0" anchor="ctr"/>
+          <a:lstStyle/>
+          <a:p>
+            <a:pPr algn="ctr"/>
+            <a:endParaRPr lang="en-SG"/>
+          </a:p>
+        </p:txBody>
+      </p:sp>
+      <p:cxnSp>
+        <p:nvCxnSpPr>
+          <p:cNvPr id="68" name="Connector: Elbow 67">
+            <a:extLst>
+              <a:ext uri="{FF2B5EF4-FFF2-40B4-BE49-F238E27FC236}">
+                <a16:creationId xmlns:a16="http://schemas.microsoft.com/office/drawing/2014/main" id="{DAF0C5B6-B84A-3911-25E1-80C2767BB7BA}"/>
+              </a:ext>
+            </a:extLst>
+          </p:cNvPr>
+          <p:cNvCxnSpPr>
+            <a:cxnSpLocks/>
+            <a:stCxn id="65" idx="2"/>
+            <a:endCxn id="66" idx="3"/>
+          </p:cNvCxnSpPr>
+          <p:nvPr/>
+        </p:nvCxnSpPr>
+        <p:spPr>
+          <a:xfrm rot="16200000" flipH="1">
+            <a:off x="6392127" y="1508969"/>
+            <a:ext cx="543976" cy="1028269"/>
+          </a:xfrm>
+          <a:prstGeom prst="bentConnector4">
+            <a:avLst>
+              <a:gd name="adj1" fmla="val -9688"/>
+              <a:gd name="adj2" fmla="val 122232"/>
+            </a:avLst>
+          </a:prstGeom>
+        </p:spPr>
+        <p:style>
+          <a:lnRef idx="2">
+            <a:schemeClr val="accent1"/>
+          </a:lnRef>
+          <a:fillRef idx="0">
+            <a:schemeClr val="accent1"/>
+          </a:fillRef>
+          <a:effectRef idx="1">
+            <a:schemeClr val="accent1"/>
+          </a:effectRef>
+          <a:fontRef idx="minor">
+            <a:schemeClr val="tx1"/>
+          </a:fontRef>
+        </p:style>
+      </p:cxnSp>
+      <p:sp>
+        <p:nvSpPr>
+          <p:cNvPr id="80" name="TextBox 79">
+            <a:extLst>
+              <a:ext uri="{FF2B5EF4-FFF2-40B4-BE49-F238E27FC236}">
+                <a16:creationId xmlns:a16="http://schemas.microsoft.com/office/drawing/2014/main" id="{281E4C46-6298-E768-EAEB-A6863A52F67E}"/>
+              </a:ext>
+            </a:extLst>
+          </p:cNvPr>
+          <p:cNvSpPr txBox="1"/>
+          <p:nvPr/>
+        </p:nvSpPr>
+        <p:spPr>
+          <a:xfrm>
+            <a:off x="7002116" y="1772310"/>
+            <a:ext cx="1189985" cy="400110"/>
+          </a:xfrm>
+          <a:prstGeom prst="rect">
+            <a:avLst/>
+          </a:prstGeom>
+          <a:noFill/>
+        </p:spPr>
+        <p:txBody>
+          <a:bodyPr wrap="square" rtlCol="0">
+            <a:spAutoFit/>
+          </a:bodyPr>
+          <a:lstStyle/>
+          <a:p>
+            <a:r>
+              <a:rPr lang="en-US" sz="1000" dirty="0"/>
+              <a:t>RS422 multi-dop connection</a:t>
+            </a:r>
+            <a:endParaRPr lang="en-SG" sz="1000" dirty="0"/>
+          </a:p>
+        </p:txBody>
+      </p:sp>
+      <p:cxnSp>
+        <p:nvCxnSpPr>
+          <p:cNvPr id="84" name="Straight Connector 83">
+            <a:extLst>
+              <a:ext uri="{FF2B5EF4-FFF2-40B4-BE49-F238E27FC236}">
+                <a16:creationId xmlns:a16="http://schemas.microsoft.com/office/drawing/2014/main" id="{B58E6391-96F2-80E1-88D4-C0F3783551C3}"/>
+              </a:ext>
+            </a:extLst>
+          </p:cNvPr>
+          <p:cNvCxnSpPr>
+            <a:stCxn id="17" idx="3"/>
+            <a:endCxn id="15" idx="1"/>
+          </p:cNvCxnSpPr>
+          <p:nvPr/>
+        </p:nvCxnSpPr>
+        <p:spPr>
+          <a:xfrm flipV="1">
+            <a:off x="5067776" y="1306892"/>
+            <a:ext cx="351135" cy="0"/>
+          </a:xfrm>
+          <a:prstGeom prst="line">
+            <a:avLst/>
+          </a:prstGeom>
+          <a:ln w="19050">
+            <a:solidFill>
+              <a:schemeClr val="tx1"/>
+            </a:solidFill>
+          </a:ln>
+        </p:spPr>
+        <p:style>
+          <a:lnRef idx="2">
+            <a:schemeClr val="accent1"/>
+          </a:lnRef>
+          <a:fillRef idx="0">
+            <a:schemeClr val="accent1"/>
+          </a:fillRef>
+          <a:effectRef idx="1">
+            <a:schemeClr val="accent1"/>
+          </a:effectRef>
+          <a:fontRef idx="minor">
+            <a:schemeClr val="tx1"/>
+          </a:fontRef>
+        </p:style>
+      </p:cxnSp>
+      <p:cxnSp>
+        <p:nvCxnSpPr>
+          <p:cNvPr id="85" name="Straight Connector 84">
+            <a:extLst>
+              <a:ext uri="{FF2B5EF4-FFF2-40B4-BE49-F238E27FC236}">
+                <a16:creationId xmlns:a16="http://schemas.microsoft.com/office/drawing/2014/main" id="{BD53165C-AE7C-E969-1CE1-5ABBC38378F3}"/>
+              </a:ext>
+            </a:extLst>
+          </p:cNvPr>
+          <p:cNvCxnSpPr>
+            <a:cxnSpLocks/>
+          </p:cNvCxnSpPr>
+          <p:nvPr/>
+        </p:nvCxnSpPr>
+        <p:spPr>
+          <a:xfrm flipV="1">
+            <a:off x="6545273" y="1300193"/>
+            <a:ext cx="227817" cy="0"/>
+          </a:xfrm>
+          <a:prstGeom prst="line">
+            <a:avLst/>
+          </a:prstGeom>
+          <a:ln w="19050">
+            <a:solidFill>
+              <a:schemeClr val="tx1"/>
+            </a:solidFill>
+          </a:ln>
+        </p:spPr>
+        <p:style>
+          <a:lnRef idx="2">
+            <a:schemeClr val="accent1"/>
+          </a:lnRef>
+          <a:fillRef idx="0">
+            <a:schemeClr val="accent1"/>
+          </a:fillRef>
+          <a:effectRef idx="1">
+            <a:schemeClr val="accent1"/>
+          </a:effectRef>
+          <a:fontRef idx="minor">
+            <a:schemeClr val="tx1"/>
+          </a:fontRef>
+        </p:style>
+      </p:cxnSp>
+      <p:cxnSp>
+        <p:nvCxnSpPr>
+          <p:cNvPr id="87" name="Straight Connector 86">
+            <a:extLst>
+              <a:ext uri="{FF2B5EF4-FFF2-40B4-BE49-F238E27FC236}">
+                <a16:creationId xmlns:a16="http://schemas.microsoft.com/office/drawing/2014/main" id="{94C48816-87A0-5CBC-161B-39C894314403}"/>
+              </a:ext>
+            </a:extLst>
+          </p:cNvPr>
+          <p:cNvCxnSpPr>
+            <a:cxnSpLocks/>
+          </p:cNvCxnSpPr>
+          <p:nvPr/>
+        </p:nvCxnSpPr>
+        <p:spPr>
+          <a:xfrm flipV="1">
+            <a:off x="6142687" y="1450513"/>
+            <a:ext cx="0" cy="95241"/>
+          </a:xfrm>
+          <a:prstGeom prst="line">
+            <a:avLst/>
+          </a:prstGeom>
+          <a:ln w="19050">
+            <a:solidFill>
+              <a:schemeClr val="tx1"/>
+            </a:solidFill>
+          </a:ln>
+        </p:spPr>
+        <p:style>
+          <a:lnRef idx="2">
+            <a:schemeClr val="accent1"/>
+          </a:lnRef>
+          <a:fillRef idx="0">
+            <a:schemeClr val="accent1"/>
+          </a:fillRef>
+          <a:effectRef idx="1">
+            <a:schemeClr val="accent1"/>
+          </a:effectRef>
+          <a:fontRef idx="minor">
+            <a:schemeClr val="tx1"/>
+          </a:fontRef>
+        </p:style>
+      </p:cxnSp>
+      <p:cxnSp>
+        <p:nvCxnSpPr>
+          <p:cNvPr id="92" name="Straight Connector 91">
+            <a:extLst>
+              <a:ext uri="{FF2B5EF4-FFF2-40B4-BE49-F238E27FC236}">
+                <a16:creationId xmlns:a16="http://schemas.microsoft.com/office/drawing/2014/main" id="{F7F6E9F8-BBC4-6D1B-E762-40015CB08B31}"/>
+              </a:ext>
+            </a:extLst>
+          </p:cNvPr>
+          <p:cNvCxnSpPr>
+            <a:cxnSpLocks/>
+          </p:cNvCxnSpPr>
+          <p:nvPr/>
+        </p:nvCxnSpPr>
+        <p:spPr>
+          <a:xfrm flipV="1">
+            <a:off x="5621987" y="2524867"/>
+            <a:ext cx="0" cy="132660"/>
+          </a:xfrm>
+          <a:prstGeom prst="line">
+            <a:avLst/>
+          </a:prstGeom>
+          <a:ln w="19050">
+            <a:solidFill>
+              <a:schemeClr val="tx1"/>
+            </a:solidFill>
+          </a:ln>
+        </p:spPr>
+        <p:style>
+          <a:lnRef idx="2">
+            <a:schemeClr val="accent1"/>
+          </a:lnRef>
+          <a:fillRef idx="0">
+            <a:schemeClr val="accent1"/>
+          </a:fillRef>
+          <a:effectRef idx="1">
+            <a:schemeClr val="accent1"/>
+          </a:effectRef>
+          <a:fontRef idx="minor">
+            <a:schemeClr val="tx1"/>
+          </a:fontRef>
+        </p:style>
+      </p:cxnSp>
+      <p:cxnSp>
+        <p:nvCxnSpPr>
+          <p:cNvPr id="94" name="Straight Connector 93">
+            <a:extLst>
+              <a:ext uri="{FF2B5EF4-FFF2-40B4-BE49-F238E27FC236}">
+                <a16:creationId xmlns:a16="http://schemas.microsoft.com/office/drawing/2014/main" id="{EAFCA3A2-934B-E380-4E12-71E10ABDF0A0}"/>
+              </a:ext>
+            </a:extLst>
+          </p:cNvPr>
+          <p:cNvCxnSpPr>
+            <a:cxnSpLocks/>
+          </p:cNvCxnSpPr>
+          <p:nvPr/>
+        </p:nvCxnSpPr>
+        <p:spPr>
+          <a:xfrm flipV="1">
+            <a:off x="6773090" y="2526891"/>
+            <a:ext cx="0" cy="95241"/>
+          </a:xfrm>
+          <a:prstGeom prst="line">
+            <a:avLst/>
+          </a:prstGeom>
+          <a:ln w="19050">
+            <a:solidFill>
+              <a:schemeClr val="tx1"/>
+            </a:solidFill>
+          </a:ln>
+        </p:spPr>
+        <p:style>
+          <a:lnRef idx="2">
+            <a:schemeClr val="accent1"/>
+          </a:lnRef>
+          <a:fillRef idx="0">
+            <a:schemeClr val="accent1"/>
+          </a:fillRef>
+          <a:effectRef idx="1">
+            <a:schemeClr val="accent1"/>
+          </a:effectRef>
+          <a:fontRef idx="minor">
+            <a:schemeClr val="tx1"/>
+          </a:fontRef>
+        </p:style>
+      </p:cxnSp>
+      <p:cxnSp>
+        <p:nvCxnSpPr>
+          <p:cNvPr id="99" name="Straight Connector 98">
+            <a:extLst>
+              <a:ext uri="{FF2B5EF4-FFF2-40B4-BE49-F238E27FC236}">
+                <a16:creationId xmlns:a16="http://schemas.microsoft.com/office/drawing/2014/main" id="{AB0DF600-9F3D-23AB-83D8-717A7078B6FC}"/>
+              </a:ext>
+            </a:extLst>
+          </p:cNvPr>
+          <p:cNvCxnSpPr/>
+          <p:nvPr/>
+        </p:nvCxnSpPr>
+        <p:spPr>
+          <a:xfrm flipV="1">
+            <a:off x="5164354" y="3781711"/>
+            <a:ext cx="351135" cy="0"/>
+          </a:xfrm>
+          <a:prstGeom prst="line">
+            <a:avLst/>
+          </a:prstGeom>
+          <a:ln w="19050">
+            <a:solidFill>
+              <a:schemeClr val="tx1"/>
+            </a:solidFill>
+          </a:ln>
+        </p:spPr>
+        <p:style>
+          <a:lnRef idx="2">
+            <a:schemeClr val="accent1"/>
+          </a:lnRef>
+          <a:fillRef idx="0">
+            <a:schemeClr val="accent1"/>
+          </a:fillRef>
+          <a:effectRef idx="1">
+            <a:schemeClr val="accent1"/>
+          </a:effectRef>
+          <a:fontRef idx="minor">
+            <a:schemeClr val="tx1"/>
+          </a:fontRef>
+        </p:style>
+      </p:cxnSp>
+      <p:cxnSp>
+        <p:nvCxnSpPr>
+          <p:cNvPr id="101" name="Straight Connector 100">
+            <a:extLst>
+              <a:ext uri="{FF2B5EF4-FFF2-40B4-BE49-F238E27FC236}">
+                <a16:creationId xmlns:a16="http://schemas.microsoft.com/office/drawing/2014/main" id="{E294BEED-6B2B-897C-66B2-68891A4A1BAE}"/>
+              </a:ext>
+            </a:extLst>
+          </p:cNvPr>
+          <p:cNvCxnSpPr>
+            <a:cxnSpLocks/>
+          </p:cNvCxnSpPr>
+          <p:nvPr/>
+        </p:nvCxnSpPr>
+        <p:spPr>
+          <a:xfrm flipV="1">
+            <a:off x="5698187" y="3926848"/>
+            <a:ext cx="0" cy="200570"/>
+          </a:xfrm>
+          <a:prstGeom prst="line">
+            <a:avLst/>
+          </a:prstGeom>
+          <a:ln w="19050">
+            <a:solidFill>
+              <a:schemeClr val="tx1"/>
+            </a:solidFill>
+          </a:ln>
+        </p:spPr>
+        <p:style>
+          <a:lnRef idx="2">
+            <a:schemeClr val="accent1"/>
+          </a:lnRef>
+          <a:fillRef idx="0">
+            <a:schemeClr val="accent1"/>
+          </a:fillRef>
+          <a:effectRef idx="1">
+            <a:schemeClr val="accent1"/>
+          </a:effectRef>
+          <a:fontRef idx="minor">
+            <a:schemeClr val="tx1"/>
+          </a:fontRef>
+        </p:style>
+      </p:cxnSp>
+      <p:cxnSp>
+        <p:nvCxnSpPr>
+          <p:cNvPr id="109" name="Connector: Elbow 108">
+            <a:extLst>
+              <a:ext uri="{FF2B5EF4-FFF2-40B4-BE49-F238E27FC236}">
+                <a16:creationId xmlns:a16="http://schemas.microsoft.com/office/drawing/2014/main" id="{7389E954-F4CC-44E9-E0D6-04474CD756FA}"/>
+              </a:ext>
+            </a:extLst>
+          </p:cNvPr>
+          <p:cNvCxnSpPr>
+            <a:cxnSpLocks/>
+            <a:endCxn id="43" idx="1"/>
+          </p:cNvCxnSpPr>
+          <p:nvPr/>
+        </p:nvCxnSpPr>
+        <p:spPr>
+          <a:xfrm>
+            <a:off x="6329707" y="3926848"/>
+            <a:ext cx="386522" cy="307729"/>
+          </a:xfrm>
+          <a:prstGeom prst="bentConnector3">
+            <a:avLst>
+              <a:gd name="adj1" fmla="val 50000"/>
+            </a:avLst>
+          </a:prstGeom>
+          <a:ln w="12700">
+            <a:solidFill>
+              <a:schemeClr val="tx1"/>
+            </a:solidFill>
+          </a:ln>
+        </p:spPr>
+        <p:style>
+          <a:lnRef idx="2">
+            <a:schemeClr val="accent1"/>
+          </a:lnRef>
+          <a:fillRef idx="0">
+            <a:schemeClr val="accent1"/>
+          </a:fillRef>
+          <a:effectRef idx="1">
+            <a:schemeClr val="accent1"/>
+          </a:effectRef>
+          <a:fontRef idx="minor">
+            <a:schemeClr val="tx1"/>
+          </a:fontRef>
+        </p:style>
+      </p:cxnSp>
+      <p:cxnSp>
+        <p:nvCxnSpPr>
+          <p:cNvPr id="120" name="Straight Connector 119">
+            <a:extLst>
+              <a:ext uri="{FF2B5EF4-FFF2-40B4-BE49-F238E27FC236}">
+                <a16:creationId xmlns:a16="http://schemas.microsoft.com/office/drawing/2014/main" id="{DDACD1B6-45BB-68C2-D3D0-3F0960954F6A}"/>
+              </a:ext>
+            </a:extLst>
+          </p:cNvPr>
+          <p:cNvCxnSpPr>
+            <a:cxnSpLocks/>
+            <a:endCxn id="75" idx="1"/>
+          </p:cNvCxnSpPr>
+          <p:nvPr/>
+        </p:nvCxnSpPr>
+        <p:spPr>
+          <a:xfrm flipV="1">
+            <a:off x="5204709" y="5408458"/>
+            <a:ext cx="155240" cy="0"/>
+          </a:xfrm>
+          <a:prstGeom prst="line">
+            <a:avLst/>
+          </a:prstGeom>
+          <a:ln w="19050">
+            <a:solidFill>
+              <a:schemeClr val="tx1"/>
+            </a:solidFill>
+          </a:ln>
+        </p:spPr>
+        <p:style>
+          <a:lnRef idx="2">
+            <a:schemeClr val="accent1"/>
+          </a:lnRef>
+          <a:fillRef idx="0">
+            <a:schemeClr val="accent1"/>
+          </a:fillRef>
+          <a:effectRef idx="1">
+            <a:schemeClr val="accent1"/>
+          </a:effectRef>
+          <a:fontRef idx="minor">
+            <a:schemeClr val="tx1"/>
+          </a:fontRef>
+        </p:style>
+      </p:cxnSp>
+      <p:cxnSp>
+        <p:nvCxnSpPr>
+          <p:cNvPr id="122" name="Straight Connector 121">
+            <a:extLst>
+              <a:ext uri="{FF2B5EF4-FFF2-40B4-BE49-F238E27FC236}">
+                <a16:creationId xmlns:a16="http://schemas.microsoft.com/office/drawing/2014/main" id="{8C6398EF-E93F-2A88-F0FD-8FB32E5306DF}"/>
+              </a:ext>
+            </a:extLst>
+          </p:cNvPr>
+          <p:cNvCxnSpPr>
+            <a:cxnSpLocks/>
+          </p:cNvCxnSpPr>
+          <p:nvPr/>
+        </p:nvCxnSpPr>
+        <p:spPr>
+          <a:xfrm flipV="1">
+            <a:off x="6617850" y="5381315"/>
+            <a:ext cx="155240" cy="0"/>
+          </a:xfrm>
+          <a:prstGeom prst="line">
+            <a:avLst/>
+          </a:prstGeom>
+          <a:ln w="19050">
+            <a:solidFill>
+              <a:schemeClr val="tx1"/>
+            </a:solidFill>
+          </a:ln>
+        </p:spPr>
+        <p:style>
+          <a:lnRef idx="2">
+            <a:schemeClr val="accent1"/>
+          </a:lnRef>
+          <a:fillRef idx="0">
+            <a:schemeClr val="accent1"/>
+          </a:fillRef>
+          <a:effectRef idx="1">
+            <a:schemeClr val="accent1"/>
+          </a:effectRef>
+          <a:fontRef idx="minor">
+            <a:schemeClr val="tx1"/>
+          </a:fontRef>
+        </p:style>
+      </p:cxnSp>
+      <p:cxnSp>
+        <p:nvCxnSpPr>
+          <p:cNvPr id="123" name="Straight Connector 122">
+            <a:extLst>
+              <a:ext uri="{FF2B5EF4-FFF2-40B4-BE49-F238E27FC236}">
+                <a16:creationId xmlns:a16="http://schemas.microsoft.com/office/drawing/2014/main" id="{C2CF0D07-A10B-A92C-9AA6-0137A3CF76E2}"/>
+              </a:ext>
+            </a:extLst>
+          </p:cNvPr>
+          <p:cNvCxnSpPr>
+            <a:cxnSpLocks/>
+            <a:stCxn id="42" idx="3"/>
+            <a:endCxn id="75" idx="1"/>
+          </p:cNvCxnSpPr>
+          <p:nvPr/>
+        </p:nvCxnSpPr>
+        <p:spPr>
+          <a:xfrm>
+            <a:off x="5210778" y="4942508"/>
+            <a:ext cx="149171" cy="465950"/>
+          </a:xfrm>
+          <a:prstGeom prst="line">
+            <a:avLst/>
+          </a:prstGeom>
+          <a:ln w="12700">
+            <a:solidFill>
+              <a:schemeClr val="tx1"/>
+            </a:solidFill>
+          </a:ln>
+        </p:spPr>
+        <p:style>
+          <a:lnRef idx="2">
+            <a:schemeClr val="accent1"/>
+          </a:lnRef>
+          <a:fillRef idx="0">
+            <a:schemeClr val="accent1"/>
+          </a:fillRef>
+          <a:effectRef idx="1">
+            <a:schemeClr val="accent1"/>
+          </a:effectRef>
+          <a:fontRef idx="minor">
+            <a:schemeClr val="tx1"/>
+          </a:fontRef>
+        </p:style>
+      </p:cxnSp>
+      <p:cxnSp>
+        <p:nvCxnSpPr>
+          <p:cNvPr id="126" name="Straight Connector 125">
+            <a:extLst>
+              <a:ext uri="{FF2B5EF4-FFF2-40B4-BE49-F238E27FC236}">
+                <a16:creationId xmlns:a16="http://schemas.microsoft.com/office/drawing/2014/main" id="{E0362DE5-2525-E1DA-92EE-F439A5D8408B}"/>
+              </a:ext>
+            </a:extLst>
+          </p:cNvPr>
+          <p:cNvCxnSpPr>
+            <a:cxnSpLocks/>
+            <a:stCxn id="76" idx="1"/>
+            <a:endCxn id="75" idx="3"/>
+          </p:cNvCxnSpPr>
+          <p:nvPr/>
+        </p:nvCxnSpPr>
+        <p:spPr>
+          <a:xfrm flipH="1">
+            <a:off x="6611752" y="4922284"/>
+            <a:ext cx="165958" cy="486174"/>
+          </a:xfrm>
+          <a:prstGeom prst="line">
+            <a:avLst/>
+          </a:prstGeom>
+          <a:ln w="12700">
+            <a:solidFill>
+              <a:schemeClr val="tx1"/>
+            </a:solidFill>
+          </a:ln>
+        </p:spPr>
+        <p:style>
+          <a:lnRef idx="2">
+            <a:schemeClr val="accent1"/>
+          </a:lnRef>
+          <a:fillRef idx="0">
+            <a:schemeClr val="accent1"/>
+          </a:fillRef>
+          <a:effectRef idx="1">
+            <a:schemeClr val="accent1"/>
+          </a:effectRef>
+          <a:fontRef idx="minor">
+            <a:schemeClr val="tx1"/>
+          </a:fontRef>
+        </p:style>
+      </p:cxnSp>
+      <p:sp>
+        <p:nvSpPr>
+          <p:cNvPr id="140" name="Rectangle 139">
+            <a:extLst>
+              <a:ext uri="{FF2B5EF4-FFF2-40B4-BE49-F238E27FC236}">
+                <a16:creationId xmlns:a16="http://schemas.microsoft.com/office/drawing/2014/main" id="{5E4FF6A0-29CC-6830-5FD7-88F938EEDE79}"/>
+              </a:ext>
+            </a:extLst>
+          </p:cNvPr>
+          <p:cNvSpPr/>
+          <p:nvPr/>
+        </p:nvSpPr>
+        <p:spPr>
+          <a:xfrm>
+            <a:off x="9162814" y="2815437"/>
+            <a:ext cx="1231639" cy="238628"/>
+          </a:xfrm>
+          <a:prstGeom prst="rect">
+            <a:avLst/>
+          </a:prstGeom>
+          <a:solidFill>
+            <a:schemeClr val="tx2">
+              <a:lumMod val="75000"/>
+              <a:lumOff val="25000"/>
+            </a:schemeClr>
+          </a:solidFill>
+        </p:spPr>
+        <p:style>
+          <a:lnRef idx="2">
+            <a:schemeClr val="accent1">
+              <a:shade val="50000"/>
+            </a:schemeClr>
+          </a:lnRef>
+          <a:fillRef idx="1">
+            <a:schemeClr val="accent1"/>
+          </a:fillRef>
+          <a:effectRef idx="0">
+            <a:schemeClr val="accent1"/>
+          </a:effectRef>
+          <a:fontRef idx="minor">
+            <a:schemeClr val="lt1"/>
+          </a:fontRef>
+        </p:style>
+        <p:txBody>
+          <a:bodyPr rtlCol="0" anchor="ctr"/>
+          <a:lstStyle/>
+          <a:p>
+            <a:r>
+              <a:rPr lang="en-US" sz="1050" b="1" dirty="0"/>
+              <a:t>S7Comm Client</a:t>
+            </a:r>
+            <a:endParaRPr lang="en-SG" sz="1050" b="1" dirty="0"/>
+          </a:p>
+        </p:txBody>
+      </p:sp>
+      <p:sp>
+        <p:nvSpPr>
+          <p:cNvPr id="142" name="Rectangle 141">
+            <a:extLst>
+              <a:ext uri="{FF2B5EF4-FFF2-40B4-BE49-F238E27FC236}">
+                <a16:creationId xmlns:a16="http://schemas.microsoft.com/office/drawing/2014/main" id="{D73E4106-05CF-65B2-2582-F67D979CCE26}"/>
+              </a:ext>
+            </a:extLst>
+          </p:cNvPr>
+          <p:cNvSpPr/>
+          <p:nvPr/>
+        </p:nvSpPr>
+        <p:spPr>
+          <a:xfrm>
+            <a:off x="9109510" y="3931638"/>
+            <a:ext cx="1231637" cy="227132"/>
+          </a:xfrm>
+          <a:prstGeom prst="rect">
+            <a:avLst/>
+          </a:prstGeom>
+          <a:solidFill>
+            <a:schemeClr val="accent6">
+              <a:lumMod val="75000"/>
+            </a:schemeClr>
+          </a:solidFill>
+        </p:spPr>
+        <p:style>
+          <a:lnRef idx="2">
+            <a:schemeClr val="accent1">
+              <a:shade val="50000"/>
+            </a:schemeClr>
+          </a:lnRef>
+          <a:fillRef idx="1">
+            <a:schemeClr val="accent1"/>
+          </a:fillRef>
+          <a:effectRef idx="0">
+            <a:schemeClr val="accent1"/>
+          </a:effectRef>
+          <a:fontRef idx="minor">
+            <a:schemeClr val="lt1"/>
+          </a:fontRef>
+        </p:style>
+        <p:txBody>
+          <a:bodyPr rtlCol="0" anchor="ctr"/>
+          <a:lstStyle/>
+          <a:p>
+            <a:r>
+              <a:rPr lang="en-US" sz="1050" b="1" dirty="0"/>
+              <a:t>Modbus Client</a:t>
+            </a:r>
+            <a:endParaRPr lang="en-SG" sz="1050" b="1" dirty="0"/>
+          </a:p>
+        </p:txBody>
+      </p:sp>
+      <p:sp>
+        <p:nvSpPr>
+          <p:cNvPr id="144" name="Rectangle 143">
+            <a:extLst>
+              <a:ext uri="{FF2B5EF4-FFF2-40B4-BE49-F238E27FC236}">
+                <a16:creationId xmlns:a16="http://schemas.microsoft.com/office/drawing/2014/main" id="{9772B7BF-4DE1-7119-9BB6-BDA4810BE062}"/>
+              </a:ext>
+            </a:extLst>
+          </p:cNvPr>
+          <p:cNvSpPr/>
+          <p:nvPr/>
+        </p:nvSpPr>
+        <p:spPr>
+          <a:xfrm>
+            <a:off x="9299168" y="4580396"/>
+            <a:ext cx="1317249" cy="1206794"/>
+          </a:xfrm>
+          <a:prstGeom prst="rect">
+            <a:avLst/>
+          </a:prstGeom>
+          <a:noFill/>
+        </p:spPr>
+        <p:style>
+          <a:lnRef idx="2">
+            <a:schemeClr val="accent1">
+              <a:shade val="15000"/>
+            </a:schemeClr>
+          </a:lnRef>
+          <a:fillRef idx="1">
+            <a:schemeClr val="accent1"/>
+          </a:fillRef>
+          <a:effectRef idx="0">
+            <a:schemeClr val="accent1"/>
+          </a:effectRef>
+          <a:fontRef idx="minor">
+            <a:schemeClr val="lt1"/>
+          </a:fontRef>
+        </p:style>
+        <p:txBody>
+          <a:bodyPr rtlCol="0" anchor="ctr"/>
+          <a:lstStyle/>
+          <a:p>
+            <a:pPr algn="ctr"/>
+            <a:endParaRPr lang="en-SG" dirty="0"/>
+          </a:p>
+        </p:txBody>
+      </p:sp>
+      <p:sp>
+        <p:nvSpPr>
+          <p:cNvPr id="145" name="TextBox 144">
+            <a:extLst>
+              <a:ext uri="{FF2B5EF4-FFF2-40B4-BE49-F238E27FC236}">
+                <a16:creationId xmlns:a16="http://schemas.microsoft.com/office/drawing/2014/main" id="{D0CCC798-606F-1AD4-1E0F-D7FCB4CAE255}"/>
+              </a:ext>
+            </a:extLst>
+          </p:cNvPr>
+          <p:cNvSpPr txBox="1"/>
+          <p:nvPr/>
+        </p:nvSpPr>
+        <p:spPr>
+          <a:xfrm>
+            <a:off x="9271679" y="4590472"/>
+            <a:ext cx="1499464" cy="307777"/>
+          </a:xfrm>
+          <a:prstGeom prst="rect">
+            <a:avLst/>
+          </a:prstGeom>
+          <a:noFill/>
+        </p:spPr>
+        <p:txBody>
+          <a:bodyPr wrap="square" rtlCol="0">
+            <a:spAutoFit/>
+          </a:bodyPr>
+          <a:lstStyle/>
+          <a:p>
+            <a:r>
+              <a:rPr lang="en-US" sz="1400" b="1" dirty="0"/>
+              <a:t>Historian</a:t>
+            </a:r>
+            <a:endParaRPr lang="en-SG" sz="1400" b="1" dirty="0"/>
+          </a:p>
+        </p:txBody>
+      </p:sp>
+      <p:sp>
+        <p:nvSpPr>
+          <p:cNvPr id="146" name="Rectangle 145">
+            <a:extLst>
+              <a:ext uri="{FF2B5EF4-FFF2-40B4-BE49-F238E27FC236}">
+                <a16:creationId xmlns:a16="http://schemas.microsoft.com/office/drawing/2014/main" id="{FCF7CC61-380C-1BA0-9E32-86C121497927}"/>
+              </a:ext>
+            </a:extLst>
+          </p:cNvPr>
+          <p:cNvSpPr/>
+          <p:nvPr/>
+        </p:nvSpPr>
+        <p:spPr>
+          <a:xfrm>
+            <a:off x="9109510" y="4990543"/>
+            <a:ext cx="1231637" cy="227132"/>
+          </a:xfrm>
+          <a:prstGeom prst="rect">
+            <a:avLst/>
+          </a:prstGeom>
+          <a:solidFill>
+            <a:schemeClr val="accent6">
+              <a:lumMod val="75000"/>
+            </a:schemeClr>
+          </a:solidFill>
+        </p:spPr>
+        <p:style>
+          <a:lnRef idx="2">
+            <a:schemeClr val="accent1">
+              <a:shade val="50000"/>
+            </a:schemeClr>
+          </a:lnRef>
+          <a:fillRef idx="1">
+            <a:schemeClr val="accent1"/>
+          </a:fillRef>
+          <a:effectRef idx="0">
+            <a:schemeClr val="accent1"/>
+          </a:effectRef>
+          <a:fontRef idx="minor">
+            <a:schemeClr val="lt1"/>
+          </a:fontRef>
+        </p:style>
+        <p:txBody>
+          <a:bodyPr rtlCol="0" anchor="ctr"/>
+          <a:lstStyle/>
+          <a:p>
+            <a:r>
+              <a:rPr lang="en-US" sz="1050" b="1" dirty="0"/>
+              <a:t>Modbus Client</a:t>
+            </a:r>
+            <a:endParaRPr lang="en-SG" sz="1050" b="1" dirty="0"/>
+          </a:p>
+        </p:txBody>
+      </p:sp>
+      <p:sp>
+        <p:nvSpPr>
+          <p:cNvPr id="147" name="Rectangle 146">
+            <a:extLst>
+              <a:ext uri="{FF2B5EF4-FFF2-40B4-BE49-F238E27FC236}">
+                <a16:creationId xmlns:a16="http://schemas.microsoft.com/office/drawing/2014/main" id="{533A3D83-FBFC-FCA2-C599-1B8502FC4404}"/>
+              </a:ext>
+            </a:extLst>
+          </p:cNvPr>
+          <p:cNvSpPr/>
+          <p:nvPr/>
+        </p:nvSpPr>
+        <p:spPr>
+          <a:xfrm>
+            <a:off x="9115175" y="5401086"/>
+            <a:ext cx="1231639" cy="238628"/>
+          </a:xfrm>
+          <a:prstGeom prst="rect">
+            <a:avLst/>
+          </a:prstGeom>
+          <a:solidFill>
+            <a:schemeClr val="tx2">
+              <a:lumMod val="75000"/>
+              <a:lumOff val="25000"/>
+            </a:schemeClr>
+          </a:solidFill>
+        </p:spPr>
+        <p:style>
+          <a:lnRef idx="2">
+            <a:schemeClr val="accent1">
+              <a:shade val="50000"/>
+            </a:schemeClr>
+          </a:lnRef>
+          <a:fillRef idx="1">
+            <a:schemeClr val="accent1"/>
+          </a:fillRef>
+          <a:effectRef idx="0">
+            <a:schemeClr val="accent1"/>
+          </a:effectRef>
+          <a:fontRef idx="minor">
+            <a:schemeClr val="lt1"/>
+          </a:fontRef>
+        </p:style>
+        <p:txBody>
+          <a:bodyPr rtlCol="0" anchor="ctr"/>
+          <a:lstStyle/>
+          <a:p>
+            <a:r>
+              <a:rPr lang="en-US" sz="1050" b="1" dirty="0"/>
+              <a:t>S7Comm Client</a:t>
+            </a:r>
+            <a:endParaRPr lang="en-SG" sz="1050" b="1" dirty="0"/>
+          </a:p>
+        </p:txBody>
+      </p:sp>
+      <p:cxnSp>
+        <p:nvCxnSpPr>
+          <p:cNvPr id="148" name="Straight Connector 147">
+            <a:extLst>
+              <a:ext uri="{FF2B5EF4-FFF2-40B4-BE49-F238E27FC236}">
+                <a16:creationId xmlns:a16="http://schemas.microsoft.com/office/drawing/2014/main" id="{2A3C7F91-4DF0-92C1-F700-EE192156EA54}"/>
+              </a:ext>
+            </a:extLst>
+          </p:cNvPr>
+          <p:cNvCxnSpPr>
+            <a:cxnSpLocks/>
+          </p:cNvCxnSpPr>
+          <p:nvPr/>
+        </p:nvCxnSpPr>
+        <p:spPr>
+          <a:xfrm>
+            <a:off x="8076179" y="5137837"/>
+            <a:ext cx="1033331" cy="0"/>
+          </a:xfrm>
+          <a:prstGeom prst="line">
+            <a:avLst/>
+          </a:prstGeom>
+          <a:ln>
+            <a:solidFill>
+              <a:schemeClr val="accent6">
+                <a:lumMod val="75000"/>
+              </a:schemeClr>
+            </a:solidFill>
+          </a:ln>
+        </p:spPr>
+        <p:style>
+          <a:lnRef idx="2">
+            <a:schemeClr val="accent1"/>
+          </a:lnRef>
+          <a:fillRef idx="0">
+            <a:schemeClr val="accent1"/>
+          </a:fillRef>
+          <a:effectRef idx="1">
+            <a:schemeClr val="accent1"/>
+          </a:effectRef>
+          <a:fontRef idx="minor">
+            <a:schemeClr val="tx1"/>
+          </a:fontRef>
+        </p:style>
+      </p:cxnSp>
+      <p:cxnSp>
+        <p:nvCxnSpPr>
+          <p:cNvPr id="149" name="Straight Connector 148">
+            <a:extLst>
+              <a:ext uri="{FF2B5EF4-FFF2-40B4-BE49-F238E27FC236}">
+                <a16:creationId xmlns:a16="http://schemas.microsoft.com/office/drawing/2014/main" id="{592670F6-62AF-943A-94ED-45A2D539E920}"/>
+              </a:ext>
+            </a:extLst>
+          </p:cNvPr>
+          <p:cNvCxnSpPr>
+            <a:cxnSpLocks/>
+          </p:cNvCxnSpPr>
+          <p:nvPr/>
+        </p:nvCxnSpPr>
+        <p:spPr>
+          <a:xfrm>
+            <a:off x="8668510" y="5515299"/>
+            <a:ext cx="441000" cy="0"/>
+          </a:xfrm>
+          <a:prstGeom prst="line">
+            <a:avLst/>
+          </a:prstGeom>
+          <a:ln>
             <a:prstDash val="sysDash"/>
           </a:ln>
         </p:spPr>
@@ -9500,6 +11230,474 @@
 </file>
 
 <file path=ppt/slides/slide3.xml><?xml version="1.0" encoding="utf-8"?>
+<p:sld xmlns:a="http://schemas.openxmlformats.org/drawingml/2006/main" xmlns:r="http://schemas.openxmlformats.org/officeDocument/2006/relationships" xmlns:p="http://schemas.openxmlformats.org/presentationml/2006/main">
+  <p:cSld>
+    <p:spTree>
+      <p:nvGrpSpPr>
+        <p:cNvPr id="1" name=""/>
+        <p:cNvGrpSpPr/>
+        <p:nvPr/>
+      </p:nvGrpSpPr>
+      <p:grpSpPr>
+        <a:xfrm>
+          <a:off x="0" y="0"/>
+          <a:ext cx="0" cy="0"/>
+          <a:chOff x="0" y="0"/>
+          <a:chExt cx="0" cy="0"/>
+        </a:xfrm>
+      </p:grpSpPr>
+      <p:pic>
+        <p:nvPicPr>
+          <p:cNvPr id="5" name="Picture 4" descr="A diagram of a computer network&#10;&#10;Description automatically generated with medium confidence">
+            <a:extLst>
+              <a:ext uri="{FF2B5EF4-FFF2-40B4-BE49-F238E27FC236}">
+                <a16:creationId xmlns:a16="http://schemas.microsoft.com/office/drawing/2014/main" id="{CE09879B-23DF-131F-9327-A5A231EFF44B}"/>
+              </a:ext>
+            </a:extLst>
+          </p:cNvPr>
+          <p:cNvPicPr>
+            <a:picLocks noChangeAspect="1"/>
+          </p:cNvPicPr>
+          <p:nvPr/>
+        </p:nvPicPr>
+        <p:blipFill>
+          <a:blip r:embed="rId2">
+            <a:extLst>
+              <a:ext uri="{28A0092B-C50C-407E-A947-70E740481C1C}">
+                <a14:useLocalDpi xmlns:a14="http://schemas.microsoft.com/office/drawing/2010/main" val="0"/>
+              </a:ext>
+            </a:extLst>
+          </a:blip>
+          <a:stretch>
+            <a:fillRect/>
+          </a:stretch>
+        </p:blipFill>
+        <p:spPr>
+          <a:xfrm>
+            <a:off x="4297679" y="710183"/>
+            <a:ext cx="6379029" cy="4848062"/>
+          </a:xfrm>
+          <a:prstGeom prst="rect">
+            <a:avLst/>
+          </a:prstGeom>
+        </p:spPr>
+      </p:pic>
+      <p:cxnSp>
+        <p:nvCxnSpPr>
+          <p:cNvPr id="7" name="Straight Arrow Connector 6">
+            <a:extLst>
+              <a:ext uri="{FF2B5EF4-FFF2-40B4-BE49-F238E27FC236}">
+                <a16:creationId xmlns:a16="http://schemas.microsoft.com/office/drawing/2014/main" id="{75C869AA-FB17-B7C5-2976-5BFCC5490861}"/>
+              </a:ext>
+            </a:extLst>
+          </p:cNvPr>
+          <p:cNvCxnSpPr>
+            <a:cxnSpLocks/>
+            <a:stCxn id="12" idx="3"/>
+          </p:cNvCxnSpPr>
+          <p:nvPr/>
+        </p:nvCxnSpPr>
+        <p:spPr>
+          <a:xfrm>
+            <a:off x="3714068" y="2491191"/>
+            <a:ext cx="2042298" cy="861609"/>
+          </a:xfrm>
+          <a:prstGeom prst="straightConnector1">
+            <a:avLst/>
+          </a:prstGeom>
+          <a:ln>
+            <a:solidFill>
+              <a:srgbClr val="FF0000"/>
+            </a:solidFill>
+            <a:tailEnd type="triangle"/>
+          </a:ln>
+        </p:spPr>
+        <p:style>
+          <a:lnRef idx="2">
+            <a:schemeClr val="accent1"/>
+          </a:lnRef>
+          <a:fillRef idx="0">
+            <a:schemeClr val="accent1"/>
+          </a:fillRef>
+          <a:effectRef idx="1">
+            <a:schemeClr val="accent1"/>
+          </a:effectRef>
+          <a:fontRef idx="minor">
+            <a:schemeClr val="tx1"/>
+          </a:fontRef>
+        </p:style>
+      </p:cxnSp>
+      <p:sp>
+        <p:nvSpPr>
+          <p:cNvPr id="12" name="TextBox 11">
+            <a:extLst>
+              <a:ext uri="{FF2B5EF4-FFF2-40B4-BE49-F238E27FC236}">
+                <a16:creationId xmlns:a16="http://schemas.microsoft.com/office/drawing/2014/main" id="{10A146CB-E74E-FC04-5E20-931B2BD10D5F}"/>
+              </a:ext>
+            </a:extLst>
+          </p:cNvPr>
+          <p:cNvSpPr txBox="1"/>
+          <p:nvPr/>
+        </p:nvSpPr>
+        <p:spPr>
+          <a:xfrm>
+            <a:off x="1515291" y="1983359"/>
+            <a:ext cx="2198777" cy="1015663"/>
+          </a:xfrm>
+          <a:prstGeom prst="rect">
+            <a:avLst/>
+          </a:prstGeom>
+          <a:noFill/>
+          <a:ln>
+            <a:solidFill>
+              <a:schemeClr val="tx1"/>
+            </a:solidFill>
+            <a:prstDash val="sysDash"/>
+          </a:ln>
+        </p:spPr>
+        <p:txBody>
+          <a:bodyPr wrap="square" rtlCol="0">
+            <a:spAutoFit/>
+          </a:bodyPr>
+          <a:lstStyle/>
+          <a:p>
+            <a:r>
+              <a:rPr lang="en-US" sz="1200" b="1" dirty="0"/>
+              <a:t>Provide the Modbus-TCP and S7Comm interface for user to build their own HMI and Operation management Zone service </a:t>
+            </a:r>
+            <a:endParaRPr lang="en-SG" sz="1200" b="1" dirty="0"/>
+          </a:p>
+        </p:txBody>
+      </p:sp>
+      <p:cxnSp>
+        <p:nvCxnSpPr>
+          <p:cNvPr id="15" name="Straight Arrow Connector 14">
+            <a:extLst>
+              <a:ext uri="{FF2B5EF4-FFF2-40B4-BE49-F238E27FC236}">
+                <a16:creationId xmlns:a16="http://schemas.microsoft.com/office/drawing/2014/main" id="{3055D66C-7375-BD05-21D7-E523C1063B1E}"/>
+              </a:ext>
+            </a:extLst>
+          </p:cNvPr>
+          <p:cNvCxnSpPr>
+            <a:cxnSpLocks/>
+            <a:stCxn id="12" idx="3"/>
+          </p:cNvCxnSpPr>
+          <p:nvPr/>
+        </p:nvCxnSpPr>
+        <p:spPr>
+          <a:xfrm>
+            <a:off x="3714068" y="2491191"/>
+            <a:ext cx="2042298" cy="1688923"/>
+          </a:xfrm>
+          <a:prstGeom prst="straightConnector1">
+            <a:avLst/>
+          </a:prstGeom>
+          <a:ln>
+            <a:solidFill>
+              <a:srgbClr val="FF0000"/>
+            </a:solidFill>
+            <a:tailEnd type="triangle"/>
+          </a:ln>
+        </p:spPr>
+        <p:style>
+          <a:lnRef idx="2">
+            <a:schemeClr val="accent1"/>
+          </a:lnRef>
+          <a:fillRef idx="0">
+            <a:schemeClr val="accent1"/>
+          </a:fillRef>
+          <a:effectRef idx="1">
+            <a:schemeClr val="accent1"/>
+          </a:effectRef>
+          <a:fontRef idx="minor">
+            <a:schemeClr val="tx1"/>
+          </a:fontRef>
+        </p:style>
+      </p:cxnSp>
+      <p:cxnSp>
+        <p:nvCxnSpPr>
+          <p:cNvPr id="18" name="Straight Arrow Connector 17">
+            <a:extLst>
+              <a:ext uri="{FF2B5EF4-FFF2-40B4-BE49-F238E27FC236}">
+                <a16:creationId xmlns:a16="http://schemas.microsoft.com/office/drawing/2014/main" id="{C9AF2169-1EFD-16CE-4C93-9A9B2FF201C9}"/>
+              </a:ext>
+            </a:extLst>
+          </p:cNvPr>
+          <p:cNvCxnSpPr>
+            <a:cxnSpLocks/>
+            <a:stCxn id="22" idx="3"/>
+          </p:cNvCxnSpPr>
+          <p:nvPr/>
+        </p:nvCxnSpPr>
+        <p:spPr>
+          <a:xfrm>
+            <a:off x="3714069" y="3903851"/>
+            <a:ext cx="2042297" cy="565820"/>
+          </a:xfrm>
+          <a:prstGeom prst="straightConnector1">
+            <a:avLst/>
+          </a:prstGeom>
+          <a:ln>
+            <a:solidFill>
+              <a:srgbClr val="FF0000"/>
+            </a:solidFill>
+            <a:tailEnd type="triangle"/>
+          </a:ln>
+        </p:spPr>
+        <p:style>
+          <a:lnRef idx="2">
+            <a:schemeClr val="accent1"/>
+          </a:lnRef>
+          <a:fillRef idx="0">
+            <a:schemeClr val="accent1"/>
+          </a:fillRef>
+          <a:effectRef idx="1">
+            <a:schemeClr val="accent1"/>
+          </a:effectRef>
+          <a:fontRef idx="minor">
+            <a:schemeClr val="tx1"/>
+          </a:fontRef>
+        </p:style>
+      </p:cxnSp>
+      <p:sp>
+        <p:nvSpPr>
+          <p:cNvPr id="22" name="TextBox 21">
+            <a:extLst>
+              <a:ext uri="{FF2B5EF4-FFF2-40B4-BE49-F238E27FC236}">
+                <a16:creationId xmlns:a16="http://schemas.microsoft.com/office/drawing/2014/main" id="{D157174A-3E80-0AC8-6589-FFF3B0F99673}"/>
+              </a:ext>
+            </a:extLst>
+          </p:cNvPr>
+          <p:cNvSpPr txBox="1"/>
+          <p:nvPr/>
+        </p:nvSpPr>
+        <p:spPr>
+          <a:xfrm>
+            <a:off x="1515291" y="3488352"/>
+            <a:ext cx="2198778" cy="830997"/>
+          </a:xfrm>
+          <a:prstGeom prst="rect">
+            <a:avLst/>
+          </a:prstGeom>
+          <a:noFill/>
+          <a:ln>
+            <a:solidFill>
+              <a:schemeClr val="tx1"/>
+            </a:solidFill>
+            <a:prstDash val="sysDash"/>
+          </a:ln>
+        </p:spPr>
+        <p:txBody>
+          <a:bodyPr wrap="square" rtlCol="0">
+            <a:spAutoFit/>
+          </a:bodyPr>
+          <a:lstStyle/>
+          <a:p>
+            <a:r>
+              <a:rPr lang="en-US" sz="1200" b="1" dirty="0"/>
+              <a:t>Provide the PLC and RTU simulation program for user to build different Level1 field controller </a:t>
+            </a:r>
+            <a:endParaRPr lang="en-SG" sz="1200" b="1" dirty="0"/>
+          </a:p>
+        </p:txBody>
+      </p:sp>
+      <p:cxnSp>
+        <p:nvCxnSpPr>
+          <p:cNvPr id="23" name="Straight Arrow Connector 22">
+            <a:extLst>
+              <a:ext uri="{FF2B5EF4-FFF2-40B4-BE49-F238E27FC236}">
+                <a16:creationId xmlns:a16="http://schemas.microsoft.com/office/drawing/2014/main" id="{8065E338-70E8-C1F2-4241-3A1AE5E96EF4}"/>
+              </a:ext>
+            </a:extLst>
+          </p:cNvPr>
+          <p:cNvCxnSpPr>
+            <a:cxnSpLocks/>
+          </p:cNvCxnSpPr>
+          <p:nvPr/>
+        </p:nvCxnSpPr>
+        <p:spPr>
+          <a:xfrm>
+            <a:off x="3714068" y="4849020"/>
+            <a:ext cx="2294846" cy="0"/>
+          </a:xfrm>
+          <a:prstGeom prst="straightConnector1">
+            <a:avLst/>
+          </a:prstGeom>
+          <a:ln>
+            <a:solidFill>
+              <a:srgbClr val="FF0000"/>
+            </a:solidFill>
+            <a:tailEnd type="triangle"/>
+          </a:ln>
+        </p:spPr>
+        <p:style>
+          <a:lnRef idx="2">
+            <a:schemeClr val="accent1"/>
+          </a:lnRef>
+          <a:fillRef idx="0">
+            <a:schemeClr val="accent1"/>
+          </a:fillRef>
+          <a:effectRef idx="1">
+            <a:schemeClr val="accent1"/>
+          </a:effectRef>
+          <a:fontRef idx="minor">
+            <a:schemeClr val="tx1"/>
+          </a:fontRef>
+        </p:style>
+      </p:cxnSp>
+      <p:sp>
+        <p:nvSpPr>
+          <p:cNvPr id="26" name="TextBox 25">
+            <a:extLst>
+              <a:ext uri="{FF2B5EF4-FFF2-40B4-BE49-F238E27FC236}">
+                <a16:creationId xmlns:a16="http://schemas.microsoft.com/office/drawing/2014/main" id="{43CC7EE5-553D-2536-2F29-44AFB4052A50}"/>
+              </a:ext>
+            </a:extLst>
+          </p:cNvPr>
+          <p:cNvSpPr txBox="1"/>
+          <p:nvPr/>
+        </p:nvSpPr>
+        <p:spPr>
+          <a:xfrm>
+            <a:off x="1528216" y="4718309"/>
+            <a:ext cx="2185852" cy="830997"/>
+          </a:xfrm>
+          <a:prstGeom prst="rect">
+            <a:avLst/>
+          </a:prstGeom>
+          <a:noFill/>
+          <a:ln>
+            <a:solidFill>
+              <a:schemeClr val="tx1"/>
+            </a:solidFill>
+            <a:prstDash val="sysDash"/>
+          </a:ln>
+        </p:spPr>
+        <p:txBody>
+          <a:bodyPr wrap="square" rtlCol="0">
+            <a:spAutoFit/>
+          </a:bodyPr>
+          <a:lstStyle/>
+          <a:p>
+            <a:r>
+              <a:rPr lang="en-US" sz="1200" b="1" dirty="0"/>
+              <a:t>Provide connection interface lib for user to connect to the virtual or physical level0 OT device </a:t>
+            </a:r>
+            <a:endParaRPr lang="en-SG" sz="1200" b="1" dirty="0"/>
+          </a:p>
+        </p:txBody>
+      </p:sp>
+      <p:sp>
+        <p:nvSpPr>
+          <p:cNvPr id="35" name="Rectangle 34">
+            <a:extLst>
+              <a:ext uri="{FF2B5EF4-FFF2-40B4-BE49-F238E27FC236}">
+                <a16:creationId xmlns:a16="http://schemas.microsoft.com/office/drawing/2014/main" id="{472EF458-4DC6-AD7C-16E1-2CCBBAD98145}"/>
+              </a:ext>
+            </a:extLst>
+          </p:cNvPr>
+          <p:cNvSpPr/>
+          <p:nvPr/>
+        </p:nvSpPr>
+        <p:spPr>
+          <a:xfrm>
+            <a:off x="4458789" y="2751909"/>
+            <a:ext cx="6087291" cy="2690948"/>
+          </a:xfrm>
+          <a:prstGeom prst="rect">
+            <a:avLst/>
+          </a:prstGeom>
+          <a:noFill/>
+          <a:ln>
+            <a:solidFill>
+              <a:srgbClr val="FF0000"/>
+            </a:solidFill>
+            <a:prstDash val="sysDash"/>
+          </a:ln>
+        </p:spPr>
+        <p:style>
+          <a:lnRef idx="2">
+            <a:schemeClr val="accent1">
+              <a:shade val="15000"/>
+            </a:schemeClr>
+          </a:lnRef>
+          <a:fillRef idx="1">
+            <a:schemeClr val="accent1"/>
+          </a:fillRef>
+          <a:effectRef idx="0">
+            <a:schemeClr val="accent1"/>
+          </a:effectRef>
+          <a:fontRef idx="minor">
+            <a:schemeClr val="lt1"/>
+          </a:fontRef>
+        </p:style>
+        <p:txBody>
+          <a:bodyPr rtlCol="0" anchor="ctr"/>
+          <a:lstStyle/>
+          <a:p>
+            <a:pPr algn="ctr"/>
+            <a:endParaRPr lang="en-SG" dirty="0"/>
+          </a:p>
+        </p:txBody>
+      </p:sp>
+      <p:sp>
+        <p:nvSpPr>
+          <p:cNvPr id="36" name="TextBox 35">
+            <a:extLst>
+              <a:ext uri="{FF2B5EF4-FFF2-40B4-BE49-F238E27FC236}">
+                <a16:creationId xmlns:a16="http://schemas.microsoft.com/office/drawing/2014/main" id="{C26E820B-5D62-47CC-AD6A-C7DC10DA5FCA}"/>
+              </a:ext>
+            </a:extLst>
+          </p:cNvPr>
+          <p:cNvSpPr txBox="1"/>
+          <p:nvPr/>
+        </p:nvSpPr>
+        <p:spPr>
+          <a:xfrm>
+            <a:off x="1528215" y="627026"/>
+            <a:ext cx="2599647" cy="1169551"/>
+          </a:xfrm>
+          <a:prstGeom prst="rect">
+            <a:avLst/>
+          </a:prstGeom>
+          <a:noFill/>
+        </p:spPr>
+        <p:txBody>
+          <a:bodyPr wrap="square" rtlCol="0">
+            <a:spAutoFit/>
+          </a:bodyPr>
+          <a:lstStyle/>
+          <a:p>
+            <a:r>
+              <a:rPr lang="en-US" sz="1400" b="1" dirty="0"/>
+              <a:t>The library is focus on provide different </a:t>
+            </a:r>
+            <a:r>
+              <a:rPr lang="en-US" sz="1400" b="1"/>
+              <a:t>function for </a:t>
+            </a:r>
+            <a:r>
+              <a:rPr lang="en-US" sz="1400" b="1" dirty="0"/>
+              <a:t>simulating the level-0 layer to level-2/3 layer on the OT system </a:t>
+            </a:r>
+            <a:endParaRPr lang="en-SG" sz="1400" b="1" dirty="0"/>
+          </a:p>
+        </p:txBody>
+      </p:sp>
+    </p:spTree>
+    <p:extLst>
+      <p:ext uri="{BB962C8B-B14F-4D97-AF65-F5344CB8AC3E}">
+        <p14:creationId xmlns:p14="http://schemas.microsoft.com/office/powerpoint/2010/main" val="148809856"/>
+      </p:ext>
+    </p:extLst>
+  </p:cSld>
+  <p:clrMapOvr>
+    <a:masterClrMapping/>
+  </p:clrMapOvr>
+</p:sld>
+</file>
+
+<file path=ppt/slides/slide4.xml><?xml version="1.0" encoding="utf-8"?>
 <p:sld xmlns:a="http://schemas.openxmlformats.org/drawingml/2006/main" xmlns:r="http://schemas.openxmlformats.org/officeDocument/2006/relationships" xmlns:p="http://schemas.openxmlformats.org/presentationml/2006/main">
   <p:cSld>
     <p:spTree>
@@ -13784,7 +15982,7 @@
 </p:sld>
 </file>
 
-<file path=ppt/slides/slide4.xml><?xml version="1.0" encoding="utf-8"?>
+<file path=ppt/slides/slide5.xml><?xml version="1.0" encoding="utf-8"?>
 <p:sld xmlns:a="http://schemas.openxmlformats.org/drawingml/2006/main" xmlns:r="http://schemas.openxmlformats.org/officeDocument/2006/relationships" xmlns:p="http://schemas.openxmlformats.org/presentationml/2006/main">
   <p:cSld>
     <p:spTree>
@@ -15600,7 +17798,7 @@
 </p:sld>
 </file>
 
-<file path=ppt/slides/slide5.xml><?xml version="1.0" encoding="utf-8"?>
+<file path=ppt/slides/slide6.xml><?xml version="1.0" encoding="utf-8"?>
 <p:sld xmlns:a="http://schemas.openxmlformats.org/drawingml/2006/main" xmlns:r="http://schemas.openxmlformats.org/officeDocument/2006/relationships" xmlns:p="http://schemas.openxmlformats.org/presentationml/2006/main">
   <p:cSld>
     <p:spTree>
@@ -20297,4 +22495,319 @@
     </a:ext>
   </a:extLst>
 </a:theme>
+</file>
+
+<file path=ppt/theme/theme2.xml><?xml version="1.0" encoding="utf-8"?>
+<a:theme xmlns:a="http://schemas.openxmlformats.org/drawingml/2006/main" name="Office Theme">
+  <a:themeElements>
+    <a:clrScheme name="Office">
+      <a:dk1>
+        <a:sysClr val="windowText" lastClr="000000"/>
+      </a:dk1>
+      <a:lt1>
+        <a:sysClr val="window" lastClr="FFFFFF"/>
+      </a:lt1>
+      <a:dk2>
+        <a:srgbClr val="0E2841"/>
+      </a:dk2>
+      <a:lt2>
+        <a:srgbClr val="E8E8E8"/>
+      </a:lt2>
+      <a:accent1>
+        <a:srgbClr val="156082"/>
+      </a:accent1>
+      <a:accent2>
+        <a:srgbClr val="E97132"/>
+      </a:accent2>
+      <a:accent3>
+        <a:srgbClr val="196B24"/>
+      </a:accent3>
+      <a:accent4>
+        <a:srgbClr val="0F9ED5"/>
+      </a:accent4>
+      <a:accent5>
+        <a:srgbClr val="A02B93"/>
+      </a:accent5>
+      <a:accent6>
+        <a:srgbClr val="4EA72E"/>
+      </a:accent6>
+      <a:hlink>
+        <a:srgbClr val="467886"/>
+      </a:hlink>
+      <a:folHlink>
+        <a:srgbClr val="96607D"/>
+      </a:folHlink>
+    </a:clrScheme>
+    <a:fontScheme name="Office">
+      <a:majorFont>
+        <a:latin typeface="Aptos Display" panose="02110004020202020204"/>
+        <a:ea typeface=""/>
+        <a:cs typeface=""/>
+        <a:font script="Jpan" typeface="游ゴシック Light"/>
+        <a:font script="Hang" typeface="맑은 고딕"/>
+        <a:font script="Hans" typeface="等线 Light"/>
+        <a:font script="Hant" typeface="新細明體"/>
+        <a:font script="Arab" typeface="Times New Roman"/>
+        <a:font script="Hebr" typeface="Times New Roman"/>
+        <a:font script="Thai" typeface="Angsana New"/>
+        <a:font script="Ethi" typeface="Nyala"/>
+        <a:font script="Beng" typeface="Vrinda"/>
+        <a:font script="Gujr" typeface="Shruti"/>
+        <a:font script="Khmr" typeface="MoolBoran"/>
+        <a:font script="Knda" typeface="Tunga"/>
+        <a:font script="Guru" typeface="Raavi"/>
+        <a:font script="Cans" typeface="Euphemia"/>
+        <a:font script="Cher" typeface="Plantagenet Cherokee"/>
+        <a:font script="Yiii" typeface="Microsoft Yi Baiti"/>
+        <a:font script="Tibt" typeface="Microsoft Himalaya"/>
+        <a:font script="Thaa" typeface="MV Boli"/>
+        <a:font script="Deva" typeface="Mangal"/>
+        <a:font script="Telu" typeface="Gautami"/>
+        <a:font script="Taml" typeface="Latha"/>
+        <a:font script="Syrc" typeface="Estrangelo Edessa"/>
+        <a:font script="Orya" typeface="Kalinga"/>
+        <a:font script="Mlym" typeface="Kartika"/>
+        <a:font script="Laoo" typeface="DokChampa"/>
+        <a:font script="Sinh" typeface="Iskoola Pota"/>
+        <a:font script="Mong" typeface="Mongolian Baiti"/>
+        <a:font script="Viet" typeface="Times New Roman"/>
+        <a:font script="Uigh" typeface="Microsoft Uighur"/>
+        <a:font script="Geor" typeface="Sylfaen"/>
+        <a:font script="Armn" typeface="Arial"/>
+        <a:font script="Bugi" typeface="Leelawadee UI"/>
+        <a:font script="Bopo" typeface="Microsoft JhengHei"/>
+        <a:font script="Java" typeface="Javanese Text"/>
+        <a:font script="Lisu" typeface="Segoe UI"/>
+        <a:font script="Mymr" typeface="Myanmar Text"/>
+        <a:font script="Nkoo" typeface="Ebrima"/>
+        <a:font script="Olck" typeface="Nirmala UI"/>
+        <a:font script="Osma" typeface="Ebrima"/>
+        <a:font script="Phag" typeface="Phagspa"/>
+        <a:font script="Syrn" typeface="Estrangelo Edessa"/>
+        <a:font script="Syrj" typeface="Estrangelo Edessa"/>
+        <a:font script="Syre" typeface="Estrangelo Edessa"/>
+        <a:font script="Sora" typeface="Nirmala UI"/>
+        <a:font script="Tale" typeface="Microsoft Tai Le"/>
+        <a:font script="Talu" typeface="Microsoft New Tai Lue"/>
+        <a:font script="Tfng" typeface="Ebrima"/>
+      </a:majorFont>
+      <a:minorFont>
+        <a:latin typeface="Aptos" panose="02110004020202020204"/>
+        <a:ea typeface=""/>
+        <a:cs typeface=""/>
+        <a:font script="Jpan" typeface="游ゴシック"/>
+        <a:font script="Hang" typeface="맑은 고딕"/>
+        <a:font script="Hans" typeface="等线"/>
+        <a:font script="Hant" typeface="新細明體"/>
+        <a:font script="Arab" typeface="Arial"/>
+        <a:font script="Hebr" typeface="Arial"/>
+        <a:font script="Thai" typeface="Cordia New"/>
+        <a:font script="Ethi" typeface="Nyala"/>
+        <a:font script="Beng" typeface="Vrinda"/>
+        <a:font script="Gujr" typeface="Shruti"/>
+        <a:font script="Khmr" typeface="DaunPenh"/>
+        <a:font script="Knda" typeface="Tunga"/>
+        <a:font script="Guru" typeface="Raavi"/>
+        <a:font script="Cans" typeface="Euphemia"/>
+        <a:font script="Cher" typeface="Plantagenet Cherokee"/>
+        <a:font script="Yiii" typeface="Microsoft Yi Baiti"/>
+        <a:font script="Tibt" typeface="Microsoft Himalaya"/>
+        <a:font script="Thaa" typeface="MV Boli"/>
+        <a:font script="Deva" typeface="Mangal"/>
+        <a:font script="Telu" typeface="Gautami"/>
+        <a:font script="Taml" typeface="Latha"/>
+        <a:font script="Syrc" typeface="Estrangelo Edessa"/>
+        <a:font script="Orya" typeface="Kalinga"/>
+        <a:font script="Mlym" typeface="Kartika"/>
+        <a:font script="Laoo" typeface="DokChampa"/>
+        <a:font script="Sinh" typeface="Iskoola Pota"/>
+        <a:font script="Mong" typeface="Mongolian Baiti"/>
+        <a:font script="Viet" typeface="Arial"/>
+        <a:font script="Uigh" typeface="Microsoft Uighur"/>
+        <a:font script="Geor" typeface="Sylfaen"/>
+        <a:font script="Armn" typeface="Arial"/>
+        <a:font script="Bugi" typeface="Leelawadee UI"/>
+        <a:font script="Bopo" typeface="Microsoft JhengHei"/>
+        <a:font script="Java" typeface="Javanese Text"/>
+        <a:font script="Lisu" typeface="Segoe UI"/>
+        <a:font script="Mymr" typeface="Myanmar Text"/>
+        <a:font script="Nkoo" typeface="Ebrima"/>
+        <a:font script="Olck" typeface="Nirmala UI"/>
+        <a:font script="Osma" typeface="Ebrima"/>
+        <a:font script="Phag" typeface="Phagspa"/>
+        <a:font script="Syrn" typeface="Estrangelo Edessa"/>
+        <a:font script="Syrj" typeface="Estrangelo Edessa"/>
+        <a:font script="Syre" typeface="Estrangelo Edessa"/>
+        <a:font script="Sora" typeface="Nirmala UI"/>
+        <a:font script="Tale" typeface="Microsoft Tai Le"/>
+        <a:font script="Talu" typeface="Microsoft New Tai Lue"/>
+        <a:font script="Tfng" typeface="Ebrima"/>
+      </a:minorFont>
+    </a:fontScheme>
+    <a:fmtScheme name="Office">
+      <a:fillStyleLst>
+        <a:solidFill>
+          <a:schemeClr val="phClr"/>
+        </a:solidFill>
+        <a:gradFill rotWithShape="1">
+          <a:gsLst>
+            <a:gs pos="0">
+              <a:schemeClr val="phClr">
+                <a:lumMod val="110000"/>
+                <a:satMod val="105000"/>
+                <a:tint val="67000"/>
+              </a:schemeClr>
+            </a:gs>
+            <a:gs pos="50000">
+              <a:schemeClr val="phClr">
+                <a:lumMod val="105000"/>
+                <a:satMod val="103000"/>
+                <a:tint val="73000"/>
+              </a:schemeClr>
+            </a:gs>
+            <a:gs pos="100000">
+              <a:schemeClr val="phClr">
+                <a:lumMod val="105000"/>
+                <a:satMod val="109000"/>
+                <a:tint val="81000"/>
+              </a:schemeClr>
+            </a:gs>
+          </a:gsLst>
+          <a:lin ang="5400000" scaled="0"/>
+        </a:gradFill>
+        <a:gradFill rotWithShape="1">
+          <a:gsLst>
+            <a:gs pos="0">
+              <a:schemeClr val="phClr">
+                <a:satMod val="103000"/>
+                <a:lumMod val="102000"/>
+                <a:tint val="94000"/>
+              </a:schemeClr>
+            </a:gs>
+            <a:gs pos="50000">
+              <a:schemeClr val="phClr">
+                <a:satMod val="110000"/>
+                <a:lumMod val="100000"/>
+                <a:shade val="100000"/>
+              </a:schemeClr>
+            </a:gs>
+            <a:gs pos="100000">
+              <a:schemeClr val="phClr">
+                <a:lumMod val="99000"/>
+                <a:satMod val="120000"/>
+                <a:shade val="78000"/>
+              </a:schemeClr>
+            </a:gs>
+          </a:gsLst>
+          <a:lin ang="5400000" scaled="0"/>
+        </a:gradFill>
+      </a:fillStyleLst>
+      <a:lnStyleLst>
+        <a:ln w="12700" cap="flat" cmpd="sng" algn="ctr">
+          <a:solidFill>
+            <a:schemeClr val="phClr"/>
+          </a:solidFill>
+          <a:prstDash val="solid"/>
+          <a:miter lim="800000"/>
+        </a:ln>
+        <a:ln w="19050" cap="flat" cmpd="sng" algn="ctr">
+          <a:solidFill>
+            <a:schemeClr val="phClr"/>
+          </a:solidFill>
+          <a:prstDash val="solid"/>
+          <a:miter lim="800000"/>
+        </a:ln>
+        <a:ln w="25400" cap="flat" cmpd="sng" algn="ctr">
+          <a:solidFill>
+            <a:schemeClr val="phClr"/>
+          </a:solidFill>
+          <a:prstDash val="solid"/>
+          <a:miter lim="800000"/>
+        </a:ln>
+      </a:lnStyleLst>
+      <a:effectStyleLst>
+        <a:effectStyle>
+          <a:effectLst/>
+        </a:effectStyle>
+        <a:effectStyle>
+          <a:effectLst/>
+        </a:effectStyle>
+        <a:effectStyle>
+          <a:effectLst>
+            <a:outerShdw blurRad="57150" dist="19050" dir="5400000" algn="ctr" rotWithShape="0">
+              <a:srgbClr val="000000">
+                <a:alpha val="63000"/>
+              </a:srgbClr>
+            </a:outerShdw>
+          </a:effectLst>
+        </a:effectStyle>
+      </a:effectStyleLst>
+      <a:bgFillStyleLst>
+        <a:solidFill>
+          <a:schemeClr val="phClr"/>
+        </a:solidFill>
+        <a:solidFill>
+          <a:schemeClr val="phClr">
+            <a:tint val="95000"/>
+            <a:satMod val="170000"/>
+          </a:schemeClr>
+        </a:solidFill>
+        <a:gradFill rotWithShape="1">
+          <a:gsLst>
+            <a:gs pos="0">
+              <a:schemeClr val="phClr">
+                <a:tint val="93000"/>
+                <a:satMod val="150000"/>
+                <a:shade val="98000"/>
+                <a:lumMod val="102000"/>
+              </a:schemeClr>
+            </a:gs>
+            <a:gs pos="50000">
+              <a:schemeClr val="phClr">
+                <a:tint val="98000"/>
+                <a:satMod val="130000"/>
+                <a:shade val="90000"/>
+                <a:lumMod val="103000"/>
+              </a:schemeClr>
+            </a:gs>
+            <a:gs pos="100000">
+              <a:schemeClr val="phClr">
+                <a:shade val="63000"/>
+                <a:satMod val="120000"/>
+              </a:schemeClr>
+            </a:gs>
+          </a:gsLst>
+          <a:lin ang="5400000" scaled="0"/>
+        </a:gradFill>
+      </a:bgFillStyleLst>
+    </a:fmtScheme>
+  </a:themeElements>
+  <a:objectDefaults>
+    <a:lnDef>
+      <a:spPr/>
+      <a:bodyPr/>
+      <a:lstStyle/>
+      <a:style>
+        <a:lnRef idx="2">
+          <a:schemeClr val="accent1"/>
+        </a:lnRef>
+        <a:fillRef idx="0">
+          <a:schemeClr val="accent1"/>
+        </a:fillRef>
+        <a:effectRef idx="1">
+          <a:schemeClr val="accent1"/>
+        </a:effectRef>
+        <a:fontRef idx="minor">
+          <a:schemeClr val="tx1"/>
+        </a:fontRef>
+      </a:style>
+    </a:lnDef>
+  </a:objectDefaults>
+  <a:extraClrSchemeLst/>
+  <a:extLst>
+    <a:ext uri="{05A4C25C-085E-4340-85A3-A5531E510DB2}">
+      <thm15:themeFamily xmlns:thm15="http://schemas.microsoft.com/office/thememl/2012/main" name="Office Theme" id="{2E142A2C-CD16-42D6-873A-C26D2A0506FA}" vid="{1BDDFF52-6CD6-40A5-AB3C-68EB2F1E4D0A}"/>
+    </a:ext>
+  </a:extLst>
+</a:theme>
 </file>
--- a/doc/designDoc.pptx
+++ b/doc/designDoc.pptx
@@ -206,7 +206,7 @@
           <a:p>
             <a:fld id="{CA98FC0A-A656-46B8-8BCE-B9957593F2EC}" type="datetimeFigureOut">
               <a:rPr lang="en-SG" smtClean="0"/>
-              <a:t>28/6/2024</a:t>
+              <a:t>29/6/2024</a:t>
             </a:fld>
             <a:endParaRPr lang="en-SG"/>
           </a:p>
@@ -707,7 +707,7 @@
           <a:p>
             <a:fld id="{F953FF10-B1B6-4147-A9BC-BC236B7E3AD4}" type="datetimeFigureOut">
               <a:rPr lang="en-SG" smtClean="0"/>
-              <a:t>28/6/2024</a:t>
+              <a:t>29/6/2024</a:t>
             </a:fld>
             <a:endParaRPr lang="en-SG"/>
           </a:p>
@@ -907,7 +907,7 @@
           <a:p>
             <a:fld id="{F953FF10-B1B6-4147-A9BC-BC236B7E3AD4}" type="datetimeFigureOut">
               <a:rPr lang="en-SG" smtClean="0"/>
-              <a:t>28/6/2024</a:t>
+              <a:t>29/6/2024</a:t>
             </a:fld>
             <a:endParaRPr lang="en-SG"/>
           </a:p>
@@ -1117,7 +1117,7 @@
           <a:p>
             <a:fld id="{F953FF10-B1B6-4147-A9BC-BC236B7E3AD4}" type="datetimeFigureOut">
               <a:rPr lang="en-SG" smtClean="0"/>
-              <a:t>28/6/2024</a:t>
+              <a:t>29/6/2024</a:t>
             </a:fld>
             <a:endParaRPr lang="en-SG"/>
           </a:p>
@@ -1317,7 +1317,7 @@
           <a:p>
             <a:fld id="{F953FF10-B1B6-4147-A9BC-BC236B7E3AD4}" type="datetimeFigureOut">
               <a:rPr lang="en-SG" smtClean="0"/>
-              <a:t>28/6/2024</a:t>
+              <a:t>29/6/2024</a:t>
             </a:fld>
             <a:endParaRPr lang="en-SG"/>
           </a:p>
@@ -1593,7 +1593,7 @@
           <a:p>
             <a:fld id="{F953FF10-B1B6-4147-A9BC-BC236B7E3AD4}" type="datetimeFigureOut">
               <a:rPr lang="en-SG" smtClean="0"/>
-              <a:t>28/6/2024</a:t>
+              <a:t>29/6/2024</a:t>
             </a:fld>
             <a:endParaRPr lang="en-SG"/>
           </a:p>
@@ -1861,7 +1861,7 @@
           <a:p>
             <a:fld id="{F953FF10-B1B6-4147-A9BC-BC236B7E3AD4}" type="datetimeFigureOut">
               <a:rPr lang="en-SG" smtClean="0"/>
-              <a:t>28/6/2024</a:t>
+              <a:t>29/6/2024</a:t>
             </a:fld>
             <a:endParaRPr lang="en-SG"/>
           </a:p>
@@ -2276,7 +2276,7 @@
           <a:p>
             <a:fld id="{F953FF10-B1B6-4147-A9BC-BC236B7E3AD4}" type="datetimeFigureOut">
               <a:rPr lang="en-SG" smtClean="0"/>
-              <a:t>28/6/2024</a:t>
+              <a:t>29/6/2024</a:t>
             </a:fld>
             <a:endParaRPr lang="en-SG"/>
           </a:p>
@@ -2418,7 +2418,7 @@
           <a:p>
             <a:fld id="{F953FF10-B1B6-4147-A9BC-BC236B7E3AD4}" type="datetimeFigureOut">
               <a:rPr lang="en-SG" smtClean="0"/>
-              <a:t>28/6/2024</a:t>
+              <a:t>29/6/2024</a:t>
             </a:fld>
             <a:endParaRPr lang="en-SG"/>
           </a:p>
@@ -2531,7 +2531,7 @@
           <a:p>
             <a:fld id="{F953FF10-B1B6-4147-A9BC-BC236B7E3AD4}" type="datetimeFigureOut">
               <a:rPr lang="en-SG" smtClean="0"/>
-              <a:t>28/6/2024</a:t>
+              <a:t>29/6/2024</a:t>
             </a:fld>
             <a:endParaRPr lang="en-SG"/>
           </a:p>
@@ -2844,7 +2844,7 @@
           <a:p>
             <a:fld id="{F953FF10-B1B6-4147-A9BC-BC236B7E3AD4}" type="datetimeFigureOut">
               <a:rPr lang="en-SG" smtClean="0"/>
-              <a:t>28/6/2024</a:t>
+              <a:t>29/6/2024</a:t>
             </a:fld>
             <a:endParaRPr lang="en-SG"/>
           </a:p>
@@ -3133,7 +3133,7 @@
           <a:p>
             <a:fld id="{F953FF10-B1B6-4147-A9BC-BC236B7E3AD4}" type="datetimeFigureOut">
               <a:rPr lang="en-SG" smtClean="0"/>
-              <a:t>28/6/2024</a:t>
+              <a:t>29/6/2024</a:t>
             </a:fld>
             <a:endParaRPr lang="en-SG"/>
           </a:p>
@@ -3376,7 +3376,7 @@
           <a:p>
             <a:fld id="{F953FF10-B1B6-4147-A9BC-BC236B7E3AD4}" type="datetimeFigureOut">
               <a:rPr lang="en-SG" smtClean="0"/>
-              <a:t>28/6/2024</a:t>
+              <a:t>29/6/2024</a:t>
             </a:fld>
             <a:endParaRPr lang="en-SG"/>
           </a:p>
@@ -22203,6 +22203,56 @@
           <a:chExt cx="0" cy="0"/>
         </a:xfrm>
       </p:grpSpPr>
+      <p:sp>
+        <p:nvSpPr>
+          <p:cNvPr id="4" name="Rectangle 3">
+            <a:extLst>
+              <a:ext uri="{FF2B5EF4-FFF2-40B4-BE49-F238E27FC236}">
+                <a16:creationId xmlns:a16="http://schemas.microsoft.com/office/drawing/2014/main" id="{B68081F3-FB43-94D6-5BDD-32B6477220F2}"/>
+              </a:ext>
+            </a:extLst>
+          </p:cNvPr>
+          <p:cNvSpPr/>
+          <p:nvPr/>
+        </p:nvSpPr>
+        <p:spPr>
+          <a:xfrm>
+            <a:off x="1953928" y="1164657"/>
+            <a:ext cx="6766560" cy="3869356"/>
+          </a:xfrm>
+          <a:prstGeom prst="rect">
+            <a:avLst/>
+          </a:prstGeom>
+          <a:noFill/>
+          <a:ln>
+            <a:prstDash val="sysDash"/>
+          </a:ln>
+        </p:spPr>
+        <p:style>
+          <a:lnRef idx="2">
+            <a:schemeClr val="accent1">
+              <a:shade val="15000"/>
+            </a:schemeClr>
+          </a:lnRef>
+          <a:fillRef idx="1">
+            <a:schemeClr val="accent1"/>
+          </a:fillRef>
+          <a:effectRef idx="0">
+            <a:schemeClr val="accent1"/>
+          </a:effectRef>
+          <a:fontRef idx="minor">
+            <a:schemeClr val="lt1"/>
+          </a:fontRef>
+        </p:style>
+        <p:txBody>
+          <a:bodyPr rtlCol="0" anchor="ctr"/>
+          <a:lstStyle/>
+          <a:p>
+            <a:pPr algn="ctr"/>
+            <a:endParaRPr lang="en-SG"/>
+          </a:p>
+        </p:txBody>
+      </p:sp>
       <p:pic>
         <p:nvPicPr>
           <p:cNvPr id="5" name="Picture 4">
@@ -22416,7 +22466,7 @@
         </p:nvCxnSpPr>
         <p:spPr>
           <a:xfrm>
-            <a:off x="3760237" y="3700272"/>
+            <a:off x="3760237" y="3709897"/>
             <a:ext cx="1617499" cy="0"/>
           </a:xfrm>
           <a:prstGeom prst="straightConnector1">
@@ -22970,7 +23020,13 @@
           <a:lstStyle/>
           <a:p>
             <a:r>
-              <a:rPr lang="en-SG" sz="1200" b="1" dirty="0"/>
+              <a:rPr lang="en-SG" sz="1200" b="1" dirty="0">
+                <a:solidFill>
+                  <a:schemeClr val="accent2">
+                    <a:lumMod val="75000"/>
+                  </a:schemeClr>
+                </a:solidFill>
+              </a:rPr>
               <a:t>Electrical signals </a:t>
             </a:r>
           </a:p>
@@ -23161,7 +23217,7 @@
           <a:p>
             <a:r>
               <a:rPr lang="en-SG" sz="1200" b="1" dirty="0"/>
-              <a:t>Signal</a:t>
+              <a:t>Signals</a:t>
             </a:r>
           </a:p>
         </p:txBody>
@@ -23180,7 +23236,7 @@
         </p:nvSpPr>
         <p:spPr>
           <a:xfrm>
-            <a:off x="2537854" y="3682258"/>
+            <a:off x="2525967" y="2314237"/>
             <a:ext cx="1175788" cy="461665"/>
           </a:xfrm>
           <a:prstGeom prst="rect">
@@ -23232,9 +23288,7 @@
             <a:r>
               <a:rPr lang="en-SG" sz="1200" b="1" dirty="0">
                 <a:solidFill>
-                  <a:schemeClr val="accent4">
-                    <a:lumMod val="75000"/>
-                  </a:schemeClr>
+                  <a:srgbClr val="0070C0"/>
                 </a:solidFill>
               </a:rPr>
               <a:t>SCADA Network</a:t>
@@ -23332,7 +23386,7 @@
           <a:p>
             <a:r>
               <a:rPr lang="en-SG" sz="1200" b="1" dirty="0"/>
-              <a:t>Motor</a:t>
+              <a:t>Motors</a:t>
             </a:r>
           </a:p>
         </p:txBody>
@@ -23427,8 +23481,100 @@
           <a:p>
             <a:r>
               <a:rPr lang="en-SG" sz="1200" b="1" dirty="0"/>
-              <a:t>Pump</a:t>
+              <a:t>Pumps</a:t>
             </a:r>
+          </a:p>
+        </p:txBody>
+      </p:sp>
+      <p:sp>
+        <p:nvSpPr>
+          <p:cNvPr id="2" name="TextBox 1">
+            <a:extLst>
+              <a:ext uri="{FF2B5EF4-FFF2-40B4-BE49-F238E27FC236}">
+                <a16:creationId xmlns:a16="http://schemas.microsoft.com/office/drawing/2014/main" id="{6E08DDEB-00FA-2F45-E8FF-10DD130F1164}"/>
+              </a:ext>
+            </a:extLst>
+          </p:cNvPr>
+          <p:cNvSpPr txBox="1"/>
+          <p:nvPr/>
+        </p:nvSpPr>
+        <p:spPr>
+          <a:xfrm>
+            <a:off x="4295139" y="2466809"/>
+            <a:ext cx="1175788" cy="276999"/>
+          </a:xfrm>
+          <a:prstGeom prst="rect">
+            <a:avLst/>
+          </a:prstGeom>
+          <a:noFill/>
+        </p:spPr>
+        <p:txBody>
+          <a:bodyPr wrap="square" rtlCol="0">
+            <a:spAutoFit/>
+          </a:bodyPr>
+          <a:lstStyle/>
+          <a:p>
+            <a:r>
+              <a:rPr lang="en-US" sz="1200" b="1" dirty="0">
+                <a:solidFill>
+                  <a:schemeClr val="accent6">
+                    <a:lumMod val="50000"/>
+                  </a:schemeClr>
+                </a:solidFill>
+              </a:rPr>
+              <a:t>Modbus-TCP</a:t>
+            </a:r>
+            <a:endParaRPr lang="en-SG" sz="1200" b="1" dirty="0">
+              <a:solidFill>
+                <a:schemeClr val="accent6">
+                  <a:lumMod val="50000"/>
+                </a:schemeClr>
+              </a:solidFill>
+            </a:endParaRPr>
+          </a:p>
+        </p:txBody>
+      </p:sp>
+      <p:sp>
+        <p:nvSpPr>
+          <p:cNvPr id="3" name="TextBox 2">
+            <a:extLst>
+              <a:ext uri="{FF2B5EF4-FFF2-40B4-BE49-F238E27FC236}">
+                <a16:creationId xmlns:a16="http://schemas.microsoft.com/office/drawing/2014/main" id="{87677088-D7C6-CB05-F3BD-D1EF748ABB06}"/>
+              </a:ext>
+            </a:extLst>
+          </p:cNvPr>
+          <p:cNvSpPr txBox="1"/>
+          <p:nvPr/>
+        </p:nvSpPr>
+        <p:spPr>
+          <a:xfrm>
+            <a:off x="4368818" y="3742765"/>
+            <a:ext cx="1175788" cy="276999"/>
+          </a:xfrm>
+          <a:prstGeom prst="rect">
+            <a:avLst/>
+          </a:prstGeom>
+          <a:noFill/>
+        </p:spPr>
+        <p:txBody>
+          <a:bodyPr wrap="square" rtlCol="0">
+            <a:spAutoFit/>
+          </a:bodyPr>
+          <a:lstStyle/>
+          <a:p>
+            <a:r>
+              <a:rPr lang="en-US" sz="1200" b="1" dirty="0">
+                <a:solidFill>
+                  <a:srgbClr val="0070C0"/>
+                </a:solidFill>
+              </a:rPr>
+              <a:t>S7Comm</a:t>
+            </a:r>
+            <a:endParaRPr lang="en-SG" sz="1200" b="1" dirty="0">
+              <a:solidFill>
+                <a:srgbClr val="0070C0"/>
+              </a:solidFill>
+            </a:endParaRPr>
           </a:p>
         </p:txBody>
       </p:sp>
@@ -24596,7 +24742,7 @@
         </p:nvSpPr>
         <p:spPr>
           <a:xfrm>
-            <a:off x="3050005" y="3734495"/>
+            <a:off x="2888351" y="3507029"/>
             <a:ext cx="552010" cy="276999"/>
           </a:xfrm>
           <a:prstGeom prst="rect">
@@ -24941,8 +25087,8 @@
         </p:nvCxnSpPr>
         <p:spPr>
           <a:xfrm rot="16200000" flipH="1">
-            <a:off x="2373402" y="3196392"/>
-            <a:ext cx="1207630" cy="145576"/>
+            <a:off x="2338548" y="3095726"/>
+            <a:ext cx="979994" cy="119612"/>
           </a:xfrm>
           <a:prstGeom prst="bentConnector2">
             <a:avLst/>
@@ -24983,8 +25129,8 @@
         </p:nvCxnSpPr>
         <p:spPr>
           <a:xfrm rot="16200000" flipH="1">
-            <a:off x="1651929" y="3193784"/>
-            <a:ext cx="1183188" cy="178111"/>
+            <a:off x="1623413" y="3072730"/>
+            <a:ext cx="947222" cy="156932"/>
           </a:xfrm>
           <a:prstGeom prst="bentConnector2">
             <a:avLst/>
@@ -25022,7 +25168,7 @@
         </p:nvSpPr>
         <p:spPr>
           <a:xfrm>
-            <a:off x="2332579" y="3735934"/>
+            <a:off x="2175490" y="3486307"/>
             <a:ext cx="552010" cy="276999"/>
           </a:xfrm>
           <a:prstGeom prst="rect">
@@ -25495,7 +25641,7 @@
           <p:nvPr>
             <p:extLst>
               <p:ext uri="{D42A27DB-BD31-4B8C-83A1-F6EECF244321}">
-                <p14:modId xmlns:p14="http://schemas.microsoft.com/office/powerpoint/2010/main" val="797039819"/>
+                <p14:modId xmlns:p14="http://schemas.microsoft.com/office/powerpoint/2010/main" val="836521037"/>
               </p:ext>
             </p:extLst>
           </p:nvPr>
@@ -25643,7 +25789,7 @@
                       </a:pPr>
                       <a:r>
                         <a:rPr lang="en-US" sz="900" dirty="0"/>
-                        <a:t>( 1 bytes ) </a:t>
+                        <a:t>( 2 bytes ) </a:t>
                       </a:r>
                       <a:endParaRPr lang="en-SG" sz="900" dirty="0"/>
                     </a:p>
@@ -25674,7 +25820,7 @@
                       </a:pPr>
                       <a:r>
                         <a:rPr lang="en-US" sz="900" dirty="0"/>
-                        <a:t>( 2 bytes ) </a:t>
+                        <a:t>( 1 bytes ) </a:t>
                       </a:r>
                       <a:endParaRPr lang="en-SG" sz="900" dirty="0"/>
                     </a:p>
@@ -25974,7 +26120,7 @@
         </p:nvCxnSpPr>
         <p:spPr>
           <a:xfrm rot="16200000" flipH="1">
-            <a:off x="8056665" y="3406285"/>
+            <a:off x="7401814" y="3416065"/>
             <a:ext cx="235746" cy="143676"/>
           </a:xfrm>
           <a:prstGeom prst="bentConnector2">
@@ -26013,7 +26159,7 @@
         </p:nvSpPr>
         <p:spPr>
           <a:xfrm>
-            <a:off x="8246376" y="3457496"/>
+            <a:off x="7591525" y="3467276"/>
             <a:ext cx="552010" cy="276999"/>
           </a:xfrm>
           <a:prstGeom prst="rect">
@@ -26070,7 +26216,7 @@
         </p:nvCxnSpPr>
         <p:spPr>
           <a:xfrm rot="16200000" flipH="1">
-            <a:off x="7379366" y="3421838"/>
+            <a:off x="8192931" y="3435203"/>
             <a:ext cx="235746" cy="143676"/>
           </a:xfrm>
           <a:prstGeom prst="bentConnector2">
@@ -26109,7 +26255,7 @@
         </p:nvSpPr>
         <p:spPr>
           <a:xfrm>
-            <a:off x="7569077" y="3473049"/>
+            <a:off x="8382642" y="3486414"/>
             <a:ext cx="552010" cy="276999"/>
           </a:xfrm>
           <a:prstGeom prst="rect">

--- a/doc/designDoc.pptx
+++ b/doc/designDoc.pptx
@@ -5,7 +5,7 @@
     <p:sldMasterId id="2147483648" r:id="rId1"/>
   </p:sldMasterIdLst>
   <p:notesMasterIdLst>
-    <p:notesMasterId r:id="rId12"/>
+    <p:notesMasterId r:id="rId13"/>
   </p:notesMasterIdLst>
   <p:sldIdLst>
     <p:sldId id="256" r:id="rId2"/>
@@ -18,6 +18,7 @@
     <p:sldId id="264" r:id="rId9"/>
     <p:sldId id="265" r:id="rId10"/>
     <p:sldId id="259" r:id="rId11"/>
+    <p:sldId id="266" r:id="rId12"/>
   </p:sldIdLst>
   <p:sldSz cx="12192000" cy="6858000"/>
   <p:notesSz cx="6858000" cy="9144000"/>
@@ -206,7 +207,7 @@
           <a:p>
             <a:fld id="{CA98FC0A-A656-46B8-8BCE-B9957593F2EC}" type="datetimeFigureOut">
               <a:rPr lang="en-SG" smtClean="0"/>
-              <a:t>29/6/2024</a:t>
+              <a:t>16/4/2025</a:t>
             </a:fld>
             <a:endParaRPr lang="en-SG"/>
           </a:p>
@@ -707,7 +708,7 @@
           <a:p>
             <a:fld id="{F953FF10-B1B6-4147-A9BC-BC236B7E3AD4}" type="datetimeFigureOut">
               <a:rPr lang="en-SG" smtClean="0"/>
-              <a:t>29/6/2024</a:t>
+              <a:t>16/4/2025</a:t>
             </a:fld>
             <a:endParaRPr lang="en-SG"/>
           </a:p>
@@ -907,7 +908,7 @@
           <a:p>
             <a:fld id="{F953FF10-B1B6-4147-A9BC-BC236B7E3AD4}" type="datetimeFigureOut">
               <a:rPr lang="en-SG" smtClean="0"/>
-              <a:t>29/6/2024</a:t>
+              <a:t>16/4/2025</a:t>
             </a:fld>
             <a:endParaRPr lang="en-SG"/>
           </a:p>
@@ -1117,7 +1118,7 @@
           <a:p>
             <a:fld id="{F953FF10-B1B6-4147-A9BC-BC236B7E3AD4}" type="datetimeFigureOut">
               <a:rPr lang="en-SG" smtClean="0"/>
-              <a:t>29/6/2024</a:t>
+              <a:t>16/4/2025</a:t>
             </a:fld>
             <a:endParaRPr lang="en-SG"/>
           </a:p>
@@ -1317,7 +1318,7 @@
           <a:p>
             <a:fld id="{F953FF10-B1B6-4147-A9BC-BC236B7E3AD4}" type="datetimeFigureOut">
               <a:rPr lang="en-SG" smtClean="0"/>
-              <a:t>29/6/2024</a:t>
+              <a:t>16/4/2025</a:t>
             </a:fld>
             <a:endParaRPr lang="en-SG"/>
           </a:p>
@@ -1593,7 +1594,7 @@
           <a:p>
             <a:fld id="{F953FF10-B1B6-4147-A9BC-BC236B7E3AD4}" type="datetimeFigureOut">
               <a:rPr lang="en-SG" smtClean="0"/>
-              <a:t>29/6/2024</a:t>
+              <a:t>16/4/2025</a:t>
             </a:fld>
             <a:endParaRPr lang="en-SG"/>
           </a:p>
@@ -1861,7 +1862,7 @@
           <a:p>
             <a:fld id="{F953FF10-B1B6-4147-A9BC-BC236B7E3AD4}" type="datetimeFigureOut">
               <a:rPr lang="en-SG" smtClean="0"/>
-              <a:t>29/6/2024</a:t>
+              <a:t>16/4/2025</a:t>
             </a:fld>
             <a:endParaRPr lang="en-SG"/>
           </a:p>
@@ -2276,7 +2277,7 @@
           <a:p>
             <a:fld id="{F953FF10-B1B6-4147-A9BC-BC236B7E3AD4}" type="datetimeFigureOut">
               <a:rPr lang="en-SG" smtClean="0"/>
-              <a:t>29/6/2024</a:t>
+              <a:t>16/4/2025</a:t>
             </a:fld>
             <a:endParaRPr lang="en-SG"/>
           </a:p>
@@ -2418,7 +2419,7 @@
           <a:p>
             <a:fld id="{F953FF10-B1B6-4147-A9BC-BC236B7E3AD4}" type="datetimeFigureOut">
               <a:rPr lang="en-SG" smtClean="0"/>
-              <a:t>29/6/2024</a:t>
+              <a:t>16/4/2025</a:t>
             </a:fld>
             <a:endParaRPr lang="en-SG"/>
           </a:p>
@@ -2531,7 +2532,7 @@
           <a:p>
             <a:fld id="{F953FF10-B1B6-4147-A9BC-BC236B7E3AD4}" type="datetimeFigureOut">
               <a:rPr lang="en-SG" smtClean="0"/>
-              <a:t>29/6/2024</a:t>
+              <a:t>16/4/2025</a:t>
             </a:fld>
             <a:endParaRPr lang="en-SG"/>
           </a:p>
@@ -2844,7 +2845,7 @@
           <a:p>
             <a:fld id="{F953FF10-B1B6-4147-A9BC-BC236B7E3AD4}" type="datetimeFigureOut">
               <a:rPr lang="en-SG" smtClean="0"/>
-              <a:t>29/6/2024</a:t>
+              <a:t>16/4/2025</a:t>
             </a:fld>
             <a:endParaRPr lang="en-SG"/>
           </a:p>
@@ -3133,7 +3134,7 @@
           <a:p>
             <a:fld id="{F953FF10-B1B6-4147-A9BC-BC236B7E3AD4}" type="datetimeFigureOut">
               <a:rPr lang="en-SG" smtClean="0"/>
-              <a:t>29/6/2024</a:t>
+              <a:t>16/4/2025</a:t>
             </a:fld>
             <a:endParaRPr lang="en-SG"/>
           </a:p>
@@ -3376,7 +3377,7 @@
           <a:p>
             <a:fld id="{F953FF10-B1B6-4147-A9BC-BC236B7E3AD4}" type="datetimeFigureOut">
               <a:rPr lang="en-SG" smtClean="0"/>
-              <a:t>29/6/2024</a:t>
+              <a:t>16/4/2025</a:t>
             </a:fld>
             <a:endParaRPr lang="en-SG"/>
           </a:p>
@@ -11283,6 +11284,2037 @@
     <p:extLst>
       <p:ext uri="{BB962C8B-B14F-4D97-AF65-F5344CB8AC3E}">
         <p14:creationId xmlns:p14="http://schemas.microsoft.com/office/powerpoint/2010/main" val="1039190101"/>
+      </p:ext>
+    </p:extLst>
+  </p:cSld>
+  <p:clrMapOvr>
+    <a:masterClrMapping/>
+  </p:clrMapOvr>
+</p:sld>
+</file>
+
+<file path=ppt/slides/slide11.xml><?xml version="1.0" encoding="utf-8"?>
+<p:sld xmlns:a="http://schemas.openxmlformats.org/drawingml/2006/main" xmlns:r="http://schemas.openxmlformats.org/officeDocument/2006/relationships" xmlns:p="http://schemas.openxmlformats.org/presentationml/2006/main">
+  <p:cSld>
+    <p:spTree>
+      <p:nvGrpSpPr>
+        <p:cNvPr id="1" name=""/>
+        <p:cNvGrpSpPr/>
+        <p:nvPr/>
+      </p:nvGrpSpPr>
+      <p:grpSpPr>
+        <a:xfrm>
+          <a:off x="0" y="0"/>
+          <a:ext cx="0" cy="0"/>
+          <a:chOff x="0" y="0"/>
+          <a:chExt cx="0" cy="0"/>
+        </a:xfrm>
+      </p:grpSpPr>
+      <p:sp>
+        <p:nvSpPr>
+          <p:cNvPr id="2" name="Rectangle 1">
+            <a:extLst>
+              <a:ext uri="{FF2B5EF4-FFF2-40B4-BE49-F238E27FC236}">
+                <a16:creationId xmlns:a16="http://schemas.microsoft.com/office/drawing/2014/main" id="{DE96234B-80A7-2EE0-4853-28E53BE4995E}"/>
+              </a:ext>
+            </a:extLst>
+          </p:cNvPr>
+          <p:cNvSpPr/>
+          <p:nvPr/>
+        </p:nvSpPr>
+        <p:spPr>
+          <a:xfrm>
+            <a:off x="1115568" y="1005840"/>
+            <a:ext cx="8403336" cy="5111496"/>
+          </a:xfrm>
+          <a:prstGeom prst="rect">
+            <a:avLst/>
+          </a:prstGeom>
+          <a:solidFill>
+            <a:schemeClr val="bg2">
+              <a:lumMod val="50000"/>
+            </a:schemeClr>
+          </a:solidFill>
+        </p:spPr>
+        <p:style>
+          <a:lnRef idx="2">
+            <a:schemeClr val="accent1">
+              <a:shade val="15000"/>
+            </a:schemeClr>
+          </a:lnRef>
+          <a:fillRef idx="1">
+            <a:schemeClr val="accent1"/>
+          </a:fillRef>
+          <a:effectRef idx="0">
+            <a:schemeClr val="accent1"/>
+          </a:effectRef>
+          <a:fontRef idx="minor">
+            <a:schemeClr val="lt1"/>
+          </a:fontRef>
+        </p:style>
+        <p:txBody>
+          <a:bodyPr rtlCol="0" anchor="ctr"/>
+          <a:lstStyle/>
+          <a:p>
+            <a:pPr algn="ctr"/>
+            <a:endParaRPr lang="en-SG" dirty="0"/>
+          </a:p>
+        </p:txBody>
+      </p:sp>
+      <p:pic>
+        <p:nvPicPr>
+          <p:cNvPr id="35" name="Picture 2" descr="Train Side View: Over 3,932 Royalty-Free Licensable Stock Illustrations &amp;  Drawings | Shutterstock">
+            <a:extLst>
+              <a:ext uri="{FF2B5EF4-FFF2-40B4-BE49-F238E27FC236}">
+                <a16:creationId xmlns:a16="http://schemas.microsoft.com/office/drawing/2014/main" id="{130A0340-123F-85B3-4FA1-F63CE05A179A}"/>
+              </a:ext>
+            </a:extLst>
+          </p:cNvPr>
+          <p:cNvPicPr>
+            <a:picLocks noChangeAspect="1" noChangeArrowheads="1"/>
+          </p:cNvPicPr>
+          <p:nvPr/>
+        </p:nvPicPr>
+        <p:blipFill rotWithShape="1">
+          <a:blip r:embed="rId2">
+            <a:alphaModFix/>
+            <a:extLst>
+              <a:ext uri="{28A0092B-C50C-407E-A947-70E740481C1C}">
+                <a14:useLocalDpi xmlns:a14="http://schemas.microsoft.com/office/drawing/2010/main" val="0"/>
+              </a:ext>
+            </a:extLst>
+          </a:blip>
+          <a:srcRect t="18869" b="33339"/>
+          <a:stretch/>
+        </p:blipFill>
+        <p:spPr bwMode="auto">
+          <a:xfrm flipH="1">
+            <a:off x="2085562" y="2706729"/>
+            <a:ext cx="5674025" cy="1668781"/>
+          </a:xfrm>
+          <a:prstGeom prst="rect">
+            <a:avLst/>
+          </a:prstGeom>
+          <a:noFill/>
+          <a:extLst>
+            <a:ext uri="{909E8E84-426E-40DD-AFC4-6F175D3DCCD1}">
+              <a14:hiddenFill xmlns:a14="http://schemas.microsoft.com/office/drawing/2010/main">
+                <a:solidFill>
+                  <a:srgbClr val="FFFFFF"/>
+                </a:solidFill>
+              </a14:hiddenFill>
+            </a:ext>
+          </a:extLst>
+        </p:spPr>
+      </p:pic>
+      <p:sp>
+        <p:nvSpPr>
+          <p:cNvPr id="36" name="Isosceles Triangle 35">
+            <a:extLst>
+              <a:ext uri="{FF2B5EF4-FFF2-40B4-BE49-F238E27FC236}">
+                <a16:creationId xmlns:a16="http://schemas.microsoft.com/office/drawing/2014/main" id="{C914C5ED-2A95-7010-5F96-FA24819D8749}"/>
+              </a:ext>
+            </a:extLst>
+          </p:cNvPr>
+          <p:cNvSpPr/>
+          <p:nvPr/>
+        </p:nvSpPr>
+        <p:spPr>
+          <a:xfrm rot="16200000">
+            <a:off x="7581321" y="2930775"/>
+            <a:ext cx="847725" cy="1311809"/>
+          </a:xfrm>
+          <a:prstGeom prst="triangle">
+            <a:avLst/>
+          </a:prstGeom>
+          <a:solidFill>
+            <a:schemeClr val="accent2">
+              <a:alpha val="50000"/>
+            </a:schemeClr>
+          </a:solidFill>
+          <a:ln>
+            <a:noFill/>
+          </a:ln>
+        </p:spPr>
+        <p:style>
+          <a:lnRef idx="0">
+            <a:scrgbClr r="0" g="0" b="0"/>
+          </a:lnRef>
+          <a:fillRef idx="0">
+            <a:scrgbClr r="0" g="0" b="0"/>
+          </a:fillRef>
+          <a:effectRef idx="0">
+            <a:scrgbClr r="0" g="0" b="0"/>
+          </a:effectRef>
+          <a:fontRef idx="minor">
+            <a:schemeClr val="lt1"/>
+          </a:fontRef>
+        </p:style>
+        <p:txBody>
+          <a:bodyPr rtlCol="0" anchor="ctr"/>
+          <a:lstStyle/>
+          <a:p>
+            <a:pPr algn="ctr"/>
+            <a:endParaRPr lang="en-SG" dirty="0">
+              <a:solidFill>
+                <a:schemeClr val="bg1"/>
+              </a:solidFill>
+            </a:endParaRPr>
+          </a:p>
+        </p:txBody>
+      </p:sp>
+      <p:sp>
+        <p:nvSpPr>
+          <p:cNvPr id="37" name="Rectangle 36">
+            <a:extLst>
+              <a:ext uri="{FF2B5EF4-FFF2-40B4-BE49-F238E27FC236}">
+                <a16:creationId xmlns:a16="http://schemas.microsoft.com/office/drawing/2014/main" id="{5AD78BB0-28C4-C99A-DA2F-2990E07C3294}"/>
+              </a:ext>
+            </a:extLst>
+          </p:cNvPr>
+          <p:cNvSpPr/>
+          <p:nvPr/>
+        </p:nvSpPr>
+        <p:spPr>
+          <a:xfrm>
+            <a:off x="7287285" y="3527084"/>
+            <a:ext cx="123987" cy="119190"/>
+          </a:xfrm>
+          <a:prstGeom prst="rect">
+            <a:avLst/>
+          </a:prstGeom>
+          <a:solidFill>
+            <a:schemeClr val="bg1">
+              <a:lumMod val="75000"/>
+            </a:schemeClr>
+          </a:solidFill>
+        </p:spPr>
+        <p:style>
+          <a:lnRef idx="2">
+            <a:schemeClr val="dk1">
+              <a:shade val="15000"/>
+            </a:schemeClr>
+          </a:lnRef>
+          <a:fillRef idx="1">
+            <a:schemeClr val="dk1"/>
+          </a:fillRef>
+          <a:effectRef idx="0">
+            <a:schemeClr val="dk1"/>
+          </a:effectRef>
+          <a:fontRef idx="minor">
+            <a:schemeClr val="lt1"/>
+          </a:fontRef>
+        </p:style>
+        <p:txBody>
+          <a:bodyPr rtlCol="0" anchor="ctr"/>
+          <a:lstStyle/>
+          <a:p>
+            <a:pPr algn="ctr"/>
+            <a:endParaRPr lang="en-SG">
+              <a:solidFill>
+                <a:schemeClr val="bg1"/>
+              </a:solidFill>
+            </a:endParaRPr>
+          </a:p>
+        </p:txBody>
+      </p:sp>
+      <p:sp>
+        <p:nvSpPr>
+          <p:cNvPr id="38" name="TextBox 37">
+            <a:extLst>
+              <a:ext uri="{FF2B5EF4-FFF2-40B4-BE49-F238E27FC236}">
+                <a16:creationId xmlns:a16="http://schemas.microsoft.com/office/drawing/2014/main" id="{490DFBBB-77DD-C759-9E1A-D3395B6C2221}"/>
+              </a:ext>
+            </a:extLst>
+          </p:cNvPr>
+          <p:cNvSpPr txBox="1"/>
+          <p:nvPr/>
+        </p:nvSpPr>
+        <p:spPr>
+          <a:xfrm>
+            <a:off x="5365069" y="2128757"/>
+            <a:ext cx="2736470" cy="276999"/>
+          </a:xfrm>
+          <a:prstGeom prst="rect">
+            <a:avLst/>
+          </a:prstGeom>
+          <a:noFill/>
+        </p:spPr>
+        <p:txBody>
+          <a:bodyPr wrap="square">
+            <a:spAutoFit/>
+          </a:bodyPr>
+          <a:lstStyle/>
+          <a:p>
+            <a:r>
+              <a:rPr lang="en-US" sz="1200" b="1" dirty="0">
+                <a:solidFill>
+                  <a:schemeClr val="bg1"/>
+                </a:solidFill>
+              </a:rPr>
+              <a:t>Train front collision  detection radar</a:t>
+            </a:r>
+            <a:endParaRPr lang="en-SG" sz="1200" b="1" dirty="0">
+              <a:solidFill>
+                <a:schemeClr val="bg1"/>
+              </a:solidFill>
+            </a:endParaRPr>
+          </a:p>
+        </p:txBody>
+      </p:sp>
+      <p:cxnSp>
+        <p:nvCxnSpPr>
+          <p:cNvPr id="39" name="Straight Arrow Connector 38">
+            <a:extLst>
+              <a:ext uri="{FF2B5EF4-FFF2-40B4-BE49-F238E27FC236}">
+                <a16:creationId xmlns:a16="http://schemas.microsoft.com/office/drawing/2014/main" id="{DB52D0BC-DDE8-9105-E03D-33864DA74E57}"/>
+              </a:ext>
+            </a:extLst>
+          </p:cNvPr>
+          <p:cNvCxnSpPr>
+            <a:cxnSpLocks/>
+          </p:cNvCxnSpPr>
+          <p:nvPr/>
+        </p:nvCxnSpPr>
+        <p:spPr>
+          <a:xfrm>
+            <a:off x="7322549" y="2463450"/>
+            <a:ext cx="0" cy="1011486"/>
+          </a:xfrm>
+          <a:prstGeom prst="straightConnector1">
+            <a:avLst/>
+          </a:prstGeom>
+          <a:ln w="9525">
+            <a:prstDash val="sysDash"/>
+            <a:tailEnd type="triangle"/>
+          </a:ln>
+        </p:spPr>
+        <p:style>
+          <a:lnRef idx="2">
+            <a:schemeClr val="accent2"/>
+          </a:lnRef>
+          <a:fillRef idx="0">
+            <a:schemeClr val="accent2"/>
+          </a:fillRef>
+          <a:effectRef idx="1">
+            <a:schemeClr val="accent2"/>
+          </a:effectRef>
+          <a:fontRef idx="minor">
+            <a:schemeClr val="tx1"/>
+          </a:fontRef>
+        </p:style>
+      </p:cxnSp>
+      <p:pic>
+        <p:nvPicPr>
+          <p:cNvPr id="40" name="Picture 39" descr="A black and white circular object with a circular object in the middle&#10;&#10;Description automatically generated">
+            <a:extLst>
+              <a:ext uri="{FF2B5EF4-FFF2-40B4-BE49-F238E27FC236}">
+                <a16:creationId xmlns:a16="http://schemas.microsoft.com/office/drawing/2014/main" id="{F3BD0DC0-2DCA-05C9-E2A9-FAAF4BE537D6}"/>
+              </a:ext>
+            </a:extLst>
+          </p:cNvPr>
+          <p:cNvPicPr>
+            <a:picLocks noChangeAspect="1"/>
+          </p:cNvPicPr>
+          <p:nvPr/>
+        </p:nvPicPr>
+        <p:blipFill>
+          <a:blip r:embed="rId3">
+            <a:extLst>
+              <a:ext uri="{28A0092B-C50C-407E-A947-70E740481C1C}">
+                <a14:useLocalDpi xmlns:a14="http://schemas.microsoft.com/office/drawing/2010/main" val="0"/>
+              </a:ext>
+            </a:extLst>
+          </a:blip>
+          <a:stretch>
+            <a:fillRect/>
+          </a:stretch>
+        </p:blipFill>
+        <p:spPr>
+          <a:xfrm>
+            <a:off x="3191562" y="3613527"/>
+            <a:ext cx="533481" cy="533481"/>
+          </a:xfrm>
+          <a:prstGeom prst="rect">
+            <a:avLst/>
+          </a:prstGeom>
+          <a:ln w="9525">
+            <a:solidFill>
+              <a:schemeClr val="tx1"/>
+            </a:solidFill>
+          </a:ln>
+        </p:spPr>
+      </p:pic>
+      <p:cxnSp>
+        <p:nvCxnSpPr>
+          <p:cNvPr id="41" name="Straight Arrow Connector 40">
+            <a:extLst>
+              <a:ext uri="{FF2B5EF4-FFF2-40B4-BE49-F238E27FC236}">
+                <a16:creationId xmlns:a16="http://schemas.microsoft.com/office/drawing/2014/main" id="{F7A3D7CC-1503-BDB3-60E2-65498F3EF1C6}"/>
+              </a:ext>
+            </a:extLst>
+          </p:cNvPr>
+          <p:cNvCxnSpPr>
+            <a:cxnSpLocks/>
+          </p:cNvCxnSpPr>
+          <p:nvPr/>
+        </p:nvCxnSpPr>
+        <p:spPr>
+          <a:xfrm flipH="1">
+            <a:off x="3519966" y="2676858"/>
+            <a:ext cx="79801" cy="909821"/>
+          </a:xfrm>
+          <a:prstGeom prst="straightConnector1">
+            <a:avLst/>
+          </a:prstGeom>
+          <a:ln w="9525">
+            <a:prstDash val="sysDash"/>
+            <a:tailEnd type="triangle"/>
+          </a:ln>
+        </p:spPr>
+        <p:style>
+          <a:lnRef idx="2">
+            <a:schemeClr val="accent2"/>
+          </a:lnRef>
+          <a:fillRef idx="0">
+            <a:schemeClr val="accent2"/>
+          </a:fillRef>
+          <a:effectRef idx="1">
+            <a:schemeClr val="accent2"/>
+          </a:effectRef>
+          <a:fontRef idx="minor">
+            <a:schemeClr val="tx1"/>
+          </a:fontRef>
+        </p:style>
+      </p:cxnSp>
+      <p:sp>
+        <p:nvSpPr>
+          <p:cNvPr id="42" name="TextBox 41">
+            <a:extLst>
+              <a:ext uri="{FF2B5EF4-FFF2-40B4-BE49-F238E27FC236}">
+                <a16:creationId xmlns:a16="http://schemas.microsoft.com/office/drawing/2014/main" id="{2D619C63-B0AE-1B9C-A137-4103E791C3F8}"/>
+              </a:ext>
+            </a:extLst>
+          </p:cNvPr>
+          <p:cNvSpPr txBox="1"/>
+          <p:nvPr/>
+        </p:nvSpPr>
+        <p:spPr>
+          <a:xfrm>
+            <a:off x="3358125" y="2399859"/>
+            <a:ext cx="1188622" cy="276999"/>
+          </a:xfrm>
+          <a:prstGeom prst="rect">
+            <a:avLst/>
+          </a:prstGeom>
+          <a:noFill/>
+        </p:spPr>
+        <p:txBody>
+          <a:bodyPr wrap="square">
+            <a:spAutoFit/>
+          </a:bodyPr>
+          <a:lstStyle/>
+          <a:p>
+            <a:r>
+              <a:rPr lang="en-US" sz="1200" b="1" dirty="0">
+                <a:solidFill>
+                  <a:schemeClr val="bg1"/>
+                </a:solidFill>
+              </a:rPr>
+              <a:t>Train DC moto</a:t>
+            </a:r>
+            <a:endParaRPr lang="en-SG" sz="1200" b="1" dirty="0">
+              <a:solidFill>
+                <a:schemeClr val="bg1"/>
+              </a:solidFill>
+            </a:endParaRPr>
+          </a:p>
+        </p:txBody>
+      </p:sp>
+      <p:pic>
+        <p:nvPicPr>
+          <p:cNvPr id="43" name="Picture 42" descr="TM221CE16R Schneider Electric Modicon M221 PLC CPU Mini USB Interface –  Ralakde Automation">
+            <a:extLst>
+              <a:ext uri="{FF2B5EF4-FFF2-40B4-BE49-F238E27FC236}">
+                <a16:creationId xmlns:a16="http://schemas.microsoft.com/office/drawing/2014/main" id="{28006821-BE67-0F58-33DD-05CEE00002DA}"/>
+              </a:ext>
+            </a:extLst>
+          </p:cNvPr>
+          <p:cNvPicPr>
+            <a:picLocks noChangeAspect="1" noChangeArrowheads="1"/>
+          </p:cNvPicPr>
+          <p:nvPr/>
+        </p:nvPicPr>
+        <p:blipFill>
+          <a:blip r:embed="rId4">
+            <a:extLst>
+              <a:ext uri="{28A0092B-C50C-407E-A947-70E740481C1C}">
+                <a14:useLocalDpi xmlns:a14="http://schemas.microsoft.com/office/drawing/2010/main" val="0"/>
+              </a:ext>
+            </a:extLst>
+          </a:blip>
+          <a:srcRect/>
+          <a:stretch>
+            <a:fillRect/>
+          </a:stretch>
+        </p:blipFill>
+        <p:spPr bwMode="auto">
+          <a:xfrm>
+            <a:off x="5995230" y="4445932"/>
+            <a:ext cx="559540" cy="613422"/>
+          </a:xfrm>
+          <a:prstGeom prst="rect">
+            <a:avLst/>
+          </a:prstGeom>
+          <a:noFill/>
+          <a:extLst>
+            <a:ext uri="{909E8E84-426E-40DD-AFC4-6F175D3DCCD1}">
+              <a14:hiddenFill xmlns:a14="http://schemas.microsoft.com/office/drawing/2010/main">
+                <a:solidFill>
+                  <a:srgbClr val="FFFFFF"/>
+                </a:solidFill>
+              </a14:hiddenFill>
+            </a:ext>
+          </a:extLst>
+        </p:spPr>
+      </p:pic>
+      <p:cxnSp>
+        <p:nvCxnSpPr>
+          <p:cNvPr id="44" name="Connector: Elbow 43">
+            <a:extLst>
+              <a:ext uri="{FF2B5EF4-FFF2-40B4-BE49-F238E27FC236}">
+                <a16:creationId xmlns:a16="http://schemas.microsoft.com/office/drawing/2014/main" id="{F090137A-C521-0D17-BE78-8EE5404C46D2}"/>
+              </a:ext>
+            </a:extLst>
+          </p:cNvPr>
+          <p:cNvCxnSpPr>
+            <a:cxnSpLocks/>
+            <a:stCxn id="43" idx="3"/>
+            <a:endCxn id="37" idx="2"/>
+          </p:cNvCxnSpPr>
+          <p:nvPr/>
+        </p:nvCxnSpPr>
+        <p:spPr>
+          <a:xfrm flipV="1">
+            <a:off x="6554770" y="3646274"/>
+            <a:ext cx="794509" cy="1106369"/>
+          </a:xfrm>
+          <a:prstGeom prst="bentConnector2">
+            <a:avLst/>
+          </a:prstGeom>
+          <a:ln w="19050">
+            <a:solidFill>
+              <a:schemeClr val="accent6">
+                <a:lumMod val="40000"/>
+                <a:lumOff val="60000"/>
+              </a:schemeClr>
+            </a:solidFill>
+          </a:ln>
+        </p:spPr>
+        <p:style>
+          <a:lnRef idx="2">
+            <a:schemeClr val="accent1"/>
+          </a:lnRef>
+          <a:fillRef idx="0">
+            <a:schemeClr val="accent1"/>
+          </a:fillRef>
+          <a:effectRef idx="1">
+            <a:schemeClr val="accent1"/>
+          </a:effectRef>
+          <a:fontRef idx="minor">
+            <a:schemeClr val="tx1"/>
+          </a:fontRef>
+        </p:style>
+      </p:cxnSp>
+      <p:cxnSp>
+        <p:nvCxnSpPr>
+          <p:cNvPr id="45" name="Connector: Elbow 44">
+            <a:extLst>
+              <a:ext uri="{FF2B5EF4-FFF2-40B4-BE49-F238E27FC236}">
+                <a16:creationId xmlns:a16="http://schemas.microsoft.com/office/drawing/2014/main" id="{15E85F9D-5C2F-3A90-783E-E17E3A1DBAB9}"/>
+              </a:ext>
+            </a:extLst>
+          </p:cNvPr>
+          <p:cNvCxnSpPr>
+            <a:cxnSpLocks/>
+            <a:stCxn id="40" idx="2"/>
+            <a:endCxn id="43" idx="1"/>
+          </p:cNvCxnSpPr>
+          <p:nvPr/>
+        </p:nvCxnSpPr>
+        <p:spPr>
+          <a:xfrm rot="16200000" flipH="1">
+            <a:off x="4423949" y="3181361"/>
+            <a:ext cx="605635" cy="2536927"/>
+          </a:xfrm>
+          <a:prstGeom prst="bentConnector2">
+            <a:avLst/>
+          </a:prstGeom>
+          <a:ln w="19050">
+            <a:solidFill>
+              <a:schemeClr val="accent6">
+                <a:lumMod val="40000"/>
+                <a:lumOff val="60000"/>
+              </a:schemeClr>
+            </a:solidFill>
+          </a:ln>
+        </p:spPr>
+        <p:style>
+          <a:lnRef idx="2">
+            <a:schemeClr val="accent1"/>
+          </a:lnRef>
+          <a:fillRef idx="0">
+            <a:schemeClr val="accent1"/>
+          </a:fillRef>
+          <a:effectRef idx="1">
+            <a:schemeClr val="accent1"/>
+          </a:effectRef>
+          <a:fontRef idx="minor">
+            <a:schemeClr val="tx1"/>
+          </a:fontRef>
+        </p:style>
+      </p:cxnSp>
+      <p:pic>
+        <p:nvPicPr>
+          <p:cNvPr id="46" name="Picture 45">
+            <a:extLst>
+              <a:ext uri="{FF2B5EF4-FFF2-40B4-BE49-F238E27FC236}">
+                <a16:creationId xmlns:a16="http://schemas.microsoft.com/office/drawing/2014/main" id="{0417B3B8-E546-4543-654A-2C37CFF7B2D0}"/>
+              </a:ext>
+            </a:extLst>
+          </p:cNvPr>
+          <p:cNvPicPr>
+            <a:picLocks noChangeAspect="1"/>
+          </p:cNvPicPr>
+          <p:nvPr/>
+        </p:nvPicPr>
+        <p:blipFill>
+          <a:blip r:embed="rId5"/>
+          <a:stretch>
+            <a:fillRect/>
+          </a:stretch>
+        </p:blipFill>
+        <p:spPr>
+          <a:xfrm>
+            <a:off x="4793637" y="4060951"/>
+            <a:ext cx="642054" cy="456572"/>
+          </a:xfrm>
+          <a:prstGeom prst="rect">
+            <a:avLst/>
+          </a:prstGeom>
+        </p:spPr>
+      </p:pic>
+      <p:cxnSp>
+        <p:nvCxnSpPr>
+          <p:cNvPr id="47" name="Straight Connector 46">
+            <a:extLst>
+              <a:ext uri="{FF2B5EF4-FFF2-40B4-BE49-F238E27FC236}">
+                <a16:creationId xmlns:a16="http://schemas.microsoft.com/office/drawing/2014/main" id="{C531EE64-5D4F-DE2A-EB9A-A562063D9D09}"/>
+              </a:ext>
+            </a:extLst>
+          </p:cNvPr>
+          <p:cNvCxnSpPr>
+            <a:cxnSpLocks/>
+            <a:endCxn id="48" idx="3"/>
+          </p:cNvCxnSpPr>
+          <p:nvPr/>
+        </p:nvCxnSpPr>
+        <p:spPr>
+          <a:xfrm>
+            <a:off x="3375346" y="3301167"/>
+            <a:ext cx="1498494" cy="0"/>
+          </a:xfrm>
+          <a:prstGeom prst="line">
+            <a:avLst/>
+          </a:prstGeom>
+          <a:ln>
+            <a:solidFill>
+              <a:srgbClr val="C00000"/>
+            </a:solidFill>
+          </a:ln>
+        </p:spPr>
+        <p:style>
+          <a:lnRef idx="2">
+            <a:schemeClr val="accent1"/>
+          </a:lnRef>
+          <a:fillRef idx="0">
+            <a:schemeClr val="accent1"/>
+          </a:fillRef>
+          <a:effectRef idx="1">
+            <a:schemeClr val="accent1"/>
+          </a:effectRef>
+          <a:fontRef idx="minor">
+            <a:schemeClr val="tx1"/>
+          </a:fontRef>
+        </p:style>
+      </p:cxnSp>
+      <p:sp>
+        <p:nvSpPr>
+          <p:cNvPr id="48" name="Rectangle 47">
+            <a:extLst>
+              <a:ext uri="{FF2B5EF4-FFF2-40B4-BE49-F238E27FC236}">
+                <a16:creationId xmlns:a16="http://schemas.microsoft.com/office/drawing/2014/main" id="{B9506393-AC6A-6F7B-CEFB-2DDC2114E0F8}"/>
+              </a:ext>
+            </a:extLst>
+          </p:cNvPr>
+          <p:cNvSpPr/>
+          <p:nvPr/>
+        </p:nvSpPr>
+        <p:spPr>
+          <a:xfrm flipH="1">
+            <a:off x="4873840" y="3221307"/>
+            <a:ext cx="146309" cy="159719"/>
+          </a:xfrm>
+          <a:prstGeom prst="rect">
+            <a:avLst/>
+          </a:prstGeom>
+          <a:solidFill>
+            <a:schemeClr val="bg1">
+              <a:lumMod val="85000"/>
+            </a:schemeClr>
+          </a:solidFill>
+          <a:ln>
+            <a:solidFill>
+              <a:srgbClr val="C00000"/>
+            </a:solidFill>
+          </a:ln>
+        </p:spPr>
+        <p:style>
+          <a:lnRef idx="2">
+            <a:schemeClr val="dk1">
+              <a:shade val="15000"/>
+            </a:schemeClr>
+          </a:lnRef>
+          <a:fillRef idx="1">
+            <a:schemeClr val="dk1"/>
+          </a:fillRef>
+          <a:effectRef idx="0">
+            <a:schemeClr val="dk1"/>
+          </a:effectRef>
+          <a:fontRef idx="minor">
+            <a:schemeClr val="lt1"/>
+          </a:fontRef>
+        </p:style>
+        <p:txBody>
+          <a:bodyPr rtlCol="0" anchor="ctr"/>
+          <a:lstStyle/>
+          <a:p>
+            <a:pPr algn="ctr"/>
+            <a:endParaRPr lang="en-SG">
+              <a:solidFill>
+                <a:schemeClr val="bg1"/>
+              </a:solidFill>
+            </a:endParaRPr>
+          </a:p>
+        </p:txBody>
+      </p:sp>
+      <p:cxnSp>
+        <p:nvCxnSpPr>
+          <p:cNvPr id="49" name="Straight Arrow Connector 48">
+            <a:extLst>
+              <a:ext uri="{FF2B5EF4-FFF2-40B4-BE49-F238E27FC236}">
+                <a16:creationId xmlns:a16="http://schemas.microsoft.com/office/drawing/2014/main" id="{BDD3DFDE-A137-2998-9548-9C8565AF53AC}"/>
+              </a:ext>
+            </a:extLst>
+          </p:cNvPr>
+          <p:cNvCxnSpPr>
+            <a:cxnSpLocks/>
+          </p:cNvCxnSpPr>
+          <p:nvPr/>
+        </p:nvCxnSpPr>
+        <p:spPr>
+          <a:xfrm flipH="1">
+            <a:off x="4952565" y="2849087"/>
+            <a:ext cx="0" cy="376696"/>
+          </a:xfrm>
+          <a:prstGeom prst="straightConnector1">
+            <a:avLst/>
+          </a:prstGeom>
+          <a:ln w="9525">
+            <a:prstDash val="sysDash"/>
+            <a:tailEnd type="triangle"/>
+          </a:ln>
+        </p:spPr>
+        <p:style>
+          <a:lnRef idx="2">
+            <a:schemeClr val="accent2"/>
+          </a:lnRef>
+          <a:fillRef idx="0">
+            <a:schemeClr val="accent2"/>
+          </a:fillRef>
+          <a:effectRef idx="1">
+            <a:schemeClr val="accent2"/>
+          </a:effectRef>
+          <a:fontRef idx="minor">
+            <a:schemeClr val="tx1"/>
+          </a:fontRef>
+        </p:style>
+      </p:cxnSp>
+      <p:sp>
+        <p:nvSpPr>
+          <p:cNvPr id="50" name="TextBox 49">
+            <a:extLst>
+              <a:ext uri="{FF2B5EF4-FFF2-40B4-BE49-F238E27FC236}">
+                <a16:creationId xmlns:a16="http://schemas.microsoft.com/office/drawing/2014/main" id="{787169A7-EF64-063E-9043-EEF207E79A74}"/>
+              </a:ext>
+            </a:extLst>
+          </p:cNvPr>
+          <p:cNvSpPr txBox="1"/>
+          <p:nvPr/>
+        </p:nvSpPr>
+        <p:spPr>
+          <a:xfrm>
+            <a:off x="4492529" y="2463450"/>
+            <a:ext cx="1745081" cy="276999"/>
+          </a:xfrm>
+          <a:prstGeom prst="rect">
+            <a:avLst/>
+          </a:prstGeom>
+          <a:noFill/>
+        </p:spPr>
+        <p:txBody>
+          <a:bodyPr wrap="square">
+            <a:spAutoFit/>
+          </a:bodyPr>
+          <a:lstStyle/>
+          <a:p>
+            <a:r>
+              <a:rPr lang="en-US" sz="1200" b="1" dirty="0">
+                <a:solidFill>
+                  <a:schemeClr val="bg1"/>
+                </a:solidFill>
+              </a:rPr>
+              <a:t>Input voltage sensor</a:t>
+            </a:r>
+            <a:endParaRPr lang="en-SG" sz="1200" b="1" dirty="0">
+              <a:solidFill>
+                <a:schemeClr val="bg1"/>
+              </a:solidFill>
+            </a:endParaRPr>
+          </a:p>
+        </p:txBody>
+      </p:sp>
+      <p:sp>
+        <p:nvSpPr>
+          <p:cNvPr id="51" name="Rectangle 50">
+            <a:extLst>
+              <a:ext uri="{FF2B5EF4-FFF2-40B4-BE49-F238E27FC236}">
+                <a16:creationId xmlns:a16="http://schemas.microsoft.com/office/drawing/2014/main" id="{58AA5605-C6EC-3FC5-3997-287E53850B82}"/>
+              </a:ext>
+            </a:extLst>
+          </p:cNvPr>
+          <p:cNvSpPr/>
+          <p:nvPr/>
+        </p:nvSpPr>
+        <p:spPr>
+          <a:xfrm flipH="1">
+            <a:off x="3305088" y="3361632"/>
+            <a:ext cx="146309" cy="159719"/>
+          </a:xfrm>
+          <a:prstGeom prst="rect">
+            <a:avLst/>
+          </a:prstGeom>
+          <a:solidFill>
+            <a:schemeClr val="bg1">
+              <a:lumMod val="85000"/>
+            </a:schemeClr>
+          </a:solidFill>
+          <a:ln>
+            <a:solidFill>
+              <a:srgbClr val="C00000"/>
+            </a:solidFill>
+          </a:ln>
+        </p:spPr>
+        <p:style>
+          <a:lnRef idx="2">
+            <a:schemeClr val="dk1">
+              <a:shade val="15000"/>
+            </a:schemeClr>
+          </a:lnRef>
+          <a:fillRef idx="1">
+            <a:schemeClr val="dk1"/>
+          </a:fillRef>
+          <a:effectRef idx="0">
+            <a:schemeClr val="dk1"/>
+          </a:effectRef>
+          <a:fontRef idx="minor">
+            <a:schemeClr val="lt1"/>
+          </a:fontRef>
+        </p:style>
+        <p:txBody>
+          <a:bodyPr rtlCol="0" anchor="ctr"/>
+          <a:lstStyle/>
+          <a:p>
+            <a:pPr algn="ctr"/>
+            <a:endParaRPr lang="en-SG">
+              <a:solidFill>
+                <a:schemeClr val="bg1"/>
+              </a:solidFill>
+            </a:endParaRPr>
+          </a:p>
+        </p:txBody>
+      </p:sp>
+      <p:sp>
+        <p:nvSpPr>
+          <p:cNvPr id="52" name="TextBox 51">
+            <a:extLst>
+              <a:ext uri="{FF2B5EF4-FFF2-40B4-BE49-F238E27FC236}">
+                <a16:creationId xmlns:a16="http://schemas.microsoft.com/office/drawing/2014/main" id="{69912F79-016E-AA6C-9814-A2E03DADCF97}"/>
+              </a:ext>
+            </a:extLst>
+          </p:cNvPr>
+          <p:cNvSpPr txBox="1"/>
+          <p:nvPr/>
+        </p:nvSpPr>
+        <p:spPr>
+          <a:xfrm>
+            <a:off x="3684834" y="2727319"/>
+            <a:ext cx="1274203" cy="276999"/>
+          </a:xfrm>
+          <a:prstGeom prst="rect">
+            <a:avLst/>
+          </a:prstGeom>
+          <a:noFill/>
+        </p:spPr>
+        <p:txBody>
+          <a:bodyPr wrap="square">
+            <a:spAutoFit/>
+          </a:bodyPr>
+          <a:lstStyle/>
+          <a:p>
+            <a:r>
+              <a:rPr lang="en-US" sz="1200" b="1" dirty="0">
+                <a:solidFill>
+                  <a:schemeClr val="bg1"/>
+                </a:solidFill>
+              </a:rPr>
+              <a:t>Current sensor</a:t>
+            </a:r>
+            <a:endParaRPr lang="en-SG" sz="1200" b="1" dirty="0">
+              <a:solidFill>
+                <a:schemeClr val="bg1"/>
+              </a:solidFill>
+            </a:endParaRPr>
+          </a:p>
+        </p:txBody>
+      </p:sp>
+      <p:cxnSp>
+        <p:nvCxnSpPr>
+          <p:cNvPr id="53" name="Straight Arrow Connector 52">
+            <a:extLst>
+              <a:ext uri="{FF2B5EF4-FFF2-40B4-BE49-F238E27FC236}">
+                <a16:creationId xmlns:a16="http://schemas.microsoft.com/office/drawing/2014/main" id="{9C4F9772-2EE9-B645-9DF8-792B6C767293}"/>
+              </a:ext>
+            </a:extLst>
+          </p:cNvPr>
+          <p:cNvCxnSpPr>
+            <a:cxnSpLocks/>
+            <a:endCxn id="51" idx="1"/>
+          </p:cNvCxnSpPr>
+          <p:nvPr/>
+        </p:nvCxnSpPr>
+        <p:spPr>
+          <a:xfrm flipH="1">
+            <a:off x="3451397" y="2933105"/>
+            <a:ext cx="745439" cy="508387"/>
+          </a:xfrm>
+          <a:prstGeom prst="straightConnector1">
+            <a:avLst/>
+          </a:prstGeom>
+          <a:ln w="9525">
+            <a:prstDash val="sysDash"/>
+            <a:tailEnd type="triangle"/>
+          </a:ln>
+        </p:spPr>
+        <p:style>
+          <a:lnRef idx="2">
+            <a:schemeClr val="accent2"/>
+          </a:lnRef>
+          <a:fillRef idx="0">
+            <a:schemeClr val="accent2"/>
+          </a:fillRef>
+          <a:effectRef idx="1">
+            <a:schemeClr val="accent2"/>
+          </a:effectRef>
+          <a:fontRef idx="minor">
+            <a:schemeClr val="tx1"/>
+          </a:fontRef>
+        </p:style>
+      </p:cxnSp>
+      <p:sp>
+        <p:nvSpPr>
+          <p:cNvPr id="54" name="Rectangle 53">
+            <a:extLst>
+              <a:ext uri="{FF2B5EF4-FFF2-40B4-BE49-F238E27FC236}">
+                <a16:creationId xmlns:a16="http://schemas.microsoft.com/office/drawing/2014/main" id="{5EC0A107-3F1E-78E8-A90A-81C4085D8EF8}"/>
+              </a:ext>
+            </a:extLst>
+          </p:cNvPr>
+          <p:cNvSpPr/>
+          <p:nvPr/>
+        </p:nvSpPr>
+        <p:spPr>
+          <a:xfrm flipH="1">
+            <a:off x="5699666" y="3746915"/>
+            <a:ext cx="146309" cy="159719"/>
+          </a:xfrm>
+          <a:prstGeom prst="rect">
+            <a:avLst/>
+          </a:prstGeom>
+          <a:solidFill>
+            <a:schemeClr val="bg1">
+              <a:lumMod val="85000"/>
+            </a:schemeClr>
+          </a:solidFill>
+          <a:ln>
+            <a:solidFill>
+              <a:srgbClr val="C00000"/>
+            </a:solidFill>
+          </a:ln>
+        </p:spPr>
+        <p:style>
+          <a:lnRef idx="2">
+            <a:schemeClr val="dk1">
+              <a:shade val="15000"/>
+            </a:schemeClr>
+          </a:lnRef>
+          <a:fillRef idx="1">
+            <a:schemeClr val="dk1"/>
+          </a:fillRef>
+          <a:effectRef idx="0">
+            <a:schemeClr val="dk1"/>
+          </a:effectRef>
+          <a:fontRef idx="minor">
+            <a:schemeClr val="lt1"/>
+          </a:fontRef>
+        </p:style>
+        <p:txBody>
+          <a:bodyPr rtlCol="0" anchor="ctr"/>
+          <a:lstStyle/>
+          <a:p>
+            <a:pPr algn="ctr"/>
+            <a:endParaRPr lang="en-SG">
+              <a:solidFill>
+                <a:schemeClr val="bg1"/>
+              </a:solidFill>
+            </a:endParaRPr>
+          </a:p>
+        </p:txBody>
+      </p:sp>
+      <p:sp>
+        <p:nvSpPr>
+          <p:cNvPr id="55" name="TextBox 54">
+            <a:extLst>
+              <a:ext uri="{FF2B5EF4-FFF2-40B4-BE49-F238E27FC236}">
+                <a16:creationId xmlns:a16="http://schemas.microsoft.com/office/drawing/2014/main" id="{A79E6D13-B42C-C669-224B-63E63C92C777}"/>
+              </a:ext>
+            </a:extLst>
+          </p:cNvPr>
+          <p:cNvSpPr txBox="1"/>
+          <p:nvPr/>
+        </p:nvSpPr>
+        <p:spPr>
+          <a:xfrm>
+            <a:off x="5160869" y="2856759"/>
+            <a:ext cx="1532347" cy="276999"/>
+          </a:xfrm>
+          <a:prstGeom prst="rect">
+            <a:avLst/>
+          </a:prstGeom>
+          <a:noFill/>
+        </p:spPr>
+        <p:txBody>
+          <a:bodyPr wrap="square">
+            <a:spAutoFit/>
+          </a:bodyPr>
+          <a:lstStyle/>
+          <a:p>
+            <a:r>
+              <a:rPr lang="en-US" sz="1200" b="1" dirty="0">
+                <a:solidFill>
+                  <a:schemeClr val="bg1"/>
+                </a:solidFill>
+              </a:rPr>
+              <a:t>Train speed sensor</a:t>
+            </a:r>
+            <a:endParaRPr lang="en-SG" sz="1200" b="1" dirty="0">
+              <a:solidFill>
+                <a:schemeClr val="bg1"/>
+              </a:solidFill>
+            </a:endParaRPr>
+          </a:p>
+        </p:txBody>
+      </p:sp>
+      <p:cxnSp>
+        <p:nvCxnSpPr>
+          <p:cNvPr id="56" name="Straight Arrow Connector 55">
+            <a:extLst>
+              <a:ext uri="{FF2B5EF4-FFF2-40B4-BE49-F238E27FC236}">
+                <a16:creationId xmlns:a16="http://schemas.microsoft.com/office/drawing/2014/main" id="{A0A3FD5E-468C-0411-62CA-3F50C3541698}"/>
+              </a:ext>
+            </a:extLst>
+          </p:cNvPr>
+          <p:cNvCxnSpPr>
+            <a:cxnSpLocks/>
+          </p:cNvCxnSpPr>
+          <p:nvPr/>
+        </p:nvCxnSpPr>
+        <p:spPr>
+          <a:xfrm>
+            <a:off x="5765588" y="3098240"/>
+            <a:ext cx="0" cy="638133"/>
+          </a:xfrm>
+          <a:prstGeom prst="straightConnector1">
+            <a:avLst/>
+          </a:prstGeom>
+          <a:ln w="9525">
+            <a:prstDash val="sysDash"/>
+            <a:tailEnd type="triangle"/>
+          </a:ln>
+        </p:spPr>
+        <p:style>
+          <a:lnRef idx="2">
+            <a:schemeClr val="accent2"/>
+          </a:lnRef>
+          <a:fillRef idx="0">
+            <a:schemeClr val="accent2"/>
+          </a:fillRef>
+          <a:effectRef idx="1">
+            <a:schemeClr val="accent2"/>
+          </a:effectRef>
+          <a:fontRef idx="minor">
+            <a:schemeClr val="tx1"/>
+          </a:fontRef>
+        </p:style>
+      </p:cxnSp>
+      <p:cxnSp>
+        <p:nvCxnSpPr>
+          <p:cNvPr id="57" name="Connector: Elbow 56">
+            <a:extLst>
+              <a:ext uri="{FF2B5EF4-FFF2-40B4-BE49-F238E27FC236}">
+                <a16:creationId xmlns:a16="http://schemas.microsoft.com/office/drawing/2014/main" id="{47F8C763-AB2C-EC92-F85C-313D3BF7D1D5}"/>
+              </a:ext>
+            </a:extLst>
+          </p:cNvPr>
+          <p:cNvCxnSpPr>
+            <a:cxnSpLocks/>
+            <a:stCxn id="46" idx="3"/>
+            <a:endCxn id="37" idx="1"/>
+          </p:cNvCxnSpPr>
+          <p:nvPr/>
+        </p:nvCxnSpPr>
+        <p:spPr>
+          <a:xfrm flipV="1">
+            <a:off x="5435691" y="3586679"/>
+            <a:ext cx="1851594" cy="702558"/>
+          </a:xfrm>
+          <a:prstGeom prst="bentConnector3">
+            <a:avLst>
+              <a:gd name="adj1" fmla="val 50000"/>
+            </a:avLst>
+          </a:prstGeom>
+          <a:ln w="19050">
+            <a:solidFill>
+              <a:schemeClr val="tx2">
+                <a:lumMod val="75000"/>
+                <a:lumOff val="25000"/>
+              </a:schemeClr>
+            </a:solidFill>
+          </a:ln>
+        </p:spPr>
+        <p:style>
+          <a:lnRef idx="2">
+            <a:schemeClr val="accent1"/>
+          </a:lnRef>
+          <a:fillRef idx="0">
+            <a:schemeClr val="accent1"/>
+          </a:fillRef>
+          <a:effectRef idx="1">
+            <a:schemeClr val="accent1"/>
+          </a:effectRef>
+          <a:fontRef idx="minor">
+            <a:schemeClr val="tx1"/>
+          </a:fontRef>
+        </p:style>
+      </p:cxnSp>
+      <p:cxnSp>
+        <p:nvCxnSpPr>
+          <p:cNvPr id="58" name="Connector: Elbow 57">
+            <a:extLst>
+              <a:ext uri="{FF2B5EF4-FFF2-40B4-BE49-F238E27FC236}">
+                <a16:creationId xmlns:a16="http://schemas.microsoft.com/office/drawing/2014/main" id="{873F8AB7-E48C-797D-3C28-13D834D923AA}"/>
+              </a:ext>
+            </a:extLst>
+          </p:cNvPr>
+          <p:cNvCxnSpPr>
+            <a:cxnSpLocks/>
+            <a:stCxn id="46" idx="3"/>
+            <a:endCxn id="54" idx="2"/>
+          </p:cNvCxnSpPr>
+          <p:nvPr/>
+        </p:nvCxnSpPr>
+        <p:spPr>
+          <a:xfrm flipV="1">
+            <a:off x="5435691" y="3906634"/>
+            <a:ext cx="337129" cy="382603"/>
+          </a:xfrm>
+          <a:prstGeom prst="bentConnector2">
+            <a:avLst/>
+          </a:prstGeom>
+          <a:ln w="19050">
+            <a:solidFill>
+              <a:schemeClr val="tx2">
+                <a:lumMod val="75000"/>
+                <a:lumOff val="25000"/>
+              </a:schemeClr>
+            </a:solidFill>
+          </a:ln>
+        </p:spPr>
+        <p:style>
+          <a:lnRef idx="2">
+            <a:schemeClr val="accent1"/>
+          </a:lnRef>
+          <a:fillRef idx="0">
+            <a:schemeClr val="accent1"/>
+          </a:fillRef>
+          <a:effectRef idx="1">
+            <a:schemeClr val="accent1"/>
+          </a:effectRef>
+          <a:fontRef idx="minor">
+            <a:schemeClr val="tx1"/>
+          </a:fontRef>
+        </p:style>
+      </p:cxnSp>
+      <p:cxnSp>
+        <p:nvCxnSpPr>
+          <p:cNvPr id="59" name="Connector: Elbow 58">
+            <a:extLst>
+              <a:ext uri="{FF2B5EF4-FFF2-40B4-BE49-F238E27FC236}">
+                <a16:creationId xmlns:a16="http://schemas.microsoft.com/office/drawing/2014/main" id="{AFD01B7F-240A-E646-C3CC-C52067AC719B}"/>
+              </a:ext>
+            </a:extLst>
+          </p:cNvPr>
+          <p:cNvCxnSpPr>
+            <a:cxnSpLocks/>
+            <a:stCxn id="46" idx="0"/>
+            <a:endCxn id="48" idx="2"/>
+          </p:cNvCxnSpPr>
+          <p:nvPr/>
+        </p:nvCxnSpPr>
+        <p:spPr>
+          <a:xfrm rot="16200000" flipV="1">
+            <a:off x="4690867" y="3637154"/>
+            <a:ext cx="679925" cy="167670"/>
+          </a:xfrm>
+          <a:prstGeom prst="bentConnector3">
+            <a:avLst>
+              <a:gd name="adj1" fmla="val 50000"/>
+            </a:avLst>
+          </a:prstGeom>
+          <a:ln w="19050">
+            <a:solidFill>
+              <a:schemeClr val="tx2">
+                <a:lumMod val="75000"/>
+                <a:lumOff val="25000"/>
+              </a:schemeClr>
+            </a:solidFill>
+          </a:ln>
+        </p:spPr>
+        <p:style>
+          <a:lnRef idx="2">
+            <a:schemeClr val="accent1"/>
+          </a:lnRef>
+          <a:fillRef idx="0">
+            <a:schemeClr val="accent1"/>
+          </a:fillRef>
+          <a:effectRef idx="1">
+            <a:schemeClr val="accent1"/>
+          </a:effectRef>
+          <a:fontRef idx="minor">
+            <a:schemeClr val="tx1"/>
+          </a:fontRef>
+        </p:style>
+      </p:cxnSp>
+      <p:cxnSp>
+        <p:nvCxnSpPr>
+          <p:cNvPr id="60" name="Connector: Elbow 59">
+            <a:extLst>
+              <a:ext uri="{FF2B5EF4-FFF2-40B4-BE49-F238E27FC236}">
+                <a16:creationId xmlns:a16="http://schemas.microsoft.com/office/drawing/2014/main" id="{640F1950-F283-D1CC-7899-BB8CBC3970CD}"/>
+              </a:ext>
+            </a:extLst>
+          </p:cNvPr>
+          <p:cNvCxnSpPr>
+            <a:cxnSpLocks/>
+            <a:stCxn id="46" idx="1"/>
+          </p:cNvCxnSpPr>
+          <p:nvPr/>
+        </p:nvCxnSpPr>
+        <p:spPr>
+          <a:xfrm rot="10800000">
+            <a:off x="3478129" y="3428351"/>
+            <a:ext cx="1315509" cy="860886"/>
+          </a:xfrm>
+          <a:prstGeom prst="bentConnector3">
+            <a:avLst>
+              <a:gd name="adj1" fmla="val 61295"/>
+            </a:avLst>
+          </a:prstGeom>
+          <a:ln w="19050">
+            <a:solidFill>
+              <a:schemeClr val="tx2">
+                <a:lumMod val="75000"/>
+                <a:lumOff val="25000"/>
+              </a:schemeClr>
+            </a:solidFill>
+          </a:ln>
+        </p:spPr>
+        <p:style>
+          <a:lnRef idx="2">
+            <a:schemeClr val="accent1"/>
+          </a:lnRef>
+          <a:fillRef idx="0">
+            <a:schemeClr val="accent1"/>
+          </a:fillRef>
+          <a:effectRef idx="1">
+            <a:schemeClr val="accent1"/>
+          </a:effectRef>
+          <a:fontRef idx="minor">
+            <a:schemeClr val="tx1"/>
+          </a:fontRef>
+        </p:style>
+      </p:cxnSp>
+      <p:cxnSp>
+        <p:nvCxnSpPr>
+          <p:cNvPr id="61" name="Connector: Elbow 60">
+            <a:extLst>
+              <a:ext uri="{FF2B5EF4-FFF2-40B4-BE49-F238E27FC236}">
+                <a16:creationId xmlns:a16="http://schemas.microsoft.com/office/drawing/2014/main" id="{23EFF02A-BE26-22B4-1CCC-ADE330DC5E9D}"/>
+              </a:ext>
+            </a:extLst>
+          </p:cNvPr>
+          <p:cNvCxnSpPr>
+            <a:cxnSpLocks/>
+            <a:stCxn id="46" idx="2"/>
+          </p:cNvCxnSpPr>
+          <p:nvPr/>
+        </p:nvCxnSpPr>
+        <p:spPr>
+          <a:xfrm rot="16200000" flipH="1">
+            <a:off x="5504646" y="4127541"/>
+            <a:ext cx="91671" cy="871634"/>
+          </a:xfrm>
+          <a:prstGeom prst="bentConnector2">
+            <a:avLst/>
+          </a:prstGeom>
+        </p:spPr>
+        <p:style>
+          <a:lnRef idx="2">
+            <a:schemeClr val="accent1"/>
+          </a:lnRef>
+          <a:fillRef idx="0">
+            <a:schemeClr val="accent1"/>
+          </a:fillRef>
+          <a:effectRef idx="1">
+            <a:schemeClr val="accent1"/>
+          </a:effectRef>
+          <a:fontRef idx="minor">
+            <a:schemeClr val="tx1"/>
+          </a:fontRef>
+        </p:style>
+      </p:cxnSp>
+      <p:sp>
+        <p:nvSpPr>
+          <p:cNvPr id="62" name="TextBox 61">
+            <a:extLst>
+              <a:ext uri="{FF2B5EF4-FFF2-40B4-BE49-F238E27FC236}">
+                <a16:creationId xmlns:a16="http://schemas.microsoft.com/office/drawing/2014/main" id="{4AA59346-0290-5757-1BD4-B3AA0E496921}"/>
+              </a:ext>
+            </a:extLst>
+          </p:cNvPr>
+          <p:cNvSpPr txBox="1"/>
+          <p:nvPr/>
+        </p:nvSpPr>
+        <p:spPr>
+          <a:xfrm>
+            <a:off x="1312255" y="1904194"/>
+            <a:ext cx="1935834" cy="738664"/>
+          </a:xfrm>
+          <a:prstGeom prst="rect">
+            <a:avLst/>
+          </a:prstGeom>
+          <a:noFill/>
+        </p:spPr>
+        <p:txBody>
+          <a:bodyPr wrap="square">
+            <a:spAutoFit/>
+          </a:bodyPr>
+          <a:lstStyle/>
+          <a:p>
+            <a:r>
+              <a:rPr lang="en-US" sz="1400" b="1" dirty="0">
+                <a:solidFill>
+                  <a:schemeClr val="bg1"/>
+                </a:solidFill>
+              </a:rPr>
+              <a:t>Real-world train module function mapping </a:t>
+            </a:r>
+            <a:endParaRPr lang="en-SG" sz="1400" b="1" dirty="0">
+              <a:solidFill>
+                <a:schemeClr val="bg1"/>
+              </a:solidFill>
+            </a:endParaRPr>
+          </a:p>
+        </p:txBody>
+      </p:sp>
+      <p:sp>
+        <p:nvSpPr>
+          <p:cNvPr id="63" name="TextBox 62">
+            <a:extLst>
+              <a:ext uri="{FF2B5EF4-FFF2-40B4-BE49-F238E27FC236}">
+                <a16:creationId xmlns:a16="http://schemas.microsoft.com/office/drawing/2014/main" id="{01D7C0E6-DBAA-1F53-FF3E-D4ABC542B12A}"/>
+              </a:ext>
+            </a:extLst>
+          </p:cNvPr>
+          <p:cNvSpPr txBox="1"/>
+          <p:nvPr/>
+        </p:nvSpPr>
+        <p:spPr>
+          <a:xfrm>
+            <a:off x="7365162" y="4395398"/>
+            <a:ext cx="1356985" cy="461665"/>
+          </a:xfrm>
+          <a:prstGeom prst="rect">
+            <a:avLst/>
+          </a:prstGeom>
+          <a:noFill/>
+        </p:spPr>
+        <p:txBody>
+          <a:bodyPr wrap="square">
+            <a:spAutoFit/>
+          </a:bodyPr>
+          <a:lstStyle/>
+          <a:p>
+            <a:r>
+              <a:rPr lang="en-US" sz="1200" b="1" dirty="0">
+                <a:solidFill>
+                  <a:schemeClr val="bg1"/>
+                </a:solidFill>
+              </a:rPr>
+              <a:t>Train driving control PLC</a:t>
+            </a:r>
+            <a:endParaRPr lang="en-SG" sz="1200" b="1" dirty="0">
+              <a:solidFill>
+                <a:schemeClr val="bg1"/>
+              </a:solidFill>
+            </a:endParaRPr>
+          </a:p>
+        </p:txBody>
+      </p:sp>
+      <p:sp>
+        <p:nvSpPr>
+          <p:cNvPr id="64" name="TextBox 63">
+            <a:extLst>
+              <a:ext uri="{FF2B5EF4-FFF2-40B4-BE49-F238E27FC236}">
+                <a16:creationId xmlns:a16="http://schemas.microsoft.com/office/drawing/2014/main" id="{ABEC18DA-FA18-2751-0B6B-7AD28159C911}"/>
+              </a:ext>
+            </a:extLst>
+          </p:cNvPr>
+          <p:cNvSpPr txBox="1"/>
+          <p:nvPr/>
+        </p:nvSpPr>
+        <p:spPr>
+          <a:xfrm>
+            <a:off x="3441084" y="4489751"/>
+            <a:ext cx="2017339" cy="276999"/>
+          </a:xfrm>
+          <a:prstGeom prst="rect">
+            <a:avLst/>
+          </a:prstGeom>
+          <a:noFill/>
+        </p:spPr>
+        <p:txBody>
+          <a:bodyPr wrap="square">
+            <a:spAutoFit/>
+          </a:bodyPr>
+          <a:lstStyle/>
+          <a:p>
+            <a:r>
+              <a:rPr lang="en-US" sz="1200" b="1" dirty="0">
+                <a:solidFill>
+                  <a:schemeClr val="bg1"/>
+                </a:solidFill>
+              </a:rPr>
+              <a:t>Train sensors RTU</a:t>
+            </a:r>
+            <a:endParaRPr lang="en-SG" sz="1200" b="1" dirty="0">
+              <a:solidFill>
+                <a:schemeClr val="bg1"/>
+              </a:solidFill>
+            </a:endParaRPr>
+          </a:p>
+        </p:txBody>
+      </p:sp>
+      <p:pic>
+        <p:nvPicPr>
+          <p:cNvPr id="65" name="Picture 64">
+            <a:extLst>
+              <a:ext uri="{FF2B5EF4-FFF2-40B4-BE49-F238E27FC236}">
+                <a16:creationId xmlns:a16="http://schemas.microsoft.com/office/drawing/2014/main" id="{A1D546AB-941A-081F-1CAE-DF443B092F7B}"/>
+              </a:ext>
+            </a:extLst>
+          </p:cNvPr>
+          <p:cNvPicPr>
+            <a:picLocks noChangeAspect="1"/>
+          </p:cNvPicPr>
+          <p:nvPr/>
+        </p:nvPicPr>
+        <p:blipFill>
+          <a:blip r:embed="rId6"/>
+          <a:stretch>
+            <a:fillRect/>
+          </a:stretch>
+        </p:blipFill>
+        <p:spPr>
+          <a:xfrm>
+            <a:off x="2411426" y="3502960"/>
+            <a:ext cx="379553" cy="367567"/>
+          </a:xfrm>
+          <a:prstGeom prst="rect">
+            <a:avLst/>
+          </a:prstGeom>
+          <a:ln w="9525">
+            <a:solidFill>
+              <a:schemeClr val="tx1"/>
+            </a:solidFill>
+          </a:ln>
+        </p:spPr>
+      </p:pic>
+      <p:sp>
+        <p:nvSpPr>
+          <p:cNvPr id="66" name="TextBox 65">
+            <a:extLst>
+              <a:ext uri="{FF2B5EF4-FFF2-40B4-BE49-F238E27FC236}">
+                <a16:creationId xmlns:a16="http://schemas.microsoft.com/office/drawing/2014/main" id="{3CFEFB6C-672E-0801-5A81-552DCDBCD9B1}"/>
+              </a:ext>
+            </a:extLst>
+          </p:cNvPr>
+          <p:cNvSpPr txBox="1"/>
+          <p:nvPr/>
+        </p:nvSpPr>
+        <p:spPr>
+          <a:xfrm>
+            <a:off x="1529545" y="4173494"/>
+            <a:ext cx="915093" cy="461665"/>
+          </a:xfrm>
+          <a:prstGeom prst="rect">
+            <a:avLst/>
+          </a:prstGeom>
+          <a:noFill/>
+        </p:spPr>
+        <p:txBody>
+          <a:bodyPr wrap="square">
+            <a:spAutoFit/>
+          </a:bodyPr>
+          <a:lstStyle/>
+          <a:p>
+            <a:r>
+              <a:rPr lang="en-US" sz="1200" b="1" dirty="0">
+                <a:solidFill>
+                  <a:schemeClr val="bg1"/>
+                </a:solidFill>
+              </a:rPr>
+              <a:t>On train antenna  </a:t>
+            </a:r>
+            <a:endParaRPr lang="en-SG" sz="1200" b="1" dirty="0">
+              <a:solidFill>
+                <a:schemeClr val="bg1"/>
+              </a:solidFill>
+            </a:endParaRPr>
+          </a:p>
+        </p:txBody>
+      </p:sp>
+      <p:cxnSp>
+        <p:nvCxnSpPr>
+          <p:cNvPr id="67" name="Straight Arrow Connector 66">
+            <a:extLst>
+              <a:ext uri="{FF2B5EF4-FFF2-40B4-BE49-F238E27FC236}">
+                <a16:creationId xmlns:a16="http://schemas.microsoft.com/office/drawing/2014/main" id="{B7F31124-D413-9CF8-0CE4-7F7D331FAF6B}"/>
+              </a:ext>
+            </a:extLst>
+          </p:cNvPr>
+          <p:cNvCxnSpPr>
+            <a:cxnSpLocks/>
+          </p:cNvCxnSpPr>
+          <p:nvPr/>
+        </p:nvCxnSpPr>
+        <p:spPr>
+          <a:xfrm flipV="1">
+            <a:off x="2029759" y="3797311"/>
+            <a:ext cx="298823" cy="402147"/>
+          </a:xfrm>
+          <a:prstGeom prst="straightConnector1">
+            <a:avLst/>
+          </a:prstGeom>
+          <a:ln w="9525">
+            <a:prstDash val="sysDash"/>
+            <a:tailEnd type="triangle"/>
+          </a:ln>
+        </p:spPr>
+        <p:style>
+          <a:lnRef idx="2">
+            <a:schemeClr val="accent2"/>
+          </a:lnRef>
+          <a:fillRef idx="0">
+            <a:schemeClr val="accent2"/>
+          </a:fillRef>
+          <a:effectRef idx="1">
+            <a:schemeClr val="accent2"/>
+          </a:effectRef>
+          <a:fontRef idx="minor">
+            <a:schemeClr val="tx1"/>
+          </a:fontRef>
+        </p:style>
+      </p:cxnSp>
+      <p:cxnSp>
+        <p:nvCxnSpPr>
+          <p:cNvPr id="68" name="Connector: Elbow 67">
+            <a:extLst>
+              <a:ext uri="{FF2B5EF4-FFF2-40B4-BE49-F238E27FC236}">
+                <a16:creationId xmlns:a16="http://schemas.microsoft.com/office/drawing/2014/main" id="{6EC8AEFA-4695-6A95-0B55-66C759F38EB5}"/>
+              </a:ext>
+            </a:extLst>
+          </p:cNvPr>
+          <p:cNvCxnSpPr>
+            <a:cxnSpLocks/>
+            <a:endCxn id="65" idx="3"/>
+          </p:cNvCxnSpPr>
+          <p:nvPr/>
+        </p:nvCxnSpPr>
+        <p:spPr>
+          <a:xfrm rot="16200000" flipV="1">
+            <a:off x="2534761" y="3942963"/>
+            <a:ext cx="734847" cy="222410"/>
+          </a:xfrm>
+          <a:prstGeom prst="bentConnector2">
+            <a:avLst/>
+          </a:prstGeom>
+          <a:ln w="19050">
+            <a:solidFill>
+              <a:schemeClr val="tx2">
+                <a:lumMod val="75000"/>
+                <a:lumOff val="25000"/>
+              </a:schemeClr>
+            </a:solidFill>
+            <a:prstDash val="sysDash"/>
+          </a:ln>
+        </p:spPr>
+        <p:style>
+          <a:lnRef idx="2">
+            <a:schemeClr val="accent1"/>
+          </a:lnRef>
+          <a:fillRef idx="0">
+            <a:schemeClr val="accent1"/>
+          </a:fillRef>
+          <a:effectRef idx="1">
+            <a:schemeClr val="accent1"/>
+          </a:effectRef>
+          <a:fontRef idx="minor">
+            <a:schemeClr val="tx1"/>
+          </a:fontRef>
+        </p:style>
+      </p:cxnSp>
+      <p:cxnSp>
+        <p:nvCxnSpPr>
+          <p:cNvPr id="69" name="Straight Connector 68">
+            <a:extLst>
+              <a:ext uri="{FF2B5EF4-FFF2-40B4-BE49-F238E27FC236}">
+                <a16:creationId xmlns:a16="http://schemas.microsoft.com/office/drawing/2014/main" id="{7A5F6A3C-69AE-7777-9696-5EC7F895BA20}"/>
+              </a:ext>
+            </a:extLst>
+          </p:cNvPr>
+          <p:cNvCxnSpPr/>
+          <p:nvPr/>
+        </p:nvCxnSpPr>
+        <p:spPr>
+          <a:xfrm>
+            <a:off x="3013390" y="4421591"/>
+            <a:ext cx="1780247" cy="0"/>
+          </a:xfrm>
+          <a:prstGeom prst="line">
+            <a:avLst/>
+          </a:prstGeom>
+          <a:ln>
+            <a:prstDash val="sysDash"/>
+          </a:ln>
+        </p:spPr>
+        <p:style>
+          <a:lnRef idx="2">
+            <a:schemeClr val="accent1"/>
+          </a:lnRef>
+          <a:fillRef idx="0">
+            <a:schemeClr val="accent1"/>
+          </a:fillRef>
+          <a:effectRef idx="1">
+            <a:schemeClr val="accent1"/>
+          </a:effectRef>
+          <a:fontRef idx="minor">
+            <a:schemeClr val="tx1"/>
+          </a:fontRef>
+        </p:style>
+      </p:cxnSp>
+      <p:pic>
+        <p:nvPicPr>
+          <p:cNvPr id="70" name="Picture 69">
+            <a:extLst>
+              <a:ext uri="{FF2B5EF4-FFF2-40B4-BE49-F238E27FC236}">
+                <a16:creationId xmlns:a16="http://schemas.microsoft.com/office/drawing/2014/main" id="{2AB86227-8118-465A-90A6-D21CDA9D50CD}"/>
+              </a:ext>
+            </a:extLst>
+          </p:cNvPr>
+          <p:cNvPicPr>
+            <a:picLocks noChangeAspect="1"/>
+          </p:cNvPicPr>
+          <p:nvPr/>
+        </p:nvPicPr>
+        <p:blipFill>
+          <a:blip r:embed="rId7"/>
+          <a:stretch>
+            <a:fillRect/>
+          </a:stretch>
+        </p:blipFill>
+        <p:spPr>
+          <a:xfrm>
+            <a:off x="2285348" y="5136612"/>
+            <a:ext cx="625739" cy="619418"/>
+          </a:xfrm>
+          <a:prstGeom prst="rect">
+            <a:avLst/>
+          </a:prstGeom>
+          <a:ln w="9525">
+            <a:solidFill>
+              <a:schemeClr val="tx1"/>
+            </a:solidFill>
+          </a:ln>
+        </p:spPr>
+      </p:pic>
+      <p:sp>
+        <p:nvSpPr>
+          <p:cNvPr id="71" name="TextBox 70">
+            <a:extLst>
+              <a:ext uri="{FF2B5EF4-FFF2-40B4-BE49-F238E27FC236}">
+                <a16:creationId xmlns:a16="http://schemas.microsoft.com/office/drawing/2014/main" id="{D54BB6BD-9164-277F-36C1-0FC6D4F6F78D}"/>
+              </a:ext>
+            </a:extLst>
+          </p:cNvPr>
+          <p:cNvSpPr txBox="1"/>
+          <p:nvPr/>
+        </p:nvSpPr>
+        <p:spPr>
+          <a:xfrm>
+            <a:off x="2906630" y="4981919"/>
+            <a:ext cx="915093" cy="461665"/>
+          </a:xfrm>
+          <a:prstGeom prst="rect">
+            <a:avLst/>
+          </a:prstGeom>
+          <a:noFill/>
+        </p:spPr>
+        <p:txBody>
+          <a:bodyPr wrap="square">
+            <a:spAutoFit/>
+          </a:bodyPr>
+          <a:lstStyle/>
+          <a:p>
+            <a:r>
+              <a:rPr lang="en-US" sz="1200" b="1" dirty="0">
+                <a:solidFill>
+                  <a:schemeClr val="bg1"/>
+                </a:solidFill>
+              </a:rPr>
+              <a:t>Railway antenna  </a:t>
+            </a:r>
+            <a:endParaRPr lang="en-SG" sz="1200" b="1" dirty="0">
+              <a:solidFill>
+                <a:schemeClr val="bg1"/>
+              </a:solidFill>
+            </a:endParaRPr>
+          </a:p>
+        </p:txBody>
+      </p:sp>
+      <p:cxnSp>
+        <p:nvCxnSpPr>
+          <p:cNvPr id="72" name="Straight Connector 71">
+            <a:extLst>
+              <a:ext uri="{FF2B5EF4-FFF2-40B4-BE49-F238E27FC236}">
+                <a16:creationId xmlns:a16="http://schemas.microsoft.com/office/drawing/2014/main" id="{30389ADD-682E-CCDF-412B-963455B6221B}"/>
+              </a:ext>
+            </a:extLst>
+          </p:cNvPr>
+          <p:cNvCxnSpPr>
+            <a:cxnSpLocks/>
+            <a:endCxn id="70" idx="0"/>
+          </p:cNvCxnSpPr>
+          <p:nvPr/>
+        </p:nvCxnSpPr>
+        <p:spPr>
+          <a:xfrm>
+            <a:off x="2598218" y="3867888"/>
+            <a:ext cx="0" cy="1268724"/>
+          </a:xfrm>
+          <a:prstGeom prst="line">
+            <a:avLst/>
+          </a:prstGeom>
+          <a:ln w="19050">
+            <a:solidFill>
+              <a:schemeClr val="bg1"/>
+            </a:solidFill>
+            <a:prstDash val="dash"/>
+          </a:ln>
+        </p:spPr>
+        <p:style>
+          <a:lnRef idx="1">
+            <a:schemeClr val="dk1"/>
+          </a:lnRef>
+          <a:fillRef idx="0">
+            <a:schemeClr val="dk1"/>
+          </a:fillRef>
+          <a:effectRef idx="0">
+            <a:schemeClr val="dk1"/>
+          </a:effectRef>
+          <a:fontRef idx="minor">
+            <a:schemeClr val="tx1"/>
+          </a:fontRef>
+        </p:style>
+      </p:cxnSp>
+      <p:sp>
+        <p:nvSpPr>
+          <p:cNvPr id="73" name="Oval 72">
+            <a:extLst>
+              <a:ext uri="{FF2B5EF4-FFF2-40B4-BE49-F238E27FC236}">
+                <a16:creationId xmlns:a16="http://schemas.microsoft.com/office/drawing/2014/main" id="{8C2554F9-3C3B-468F-83C4-5A6172A2D4CC}"/>
+              </a:ext>
+            </a:extLst>
+          </p:cNvPr>
+          <p:cNvSpPr/>
+          <p:nvPr/>
+        </p:nvSpPr>
+        <p:spPr>
+          <a:xfrm>
+            <a:off x="3290141" y="2871449"/>
+            <a:ext cx="157467" cy="193325"/>
+          </a:xfrm>
+          <a:prstGeom prst="ellipse">
+            <a:avLst/>
+          </a:prstGeom>
+          <a:solidFill>
+            <a:schemeClr val="tx1">
+              <a:lumMod val="50000"/>
+              <a:lumOff val="50000"/>
+            </a:schemeClr>
+          </a:solidFill>
+        </p:spPr>
+        <p:style>
+          <a:lnRef idx="2">
+            <a:schemeClr val="accent1">
+              <a:shade val="15000"/>
+            </a:schemeClr>
+          </a:lnRef>
+          <a:fillRef idx="1">
+            <a:schemeClr val="accent1"/>
+          </a:fillRef>
+          <a:effectRef idx="0">
+            <a:schemeClr val="accent1"/>
+          </a:effectRef>
+          <a:fontRef idx="minor">
+            <a:schemeClr val="lt1"/>
+          </a:fontRef>
+        </p:style>
+        <p:txBody>
+          <a:bodyPr rtlCol="0" anchor="ctr"/>
+          <a:lstStyle/>
+          <a:p>
+            <a:pPr algn="ctr"/>
+            <a:endParaRPr lang="en-SG" dirty="0">
+              <a:solidFill>
+                <a:schemeClr val="bg1"/>
+              </a:solidFill>
+            </a:endParaRPr>
+          </a:p>
+        </p:txBody>
+      </p:sp>
+      <p:cxnSp>
+        <p:nvCxnSpPr>
+          <p:cNvPr id="74" name="Straight Connector 73">
+            <a:extLst>
+              <a:ext uri="{FF2B5EF4-FFF2-40B4-BE49-F238E27FC236}">
+                <a16:creationId xmlns:a16="http://schemas.microsoft.com/office/drawing/2014/main" id="{9BEB9E9A-5AD2-BDA4-0E3A-05E51E36DEF1}"/>
+              </a:ext>
+            </a:extLst>
+          </p:cNvPr>
+          <p:cNvCxnSpPr>
+            <a:cxnSpLocks/>
+          </p:cNvCxnSpPr>
+          <p:nvPr/>
+        </p:nvCxnSpPr>
+        <p:spPr>
+          <a:xfrm flipH="1" flipV="1">
+            <a:off x="3156767" y="2761462"/>
+            <a:ext cx="139955" cy="171643"/>
+          </a:xfrm>
+          <a:prstGeom prst="line">
+            <a:avLst/>
+          </a:prstGeom>
+        </p:spPr>
+        <p:style>
+          <a:lnRef idx="2">
+            <a:schemeClr val="accent1"/>
+          </a:lnRef>
+          <a:fillRef idx="0">
+            <a:schemeClr val="accent1"/>
+          </a:fillRef>
+          <a:effectRef idx="1">
+            <a:schemeClr val="accent1"/>
+          </a:effectRef>
+          <a:fontRef idx="minor">
+            <a:schemeClr val="tx1"/>
+          </a:fontRef>
+        </p:style>
+      </p:cxnSp>
+      <p:cxnSp>
+        <p:nvCxnSpPr>
+          <p:cNvPr id="75" name="Straight Arrow Connector 74">
+            <a:extLst>
+              <a:ext uri="{FF2B5EF4-FFF2-40B4-BE49-F238E27FC236}">
+                <a16:creationId xmlns:a16="http://schemas.microsoft.com/office/drawing/2014/main" id="{BC795703-A305-240E-7D53-83054B740C48}"/>
+              </a:ext>
+            </a:extLst>
+          </p:cNvPr>
+          <p:cNvCxnSpPr>
+            <a:cxnSpLocks/>
+          </p:cNvCxnSpPr>
+          <p:nvPr/>
+        </p:nvCxnSpPr>
+        <p:spPr>
+          <a:xfrm flipH="1">
+            <a:off x="3330002" y="2273526"/>
+            <a:ext cx="444" cy="547121"/>
+          </a:xfrm>
+          <a:prstGeom prst="straightConnector1">
+            <a:avLst/>
+          </a:prstGeom>
+          <a:ln w="9525">
+            <a:prstDash val="sysDash"/>
+            <a:tailEnd type="triangle"/>
+          </a:ln>
+        </p:spPr>
+        <p:style>
+          <a:lnRef idx="2">
+            <a:schemeClr val="accent2"/>
+          </a:lnRef>
+          <a:fillRef idx="0">
+            <a:schemeClr val="accent2"/>
+          </a:fillRef>
+          <a:effectRef idx="1">
+            <a:schemeClr val="accent2"/>
+          </a:effectRef>
+          <a:fontRef idx="minor">
+            <a:schemeClr val="tx1"/>
+          </a:fontRef>
+        </p:style>
+      </p:cxnSp>
+      <p:sp>
+        <p:nvSpPr>
+          <p:cNvPr id="76" name="TextBox 75">
+            <a:extLst>
+              <a:ext uri="{FF2B5EF4-FFF2-40B4-BE49-F238E27FC236}">
+                <a16:creationId xmlns:a16="http://schemas.microsoft.com/office/drawing/2014/main" id="{6095257E-C199-A395-26B3-69337D3416E6}"/>
+              </a:ext>
+            </a:extLst>
+          </p:cNvPr>
+          <p:cNvSpPr txBox="1"/>
+          <p:nvPr/>
+        </p:nvSpPr>
+        <p:spPr>
+          <a:xfrm>
+            <a:off x="2280172" y="4461585"/>
+            <a:ext cx="986686" cy="461665"/>
+          </a:xfrm>
+          <a:prstGeom prst="rect">
+            <a:avLst/>
+          </a:prstGeom>
+          <a:noFill/>
+        </p:spPr>
+        <p:txBody>
+          <a:bodyPr wrap="square">
+            <a:spAutoFit/>
+          </a:bodyPr>
+          <a:lstStyle/>
+          <a:p>
+            <a:r>
+              <a:rPr lang="en-US" sz="1200" b="1" dirty="0">
+                <a:solidFill>
+                  <a:schemeClr val="bg1"/>
+                </a:solidFill>
+              </a:rPr>
+              <a:t>Wireless connection</a:t>
+            </a:r>
+            <a:endParaRPr lang="en-SG" sz="1200" b="1" dirty="0">
+              <a:solidFill>
+                <a:schemeClr val="bg1"/>
+              </a:solidFill>
+            </a:endParaRPr>
+          </a:p>
+        </p:txBody>
+      </p:sp>
+      <p:sp>
+        <p:nvSpPr>
+          <p:cNvPr id="77" name="TextBox 76">
+            <a:extLst>
+              <a:ext uri="{FF2B5EF4-FFF2-40B4-BE49-F238E27FC236}">
+                <a16:creationId xmlns:a16="http://schemas.microsoft.com/office/drawing/2014/main" id="{92D6D40D-F5FB-C61F-415E-BEBF4C0DDB99}"/>
+              </a:ext>
+            </a:extLst>
+          </p:cNvPr>
+          <p:cNvSpPr txBox="1"/>
+          <p:nvPr/>
+        </p:nvSpPr>
+        <p:spPr>
+          <a:xfrm>
+            <a:off x="3090523" y="1970405"/>
+            <a:ext cx="1188622" cy="276999"/>
+          </a:xfrm>
+          <a:prstGeom prst="rect">
+            <a:avLst/>
+          </a:prstGeom>
+          <a:noFill/>
+        </p:spPr>
+        <p:txBody>
+          <a:bodyPr wrap="square">
+            <a:spAutoFit/>
+          </a:bodyPr>
+          <a:lstStyle/>
+          <a:p>
+            <a:r>
+              <a:rPr lang="en-US" sz="1200" b="1" dirty="0">
+                <a:solidFill>
+                  <a:schemeClr val="bg1"/>
+                </a:solidFill>
+              </a:rPr>
+              <a:t>Train DC moto</a:t>
+            </a:r>
+            <a:endParaRPr lang="en-SG" sz="1200" b="1" dirty="0">
+              <a:solidFill>
+                <a:schemeClr val="bg1"/>
+              </a:solidFill>
+            </a:endParaRPr>
+          </a:p>
+        </p:txBody>
+      </p:sp>
+    </p:spTree>
+    <p:extLst>
+      <p:ext uri="{BB962C8B-B14F-4D97-AF65-F5344CB8AC3E}">
+        <p14:creationId xmlns:p14="http://schemas.microsoft.com/office/powerpoint/2010/main" val="3394858066"/>
       </p:ext>
     </p:extLst>
   </p:cSld>

--- a/doc/designDoc.pptx
+++ b/doc/designDoc.pptx
@@ -5,20 +5,21 @@
     <p:sldMasterId id="2147483648" r:id="rId1"/>
   </p:sldMasterIdLst>
   <p:notesMasterIdLst>
-    <p:notesMasterId r:id="rId13"/>
+    <p:notesMasterId r:id="rId14"/>
   </p:notesMasterIdLst>
   <p:sldIdLst>
     <p:sldId id="256" r:id="rId2"/>
     <p:sldId id="257" r:id="rId3"/>
     <p:sldId id="261" r:id="rId4"/>
-    <p:sldId id="260" r:id="rId5"/>
-    <p:sldId id="258" r:id="rId6"/>
-    <p:sldId id="262" r:id="rId7"/>
-    <p:sldId id="263" r:id="rId8"/>
-    <p:sldId id="264" r:id="rId9"/>
-    <p:sldId id="265" r:id="rId10"/>
-    <p:sldId id="259" r:id="rId11"/>
-    <p:sldId id="266" r:id="rId12"/>
+    <p:sldId id="267" r:id="rId5"/>
+    <p:sldId id="260" r:id="rId6"/>
+    <p:sldId id="258" r:id="rId7"/>
+    <p:sldId id="262" r:id="rId8"/>
+    <p:sldId id="263" r:id="rId9"/>
+    <p:sldId id="264" r:id="rId10"/>
+    <p:sldId id="265" r:id="rId11"/>
+    <p:sldId id="259" r:id="rId12"/>
+    <p:sldId id="266" r:id="rId13"/>
   </p:sldIdLst>
   <p:sldSz cx="12192000" cy="6858000"/>
   <p:notesSz cx="6858000" cy="9144000"/>
@@ -207,7 +208,7 @@
           <a:p>
             <a:fld id="{CA98FC0A-A656-46B8-8BCE-B9957593F2EC}" type="datetimeFigureOut">
               <a:rPr lang="en-SG" smtClean="0"/>
-              <a:t>16/4/2025</a:t>
+              <a:t>11/5/2025</a:t>
             </a:fld>
             <a:endParaRPr lang="en-SG"/>
           </a:p>
@@ -708,7 +709,7 @@
           <a:p>
             <a:fld id="{F953FF10-B1B6-4147-A9BC-BC236B7E3AD4}" type="datetimeFigureOut">
               <a:rPr lang="en-SG" smtClean="0"/>
-              <a:t>16/4/2025</a:t>
+              <a:t>11/5/2025</a:t>
             </a:fld>
             <a:endParaRPr lang="en-SG"/>
           </a:p>
@@ -908,7 +909,7 @@
           <a:p>
             <a:fld id="{F953FF10-B1B6-4147-A9BC-BC236B7E3AD4}" type="datetimeFigureOut">
               <a:rPr lang="en-SG" smtClean="0"/>
-              <a:t>16/4/2025</a:t>
+              <a:t>11/5/2025</a:t>
             </a:fld>
             <a:endParaRPr lang="en-SG"/>
           </a:p>
@@ -1118,7 +1119,7 @@
           <a:p>
             <a:fld id="{F953FF10-B1B6-4147-A9BC-BC236B7E3AD4}" type="datetimeFigureOut">
               <a:rPr lang="en-SG" smtClean="0"/>
-              <a:t>16/4/2025</a:t>
+              <a:t>11/5/2025</a:t>
             </a:fld>
             <a:endParaRPr lang="en-SG"/>
           </a:p>
@@ -1318,7 +1319,7 @@
           <a:p>
             <a:fld id="{F953FF10-B1B6-4147-A9BC-BC236B7E3AD4}" type="datetimeFigureOut">
               <a:rPr lang="en-SG" smtClean="0"/>
-              <a:t>16/4/2025</a:t>
+              <a:t>11/5/2025</a:t>
             </a:fld>
             <a:endParaRPr lang="en-SG"/>
           </a:p>
@@ -1594,7 +1595,7 @@
           <a:p>
             <a:fld id="{F953FF10-B1B6-4147-A9BC-BC236B7E3AD4}" type="datetimeFigureOut">
               <a:rPr lang="en-SG" smtClean="0"/>
-              <a:t>16/4/2025</a:t>
+              <a:t>11/5/2025</a:t>
             </a:fld>
             <a:endParaRPr lang="en-SG"/>
           </a:p>
@@ -1862,7 +1863,7 @@
           <a:p>
             <a:fld id="{F953FF10-B1B6-4147-A9BC-BC236B7E3AD4}" type="datetimeFigureOut">
               <a:rPr lang="en-SG" smtClean="0"/>
-              <a:t>16/4/2025</a:t>
+              <a:t>11/5/2025</a:t>
             </a:fld>
             <a:endParaRPr lang="en-SG"/>
           </a:p>
@@ -2277,7 +2278,7 @@
           <a:p>
             <a:fld id="{F953FF10-B1B6-4147-A9BC-BC236B7E3AD4}" type="datetimeFigureOut">
               <a:rPr lang="en-SG" smtClean="0"/>
-              <a:t>16/4/2025</a:t>
+              <a:t>11/5/2025</a:t>
             </a:fld>
             <a:endParaRPr lang="en-SG"/>
           </a:p>
@@ -2419,7 +2420,7 @@
           <a:p>
             <a:fld id="{F953FF10-B1B6-4147-A9BC-BC236B7E3AD4}" type="datetimeFigureOut">
               <a:rPr lang="en-SG" smtClean="0"/>
-              <a:t>16/4/2025</a:t>
+              <a:t>11/5/2025</a:t>
             </a:fld>
             <a:endParaRPr lang="en-SG"/>
           </a:p>
@@ -2532,7 +2533,7 @@
           <a:p>
             <a:fld id="{F953FF10-B1B6-4147-A9BC-BC236B7E3AD4}" type="datetimeFigureOut">
               <a:rPr lang="en-SG" smtClean="0"/>
-              <a:t>16/4/2025</a:t>
+              <a:t>11/5/2025</a:t>
             </a:fld>
             <a:endParaRPr lang="en-SG"/>
           </a:p>
@@ -2845,7 +2846,7 @@
           <a:p>
             <a:fld id="{F953FF10-B1B6-4147-A9BC-BC236B7E3AD4}" type="datetimeFigureOut">
               <a:rPr lang="en-SG" smtClean="0"/>
-              <a:t>16/4/2025</a:t>
+              <a:t>11/5/2025</a:t>
             </a:fld>
             <a:endParaRPr lang="en-SG"/>
           </a:p>
@@ -3134,7 +3135,7 @@
           <a:p>
             <a:fld id="{F953FF10-B1B6-4147-A9BC-BC236B7E3AD4}" type="datetimeFigureOut">
               <a:rPr lang="en-SG" smtClean="0"/>
-              <a:t>16/4/2025</a:t>
+              <a:t>11/5/2025</a:t>
             </a:fld>
             <a:endParaRPr lang="en-SG"/>
           </a:p>
@@ -3377,7 +3378,7 @@
           <a:p>
             <a:fld id="{F953FF10-B1B6-4147-A9BC-BC236B7E3AD4}" type="datetimeFigureOut">
               <a:rPr lang="en-SG" smtClean="0"/>
-              <a:t>16/4/2025</a:t>
+              <a:t>11/5/2025</a:t>
             </a:fld>
             <a:endParaRPr lang="en-SG"/>
           </a:p>
@@ -6928,6 +6929,1734 @@
       </p:grpSpPr>
       <p:pic>
         <p:nvPicPr>
+          <p:cNvPr id="5" name="Picture 4" descr="A diagram of a data packet&#10;&#10;Description automatically generated">
+            <a:extLst>
+              <a:ext uri="{FF2B5EF4-FFF2-40B4-BE49-F238E27FC236}">
+                <a16:creationId xmlns:a16="http://schemas.microsoft.com/office/drawing/2014/main" id="{A9E1273B-BC99-689E-0375-613845ED7CB8}"/>
+              </a:ext>
+            </a:extLst>
+          </p:cNvPr>
+          <p:cNvPicPr>
+            <a:picLocks noChangeAspect="1"/>
+          </p:cNvPicPr>
+          <p:nvPr/>
+        </p:nvPicPr>
+        <p:blipFill>
+          <a:blip r:embed="rId2">
+            <a:extLst>
+              <a:ext uri="{28A0092B-C50C-407E-A947-70E740481C1C}">
+                <a14:useLocalDpi xmlns:a14="http://schemas.microsoft.com/office/drawing/2010/main" val="0"/>
+              </a:ext>
+            </a:extLst>
+          </a:blip>
+          <a:stretch>
+            <a:fillRect/>
+          </a:stretch>
+        </p:blipFill>
+        <p:spPr>
+          <a:xfrm>
+            <a:off x="1543799" y="370137"/>
+            <a:ext cx="6054866" cy="3076421"/>
+          </a:xfrm>
+          <a:prstGeom prst="rect">
+            <a:avLst/>
+          </a:prstGeom>
+        </p:spPr>
+      </p:pic>
+      <p:sp>
+        <p:nvSpPr>
+          <p:cNvPr id="8" name="TextBox 7">
+            <a:extLst>
+              <a:ext uri="{FF2B5EF4-FFF2-40B4-BE49-F238E27FC236}">
+                <a16:creationId xmlns:a16="http://schemas.microsoft.com/office/drawing/2014/main" id="{1084696D-1B67-DF07-4761-C20ECB8374C2}"/>
+              </a:ext>
+            </a:extLst>
+          </p:cNvPr>
+          <p:cNvSpPr txBox="1"/>
+          <p:nvPr/>
+        </p:nvSpPr>
+        <p:spPr>
+          <a:xfrm>
+            <a:off x="2888351" y="3507029"/>
+            <a:ext cx="552010" cy="276999"/>
+          </a:xfrm>
+          <a:prstGeom prst="rect">
+            <a:avLst/>
+          </a:prstGeom>
+          <a:noFill/>
+        </p:spPr>
+        <p:txBody>
+          <a:bodyPr wrap="square" rtlCol="0">
+            <a:spAutoFit/>
+          </a:bodyPr>
+          <a:lstStyle/>
+          <a:p>
+            <a:r>
+              <a:rPr lang="en-SG" sz="1200" b="0" dirty="0">
+                <a:solidFill>
+                  <a:srgbClr val="CE9178"/>
+                </a:solidFill>
+                <a:effectLst/>
+                <a:highlight>
+                  <a:srgbClr val="1F1F1F"/>
+                </a:highlight>
+                <a:latin typeface="Consolas" panose="020B0609020204030204" pitchFamily="49" charset="0"/>
+              </a:rPr>
+              <a:t>0000</a:t>
+            </a:r>
+            <a:endParaRPr lang="en-SG" sz="1200" b="0" dirty="0">
+              <a:solidFill>
+                <a:srgbClr val="CCCCCC"/>
+              </a:solidFill>
+              <a:effectLst/>
+              <a:highlight>
+                <a:srgbClr val="1F1F1F"/>
+              </a:highlight>
+              <a:latin typeface="Consolas" panose="020B0609020204030204" pitchFamily="49" charset="0"/>
+            </a:endParaRPr>
+          </a:p>
+        </p:txBody>
+      </p:sp>
+      <p:sp>
+        <p:nvSpPr>
+          <p:cNvPr id="11" name="TextBox 10">
+            <a:extLst>
+              <a:ext uri="{FF2B5EF4-FFF2-40B4-BE49-F238E27FC236}">
+                <a16:creationId xmlns:a16="http://schemas.microsoft.com/office/drawing/2014/main" id="{C919F1F3-05B1-A4F2-C50A-1C86832A6C8E}"/>
+              </a:ext>
+            </a:extLst>
+          </p:cNvPr>
+          <p:cNvSpPr txBox="1"/>
+          <p:nvPr/>
+        </p:nvSpPr>
+        <p:spPr>
+          <a:xfrm>
+            <a:off x="4297919" y="3230030"/>
+            <a:ext cx="552010" cy="276999"/>
+          </a:xfrm>
+          <a:prstGeom prst="rect">
+            <a:avLst/>
+          </a:prstGeom>
+          <a:noFill/>
+        </p:spPr>
+        <p:txBody>
+          <a:bodyPr wrap="square" rtlCol="0">
+            <a:spAutoFit/>
+          </a:bodyPr>
+          <a:lstStyle/>
+          <a:p>
+            <a:r>
+              <a:rPr lang="en-SG" sz="1200" b="0" dirty="0">
+                <a:solidFill>
+                  <a:srgbClr val="CE9178"/>
+                </a:solidFill>
+                <a:effectLst/>
+                <a:highlight>
+                  <a:srgbClr val="1F1F1F"/>
+                </a:highlight>
+                <a:latin typeface="Consolas" panose="020B0609020204030204" pitchFamily="49" charset="0"/>
+              </a:rPr>
+              <a:t>01</a:t>
+            </a:r>
+            <a:endParaRPr lang="en-SG" sz="1200" b="0" dirty="0">
+              <a:solidFill>
+                <a:srgbClr val="CCCCCC"/>
+              </a:solidFill>
+              <a:effectLst/>
+              <a:highlight>
+                <a:srgbClr val="1F1F1F"/>
+              </a:highlight>
+              <a:latin typeface="Consolas" panose="020B0609020204030204" pitchFamily="49" charset="0"/>
+            </a:endParaRPr>
+          </a:p>
+        </p:txBody>
+      </p:sp>
+      <p:cxnSp>
+        <p:nvCxnSpPr>
+          <p:cNvPr id="12" name="Connector: Elbow 11">
+            <a:extLst>
+              <a:ext uri="{FF2B5EF4-FFF2-40B4-BE49-F238E27FC236}">
+                <a16:creationId xmlns:a16="http://schemas.microsoft.com/office/drawing/2014/main" id="{41A61F1F-3DA9-DEAF-F66B-80A9A6464B21}"/>
+              </a:ext>
+            </a:extLst>
+          </p:cNvPr>
+          <p:cNvCxnSpPr>
+            <a:cxnSpLocks/>
+            <a:endCxn id="11" idx="1"/>
+          </p:cNvCxnSpPr>
+          <p:nvPr/>
+        </p:nvCxnSpPr>
+        <p:spPr>
+          <a:xfrm rot="16200000" flipH="1">
+            <a:off x="3852372" y="2922982"/>
+            <a:ext cx="703163" cy="187932"/>
+          </a:xfrm>
+          <a:prstGeom prst="bentConnector2">
+            <a:avLst/>
+          </a:prstGeom>
+          <a:ln>
+            <a:tailEnd type="triangle"/>
+          </a:ln>
+        </p:spPr>
+        <p:style>
+          <a:lnRef idx="1">
+            <a:schemeClr val="dk1"/>
+          </a:lnRef>
+          <a:fillRef idx="0">
+            <a:schemeClr val="dk1"/>
+          </a:fillRef>
+          <a:effectRef idx="0">
+            <a:schemeClr val="dk1"/>
+          </a:effectRef>
+          <a:fontRef idx="minor">
+            <a:schemeClr val="tx1"/>
+          </a:fontRef>
+        </p:style>
+      </p:cxnSp>
+      <p:sp>
+        <p:nvSpPr>
+          <p:cNvPr id="15" name="TextBox 14">
+            <a:extLst>
+              <a:ext uri="{FF2B5EF4-FFF2-40B4-BE49-F238E27FC236}">
+                <a16:creationId xmlns:a16="http://schemas.microsoft.com/office/drawing/2014/main" id="{B06F3442-305A-96E3-87A3-053E67FF4D7F}"/>
+              </a:ext>
+            </a:extLst>
+          </p:cNvPr>
+          <p:cNvSpPr txBox="1"/>
+          <p:nvPr/>
+        </p:nvSpPr>
+        <p:spPr>
+          <a:xfrm>
+            <a:off x="4849928" y="2809199"/>
+            <a:ext cx="1092705" cy="276999"/>
+          </a:xfrm>
+          <a:prstGeom prst="rect">
+            <a:avLst/>
+          </a:prstGeom>
+          <a:noFill/>
+        </p:spPr>
+        <p:txBody>
+          <a:bodyPr wrap="square" rtlCol="0">
+            <a:spAutoFit/>
+          </a:bodyPr>
+          <a:lstStyle/>
+          <a:p>
+            <a:r>
+              <a:rPr lang="en-SG" sz="1200" b="0" dirty="0">
+                <a:solidFill>
+                  <a:srgbClr val="CE9178"/>
+                </a:solidFill>
+                <a:effectLst/>
+                <a:highlight>
+                  <a:srgbClr val="1F1F1F"/>
+                </a:highlight>
+                <a:latin typeface="Consolas" panose="020B0609020204030204" pitchFamily="49" charset="0"/>
+              </a:rPr>
+              <a:t>0f or 01</a:t>
+            </a:r>
+            <a:endParaRPr lang="en-SG" sz="1200" b="0" dirty="0">
+              <a:solidFill>
+                <a:srgbClr val="CCCCCC"/>
+              </a:solidFill>
+              <a:effectLst/>
+              <a:highlight>
+                <a:srgbClr val="1F1F1F"/>
+              </a:highlight>
+              <a:latin typeface="Consolas" panose="020B0609020204030204" pitchFamily="49" charset="0"/>
+            </a:endParaRPr>
+          </a:p>
+        </p:txBody>
+      </p:sp>
+      <p:cxnSp>
+        <p:nvCxnSpPr>
+          <p:cNvPr id="16" name="Connector: Elbow 15">
+            <a:extLst>
+              <a:ext uri="{FF2B5EF4-FFF2-40B4-BE49-F238E27FC236}">
+                <a16:creationId xmlns:a16="http://schemas.microsoft.com/office/drawing/2014/main" id="{02A3139D-AE42-B4A5-0424-31DD83F91DBA}"/>
+              </a:ext>
+            </a:extLst>
+          </p:cNvPr>
+          <p:cNvCxnSpPr>
+            <a:cxnSpLocks/>
+            <a:endCxn id="15" idx="1"/>
+          </p:cNvCxnSpPr>
+          <p:nvPr/>
+        </p:nvCxnSpPr>
+        <p:spPr>
+          <a:xfrm rot="16200000" flipH="1">
+            <a:off x="4622133" y="2719903"/>
+            <a:ext cx="282333" cy="173258"/>
+          </a:xfrm>
+          <a:prstGeom prst="bentConnector2">
+            <a:avLst/>
+          </a:prstGeom>
+          <a:ln>
+            <a:tailEnd type="triangle"/>
+          </a:ln>
+        </p:spPr>
+        <p:style>
+          <a:lnRef idx="1">
+            <a:schemeClr val="dk1"/>
+          </a:lnRef>
+          <a:fillRef idx="0">
+            <a:schemeClr val="dk1"/>
+          </a:fillRef>
+          <a:effectRef idx="0">
+            <a:schemeClr val="dk1"/>
+          </a:effectRef>
+          <a:fontRef idx="minor">
+            <a:schemeClr val="tx1"/>
+          </a:fontRef>
+        </p:style>
+      </p:cxnSp>
+      <p:cxnSp>
+        <p:nvCxnSpPr>
+          <p:cNvPr id="18" name="Connector: Elbow 17">
+            <a:extLst>
+              <a:ext uri="{FF2B5EF4-FFF2-40B4-BE49-F238E27FC236}">
+                <a16:creationId xmlns:a16="http://schemas.microsoft.com/office/drawing/2014/main" id="{FB6EE08A-6571-B2EE-B371-102D8D17044C}"/>
+              </a:ext>
+            </a:extLst>
+          </p:cNvPr>
+          <p:cNvCxnSpPr>
+            <a:cxnSpLocks/>
+            <a:endCxn id="20" idx="1"/>
+          </p:cNvCxnSpPr>
+          <p:nvPr/>
+        </p:nvCxnSpPr>
+        <p:spPr>
+          <a:xfrm rot="16200000" flipH="1">
+            <a:off x="3066760" y="3115605"/>
+            <a:ext cx="938164" cy="132348"/>
+          </a:xfrm>
+          <a:prstGeom prst="bentConnector2">
+            <a:avLst/>
+          </a:prstGeom>
+          <a:ln>
+            <a:tailEnd type="triangle"/>
+          </a:ln>
+        </p:spPr>
+        <p:style>
+          <a:lnRef idx="1">
+            <a:schemeClr val="dk1"/>
+          </a:lnRef>
+          <a:fillRef idx="0">
+            <a:schemeClr val="dk1"/>
+          </a:fillRef>
+          <a:effectRef idx="0">
+            <a:schemeClr val="dk1"/>
+          </a:effectRef>
+          <a:fontRef idx="minor">
+            <a:schemeClr val="tx1"/>
+          </a:fontRef>
+        </p:style>
+      </p:cxnSp>
+      <p:sp>
+        <p:nvSpPr>
+          <p:cNvPr id="20" name="TextBox 19">
+            <a:extLst>
+              <a:ext uri="{FF2B5EF4-FFF2-40B4-BE49-F238E27FC236}">
+                <a16:creationId xmlns:a16="http://schemas.microsoft.com/office/drawing/2014/main" id="{A14B5AF4-97A7-D896-1451-7F6A549E14D2}"/>
+              </a:ext>
+            </a:extLst>
+          </p:cNvPr>
+          <p:cNvSpPr txBox="1"/>
+          <p:nvPr/>
+        </p:nvSpPr>
+        <p:spPr>
+          <a:xfrm>
+            <a:off x="3602016" y="3512361"/>
+            <a:ext cx="1247912" cy="276999"/>
+          </a:xfrm>
+          <a:prstGeom prst="rect">
+            <a:avLst/>
+          </a:prstGeom>
+          <a:noFill/>
+        </p:spPr>
+        <p:txBody>
+          <a:bodyPr wrap="square" rtlCol="0">
+            <a:spAutoFit/>
+          </a:bodyPr>
+          <a:lstStyle/>
+          <a:p>
+            <a:r>
+              <a:rPr lang="en-SG" sz="1200" b="0" dirty="0">
+                <a:solidFill>
+                  <a:srgbClr val="CE9178"/>
+                </a:solidFill>
+                <a:effectLst/>
+                <a:highlight>
+                  <a:srgbClr val="1F1F1F"/>
+                </a:highlight>
+                <a:latin typeface="Consolas" panose="020B0609020204030204" pitchFamily="49" charset="0"/>
+              </a:rPr>
+              <a:t>0008 or 0006</a:t>
+            </a:r>
+            <a:endParaRPr lang="en-SG" sz="1200" b="0" dirty="0">
+              <a:solidFill>
+                <a:srgbClr val="CCCCCC"/>
+              </a:solidFill>
+              <a:effectLst/>
+              <a:highlight>
+                <a:srgbClr val="1F1F1F"/>
+              </a:highlight>
+              <a:latin typeface="Consolas" panose="020B0609020204030204" pitchFamily="49" charset="0"/>
+            </a:endParaRPr>
+          </a:p>
+        </p:txBody>
+      </p:sp>
+      <p:cxnSp>
+        <p:nvCxnSpPr>
+          <p:cNvPr id="24" name="Connector: Elbow 23">
+            <a:extLst>
+              <a:ext uri="{FF2B5EF4-FFF2-40B4-BE49-F238E27FC236}">
+                <a16:creationId xmlns:a16="http://schemas.microsoft.com/office/drawing/2014/main" id="{DF349DB7-09DF-D92B-CBB2-C3B86EE15870}"/>
+              </a:ext>
+            </a:extLst>
+          </p:cNvPr>
+          <p:cNvCxnSpPr>
+            <a:cxnSpLocks/>
+            <a:endCxn id="8" idx="1"/>
+          </p:cNvCxnSpPr>
+          <p:nvPr/>
+        </p:nvCxnSpPr>
+        <p:spPr>
+          <a:xfrm rot="16200000" flipH="1">
+            <a:off x="2338548" y="3095726"/>
+            <a:ext cx="979994" cy="119612"/>
+          </a:xfrm>
+          <a:prstGeom prst="bentConnector2">
+            <a:avLst/>
+          </a:prstGeom>
+          <a:ln>
+            <a:tailEnd type="triangle"/>
+          </a:ln>
+        </p:spPr>
+        <p:style>
+          <a:lnRef idx="1">
+            <a:schemeClr val="dk1"/>
+          </a:lnRef>
+          <a:fillRef idx="0">
+            <a:schemeClr val="dk1"/>
+          </a:fillRef>
+          <a:effectRef idx="0">
+            <a:schemeClr val="dk1"/>
+          </a:effectRef>
+          <a:fontRef idx="minor">
+            <a:schemeClr val="tx1"/>
+          </a:fontRef>
+        </p:style>
+      </p:cxnSp>
+      <p:cxnSp>
+        <p:nvCxnSpPr>
+          <p:cNvPr id="26" name="Connector: Elbow 25">
+            <a:extLst>
+              <a:ext uri="{FF2B5EF4-FFF2-40B4-BE49-F238E27FC236}">
+                <a16:creationId xmlns:a16="http://schemas.microsoft.com/office/drawing/2014/main" id="{6DCCCA4E-FD7F-CB49-9FB2-E16194C93E6C}"/>
+              </a:ext>
+            </a:extLst>
+          </p:cNvPr>
+          <p:cNvCxnSpPr>
+            <a:cxnSpLocks/>
+            <a:endCxn id="27" idx="1"/>
+          </p:cNvCxnSpPr>
+          <p:nvPr/>
+        </p:nvCxnSpPr>
+        <p:spPr>
+          <a:xfrm rot="16200000" flipH="1">
+            <a:off x="1623413" y="3072730"/>
+            <a:ext cx="947222" cy="156932"/>
+          </a:xfrm>
+          <a:prstGeom prst="bentConnector2">
+            <a:avLst/>
+          </a:prstGeom>
+          <a:ln>
+            <a:tailEnd type="triangle"/>
+          </a:ln>
+        </p:spPr>
+        <p:style>
+          <a:lnRef idx="1">
+            <a:schemeClr val="dk1"/>
+          </a:lnRef>
+          <a:fillRef idx="0">
+            <a:schemeClr val="dk1"/>
+          </a:fillRef>
+          <a:effectRef idx="0">
+            <a:schemeClr val="dk1"/>
+          </a:effectRef>
+          <a:fontRef idx="minor">
+            <a:schemeClr val="tx1"/>
+          </a:fontRef>
+        </p:style>
+      </p:cxnSp>
+      <p:sp>
+        <p:nvSpPr>
+          <p:cNvPr id="27" name="TextBox 26">
+            <a:extLst>
+              <a:ext uri="{FF2B5EF4-FFF2-40B4-BE49-F238E27FC236}">
+                <a16:creationId xmlns:a16="http://schemas.microsoft.com/office/drawing/2014/main" id="{D6DEAAAD-47A4-902F-F0CA-19EA080154FC}"/>
+              </a:ext>
+            </a:extLst>
+          </p:cNvPr>
+          <p:cNvSpPr txBox="1"/>
+          <p:nvPr/>
+        </p:nvSpPr>
+        <p:spPr>
+          <a:xfrm>
+            <a:off x="2175490" y="3486307"/>
+            <a:ext cx="552010" cy="276999"/>
+          </a:xfrm>
+          <a:prstGeom prst="rect">
+            <a:avLst/>
+          </a:prstGeom>
+          <a:noFill/>
+        </p:spPr>
+        <p:txBody>
+          <a:bodyPr wrap="square" rtlCol="0">
+            <a:spAutoFit/>
+          </a:bodyPr>
+          <a:lstStyle/>
+          <a:p>
+            <a:r>
+              <a:rPr lang="en-SG" sz="1200" b="0" dirty="0">
+                <a:solidFill>
+                  <a:srgbClr val="CE9178"/>
+                </a:solidFill>
+                <a:effectLst/>
+                <a:highlight>
+                  <a:srgbClr val="1F1F1F"/>
+                </a:highlight>
+                <a:latin typeface="Consolas" panose="020B0609020204030204" pitchFamily="49" charset="0"/>
+              </a:rPr>
+              <a:t>0000</a:t>
+            </a:r>
+            <a:endParaRPr lang="en-SG" sz="1200" b="0" dirty="0">
+              <a:solidFill>
+                <a:srgbClr val="CCCCCC"/>
+              </a:solidFill>
+              <a:effectLst/>
+              <a:highlight>
+                <a:srgbClr val="1F1F1F"/>
+              </a:highlight>
+              <a:latin typeface="Consolas" panose="020B0609020204030204" pitchFamily="49" charset="0"/>
+            </a:endParaRPr>
+          </a:p>
+        </p:txBody>
+      </p:sp>
+      <p:graphicFrame>
+        <p:nvGraphicFramePr>
+          <p:cNvPr id="34" name="Table 33">
+            <a:extLst>
+              <a:ext uri="{FF2B5EF4-FFF2-40B4-BE49-F238E27FC236}">
+                <a16:creationId xmlns:a16="http://schemas.microsoft.com/office/drawing/2014/main" id="{6B090E78-3548-496C-8BA1-8558D4B36336}"/>
+              </a:ext>
+            </a:extLst>
+          </p:cNvPr>
+          <p:cNvGraphicFramePr>
+            <a:graphicFrameLocks noGrp="1"/>
+          </p:cNvGraphicFramePr>
+          <p:nvPr>
+            <p:extLst>
+              <p:ext uri="{D42A27DB-BD31-4B8C-83A1-F6EECF244321}">
+                <p14:modId xmlns:p14="http://schemas.microsoft.com/office/powerpoint/2010/main" val="1336898581"/>
+              </p:ext>
+            </p:extLst>
+          </p:nvPr>
+        </p:nvGraphicFramePr>
+        <p:xfrm>
+          <a:off x="6835939" y="1828606"/>
+          <a:ext cx="1822708" cy="457200"/>
+        </p:xfrm>
+        <a:graphic>
+          <a:graphicData uri="http://schemas.openxmlformats.org/drawingml/2006/table">
+            <a:tbl>
+              <a:tblPr firstRow="1" bandRow="1">
+                <a:tableStyleId>{5940675A-B579-460E-94D1-54222C63F5DA}</a:tableStyleId>
+              </a:tblPr>
+              <a:tblGrid>
+                <a:gridCol w="911354">
+                  <a:extLst>
+                    <a:ext uri="{9D8B030D-6E8A-4147-A177-3AD203B41FA5}">
+                      <a16:colId xmlns:a16="http://schemas.microsoft.com/office/drawing/2014/main" val="1230698725"/>
+                    </a:ext>
+                  </a:extLst>
+                </a:gridCol>
+                <a:gridCol w="911354">
+                  <a:extLst>
+                    <a:ext uri="{9D8B030D-6E8A-4147-A177-3AD203B41FA5}">
+                      <a16:colId xmlns:a16="http://schemas.microsoft.com/office/drawing/2014/main" val="1771333324"/>
+                    </a:ext>
+                  </a:extLst>
+                </a:gridCol>
+              </a:tblGrid>
+              <a:tr h="211483">
+                <a:tc>
+                  <a:txBody>
+                    <a:bodyPr/>
+                    <a:lstStyle/>
+                    <a:p>
+                      <a:pPr algn="dist"/>
+                      <a:r>
+                        <a:rPr lang="en-US" sz="900" dirty="0"/>
+                        <a:t>Memory index </a:t>
+                      </a:r>
+                      <a:endParaRPr lang="en-SG" sz="900" dirty="0"/>
+                    </a:p>
+                  </a:txBody>
+                  <a:tcPr/>
+                </a:tc>
+                <a:tc>
+                  <a:txBody>
+                    <a:bodyPr/>
+                    <a:lstStyle/>
+                    <a:p>
+                      <a:r>
+                        <a:rPr lang="en-US" sz="900" dirty="0"/>
+                        <a:t>Bit length</a:t>
+                      </a:r>
+                      <a:endParaRPr lang="en-SG" sz="900" dirty="0"/>
+                    </a:p>
+                  </a:txBody>
+                  <a:tcPr/>
+                </a:tc>
+                <a:extLst>
+                  <a:ext uri="{0D108BD9-81ED-4DB2-BD59-A6C34878D82A}">
+                    <a16:rowId xmlns:a16="http://schemas.microsoft.com/office/drawing/2014/main" val="2269868115"/>
+                  </a:ext>
+                </a:extLst>
+              </a:tr>
+              <a:tr h="211483">
+                <a:tc>
+                  <a:txBody>
+                    <a:bodyPr/>
+                    <a:lstStyle/>
+                    <a:p>
+                      <a:r>
+                        <a:rPr lang="en-US" sz="900" dirty="0"/>
+                        <a:t>( 2 bytes ) </a:t>
+                      </a:r>
+                      <a:endParaRPr lang="en-SG" sz="900" dirty="0"/>
+                    </a:p>
+                  </a:txBody>
+                  <a:tcPr/>
+                </a:tc>
+                <a:tc>
+                  <a:txBody>
+                    <a:bodyPr/>
+                    <a:lstStyle/>
+                    <a:p>
+                      <a:pPr marL="0" marR="0" lvl="0" indent="0" algn="l" defTabSz="914400" rtl="0" eaLnBrk="1" fontAlgn="auto" latinLnBrk="0" hangingPunct="1">
+                        <a:lnSpc>
+                          <a:spcPct val="100000"/>
+                        </a:lnSpc>
+                        <a:spcBef>
+                          <a:spcPts val="0"/>
+                        </a:spcBef>
+                        <a:spcAft>
+                          <a:spcPts val="0"/>
+                        </a:spcAft>
+                        <a:buClrTx/>
+                        <a:buSzTx/>
+                        <a:buFontTx/>
+                        <a:buNone/>
+                        <a:tabLst/>
+                        <a:defRPr/>
+                      </a:pPr>
+                      <a:r>
+                        <a:rPr lang="en-US" sz="900" dirty="0"/>
+                        <a:t>( 2 bytes ) </a:t>
+                      </a:r>
+                      <a:endParaRPr lang="en-SG" sz="900" dirty="0"/>
+                    </a:p>
+                  </a:txBody>
+                  <a:tcPr/>
+                </a:tc>
+                <a:extLst>
+                  <a:ext uri="{0D108BD9-81ED-4DB2-BD59-A6C34878D82A}">
+                    <a16:rowId xmlns:a16="http://schemas.microsoft.com/office/drawing/2014/main" val="3033498223"/>
+                  </a:ext>
+                </a:extLst>
+              </a:tr>
+            </a:tbl>
+          </a:graphicData>
+        </a:graphic>
+      </p:graphicFrame>
+      <p:cxnSp>
+        <p:nvCxnSpPr>
+          <p:cNvPr id="35" name="Connector: Elbow 34">
+            <a:extLst>
+              <a:ext uri="{FF2B5EF4-FFF2-40B4-BE49-F238E27FC236}">
+                <a16:creationId xmlns:a16="http://schemas.microsoft.com/office/drawing/2014/main" id="{ECAC27EB-CDC3-BB23-FBBF-EC96A40C3C32}"/>
+              </a:ext>
+            </a:extLst>
+          </p:cNvPr>
+          <p:cNvCxnSpPr>
+            <a:cxnSpLocks/>
+            <a:stCxn id="53" idx="3"/>
+            <a:endCxn id="34" idx="1"/>
+          </p:cNvCxnSpPr>
+          <p:nvPr/>
+        </p:nvCxnSpPr>
+        <p:spPr>
+          <a:xfrm flipV="1">
+            <a:off x="5775957" y="2057206"/>
+            <a:ext cx="1059982" cy="319090"/>
+          </a:xfrm>
+          <a:prstGeom prst="bentConnector3">
+            <a:avLst>
+              <a:gd name="adj1" fmla="val 50000"/>
+            </a:avLst>
+          </a:prstGeom>
+          <a:ln>
+            <a:tailEnd type="triangle"/>
+          </a:ln>
+        </p:spPr>
+        <p:style>
+          <a:lnRef idx="1">
+            <a:schemeClr val="dk1"/>
+          </a:lnRef>
+          <a:fillRef idx="0">
+            <a:schemeClr val="dk1"/>
+          </a:fillRef>
+          <a:effectRef idx="0">
+            <a:schemeClr val="dk1"/>
+          </a:effectRef>
+          <a:fontRef idx="minor">
+            <a:schemeClr val="tx1"/>
+          </a:fontRef>
+        </p:style>
+      </p:cxnSp>
+      <p:sp>
+        <p:nvSpPr>
+          <p:cNvPr id="38" name="TextBox 37">
+            <a:extLst>
+              <a:ext uri="{FF2B5EF4-FFF2-40B4-BE49-F238E27FC236}">
+                <a16:creationId xmlns:a16="http://schemas.microsoft.com/office/drawing/2014/main" id="{0B9520B3-CC5C-792B-4087-CF17013C79AF}"/>
+              </a:ext>
+            </a:extLst>
+          </p:cNvPr>
+          <p:cNvSpPr txBox="1"/>
+          <p:nvPr/>
+        </p:nvSpPr>
+        <p:spPr>
+          <a:xfrm>
+            <a:off x="7124132" y="1551380"/>
+            <a:ext cx="1917200" cy="300980"/>
+          </a:xfrm>
+          <a:prstGeom prst="rect">
+            <a:avLst/>
+          </a:prstGeom>
+          <a:noFill/>
+          <a:ln>
+            <a:noFill/>
+          </a:ln>
+        </p:spPr>
+        <p:txBody>
+          <a:bodyPr wrap="square" rtlCol="0">
+            <a:spAutoFit/>
+          </a:bodyPr>
+          <a:lstStyle/>
+          <a:p>
+            <a:pPr>
+              <a:lnSpc>
+                <a:spcPct val="150000"/>
+              </a:lnSpc>
+            </a:pPr>
+            <a:r>
+              <a:rPr lang="en-US" sz="1000" b="1" dirty="0"/>
+              <a:t>Memory Data Read</a:t>
+            </a:r>
+            <a:endParaRPr lang="en-SG" sz="1000" b="1" dirty="0"/>
+          </a:p>
+        </p:txBody>
+      </p:sp>
+      <p:cxnSp>
+        <p:nvCxnSpPr>
+          <p:cNvPr id="39" name="Connector: Elbow 38">
+            <a:extLst>
+              <a:ext uri="{FF2B5EF4-FFF2-40B4-BE49-F238E27FC236}">
+                <a16:creationId xmlns:a16="http://schemas.microsoft.com/office/drawing/2014/main" id="{04A4E483-2E6C-F270-55DA-A0977988BCF1}"/>
+              </a:ext>
+            </a:extLst>
+          </p:cNvPr>
+          <p:cNvCxnSpPr>
+            <a:cxnSpLocks/>
+            <a:endCxn id="41" idx="1"/>
+          </p:cNvCxnSpPr>
+          <p:nvPr/>
+        </p:nvCxnSpPr>
+        <p:spPr>
+          <a:xfrm rot="16200000" flipH="1">
+            <a:off x="8014721" y="2326734"/>
+            <a:ext cx="235746" cy="143676"/>
+          </a:xfrm>
+          <a:prstGeom prst="bentConnector2">
+            <a:avLst/>
+          </a:prstGeom>
+          <a:ln>
+            <a:tailEnd type="triangle"/>
+          </a:ln>
+        </p:spPr>
+        <p:style>
+          <a:lnRef idx="1">
+            <a:schemeClr val="dk1"/>
+          </a:lnRef>
+          <a:fillRef idx="0">
+            <a:schemeClr val="dk1"/>
+          </a:fillRef>
+          <a:effectRef idx="0">
+            <a:schemeClr val="dk1"/>
+          </a:effectRef>
+          <a:fontRef idx="minor">
+            <a:schemeClr val="tx1"/>
+          </a:fontRef>
+        </p:style>
+      </p:cxnSp>
+      <p:sp>
+        <p:nvSpPr>
+          <p:cNvPr id="41" name="TextBox 40">
+            <a:extLst>
+              <a:ext uri="{FF2B5EF4-FFF2-40B4-BE49-F238E27FC236}">
+                <a16:creationId xmlns:a16="http://schemas.microsoft.com/office/drawing/2014/main" id="{A3222E2A-1E60-5FD5-3C62-4347656362A4}"/>
+              </a:ext>
+            </a:extLst>
+          </p:cNvPr>
+          <p:cNvSpPr txBox="1"/>
+          <p:nvPr/>
+        </p:nvSpPr>
+        <p:spPr>
+          <a:xfrm>
+            <a:off x="8204432" y="2377945"/>
+            <a:ext cx="552010" cy="276999"/>
+          </a:xfrm>
+          <a:prstGeom prst="rect">
+            <a:avLst/>
+          </a:prstGeom>
+          <a:noFill/>
+        </p:spPr>
+        <p:txBody>
+          <a:bodyPr wrap="square" rtlCol="0">
+            <a:spAutoFit/>
+          </a:bodyPr>
+          <a:lstStyle/>
+          <a:p>
+            <a:r>
+              <a:rPr lang="en-SG" sz="1200" b="0" dirty="0">
+                <a:solidFill>
+                  <a:srgbClr val="CE9178"/>
+                </a:solidFill>
+                <a:effectLst/>
+                <a:highlight>
+                  <a:srgbClr val="1F1F1F"/>
+                </a:highlight>
+                <a:latin typeface="Consolas" panose="020B0609020204030204" pitchFamily="49" charset="0"/>
+              </a:rPr>
+              <a:t>0008</a:t>
+            </a:r>
+            <a:endParaRPr lang="en-SG" sz="1200" b="0" dirty="0">
+              <a:solidFill>
+                <a:srgbClr val="CCCCCC"/>
+              </a:solidFill>
+              <a:effectLst/>
+              <a:highlight>
+                <a:srgbClr val="1F1F1F"/>
+              </a:highlight>
+              <a:latin typeface="Consolas" panose="020B0609020204030204" pitchFamily="49" charset="0"/>
+            </a:endParaRPr>
+          </a:p>
+        </p:txBody>
+      </p:sp>
+      <p:cxnSp>
+        <p:nvCxnSpPr>
+          <p:cNvPr id="43" name="Connector: Elbow 42">
+            <a:extLst>
+              <a:ext uri="{FF2B5EF4-FFF2-40B4-BE49-F238E27FC236}">
+                <a16:creationId xmlns:a16="http://schemas.microsoft.com/office/drawing/2014/main" id="{8AFEC8B5-EA35-6BA5-6345-D1F872036D83}"/>
+              </a:ext>
+            </a:extLst>
+          </p:cNvPr>
+          <p:cNvCxnSpPr>
+            <a:cxnSpLocks/>
+          </p:cNvCxnSpPr>
+          <p:nvPr/>
+        </p:nvCxnSpPr>
+        <p:spPr>
+          <a:xfrm rot="16200000" flipH="1">
+            <a:off x="7079410" y="2337154"/>
+            <a:ext cx="235746" cy="143676"/>
+          </a:xfrm>
+          <a:prstGeom prst="bentConnector2">
+            <a:avLst/>
+          </a:prstGeom>
+          <a:ln>
+            <a:tailEnd type="triangle"/>
+          </a:ln>
+        </p:spPr>
+        <p:style>
+          <a:lnRef idx="1">
+            <a:schemeClr val="dk1"/>
+          </a:lnRef>
+          <a:fillRef idx="0">
+            <a:schemeClr val="dk1"/>
+          </a:fillRef>
+          <a:effectRef idx="0">
+            <a:schemeClr val="dk1"/>
+          </a:effectRef>
+          <a:fontRef idx="minor">
+            <a:schemeClr val="tx1"/>
+          </a:fontRef>
+        </p:style>
+      </p:cxnSp>
+      <p:sp>
+        <p:nvSpPr>
+          <p:cNvPr id="44" name="TextBox 43">
+            <a:extLst>
+              <a:ext uri="{FF2B5EF4-FFF2-40B4-BE49-F238E27FC236}">
+                <a16:creationId xmlns:a16="http://schemas.microsoft.com/office/drawing/2014/main" id="{63549460-8BA7-886A-7695-8E6929EA66A9}"/>
+              </a:ext>
+            </a:extLst>
+          </p:cNvPr>
+          <p:cNvSpPr txBox="1"/>
+          <p:nvPr/>
+        </p:nvSpPr>
+        <p:spPr>
+          <a:xfrm>
+            <a:off x="7220224" y="2388365"/>
+            <a:ext cx="552010" cy="276999"/>
+          </a:xfrm>
+          <a:prstGeom prst="rect">
+            <a:avLst/>
+          </a:prstGeom>
+          <a:noFill/>
+        </p:spPr>
+        <p:txBody>
+          <a:bodyPr wrap="square" rtlCol="0">
+            <a:spAutoFit/>
+          </a:bodyPr>
+          <a:lstStyle/>
+          <a:p>
+            <a:r>
+              <a:rPr lang="en-SG" sz="1200" b="0" dirty="0">
+                <a:solidFill>
+                  <a:srgbClr val="CE9178"/>
+                </a:solidFill>
+                <a:effectLst/>
+                <a:highlight>
+                  <a:srgbClr val="1F1F1F"/>
+                </a:highlight>
+                <a:latin typeface="Consolas" panose="020B0609020204030204" pitchFamily="49" charset="0"/>
+              </a:rPr>
+              <a:t>001e</a:t>
+            </a:r>
+            <a:endParaRPr lang="en-SG" sz="1200" b="0" dirty="0">
+              <a:solidFill>
+                <a:srgbClr val="CCCCCC"/>
+              </a:solidFill>
+              <a:effectLst/>
+              <a:highlight>
+                <a:srgbClr val="1F1F1F"/>
+              </a:highlight>
+              <a:latin typeface="Consolas" panose="020B0609020204030204" pitchFamily="49" charset="0"/>
+            </a:endParaRPr>
+          </a:p>
+        </p:txBody>
+      </p:sp>
+      <p:graphicFrame>
+        <p:nvGraphicFramePr>
+          <p:cNvPr id="45" name="Table 44">
+            <a:extLst>
+              <a:ext uri="{FF2B5EF4-FFF2-40B4-BE49-F238E27FC236}">
+                <a16:creationId xmlns:a16="http://schemas.microsoft.com/office/drawing/2014/main" id="{83012CB2-546D-5B43-CA70-7EEE931C23AB}"/>
+              </a:ext>
+            </a:extLst>
+          </p:cNvPr>
+          <p:cNvGraphicFramePr>
+            <a:graphicFrameLocks noGrp="1"/>
+          </p:cNvGraphicFramePr>
+          <p:nvPr>
+            <p:extLst>
+              <p:ext uri="{D42A27DB-BD31-4B8C-83A1-F6EECF244321}">
+                <p14:modId xmlns:p14="http://schemas.microsoft.com/office/powerpoint/2010/main" val="836521037"/>
+              </p:ext>
+            </p:extLst>
+          </p:nvPr>
+        </p:nvGraphicFramePr>
+        <p:xfrm>
+          <a:off x="6204132" y="2911329"/>
+          <a:ext cx="3208728" cy="457200"/>
+        </p:xfrm>
+        <a:graphic>
+          <a:graphicData uri="http://schemas.openxmlformats.org/drawingml/2006/table">
+            <a:tbl>
+              <a:tblPr firstRow="1" bandRow="1">
+                <a:tableStyleId>{5940675A-B579-460E-94D1-54222C63F5DA}</a:tableStyleId>
+              </a:tblPr>
+              <a:tblGrid>
+                <a:gridCol w="956419">
+                  <a:extLst>
+                    <a:ext uri="{9D8B030D-6E8A-4147-A177-3AD203B41FA5}">
+                      <a16:colId xmlns:a16="http://schemas.microsoft.com/office/drawing/2014/main" val="1230698725"/>
+                    </a:ext>
+                  </a:extLst>
+                </a:gridCol>
+                <a:gridCol w="693019">
+                  <a:extLst>
+                    <a:ext uri="{9D8B030D-6E8A-4147-A177-3AD203B41FA5}">
+                      <a16:colId xmlns:a16="http://schemas.microsoft.com/office/drawing/2014/main" val="1771333324"/>
+                    </a:ext>
+                  </a:extLst>
+                </a:gridCol>
+                <a:gridCol w="751415">
+                  <a:extLst>
+                    <a:ext uri="{9D8B030D-6E8A-4147-A177-3AD203B41FA5}">
+                      <a16:colId xmlns:a16="http://schemas.microsoft.com/office/drawing/2014/main" val="2533087118"/>
+                    </a:ext>
+                  </a:extLst>
+                </a:gridCol>
+                <a:gridCol w="807875">
+                  <a:extLst>
+                    <a:ext uri="{9D8B030D-6E8A-4147-A177-3AD203B41FA5}">
+                      <a16:colId xmlns:a16="http://schemas.microsoft.com/office/drawing/2014/main" val="286861116"/>
+                    </a:ext>
+                  </a:extLst>
+                </a:gridCol>
+              </a:tblGrid>
+              <a:tr h="0">
+                <a:tc>
+                  <a:txBody>
+                    <a:bodyPr/>
+                    <a:lstStyle/>
+                    <a:p>
+                      <a:pPr algn="dist"/>
+                      <a:r>
+                        <a:rPr lang="en-US" sz="900" dirty="0"/>
+                        <a:t>Memory index </a:t>
+                      </a:r>
+                      <a:endParaRPr lang="en-SG" sz="900" dirty="0"/>
+                    </a:p>
+                  </a:txBody>
+                  <a:tcPr/>
+                </a:tc>
+                <a:tc>
+                  <a:txBody>
+                    <a:bodyPr/>
+                    <a:lstStyle/>
+                    <a:p>
+                      <a:r>
+                        <a:rPr lang="en-US" sz="900" dirty="0"/>
+                        <a:t>Bit Index</a:t>
+                      </a:r>
+                      <a:endParaRPr lang="en-SG" sz="900" dirty="0"/>
+                    </a:p>
+                  </a:txBody>
+                  <a:tcPr/>
+                </a:tc>
+                <a:tc>
+                  <a:txBody>
+                    <a:bodyPr/>
+                    <a:lstStyle/>
+                    <a:p>
+                      <a:r>
+                        <a:rPr lang="en-US" sz="900" dirty="0"/>
+                        <a:t>Byte Index</a:t>
+                      </a:r>
+                      <a:endParaRPr lang="en-SG" sz="900" dirty="0"/>
+                    </a:p>
+                  </a:txBody>
+                  <a:tcPr/>
+                </a:tc>
+                <a:tc>
+                  <a:txBody>
+                    <a:bodyPr/>
+                    <a:lstStyle/>
+                    <a:p>
+                      <a:r>
+                        <a:rPr lang="en-US" sz="900" dirty="0"/>
+                        <a:t>Value</a:t>
+                      </a:r>
+                      <a:endParaRPr lang="en-SG" sz="900" dirty="0"/>
+                    </a:p>
+                  </a:txBody>
+                  <a:tcPr/>
+                </a:tc>
+                <a:extLst>
+                  <a:ext uri="{0D108BD9-81ED-4DB2-BD59-A6C34878D82A}">
+                    <a16:rowId xmlns:a16="http://schemas.microsoft.com/office/drawing/2014/main" val="2269868115"/>
+                  </a:ext>
+                </a:extLst>
+              </a:tr>
+              <a:tr h="211483">
+                <a:tc>
+                  <a:txBody>
+                    <a:bodyPr/>
+                    <a:lstStyle/>
+                    <a:p>
+                      <a:r>
+                        <a:rPr lang="en-US" sz="900" dirty="0"/>
+                        <a:t>( 2 bytes ) </a:t>
+                      </a:r>
+                      <a:endParaRPr lang="en-SG" sz="900" dirty="0"/>
+                    </a:p>
+                  </a:txBody>
+                  <a:tcPr/>
+                </a:tc>
+                <a:tc>
+                  <a:txBody>
+                    <a:bodyPr/>
+                    <a:lstStyle/>
+                    <a:p>
+                      <a:pPr marL="0" marR="0" lvl="0" indent="0" algn="l" defTabSz="914400" rtl="0" eaLnBrk="1" fontAlgn="auto" latinLnBrk="0" hangingPunct="1">
+                        <a:lnSpc>
+                          <a:spcPct val="100000"/>
+                        </a:lnSpc>
+                        <a:spcBef>
+                          <a:spcPts val="0"/>
+                        </a:spcBef>
+                        <a:spcAft>
+                          <a:spcPts val="0"/>
+                        </a:spcAft>
+                        <a:buClrTx/>
+                        <a:buSzTx/>
+                        <a:buFontTx/>
+                        <a:buNone/>
+                        <a:tabLst/>
+                        <a:defRPr/>
+                      </a:pPr>
+                      <a:r>
+                        <a:rPr lang="en-US" sz="900" dirty="0"/>
+                        <a:t>( 2 bytes ) </a:t>
+                      </a:r>
+                      <a:endParaRPr lang="en-SG" sz="900" dirty="0"/>
+                    </a:p>
+                  </a:txBody>
+                  <a:tcPr/>
+                </a:tc>
+                <a:tc>
+                  <a:txBody>
+                    <a:bodyPr/>
+                    <a:lstStyle/>
+                    <a:p>
+                      <a:pPr marL="0" marR="0" lvl="0" indent="0" algn="l" defTabSz="914400" rtl="0" eaLnBrk="1" fontAlgn="auto" latinLnBrk="0" hangingPunct="1">
+                        <a:lnSpc>
+                          <a:spcPct val="100000"/>
+                        </a:lnSpc>
+                        <a:spcBef>
+                          <a:spcPts val="0"/>
+                        </a:spcBef>
+                        <a:spcAft>
+                          <a:spcPts val="0"/>
+                        </a:spcAft>
+                        <a:buClrTx/>
+                        <a:buSzTx/>
+                        <a:buFontTx/>
+                        <a:buNone/>
+                        <a:tabLst/>
+                        <a:defRPr/>
+                      </a:pPr>
+                      <a:r>
+                        <a:rPr lang="en-US" sz="900" dirty="0"/>
+                        <a:t>( 1 bytes ) </a:t>
+                      </a:r>
+                      <a:endParaRPr lang="en-SG" sz="900" dirty="0"/>
+                    </a:p>
+                  </a:txBody>
+                  <a:tcPr/>
+                </a:tc>
+                <a:tc>
+                  <a:txBody>
+                    <a:bodyPr/>
+                    <a:lstStyle/>
+                    <a:p>
+                      <a:pPr marL="0" marR="0" lvl="0" indent="0" algn="l" defTabSz="914400" rtl="0" eaLnBrk="1" fontAlgn="auto" latinLnBrk="0" hangingPunct="1">
+                        <a:lnSpc>
+                          <a:spcPct val="100000"/>
+                        </a:lnSpc>
+                        <a:spcBef>
+                          <a:spcPts val="0"/>
+                        </a:spcBef>
+                        <a:spcAft>
+                          <a:spcPts val="0"/>
+                        </a:spcAft>
+                        <a:buClrTx/>
+                        <a:buSzTx/>
+                        <a:buFontTx/>
+                        <a:buNone/>
+                        <a:tabLst/>
+                        <a:defRPr/>
+                      </a:pPr>
+                      <a:r>
+                        <a:rPr lang="en-US" sz="900" dirty="0"/>
+                        <a:t>( 1bytes ) </a:t>
+                      </a:r>
+                      <a:endParaRPr lang="en-SG" sz="900" dirty="0"/>
+                    </a:p>
+                  </a:txBody>
+                  <a:tcPr/>
+                </a:tc>
+                <a:extLst>
+                  <a:ext uri="{0D108BD9-81ED-4DB2-BD59-A6C34878D82A}">
+                    <a16:rowId xmlns:a16="http://schemas.microsoft.com/office/drawing/2014/main" val="3033498223"/>
+                  </a:ext>
+                </a:extLst>
+              </a:tr>
+            </a:tbl>
+          </a:graphicData>
+        </a:graphic>
+      </p:graphicFrame>
+      <p:sp>
+        <p:nvSpPr>
+          <p:cNvPr id="48" name="TextBox 47">
+            <a:extLst>
+              <a:ext uri="{FF2B5EF4-FFF2-40B4-BE49-F238E27FC236}">
+                <a16:creationId xmlns:a16="http://schemas.microsoft.com/office/drawing/2014/main" id="{DE2F4E9C-B891-F3A8-22E4-31E4DBF17726}"/>
+              </a:ext>
+            </a:extLst>
+          </p:cNvPr>
+          <p:cNvSpPr txBox="1"/>
+          <p:nvPr/>
+        </p:nvSpPr>
+        <p:spPr>
+          <a:xfrm>
+            <a:off x="6385837" y="2577602"/>
+            <a:ext cx="1443956" cy="300980"/>
+          </a:xfrm>
+          <a:prstGeom prst="rect">
+            <a:avLst/>
+          </a:prstGeom>
+          <a:noFill/>
+          <a:ln>
+            <a:noFill/>
+          </a:ln>
+        </p:spPr>
+        <p:txBody>
+          <a:bodyPr wrap="square" rtlCol="0">
+            <a:spAutoFit/>
+          </a:bodyPr>
+          <a:lstStyle/>
+          <a:p>
+            <a:pPr>
+              <a:lnSpc>
+                <a:spcPct val="150000"/>
+              </a:lnSpc>
+            </a:pPr>
+            <a:r>
+              <a:rPr lang="en-US" sz="1000" b="1" dirty="0"/>
+              <a:t>Memory Data Write</a:t>
+            </a:r>
+            <a:endParaRPr lang="en-SG" sz="1000" b="1" dirty="0"/>
+          </a:p>
+        </p:txBody>
+      </p:sp>
+      <p:cxnSp>
+        <p:nvCxnSpPr>
+          <p:cNvPr id="49" name="Connector: Elbow 48">
+            <a:extLst>
+              <a:ext uri="{FF2B5EF4-FFF2-40B4-BE49-F238E27FC236}">
+                <a16:creationId xmlns:a16="http://schemas.microsoft.com/office/drawing/2014/main" id="{D5642C25-D939-CFCB-836A-20E620C36CF6}"/>
+              </a:ext>
+            </a:extLst>
+          </p:cNvPr>
+          <p:cNvCxnSpPr>
+            <a:cxnSpLocks/>
+            <a:stCxn id="53" idx="3"/>
+            <a:endCxn id="45" idx="1"/>
+          </p:cNvCxnSpPr>
+          <p:nvPr/>
+        </p:nvCxnSpPr>
+        <p:spPr>
+          <a:xfrm>
+            <a:off x="5775957" y="2376296"/>
+            <a:ext cx="428175" cy="763633"/>
+          </a:xfrm>
+          <a:prstGeom prst="bentConnector3">
+            <a:avLst>
+              <a:gd name="adj1" fmla="val 50000"/>
+            </a:avLst>
+          </a:prstGeom>
+          <a:ln>
+            <a:tailEnd type="triangle"/>
+          </a:ln>
+        </p:spPr>
+        <p:style>
+          <a:lnRef idx="1">
+            <a:schemeClr val="dk1"/>
+          </a:lnRef>
+          <a:fillRef idx="0">
+            <a:schemeClr val="dk1"/>
+          </a:fillRef>
+          <a:effectRef idx="0">
+            <a:schemeClr val="dk1"/>
+          </a:effectRef>
+          <a:fontRef idx="minor">
+            <a:schemeClr val="tx1"/>
+          </a:fontRef>
+        </p:style>
+      </p:cxnSp>
+      <p:sp>
+        <p:nvSpPr>
+          <p:cNvPr id="53" name="Rectangle 52">
+            <a:extLst>
+              <a:ext uri="{FF2B5EF4-FFF2-40B4-BE49-F238E27FC236}">
+                <a16:creationId xmlns:a16="http://schemas.microsoft.com/office/drawing/2014/main" id="{9F51C113-A2D5-F471-48FC-59F29E84B1E5}"/>
+              </a:ext>
+            </a:extLst>
+          </p:cNvPr>
+          <p:cNvSpPr/>
+          <p:nvPr/>
+        </p:nvSpPr>
+        <p:spPr>
+          <a:xfrm>
+            <a:off x="5021744" y="2147696"/>
+            <a:ext cx="754213" cy="457200"/>
+          </a:xfrm>
+          <a:prstGeom prst="rect">
+            <a:avLst/>
+          </a:prstGeom>
+          <a:noFill/>
+          <a:ln w="12700">
+            <a:prstDash val="sysDash"/>
+          </a:ln>
+        </p:spPr>
+        <p:style>
+          <a:lnRef idx="2">
+            <a:schemeClr val="accent1">
+              <a:shade val="15000"/>
+            </a:schemeClr>
+          </a:lnRef>
+          <a:fillRef idx="1">
+            <a:schemeClr val="accent1"/>
+          </a:fillRef>
+          <a:effectRef idx="0">
+            <a:schemeClr val="accent1"/>
+          </a:effectRef>
+          <a:fontRef idx="minor">
+            <a:schemeClr val="lt1"/>
+          </a:fontRef>
+        </p:style>
+        <p:txBody>
+          <a:bodyPr rtlCol="0" anchor="ctr"/>
+          <a:lstStyle/>
+          <a:p>
+            <a:pPr algn="ctr"/>
+            <a:endParaRPr lang="en-SG" dirty="0"/>
+          </a:p>
+        </p:txBody>
+      </p:sp>
+      <p:cxnSp>
+        <p:nvCxnSpPr>
+          <p:cNvPr id="56" name="Connector: Elbow 55">
+            <a:extLst>
+              <a:ext uri="{FF2B5EF4-FFF2-40B4-BE49-F238E27FC236}">
+                <a16:creationId xmlns:a16="http://schemas.microsoft.com/office/drawing/2014/main" id="{902AF3E7-DDB2-1951-38F9-0A9DAE70E71B}"/>
+              </a:ext>
+            </a:extLst>
+          </p:cNvPr>
+          <p:cNvCxnSpPr>
+            <a:cxnSpLocks/>
+            <a:endCxn id="57" idx="1"/>
+          </p:cNvCxnSpPr>
+          <p:nvPr/>
+        </p:nvCxnSpPr>
+        <p:spPr>
+          <a:xfrm rot="16200000" flipH="1">
+            <a:off x="8821855" y="3406285"/>
+            <a:ext cx="235746" cy="143676"/>
+          </a:xfrm>
+          <a:prstGeom prst="bentConnector2">
+            <a:avLst/>
+          </a:prstGeom>
+          <a:ln>
+            <a:tailEnd type="triangle"/>
+          </a:ln>
+        </p:spPr>
+        <p:style>
+          <a:lnRef idx="1">
+            <a:schemeClr val="dk1"/>
+          </a:lnRef>
+          <a:fillRef idx="0">
+            <a:schemeClr val="dk1"/>
+          </a:fillRef>
+          <a:effectRef idx="0">
+            <a:schemeClr val="dk1"/>
+          </a:effectRef>
+          <a:fontRef idx="minor">
+            <a:schemeClr val="tx1"/>
+          </a:fontRef>
+        </p:style>
+      </p:cxnSp>
+      <p:sp>
+        <p:nvSpPr>
+          <p:cNvPr id="57" name="TextBox 56">
+            <a:extLst>
+              <a:ext uri="{FF2B5EF4-FFF2-40B4-BE49-F238E27FC236}">
+                <a16:creationId xmlns:a16="http://schemas.microsoft.com/office/drawing/2014/main" id="{777F4914-D3B9-2C3E-F510-C8E4190D4A11}"/>
+              </a:ext>
+            </a:extLst>
+          </p:cNvPr>
+          <p:cNvSpPr txBox="1"/>
+          <p:nvPr/>
+        </p:nvSpPr>
+        <p:spPr>
+          <a:xfrm>
+            <a:off x="9011566" y="3457496"/>
+            <a:ext cx="552010" cy="276999"/>
+          </a:xfrm>
+          <a:prstGeom prst="rect">
+            <a:avLst/>
+          </a:prstGeom>
+          <a:noFill/>
+        </p:spPr>
+        <p:txBody>
+          <a:bodyPr wrap="square" rtlCol="0">
+            <a:spAutoFit/>
+          </a:bodyPr>
+          <a:lstStyle/>
+          <a:p>
+            <a:r>
+              <a:rPr lang="en-SG" sz="1200" b="0" dirty="0">
+                <a:solidFill>
+                  <a:srgbClr val="CE9178"/>
+                </a:solidFill>
+                <a:effectLst/>
+                <a:highlight>
+                  <a:srgbClr val="1F1F1F"/>
+                </a:highlight>
+                <a:latin typeface="Consolas" panose="020B0609020204030204" pitchFamily="49" charset="0"/>
+              </a:rPr>
+              <a:t>01</a:t>
+            </a:r>
+            <a:endParaRPr lang="en-SG" sz="1200" b="0" dirty="0">
+              <a:solidFill>
+                <a:srgbClr val="CCCCCC"/>
+              </a:solidFill>
+              <a:effectLst/>
+              <a:highlight>
+                <a:srgbClr val="1F1F1F"/>
+              </a:highlight>
+              <a:latin typeface="Consolas" panose="020B0609020204030204" pitchFamily="49" charset="0"/>
+            </a:endParaRPr>
+          </a:p>
+        </p:txBody>
+      </p:sp>
+      <p:cxnSp>
+        <p:nvCxnSpPr>
+          <p:cNvPr id="58" name="Connector: Elbow 57">
+            <a:extLst>
+              <a:ext uri="{FF2B5EF4-FFF2-40B4-BE49-F238E27FC236}">
+                <a16:creationId xmlns:a16="http://schemas.microsoft.com/office/drawing/2014/main" id="{D453F1B8-41FF-90CD-F4ED-690C178D1B50}"/>
+              </a:ext>
+            </a:extLst>
+          </p:cNvPr>
+          <p:cNvCxnSpPr>
+            <a:cxnSpLocks/>
+            <a:endCxn id="59" idx="1"/>
+          </p:cNvCxnSpPr>
+          <p:nvPr/>
+        </p:nvCxnSpPr>
+        <p:spPr>
+          <a:xfrm rot="16200000" flipH="1">
+            <a:off x="7401814" y="3416065"/>
+            <a:ext cx="235746" cy="143676"/>
+          </a:xfrm>
+          <a:prstGeom prst="bentConnector2">
+            <a:avLst/>
+          </a:prstGeom>
+          <a:ln>
+            <a:tailEnd type="triangle"/>
+          </a:ln>
+        </p:spPr>
+        <p:style>
+          <a:lnRef idx="1">
+            <a:schemeClr val="dk1"/>
+          </a:lnRef>
+          <a:fillRef idx="0">
+            <a:schemeClr val="dk1"/>
+          </a:fillRef>
+          <a:effectRef idx="0">
+            <a:schemeClr val="dk1"/>
+          </a:effectRef>
+          <a:fontRef idx="minor">
+            <a:schemeClr val="tx1"/>
+          </a:fontRef>
+        </p:style>
+      </p:cxnSp>
+      <p:sp>
+        <p:nvSpPr>
+          <p:cNvPr id="59" name="TextBox 58">
+            <a:extLst>
+              <a:ext uri="{FF2B5EF4-FFF2-40B4-BE49-F238E27FC236}">
+                <a16:creationId xmlns:a16="http://schemas.microsoft.com/office/drawing/2014/main" id="{DAD5ADF7-73B8-339F-3EF9-93F2E2241232}"/>
+              </a:ext>
+            </a:extLst>
+          </p:cNvPr>
+          <p:cNvSpPr txBox="1"/>
+          <p:nvPr/>
+        </p:nvSpPr>
+        <p:spPr>
+          <a:xfrm>
+            <a:off x="7591525" y="3467276"/>
+            <a:ext cx="552010" cy="276999"/>
+          </a:xfrm>
+          <a:prstGeom prst="rect">
+            <a:avLst/>
+          </a:prstGeom>
+          <a:noFill/>
+        </p:spPr>
+        <p:txBody>
+          <a:bodyPr wrap="square" rtlCol="0">
+            <a:spAutoFit/>
+          </a:bodyPr>
+          <a:lstStyle/>
+          <a:p>
+            <a:r>
+              <a:rPr lang="en-SG" sz="1200" b="0" dirty="0">
+                <a:solidFill>
+                  <a:srgbClr val="CE9178"/>
+                </a:solidFill>
+                <a:effectLst/>
+                <a:highlight>
+                  <a:srgbClr val="1F1F1F"/>
+                </a:highlight>
+                <a:latin typeface="Consolas" panose="020B0609020204030204" pitchFamily="49" charset="0"/>
+              </a:rPr>
+              <a:t>0001</a:t>
+            </a:r>
+            <a:endParaRPr lang="en-SG" sz="1200" b="0" dirty="0">
+              <a:solidFill>
+                <a:srgbClr val="CCCCCC"/>
+              </a:solidFill>
+              <a:effectLst/>
+              <a:highlight>
+                <a:srgbClr val="1F1F1F"/>
+              </a:highlight>
+              <a:latin typeface="Consolas" panose="020B0609020204030204" pitchFamily="49" charset="0"/>
+            </a:endParaRPr>
+          </a:p>
+        </p:txBody>
+      </p:sp>
+      <p:cxnSp>
+        <p:nvCxnSpPr>
+          <p:cNvPr id="60" name="Connector: Elbow 59">
+            <a:extLst>
+              <a:ext uri="{FF2B5EF4-FFF2-40B4-BE49-F238E27FC236}">
+                <a16:creationId xmlns:a16="http://schemas.microsoft.com/office/drawing/2014/main" id="{9F3F3072-482E-F453-45F6-1E4101D7423D}"/>
+              </a:ext>
+            </a:extLst>
+          </p:cNvPr>
+          <p:cNvCxnSpPr>
+            <a:cxnSpLocks/>
+            <a:endCxn id="61" idx="1"/>
+          </p:cNvCxnSpPr>
+          <p:nvPr/>
+        </p:nvCxnSpPr>
+        <p:spPr>
+          <a:xfrm rot="16200000" flipH="1">
+            <a:off x="8192931" y="3435203"/>
+            <a:ext cx="235746" cy="143676"/>
+          </a:xfrm>
+          <a:prstGeom prst="bentConnector2">
+            <a:avLst/>
+          </a:prstGeom>
+          <a:ln>
+            <a:tailEnd type="triangle"/>
+          </a:ln>
+        </p:spPr>
+        <p:style>
+          <a:lnRef idx="1">
+            <a:schemeClr val="dk1"/>
+          </a:lnRef>
+          <a:fillRef idx="0">
+            <a:schemeClr val="dk1"/>
+          </a:fillRef>
+          <a:effectRef idx="0">
+            <a:schemeClr val="dk1"/>
+          </a:effectRef>
+          <a:fontRef idx="minor">
+            <a:schemeClr val="tx1"/>
+          </a:fontRef>
+        </p:style>
+      </p:cxnSp>
+      <p:sp>
+        <p:nvSpPr>
+          <p:cNvPr id="61" name="TextBox 60">
+            <a:extLst>
+              <a:ext uri="{FF2B5EF4-FFF2-40B4-BE49-F238E27FC236}">
+                <a16:creationId xmlns:a16="http://schemas.microsoft.com/office/drawing/2014/main" id="{00C527A4-BA28-9F94-6CBD-822D1BEB2F88}"/>
+              </a:ext>
+            </a:extLst>
+          </p:cNvPr>
+          <p:cNvSpPr txBox="1"/>
+          <p:nvPr/>
+        </p:nvSpPr>
+        <p:spPr>
+          <a:xfrm>
+            <a:off x="8382642" y="3486414"/>
+            <a:ext cx="552010" cy="276999"/>
+          </a:xfrm>
+          <a:prstGeom prst="rect">
+            <a:avLst/>
+          </a:prstGeom>
+          <a:noFill/>
+        </p:spPr>
+        <p:txBody>
+          <a:bodyPr wrap="square" rtlCol="0">
+            <a:spAutoFit/>
+          </a:bodyPr>
+          <a:lstStyle/>
+          <a:p>
+            <a:r>
+              <a:rPr lang="en-SG" sz="1200" b="0" dirty="0">
+                <a:solidFill>
+                  <a:srgbClr val="CE9178"/>
+                </a:solidFill>
+                <a:effectLst/>
+                <a:highlight>
+                  <a:srgbClr val="1F1F1F"/>
+                </a:highlight>
+                <a:latin typeface="Consolas" panose="020B0609020204030204" pitchFamily="49" charset="0"/>
+              </a:rPr>
+              <a:t>01</a:t>
+            </a:r>
+            <a:endParaRPr lang="en-SG" sz="1200" b="0" dirty="0">
+              <a:solidFill>
+                <a:srgbClr val="CCCCCC"/>
+              </a:solidFill>
+              <a:effectLst/>
+              <a:highlight>
+                <a:srgbClr val="1F1F1F"/>
+              </a:highlight>
+              <a:latin typeface="Consolas" panose="020B0609020204030204" pitchFamily="49" charset="0"/>
+            </a:endParaRPr>
+          </a:p>
+        </p:txBody>
+      </p:sp>
+      <p:cxnSp>
+        <p:nvCxnSpPr>
+          <p:cNvPr id="62" name="Connector: Elbow 61">
+            <a:extLst>
+              <a:ext uri="{FF2B5EF4-FFF2-40B4-BE49-F238E27FC236}">
+                <a16:creationId xmlns:a16="http://schemas.microsoft.com/office/drawing/2014/main" id="{BDD8094A-D32B-2ACD-84B2-2603366C73D7}"/>
+              </a:ext>
+            </a:extLst>
+          </p:cNvPr>
+          <p:cNvCxnSpPr>
+            <a:cxnSpLocks/>
+          </p:cNvCxnSpPr>
+          <p:nvPr/>
+        </p:nvCxnSpPr>
+        <p:spPr>
+          <a:xfrm rot="16200000" flipH="1">
+            <a:off x="6490214" y="3406285"/>
+            <a:ext cx="235746" cy="143676"/>
+          </a:xfrm>
+          <a:prstGeom prst="bentConnector2">
+            <a:avLst/>
+          </a:prstGeom>
+          <a:ln>
+            <a:tailEnd type="triangle"/>
+          </a:ln>
+        </p:spPr>
+        <p:style>
+          <a:lnRef idx="1">
+            <a:schemeClr val="dk1"/>
+          </a:lnRef>
+          <a:fillRef idx="0">
+            <a:schemeClr val="dk1"/>
+          </a:fillRef>
+          <a:effectRef idx="0">
+            <a:schemeClr val="dk1"/>
+          </a:effectRef>
+          <a:fontRef idx="minor">
+            <a:schemeClr val="tx1"/>
+          </a:fontRef>
+        </p:style>
+      </p:cxnSp>
+      <p:sp>
+        <p:nvSpPr>
+          <p:cNvPr id="63" name="TextBox 62">
+            <a:extLst>
+              <a:ext uri="{FF2B5EF4-FFF2-40B4-BE49-F238E27FC236}">
+                <a16:creationId xmlns:a16="http://schemas.microsoft.com/office/drawing/2014/main" id="{628769A4-A7C9-B2C0-7EEC-2AB122E50640}"/>
+              </a:ext>
+            </a:extLst>
+          </p:cNvPr>
+          <p:cNvSpPr txBox="1"/>
+          <p:nvPr/>
+        </p:nvSpPr>
+        <p:spPr>
+          <a:xfrm>
+            <a:off x="6631028" y="3457496"/>
+            <a:ext cx="552010" cy="276999"/>
+          </a:xfrm>
+          <a:prstGeom prst="rect">
+            <a:avLst/>
+          </a:prstGeom>
+          <a:noFill/>
+        </p:spPr>
+        <p:txBody>
+          <a:bodyPr wrap="square" rtlCol="0">
+            <a:spAutoFit/>
+          </a:bodyPr>
+          <a:lstStyle/>
+          <a:p>
+            <a:r>
+              <a:rPr lang="en-SG" sz="1200" b="0" dirty="0">
+                <a:solidFill>
+                  <a:srgbClr val="CE9178"/>
+                </a:solidFill>
+                <a:effectLst/>
+                <a:highlight>
+                  <a:srgbClr val="1F1F1F"/>
+                </a:highlight>
+                <a:latin typeface="Consolas" panose="020B0609020204030204" pitchFamily="49" charset="0"/>
+              </a:rPr>
+              <a:t>001e</a:t>
+            </a:r>
+            <a:endParaRPr lang="en-SG" sz="1200" b="0" dirty="0">
+              <a:solidFill>
+                <a:srgbClr val="CCCCCC"/>
+              </a:solidFill>
+              <a:effectLst/>
+              <a:highlight>
+                <a:srgbClr val="1F1F1F"/>
+              </a:highlight>
+              <a:latin typeface="Consolas" panose="020B0609020204030204" pitchFamily="49" charset="0"/>
+            </a:endParaRPr>
+          </a:p>
+        </p:txBody>
+      </p:sp>
+    </p:spTree>
+    <p:extLst>
+      <p:ext uri="{BB962C8B-B14F-4D97-AF65-F5344CB8AC3E}">
+        <p14:creationId xmlns:p14="http://schemas.microsoft.com/office/powerpoint/2010/main" val="3055523701"/>
+      </p:ext>
+    </p:extLst>
+  </p:cSld>
+  <p:clrMapOvr>
+    <a:masterClrMapping/>
+  </p:clrMapOvr>
+</p:sld>
+</file>
+
+<file path=ppt/slides/slide11.xml><?xml version="1.0" encoding="utf-8"?>
+<p:sld xmlns:a="http://schemas.openxmlformats.org/drawingml/2006/main" xmlns:r="http://schemas.openxmlformats.org/officeDocument/2006/relationships" xmlns:p="http://schemas.openxmlformats.org/presentationml/2006/main">
+  <p:cSld>
+    <p:spTree>
+      <p:nvGrpSpPr>
+        <p:cNvPr id="1" name=""/>
+        <p:cNvGrpSpPr/>
+        <p:nvPr/>
+      </p:nvGrpSpPr>
+      <p:grpSpPr>
+        <a:xfrm>
+          <a:off x="0" y="0"/>
+          <a:ext cx="0" cy="0"/>
+          <a:chOff x="0" y="0"/>
+          <a:chExt cx="0" cy="0"/>
+        </a:xfrm>
+      </p:grpSpPr>
+      <p:pic>
+        <p:nvPicPr>
           <p:cNvPr id="4" name="Picture 3" descr="A green squares with black lines&#10;&#10;Description automatically generated">
             <a:extLst>
               <a:ext uri="{FF2B5EF4-FFF2-40B4-BE49-F238E27FC236}">
@@ -11293,7 +13022,7 @@
 </p:sld>
 </file>
 
-<file path=ppt/slides/slide11.xml><?xml version="1.0" encoding="utf-8"?>
+<file path=ppt/slides/slide12.xml><?xml version="1.0" encoding="utf-8"?>
 <p:sld xmlns:a="http://schemas.openxmlformats.org/drawingml/2006/main" xmlns:r="http://schemas.openxmlformats.org/officeDocument/2006/relationships" xmlns:p="http://schemas.openxmlformats.org/presentationml/2006/main">
   <p:cSld>
     <p:spTree>
@@ -18118,6 +19847,687 @@
 </file>
 
 <file path=ppt/slides/slide4.xml><?xml version="1.0" encoding="utf-8"?>
+<p:sld xmlns:a="http://schemas.openxmlformats.org/drawingml/2006/main" xmlns:r="http://schemas.openxmlformats.org/officeDocument/2006/relationships" xmlns:p="http://schemas.openxmlformats.org/presentationml/2006/main">
+  <p:cSld>
+    <p:spTree>
+      <p:nvGrpSpPr>
+        <p:cNvPr id="1" name=""/>
+        <p:cNvGrpSpPr/>
+        <p:nvPr/>
+      </p:nvGrpSpPr>
+      <p:grpSpPr>
+        <a:xfrm>
+          <a:off x="0" y="0"/>
+          <a:ext cx="0" cy="0"/>
+          <a:chOff x="0" y="0"/>
+          <a:chExt cx="0" cy="0"/>
+        </a:xfrm>
+      </p:grpSpPr>
+      <p:pic>
+        <p:nvPicPr>
+          <p:cNvPr id="4" name="Picture 3" descr="A diagram of a computer network&#10;&#10;Description automatically generated with medium confidence">
+            <a:extLst>
+              <a:ext uri="{FF2B5EF4-FFF2-40B4-BE49-F238E27FC236}">
+                <a16:creationId xmlns:a16="http://schemas.microsoft.com/office/drawing/2014/main" id="{C73D6E50-D46F-6E05-9713-7ABF2B7FCFE6}"/>
+              </a:ext>
+            </a:extLst>
+          </p:cNvPr>
+          <p:cNvPicPr>
+            <a:picLocks noChangeAspect="1"/>
+          </p:cNvPicPr>
+          <p:nvPr/>
+        </p:nvPicPr>
+        <p:blipFill>
+          <a:blip r:embed="rId2">
+            <a:extLst>
+              <a:ext uri="{28A0092B-C50C-407E-A947-70E740481C1C}">
+                <a14:useLocalDpi xmlns:a14="http://schemas.microsoft.com/office/drawing/2010/main" val="0"/>
+              </a:ext>
+            </a:extLst>
+          </a:blip>
+          <a:srcRect l="2691" t="40830" r="2289" b="4449"/>
+          <a:stretch/>
+        </p:blipFill>
+        <p:spPr>
+          <a:xfrm>
+            <a:off x="3714068" y="1805940"/>
+            <a:ext cx="7416703" cy="3246120"/>
+          </a:xfrm>
+          <a:prstGeom prst="rect">
+            <a:avLst/>
+          </a:prstGeom>
+        </p:spPr>
+      </p:pic>
+      <p:cxnSp>
+        <p:nvCxnSpPr>
+          <p:cNvPr id="5" name="Straight Arrow Connector 4">
+            <a:extLst>
+              <a:ext uri="{FF2B5EF4-FFF2-40B4-BE49-F238E27FC236}">
+                <a16:creationId xmlns:a16="http://schemas.microsoft.com/office/drawing/2014/main" id="{BE92E0AF-485B-972F-CB12-4311B2CA012B}"/>
+              </a:ext>
+            </a:extLst>
+          </p:cNvPr>
+          <p:cNvCxnSpPr>
+            <a:cxnSpLocks/>
+          </p:cNvCxnSpPr>
+          <p:nvPr/>
+        </p:nvCxnSpPr>
+        <p:spPr>
+          <a:xfrm>
+            <a:off x="3502310" y="4436284"/>
+            <a:ext cx="1998686" cy="0"/>
+          </a:xfrm>
+          <a:prstGeom prst="straightConnector1">
+            <a:avLst/>
+          </a:prstGeom>
+          <a:ln>
+            <a:solidFill>
+              <a:schemeClr val="tx1"/>
+            </a:solidFill>
+            <a:prstDash val="sysDash"/>
+            <a:tailEnd type="triangle"/>
+          </a:ln>
+        </p:spPr>
+        <p:style>
+          <a:lnRef idx="2">
+            <a:schemeClr val="accent1"/>
+          </a:lnRef>
+          <a:fillRef idx="0">
+            <a:schemeClr val="accent1"/>
+          </a:fillRef>
+          <a:effectRef idx="1">
+            <a:schemeClr val="accent1"/>
+          </a:effectRef>
+          <a:fontRef idx="minor">
+            <a:schemeClr val="tx1"/>
+          </a:fontRef>
+        </p:style>
+      </p:cxnSp>
+      <p:sp>
+        <p:nvSpPr>
+          <p:cNvPr id="6" name="TextBox 5">
+            <a:extLst>
+              <a:ext uri="{FF2B5EF4-FFF2-40B4-BE49-F238E27FC236}">
+                <a16:creationId xmlns:a16="http://schemas.microsoft.com/office/drawing/2014/main" id="{F5006E7F-572D-EF3F-1033-BB1733015ED1}"/>
+              </a:ext>
+            </a:extLst>
+          </p:cNvPr>
+          <p:cNvSpPr txBox="1"/>
+          <p:nvPr/>
+        </p:nvSpPr>
+        <p:spPr>
+          <a:xfrm>
+            <a:off x="1303532" y="4168656"/>
+            <a:ext cx="2185852" cy="830997"/>
+          </a:xfrm>
+          <a:prstGeom prst="rect">
+            <a:avLst/>
+          </a:prstGeom>
+          <a:noFill/>
+          <a:ln>
+            <a:solidFill>
+              <a:schemeClr val="tx1"/>
+            </a:solidFill>
+            <a:prstDash val="sysDash"/>
+          </a:ln>
+        </p:spPr>
+        <p:txBody>
+          <a:bodyPr wrap="square" rtlCol="0">
+            <a:spAutoFit/>
+          </a:bodyPr>
+          <a:lstStyle/>
+          <a:p>
+            <a:r>
+              <a:rPr lang="en-US" sz="1200" b="1" dirty="0"/>
+              <a:t>Provide connection interface lib for user to connect to the virtual or physical level0 OT device </a:t>
+            </a:r>
+            <a:endParaRPr lang="en-SG" sz="1200" b="1" dirty="0"/>
+          </a:p>
+        </p:txBody>
+      </p:sp>
+      <p:cxnSp>
+        <p:nvCxnSpPr>
+          <p:cNvPr id="8" name="Straight Arrow Connector 7">
+            <a:extLst>
+              <a:ext uri="{FF2B5EF4-FFF2-40B4-BE49-F238E27FC236}">
+                <a16:creationId xmlns:a16="http://schemas.microsoft.com/office/drawing/2014/main" id="{B2948DE0-5F13-B054-A191-BB54216945FC}"/>
+              </a:ext>
+            </a:extLst>
+          </p:cNvPr>
+          <p:cNvCxnSpPr>
+            <a:cxnSpLocks/>
+          </p:cNvCxnSpPr>
+          <p:nvPr/>
+        </p:nvCxnSpPr>
+        <p:spPr>
+          <a:xfrm>
+            <a:off x="3502310" y="3951458"/>
+            <a:ext cx="2166970" cy="0"/>
+          </a:xfrm>
+          <a:prstGeom prst="straightConnector1">
+            <a:avLst/>
+          </a:prstGeom>
+          <a:ln>
+            <a:solidFill>
+              <a:schemeClr val="tx1"/>
+            </a:solidFill>
+            <a:prstDash val="sysDash"/>
+            <a:tailEnd type="triangle"/>
+          </a:ln>
+        </p:spPr>
+        <p:style>
+          <a:lnRef idx="2">
+            <a:schemeClr val="accent1"/>
+          </a:lnRef>
+          <a:fillRef idx="0">
+            <a:schemeClr val="accent1"/>
+          </a:fillRef>
+          <a:effectRef idx="1">
+            <a:schemeClr val="accent1"/>
+          </a:effectRef>
+          <a:fontRef idx="minor">
+            <a:schemeClr val="tx1"/>
+          </a:fontRef>
+        </p:style>
+      </p:cxnSp>
+      <p:sp>
+        <p:nvSpPr>
+          <p:cNvPr id="9" name="TextBox 8">
+            <a:extLst>
+              <a:ext uri="{FF2B5EF4-FFF2-40B4-BE49-F238E27FC236}">
+                <a16:creationId xmlns:a16="http://schemas.microsoft.com/office/drawing/2014/main" id="{DC50945C-1B8E-3F39-D589-87177729FE57}"/>
+              </a:ext>
+            </a:extLst>
+          </p:cNvPr>
+          <p:cNvSpPr txBox="1"/>
+          <p:nvPr/>
+        </p:nvSpPr>
+        <p:spPr>
+          <a:xfrm>
+            <a:off x="1303532" y="3179254"/>
+            <a:ext cx="2198778" cy="830997"/>
+          </a:xfrm>
+          <a:prstGeom prst="rect">
+            <a:avLst/>
+          </a:prstGeom>
+          <a:noFill/>
+          <a:ln>
+            <a:solidFill>
+              <a:schemeClr val="tx1"/>
+            </a:solidFill>
+            <a:prstDash val="sysDash"/>
+          </a:ln>
+        </p:spPr>
+        <p:txBody>
+          <a:bodyPr wrap="square" rtlCol="0">
+            <a:spAutoFit/>
+          </a:bodyPr>
+          <a:lstStyle/>
+          <a:p>
+            <a:r>
+              <a:rPr lang="en-US" sz="1200" b="1" dirty="0"/>
+              <a:t>Provide the PLC and RTU simulation program for user to build different Level1 field controller </a:t>
+            </a:r>
+            <a:endParaRPr lang="en-SG" sz="1200" b="1" dirty="0"/>
+          </a:p>
+        </p:txBody>
+      </p:sp>
+      <p:sp>
+        <p:nvSpPr>
+          <p:cNvPr id="11" name="TextBox 10">
+            <a:extLst>
+              <a:ext uri="{FF2B5EF4-FFF2-40B4-BE49-F238E27FC236}">
+                <a16:creationId xmlns:a16="http://schemas.microsoft.com/office/drawing/2014/main" id="{76564BF0-D3FB-DF12-3227-729923F21D8C}"/>
+              </a:ext>
+            </a:extLst>
+          </p:cNvPr>
+          <p:cNvSpPr txBox="1"/>
+          <p:nvPr/>
+        </p:nvSpPr>
+        <p:spPr>
+          <a:xfrm>
+            <a:off x="1303534" y="1954865"/>
+            <a:ext cx="2198777" cy="1015663"/>
+          </a:xfrm>
+          <a:prstGeom prst="rect">
+            <a:avLst/>
+          </a:prstGeom>
+          <a:noFill/>
+          <a:ln>
+            <a:solidFill>
+              <a:schemeClr val="tx1"/>
+            </a:solidFill>
+            <a:prstDash val="sysDash"/>
+          </a:ln>
+        </p:spPr>
+        <p:txBody>
+          <a:bodyPr wrap="square" rtlCol="0">
+            <a:spAutoFit/>
+          </a:bodyPr>
+          <a:lstStyle/>
+          <a:p>
+            <a:r>
+              <a:rPr lang="en-US" sz="1200" b="1" dirty="0"/>
+              <a:t>Provide the IEC-60870-5-104 Communication interface for user to build their own HMI and Operation management Zone service </a:t>
+            </a:r>
+            <a:endParaRPr lang="en-SG" sz="1200" b="1" dirty="0"/>
+          </a:p>
+        </p:txBody>
+      </p:sp>
+      <p:cxnSp>
+        <p:nvCxnSpPr>
+          <p:cNvPr id="13" name="Straight Arrow Connector 12">
+            <a:extLst>
+              <a:ext uri="{FF2B5EF4-FFF2-40B4-BE49-F238E27FC236}">
+                <a16:creationId xmlns:a16="http://schemas.microsoft.com/office/drawing/2014/main" id="{503602DA-1B4D-506A-0AF2-45B620216B07}"/>
+              </a:ext>
+            </a:extLst>
+          </p:cNvPr>
+          <p:cNvCxnSpPr>
+            <a:cxnSpLocks/>
+            <a:stCxn id="11" idx="3"/>
+          </p:cNvCxnSpPr>
+          <p:nvPr/>
+        </p:nvCxnSpPr>
+        <p:spPr>
+          <a:xfrm>
+            <a:off x="3502311" y="2462697"/>
+            <a:ext cx="1837785" cy="1307957"/>
+          </a:xfrm>
+          <a:prstGeom prst="straightConnector1">
+            <a:avLst/>
+          </a:prstGeom>
+          <a:ln>
+            <a:solidFill>
+              <a:schemeClr val="tx1"/>
+            </a:solidFill>
+            <a:prstDash val="sysDash"/>
+            <a:tailEnd type="triangle"/>
+          </a:ln>
+        </p:spPr>
+        <p:style>
+          <a:lnRef idx="2">
+            <a:schemeClr val="accent1"/>
+          </a:lnRef>
+          <a:fillRef idx="0">
+            <a:schemeClr val="accent1"/>
+          </a:fillRef>
+          <a:effectRef idx="1">
+            <a:schemeClr val="accent1"/>
+          </a:effectRef>
+          <a:fontRef idx="minor">
+            <a:schemeClr val="tx1"/>
+          </a:fontRef>
+        </p:style>
+      </p:cxnSp>
+      <p:cxnSp>
+        <p:nvCxnSpPr>
+          <p:cNvPr id="15" name="Straight Arrow Connector 14">
+            <a:extLst>
+              <a:ext uri="{FF2B5EF4-FFF2-40B4-BE49-F238E27FC236}">
+                <a16:creationId xmlns:a16="http://schemas.microsoft.com/office/drawing/2014/main" id="{B3CB2AD7-AA69-D4FB-B463-FF964D2641E6}"/>
+              </a:ext>
+            </a:extLst>
+          </p:cNvPr>
+          <p:cNvCxnSpPr>
+            <a:cxnSpLocks/>
+            <a:stCxn id="11" idx="3"/>
+          </p:cNvCxnSpPr>
+          <p:nvPr/>
+        </p:nvCxnSpPr>
+        <p:spPr>
+          <a:xfrm>
+            <a:off x="3502311" y="2462697"/>
+            <a:ext cx="1654905" cy="774122"/>
+          </a:xfrm>
+          <a:prstGeom prst="straightConnector1">
+            <a:avLst/>
+          </a:prstGeom>
+          <a:ln>
+            <a:solidFill>
+              <a:schemeClr val="tx1"/>
+            </a:solidFill>
+            <a:prstDash val="sysDash"/>
+            <a:tailEnd type="triangle"/>
+          </a:ln>
+        </p:spPr>
+        <p:style>
+          <a:lnRef idx="2">
+            <a:schemeClr val="accent1"/>
+          </a:lnRef>
+          <a:fillRef idx="0">
+            <a:schemeClr val="accent1"/>
+          </a:fillRef>
+          <a:effectRef idx="1">
+            <a:schemeClr val="accent1"/>
+          </a:effectRef>
+          <a:fontRef idx="minor">
+            <a:schemeClr val="tx1"/>
+          </a:fontRef>
+        </p:style>
+      </p:cxnSp>
+      <p:sp>
+        <p:nvSpPr>
+          <p:cNvPr id="20" name="TextBox 19">
+            <a:extLst>
+              <a:ext uri="{FF2B5EF4-FFF2-40B4-BE49-F238E27FC236}">
+                <a16:creationId xmlns:a16="http://schemas.microsoft.com/office/drawing/2014/main" id="{194AB7E7-CB4D-C98D-C9B1-A8286B5B5C0C}"/>
+              </a:ext>
+            </a:extLst>
+          </p:cNvPr>
+          <p:cNvSpPr txBox="1"/>
+          <p:nvPr/>
+        </p:nvSpPr>
+        <p:spPr>
+          <a:xfrm>
+            <a:off x="5831172" y="3891658"/>
+            <a:ext cx="529655" cy="276999"/>
+          </a:xfrm>
+          <a:prstGeom prst="rect">
+            <a:avLst/>
+          </a:prstGeom>
+          <a:noFill/>
+        </p:spPr>
+        <p:txBody>
+          <a:bodyPr wrap="square">
+            <a:spAutoFit/>
+          </a:bodyPr>
+          <a:lstStyle/>
+          <a:p>
+            <a:r>
+              <a:rPr lang="en-US" sz="1200" b="1" dirty="0"/>
+              <a:t>PLC</a:t>
+            </a:r>
+            <a:endParaRPr lang="en-SG" sz="1200" b="1" dirty="0"/>
+          </a:p>
+        </p:txBody>
+      </p:sp>
+      <p:sp>
+        <p:nvSpPr>
+          <p:cNvPr id="21" name="TextBox 20">
+            <a:extLst>
+              <a:ext uri="{FF2B5EF4-FFF2-40B4-BE49-F238E27FC236}">
+                <a16:creationId xmlns:a16="http://schemas.microsoft.com/office/drawing/2014/main" id="{1EFB871E-A1FC-4494-615C-2C42D6B22C86}"/>
+              </a:ext>
+            </a:extLst>
+          </p:cNvPr>
+          <p:cNvSpPr txBox="1"/>
+          <p:nvPr/>
+        </p:nvSpPr>
+        <p:spPr>
+          <a:xfrm>
+            <a:off x="6892764" y="3891657"/>
+            <a:ext cx="529655" cy="276999"/>
+          </a:xfrm>
+          <a:prstGeom prst="rect">
+            <a:avLst/>
+          </a:prstGeom>
+          <a:noFill/>
+        </p:spPr>
+        <p:txBody>
+          <a:bodyPr wrap="square">
+            <a:spAutoFit/>
+          </a:bodyPr>
+          <a:lstStyle/>
+          <a:p>
+            <a:r>
+              <a:rPr lang="en-US" sz="1200" b="1" dirty="0"/>
+              <a:t>RTU</a:t>
+            </a:r>
+            <a:endParaRPr lang="en-SG" sz="1200" b="1" dirty="0"/>
+          </a:p>
+        </p:txBody>
+      </p:sp>
+      <p:sp>
+        <p:nvSpPr>
+          <p:cNvPr id="24" name="TextBox 23">
+            <a:extLst>
+              <a:ext uri="{FF2B5EF4-FFF2-40B4-BE49-F238E27FC236}">
+                <a16:creationId xmlns:a16="http://schemas.microsoft.com/office/drawing/2014/main" id="{B36A572C-B6D1-D74F-B851-C184FB2DA639}"/>
+              </a:ext>
+            </a:extLst>
+          </p:cNvPr>
+          <p:cNvSpPr txBox="1"/>
+          <p:nvPr/>
+        </p:nvSpPr>
+        <p:spPr>
+          <a:xfrm>
+            <a:off x="5500996" y="3171539"/>
+            <a:ext cx="991855" cy="461665"/>
+          </a:xfrm>
+          <a:prstGeom prst="rect">
+            <a:avLst/>
+          </a:prstGeom>
+          <a:noFill/>
+        </p:spPr>
+        <p:txBody>
+          <a:bodyPr wrap="square">
+            <a:spAutoFit/>
+          </a:bodyPr>
+          <a:lstStyle/>
+          <a:p>
+            <a:r>
+              <a:rPr lang="en-US" sz="1200" b="1" dirty="0"/>
+              <a:t>IEC104 Client </a:t>
+            </a:r>
+            <a:endParaRPr lang="en-SG" sz="1200" b="1" dirty="0"/>
+          </a:p>
+        </p:txBody>
+      </p:sp>
+      <p:sp>
+        <p:nvSpPr>
+          <p:cNvPr id="25" name="TextBox 24">
+            <a:extLst>
+              <a:ext uri="{FF2B5EF4-FFF2-40B4-BE49-F238E27FC236}">
+                <a16:creationId xmlns:a16="http://schemas.microsoft.com/office/drawing/2014/main" id="{2CE31EDE-1481-DB57-27B8-F701BB074798}"/>
+              </a:ext>
+            </a:extLst>
+          </p:cNvPr>
+          <p:cNvSpPr txBox="1"/>
+          <p:nvPr/>
+        </p:nvSpPr>
+        <p:spPr>
+          <a:xfrm>
+            <a:off x="5340096" y="3689972"/>
+            <a:ext cx="1201872" cy="276999"/>
+          </a:xfrm>
+          <a:prstGeom prst="rect">
+            <a:avLst/>
+          </a:prstGeom>
+          <a:noFill/>
+        </p:spPr>
+        <p:txBody>
+          <a:bodyPr wrap="square">
+            <a:spAutoFit/>
+          </a:bodyPr>
+          <a:lstStyle/>
+          <a:p>
+            <a:r>
+              <a:rPr lang="en-US" sz="1200" b="1" dirty="0"/>
+              <a:t>IEC104 Server</a:t>
+            </a:r>
+            <a:endParaRPr lang="en-SG" sz="1200" b="1" dirty="0"/>
+          </a:p>
+        </p:txBody>
+      </p:sp>
+      <p:sp>
+        <p:nvSpPr>
+          <p:cNvPr id="26" name="TextBox 25">
+            <a:extLst>
+              <a:ext uri="{FF2B5EF4-FFF2-40B4-BE49-F238E27FC236}">
+                <a16:creationId xmlns:a16="http://schemas.microsoft.com/office/drawing/2014/main" id="{AD661ACB-550B-D42C-8585-CAA25544D5E3}"/>
+              </a:ext>
+            </a:extLst>
+          </p:cNvPr>
+          <p:cNvSpPr txBox="1"/>
+          <p:nvPr/>
+        </p:nvSpPr>
+        <p:spPr>
+          <a:xfrm>
+            <a:off x="7879037" y="3456252"/>
+            <a:ext cx="3009431" cy="276999"/>
+          </a:xfrm>
+          <a:prstGeom prst="rect">
+            <a:avLst/>
+          </a:prstGeom>
+          <a:noFill/>
+        </p:spPr>
+        <p:txBody>
+          <a:bodyPr wrap="square">
+            <a:spAutoFit/>
+          </a:bodyPr>
+          <a:lstStyle/>
+          <a:p>
+            <a:r>
+              <a:rPr lang="en-US" sz="1200" b="1" dirty="0"/>
+              <a:t>Electrical Signal Simulation Link Clients</a:t>
+            </a:r>
+            <a:endParaRPr lang="en-SG" sz="1200" b="1" dirty="0"/>
+          </a:p>
+        </p:txBody>
+      </p:sp>
+      <p:cxnSp>
+        <p:nvCxnSpPr>
+          <p:cNvPr id="27" name="Straight Arrow Connector 26">
+            <a:extLst>
+              <a:ext uri="{FF2B5EF4-FFF2-40B4-BE49-F238E27FC236}">
+                <a16:creationId xmlns:a16="http://schemas.microsoft.com/office/drawing/2014/main" id="{17D85581-947F-BB1C-6947-3B65D4FB1F78}"/>
+              </a:ext>
+            </a:extLst>
+          </p:cNvPr>
+          <p:cNvCxnSpPr>
+            <a:cxnSpLocks/>
+            <a:stCxn id="26" idx="1"/>
+          </p:cNvCxnSpPr>
+          <p:nvPr/>
+        </p:nvCxnSpPr>
+        <p:spPr>
+          <a:xfrm flipH="1">
+            <a:off x="7295308" y="3594752"/>
+            <a:ext cx="583729" cy="596310"/>
+          </a:xfrm>
+          <a:prstGeom prst="straightConnector1">
+            <a:avLst/>
+          </a:prstGeom>
+          <a:ln>
+            <a:solidFill>
+              <a:schemeClr val="tx1"/>
+            </a:solidFill>
+            <a:prstDash val="sysDash"/>
+            <a:tailEnd type="triangle"/>
+          </a:ln>
+        </p:spPr>
+        <p:style>
+          <a:lnRef idx="2">
+            <a:schemeClr val="accent1"/>
+          </a:lnRef>
+          <a:fillRef idx="0">
+            <a:schemeClr val="accent1"/>
+          </a:fillRef>
+          <a:effectRef idx="1">
+            <a:schemeClr val="accent1"/>
+          </a:effectRef>
+          <a:fontRef idx="minor">
+            <a:schemeClr val="tx1"/>
+          </a:fontRef>
+        </p:style>
+      </p:cxnSp>
+      <p:sp>
+        <p:nvSpPr>
+          <p:cNvPr id="34" name="TextBox 33">
+            <a:extLst>
+              <a:ext uri="{FF2B5EF4-FFF2-40B4-BE49-F238E27FC236}">
+                <a16:creationId xmlns:a16="http://schemas.microsoft.com/office/drawing/2014/main" id="{4CED1937-09A1-F2E1-7AAD-AFE4EB515F49}"/>
+              </a:ext>
+            </a:extLst>
+          </p:cNvPr>
+          <p:cNvSpPr txBox="1"/>
+          <p:nvPr/>
+        </p:nvSpPr>
+        <p:spPr>
+          <a:xfrm>
+            <a:off x="7879037" y="4483061"/>
+            <a:ext cx="3009431" cy="276999"/>
+          </a:xfrm>
+          <a:prstGeom prst="rect">
+            <a:avLst/>
+          </a:prstGeom>
+          <a:noFill/>
+        </p:spPr>
+        <p:txBody>
+          <a:bodyPr wrap="square">
+            <a:spAutoFit/>
+          </a:bodyPr>
+          <a:lstStyle/>
+          <a:p>
+            <a:r>
+              <a:rPr lang="en-US" sz="1200" b="1" dirty="0"/>
+              <a:t>Electrical Signal Simulation Link Server</a:t>
+            </a:r>
+            <a:endParaRPr lang="en-SG" sz="1200" b="1" dirty="0"/>
+          </a:p>
+        </p:txBody>
+      </p:sp>
+      <p:cxnSp>
+        <p:nvCxnSpPr>
+          <p:cNvPr id="35" name="Straight Arrow Connector 34">
+            <a:extLst>
+              <a:ext uri="{FF2B5EF4-FFF2-40B4-BE49-F238E27FC236}">
+                <a16:creationId xmlns:a16="http://schemas.microsoft.com/office/drawing/2014/main" id="{9D04A119-ABCA-7D6F-4807-E4F02D806873}"/>
+              </a:ext>
+            </a:extLst>
+          </p:cNvPr>
+          <p:cNvCxnSpPr>
+            <a:cxnSpLocks/>
+            <a:stCxn id="34" idx="1"/>
+          </p:cNvCxnSpPr>
+          <p:nvPr/>
+        </p:nvCxnSpPr>
+        <p:spPr>
+          <a:xfrm flipH="1">
+            <a:off x="7295308" y="4621561"/>
+            <a:ext cx="583729" cy="0"/>
+          </a:xfrm>
+          <a:prstGeom prst="straightConnector1">
+            <a:avLst/>
+          </a:prstGeom>
+          <a:ln>
+            <a:solidFill>
+              <a:schemeClr val="tx1"/>
+            </a:solidFill>
+            <a:prstDash val="sysDash"/>
+            <a:tailEnd type="triangle"/>
+          </a:ln>
+        </p:spPr>
+        <p:style>
+          <a:lnRef idx="2">
+            <a:schemeClr val="accent1"/>
+          </a:lnRef>
+          <a:fillRef idx="0">
+            <a:schemeClr val="accent1"/>
+          </a:fillRef>
+          <a:effectRef idx="1">
+            <a:schemeClr val="accent1"/>
+          </a:effectRef>
+          <a:fontRef idx="minor">
+            <a:schemeClr val="tx1"/>
+          </a:fontRef>
+        </p:style>
+      </p:cxnSp>
+    </p:spTree>
+    <p:extLst>
+      <p:ext uri="{BB962C8B-B14F-4D97-AF65-F5344CB8AC3E}">
+        <p14:creationId xmlns:p14="http://schemas.microsoft.com/office/powerpoint/2010/main" val="197085802"/>
+      </p:ext>
+    </p:extLst>
+  </p:cSld>
+  <p:clrMapOvr>
+    <a:masterClrMapping/>
+  </p:clrMapOvr>
+</p:sld>
+</file>
+
+<file path=ppt/slides/slide5.xml><?xml version="1.0" encoding="utf-8"?>
 <p:sld xmlns:a="http://schemas.openxmlformats.org/drawingml/2006/main" xmlns:r="http://schemas.openxmlformats.org/officeDocument/2006/relationships" xmlns:p="http://schemas.openxmlformats.org/presentationml/2006/main">
   <p:cSld>
     <p:spTree>
@@ -22402,7 +24812,7 @@
 </p:sld>
 </file>
 
-<file path=ppt/slides/slide5.xml><?xml version="1.0" encoding="utf-8"?>
+<file path=ppt/slides/slide6.xml><?xml version="1.0" encoding="utf-8"?>
 <p:sld xmlns:a="http://schemas.openxmlformats.org/drawingml/2006/main" xmlns:r="http://schemas.openxmlformats.org/officeDocument/2006/relationships" xmlns:p="http://schemas.openxmlformats.org/presentationml/2006/main">
   <p:cSld>
     <p:spTree>
@@ -24218,7 +26628,7 @@
 </p:sld>
 </file>
 
-<file path=ppt/slides/slide6.xml><?xml version="1.0" encoding="utf-8"?>
+<file path=ppt/slides/slide7.xml><?xml version="1.0" encoding="utf-8"?>
 <p:sld xmlns:a="http://schemas.openxmlformats.org/drawingml/2006/main" xmlns:r="http://schemas.openxmlformats.org/officeDocument/2006/relationships" xmlns:p="http://schemas.openxmlformats.org/presentationml/2006/main">
   <p:cSld>
     <p:spTree>
@@ -25614,96 +28024,6 @@
     <p:extLst>
       <p:ext uri="{BB962C8B-B14F-4D97-AF65-F5344CB8AC3E}">
         <p14:creationId xmlns:p14="http://schemas.microsoft.com/office/powerpoint/2010/main" val="3265051970"/>
-      </p:ext>
-    </p:extLst>
-  </p:cSld>
-  <p:clrMapOvr>
-    <a:masterClrMapping/>
-  </p:clrMapOvr>
-</p:sld>
-</file>
-
-<file path=ppt/slides/slide7.xml><?xml version="1.0" encoding="utf-8"?>
-<p:sld xmlns:a="http://schemas.openxmlformats.org/drawingml/2006/main" xmlns:r="http://schemas.openxmlformats.org/officeDocument/2006/relationships" xmlns:p="http://schemas.openxmlformats.org/presentationml/2006/main">
-  <p:cSld>
-    <p:spTree>
-      <p:nvGrpSpPr>
-        <p:cNvPr id="1" name=""/>
-        <p:cNvGrpSpPr/>
-        <p:nvPr/>
-      </p:nvGrpSpPr>
-      <p:grpSpPr>
-        <a:xfrm>
-          <a:off x="0" y="0"/>
-          <a:ext cx="0" cy="0"/>
-          <a:chOff x="0" y="0"/>
-          <a:chExt cx="0" cy="0"/>
-        </a:xfrm>
-      </p:grpSpPr>
-      <p:pic>
-        <p:nvPicPr>
-          <p:cNvPr id="5" name="Picture 4">
-            <a:extLst>
-              <a:ext uri="{FF2B5EF4-FFF2-40B4-BE49-F238E27FC236}">
-                <a16:creationId xmlns:a16="http://schemas.microsoft.com/office/drawing/2014/main" id="{D35B4EB7-6687-1495-BCC8-56255BEDD9C6}"/>
-              </a:ext>
-            </a:extLst>
-          </p:cNvPr>
-          <p:cNvPicPr>
-            <a:picLocks noChangeAspect="1"/>
-          </p:cNvPicPr>
-          <p:nvPr/>
-        </p:nvPicPr>
-        <p:blipFill>
-          <a:blip r:embed="rId2"/>
-          <a:stretch>
-            <a:fillRect/>
-          </a:stretch>
-        </p:blipFill>
-        <p:spPr>
-          <a:xfrm>
-            <a:off x="2634095" y="395666"/>
-            <a:ext cx="6923809" cy="6066667"/>
-          </a:xfrm>
-          <a:prstGeom prst="rect">
-            <a:avLst/>
-          </a:prstGeom>
-        </p:spPr>
-      </p:pic>
-      <p:pic>
-        <p:nvPicPr>
-          <p:cNvPr id="7" name="Picture 6">
-            <a:extLst>
-              <a:ext uri="{FF2B5EF4-FFF2-40B4-BE49-F238E27FC236}">
-                <a16:creationId xmlns:a16="http://schemas.microsoft.com/office/drawing/2014/main" id="{B99D8725-D8E1-7C25-A297-BE818685B8A8}"/>
-              </a:ext>
-            </a:extLst>
-          </p:cNvPr>
-          <p:cNvPicPr>
-            <a:picLocks noChangeAspect="1"/>
-          </p:cNvPicPr>
-          <p:nvPr/>
-        </p:nvPicPr>
-        <p:blipFill>
-          <a:blip r:embed="rId3"/>
-          <a:stretch>
-            <a:fillRect/>
-          </a:stretch>
-        </p:blipFill>
-        <p:spPr>
-          <a:xfrm>
-            <a:off x="5035120" y="6224238"/>
-            <a:ext cx="238095" cy="238095"/>
-          </a:xfrm>
-          <a:prstGeom prst="rect">
-            <a:avLst/>
-          </a:prstGeom>
-        </p:spPr>
-      </p:pic>
-    </p:spTree>
-    <p:extLst>
-      <p:ext uri="{BB962C8B-B14F-4D97-AF65-F5344CB8AC3E}">
-        <p14:creationId xmlns:p14="http://schemas.microsoft.com/office/powerpoint/2010/main" val="714895613"/>
       </p:ext>
     </p:extLst>
   </p:cSld>
@@ -25732,10 +28052,10 @@
       </p:grpSpPr>
       <p:pic>
         <p:nvPicPr>
-          <p:cNvPr id="4" name="Picture 3">
-            <a:extLst>
-              <a:ext uri="{FF2B5EF4-FFF2-40B4-BE49-F238E27FC236}">
-                <a16:creationId xmlns:a16="http://schemas.microsoft.com/office/drawing/2014/main" id="{F843622B-86E6-2173-F794-329E1FE9A932}"/>
+          <p:cNvPr id="5" name="Picture 4">
+            <a:extLst>
+              <a:ext uri="{FF2B5EF4-FFF2-40B4-BE49-F238E27FC236}">
+                <a16:creationId xmlns:a16="http://schemas.microsoft.com/office/drawing/2014/main" id="{D35B4EB7-6687-1495-BCC8-56255BEDD9C6}"/>
               </a:ext>
             </a:extLst>
           </p:cNvPr>
@@ -25745,40 +28065,27 @@
           <p:nvPr/>
         </p:nvPicPr>
         <p:blipFill>
-          <a:blip r:embed="rId2">
-            <a:extLst>
-              <a:ext uri="{28A0092B-C50C-407E-A947-70E740481C1C}">
-                <a14:useLocalDpi xmlns:a14="http://schemas.microsoft.com/office/drawing/2010/main" val="0"/>
-              </a:ext>
-            </a:extLst>
-          </a:blip>
-          <a:srcRect/>
+          <a:blip r:embed="rId2"/>
           <a:stretch>
             <a:fillRect/>
           </a:stretch>
         </p:blipFill>
-        <p:spPr bwMode="auto">
-          <a:xfrm>
-            <a:off x="534215" y="630936"/>
-            <a:ext cx="8732658" cy="2179129"/>
-          </a:xfrm>
-          <a:prstGeom prst="rect">
-            <a:avLst/>
-          </a:prstGeom>
-          <a:noFill/>
-          <a:ln w="3175">
-            <a:solidFill>
-              <a:schemeClr val="tx1"/>
-            </a:solidFill>
-          </a:ln>
+        <p:spPr>
+          <a:xfrm>
+            <a:off x="2634095" y="395666"/>
+            <a:ext cx="6923809" cy="6066667"/>
+          </a:xfrm>
+          <a:prstGeom prst="rect">
+            <a:avLst/>
+          </a:prstGeom>
         </p:spPr>
       </p:pic>
       <p:pic>
         <p:nvPicPr>
-          <p:cNvPr id="6" name="Picture 5">
-            <a:extLst>
-              <a:ext uri="{FF2B5EF4-FFF2-40B4-BE49-F238E27FC236}">
-                <a16:creationId xmlns:a16="http://schemas.microsoft.com/office/drawing/2014/main" id="{65E9EEE2-0CC1-0DFC-09F2-9CDF06EBEB93}"/>
+          <p:cNvPr id="7" name="Picture 6">
+            <a:extLst>
+              <a:ext uri="{FF2B5EF4-FFF2-40B4-BE49-F238E27FC236}">
+                <a16:creationId xmlns:a16="http://schemas.microsoft.com/office/drawing/2014/main" id="{B99D8725-D8E1-7C25-A297-BE818685B8A8}"/>
               </a:ext>
             </a:extLst>
           </p:cNvPr>
@@ -25795,909 +28102,18 @@
         </p:blipFill>
         <p:spPr>
           <a:xfrm>
-            <a:off x="8505838" y="787348"/>
-            <a:ext cx="209524" cy="180952"/>
+            <a:off x="5035120" y="6224238"/>
+            <a:ext cx="238095" cy="238095"/>
           </a:xfrm>
           <a:prstGeom prst="rect">
             <a:avLst/>
           </a:prstGeom>
         </p:spPr>
       </p:pic>
-      <p:pic>
-        <p:nvPicPr>
-          <p:cNvPr id="7" name="Picture 6">
-            <a:extLst>
-              <a:ext uri="{FF2B5EF4-FFF2-40B4-BE49-F238E27FC236}">
-                <a16:creationId xmlns:a16="http://schemas.microsoft.com/office/drawing/2014/main" id="{85AA5AB1-03DC-0E60-11B8-F9CCD3B65C82}"/>
-              </a:ext>
-            </a:extLst>
-          </p:cNvPr>
-          <p:cNvPicPr>
-            <a:picLocks noChangeAspect="1"/>
-          </p:cNvPicPr>
-          <p:nvPr/>
-        </p:nvPicPr>
-        <p:blipFill>
-          <a:blip r:embed="rId3"/>
-          <a:stretch>
-            <a:fillRect/>
-          </a:stretch>
-        </p:blipFill>
-        <p:spPr>
-          <a:xfrm>
-            <a:off x="8505838" y="1539548"/>
-            <a:ext cx="209524" cy="180952"/>
-          </a:xfrm>
-          <a:prstGeom prst="rect">
-            <a:avLst/>
-          </a:prstGeom>
-        </p:spPr>
-      </p:pic>
-      <p:sp>
-        <p:nvSpPr>
-          <p:cNvPr id="9" name="Rectangle 8">
-            <a:extLst>
-              <a:ext uri="{FF2B5EF4-FFF2-40B4-BE49-F238E27FC236}">
-                <a16:creationId xmlns:a16="http://schemas.microsoft.com/office/drawing/2014/main" id="{F9DF523E-7192-B84A-1DAD-6569A4586F6A}"/>
-              </a:ext>
-            </a:extLst>
-          </p:cNvPr>
-          <p:cNvSpPr/>
-          <p:nvPr/>
-        </p:nvSpPr>
-        <p:spPr>
-          <a:xfrm>
-            <a:off x="8138160" y="708279"/>
-            <a:ext cx="274320" cy="121561"/>
-          </a:xfrm>
-          <a:prstGeom prst="rect">
-            <a:avLst/>
-          </a:prstGeom>
-          <a:solidFill>
-            <a:schemeClr val="bg1"/>
-          </a:solidFill>
-          <a:ln>
-            <a:solidFill>
-              <a:schemeClr val="bg1"/>
-            </a:solidFill>
-          </a:ln>
-        </p:spPr>
-        <p:style>
-          <a:lnRef idx="2">
-            <a:schemeClr val="accent1">
-              <a:shade val="15000"/>
-            </a:schemeClr>
-          </a:lnRef>
-          <a:fillRef idx="1">
-            <a:schemeClr val="accent1"/>
-          </a:fillRef>
-          <a:effectRef idx="0">
-            <a:schemeClr val="accent1"/>
-          </a:effectRef>
-          <a:fontRef idx="minor">
-            <a:schemeClr val="lt1"/>
-          </a:fontRef>
-        </p:style>
-        <p:txBody>
-          <a:bodyPr rtlCol="0" anchor="ctr"/>
-          <a:lstStyle/>
-          <a:p>
-            <a:pPr algn="ctr"/>
-            <a:endParaRPr lang="en-SG"/>
-          </a:p>
-        </p:txBody>
-      </p:sp>
-      <p:sp>
-        <p:nvSpPr>
-          <p:cNvPr id="11" name="Rectangle 10">
-            <a:extLst>
-              <a:ext uri="{FF2B5EF4-FFF2-40B4-BE49-F238E27FC236}">
-                <a16:creationId xmlns:a16="http://schemas.microsoft.com/office/drawing/2014/main" id="{51917438-A1DD-7454-E2F7-C8AC1D6032F7}"/>
-              </a:ext>
-            </a:extLst>
-          </p:cNvPr>
-          <p:cNvSpPr/>
-          <p:nvPr/>
-        </p:nvSpPr>
-        <p:spPr>
-          <a:xfrm>
-            <a:off x="1633728" y="647498"/>
-            <a:ext cx="274320" cy="139850"/>
-          </a:xfrm>
-          <a:prstGeom prst="rect">
-            <a:avLst/>
-          </a:prstGeom>
-          <a:solidFill>
-            <a:schemeClr val="bg1"/>
-          </a:solidFill>
-          <a:ln>
-            <a:solidFill>
-              <a:schemeClr val="bg1"/>
-            </a:solidFill>
-          </a:ln>
-        </p:spPr>
-        <p:style>
-          <a:lnRef idx="2">
-            <a:schemeClr val="accent1">
-              <a:shade val="15000"/>
-            </a:schemeClr>
-          </a:lnRef>
-          <a:fillRef idx="1">
-            <a:schemeClr val="accent1"/>
-          </a:fillRef>
-          <a:effectRef idx="0">
-            <a:schemeClr val="accent1"/>
-          </a:effectRef>
-          <a:fontRef idx="minor">
-            <a:schemeClr val="lt1"/>
-          </a:fontRef>
-        </p:style>
-        <p:txBody>
-          <a:bodyPr rtlCol="0" anchor="ctr"/>
-          <a:lstStyle/>
-          <a:p>
-            <a:pPr algn="ctr"/>
-            <a:endParaRPr lang="en-SG"/>
-          </a:p>
-        </p:txBody>
-      </p:sp>
-      <p:sp>
-        <p:nvSpPr>
-          <p:cNvPr id="12" name="Rectangle 11">
-            <a:extLst>
-              <a:ext uri="{FF2B5EF4-FFF2-40B4-BE49-F238E27FC236}">
-                <a16:creationId xmlns:a16="http://schemas.microsoft.com/office/drawing/2014/main" id="{E0F7B813-5A5C-3ECB-FB35-BBA1909A1D6F}"/>
-              </a:ext>
-            </a:extLst>
-          </p:cNvPr>
-          <p:cNvSpPr/>
-          <p:nvPr/>
-        </p:nvSpPr>
-        <p:spPr>
-          <a:xfrm>
-            <a:off x="1633728" y="1412601"/>
-            <a:ext cx="274320" cy="121561"/>
-          </a:xfrm>
-          <a:prstGeom prst="rect">
-            <a:avLst/>
-          </a:prstGeom>
-          <a:solidFill>
-            <a:schemeClr val="bg1"/>
-          </a:solidFill>
-          <a:ln>
-            <a:solidFill>
-              <a:schemeClr val="bg1"/>
-            </a:solidFill>
-          </a:ln>
-        </p:spPr>
-        <p:style>
-          <a:lnRef idx="2">
-            <a:schemeClr val="accent1">
-              <a:shade val="15000"/>
-            </a:schemeClr>
-          </a:lnRef>
-          <a:fillRef idx="1">
-            <a:schemeClr val="accent1"/>
-          </a:fillRef>
-          <a:effectRef idx="0">
-            <a:schemeClr val="accent1"/>
-          </a:effectRef>
-          <a:fontRef idx="minor">
-            <a:schemeClr val="lt1"/>
-          </a:fontRef>
-        </p:style>
-        <p:txBody>
-          <a:bodyPr rtlCol="0" anchor="ctr"/>
-          <a:lstStyle/>
-          <a:p>
-            <a:pPr algn="ctr"/>
-            <a:endParaRPr lang="en-SG"/>
-          </a:p>
-        </p:txBody>
-      </p:sp>
-      <p:sp>
-        <p:nvSpPr>
-          <p:cNvPr id="13" name="Rectangle 12">
-            <a:extLst>
-              <a:ext uri="{FF2B5EF4-FFF2-40B4-BE49-F238E27FC236}">
-                <a16:creationId xmlns:a16="http://schemas.microsoft.com/office/drawing/2014/main" id="{E54D2CBF-E5A7-2C18-9A8A-7997A9C8ED3A}"/>
-              </a:ext>
-            </a:extLst>
-          </p:cNvPr>
-          <p:cNvSpPr/>
-          <p:nvPr/>
-        </p:nvSpPr>
-        <p:spPr>
-          <a:xfrm>
-            <a:off x="8138160" y="1455093"/>
-            <a:ext cx="274320" cy="121561"/>
-          </a:xfrm>
-          <a:prstGeom prst="rect">
-            <a:avLst/>
-          </a:prstGeom>
-          <a:solidFill>
-            <a:schemeClr val="bg1"/>
-          </a:solidFill>
-          <a:ln>
-            <a:solidFill>
-              <a:schemeClr val="bg1"/>
-            </a:solidFill>
-          </a:ln>
-        </p:spPr>
-        <p:style>
-          <a:lnRef idx="2">
-            <a:schemeClr val="accent1">
-              <a:shade val="15000"/>
-            </a:schemeClr>
-          </a:lnRef>
-          <a:fillRef idx="1">
-            <a:schemeClr val="accent1"/>
-          </a:fillRef>
-          <a:effectRef idx="0">
-            <a:schemeClr val="accent1"/>
-          </a:effectRef>
-          <a:fontRef idx="minor">
-            <a:schemeClr val="lt1"/>
-          </a:fontRef>
-        </p:style>
-        <p:txBody>
-          <a:bodyPr rtlCol="0" anchor="ctr"/>
-          <a:lstStyle/>
-          <a:p>
-            <a:pPr algn="ctr"/>
-            <a:endParaRPr lang="en-SG"/>
-          </a:p>
-        </p:txBody>
-      </p:sp>
-      <p:sp>
-        <p:nvSpPr>
-          <p:cNvPr id="14" name="Rectangle 13">
-            <a:extLst>
-              <a:ext uri="{FF2B5EF4-FFF2-40B4-BE49-F238E27FC236}">
-                <a16:creationId xmlns:a16="http://schemas.microsoft.com/office/drawing/2014/main" id="{EB02468F-1F2B-EB67-4EFA-4AC88569A3CA}"/>
-              </a:ext>
-            </a:extLst>
-          </p:cNvPr>
-          <p:cNvSpPr/>
-          <p:nvPr/>
-        </p:nvSpPr>
-        <p:spPr>
-          <a:xfrm>
-            <a:off x="1633728" y="2168559"/>
-            <a:ext cx="274320" cy="121561"/>
-          </a:xfrm>
-          <a:prstGeom prst="rect">
-            <a:avLst/>
-          </a:prstGeom>
-          <a:solidFill>
-            <a:schemeClr val="bg1"/>
-          </a:solidFill>
-          <a:ln>
-            <a:solidFill>
-              <a:schemeClr val="bg1"/>
-            </a:solidFill>
-          </a:ln>
-        </p:spPr>
-        <p:style>
-          <a:lnRef idx="2">
-            <a:schemeClr val="accent1">
-              <a:shade val="15000"/>
-            </a:schemeClr>
-          </a:lnRef>
-          <a:fillRef idx="1">
-            <a:schemeClr val="accent1"/>
-          </a:fillRef>
-          <a:effectRef idx="0">
-            <a:schemeClr val="accent1"/>
-          </a:effectRef>
-          <a:fontRef idx="minor">
-            <a:schemeClr val="lt1"/>
-          </a:fontRef>
-        </p:style>
-        <p:txBody>
-          <a:bodyPr rtlCol="0" anchor="ctr"/>
-          <a:lstStyle/>
-          <a:p>
-            <a:pPr algn="ctr"/>
-            <a:endParaRPr lang="en-SG"/>
-          </a:p>
-        </p:txBody>
-      </p:sp>
-      <p:sp>
-        <p:nvSpPr>
-          <p:cNvPr id="15" name="Rectangle 14">
-            <a:extLst>
-              <a:ext uri="{FF2B5EF4-FFF2-40B4-BE49-F238E27FC236}">
-                <a16:creationId xmlns:a16="http://schemas.microsoft.com/office/drawing/2014/main" id="{16347FE5-8021-E930-9450-823270B36701}"/>
-              </a:ext>
-            </a:extLst>
-          </p:cNvPr>
-          <p:cNvSpPr/>
-          <p:nvPr/>
-        </p:nvSpPr>
-        <p:spPr>
-          <a:xfrm>
-            <a:off x="8138160" y="2229339"/>
-            <a:ext cx="274320" cy="121561"/>
-          </a:xfrm>
-          <a:prstGeom prst="rect">
-            <a:avLst/>
-          </a:prstGeom>
-          <a:solidFill>
-            <a:schemeClr val="bg1"/>
-          </a:solidFill>
-          <a:ln>
-            <a:solidFill>
-              <a:schemeClr val="bg1"/>
-            </a:solidFill>
-          </a:ln>
-        </p:spPr>
-        <p:style>
-          <a:lnRef idx="2">
-            <a:schemeClr val="accent1">
-              <a:shade val="15000"/>
-            </a:schemeClr>
-          </a:lnRef>
-          <a:fillRef idx="1">
-            <a:schemeClr val="accent1"/>
-          </a:fillRef>
-          <a:effectRef idx="0">
-            <a:schemeClr val="accent1"/>
-          </a:effectRef>
-          <a:fontRef idx="minor">
-            <a:schemeClr val="lt1"/>
-          </a:fontRef>
-        </p:style>
-        <p:txBody>
-          <a:bodyPr rtlCol="0" anchor="ctr"/>
-          <a:lstStyle/>
-          <a:p>
-            <a:pPr algn="ctr"/>
-            <a:endParaRPr lang="en-SG"/>
-          </a:p>
-        </p:txBody>
-      </p:sp>
-      <p:sp>
-        <p:nvSpPr>
-          <p:cNvPr id="8" name="TextBox 7">
-            <a:extLst>
-              <a:ext uri="{FF2B5EF4-FFF2-40B4-BE49-F238E27FC236}">
-                <a16:creationId xmlns:a16="http://schemas.microsoft.com/office/drawing/2014/main" id="{F2B2A6D6-9AE7-8FDA-619C-0156247843AD}"/>
-              </a:ext>
-            </a:extLst>
-          </p:cNvPr>
-          <p:cNvSpPr txBox="1"/>
-          <p:nvPr/>
-        </p:nvSpPr>
-        <p:spPr>
-          <a:xfrm>
-            <a:off x="8057299" y="593826"/>
-            <a:ext cx="553301" cy="300980"/>
-          </a:xfrm>
-          <a:prstGeom prst="rect">
-            <a:avLst/>
-          </a:prstGeom>
-          <a:noFill/>
-          <a:ln>
-            <a:noFill/>
-          </a:ln>
-        </p:spPr>
-        <p:txBody>
-          <a:bodyPr wrap="square" rtlCol="0">
-            <a:spAutoFit/>
-          </a:bodyPr>
-          <a:lstStyle/>
-          <a:p>
-            <a:pPr>
-              <a:lnSpc>
-                <a:spcPct val="150000"/>
-              </a:lnSpc>
-            </a:pPr>
-            <a:r>
-              <a:rPr lang="en-US" sz="1000" b="1" dirty="0"/>
-              <a:t>%M10</a:t>
-            </a:r>
-            <a:endParaRPr lang="en-SG" sz="1000" b="1" dirty="0"/>
-          </a:p>
-        </p:txBody>
-      </p:sp>
-      <p:sp>
-        <p:nvSpPr>
-          <p:cNvPr id="16" name="TextBox 15">
-            <a:extLst>
-              <a:ext uri="{FF2B5EF4-FFF2-40B4-BE49-F238E27FC236}">
-                <a16:creationId xmlns:a16="http://schemas.microsoft.com/office/drawing/2014/main" id="{5A48E629-858F-15EB-F71F-45B06CDCDDE5}"/>
-              </a:ext>
-            </a:extLst>
-          </p:cNvPr>
-          <p:cNvSpPr txBox="1"/>
-          <p:nvPr/>
-        </p:nvSpPr>
-        <p:spPr>
-          <a:xfrm>
-            <a:off x="1631397" y="544872"/>
-            <a:ext cx="553301" cy="300980"/>
-          </a:xfrm>
-          <a:prstGeom prst="rect">
-            <a:avLst/>
-          </a:prstGeom>
-          <a:noFill/>
-          <a:ln>
-            <a:noFill/>
-          </a:ln>
-        </p:spPr>
-        <p:txBody>
-          <a:bodyPr wrap="square" rtlCol="0">
-            <a:spAutoFit/>
-          </a:bodyPr>
-          <a:lstStyle/>
-          <a:p>
-            <a:pPr>
-              <a:lnSpc>
-                <a:spcPct val="150000"/>
-              </a:lnSpc>
-            </a:pPr>
-            <a:r>
-              <a:rPr lang="en-US" sz="1000" b="1" dirty="0"/>
-              <a:t>%I0.1</a:t>
-            </a:r>
-            <a:endParaRPr lang="en-SG" sz="1000" b="1" dirty="0"/>
-          </a:p>
-        </p:txBody>
-      </p:sp>
-      <p:sp>
-        <p:nvSpPr>
-          <p:cNvPr id="17" name="TextBox 16">
-            <a:extLst>
-              <a:ext uri="{FF2B5EF4-FFF2-40B4-BE49-F238E27FC236}">
-                <a16:creationId xmlns:a16="http://schemas.microsoft.com/office/drawing/2014/main" id="{4D3AA356-2885-3D58-8811-E3C1D7815D23}"/>
-              </a:ext>
-            </a:extLst>
-          </p:cNvPr>
-          <p:cNvSpPr txBox="1"/>
-          <p:nvPr/>
-        </p:nvSpPr>
-        <p:spPr>
-          <a:xfrm>
-            <a:off x="1631396" y="1286336"/>
-            <a:ext cx="553301" cy="300980"/>
-          </a:xfrm>
-          <a:prstGeom prst="rect">
-            <a:avLst/>
-          </a:prstGeom>
-          <a:noFill/>
-          <a:ln>
-            <a:noFill/>
-          </a:ln>
-        </p:spPr>
-        <p:txBody>
-          <a:bodyPr wrap="square" rtlCol="0">
-            <a:spAutoFit/>
-          </a:bodyPr>
-          <a:lstStyle/>
-          <a:p>
-            <a:pPr>
-              <a:lnSpc>
-                <a:spcPct val="150000"/>
-              </a:lnSpc>
-            </a:pPr>
-            <a:r>
-              <a:rPr lang="en-US" sz="1000" b="1" dirty="0"/>
-              <a:t>%M10</a:t>
-            </a:r>
-            <a:endParaRPr lang="en-SG" sz="1000" b="1" dirty="0"/>
-          </a:p>
-        </p:txBody>
-      </p:sp>
-      <p:sp>
-        <p:nvSpPr>
-          <p:cNvPr id="18" name="Rectangle 17">
-            <a:extLst>
-              <a:ext uri="{FF2B5EF4-FFF2-40B4-BE49-F238E27FC236}">
-                <a16:creationId xmlns:a16="http://schemas.microsoft.com/office/drawing/2014/main" id="{2999FF1A-CFDF-A7E0-A96E-FB1ED12F525E}"/>
-              </a:ext>
-            </a:extLst>
-          </p:cNvPr>
-          <p:cNvSpPr/>
-          <p:nvPr/>
-        </p:nvSpPr>
-        <p:spPr>
-          <a:xfrm>
-            <a:off x="3465576" y="1479534"/>
-            <a:ext cx="2386584" cy="300980"/>
-          </a:xfrm>
-          <a:prstGeom prst="rect">
-            <a:avLst/>
-          </a:prstGeom>
-        </p:spPr>
-        <p:style>
-          <a:lnRef idx="2">
-            <a:schemeClr val="accent1">
-              <a:shade val="15000"/>
-            </a:schemeClr>
-          </a:lnRef>
-          <a:fillRef idx="1">
-            <a:schemeClr val="accent1"/>
-          </a:fillRef>
-          <a:effectRef idx="0">
-            <a:schemeClr val="accent1"/>
-          </a:effectRef>
-          <a:fontRef idx="minor">
-            <a:schemeClr val="lt1"/>
-          </a:fontRef>
-        </p:style>
-        <p:txBody>
-          <a:bodyPr rtlCol="0" anchor="ctr"/>
-          <a:lstStyle/>
-          <a:p>
-            <a:pPr algn="ctr"/>
-            <a:r>
-              <a:rPr lang="en-US" sz="1400" dirty="0"/>
-              <a:t>Ladder Logic section</a:t>
-            </a:r>
-            <a:endParaRPr lang="en-SG" sz="1400" dirty="0"/>
-          </a:p>
-        </p:txBody>
-      </p:sp>
-      <p:sp>
-        <p:nvSpPr>
-          <p:cNvPr id="19" name="TextBox 18">
-            <a:extLst>
-              <a:ext uri="{FF2B5EF4-FFF2-40B4-BE49-F238E27FC236}">
-                <a16:creationId xmlns:a16="http://schemas.microsoft.com/office/drawing/2014/main" id="{D6E3EF7B-B57D-947C-8A09-67572C166DEC}"/>
-              </a:ext>
-            </a:extLst>
-          </p:cNvPr>
-          <p:cNvSpPr txBox="1"/>
-          <p:nvPr/>
-        </p:nvSpPr>
-        <p:spPr>
-          <a:xfrm>
-            <a:off x="8057299" y="1344226"/>
-            <a:ext cx="553301" cy="300980"/>
-          </a:xfrm>
-          <a:prstGeom prst="rect">
-            <a:avLst/>
-          </a:prstGeom>
-          <a:noFill/>
-          <a:ln>
-            <a:noFill/>
-          </a:ln>
-        </p:spPr>
-        <p:txBody>
-          <a:bodyPr wrap="square" rtlCol="0">
-            <a:spAutoFit/>
-          </a:bodyPr>
-          <a:lstStyle/>
-          <a:p>
-            <a:pPr>
-              <a:lnSpc>
-                <a:spcPct val="150000"/>
-              </a:lnSpc>
-            </a:pPr>
-            <a:r>
-              <a:rPr lang="en-US" sz="1000" b="1" dirty="0"/>
-              <a:t>%M60</a:t>
-            </a:r>
-            <a:endParaRPr lang="en-SG" sz="1000" b="1" dirty="0"/>
-          </a:p>
-        </p:txBody>
-      </p:sp>
-      <p:sp>
-        <p:nvSpPr>
-          <p:cNvPr id="20" name="TextBox 19">
-            <a:extLst>
-              <a:ext uri="{FF2B5EF4-FFF2-40B4-BE49-F238E27FC236}">
-                <a16:creationId xmlns:a16="http://schemas.microsoft.com/office/drawing/2014/main" id="{D55C3C5B-BBE7-4477-1825-C64F792B0AF5}"/>
-              </a:ext>
-            </a:extLst>
-          </p:cNvPr>
-          <p:cNvSpPr txBox="1"/>
-          <p:nvPr/>
-        </p:nvSpPr>
-        <p:spPr>
-          <a:xfrm>
-            <a:off x="1631395" y="2046297"/>
-            <a:ext cx="553301" cy="300980"/>
-          </a:xfrm>
-          <a:prstGeom prst="rect">
-            <a:avLst/>
-          </a:prstGeom>
-          <a:noFill/>
-          <a:ln>
-            <a:noFill/>
-          </a:ln>
-        </p:spPr>
-        <p:txBody>
-          <a:bodyPr wrap="square" rtlCol="0">
-            <a:spAutoFit/>
-          </a:bodyPr>
-          <a:lstStyle/>
-          <a:p>
-            <a:pPr>
-              <a:lnSpc>
-                <a:spcPct val="150000"/>
-              </a:lnSpc>
-            </a:pPr>
-            <a:r>
-              <a:rPr lang="en-US" sz="1000" b="1" dirty="0"/>
-              <a:t>%M60</a:t>
-            </a:r>
-            <a:endParaRPr lang="en-SG" sz="1000" b="1" dirty="0"/>
-          </a:p>
-        </p:txBody>
-      </p:sp>
-      <p:sp>
-        <p:nvSpPr>
-          <p:cNvPr id="21" name="TextBox 20">
-            <a:extLst>
-              <a:ext uri="{FF2B5EF4-FFF2-40B4-BE49-F238E27FC236}">
-                <a16:creationId xmlns:a16="http://schemas.microsoft.com/office/drawing/2014/main" id="{AB48342B-C485-7B9B-893B-3FE68809474D}"/>
-              </a:ext>
-            </a:extLst>
-          </p:cNvPr>
-          <p:cNvSpPr txBox="1"/>
-          <p:nvPr/>
-        </p:nvSpPr>
-        <p:spPr>
-          <a:xfrm>
-            <a:off x="8021133" y="2111609"/>
-            <a:ext cx="694229" cy="300980"/>
-          </a:xfrm>
-          <a:prstGeom prst="rect">
-            <a:avLst/>
-          </a:prstGeom>
-          <a:noFill/>
-          <a:ln>
-            <a:noFill/>
-          </a:ln>
-        </p:spPr>
-        <p:txBody>
-          <a:bodyPr wrap="square" rtlCol="0">
-            <a:spAutoFit/>
-          </a:bodyPr>
-          <a:lstStyle/>
-          <a:p>
-            <a:pPr>
-              <a:lnSpc>
-                <a:spcPct val="150000"/>
-              </a:lnSpc>
-            </a:pPr>
-            <a:r>
-              <a:rPr lang="en-US" sz="1000" b="1" dirty="0"/>
-              <a:t>%Q0.6</a:t>
-            </a:r>
-            <a:endParaRPr lang="en-SG" sz="1000" b="1" dirty="0"/>
-          </a:p>
-        </p:txBody>
-      </p:sp>
-      <p:pic>
-        <p:nvPicPr>
-          <p:cNvPr id="24" name="Picture 23">
-            <a:extLst>
-              <a:ext uri="{FF2B5EF4-FFF2-40B4-BE49-F238E27FC236}">
-                <a16:creationId xmlns:a16="http://schemas.microsoft.com/office/drawing/2014/main" id="{62D2D6FE-B2A3-7F92-98D1-470B96CF71C6}"/>
-              </a:ext>
-            </a:extLst>
-          </p:cNvPr>
-          <p:cNvPicPr>
-            <a:picLocks noChangeAspect="1"/>
-          </p:cNvPicPr>
-          <p:nvPr/>
-        </p:nvPicPr>
-        <p:blipFill>
-          <a:blip r:embed="rId4" cstate="print">
-            <a:extLst>
-              <a:ext uri="{28A0092B-C50C-407E-A947-70E740481C1C}">
-                <a14:useLocalDpi xmlns:a14="http://schemas.microsoft.com/office/drawing/2010/main" val="0"/>
-              </a:ext>
-            </a:extLst>
-          </a:blip>
-          <a:srcRect/>
-          <a:stretch>
-            <a:fillRect/>
-          </a:stretch>
-        </p:blipFill>
-        <p:spPr bwMode="auto">
-          <a:xfrm>
-            <a:off x="1169743" y="3547722"/>
-            <a:ext cx="7545619" cy="2573096"/>
-          </a:xfrm>
-          <a:prstGeom prst="rect">
-            <a:avLst/>
-          </a:prstGeom>
-          <a:noFill/>
-          <a:ln w="3175">
-            <a:solidFill>
-              <a:schemeClr val="tx1"/>
-            </a:solidFill>
-          </a:ln>
-        </p:spPr>
-      </p:pic>
-      <p:sp>
-        <p:nvSpPr>
-          <p:cNvPr id="25" name="Rectangle 24">
-            <a:extLst>
-              <a:ext uri="{FF2B5EF4-FFF2-40B4-BE49-F238E27FC236}">
-                <a16:creationId xmlns:a16="http://schemas.microsoft.com/office/drawing/2014/main" id="{7BD2BA2C-603C-2D71-0CA3-AB8B72C4DE59}"/>
-              </a:ext>
-            </a:extLst>
-          </p:cNvPr>
-          <p:cNvSpPr/>
-          <p:nvPr/>
-        </p:nvSpPr>
-        <p:spPr>
-          <a:xfrm>
-            <a:off x="1433364" y="3606226"/>
-            <a:ext cx="1502664" cy="98053"/>
-          </a:xfrm>
-          <a:prstGeom prst="rect">
-            <a:avLst/>
-          </a:prstGeom>
-        </p:spPr>
-        <p:style>
-          <a:lnRef idx="2">
-            <a:schemeClr val="accent1">
-              <a:shade val="15000"/>
-            </a:schemeClr>
-          </a:lnRef>
-          <a:fillRef idx="1">
-            <a:schemeClr val="accent1"/>
-          </a:fillRef>
-          <a:effectRef idx="0">
-            <a:schemeClr val="accent1"/>
-          </a:effectRef>
-          <a:fontRef idx="minor">
-            <a:schemeClr val="lt1"/>
-          </a:fontRef>
-        </p:style>
-        <p:txBody>
-          <a:bodyPr rtlCol="0" anchor="ctr"/>
-          <a:lstStyle/>
-          <a:p>
-            <a:pPr algn="ctr"/>
-            <a:endParaRPr lang="en-SG" sz="1400" dirty="0"/>
-          </a:p>
-        </p:txBody>
-      </p:sp>
-      <p:sp>
-        <p:nvSpPr>
-          <p:cNvPr id="26" name="Rectangle 25">
-            <a:extLst>
-              <a:ext uri="{FF2B5EF4-FFF2-40B4-BE49-F238E27FC236}">
-                <a16:creationId xmlns:a16="http://schemas.microsoft.com/office/drawing/2014/main" id="{95184922-B1C1-AA3D-2277-187ACDA805D4}"/>
-              </a:ext>
-            </a:extLst>
-          </p:cNvPr>
-          <p:cNvSpPr/>
-          <p:nvPr/>
-        </p:nvSpPr>
-        <p:spPr>
-          <a:xfrm>
-            <a:off x="4149212" y="3704280"/>
-            <a:ext cx="943996" cy="172776"/>
-          </a:xfrm>
-          <a:prstGeom prst="rect">
-            <a:avLst/>
-          </a:prstGeom>
-        </p:spPr>
-        <p:style>
-          <a:lnRef idx="2">
-            <a:schemeClr val="accent1">
-              <a:shade val="15000"/>
-            </a:schemeClr>
-          </a:lnRef>
-          <a:fillRef idx="1">
-            <a:schemeClr val="accent1"/>
-          </a:fillRef>
-          <a:effectRef idx="0">
-            <a:schemeClr val="accent1"/>
-          </a:effectRef>
-          <a:fontRef idx="minor">
-            <a:schemeClr val="lt1"/>
-          </a:fontRef>
-        </p:style>
-        <p:txBody>
-          <a:bodyPr rtlCol="0" anchor="ctr"/>
-          <a:lstStyle/>
-          <a:p>
-            <a:pPr algn="ctr"/>
-            <a:endParaRPr lang="en-SG" sz="1400" dirty="0"/>
-          </a:p>
-        </p:txBody>
-      </p:sp>
-      <p:cxnSp>
-        <p:nvCxnSpPr>
-          <p:cNvPr id="29" name="Straight Arrow Connector 28">
-            <a:extLst>
-              <a:ext uri="{FF2B5EF4-FFF2-40B4-BE49-F238E27FC236}">
-                <a16:creationId xmlns:a16="http://schemas.microsoft.com/office/drawing/2014/main" id="{2C9EF583-AE27-21CB-54D5-250FA7BA36F4}"/>
-              </a:ext>
-            </a:extLst>
-          </p:cNvPr>
-          <p:cNvCxnSpPr/>
-          <p:nvPr/>
-        </p:nvCxnSpPr>
-        <p:spPr>
-          <a:xfrm flipH="1">
-            <a:off x="7863840" y="5311467"/>
-            <a:ext cx="420624" cy="182880"/>
-          </a:xfrm>
-          <a:prstGeom prst="straightConnector1">
-            <a:avLst/>
-          </a:prstGeom>
-          <a:ln>
-            <a:solidFill>
-              <a:srgbClr val="C00000"/>
-            </a:solidFill>
-            <a:tailEnd type="triangle"/>
-          </a:ln>
-        </p:spPr>
-        <p:style>
-          <a:lnRef idx="2">
-            <a:schemeClr val="accent1"/>
-          </a:lnRef>
-          <a:fillRef idx="0">
-            <a:schemeClr val="accent1"/>
-          </a:fillRef>
-          <a:effectRef idx="1">
-            <a:schemeClr val="accent1"/>
-          </a:effectRef>
-          <a:fontRef idx="minor">
-            <a:schemeClr val="tx1"/>
-          </a:fontRef>
-        </p:style>
-      </p:cxnSp>
-      <p:sp>
-        <p:nvSpPr>
-          <p:cNvPr id="30" name="Rectangle 29">
-            <a:extLst>
-              <a:ext uri="{FF2B5EF4-FFF2-40B4-BE49-F238E27FC236}">
-                <a16:creationId xmlns:a16="http://schemas.microsoft.com/office/drawing/2014/main" id="{CF0FCDC4-1992-AB4F-CB6A-864B73819F21}"/>
-              </a:ext>
-            </a:extLst>
-          </p:cNvPr>
-          <p:cNvSpPr/>
-          <p:nvPr/>
-        </p:nvSpPr>
-        <p:spPr>
-          <a:xfrm>
-            <a:off x="4942552" y="4416552"/>
-            <a:ext cx="943996" cy="284549"/>
-          </a:xfrm>
-          <a:prstGeom prst="rect">
-            <a:avLst/>
-          </a:prstGeom>
-        </p:spPr>
-        <p:style>
-          <a:lnRef idx="2">
-            <a:schemeClr val="accent1">
-              <a:shade val="15000"/>
-            </a:schemeClr>
-          </a:lnRef>
-          <a:fillRef idx="1">
-            <a:schemeClr val="accent1"/>
-          </a:fillRef>
-          <a:effectRef idx="0">
-            <a:schemeClr val="accent1"/>
-          </a:effectRef>
-          <a:fontRef idx="minor">
-            <a:schemeClr val="lt1"/>
-          </a:fontRef>
-        </p:style>
-        <p:txBody>
-          <a:bodyPr rtlCol="0" anchor="ctr"/>
-          <a:lstStyle/>
-          <a:p>
-            <a:pPr algn="ctr"/>
-            <a:endParaRPr lang="en-SG" sz="1400" dirty="0"/>
-          </a:p>
-        </p:txBody>
-      </p:sp>
     </p:spTree>
     <p:extLst>
       <p:ext uri="{BB962C8B-B14F-4D97-AF65-F5344CB8AC3E}">
-        <p14:creationId xmlns:p14="http://schemas.microsoft.com/office/powerpoint/2010/main" val="4099937209"/>
+        <p14:creationId xmlns:p14="http://schemas.microsoft.com/office/powerpoint/2010/main" val="714895613"/>
       </p:ext>
     </p:extLst>
   </p:cSld>
@@ -26726,10 +28142,10 @@
       </p:grpSpPr>
       <p:pic>
         <p:nvPicPr>
-          <p:cNvPr id="5" name="Picture 4" descr="A diagram of a data packet&#10;&#10;Description automatically generated">
-            <a:extLst>
-              <a:ext uri="{FF2B5EF4-FFF2-40B4-BE49-F238E27FC236}">
-                <a16:creationId xmlns:a16="http://schemas.microsoft.com/office/drawing/2014/main" id="{A9E1273B-BC99-689E-0375-613845ED7CB8}"/>
+          <p:cNvPr id="4" name="Picture 3">
+            <a:extLst>
+              <a:ext uri="{FF2B5EF4-FFF2-40B4-BE49-F238E27FC236}">
+                <a16:creationId xmlns:a16="http://schemas.microsoft.com/office/drawing/2014/main" id="{F843622B-86E6-2173-F794-329E1FE9A932}"/>
               </a:ext>
             </a:extLst>
           </p:cNvPr>
@@ -26746,26 +28162,417 @@
               </a:ext>
             </a:extLst>
           </a:blip>
+          <a:srcRect/>
           <a:stretch>
             <a:fillRect/>
           </a:stretch>
         </p:blipFill>
-        <p:spPr>
-          <a:xfrm>
-            <a:off x="1543799" y="370137"/>
-            <a:ext cx="6054866" cy="3076421"/>
-          </a:xfrm>
-          <a:prstGeom prst="rect">
-            <a:avLst/>
-          </a:prstGeom>
+        <p:spPr bwMode="auto">
+          <a:xfrm>
+            <a:off x="534215" y="630936"/>
+            <a:ext cx="8732658" cy="2179129"/>
+          </a:xfrm>
+          <a:prstGeom prst="rect">
+            <a:avLst/>
+          </a:prstGeom>
+          <a:noFill/>
+          <a:ln w="3175">
+            <a:solidFill>
+              <a:schemeClr val="tx1"/>
+            </a:solidFill>
+          </a:ln>
         </p:spPr>
       </p:pic>
+      <p:pic>
+        <p:nvPicPr>
+          <p:cNvPr id="6" name="Picture 5">
+            <a:extLst>
+              <a:ext uri="{FF2B5EF4-FFF2-40B4-BE49-F238E27FC236}">
+                <a16:creationId xmlns:a16="http://schemas.microsoft.com/office/drawing/2014/main" id="{65E9EEE2-0CC1-0DFC-09F2-9CDF06EBEB93}"/>
+              </a:ext>
+            </a:extLst>
+          </p:cNvPr>
+          <p:cNvPicPr>
+            <a:picLocks noChangeAspect="1"/>
+          </p:cNvPicPr>
+          <p:nvPr/>
+        </p:nvPicPr>
+        <p:blipFill>
+          <a:blip r:embed="rId3"/>
+          <a:stretch>
+            <a:fillRect/>
+          </a:stretch>
+        </p:blipFill>
+        <p:spPr>
+          <a:xfrm>
+            <a:off x="8505838" y="787348"/>
+            <a:ext cx="209524" cy="180952"/>
+          </a:xfrm>
+          <a:prstGeom prst="rect">
+            <a:avLst/>
+          </a:prstGeom>
+        </p:spPr>
+      </p:pic>
+      <p:pic>
+        <p:nvPicPr>
+          <p:cNvPr id="7" name="Picture 6">
+            <a:extLst>
+              <a:ext uri="{FF2B5EF4-FFF2-40B4-BE49-F238E27FC236}">
+                <a16:creationId xmlns:a16="http://schemas.microsoft.com/office/drawing/2014/main" id="{85AA5AB1-03DC-0E60-11B8-F9CCD3B65C82}"/>
+              </a:ext>
+            </a:extLst>
+          </p:cNvPr>
+          <p:cNvPicPr>
+            <a:picLocks noChangeAspect="1"/>
+          </p:cNvPicPr>
+          <p:nvPr/>
+        </p:nvPicPr>
+        <p:blipFill>
+          <a:blip r:embed="rId3"/>
+          <a:stretch>
+            <a:fillRect/>
+          </a:stretch>
+        </p:blipFill>
+        <p:spPr>
+          <a:xfrm>
+            <a:off x="8505838" y="1539548"/>
+            <a:ext cx="209524" cy="180952"/>
+          </a:xfrm>
+          <a:prstGeom prst="rect">
+            <a:avLst/>
+          </a:prstGeom>
+        </p:spPr>
+      </p:pic>
+      <p:sp>
+        <p:nvSpPr>
+          <p:cNvPr id="9" name="Rectangle 8">
+            <a:extLst>
+              <a:ext uri="{FF2B5EF4-FFF2-40B4-BE49-F238E27FC236}">
+                <a16:creationId xmlns:a16="http://schemas.microsoft.com/office/drawing/2014/main" id="{F9DF523E-7192-B84A-1DAD-6569A4586F6A}"/>
+              </a:ext>
+            </a:extLst>
+          </p:cNvPr>
+          <p:cNvSpPr/>
+          <p:nvPr/>
+        </p:nvSpPr>
+        <p:spPr>
+          <a:xfrm>
+            <a:off x="8138160" y="708279"/>
+            <a:ext cx="274320" cy="121561"/>
+          </a:xfrm>
+          <a:prstGeom prst="rect">
+            <a:avLst/>
+          </a:prstGeom>
+          <a:solidFill>
+            <a:schemeClr val="bg1"/>
+          </a:solidFill>
+          <a:ln>
+            <a:solidFill>
+              <a:schemeClr val="bg1"/>
+            </a:solidFill>
+          </a:ln>
+        </p:spPr>
+        <p:style>
+          <a:lnRef idx="2">
+            <a:schemeClr val="accent1">
+              <a:shade val="15000"/>
+            </a:schemeClr>
+          </a:lnRef>
+          <a:fillRef idx="1">
+            <a:schemeClr val="accent1"/>
+          </a:fillRef>
+          <a:effectRef idx="0">
+            <a:schemeClr val="accent1"/>
+          </a:effectRef>
+          <a:fontRef idx="minor">
+            <a:schemeClr val="lt1"/>
+          </a:fontRef>
+        </p:style>
+        <p:txBody>
+          <a:bodyPr rtlCol="0" anchor="ctr"/>
+          <a:lstStyle/>
+          <a:p>
+            <a:pPr algn="ctr"/>
+            <a:endParaRPr lang="en-SG"/>
+          </a:p>
+        </p:txBody>
+      </p:sp>
+      <p:sp>
+        <p:nvSpPr>
+          <p:cNvPr id="11" name="Rectangle 10">
+            <a:extLst>
+              <a:ext uri="{FF2B5EF4-FFF2-40B4-BE49-F238E27FC236}">
+                <a16:creationId xmlns:a16="http://schemas.microsoft.com/office/drawing/2014/main" id="{51917438-A1DD-7454-E2F7-C8AC1D6032F7}"/>
+              </a:ext>
+            </a:extLst>
+          </p:cNvPr>
+          <p:cNvSpPr/>
+          <p:nvPr/>
+        </p:nvSpPr>
+        <p:spPr>
+          <a:xfrm>
+            <a:off x="1633728" y="647498"/>
+            <a:ext cx="274320" cy="139850"/>
+          </a:xfrm>
+          <a:prstGeom prst="rect">
+            <a:avLst/>
+          </a:prstGeom>
+          <a:solidFill>
+            <a:schemeClr val="bg1"/>
+          </a:solidFill>
+          <a:ln>
+            <a:solidFill>
+              <a:schemeClr val="bg1"/>
+            </a:solidFill>
+          </a:ln>
+        </p:spPr>
+        <p:style>
+          <a:lnRef idx="2">
+            <a:schemeClr val="accent1">
+              <a:shade val="15000"/>
+            </a:schemeClr>
+          </a:lnRef>
+          <a:fillRef idx="1">
+            <a:schemeClr val="accent1"/>
+          </a:fillRef>
+          <a:effectRef idx="0">
+            <a:schemeClr val="accent1"/>
+          </a:effectRef>
+          <a:fontRef idx="minor">
+            <a:schemeClr val="lt1"/>
+          </a:fontRef>
+        </p:style>
+        <p:txBody>
+          <a:bodyPr rtlCol="0" anchor="ctr"/>
+          <a:lstStyle/>
+          <a:p>
+            <a:pPr algn="ctr"/>
+            <a:endParaRPr lang="en-SG"/>
+          </a:p>
+        </p:txBody>
+      </p:sp>
+      <p:sp>
+        <p:nvSpPr>
+          <p:cNvPr id="12" name="Rectangle 11">
+            <a:extLst>
+              <a:ext uri="{FF2B5EF4-FFF2-40B4-BE49-F238E27FC236}">
+                <a16:creationId xmlns:a16="http://schemas.microsoft.com/office/drawing/2014/main" id="{E0F7B813-5A5C-3ECB-FB35-BBA1909A1D6F}"/>
+              </a:ext>
+            </a:extLst>
+          </p:cNvPr>
+          <p:cNvSpPr/>
+          <p:nvPr/>
+        </p:nvSpPr>
+        <p:spPr>
+          <a:xfrm>
+            <a:off x="1633728" y="1412601"/>
+            <a:ext cx="274320" cy="121561"/>
+          </a:xfrm>
+          <a:prstGeom prst="rect">
+            <a:avLst/>
+          </a:prstGeom>
+          <a:solidFill>
+            <a:schemeClr val="bg1"/>
+          </a:solidFill>
+          <a:ln>
+            <a:solidFill>
+              <a:schemeClr val="bg1"/>
+            </a:solidFill>
+          </a:ln>
+        </p:spPr>
+        <p:style>
+          <a:lnRef idx="2">
+            <a:schemeClr val="accent1">
+              <a:shade val="15000"/>
+            </a:schemeClr>
+          </a:lnRef>
+          <a:fillRef idx="1">
+            <a:schemeClr val="accent1"/>
+          </a:fillRef>
+          <a:effectRef idx="0">
+            <a:schemeClr val="accent1"/>
+          </a:effectRef>
+          <a:fontRef idx="minor">
+            <a:schemeClr val="lt1"/>
+          </a:fontRef>
+        </p:style>
+        <p:txBody>
+          <a:bodyPr rtlCol="0" anchor="ctr"/>
+          <a:lstStyle/>
+          <a:p>
+            <a:pPr algn="ctr"/>
+            <a:endParaRPr lang="en-SG"/>
+          </a:p>
+        </p:txBody>
+      </p:sp>
+      <p:sp>
+        <p:nvSpPr>
+          <p:cNvPr id="13" name="Rectangle 12">
+            <a:extLst>
+              <a:ext uri="{FF2B5EF4-FFF2-40B4-BE49-F238E27FC236}">
+                <a16:creationId xmlns:a16="http://schemas.microsoft.com/office/drawing/2014/main" id="{E54D2CBF-E5A7-2C18-9A8A-7997A9C8ED3A}"/>
+              </a:ext>
+            </a:extLst>
+          </p:cNvPr>
+          <p:cNvSpPr/>
+          <p:nvPr/>
+        </p:nvSpPr>
+        <p:spPr>
+          <a:xfrm>
+            <a:off x="8138160" y="1455093"/>
+            <a:ext cx="274320" cy="121561"/>
+          </a:xfrm>
+          <a:prstGeom prst="rect">
+            <a:avLst/>
+          </a:prstGeom>
+          <a:solidFill>
+            <a:schemeClr val="bg1"/>
+          </a:solidFill>
+          <a:ln>
+            <a:solidFill>
+              <a:schemeClr val="bg1"/>
+            </a:solidFill>
+          </a:ln>
+        </p:spPr>
+        <p:style>
+          <a:lnRef idx="2">
+            <a:schemeClr val="accent1">
+              <a:shade val="15000"/>
+            </a:schemeClr>
+          </a:lnRef>
+          <a:fillRef idx="1">
+            <a:schemeClr val="accent1"/>
+          </a:fillRef>
+          <a:effectRef idx="0">
+            <a:schemeClr val="accent1"/>
+          </a:effectRef>
+          <a:fontRef idx="minor">
+            <a:schemeClr val="lt1"/>
+          </a:fontRef>
+        </p:style>
+        <p:txBody>
+          <a:bodyPr rtlCol="0" anchor="ctr"/>
+          <a:lstStyle/>
+          <a:p>
+            <a:pPr algn="ctr"/>
+            <a:endParaRPr lang="en-SG"/>
+          </a:p>
+        </p:txBody>
+      </p:sp>
+      <p:sp>
+        <p:nvSpPr>
+          <p:cNvPr id="14" name="Rectangle 13">
+            <a:extLst>
+              <a:ext uri="{FF2B5EF4-FFF2-40B4-BE49-F238E27FC236}">
+                <a16:creationId xmlns:a16="http://schemas.microsoft.com/office/drawing/2014/main" id="{EB02468F-1F2B-EB67-4EFA-4AC88569A3CA}"/>
+              </a:ext>
+            </a:extLst>
+          </p:cNvPr>
+          <p:cNvSpPr/>
+          <p:nvPr/>
+        </p:nvSpPr>
+        <p:spPr>
+          <a:xfrm>
+            <a:off x="1633728" y="2168559"/>
+            <a:ext cx="274320" cy="121561"/>
+          </a:xfrm>
+          <a:prstGeom prst="rect">
+            <a:avLst/>
+          </a:prstGeom>
+          <a:solidFill>
+            <a:schemeClr val="bg1"/>
+          </a:solidFill>
+          <a:ln>
+            <a:solidFill>
+              <a:schemeClr val="bg1"/>
+            </a:solidFill>
+          </a:ln>
+        </p:spPr>
+        <p:style>
+          <a:lnRef idx="2">
+            <a:schemeClr val="accent1">
+              <a:shade val="15000"/>
+            </a:schemeClr>
+          </a:lnRef>
+          <a:fillRef idx="1">
+            <a:schemeClr val="accent1"/>
+          </a:fillRef>
+          <a:effectRef idx="0">
+            <a:schemeClr val="accent1"/>
+          </a:effectRef>
+          <a:fontRef idx="minor">
+            <a:schemeClr val="lt1"/>
+          </a:fontRef>
+        </p:style>
+        <p:txBody>
+          <a:bodyPr rtlCol="0" anchor="ctr"/>
+          <a:lstStyle/>
+          <a:p>
+            <a:pPr algn="ctr"/>
+            <a:endParaRPr lang="en-SG"/>
+          </a:p>
+        </p:txBody>
+      </p:sp>
+      <p:sp>
+        <p:nvSpPr>
+          <p:cNvPr id="15" name="Rectangle 14">
+            <a:extLst>
+              <a:ext uri="{FF2B5EF4-FFF2-40B4-BE49-F238E27FC236}">
+                <a16:creationId xmlns:a16="http://schemas.microsoft.com/office/drawing/2014/main" id="{16347FE5-8021-E930-9450-823270B36701}"/>
+              </a:ext>
+            </a:extLst>
+          </p:cNvPr>
+          <p:cNvSpPr/>
+          <p:nvPr/>
+        </p:nvSpPr>
+        <p:spPr>
+          <a:xfrm>
+            <a:off x="8138160" y="2229339"/>
+            <a:ext cx="274320" cy="121561"/>
+          </a:xfrm>
+          <a:prstGeom prst="rect">
+            <a:avLst/>
+          </a:prstGeom>
+          <a:solidFill>
+            <a:schemeClr val="bg1"/>
+          </a:solidFill>
+          <a:ln>
+            <a:solidFill>
+              <a:schemeClr val="bg1"/>
+            </a:solidFill>
+          </a:ln>
+        </p:spPr>
+        <p:style>
+          <a:lnRef idx="2">
+            <a:schemeClr val="accent1">
+              <a:shade val="15000"/>
+            </a:schemeClr>
+          </a:lnRef>
+          <a:fillRef idx="1">
+            <a:schemeClr val="accent1"/>
+          </a:fillRef>
+          <a:effectRef idx="0">
+            <a:schemeClr val="accent1"/>
+          </a:effectRef>
+          <a:fontRef idx="minor">
+            <a:schemeClr val="lt1"/>
+          </a:fontRef>
+        </p:style>
+        <p:txBody>
+          <a:bodyPr rtlCol="0" anchor="ctr"/>
+          <a:lstStyle/>
+          <a:p>
+            <a:pPr algn="ctr"/>
+            <a:endParaRPr lang="en-SG"/>
+          </a:p>
+        </p:txBody>
+      </p:sp>
       <p:sp>
         <p:nvSpPr>
           <p:cNvPr id="8" name="TextBox 7">
             <a:extLst>
               <a:ext uri="{FF2B5EF4-FFF2-40B4-BE49-F238E27FC236}">
-                <a16:creationId xmlns:a16="http://schemas.microsoft.com/office/drawing/2014/main" id="{1084696D-1B67-DF07-4761-C20ECB8374C2}"/>
+                <a16:creationId xmlns:a16="http://schemas.microsoft.com/office/drawing/2014/main" id="{F2B2A6D6-9AE7-8FDA-619C-0156247843AD}"/>
               </a:ext>
             </a:extLst>
           </p:cNvPr>
@@ -26774,671 +28581,8 @@
         </p:nvSpPr>
         <p:spPr>
           <a:xfrm>
-            <a:off x="2888351" y="3507029"/>
-            <a:ext cx="552010" cy="276999"/>
-          </a:xfrm>
-          <a:prstGeom prst="rect">
-            <a:avLst/>
-          </a:prstGeom>
-          <a:noFill/>
-        </p:spPr>
-        <p:txBody>
-          <a:bodyPr wrap="square" rtlCol="0">
-            <a:spAutoFit/>
-          </a:bodyPr>
-          <a:lstStyle/>
-          <a:p>
-            <a:r>
-              <a:rPr lang="en-SG" sz="1200" b="0" dirty="0">
-                <a:solidFill>
-                  <a:srgbClr val="CE9178"/>
-                </a:solidFill>
-                <a:effectLst/>
-                <a:highlight>
-                  <a:srgbClr val="1F1F1F"/>
-                </a:highlight>
-                <a:latin typeface="Consolas" panose="020B0609020204030204" pitchFamily="49" charset="0"/>
-              </a:rPr>
-              <a:t>0000</a:t>
-            </a:r>
-            <a:endParaRPr lang="en-SG" sz="1200" b="0" dirty="0">
-              <a:solidFill>
-                <a:srgbClr val="CCCCCC"/>
-              </a:solidFill>
-              <a:effectLst/>
-              <a:highlight>
-                <a:srgbClr val="1F1F1F"/>
-              </a:highlight>
-              <a:latin typeface="Consolas" panose="020B0609020204030204" pitchFamily="49" charset="0"/>
-            </a:endParaRPr>
-          </a:p>
-        </p:txBody>
-      </p:sp>
-      <p:sp>
-        <p:nvSpPr>
-          <p:cNvPr id="11" name="TextBox 10">
-            <a:extLst>
-              <a:ext uri="{FF2B5EF4-FFF2-40B4-BE49-F238E27FC236}">
-                <a16:creationId xmlns:a16="http://schemas.microsoft.com/office/drawing/2014/main" id="{C919F1F3-05B1-A4F2-C50A-1C86832A6C8E}"/>
-              </a:ext>
-            </a:extLst>
-          </p:cNvPr>
-          <p:cNvSpPr txBox="1"/>
-          <p:nvPr/>
-        </p:nvSpPr>
-        <p:spPr>
-          <a:xfrm>
-            <a:off x="4297919" y="3230030"/>
-            <a:ext cx="552010" cy="276999"/>
-          </a:xfrm>
-          <a:prstGeom prst="rect">
-            <a:avLst/>
-          </a:prstGeom>
-          <a:noFill/>
-        </p:spPr>
-        <p:txBody>
-          <a:bodyPr wrap="square" rtlCol="0">
-            <a:spAutoFit/>
-          </a:bodyPr>
-          <a:lstStyle/>
-          <a:p>
-            <a:r>
-              <a:rPr lang="en-SG" sz="1200" b="0" dirty="0">
-                <a:solidFill>
-                  <a:srgbClr val="CE9178"/>
-                </a:solidFill>
-                <a:effectLst/>
-                <a:highlight>
-                  <a:srgbClr val="1F1F1F"/>
-                </a:highlight>
-                <a:latin typeface="Consolas" panose="020B0609020204030204" pitchFamily="49" charset="0"/>
-              </a:rPr>
-              <a:t>01</a:t>
-            </a:r>
-            <a:endParaRPr lang="en-SG" sz="1200" b="0" dirty="0">
-              <a:solidFill>
-                <a:srgbClr val="CCCCCC"/>
-              </a:solidFill>
-              <a:effectLst/>
-              <a:highlight>
-                <a:srgbClr val="1F1F1F"/>
-              </a:highlight>
-              <a:latin typeface="Consolas" panose="020B0609020204030204" pitchFamily="49" charset="0"/>
-            </a:endParaRPr>
-          </a:p>
-        </p:txBody>
-      </p:sp>
-      <p:cxnSp>
-        <p:nvCxnSpPr>
-          <p:cNvPr id="12" name="Connector: Elbow 11">
-            <a:extLst>
-              <a:ext uri="{FF2B5EF4-FFF2-40B4-BE49-F238E27FC236}">
-                <a16:creationId xmlns:a16="http://schemas.microsoft.com/office/drawing/2014/main" id="{41A61F1F-3DA9-DEAF-F66B-80A9A6464B21}"/>
-              </a:ext>
-            </a:extLst>
-          </p:cNvPr>
-          <p:cNvCxnSpPr>
-            <a:cxnSpLocks/>
-            <a:endCxn id="11" idx="1"/>
-          </p:cNvCxnSpPr>
-          <p:nvPr/>
-        </p:nvCxnSpPr>
-        <p:spPr>
-          <a:xfrm rot="16200000" flipH="1">
-            <a:off x="3852372" y="2922982"/>
-            <a:ext cx="703163" cy="187932"/>
-          </a:xfrm>
-          <a:prstGeom prst="bentConnector2">
-            <a:avLst/>
-          </a:prstGeom>
-          <a:ln>
-            <a:tailEnd type="triangle"/>
-          </a:ln>
-        </p:spPr>
-        <p:style>
-          <a:lnRef idx="1">
-            <a:schemeClr val="dk1"/>
-          </a:lnRef>
-          <a:fillRef idx="0">
-            <a:schemeClr val="dk1"/>
-          </a:fillRef>
-          <a:effectRef idx="0">
-            <a:schemeClr val="dk1"/>
-          </a:effectRef>
-          <a:fontRef idx="minor">
-            <a:schemeClr val="tx1"/>
-          </a:fontRef>
-        </p:style>
-      </p:cxnSp>
-      <p:sp>
-        <p:nvSpPr>
-          <p:cNvPr id="15" name="TextBox 14">
-            <a:extLst>
-              <a:ext uri="{FF2B5EF4-FFF2-40B4-BE49-F238E27FC236}">
-                <a16:creationId xmlns:a16="http://schemas.microsoft.com/office/drawing/2014/main" id="{B06F3442-305A-96E3-87A3-053E67FF4D7F}"/>
-              </a:ext>
-            </a:extLst>
-          </p:cNvPr>
-          <p:cNvSpPr txBox="1"/>
-          <p:nvPr/>
-        </p:nvSpPr>
-        <p:spPr>
-          <a:xfrm>
-            <a:off x="4849928" y="2809199"/>
-            <a:ext cx="1092705" cy="276999"/>
-          </a:xfrm>
-          <a:prstGeom prst="rect">
-            <a:avLst/>
-          </a:prstGeom>
-          <a:noFill/>
-        </p:spPr>
-        <p:txBody>
-          <a:bodyPr wrap="square" rtlCol="0">
-            <a:spAutoFit/>
-          </a:bodyPr>
-          <a:lstStyle/>
-          <a:p>
-            <a:r>
-              <a:rPr lang="en-SG" sz="1200" b="0" dirty="0">
-                <a:solidFill>
-                  <a:srgbClr val="CE9178"/>
-                </a:solidFill>
-                <a:effectLst/>
-                <a:highlight>
-                  <a:srgbClr val="1F1F1F"/>
-                </a:highlight>
-                <a:latin typeface="Consolas" panose="020B0609020204030204" pitchFamily="49" charset="0"/>
-              </a:rPr>
-              <a:t>0f or 01</a:t>
-            </a:r>
-            <a:endParaRPr lang="en-SG" sz="1200" b="0" dirty="0">
-              <a:solidFill>
-                <a:srgbClr val="CCCCCC"/>
-              </a:solidFill>
-              <a:effectLst/>
-              <a:highlight>
-                <a:srgbClr val="1F1F1F"/>
-              </a:highlight>
-              <a:latin typeface="Consolas" panose="020B0609020204030204" pitchFamily="49" charset="0"/>
-            </a:endParaRPr>
-          </a:p>
-        </p:txBody>
-      </p:sp>
-      <p:cxnSp>
-        <p:nvCxnSpPr>
-          <p:cNvPr id="16" name="Connector: Elbow 15">
-            <a:extLst>
-              <a:ext uri="{FF2B5EF4-FFF2-40B4-BE49-F238E27FC236}">
-                <a16:creationId xmlns:a16="http://schemas.microsoft.com/office/drawing/2014/main" id="{02A3139D-AE42-B4A5-0424-31DD83F91DBA}"/>
-              </a:ext>
-            </a:extLst>
-          </p:cNvPr>
-          <p:cNvCxnSpPr>
-            <a:cxnSpLocks/>
-            <a:endCxn id="15" idx="1"/>
-          </p:cNvCxnSpPr>
-          <p:nvPr/>
-        </p:nvCxnSpPr>
-        <p:spPr>
-          <a:xfrm rot="16200000" flipH="1">
-            <a:off x="4622133" y="2719903"/>
-            <a:ext cx="282333" cy="173258"/>
-          </a:xfrm>
-          <a:prstGeom prst="bentConnector2">
-            <a:avLst/>
-          </a:prstGeom>
-          <a:ln>
-            <a:tailEnd type="triangle"/>
-          </a:ln>
-        </p:spPr>
-        <p:style>
-          <a:lnRef idx="1">
-            <a:schemeClr val="dk1"/>
-          </a:lnRef>
-          <a:fillRef idx="0">
-            <a:schemeClr val="dk1"/>
-          </a:fillRef>
-          <a:effectRef idx="0">
-            <a:schemeClr val="dk1"/>
-          </a:effectRef>
-          <a:fontRef idx="minor">
-            <a:schemeClr val="tx1"/>
-          </a:fontRef>
-        </p:style>
-      </p:cxnSp>
-      <p:cxnSp>
-        <p:nvCxnSpPr>
-          <p:cNvPr id="18" name="Connector: Elbow 17">
-            <a:extLst>
-              <a:ext uri="{FF2B5EF4-FFF2-40B4-BE49-F238E27FC236}">
-                <a16:creationId xmlns:a16="http://schemas.microsoft.com/office/drawing/2014/main" id="{FB6EE08A-6571-B2EE-B371-102D8D17044C}"/>
-              </a:ext>
-            </a:extLst>
-          </p:cNvPr>
-          <p:cNvCxnSpPr>
-            <a:cxnSpLocks/>
-            <a:endCxn id="20" idx="1"/>
-          </p:cNvCxnSpPr>
-          <p:nvPr/>
-        </p:nvCxnSpPr>
-        <p:spPr>
-          <a:xfrm rot="16200000" flipH="1">
-            <a:off x="3066760" y="3115605"/>
-            <a:ext cx="938164" cy="132348"/>
-          </a:xfrm>
-          <a:prstGeom prst="bentConnector2">
-            <a:avLst/>
-          </a:prstGeom>
-          <a:ln>
-            <a:tailEnd type="triangle"/>
-          </a:ln>
-        </p:spPr>
-        <p:style>
-          <a:lnRef idx="1">
-            <a:schemeClr val="dk1"/>
-          </a:lnRef>
-          <a:fillRef idx="0">
-            <a:schemeClr val="dk1"/>
-          </a:fillRef>
-          <a:effectRef idx="0">
-            <a:schemeClr val="dk1"/>
-          </a:effectRef>
-          <a:fontRef idx="minor">
-            <a:schemeClr val="tx1"/>
-          </a:fontRef>
-        </p:style>
-      </p:cxnSp>
-      <p:sp>
-        <p:nvSpPr>
-          <p:cNvPr id="20" name="TextBox 19">
-            <a:extLst>
-              <a:ext uri="{FF2B5EF4-FFF2-40B4-BE49-F238E27FC236}">
-                <a16:creationId xmlns:a16="http://schemas.microsoft.com/office/drawing/2014/main" id="{A14B5AF4-97A7-D896-1451-7F6A549E14D2}"/>
-              </a:ext>
-            </a:extLst>
-          </p:cNvPr>
-          <p:cNvSpPr txBox="1"/>
-          <p:nvPr/>
-        </p:nvSpPr>
-        <p:spPr>
-          <a:xfrm>
-            <a:off x="3602016" y="3512361"/>
-            <a:ext cx="1247912" cy="276999"/>
-          </a:xfrm>
-          <a:prstGeom prst="rect">
-            <a:avLst/>
-          </a:prstGeom>
-          <a:noFill/>
-        </p:spPr>
-        <p:txBody>
-          <a:bodyPr wrap="square" rtlCol="0">
-            <a:spAutoFit/>
-          </a:bodyPr>
-          <a:lstStyle/>
-          <a:p>
-            <a:r>
-              <a:rPr lang="en-SG" sz="1200" b="0" dirty="0">
-                <a:solidFill>
-                  <a:srgbClr val="CE9178"/>
-                </a:solidFill>
-                <a:effectLst/>
-                <a:highlight>
-                  <a:srgbClr val="1F1F1F"/>
-                </a:highlight>
-                <a:latin typeface="Consolas" panose="020B0609020204030204" pitchFamily="49" charset="0"/>
-              </a:rPr>
-              <a:t>0008 or 0006</a:t>
-            </a:r>
-            <a:endParaRPr lang="en-SG" sz="1200" b="0" dirty="0">
-              <a:solidFill>
-                <a:srgbClr val="CCCCCC"/>
-              </a:solidFill>
-              <a:effectLst/>
-              <a:highlight>
-                <a:srgbClr val="1F1F1F"/>
-              </a:highlight>
-              <a:latin typeface="Consolas" panose="020B0609020204030204" pitchFamily="49" charset="0"/>
-            </a:endParaRPr>
-          </a:p>
-        </p:txBody>
-      </p:sp>
-      <p:cxnSp>
-        <p:nvCxnSpPr>
-          <p:cNvPr id="24" name="Connector: Elbow 23">
-            <a:extLst>
-              <a:ext uri="{FF2B5EF4-FFF2-40B4-BE49-F238E27FC236}">
-                <a16:creationId xmlns:a16="http://schemas.microsoft.com/office/drawing/2014/main" id="{DF349DB7-09DF-D92B-CBB2-C3B86EE15870}"/>
-              </a:ext>
-            </a:extLst>
-          </p:cNvPr>
-          <p:cNvCxnSpPr>
-            <a:cxnSpLocks/>
-            <a:endCxn id="8" idx="1"/>
-          </p:cNvCxnSpPr>
-          <p:nvPr/>
-        </p:nvCxnSpPr>
-        <p:spPr>
-          <a:xfrm rot="16200000" flipH="1">
-            <a:off x="2338548" y="3095726"/>
-            <a:ext cx="979994" cy="119612"/>
-          </a:xfrm>
-          <a:prstGeom prst="bentConnector2">
-            <a:avLst/>
-          </a:prstGeom>
-          <a:ln>
-            <a:tailEnd type="triangle"/>
-          </a:ln>
-        </p:spPr>
-        <p:style>
-          <a:lnRef idx="1">
-            <a:schemeClr val="dk1"/>
-          </a:lnRef>
-          <a:fillRef idx="0">
-            <a:schemeClr val="dk1"/>
-          </a:fillRef>
-          <a:effectRef idx="0">
-            <a:schemeClr val="dk1"/>
-          </a:effectRef>
-          <a:fontRef idx="minor">
-            <a:schemeClr val="tx1"/>
-          </a:fontRef>
-        </p:style>
-      </p:cxnSp>
-      <p:cxnSp>
-        <p:nvCxnSpPr>
-          <p:cNvPr id="26" name="Connector: Elbow 25">
-            <a:extLst>
-              <a:ext uri="{FF2B5EF4-FFF2-40B4-BE49-F238E27FC236}">
-                <a16:creationId xmlns:a16="http://schemas.microsoft.com/office/drawing/2014/main" id="{6DCCCA4E-FD7F-CB49-9FB2-E16194C93E6C}"/>
-              </a:ext>
-            </a:extLst>
-          </p:cNvPr>
-          <p:cNvCxnSpPr>
-            <a:cxnSpLocks/>
-            <a:endCxn id="27" idx="1"/>
-          </p:cNvCxnSpPr>
-          <p:nvPr/>
-        </p:nvCxnSpPr>
-        <p:spPr>
-          <a:xfrm rot="16200000" flipH="1">
-            <a:off x="1623413" y="3072730"/>
-            <a:ext cx="947222" cy="156932"/>
-          </a:xfrm>
-          <a:prstGeom prst="bentConnector2">
-            <a:avLst/>
-          </a:prstGeom>
-          <a:ln>
-            <a:tailEnd type="triangle"/>
-          </a:ln>
-        </p:spPr>
-        <p:style>
-          <a:lnRef idx="1">
-            <a:schemeClr val="dk1"/>
-          </a:lnRef>
-          <a:fillRef idx="0">
-            <a:schemeClr val="dk1"/>
-          </a:fillRef>
-          <a:effectRef idx="0">
-            <a:schemeClr val="dk1"/>
-          </a:effectRef>
-          <a:fontRef idx="minor">
-            <a:schemeClr val="tx1"/>
-          </a:fontRef>
-        </p:style>
-      </p:cxnSp>
-      <p:sp>
-        <p:nvSpPr>
-          <p:cNvPr id="27" name="TextBox 26">
-            <a:extLst>
-              <a:ext uri="{FF2B5EF4-FFF2-40B4-BE49-F238E27FC236}">
-                <a16:creationId xmlns:a16="http://schemas.microsoft.com/office/drawing/2014/main" id="{D6DEAAAD-47A4-902F-F0CA-19EA080154FC}"/>
-              </a:ext>
-            </a:extLst>
-          </p:cNvPr>
-          <p:cNvSpPr txBox="1"/>
-          <p:nvPr/>
-        </p:nvSpPr>
-        <p:spPr>
-          <a:xfrm>
-            <a:off x="2175490" y="3486307"/>
-            <a:ext cx="552010" cy="276999"/>
-          </a:xfrm>
-          <a:prstGeom prst="rect">
-            <a:avLst/>
-          </a:prstGeom>
-          <a:noFill/>
-        </p:spPr>
-        <p:txBody>
-          <a:bodyPr wrap="square" rtlCol="0">
-            <a:spAutoFit/>
-          </a:bodyPr>
-          <a:lstStyle/>
-          <a:p>
-            <a:r>
-              <a:rPr lang="en-SG" sz="1200" b="0" dirty="0">
-                <a:solidFill>
-                  <a:srgbClr val="CE9178"/>
-                </a:solidFill>
-                <a:effectLst/>
-                <a:highlight>
-                  <a:srgbClr val="1F1F1F"/>
-                </a:highlight>
-                <a:latin typeface="Consolas" panose="020B0609020204030204" pitchFamily="49" charset="0"/>
-              </a:rPr>
-              <a:t>0000</a:t>
-            </a:r>
-            <a:endParaRPr lang="en-SG" sz="1200" b="0" dirty="0">
-              <a:solidFill>
-                <a:srgbClr val="CCCCCC"/>
-              </a:solidFill>
-              <a:effectLst/>
-              <a:highlight>
-                <a:srgbClr val="1F1F1F"/>
-              </a:highlight>
-              <a:latin typeface="Consolas" panose="020B0609020204030204" pitchFamily="49" charset="0"/>
-            </a:endParaRPr>
-          </a:p>
-        </p:txBody>
-      </p:sp>
-      <p:graphicFrame>
-        <p:nvGraphicFramePr>
-          <p:cNvPr id="34" name="Table 33">
-            <a:extLst>
-              <a:ext uri="{FF2B5EF4-FFF2-40B4-BE49-F238E27FC236}">
-                <a16:creationId xmlns:a16="http://schemas.microsoft.com/office/drawing/2014/main" id="{6B090E78-3548-496C-8BA1-8558D4B36336}"/>
-              </a:ext>
-            </a:extLst>
-          </p:cNvPr>
-          <p:cNvGraphicFramePr>
-            <a:graphicFrameLocks noGrp="1"/>
-          </p:cNvGraphicFramePr>
-          <p:nvPr>
-            <p:extLst>
-              <p:ext uri="{D42A27DB-BD31-4B8C-83A1-F6EECF244321}">
-                <p14:modId xmlns:p14="http://schemas.microsoft.com/office/powerpoint/2010/main" val="1336898581"/>
-              </p:ext>
-            </p:extLst>
-          </p:nvPr>
-        </p:nvGraphicFramePr>
-        <p:xfrm>
-          <a:off x="6835939" y="1828606"/>
-          <a:ext cx="1822708" cy="457200"/>
-        </p:xfrm>
-        <a:graphic>
-          <a:graphicData uri="http://schemas.openxmlformats.org/drawingml/2006/table">
-            <a:tbl>
-              <a:tblPr firstRow="1" bandRow="1">
-                <a:tableStyleId>{5940675A-B579-460E-94D1-54222C63F5DA}</a:tableStyleId>
-              </a:tblPr>
-              <a:tblGrid>
-                <a:gridCol w="911354">
-                  <a:extLst>
-                    <a:ext uri="{9D8B030D-6E8A-4147-A177-3AD203B41FA5}">
-                      <a16:colId xmlns:a16="http://schemas.microsoft.com/office/drawing/2014/main" val="1230698725"/>
-                    </a:ext>
-                  </a:extLst>
-                </a:gridCol>
-                <a:gridCol w="911354">
-                  <a:extLst>
-                    <a:ext uri="{9D8B030D-6E8A-4147-A177-3AD203B41FA5}">
-                      <a16:colId xmlns:a16="http://schemas.microsoft.com/office/drawing/2014/main" val="1771333324"/>
-                    </a:ext>
-                  </a:extLst>
-                </a:gridCol>
-              </a:tblGrid>
-              <a:tr h="211483">
-                <a:tc>
-                  <a:txBody>
-                    <a:bodyPr/>
-                    <a:lstStyle/>
-                    <a:p>
-                      <a:pPr algn="dist"/>
-                      <a:r>
-                        <a:rPr lang="en-US" sz="900" dirty="0"/>
-                        <a:t>Memory index </a:t>
-                      </a:r>
-                      <a:endParaRPr lang="en-SG" sz="900" dirty="0"/>
-                    </a:p>
-                  </a:txBody>
-                  <a:tcPr/>
-                </a:tc>
-                <a:tc>
-                  <a:txBody>
-                    <a:bodyPr/>
-                    <a:lstStyle/>
-                    <a:p>
-                      <a:r>
-                        <a:rPr lang="en-US" sz="900" dirty="0"/>
-                        <a:t>Bit length</a:t>
-                      </a:r>
-                      <a:endParaRPr lang="en-SG" sz="900" dirty="0"/>
-                    </a:p>
-                  </a:txBody>
-                  <a:tcPr/>
-                </a:tc>
-                <a:extLst>
-                  <a:ext uri="{0D108BD9-81ED-4DB2-BD59-A6C34878D82A}">
-                    <a16:rowId xmlns:a16="http://schemas.microsoft.com/office/drawing/2014/main" val="2269868115"/>
-                  </a:ext>
-                </a:extLst>
-              </a:tr>
-              <a:tr h="211483">
-                <a:tc>
-                  <a:txBody>
-                    <a:bodyPr/>
-                    <a:lstStyle/>
-                    <a:p>
-                      <a:r>
-                        <a:rPr lang="en-US" sz="900" dirty="0"/>
-                        <a:t>( 2 bytes ) </a:t>
-                      </a:r>
-                      <a:endParaRPr lang="en-SG" sz="900" dirty="0"/>
-                    </a:p>
-                  </a:txBody>
-                  <a:tcPr/>
-                </a:tc>
-                <a:tc>
-                  <a:txBody>
-                    <a:bodyPr/>
-                    <a:lstStyle/>
-                    <a:p>
-                      <a:pPr marL="0" marR="0" lvl="0" indent="0" algn="l" defTabSz="914400" rtl="0" eaLnBrk="1" fontAlgn="auto" latinLnBrk="0" hangingPunct="1">
-                        <a:lnSpc>
-                          <a:spcPct val="100000"/>
-                        </a:lnSpc>
-                        <a:spcBef>
-                          <a:spcPts val="0"/>
-                        </a:spcBef>
-                        <a:spcAft>
-                          <a:spcPts val="0"/>
-                        </a:spcAft>
-                        <a:buClrTx/>
-                        <a:buSzTx/>
-                        <a:buFontTx/>
-                        <a:buNone/>
-                        <a:tabLst/>
-                        <a:defRPr/>
-                      </a:pPr>
-                      <a:r>
-                        <a:rPr lang="en-US" sz="900" dirty="0"/>
-                        <a:t>( 2 bytes ) </a:t>
-                      </a:r>
-                      <a:endParaRPr lang="en-SG" sz="900" dirty="0"/>
-                    </a:p>
-                  </a:txBody>
-                  <a:tcPr/>
-                </a:tc>
-                <a:extLst>
-                  <a:ext uri="{0D108BD9-81ED-4DB2-BD59-A6C34878D82A}">
-                    <a16:rowId xmlns:a16="http://schemas.microsoft.com/office/drawing/2014/main" val="3033498223"/>
-                  </a:ext>
-                </a:extLst>
-              </a:tr>
-            </a:tbl>
-          </a:graphicData>
-        </a:graphic>
-      </p:graphicFrame>
-      <p:cxnSp>
-        <p:nvCxnSpPr>
-          <p:cNvPr id="35" name="Connector: Elbow 34">
-            <a:extLst>
-              <a:ext uri="{FF2B5EF4-FFF2-40B4-BE49-F238E27FC236}">
-                <a16:creationId xmlns:a16="http://schemas.microsoft.com/office/drawing/2014/main" id="{ECAC27EB-CDC3-BB23-FBBF-EC96A40C3C32}"/>
-              </a:ext>
-            </a:extLst>
-          </p:cNvPr>
-          <p:cNvCxnSpPr>
-            <a:cxnSpLocks/>
-            <a:stCxn id="53" idx="3"/>
-            <a:endCxn id="34" idx="1"/>
-          </p:cNvCxnSpPr>
-          <p:nvPr/>
-        </p:nvCxnSpPr>
-        <p:spPr>
-          <a:xfrm flipV="1">
-            <a:off x="5775957" y="2057206"/>
-            <a:ext cx="1059982" cy="319090"/>
-          </a:xfrm>
-          <a:prstGeom prst="bentConnector3">
-            <a:avLst>
-              <a:gd name="adj1" fmla="val 50000"/>
-            </a:avLst>
-          </a:prstGeom>
-          <a:ln>
-            <a:tailEnd type="triangle"/>
-          </a:ln>
-        </p:spPr>
-        <p:style>
-          <a:lnRef idx="1">
-            <a:schemeClr val="dk1"/>
-          </a:lnRef>
-          <a:fillRef idx="0">
-            <a:schemeClr val="dk1"/>
-          </a:fillRef>
-          <a:effectRef idx="0">
-            <a:schemeClr val="dk1"/>
-          </a:effectRef>
-          <a:fontRef idx="minor">
-            <a:schemeClr val="tx1"/>
-          </a:fontRef>
-        </p:style>
-      </p:cxnSp>
-      <p:sp>
-        <p:nvSpPr>
-          <p:cNvPr id="38" name="TextBox 37">
-            <a:extLst>
-              <a:ext uri="{FF2B5EF4-FFF2-40B4-BE49-F238E27FC236}">
-                <a16:creationId xmlns:a16="http://schemas.microsoft.com/office/drawing/2014/main" id="{0B9520B3-CC5C-792B-4087-CF17013C79AF}"/>
-              </a:ext>
-            </a:extLst>
-          </p:cNvPr>
-          <p:cNvSpPr txBox="1"/>
-          <p:nvPr/>
-        </p:nvSpPr>
-        <p:spPr>
-          <a:xfrm>
-            <a:off x="7124132" y="1551380"/>
-            <a:ext cx="1917200" cy="300980"/>
+            <a:off x="8057299" y="593826"/>
+            <a:ext cx="553301" cy="300980"/>
           </a:xfrm>
           <a:prstGeom prst="rect">
             <a:avLst/>
@@ -27461,60 +28605,18 @@
             </a:pPr>
             <a:r>
               <a:rPr lang="en-US" sz="1000" b="1" dirty="0"/>
-              <a:t>Memory Data Read</a:t>
+              <a:t>%M10</a:t>
             </a:r>
             <a:endParaRPr lang="en-SG" sz="1000" b="1" dirty="0"/>
           </a:p>
         </p:txBody>
       </p:sp>
-      <p:cxnSp>
-        <p:nvCxnSpPr>
-          <p:cNvPr id="39" name="Connector: Elbow 38">
-            <a:extLst>
-              <a:ext uri="{FF2B5EF4-FFF2-40B4-BE49-F238E27FC236}">
-                <a16:creationId xmlns:a16="http://schemas.microsoft.com/office/drawing/2014/main" id="{04A4E483-2E6C-F270-55DA-A0977988BCF1}"/>
-              </a:ext>
-            </a:extLst>
-          </p:cNvPr>
-          <p:cNvCxnSpPr>
-            <a:cxnSpLocks/>
-            <a:endCxn id="41" idx="1"/>
-          </p:cNvCxnSpPr>
-          <p:nvPr/>
-        </p:nvCxnSpPr>
-        <p:spPr>
-          <a:xfrm rot="16200000" flipH="1">
-            <a:off x="8014721" y="2326734"/>
-            <a:ext cx="235746" cy="143676"/>
-          </a:xfrm>
-          <a:prstGeom prst="bentConnector2">
-            <a:avLst/>
-          </a:prstGeom>
-          <a:ln>
-            <a:tailEnd type="triangle"/>
-          </a:ln>
-        </p:spPr>
-        <p:style>
-          <a:lnRef idx="1">
-            <a:schemeClr val="dk1"/>
-          </a:lnRef>
-          <a:fillRef idx="0">
-            <a:schemeClr val="dk1"/>
-          </a:fillRef>
-          <a:effectRef idx="0">
-            <a:schemeClr val="dk1"/>
-          </a:effectRef>
-          <a:fontRef idx="minor">
-            <a:schemeClr val="tx1"/>
-          </a:fontRef>
-        </p:style>
-      </p:cxnSp>
-      <p:sp>
-        <p:nvSpPr>
-          <p:cNvPr id="41" name="TextBox 40">
-            <a:extLst>
-              <a:ext uri="{FF2B5EF4-FFF2-40B4-BE49-F238E27FC236}">
-                <a16:creationId xmlns:a16="http://schemas.microsoft.com/office/drawing/2014/main" id="{A3222E2A-1E60-5FD5-3C62-4347656362A4}"/>
+      <p:sp>
+        <p:nvSpPr>
+          <p:cNvPr id="16" name="TextBox 15">
+            <a:extLst>
+              <a:ext uri="{FF2B5EF4-FFF2-40B4-BE49-F238E27FC236}">
+                <a16:creationId xmlns:a16="http://schemas.microsoft.com/office/drawing/2014/main" id="{5A48E629-858F-15EB-F71F-45B06CDCDDE5}"/>
               </a:ext>
             </a:extLst>
           </p:cNvPr>
@@ -27523,399 +28625,8 @@
         </p:nvSpPr>
         <p:spPr>
           <a:xfrm>
-            <a:off x="8204432" y="2377945"/>
-            <a:ext cx="552010" cy="276999"/>
-          </a:xfrm>
-          <a:prstGeom prst="rect">
-            <a:avLst/>
-          </a:prstGeom>
-          <a:noFill/>
-        </p:spPr>
-        <p:txBody>
-          <a:bodyPr wrap="square" rtlCol="0">
-            <a:spAutoFit/>
-          </a:bodyPr>
-          <a:lstStyle/>
-          <a:p>
-            <a:r>
-              <a:rPr lang="en-SG" sz="1200" b="0" dirty="0">
-                <a:solidFill>
-                  <a:srgbClr val="CE9178"/>
-                </a:solidFill>
-                <a:effectLst/>
-                <a:highlight>
-                  <a:srgbClr val="1F1F1F"/>
-                </a:highlight>
-                <a:latin typeface="Consolas" panose="020B0609020204030204" pitchFamily="49" charset="0"/>
-              </a:rPr>
-              <a:t>0008</a:t>
-            </a:r>
-            <a:endParaRPr lang="en-SG" sz="1200" b="0" dirty="0">
-              <a:solidFill>
-                <a:srgbClr val="CCCCCC"/>
-              </a:solidFill>
-              <a:effectLst/>
-              <a:highlight>
-                <a:srgbClr val="1F1F1F"/>
-              </a:highlight>
-              <a:latin typeface="Consolas" panose="020B0609020204030204" pitchFamily="49" charset="0"/>
-            </a:endParaRPr>
-          </a:p>
-        </p:txBody>
-      </p:sp>
-      <p:cxnSp>
-        <p:nvCxnSpPr>
-          <p:cNvPr id="43" name="Connector: Elbow 42">
-            <a:extLst>
-              <a:ext uri="{FF2B5EF4-FFF2-40B4-BE49-F238E27FC236}">
-                <a16:creationId xmlns:a16="http://schemas.microsoft.com/office/drawing/2014/main" id="{8AFEC8B5-EA35-6BA5-6345-D1F872036D83}"/>
-              </a:ext>
-            </a:extLst>
-          </p:cNvPr>
-          <p:cNvCxnSpPr>
-            <a:cxnSpLocks/>
-          </p:cNvCxnSpPr>
-          <p:nvPr/>
-        </p:nvCxnSpPr>
-        <p:spPr>
-          <a:xfrm rot="16200000" flipH="1">
-            <a:off x="7079410" y="2337154"/>
-            <a:ext cx="235746" cy="143676"/>
-          </a:xfrm>
-          <a:prstGeom prst="bentConnector2">
-            <a:avLst/>
-          </a:prstGeom>
-          <a:ln>
-            <a:tailEnd type="triangle"/>
-          </a:ln>
-        </p:spPr>
-        <p:style>
-          <a:lnRef idx="1">
-            <a:schemeClr val="dk1"/>
-          </a:lnRef>
-          <a:fillRef idx="0">
-            <a:schemeClr val="dk1"/>
-          </a:fillRef>
-          <a:effectRef idx="0">
-            <a:schemeClr val="dk1"/>
-          </a:effectRef>
-          <a:fontRef idx="minor">
-            <a:schemeClr val="tx1"/>
-          </a:fontRef>
-        </p:style>
-      </p:cxnSp>
-      <p:sp>
-        <p:nvSpPr>
-          <p:cNvPr id="44" name="TextBox 43">
-            <a:extLst>
-              <a:ext uri="{FF2B5EF4-FFF2-40B4-BE49-F238E27FC236}">
-                <a16:creationId xmlns:a16="http://schemas.microsoft.com/office/drawing/2014/main" id="{63549460-8BA7-886A-7695-8E6929EA66A9}"/>
-              </a:ext>
-            </a:extLst>
-          </p:cNvPr>
-          <p:cNvSpPr txBox="1"/>
-          <p:nvPr/>
-        </p:nvSpPr>
-        <p:spPr>
-          <a:xfrm>
-            <a:off x="7220224" y="2388365"/>
-            <a:ext cx="552010" cy="276999"/>
-          </a:xfrm>
-          <a:prstGeom prst="rect">
-            <a:avLst/>
-          </a:prstGeom>
-          <a:noFill/>
-        </p:spPr>
-        <p:txBody>
-          <a:bodyPr wrap="square" rtlCol="0">
-            <a:spAutoFit/>
-          </a:bodyPr>
-          <a:lstStyle/>
-          <a:p>
-            <a:r>
-              <a:rPr lang="en-SG" sz="1200" b="0" dirty="0">
-                <a:solidFill>
-                  <a:srgbClr val="CE9178"/>
-                </a:solidFill>
-                <a:effectLst/>
-                <a:highlight>
-                  <a:srgbClr val="1F1F1F"/>
-                </a:highlight>
-                <a:latin typeface="Consolas" panose="020B0609020204030204" pitchFamily="49" charset="0"/>
-              </a:rPr>
-              <a:t>001e</a:t>
-            </a:r>
-            <a:endParaRPr lang="en-SG" sz="1200" b="0" dirty="0">
-              <a:solidFill>
-                <a:srgbClr val="CCCCCC"/>
-              </a:solidFill>
-              <a:effectLst/>
-              <a:highlight>
-                <a:srgbClr val="1F1F1F"/>
-              </a:highlight>
-              <a:latin typeface="Consolas" panose="020B0609020204030204" pitchFamily="49" charset="0"/>
-            </a:endParaRPr>
-          </a:p>
-        </p:txBody>
-      </p:sp>
-      <p:graphicFrame>
-        <p:nvGraphicFramePr>
-          <p:cNvPr id="45" name="Table 44">
-            <a:extLst>
-              <a:ext uri="{FF2B5EF4-FFF2-40B4-BE49-F238E27FC236}">
-                <a16:creationId xmlns:a16="http://schemas.microsoft.com/office/drawing/2014/main" id="{83012CB2-546D-5B43-CA70-7EEE931C23AB}"/>
-              </a:ext>
-            </a:extLst>
-          </p:cNvPr>
-          <p:cNvGraphicFramePr>
-            <a:graphicFrameLocks noGrp="1"/>
-          </p:cNvGraphicFramePr>
-          <p:nvPr>
-            <p:extLst>
-              <p:ext uri="{D42A27DB-BD31-4B8C-83A1-F6EECF244321}">
-                <p14:modId xmlns:p14="http://schemas.microsoft.com/office/powerpoint/2010/main" val="836521037"/>
-              </p:ext>
-            </p:extLst>
-          </p:nvPr>
-        </p:nvGraphicFramePr>
-        <p:xfrm>
-          <a:off x="6204132" y="2911329"/>
-          <a:ext cx="3208728" cy="457200"/>
-        </p:xfrm>
-        <a:graphic>
-          <a:graphicData uri="http://schemas.openxmlformats.org/drawingml/2006/table">
-            <a:tbl>
-              <a:tblPr firstRow="1" bandRow="1">
-                <a:tableStyleId>{5940675A-B579-460E-94D1-54222C63F5DA}</a:tableStyleId>
-              </a:tblPr>
-              <a:tblGrid>
-                <a:gridCol w="956419">
-                  <a:extLst>
-                    <a:ext uri="{9D8B030D-6E8A-4147-A177-3AD203B41FA5}">
-                      <a16:colId xmlns:a16="http://schemas.microsoft.com/office/drawing/2014/main" val="1230698725"/>
-                    </a:ext>
-                  </a:extLst>
-                </a:gridCol>
-                <a:gridCol w="693019">
-                  <a:extLst>
-                    <a:ext uri="{9D8B030D-6E8A-4147-A177-3AD203B41FA5}">
-                      <a16:colId xmlns:a16="http://schemas.microsoft.com/office/drawing/2014/main" val="1771333324"/>
-                    </a:ext>
-                  </a:extLst>
-                </a:gridCol>
-                <a:gridCol w="751415">
-                  <a:extLst>
-                    <a:ext uri="{9D8B030D-6E8A-4147-A177-3AD203B41FA5}">
-                      <a16:colId xmlns:a16="http://schemas.microsoft.com/office/drawing/2014/main" val="2533087118"/>
-                    </a:ext>
-                  </a:extLst>
-                </a:gridCol>
-                <a:gridCol w="807875">
-                  <a:extLst>
-                    <a:ext uri="{9D8B030D-6E8A-4147-A177-3AD203B41FA5}">
-                      <a16:colId xmlns:a16="http://schemas.microsoft.com/office/drawing/2014/main" val="286861116"/>
-                    </a:ext>
-                  </a:extLst>
-                </a:gridCol>
-              </a:tblGrid>
-              <a:tr h="0">
-                <a:tc>
-                  <a:txBody>
-                    <a:bodyPr/>
-                    <a:lstStyle/>
-                    <a:p>
-                      <a:pPr algn="dist"/>
-                      <a:r>
-                        <a:rPr lang="en-US" sz="900" dirty="0"/>
-                        <a:t>Memory index </a:t>
-                      </a:r>
-                      <a:endParaRPr lang="en-SG" sz="900" dirty="0"/>
-                    </a:p>
-                  </a:txBody>
-                  <a:tcPr/>
-                </a:tc>
-                <a:tc>
-                  <a:txBody>
-                    <a:bodyPr/>
-                    <a:lstStyle/>
-                    <a:p>
-                      <a:r>
-                        <a:rPr lang="en-US" sz="900" dirty="0"/>
-                        <a:t>Bit Index</a:t>
-                      </a:r>
-                      <a:endParaRPr lang="en-SG" sz="900" dirty="0"/>
-                    </a:p>
-                  </a:txBody>
-                  <a:tcPr/>
-                </a:tc>
-                <a:tc>
-                  <a:txBody>
-                    <a:bodyPr/>
-                    <a:lstStyle/>
-                    <a:p>
-                      <a:r>
-                        <a:rPr lang="en-US" sz="900" dirty="0"/>
-                        <a:t>Byte Index</a:t>
-                      </a:r>
-                      <a:endParaRPr lang="en-SG" sz="900" dirty="0"/>
-                    </a:p>
-                  </a:txBody>
-                  <a:tcPr/>
-                </a:tc>
-                <a:tc>
-                  <a:txBody>
-                    <a:bodyPr/>
-                    <a:lstStyle/>
-                    <a:p>
-                      <a:r>
-                        <a:rPr lang="en-US" sz="900" dirty="0"/>
-                        <a:t>Value</a:t>
-                      </a:r>
-                      <a:endParaRPr lang="en-SG" sz="900" dirty="0"/>
-                    </a:p>
-                  </a:txBody>
-                  <a:tcPr/>
-                </a:tc>
-                <a:extLst>
-                  <a:ext uri="{0D108BD9-81ED-4DB2-BD59-A6C34878D82A}">
-                    <a16:rowId xmlns:a16="http://schemas.microsoft.com/office/drawing/2014/main" val="2269868115"/>
-                  </a:ext>
-                </a:extLst>
-              </a:tr>
-              <a:tr h="211483">
-                <a:tc>
-                  <a:txBody>
-                    <a:bodyPr/>
-                    <a:lstStyle/>
-                    <a:p>
-                      <a:r>
-                        <a:rPr lang="en-US" sz="900" dirty="0"/>
-                        <a:t>( 2 bytes ) </a:t>
-                      </a:r>
-                      <a:endParaRPr lang="en-SG" sz="900" dirty="0"/>
-                    </a:p>
-                  </a:txBody>
-                  <a:tcPr/>
-                </a:tc>
-                <a:tc>
-                  <a:txBody>
-                    <a:bodyPr/>
-                    <a:lstStyle/>
-                    <a:p>
-                      <a:pPr marL="0" marR="0" lvl="0" indent="0" algn="l" defTabSz="914400" rtl="0" eaLnBrk="1" fontAlgn="auto" latinLnBrk="0" hangingPunct="1">
-                        <a:lnSpc>
-                          <a:spcPct val="100000"/>
-                        </a:lnSpc>
-                        <a:spcBef>
-                          <a:spcPts val="0"/>
-                        </a:spcBef>
-                        <a:spcAft>
-                          <a:spcPts val="0"/>
-                        </a:spcAft>
-                        <a:buClrTx/>
-                        <a:buSzTx/>
-                        <a:buFontTx/>
-                        <a:buNone/>
-                        <a:tabLst/>
-                        <a:defRPr/>
-                      </a:pPr>
-                      <a:r>
-                        <a:rPr lang="en-US" sz="900" dirty="0"/>
-                        <a:t>( 2 bytes ) </a:t>
-                      </a:r>
-                      <a:endParaRPr lang="en-SG" sz="900" dirty="0"/>
-                    </a:p>
-                  </a:txBody>
-                  <a:tcPr/>
-                </a:tc>
-                <a:tc>
-                  <a:txBody>
-                    <a:bodyPr/>
-                    <a:lstStyle/>
-                    <a:p>
-                      <a:pPr marL="0" marR="0" lvl="0" indent="0" algn="l" defTabSz="914400" rtl="0" eaLnBrk="1" fontAlgn="auto" latinLnBrk="0" hangingPunct="1">
-                        <a:lnSpc>
-                          <a:spcPct val="100000"/>
-                        </a:lnSpc>
-                        <a:spcBef>
-                          <a:spcPts val="0"/>
-                        </a:spcBef>
-                        <a:spcAft>
-                          <a:spcPts val="0"/>
-                        </a:spcAft>
-                        <a:buClrTx/>
-                        <a:buSzTx/>
-                        <a:buFontTx/>
-                        <a:buNone/>
-                        <a:tabLst/>
-                        <a:defRPr/>
-                      </a:pPr>
-                      <a:r>
-                        <a:rPr lang="en-US" sz="900" dirty="0"/>
-                        <a:t>( 1 bytes ) </a:t>
-                      </a:r>
-                      <a:endParaRPr lang="en-SG" sz="900" dirty="0"/>
-                    </a:p>
-                  </a:txBody>
-                  <a:tcPr/>
-                </a:tc>
-                <a:tc>
-                  <a:txBody>
-                    <a:bodyPr/>
-                    <a:lstStyle/>
-                    <a:p>
-                      <a:pPr marL="0" marR="0" lvl="0" indent="0" algn="l" defTabSz="914400" rtl="0" eaLnBrk="1" fontAlgn="auto" latinLnBrk="0" hangingPunct="1">
-                        <a:lnSpc>
-                          <a:spcPct val="100000"/>
-                        </a:lnSpc>
-                        <a:spcBef>
-                          <a:spcPts val="0"/>
-                        </a:spcBef>
-                        <a:spcAft>
-                          <a:spcPts val="0"/>
-                        </a:spcAft>
-                        <a:buClrTx/>
-                        <a:buSzTx/>
-                        <a:buFontTx/>
-                        <a:buNone/>
-                        <a:tabLst/>
-                        <a:defRPr/>
-                      </a:pPr>
-                      <a:r>
-                        <a:rPr lang="en-US" sz="900" dirty="0"/>
-                        <a:t>( 1bytes ) </a:t>
-                      </a:r>
-                      <a:endParaRPr lang="en-SG" sz="900" dirty="0"/>
-                    </a:p>
-                  </a:txBody>
-                  <a:tcPr/>
-                </a:tc>
-                <a:extLst>
-                  <a:ext uri="{0D108BD9-81ED-4DB2-BD59-A6C34878D82A}">
-                    <a16:rowId xmlns:a16="http://schemas.microsoft.com/office/drawing/2014/main" val="3033498223"/>
-                  </a:ext>
-                </a:extLst>
-              </a:tr>
-            </a:tbl>
-          </a:graphicData>
-        </a:graphic>
-      </p:graphicFrame>
-      <p:sp>
-        <p:nvSpPr>
-          <p:cNvPr id="48" name="TextBox 47">
-            <a:extLst>
-              <a:ext uri="{FF2B5EF4-FFF2-40B4-BE49-F238E27FC236}">
-                <a16:creationId xmlns:a16="http://schemas.microsoft.com/office/drawing/2014/main" id="{DE2F4E9C-B891-F3A8-22E4-31E4DBF17726}"/>
-              </a:ext>
-            </a:extLst>
-          </p:cNvPr>
-          <p:cNvSpPr txBox="1"/>
-          <p:nvPr/>
-        </p:nvSpPr>
-        <p:spPr>
-          <a:xfrm>
-            <a:off x="6385837" y="2577602"/>
-            <a:ext cx="1443956" cy="300980"/>
+            <a:off x="1631397" y="544872"/>
+            <a:ext cx="553301" cy="300980"/>
           </a:xfrm>
           <a:prstGeom prst="rect">
             <a:avLst/>
@@ -27938,63 +28649,62 @@
             </a:pPr>
             <a:r>
               <a:rPr lang="en-US" sz="1000" b="1" dirty="0"/>
-              <a:t>Memory Data Write</a:t>
+              <a:t>%I0.1</a:t>
             </a:r>
             <a:endParaRPr lang="en-SG" sz="1000" b="1" dirty="0"/>
           </a:p>
         </p:txBody>
       </p:sp>
-      <p:cxnSp>
-        <p:nvCxnSpPr>
-          <p:cNvPr id="49" name="Connector: Elbow 48">
-            <a:extLst>
-              <a:ext uri="{FF2B5EF4-FFF2-40B4-BE49-F238E27FC236}">
-                <a16:creationId xmlns:a16="http://schemas.microsoft.com/office/drawing/2014/main" id="{D5642C25-D939-CFCB-836A-20E620C36CF6}"/>
-              </a:ext>
-            </a:extLst>
-          </p:cNvPr>
-          <p:cNvCxnSpPr>
-            <a:cxnSpLocks/>
-            <a:stCxn id="53" idx="3"/>
-            <a:endCxn id="45" idx="1"/>
-          </p:cNvCxnSpPr>
-          <p:nvPr/>
-        </p:nvCxnSpPr>
-        <p:spPr>
-          <a:xfrm>
-            <a:off x="5775957" y="2376296"/>
-            <a:ext cx="428175" cy="763633"/>
-          </a:xfrm>
-          <a:prstGeom prst="bentConnector3">
-            <a:avLst>
-              <a:gd name="adj1" fmla="val 50000"/>
-            </a:avLst>
-          </a:prstGeom>
+      <p:sp>
+        <p:nvSpPr>
+          <p:cNvPr id="17" name="TextBox 16">
+            <a:extLst>
+              <a:ext uri="{FF2B5EF4-FFF2-40B4-BE49-F238E27FC236}">
+                <a16:creationId xmlns:a16="http://schemas.microsoft.com/office/drawing/2014/main" id="{4D3AA356-2885-3D58-8811-E3C1D7815D23}"/>
+              </a:ext>
+            </a:extLst>
+          </p:cNvPr>
+          <p:cNvSpPr txBox="1"/>
+          <p:nvPr/>
+        </p:nvSpPr>
+        <p:spPr>
+          <a:xfrm>
+            <a:off x="1631396" y="1286336"/>
+            <a:ext cx="553301" cy="300980"/>
+          </a:xfrm>
+          <a:prstGeom prst="rect">
+            <a:avLst/>
+          </a:prstGeom>
+          <a:noFill/>
           <a:ln>
-            <a:tailEnd type="triangle"/>
+            <a:noFill/>
           </a:ln>
         </p:spPr>
-        <p:style>
-          <a:lnRef idx="1">
-            <a:schemeClr val="dk1"/>
-          </a:lnRef>
-          <a:fillRef idx="0">
-            <a:schemeClr val="dk1"/>
-          </a:fillRef>
-          <a:effectRef idx="0">
-            <a:schemeClr val="dk1"/>
-          </a:effectRef>
-          <a:fontRef idx="minor">
-            <a:schemeClr val="tx1"/>
-          </a:fontRef>
-        </p:style>
-      </p:cxnSp>
-      <p:sp>
-        <p:nvSpPr>
-          <p:cNvPr id="53" name="Rectangle 52">
-            <a:extLst>
-              <a:ext uri="{FF2B5EF4-FFF2-40B4-BE49-F238E27FC236}">
-                <a16:creationId xmlns:a16="http://schemas.microsoft.com/office/drawing/2014/main" id="{9F51C113-A2D5-F471-48FC-59F29E84B1E5}"/>
+        <p:txBody>
+          <a:bodyPr wrap="square" rtlCol="0">
+            <a:spAutoFit/>
+          </a:bodyPr>
+          <a:lstStyle/>
+          <a:p>
+            <a:pPr>
+              <a:lnSpc>
+                <a:spcPct val="150000"/>
+              </a:lnSpc>
+            </a:pPr>
+            <a:r>
+              <a:rPr lang="en-US" sz="1000" b="1" dirty="0"/>
+              <a:t>%M10</a:t>
+            </a:r>
+            <a:endParaRPr lang="en-SG" sz="1000" b="1" dirty="0"/>
+          </a:p>
+        </p:txBody>
+      </p:sp>
+      <p:sp>
+        <p:nvSpPr>
+          <p:cNvPr id="18" name="Rectangle 17">
+            <a:extLst>
+              <a:ext uri="{FF2B5EF4-FFF2-40B4-BE49-F238E27FC236}">
+                <a16:creationId xmlns:a16="http://schemas.microsoft.com/office/drawing/2014/main" id="{2999FF1A-CFDF-A7E0-A96E-FB1ED12F525E}"/>
               </a:ext>
             </a:extLst>
           </p:cNvPr>
@@ -28003,16 +28713,12 @@
         </p:nvSpPr>
         <p:spPr>
           <a:xfrm>
-            <a:off x="5021744" y="2147696"/>
-            <a:ext cx="754213" cy="457200"/>
-          </a:xfrm>
-          <a:prstGeom prst="rect">
-            <a:avLst/>
-          </a:prstGeom>
-          <a:noFill/>
-          <a:ln w="12700">
-            <a:prstDash val="sysDash"/>
-          </a:ln>
+            <a:off x="3465576" y="1479534"/>
+            <a:ext cx="2386584" cy="300980"/>
+          </a:xfrm>
+          <a:prstGeom prst="rect">
+            <a:avLst/>
+          </a:prstGeom>
         </p:spPr>
         <p:style>
           <a:lnRef idx="2">
@@ -28035,73 +28741,38 @@
           <a:lstStyle/>
           <a:p>
             <a:pPr algn="ctr"/>
-            <a:endParaRPr lang="en-SG" dirty="0"/>
-          </a:p>
-        </p:txBody>
-      </p:sp>
-      <p:cxnSp>
-        <p:nvCxnSpPr>
-          <p:cNvPr id="56" name="Connector: Elbow 55">
-            <a:extLst>
-              <a:ext uri="{FF2B5EF4-FFF2-40B4-BE49-F238E27FC236}">
-                <a16:creationId xmlns:a16="http://schemas.microsoft.com/office/drawing/2014/main" id="{902AF3E7-DDB2-1951-38F9-0A9DAE70E71B}"/>
-              </a:ext>
-            </a:extLst>
-          </p:cNvPr>
-          <p:cNvCxnSpPr>
-            <a:cxnSpLocks/>
-            <a:endCxn id="57" idx="1"/>
-          </p:cNvCxnSpPr>
-          <p:nvPr/>
-        </p:nvCxnSpPr>
-        <p:spPr>
-          <a:xfrm rot="16200000" flipH="1">
-            <a:off x="8821855" y="3406285"/>
-            <a:ext cx="235746" cy="143676"/>
-          </a:xfrm>
-          <a:prstGeom prst="bentConnector2">
-            <a:avLst/>
-          </a:prstGeom>
+            <a:r>
+              <a:rPr lang="en-US" sz="1400" dirty="0"/>
+              <a:t>Ladder Logic section</a:t>
+            </a:r>
+            <a:endParaRPr lang="en-SG" sz="1400" dirty="0"/>
+          </a:p>
+        </p:txBody>
+      </p:sp>
+      <p:sp>
+        <p:nvSpPr>
+          <p:cNvPr id="19" name="TextBox 18">
+            <a:extLst>
+              <a:ext uri="{FF2B5EF4-FFF2-40B4-BE49-F238E27FC236}">
+                <a16:creationId xmlns:a16="http://schemas.microsoft.com/office/drawing/2014/main" id="{D6E3EF7B-B57D-947C-8A09-67572C166DEC}"/>
+              </a:ext>
+            </a:extLst>
+          </p:cNvPr>
+          <p:cNvSpPr txBox="1"/>
+          <p:nvPr/>
+        </p:nvSpPr>
+        <p:spPr>
+          <a:xfrm>
+            <a:off x="8057299" y="1344226"/>
+            <a:ext cx="553301" cy="300980"/>
+          </a:xfrm>
+          <a:prstGeom prst="rect">
+            <a:avLst/>
+          </a:prstGeom>
+          <a:noFill/>
           <a:ln>
-            <a:tailEnd type="triangle"/>
+            <a:noFill/>
           </a:ln>
-        </p:spPr>
-        <p:style>
-          <a:lnRef idx="1">
-            <a:schemeClr val="dk1"/>
-          </a:lnRef>
-          <a:fillRef idx="0">
-            <a:schemeClr val="dk1"/>
-          </a:fillRef>
-          <a:effectRef idx="0">
-            <a:schemeClr val="dk1"/>
-          </a:effectRef>
-          <a:fontRef idx="minor">
-            <a:schemeClr val="tx1"/>
-          </a:fontRef>
-        </p:style>
-      </p:cxnSp>
-      <p:sp>
-        <p:nvSpPr>
-          <p:cNvPr id="57" name="TextBox 56">
-            <a:extLst>
-              <a:ext uri="{FF2B5EF4-FFF2-40B4-BE49-F238E27FC236}">
-                <a16:creationId xmlns:a16="http://schemas.microsoft.com/office/drawing/2014/main" id="{777F4914-D3B9-2C3E-F510-C8E4190D4A11}"/>
-              </a:ext>
-            </a:extLst>
-          </p:cNvPr>
-          <p:cNvSpPr txBox="1"/>
-          <p:nvPr/>
-        </p:nvSpPr>
-        <p:spPr>
-          <a:xfrm>
-            <a:off x="9011566" y="3457496"/>
-            <a:ext cx="552010" cy="276999"/>
-          </a:xfrm>
-          <a:prstGeom prst="rect">
-            <a:avLst/>
-          </a:prstGeom>
-          <a:noFill/>
         </p:spPr>
         <p:txBody>
           <a:bodyPr wrap="square" rtlCol="0">
@@ -28109,95 +28780,43 @@
           </a:bodyPr>
           <a:lstStyle/>
           <a:p>
+            <a:pPr>
+              <a:lnSpc>
+                <a:spcPct val="150000"/>
+              </a:lnSpc>
+            </a:pPr>
             <a:r>
-              <a:rPr lang="en-SG" sz="1200" b="0" dirty="0">
-                <a:solidFill>
-                  <a:srgbClr val="CE9178"/>
-                </a:solidFill>
-                <a:effectLst/>
-                <a:highlight>
-                  <a:srgbClr val="1F1F1F"/>
-                </a:highlight>
-                <a:latin typeface="Consolas" panose="020B0609020204030204" pitchFamily="49" charset="0"/>
-              </a:rPr>
-              <a:t>01</a:t>
+              <a:rPr lang="en-US" sz="1000" b="1" dirty="0"/>
+              <a:t>%M60</a:t>
             </a:r>
-            <a:endParaRPr lang="en-SG" sz="1200" b="0" dirty="0">
-              <a:solidFill>
-                <a:srgbClr val="CCCCCC"/>
-              </a:solidFill>
-              <a:effectLst/>
-              <a:highlight>
-                <a:srgbClr val="1F1F1F"/>
-              </a:highlight>
-              <a:latin typeface="Consolas" panose="020B0609020204030204" pitchFamily="49" charset="0"/>
-            </a:endParaRPr>
-          </a:p>
-        </p:txBody>
-      </p:sp>
-      <p:cxnSp>
-        <p:nvCxnSpPr>
-          <p:cNvPr id="58" name="Connector: Elbow 57">
-            <a:extLst>
-              <a:ext uri="{FF2B5EF4-FFF2-40B4-BE49-F238E27FC236}">
-                <a16:creationId xmlns:a16="http://schemas.microsoft.com/office/drawing/2014/main" id="{D453F1B8-41FF-90CD-F4ED-690C178D1B50}"/>
-              </a:ext>
-            </a:extLst>
-          </p:cNvPr>
-          <p:cNvCxnSpPr>
-            <a:cxnSpLocks/>
-            <a:endCxn id="59" idx="1"/>
-          </p:cNvCxnSpPr>
-          <p:nvPr/>
-        </p:nvCxnSpPr>
-        <p:spPr>
-          <a:xfrm rot="16200000" flipH="1">
-            <a:off x="7401814" y="3416065"/>
-            <a:ext cx="235746" cy="143676"/>
-          </a:xfrm>
-          <a:prstGeom prst="bentConnector2">
-            <a:avLst/>
-          </a:prstGeom>
+            <a:endParaRPr lang="en-SG" sz="1000" b="1" dirty="0"/>
+          </a:p>
+        </p:txBody>
+      </p:sp>
+      <p:sp>
+        <p:nvSpPr>
+          <p:cNvPr id="20" name="TextBox 19">
+            <a:extLst>
+              <a:ext uri="{FF2B5EF4-FFF2-40B4-BE49-F238E27FC236}">
+                <a16:creationId xmlns:a16="http://schemas.microsoft.com/office/drawing/2014/main" id="{D55C3C5B-BBE7-4477-1825-C64F792B0AF5}"/>
+              </a:ext>
+            </a:extLst>
+          </p:cNvPr>
+          <p:cNvSpPr txBox="1"/>
+          <p:nvPr/>
+        </p:nvSpPr>
+        <p:spPr>
+          <a:xfrm>
+            <a:off x="1631395" y="2046297"/>
+            <a:ext cx="553301" cy="300980"/>
+          </a:xfrm>
+          <a:prstGeom prst="rect">
+            <a:avLst/>
+          </a:prstGeom>
+          <a:noFill/>
           <a:ln>
-            <a:tailEnd type="triangle"/>
+            <a:noFill/>
           </a:ln>
-        </p:spPr>
-        <p:style>
-          <a:lnRef idx="1">
-            <a:schemeClr val="dk1"/>
-          </a:lnRef>
-          <a:fillRef idx="0">
-            <a:schemeClr val="dk1"/>
-          </a:fillRef>
-          <a:effectRef idx="0">
-            <a:schemeClr val="dk1"/>
-          </a:effectRef>
-          <a:fontRef idx="minor">
-            <a:schemeClr val="tx1"/>
-          </a:fontRef>
-        </p:style>
-      </p:cxnSp>
-      <p:sp>
-        <p:nvSpPr>
-          <p:cNvPr id="59" name="TextBox 58">
-            <a:extLst>
-              <a:ext uri="{FF2B5EF4-FFF2-40B4-BE49-F238E27FC236}">
-                <a16:creationId xmlns:a16="http://schemas.microsoft.com/office/drawing/2014/main" id="{DAD5ADF7-73B8-339F-3EF9-93F2E2241232}"/>
-              </a:ext>
-            </a:extLst>
-          </p:cNvPr>
-          <p:cNvSpPr txBox="1"/>
-          <p:nvPr/>
-        </p:nvSpPr>
-        <p:spPr>
-          <a:xfrm>
-            <a:off x="7591525" y="3467276"/>
-            <a:ext cx="552010" cy="276999"/>
-          </a:xfrm>
-          <a:prstGeom prst="rect">
-            <a:avLst/>
-          </a:prstGeom>
-          <a:noFill/>
         </p:spPr>
         <p:txBody>
           <a:bodyPr wrap="square" rtlCol="0">
@@ -28205,95 +28824,43 @@
           </a:bodyPr>
           <a:lstStyle/>
           <a:p>
+            <a:pPr>
+              <a:lnSpc>
+                <a:spcPct val="150000"/>
+              </a:lnSpc>
+            </a:pPr>
             <a:r>
-              <a:rPr lang="en-SG" sz="1200" b="0" dirty="0">
-                <a:solidFill>
-                  <a:srgbClr val="CE9178"/>
-                </a:solidFill>
-                <a:effectLst/>
-                <a:highlight>
-                  <a:srgbClr val="1F1F1F"/>
-                </a:highlight>
-                <a:latin typeface="Consolas" panose="020B0609020204030204" pitchFamily="49" charset="0"/>
-              </a:rPr>
-              <a:t>0001</a:t>
+              <a:rPr lang="en-US" sz="1000" b="1" dirty="0"/>
+              <a:t>%M60</a:t>
             </a:r>
-            <a:endParaRPr lang="en-SG" sz="1200" b="0" dirty="0">
-              <a:solidFill>
-                <a:srgbClr val="CCCCCC"/>
-              </a:solidFill>
-              <a:effectLst/>
-              <a:highlight>
-                <a:srgbClr val="1F1F1F"/>
-              </a:highlight>
-              <a:latin typeface="Consolas" panose="020B0609020204030204" pitchFamily="49" charset="0"/>
-            </a:endParaRPr>
-          </a:p>
-        </p:txBody>
-      </p:sp>
-      <p:cxnSp>
-        <p:nvCxnSpPr>
-          <p:cNvPr id="60" name="Connector: Elbow 59">
-            <a:extLst>
-              <a:ext uri="{FF2B5EF4-FFF2-40B4-BE49-F238E27FC236}">
-                <a16:creationId xmlns:a16="http://schemas.microsoft.com/office/drawing/2014/main" id="{9F3F3072-482E-F453-45F6-1E4101D7423D}"/>
-              </a:ext>
-            </a:extLst>
-          </p:cNvPr>
-          <p:cNvCxnSpPr>
-            <a:cxnSpLocks/>
-            <a:endCxn id="61" idx="1"/>
-          </p:cNvCxnSpPr>
-          <p:nvPr/>
-        </p:nvCxnSpPr>
-        <p:spPr>
-          <a:xfrm rot="16200000" flipH="1">
-            <a:off x="8192931" y="3435203"/>
-            <a:ext cx="235746" cy="143676"/>
-          </a:xfrm>
-          <a:prstGeom prst="bentConnector2">
-            <a:avLst/>
-          </a:prstGeom>
+            <a:endParaRPr lang="en-SG" sz="1000" b="1" dirty="0"/>
+          </a:p>
+        </p:txBody>
+      </p:sp>
+      <p:sp>
+        <p:nvSpPr>
+          <p:cNvPr id="21" name="TextBox 20">
+            <a:extLst>
+              <a:ext uri="{FF2B5EF4-FFF2-40B4-BE49-F238E27FC236}">
+                <a16:creationId xmlns:a16="http://schemas.microsoft.com/office/drawing/2014/main" id="{AB48342B-C485-7B9B-893B-3FE68809474D}"/>
+              </a:ext>
+            </a:extLst>
+          </p:cNvPr>
+          <p:cNvSpPr txBox="1"/>
+          <p:nvPr/>
+        </p:nvSpPr>
+        <p:spPr>
+          <a:xfrm>
+            <a:off x="8021133" y="2111609"/>
+            <a:ext cx="694229" cy="300980"/>
+          </a:xfrm>
+          <a:prstGeom prst="rect">
+            <a:avLst/>
+          </a:prstGeom>
+          <a:noFill/>
           <a:ln>
-            <a:tailEnd type="triangle"/>
+            <a:noFill/>
           </a:ln>
-        </p:spPr>
-        <p:style>
-          <a:lnRef idx="1">
-            <a:schemeClr val="dk1"/>
-          </a:lnRef>
-          <a:fillRef idx="0">
-            <a:schemeClr val="dk1"/>
-          </a:fillRef>
-          <a:effectRef idx="0">
-            <a:schemeClr val="dk1"/>
-          </a:effectRef>
-          <a:fontRef idx="minor">
-            <a:schemeClr val="tx1"/>
-          </a:fontRef>
-        </p:style>
-      </p:cxnSp>
-      <p:sp>
-        <p:nvSpPr>
-          <p:cNvPr id="61" name="TextBox 60">
-            <a:extLst>
-              <a:ext uri="{FF2B5EF4-FFF2-40B4-BE49-F238E27FC236}">
-                <a16:creationId xmlns:a16="http://schemas.microsoft.com/office/drawing/2014/main" id="{00C527A4-BA28-9F94-6CBD-822D1BEB2F88}"/>
-              </a:ext>
-            </a:extLst>
-          </p:cNvPr>
-          <p:cNvSpPr txBox="1"/>
-          <p:nvPr/>
-        </p:nvSpPr>
-        <p:spPr>
-          <a:xfrm>
-            <a:off x="8382642" y="3486414"/>
-            <a:ext cx="552010" cy="276999"/>
-          </a:xfrm>
-          <a:prstGeom prst="rect">
-            <a:avLst/>
-          </a:prstGeom>
-          <a:noFill/>
         </p:spPr>
         <p:txBody>
           <a:bodyPr wrap="square" rtlCol="0">
@@ -28301,131 +28868,246 @@
           </a:bodyPr>
           <a:lstStyle/>
           <a:p>
+            <a:pPr>
+              <a:lnSpc>
+                <a:spcPct val="150000"/>
+              </a:lnSpc>
+            </a:pPr>
             <a:r>
-              <a:rPr lang="en-SG" sz="1200" b="0" dirty="0">
-                <a:solidFill>
-                  <a:srgbClr val="CE9178"/>
-                </a:solidFill>
-                <a:effectLst/>
-                <a:highlight>
-                  <a:srgbClr val="1F1F1F"/>
-                </a:highlight>
-                <a:latin typeface="Consolas" panose="020B0609020204030204" pitchFamily="49" charset="0"/>
-              </a:rPr>
-              <a:t>01</a:t>
+              <a:rPr lang="en-US" sz="1000" b="1" dirty="0"/>
+              <a:t>%Q0.6</a:t>
             </a:r>
-            <a:endParaRPr lang="en-SG" sz="1200" b="0" dirty="0">
-              <a:solidFill>
-                <a:srgbClr val="CCCCCC"/>
-              </a:solidFill>
-              <a:effectLst/>
-              <a:highlight>
-                <a:srgbClr val="1F1F1F"/>
-              </a:highlight>
-              <a:latin typeface="Consolas" panose="020B0609020204030204" pitchFamily="49" charset="0"/>
-            </a:endParaRPr>
+            <a:endParaRPr lang="en-SG" sz="1000" b="1" dirty="0"/>
+          </a:p>
+        </p:txBody>
+      </p:sp>
+      <p:pic>
+        <p:nvPicPr>
+          <p:cNvPr id="24" name="Picture 23">
+            <a:extLst>
+              <a:ext uri="{FF2B5EF4-FFF2-40B4-BE49-F238E27FC236}">
+                <a16:creationId xmlns:a16="http://schemas.microsoft.com/office/drawing/2014/main" id="{62D2D6FE-B2A3-7F92-98D1-470B96CF71C6}"/>
+              </a:ext>
+            </a:extLst>
+          </p:cNvPr>
+          <p:cNvPicPr>
+            <a:picLocks noChangeAspect="1"/>
+          </p:cNvPicPr>
+          <p:nvPr/>
+        </p:nvPicPr>
+        <p:blipFill>
+          <a:blip r:embed="rId4" cstate="print">
+            <a:extLst>
+              <a:ext uri="{28A0092B-C50C-407E-A947-70E740481C1C}">
+                <a14:useLocalDpi xmlns:a14="http://schemas.microsoft.com/office/drawing/2010/main" val="0"/>
+              </a:ext>
+            </a:extLst>
+          </a:blip>
+          <a:srcRect/>
+          <a:stretch>
+            <a:fillRect/>
+          </a:stretch>
+        </p:blipFill>
+        <p:spPr bwMode="auto">
+          <a:xfrm>
+            <a:off x="1169743" y="3547722"/>
+            <a:ext cx="7545619" cy="2573096"/>
+          </a:xfrm>
+          <a:prstGeom prst="rect">
+            <a:avLst/>
+          </a:prstGeom>
+          <a:noFill/>
+          <a:ln w="3175">
+            <a:solidFill>
+              <a:schemeClr val="tx1"/>
+            </a:solidFill>
+          </a:ln>
+        </p:spPr>
+      </p:pic>
+      <p:sp>
+        <p:nvSpPr>
+          <p:cNvPr id="25" name="Rectangle 24">
+            <a:extLst>
+              <a:ext uri="{FF2B5EF4-FFF2-40B4-BE49-F238E27FC236}">
+                <a16:creationId xmlns:a16="http://schemas.microsoft.com/office/drawing/2014/main" id="{7BD2BA2C-603C-2D71-0CA3-AB8B72C4DE59}"/>
+              </a:ext>
+            </a:extLst>
+          </p:cNvPr>
+          <p:cNvSpPr/>
+          <p:nvPr/>
+        </p:nvSpPr>
+        <p:spPr>
+          <a:xfrm>
+            <a:off x="1433364" y="3606226"/>
+            <a:ext cx="1502664" cy="98053"/>
+          </a:xfrm>
+          <a:prstGeom prst="rect">
+            <a:avLst/>
+          </a:prstGeom>
+        </p:spPr>
+        <p:style>
+          <a:lnRef idx="2">
+            <a:schemeClr val="accent1">
+              <a:shade val="15000"/>
+            </a:schemeClr>
+          </a:lnRef>
+          <a:fillRef idx="1">
+            <a:schemeClr val="accent1"/>
+          </a:fillRef>
+          <a:effectRef idx="0">
+            <a:schemeClr val="accent1"/>
+          </a:effectRef>
+          <a:fontRef idx="minor">
+            <a:schemeClr val="lt1"/>
+          </a:fontRef>
+        </p:style>
+        <p:txBody>
+          <a:bodyPr rtlCol="0" anchor="ctr"/>
+          <a:lstStyle/>
+          <a:p>
+            <a:pPr algn="ctr"/>
+            <a:endParaRPr lang="en-SG" sz="1400" dirty="0"/>
+          </a:p>
+        </p:txBody>
+      </p:sp>
+      <p:sp>
+        <p:nvSpPr>
+          <p:cNvPr id="26" name="Rectangle 25">
+            <a:extLst>
+              <a:ext uri="{FF2B5EF4-FFF2-40B4-BE49-F238E27FC236}">
+                <a16:creationId xmlns:a16="http://schemas.microsoft.com/office/drawing/2014/main" id="{95184922-B1C1-AA3D-2277-187ACDA805D4}"/>
+              </a:ext>
+            </a:extLst>
+          </p:cNvPr>
+          <p:cNvSpPr/>
+          <p:nvPr/>
+        </p:nvSpPr>
+        <p:spPr>
+          <a:xfrm>
+            <a:off x="4149212" y="3704280"/>
+            <a:ext cx="943996" cy="172776"/>
+          </a:xfrm>
+          <a:prstGeom prst="rect">
+            <a:avLst/>
+          </a:prstGeom>
+        </p:spPr>
+        <p:style>
+          <a:lnRef idx="2">
+            <a:schemeClr val="accent1">
+              <a:shade val="15000"/>
+            </a:schemeClr>
+          </a:lnRef>
+          <a:fillRef idx="1">
+            <a:schemeClr val="accent1"/>
+          </a:fillRef>
+          <a:effectRef idx="0">
+            <a:schemeClr val="accent1"/>
+          </a:effectRef>
+          <a:fontRef idx="minor">
+            <a:schemeClr val="lt1"/>
+          </a:fontRef>
+        </p:style>
+        <p:txBody>
+          <a:bodyPr rtlCol="0" anchor="ctr"/>
+          <a:lstStyle/>
+          <a:p>
+            <a:pPr algn="ctr"/>
+            <a:endParaRPr lang="en-SG" sz="1400" dirty="0"/>
           </a:p>
         </p:txBody>
       </p:sp>
       <p:cxnSp>
         <p:nvCxnSpPr>
-          <p:cNvPr id="62" name="Connector: Elbow 61">
-            <a:extLst>
-              <a:ext uri="{FF2B5EF4-FFF2-40B4-BE49-F238E27FC236}">
-                <a16:creationId xmlns:a16="http://schemas.microsoft.com/office/drawing/2014/main" id="{BDD8094A-D32B-2ACD-84B2-2603366C73D7}"/>
-              </a:ext>
-            </a:extLst>
-          </p:cNvPr>
-          <p:cNvCxnSpPr>
-            <a:cxnSpLocks/>
-          </p:cNvCxnSpPr>
+          <p:cNvPr id="29" name="Straight Arrow Connector 28">
+            <a:extLst>
+              <a:ext uri="{FF2B5EF4-FFF2-40B4-BE49-F238E27FC236}">
+                <a16:creationId xmlns:a16="http://schemas.microsoft.com/office/drawing/2014/main" id="{2C9EF583-AE27-21CB-54D5-250FA7BA36F4}"/>
+              </a:ext>
+            </a:extLst>
+          </p:cNvPr>
+          <p:cNvCxnSpPr/>
           <p:nvPr/>
         </p:nvCxnSpPr>
         <p:spPr>
-          <a:xfrm rot="16200000" flipH="1">
-            <a:off x="6490214" y="3406285"/>
-            <a:ext cx="235746" cy="143676"/>
-          </a:xfrm>
-          <a:prstGeom prst="bentConnector2">
+          <a:xfrm flipH="1">
+            <a:off x="7863840" y="5311467"/>
+            <a:ext cx="420624" cy="182880"/>
+          </a:xfrm>
+          <a:prstGeom prst="straightConnector1">
             <a:avLst/>
           </a:prstGeom>
           <a:ln>
+            <a:solidFill>
+              <a:srgbClr val="C00000"/>
+            </a:solidFill>
             <a:tailEnd type="triangle"/>
           </a:ln>
         </p:spPr>
         <p:style>
-          <a:lnRef idx="1">
-            <a:schemeClr val="dk1"/>
+          <a:lnRef idx="2">
+            <a:schemeClr val="accent1"/>
           </a:lnRef>
           <a:fillRef idx="0">
-            <a:schemeClr val="dk1"/>
+            <a:schemeClr val="accent1"/>
+          </a:fillRef>
+          <a:effectRef idx="1">
+            <a:schemeClr val="accent1"/>
+          </a:effectRef>
+          <a:fontRef idx="minor">
+            <a:schemeClr val="tx1"/>
+          </a:fontRef>
+        </p:style>
+      </p:cxnSp>
+      <p:sp>
+        <p:nvSpPr>
+          <p:cNvPr id="30" name="Rectangle 29">
+            <a:extLst>
+              <a:ext uri="{FF2B5EF4-FFF2-40B4-BE49-F238E27FC236}">
+                <a16:creationId xmlns:a16="http://schemas.microsoft.com/office/drawing/2014/main" id="{CF0FCDC4-1992-AB4F-CB6A-864B73819F21}"/>
+              </a:ext>
+            </a:extLst>
+          </p:cNvPr>
+          <p:cNvSpPr/>
+          <p:nvPr/>
+        </p:nvSpPr>
+        <p:spPr>
+          <a:xfrm>
+            <a:off x="4942552" y="4416552"/>
+            <a:ext cx="943996" cy="284549"/>
+          </a:xfrm>
+          <a:prstGeom prst="rect">
+            <a:avLst/>
+          </a:prstGeom>
+        </p:spPr>
+        <p:style>
+          <a:lnRef idx="2">
+            <a:schemeClr val="accent1">
+              <a:shade val="15000"/>
+            </a:schemeClr>
+          </a:lnRef>
+          <a:fillRef idx="1">
+            <a:schemeClr val="accent1"/>
           </a:fillRef>
           <a:effectRef idx="0">
-            <a:schemeClr val="dk1"/>
-          </a:effectRef>
-          <a:fontRef idx="minor">
-            <a:schemeClr val="tx1"/>
-          </a:fontRef>
-        </p:style>
-      </p:cxnSp>
-      <p:sp>
-        <p:nvSpPr>
-          <p:cNvPr id="63" name="TextBox 62">
-            <a:extLst>
-              <a:ext uri="{FF2B5EF4-FFF2-40B4-BE49-F238E27FC236}">
-                <a16:creationId xmlns:a16="http://schemas.microsoft.com/office/drawing/2014/main" id="{628769A4-A7C9-B2C0-7EEC-2AB122E50640}"/>
-              </a:ext>
-            </a:extLst>
-          </p:cNvPr>
-          <p:cNvSpPr txBox="1"/>
-          <p:nvPr/>
-        </p:nvSpPr>
-        <p:spPr>
-          <a:xfrm>
-            <a:off x="6631028" y="3457496"/>
-            <a:ext cx="552010" cy="276999"/>
-          </a:xfrm>
-          <a:prstGeom prst="rect">
-            <a:avLst/>
-          </a:prstGeom>
-          <a:noFill/>
-        </p:spPr>
-        <p:txBody>
-          <a:bodyPr wrap="square" rtlCol="0">
-            <a:spAutoFit/>
-          </a:bodyPr>
-          <a:lstStyle/>
-          <a:p>
-            <a:r>
-              <a:rPr lang="en-SG" sz="1200" b="0" dirty="0">
-                <a:solidFill>
-                  <a:srgbClr val="CE9178"/>
-                </a:solidFill>
-                <a:effectLst/>
-                <a:highlight>
-                  <a:srgbClr val="1F1F1F"/>
-                </a:highlight>
-                <a:latin typeface="Consolas" panose="020B0609020204030204" pitchFamily="49" charset="0"/>
-              </a:rPr>
-              <a:t>001e</a:t>
-            </a:r>
-            <a:endParaRPr lang="en-SG" sz="1200" b="0" dirty="0">
-              <a:solidFill>
-                <a:srgbClr val="CCCCCC"/>
-              </a:solidFill>
-              <a:effectLst/>
-              <a:highlight>
-                <a:srgbClr val="1F1F1F"/>
-              </a:highlight>
-              <a:latin typeface="Consolas" panose="020B0609020204030204" pitchFamily="49" charset="0"/>
-            </a:endParaRPr>
+            <a:schemeClr val="accent1"/>
+          </a:effectRef>
+          <a:fontRef idx="minor">
+            <a:schemeClr val="lt1"/>
+          </a:fontRef>
+        </p:style>
+        <p:txBody>
+          <a:bodyPr rtlCol="0" anchor="ctr"/>
+          <a:lstStyle/>
+          <a:p>
+            <a:pPr algn="ctr"/>
+            <a:endParaRPr lang="en-SG" sz="1400" dirty="0"/>
           </a:p>
         </p:txBody>
       </p:sp>
     </p:spTree>
     <p:extLst>
       <p:ext uri="{BB962C8B-B14F-4D97-AF65-F5344CB8AC3E}">
-        <p14:creationId xmlns:p14="http://schemas.microsoft.com/office/powerpoint/2010/main" val="3055523701"/>
+        <p14:creationId xmlns:p14="http://schemas.microsoft.com/office/powerpoint/2010/main" val="4099937209"/>
       </p:ext>
     </p:extLst>
   </p:cSld>

--- a/doc/designDoc.pptx
+++ b/doc/designDoc.pptx
@@ -5,7 +5,7 @@
     <p:sldMasterId id="2147483648" r:id="rId1"/>
   </p:sldMasterIdLst>
   <p:notesMasterIdLst>
-    <p:notesMasterId r:id="rId14"/>
+    <p:notesMasterId r:id="rId16"/>
   </p:notesMasterIdLst>
   <p:sldIdLst>
     <p:sldId id="256" r:id="rId2"/>
@@ -14,12 +14,14 @@
     <p:sldId id="267" r:id="rId5"/>
     <p:sldId id="260" r:id="rId6"/>
     <p:sldId id="258" r:id="rId7"/>
-    <p:sldId id="262" r:id="rId8"/>
-    <p:sldId id="263" r:id="rId9"/>
-    <p:sldId id="264" r:id="rId10"/>
-    <p:sldId id="265" r:id="rId11"/>
-    <p:sldId id="259" r:id="rId12"/>
-    <p:sldId id="266" r:id="rId13"/>
+    <p:sldId id="268" r:id="rId8"/>
+    <p:sldId id="269" r:id="rId9"/>
+    <p:sldId id="262" r:id="rId10"/>
+    <p:sldId id="263" r:id="rId11"/>
+    <p:sldId id="264" r:id="rId12"/>
+    <p:sldId id="265" r:id="rId13"/>
+    <p:sldId id="259" r:id="rId14"/>
+    <p:sldId id="266" r:id="rId15"/>
   </p:sldIdLst>
   <p:sldSz cx="12192000" cy="6858000"/>
   <p:notesSz cx="6858000" cy="9144000"/>
@@ -208,7 +210,7 @@
           <a:p>
             <a:fld id="{CA98FC0A-A656-46B8-8BCE-B9957593F2EC}" type="datetimeFigureOut">
               <a:rPr lang="en-SG" smtClean="0"/>
-              <a:t>11/5/2025</a:t>
+              <a:t>12/5/2025</a:t>
             </a:fld>
             <a:endParaRPr lang="en-SG"/>
           </a:p>
@@ -709,7 +711,7 @@
           <a:p>
             <a:fld id="{F953FF10-B1B6-4147-A9BC-BC236B7E3AD4}" type="datetimeFigureOut">
               <a:rPr lang="en-SG" smtClean="0"/>
-              <a:t>11/5/2025</a:t>
+              <a:t>12/5/2025</a:t>
             </a:fld>
             <a:endParaRPr lang="en-SG"/>
           </a:p>
@@ -909,7 +911,7 @@
           <a:p>
             <a:fld id="{F953FF10-B1B6-4147-A9BC-BC236B7E3AD4}" type="datetimeFigureOut">
               <a:rPr lang="en-SG" smtClean="0"/>
-              <a:t>11/5/2025</a:t>
+              <a:t>12/5/2025</a:t>
             </a:fld>
             <a:endParaRPr lang="en-SG"/>
           </a:p>
@@ -1119,7 +1121,7 @@
           <a:p>
             <a:fld id="{F953FF10-B1B6-4147-A9BC-BC236B7E3AD4}" type="datetimeFigureOut">
               <a:rPr lang="en-SG" smtClean="0"/>
-              <a:t>11/5/2025</a:t>
+              <a:t>12/5/2025</a:t>
             </a:fld>
             <a:endParaRPr lang="en-SG"/>
           </a:p>
@@ -1319,7 +1321,7 @@
           <a:p>
             <a:fld id="{F953FF10-B1B6-4147-A9BC-BC236B7E3AD4}" type="datetimeFigureOut">
               <a:rPr lang="en-SG" smtClean="0"/>
-              <a:t>11/5/2025</a:t>
+              <a:t>12/5/2025</a:t>
             </a:fld>
             <a:endParaRPr lang="en-SG"/>
           </a:p>
@@ -1595,7 +1597,7 @@
           <a:p>
             <a:fld id="{F953FF10-B1B6-4147-A9BC-BC236B7E3AD4}" type="datetimeFigureOut">
               <a:rPr lang="en-SG" smtClean="0"/>
-              <a:t>11/5/2025</a:t>
+              <a:t>12/5/2025</a:t>
             </a:fld>
             <a:endParaRPr lang="en-SG"/>
           </a:p>
@@ -1863,7 +1865,7 @@
           <a:p>
             <a:fld id="{F953FF10-B1B6-4147-A9BC-BC236B7E3AD4}" type="datetimeFigureOut">
               <a:rPr lang="en-SG" smtClean="0"/>
-              <a:t>11/5/2025</a:t>
+              <a:t>12/5/2025</a:t>
             </a:fld>
             <a:endParaRPr lang="en-SG"/>
           </a:p>
@@ -2278,7 +2280,7 @@
           <a:p>
             <a:fld id="{F953FF10-B1B6-4147-A9BC-BC236B7E3AD4}" type="datetimeFigureOut">
               <a:rPr lang="en-SG" smtClean="0"/>
-              <a:t>11/5/2025</a:t>
+              <a:t>12/5/2025</a:t>
             </a:fld>
             <a:endParaRPr lang="en-SG"/>
           </a:p>
@@ -2420,7 +2422,7 @@
           <a:p>
             <a:fld id="{F953FF10-B1B6-4147-A9BC-BC236B7E3AD4}" type="datetimeFigureOut">
               <a:rPr lang="en-SG" smtClean="0"/>
-              <a:t>11/5/2025</a:t>
+              <a:t>12/5/2025</a:t>
             </a:fld>
             <a:endParaRPr lang="en-SG"/>
           </a:p>
@@ -2533,7 +2535,7 @@
           <a:p>
             <a:fld id="{F953FF10-B1B6-4147-A9BC-BC236B7E3AD4}" type="datetimeFigureOut">
               <a:rPr lang="en-SG" smtClean="0"/>
-              <a:t>11/5/2025</a:t>
+              <a:t>12/5/2025</a:t>
             </a:fld>
             <a:endParaRPr lang="en-SG"/>
           </a:p>
@@ -2846,7 +2848,7 @@
           <a:p>
             <a:fld id="{F953FF10-B1B6-4147-A9BC-BC236B7E3AD4}" type="datetimeFigureOut">
               <a:rPr lang="en-SG" smtClean="0"/>
-              <a:t>11/5/2025</a:t>
+              <a:t>12/5/2025</a:t>
             </a:fld>
             <a:endParaRPr lang="en-SG"/>
           </a:p>
@@ -3135,7 +3137,7 @@
           <a:p>
             <a:fld id="{F953FF10-B1B6-4147-A9BC-BC236B7E3AD4}" type="datetimeFigureOut">
               <a:rPr lang="en-SG" smtClean="0"/>
-              <a:t>11/5/2025</a:t>
+              <a:t>12/5/2025</a:t>
             </a:fld>
             <a:endParaRPr lang="en-SG"/>
           </a:p>
@@ -3378,7 +3380,7 @@
           <a:p>
             <a:fld id="{F953FF10-B1B6-4147-A9BC-BC236B7E3AD4}" type="datetimeFigureOut">
               <a:rPr lang="en-SG" smtClean="0"/>
-              <a:t>11/5/2025</a:t>
+              <a:t>12/5/2025</a:t>
             </a:fld>
             <a:endParaRPr lang="en-SG"/>
           </a:p>
@@ -6929,6 +6931,1090 @@
       </p:grpSpPr>
       <p:pic>
         <p:nvPicPr>
+          <p:cNvPr id="5" name="Picture 4">
+            <a:extLst>
+              <a:ext uri="{FF2B5EF4-FFF2-40B4-BE49-F238E27FC236}">
+                <a16:creationId xmlns:a16="http://schemas.microsoft.com/office/drawing/2014/main" id="{D35B4EB7-6687-1495-BCC8-56255BEDD9C6}"/>
+              </a:ext>
+            </a:extLst>
+          </p:cNvPr>
+          <p:cNvPicPr>
+            <a:picLocks noChangeAspect="1"/>
+          </p:cNvPicPr>
+          <p:nvPr/>
+        </p:nvPicPr>
+        <p:blipFill>
+          <a:blip r:embed="rId2"/>
+          <a:stretch>
+            <a:fillRect/>
+          </a:stretch>
+        </p:blipFill>
+        <p:spPr>
+          <a:xfrm>
+            <a:off x="2634095" y="395666"/>
+            <a:ext cx="6923809" cy="6066667"/>
+          </a:xfrm>
+          <a:prstGeom prst="rect">
+            <a:avLst/>
+          </a:prstGeom>
+        </p:spPr>
+      </p:pic>
+      <p:pic>
+        <p:nvPicPr>
+          <p:cNvPr id="7" name="Picture 6">
+            <a:extLst>
+              <a:ext uri="{FF2B5EF4-FFF2-40B4-BE49-F238E27FC236}">
+                <a16:creationId xmlns:a16="http://schemas.microsoft.com/office/drawing/2014/main" id="{B99D8725-D8E1-7C25-A297-BE818685B8A8}"/>
+              </a:ext>
+            </a:extLst>
+          </p:cNvPr>
+          <p:cNvPicPr>
+            <a:picLocks noChangeAspect="1"/>
+          </p:cNvPicPr>
+          <p:nvPr/>
+        </p:nvPicPr>
+        <p:blipFill>
+          <a:blip r:embed="rId3"/>
+          <a:stretch>
+            <a:fillRect/>
+          </a:stretch>
+        </p:blipFill>
+        <p:spPr>
+          <a:xfrm>
+            <a:off x="5035120" y="6224238"/>
+            <a:ext cx="238095" cy="238095"/>
+          </a:xfrm>
+          <a:prstGeom prst="rect">
+            <a:avLst/>
+          </a:prstGeom>
+        </p:spPr>
+      </p:pic>
+    </p:spTree>
+    <p:extLst>
+      <p:ext uri="{BB962C8B-B14F-4D97-AF65-F5344CB8AC3E}">
+        <p14:creationId xmlns:p14="http://schemas.microsoft.com/office/powerpoint/2010/main" val="714895613"/>
+      </p:ext>
+    </p:extLst>
+  </p:cSld>
+  <p:clrMapOvr>
+    <a:masterClrMapping/>
+  </p:clrMapOvr>
+</p:sld>
+</file>
+
+<file path=ppt/slides/slide11.xml><?xml version="1.0" encoding="utf-8"?>
+<p:sld xmlns:a="http://schemas.openxmlformats.org/drawingml/2006/main" xmlns:r="http://schemas.openxmlformats.org/officeDocument/2006/relationships" xmlns:p="http://schemas.openxmlformats.org/presentationml/2006/main">
+  <p:cSld>
+    <p:spTree>
+      <p:nvGrpSpPr>
+        <p:cNvPr id="1" name=""/>
+        <p:cNvGrpSpPr/>
+        <p:nvPr/>
+      </p:nvGrpSpPr>
+      <p:grpSpPr>
+        <a:xfrm>
+          <a:off x="0" y="0"/>
+          <a:ext cx="0" cy="0"/>
+          <a:chOff x="0" y="0"/>
+          <a:chExt cx="0" cy="0"/>
+        </a:xfrm>
+      </p:grpSpPr>
+      <p:pic>
+        <p:nvPicPr>
+          <p:cNvPr id="4" name="Picture 3">
+            <a:extLst>
+              <a:ext uri="{FF2B5EF4-FFF2-40B4-BE49-F238E27FC236}">
+                <a16:creationId xmlns:a16="http://schemas.microsoft.com/office/drawing/2014/main" id="{F843622B-86E6-2173-F794-329E1FE9A932}"/>
+              </a:ext>
+            </a:extLst>
+          </p:cNvPr>
+          <p:cNvPicPr>
+            <a:picLocks noChangeAspect="1"/>
+          </p:cNvPicPr>
+          <p:nvPr/>
+        </p:nvPicPr>
+        <p:blipFill>
+          <a:blip r:embed="rId2">
+            <a:extLst>
+              <a:ext uri="{28A0092B-C50C-407E-A947-70E740481C1C}">
+                <a14:useLocalDpi xmlns:a14="http://schemas.microsoft.com/office/drawing/2010/main" val="0"/>
+              </a:ext>
+            </a:extLst>
+          </a:blip>
+          <a:srcRect/>
+          <a:stretch>
+            <a:fillRect/>
+          </a:stretch>
+        </p:blipFill>
+        <p:spPr bwMode="auto">
+          <a:xfrm>
+            <a:off x="534215" y="630936"/>
+            <a:ext cx="8732658" cy="2179129"/>
+          </a:xfrm>
+          <a:prstGeom prst="rect">
+            <a:avLst/>
+          </a:prstGeom>
+          <a:noFill/>
+          <a:ln w="3175">
+            <a:solidFill>
+              <a:schemeClr val="tx1"/>
+            </a:solidFill>
+          </a:ln>
+        </p:spPr>
+      </p:pic>
+      <p:pic>
+        <p:nvPicPr>
+          <p:cNvPr id="6" name="Picture 5">
+            <a:extLst>
+              <a:ext uri="{FF2B5EF4-FFF2-40B4-BE49-F238E27FC236}">
+                <a16:creationId xmlns:a16="http://schemas.microsoft.com/office/drawing/2014/main" id="{65E9EEE2-0CC1-0DFC-09F2-9CDF06EBEB93}"/>
+              </a:ext>
+            </a:extLst>
+          </p:cNvPr>
+          <p:cNvPicPr>
+            <a:picLocks noChangeAspect="1"/>
+          </p:cNvPicPr>
+          <p:nvPr/>
+        </p:nvPicPr>
+        <p:blipFill>
+          <a:blip r:embed="rId3"/>
+          <a:stretch>
+            <a:fillRect/>
+          </a:stretch>
+        </p:blipFill>
+        <p:spPr>
+          <a:xfrm>
+            <a:off x="8505838" y="787348"/>
+            <a:ext cx="209524" cy="180952"/>
+          </a:xfrm>
+          <a:prstGeom prst="rect">
+            <a:avLst/>
+          </a:prstGeom>
+        </p:spPr>
+      </p:pic>
+      <p:pic>
+        <p:nvPicPr>
+          <p:cNvPr id="7" name="Picture 6">
+            <a:extLst>
+              <a:ext uri="{FF2B5EF4-FFF2-40B4-BE49-F238E27FC236}">
+                <a16:creationId xmlns:a16="http://schemas.microsoft.com/office/drawing/2014/main" id="{85AA5AB1-03DC-0E60-11B8-F9CCD3B65C82}"/>
+              </a:ext>
+            </a:extLst>
+          </p:cNvPr>
+          <p:cNvPicPr>
+            <a:picLocks noChangeAspect="1"/>
+          </p:cNvPicPr>
+          <p:nvPr/>
+        </p:nvPicPr>
+        <p:blipFill>
+          <a:blip r:embed="rId3"/>
+          <a:stretch>
+            <a:fillRect/>
+          </a:stretch>
+        </p:blipFill>
+        <p:spPr>
+          <a:xfrm>
+            <a:off x="8505838" y="1539548"/>
+            <a:ext cx="209524" cy="180952"/>
+          </a:xfrm>
+          <a:prstGeom prst="rect">
+            <a:avLst/>
+          </a:prstGeom>
+        </p:spPr>
+      </p:pic>
+      <p:sp>
+        <p:nvSpPr>
+          <p:cNvPr id="9" name="Rectangle 8">
+            <a:extLst>
+              <a:ext uri="{FF2B5EF4-FFF2-40B4-BE49-F238E27FC236}">
+                <a16:creationId xmlns:a16="http://schemas.microsoft.com/office/drawing/2014/main" id="{F9DF523E-7192-B84A-1DAD-6569A4586F6A}"/>
+              </a:ext>
+            </a:extLst>
+          </p:cNvPr>
+          <p:cNvSpPr/>
+          <p:nvPr/>
+        </p:nvSpPr>
+        <p:spPr>
+          <a:xfrm>
+            <a:off x="8138160" y="708279"/>
+            <a:ext cx="274320" cy="121561"/>
+          </a:xfrm>
+          <a:prstGeom prst="rect">
+            <a:avLst/>
+          </a:prstGeom>
+          <a:solidFill>
+            <a:schemeClr val="bg1"/>
+          </a:solidFill>
+          <a:ln>
+            <a:solidFill>
+              <a:schemeClr val="bg1"/>
+            </a:solidFill>
+          </a:ln>
+        </p:spPr>
+        <p:style>
+          <a:lnRef idx="2">
+            <a:schemeClr val="accent1">
+              <a:shade val="15000"/>
+            </a:schemeClr>
+          </a:lnRef>
+          <a:fillRef idx="1">
+            <a:schemeClr val="accent1"/>
+          </a:fillRef>
+          <a:effectRef idx="0">
+            <a:schemeClr val="accent1"/>
+          </a:effectRef>
+          <a:fontRef idx="minor">
+            <a:schemeClr val="lt1"/>
+          </a:fontRef>
+        </p:style>
+        <p:txBody>
+          <a:bodyPr rtlCol="0" anchor="ctr"/>
+          <a:lstStyle/>
+          <a:p>
+            <a:pPr algn="ctr"/>
+            <a:endParaRPr lang="en-SG"/>
+          </a:p>
+        </p:txBody>
+      </p:sp>
+      <p:sp>
+        <p:nvSpPr>
+          <p:cNvPr id="11" name="Rectangle 10">
+            <a:extLst>
+              <a:ext uri="{FF2B5EF4-FFF2-40B4-BE49-F238E27FC236}">
+                <a16:creationId xmlns:a16="http://schemas.microsoft.com/office/drawing/2014/main" id="{51917438-A1DD-7454-E2F7-C8AC1D6032F7}"/>
+              </a:ext>
+            </a:extLst>
+          </p:cNvPr>
+          <p:cNvSpPr/>
+          <p:nvPr/>
+        </p:nvSpPr>
+        <p:spPr>
+          <a:xfrm>
+            <a:off x="1633728" y="647498"/>
+            <a:ext cx="274320" cy="139850"/>
+          </a:xfrm>
+          <a:prstGeom prst="rect">
+            <a:avLst/>
+          </a:prstGeom>
+          <a:solidFill>
+            <a:schemeClr val="bg1"/>
+          </a:solidFill>
+          <a:ln>
+            <a:solidFill>
+              <a:schemeClr val="bg1"/>
+            </a:solidFill>
+          </a:ln>
+        </p:spPr>
+        <p:style>
+          <a:lnRef idx="2">
+            <a:schemeClr val="accent1">
+              <a:shade val="15000"/>
+            </a:schemeClr>
+          </a:lnRef>
+          <a:fillRef idx="1">
+            <a:schemeClr val="accent1"/>
+          </a:fillRef>
+          <a:effectRef idx="0">
+            <a:schemeClr val="accent1"/>
+          </a:effectRef>
+          <a:fontRef idx="minor">
+            <a:schemeClr val="lt1"/>
+          </a:fontRef>
+        </p:style>
+        <p:txBody>
+          <a:bodyPr rtlCol="0" anchor="ctr"/>
+          <a:lstStyle/>
+          <a:p>
+            <a:pPr algn="ctr"/>
+            <a:endParaRPr lang="en-SG"/>
+          </a:p>
+        </p:txBody>
+      </p:sp>
+      <p:sp>
+        <p:nvSpPr>
+          <p:cNvPr id="12" name="Rectangle 11">
+            <a:extLst>
+              <a:ext uri="{FF2B5EF4-FFF2-40B4-BE49-F238E27FC236}">
+                <a16:creationId xmlns:a16="http://schemas.microsoft.com/office/drawing/2014/main" id="{E0F7B813-5A5C-3ECB-FB35-BBA1909A1D6F}"/>
+              </a:ext>
+            </a:extLst>
+          </p:cNvPr>
+          <p:cNvSpPr/>
+          <p:nvPr/>
+        </p:nvSpPr>
+        <p:spPr>
+          <a:xfrm>
+            <a:off x="1633728" y="1412601"/>
+            <a:ext cx="274320" cy="121561"/>
+          </a:xfrm>
+          <a:prstGeom prst="rect">
+            <a:avLst/>
+          </a:prstGeom>
+          <a:solidFill>
+            <a:schemeClr val="bg1"/>
+          </a:solidFill>
+          <a:ln>
+            <a:solidFill>
+              <a:schemeClr val="bg1"/>
+            </a:solidFill>
+          </a:ln>
+        </p:spPr>
+        <p:style>
+          <a:lnRef idx="2">
+            <a:schemeClr val="accent1">
+              <a:shade val="15000"/>
+            </a:schemeClr>
+          </a:lnRef>
+          <a:fillRef idx="1">
+            <a:schemeClr val="accent1"/>
+          </a:fillRef>
+          <a:effectRef idx="0">
+            <a:schemeClr val="accent1"/>
+          </a:effectRef>
+          <a:fontRef idx="minor">
+            <a:schemeClr val="lt1"/>
+          </a:fontRef>
+        </p:style>
+        <p:txBody>
+          <a:bodyPr rtlCol="0" anchor="ctr"/>
+          <a:lstStyle/>
+          <a:p>
+            <a:pPr algn="ctr"/>
+            <a:endParaRPr lang="en-SG"/>
+          </a:p>
+        </p:txBody>
+      </p:sp>
+      <p:sp>
+        <p:nvSpPr>
+          <p:cNvPr id="13" name="Rectangle 12">
+            <a:extLst>
+              <a:ext uri="{FF2B5EF4-FFF2-40B4-BE49-F238E27FC236}">
+                <a16:creationId xmlns:a16="http://schemas.microsoft.com/office/drawing/2014/main" id="{E54D2CBF-E5A7-2C18-9A8A-7997A9C8ED3A}"/>
+              </a:ext>
+            </a:extLst>
+          </p:cNvPr>
+          <p:cNvSpPr/>
+          <p:nvPr/>
+        </p:nvSpPr>
+        <p:spPr>
+          <a:xfrm>
+            <a:off x="8138160" y="1455093"/>
+            <a:ext cx="274320" cy="121561"/>
+          </a:xfrm>
+          <a:prstGeom prst="rect">
+            <a:avLst/>
+          </a:prstGeom>
+          <a:solidFill>
+            <a:schemeClr val="bg1"/>
+          </a:solidFill>
+          <a:ln>
+            <a:solidFill>
+              <a:schemeClr val="bg1"/>
+            </a:solidFill>
+          </a:ln>
+        </p:spPr>
+        <p:style>
+          <a:lnRef idx="2">
+            <a:schemeClr val="accent1">
+              <a:shade val="15000"/>
+            </a:schemeClr>
+          </a:lnRef>
+          <a:fillRef idx="1">
+            <a:schemeClr val="accent1"/>
+          </a:fillRef>
+          <a:effectRef idx="0">
+            <a:schemeClr val="accent1"/>
+          </a:effectRef>
+          <a:fontRef idx="minor">
+            <a:schemeClr val="lt1"/>
+          </a:fontRef>
+        </p:style>
+        <p:txBody>
+          <a:bodyPr rtlCol="0" anchor="ctr"/>
+          <a:lstStyle/>
+          <a:p>
+            <a:pPr algn="ctr"/>
+            <a:endParaRPr lang="en-SG"/>
+          </a:p>
+        </p:txBody>
+      </p:sp>
+      <p:sp>
+        <p:nvSpPr>
+          <p:cNvPr id="14" name="Rectangle 13">
+            <a:extLst>
+              <a:ext uri="{FF2B5EF4-FFF2-40B4-BE49-F238E27FC236}">
+                <a16:creationId xmlns:a16="http://schemas.microsoft.com/office/drawing/2014/main" id="{EB02468F-1F2B-EB67-4EFA-4AC88569A3CA}"/>
+              </a:ext>
+            </a:extLst>
+          </p:cNvPr>
+          <p:cNvSpPr/>
+          <p:nvPr/>
+        </p:nvSpPr>
+        <p:spPr>
+          <a:xfrm>
+            <a:off x="1633728" y="2168559"/>
+            <a:ext cx="274320" cy="121561"/>
+          </a:xfrm>
+          <a:prstGeom prst="rect">
+            <a:avLst/>
+          </a:prstGeom>
+          <a:solidFill>
+            <a:schemeClr val="bg1"/>
+          </a:solidFill>
+          <a:ln>
+            <a:solidFill>
+              <a:schemeClr val="bg1"/>
+            </a:solidFill>
+          </a:ln>
+        </p:spPr>
+        <p:style>
+          <a:lnRef idx="2">
+            <a:schemeClr val="accent1">
+              <a:shade val="15000"/>
+            </a:schemeClr>
+          </a:lnRef>
+          <a:fillRef idx="1">
+            <a:schemeClr val="accent1"/>
+          </a:fillRef>
+          <a:effectRef idx="0">
+            <a:schemeClr val="accent1"/>
+          </a:effectRef>
+          <a:fontRef idx="minor">
+            <a:schemeClr val="lt1"/>
+          </a:fontRef>
+        </p:style>
+        <p:txBody>
+          <a:bodyPr rtlCol="0" anchor="ctr"/>
+          <a:lstStyle/>
+          <a:p>
+            <a:pPr algn="ctr"/>
+            <a:endParaRPr lang="en-SG"/>
+          </a:p>
+        </p:txBody>
+      </p:sp>
+      <p:sp>
+        <p:nvSpPr>
+          <p:cNvPr id="15" name="Rectangle 14">
+            <a:extLst>
+              <a:ext uri="{FF2B5EF4-FFF2-40B4-BE49-F238E27FC236}">
+                <a16:creationId xmlns:a16="http://schemas.microsoft.com/office/drawing/2014/main" id="{16347FE5-8021-E930-9450-823270B36701}"/>
+              </a:ext>
+            </a:extLst>
+          </p:cNvPr>
+          <p:cNvSpPr/>
+          <p:nvPr/>
+        </p:nvSpPr>
+        <p:spPr>
+          <a:xfrm>
+            <a:off x="8138160" y="2229339"/>
+            <a:ext cx="274320" cy="121561"/>
+          </a:xfrm>
+          <a:prstGeom prst="rect">
+            <a:avLst/>
+          </a:prstGeom>
+          <a:solidFill>
+            <a:schemeClr val="bg1"/>
+          </a:solidFill>
+          <a:ln>
+            <a:solidFill>
+              <a:schemeClr val="bg1"/>
+            </a:solidFill>
+          </a:ln>
+        </p:spPr>
+        <p:style>
+          <a:lnRef idx="2">
+            <a:schemeClr val="accent1">
+              <a:shade val="15000"/>
+            </a:schemeClr>
+          </a:lnRef>
+          <a:fillRef idx="1">
+            <a:schemeClr val="accent1"/>
+          </a:fillRef>
+          <a:effectRef idx="0">
+            <a:schemeClr val="accent1"/>
+          </a:effectRef>
+          <a:fontRef idx="minor">
+            <a:schemeClr val="lt1"/>
+          </a:fontRef>
+        </p:style>
+        <p:txBody>
+          <a:bodyPr rtlCol="0" anchor="ctr"/>
+          <a:lstStyle/>
+          <a:p>
+            <a:pPr algn="ctr"/>
+            <a:endParaRPr lang="en-SG"/>
+          </a:p>
+        </p:txBody>
+      </p:sp>
+      <p:sp>
+        <p:nvSpPr>
+          <p:cNvPr id="8" name="TextBox 7">
+            <a:extLst>
+              <a:ext uri="{FF2B5EF4-FFF2-40B4-BE49-F238E27FC236}">
+                <a16:creationId xmlns:a16="http://schemas.microsoft.com/office/drawing/2014/main" id="{F2B2A6D6-9AE7-8FDA-619C-0156247843AD}"/>
+              </a:ext>
+            </a:extLst>
+          </p:cNvPr>
+          <p:cNvSpPr txBox="1"/>
+          <p:nvPr/>
+        </p:nvSpPr>
+        <p:spPr>
+          <a:xfrm>
+            <a:off x="8057299" y="593826"/>
+            <a:ext cx="553301" cy="300980"/>
+          </a:xfrm>
+          <a:prstGeom prst="rect">
+            <a:avLst/>
+          </a:prstGeom>
+          <a:noFill/>
+          <a:ln>
+            <a:noFill/>
+          </a:ln>
+        </p:spPr>
+        <p:txBody>
+          <a:bodyPr wrap="square" rtlCol="0">
+            <a:spAutoFit/>
+          </a:bodyPr>
+          <a:lstStyle/>
+          <a:p>
+            <a:pPr>
+              <a:lnSpc>
+                <a:spcPct val="150000"/>
+              </a:lnSpc>
+            </a:pPr>
+            <a:r>
+              <a:rPr lang="en-US" sz="1000" b="1" dirty="0"/>
+              <a:t>%M10</a:t>
+            </a:r>
+            <a:endParaRPr lang="en-SG" sz="1000" b="1" dirty="0"/>
+          </a:p>
+        </p:txBody>
+      </p:sp>
+      <p:sp>
+        <p:nvSpPr>
+          <p:cNvPr id="16" name="TextBox 15">
+            <a:extLst>
+              <a:ext uri="{FF2B5EF4-FFF2-40B4-BE49-F238E27FC236}">
+                <a16:creationId xmlns:a16="http://schemas.microsoft.com/office/drawing/2014/main" id="{5A48E629-858F-15EB-F71F-45B06CDCDDE5}"/>
+              </a:ext>
+            </a:extLst>
+          </p:cNvPr>
+          <p:cNvSpPr txBox="1"/>
+          <p:nvPr/>
+        </p:nvSpPr>
+        <p:spPr>
+          <a:xfrm>
+            <a:off x="1631397" y="544872"/>
+            <a:ext cx="553301" cy="300980"/>
+          </a:xfrm>
+          <a:prstGeom prst="rect">
+            <a:avLst/>
+          </a:prstGeom>
+          <a:noFill/>
+          <a:ln>
+            <a:noFill/>
+          </a:ln>
+        </p:spPr>
+        <p:txBody>
+          <a:bodyPr wrap="square" rtlCol="0">
+            <a:spAutoFit/>
+          </a:bodyPr>
+          <a:lstStyle/>
+          <a:p>
+            <a:pPr>
+              <a:lnSpc>
+                <a:spcPct val="150000"/>
+              </a:lnSpc>
+            </a:pPr>
+            <a:r>
+              <a:rPr lang="en-US" sz="1000" b="1" dirty="0"/>
+              <a:t>%I0.1</a:t>
+            </a:r>
+            <a:endParaRPr lang="en-SG" sz="1000" b="1" dirty="0"/>
+          </a:p>
+        </p:txBody>
+      </p:sp>
+      <p:sp>
+        <p:nvSpPr>
+          <p:cNvPr id="17" name="TextBox 16">
+            <a:extLst>
+              <a:ext uri="{FF2B5EF4-FFF2-40B4-BE49-F238E27FC236}">
+                <a16:creationId xmlns:a16="http://schemas.microsoft.com/office/drawing/2014/main" id="{4D3AA356-2885-3D58-8811-E3C1D7815D23}"/>
+              </a:ext>
+            </a:extLst>
+          </p:cNvPr>
+          <p:cNvSpPr txBox="1"/>
+          <p:nvPr/>
+        </p:nvSpPr>
+        <p:spPr>
+          <a:xfrm>
+            <a:off x="1631396" y="1286336"/>
+            <a:ext cx="553301" cy="300980"/>
+          </a:xfrm>
+          <a:prstGeom prst="rect">
+            <a:avLst/>
+          </a:prstGeom>
+          <a:noFill/>
+          <a:ln>
+            <a:noFill/>
+          </a:ln>
+        </p:spPr>
+        <p:txBody>
+          <a:bodyPr wrap="square" rtlCol="0">
+            <a:spAutoFit/>
+          </a:bodyPr>
+          <a:lstStyle/>
+          <a:p>
+            <a:pPr>
+              <a:lnSpc>
+                <a:spcPct val="150000"/>
+              </a:lnSpc>
+            </a:pPr>
+            <a:r>
+              <a:rPr lang="en-US" sz="1000" b="1" dirty="0"/>
+              <a:t>%M10</a:t>
+            </a:r>
+            <a:endParaRPr lang="en-SG" sz="1000" b="1" dirty="0"/>
+          </a:p>
+        </p:txBody>
+      </p:sp>
+      <p:sp>
+        <p:nvSpPr>
+          <p:cNvPr id="18" name="Rectangle 17">
+            <a:extLst>
+              <a:ext uri="{FF2B5EF4-FFF2-40B4-BE49-F238E27FC236}">
+                <a16:creationId xmlns:a16="http://schemas.microsoft.com/office/drawing/2014/main" id="{2999FF1A-CFDF-A7E0-A96E-FB1ED12F525E}"/>
+              </a:ext>
+            </a:extLst>
+          </p:cNvPr>
+          <p:cNvSpPr/>
+          <p:nvPr/>
+        </p:nvSpPr>
+        <p:spPr>
+          <a:xfrm>
+            <a:off x="3465576" y="1479534"/>
+            <a:ext cx="2386584" cy="300980"/>
+          </a:xfrm>
+          <a:prstGeom prst="rect">
+            <a:avLst/>
+          </a:prstGeom>
+        </p:spPr>
+        <p:style>
+          <a:lnRef idx="2">
+            <a:schemeClr val="accent1">
+              <a:shade val="15000"/>
+            </a:schemeClr>
+          </a:lnRef>
+          <a:fillRef idx="1">
+            <a:schemeClr val="accent1"/>
+          </a:fillRef>
+          <a:effectRef idx="0">
+            <a:schemeClr val="accent1"/>
+          </a:effectRef>
+          <a:fontRef idx="minor">
+            <a:schemeClr val="lt1"/>
+          </a:fontRef>
+        </p:style>
+        <p:txBody>
+          <a:bodyPr rtlCol="0" anchor="ctr"/>
+          <a:lstStyle/>
+          <a:p>
+            <a:pPr algn="ctr"/>
+            <a:r>
+              <a:rPr lang="en-US" sz="1400" dirty="0"/>
+              <a:t>Ladder Logic section</a:t>
+            </a:r>
+            <a:endParaRPr lang="en-SG" sz="1400" dirty="0"/>
+          </a:p>
+        </p:txBody>
+      </p:sp>
+      <p:sp>
+        <p:nvSpPr>
+          <p:cNvPr id="19" name="TextBox 18">
+            <a:extLst>
+              <a:ext uri="{FF2B5EF4-FFF2-40B4-BE49-F238E27FC236}">
+                <a16:creationId xmlns:a16="http://schemas.microsoft.com/office/drawing/2014/main" id="{D6E3EF7B-B57D-947C-8A09-67572C166DEC}"/>
+              </a:ext>
+            </a:extLst>
+          </p:cNvPr>
+          <p:cNvSpPr txBox="1"/>
+          <p:nvPr/>
+        </p:nvSpPr>
+        <p:spPr>
+          <a:xfrm>
+            <a:off x="8057299" y="1344226"/>
+            <a:ext cx="553301" cy="300980"/>
+          </a:xfrm>
+          <a:prstGeom prst="rect">
+            <a:avLst/>
+          </a:prstGeom>
+          <a:noFill/>
+          <a:ln>
+            <a:noFill/>
+          </a:ln>
+        </p:spPr>
+        <p:txBody>
+          <a:bodyPr wrap="square" rtlCol="0">
+            <a:spAutoFit/>
+          </a:bodyPr>
+          <a:lstStyle/>
+          <a:p>
+            <a:pPr>
+              <a:lnSpc>
+                <a:spcPct val="150000"/>
+              </a:lnSpc>
+            </a:pPr>
+            <a:r>
+              <a:rPr lang="en-US" sz="1000" b="1" dirty="0"/>
+              <a:t>%M60</a:t>
+            </a:r>
+            <a:endParaRPr lang="en-SG" sz="1000" b="1" dirty="0"/>
+          </a:p>
+        </p:txBody>
+      </p:sp>
+      <p:sp>
+        <p:nvSpPr>
+          <p:cNvPr id="20" name="TextBox 19">
+            <a:extLst>
+              <a:ext uri="{FF2B5EF4-FFF2-40B4-BE49-F238E27FC236}">
+                <a16:creationId xmlns:a16="http://schemas.microsoft.com/office/drawing/2014/main" id="{D55C3C5B-BBE7-4477-1825-C64F792B0AF5}"/>
+              </a:ext>
+            </a:extLst>
+          </p:cNvPr>
+          <p:cNvSpPr txBox="1"/>
+          <p:nvPr/>
+        </p:nvSpPr>
+        <p:spPr>
+          <a:xfrm>
+            <a:off x="1631395" y="2046297"/>
+            <a:ext cx="553301" cy="300980"/>
+          </a:xfrm>
+          <a:prstGeom prst="rect">
+            <a:avLst/>
+          </a:prstGeom>
+          <a:noFill/>
+          <a:ln>
+            <a:noFill/>
+          </a:ln>
+        </p:spPr>
+        <p:txBody>
+          <a:bodyPr wrap="square" rtlCol="0">
+            <a:spAutoFit/>
+          </a:bodyPr>
+          <a:lstStyle/>
+          <a:p>
+            <a:pPr>
+              <a:lnSpc>
+                <a:spcPct val="150000"/>
+              </a:lnSpc>
+            </a:pPr>
+            <a:r>
+              <a:rPr lang="en-US" sz="1000" b="1" dirty="0"/>
+              <a:t>%M60</a:t>
+            </a:r>
+            <a:endParaRPr lang="en-SG" sz="1000" b="1" dirty="0"/>
+          </a:p>
+        </p:txBody>
+      </p:sp>
+      <p:sp>
+        <p:nvSpPr>
+          <p:cNvPr id="21" name="TextBox 20">
+            <a:extLst>
+              <a:ext uri="{FF2B5EF4-FFF2-40B4-BE49-F238E27FC236}">
+                <a16:creationId xmlns:a16="http://schemas.microsoft.com/office/drawing/2014/main" id="{AB48342B-C485-7B9B-893B-3FE68809474D}"/>
+              </a:ext>
+            </a:extLst>
+          </p:cNvPr>
+          <p:cNvSpPr txBox="1"/>
+          <p:nvPr/>
+        </p:nvSpPr>
+        <p:spPr>
+          <a:xfrm>
+            <a:off x="8021133" y="2111609"/>
+            <a:ext cx="694229" cy="300980"/>
+          </a:xfrm>
+          <a:prstGeom prst="rect">
+            <a:avLst/>
+          </a:prstGeom>
+          <a:noFill/>
+          <a:ln>
+            <a:noFill/>
+          </a:ln>
+        </p:spPr>
+        <p:txBody>
+          <a:bodyPr wrap="square" rtlCol="0">
+            <a:spAutoFit/>
+          </a:bodyPr>
+          <a:lstStyle/>
+          <a:p>
+            <a:pPr>
+              <a:lnSpc>
+                <a:spcPct val="150000"/>
+              </a:lnSpc>
+            </a:pPr>
+            <a:r>
+              <a:rPr lang="en-US" sz="1000" b="1" dirty="0"/>
+              <a:t>%Q0.6</a:t>
+            </a:r>
+            <a:endParaRPr lang="en-SG" sz="1000" b="1" dirty="0"/>
+          </a:p>
+        </p:txBody>
+      </p:sp>
+      <p:pic>
+        <p:nvPicPr>
+          <p:cNvPr id="24" name="Picture 23">
+            <a:extLst>
+              <a:ext uri="{FF2B5EF4-FFF2-40B4-BE49-F238E27FC236}">
+                <a16:creationId xmlns:a16="http://schemas.microsoft.com/office/drawing/2014/main" id="{62D2D6FE-B2A3-7F92-98D1-470B96CF71C6}"/>
+              </a:ext>
+            </a:extLst>
+          </p:cNvPr>
+          <p:cNvPicPr>
+            <a:picLocks noChangeAspect="1"/>
+          </p:cNvPicPr>
+          <p:nvPr/>
+        </p:nvPicPr>
+        <p:blipFill>
+          <a:blip r:embed="rId4" cstate="print">
+            <a:extLst>
+              <a:ext uri="{28A0092B-C50C-407E-A947-70E740481C1C}">
+                <a14:useLocalDpi xmlns:a14="http://schemas.microsoft.com/office/drawing/2010/main" val="0"/>
+              </a:ext>
+            </a:extLst>
+          </a:blip>
+          <a:srcRect/>
+          <a:stretch>
+            <a:fillRect/>
+          </a:stretch>
+        </p:blipFill>
+        <p:spPr bwMode="auto">
+          <a:xfrm>
+            <a:off x="1169743" y="3547722"/>
+            <a:ext cx="7545619" cy="2573096"/>
+          </a:xfrm>
+          <a:prstGeom prst="rect">
+            <a:avLst/>
+          </a:prstGeom>
+          <a:noFill/>
+          <a:ln w="3175">
+            <a:solidFill>
+              <a:schemeClr val="tx1"/>
+            </a:solidFill>
+          </a:ln>
+        </p:spPr>
+      </p:pic>
+      <p:sp>
+        <p:nvSpPr>
+          <p:cNvPr id="25" name="Rectangle 24">
+            <a:extLst>
+              <a:ext uri="{FF2B5EF4-FFF2-40B4-BE49-F238E27FC236}">
+                <a16:creationId xmlns:a16="http://schemas.microsoft.com/office/drawing/2014/main" id="{7BD2BA2C-603C-2D71-0CA3-AB8B72C4DE59}"/>
+              </a:ext>
+            </a:extLst>
+          </p:cNvPr>
+          <p:cNvSpPr/>
+          <p:nvPr/>
+        </p:nvSpPr>
+        <p:spPr>
+          <a:xfrm>
+            <a:off x="1433364" y="3606226"/>
+            <a:ext cx="1502664" cy="98053"/>
+          </a:xfrm>
+          <a:prstGeom prst="rect">
+            <a:avLst/>
+          </a:prstGeom>
+        </p:spPr>
+        <p:style>
+          <a:lnRef idx="2">
+            <a:schemeClr val="accent1">
+              <a:shade val="15000"/>
+            </a:schemeClr>
+          </a:lnRef>
+          <a:fillRef idx="1">
+            <a:schemeClr val="accent1"/>
+          </a:fillRef>
+          <a:effectRef idx="0">
+            <a:schemeClr val="accent1"/>
+          </a:effectRef>
+          <a:fontRef idx="minor">
+            <a:schemeClr val="lt1"/>
+          </a:fontRef>
+        </p:style>
+        <p:txBody>
+          <a:bodyPr rtlCol="0" anchor="ctr"/>
+          <a:lstStyle/>
+          <a:p>
+            <a:pPr algn="ctr"/>
+            <a:endParaRPr lang="en-SG" sz="1400" dirty="0"/>
+          </a:p>
+        </p:txBody>
+      </p:sp>
+      <p:sp>
+        <p:nvSpPr>
+          <p:cNvPr id="26" name="Rectangle 25">
+            <a:extLst>
+              <a:ext uri="{FF2B5EF4-FFF2-40B4-BE49-F238E27FC236}">
+                <a16:creationId xmlns:a16="http://schemas.microsoft.com/office/drawing/2014/main" id="{95184922-B1C1-AA3D-2277-187ACDA805D4}"/>
+              </a:ext>
+            </a:extLst>
+          </p:cNvPr>
+          <p:cNvSpPr/>
+          <p:nvPr/>
+        </p:nvSpPr>
+        <p:spPr>
+          <a:xfrm>
+            <a:off x="4149212" y="3704280"/>
+            <a:ext cx="943996" cy="172776"/>
+          </a:xfrm>
+          <a:prstGeom prst="rect">
+            <a:avLst/>
+          </a:prstGeom>
+        </p:spPr>
+        <p:style>
+          <a:lnRef idx="2">
+            <a:schemeClr val="accent1">
+              <a:shade val="15000"/>
+            </a:schemeClr>
+          </a:lnRef>
+          <a:fillRef idx="1">
+            <a:schemeClr val="accent1"/>
+          </a:fillRef>
+          <a:effectRef idx="0">
+            <a:schemeClr val="accent1"/>
+          </a:effectRef>
+          <a:fontRef idx="minor">
+            <a:schemeClr val="lt1"/>
+          </a:fontRef>
+        </p:style>
+        <p:txBody>
+          <a:bodyPr rtlCol="0" anchor="ctr"/>
+          <a:lstStyle/>
+          <a:p>
+            <a:pPr algn="ctr"/>
+            <a:endParaRPr lang="en-SG" sz="1400" dirty="0"/>
+          </a:p>
+        </p:txBody>
+      </p:sp>
+      <p:cxnSp>
+        <p:nvCxnSpPr>
+          <p:cNvPr id="29" name="Straight Arrow Connector 28">
+            <a:extLst>
+              <a:ext uri="{FF2B5EF4-FFF2-40B4-BE49-F238E27FC236}">
+                <a16:creationId xmlns:a16="http://schemas.microsoft.com/office/drawing/2014/main" id="{2C9EF583-AE27-21CB-54D5-250FA7BA36F4}"/>
+              </a:ext>
+            </a:extLst>
+          </p:cNvPr>
+          <p:cNvCxnSpPr/>
+          <p:nvPr/>
+        </p:nvCxnSpPr>
+        <p:spPr>
+          <a:xfrm flipH="1">
+            <a:off x="7863840" y="5311467"/>
+            <a:ext cx="420624" cy="182880"/>
+          </a:xfrm>
+          <a:prstGeom prst="straightConnector1">
+            <a:avLst/>
+          </a:prstGeom>
+          <a:ln>
+            <a:solidFill>
+              <a:srgbClr val="C00000"/>
+            </a:solidFill>
+            <a:tailEnd type="triangle"/>
+          </a:ln>
+        </p:spPr>
+        <p:style>
+          <a:lnRef idx="2">
+            <a:schemeClr val="accent1"/>
+          </a:lnRef>
+          <a:fillRef idx="0">
+            <a:schemeClr val="accent1"/>
+          </a:fillRef>
+          <a:effectRef idx="1">
+            <a:schemeClr val="accent1"/>
+          </a:effectRef>
+          <a:fontRef idx="minor">
+            <a:schemeClr val="tx1"/>
+          </a:fontRef>
+        </p:style>
+      </p:cxnSp>
+      <p:sp>
+        <p:nvSpPr>
+          <p:cNvPr id="30" name="Rectangle 29">
+            <a:extLst>
+              <a:ext uri="{FF2B5EF4-FFF2-40B4-BE49-F238E27FC236}">
+                <a16:creationId xmlns:a16="http://schemas.microsoft.com/office/drawing/2014/main" id="{CF0FCDC4-1992-AB4F-CB6A-864B73819F21}"/>
+              </a:ext>
+            </a:extLst>
+          </p:cNvPr>
+          <p:cNvSpPr/>
+          <p:nvPr/>
+        </p:nvSpPr>
+        <p:spPr>
+          <a:xfrm>
+            <a:off x="4942552" y="4416552"/>
+            <a:ext cx="943996" cy="284549"/>
+          </a:xfrm>
+          <a:prstGeom prst="rect">
+            <a:avLst/>
+          </a:prstGeom>
+        </p:spPr>
+        <p:style>
+          <a:lnRef idx="2">
+            <a:schemeClr val="accent1">
+              <a:shade val="15000"/>
+            </a:schemeClr>
+          </a:lnRef>
+          <a:fillRef idx="1">
+            <a:schemeClr val="accent1"/>
+          </a:fillRef>
+          <a:effectRef idx="0">
+            <a:schemeClr val="accent1"/>
+          </a:effectRef>
+          <a:fontRef idx="minor">
+            <a:schemeClr val="lt1"/>
+          </a:fontRef>
+        </p:style>
+        <p:txBody>
+          <a:bodyPr rtlCol="0" anchor="ctr"/>
+          <a:lstStyle/>
+          <a:p>
+            <a:pPr algn="ctr"/>
+            <a:endParaRPr lang="en-SG" sz="1400" dirty="0"/>
+          </a:p>
+        </p:txBody>
+      </p:sp>
+    </p:spTree>
+    <p:extLst>
+      <p:ext uri="{BB962C8B-B14F-4D97-AF65-F5344CB8AC3E}">
+        <p14:creationId xmlns:p14="http://schemas.microsoft.com/office/powerpoint/2010/main" val="4099937209"/>
+      </p:ext>
+    </p:extLst>
+  </p:cSld>
+  <p:clrMapOvr>
+    <a:masterClrMapping/>
+  </p:clrMapOvr>
+</p:sld>
+</file>
+
+<file path=ppt/slides/slide12.xml><?xml version="1.0" encoding="utf-8"?>
+<p:sld xmlns:a="http://schemas.openxmlformats.org/drawingml/2006/main" xmlns:r="http://schemas.openxmlformats.org/officeDocument/2006/relationships" xmlns:p="http://schemas.openxmlformats.org/presentationml/2006/main">
+  <p:cSld>
+    <p:spTree>
+      <p:nvGrpSpPr>
+        <p:cNvPr id="1" name=""/>
+        <p:cNvGrpSpPr/>
+        <p:nvPr/>
+      </p:nvGrpSpPr>
+      <p:grpSpPr>
+        <a:xfrm>
+          <a:off x="0" y="0"/>
+          <a:ext cx="0" cy="0"/>
+          <a:chOff x="0" y="0"/>
+          <a:chExt cx="0" cy="0"/>
+        </a:xfrm>
+      </p:grpSpPr>
+      <p:pic>
+        <p:nvPicPr>
           <p:cNvPr id="5" name="Picture 4" descr="A diagram of a data packet&#10;&#10;Description automatically generated">
             <a:extLst>
               <a:ext uri="{FF2B5EF4-FFF2-40B4-BE49-F238E27FC236}">
@@ -8638,7 +9724,7 @@
 </p:sld>
 </file>
 
-<file path=ppt/slides/slide11.xml><?xml version="1.0" encoding="utf-8"?>
+<file path=ppt/slides/slide13.xml><?xml version="1.0" encoding="utf-8"?>
 <p:sld xmlns:a="http://schemas.openxmlformats.org/drawingml/2006/main" xmlns:r="http://schemas.openxmlformats.org/officeDocument/2006/relationships" xmlns:p="http://schemas.openxmlformats.org/presentationml/2006/main">
   <p:cSld>
     <p:spTree>
@@ -13022,7 +14108,7 @@
 </p:sld>
 </file>
 
-<file path=ppt/slides/slide12.xml><?xml version="1.0" encoding="utf-8"?>
+<file path=ppt/slides/slide14.xml><?xml version="1.0" encoding="utf-8"?>
 <p:sld xmlns:a="http://schemas.openxmlformats.org/drawingml/2006/main" xmlns:r="http://schemas.openxmlformats.org/officeDocument/2006/relationships" xmlns:p="http://schemas.openxmlformats.org/presentationml/2006/main">
   <p:cSld>
     <p:spTree>
@@ -26647,10 +27733,10 @@
       </p:grpSpPr>
       <p:sp>
         <p:nvSpPr>
-          <p:cNvPr id="4" name="Rectangle 3">
-            <a:extLst>
-              <a:ext uri="{FF2B5EF4-FFF2-40B4-BE49-F238E27FC236}">
-                <a16:creationId xmlns:a16="http://schemas.microsoft.com/office/drawing/2014/main" id="{B68081F3-FB43-94D6-5BDD-32B6477220F2}"/>
+          <p:cNvPr id="50" name="Rectangle 49">
+            <a:extLst>
+              <a:ext uri="{FF2B5EF4-FFF2-40B4-BE49-F238E27FC236}">
+                <a16:creationId xmlns:a16="http://schemas.microsoft.com/office/drawing/2014/main" id="{9962A4AD-77BC-3C4F-146F-68E995CC99B8}"/>
               </a:ext>
             </a:extLst>
           </p:cNvPr>
@@ -26659,16 +27745,18 @@
         </p:nvSpPr>
         <p:spPr>
           <a:xfrm>
-            <a:off x="1953928" y="1164657"/>
-            <a:ext cx="6766560" cy="3869356"/>
-          </a:xfrm>
-          <a:prstGeom prst="rect">
-            <a:avLst/>
-          </a:prstGeom>
-          <a:noFill/>
-          <a:ln>
-            <a:prstDash val="sysDash"/>
-          </a:ln>
+            <a:off x="4465657" y="1197864"/>
+            <a:ext cx="3764376" cy="4669465"/>
+          </a:xfrm>
+          <a:prstGeom prst="rect">
+            <a:avLst/>
+          </a:prstGeom>
+          <a:solidFill>
+            <a:schemeClr val="accent6">
+              <a:lumMod val="20000"/>
+              <a:lumOff val="80000"/>
+            </a:schemeClr>
+          </a:solidFill>
         </p:spPr>
         <p:style>
           <a:lnRef idx="2">
@@ -26691,16 +27779,114 @@
           <a:lstStyle/>
           <a:p>
             <a:pPr algn="ctr"/>
-            <a:endParaRPr lang="en-SG"/>
+            <a:endParaRPr lang="en-SG" dirty="0"/>
+          </a:p>
+        </p:txBody>
+      </p:sp>
+      <p:cxnSp>
+        <p:nvCxnSpPr>
+          <p:cNvPr id="48" name="Straight Connector 47">
+            <a:extLst>
+              <a:ext uri="{FF2B5EF4-FFF2-40B4-BE49-F238E27FC236}">
+                <a16:creationId xmlns:a16="http://schemas.microsoft.com/office/drawing/2014/main" id="{4F94F508-0E63-A8B0-4AFC-01A2330280AE}"/>
+              </a:ext>
+            </a:extLst>
+          </p:cNvPr>
+          <p:cNvCxnSpPr>
+            <a:cxnSpLocks/>
+          </p:cNvCxnSpPr>
+          <p:nvPr/>
+        </p:nvCxnSpPr>
+        <p:spPr>
+          <a:xfrm>
+            <a:off x="4107287" y="766748"/>
+            <a:ext cx="0" cy="5378020"/>
+          </a:xfrm>
+          <a:prstGeom prst="line">
+            <a:avLst/>
+          </a:prstGeom>
+          <a:ln>
+            <a:solidFill>
+              <a:schemeClr val="bg2">
+                <a:lumMod val="75000"/>
+              </a:schemeClr>
+            </a:solidFill>
+            <a:prstDash val="sysDash"/>
+          </a:ln>
+        </p:spPr>
+        <p:style>
+          <a:lnRef idx="2">
+            <a:schemeClr val="accent1"/>
+          </a:lnRef>
+          <a:fillRef idx="0">
+            <a:schemeClr val="accent1"/>
+          </a:fillRef>
+          <a:effectRef idx="1">
+            <a:schemeClr val="accent1"/>
+          </a:effectRef>
+          <a:fontRef idx="minor">
+            <a:schemeClr val="tx1"/>
+          </a:fontRef>
+        </p:style>
+      </p:cxnSp>
+      <p:sp>
+        <p:nvSpPr>
+          <p:cNvPr id="9" name="Rectangle 8">
+            <a:extLst>
+              <a:ext uri="{FF2B5EF4-FFF2-40B4-BE49-F238E27FC236}">
+                <a16:creationId xmlns:a16="http://schemas.microsoft.com/office/drawing/2014/main" id="{943F286D-9BD1-56BB-59F9-6B6E3B4B205E}"/>
+              </a:ext>
+            </a:extLst>
+          </p:cNvPr>
+          <p:cNvSpPr/>
+          <p:nvPr/>
+        </p:nvSpPr>
+        <p:spPr>
+          <a:xfrm>
+            <a:off x="336697" y="1197864"/>
+            <a:ext cx="3476351" cy="4669465"/>
+          </a:xfrm>
+          <a:prstGeom prst="rect">
+            <a:avLst/>
+          </a:prstGeom>
+          <a:solidFill>
+            <a:schemeClr val="accent1">
+              <a:lumMod val="20000"/>
+              <a:lumOff val="80000"/>
+            </a:schemeClr>
+          </a:solidFill>
+        </p:spPr>
+        <p:style>
+          <a:lnRef idx="2">
+            <a:schemeClr val="accent1">
+              <a:shade val="15000"/>
+            </a:schemeClr>
+          </a:lnRef>
+          <a:fillRef idx="1">
+            <a:schemeClr val="accent1"/>
+          </a:fillRef>
+          <a:effectRef idx="0">
+            <a:schemeClr val="accent1"/>
+          </a:effectRef>
+          <a:fontRef idx="minor">
+            <a:schemeClr val="lt1"/>
+          </a:fontRef>
+        </p:style>
+        <p:txBody>
+          <a:bodyPr rtlCol="0" anchor="ctr"/>
+          <a:lstStyle/>
+          <a:p>
+            <a:pPr algn="ctr"/>
+            <a:endParaRPr lang="en-SG" dirty="0"/>
           </a:p>
         </p:txBody>
       </p:sp>
       <p:pic>
         <p:nvPicPr>
-          <p:cNvPr id="5" name="Picture 4">
-            <a:extLst>
-              <a:ext uri="{FF2B5EF4-FFF2-40B4-BE49-F238E27FC236}">
-                <a16:creationId xmlns:a16="http://schemas.microsoft.com/office/drawing/2014/main" id="{95D63E1C-AC98-C5D5-17C7-8EA79E07DC59}"/>
+          <p:cNvPr id="4" name="Picture 3" descr="A computer screen shot of a computer&#10;&#10;AI-generated content may be incorrect.">
+            <a:extLst>
+              <a:ext uri="{FF2B5EF4-FFF2-40B4-BE49-F238E27FC236}">
+                <a16:creationId xmlns:a16="http://schemas.microsoft.com/office/drawing/2014/main" id="{F31B7559-7C94-252A-22D0-63B172D4F544}"/>
               </a:ext>
             </a:extLst>
           </p:cNvPr>
@@ -26710,42 +27896,7 @@
           <p:nvPr/>
         </p:nvPicPr>
         <p:blipFill>
-          <a:blip r:embed="rId2"/>
-          <a:stretch>
-            <a:fillRect/>
-          </a:stretch>
-        </p:blipFill>
-        <p:spPr>
-          <a:xfrm>
-            <a:off x="2602857" y="2752615"/>
-            <a:ext cx="868243" cy="897184"/>
-          </a:xfrm>
-          <a:prstGeom prst="rect">
-            <a:avLst/>
-          </a:prstGeom>
-          <a:ln w="12700">
-            <a:solidFill>
-              <a:schemeClr val="tx1"/>
-            </a:solidFill>
-          </a:ln>
-        </p:spPr>
-      </p:pic>
-      <p:pic>
-        <p:nvPicPr>
-          <p:cNvPr id="7" name="Picture 6" descr="A close-up of a device&#10;&#10;Description automatically generated">
-            <a:extLst>
-              <a:ext uri="{FF2B5EF4-FFF2-40B4-BE49-F238E27FC236}">
-                <a16:creationId xmlns:a16="http://schemas.microsoft.com/office/drawing/2014/main" id="{AEC03487-A73E-27A8-D6B7-95B976707C1A}"/>
-              </a:ext>
-            </a:extLst>
-          </p:cNvPr>
-          <p:cNvPicPr>
-            <a:picLocks noChangeAspect="1"/>
-          </p:cNvPicPr>
-          <p:nvPr/>
-        </p:nvPicPr>
-        <p:blipFill>
-          <a:blip r:embed="rId3">
+          <a:blip r:embed="rId2">
             <a:extLst>
               <a:ext uri="{28A0092B-C50C-407E-A947-70E740481C1C}">
                 <a14:useLocalDpi xmlns:a14="http://schemas.microsoft.com/office/drawing/2010/main" val="0"/>
@@ -26758,25 +27909,2449 @@
         </p:blipFill>
         <p:spPr>
           <a:xfrm>
-            <a:off x="5377736" y="1729757"/>
-            <a:ext cx="1265535" cy="1265535"/>
-          </a:xfrm>
-          <a:prstGeom prst="rect">
-            <a:avLst/>
-          </a:prstGeom>
-          <a:ln w="12700">
+            <a:off x="466155" y="1505641"/>
+            <a:ext cx="3290555" cy="1863919"/>
+          </a:xfrm>
+          <a:prstGeom prst="rect">
+            <a:avLst/>
+          </a:prstGeom>
+          <a:ln w="9525">
             <a:solidFill>
               <a:schemeClr val="tx1"/>
             </a:solidFill>
           </a:ln>
         </p:spPr>
       </p:pic>
+      <p:sp>
+        <p:nvSpPr>
+          <p:cNvPr id="5" name="TextBox 4">
+            <a:extLst>
+              <a:ext uri="{FF2B5EF4-FFF2-40B4-BE49-F238E27FC236}">
+                <a16:creationId xmlns:a16="http://schemas.microsoft.com/office/drawing/2014/main" id="{67EAA913-A29B-D91E-B019-B340E80FDE59}"/>
+              </a:ext>
+            </a:extLst>
+          </p:cNvPr>
+          <p:cNvSpPr txBox="1"/>
+          <p:nvPr/>
+        </p:nvSpPr>
+        <p:spPr>
+          <a:xfrm>
+            <a:off x="275408" y="754486"/>
+            <a:ext cx="3211175" cy="307777"/>
+          </a:xfrm>
+          <a:prstGeom prst="rect">
+            <a:avLst/>
+          </a:prstGeom>
+          <a:noFill/>
+        </p:spPr>
+        <p:txBody>
+          <a:bodyPr wrap="square" rtlCol="0">
+            <a:spAutoFit/>
+          </a:bodyPr>
+          <a:lstStyle/>
+          <a:p>
+            <a:r>
+              <a:rPr lang="en-US" sz="1400" b="1" dirty="0"/>
+              <a:t>Level0 OT Physical Field I/O Devices </a:t>
+            </a:r>
+            <a:endParaRPr lang="en-SG" sz="1400" b="1" dirty="0"/>
+          </a:p>
+        </p:txBody>
+      </p:sp>
+      <p:sp>
+        <p:nvSpPr>
+          <p:cNvPr id="7" name="Rectangle 6">
+            <a:extLst>
+              <a:ext uri="{FF2B5EF4-FFF2-40B4-BE49-F238E27FC236}">
+                <a16:creationId xmlns:a16="http://schemas.microsoft.com/office/drawing/2014/main" id="{403114E0-A6D3-730A-DA37-3038D4FDF4DE}"/>
+              </a:ext>
+            </a:extLst>
+          </p:cNvPr>
+          <p:cNvSpPr/>
+          <p:nvPr/>
+        </p:nvSpPr>
+        <p:spPr>
+          <a:xfrm>
+            <a:off x="3459417" y="3767331"/>
+            <a:ext cx="1478344" cy="429658"/>
+          </a:xfrm>
+          <a:prstGeom prst="rect">
+            <a:avLst/>
+          </a:prstGeom>
+          <a:solidFill>
+            <a:schemeClr val="accent2"/>
+          </a:solidFill>
+        </p:spPr>
+        <p:style>
+          <a:lnRef idx="2">
+            <a:schemeClr val="accent1">
+              <a:shade val="50000"/>
+            </a:schemeClr>
+          </a:lnRef>
+          <a:fillRef idx="1">
+            <a:schemeClr val="accent1"/>
+          </a:fillRef>
+          <a:effectRef idx="0">
+            <a:schemeClr val="accent1"/>
+          </a:effectRef>
+          <a:fontRef idx="minor">
+            <a:schemeClr val="lt1"/>
+          </a:fontRef>
+        </p:style>
+        <p:txBody>
+          <a:bodyPr rtlCol="0" anchor="ctr"/>
+          <a:lstStyle/>
+          <a:p>
+            <a:r>
+              <a:rPr lang="en-US" sz="1050" b="1" dirty="0"/>
+              <a:t>UDP Electrical Signal Measure Interface </a:t>
+            </a:r>
+            <a:endParaRPr lang="en-SG" sz="1050" b="1" dirty="0"/>
+          </a:p>
+        </p:txBody>
+      </p:sp>
+      <p:sp>
+        <p:nvSpPr>
+          <p:cNvPr id="8" name="TextBox 7">
+            <a:extLst>
+              <a:ext uri="{FF2B5EF4-FFF2-40B4-BE49-F238E27FC236}">
+                <a16:creationId xmlns:a16="http://schemas.microsoft.com/office/drawing/2014/main" id="{C07E869A-F5A6-2EEE-EB85-695572B0278F}"/>
+              </a:ext>
+            </a:extLst>
+          </p:cNvPr>
+          <p:cNvSpPr txBox="1"/>
+          <p:nvPr/>
+        </p:nvSpPr>
+        <p:spPr>
+          <a:xfrm>
+            <a:off x="336697" y="1225291"/>
+            <a:ext cx="2528203" cy="307777"/>
+          </a:xfrm>
+          <a:prstGeom prst="rect">
+            <a:avLst/>
+          </a:prstGeom>
+          <a:noFill/>
+        </p:spPr>
+        <p:txBody>
+          <a:bodyPr wrap="square" rtlCol="0">
+            <a:spAutoFit/>
+          </a:bodyPr>
+          <a:lstStyle/>
+          <a:p>
+            <a:r>
+              <a:rPr lang="en-US" sz="1400" b="1" dirty="0">
+                <a:solidFill>
+                  <a:schemeClr val="tx2">
+                    <a:lumMod val="75000"/>
+                    <a:lumOff val="25000"/>
+                  </a:schemeClr>
+                </a:solidFill>
+              </a:rPr>
+              <a:t>Virtual Power Grid Simulator</a:t>
+            </a:r>
+            <a:endParaRPr lang="en-SG" sz="1400" b="1" dirty="0">
+              <a:solidFill>
+                <a:schemeClr val="tx2">
+                  <a:lumMod val="75000"/>
+                  <a:lumOff val="25000"/>
+                </a:schemeClr>
+              </a:solidFill>
+            </a:endParaRPr>
+          </a:p>
+        </p:txBody>
+      </p:sp>
+      <p:cxnSp>
+        <p:nvCxnSpPr>
+          <p:cNvPr id="11" name="Straight Connector 10">
+            <a:extLst>
+              <a:ext uri="{FF2B5EF4-FFF2-40B4-BE49-F238E27FC236}">
+                <a16:creationId xmlns:a16="http://schemas.microsoft.com/office/drawing/2014/main" id="{D6169345-CD59-858A-D168-0175864E63EE}"/>
+              </a:ext>
+            </a:extLst>
+          </p:cNvPr>
+          <p:cNvCxnSpPr/>
+          <p:nvPr/>
+        </p:nvCxnSpPr>
+        <p:spPr>
+          <a:xfrm>
+            <a:off x="630936" y="3369560"/>
+            <a:ext cx="0" cy="2208280"/>
+          </a:xfrm>
+          <a:prstGeom prst="line">
+            <a:avLst/>
+          </a:prstGeom>
+        </p:spPr>
+        <p:style>
+          <a:lnRef idx="2">
+            <a:schemeClr val="dk1"/>
+          </a:lnRef>
+          <a:fillRef idx="0">
+            <a:schemeClr val="dk1"/>
+          </a:fillRef>
+          <a:effectRef idx="1">
+            <a:schemeClr val="dk1"/>
+          </a:effectRef>
+          <a:fontRef idx="minor">
+            <a:schemeClr val="tx1"/>
+          </a:fontRef>
+        </p:style>
+      </p:cxnSp>
+      <p:sp>
+        <p:nvSpPr>
+          <p:cNvPr id="12" name="Rectangle 11">
+            <a:extLst>
+              <a:ext uri="{FF2B5EF4-FFF2-40B4-BE49-F238E27FC236}">
+                <a16:creationId xmlns:a16="http://schemas.microsoft.com/office/drawing/2014/main" id="{0350E997-534A-3CB9-264F-6AAA1526C42B}"/>
+              </a:ext>
+            </a:extLst>
+          </p:cNvPr>
+          <p:cNvSpPr/>
+          <p:nvPr/>
+        </p:nvSpPr>
+        <p:spPr>
+          <a:xfrm>
+            <a:off x="852942" y="3547765"/>
+            <a:ext cx="1892977" cy="295727"/>
+          </a:xfrm>
+          <a:prstGeom prst="rect">
+            <a:avLst/>
+          </a:prstGeom>
+          <a:solidFill>
+            <a:schemeClr val="tx2">
+              <a:lumMod val="75000"/>
+              <a:lumOff val="25000"/>
+            </a:schemeClr>
+          </a:solidFill>
+          <a:ln>
+            <a:solidFill>
+              <a:schemeClr val="tx1"/>
+            </a:solidFill>
+          </a:ln>
+        </p:spPr>
+        <p:style>
+          <a:lnRef idx="2">
+            <a:schemeClr val="accent1">
+              <a:shade val="50000"/>
+            </a:schemeClr>
+          </a:lnRef>
+          <a:fillRef idx="1">
+            <a:schemeClr val="accent1"/>
+          </a:fillRef>
+          <a:effectRef idx="0">
+            <a:schemeClr val="accent1"/>
+          </a:effectRef>
+          <a:fontRef idx="minor">
+            <a:schemeClr val="lt1"/>
+          </a:fontRef>
+        </p:style>
+        <p:txBody>
+          <a:bodyPr rtlCol="0" anchor="ctr"/>
+          <a:lstStyle/>
+          <a:p>
+            <a:r>
+              <a:rPr lang="en-US" sz="1050" b="1" dirty="0"/>
+              <a:t>Virtual Voltage Meters Unit</a:t>
+            </a:r>
+            <a:endParaRPr lang="en-SG" sz="1050" b="1" dirty="0"/>
+          </a:p>
+        </p:txBody>
+      </p:sp>
+      <p:sp>
+        <p:nvSpPr>
+          <p:cNvPr id="14" name="Rectangle 13">
+            <a:extLst>
+              <a:ext uri="{FF2B5EF4-FFF2-40B4-BE49-F238E27FC236}">
+                <a16:creationId xmlns:a16="http://schemas.microsoft.com/office/drawing/2014/main" id="{223973C2-7D9E-5CA7-BDC3-BF564838FC68}"/>
+              </a:ext>
+            </a:extLst>
+          </p:cNvPr>
+          <p:cNvSpPr/>
+          <p:nvPr/>
+        </p:nvSpPr>
+        <p:spPr>
+          <a:xfrm>
+            <a:off x="852942" y="4021697"/>
+            <a:ext cx="2076186" cy="301751"/>
+          </a:xfrm>
+          <a:prstGeom prst="rect">
+            <a:avLst/>
+          </a:prstGeom>
+          <a:solidFill>
+            <a:schemeClr val="tx2">
+              <a:lumMod val="75000"/>
+              <a:lumOff val="25000"/>
+            </a:schemeClr>
+          </a:solidFill>
+          <a:ln>
+            <a:solidFill>
+              <a:schemeClr val="tx1"/>
+            </a:solidFill>
+          </a:ln>
+        </p:spPr>
+        <p:style>
+          <a:lnRef idx="2">
+            <a:schemeClr val="accent1">
+              <a:shade val="50000"/>
+            </a:schemeClr>
+          </a:lnRef>
+          <a:fillRef idx="1">
+            <a:schemeClr val="accent1"/>
+          </a:fillRef>
+          <a:effectRef idx="0">
+            <a:schemeClr val="accent1"/>
+          </a:effectRef>
+          <a:fontRef idx="minor">
+            <a:schemeClr val="lt1"/>
+          </a:fontRef>
+        </p:style>
+        <p:txBody>
+          <a:bodyPr rtlCol="0" anchor="ctr"/>
+          <a:lstStyle/>
+          <a:p>
+            <a:r>
+              <a:rPr lang="en-US" sz="1050" b="1" dirty="0"/>
+              <a:t>Virtual Current age Meters Unit</a:t>
+            </a:r>
+            <a:endParaRPr lang="en-SG" sz="1050" b="1" dirty="0"/>
+          </a:p>
+        </p:txBody>
+      </p:sp>
+      <p:sp>
+        <p:nvSpPr>
+          <p:cNvPr id="15" name="Rectangle 14">
+            <a:extLst>
+              <a:ext uri="{FF2B5EF4-FFF2-40B4-BE49-F238E27FC236}">
+                <a16:creationId xmlns:a16="http://schemas.microsoft.com/office/drawing/2014/main" id="{E6AA0F87-D125-13AC-C43F-CF9FC1571D60}"/>
+              </a:ext>
+            </a:extLst>
+          </p:cNvPr>
+          <p:cNvSpPr/>
+          <p:nvPr/>
+        </p:nvSpPr>
+        <p:spPr>
+          <a:xfrm>
+            <a:off x="852942" y="4449909"/>
+            <a:ext cx="1783578" cy="301751"/>
+          </a:xfrm>
+          <a:prstGeom prst="rect">
+            <a:avLst/>
+          </a:prstGeom>
+          <a:solidFill>
+            <a:schemeClr val="tx2">
+              <a:lumMod val="75000"/>
+              <a:lumOff val="25000"/>
+            </a:schemeClr>
+          </a:solidFill>
+          <a:ln>
+            <a:solidFill>
+              <a:schemeClr val="tx1"/>
+            </a:solidFill>
+          </a:ln>
+        </p:spPr>
+        <p:style>
+          <a:lnRef idx="2">
+            <a:schemeClr val="accent1">
+              <a:shade val="50000"/>
+            </a:schemeClr>
+          </a:lnRef>
+          <a:fillRef idx="1">
+            <a:schemeClr val="accent1"/>
+          </a:fillRef>
+          <a:effectRef idx="0">
+            <a:schemeClr val="accent1"/>
+          </a:effectRef>
+          <a:fontRef idx="minor">
+            <a:schemeClr val="lt1"/>
+          </a:fontRef>
+        </p:style>
+        <p:txBody>
+          <a:bodyPr rtlCol="0" anchor="ctr"/>
+          <a:lstStyle/>
+          <a:p>
+            <a:r>
+              <a:rPr lang="en-US" sz="1050" b="1" dirty="0"/>
+              <a:t>Virtual RPM Meters Unit</a:t>
+            </a:r>
+            <a:endParaRPr lang="en-SG" sz="1050" b="1" dirty="0"/>
+          </a:p>
+        </p:txBody>
+      </p:sp>
+      <p:sp>
+        <p:nvSpPr>
+          <p:cNvPr id="16" name="Rectangle 15">
+            <a:extLst>
+              <a:ext uri="{FF2B5EF4-FFF2-40B4-BE49-F238E27FC236}">
+                <a16:creationId xmlns:a16="http://schemas.microsoft.com/office/drawing/2014/main" id="{E0A68DBE-A868-FFB8-EB9E-5D0BFFA821FF}"/>
+              </a:ext>
+            </a:extLst>
+          </p:cNvPr>
+          <p:cNvSpPr/>
+          <p:nvPr/>
+        </p:nvSpPr>
+        <p:spPr>
+          <a:xfrm>
+            <a:off x="852932" y="4905549"/>
+            <a:ext cx="2092701" cy="301751"/>
+          </a:xfrm>
+          <a:prstGeom prst="rect">
+            <a:avLst/>
+          </a:prstGeom>
+          <a:solidFill>
+            <a:schemeClr val="tx2">
+              <a:lumMod val="75000"/>
+              <a:lumOff val="25000"/>
+            </a:schemeClr>
+          </a:solidFill>
+          <a:ln>
+            <a:solidFill>
+              <a:schemeClr val="tx1"/>
+            </a:solidFill>
+          </a:ln>
+        </p:spPr>
+        <p:style>
+          <a:lnRef idx="2">
+            <a:schemeClr val="accent1">
+              <a:shade val="50000"/>
+            </a:schemeClr>
+          </a:lnRef>
+          <a:fillRef idx="1">
+            <a:schemeClr val="accent1"/>
+          </a:fillRef>
+          <a:effectRef idx="0">
+            <a:schemeClr val="accent1"/>
+          </a:effectRef>
+          <a:fontRef idx="minor">
+            <a:schemeClr val="lt1"/>
+          </a:fontRef>
+        </p:style>
+        <p:txBody>
+          <a:bodyPr rtlCol="0" anchor="ctr"/>
+          <a:lstStyle/>
+          <a:p>
+            <a:r>
+              <a:rPr lang="en-US" sz="1050" b="1" dirty="0"/>
+              <a:t>Virtual Breaker Position Sensor </a:t>
+            </a:r>
+            <a:endParaRPr lang="en-SG" sz="1050" b="1" dirty="0"/>
+          </a:p>
+        </p:txBody>
+      </p:sp>
+      <p:sp>
+        <p:nvSpPr>
+          <p:cNvPr id="17" name="Rectangle 16">
+            <a:extLst>
+              <a:ext uri="{FF2B5EF4-FFF2-40B4-BE49-F238E27FC236}">
+                <a16:creationId xmlns:a16="http://schemas.microsoft.com/office/drawing/2014/main" id="{522C805C-A032-DF1A-7C03-D44793A04553}"/>
+              </a:ext>
+            </a:extLst>
+          </p:cNvPr>
+          <p:cNvSpPr/>
+          <p:nvPr/>
+        </p:nvSpPr>
+        <p:spPr>
+          <a:xfrm>
+            <a:off x="3443412" y="5075649"/>
+            <a:ext cx="1478340" cy="429658"/>
+          </a:xfrm>
+          <a:prstGeom prst="rect">
+            <a:avLst/>
+          </a:prstGeom>
+          <a:solidFill>
+            <a:schemeClr val="accent2"/>
+          </a:solidFill>
+        </p:spPr>
+        <p:style>
+          <a:lnRef idx="2">
+            <a:schemeClr val="accent1">
+              <a:shade val="50000"/>
+            </a:schemeClr>
+          </a:lnRef>
+          <a:fillRef idx="1">
+            <a:schemeClr val="accent1"/>
+          </a:fillRef>
+          <a:effectRef idx="0">
+            <a:schemeClr val="accent1"/>
+          </a:effectRef>
+          <a:fontRef idx="minor">
+            <a:schemeClr val="lt1"/>
+          </a:fontRef>
+        </p:style>
+        <p:txBody>
+          <a:bodyPr rtlCol="0" anchor="ctr"/>
+          <a:lstStyle/>
+          <a:p>
+            <a:r>
+              <a:rPr lang="en-US" sz="1050" b="1" dirty="0"/>
+              <a:t>UDP Electrical Signal Control Interface </a:t>
+            </a:r>
+            <a:endParaRPr lang="en-SG" sz="1050" b="1" dirty="0"/>
+          </a:p>
+        </p:txBody>
+      </p:sp>
+      <p:sp>
+        <p:nvSpPr>
+          <p:cNvPr id="18" name="Rectangle 17">
+            <a:extLst>
+              <a:ext uri="{FF2B5EF4-FFF2-40B4-BE49-F238E27FC236}">
+                <a16:creationId xmlns:a16="http://schemas.microsoft.com/office/drawing/2014/main" id="{4A39DF91-A8B2-730E-FFA1-BDF0D574BBD9}"/>
+              </a:ext>
+            </a:extLst>
+          </p:cNvPr>
+          <p:cNvSpPr/>
+          <p:nvPr/>
+        </p:nvSpPr>
+        <p:spPr>
+          <a:xfrm>
+            <a:off x="837189" y="5397769"/>
+            <a:ext cx="2076196" cy="301751"/>
+          </a:xfrm>
+          <a:prstGeom prst="rect">
+            <a:avLst/>
+          </a:prstGeom>
+          <a:solidFill>
+            <a:schemeClr val="tx2">
+              <a:lumMod val="75000"/>
+              <a:lumOff val="25000"/>
+            </a:schemeClr>
+          </a:solidFill>
+          <a:ln>
+            <a:solidFill>
+              <a:schemeClr val="tx1"/>
+            </a:solidFill>
+          </a:ln>
+        </p:spPr>
+        <p:style>
+          <a:lnRef idx="2">
+            <a:schemeClr val="accent1">
+              <a:shade val="50000"/>
+            </a:schemeClr>
+          </a:lnRef>
+          <a:fillRef idx="1">
+            <a:schemeClr val="accent1"/>
+          </a:fillRef>
+          <a:effectRef idx="0">
+            <a:schemeClr val="accent1"/>
+          </a:effectRef>
+          <a:fontRef idx="minor">
+            <a:schemeClr val="lt1"/>
+          </a:fontRef>
+        </p:style>
+        <p:txBody>
+          <a:bodyPr rtlCol="0" anchor="ctr"/>
+          <a:lstStyle/>
+          <a:p>
+            <a:r>
+              <a:rPr lang="en-US" sz="1050" b="1" dirty="0"/>
+              <a:t>Virtual Breaker Motor Control</a:t>
+            </a:r>
+            <a:endParaRPr lang="en-SG" sz="1050" b="1" dirty="0"/>
+          </a:p>
+        </p:txBody>
+      </p:sp>
+      <p:cxnSp>
+        <p:nvCxnSpPr>
+          <p:cNvPr id="20" name="Straight Connector 19">
+            <a:extLst>
+              <a:ext uri="{FF2B5EF4-FFF2-40B4-BE49-F238E27FC236}">
+                <a16:creationId xmlns:a16="http://schemas.microsoft.com/office/drawing/2014/main" id="{09F2BDED-FDBF-7FDD-B2BE-73B8E7ADBDBF}"/>
+              </a:ext>
+            </a:extLst>
+          </p:cNvPr>
+          <p:cNvCxnSpPr>
+            <a:cxnSpLocks/>
+            <a:endCxn id="12" idx="1"/>
+          </p:cNvCxnSpPr>
+          <p:nvPr/>
+        </p:nvCxnSpPr>
+        <p:spPr>
+          <a:xfrm>
+            <a:off x="630936" y="3695629"/>
+            <a:ext cx="222006" cy="0"/>
+          </a:xfrm>
+          <a:prstGeom prst="line">
+            <a:avLst/>
+          </a:prstGeom>
+        </p:spPr>
+        <p:style>
+          <a:lnRef idx="2">
+            <a:schemeClr val="dk1"/>
+          </a:lnRef>
+          <a:fillRef idx="0">
+            <a:schemeClr val="dk1"/>
+          </a:fillRef>
+          <a:effectRef idx="1">
+            <a:schemeClr val="dk1"/>
+          </a:effectRef>
+          <a:fontRef idx="minor">
+            <a:schemeClr val="tx1"/>
+          </a:fontRef>
+        </p:style>
+      </p:cxnSp>
+      <p:cxnSp>
+        <p:nvCxnSpPr>
+          <p:cNvPr id="22" name="Straight Connector 21">
+            <a:extLst>
+              <a:ext uri="{FF2B5EF4-FFF2-40B4-BE49-F238E27FC236}">
+                <a16:creationId xmlns:a16="http://schemas.microsoft.com/office/drawing/2014/main" id="{9289AE06-8109-79F3-E31D-63C376FAA7A6}"/>
+              </a:ext>
+            </a:extLst>
+          </p:cNvPr>
+          <p:cNvCxnSpPr>
+            <a:cxnSpLocks/>
+          </p:cNvCxnSpPr>
+          <p:nvPr/>
+        </p:nvCxnSpPr>
+        <p:spPr>
+          <a:xfrm>
+            <a:off x="630936" y="4178807"/>
+            <a:ext cx="222006" cy="0"/>
+          </a:xfrm>
+          <a:prstGeom prst="line">
+            <a:avLst/>
+          </a:prstGeom>
+        </p:spPr>
+        <p:style>
+          <a:lnRef idx="2">
+            <a:schemeClr val="dk1"/>
+          </a:lnRef>
+          <a:fillRef idx="0">
+            <a:schemeClr val="dk1"/>
+          </a:fillRef>
+          <a:effectRef idx="1">
+            <a:schemeClr val="dk1"/>
+          </a:effectRef>
+          <a:fontRef idx="minor">
+            <a:schemeClr val="tx1"/>
+          </a:fontRef>
+        </p:style>
+      </p:cxnSp>
+      <p:cxnSp>
+        <p:nvCxnSpPr>
+          <p:cNvPr id="23" name="Straight Connector 22">
+            <a:extLst>
+              <a:ext uri="{FF2B5EF4-FFF2-40B4-BE49-F238E27FC236}">
+                <a16:creationId xmlns:a16="http://schemas.microsoft.com/office/drawing/2014/main" id="{89428395-9AC9-B7C7-6DFF-81BCFA3EF1FE}"/>
+              </a:ext>
+            </a:extLst>
+          </p:cNvPr>
+          <p:cNvCxnSpPr>
+            <a:cxnSpLocks/>
+          </p:cNvCxnSpPr>
+          <p:nvPr/>
+        </p:nvCxnSpPr>
+        <p:spPr>
+          <a:xfrm>
+            <a:off x="630936" y="4606981"/>
+            <a:ext cx="222006" cy="0"/>
+          </a:xfrm>
+          <a:prstGeom prst="line">
+            <a:avLst/>
+          </a:prstGeom>
+        </p:spPr>
+        <p:style>
+          <a:lnRef idx="2">
+            <a:schemeClr val="dk1"/>
+          </a:lnRef>
+          <a:fillRef idx="0">
+            <a:schemeClr val="dk1"/>
+          </a:fillRef>
+          <a:effectRef idx="1">
+            <a:schemeClr val="dk1"/>
+          </a:effectRef>
+          <a:fontRef idx="minor">
+            <a:schemeClr val="tx1"/>
+          </a:fontRef>
+        </p:style>
+      </p:cxnSp>
+      <p:cxnSp>
+        <p:nvCxnSpPr>
+          <p:cNvPr id="24" name="Straight Connector 23">
+            <a:extLst>
+              <a:ext uri="{FF2B5EF4-FFF2-40B4-BE49-F238E27FC236}">
+                <a16:creationId xmlns:a16="http://schemas.microsoft.com/office/drawing/2014/main" id="{26792B7D-4A52-604D-DE58-ECACBF938F9B}"/>
+              </a:ext>
+            </a:extLst>
+          </p:cNvPr>
+          <p:cNvCxnSpPr>
+            <a:cxnSpLocks/>
+          </p:cNvCxnSpPr>
+          <p:nvPr/>
+        </p:nvCxnSpPr>
+        <p:spPr>
+          <a:xfrm>
+            <a:off x="630936" y="5024420"/>
+            <a:ext cx="222006" cy="0"/>
+          </a:xfrm>
+          <a:prstGeom prst="line">
+            <a:avLst/>
+          </a:prstGeom>
+        </p:spPr>
+        <p:style>
+          <a:lnRef idx="2">
+            <a:schemeClr val="dk1"/>
+          </a:lnRef>
+          <a:fillRef idx="0">
+            <a:schemeClr val="dk1"/>
+          </a:fillRef>
+          <a:effectRef idx="1">
+            <a:schemeClr val="dk1"/>
+          </a:effectRef>
+          <a:fontRef idx="minor">
+            <a:schemeClr val="tx1"/>
+          </a:fontRef>
+        </p:style>
+      </p:cxnSp>
+      <p:cxnSp>
+        <p:nvCxnSpPr>
+          <p:cNvPr id="25" name="Straight Connector 24">
+            <a:extLst>
+              <a:ext uri="{FF2B5EF4-FFF2-40B4-BE49-F238E27FC236}">
+                <a16:creationId xmlns:a16="http://schemas.microsoft.com/office/drawing/2014/main" id="{8E268C3D-7220-04E8-B292-2B0A15542367}"/>
+              </a:ext>
+            </a:extLst>
+          </p:cNvPr>
+          <p:cNvCxnSpPr>
+            <a:cxnSpLocks/>
+          </p:cNvCxnSpPr>
+          <p:nvPr/>
+        </p:nvCxnSpPr>
+        <p:spPr>
+          <a:xfrm>
+            <a:off x="630936" y="5577840"/>
+            <a:ext cx="222006" cy="0"/>
+          </a:xfrm>
+          <a:prstGeom prst="line">
+            <a:avLst/>
+          </a:prstGeom>
+        </p:spPr>
+        <p:style>
+          <a:lnRef idx="2">
+            <a:schemeClr val="dk1"/>
+          </a:lnRef>
+          <a:fillRef idx="0">
+            <a:schemeClr val="dk1"/>
+          </a:fillRef>
+          <a:effectRef idx="1">
+            <a:schemeClr val="dk1"/>
+          </a:effectRef>
+          <a:fontRef idx="minor">
+            <a:schemeClr val="tx1"/>
+          </a:fontRef>
+        </p:style>
+      </p:cxnSp>
+      <p:cxnSp>
+        <p:nvCxnSpPr>
+          <p:cNvPr id="30" name="Connector: Elbow 29">
+            <a:extLst>
+              <a:ext uri="{FF2B5EF4-FFF2-40B4-BE49-F238E27FC236}">
+                <a16:creationId xmlns:a16="http://schemas.microsoft.com/office/drawing/2014/main" id="{51DF1156-A8E8-8D10-E66C-D80B284856C0}"/>
+              </a:ext>
+            </a:extLst>
+          </p:cNvPr>
+          <p:cNvCxnSpPr>
+            <a:cxnSpLocks/>
+            <a:stCxn id="16" idx="3"/>
+            <a:endCxn id="7" idx="1"/>
+          </p:cNvCxnSpPr>
+          <p:nvPr/>
+        </p:nvCxnSpPr>
+        <p:spPr>
+          <a:xfrm flipV="1">
+            <a:off x="2945633" y="3982160"/>
+            <a:ext cx="513784" cy="1074265"/>
+          </a:xfrm>
+          <a:prstGeom prst="bentConnector3">
+            <a:avLst/>
+          </a:prstGeom>
+          <a:ln>
+            <a:prstDash val="sysDash"/>
+          </a:ln>
+        </p:spPr>
+        <p:style>
+          <a:lnRef idx="2">
+            <a:schemeClr val="dk1"/>
+          </a:lnRef>
+          <a:fillRef idx="0">
+            <a:schemeClr val="dk1"/>
+          </a:fillRef>
+          <a:effectRef idx="1">
+            <a:schemeClr val="dk1"/>
+          </a:effectRef>
+          <a:fontRef idx="minor">
+            <a:schemeClr val="tx1"/>
+          </a:fontRef>
+        </p:style>
+      </p:cxnSp>
+      <p:cxnSp>
+        <p:nvCxnSpPr>
+          <p:cNvPr id="34" name="Straight Connector 33">
+            <a:extLst>
+              <a:ext uri="{FF2B5EF4-FFF2-40B4-BE49-F238E27FC236}">
+                <a16:creationId xmlns:a16="http://schemas.microsoft.com/office/drawing/2014/main" id="{92237C6B-C3C9-40AB-2F00-C5E6959F08B2}"/>
+              </a:ext>
+            </a:extLst>
+          </p:cNvPr>
+          <p:cNvCxnSpPr>
+            <a:cxnSpLocks/>
+          </p:cNvCxnSpPr>
+          <p:nvPr/>
+        </p:nvCxnSpPr>
+        <p:spPr>
+          <a:xfrm flipV="1">
+            <a:off x="2636520" y="4606981"/>
+            <a:ext cx="554736" cy="4501"/>
+          </a:xfrm>
+          <a:prstGeom prst="line">
+            <a:avLst/>
+          </a:prstGeom>
+          <a:ln>
+            <a:prstDash val="sysDash"/>
+          </a:ln>
+        </p:spPr>
+        <p:style>
+          <a:lnRef idx="2">
+            <a:schemeClr val="dk1"/>
+          </a:lnRef>
+          <a:fillRef idx="0">
+            <a:schemeClr val="dk1"/>
+          </a:fillRef>
+          <a:effectRef idx="1">
+            <a:schemeClr val="dk1"/>
+          </a:effectRef>
+          <a:fontRef idx="minor">
+            <a:schemeClr val="tx1"/>
+          </a:fontRef>
+        </p:style>
+      </p:cxnSp>
+      <p:cxnSp>
+        <p:nvCxnSpPr>
+          <p:cNvPr id="36" name="Straight Connector 35">
+            <a:extLst>
+              <a:ext uri="{FF2B5EF4-FFF2-40B4-BE49-F238E27FC236}">
+                <a16:creationId xmlns:a16="http://schemas.microsoft.com/office/drawing/2014/main" id="{BC3D2E37-B51B-CFE0-0112-9B047BE32432}"/>
+              </a:ext>
+            </a:extLst>
+          </p:cNvPr>
+          <p:cNvCxnSpPr>
+            <a:cxnSpLocks/>
+          </p:cNvCxnSpPr>
+          <p:nvPr/>
+        </p:nvCxnSpPr>
+        <p:spPr>
+          <a:xfrm>
+            <a:off x="2929128" y="4178807"/>
+            <a:ext cx="262128" cy="0"/>
+          </a:xfrm>
+          <a:prstGeom prst="line">
+            <a:avLst/>
+          </a:prstGeom>
+          <a:ln>
+            <a:prstDash val="sysDash"/>
+          </a:ln>
+        </p:spPr>
+        <p:style>
+          <a:lnRef idx="2">
+            <a:schemeClr val="dk1"/>
+          </a:lnRef>
+          <a:fillRef idx="0">
+            <a:schemeClr val="dk1"/>
+          </a:fillRef>
+          <a:effectRef idx="1">
+            <a:schemeClr val="dk1"/>
+          </a:effectRef>
+          <a:fontRef idx="minor">
+            <a:schemeClr val="tx1"/>
+          </a:fontRef>
+        </p:style>
+      </p:cxnSp>
+      <p:cxnSp>
+        <p:nvCxnSpPr>
+          <p:cNvPr id="37" name="Straight Connector 36">
+            <a:extLst>
+              <a:ext uri="{FF2B5EF4-FFF2-40B4-BE49-F238E27FC236}">
+                <a16:creationId xmlns:a16="http://schemas.microsoft.com/office/drawing/2014/main" id="{26492C1D-56B5-4956-E7A2-1230DFE1AC92}"/>
+              </a:ext>
+            </a:extLst>
+          </p:cNvPr>
+          <p:cNvCxnSpPr>
+            <a:cxnSpLocks/>
+          </p:cNvCxnSpPr>
+          <p:nvPr/>
+        </p:nvCxnSpPr>
+        <p:spPr>
+          <a:xfrm>
+            <a:off x="2745919" y="3700130"/>
+            <a:ext cx="445337" cy="0"/>
+          </a:xfrm>
+          <a:prstGeom prst="line">
+            <a:avLst/>
+          </a:prstGeom>
+          <a:ln>
+            <a:prstDash val="sysDash"/>
+          </a:ln>
+        </p:spPr>
+        <p:style>
+          <a:lnRef idx="2">
+            <a:schemeClr val="dk1"/>
+          </a:lnRef>
+          <a:fillRef idx="0">
+            <a:schemeClr val="dk1"/>
+          </a:fillRef>
+          <a:effectRef idx="1">
+            <a:schemeClr val="dk1"/>
+          </a:effectRef>
+          <a:fontRef idx="minor">
+            <a:schemeClr val="tx1"/>
+          </a:fontRef>
+        </p:style>
+      </p:cxnSp>
+      <p:cxnSp>
+        <p:nvCxnSpPr>
+          <p:cNvPr id="40" name="Straight Connector 39">
+            <a:extLst>
+              <a:ext uri="{FF2B5EF4-FFF2-40B4-BE49-F238E27FC236}">
+                <a16:creationId xmlns:a16="http://schemas.microsoft.com/office/drawing/2014/main" id="{BA98EAC0-926A-867D-035F-11D1A074B0DE}"/>
+              </a:ext>
+            </a:extLst>
+          </p:cNvPr>
+          <p:cNvCxnSpPr>
+            <a:cxnSpLocks/>
+          </p:cNvCxnSpPr>
+          <p:nvPr/>
+        </p:nvCxnSpPr>
+        <p:spPr>
+          <a:xfrm>
+            <a:off x="3200400" y="3695629"/>
+            <a:ext cx="0" cy="391739"/>
+          </a:xfrm>
+          <a:prstGeom prst="line">
+            <a:avLst/>
+          </a:prstGeom>
+          <a:ln>
+            <a:prstDash val="sysDash"/>
+          </a:ln>
+        </p:spPr>
+        <p:style>
+          <a:lnRef idx="2">
+            <a:schemeClr val="dk1"/>
+          </a:lnRef>
+          <a:fillRef idx="0">
+            <a:schemeClr val="dk1"/>
+          </a:fillRef>
+          <a:effectRef idx="1">
+            <a:schemeClr val="dk1"/>
+          </a:effectRef>
+          <a:fontRef idx="minor">
+            <a:schemeClr val="tx1"/>
+          </a:fontRef>
+        </p:style>
+      </p:cxnSp>
+      <p:cxnSp>
+        <p:nvCxnSpPr>
+          <p:cNvPr id="44" name="Connector: Elbow 43">
+            <a:extLst>
+              <a:ext uri="{FF2B5EF4-FFF2-40B4-BE49-F238E27FC236}">
+                <a16:creationId xmlns:a16="http://schemas.microsoft.com/office/drawing/2014/main" id="{9AD3ADC8-A06D-2E21-F661-B3F58E1C3656}"/>
+              </a:ext>
+            </a:extLst>
+          </p:cNvPr>
+          <p:cNvCxnSpPr>
+            <a:cxnSpLocks/>
+            <a:stCxn id="18" idx="3"/>
+            <a:endCxn id="17" idx="1"/>
+          </p:cNvCxnSpPr>
+          <p:nvPr/>
+        </p:nvCxnSpPr>
+        <p:spPr>
+          <a:xfrm flipV="1">
+            <a:off x="2913385" y="5290478"/>
+            <a:ext cx="530027" cy="258167"/>
+          </a:xfrm>
+          <a:prstGeom prst="bentConnector3">
+            <a:avLst>
+              <a:gd name="adj1" fmla="val 50000"/>
+            </a:avLst>
+          </a:prstGeom>
+          <a:ln>
+            <a:prstDash val="sysDash"/>
+          </a:ln>
+        </p:spPr>
+        <p:style>
+          <a:lnRef idx="2">
+            <a:schemeClr val="dk1"/>
+          </a:lnRef>
+          <a:fillRef idx="0">
+            <a:schemeClr val="dk1"/>
+          </a:fillRef>
+          <a:effectRef idx="1">
+            <a:schemeClr val="dk1"/>
+          </a:effectRef>
+          <a:fontRef idx="minor">
+            <a:schemeClr val="tx1"/>
+          </a:fontRef>
+        </p:style>
+      </p:cxnSp>
+      <p:sp>
+        <p:nvSpPr>
+          <p:cNvPr id="57" name="TextBox 56">
+            <a:extLst>
+              <a:ext uri="{FF2B5EF4-FFF2-40B4-BE49-F238E27FC236}">
+                <a16:creationId xmlns:a16="http://schemas.microsoft.com/office/drawing/2014/main" id="{E3A7C4FE-59D4-DB55-6480-BA0AD44A69D7}"/>
+              </a:ext>
+            </a:extLst>
+          </p:cNvPr>
+          <p:cNvSpPr txBox="1"/>
+          <p:nvPr/>
+        </p:nvSpPr>
+        <p:spPr>
+          <a:xfrm>
+            <a:off x="4517710" y="1225291"/>
+            <a:ext cx="3437569" cy="307777"/>
+          </a:xfrm>
+          <a:prstGeom prst="rect">
+            <a:avLst/>
+          </a:prstGeom>
+          <a:noFill/>
+        </p:spPr>
+        <p:txBody>
+          <a:bodyPr wrap="square" rtlCol="0">
+            <a:spAutoFit/>
+          </a:bodyPr>
+          <a:lstStyle/>
+          <a:p>
+            <a:r>
+              <a:rPr lang="en-US" sz="1400" b="1" dirty="0">
+                <a:solidFill>
+                  <a:schemeClr val="accent6">
+                    <a:lumMod val="50000"/>
+                  </a:schemeClr>
+                </a:solidFill>
+              </a:rPr>
+              <a:t>PLC/RTU Station Simulation Framework</a:t>
+            </a:r>
+            <a:endParaRPr lang="en-SG" sz="1400" b="1" dirty="0">
+              <a:solidFill>
+                <a:schemeClr val="accent6">
+                  <a:lumMod val="50000"/>
+                </a:schemeClr>
+              </a:solidFill>
+            </a:endParaRPr>
+          </a:p>
+        </p:txBody>
+      </p:sp>
+      <p:sp>
+        <p:nvSpPr>
+          <p:cNvPr id="58" name="TextBox 57">
+            <a:extLst>
+              <a:ext uri="{FF2B5EF4-FFF2-40B4-BE49-F238E27FC236}">
+                <a16:creationId xmlns:a16="http://schemas.microsoft.com/office/drawing/2014/main" id="{82E29B4C-04C6-3BB3-AD78-7DE58C8D2B6D}"/>
+              </a:ext>
+            </a:extLst>
+          </p:cNvPr>
+          <p:cNvSpPr txBox="1"/>
+          <p:nvPr/>
+        </p:nvSpPr>
+        <p:spPr>
+          <a:xfrm>
+            <a:off x="4465657" y="766748"/>
+            <a:ext cx="3211175" cy="307777"/>
+          </a:xfrm>
+          <a:prstGeom prst="rect">
+            <a:avLst/>
+          </a:prstGeom>
+          <a:noFill/>
+        </p:spPr>
+        <p:txBody>
+          <a:bodyPr wrap="square" rtlCol="0">
+            <a:spAutoFit/>
+          </a:bodyPr>
+          <a:lstStyle/>
+          <a:p>
+            <a:r>
+              <a:rPr lang="en-US" sz="1400" b="1" dirty="0"/>
+              <a:t>Level1 OT Controller Devices </a:t>
+            </a:r>
+            <a:endParaRPr lang="en-SG" sz="1400" b="1" dirty="0"/>
+          </a:p>
+        </p:txBody>
+      </p:sp>
+      <p:sp>
+        <p:nvSpPr>
+          <p:cNvPr id="60" name="Rectangle 59">
+            <a:extLst>
+              <a:ext uri="{FF2B5EF4-FFF2-40B4-BE49-F238E27FC236}">
+                <a16:creationId xmlns:a16="http://schemas.microsoft.com/office/drawing/2014/main" id="{1ABB435E-D1C5-2A1D-D5B6-FF9D65A294BC}"/>
+              </a:ext>
+            </a:extLst>
+          </p:cNvPr>
+          <p:cNvSpPr/>
+          <p:nvPr/>
+        </p:nvSpPr>
+        <p:spPr>
+          <a:xfrm>
+            <a:off x="5271133" y="3678899"/>
+            <a:ext cx="800111" cy="295727"/>
+          </a:xfrm>
+          <a:prstGeom prst="rect">
+            <a:avLst/>
+          </a:prstGeom>
+          <a:solidFill>
+            <a:schemeClr val="accent6">
+              <a:lumMod val="75000"/>
+            </a:schemeClr>
+          </a:solidFill>
+          <a:ln>
+            <a:solidFill>
+              <a:schemeClr val="tx1"/>
+            </a:solidFill>
+          </a:ln>
+        </p:spPr>
+        <p:style>
+          <a:lnRef idx="2">
+            <a:schemeClr val="accent1">
+              <a:shade val="50000"/>
+            </a:schemeClr>
+          </a:lnRef>
+          <a:fillRef idx="1">
+            <a:schemeClr val="accent1"/>
+          </a:fillRef>
+          <a:effectRef idx="0">
+            <a:schemeClr val="accent1"/>
+          </a:effectRef>
+          <a:fontRef idx="minor">
+            <a:schemeClr val="lt1"/>
+          </a:fontRef>
+        </p:style>
+        <p:txBody>
+          <a:bodyPr rtlCol="0" anchor="ctr"/>
+          <a:lstStyle/>
+          <a:p>
+            <a:pPr algn="ctr"/>
+            <a:r>
+              <a:rPr lang="en-SG" sz="1050" b="1" dirty="0"/>
+              <a:t>M_SP_NA</a:t>
+            </a:r>
+          </a:p>
+        </p:txBody>
+      </p:sp>
+      <p:sp>
+        <p:nvSpPr>
+          <p:cNvPr id="61" name="Rectangle 60">
+            <a:extLst>
+              <a:ext uri="{FF2B5EF4-FFF2-40B4-BE49-F238E27FC236}">
+                <a16:creationId xmlns:a16="http://schemas.microsoft.com/office/drawing/2014/main" id="{5219C6DC-E430-B27D-ED11-6AB2DA7DEA0C}"/>
+              </a:ext>
+            </a:extLst>
+          </p:cNvPr>
+          <p:cNvSpPr/>
+          <p:nvPr/>
+        </p:nvSpPr>
+        <p:spPr>
+          <a:xfrm>
+            <a:off x="5267442" y="4064456"/>
+            <a:ext cx="800111" cy="295727"/>
+          </a:xfrm>
+          <a:prstGeom prst="rect">
+            <a:avLst/>
+          </a:prstGeom>
+          <a:solidFill>
+            <a:schemeClr val="accent6">
+              <a:lumMod val="75000"/>
+            </a:schemeClr>
+          </a:solidFill>
+          <a:ln>
+            <a:solidFill>
+              <a:schemeClr val="tx1"/>
+            </a:solidFill>
+          </a:ln>
+        </p:spPr>
+        <p:style>
+          <a:lnRef idx="2">
+            <a:schemeClr val="accent1">
+              <a:shade val="50000"/>
+            </a:schemeClr>
+          </a:lnRef>
+          <a:fillRef idx="1">
+            <a:schemeClr val="accent1"/>
+          </a:fillRef>
+          <a:effectRef idx="0">
+            <a:schemeClr val="accent1"/>
+          </a:effectRef>
+          <a:fontRef idx="minor">
+            <a:schemeClr val="lt1"/>
+          </a:fontRef>
+        </p:style>
+        <p:txBody>
+          <a:bodyPr rtlCol="0" anchor="ctr"/>
+          <a:lstStyle/>
+          <a:p>
+            <a:pPr algn="ctr"/>
+            <a:r>
+              <a:rPr lang="en-SG" sz="1050" b="1" dirty="0"/>
+              <a:t>M_DP_NA</a:t>
+            </a:r>
+          </a:p>
+        </p:txBody>
+      </p:sp>
+      <p:sp>
+        <p:nvSpPr>
+          <p:cNvPr id="62" name="Rectangle 61">
+            <a:extLst>
+              <a:ext uri="{FF2B5EF4-FFF2-40B4-BE49-F238E27FC236}">
+                <a16:creationId xmlns:a16="http://schemas.microsoft.com/office/drawing/2014/main" id="{AB23D02C-51CF-53CB-D764-1F98322F2306}"/>
+              </a:ext>
+            </a:extLst>
+          </p:cNvPr>
+          <p:cNvSpPr/>
+          <p:nvPr/>
+        </p:nvSpPr>
+        <p:spPr>
+          <a:xfrm>
+            <a:off x="5267441" y="4431725"/>
+            <a:ext cx="800111" cy="295727"/>
+          </a:xfrm>
+          <a:prstGeom prst="rect">
+            <a:avLst/>
+          </a:prstGeom>
+          <a:solidFill>
+            <a:schemeClr val="accent6">
+              <a:lumMod val="75000"/>
+            </a:schemeClr>
+          </a:solidFill>
+          <a:ln>
+            <a:solidFill>
+              <a:schemeClr val="tx1"/>
+            </a:solidFill>
+          </a:ln>
+        </p:spPr>
+        <p:style>
+          <a:lnRef idx="2">
+            <a:schemeClr val="accent1">
+              <a:shade val="50000"/>
+            </a:schemeClr>
+          </a:lnRef>
+          <a:fillRef idx="1">
+            <a:schemeClr val="accent1"/>
+          </a:fillRef>
+          <a:effectRef idx="0">
+            <a:schemeClr val="accent1"/>
+          </a:effectRef>
+          <a:fontRef idx="minor">
+            <a:schemeClr val="lt1"/>
+          </a:fontRef>
+        </p:style>
+        <p:txBody>
+          <a:bodyPr rtlCol="0" anchor="ctr"/>
+          <a:lstStyle/>
+          <a:p>
+            <a:pPr algn="ctr"/>
+            <a:r>
+              <a:rPr lang="en-SG" sz="1050" b="1" dirty="0"/>
+              <a:t>M_ME_NB</a:t>
+            </a:r>
+          </a:p>
+        </p:txBody>
+      </p:sp>
+      <p:cxnSp>
+        <p:nvCxnSpPr>
+          <p:cNvPr id="63" name="Connector: Elbow 62">
+            <a:extLst>
+              <a:ext uri="{FF2B5EF4-FFF2-40B4-BE49-F238E27FC236}">
+                <a16:creationId xmlns:a16="http://schemas.microsoft.com/office/drawing/2014/main" id="{E7DEB4B8-1FDC-0C57-7FF9-3EFB3B9A11F4}"/>
+              </a:ext>
+            </a:extLst>
+          </p:cNvPr>
+          <p:cNvCxnSpPr>
+            <a:cxnSpLocks/>
+            <a:stCxn id="62" idx="1"/>
+            <a:endCxn id="7" idx="3"/>
+          </p:cNvCxnSpPr>
+          <p:nvPr/>
+        </p:nvCxnSpPr>
+        <p:spPr>
+          <a:xfrm rot="10800000">
+            <a:off x="4937761" y="3982161"/>
+            <a:ext cx="329680" cy="597429"/>
+          </a:xfrm>
+          <a:prstGeom prst="bentConnector3">
+            <a:avLst>
+              <a:gd name="adj1" fmla="val 50000"/>
+            </a:avLst>
+          </a:prstGeom>
+          <a:ln>
+            <a:prstDash val="sysDash"/>
+          </a:ln>
+        </p:spPr>
+        <p:style>
+          <a:lnRef idx="2">
+            <a:schemeClr val="dk1"/>
+          </a:lnRef>
+          <a:fillRef idx="0">
+            <a:schemeClr val="dk1"/>
+          </a:fillRef>
+          <a:effectRef idx="1">
+            <a:schemeClr val="dk1"/>
+          </a:effectRef>
+          <a:fontRef idx="minor">
+            <a:schemeClr val="tx1"/>
+          </a:fontRef>
+        </p:style>
+      </p:cxnSp>
+      <p:cxnSp>
+        <p:nvCxnSpPr>
+          <p:cNvPr id="66" name="Straight Connector 65">
+            <a:extLst>
+              <a:ext uri="{FF2B5EF4-FFF2-40B4-BE49-F238E27FC236}">
+                <a16:creationId xmlns:a16="http://schemas.microsoft.com/office/drawing/2014/main" id="{FC8D18B1-2871-3609-9064-4C63D393655B}"/>
+              </a:ext>
+            </a:extLst>
+          </p:cNvPr>
+          <p:cNvCxnSpPr>
+            <a:cxnSpLocks/>
+            <a:endCxn id="61" idx="1"/>
+          </p:cNvCxnSpPr>
+          <p:nvPr/>
+        </p:nvCxnSpPr>
+        <p:spPr>
+          <a:xfrm>
+            <a:off x="5102600" y="4212319"/>
+            <a:ext cx="164842" cy="1"/>
+          </a:xfrm>
+          <a:prstGeom prst="line">
+            <a:avLst/>
+          </a:prstGeom>
+          <a:ln>
+            <a:prstDash val="sysDash"/>
+          </a:ln>
+        </p:spPr>
+        <p:style>
+          <a:lnRef idx="2">
+            <a:schemeClr val="dk1"/>
+          </a:lnRef>
+          <a:fillRef idx="0">
+            <a:schemeClr val="dk1"/>
+          </a:fillRef>
+          <a:effectRef idx="1">
+            <a:schemeClr val="dk1"/>
+          </a:effectRef>
+          <a:fontRef idx="minor">
+            <a:schemeClr val="tx1"/>
+          </a:fontRef>
+        </p:style>
+      </p:cxnSp>
+      <p:cxnSp>
+        <p:nvCxnSpPr>
+          <p:cNvPr id="68" name="Connector: Elbow 67">
+            <a:extLst>
+              <a:ext uri="{FF2B5EF4-FFF2-40B4-BE49-F238E27FC236}">
+                <a16:creationId xmlns:a16="http://schemas.microsoft.com/office/drawing/2014/main" id="{34B51537-1489-D4A1-ED38-B4E1D45DE9F6}"/>
+              </a:ext>
+            </a:extLst>
+          </p:cNvPr>
+          <p:cNvCxnSpPr>
+            <a:cxnSpLocks/>
+            <a:endCxn id="60" idx="1"/>
+          </p:cNvCxnSpPr>
+          <p:nvPr/>
+        </p:nvCxnSpPr>
+        <p:spPr>
+          <a:xfrm rot="5400000" flipH="1" flipV="1">
+            <a:off x="5068020" y="3861344"/>
+            <a:ext cx="237693" cy="168533"/>
+          </a:xfrm>
+          <a:prstGeom prst="bentConnector2">
+            <a:avLst/>
+          </a:prstGeom>
+          <a:ln>
+            <a:prstDash val="sysDash"/>
+          </a:ln>
+        </p:spPr>
+        <p:style>
+          <a:lnRef idx="2">
+            <a:schemeClr val="dk1"/>
+          </a:lnRef>
+          <a:fillRef idx="0">
+            <a:schemeClr val="dk1"/>
+          </a:fillRef>
+          <a:effectRef idx="1">
+            <a:schemeClr val="dk1"/>
+          </a:effectRef>
+          <a:fontRef idx="minor">
+            <a:schemeClr val="tx1"/>
+          </a:fontRef>
+        </p:style>
+      </p:cxnSp>
+      <p:sp>
+        <p:nvSpPr>
+          <p:cNvPr id="73" name="TextBox 72">
+            <a:extLst>
+              <a:ext uri="{FF2B5EF4-FFF2-40B4-BE49-F238E27FC236}">
+                <a16:creationId xmlns:a16="http://schemas.microsoft.com/office/drawing/2014/main" id="{01E8581F-D3D3-6078-F256-4DE00D9D11B5}"/>
+              </a:ext>
+            </a:extLst>
+          </p:cNvPr>
+          <p:cNvSpPr txBox="1"/>
+          <p:nvPr/>
+        </p:nvSpPr>
+        <p:spPr>
+          <a:xfrm>
+            <a:off x="4937760" y="3409265"/>
+            <a:ext cx="1478344" cy="276999"/>
+          </a:xfrm>
+          <a:prstGeom prst="rect">
+            <a:avLst/>
+          </a:prstGeom>
+          <a:noFill/>
+        </p:spPr>
+        <p:txBody>
+          <a:bodyPr wrap="square" rtlCol="0">
+            <a:spAutoFit/>
+          </a:bodyPr>
+          <a:lstStyle/>
+          <a:p>
+            <a:r>
+              <a:rPr lang="en-US" sz="1200" b="1" dirty="0"/>
+              <a:t>Measured Points</a:t>
+            </a:r>
+            <a:endParaRPr lang="en-SG" sz="1200" b="1" dirty="0"/>
+          </a:p>
+        </p:txBody>
+      </p:sp>
+      <p:sp>
+        <p:nvSpPr>
+          <p:cNvPr id="74" name="TextBox 73">
+            <a:extLst>
+              <a:ext uri="{FF2B5EF4-FFF2-40B4-BE49-F238E27FC236}">
+                <a16:creationId xmlns:a16="http://schemas.microsoft.com/office/drawing/2014/main" id="{AC89F931-948C-FB41-750A-25BFC21F47BD}"/>
+              </a:ext>
+            </a:extLst>
+          </p:cNvPr>
+          <p:cNvSpPr txBox="1"/>
+          <p:nvPr/>
+        </p:nvSpPr>
+        <p:spPr>
+          <a:xfrm>
+            <a:off x="4876864" y="4801032"/>
+            <a:ext cx="1539240" cy="276999"/>
+          </a:xfrm>
+          <a:prstGeom prst="rect">
+            <a:avLst/>
+          </a:prstGeom>
+          <a:noFill/>
+        </p:spPr>
+        <p:txBody>
+          <a:bodyPr wrap="square" rtlCol="0">
+            <a:spAutoFit/>
+          </a:bodyPr>
+          <a:lstStyle/>
+          <a:p>
+            <a:r>
+              <a:rPr lang="en-US" sz="1200" b="1" dirty="0"/>
+              <a:t>Changeable Points </a:t>
+            </a:r>
+            <a:endParaRPr lang="en-SG" sz="1200" b="1" dirty="0"/>
+          </a:p>
+        </p:txBody>
+      </p:sp>
+      <p:sp>
+        <p:nvSpPr>
+          <p:cNvPr id="75" name="Rectangle 74">
+            <a:extLst>
+              <a:ext uri="{FF2B5EF4-FFF2-40B4-BE49-F238E27FC236}">
+                <a16:creationId xmlns:a16="http://schemas.microsoft.com/office/drawing/2014/main" id="{0509DE3B-F28B-FCA3-D312-3F785FAAF02C}"/>
+              </a:ext>
+            </a:extLst>
+          </p:cNvPr>
+          <p:cNvSpPr/>
+          <p:nvPr/>
+        </p:nvSpPr>
+        <p:spPr>
+          <a:xfrm>
+            <a:off x="5260329" y="5093046"/>
+            <a:ext cx="800111" cy="295727"/>
+          </a:xfrm>
+          <a:prstGeom prst="rect">
+            <a:avLst/>
+          </a:prstGeom>
+          <a:solidFill>
+            <a:schemeClr val="accent6">
+              <a:lumMod val="75000"/>
+            </a:schemeClr>
+          </a:solidFill>
+          <a:ln>
+            <a:solidFill>
+              <a:schemeClr val="tx1"/>
+            </a:solidFill>
+          </a:ln>
+        </p:spPr>
+        <p:style>
+          <a:lnRef idx="2">
+            <a:schemeClr val="accent1">
+              <a:shade val="50000"/>
+            </a:schemeClr>
+          </a:lnRef>
+          <a:fillRef idx="1">
+            <a:schemeClr val="accent1"/>
+          </a:fillRef>
+          <a:effectRef idx="0">
+            <a:schemeClr val="accent1"/>
+          </a:effectRef>
+          <a:fontRef idx="minor">
+            <a:schemeClr val="lt1"/>
+          </a:fontRef>
+        </p:style>
+        <p:txBody>
+          <a:bodyPr rtlCol="0" anchor="ctr"/>
+          <a:lstStyle/>
+          <a:p>
+            <a:pPr algn="ctr"/>
+            <a:r>
+              <a:rPr lang="en-SG" sz="1050" b="1" dirty="0"/>
+              <a:t>C_SC_NA</a:t>
+            </a:r>
+          </a:p>
+        </p:txBody>
+      </p:sp>
+      <p:sp>
+        <p:nvSpPr>
+          <p:cNvPr id="76" name="Rectangle 75">
+            <a:extLst>
+              <a:ext uri="{FF2B5EF4-FFF2-40B4-BE49-F238E27FC236}">
+                <a16:creationId xmlns:a16="http://schemas.microsoft.com/office/drawing/2014/main" id="{6B8376AD-E98C-75F6-B109-4AB484A0B338}"/>
+              </a:ext>
+            </a:extLst>
+          </p:cNvPr>
+          <p:cNvSpPr/>
+          <p:nvPr/>
+        </p:nvSpPr>
+        <p:spPr>
+          <a:xfrm>
+            <a:off x="5256638" y="5478603"/>
+            <a:ext cx="800111" cy="295727"/>
+          </a:xfrm>
+          <a:prstGeom prst="rect">
+            <a:avLst/>
+          </a:prstGeom>
+          <a:solidFill>
+            <a:schemeClr val="accent6">
+              <a:lumMod val="75000"/>
+            </a:schemeClr>
+          </a:solidFill>
+          <a:ln>
+            <a:solidFill>
+              <a:schemeClr val="tx1"/>
+            </a:solidFill>
+          </a:ln>
+        </p:spPr>
+        <p:style>
+          <a:lnRef idx="2">
+            <a:schemeClr val="accent1">
+              <a:shade val="50000"/>
+            </a:schemeClr>
+          </a:lnRef>
+          <a:fillRef idx="1">
+            <a:schemeClr val="accent1"/>
+          </a:fillRef>
+          <a:effectRef idx="0">
+            <a:schemeClr val="accent1"/>
+          </a:effectRef>
+          <a:fontRef idx="minor">
+            <a:schemeClr val="lt1"/>
+          </a:fontRef>
+        </p:style>
+        <p:txBody>
+          <a:bodyPr rtlCol="0" anchor="ctr"/>
+          <a:lstStyle/>
+          <a:p>
+            <a:pPr algn="ctr"/>
+            <a:r>
+              <a:rPr lang="en-SG" sz="1050" b="1" dirty="0"/>
+              <a:t>C_RC_NA</a:t>
+            </a:r>
+          </a:p>
+        </p:txBody>
+      </p:sp>
+      <p:cxnSp>
+        <p:nvCxnSpPr>
+          <p:cNvPr id="78" name="Connector: Elbow 77">
+            <a:extLst>
+              <a:ext uri="{FF2B5EF4-FFF2-40B4-BE49-F238E27FC236}">
+                <a16:creationId xmlns:a16="http://schemas.microsoft.com/office/drawing/2014/main" id="{19EBCB34-FCEB-B46C-85FD-1BD2A50DC921}"/>
+              </a:ext>
+            </a:extLst>
+          </p:cNvPr>
+          <p:cNvCxnSpPr>
+            <a:cxnSpLocks/>
+            <a:stCxn id="76" idx="1"/>
+            <a:endCxn id="17" idx="3"/>
+          </p:cNvCxnSpPr>
+          <p:nvPr/>
+        </p:nvCxnSpPr>
+        <p:spPr>
+          <a:xfrm rot="10800000">
+            <a:off x="4921752" y="5290479"/>
+            <a:ext cx="334886" cy="335989"/>
+          </a:xfrm>
+          <a:prstGeom prst="bentConnector3">
+            <a:avLst>
+              <a:gd name="adj1" fmla="val 50000"/>
+            </a:avLst>
+          </a:prstGeom>
+          <a:ln>
+            <a:prstDash val="sysDash"/>
+          </a:ln>
+        </p:spPr>
+        <p:style>
+          <a:lnRef idx="2">
+            <a:schemeClr val="dk1"/>
+          </a:lnRef>
+          <a:fillRef idx="0">
+            <a:schemeClr val="dk1"/>
+          </a:fillRef>
+          <a:effectRef idx="1">
+            <a:schemeClr val="dk1"/>
+          </a:effectRef>
+          <a:fontRef idx="minor">
+            <a:schemeClr val="tx1"/>
+          </a:fontRef>
+        </p:style>
+      </p:cxnSp>
+      <p:cxnSp>
+        <p:nvCxnSpPr>
+          <p:cNvPr id="81" name="Connector: Elbow 80">
+            <a:extLst>
+              <a:ext uri="{FF2B5EF4-FFF2-40B4-BE49-F238E27FC236}">
+                <a16:creationId xmlns:a16="http://schemas.microsoft.com/office/drawing/2014/main" id="{B4B69282-1241-EEB0-A408-5695FD769DF8}"/>
+              </a:ext>
+            </a:extLst>
+          </p:cNvPr>
+          <p:cNvCxnSpPr>
+            <a:cxnSpLocks/>
+            <a:stCxn id="75" idx="1"/>
+          </p:cNvCxnSpPr>
+          <p:nvPr/>
+        </p:nvCxnSpPr>
+        <p:spPr>
+          <a:xfrm rot="10800000" flipV="1">
+            <a:off x="5080743" y="5240909"/>
+            <a:ext cx="179586" cy="44863"/>
+          </a:xfrm>
+          <a:prstGeom prst="bentConnector3">
+            <a:avLst>
+              <a:gd name="adj1" fmla="val 106009"/>
+            </a:avLst>
+          </a:prstGeom>
+          <a:ln>
+            <a:prstDash val="sysDash"/>
+          </a:ln>
+        </p:spPr>
+        <p:style>
+          <a:lnRef idx="2">
+            <a:schemeClr val="dk1"/>
+          </a:lnRef>
+          <a:fillRef idx="0">
+            <a:schemeClr val="dk1"/>
+          </a:fillRef>
+          <a:effectRef idx="1">
+            <a:schemeClr val="dk1"/>
+          </a:effectRef>
+          <a:fontRef idx="minor">
+            <a:schemeClr val="tx1"/>
+          </a:fontRef>
+        </p:style>
+      </p:cxnSp>
+      <p:sp>
+        <p:nvSpPr>
+          <p:cNvPr id="86" name="Rectangle 85">
+            <a:extLst>
+              <a:ext uri="{FF2B5EF4-FFF2-40B4-BE49-F238E27FC236}">
+                <a16:creationId xmlns:a16="http://schemas.microsoft.com/office/drawing/2014/main" id="{DB6FAB05-7EEB-3FF6-A03D-BAC61FA46D30}"/>
+              </a:ext>
+            </a:extLst>
+          </p:cNvPr>
+          <p:cNvSpPr/>
+          <p:nvPr/>
+        </p:nvSpPr>
+        <p:spPr>
+          <a:xfrm>
+            <a:off x="6847731" y="3962364"/>
+            <a:ext cx="713346" cy="736098"/>
+          </a:xfrm>
+          <a:prstGeom prst="rect">
+            <a:avLst/>
+          </a:prstGeom>
+          <a:solidFill>
+            <a:schemeClr val="accent6">
+              <a:lumMod val="50000"/>
+            </a:schemeClr>
+          </a:solidFill>
+          <a:ln>
+            <a:solidFill>
+              <a:schemeClr val="tx1"/>
+            </a:solidFill>
+          </a:ln>
+        </p:spPr>
+        <p:style>
+          <a:lnRef idx="2">
+            <a:schemeClr val="accent1">
+              <a:shade val="50000"/>
+            </a:schemeClr>
+          </a:lnRef>
+          <a:fillRef idx="1">
+            <a:schemeClr val="accent1"/>
+          </a:fillRef>
+          <a:effectRef idx="0">
+            <a:schemeClr val="accent1"/>
+          </a:effectRef>
+          <a:fontRef idx="minor">
+            <a:schemeClr val="lt1"/>
+          </a:fontRef>
+        </p:style>
+        <p:txBody>
+          <a:bodyPr rtlCol="0" anchor="ctr"/>
+          <a:lstStyle/>
+          <a:p>
+            <a:r>
+              <a:rPr lang="en-US" sz="1050" b="1" dirty="0"/>
+              <a:t>LD/ST Input Map module  </a:t>
+            </a:r>
+            <a:endParaRPr lang="en-SG" sz="1050" b="1" dirty="0"/>
+          </a:p>
+        </p:txBody>
+      </p:sp>
+      <p:sp>
+        <p:nvSpPr>
+          <p:cNvPr id="87" name="Rectangle 86">
+            <a:extLst>
+              <a:ext uri="{FF2B5EF4-FFF2-40B4-BE49-F238E27FC236}">
+                <a16:creationId xmlns:a16="http://schemas.microsoft.com/office/drawing/2014/main" id="{DC6982E0-F568-FDEB-F36D-A8A4B4ECAAC2}"/>
+              </a:ext>
+            </a:extLst>
+          </p:cNvPr>
+          <p:cNvSpPr/>
+          <p:nvPr/>
+        </p:nvSpPr>
+        <p:spPr>
+          <a:xfrm>
+            <a:off x="6862225" y="4963422"/>
+            <a:ext cx="713345" cy="736098"/>
+          </a:xfrm>
+          <a:prstGeom prst="rect">
+            <a:avLst/>
+          </a:prstGeom>
+          <a:solidFill>
+            <a:schemeClr val="accent6">
+              <a:lumMod val="50000"/>
+            </a:schemeClr>
+          </a:solidFill>
+          <a:ln>
+            <a:solidFill>
+              <a:schemeClr val="tx1"/>
+            </a:solidFill>
+          </a:ln>
+        </p:spPr>
+        <p:style>
+          <a:lnRef idx="2">
+            <a:schemeClr val="accent1">
+              <a:shade val="50000"/>
+            </a:schemeClr>
+          </a:lnRef>
+          <a:fillRef idx="1">
+            <a:schemeClr val="accent1"/>
+          </a:fillRef>
+          <a:effectRef idx="0">
+            <a:schemeClr val="accent1"/>
+          </a:effectRef>
+          <a:fontRef idx="minor">
+            <a:schemeClr val="lt1"/>
+          </a:fontRef>
+        </p:style>
+        <p:txBody>
+          <a:bodyPr rtlCol="0" anchor="ctr"/>
+          <a:lstStyle/>
+          <a:p>
+            <a:r>
+              <a:rPr lang="en-US" sz="1050" b="1" dirty="0"/>
+              <a:t>LD/ST Output Map module  </a:t>
+            </a:r>
+            <a:endParaRPr lang="en-SG" sz="1050" b="1" dirty="0"/>
+          </a:p>
+        </p:txBody>
+      </p:sp>
+      <p:cxnSp>
+        <p:nvCxnSpPr>
+          <p:cNvPr id="89" name="Straight Connector 88">
+            <a:extLst>
+              <a:ext uri="{FF2B5EF4-FFF2-40B4-BE49-F238E27FC236}">
+                <a16:creationId xmlns:a16="http://schemas.microsoft.com/office/drawing/2014/main" id="{3DEF1424-FF7D-72FE-F53F-C306F472F681}"/>
+              </a:ext>
+            </a:extLst>
+          </p:cNvPr>
+          <p:cNvCxnSpPr>
+            <a:cxnSpLocks/>
+          </p:cNvCxnSpPr>
+          <p:nvPr/>
+        </p:nvCxnSpPr>
+        <p:spPr>
+          <a:xfrm>
+            <a:off x="6423589" y="3190002"/>
+            <a:ext cx="0" cy="2502650"/>
+          </a:xfrm>
+          <a:prstGeom prst="line">
+            <a:avLst/>
+          </a:prstGeom>
+        </p:spPr>
+        <p:style>
+          <a:lnRef idx="2">
+            <a:schemeClr val="accent1"/>
+          </a:lnRef>
+          <a:fillRef idx="0">
+            <a:schemeClr val="accent1"/>
+          </a:fillRef>
+          <a:effectRef idx="1">
+            <a:schemeClr val="accent1"/>
+          </a:effectRef>
+          <a:fontRef idx="minor">
+            <a:schemeClr val="tx1"/>
+          </a:fontRef>
+        </p:style>
+      </p:cxnSp>
+      <p:cxnSp>
+        <p:nvCxnSpPr>
+          <p:cNvPr id="90" name="Straight Connector 89">
+            <a:extLst>
+              <a:ext uri="{FF2B5EF4-FFF2-40B4-BE49-F238E27FC236}">
+                <a16:creationId xmlns:a16="http://schemas.microsoft.com/office/drawing/2014/main" id="{EC170D48-8F6A-6ACC-6BD2-39E1B423908D}"/>
+              </a:ext>
+            </a:extLst>
+          </p:cNvPr>
+          <p:cNvCxnSpPr>
+            <a:cxnSpLocks/>
+          </p:cNvCxnSpPr>
+          <p:nvPr/>
+        </p:nvCxnSpPr>
+        <p:spPr>
+          <a:xfrm flipH="1">
+            <a:off x="6623368" y="3369560"/>
+            <a:ext cx="0" cy="2156584"/>
+          </a:xfrm>
+          <a:prstGeom prst="line">
+            <a:avLst/>
+          </a:prstGeom>
+          <a:ln>
+            <a:solidFill>
+              <a:schemeClr val="tx1"/>
+            </a:solidFill>
+            <a:prstDash val="sysDash"/>
+          </a:ln>
+        </p:spPr>
+        <p:style>
+          <a:lnRef idx="2">
+            <a:schemeClr val="accent1"/>
+          </a:lnRef>
+          <a:fillRef idx="0">
+            <a:schemeClr val="accent1"/>
+          </a:fillRef>
+          <a:effectRef idx="1">
+            <a:schemeClr val="accent1"/>
+          </a:effectRef>
+          <a:fontRef idx="minor">
+            <a:schemeClr val="tx1"/>
+          </a:fontRef>
+        </p:style>
+      </p:cxnSp>
+      <p:cxnSp>
+        <p:nvCxnSpPr>
+          <p:cNvPr id="92" name="Straight Connector 91">
+            <a:extLst>
+              <a:ext uri="{FF2B5EF4-FFF2-40B4-BE49-F238E27FC236}">
+                <a16:creationId xmlns:a16="http://schemas.microsoft.com/office/drawing/2014/main" id="{6AC5BF7B-F30B-85AD-888E-1245DF1BA572}"/>
+              </a:ext>
+            </a:extLst>
+          </p:cNvPr>
+          <p:cNvCxnSpPr>
+            <a:cxnSpLocks/>
+          </p:cNvCxnSpPr>
+          <p:nvPr/>
+        </p:nvCxnSpPr>
+        <p:spPr>
+          <a:xfrm>
+            <a:off x="6067552" y="3869364"/>
+            <a:ext cx="347200" cy="0"/>
+          </a:xfrm>
+          <a:prstGeom prst="line">
+            <a:avLst/>
+          </a:prstGeom>
+          <a:ln w="9525"/>
+        </p:spPr>
+        <p:style>
+          <a:lnRef idx="2">
+            <a:schemeClr val="accent1"/>
+          </a:lnRef>
+          <a:fillRef idx="0">
+            <a:schemeClr val="accent1"/>
+          </a:fillRef>
+          <a:effectRef idx="1">
+            <a:schemeClr val="accent1"/>
+          </a:effectRef>
+          <a:fontRef idx="minor">
+            <a:schemeClr val="tx1"/>
+          </a:fontRef>
+        </p:style>
+      </p:cxnSp>
+      <p:cxnSp>
+        <p:nvCxnSpPr>
+          <p:cNvPr id="93" name="Straight Connector 92">
+            <a:extLst>
+              <a:ext uri="{FF2B5EF4-FFF2-40B4-BE49-F238E27FC236}">
+                <a16:creationId xmlns:a16="http://schemas.microsoft.com/office/drawing/2014/main" id="{1283D1D9-C238-DC3C-7E8C-8C1EA3C003A3}"/>
+              </a:ext>
+            </a:extLst>
+          </p:cNvPr>
+          <p:cNvCxnSpPr/>
+          <p:nvPr/>
+        </p:nvCxnSpPr>
+        <p:spPr>
+          <a:xfrm>
+            <a:off x="6067552" y="4211541"/>
+            <a:ext cx="348552" cy="0"/>
+          </a:xfrm>
+          <a:prstGeom prst="line">
+            <a:avLst/>
+          </a:prstGeom>
+          <a:ln w="9525"/>
+        </p:spPr>
+        <p:style>
+          <a:lnRef idx="2">
+            <a:schemeClr val="accent1"/>
+          </a:lnRef>
+          <a:fillRef idx="0">
+            <a:schemeClr val="accent1"/>
+          </a:fillRef>
+          <a:effectRef idx="1">
+            <a:schemeClr val="accent1"/>
+          </a:effectRef>
+          <a:fontRef idx="minor">
+            <a:schemeClr val="tx1"/>
+          </a:fontRef>
+        </p:style>
+      </p:cxnSp>
+      <p:cxnSp>
+        <p:nvCxnSpPr>
+          <p:cNvPr id="94" name="Straight Connector 93">
+            <a:extLst>
+              <a:ext uri="{FF2B5EF4-FFF2-40B4-BE49-F238E27FC236}">
+                <a16:creationId xmlns:a16="http://schemas.microsoft.com/office/drawing/2014/main" id="{59848069-2338-6BB6-3F3A-2C8BAD5035A6}"/>
+              </a:ext>
+            </a:extLst>
+          </p:cNvPr>
+          <p:cNvCxnSpPr/>
+          <p:nvPr/>
+        </p:nvCxnSpPr>
+        <p:spPr>
+          <a:xfrm>
+            <a:off x="6056749" y="4579588"/>
+            <a:ext cx="348552" cy="0"/>
+          </a:xfrm>
+          <a:prstGeom prst="line">
+            <a:avLst/>
+          </a:prstGeom>
+          <a:ln w="9525"/>
+        </p:spPr>
+        <p:style>
+          <a:lnRef idx="2">
+            <a:schemeClr val="accent1"/>
+          </a:lnRef>
+          <a:fillRef idx="0">
+            <a:schemeClr val="accent1"/>
+          </a:fillRef>
+          <a:effectRef idx="1">
+            <a:schemeClr val="accent1"/>
+          </a:effectRef>
+          <a:fontRef idx="minor">
+            <a:schemeClr val="tx1"/>
+          </a:fontRef>
+        </p:style>
+      </p:cxnSp>
+      <p:cxnSp>
+        <p:nvCxnSpPr>
+          <p:cNvPr id="95" name="Straight Connector 94">
+            <a:extLst>
+              <a:ext uri="{FF2B5EF4-FFF2-40B4-BE49-F238E27FC236}">
+                <a16:creationId xmlns:a16="http://schemas.microsoft.com/office/drawing/2014/main" id="{B4EE6678-E54C-E2F8-DBEB-DAABEA3B66C2}"/>
+              </a:ext>
+            </a:extLst>
+          </p:cNvPr>
+          <p:cNvCxnSpPr/>
+          <p:nvPr/>
+        </p:nvCxnSpPr>
+        <p:spPr>
+          <a:xfrm>
+            <a:off x="6056749" y="5240909"/>
+            <a:ext cx="348552" cy="0"/>
+          </a:xfrm>
+          <a:prstGeom prst="line">
+            <a:avLst/>
+          </a:prstGeom>
+          <a:ln w="9525"/>
+        </p:spPr>
+        <p:style>
+          <a:lnRef idx="2">
+            <a:schemeClr val="accent1"/>
+          </a:lnRef>
+          <a:fillRef idx="0">
+            <a:schemeClr val="accent1"/>
+          </a:fillRef>
+          <a:effectRef idx="1">
+            <a:schemeClr val="accent1"/>
+          </a:effectRef>
+          <a:fontRef idx="minor">
+            <a:schemeClr val="tx1"/>
+          </a:fontRef>
+        </p:style>
+      </p:cxnSp>
+      <p:cxnSp>
+        <p:nvCxnSpPr>
+          <p:cNvPr id="96" name="Straight Connector 95">
+            <a:extLst>
+              <a:ext uri="{FF2B5EF4-FFF2-40B4-BE49-F238E27FC236}">
+                <a16:creationId xmlns:a16="http://schemas.microsoft.com/office/drawing/2014/main" id="{4531199D-9058-BBD1-891B-7943E0AA56CE}"/>
+              </a:ext>
+            </a:extLst>
+          </p:cNvPr>
+          <p:cNvCxnSpPr/>
+          <p:nvPr/>
+        </p:nvCxnSpPr>
+        <p:spPr>
+          <a:xfrm>
+            <a:off x="6058408" y="5672448"/>
+            <a:ext cx="348552" cy="0"/>
+          </a:xfrm>
+          <a:prstGeom prst="line">
+            <a:avLst/>
+          </a:prstGeom>
+          <a:ln w="9525"/>
+        </p:spPr>
+        <p:style>
+          <a:lnRef idx="2">
+            <a:schemeClr val="accent1"/>
+          </a:lnRef>
+          <a:fillRef idx="0">
+            <a:schemeClr val="accent1"/>
+          </a:fillRef>
+          <a:effectRef idx="1">
+            <a:schemeClr val="accent1"/>
+          </a:effectRef>
+          <a:fontRef idx="minor">
+            <a:schemeClr val="tx1"/>
+          </a:fontRef>
+        </p:style>
+      </p:cxnSp>
+      <p:cxnSp>
+        <p:nvCxnSpPr>
+          <p:cNvPr id="97" name="Straight Connector 96">
+            <a:extLst>
+              <a:ext uri="{FF2B5EF4-FFF2-40B4-BE49-F238E27FC236}">
+                <a16:creationId xmlns:a16="http://schemas.microsoft.com/office/drawing/2014/main" id="{894F9FEA-B53E-AF57-9F5D-D590BA123568}"/>
+              </a:ext>
+            </a:extLst>
+          </p:cNvPr>
+          <p:cNvCxnSpPr>
+            <a:cxnSpLocks/>
+          </p:cNvCxnSpPr>
+          <p:nvPr/>
+        </p:nvCxnSpPr>
+        <p:spPr>
+          <a:xfrm flipH="1">
+            <a:off x="6414752" y="5598910"/>
+            <a:ext cx="414690" cy="0"/>
+          </a:xfrm>
+          <a:prstGeom prst="line">
+            <a:avLst/>
+          </a:prstGeom>
+        </p:spPr>
+        <p:style>
+          <a:lnRef idx="2">
+            <a:schemeClr val="accent1"/>
+          </a:lnRef>
+          <a:fillRef idx="0">
+            <a:schemeClr val="accent1"/>
+          </a:fillRef>
+          <a:effectRef idx="1">
+            <a:schemeClr val="accent1"/>
+          </a:effectRef>
+          <a:fontRef idx="minor">
+            <a:schemeClr val="tx1"/>
+          </a:fontRef>
+        </p:style>
+      </p:cxnSp>
+      <p:cxnSp>
+        <p:nvCxnSpPr>
+          <p:cNvPr id="101" name="Straight Connector 100">
+            <a:extLst>
+              <a:ext uri="{FF2B5EF4-FFF2-40B4-BE49-F238E27FC236}">
+                <a16:creationId xmlns:a16="http://schemas.microsoft.com/office/drawing/2014/main" id="{0B07DB28-A322-EE63-4405-11479194F6BA}"/>
+              </a:ext>
+            </a:extLst>
+          </p:cNvPr>
+          <p:cNvCxnSpPr/>
+          <p:nvPr/>
+        </p:nvCxnSpPr>
+        <p:spPr>
+          <a:xfrm>
+            <a:off x="10543032" y="5207300"/>
+            <a:ext cx="0" cy="0"/>
+          </a:xfrm>
+          <a:prstGeom prst="line">
+            <a:avLst/>
+          </a:prstGeom>
+        </p:spPr>
+        <p:style>
+          <a:lnRef idx="2">
+            <a:schemeClr val="accent1"/>
+          </a:lnRef>
+          <a:fillRef idx="0">
+            <a:schemeClr val="accent1"/>
+          </a:fillRef>
+          <a:effectRef idx="1">
+            <a:schemeClr val="accent1"/>
+          </a:effectRef>
+          <a:fontRef idx="minor">
+            <a:schemeClr val="tx1"/>
+          </a:fontRef>
+        </p:style>
+      </p:cxnSp>
+      <p:cxnSp>
+        <p:nvCxnSpPr>
+          <p:cNvPr id="102" name="Straight Connector 101">
+            <a:extLst>
+              <a:ext uri="{FF2B5EF4-FFF2-40B4-BE49-F238E27FC236}">
+                <a16:creationId xmlns:a16="http://schemas.microsoft.com/office/drawing/2014/main" id="{475AB02B-30D0-CA26-00CC-A523CD0B2972}"/>
+              </a:ext>
+            </a:extLst>
+          </p:cNvPr>
+          <p:cNvCxnSpPr>
+            <a:cxnSpLocks/>
+          </p:cNvCxnSpPr>
+          <p:nvPr/>
+        </p:nvCxnSpPr>
+        <p:spPr>
+          <a:xfrm>
+            <a:off x="6090849" y="3713483"/>
+            <a:ext cx="531248" cy="0"/>
+          </a:xfrm>
+          <a:prstGeom prst="line">
+            <a:avLst/>
+          </a:prstGeom>
+          <a:ln w="9525">
+            <a:solidFill>
+              <a:schemeClr val="tx1"/>
+            </a:solidFill>
+            <a:prstDash val="sysDash"/>
+          </a:ln>
+        </p:spPr>
+        <p:style>
+          <a:lnRef idx="2">
+            <a:schemeClr val="accent1"/>
+          </a:lnRef>
+          <a:fillRef idx="0">
+            <a:schemeClr val="accent1"/>
+          </a:fillRef>
+          <a:effectRef idx="1">
+            <a:schemeClr val="accent1"/>
+          </a:effectRef>
+          <a:fontRef idx="minor">
+            <a:schemeClr val="tx1"/>
+          </a:fontRef>
+        </p:style>
+      </p:cxnSp>
+      <p:cxnSp>
+        <p:nvCxnSpPr>
+          <p:cNvPr id="105" name="Straight Connector 104">
+            <a:extLst>
+              <a:ext uri="{FF2B5EF4-FFF2-40B4-BE49-F238E27FC236}">
+                <a16:creationId xmlns:a16="http://schemas.microsoft.com/office/drawing/2014/main" id="{EFFC73FE-8022-8E4D-DCC7-1EEAC7E698B8}"/>
+              </a:ext>
+            </a:extLst>
+          </p:cNvPr>
+          <p:cNvCxnSpPr>
+            <a:cxnSpLocks/>
+          </p:cNvCxnSpPr>
+          <p:nvPr/>
+        </p:nvCxnSpPr>
+        <p:spPr>
+          <a:xfrm>
+            <a:off x="6090849" y="4087368"/>
+            <a:ext cx="531248" cy="0"/>
+          </a:xfrm>
+          <a:prstGeom prst="line">
+            <a:avLst/>
+          </a:prstGeom>
+          <a:ln w="9525">
+            <a:solidFill>
+              <a:schemeClr val="tx1"/>
+            </a:solidFill>
+            <a:prstDash val="sysDash"/>
+          </a:ln>
+        </p:spPr>
+        <p:style>
+          <a:lnRef idx="2">
+            <a:schemeClr val="accent1"/>
+          </a:lnRef>
+          <a:fillRef idx="0">
+            <a:schemeClr val="accent1"/>
+          </a:fillRef>
+          <a:effectRef idx="1">
+            <a:schemeClr val="accent1"/>
+          </a:effectRef>
+          <a:fontRef idx="minor">
+            <a:schemeClr val="tx1"/>
+          </a:fontRef>
+        </p:style>
+      </p:cxnSp>
+      <p:cxnSp>
+        <p:nvCxnSpPr>
+          <p:cNvPr id="106" name="Straight Connector 105">
+            <a:extLst>
+              <a:ext uri="{FF2B5EF4-FFF2-40B4-BE49-F238E27FC236}">
+                <a16:creationId xmlns:a16="http://schemas.microsoft.com/office/drawing/2014/main" id="{C20B75D0-59AA-3E87-1A02-E45A9C712D28}"/>
+              </a:ext>
+            </a:extLst>
+          </p:cNvPr>
+          <p:cNvCxnSpPr>
+            <a:cxnSpLocks/>
+          </p:cNvCxnSpPr>
+          <p:nvPr/>
+        </p:nvCxnSpPr>
+        <p:spPr>
+          <a:xfrm>
+            <a:off x="6067552" y="4489831"/>
+            <a:ext cx="531248" cy="0"/>
+          </a:xfrm>
+          <a:prstGeom prst="line">
+            <a:avLst/>
+          </a:prstGeom>
+          <a:ln w="9525">
+            <a:solidFill>
+              <a:schemeClr val="tx1"/>
+            </a:solidFill>
+            <a:prstDash val="sysDash"/>
+          </a:ln>
+        </p:spPr>
+        <p:style>
+          <a:lnRef idx="2">
+            <a:schemeClr val="accent1"/>
+          </a:lnRef>
+          <a:fillRef idx="0">
+            <a:schemeClr val="accent1"/>
+          </a:fillRef>
+          <a:effectRef idx="1">
+            <a:schemeClr val="accent1"/>
+          </a:effectRef>
+          <a:fontRef idx="minor">
+            <a:schemeClr val="tx1"/>
+          </a:fontRef>
+        </p:style>
+      </p:cxnSp>
+      <p:cxnSp>
+        <p:nvCxnSpPr>
+          <p:cNvPr id="107" name="Straight Connector 106">
+            <a:extLst>
+              <a:ext uri="{FF2B5EF4-FFF2-40B4-BE49-F238E27FC236}">
+                <a16:creationId xmlns:a16="http://schemas.microsoft.com/office/drawing/2014/main" id="{68ECBA7C-5BD1-ABBA-1601-6F1F1AD6B00C}"/>
+              </a:ext>
+            </a:extLst>
+          </p:cNvPr>
+          <p:cNvCxnSpPr>
+            <a:cxnSpLocks/>
+          </p:cNvCxnSpPr>
+          <p:nvPr/>
+        </p:nvCxnSpPr>
+        <p:spPr>
+          <a:xfrm>
+            <a:off x="6081705" y="5102190"/>
+            <a:ext cx="531248" cy="0"/>
+          </a:xfrm>
+          <a:prstGeom prst="line">
+            <a:avLst/>
+          </a:prstGeom>
+          <a:ln w="9525">
+            <a:solidFill>
+              <a:schemeClr val="tx1"/>
+            </a:solidFill>
+            <a:prstDash val="sysDash"/>
+          </a:ln>
+        </p:spPr>
+        <p:style>
+          <a:lnRef idx="2">
+            <a:schemeClr val="accent1"/>
+          </a:lnRef>
+          <a:fillRef idx="0">
+            <a:schemeClr val="accent1"/>
+          </a:fillRef>
+          <a:effectRef idx="1">
+            <a:schemeClr val="accent1"/>
+          </a:effectRef>
+          <a:fontRef idx="minor">
+            <a:schemeClr val="tx1"/>
+          </a:fontRef>
+        </p:style>
+      </p:cxnSp>
+      <p:cxnSp>
+        <p:nvCxnSpPr>
+          <p:cNvPr id="108" name="Straight Connector 107">
+            <a:extLst>
+              <a:ext uri="{FF2B5EF4-FFF2-40B4-BE49-F238E27FC236}">
+                <a16:creationId xmlns:a16="http://schemas.microsoft.com/office/drawing/2014/main" id="{76588F49-1FEC-6CCC-95D7-19BA43B6E85C}"/>
+              </a:ext>
+            </a:extLst>
+          </p:cNvPr>
+          <p:cNvCxnSpPr>
+            <a:cxnSpLocks/>
+          </p:cNvCxnSpPr>
+          <p:nvPr/>
+        </p:nvCxnSpPr>
+        <p:spPr>
+          <a:xfrm>
+            <a:off x="6067552" y="5505307"/>
+            <a:ext cx="554545" cy="0"/>
+          </a:xfrm>
+          <a:prstGeom prst="line">
+            <a:avLst/>
+          </a:prstGeom>
+          <a:ln w="9525">
+            <a:solidFill>
+              <a:schemeClr val="tx1"/>
+            </a:solidFill>
+            <a:prstDash val="sysDash"/>
+          </a:ln>
+        </p:spPr>
+        <p:style>
+          <a:lnRef idx="2">
+            <a:schemeClr val="accent1"/>
+          </a:lnRef>
+          <a:fillRef idx="0">
+            <a:schemeClr val="accent1"/>
+          </a:fillRef>
+          <a:effectRef idx="1">
+            <a:schemeClr val="accent1"/>
+          </a:effectRef>
+          <a:fontRef idx="minor">
+            <a:schemeClr val="tx1"/>
+          </a:fontRef>
+        </p:style>
+      </p:cxnSp>
+      <p:cxnSp>
+        <p:nvCxnSpPr>
+          <p:cNvPr id="110" name="Straight Connector 109">
+            <a:extLst>
+              <a:ext uri="{FF2B5EF4-FFF2-40B4-BE49-F238E27FC236}">
+                <a16:creationId xmlns:a16="http://schemas.microsoft.com/office/drawing/2014/main" id="{1D2339A1-CD2B-659C-7D7E-5D019516BF6A}"/>
+              </a:ext>
+            </a:extLst>
+          </p:cNvPr>
+          <p:cNvCxnSpPr>
+            <a:cxnSpLocks/>
+            <a:stCxn id="86" idx="1"/>
+          </p:cNvCxnSpPr>
+          <p:nvPr/>
+        </p:nvCxnSpPr>
+        <p:spPr>
+          <a:xfrm flipH="1" flipV="1">
+            <a:off x="6622097" y="4315861"/>
+            <a:ext cx="225634" cy="0"/>
+          </a:xfrm>
+          <a:prstGeom prst="line">
+            <a:avLst/>
+          </a:prstGeom>
+          <a:ln>
+            <a:solidFill>
+              <a:schemeClr val="tx1"/>
+            </a:solidFill>
+            <a:prstDash val="sysDot"/>
+          </a:ln>
+        </p:spPr>
+        <p:style>
+          <a:lnRef idx="2">
+            <a:schemeClr val="accent1"/>
+          </a:lnRef>
+          <a:fillRef idx="0">
+            <a:schemeClr val="accent1"/>
+          </a:fillRef>
+          <a:effectRef idx="1">
+            <a:schemeClr val="accent1"/>
+          </a:effectRef>
+          <a:fontRef idx="minor">
+            <a:schemeClr val="tx1"/>
+          </a:fontRef>
+        </p:style>
+      </p:cxnSp>
+      <p:sp>
+        <p:nvSpPr>
+          <p:cNvPr id="115" name="Rectangle 114">
+            <a:extLst>
+              <a:ext uri="{FF2B5EF4-FFF2-40B4-BE49-F238E27FC236}">
+                <a16:creationId xmlns:a16="http://schemas.microsoft.com/office/drawing/2014/main" id="{68D4F4D6-6BC7-C8A5-706C-4FE346D43298}"/>
+              </a:ext>
+            </a:extLst>
+          </p:cNvPr>
+          <p:cNvSpPr/>
+          <p:nvPr/>
+        </p:nvSpPr>
+        <p:spPr>
+          <a:xfrm>
+            <a:off x="4657068" y="1614135"/>
+            <a:ext cx="2010494" cy="292817"/>
+          </a:xfrm>
+          <a:prstGeom prst="rect">
+            <a:avLst/>
+          </a:prstGeom>
+          <a:solidFill>
+            <a:schemeClr val="tx2">
+              <a:lumMod val="75000"/>
+              <a:lumOff val="25000"/>
+            </a:schemeClr>
+          </a:solidFill>
+          <a:ln>
+            <a:solidFill>
+              <a:schemeClr val="tx1"/>
+            </a:solidFill>
+          </a:ln>
+        </p:spPr>
+        <p:style>
+          <a:lnRef idx="2">
+            <a:schemeClr val="accent1">
+              <a:shade val="50000"/>
+            </a:schemeClr>
+          </a:lnRef>
+          <a:fillRef idx="1">
+            <a:schemeClr val="accent1"/>
+          </a:fillRef>
+          <a:effectRef idx="0">
+            <a:schemeClr val="accent1"/>
+          </a:effectRef>
+          <a:fontRef idx="minor">
+            <a:schemeClr val="lt1"/>
+          </a:fontRef>
+        </p:style>
+        <p:txBody>
+          <a:bodyPr rtlCol="0" anchor="ctr"/>
+          <a:lstStyle/>
+          <a:p>
+            <a:r>
+              <a:rPr lang="en-US" sz="1050" b="1" dirty="0"/>
+              <a:t>Station Main Control Module </a:t>
+            </a:r>
+            <a:endParaRPr lang="en-SG" sz="1050" b="1" dirty="0"/>
+          </a:p>
+        </p:txBody>
+      </p:sp>
       <p:pic>
         <p:nvPicPr>
-          <p:cNvPr id="9" name="Picture 8" descr="A grey electronic device with green lights&#10;&#10;Description automatically generated">
-            <a:extLst>
-              <a:ext uri="{FF2B5EF4-FFF2-40B4-BE49-F238E27FC236}">
-                <a16:creationId xmlns:a16="http://schemas.microsoft.com/office/drawing/2014/main" id="{E1438CBD-90B4-E7F6-4EC2-BE9ECE31E724}"/>
+          <p:cNvPr id="116" name="Picture 115">
+            <a:extLst>
+              <a:ext uri="{FF2B5EF4-FFF2-40B4-BE49-F238E27FC236}">
+                <a16:creationId xmlns:a16="http://schemas.microsoft.com/office/drawing/2014/main" id="{0C33FDE4-EC23-3B71-1F53-0228AF9DA5C0}"/>
               </a:ext>
             </a:extLst>
           </p:cNvPr>
@@ -26786,198 +30361,32 @@
           <p:nvPr/>
         </p:nvPicPr>
         <p:blipFill>
-          <a:blip r:embed="rId4">
-            <a:extLst>
-              <a:ext uri="{28A0092B-C50C-407E-A947-70E740481C1C}">
-                <a14:useLocalDpi xmlns:a14="http://schemas.microsoft.com/office/drawing/2010/main" val="0"/>
-              </a:ext>
-            </a:extLst>
-          </a:blip>
+          <a:blip r:embed="rId3"/>
           <a:stretch>
             <a:fillRect/>
           </a:stretch>
         </p:blipFill>
         <p:spPr>
           <a:xfrm>
-            <a:off x="5377736" y="3516296"/>
-            <a:ext cx="1265536" cy="1202259"/>
-          </a:xfrm>
-          <a:prstGeom prst="rect">
-            <a:avLst/>
-          </a:prstGeom>
-          <a:ln w="12700">
+            <a:off x="7067047" y="3065461"/>
+            <a:ext cx="713345" cy="620803"/>
+          </a:xfrm>
+          <a:prstGeom prst="rect">
+            <a:avLst/>
+          </a:prstGeom>
+          <a:ln w="19050">
             <a:solidFill>
               <a:schemeClr val="tx1"/>
             </a:solidFill>
           </a:ln>
         </p:spPr>
       </p:pic>
-      <p:cxnSp>
-        <p:nvCxnSpPr>
-          <p:cNvPr id="13" name="Straight Arrow Connector 12">
-            <a:extLst>
-              <a:ext uri="{FF2B5EF4-FFF2-40B4-BE49-F238E27FC236}">
-                <a16:creationId xmlns:a16="http://schemas.microsoft.com/office/drawing/2014/main" id="{F7BB0F2A-4DEE-1FF0-A71C-1819411D444E}"/>
-              </a:ext>
-            </a:extLst>
-          </p:cNvPr>
-          <p:cNvCxnSpPr/>
-          <p:nvPr/>
-        </p:nvCxnSpPr>
-        <p:spPr>
-          <a:xfrm>
-            <a:off x="3760237" y="2752615"/>
-            <a:ext cx="1617499" cy="0"/>
-          </a:xfrm>
-          <a:prstGeom prst="straightConnector1">
-            <a:avLst/>
-          </a:prstGeom>
-          <a:ln w="28575">
-            <a:solidFill>
-              <a:schemeClr val="accent6">
-                <a:lumMod val="50000"/>
-              </a:schemeClr>
-            </a:solidFill>
-            <a:tailEnd type="triangle"/>
-          </a:ln>
-        </p:spPr>
-        <p:style>
-          <a:lnRef idx="2">
-            <a:schemeClr val="accent1"/>
-          </a:lnRef>
-          <a:fillRef idx="0">
-            <a:schemeClr val="accent1"/>
-          </a:fillRef>
-          <a:effectRef idx="1">
-            <a:schemeClr val="accent1"/>
-          </a:effectRef>
-          <a:fontRef idx="minor">
-            <a:schemeClr val="tx1"/>
-          </a:fontRef>
-        </p:style>
-      </p:cxnSp>
-      <p:pic>
-        <p:nvPicPr>
-          <p:cNvPr id="17" name="Picture 16">
-            <a:extLst>
-              <a:ext uri="{FF2B5EF4-FFF2-40B4-BE49-F238E27FC236}">
-                <a16:creationId xmlns:a16="http://schemas.microsoft.com/office/drawing/2014/main" id="{AF886CB0-4B69-538E-5861-CD01D4ECC285}"/>
-              </a:ext>
-            </a:extLst>
-          </p:cNvPr>
-          <p:cNvPicPr>
-            <a:picLocks noChangeAspect="1"/>
-          </p:cNvPicPr>
-          <p:nvPr/>
-        </p:nvPicPr>
-        <p:blipFill>
-          <a:blip r:embed="rId5"/>
-          <a:stretch>
-            <a:fillRect/>
-          </a:stretch>
-        </p:blipFill>
-        <p:spPr>
-          <a:xfrm>
-            <a:off x="4063953" y="4039757"/>
-            <a:ext cx="907150" cy="547289"/>
-          </a:xfrm>
-          <a:prstGeom prst="rect">
-            <a:avLst/>
-          </a:prstGeom>
-          <a:ln w="12700">
-            <a:solidFill>
-              <a:schemeClr val="tx2">
-                <a:lumMod val="90000"/>
-                <a:lumOff val="10000"/>
-              </a:schemeClr>
-            </a:solidFill>
-          </a:ln>
-        </p:spPr>
-      </p:pic>
-      <p:cxnSp>
-        <p:nvCxnSpPr>
-          <p:cNvPr id="18" name="Straight Arrow Connector 17">
-            <a:extLst>
-              <a:ext uri="{FF2B5EF4-FFF2-40B4-BE49-F238E27FC236}">
-                <a16:creationId xmlns:a16="http://schemas.microsoft.com/office/drawing/2014/main" id="{4E094BCD-5C6E-2039-85E3-B369E83C78C4}"/>
-              </a:ext>
-            </a:extLst>
-          </p:cNvPr>
-          <p:cNvCxnSpPr/>
-          <p:nvPr/>
-        </p:nvCxnSpPr>
-        <p:spPr>
-          <a:xfrm>
-            <a:off x="3760237" y="3709897"/>
-            <a:ext cx="1617499" cy="0"/>
-          </a:xfrm>
-          <a:prstGeom prst="straightConnector1">
-            <a:avLst/>
-          </a:prstGeom>
-          <a:ln w="28575">
-            <a:solidFill>
-              <a:srgbClr val="0070C0"/>
-            </a:solidFill>
-            <a:tailEnd type="triangle"/>
-          </a:ln>
-        </p:spPr>
-        <p:style>
-          <a:lnRef idx="2">
-            <a:schemeClr val="accent1"/>
-          </a:lnRef>
-          <a:fillRef idx="0">
-            <a:schemeClr val="accent1"/>
-          </a:fillRef>
-          <a:effectRef idx="1">
-            <a:schemeClr val="accent1"/>
-          </a:effectRef>
-          <a:fontRef idx="minor">
-            <a:schemeClr val="tx1"/>
-          </a:fontRef>
-        </p:style>
-      </p:cxnSp>
-      <p:pic>
-        <p:nvPicPr>
-          <p:cNvPr id="22" name="Picture 21" descr="A green sign with arrows&#10;&#10;Description automatically generated">
-            <a:extLst>
-              <a:ext uri="{FF2B5EF4-FFF2-40B4-BE49-F238E27FC236}">
-                <a16:creationId xmlns:a16="http://schemas.microsoft.com/office/drawing/2014/main" id="{F4C77BE7-2365-9A70-C352-8B6244E0CDE8}"/>
-              </a:ext>
-            </a:extLst>
-          </p:cNvPr>
-          <p:cNvPicPr>
-            <a:picLocks noChangeAspect="1"/>
-          </p:cNvPicPr>
-          <p:nvPr/>
-        </p:nvPicPr>
-        <p:blipFill>
-          <a:blip r:embed="rId6">
-            <a:extLst>
-              <a:ext uri="{28A0092B-C50C-407E-A947-70E740481C1C}">
-                <a14:useLocalDpi xmlns:a14="http://schemas.microsoft.com/office/drawing/2010/main" val="0"/>
-              </a:ext>
-            </a:extLst>
-          </a:blip>
-          <a:stretch>
-            <a:fillRect/>
-          </a:stretch>
-        </p:blipFill>
-        <p:spPr>
-          <a:xfrm>
-            <a:off x="3929587" y="1613612"/>
-            <a:ext cx="761285" cy="915007"/>
-          </a:xfrm>
-          <a:prstGeom prst="rect">
-            <a:avLst/>
-          </a:prstGeom>
-        </p:spPr>
-      </p:pic>
-      <p:sp>
-        <p:nvSpPr>
-          <p:cNvPr id="25" name="TextBox 24">
-            <a:extLst>
-              <a:ext uri="{FF2B5EF4-FFF2-40B4-BE49-F238E27FC236}">
-                <a16:creationId xmlns:a16="http://schemas.microsoft.com/office/drawing/2014/main" id="{B713988F-3A63-8C45-4F37-173FDA5A166E}"/>
+      <p:sp>
+        <p:nvSpPr>
+          <p:cNvPr id="117" name="TextBox 116">
+            <a:extLst>
+              <a:ext uri="{FF2B5EF4-FFF2-40B4-BE49-F238E27FC236}">
+                <a16:creationId xmlns:a16="http://schemas.microsoft.com/office/drawing/2014/main" id="{0D1150F4-9851-0304-CC18-24E65956BD37}"/>
               </a:ext>
             </a:extLst>
           </p:cNvPr>
@@ -26986,8 +30395,8 @@
         </p:nvSpPr>
         <p:spPr>
           <a:xfrm>
-            <a:off x="5260771" y="1299391"/>
-            <a:ext cx="1499464" cy="461665"/>
+            <a:off x="6698721" y="2610717"/>
+            <a:ext cx="1631941" cy="461665"/>
           </a:xfrm>
           <a:prstGeom prst="rect">
             <a:avLst/>
@@ -27001,41 +30410,40 @@
           <a:lstStyle/>
           <a:p>
             <a:r>
-              <a:rPr lang="en-SG" sz="1200" b="1" dirty="0"/>
-              <a:t>Schneider </a:t>
+              <a:rPr lang="en-US" sz="1200" b="1" dirty="0"/>
+              <a:t>Ladder Logic or ST calculation module </a:t>
             </a:r>
-            <a:r>
-              <a:rPr lang="en-SG" sz="1200" b="1" dirty="0" err="1"/>
-              <a:t>Modicon</a:t>
-            </a:r>
-            <a:r>
-              <a:rPr lang="en-SG" sz="1200" b="1" dirty="0"/>
-              <a:t> M221 PLC </a:t>
-            </a:r>
+            <a:endParaRPr lang="en-SG" sz="1200" b="1" dirty="0"/>
           </a:p>
         </p:txBody>
       </p:sp>
       <p:cxnSp>
         <p:nvCxnSpPr>
-          <p:cNvPr id="28" name="Straight Connector 27">
-            <a:extLst>
-              <a:ext uri="{FF2B5EF4-FFF2-40B4-BE49-F238E27FC236}">
-                <a16:creationId xmlns:a16="http://schemas.microsoft.com/office/drawing/2014/main" id="{1F118082-8CD8-2389-2A25-B98479F99050}"/>
+          <p:cNvPr id="119" name="Connector: Elbow 118">
+            <a:extLst>
+              <a:ext uri="{FF2B5EF4-FFF2-40B4-BE49-F238E27FC236}">
+                <a16:creationId xmlns:a16="http://schemas.microsoft.com/office/drawing/2014/main" id="{DC2A1C5C-1EDC-66F4-5EFF-42FE62B9D3B8}"/>
               </a:ext>
             </a:extLst>
           </p:cNvPr>
           <p:cNvCxnSpPr>
             <a:cxnSpLocks/>
+            <a:stCxn id="116" idx="1"/>
+            <a:endCxn id="86" idx="3"/>
           </p:cNvCxnSpPr>
           <p:nvPr/>
         </p:nvCxnSpPr>
         <p:spPr>
-          <a:xfrm>
-            <a:off x="3760237" y="2752615"/>
-            <a:ext cx="0" cy="975176"/>
-          </a:xfrm>
-          <a:prstGeom prst="line">
-            <a:avLst/>
+          <a:xfrm rot="10800000" flipH="1" flipV="1">
+            <a:off x="7067047" y="3375863"/>
+            <a:ext cx="494030" cy="954550"/>
+          </a:xfrm>
+          <a:prstGeom prst="bentConnector5">
+            <a:avLst>
+              <a:gd name="adj1" fmla="val -46272"/>
+              <a:gd name="adj2" fmla="val 46980"/>
+              <a:gd name="adj3" fmla="val 146272"/>
+            </a:avLst>
           </a:prstGeom>
         </p:spPr>
         <p:style>
@@ -27055,280 +30463,77 @@
       </p:cxnSp>
       <p:cxnSp>
         <p:nvCxnSpPr>
-          <p:cNvPr id="30" name="Straight Connector 29">
-            <a:extLst>
-              <a:ext uri="{FF2B5EF4-FFF2-40B4-BE49-F238E27FC236}">
-                <a16:creationId xmlns:a16="http://schemas.microsoft.com/office/drawing/2014/main" id="{B83E0E98-7A7C-EC0E-2E1E-DCD4849EAEA7}"/>
-              </a:ext>
-            </a:extLst>
-          </p:cNvPr>
-          <p:cNvCxnSpPr>
-            <a:stCxn id="5" idx="3"/>
-          </p:cNvCxnSpPr>
-          <p:nvPr/>
-        </p:nvCxnSpPr>
-        <p:spPr>
-          <a:xfrm>
-            <a:off x="3471100" y="3201207"/>
-            <a:ext cx="289137" cy="0"/>
-          </a:xfrm>
-          <a:prstGeom prst="line">
-            <a:avLst/>
-          </a:prstGeom>
-        </p:spPr>
-        <p:style>
-          <a:lnRef idx="2">
-            <a:schemeClr val="accent1"/>
-          </a:lnRef>
-          <a:fillRef idx="0">
-            <a:schemeClr val="accent1"/>
-          </a:fillRef>
-          <a:effectRef idx="1">
-            <a:schemeClr val="accent1"/>
-          </a:effectRef>
-          <a:fontRef idx="minor">
-            <a:schemeClr val="tx1"/>
-          </a:fontRef>
-        </p:style>
-      </p:cxnSp>
-      <p:sp>
-        <p:nvSpPr>
-          <p:cNvPr id="32" name="TextBox 31">
-            <a:extLst>
-              <a:ext uri="{FF2B5EF4-FFF2-40B4-BE49-F238E27FC236}">
-                <a16:creationId xmlns:a16="http://schemas.microsoft.com/office/drawing/2014/main" id="{2992B44B-4EFC-2E2F-D6F3-65B7867CAFD7}"/>
-              </a:ext>
-            </a:extLst>
-          </p:cNvPr>
-          <p:cNvSpPr txBox="1"/>
-          <p:nvPr/>
-        </p:nvSpPr>
-        <p:spPr>
-          <a:xfrm>
-            <a:off x="5260771" y="3081528"/>
-            <a:ext cx="1499457" cy="461665"/>
-          </a:xfrm>
-          <a:prstGeom prst="rect">
-            <a:avLst/>
-          </a:prstGeom>
-          <a:noFill/>
-        </p:spPr>
-        <p:txBody>
-          <a:bodyPr wrap="square" rtlCol="0">
-            <a:spAutoFit/>
-          </a:bodyPr>
-          <a:lstStyle/>
-          <a:p>
-            <a:r>
-              <a:rPr lang="en-SG" sz="1200" b="1" dirty="0"/>
-              <a:t>Siemens  SIMATIC S7-1200 PLC</a:t>
-            </a:r>
-          </a:p>
-        </p:txBody>
-      </p:sp>
-      <p:cxnSp>
-        <p:nvCxnSpPr>
-          <p:cNvPr id="33" name="Straight Connector 32">
-            <a:extLst>
-              <a:ext uri="{FF2B5EF4-FFF2-40B4-BE49-F238E27FC236}">
-                <a16:creationId xmlns:a16="http://schemas.microsoft.com/office/drawing/2014/main" id="{86F7A6E0-7BB3-6FDC-DACE-974031832732}"/>
+          <p:cNvPr id="120" name="Connector: Elbow 119">
+            <a:extLst>
+              <a:ext uri="{FF2B5EF4-FFF2-40B4-BE49-F238E27FC236}">
+                <a16:creationId xmlns:a16="http://schemas.microsoft.com/office/drawing/2014/main" id="{74886A93-2416-71D2-AB40-E3149EF0F594}"/>
               </a:ext>
             </a:extLst>
           </p:cNvPr>
           <p:cNvCxnSpPr>
             <a:cxnSpLocks/>
+            <a:stCxn id="116" idx="3"/>
+            <a:endCxn id="87" idx="3"/>
           </p:cNvCxnSpPr>
           <p:nvPr/>
         </p:nvCxnSpPr>
         <p:spPr>
-          <a:xfrm>
-            <a:off x="6994165" y="2362525"/>
-            <a:ext cx="0" cy="1798320"/>
-          </a:xfrm>
-          <a:prstGeom prst="line">
-            <a:avLst/>
-          </a:prstGeom>
+          <a:xfrm flipH="1">
+            <a:off x="7575570" y="3375863"/>
+            <a:ext cx="204822" cy="1955608"/>
+          </a:xfrm>
+          <a:prstGeom prst="bentConnector3">
+            <a:avLst>
+              <a:gd name="adj1" fmla="val -111609"/>
+            </a:avLst>
+          </a:prstGeom>
+        </p:spPr>
+        <p:style>
+          <a:lnRef idx="2">
+            <a:schemeClr val="accent1"/>
+          </a:lnRef>
+          <a:fillRef idx="0">
+            <a:schemeClr val="accent1"/>
+          </a:fillRef>
+          <a:effectRef idx="1">
+            <a:schemeClr val="accent1"/>
+          </a:effectRef>
+          <a:fontRef idx="minor">
+            <a:schemeClr val="tx1"/>
+          </a:fontRef>
+        </p:style>
+      </p:cxnSp>
+      <p:sp>
+        <p:nvSpPr>
+          <p:cNvPr id="124" name="Rectangle 123">
+            <a:extLst>
+              <a:ext uri="{FF2B5EF4-FFF2-40B4-BE49-F238E27FC236}">
+                <a16:creationId xmlns:a16="http://schemas.microsoft.com/office/drawing/2014/main" id="{8E457287-FD3B-719A-C531-5C8E600AEC27}"/>
+              </a:ext>
+            </a:extLst>
+          </p:cNvPr>
+          <p:cNvSpPr/>
+          <p:nvPr/>
+        </p:nvSpPr>
+        <p:spPr>
+          <a:xfrm>
+            <a:off x="4673857" y="2893988"/>
+            <a:ext cx="2046968" cy="296014"/>
+          </a:xfrm>
+          <a:prstGeom prst="rect">
+            <a:avLst/>
+          </a:prstGeom>
+          <a:solidFill>
+            <a:schemeClr val="tx2">
+              <a:lumMod val="75000"/>
+              <a:lumOff val="25000"/>
+            </a:schemeClr>
+          </a:solidFill>
           <a:ln>
             <a:solidFill>
-              <a:schemeClr val="accent2">
-                <a:lumMod val="75000"/>
-              </a:schemeClr>
+              <a:schemeClr val="tx1"/>
             </a:solidFill>
           </a:ln>
-        </p:spPr>
-        <p:style>
-          <a:lnRef idx="2">
-            <a:schemeClr val="accent1"/>
-          </a:lnRef>
-          <a:fillRef idx="0">
-            <a:schemeClr val="accent1"/>
-          </a:fillRef>
-          <a:effectRef idx="1">
-            <a:schemeClr val="accent1"/>
-          </a:effectRef>
-          <a:fontRef idx="minor">
-            <a:schemeClr val="tx1"/>
-          </a:fontRef>
-        </p:style>
-      </p:cxnSp>
-      <p:cxnSp>
-        <p:nvCxnSpPr>
-          <p:cNvPr id="36" name="Straight Connector 35">
-            <a:extLst>
-              <a:ext uri="{FF2B5EF4-FFF2-40B4-BE49-F238E27FC236}">
-                <a16:creationId xmlns:a16="http://schemas.microsoft.com/office/drawing/2014/main" id="{EE2912AD-AC23-E0B7-C02B-0674E53F05AD}"/>
-              </a:ext>
-            </a:extLst>
-          </p:cNvPr>
-          <p:cNvCxnSpPr>
-            <a:cxnSpLocks/>
-            <a:stCxn id="7" idx="3"/>
-          </p:cNvCxnSpPr>
-          <p:nvPr/>
-        </p:nvCxnSpPr>
-        <p:spPr>
-          <a:xfrm>
-            <a:off x="6643271" y="2362525"/>
-            <a:ext cx="350894" cy="0"/>
-          </a:xfrm>
-          <a:prstGeom prst="line">
-            <a:avLst/>
-          </a:prstGeom>
-          <a:ln>
-            <a:solidFill>
-              <a:schemeClr val="accent2">
-                <a:lumMod val="75000"/>
-              </a:schemeClr>
-            </a:solidFill>
-          </a:ln>
-        </p:spPr>
-        <p:style>
-          <a:lnRef idx="2">
-            <a:schemeClr val="accent1"/>
-          </a:lnRef>
-          <a:fillRef idx="0">
-            <a:schemeClr val="accent1"/>
-          </a:fillRef>
-          <a:effectRef idx="1">
-            <a:schemeClr val="accent1"/>
-          </a:effectRef>
-          <a:fontRef idx="minor">
-            <a:schemeClr val="tx1"/>
-          </a:fontRef>
-        </p:style>
-      </p:cxnSp>
-      <p:cxnSp>
-        <p:nvCxnSpPr>
-          <p:cNvPr id="38" name="Straight Connector 37">
-            <a:extLst>
-              <a:ext uri="{FF2B5EF4-FFF2-40B4-BE49-F238E27FC236}">
-                <a16:creationId xmlns:a16="http://schemas.microsoft.com/office/drawing/2014/main" id="{27EAE026-93BC-F41A-A403-9B6D16B58EC7}"/>
-              </a:ext>
-            </a:extLst>
-          </p:cNvPr>
-          <p:cNvCxnSpPr>
-            <a:cxnSpLocks/>
-          </p:cNvCxnSpPr>
-          <p:nvPr/>
-        </p:nvCxnSpPr>
-        <p:spPr>
-          <a:xfrm>
-            <a:off x="6643271" y="4160845"/>
-            <a:ext cx="350894" cy="0"/>
-          </a:xfrm>
-          <a:prstGeom prst="line">
-            <a:avLst/>
-          </a:prstGeom>
-          <a:ln>
-            <a:solidFill>
-              <a:schemeClr val="accent2">
-                <a:lumMod val="75000"/>
-              </a:schemeClr>
-            </a:solidFill>
-          </a:ln>
-        </p:spPr>
-        <p:style>
-          <a:lnRef idx="2">
-            <a:schemeClr val="accent1"/>
-          </a:lnRef>
-          <a:fillRef idx="0">
-            <a:schemeClr val="accent1"/>
-          </a:fillRef>
-          <a:effectRef idx="1">
-            <a:schemeClr val="accent1"/>
-          </a:effectRef>
-          <a:fontRef idx="minor">
-            <a:schemeClr val="tx1"/>
-          </a:fontRef>
-        </p:style>
-      </p:cxnSp>
-      <p:cxnSp>
-        <p:nvCxnSpPr>
-          <p:cNvPr id="41" name="Straight Arrow Connector 40">
-            <a:extLst>
-              <a:ext uri="{FF2B5EF4-FFF2-40B4-BE49-F238E27FC236}">
-                <a16:creationId xmlns:a16="http://schemas.microsoft.com/office/drawing/2014/main" id="{62B33945-B0F5-517B-7867-39B26D93A07A}"/>
-              </a:ext>
-            </a:extLst>
-          </p:cNvPr>
-          <p:cNvCxnSpPr/>
-          <p:nvPr/>
-        </p:nvCxnSpPr>
-        <p:spPr>
-          <a:xfrm>
-            <a:off x="7005493" y="2512137"/>
-            <a:ext cx="211307" cy="0"/>
-          </a:xfrm>
-          <a:prstGeom prst="straightConnector1">
-            <a:avLst/>
-          </a:prstGeom>
-          <a:ln>
-            <a:solidFill>
-              <a:schemeClr val="accent2">
-                <a:lumMod val="75000"/>
-              </a:schemeClr>
-            </a:solidFill>
-            <a:tailEnd type="triangle"/>
-          </a:ln>
-        </p:spPr>
-        <p:style>
-          <a:lnRef idx="2">
-            <a:schemeClr val="accent1"/>
-          </a:lnRef>
-          <a:fillRef idx="0">
-            <a:schemeClr val="accent1"/>
-          </a:fillRef>
-          <a:effectRef idx="1">
-            <a:schemeClr val="accent1"/>
-          </a:effectRef>
-          <a:fontRef idx="minor">
-            <a:schemeClr val="tx1"/>
-          </a:fontRef>
-        </p:style>
-      </p:cxnSp>
-      <p:sp>
-        <p:nvSpPr>
-          <p:cNvPr id="42" name="Rectangle 41">
-            <a:extLst>
-              <a:ext uri="{FF2B5EF4-FFF2-40B4-BE49-F238E27FC236}">
-                <a16:creationId xmlns:a16="http://schemas.microsoft.com/office/drawing/2014/main" id="{5E1633FB-10F9-A704-9AF1-9698C36095D3}"/>
-              </a:ext>
-            </a:extLst>
-          </p:cNvPr>
-          <p:cNvSpPr/>
-          <p:nvPr/>
-        </p:nvSpPr>
-        <p:spPr>
-          <a:xfrm>
-            <a:off x="7239431" y="2424630"/>
-            <a:ext cx="942692" cy="231570"/>
-          </a:xfrm>
-          <a:prstGeom prst="rect">
-            <a:avLst/>
-          </a:prstGeom>
-          <a:solidFill>
-            <a:schemeClr val="accent2"/>
-          </a:solidFill>
         </p:spPr>
         <p:style>
           <a:lnRef idx="2">
@@ -27351,18 +30556,100 @@
           <a:lstStyle/>
           <a:p>
             <a:r>
-              <a:rPr lang="en-SG" sz="1200" b="1" dirty="0"/>
-              <a:t>OT Device</a:t>
+              <a:rPr lang="en-US" sz="1050" b="1" dirty="0"/>
+              <a:t>Memory Management Module </a:t>
             </a:r>
+            <a:endParaRPr lang="en-SG" sz="1050" b="1" dirty="0"/>
           </a:p>
         </p:txBody>
       </p:sp>
       <p:cxnSp>
         <p:nvCxnSpPr>
-          <p:cNvPr id="44" name="Straight Connector 43">
-            <a:extLst>
-              <a:ext uri="{FF2B5EF4-FFF2-40B4-BE49-F238E27FC236}">
-                <a16:creationId xmlns:a16="http://schemas.microsoft.com/office/drawing/2014/main" id="{62C43FAB-8818-8F3C-0382-06A8F453B121}"/>
+          <p:cNvPr id="130" name="Straight Connector 129">
+            <a:extLst>
+              <a:ext uri="{FF2B5EF4-FFF2-40B4-BE49-F238E27FC236}">
+                <a16:creationId xmlns:a16="http://schemas.microsoft.com/office/drawing/2014/main" id="{E38D72A9-33E9-FDF4-75A4-6F27C6195F75}"/>
+              </a:ext>
+            </a:extLst>
+          </p:cNvPr>
+          <p:cNvCxnSpPr/>
+          <p:nvPr/>
+        </p:nvCxnSpPr>
+        <p:spPr>
+          <a:xfrm>
+            <a:off x="6640384" y="3150469"/>
+            <a:ext cx="408514" cy="0"/>
+          </a:xfrm>
+          <a:prstGeom prst="line">
+            <a:avLst/>
+          </a:prstGeom>
+        </p:spPr>
+        <p:style>
+          <a:lnRef idx="2">
+            <a:schemeClr val="accent1"/>
+          </a:lnRef>
+          <a:fillRef idx="0">
+            <a:schemeClr val="accent1"/>
+          </a:fillRef>
+          <a:effectRef idx="1">
+            <a:schemeClr val="accent1"/>
+          </a:effectRef>
+          <a:fontRef idx="minor">
+            <a:schemeClr val="tx1"/>
+          </a:fontRef>
+        </p:style>
+      </p:cxnSp>
+      <p:cxnSp>
+        <p:nvCxnSpPr>
+          <p:cNvPr id="132" name="Connector: Elbow 131">
+            <a:extLst>
+              <a:ext uri="{FF2B5EF4-FFF2-40B4-BE49-F238E27FC236}">
+                <a16:creationId xmlns:a16="http://schemas.microsoft.com/office/drawing/2014/main" id="{F4BF7FD1-140F-8503-EA2B-F5BA599B5DF9}"/>
+              </a:ext>
+            </a:extLst>
+          </p:cNvPr>
+          <p:cNvCxnSpPr>
+            <a:cxnSpLocks/>
+            <a:endCxn id="124" idx="2"/>
+          </p:cNvCxnSpPr>
+          <p:nvPr/>
+        </p:nvCxnSpPr>
+        <p:spPr>
+          <a:xfrm rot="10800000">
+            <a:off x="5697341" y="3190002"/>
+            <a:ext cx="913756" cy="167140"/>
+          </a:xfrm>
+          <a:prstGeom prst="bentConnector2">
+            <a:avLst/>
+          </a:prstGeom>
+          <a:ln>
+            <a:solidFill>
+              <a:schemeClr val="tx1"/>
+            </a:solidFill>
+            <a:prstDash val="sysDash"/>
+          </a:ln>
+        </p:spPr>
+        <p:style>
+          <a:lnRef idx="2">
+            <a:schemeClr val="accent1"/>
+          </a:lnRef>
+          <a:fillRef idx="0">
+            <a:schemeClr val="accent1"/>
+          </a:fillRef>
+          <a:effectRef idx="1">
+            <a:schemeClr val="accent1"/>
+          </a:effectRef>
+          <a:fontRef idx="minor">
+            <a:schemeClr val="tx1"/>
+          </a:fontRef>
+        </p:style>
+      </p:cxnSp>
+      <p:cxnSp>
+        <p:nvCxnSpPr>
+          <p:cNvPr id="145" name="Straight Connector 144">
+            <a:extLst>
+              <a:ext uri="{FF2B5EF4-FFF2-40B4-BE49-F238E27FC236}">
+                <a16:creationId xmlns:a16="http://schemas.microsoft.com/office/drawing/2014/main" id="{29DAE77B-05F9-5219-D6D6-7D69A843B78E}"/>
               </a:ext>
             </a:extLst>
           </p:cNvPr>
@@ -27373,10 +30660,213 @@
         </p:nvCxnSpPr>
         <p:spPr>
           <a:xfrm>
-            <a:off x="4310229" y="2424630"/>
-            <a:ext cx="0" cy="339485"/>
+            <a:off x="5079828" y="1906952"/>
+            <a:ext cx="0" cy="987036"/>
           </a:xfrm>
           <a:prstGeom prst="line">
+            <a:avLst/>
+          </a:prstGeom>
+        </p:spPr>
+        <p:style>
+          <a:lnRef idx="2">
+            <a:schemeClr val="accent1"/>
+          </a:lnRef>
+          <a:fillRef idx="0">
+            <a:schemeClr val="accent1"/>
+          </a:fillRef>
+          <a:effectRef idx="1">
+            <a:schemeClr val="accent1"/>
+          </a:effectRef>
+          <a:fontRef idx="minor">
+            <a:schemeClr val="tx1"/>
+          </a:fontRef>
+        </p:style>
+      </p:cxnSp>
+      <p:sp>
+        <p:nvSpPr>
+          <p:cNvPr id="150" name="Rectangle 149">
+            <a:extLst>
+              <a:ext uri="{FF2B5EF4-FFF2-40B4-BE49-F238E27FC236}">
+                <a16:creationId xmlns:a16="http://schemas.microsoft.com/office/drawing/2014/main" id="{5FE92F7D-928C-1178-B356-6B2C0362C822}"/>
+              </a:ext>
+            </a:extLst>
+          </p:cNvPr>
+          <p:cNvSpPr/>
+          <p:nvPr/>
+        </p:nvSpPr>
+        <p:spPr>
+          <a:xfrm>
+            <a:off x="7034808" y="1707534"/>
+            <a:ext cx="1070290" cy="281016"/>
+          </a:xfrm>
+          <a:prstGeom prst="rect">
+            <a:avLst/>
+          </a:prstGeom>
+          <a:solidFill>
+            <a:schemeClr val="accent2"/>
+          </a:solidFill>
+        </p:spPr>
+        <p:style>
+          <a:lnRef idx="2">
+            <a:schemeClr val="accent1">
+              <a:shade val="50000"/>
+            </a:schemeClr>
+          </a:lnRef>
+          <a:fillRef idx="1">
+            <a:schemeClr val="accent1"/>
+          </a:fillRef>
+          <a:effectRef idx="0">
+            <a:schemeClr val="accent1"/>
+          </a:effectRef>
+          <a:fontRef idx="minor">
+            <a:schemeClr val="lt1"/>
+          </a:fontRef>
+        </p:style>
+        <p:txBody>
+          <a:bodyPr rtlCol="0" anchor="ctr"/>
+          <a:lstStyle/>
+          <a:p>
+            <a:r>
+              <a:rPr lang="en-US" sz="1050" b="1" dirty="0"/>
+              <a:t>IEC 104 Server </a:t>
+            </a:r>
+            <a:endParaRPr lang="en-SG" sz="1050" b="1" dirty="0"/>
+          </a:p>
+        </p:txBody>
+      </p:sp>
+      <p:sp>
+        <p:nvSpPr>
+          <p:cNvPr id="151" name="Rectangle 150">
+            <a:extLst>
+              <a:ext uri="{FF2B5EF4-FFF2-40B4-BE49-F238E27FC236}">
+                <a16:creationId xmlns:a16="http://schemas.microsoft.com/office/drawing/2014/main" id="{652B0B69-35D6-ABFC-C5C9-69A313D0CF43}"/>
+              </a:ext>
+            </a:extLst>
+          </p:cNvPr>
+          <p:cNvSpPr/>
+          <p:nvPr/>
+        </p:nvSpPr>
+        <p:spPr>
+          <a:xfrm>
+            <a:off x="7025932" y="2245573"/>
+            <a:ext cx="1070290" cy="281016"/>
+          </a:xfrm>
+          <a:prstGeom prst="rect">
+            <a:avLst/>
+          </a:prstGeom>
+          <a:solidFill>
+            <a:schemeClr val="accent2"/>
+          </a:solidFill>
+        </p:spPr>
+        <p:style>
+          <a:lnRef idx="2">
+            <a:schemeClr val="accent1">
+              <a:shade val="50000"/>
+            </a:schemeClr>
+          </a:lnRef>
+          <a:fillRef idx="1">
+            <a:schemeClr val="accent1"/>
+          </a:fillRef>
+          <a:effectRef idx="0">
+            <a:schemeClr val="accent1"/>
+          </a:effectRef>
+          <a:fontRef idx="minor">
+            <a:schemeClr val="lt1"/>
+          </a:fontRef>
+        </p:style>
+        <p:txBody>
+          <a:bodyPr rtlCol="0" anchor="ctr"/>
+          <a:lstStyle/>
+          <a:p>
+            <a:r>
+              <a:rPr lang="en-US" sz="1050" b="1" dirty="0"/>
+              <a:t>IEC 104 Server </a:t>
+            </a:r>
+            <a:endParaRPr lang="en-SG" sz="1050" b="1" dirty="0"/>
+          </a:p>
+        </p:txBody>
+      </p:sp>
+      <p:sp>
+        <p:nvSpPr>
+          <p:cNvPr id="156" name="Rectangle 155">
+            <a:extLst>
+              <a:ext uri="{FF2B5EF4-FFF2-40B4-BE49-F238E27FC236}">
+                <a16:creationId xmlns:a16="http://schemas.microsoft.com/office/drawing/2014/main" id="{7201F8AB-0A67-9824-708D-9A3030A5795A}"/>
+              </a:ext>
+            </a:extLst>
+          </p:cNvPr>
+          <p:cNvSpPr/>
+          <p:nvPr/>
+        </p:nvSpPr>
+        <p:spPr>
+          <a:xfrm>
+            <a:off x="5431940" y="2160642"/>
+            <a:ext cx="1070291" cy="457697"/>
+          </a:xfrm>
+          <a:prstGeom prst="rect">
+            <a:avLst/>
+          </a:prstGeom>
+          <a:solidFill>
+            <a:schemeClr val="tx2">
+              <a:lumMod val="75000"/>
+              <a:lumOff val="25000"/>
+            </a:schemeClr>
+          </a:solidFill>
+          <a:ln>
+            <a:solidFill>
+              <a:schemeClr val="tx1"/>
+            </a:solidFill>
+          </a:ln>
+        </p:spPr>
+        <p:style>
+          <a:lnRef idx="2">
+            <a:schemeClr val="accent1">
+              <a:shade val="50000"/>
+            </a:schemeClr>
+          </a:lnRef>
+          <a:fillRef idx="1">
+            <a:schemeClr val="accent1"/>
+          </a:fillRef>
+          <a:effectRef idx="0">
+            <a:schemeClr val="accent1"/>
+          </a:effectRef>
+          <a:fontRef idx="minor">
+            <a:schemeClr val="lt1"/>
+          </a:fontRef>
+        </p:style>
+        <p:txBody>
+          <a:bodyPr rtlCol="0" anchor="ctr"/>
+          <a:lstStyle/>
+          <a:p>
+            <a:r>
+              <a:rPr lang="en-US" sz="1050" b="1" dirty="0"/>
+              <a:t>Connection Management Module </a:t>
+            </a:r>
+            <a:endParaRPr lang="en-SG" sz="1050" b="1" dirty="0"/>
+          </a:p>
+        </p:txBody>
+      </p:sp>
+      <p:cxnSp>
+        <p:nvCxnSpPr>
+          <p:cNvPr id="158" name="Connector: Elbow 157">
+            <a:extLst>
+              <a:ext uri="{FF2B5EF4-FFF2-40B4-BE49-F238E27FC236}">
+                <a16:creationId xmlns:a16="http://schemas.microsoft.com/office/drawing/2014/main" id="{DAE5D238-321C-CB22-42B1-9BAEF666F111}"/>
+              </a:ext>
+            </a:extLst>
+          </p:cNvPr>
+          <p:cNvCxnSpPr>
+            <a:cxnSpLocks/>
+            <a:endCxn id="156" idx="1"/>
+          </p:cNvCxnSpPr>
+          <p:nvPr/>
+        </p:nvCxnSpPr>
+        <p:spPr>
+          <a:xfrm rot="16200000" flipH="1">
+            <a:off x="5091906" y="2049456"/>
+            <a:ext cx="476019" cy="204050"/>
+          </a:xfrm>
+          <a:prstGeom prst="bentConnector2">
             <a:avLst/>
           </a:prstGeom>
         </p:spPr>
@@ -27397,10 +30887,94 @@
       </p:cxnSp>
       <p:cxnSp>
         <p:nvCxnSpPr>
-          <p:cNvPr id="46" name="Straight Connector 45">
-            <a:extLst>
-              <a:ext uri="{FF2B5EF4-FFF2-40B4-BE49-F238E27FC236}">
-                <a16:creationId xmlns:a16="http://schemas.microsoft.com/office/drawing/2014/main" id="{47BB87FF-6068-B917-9B21-BEEE2868BD1C}"/>
+          <p:cNvPr id="160" name="Connector: Elbow 159">
+            <a:extLst>
+              <a:ext uri="{FF2B5EF4-FFF2-40B4-BE49-F238E27FC236}">
+                <a16:creationId xmlns:a16="http://schemas.microsoft.com/office/drawing/2014/main" id="{214F8916-E5B9-A19D-325E-0207AC3AF000}"/>
+              </a:ext>
+            </a:extLst>
+          </p:cNvPr>
+          <p:cNvCxnSpPr>
+            <a:cxnSpLocks/>
+            <a:stCxn id="156" idx="3"/>
+            <a:endCxn id="150" idx="1"/>
+          </p:cNvCxnSpPr>
+          <p:nvPr/>
+        </p:nvCxnSpPr>
+        <p:spPr>
+          <a:xfrm flipV="1">
+            <a:off x="6502231" y="1848042"/>
+            <a:ext cx="532577" cy="541449"/>
+          </a:xfrm>
+          <a:prstGeom prst="bentConnector3">
+            <a:avLst>
+              <a:gd name="adj1" fmla="val 50000"/>
+            </a:avLst>
+          </a:prstGeom>
+        </p:spPr>
+        <p:style>
+          <a:lnRef idx="2">
+            <a:schemeClr val="accent1"/>
+          </a:lnRef>
+          <a:fillRef idx="0">
+            <a:schemeClr val="accent1"/>
+          </a:fillRef>
+          <a:effectRef idx="1">
+            <a:schemeClr val="accent1"/>
+          </a:effectRef>
+          <a:fontRef idx="minor">
+            <a:schemeClr val="tx1"/>
+          </a:fontRef>
+        </p:style>
+      </p:cxnSp>
+      <p:cxnSp>
+        <p:nvCxnSpPr>
+          <p:cNvPr id="163" name="Connector: Elbow 162">
+            <a:extLst>
+              <a:ext uri="{FF2B5EF4-FFF2-40B4-BE49-F238E27FC236}">
+                <a16:creationId xmlns:a16="http://schemas.microsoft.com/office/drawing/2014/main" id="{7BD7F53A-2A1E-D6EF-502B-A6884177ABC5}"/>
+              </a:ext>
+            </a:extLst>
+          </p:cNvPr>
+          <p:cNvCxnSpPr>
+            <a:cxnSpLocks/>
+            <a:stCxn id="156" idx="3"/>
+            <a:endCxn id="151" idx="1"/>
+          </p:cNvCxnSpPr>
+          <p:nvPr/>
+        </p:nvCxnSpPr>
+        <p:spPr>
+          <a:xfrm flipV="1">
+            <a:off x="6502231" y="2386081"/>
+            <a:ext cx="523701" cy="3410"/>
+          </a:xfrm>
+          <a:prstGeom prst="bentConnector3">
+            <a:avLst>
+              <a:gd name="adj1" fmla="val 50000"/>
+            </a:avLst>
+          </a:prstGeom>
+        </p:spPr>
+        <p:style>
+          <a:lnRef idx="2">
+            <a:schemeClr val="accent1"/>
+          </a:lnRef>
+          <a:fillRef idx="0">
+            <a:schemeClr val="accent1"/>
+          </a:fillRef>
+          <a:effectRef idx="1">
+            <a:schemeClr val="accent1"/>
+          </a:effectRef>
+          <a:fontRef idx="minor">
+            <a:schemeClr val="tx1"/>
+          </a:fontRef>
+        </p:style>
+      </p:cxnSp>
+      <p:cxnSp>
+        <p:nvCxnSpPr>
+          <p:cNvPr id="166" name="Straight Connector 165">
+            <a:extLst>
+              <a:ext uri="{FF2B5EF4-FFF2-40B4-BE49-F238E27FC236}">
+                <a16:creationId xmlns:a16="http://schemas.microsoft.com/office/drawing/2014/main" id="{8EC21AE7-940A-A782-B415-D8135DE4BCD8}"/>
               </a:ext>
             </a:extLst>
           </p:cNvPr>
@@ -27411,12 +30985,20 @@
         </p:nvCxnSpPr>
         <p:spPr>
           <a:xfrm>
-            <a:off x="4295139" y="3700272"/>
-            <a:ext cx="0" cy="339485"/>
+            <a:off x="8429351" y="766748"/>
+            <a:ext cx="0" cy="5378020"/>
           </a:xfrm>
           <a:prstGeom prst="line">
             <a:avLst/>
           </a:prstGeom>
+          <a:ln>
+            <a:solidFill>
+              <a:schemeClr val="bg2">
+                <a:lumMod val="75000"/>
+              </a:schemeClr>
+            </a:solidFill>
+            <a:prstDash val="sysDash"/>
+          </a:ln>
         </p:spPr>
         <p:style>
           <a:lnRef idx="2">
@@ -27435,10 +31017,62 @@
       </p:cxnSp>
       <p:sp>
         <p:nvSpPr>
-          <p:cNvPr id="47" name="TextBox 46">
-            <a:extLst>
-              <a:ext uri="{FF2B5EF4-FFF2-40B4-BE49-F238E27FC236}">
-                <a16:creationId xmlns:a16="http://schemas.microsoft.com/office/drawing/2014/main" id="{C33CAD22-70E7-27EC-F472-B240D48524FA}"/>
+          <p:cNvPr id="167" name="Rectangle 166">
+            <a:extLst>
+              <a:ext uri="{FF2B5EF4-FFF2-40B4-BE49-F238E27FC236}">
+                <a16:creationId xmlns:a16="http://schemas.microsoft.com/office/drawing/2014/main" id="{A18B5A0A-6969-7F67-02FE-B5FCC3964F98}"/>
+              </a:ext>
+            </a:extLst>
+          </p:cNvPr>
+          <p:cNvSpPr/>
+          <p:nvPr/>
+        </p:nvSpPr>
+        <p:spPr>
+          <a:xfrm>
+            <a:off x="8641240" y="1197864"/>
+            <a:ext cx="3005023" cy="4669465"/>
+          </a:xfrm>
+          <a:prstGeom prst="rect">
+            <a:avLst/>
+          </a:prstGeom>
+          <a:solidFill>
+            <a:schemeClr val="accent2">
+              <a:lumMod val="20000"/>
+              <a:lumOff val="80000"/>
+            </a:schemeClr>
+          </a:solidFill>
+        </p:spPr>
+        <p:style>
+          <a:lnRef idx="2">
+            <a:schemeClr val="accent1">
+              <a:shade val="15000"/>
+            </a:schemeClr>
+          </a:lnRef>
+          <a:fillRef idx="1">
+            <a:schemeClr val="accent1"/>
+          </a:fillRef>
+          <a:effectRef idx="0">
+            <a:schemeClr val="accent1"/>
+          </a:effectRef>
+          <a:fontRef idx="minor">
+            <a:schemeClr val="lt1"/>
+          </a:fontRef>
+        </p:style>
+        <p:txBody>
+          <a:bodyPr rtlCol="0" anchor="ctr"/>
+          <a:lstStyle/>
+          <a:p>
+            <a:pPr algn="ctr"/>
+            <a:endParaRPr lang="en-SG" dirty="0"/>
+          </a:p>
+        </p:txBody>
+      </p:sp>
+      <p:sp>
+        <p:nvSpPr>
+          <p:cNvPr id="168" name="TextBox 167">
+            <a:extLst>
+              <a:ext uri="{FF2B5EF4-FFF2-40B4-BE49-F238E27FC236}">
+                <a16:creationId xmlns:a16="http://schemas.microsoft.com/office/drawing/2014/main" id="{1A359336-8DCF-D73D-017F-3F3B60206625}"/>
               </a:ext>
             </a:extLst>
           </p:cNvPr>
@@ -27447,8 +31081,8 @@
         </p:nvSpPr>
         <p:spPr>
           <a:xfrm>
-            <a:off x="6818718" y="1894324"/>
-            <a:ext cx="851385" cy="461665"/>
+            <a:off x="8649948" y="1225291"/>
+            <a:ext cx="3048369" cy="307777"/>
           </a:xfrm>
           <a:prstGeom prst="rect">
             <a:avLst/>
@@ -27462,68 +31096,31 @@
           <a:lstStyle/>
           <a:p>
             <a:r>
-              <a:rPr lang="en-SG" sz="1200" b="1" dirty="0">
+              <a:rPr lang="en-US" sz="1400" b="1" dirty="0">
                 <a:solidFill>
                   <a:schemeClr val="accent2">
                     <a:lumMod val="75000"/>
                   </a:schemeClr>
                 </a:solidFill>
               </a:rPr>
-              <a:t>Electrical signals </a:t>
+              <a:t>SCADA HMI/Console Program</a:t>
             </a:r>
-          </a:p>
-        </p:txBody>
-      </p:sp>
-      <p:cxnSp>
-        <p:nvCxnSpPr>
-          <p:cNvPr id="50" name="Straight Arrow Connector 49">
-            <a:extLst>
-              <a:ext uri="{FF2B5EF4-FFF2-40B4-BE49-F238E27FC236}">
-                <a16:creationId xmlns:a16="http://schemas.microsoft.com/office/drawing/2014/main" id="{B5E576C0-70A9-8EAC-3C86-E1A987E610EE}"/>
-              </a:ext>
-            </a:extLst>
-          </p:cNvPr>
-          <p:cNvCxnSpPr/>
-          <p:nvPr/>
-        </p:nvCxnSpPr>
-        <p:spPr>
-          <a:xfrm>
-            <a:off x="6994165" y="3649799"/>
-            <a:ext cx="211307" cy="0"/>
-          </a:xfrm>
-          <a:prstGeom prst="straightConnector1">
-            <a:avLst/>
-          </a:prstGeom>
-          <a:ln>
-            <a:solidFill>
-              <a:schemeClr val="accent2">
-                <a:lumMod val="75000"/>
-              </a:schemeClr>
-            </a:solidFill>
-            <a:tailEnd type="triangle"/>
-          </a:ln>
-        </p:spPr>
-        <p:style>
-          <a:lnRef idx="2">
-            <a:schemeClr val="accent1"/>
-          </a:lnRef>
-          <a:fillRef idx="0">
-            <a:schemeClr val="accent1"/>
-          </a:fillRef>
-          <a:effectRef idx="1">
-            <a:schemeClr val="accent1"/>
-          </a:effectRef>
-          <a:fontRef idx="minor">
-            <a:schemeClr val="tx1"/>
-          </a:fontRef>
-        </p:style>
-      </p:cxnSp>
-      <p:sp>
-        <p:nvSpPr>
-          <p:cNvPr id="51" name="Rectangle 50">
-            <a:extLst>
-              <a:ext uri="{FF2B5EF4-FFF2-40B4-BE49-F238E27FC236}">
-                <a16:creationId xmlns:a16="http://schemas.microsoft.com/office/drawing/2014/main" id="{650EC162-98DB-601E-1CAA-4AD9C0E91002}"/>
+            <a:endParaRPr lang="en-SG" sz="1400" b="1" dirty="0">
+              <a:solidFill>
+                <a:schemeClr val="accent2">
+                  <a:lumMod val="75000"/>
+                </a:schemeClr>
+              </a:solidFill>
+            </a:endParaRPr>
+          </a:p>
+        </p:txBody>
+      </p:sp>
+      <p:sp>
+        <p:nvSpPr>
+          <p:cNvPr id="169" name="Rectangle 168">
+            <a:extLst>
+              <a:ext uri="{FF2B5EF4-FFF2-40B4-BE49-F238E27FC236}">
+                <a16:creationId xmlns:a16="http://schemas.microsoft.com/office/drawing/2014/main" id="{7B9AD8BA-0A38-B24A-BA46-1739A68B1F64}"/>
               </a:ext>
             </a:extLst>
           </p:cNvPr>
@@ -27532,8 +31129,8 @@
         </p:nvSpPr>
         <p:spPr>
           <a:xfrm>
-            <a:off x="7254522" y="3512731"/>
-            <a:ext cx="916272" cy="231570"/>
+            <a:off x="8949328" y="2245573"/>
+            <a:ext cx="1070290" cy="281016"/>
           </a:xfrm>
           <a:prstGeom prst="rect">
             <a:avLst/>
@@ -27563,62 +31160,115 @@
           <a:lstStyle/>
           <a:p>
             <a:r>
-              <a:rPr lang="en-SG" sz="1200" b="1" dirty="0"/>
-              <a:t>Sensors</a:t>
+              <a:rPr lang="en-US" sz="1050" b="1" dirty="0"/>
+              <a:t>IEC 104 Client </a:t>
             </a:r>
-          </a:p>
-        </p:txBody>
-      </p:sp>
-      <p:cxnSp>
-        <p:nvCxnSpPr>
-          <p:cNvPr id="52" name="Straight Arrow Connector 51">
-            <a:extLst>
-              <a:ext uri="{FF2B5EF4-FFF2-40B4-BE49-F238E27FC236}">
-                <a16:creationId xmlns:a16="http://schemas.microsoft.com/office/drawing/2014/main" id="{D8F046D9-24B6-6A81-FBAD-FE468C1F5124}"/>
-              </a:ext>
-            </a:extLst>
-          </p:cNvPr>
-          <p:cNvCxnSpPr/>
-          <p:nvPr/>
-        </p:nvCxnSpPr>
-        <p:spPr>
-          <a:xfrm>
-            <a:off x="6994164" y="4019764"/>
-            <a:ext cx="211307" cy="0"/>
-          </a:xfrm>
-          <a:prstGeom prst="straightConnector1">
-            <a:avLst/>
-          </a:prstGeom>
-          <a:ln>
-            <a:solidFill>
-              <a:schemeClr val="accent2">
-                <a:lumMod val="75000"/>
-              </a:schemeClr>
-            </a:solidFill>
-            <a:tailEnd type="triangle"/>
-          </a:ln>
-        </p:spPr>
-        <p:style>
-          <a:lnRef idx="2">
-            <a:schemeClr val="accent1"/>
-          </a:lnRef>
-          <a:fillRef idx="0">
-            <a:schemeClr val="accent1"/>
-          </a:fillRef>
-          <a:effectRef idx="1">
-            <a:schemeClr val="accent1"/>
-          </a:effectRef>
-          <a:fontRef idx="minor">
-            <a:schemeClr val="tx1"/>
-          </a:fontRef>
-        </p:style>
-      </p:cxnSp>
-      <p:sp>
-        <p:nvSpPr>
-          <p:cNvPr id="53" name="Rectangle 52">
-            <a:extLst>
-              <a:ext uri="{FF2B5EF4-FFF2-40B4-BE49-F238E27FC236}">
-                <a16:creationId xmlns:a16="http://schemas.microsoft.com/office/drawing/2014/main" id="{1F4BE228-5D43-A29A-4C7C-49115E1FC5E0}"/>
+            <a:endParaRPr lang="en-SG" sz="1050" b="1" dirty="0"/>
+          </a:p>
+        </p:txBody>
+      </p:sp>
+      <p:sp>
+        <p:nvSpPr>
+          <p:cNvPr id="171" name="TextBox 170">
+            <a:extLst>
+              <a:ext uri="{FF2B5EF4-FFF2-40B4-BE49-F238E27FC236}">
+                <a16:creationId xmlns:a16="http://schemas.microsoft.com/office/drawing/2014/main" id="{5D986BDA-B97C-1D36-6641-8EDD8EA94031}"/>
+              </a:ext>
+            </a:extLst>
+          </p:cNvPr>
+          <p:cNvSpPr txBox="1"/>
+          <p:nvPr/>
+        </p:nvSpPr>
+        <p:spPr>
+          <a:xfrm>
+            <a:off x="6973083" y="1959788"/>
+            <a:ext cx="1328590" cy="246221"/>
+          </a:xfrm>
+          <a:prstGeom prst="rect">
+            <a:avLst/>
+          </a:prstGeom>
+          <a:noFill/>
+        </p:spPr>
+        <p:txBody>
+          <a:bodyPr wrap="square" rtlCol="0">
+            <a:spAutoFit/>
+          </a:bodyPr>
+          <a:lstStyle/>
+          <a:p>
+            <a:r>
+              <a:rPr lang="en-US" sz="1000" b="1" dirty="0">
+                <a:solidFill>
+                  <a:schemeClr val="accent6">
+                    <a:lumMod val="75000"/>
+                  </a:schemeClr>
+                </a:solidFill>
+              </a:rPr>
+              <a:t>RTU report mode</a:t>
+            </a:r>
+            <a:endParaRPr lang="en-SG" sz="1000" b="1" dirty="0">
+              <a:solidFill>
+                <a:schemeClr val="accent6">
+                  <a:lumMod val="75000"/>
+                </a:schemeClr>
+              </a:solidFill>
+            </a:endParaRPr>
+          </a:p>
+        </p:txBody>
+      </p:sp>
+      <p:sp>
+        <p:nvSpPr>
+          <p:cNvPr id="172" name="TextBox 171">
+            <a:extLst>
+              <a:ext uri="{FF2B5EF4-FFF2-40B4-BE49-F238E27FC236}">
+                <a16:creationId xmlns:a16="http://schemas.microsoft.com/office/drawing/2014/main" id="{946E22B4-F81D-0EDA-D38C-5B8D90F21D5E}"/>
+              </a:ext>
+            </a:extLst>
+          </p:cNvPr>
+          <p:cNvSpPr txBox="1"/>
+          <p:nvPr/>
+        </p:nvSpPr>
+        <p:spPr>
+          <a:xfrm>
+            <a:off x="7011029" y="2475256"/>
+            <a:ext cx="1247646" cy="246221"/>
+          </a:xfrm>
+          <a:prstGeom prst="rect">
+            <a:avLst/>
+          </a:prstGeom>
+          <a:noFill/>
+        </p:spPr>
+        <p:txBody>
+          <a:bodyPr wrap="square" rtlCol="0">
+            <a:spAutoFit/>
+          </a:bodyPr>
+          <a:lstStyle/>
+          <a:p>
+            <a:r>
+              <a:rPr lang="en-US" sz="1000" b="1" dirty="0">
+                <a:solidFill>
+                  <a:schemeClr val="accent6">
+                    <a:lumMod val="75000"/>
+                  </a:schemeClr>
+                </a:solidFill>
+              </a:rPr>
+              <a:t>PLC Fetch mode</a:t>
+            </a:r>
+            <a:endParaRPr lang="en-SG" sz="1000" b="1" dirty="0">
+              <a:solidFill>
+                <a:schemeClr val="accent6">
+                  <a:lumMod val="75000"/>
+                </a:schemeClr>
+              </a:solidFill>
+            </a:endParaRPr>
+          </a:p>
+        </p:txBody>
+      </p:sp>
+      <p:sp>
+        <p:nvSpPr>
+          <p:cNvPr id="173" name="Rectangle 172">
+            <a:extLst>
+              <a:ext uri="{FF2B5EF4-FFF2-40B4-BE49-F238E27FC236}">
+                <a16:creationId xmlns:a16="http://schemas.microsoft.com/office/drawing/2014/main" id="{E81F40CF-233A-6A23-E3ED-3D7D7080726B}"/>
               </a:ext>
             </a:extLst>
           </p:cNvPr>
@@ -27627,8 +31277,8 @@
         </p:nvSpPr>
         <p:spPr>
           <a:xfrm>
-            <a:off x="7254522" y="3903979"/>
-            <a:ext cx="942692" cy="231570"/>
+            <a:off x="10169876" y="2245573"/>
+            <a:ext cx="1070290" cy="281016"/>
           </a:xfrm>
           <a:prstGeom prst="rect">
             <a:avLst/>
@@ -27658,18 +31308,65 @@
           <a:lstStyle/>
           <a:p>
             <a:r>
-              <a:rPr lang="en-SG" sz="1200" b="1" dirty="0"/>
-              <a:t>Signals</a:t>
+              <a:rPr lang="en-US" sz="1050" b="1" dirty="0"/>
+              <a:t>IEC 104 Client </a:t>
             </a:r>
-          </a:p>
-        </p:txBody>
-      </p:sp>
-      <p:sp>
-        <p:nvSpPr>
-          <p:cNvPr id="58" name="TextBox 57">
-            <a:extLst>
-              <a:ext uri="{FF2B5EF4-FFF2-40B4-BE49-F238E27FC236}">
-                <a16:creationId xmlns:a16="http://schemas.microsoft.com/office/drawing/2014/main" id="{60CF2299-1131-345B-83F4-DD5747DB0483}"/>
+            <a:endParaRPr lang="en-SG" sz="1050" b="1" dirty="0"/>
+          </a:p>
+        </p:txBody>
+      </p:sp>
+      <p:cxnSp>
+        <p:nvCxnSpPr>
+          <p:cNvPr id="175" name="Straight Arrow Connector 174">
+            <a:extLst>
+              <a:ext uri="{FF2B5EF4-FFF2-40B4-BE49-F238E27FC236}">
+                <a16:creationId xmlns:a16="http://schemas.microsoft.com/office/drawing/2014/main" id="{A322FFCA-3C00-0610-83F4-E07AE9DD7520}"/>
+              </a:ext>
+            </a:extLst>
+          </p:cNvPr>
+          <p:cNvCxnSpPr>
+            <a:cxnSpLocks/>
+            <a:stCxn id="151" idx="3"/>
+          </p:cNvCxnSpPr>
+          <p:nvPr/>
+        </p:nvCxnSpPr>
+        <p:spPr>
+          <a:xfrm>
+            <a:off x="8096222" y="2386081"/>
+            <a:ext cx="853106" cy="0"/>
+          </a:xfrm>
+          <a:prstGeom prst="straightConnector1">
+            <a:avLst/>
+          </a:prstGeom>
+          <a:ln>
+            <a:solidFill>
+              <a:schemeClr val="tx1"/>
+            </a:solidFill>
+            <a:headEnd type="triangle"/>
+            <a:tailEnd type="triangle"/>
+          </a:ln>
+        </p:spPr>
+        <p:style>
+          <a:lnRef idx="2">
+            <a:schemeClr val="accent1"/>
+          </a:lnRef>
+          <a:fillRef idx="0">
+            <a:schemeClr val="accent1"/>
+          </a:fillRef>
+          <a:effectRef idx="1">
+            <a:schemeClr val="accent1"/>
+          </a:effectRef>
+          <a:fontRef idx="minor">
+            <a:schemeClr val="tx1"/>
+          </a:fontRef>
+        </p:style>
+      </p:cxnSp>
+      <p:sp>
+        <p:nvSpPr>
+          <p:cNvPr id="177" name="TextBox 176">
+            <a:extLst>
+              <a:ext uri="{FF2B5EF4-FFF2-40B4-BE49-F238E27FC236}">
+                <a16:creationId xmlns:a16="http://schemas.microsoft.com/office/drawing/2014/main" id="{183E1CEC-6EF2-2118-A6BD-8A8BB9AABEF5}"/>
               </a:ext>
             </a:extLst>
           </p:cNvPr>
@@ -27678,8 +31375,8 @@
         </p:nvSpPr>
         <p:spPr>
           <a:xfrm>
-            <a:off x="2525967" y="2314237"/>
-            <a:ext cx="1175788" cy="461665"/>
+            <a:off x="8628670" y="766748"/>
+            <a:ext cx="3211175" cy="307777"/>
           </a:xfrm>
           <a:prstGeom prst="rect">
             <a:avLst/>
@@ -27693,18 +31390,61 @@
           <a:lstStyle/>
           <a:p>
             <a:r>
-              <a:rPr lang="en-SG" sz="1200" b="1" dirty="0"/>
-              <a:t>Python Program</a:t>
+              <a:rPr lang="en-US" sz="1400" b="1" dirty="0"/>
+              <a:t>Level2 OT Control Center (HQ)</a:t>
             </a:r>
-          </a:p>
-        </p:txBody>
-      </p:sp>
-      <p:sp>
-        <p:nvSpPr>
-          <p:cNvPr id="59" name="TextBox 58">
-            <a:extLst>
-              <a:ext uri="{FF2B5EF4-FFF2-40B4-BE49-F238E27FC236}">
-                <a16:creationId xmlns:a16="http://schemas.microsoft.com/office/drawing/2014/main" id="{C039414D-6C45-7B2C-64C5-1CFB3F3064EF}"/>
+            <a:endParaRPr lang="en-SG" sz="1400" b="1" dirty="0"/>
+          </a:p>
+        </p:txBody>
+      </p:sp>
+      <p:cxnSp>
+        <p:nvCxnSpPr>
+          <p:cNvPr id="179" name="Connector: Elbow 178">
+            <a:extLst>
+              <a:ext uri="{FF2B5EF4-FFF2-40B4-BE49-F238E27FC236}">
+                <a16:creationId xmlns:a16="http://schemas.microsoft.com/office/drawing/2014/main" id="{46EA7B79-40E8-94AA-AB51-4D2173FF6FAF}"/>
+              </a:ext>
+            </a:extLst>
+          </p:cNvPr>
+          <p:cNvCxnSpPr>
+            <a:stCxn id="150" idx="3"/>
+            <a:endCxn id="173" idx="0"/>
+          </p:cNvCxnSpPr>
+          <p:nvPr/>
+        </p:nvCxnSpPr>
+        <p:spPr>
+          <a:xfrm>
+            <a:off x="8105098" y="1848042"/>
+            <a:ext cx="2599923" cy="397531"/>
+          </a:xfrm>
+          <a:prstGeom prst="bentConnector2">
+            <a:avLst/>
+          </a:prstGeom>
+          <a:ln>
+            <a:tailEnd type="triangle"/>
+          </a:ln>
+        </p:spPr>
+        <p:style>
+          <a:lnRef idx="2">
+            <a:schemeClr val="accent1"/>
+          </a:lnRef>
+          <a:fillRef idx="0">
+            <a:schemeClr val="accent1"/>
+          </a:fillRef>
+          <a:effectRef idx="1">
+            <a:schemeClr val="accent1"/>
+          </a:effectRef>
+          <a:fontRef idx="minor">
+            <a:schemeClr val="tx1"/>
+          </a:fontRef>
+        </p:style>
+      </p:cxnSp>
+      <p:sp>
+        <p:nvSpPr>
+          <p:cNvPr id="180" name="TextBox 179">
+            <a:extLst>
+              <a:ext uri="{FF2B5EF4-FFF2-40B4-BE49-F238E27FC236}">
+                <a16:creationId xmlns:a16="http://schemas.microsoft.com/office/drawing/2014/main" id="{5F81AAC6-5F5D-A560-B887-CDADD9CBD953}"/>
               </a:ext>
             </a:extLst>
           </p:cNvPr>
@@ -27713,8 +31453,8 @@
         </p:nvSpPr>
         <p:spPr>
           <a:xfrm>
-            <a:off x="3909536" y="2988111"/>
-            <a:ext cx="1175788" cy="461665"/>
+            <a:off x="8590592" y="1988550"/>
+            <a:ext cx="1478344" cy="276999"/>
           </a:xfrm>
           <a:prstGeom prst="rect">
             <a:avLst/>
@@ -27728,83 +31468,80 @@
           <a:lstStyle/>
           <a:p>
             <a:r>
-              <a:rPr lang="en-SG" sz="1200" b="1" dirty="0">
-                <a:solidFill>
-                  <a:srgbClr val="0070C0"/>
-                </a:solidFill>
-              </a:rPr>
-              <a:t>SCADA Network</a:t>
+              <a:rPr lang="en-US" sz="1200" b="1" dirty="0"/>
+              <a:t>Real time control </a:t>
             </a:r>
-          </a:p>
-        </p:txBody>
-      </p:sp>
-      <p:cxnSp>
-        <p:nvCxnSpPr>
-          <p:cNvPr id="61" name="Straight Arrow Connector 60">
-            <a:extLst>
-              <a:ext uri="{FF2B5EF4-FFF2-40B4-BE49-F238E27FC236}">
-                <a16:creationId xmlns:a16="http://schemas.microsoft.com/office/drawing/2014/main" id="{C2092E7D-3DCA-DA32-FA39-B7FA369122EE}"/>
-              </a:ext>
-            </a:extLst>
-          </p:cNvPr>
-          <p:cNvCxnSpPr/>
-          <p:nvPr/>
-        </p:nvCxnSpPr>
-        <p:spPr>
-          <a:xfrm>
-            <a:off x="7005493" y="2868863"/>
-            <a:ext cx="211307" cy="0"/>
-          </a:xfrm>
-          <a:prstGeom prst="straightConnector1">
-            <a:avLst/>
-          </a:prstGeom>
+            <a:endParaRPr lang="en-SG" sz="1200" b="1" dirty="0"/>
+          </a:p>
+        </p:txBody>
+      </p:sp>
+      <p:sp>
+        <p:nvSpPr>
+          <p:cNvPr id="181" name="TextBox 180">
+            <a:extLst>
+              <a:ext uri="{FF2B5EF4-FFF2-40B4-BE49-F238E27FC236}">
+                <a16:creationId xmlns:a16="http://schemas.microsoft.com/office/drawing/2014/main" id="{6832DE67-645D-10F3-7277-C215577A5EE7}"/>
+              </a:ext>
+            </a:extLst>
+          </p:cNvPr>
+          <p:cNvSpPr txBox="1"/>
+          <p:nvPr/>
+        </p:nvSpPr>
+        <p:spPr>
+          <a:xfrm>
+            <a:off x="10691516" y="1783908"/>
+            <a:ext cx="1092334" cy="461665"/>
+          </a:xfrm>
+          <a:prstGeom prst="rect">
+            <a:avLst/>
+          </a:prstGeom>
+          <a:noFill/>
+        </p:spPr>
+        <p:txBody>
+          <a:bodyPr wrap="square" rtlCol="0">
+            <a:spAutoFit/>
+          </a:bodyPr>
+          <a:lstStyle/>
+          <a:p>
+            <a:r>
+              <a:rPr lang="en-US" sz="1200" b="1" dirty="0"/>
+              <a:t>Periodic report</a:t>
+            </a:r>
+            <a:endParaRPr lang="en-SG" sz="1200" b="1" dirty="0"/>
+          </a:p>
+        </p:txBody>
+      </p:sp>
+      <p:sp>
+        <p:nvSpPr>
+          <p:cNvPr id="182" name="Rectangle 181">
+            <a:extLst>
+              <a:ext uri="{FF2B5EF4-FFF2-40B4-BE49-F238E27FC236}">
+                <a16:creationId xmlns:a16="http://schemas.microsoft.com/office/drawing/2014/main" id="{336FBDB4-95D0-A4E6-BF7A-284ACAC6D9A0}"/>
+              </a:ext>
+            </a:extLst>
+          </p:cNvPr>
+          <p:cNvSpPr/>
+          <p:nvPr/>
+        </p:nvSpPr>
+        <p:spPr>
+          <a:xfrm>
+            <a:off x="8982552" y="3135983"/>
+            <a:ext cx="1544041" cy="296014"/>
+          </a:xfrm>
+          <a:prstGeom prst="rect">
+            <a:avLst/>
+          </a:prstGeom>
+          <a:solidFill>
+            <a:schemeClr val="tx2">
+              <a:lumMod val="75000"/>
+              <a:lumOff val="25000"/>
+            </a:schemeClr>
+          </a:solidFill>
           <a:ln>
             <a:solidFill>
-              <a:schemeClr val="accent2">
-                <a:lumMod val="75000"/>
-              </a:schemeClr>
+              <a:schemeClr val="tx1"/>
             </a:solidFill>
-            <a:tailEnd type="triangle"/>
           </a:ln>
-        </p:spPr>
-        <p:style>
-          <a:lnRef idx="2">
-            <a:schemeClr val="accent1"/>
-          </a:lnRef>
-          <a:fillRef idx="0">
-            <a:schemeClr val="accent1"/>
-          </a:fillRef>
-          <a:effectRef idx="1">
-            <a:schemeClr val="accent1"/>
-          </a:effectRef>
-          <a:fontRef idx="minor">
-            <a:schemeClr val="tx1"/>
-          </a:fontRef>
-        </p:style>
-      </p:cxnSp>
-      <p:sp>
-        <p:nvSpPr>
-          <p:cNvPr id="62" name="Rectangle 61">
-            <a:extLst>
-              <a:ext uri="{FF2B5EF4-FFF2-40B4-BE49-F238E27FC236}">
-                <a16:creationId xmlns:a16="http://schemas.microsoft.com/office/drawing/2014/main" id="{2FFF5128-555D-2DFC-6CF4-F676FDD678CF}"/>
-              </a:ext>
-            </a:extLst>
-          </p:cNvPr>
-          <p:cNvSpPr/>
-          <p:nvPr/>
-        </p:nvSpPr>
-        <p:spPr>
-          <a:xfrm>
-            <a:off x="7239431" y="2781356"/>
-            <a:ext cx="942692" cy="231570"/>
-          </a:xfrm>
-          <a:prstGeom prst="rect">
-            <a:avLst/>
-          </a:prstGeom>
-          <a:solidFill>
-            <a:schemeClr val="accent2"/>
-          </a:solidFill>
         </p:spPr>
         <p:style>
           <a:lnRef idx="2">
@@ -27827,79 +31564,44 @@
           <a:lstStyle/>
           <a:p>
             <a:r>
-              <a:rPr lang="en-SG" sz="1200" b="1" dirty="0"/>
-              <a:t>Motors</a:t>
+              <a:rPr lang="en-US" sz="1050" b="1" dirty="0"/>
+              <a:t>PLC Control Module </a:t>
             </a:r>
-          </a:p>
-        </p:txBody>
-      </p:sp>
-      <p:cxnSp>
-        <p:nvCxnSpPr>
-          <p:cNvPr id="63" name="Straight Arrow Connector 62">
-            <a:extLst>
-              <a:ext uri="{FF2B5EF4-FFF2-40B4-BE49-F238E27FC236}">
-                <a16:creationId xmlns:a16="http://schemas.microsoft.com/office/drawing/2014/main" id="{2F2FF647-C46D-7391-6292-C6754E7E046F}"/>
-              </a:ext>
-            </a:extLst>
-          </p:cNvPr>
-          <p:cNvCxnSpPr/>
-          <p:nvPr/>
-        </p:nvCxnSpPr>
-        <p:spPr>
-          <a:xfrm>
-            <a:off x="7003948" y="3232703"/>
-            <a:ext cx="211307" cy="0"/>
-          </a:xfrm>
-          <a:prstGeom prst="straightConnector1">
-            <a:avLst/>
-          </a:prstGeom>
+            <a:endParaRPr lang="en-SG" sz="1050" b="1" dirty="0"/>
+          </a:p>
+        </p:txBody>
+      </p:sp>
+      <p:sp>
+        <p:nvSpPr>
+          <p:cNvPr id="183" name="Rectangle 182">
+            <a:extLst>
+              <a:ext uri="{FF2B5EF4-FFF2-40B4-BE49-F238E27FC236}">
+                <a16:creationId xmlns:a16="http://schemas.microsoft.com/office/drawing/2014/main" id="{2E366B65-6910-8E8C-B84D-C869F19A4847}"/>
+              </a:ext>
+            </a:extLst>
+          </p:cNvPr>
+          <p:cNvSpPr/>
+          <p:nvPr/>
+        </p:nvSpPr>
+        <p:spPr>
+          <a:xfrm>
+            <a:off x="9484473" y="2718549"/>
+            <a:ext cx="1830550" cy="296014"/>
+          </a:xfrm>
+          <a:prstGeom prst="rect">
+            <a:avLst/>
+          </a:prstGeom>
+          <a:solidFill>
+            <a:schemeClr val="tx2">
+              <a:lumMod val="75000"/>
+              <a:lumOff val="25000"/>
+            </a:schemeClr>
+          </a:solidFill>
           <a:ln>
             <a:solidFill>
-              <a:schemeClr val="accent2">
-                <a:lumMod val="75000"/>
-              </a:schemeClr>
+              <a:schemeClr val="tx1"/>
             </a:solidFill>
-            <a:tailEnd type="triangle"/>
           </a:ln>
-        </p:spPr>
-        <p:style>
-          <a:lnRef idx="2">
-            <a:schemeClr val="accent1"/>
-          </a:lnRef>
-          <a:fillRef idx="0">
-            <a:schemeClr val="accent1"/>
-          </a:fillRef>
-          <a:effectRef idx="1">
-            <a:schemeClr val="accent1"/>
-          </a:effectRef>
-          <a:fontRef idx="minor">
-            <a:schemeClr val="tx1"/>
-          </a:fontRef>
-        </p:style>
-      </p:cxnSp>
-      <p:sp>
-        <p:nvSpPr>
-          <p:cNvPr id="64" name="Rectangle 63">
-            <a:extLst>
-              <a:ext uri="{FF2B5EF4-FFF2-40B4-BE49-F238E27FC236}">
-                <a16:creationId xmlns:a16="http://schemas.microsoft.com/office/drawing/2014/main" id="{030CBDDC-4F6B-3917-EFCA-91CA19944877}"/>
-              </a:ext>
-            </a:extLst>
-          </p:cNvPr>
-          <p:cNvSpPr/>
-          <p:nvPr/>
-        </p:nvSpPr>
-        <p:spPr>
-          <a:xfrm>
-            <a:off x="7252977" y="3116918"/>
-            <a:ext cx="942692" cy="231570"/>
-          </a:xfrm>
-          <a:prstGeom prst="rect">
-            <a:avLst/>
-          </a:prstGeom>
-          <a:solidFill>
-            <a:schemeClr val="accent2"/>
-          </a:solidFill>
         </p:spPr>
         <p:style>
           <a:lnRef idx="2">
@@ -27922,108 +31624,333 @@
           <a:lstStyle/>
           <a:p>
             <a:r>
-              <a:rPr lang="en-SG" sz="1200" b="1" dirty="0"/>
-              <a:t>Pumps</a:t>
+              <a:rPr lang="en-US" sz="1050" b="1" dirty="0"/>
+              <a:t>RTU Monitoring  Module </a:t>
             </a:r>
-          </a:p>
-        </p:txBody>
-      </p:sp>
-      <p:sp>
-        <p:nvSpPr>
-          <p:cNvPr id="2" name="TextBox 1">
-            <a:extLst>
-              <a:ext uri="{FF2B5EF4-FFF2-40B4-BE49-F238E27FC236}">
-                <a16:creationId xmlns:a16="http://schemas.microsoft.com/office/drawing/2014/main" id="{6E08DDEB-00FA-2F45-E8FF-10DD130F1164}"/>
-              </a:ext>
-            </a:extLst>
-          </p:cNvPr>
-          <p:cNvSpPr txBox="1"/>
-          <p:nvPr/>
-        </p:nvSpPr>
-        <p:spPr>
-          <a:xfrm>
-            <a:off x="4295139" y="2466809"/>
-            <a:ext cx="1175788" cy="276999"/>
-          </a:xfrm>
-          <a:prstGeom prst="rect">
-            <a:avLst/>
-          </a:prstGeom>
-          <a:noFill/>
-        </p:spPr>
-        <p:txBody>
-          <a:bodyPr wrap="square" rtlCol="0">
-            <a:spAutoFit/>
-          </a:bodyPr>
+            <a:endParaRPr lang="en-SG" sz="1050" b="1" dirty="0"/>
+          </a:p>
+        </p:txBody>
+      </p:sp>
+      <p:cxnSp>
+        <p:nvCxnSpPr>
+          <p:cNvPr id="185" name="Straight Connector 184">
+            <a:extLst>
+              <a:ext uri="{FF2B5EF4-FFF2-40B4-BE49-F238E27FC236}">
+                <a16:creationId xmlns:a16="http://schemas.microsoft.com/office/drawing/2014/main" id="{461C8798-2CED-933B-9A2E-EDBCC40D2E20}"/>
+              </a:ext>
+            </a:extLst>
+          </p:cNvPr>
+          <p:cNvCxnSpPr>
+            <a:cxnSpLocks/>
+          </p:cNvCxnSpPr>
+          <p:nvPr/>
+        </p:nvCxnSpPr>
+        <p:spPr>
+          <a:xfrm>
+            <a:off x="9153144" y="2526589"/>
+            <a:ext cx="0" cy="623880"/>
+          </a:xfrm>
+          <a:prstGeom prst="line">
+            <a:avLst/>
+          </a:prstGeom>
+          <a:ln>
+            <a:solidFill>
+              <a:schemeClr val="tx1"/>
+            </a:solidFill>
+          </a:ln>
+        </p:spPr>
+        <p:style>
+          <a:lnRef idx="2">
+            <a:schemeClr val="accent1"/>
+          </a:lnRef>
+          <a:fillRef idx="0">
+            <a:schemeClr val="accent1"/>
+          </a:fillRef>
+          <a:effectRef idx="1">
+            <a:schemeClr val="accent1"/>
+          </a:effectRef>
+          <a:fontRef idx="minor">
+            <a:schemeClr val="tx1"/>
+          </a:fontRef>
+        </p:style>
+      </p:cxnSp>
+      <p:cxnSp>
+        <p:nvCxnSpPr>
+          <p:cNvPr id="186" name="Straight Connector 185">
+            <a:extLst>
+              <a:ext uri="{FF2B5EF4-FFF2-40B4-BE49-F238E27FC236}">
+                <a16:creationId xmlns:a16="http://schemas.microsoft.com/office/drawing/2014/main" id="{EAE3611A-F216-FE63-90FE-82D7223D2F9B}"/>
+              </a:ext>
+            </a:extLst>
+          </p:cNvPr>
+          <p:cNvCxnSpPr>
+            <a:cxnSpLocks/>
+          </p:cNvCxnSpPr>
+          <p:nvPr/>
+        </p:nvCxnSpPr>
+        <p:spPr>
+          <a:xfrm>
+            <a:off x="10686288" y="2526589"/>
+            <a:ext cx="0" cy="194888"/>
+          </a:xfrm>
+          <a:prstGeom prst="line">
+            <a:avLst/>
+          </a:prstGeom>
+          <a:ln>
+            <a:solidFill>
+              <a:schemeClr val="tx1"/>
+            </a:solidFill>
+          </a:ln>
+        </p:spPr>
+        <p:style>
+          <a:lnRef idx="2">
+            <a:schemeClr val="accent1"/>
+          </a:lnRef>
+          <a:fillRef idx="0">
+            <a:schemeClr val="accent1"/>
+          </a:fillRef>
+          <a:effectRef idx="1">
+            <a:schemeClr val="accent1"/>
+          </a:effectRef>
+          <a:fontRef idx="minor">
+            <a:schemeClr val="tx1"/>
+          </a:fontRef>
+        </p:style>
+      </p:cxnSp>
+      <p:cxnSp>
+        <p:nvCxnSpPr>
+          <p:cNvPr id="189" name="Straight Connector 188">
+            <a:extLst>
+              <a:ext uri="{FF2B5EF4-FFF2-40B4-BE49-F238E27FC236}">
+                <a16:creationId xmlns:a16="http://schemas.microsoft.com/office/drawing/2014/main" id="{11A9C928-D12A-50AF-DE53-7624DFF194CF}"/>
+              </a:ext>
+            </a:extLst>
+          </p:cNvPr>
+          <p:cNvCxnSpPr>
+            <a:cxnSpLocks/>
+          </p:cNvCxnSpPr>
+          <p:nvPr/>
+        </p:nvCxnSpPr>
+        <p:spPr>
+          <a:xfrm>
+            <a:off x="9707880" y="3446726"/>
+            <a:ext cx="0" cy="165154"/>
+          </a:xfrm>
+          <a:prstGeom prst="line">
+            <a:avLst/>
+          </a:prstGeom>
+          <a:ln>
+            <a:solidFill>
+              <a:schemeClr val="tx1"/>
+            </a:solidFill>
+          </a:ln>
+        </p:spPr>
+        <p:style>
+          <a:lnRef idx="2">
+            <a:schemeClr val="accent1"/>
+          </a:lnRef>
+          <a:fillRef idx="0">
+            <a:schemeClr val="accent1"/>
+          </a:fillRef>
+          <a:effectRef idx="1">
+            <a:schemeClr val="accent1"/>
+          </a:effectRef>
+          <a:fontRef idx="minor">
+            <a:schemeClr val="tx1"/>
+          </a:fontRef>
+        </p:style>
+      </p:cxnSp>
+      <p:cxnSp>
+        <p:nvCxnSpPr>
+          <p:cNvPr id="191" name="Straight Connector 190">
+            <a:extLst>
+              <a:ext uri="{FF2B5EF4-FFF2-40B4-BE49-F238E27FC236}">
+                <a16:creationId xmlns:a16="http://schemas.microsoft.com/office/drawing/2014/main" id="{EFBE141E-5289-8DE0-1496-67854A0D9C6E}"/>
+              </a:ext>
+            </a:extLst>
+          </p:cNvPr>
+          <p:cNvCxnSpPr>
+            <a:cxnSpLocks/>
+          </p:cNvCxnSpPr>
+          <p:nvPr/>
+        </p:nvCxnSpPr>
+        <p:spPr>
+          <a:xfrm>
+            <a:off x="10710672" y="3001208"/>
+            <a:ext cx="0" cy="636904"/>
+          </a:xfrm>
+          <a:prstGeom prst="line">
+            <a:avLst/>
+          </a:prstGeom>
+          <a:ln>
+            <a:solidFill>
+              <a:schemeClr val="tx1"/>
+            </a:solidFill>
+          </a:ln>
+        </p:spPr>
+        <p:style>
+          <a:lnRef idx="2">
+            <a:schemeClr val="accent1"/>
+          </a:lnRef>
+          <a:fillRef idx="0">
+            <a:schemeClr val="accent1"/>
+          </a:fillRef>
+          <a:effectRef idx="1">
+            <a:schemeClr val="accent1"/>
+          </a:effectRef>
+          <a:fontRef idx="minor">
+            <a:schemeClr val="tx1"/>
+          </a:fontRef>
+        </p:style>
+      </p:cxnSp>
+      <p:cxnSp>
+        <p:nvCxnSpPr>
+          <p:cNvPr id="197" name="Straight Connector 196">
+            <a:extLst>
+              <a:ext uri="{FF2B5EF4-FFF2-40B4-BE49-F238E27FC236}">
+                <a16:creationId xmlns:a16="http://schemas.microsoft.com/office/drawing/2014/main" id="{B1BE6ED6-1107-D589-AFB3-A7846AE2B158}"/>
+              </a:ext>
+            </a:extLst>
+          </p:cNvPr>
+          <p:cNvCxnSpPr>
+            <a:cxnSpLocks/>
+          </p:cNvCxnSpPr>
+          <p:nvPr/>
+        </p:nvCxnSpPr>
+        <p:spPr>
+          <a:xfrm>
+            <a:off x="9933439" y="3934128"/>
+            <a:ext cx="0" cy="244679"/>
+          </a:xfrm>
+          <a:prstGeom prst="line">
+            <a:avLst/>
+          </a:prstGeom>
+          <a:ln>
+            <a:solidFill>
+              <a:schemeClr val="tx1"/>
+            </a:solidFill>
+          </a:ln>
+        </p:spPr>
+        <p:style>
+          <a:lnRef idx="2">
+            <a:schemeClr val="accent1"/>
+          </a:lnRef>
+          <a:fillRef idx="0">
+            <a:schemeClr val="accent1"/>
+          </a:fillRef>
+          <a:effectRef idx="1">
+            <a:schemeClr val="accent1"/>
+          </a:effectRef>
+          <a:fontRef idx="minor">
+            <a:schemeClr val="tx1"/>
+          </a:fontRef>
+        </p:style>
+      </p:cxnSp>
+      <p:sp>
+        <p:nvSpPr>
+          <p:cNvPr id="188" name="Rectangle 187">
+            <a:extLst>
+              <a:ext uri="{FF2B5EF4-FFF2-40B4-BE49-F238E27FC236}">
+                <a16:creationId xmlns:a16="http://schemas.microsoft.com/office/drawing/2014/main" id="{E04E0445-5CB2-9692-08F8-3535A7295FBE}"/>
+              </a:ext>
+            </a:extLst>
+          </p:cNvPr>
+          <p:cNvSpPr/>
+          <p:nvPr/>
+        </p:nvSpPr>
+        <p:spPr>
+          <a:xfrm>
+            <a:off x="8982552" y="3623183"/>
+            <a:ext cx="2046968" cy="296014"/>
+          </a:xfrm>
+          <a:prstGeom prst="rect">
+            <a:avLst/>
+          </a:prstGeom>
+          <a:solidFill>
+            <a:schemeClr val="tx2">
+              <a:lumMod val="75000"/>
+              <a:lumOff val="25000"/>
+            </a:schemeClr>
+          </a:solidFill>
+          <a:ln>
+            <a:solidFill>
+              <a:schemeClr val="tx1"/>
+            </a:solidFill>
+          </a:ln>
+        </p:spPr>
+        <p:style>
+          <a:lnRef idx="2">
+            <a:schemeClr val="accent1">
+              <a:shade val="50000"/>
+            </a:schemeClr>
+          </a:lnRef>
+          <a:fillRef idx="1">
+            <a:schemeClr val="accent1"/>
+          </a:fillRef>
+          <a:effectRef idx="0">
+            <a:schemeClr val="accent1"/>
+          </a:effectRef>
+          <a:fontRef idx="minor">
+            <a:schemeClr val="lt1"/>
+          </a:fontRef>
+        </p:style>
+        <p:txBody>
+          <a:bodyPr rtlCol="0" anchor="ctr"/>
           <a:lstStyle/>
           <a:p>
             <a:r>
-              <a:rPr lang="en-US" sz="1200" b="1" dirty="0">
-                <a:solidFill>
-                  <a:schemeClr val="accent6">
-                    <a:lumMod val="50000"/>
-                  </a:schemeClr>
-                </a:solidFill>
-              </a:rPr>
-              <a:t>Modbus-TCP</a:t>
+              <a:rPr lang="en-US" sz="1050" b="1" dirty="0"/>
+              <a:t>Data Management Module </a:t>
             </a:r>
-            <a:endParaRPr lang="en-SG" sz="1200" b="1" dirty="0">
-              <a:solidFill>
-                <a:schemeClr val="accent6">
-                  <a:lumMod val="50000"/>
-                </a:schemeClr>
-              </a:solidFill>
-            </a:endParaRPr>
-          </a:p>
-        </p:txBody>
-      </p:sp>
-      <p:sp>
-        <p:nvSpPr>
-          <p:cNvPr id="3" name="TextBox 2">
-            <a:extLst>
-              <a:ext uri="{FF2B5EF4-FFF2-40B4-BE49-F238E27FC236}">
-                <a16:creationId xmlns:a16="http://schemas.microsoft.com/office/drawing/2014/main" id="{87677088-D7C6-CB05-F3BD-D1EF748ABB06}"/>
-              </a:ext>
-            </a:extLst>
-          </p:cNvPr>
-          <p:cNvSpPr txBox="1"/>
-          <p:nvPr/>
-        </p:nvSpPr>
-        <p:spPr>
-          <a:xfrm>
-            <a:off x="4368818" y="3742765"/>
-            <a:ext cx="1175788" cy="276999"/>
-          </a:xfrm>
-          <a:prstGeom prst="rect">
-            <a:avLst/>
-          </a:prstGeom>
-          <a:noFill/>
-        </p:spPr>
-        <p:txBody>
-          <a:bodyPr wrap="square" rtlCol="0">
-            <a:spAutoFit/>
-          </a:bodyPr>
-          <a:lstStyle/>
-          <a:p>
-            <a:r>
-              <a:rPr lang="en-US" sz="1200" b="1" dirty="0">
-                <a:solidFill>
-                  <a:srgbClr val="0070C0"/>
-                </a:solidFill>
-              </a:rPr>
-              <a:t>S7Comm</a:t>
-            </a:r>
-            <a:endParaRPr lang="en-SG" sz="1200" b="1" dirty="0">
-              <a:solidFill>
-                <a:srgbClr val="0070C0"/>
-              </a:solidFill>
-            </a:endParaRPr>
-          </a:p>
-        </p:txBody>
-      </p:sp>
+            <a:endParaRPr lang="en-SG" sz="1050" b="1" dirty="0"/>
+          </a:p>
+        </p:txBody>
+      </p:sp>
+      <p:pic>
+        <p:nvPicPr>
+          <p:cNvPr id="193" name="Picture 192" descr="A computer screen shot of a computer&#10;&#10;AI-generated content may be incorrect.">
+            <a:extLst>
+              <a:ext uri="{FF2B5EF4-FFF2-40B4-BE49-F238E27FC236}">
+                <a16:creationId xmlns:a16="http://schemas.microsoft.com/office/drawing/2014/main" id="{6EDAA246-5F46-4860-8CE2-C35A05FF67CE}"/>
+              </a:ext>
+            </a:extLst>
+          </p:cNvPr>
+          <p:cNvPicPr>
+            <a:picLocks noChangeAspect="1"/>
+          </p:cNvPicPr>
+          <p:nvPr/>
+        </p:nvPicPr>
+        <p:blipFill>
+          <a:blip r:embed="rId4">
+            <a:extLst>
+              <a:ext uri="{28A0092B-C50C-407E-A947-70E740481C1C}">
+                <a14:useLocalDpi xmlns:a14="http://schemas.microsoft.com/office/drawing/2010/main" val="0"/>
+              </a:ext>
+            </a:extLst>
+          </a:blip>
+          <a:stretch>
+            <a:fillRect/>
+          </a:stretch>
+        </p:blipFill>
+        <p:spPr>
+          <a:xfrm>
+            <a:off x="8861023" y="4138551"/>
+            <a:ext cx="2677947" cy="1533897"/>
+          </a:xfrm>
+          <a:prstGeom prst="rect">
+            <a:avLst/>
+          </a:prstGeom>
+          <a:ln w="6350">
+            <a:solidFill>
+              <a:schemeClr val="tx1"/>
+            </a:solidFill>
+          </a:ln>
+        </p:spPr>
+      </p:pic>
     </p:spTree>
     <p:extLst>
       <p:ext uri="{BB962C8B-B14F-4D97-AF65-F5344CB8AC3E}">
-        <p14:creationId xmlns:p14="http://schemas.microsoft.com/office/powerpoint/2010/main" val="3265051970"/>
+        <p14:creationId xmlns:p14="http://schemas.microsoft.com/office/powerpoint/2010/main" val="1314084503"/>
       </p:ext>
     </p:extLst>
   </p:cSld>
@@ -28050,70 +31977,927 @@
           <a:chExt cx="0" cy="0"/>
         </a:xfrm>
       </p:grpSpPr>
-      <p:pic>
-        <p:nvPicPr>
-          <p:cNvPr id="5" name="Picture 4">
-            <a:extLst>
-              <a:ext uri="{FF2B5EF4-FFF2-40B4-BE49-F238E27FC236}">
-                <a16:creationId xmlns:a16="http://schemas.microsoft.com/office/drawing/2014/main" id="{D35B4EB7-6687-1495-BCC8-56255BEDD9C6}"/>
-              </a:ext>
-            </a:extLst>
-          </p:cNvPr>
-          <p:cNvPicPr>
-            <a:picLocks noChangeAspect="1"/>
-          </p:cNvPicPr>
-          <p:nvPr/>
-        </p:nvPicPr>
-        <p:blipFill>
-          <a:blip r:embed="rId2"/>
-          <a:stretch>
-            <a:fillRect/>
-          </a:stretch>
-        </p:blipFill>
-        <p:spPr>
-          <a:xfrm>
-            <a:off x="2634095" y="395666"/>
-            <a:ext cx="6923809" cy="6066667"/>
-          </a:xfrm>
-          <a:prstGeom prst="rect">
-            <a:avLst/>
-          </a:prstGeom>
-        </p:spPr>
-      </p:pic>
-      <p:pic>
-        <p:nvPicPr>
-          <p:cNvPr id="7" name="Picture 6">
-            <a:extLst>
-              <a:ext uri="{FF2B5EF4-FFF2-40B4-BE49-F238E27FC236}">
-                <a16:creationId xmlns:a16="http://schemas.microsoft.com/office/drawing/2014/main" id="{B99D8725-D8E1-7C25-A297-BE818685B8A8}"/>
-              </a:ext>
-            </a:extLst>
-          </p:cNvPr>
-          <p:cNvPicPr>
-            <a:picLocks noChangeAspect="1"/>
-          </p:cNvPicPr>
-          <p:nvPr/>
-        </p:nvPicPr>
-        <p:blipFill>
-          <a:blip r:embed="rId3"/>
-          <a:stretch>
-            <a:fillRect/>
-          </a:stretch>
-        </p:blipFill>
-        <p:spPr>
-          <a:xfrm>
-            <a:off x="5035120" y="6224238"/>
-            <a:ext cx="238095" cy="238095"/>
-          </a:xfrm>
-          <a:prstGeom prst="rect">
-            <a:avLst/>
-          </a:prstGeom>
-        </p:spPr>
-      </p:pic>
+      <p:sp>
+        <p:nvSpPr>
+          <p:cNvPr id="4" name="Rectangle 3">
+            <a:extLst>
+              <a:ext uri="{FF2B5EF4-FFF2-40B4-BE49-F238E27FC236}">
+                <a16:creationId xmlns:a16="http://schemas.microsoft.com/office/drawing/2014/main" id="{571675EC-0BAF-32C0-B50B-602795616657}"/>
+              </a:ext>
+            </a:extLst>
+          </p:cNvPr>
+          <p:cNvSpPr/>
+          <p:nvPr/>
+        </p:nvSpPr>
+        <p:spPr>
+          <a:xfrm>
+            <a:off x="3349255" y="1499509"/>
+            <a:ext cx="1625082" cy="375011"/>
+          </a:xfrm>
+          <a:prstGeom prst="rect">
+            <a:avLst/>
+          </a:prstGeom>
+          <a:solidFill>
+            <a:schemeClr val="tx2">
+              <a:lumMod val="75000"/>
+              <a:lumOff val="25000"/>
+            </a:schemeClr>
+          </a:solidFill>
+          <a:ln>
+            <a:solidFill>
+              <a:schemeClr val="tx1"/>
+            </a:solidFill>
+          </a:ln>
+        </p:spPr>
+        <p:style>
+          <a:lnRef idx="2">
+            <a:schemeClr val="accent1">
+              <a:shade val="50000"/>
+            </a:schemeClr>
+          </a:lnRef>
+          <a:fillRef idx="1">
+            <a:schemeClr val="accent1"/>
+          </a:fillRef>
+          <a:effectRef idx="0">
+            <a:schemeClr val="accent1"/>
+          </a:effectRef>
+          <a:fontRef idx="minor">
+            <a:schemeClr val="lt1"/>
+          </a:fontRef>
+        </p:style>
+        <p:txBody>
+          <a:bodyPr rtlCol="0" anchor="ctr"/>
+          <a:lstStyle/>
+          <a:p>
+            <a:r>
+              <a:rPr lang="en-US" sz="1050" b="1" dirty="0"/>
+              <a:t>IEC 104 Measured Point Object</a:t>
+            </a:r>
+            <a:endParaRPr lang="en-SG" sz="1050" b="1" dirty="0"/>
+          </a:p>
+        </p:txBody>
+      </p:sp>
+      <p:cxnSp>
+        <p:nvCxnSpPr>
+          <p:cNvPr id="6" name="Straight Arrow Connector 5">
+            <a:extLst>
+              <a:ext uri="{FF2B5EF4-FFF2-40B4-BE49-F238E27FC236}">
+                <a16:creationId xmlns:a16="http://schemas.microsoft.com/office/drawing/2014/main" id="{A3DF8FB9-F1BE-1550-6FA0-C7B960888A4A}"/>
+              </a:ext>
+            </a:extLst>
+          </p:cNvPr>
+          <p:cNvCxnSpPr>
+            <a:cxnSpLocks/>
+            <a:stCxn id="4" idx="3"/>
+          </p:cNvCxnSpPr>
+          <p:nvPr/>
+        </p:nvCxnSpPr>
+        <p:spPr>
+          <a:xfrm>
+            <a:off x="4974337" y="1687015"/>
+            <a:ext cx="1335023" cy="0"/>
+          </a:xfrm>
+          <a:prstGeom prst="straightConnector1">
+            <a:avLst/>
+          </a:prstGeom>
+          <a:ln>
+            <a:tailEnd type="triangle"/>
+          </a:ln>
+        </p:spPr>
+        <p:style>
+          <a:lnRef idx="2">
+            <a:schemeClr val="accent1"/>
+          </a:lnRef>
+          <a:fillRef idx="0">
+            <a:schemeClr val="accent1"/>
+          </a:fillRef>
+          <a:effectRef idx="1">
+            <a:schemeClr val="accent1"/>
+          </a:effectRef>
+          <a:fontRef idx="minor">
+            <a:schemeClr val="tx1"/>
+          </a:fontRef>
+        </p:style>
+      </p:cxnSp>
+      <p:sp>
+        <p:nvSpPr>
+          <p:cNvPr id="9" name="TextBox 8">
+            <a:extLst>
+              <a:ext uri="{FF2B5EF4-FFF2-40B4-BE49-F238E27FC236}">
+                <a16:creationId xmlns:a16="http://schemas.microsoft.com/office/drawing/2014/main" id="{947B04BE-F653-1463-9316-3368D0565BDE}"/>
+              </a:ext>
+            </a:extLst>
+          </p:cNvPr>
+          <p:cNvSpPr txBox="1"/>
+          <p:nvPr/>
+        </p:nvSpPr>
+        <p:spPr>
+          <a:xfrm>
+            <a:off x="5100458" y="1039264"/>
+            <a:ext cx="1335023" cy="553998"/>
+          </a:xfrm>
+          <a:prstGeom prst="rect">
+            <a:avLst/>
+          </a:prstGeom>
+          <a:noFill/>
+        </p:spPr>
+        <p:txBody>
+          <a:bodyPr wrap="square" rtlCol="0">
+            <a:spAutoFit/>
+          </a:bodyPr>
+          <a:lstStyle/>
+          <a:p>
+            <a:r>
+              <a:rPr lang="en-US" sz="1000" b="1" dirty="0"/>
+              <a:t>IEC104 Value</a:t>
+            </a:r>
+          </a:p>
+          <a:p>
+            <a:r>
+              <a:rPr lang="en-US" sz="1000" b="1" dirty="0"/>
+              <a:t>Example: M_SP_NA_TRUE </a:t>
+            </a:r>
+            <a:endParaRPr lang="en-SG" sz="1000" b="1" dirty="0"/>
+          </a:p>
+        </p:txBody>
+      </p:sp>
+      <p:sp>
+        <p:nvSpPr>
+          <p:cNvPr id="11" name="Rectangle 10">
+            <a:extLst>
+              <a:ext uri="{FF2B5EF4-FFF2-40B4-BE49-F238E27FC236}">
+                <a16:creationId xmlns:a16="http://schemas.microsoft.com/office/drawing/2014/main" id="{2FED1D3E-F992-E262-0ABC-2787BABD220D}"/>
+              </a:ext>
+            </a:extLst>
+          </p:cNvPr>
+          <p:cNvSpPr/>
+          <p:nvPr/>
+        </p:nvSpPr>
+        <p:spPr>
+          <a:xfrm>
+            <a:off x="6309360" y="1499509"/>
+            <a:ext cx="1829297" cy="375011"/>
+          </a:xfrm>
+          <a:prstGeom prst="rect">
+            <a:avLst/>
+          </a:prstGeom>
+          <a:solidFill>
+            <a:schemeClr val="tx2">
+              <a:lumMod val="75000"/>
+              <a:lumOff val="25000"/>
+            </a:schemeClr>
+          </a:solidFill>
+          <a:ln>
+            <a:solidFill>
+              <a:schemeClr val="tx1"/>
+            </a:solidFill>
+          </a:ln>
+        </p:spPr>
+        <p:style>
+          <a:lnRef idx="2">
+            <a:schemeClr val="accent1">
+              <a:shade val="50000"/>
+            </a:schemeClr>
+          </a:lnRef>
+          <a:fillRef idx="1">
+            <a:schemeClr val="accent1"/>
+          </a:fillRef>
+          <a:effectRef idx="0">
+            <a:schemeClr val="accent1"/>
+          </a:effectRef>
+          <a:fontRef idx="minor">
+            <a:schemeClr val="lt1"/>
+          </a:fontRef>
+        </p:style>
+        <p:txBody>
+          <a:bodyPr rtlCol="0" anchor="ctr"/>
+          <a:lstStyle/>
+          <a:p>
+            <a:r>
+              <a:rPr lang="en-US" sz="1050" b="1" dirty="0"/>
+              <a:t>LD/ST Input Map module  </a:t>
+            </a:r>
+            <a:endParaRPr lang="en-SG" sz="1050" b="1" dirty="0"/>
+          </a:p>
+        </p:txBody>
+      </p:sp>
+      <p:sp>
+        <p:nvSpPr>
+          <p:cNvPr id="13" name="TextBox 12">
+            <a:extLst>
+              <a:ext uri="{FF2B5EF4-FFF2-40B4-BE49-F238E27FC236}">
+                <a16:creationId xmlns:a16="http://schemas.microsoft.com/office/drawing/2014/main" id="{4603BBC2-3F85-8BCF-FAF9-8B889CB246FF}"/>
+              </a:ext>
+            </a:extLst>
+          </p:cNvPr>
+          <p:cNvSpPr txBox="1"/>
+          <p:nvPr/>
+        </p:nvSpPr>
+        <p:spPr>
+          <a:xfrm>
+            <a:off x="8275032" y="1246135"/>
+            <a:ext cx="2397295" cy="400110"/>
+          </a:xfrm>
+          <a:prstGeom prst="rect">
+            <a:avLst/>
+          </a:prstGeom>
+          <a:noFill/>
+        </p:spPr>
+        <p:txBody>
+          <a:bodyPr wrap="square" rtlCol="0">
+            <a:spAutoFit/>
+          </a:bodyPr>
+          <a:lstStyle/>
+          <a:p>
+            <a:r>
+              <a:rPr lang="en-US" sz="1000" b="1" dirty="0"/>
+              <a:t>LD Components Value</a:t>
+            </a:r>
+          </a:p>
+          <a:p>
+            <a:r>
+              <a:rPr lang="en-US" sz="1000" b="1" dirty="0"/>
+              <a:t>Example: Holding Register Set Val=1</a:t>
+            </a:r>
+            <a:endParaRPr lang="en-SG" sz="1000" b="1" dirty="0"/>
+          </a:p>
+        </p:txBody>
+      </p:sp>
+      <p:sp>
+        <p:nvSpPr>
+          <p:cNvPr id="14" name="Rectangle 13">
+            <a:extLst>
+              <a:ext uri="{FF2B5EF4-FFF2-40B4-BE49-F238E27FC236}">
+                <a16:creationId xmlns:a16="http://schemas.microsoft.com/office/drawing/2014/main" id="{52DD4F69-9A1B-C8DF-3630-108F0BEC86A5}"/>
+              </a:ext>
+            </a:extLst>
+          </p:cNvPr>
+          <p:cNvSpPr/>
+          <p:nvPr/>
+        </p:nvSpPr>
+        <p:spPr>
+          <a:xfrm>
+            <a:off x="8263254" y="2005584"/>
+            <a:ext cx="2506854" cy="375011"/>
+          </a:xfrm>
+          <a:prstGeom prst="rect">
+            <a:avLst/>
+          </a:prstGeom>
+          <a:solidFill>
+            <a:schemeClr val="tx2">
+              <a:lumMod val="75000"/>
+              <a:lumOff val="25000"/>
+            </a:schemeClr>
+          </a:solidFill>
+          <a:ln>
+            <a:solidFill>
+              <a:schemeClr val="tx1"/>
+            </a:solidFill>
+          </a:ln>
+        </p:spPr>
+        <p:style>
+          <a:lnRef idx="2">
+            <a:schemeClr val="accent1">
+              <a:shade val="50000"/>
+            </a:schemeClr>
+          </a:lnRef>
+          <a:fillRef idx="1">
+            <a:schemeClr val="accent1"/>
+          </a:fillRef>
+          <a:effectRef idx="0">
+            <a:schemeClr val="accent1"/>
+          </a:effectRef>
+          <a:fontRef idx="minor">
+            <a:schemeClr val="lt1"/>
+          </a:fontRef>
+        </p:style>
+        <p:txBody>
+          <a:bodyPr rtlCol="0" anchor="ctr"/>
+          <a:lstStyle/>
+          <a:p>
+            <a:r>
+              <a:rPr lang="en-US" sz="1050" b="1" dirty="0"/>
+              <a:t>Ladder Logic or ST calculation module </a:t>
+            </a:r>
+            <a:endParaRPr lang="en-SG" sz="1050" b="1" dirty="0"/>
+          </a:p>
+        </p:txBody>
+      </p:sp>
+      <p:cxnSp>
+        <p:nvCxnSpPr>
+          <p:cNvPr id="16" name="Connector: Elbow 15">
+            <a:extLst>
+              <a:ext uri="{FF2B5EF4-FFF2-40B4-BE49-F238E27FC236}">
+                <a16:creationId xmlns:a16="http://schemas.microsoft.com/office/drawing/2014/main" id="{36DBB44F-6D16-4CB1-E5C5-094F3D80E0B1}"/>
+              </a:ext>
+            </a:extLst>
+          </p:cNvPr>
+          <p:cNvCxnSpPr>
+            <a:stCxn id="11" idx="3"/>
+            <a:endCxn id="14" idx="0"/>
+          </p:cNvCxnSpPr>
+          <p:nvPr/>
+        </p:nvCxnSpPr>
+        <p:spPr>
+          <a:xfrm>
+            <a:off x="8138657" y="1687015"/>
+            <a:ext cx="1378024" cy="318569"/>
+          </a:xfrm>
+          <a:prstGeom prst="bentConnector2">
+            <a:avLst/>
+          </a:prstGeom>
+          <a:ln>
+            <a:tailEnd type="triangle"/>
+          </a:ln>
+        </p:spPr>
+        <p:style>
+          <a:lnRef idx="2">
+            <a:schemeClr val="accent1"/>
+          </a:lnRef>
+          <a:fillRef idx="0">
+            <a:schemeClr val="accent1"/>
+          </a:fillRef>
+          <a:effectRef idx="1">
+            <a:schemeClr val="accent1"/>
+          </a:effectRef>
+          <a:fontRef idx="minor">
+            <a:schemeClr val="tx1"/>
+          </a:fontRef>
+        </p:style>
+      </p:cxnSp>
+      <p:sp>
+        <p:nvSpPr>
+          <p:cNvPr id="17" name="Rectangle 16">
+            <a:extLst>
+              <a:ext uri="{FF2B5EF4-FFF2-40B4-BE49-F238E27FC236}">
+                <a16:creationId xmlns:a16="http://schemas.microsoft.com/office/drawing/2014/main" id="{768CBE30-D3FA-8C3E-1B0F-6386226EF08C}"/>
+              </a:ext>
+            </a:extLst>
+          </p:cNvPr>
+          <p:cNvSpPr/>
+          <p:nvPr/>
+        </p:nvSpPr>
+        <p:spPr>
+          <a:xfrm>
+            <a:off x="1319615" y="1499509"/>
+            <a:ext cx="1161785" cy="375011"/>
+          </a:xfrm>
+          <a:prstGeom prst="rect">
+            <a:avLst/>
+          </a:prstGeom>
+          <a:solidFill>
+            <a:schemeClr val="tx2">
+              <a:lumMod val="75000"/>
+              <a:lumOff val="25000"/>
+            </a:schemeClr>
+          </a:solidFill>
+          <a:ln>
+            <a:solidFill>
+              <a:schemeClr val="tx1"/>
+            </a:solidFill>
+          </a:ln>
+        </p:spPr>
+        <p:style>
+          <a:lnRef idx="2">
+            <a:schemeClr val="accent1">
+              <a:shade val="50000"/>
+            </a:schemeClr>
+          </a:lnRef>
+          <a:fillRef idx="1">
+            <a:schemeClr val="accent1"/>
+          </a:fillRef>
+          <a:effectRef idx="0">
+            <a:schemeClr val="accent1"/>
+          </a:effectRef>
+          <a:fontRef idx="minor">
+            <a:schemeClr val="lt1"/>
+          </a:fontRef>
+        </p:style>
+        <p:txBody>
+          <a:bodyPr rtlCol="0" anchor="ctr"/>
+          <a:lstStyle/>
+          <a:p>
+            <a:r>
+              <a:rPr lang="en-US" sz="1050" b="1" dirty="0"/>
+              <a:t>Virtual Meter </a:t>
+            </a:r>
+            <a:endParaRPr lang="en-SG" sz="1050" b="1" dirty="0"/>
+          </a:p>
+        </p:txBody>
+      </p:sp>
+      <p:cxnSp>
+        <p:nvCxnSpPr>
+          <p:cNvPr id="18" name="Straight Arrow Connector 17">
+            <a:extLst>
+              <a:ext uri="{FF2B5EF4-FFF2-40B4-BE49-F238E27FC236}">
+                <a16:creationId xmlns:a16="http://schemas.microsoft.com/office/drawing/2014/main" id="{33A273FC-F917-1A2B-1CB4-4AA7B7590AD1}"/>
+              </a:ext>
+            </a:extLst>
+          </p:cNvPr>
+          <p:cNvCxnSpPr>
+            <a:cxnSpLocks/>
+            <a:endCxn id="4" idx="1"/>
+          </p:cNvCxnSpPr>
+          <p:nvPr/>
+        </p:nvCxnSpPr>
+        <p:spPr>
+          <a:xfrm>
+            <a:off x="2481400" y="1687014"/>
+            <a:ext cx="867855" cy="1"/>
+          </a:xfrm>
+          <a:prstGeom prst="straightConnector1">
+            <a:avLst/>
+          </a:prstGeom>
+          <a:ln>
+            <a:tailEnd type="triangle"/>
+          </a:ln>
+        </p:spPr>
+        <p:style>
+          <a:lnRef idx="2">
+            <a:schemeClr val="accent1"/>
+          </a:lnRef>
+          <a:fillRef idx="0">
+            <a:schemeClr val="accent1"/>
+          </a:fillRef>
+          <a:effectRef idx="1">
+            <a:schemeClr val="accent1"/>
+          </a:effectRef>
+          <a:fontRef idx="minor">
+            <a:schemeClr val="tx1"/>
+          </a:fontRef>
+        </p:style>
+      </p:cxnSp>
+      <p:sp>
+        <p:nvSpPr>
+          <p:cNvPr id="20" name="TextBox 19">
+            <a:extLst>
+              <a:ext uri="{FF2B5EF4-FFF2-40B4-BE49-F238E27FC236}">
+                <a16:creationId xmlns:a16="http://schemas.microsoft.com/office/drawing/2014/main" id="{FC721A1F-833E-5F16-CF99-D976F7A6ED62}"/>
+              </a:ext>
+            </a:extLst>
+          </p:cNvPr>
+          <p:cNvSpPr txBox="1"/>
+          <p:nvPr/>
+        </p:nvSpPr>
+        <p:spPr>
+          <a:xfrm>
+            <a:off x="2464965" y="1209960"/>
+            <a:ext cx="1191767" cy="400110"/>
+          </a:xfrm>
+          <a:prstGeom prst="rect">
+            <a:avLst/>
+          </a:prstGeom>
+          <a:noFill/>
+        </p:spPr>
+        <p:txBody>
+          <a:bodyPr wrap="square" rtlCol="0">
+            <a:spAutoFit/>
+          </a:bodyPr>
+          <a:lstStyle/>
+          <a:p>
+            <a:r>
+              <a:rPr lang="en-US" sz="1000" b="1" dirty="0"/>
+              <a:t>Electrical Signal Example: 5V</a:t>
+            </a:r>
+            <a:endParaRPr lang="en-SG" sz="1000" b="1" dirty="0"/>
+          </a:p>
+        </p:txBody>
+      </p:sp>
+      <p:sp>
+        <p:nvSpPr>
+          <p:cNvPr id="21" name="Rectangle 20">
+            <a:extLst>
+              <a:ext uri="{FF2B5EF4-FFF2-40B4-BE49-F238E27FC236}">
+                <a16:creationId xmlns:a16="http://schemas.microsoft.com/office/drawing/2014/main" id="{42404ECD-80F5-75EE-05C2-6E6C64F9CF7C}"/>
+              </a:ext>
+            </a:extLst>
+          </p:cNvPr>
+          <p:cNvSpPr/>
+          <p:nvPr/>
+        </p:nvSpPr>
+        <p:spPr>
+          <a:xfrm>
+            <a:off x="6309360" y="2666893"/>
+            <a:ext cx="1829297" cy="375011"/>
+          </a:xfrm>
+          <a:prstGeom prst="rect">
+            <a:avLst/>
+          </a:prstGeom>
+          <a:solidFill>
+            <a:schemeClr val="tx2">
+              <a:lumMod val="75000"/>
+              <a:lumOff val="25000"/>
+            </a:schemeClr>
+          </a:solidFill>
+          <a:ln>
+            <a:solidFill>
+              <a:schemeClr val="tx1"/>
+            </a:solidFill>
+          </a:ln>
+        </p:spPr>
+        <p:style>
+          <a:lnRef idx="2">
+            <a:schemeClr val="accent1">
+              <a:shade val="50000"/>
+            </a:schemeClr>
+          </a:lnRef>
+          <a:fillRef idx="1">
+            <a:schemeClr val="accent1"/>
+          </a:fillRef>
+          <a:effectRef idx="0">
+            <a:schemeClr val="accent1"/>
+          </a:effectRef>
+          <a:fontRef idx="minor">
+            <a:schemeClr val="lt1"/>
+          </a:fontRef>
+        </p:style>
+        <p:txBody>
+          <a:bodyPr rtlCol="0" anchor="ctr"/>
+          <a:lstStyle/>
+          <a:p>
+            <a:r>
+              <a:rPr lang="en-US" sz="1050" b="1" dirty="0"/>
+              <a:t>LD/ST Output Map module  </a:t>
+            </a:r>
+            <a:endParaRPr lang="en-SG" sz="1050" b="1" dirty="0"/>
+          </a:p>
+        </p:txBody>
+      </p:sp>
+      <p:cxnSp>
+        <p:nvCxnSpPr>
+          <p:cNvPr id="23" name="Connector: Elbow 22">
+            <a:extLst>
+              <a:ext uri="{FF2B5EF4-FFF2-40B4-BE49-F238E27FC236}">
+                <a16:creationId xmlns:a16="http://schemas.microsoft.com/office/drawing/2014/main" id="{D80C18B6-86FD-6570-C7D3-76EF9BB42BD9}"/>
+              </a:ext>
+            </a:extLst>
+          </p:cNvPr>
+          <p:cNvCxnSpPr>
+            <a:cxnSpLocks/>
+            <a:stCxn id="14" idx="2"/>
+            <a:endCxn id="21" idx="3"/>
+          </p:cNvCxnSpPr>
+          <p:nvPr/>
+        </p:nvCxnSpPr>
+        <p:spPr>
+          <a:xfrm rot="5400000">
+            <a:off x="8590767" y="1928485"/>
+            <a:ext cx="473804" cy="1378024"/>
+          </a:xfrm>
+          <a:prstGeom prst="bentConnector2">
+            <a:avLst/>
+          </a:prstGeom>
+          <a:ln>
+            <a:tailEnd type="triangle"/>
+          </a:ln>
+        </p:spPr>
+        <p:style>
+          <a:lnRef idx="2">
+            <a:schemeClr val="accent1"/>
+          </a:lnRef>
+          <a:fillRef idx="0">
+            <a:schemeClr val="accent1"/>
+          </a:fillRef>
+          <a:effectRef idx="1">
+            <a:schemeClr val="accent1"/>
+          </a:effectRef>
+          <a:fontRef idx="minor">
+            <a:schemeClr val="tx1"/>
+          </a:fontRef>
+        </p:style>
+      </p:cxnSp>
+      <p:sp>
+        <p:nvSpPr>
+          <p:cNvPr id="27" name="TextBox 26">
+            <a:extLst>
+              <a:ext uri="{FF2B5EF4-FFF2-40B4-BE49-F238E27FC236}">
+                <a16:creationId xmlns:a16="http://schemas.microsoft.com/office/drawing/2014/main" id="{12BF0C61-E303-04BD-6781-44F1516B20D7}"/>
+              </a:ext>
+            </a:extLst>
+          </p:cNvPr>
+          <p:cNvSpPr txBox="1"/>
+          <p:nvPr/>
+        </p:nvSpPr>
+        <p:spPr>
+          <a:xfrm>
+            <a:off x="8473632" y="2829300"/>
+            <a:ext cx="2197238" cy="400110"/>
+          </a:xfrm>
+          <a:prstGeom prst="rect">
+            <a:avLst/>
+          </a:prstGeom>
+          <a:noFill/>
+        </p:spPr>
+        <p:txBody>
+          <a:bodyPr wrap="square" rtlCol="0">
+            <a:spAutoFit/>
+          </a:bodyPr>
+          <a:lstStyle/>
+          <a:p>
+            <a:r>
+              <a:rPr lang="en-US" sz="1000" b="1" dirty="0"/>
+              <a:t>LD Components Value</a:t>
+            </a:r>
+          </a:p>
+          <a:p>
+            <a:r>
+              <a:rPr lang="en-US" sz="1000" b="1" dirty="0"/>
+              <a:t>Example: Coil Set Val=0</a:t>
+            </a:r>
+            <a:endParaRPr lang="en-SG" sz="1000" b="1" dirty="0"/>
+          </a:p>
+        </p:txBody>
+      </p:sp>
+      <p:cxnSp>
+        <p:nvCxnSpPr>
+          <p:cNvPr id="28" name="Straight Arrow Connector 27">
+            <a:extLst>
+              <a:ext uri="{FF2B5EF4-FFF2-40B4-BE49-F238E27FC236}">
+                <a16:creationId xmlns:a16="http://schemas.microsoft.com/office/drawing/2014/main" id="{041A8613-F9D1-3329-F277-137FA5DDE4C5}"/>
+              </a:ext>
+            </a:extLst>
+          </p:cNvPr>
+          <p:cNvCxnSpPr>
+            <a:cxnSpLocks/>
+          </p:cNvCxnSpPr>
+          <p:nvPr/>
+        </p:nvCxnSpPr>
+        <p:spPr>
+          <a:xfrm flipH="1">
+            <a:off x="5037397" y="2854398"/>
+            <a:ext cx="1271963" cy="0"/>
+          </a:xfrm>
+          <a:prstGeom prst="straightConnector1">
+            <a:avLst/>
+          </a:prstGeom>
+          <a:ln>
+            <a:tailEnd type="triangle"/>
+          </a:ln>
+        </p:spPr>
+        <p:style>
+          <a:lnRef idx="2">
+            <a:schemeClr val="accent1"/>
+          </a:lnRef>
+          <a:fillRef idx="0">
+            <a:schemeClr val="accent1"/>
+          </a:fillRef>
+          <a:effectRef idx="1">
+            <a:schemeClr val="accent1"/>
+          </a:effectRef>
+          <a:fontRef idx="minor">
+            <a:schemeClr val="tx1"/>
+          </a:fontRef>
+        </p:style>
+      </p:cxnSp>
+      <p:sp>
+        <p:nvSpPr>
+          <p:cNvPr id="31" name="TextBox 30">
+            <a:extLst>
+              <a:ext uri="{FF2B5EF4-FFF2-40B4-BE49-F238E27FC236}">
+                <a16:creationId xmlns:a16="http://schemas.microsoft.com/office/drawing/2014/main" id="{8549BC44-E360-23FA-25C8-C48A0962661A}"/>
+              </a:ext>
+            </a:extLst>
+          </p:cNvPr>
+          <p:cNvSpPr txBox="1"/>
+          <p:nvPr/>
+        </p:nvSpPr>
+        <p:spPr>
+          <a:xfrm>
+            <a:off x="5087977" y="2093653"/>
+            <a:ext cx="2314379" cy="553998"/>
+          </a:xfrm>
+          <a:prstGeom prst="rect">
+            <a:avLst/>
+          </a:prstGeom>
+          <a:noFill/>
+        </p:spPr>
+        <p:txBody>
+          <a:bodyPr wrap="square" rtlCol="0">
+            <a:spAutoFit/>
+          </a:bodyPr>
+          <a:lstStyle/>
+          <a:p>
+            <a:r>
+              <a:rPr lang="en-US" sz="1000" b="1" dirty="0"/>
+              <a:t>IEC104 Value</a:t>
+            </a:r>
+          </a:p>
+          <a:p>
+            <a:r>
+              <a:rPr lang="en-US" sz="1000" b="1" dirty="0"/>
+              <a:t>Example: </a:t>
+            </a:r>
+          </a:p>
+          <a:p>
+            <a:r>
+              <a:rPr lang="en-US" sz="1000" b="1" dirty="0"/>
+              <a:t>C_RC_NA_STEP_HIGHER</a:t>
+            </a:r>
+            <a:endParaRPr lang="en-SG" sz="1000" b="1" dirty="0"/>
+          </a:p>
+        </p:txBody>
+      </p:sp>
+      <p:sp>
+        <p:nvSpPr>
+          <p:cNvPr id="33" name="Rectangle 32">
+            <a:extLst>
+              <a:ext uri="{FF2B5EF4-FFF2-40B4-BE49-F238E27FC236}">
+                <a16:creationId xmlns:a16="http://schemas.microsoft.com/office/drawing/2014/main" id="{9F826858-3DB7-6BD3-FF6C-AC27BB07D3CF}"/>
+              </a:ext>
+            </a:extLst>
+          </p:cNvPr>
+          <p:cNvSpPr/>
+          <p:nvPr/>
+        </p:nvSpPr>
+        <p:spPr>
+          <a:xfrm>
+            <a:off x="3349255" y="2666893"/>
+            <a:ext cx="1688142" cy="375011"/>
+          </a:xfrm>
+          <a:prstGeom prst="rect">
+            <a:avLst/>
+          </a:prstGeom>
+          <a:solidFill>
+            <a:schemeClr val="tx2">
+              <a:lumMod val="75000"/>
+              <a:lumOff val="25000"/>
+            </a:schemeClr>
+          </a:solidFill>
+          <a:ln>
+            <a:solidFill>
+              <a:schemeClr val="tx1"/>
+            </a:solidFill>
+          </a:ln>
+        </p:spPr>
+        <p:style>
+          <a:lnRef idx="2">
+            <a:schemeClr val="accent1">
+              <a:shade val="50000"/>
+            </a:schemeClr>
+          </a:lnRef>
+          <a:fillRef idx="1">
+            <a:schemeClr val="accent1"/>
+          </a:fillRef>
+          <a:effectRef idx="0">
+            <a:schemeClr val="accent1"/>
+          </a:effectRef>
+          <a:fontRef idx="minor">
+            <a:schemeClr val="lt1"/>
+          </a:fontRef>
+        </p:style>
+        <p:txBody>
+          <a:bodyPr rtlCol="0" anchor="ctr"/>
+          <a:lstStyle/>
+          <a:p>
+            <a:r>
+              <a:rPr lang="en-US" sz="1050" b="1" dirty="0"/>
+              <a:t>IEC 104 Changeable Point Object</a:t>
+            </a:r>
+            <a:endParaRPr lang="en-SG" sz="1050" b="1" dirty="0"/>
+          </a:p>
+        </p:txBody>
+      </p:sp>
+      <p:cxnSp>
+        <p:nvCxnSpPr>
+          <p:cNvPr id="34" name="Straight Arrow Connector 33">
+            <a:extLst>
+              <a:ext uri="{FF2B5EF4-FFF2-40B4-BE49-F238E27FC236}">
+                <a16:creationId xmlns:a16="http://schemas.microsoft.com/office/drawing/2014/main" id="{15ACF59B-8B48-74CE-0AED-3EB362EC2C3E}"/>
+              </a:ext>
+            </a:extLst>
+          </p:cNvPr>
+          <p:cNvCxnSpPr>
+            <a:cxnSpLocks/>
+          </p:cNvCxnSpPr>
+          <p:nvPr/>
+        </p:nvCxnSpPr>
+        <p:spPr>
+          <a:xfrm flipH="1">
+            <a:off x="2492111" y="2854398"/>
+            <a:ext cx="857144" cy="0"/>
+          </a:xfrm>
+          <a:prstGeom prst="straightConnector1">
+            <a:avLst/>
+          </a:prstGeom>
+          <a:ln>
+            <a:tailEnd type="triangle"/>
+          </a:ln>
+        </p:spPr>
+        <p:style>
+          <a:lnRef idx="2">
+            <a:schemeClr val="accent1"/>
+          </a:lnRef>
+          <a:fillRef idx="0">
+            <a:schemeClr val="accent1"/>
+          </a:fillRef>
+          <a:effectRef idx="1">
+            <a:schemeClr val="accent1"/>
+          </a:effectRef>
+          <a:fontRef idx="minor">
+            <a:schemeClr val="tx1"/>
+          </a:fontRef>
+        </p:style>
+      </p:cxnSp>
+      <p:sp>
+        <p:nvSpPr>
+          <p:cNvPr id="36" name="Rectangle 35">
+            <a:extLst>
+              <a:ext uri="{FF2B5EF4-FFF2-40B4-BE49-F238E27FC236}">
+                <a16:creationId xmlns:a16="http://schemas.microsoft.com/office/drawing/2014/main" id="{240546D7-C0EB-733F-CA9F-87504E974245}"/>
+              </a:ext>
+            </a:extLst>
+          </p:cNvPr>
+          <p:cNvSpPr/>
+          <p:nvPr/>
+        </p:nvSpPr>
+        <p:spPr>
+          <a:xfrm>
+            <a:off x="1343399" y="2666893"/>
+            <a:ext cx="1161785" cy="375011"/>
+          </a:xfrm>
+          <a:prstGeom prst="rect">
+            <a:avLst/>
+          </a:prstGeom>
+          <a:solidFill>
+            <a:schemeClr val="tx2">
+              <a:lumMod val="75000"/>
+              <a:lumOff val="25000"/>
+            </a:schemeClr>
+          </a:solidFill>
+          <a:ln>
+            <a:solidFill>
+              <a:schemeClr val="tx1"/>
+            </a:solidFill>
+          </a:ln>
+        </p:spPr>
+        <p:style>
+          <a:lnRef idx="2">
+            <a:schemeClr val="accent1">
+              <a:shade val="50000"/>
+            </a:schemeClr>
+          </a:lnRef>
+          <a:fillRef idx="1">
+            <a:schemeClr val="accent1"/>
+          </a:fillRef>
+          <a:effectRef idx="0">
+            <a:schemeClr val="accent1"/>
+          </a:effectRef>
+          <a:fontRef idx="minor">
+            <a:schemeClr val="lt1"/>
+          </a:fontRef>
+        </p:style>
+        <p:txBody>
+          <a:bodyPr rtlCol="0" anchor="ctr"/>
+          <a:lstStyle/>
+          <a:p>
+            <a:r>
+              <a:rPr lang="en-US" sz="1050" b="1" dirty="0"/>
+              <a:t>Virtual Motor Controller </a:t>
+            </a:r>
+            <a:endParaRPr lang="en-SG" sz="1050" b="1" dirty="0"/>
+          </a:p>
+        </p:txBody>
+      </p:sp>
+      <p:sp>
+        <p:nvSpPr>
+          <p:cNvPr id="37" name="TextBox 36">
+            <a:extLst>
+              <a:ext uri="{FF2B5EF4-FFF2-40B4-BE49-F238E27FC236}">
+                <a16:creationId xmlns:a16="http://schemas.microsoft.com/office/drawing/2014/main" id="{2927BD27-3613-1239-ECA4-37AE8D2E853E}"/>
+              </a:ext>
+            </a:extLst>
+          </p:cNvPr>
+          <p:cNvSpPr txBox="1"/>
+          <p:nvPr/>
+        </p:nvSpPr>
+        <p:spPr>
+          <a:xfrm>
+            <a:off x="2492111" y="2258156"/>
+            <a:ext cx="1191767" cy="400110"/>
+          </a:xfrm>
+          <a:prstGeom prst="rect">
+            <a:avLst/>
+          </a:prstGeom>
+          <a:noFill/>
+        </p:spPr>
+        <p:txBody>
+          <a:bodyPr wrap="square" rtlCol="0">
+            <a:spAutoFit/>
+          </a:bodyPr>
+          <a:lstStyle/>
+          <a:p>
+            <a:r>
+              <a:rPr lang="en-US" sz="1000" b="1" dirty="0"/>
+              <a:t>Electrical Signal Example: 0V</a:t>
+            </a:r>
+            <a:endParaRPr lang="en-SG" sz="1000" b="1" dirty="0"/>
+          </a:p>
+        </p:txBody>
+      </p:sp>
     </p:spTree>
     <p:extLst>
       <p:ext uri="{BB962C8B-B14F-4D97-AF65-F5344CB8AC3E}">
-        <p14:creationId xmlns:p14="http://schemas.microsoft.com/office/powerpoint/2010/main" val="714895613"/>
+        <p14:creationId xmlns:p14="http://schemas.microsoft.com/office/powerpoint/2010/main" val="3478707917"/>
       </p:ext>
     </p:extLst>
   </p:cSld>
@@ -28140,12 +32924,62 @@
           <a:chExt cx="0" cy="0"/>
         </a:xfrm>
       </p:grpSpPr>
+      <p:sp>
+        <p:nvSpPr>
+          <p:cNvPr id="4" name="Rectangle 3">
+            <a:extLst>
+              <a:ext uri="{FF2B5EF4-FFF2-40B4-BE49-F238E27FC236}">
+                <a16:creationId xmlns:a16="http://schemas.microsoft.com/office/drawing/2014/main" id="{B68081F3-FB43-94D6-5BDD-32B6477220F2}"/>
+              </a:ext>
+            </a:extLst>
+          </p:cNvPr>
+          <p:cNvSpPr/>
+          <p:nvPr/>
+        </p:nvSpPr>
+        <p:spPr>
+          <a:xfrm>
+            <a:off x="1953928" y="1164657"/>
+            <a:ext cx="6766560" cy="3869356"/>
+          </a:xfrm>
+          <a:prstGeom prst="rect">
+            <a:avLst/>
+          </a:prstGeom>
+          <a:noFill/>
+          <a:ln>
+            <a:prstDash val="sysDash"/>
+          </a:ln>
+        </p:spPr>
+        <p:style>
+          <a:lnRef idx="2">
+            <a:schemeClr val="accent1">
+              <a:shade val="15000"/>
+            </a:schemeClr>
+          </a:lnRef>
+          <a:fillRef idx="1">
+            <a:schemeClr val="accent1"/>
+          </a:fillRef>
+          <a:effectRef idx="0">
+            <a:schemeClr val="accent1"/>
+          </a:effectRef>
+          <a:fontRef idx="minor">
+            <a:schemeClr val="lt1"/>
+          </a:fontRef>
+        </p:style>
+        <p:txBody>
+          <a:bodyPr rtlCol="0" anchor="ctr"/>
+          <a:lstStyle/>
+          <a:p>
+            <a:pPr algn="ctr"/>
+            <a:endParaRPr lang="en-SG"/>
+          </a:p>
+        </p:txBody>
+      </p:sp>
       <p:pic>
         <p:nvPicPr>
-          <p:cNvPr id="4" name="Picture 3">
-            <a:extLst>
-              <a:ext uri="{FF2B5EF4-FFF2-40B4-BE49-F238E27FC236}">
-                <a16:creationId xmlns:a16="http://schemas.microsoft.com/office/drawing/2014/main" id="{F843622B-86E6-2173-F794-329E1FE9A932}"/>
+          <p:cNvPr id="5" name="Picture 4">
+            <a:extLst>
+              <a:ext uri="{FF2B5EF4-FFF2-40B4-BE49-F238E27FC236}">
+                <a16:creationId xmlns:a16="http://schemas.microsoft.com/office/drawing/2014/main" id="{95D63E1C-AC98-C5D5-17C7-8EA79E07DC59}"/>
               </a:ext>
             </a:extLst>
           </p:cNvPr>
@@ -28155,28 +32989,20 @@
           <p:nvPr/>
         </p:nvPicPr>
         <p:blipFill>
-          <a:blip r:embed="rId2">
-            <a:extLst>
-              <a:ext uri="{28A0092B-C50C-407E-A947-70E740481C1C}">
-                <a14:useLocalDpi xmlns:a14="http://schemas.microsoft.com/office/drawing/2010/main" val="0"/>
-              </a:ext>
-            </a:extLst>
-          </a:blip>
-          <a:srcRect/>
+          <a:blip r:embed="rId2"/>
           <a:stretch>
             <a:fillRect/>
           </a:stretch>
         </p:blipFill>
-        <p:spPr bwMode="auto">
-          <a:xfrm>
-            <a:off x="534215" y="630936"/>
-            <a:ext cx="8732658" cy="2179129"/>
-          </a:xfrm>
-          <a:prstGeom prst="rect">
-            <a:avLst/>
-          </a:prstGeom>
-          <a:noFill/>
-          <a:ln w="3175">
+        <p:spPr>
+          <a:xfrm>
+            <a:off x="2602857" y="2752615"/>
+            <a:ext cx="868243" cy="897184"/>
+          </a:xfrm>
+          <a:prstGeom prst="rect">
+            <a:avLst/>
+          </a:prstGeom>
+          <a:ln w="12700">
             <a:solidFill>
               <a:schemeClr val="tx1"/>
             </a:solidFill>
@@ -28185,10 +33011,10 @@
       </p:pic>
       <p:pic>
         <p:nvPicPr>
-          <p:cNvPr id="6" name="Picture 5">
-            <a:extLst>
-              <a:ext uri="{FF2B5EF4-FFF2-40B4-BE49-F238E27FC236}">
-                <a16:creationId xmlns:a16="http://schemas.microsoft.com/office/drawing/2014/main" id="{65E9EEE2-0CC1-0DFC-09F2-9CDF06EBEB93}"/>
+          <p:cNvPr id="7" name="Picture 6" descr="A close-up of a device&#10;&#10;Description automatically generated">
+            <a:extLst>
+              <a:ext uri="{FF2B5EF4-FFF2-40B4-BE49-F238E27FC236}">
+                <a16:creationId xmlns:a16="http://schemas.microsoft.com/office/drawing/2014/main" id="{AEC03487-A73E-27A8-D6B7-95B976707C1A}"/>
               </a:ext>
             </a:extLst>
           </p:cNvPr>
@@ -28198,27 +33024,38 @@
           <p:nvPr/>
         </p:nvPicPr>
         <p:blipFill>
-          <a:blip r:embed="rId3"/>
+          <a:blip r:embed="rId3">
+            <a:extLst>
+              <a:ext uri="{28A0092B-C50C-407E-A947-70E740481C1C}">
+                <a14:useLocalDpi xmlns:a14="http://schemas.microsoft.com/office/drawing/2010/main" val="0"/>
+              </a:ext>
+            </a:extLst>
+          </a:blip>
           <a:stretch>
             <a:fillRect/>
           </a:stretch>
         </p:blipFill>
         <p:spPr>
           <a:xfrm>
-            <a:off x="8505838" y="787348"/>
-            <a:ext cx="209524" cy="180952"/>
-          </a:xfrm>
-          <a:prstGeom prst="rect">
-            <a:avLst/>
-          </a:prstGeom>
+            <a:off x="5377736" y="1729757"/>
+            <a:ext cx="1265535" cy="1265535"/>
+          </a:xfrm>
+          <a:prstGeom prst="rect">
+            <a:avLst/>
+          </a:prstGeom>
+          <a:ln w="12700">
+            <a:solidFill>
+              <a:schemeClr val="tx1"/>
+            </a:solidFill>
+          </a:ln>
         </p:spPr>
       </p:pic>
       <p:pic>
         <p:nvPicPr>
-          <p:cNvPr id="7" name="Picture 6">
-            <a:extLst>
-              <a:ext uri="{FF2B5EF4-FFF2-40B4-BE49-F238E27FC236}">
-                <a16:creationId xmlns:a16="http://schemas.microsoft.com/office/drawing/2014/main" id="{85AA5AB1-03DC-0E60-11B8-F9CCD3B65C82}"/>
+          <p:cNvPr id="9" name="Picture 8" descr="A grey electronic device with green lights&#10;&#10;Description automatically generated">
+            <a:extLst>
+              <a:ext uri="{FF2B5EF4-FFF2-40B4-BE49-F238E27FC236}">
+                <a16:creationId xmlns:a16="http://schemas.microsoft.com/office/drawing/2014/main" id="{E1438CBD-90B4-E7F6-4EC2-BE9ECE31E724}"/>
               </a:ext>
             </a:extLst>
           </p:cNvPr>
@@ -28228,665 +33065,82 @@
           <p:nvPr/>
         </p:nvPicPr>
         <p:blipFill>
-          <a:blip r:embed="rId3"/>
+          <a:blip r:embed="rId4">
+            <a:extLst>
+              <a:ext uri="{28A0092B-C50C-407E-A947-70E740481C1C}">
+                <a14:useLocalDpi xmlns:a14="http://schemas.microsoft.com/office/drawing/2010/main" val="0"/>
+              </a:ext>
+            </a:extLst>
+          </a:blip>
           <a:stretch>
             <a:fillRect/>
           </a:stretch>
         </p:blipFill>
         <p:spPr>
           <a:xfrm>
-            <a:off x="8505838" y="1539548"/>
-            <a:ext cx="209524" cy="180952"/>
-          </a:xfrm>
-          <a:prstGeom prst="rect">
-            <a:avLst/>
-          </a:prstGeom>
-        </p:spPr>
-      </p:pic>
-      <p:sp>
-        <p:nvSpPr>
-          <p:cNvPr id="9" name="Rectangle 8">
-            <a:extLst>
-              <a:ext uri="{FF2B5EF4-FFF2-40B4-BE49-F238E27FC236}">
-                <a16:creationId xmlns:a16="http://schemas.microsoft.com/office/drawing/2014/main" id="{F9DF523E-7192-B84A-1DAD-6569A4586F6A}"/>
-              </a:ext>
-            </a:extLst>
-          </p:cNvPr>
-          <p:cNvSpPr/>
-          <p:nvPr/>
-        </p:nvSpPr>
-        <p:spPr>
-          <a:xfrm>
-            <a:off x="8138160" y="708279"/>
-            <a:ext cx="274320" cy="121561"/>
-          </a:xfrm>
-          <a:prstGeom prst="rect">
-            <a:avLst/>
-          </a:prstGeom>
-          <a:solidFill>
-            <a:schemeClr val="bg1"/>
-          </a:solidFill>
-          <a:ln>
+            <a:off x="5377736" y="3516296"/>
+            <a:ext cx="1265536" cy="1202259"/>
+          </a:xfrm>
+          <a:prstGeom prst="rect">
+            <a:avLst/>
+          </a:prstGeom>
+          <a:ln w="12700">
             <a:solidFill>
-              <a:schemeClr val="bg1"/>
+              <a:schemeClr val="tx1"/>
             </a:solidFill>
           </a:ln>
         </p:spPr>
+      </p:pic>
+      <p:cxnSp>
+        <p:nvCxnSpPr>
+          <p:cNvPr id="13" name="Straight Arrow Connector 12">
+            <a:extLst>
+              <a:ext uri="{FF2B5EF4-FFF2-40B4-BE49-F238E27FC236}">
+                <a16:creationId xmlns:a16="http://schemas.microsoft.com/office/drawing/2014/main" id="{F7BB0F2A-4DEE-1FF0-A71C-1819411D444E}"/>
+              </a:ext>
+            </a:extLst>
+          </p:cNvPr>
+          <p:cNvCxnSpPr/>
+          <p:nvPr/>
+        </p:nvCxnSpPr>
+        <p:spPr>
+          <a:xfrm>
+            <a:off x="3760237" y="2752615"/>
+            <a:ext cx="1617499" cy="0"/>
+          </a:xfrm>
+          <a:prstGeom prst="straightConnector1">
+            <a:avLst/>
+          </a:prstGeom>
+          <a:ln w="28575">
+            <a:solidFill>
+              <a:schemeClr val="accent6">
+                <a:lumMod val="50000"/>
+              </a:schemeClr>
+            </a:solidFill>
+            <a:tailEnd type="triangle"/>
+          </a:ln>
+        </p:spPr>
         <p:style>
           <a:lnRef idx="2">
-            <a:schemeClr val="accent1">
-              <a:shade val="15000"/>
-            </a:schemeClr>
-          </a:lnRef>
-          <a:fillRef idx="1">
-            <a:schemeClr val="accent1"/>
-          </a:fillRef>
-          <a:effectRef idx="0">
-            <a:schemeClr val="accent1"/>
-          </a:effectRef>
-          <a:fontRef idx="minor">
-            <a:schemeClr val="lt1"/>
-          </a:fontRef>
-        </p:style>
-        <p:txBody>
-          <a:bodyPr rtlCol="0" anchor="ctr"/>
-          <a:lstStyle/>
-          <a:p>
-            <a:pPr algn="ctr"/>
-            <a:endParaRPr lang="en-SG"/>
-          </a:p>
-        </p:txBody>
-      </p:sp>
-      <p:sp>
-        <p:nvSpPr>
-          <p:cNvPr id="11" name="Rectangle 10">
-            <a:extLst>
-              <a:ext uri="{FF2B5EF4-FFF2-40B4-BE49-F238E27FC236}">
-                <a16:creationId xmlns:a16="http://schemas.microsoft.com/office/drawing/2014/main" id="{51917438-A1DD-7454-E2F7-C8AC1D6032F7}"/>
-              </a:ext>
-            </a:extLst>
-          </p:cNvPr>
-          <p:cNvSpPr/>
-          <p:nvPr/>
-        </p:nvSpPr>
-        <p:spPr>
-          <a:xfrm>
-            <a:off x="1633728" y="647498"/>
-            <a:ext cx="274320" cy="139850"/>
-          </a:xfrm>
-          <a:prstGeom prst="rect">
-            <a:avLst/>
-          </a:prstGeom>
-          <a:solidFill>
-            <a:schemeClr val="bg1"/>
-          </a:solidFill>
-          <a:ln>
-            <a:solidFill>
-              <a:schemeClr val="bg1"/>
-            </a:solidFill>
-          </a:ln>
-        </p:spPr>
-        <p:style>
-          <a:lnRef idx="2">
-            <a:schemeClr val="accent1">
-              <a:shade val="15000"/>
-            </a:schemeClr>
-          </a:lnRef>
-          <a:fillRef idx="1">
-            <a:schemeClr val="accent1"/>
-          </a:fillRef>
-          <a:effectRef idx="0">
-            <a:schemeClr val="accent1"/>
-          </a:effectRef>
-          <a:fontRef idx="minor">
-            <a:schemeClr val="lt1"/>
-          </a:fontRef>
-        </p:style>
-        <p:txBody>
-          <a:bodyPr rtlCol="0" anchor="ctr"/>
-          <a:lstStyle/>
-          <a:p>
-            <a:pPr algn="ctr"/>
-            <a:endParaRPr lang="en-SG"/>
-          </a:p>
-        </p:txBody>
-      </p:sp>
-      <p:sp>
-        <p:nvSpPr>
-          <p:cNvPr id="12" name="Rectangle 11">
-            <a:extLst>
-              <a:ext uri="{FF2B5EF4-FFF2-40B4-BE49-F238E27FC236}">
-                <a16:creationId xmlns:a16="http://schemas.microsoft.com/office/drawing/2014/main" id="{E0F7B813-5A5C-3ECB-FB35-BBA1909A1D6F}"/>
-              </a:ext>
-            </a:extLst>
-          </p:cNvPr>
-          <p:cNvSpPr/>
-          <p:nvPr/>
-        </p:nvSpPr>
-        <p:spPr>
-          <a:xfrm>
-            <a:off x="1633728" y="1412601"/>
-            <a:ext cx="274320" cy="121561"/>
-          </a:xfrm>
-          <a:prstGeom prst="rect">
-            <a:avLst/>
-          </a:prstGeom>
-          <a:solidFill>
-            <a:schemeClr val="bg1"/>
-          </a:solidFill>
-          <a:ln>
-            <a:solidFill>
-              <a:schemeClr val="bg1"/>
-            </a:solidFill>
-          </a:ln>
-        </p:spPr>
-        <p:style>
-          <a:lnRef idx="2">
-            <a:schemeClr val="accent1">
-              <a:shade val="15000"/>
-            </a:schemeClr>
-          </a:lnRef>
-          <a:fillRef idx="1">
-            <a:schemeClr val="accent1"/>
-          </a:fillRef>
-          <a:effectRef idx="0">
-            <a:schemeClr val="accent1"/>
-          </a:effectRef>
-          <a:fontRef idx="minor">
-            <a:schemeClr val="lt1"/>
-          </a:fontRef>
-        </p:style>
-        <p:txBody>
-          <a:bodyPr rtlCol="0" anchor="ctr"/>
-          <a:lstStyle/>
-          <a:p>
-            <a:pPr algn="ctr"/>
-            <a:endParaRPr lang="en-SG"/>
-          </a:p>
-        </p:txBody>
-      </p:sp>
-      <p:sp>
-        <p:nvSpPr>
-          <p:cNvPr id="13" name="Rectangle 12">
-            <a:extLst>
-              <a:ext uri="{FF2B5EF4-FFF2-40B4-BE49-F238E27FC236}">
-                <a16:creationId xmlns:a16="http://schemas.microsoft.com/office/drawing/2014/main" id="{E54D2CBF-E5A7-2C18-9A8A-7997A9C8ED3A}"/>
-              </a:ext>
-            </a:extLst>
-          </p:cNvPr>
-          <p:cNvSpPr/>
-          <p:nvPr/>
-        </p:nvSpPr>
-        <p:spPr>
-          <a:xfrm>
-            <a:off x="8138160" y="1455093"/>
-            <a:ext cx="274320" cy="121561"/>
-          </a:xfrm>
-          <a:prstGeom prst="rect">
-            <a:avLst/>
-          </a:prstGeom>
-          <a:solidFill>
-            <a:schemeClr val="bg1"/>
-          </a:solidFill>
-          <a:ln>
-            <a:solidFill>
-              <a:schemeClr val="bg1"/>
-            </a:solidFill>
-          </a:ln>
-        </p:spPr>
-        <p:style>
-          <a:lnRef idx="2">
-            <a:schemeClr val="accent1">
-              <a:shade val="15000"/>
-            </a:schemeClr>
-          </a:lnRef>
-          <a:fillRef idx="1">
-            <a:schemeClr val="accent1"/>
-          </a:fillRef>
-          <a:effectRef idx="0">
-            <a:schemeClr val="accent1"/>
-          </a:effectRef>
-          <a:fontRef idx="minor">
-            <a:schemeClr val="lt1"/>
-          </a:fontRef>
-        </p:style>
-        <p:txBody>
-          <a:bodyPr rtlCol="0" anchor="ctr"/>
-          <a:lstStyle/>
-          <a:p>
-            <a:pPr algn="ctr"/>
-            <a:endParaRPr lang="en-SG"/>
-          </a:p>
-        </p:txBody>
-      </p:sp>
-      <p:sp>
-        <p:nvSpPr>
-          <p:cNvPr id="14" name="Rectangle 13">
-            <a:extLst>
-              <a:ext uri="{FF2B5EF4-FFF2-40B4-BE49-F238E27FC236}">
-                <a16:creationId xmlns:a16="http://schemas.microsoft.com/office/drawing/2014/main" id="{EB02468F-1F2B-EB67-4EFA-4AC88569A3CA}"/>
-              </a:ext>
-            </a:extLst>
-          </p:cNvPr>
-          <p:cNvSpPr/>
-          <p:nvPr/>
-        </p:nvSpPr>
-        <p:spPr>
-          <a:xfrm>
-            <a:off x="1633728" y="2168559"/>
-            <a:ext cx="274320" cy="121561"/>
-          </a:xfrm>
-          <a:prstGeom prst="rect">
-            <a:avLst/>
-          </a:prstGeom>
-          <a:solidFill>
-            <a:schemeClr val="bg1"/>
-          </a:solidFill>
-          <a:ln>
-            <a:solidFill>
-              <a:schemeClr val="bg1"/>
-            </a:solidFill>
-          </a:ln>
-        </p:spPr>
-        <p:style>
-          <a:lnRef idx="2">
-            <a:schemeClr val="accent1">
-              <a:shade val="15000"/>
-            </a:schemeClr>
-          </a:lnRef>
-          <a:fillRef idx="1">
-            <a:schemeClr val="accent1"/>
-          </a:fillRef>
-          <a:effectRef idx="0">
-            <a:schemeClr val="accent1"/>
-          </a:effectRef>
-          <a:fontRef idx="minor">
-            <a:schemeClr val="lt1"/>
-          </a:fontRef>
-        </p:style>
-        <p:txBody>
-          <a:bodyPr rtlCol="0" anchor="ctr"/>
-          <a:lstStyle/>
-          <a:p>
-            <a:pPr algn="ctr"/>
-            <a:endParaRPr lang="en-SG"/>
-          </a:p>
-        </p:txBody>
-      </p:sp>
-      <p:sp>
-        <p:nvSpPr>
-          <p:cNvPr id="15" name="Rectangle 14">
-            <a:extLst>
-              <a:ext uri="{FF2B5EF4-FFF2-40B4-BE49-F238E27FC236}">
-                <a16:creationId xmlns:a16="http://schemas.microsoft.com/office/drawing/2014/main" id="{16347FE5-8021-E930-9450-823270B36701}"/>
-              </a:ext>
-            </a:extLst>
-          </p:cNvPr>
-          <p:cNvSpPr/>
-          <p:nvPr/>
-        </p:nvSpPr>
-        <p:spPr>
-          <a:xfrm>
-            <a:off x="8138160" y="2229339"/>
-            <a:ext cx="274320" cy="121561"/>
-          </a:xfrm>
-          <a:prstGeom prst="rect">
-            <a:avLst/>
-          </a:prstGeom>
-          <a:solidFill>
-            <a:schemeClr val="bg1"/>
-          </a:solidFill>
-          <a:ln>
-            <a:solidFill>
-              <a:schemeClr val="bg1"/>
-            </a:solidFill>
-          </a:ln>
-        </p:spPr>
-        <p:style>
-          <a:lnRef idx="2">
-            <a:schemeClr val="accent1">
-              <a:shade val="15000"/>
-            </a:schemeClr>
-          </a:lnRef>
-          <a:fillRef idx="1">
-            <a:schemeClr val="accent1"/>
-          </a:fillRef>
-          <a:effectRef idx="0">
-            <a:schemeClr val="accent1"/>
-          </a:effectRef>
-          <a:fontRef idx="minor">
-            <a:schemeClr val="lt1"/>
-          </a:fontRef>
-        </p:style>
-        <p:txBody>
-          <a:bodyPr rtlCol="0" anchor="ctr"/>
-          <a:lstStyle/>
-          <a:p>
-            <a:pPr algn="ctr"/>
-            <a:endParaRPr lang="en-SG"/>
-          </a:p>
-        </p:txBody>
-      </p:sp>
-      <p:sp>
-        <p:nvSpPr>
-          <p:cNvPr id="8" name="TextBox 7">
-            <a:extLst>
-              <a:ext uri="{FF2B5EF4-FFF2-40B4-BE49-F238E27FC236}">
-                <a16:creationId xmlns:a16="http://schemas.microsoft.com/office/drawing/2014/main" id="{F2B2A6D6-9AE7-8FDA-619C-0156247843AD}"/>
-              </a:ext>
-            </a:extLst>
-          </p:cNvPr>
-          <p:cNvSpPr txBox="1"/>
-          <p:nvPr/>
-        </p:nvSpPr>
-        <p:spPr>
-          <a:xfrm>
-            <a:off x="8057299" y="593826"/>
-            <a:ext cx="553301" cy="300980"/>
-          </a:xfrm>
-          <a:prstGeom prst="rect">
-            <a:avLst/>
-          </a:prstGeom>
-          <a:noFill/>
-          <a:ln>
-            <a:noFill/>
-          </a:ln>
-        </p:spPr>
-        <p:txBody>
-          <a:bodyPr wrap="square" rtlCol="0">
-            <a:spAutoFit/>
-          </a:bodyPr>
-          <a:lstStyle/>
-          <a:p>
-            <a:pPr>
-              <a:lnSpc>
-                <a:spcPct val="150000"/>
-              </a:lnSpc>
-            </a:pPr>
-            <a:r>
-              <a:rPr lang="en-US" sz="1000" b="1" dirty="0"/>
-              <a:t>%M10</a:t>
-            </a:r>
-            <a:endParaRPr lang="en-SG" sz="1000" b="1" dirty="0"/>
-          </a:p>
-        </p:txBody>
-      </p:sp>
-      <p:sp>
-        <p:nvSpPr>
-          <p:cNvPr id="16" name="TextBox 15">
-            <a:extLst>
-              <a:ext uri="{FF2B5EF4-FFF2-40B4-BE49-F238E27FC236}">
-                <a16:creationId xmlns:a16="http://schemas.microsoft.com/office/drawing/2014/main" id="{5A48E629-858F-15EB-F71F-45B06CDCDDE5}"/>
-              </a:ext>
-            </a:extLst>
-          </p:cNvPr>
-          <p:cNvSpPr txBox="1"/>
-          <p:nvPr/>
-        </p:nvSpPr>
-        <p:spPr>
-          <a:xfrm>
-            <a:off x="1631397" y="544872"/>
-            <a:ext cx="553301" cy="300980"/>
-          </a:xfrm>
-          <a:prstGeom prst="rect">
-            <a:avLst/>
-          </a:prstGeom>
-          <a:noFill/>
-          <a:ln>
-            <a:noFill/>
-          </a:ln>
-        </p:spPr>
-        <p:txBody>
-          <a:bodyPr wrap="square" rtlCol="0">
-            <a:spAutoFit/>
-          </a:bodyPr>
-          <a:lstStyle/>
-          <a:p>
-            <a:pPr>
-              <a:lnSpc>
-                <a:spcPct val="150000"/>
-              </a:lnSpc>
-            </a:pPr>
-            <a:r>
-              <a:rPr lang="en-US" sz="1000" b="1" dirty="0"/>
-              <a:t>%I0.1</a:t>
-            </a:r>
-            <a:endParaRPr lang="en-SG" sz="1000" b="1" dirty="0"/>
-          </a:p>
-        </p:txBody>
-      </p:sp>
-      <p:sp>
-        <p:nvSpPr>
-          <p:cNvPr id="17" name="TextBox 16">
-            <a:extLst>
-              <a:ext uri="{FF2B5EF4-FFF2-40B4-BE49-F238E27FC236}">
-                <a16:creationId xmlns:a16="http://schemas.microsoft.com/office/drawing/2014/main" id="{4D3AA356-2885-3D58-8811-E3C1D7815D23}"/>
-              </a:ext>
-            </a:extLst>
-          </p:cNvPr>
-          <p:cNvSpPr txBox="1"/>
-          <p:nvPr/>
-        </p:nvSpPr>
-        <p:spPr>
-          <a:xfrm>
-            <a:off x="1631396" y="1286336"/>
-            <a:ext cx="553301" cy="300980"/>
-          </a:xfrm>
-          <a:prstGeom prst="rect">
-            <a:avLst/>
-          </a:prstGeom>
-          <a:noFill/>
-          <a:ln>
-            <a:noFill/>
-          </a:ln>
-        </p:spPr>
-        <p:txBody>
-          <a:bodyPr wrap="square" rtlCol="0">
-            <a:spAutoFit/>
-          </a:bodyPr>
-          <a:lstStyle/>
-          <a:p>
-            <a:pPr>
-              <a:lnSpc>
-                <a:spcPct val="150000"/>
-              </a:lnSpc>
-            </a:pPr>
-            <a:r>
-              <a:rPr lang="en-US" sz="1000" b="1" dirty="0"/>
-              <a:t>%M10</a:t>
-            </a:r>
-            <a:endParaRPr lang="en-SG" sz="1000" b="1" dirty="0"/>
-          </a:p>
-        </p:txBody>
-      </p:sp>
-      <p:sp>
-        <p:nvSpPr>
-          <p:cNvPr id="18" name="Rectangle 17">
-            <a:extLst>
-              <a:ext uri="{FF2B5EF4-FFF2-40B4-BE49-F238E27FC236}">
-                <a16:creationId xmlns:a16="http://schemas.microsoft.com/office/drawing/2014/main" id="{2999FF1A-CFDF-A7E0-A96E-FB1ED12F525E}"/>
-              </a:ext>
-            </a:extLst>
-          </p:cNvPr>
-          <p:cNvSpPr/>
-          <p:nvPr/>
-        </p:nvSpPr>
-        <p:spPr>
-          <a:xfrm>
-            <a:off x="3465576" y="1479534"/>
-            <a:ext cx="2386584" cy="300980"/>
-          </a:xfrm>
-          <a:prstGeom prst="rect">
-            <a:avLst/>
-          </a:prstGeom>
-        </p:spPr>
-        <p:style>
-          <a:lnRef idx="2">
-            <a:schemeClr val="accent1">
-              <a:shade val="15000"/>
-            </a:schemeClr>
-          </a:lnRef>
-          <a:fillRef idx="1">
-            <a:schemeClr val="accent1"/>
-          </a:fillRef>
-          <a:effectRef idx="0">
-            <a:schemeClr val="accent1"/>
-          </a:effectRef>
-          <a:fontRef idx="minor">
-            <a:schemeClr val="lt1"/>
-          </a:fontRef>
-        </p:style>
-        <p:txBody>
-          <a:bodyPr rtlCol="0" anchor="ctr"/>
-          <a:lstStyle/>
-          <a:p>
-            <a:pPr algn="ctr"/>
-            <a:r>
-              <a:rPr lang="en-US" sz="1400" dirty="0"/>
-              <a:t>Ladder Logic section</a:t>
-            </a:r>
-            <a:endParaRPr lang="en-SG" sz="1400" dirty="0"/>
-          </a:p>
-        </p:txBody>
-      </p:sp>
-      <p:sp>
-        <p:nvSpPr>
-          <p:cNvPr id="19" name="TextBox 18">
-            <a:extLst>
-              <a:ext uri="{FF2B5EF4-FFF2-40B4-BE49-F238E27FC236}">
-                <a16:creationId xmlns:a16="http://schemas.microsoft.com/office/drawing/2014/main" id="{D6E3EF7B-B57D-947C-8A09-67572C166DEC}"/>
-              </a:ext>
-            </a:extLst>
-          </p:cNvPr>
-          <p:cNvSpPr txBox="1"/>
-          <p:nvPr/>
-        </p:nvSpPr>
-        <p:spPr>
-          <a:xfrm>
-            <a:off x="8057299" y="1344226"/>
-            <a:ext cx="553301" cy="300980"/>
-          </a:xfrm>
-          <a:prstGeom prst="rect">
-            <a:avLst/>
-          </a:prstGeom>
-          <a:noFill/>
-          <a:ln>
-            <a:noFill/>
-          </a:ln>
-        </p:spPr>
-        <p:txBody>
-          <a:bodyPr wrap="square" rtlCol="0">
-            <a:spAutoFit/>
-          </a:bodyPr>
-          <a:lstStyle/>
-          <a:p>
-            <a:pPr>
-              <a:lnSpc>
-                <a:spcPct val="150000"/>
-              </a:lnSpc>
-            </a:pPr>
-            <a:r>
-              <a:rPr lang="en-US" sz="1000" b="1" dirty="0"/>
-              <a:t>%M60</a:t>
-            </a:r>
-            <a:endParaRPr lang="en-SG" sz="1000" b="1" dirty="0"/>
-          </a:p>
-        </p:txBody>
-      </p:sp>
-      <p:sp>
-        <p:nvSpPr>
-          <p:cNvPr id="20" name="TextBox 19">
-            <a:extLst>
-              <a:ext uri="{FF2B5EF4-FFF2-40B4-BE49-F238E27FC236}">
-                <a16:creationId xmlns:a16="http://schemas.microsoft.com/office/drawing/2014/main" id="{D55C3C5B-BBE7-4477-1825-C64F792B0AF5}"/>
-              </a:ext>
-            </a:extLst>
-          </p:cNvPr>
-          <p:cNvSpPr txBox="1"/>
-          <p:nvPr/>
-        </p:nvSpPr>
-        <p:spPr>
-          <a:xfrm>
-            <a:off x="1631395" y="2046297"/>
-            <a:ext cx="553301" cy="300980"/>
-          </a:xfrm>
-          <a:prstGeom prst="rect">
-            <a:avLst/>
-          </a:prstGeom>
-          <a:noFill/>
-          <a:ln>
-            <a:noFill/>
-          </a:ln>
-        </p:spPr>
-        <p:txBody>
-          <a:bodyPr wrap="square" rtlCol="0">
-            <a:spAutoFit/>
-          </a:bodyPr>
-          <a:lstStyle/>
-          <a:p>
-            <a:pPr>
-              <a:lnSpc>
-                <a:spcPct val="150000"/>
-              </a:lnSpc>
-            </a:pPr>
-            <a:r>
-              <a:rPr lang="en-US" sz="1000" b="1" dirty="0"/>
-              <a:t>%M60</a:t>
-            </a:r>
-            <a:endParaRPr lang="en-SG" sz="1000" b="1" dirty="0"/>
-          </a:p>
-        </p:txBody>
-      </p:sp>
-      <p:sp>
-        <p:nvSpPr>
-          <p:cNvPr id="21" name="TextBox 20">
-            <a:extLst>
-              <a:ext uri="{FF2B5EF4-FFF2-40B4-BE49-F238E27FC236}">
-                <a16:creationId xmlns:a16="http://schemas.microsoft.com/office/drawing/2014/main" id="{AB48342B-C485-7B9B-893B-3FE68809474D}"/>
-              </a:ext>
-            </a:extLst>
-          </p:cNvPr>
-          <p:cNvSpPr txBox="1"/>
-          <p:nvPr/>
-        </p:nvSpPr>
-        <p:spPr>
-          <a:xfrm>
-            <a:off x="8021133" y="2111609"/>
-            <a:ext cx="694229" cy="300980"/>
-          </a:xfrm>
-          <a:prstGeom prst="rect">
-            <a:avLst/>
-          </a:prstGeom>
-          <a:noFill/>
-          <a:ln>
-            <a:noFill/>
-          </a:ln>
-        </p:spPr>
-        <p:txBody>
-          <a:bodyPr wrap="square" rtlCol="0">
-            <a:spAutoFit/>
-          </a:bodyPr>
-          <a:lstStyle/>
-          <a:p>
-            <a:pPr>
-              <a:lnSpc>
-                <a:spcPct val="150000"/>
-              </a:lnSpc>
-            </a:pPr>
-            <a:r>
-              <a:rPr lang="en-US" sz="1000" b="1" dirty="0"/>
-              <a:t>%Q0.6</a:t>
-            </a:r>
-            <a:endParaRPr lang="en-SG" sz="1000" b="1" dirty="0"/>
-          </a:p>
-        </p:txBody>
-      </p:sp>
+            <a:schemeClr val="accent1"/>
+          </a:lnRef>
+          <a:fillRef idx="0">
+            <a:schemeClr val="accent1"/>
+          </a:fillRef>
+          <a:effectRef idx="1">
+            <a:schemeClr val="accent1"/>
+          </a:effectRef>
+          <a:fontRef idx="minor">
+            <a:schemeClr val="tx1"/>
+          </a:fontRef>
+        </p:style>
+      </p:cxnSp>
       <p:pic>
         <p:nvPicPr>
-          <p:cNvPr id="24" name="Picture 23">
-            <a:extLst>
-              <a:ext uri="{FF2B5EF4-FFF2-40B4-BE49-F238E27FC236}">
-                <a16:creationId xmlns:a16="http://schemas.microsoft.com/office/drawing/2014/main" id="{62D2D6FE-B2A3-7F92-98D1-470B96CF71C6}"/>
+          <p:cNvPr id="17" name="Picture 16">
+            <a:extLst>
+              <a:ext uri="{FF2B5EF4-FFF2-40B4-BE49-F238E27FC236}">
+                <a16:creationId xmlns:a16="http://schemas.microsoft.com/office/drawing/2014/main" id="{AF886CB0-4B69-538E-5861-CD01D4ECC285}"/>
               </a:ext>
             </a:extLst>
           </p:cNvPr>
@@ -28896,132 +33150,35 @@
           <p:nvPr/>
         </p:nvPicPr>
         <p:blipFill>
-          <a:blip r:embed="rId4" cstate="print">
-            <a:extLst>
-              <a:ext uri="{28A0092B-C50C-407E-A947-70E740481C1C}">
-                <a14:useLocalDpi xmlns:a14="http://schemas.microsoft.com/office/drawing/2010/main" val="0"/>
-              </a:ext>
-            </a:extLst>
-          </a:blip>
-          <a:srcRect/>
+          <a:blip r:embed="rId5"/>
           <a:stretch>
             <a:fillRect/>
           </a:stretch>
         </p:blipFill>
-        <p:spPr bwMode="auto">
-          <a:xfrm>
-            <a:off x="1169743" y="3547722"/>
-            <a:ext cx="7545619" cy="2573096"/>
-          </a:xfrm>
-          <a:prstGeom prst="rect">
-            <a:avLst/>
-          </a:prstGeom>
-          <a:noFill/>
-          <a:ln w="3175">
+        <p:spPr>
+          <a:xfrm>
+            <a:off x="4063953" y="4039757"/>
+            <a:ext cx="907150" cy="547289"/>
+          </a:xfrm>
+          <a:prstGeom prst="rect">
+            <a:avLst/>
+          </a:prstGeom>
+          <a:ln w="12700">
             <a:solidFill>
-              <a:schemeClr val="tx1"/>
+              <a:schemeClr val="tx2">
+                <a:lumMod val="90000"/>
+                <a:lumOff val="10000"/>
+              </a:schemeClr>
             </a:solidFill>
           </a:ln>
         </p:spPr>
       </p:pic>
-      <p:sp>
-        <p:nvSpPr>
-          <p:cNvPr id="25" name="Rectangle 24">
-            <a:extLst>
-              <a:ext uri="{FF2B5EF4-FFF2-40B4-BE49-F238E27FC236}">
-                <a16:creationId xmlns:a16="http://schemas.microsoft.com/office/drawing/2014/main" id="{7BD2BA2C-603C-2D71-0CA3-AB8B72C4DE59}"/>
-              </a:ext>
-            </a:extLst>
-          </p:cNvPr>
-          <p:cNvSpPr/>
-          <p:nvPr/>
-        </p:nvSpPr>
-        <p:spPr>
-          <a:xfrm>
-            <a:off x="1433364" y="3606226"/>
-            <a:ext cx="1502664" cy="98053"/>
-          </a:xfrm>
-          <a:prstGeom prst="rect">
-            <a:avLst/>
-          </a:prstGeom>
-        </p:spPr>
-        <p:style>
-          <a:lnRef idx="2">
-            <a:schemeClr val="accent1">
-              <a:shade val="15000"/>
-            </a:schemeClr>
-          </a:lnRef>
-          <a:fillRef idx="1">
-            <a:schemeClr val="accent1"/>
-          </a:fillRef>
-          <a:effectRef idx="0">
-            <a:schemeClr val="accent1"/>
-          </a:effectRef>
-          <a:fontRef idx="minor">
-            <a:schemeClr val="lt1"/>
-          </a:fontRef>
-        </p:style>
-        <p:txBody>
-          <a:bodyPr rtlCol="0" anchor="ctr"/>
-          <a:lstStyle/>
-          <a:p>
-            <a:pPr algn="ctr"/>
-            <a:endParaRPr lang="en-SG" sz="1400" dirty="0"/>
-          </a:p>
-        </p:txBody>
-      </p:sp>
-      <p:sp>
-        <p:nvSpPr>
-          <p:cNvPr id="26" name="Rectangle 25">
-            <a:extLst>
-              <a:ext uri="{FF2B5EF4-FFF2-40B4-BE49-F238E27FC236}">
-                <a16:creationId xmlns:a16="http://schemas.microsoft.com/office/drawing/2014/main" id="{95184922-B1C1-AA3D-2277-187ACDA805D4}"/>
-              </a:ext>
-            </a:extLst>
-          </p:cNvPr>
-          <p:cNvSpPr/>
-          <p:nvPr/>
-        </p:nvSpPr>
-        <p:spPr>
-          <a:xfrm>
-            <a:off x="4149212" y="3704280"/>
-            <a:ext cx="943996" cy="172776"/>
-          </a:xfrm>
-          <a:prstGeom prst="rect">
-            <a:avLst/>
-          </a:prstGeom>
-        </p:spPr>
-        <p:style>
-          <a:lnRef idx="2">
-            <a:schemeClr val="accent1">
-              <a:shade val="15000"/>
-            </a:schemeClr>
-          </a:lnRef>
-          <a:fillRef idx="1">
-            <a:schemeClr val="accent1"/>
-          </a:fillRef>
-          <a:effectRef idx="0">
-            <a:schemeClr val="accent1"/>
-          </a:effectRef>
-          <a:fontRef idx="minor">
-            <a:schemeClr val="lt1"/>
-          </a:fontRef>
-        </p:style>
-        <p:txBody>
-          <a:bodyPr rtlCol="0" anchor="ctr"/>
-          <a:lstStyle/>
-          <a:p>
-            <a:pPr algn="ctr"/>
-            <a:endParaRPr lang="en-SG" sz="1400" dirty="0"/>
-          </a:p>
-        </p:txBody>
-      </p:sp>
       <p:cxnSp>
         <p:nvCxnSpPr>
-          <p:cNvPr id="29" name="Straight Arrow Connector 28">
-            <a:extLst>
-              <a:ext uri="{FF2B5EF4-FFF2-40B4-BE49-F238E27FC236}">
-                <a16:creationId xmlns:a16="http://schemas.microsoft.com/office/drawing/2014/main" id="{2C9EF583-AE27-21CB-54D5-250FA7BA36F4}"/>
+          <p:cNvPr id="18" name="Straight Arrow Connector 17">
+            <a:extLst>
+              <a:ext uri="{FF2B5EF4-FFF2-40B4-BE49-F238E27FC236}">
+                <a16:creationId xmlns:a16="http://schemas.microsoft.com/office/drawing/2014/main" id="{4E094BCD-5C6E-2039-85E3-B369E83C78C4}"/>
               </a:ext>
             </a:extLst>
           </p:cNvPr>
@@ -29029,16 +33186,16 @@
           <p:nvPr/>
         </p:nvCxnSpPr>
         <p:spPr>
-          <a:xfrm flipH="1">
-            <a:off x="7863840" y="5311467"/>
-            <a:ext cx="420624" cy="182880"/>
+          <a:xfrm>
+            <a:off x="3760237" y="3709897"/>
+            <a:ext cx="1617499" cy="0"/>
           </a:xfrm>
           <a:prstGeom prst="straightConnector1">
             <a:avLst/>
           </a:prstGeom>
-          <a:ln>
+          <a:ln w="28575">
             <a:solidFill>
-              <a:srgbClr val="C00000"/>
+              <a:srgbClr val="0070C0"/>
             </a:solidFill>
             <a:tailEnd type="triangle"/>
           </a:ln>
@@ -29058,12 +33215,382 @@
           </a:fontRef>
         </p:style>
       </p:cxnSp>
-      <p:sp>
-        <p:nvSpPr>
-          <p:cNvPr id="30" name="Rectangle 29">
-            <a:extLst>
-              <a:ext uri="{FF2B5EF4-FFF2-40B4-BE49-F238E27FC236}">
-                <a16:creationId xmlns:a16="http://schemas.microsoft.com/office/drawing/2014/main" id="{CF0FCDC4-1992-AB4F-CB6A-864B73819F21}"/>
+      <p:pic>
+        <p:nvPicPr>
+          <p:cNvPr id="22" name="Picture 21" descr="A green sign with arrows&#10;&#10;Description automatically generated">
+            <a:extLst>
+              <a:ext uri="{FF2B5EF4-FFF2-40B4-BE49-F238E27FC236}">
+                <a16:creationId xmlns:a16="http://schemas.microsoft.com/office/drawing/2014/main" id="{F4C77BE7-2365-9A70-C352-8B6244E0CDE8}"/>
+              </a:ext>
+            </a:extLst>
+          </p:cNvPr>
+          <p:cNvPicPr>
+            <a:picLocks noChangeAspect="1"/>
+          </p:cNvPicPr>
+          <p:nvPr/>
+        </p:nvPicPr>
+        <p:blipFill>
+          <a:blip r:embed="rId6">
+            <a:extLst>
+              <a:ext uri="{28A0092B-C50C-407E-A947-70E740481C1C}">
+                <a14:useLocalDpi xmlns:a14="http://schemas.microsoft.com/office/drawing/2010/main" val="0"/>
+              </a:ext>
+            </a:extLst>
+          </a:blip>
+          <a:stretch>
+            <a:fillRect/>
+          </a:stretch>
+        </p:blipFill>
+        <p:spPr>
+          <a:xfrm>
+            <a:off x="3929587" y="1613612"/>
+            <a:ext cx="761285" cy="915007"/>
+          </a:xfrm>
+          <a:prstGeom prst="rect">
+            <a:avLst/>
+          </a:prstGeom>
+        </p:spPr>
+      </p:pic>
+      <p:sp>
+        <p:nvSpPr>
+          <p:cNvPr id="25" name="TextBox 24">
+            <a:extLst>
+              <a:ext uri="{FF2B5EF4-FFF2-40B4-BE49-F238E27FC236}">
+                <a16:creationId xmlns:a16="http://schemas.microsoft.com/office/drawing/2014/main" id="{B713988F-3A63-8C45-4F37-173FDA5A166E}"/>
+              </a:ext>
+            </a:extLst>
+          </p:cNvPr>
+          <p:cNvSpPr txBox="1"/>
+          <p:nvPr/>
+        </p:nvSpPr>
+        <p:spPr>
+          <a:xfrm>
+            <a:off x="5260771" y="1299391"/>
+            <a:ext cx="1499464" cy="461665"/>
+          </a:xfrm>
+          <a:prstGeom prst="rect">
+            <a:avLst/>
+          </a:prstGeom>
+          <a:noFill/>
+        </p:spPr>
+        <p:txBody>
+          <a:bodyPr wrap="square" rtlCol="0">
+            <a:spAutoFit/>
+          </a:bodyPr>
+          <a:lstStyle/>
+          <a:p>
+            <a:r>
+              <a:rPr lang="en-SG" sz="1200" b="1" dirty="0"/>
+              <a:t>Schneider </a:t>
+            </a:r>
+            <a:r>
+              <a:rPr lang="en-SG" sz="1200" b="1" dirty="0" err="1"/>
+              <a:t>Modicon</a:t>
+            </a:r>
+            <a:r>
+              <a:rPr lang="en-SG" sz="1200" b="1" dirty="0"/>
+              <a:t> M221 PLC </a:t>
+            </a:r>
+          </a:p>
+        </p:txBody>
+      </p:sp>
+      <p:cxnSp>
+        <p:nvCxnSpPr>
+          <p:cNvPr id="28" name="Straight Connector 27">
+            <a:extLst>
+              <a:ext uri="{FF2B5EF4-FFF2-40B4-BE49-F238E27FC236}">
+                <a16:creationId xmlns:a16="http://schemas.microsoft.com/office/drawing/2014/main" id="{1F118082-8CD8-2389-2A25-B98479F99050}"/>
+              </a:ext>
+            </a:extLst>
+          </p:cNvPr>
+          <p:cNvCxnSpPr>
+            <a:cxnSpLocks/>
+          </p:cNvCxnSpPr>
+          <p:nvPr/>
+        </p:nvCxnSpPr>
+        <p:spPr>
+          <a:xfrm>
+            <a:off x="3760237" y="2752615"/>
+            <a:ext cx="0" cy="975176"/>
+          </a:xfrm>
+          <a:prstGeom prst="line">
+            <a:avLst/>
+          </a:prstGeom>
+        </p:spPr>
+        <p:style>
+          <a:lnRef idx="2">
+            <a:schemeClr val="accent1"/>
+          </a:lnRef>
+          <a:fillRef idx="0">
+            <a:schemeClr val="accent1"/>
+          </a:fillRef>
+          <a:effectRef idx="1">
+            <a:schemeClr val="accent1"/>
+          </a:effectRef>
+          <a:fontRef idx="minor">
+            <a:schemeClr val="tx1"/>
+          </a:fontRef>
+        </p:style>
+      </p:cxnSp>
+      <p:cxnSp>
+        <p:nvCxnSpPr>
+          <p:cNvPr id="30" name="Straight Connector 29">
+            <a:extLst>
+              <a:ext uri="{FF2B5EF4-FFF2-40B4-BE49-F238E27FC236}">
+                <a16:creationId xmlns:a16="http://schemas.microsoft.com/office/drawing/2014/main" id="{B83E0E98-7A7C-EC0E-2E1E-DCD4849EAEA7}"/>
+              </a:ext>
+            </a:extLst>
+          </p:cNvPr>
+          <p:cNvCxnSpPr>
+            <a:stCxn id="5" idx="3"/>
+          </p:cNvCxnSpPr>
+          <p:nvPr/>
+        </p:nvCxnSpPr>
+        <p:spPr>
+          <a:xfrm>
+            <a:off x="3471100" y="3201207"/>
+            <a:ext cx="289137" cy="0"/>
+          </a:xfrm>
+          <a:prstGeom prst="line">
+            <a:avLst/>
+          </a:prstGeom>
+        </p:spPr>
+        <p:style>
+          <a:lnRef idx="2">
+            <a:schemeClr val="accent1"/>
+          </a:lnRef>
+          <a:fillRef idx="0">
+            <a:schemeClr val="accent1"/>
+          </a:fillRef>
+          <a:effectRef idx="1">
+            <a:schemeClr val="accent1"/>
+          </a:effectRef>
+          <a:fontRef idx="minor">
+            <a:schemeClr val="tx1"/>
+          </a:fontRef>
+        </p:style>
+      </p:cxnSp>
+      <p:sp>
+        <p:nvSpPr>
+          <p:cNvPr id="32" name="TextBox 31">
+            <a:extLst>
+              <a:ext uri="{FF2B5EF4-FFF2-40B4-BE49-F238E27FC236}">
+                <a16:creationId xmlns:a16="http://schemas.microsoft.com/office/drawing/2014/main" id="{2992B44B-4EFC-2E2F-D6F3-65B7867CAFD7}"/>
+              </a:ext>
+            </a:extLst>
+          </p:cNvPr>
+          <p:cNvSpPr txBox="1"/>
+          <p:nvPr/>
+        </p:nvSpPr>
+        <p:spPr>
+          <a:xfrm>
+            <a:off x="5260771" y="3081528"/>
+            <a:ext cx="1499457" cy="461665"/>
+          </a:xfrm>
+          <a:prstGeom prst="rect">
+            <a:avLst/>
+          </a:prstGeom>
+          <a:noFill/>
+        </p:spPr>
+        <p:txBody>
+          <a:bodyPr wrap="square" rtlCol="0">
+            <a:spAutoFit/>
+          </a:bodyPr>
+          <a:lstStyle/>
+          <a:p>
+            <a:r>
+              <a:rPr lang="en-SG" sz="1200" b="1" dirty="0"/>
+              <a:t>Siemens  SIMATIC S7-1200 PLC</a:t>
+            </a:r>
+          </a:p>
+        </p:txBody>
+      </p:sp>
+      <p:cxnSp>
+        <p:nvCxnSpPr>
+          <p:cNvPr id="33" name="Straight Connector 32">
+            <a:extLst>
+              <a:ext uri="{FF2B5EF4-FFF2-40B4-BE49-F238E27FC236}">
+                <a16:creationId xmlns:a16="http://schemas.microsoft.com/office/drawing/2014/main" id="{86F7A6E0-7BB3-6FDC-DACE-974031832732}"/>
+              </a:ext>
+            </a:extLst>
+          </p:cNvPr>
+          <p:cNvCxnSpPr>
+            <a:cxnSpLocks/>
+          </p:cNvCxnSpPr>
+          <p:nvPr/>
+        </p:nvCxnSpPr>
+        <p:spPr>
+          <a:xfrm>
+            <a:off x="6994165" y="2362525"/>
+            <a:ext cx="0" cy="1798320"/>
+          </a:xfrm>
+          <a:prstGeom prst="line">
+            <a:avLst/>
+          </a:prstGeom>
+          <a:ln>
+            <a:solidFill>
+              <a:schemeClr val="accent2">
+                <a:lumMod val="75000"/>
+              </a:schemeClr>
+            </a:solidFill>
+          </a:ln>
+        </p:spPr>
+        <p:style>
+          <a:lnRef idx="2">
+            <a:schemeClr val="accent1"/>
+          </a:lnRef>
+          <a:fillRef idx="0">
+            <a:schemeClr val="accent1"/>
+          </a:fillRef>
+          <a:effectRef idx="1">
+            <a:schemeClr val="accent1"/>
+          </a:effectRef>
+          <a:fontRef idx="minor">
+            <a:schemeClr val="tx1"/>
+          </a:fontRef>
+        </p:style>
+      </p:cxnSp>
+      <p:cxnSp>
+        <p:nvCxnSpPr>
+          <p:cNvPr id="36" name="Straight Connector 35">
+            <a:extLst>
+              <a:ext uri="{FF2B5EF4-FFF2-40B4-BE49-F238E27FC236}">
+                <a16:creationId xmlns:a16="http://schemas.microsoft.com/office/drawing/2014/main" id="{EE2912AD-AC23-E0B7-C02B-0674E53F05AD}"/>
+              </a:ext>
+            </a:extLst>
+          </p:cNvPr>
+          <p:cNvCxnSpPr>
+            <a:cxnSpLocks/>
+            <a:stCxn id="7" idx="3"/>
+          </p:cNvCxnSpPr>
+          <p:nvPr/>
+        </p:nvCxnSpPr>
+        <p:spPr>
+          <a:xfrm>
+            <a:off x="6643271" y="2362525"/>
+            <a:ext cx="350894" cy="0"/>
+          </a:xfrm>
+          <a:prstGeom prst="line">
+            <a:avLst/>
+          </a:prstGeom>
+          <a:ln>
+            <a:solidFill>
+              <a:schemeClr val="accent2">
+                <a:lumMod val="75000"/>
+              </a:schemeClr>
+            </a:solidFill>
+          </a:ln>
+        </p:spPr>
+        <p:style>
+          <a:lnRef idx="2">
+            <a:schemeClr val="accent1"/>
+          </a:lnRef>
+          <a:fillRef idx="0">
+            <a:schemeClr val="accent1"/>
+          </a:fillRef>
+          <a:effectRef idx="1">
+            <a:schemeClr val="accent1"/>
+          </a:effectRef>
+          <a:fontRef idx="minor">
+            <a:schemeClr val="tx1"/>
+          </a:fontRef>
+        </p:style>
+      </p:cxnSp>
+      <p:cxnSp>
+        <p:nvCxnSpPr>
+          <p:cNvPr id="38" name="Straight Connector 37">
+            <a:extLst>
+              <a:ext uri="{FF2B5EF4-FFF2-40B4-BE49-F238E27FC236}">
+                <a16:creationId xmlns:a16="http://schemas.microsoft.com/office/drawing/2014/main" id="{27EAE026-93BC-F41A-A403-9B6D16B58EC7}"/>
+              </a:ext>
+            </a:extLst>
+          </p:cNvPr>
+          <p:cNvCxnSpPr>
+            <a:cxnSpLocks/>
+          </p:cNvCxnSpPr>
+          <p:nvPr/>
+        </p:nvCxnSpPr>
+        <p:spPr>
+          <a:xfrm>
+            <a:off x="6643271" y="4160845"/>
+            <a:ext cx="350894" cy="0"/>
+          </a:xfrm>
+          <a:prstGeom prst="line">
+            <a:avLst/>
+          </a:prstGeom>
+          <a:ln>
+            <a:solidFill>
+              <a:schemeClr val="accent2">
+                <a:lumMod val="75000"/>
+              </a:schemeClr>
+            </a:solidFill>
+          </a:ln>
+        </p:spPr>
+        <p:style>
+          <a:lnRef idx="2">
+            <a:schemeClr val="accent1"/>
+          </a:lnRef>
+          <a:fillRef idx="0">
+            <a:schemeClr val="accent1"/>
+          </a:fillRef>
+          <a:effectRef idx="1">
+            <a:schemeClr val="accent1"/>
+          </a:effectRef>
+          <a:fontRef idx="minor">
+            <a:schemeClr val="tx1"/>
+          </a:fontRef>
+        </p:style>
+      </p:cxnSp>
+      <p:cxnSp>
+        <p:nvCxnSpPr>
+          <p:cNvPr id="41" name="Straight Arrow Connector 40">
+            <a:extLst>
+              <a:ext uri="{FF2B5EF4-FFF2-40B4-BE49-F238E27FC236}">
+                <a16:creationId xmlns:a16="http://schemas.microsoft.com/office/drawing/2014/main" id="{62B33945-B0F5-517B-7867-39B26D93A07A}"/>
+              </a:ext>
+            </a:extLst>
+          </p:cNvPr>
+          <p:cNvCxnSpPr/>
+          <p:nvPr/>
+        </p:nvCxnSpPr>
+        <p:spPr>
+          <a:xfrm>
+            <a:off x="7005493" y="2512137"/>
+            <a:ext cx="211307" cy="0"/>
+          </a:xfrm>
+          <a:prstGeom prst="straightConnector1">
+            <a:avLst/>
+          </a:prstGeom>
+          <a:ln>
+            <a:solidFill>
+              <a:schemeClr val="accent2">
+                <a:lumMod val="75000"/>
+              </a:schemeClr>
+            </a:solidFill>
+            <a:tailEnd type="triangle"/>
+          </a:ln>
+        </p:spPr>
+        <p:style>
+          <a:lnRef idx="2">
+            <a:schemeClr val="accent1"/>
+          </a:lnRef>
+          <a:fillRef idx="0">
+            <a:schemeClr val="accent1"/>
+          </a:fillRef>
+          <a:effectRef idx="1">
+            <a:schemeClr val="accent1"/>
+          </a:effectRef>
+          <a:fontRef idx="minor">
+            <a:schemeClr val="tx1"/>
+          </a:fontRef>
+        </p:style>
+      </p:cxnSp>
+      <p:sp>
+        <p:nvSpPr>
+          <p:cNvPr id="42" name="Rectangle 41">
+            <a:extLst>
+              <a:ext uri="{FF2B5EF4-FFF2-40B4-BE49-F238E27FC236}">
+                <a16:creationId xmlns:a16="http://schemas.microsoft.com/office/drawing/2014/main" id="{5E1633FB-10F9-A704-9AF1-9698C36095D3}"/>
               </a:ext>
             </a:extLst>
           </p:cNvPr>
@@ -29072,17 +33599,20 @@
         </p:nvSpPr>
         <p:spPr>
           <a:xfrm>
-            <a:off x="4942552" y="4416552"/>
-            <a:ext cx="943996" cy="284549"/>
-          </a:xfrm>
-          <a:prstGeom prst="rect">
-            <a:avLst/>
-          </a:prstGeom>
+            <a:off x="7239431" y="2424630"/>
+            <a:ext cx="942692" cy="231570"/>
+          </a:xfrm>
+          <a:prstGeom prst="rect">
+            <a:avLst/>
+          </a:prstGeom>
+          <a:solidFill>
+            <a:schemeClr val="accent2"/>
+          </a:solidFill>
         </p:spPr>
         <p:style>
           <a:lnRef idx="2">
             <a:schemeClr val="accent1">
-              <a:shade val="15000"/>
+              <a:shade val="50000"/>
             </a:schemeClr>
           </a:lnRef>
           <a:fillRef idx="1">
@@ -29099,15 +33629,680 @@
           <a:bodyPr rtlCol="0" anchor="ctr"/>
           <a:lstStyle/>
           <a:p>
-            <a:pPr algn="ctr"/>
-            <a:endParaRPr lang="en-SG" sz="1400" dirty="0"/>
+            <a:r>
+              <a:rPr lang="en-SG" sz="1200" b="1" dirty="0"/>
+              <a:t>OT Device</a:t>
+            </a:r>
+          </a:p>
+        </p:txBody>
+      </p:sp>
+      <p:cxnSp>
+        <p:nvCxnSpPr>
+          <p:cNvPr id="44" name="Straight Connector 43">
+            <a:extLst>
+              <a:ext uri="{FF2B5EF4-FFF2-40B4-BE49-F238E27FC236}">
+                <a16:creationId xmlns:a16="http://schemas.microsoft.com/office/drawing/2014/main" id="{62C43FAB-8818-8F3C-0382-06A8F453B121}"/>
+              </a:ext>
+            </a:extLst>
+          </p:cNvPr>
+          <p:cNvCxnSpPr>
+            <a:cxnSpLocks/>
+          </p:cNvCxnSpPr>
+          <p:nvPr/>
+        </p:nvCxnSpPr>
+        <p:spPr>
+          <a:xfrm>
+            <a:off x="4310229" y="2424630"/>
+            <a:ext cx="0" cy="339485"/>
+          </a:xfrm>
+          <a:prstGeom prst="line">
+            <a:avLst/>
+          </a:prstGeom>
+        </p:spPr>
+        <p:style>
+          <a:lnRef idx="2">
+            <a:schemeClr val="accent1"/>
+          </a:lnRef>
+          <a:fillRef idx="0">
+            <a:schemeClr val="accent1"/>
+          </a:fillRef>
+          <a:effectRef idx="1">
+            <a:schemeClr val="accent1"/>
+          </a:effectRef>
+          <a:fontRef idx="minor">
+            <a:schemeClr val="tx1"/>
+          </a:fontRef>
+        </p:style>
+      </p:cxnSp>
+      <p:cxnSp>
+        <p:nvCxnSpPr>
+          <p:cNvPr id="46" name="Straight Connector 45">
+            <a:extLst>
+              <a:ext uri="{FF2B5EF4-FFF2-40B4-BE49-F238E27FC236}">
+                <a16:creationId xmlns:a16="http://schemas.microsoft.com/office/drawing/2014/main" id="{47BB87FF-6068-B917-9B21-BEEE2868BD1C}"/>
+              </a:ext>
+            </a:extLst>
+          </p:cNvPr>
+          <p:cNvCxnSpPr>
+            <a:cxnSpLocks/>
+          </p:cNvCxnSpPr>
+          <p:nvPr/>
+        </p:nvCxnSpPr>
+        <p:spPr>
+          <a:xfrm>
+            <a:off x="4295139" y="3700272"/>
+            <a:ext cx="0" cy="339485"/>
+          </a:xfrm>
+          <a:prstGeom prst="line">
+            <a:avLst/>
+          </a:prstGeom>
+        </p:spPr>
+        <p:style>
+          <a:lnRef idx="2">
+            <a:schemeClr val="accent1"/>
+          </a:lnRef>
+          <a:fillRef idx="0">
+            <a:schemeClr val="accent1"/>
+          </a:fillRef>
+          <a:effectRef idx="1">
+            <a:schemeClr val="accent1"/>
+          </a:effectRef>
+          <a:fontRef idx="minor">
+            <a:schemeClr val="tx1"/>
+          </a:fontRef>
+        </p:style>
+      </p:cxnSp>
+      <p:sp>
+        <p:nvSpPr>
+          <p:cNvPr id="47" name="TextBox 46">
+            <a:extLst>
+              <a:ext uri="{FF2B5EF4-FFF2-40B4-BE49-F238E27FC236}">
+                <a16:creationId xmlns:a16="http://schemas.microsoft.com/office/drawing/2014/main" id="{C33CAD22-70E7-27EC-F472-B240D48524FA}"/>
+              </a:ext>
+            </a:extLst>
+          </p:cNvPr>
+          <p:cNvSpPr txBox="1"/>
+          <p:nvPr/>
+        </p:nvSpPr>
+        <p:spPr>
+          <a:xfrm>
+            <a:off x="6818718" y="1894324"/>
+            <a:ext cx="851385" cy="461665"/>
+          </a:xfrm>
+          <a:prstGeom prst="rect">
+            <a:avLst/>
+          </a:prstGeom>
+          <a:noFill/>
+        </p:spPr>
+        <p:txBody>
+          <a:bodyPr wrap="square" rtlCol="0">
+            <a:spAutoFit/>
+          </a:bodyPr>
+          <a:lstStyle/>
+          <a:p>
+            <a:r>
+              <a:rPr lang="en-SG" sz="1200" b="1" dirty="0">
+                <a:solidFill>
+                  <a:schemeClr val="accent2">
+                    <a:lumMod val="75000"/>
+                  </a:schemeClr>
+                </a:solidFill>
+              </a:rPr>
+              <a:t>Electrical signals </a:t>
+            </a:r>
+          </a:p>
+        </p:txBody>
+      </p:sp>
+      <p:cxnSp>
+        <p:nvCxnSpPr>
+          <p:cNvPr id="50" name="Straight Arrow Connector 49">
+            <a:extLst>
+              <a:ext uri="{FF2B5EF4-FFF2-40B4-BE49-F238E27FC236}">
+                <a16:creationId xmlns:a16="http://schemas.microsoft.com/office/drawing/2014/main" id="{B5E576C0-70A9-8EAC-3C86-E1A987E610EE}"/>
+              </a:ext>
+            </a:extLst>
+          </p:cNvPr>
+          <p:cNvCxnSpPr/>
+          <p:nvPr/>
+        </p:nvCxnSpPr>
+        <p:spPr>
+          <a:xfrm>
+            <a:off x="6994165" y="3649799"/>
+            <a:ext cx="211307" cy="0"/>
+          </a:xfrm>
+          <a:prstGeom prst="straightConnector1">
+            <a:avLst/>
+          </a:prstGeom>
+          <a:ln>
+            <a:solidFill>
+              <a:schemeClr val="accent2">
+                <a:lumMod val="75000"/>
+              </a:schemeClr>
+            </a:solidFill>
+            <a:tailEnd type="triangle"/>
+          </a:ln>
+        </p:spPr>
+        <p:style>
+          <a:lnRef idx="2">
+            <a:schemeClr val="accent1"/>
+          </a:lnRef>
+          <a:fillRef idx="0">
+            <a:schemeClr val="accent1"/>
+          </a:fillRef>
+          <a:effectRef idx="1">
+            <a:schemeClr val="accent1"/>
+          </a:effectRef>
+          <a:fontRef idx="minor">
+            <a:schemeClr val="tx1"/>
+          </a:fontRef>
+        </p:style>
+      </p:cxnSp>
+      <p:sp>
+        <p:nvSpPr>
+          <p:cNvPr id="51" name="Rectangle 50">
+            <a:extLst>
+              <a:ext uri="{FF2B5EF4-FFF2-40B4-BE49-F238E27FC236}">
+                <a16:creationId xmlns:a16="http://schemas.microsoft.com/office/drawing/2014/main" id="{650EC162-98DB-601E-1CAA-4AD9C0E91002}"/>
+              </a:ext>
+            </a:extLst>
+          </p:cNvPr>
+          <p:cNvSpPr/>
+          <p:nvPr/>
+        </p:nvSpPr>
+        <p:spPr>
+          <a:xfrm>
+            <a:off x="7254522" y="3512731"/>
+            <a:ext cx="916272" cy="231570"/>
+          </a:xfrm>
+          <a:prstGeom prst="rect">
+            <a:avLst/>
+          </a:prstGeom>
+          <a:solidFill>
+            <a:schemeClr val="accent2"/>
+          </a:solidFill>
+        </p:spPr>
+        <p:style>
+          <a:lnRef idx="2">
+            <a:schemeClr val="accent1">
+              <a:shade val="50000"/>
+            </a:schemeClr>
+          </a:lnRef>
+          <a:fillRef idx="1">
+            <a:schemeClr val="accent1"/>
+          </a:fillRef>
+          <a:effectRef idx="0">
+            <a:schemeClr val="accent1"/>
+          </a:effectRef>
+          <a:fontRef idx="minor">
+            <a:schemeClr val="lt1"/>
+          </a:fontRef>
+        </p:style>
+        <p:txBody>
+          <a:bodyPr rtlCol="0" anchor="ctr"/>
+          <a:lstStyle/>
+          <a:p>
+            <a:r>
+              <a:rPr lang="en-SG" sz="1200" b="1" dirty="0"/>
+              <a:t>Sensors</a:t>
+            </a:r>
+          </a:p>
+        </p:txBody>
+      </p:sp>
+      <p:cxnSp>
+        <p:nvCxnSpPr>
+          <p:cNvPr id="52" name="Straight Arrow Connector 51">
+            <a:extLst>
+              <a:ext uri="{FF2B5EF4-FFF2-40B4-BE49-F238E27FC236}">
+                <a16:creationId xmlns:a16="http://schemas.microsoft.com/office/drawing/2014/main" id="{D8F046D9-24B6-6A81-FBAD-FE468C1F5124}"/>
+              </a:ext>
+            </a:extLst>
+          </p:cNvPr>
+          <p:cNvCxnSpPr/>
+          <p:nvPr/>
+        </p:nvCxnSpPr>
+        <p:spPr>
+          <a:xfrm>
+            <a:off x="6994164" y="4019764"/>
+            <a:ext cx="211307" cy="0"/>
+          </a:xfrm>
+          <a:prstGeom prst="straightConnector1">
+            <a:avLst/>
+          </a:prstGeom>
+          <a:ln>
+            <a:solidFill>
+              <a:schemeClr val="accent2">
+                <a:lumMod val="75000"/>
+              </a:schemeClr>
+            </a:solidFill>
+            <a:tailEnd type="triangle"/>
+          </a:ln>
+        </p:spPr>
+        <p:style>
+          <a:lnRef idx="2">
+            <a:schemeClr val="accent1"/>
+          </a:lnRef>
+          <a:fillRef idx="0">
+            <a:schemeClr val="accent1"/>
+          </a:fillRef>
+          <a:effectRef idx="1">
+            <a:schemeClr val="accent1"/>
+          </a:effectRef>
+          <a:fontRef idx="minor">
+            <a:schemeClr val="tx1"/>
+          </a:fontRef>
+        </p:style>
+      </p:cxnSp>
+      <p:sp>
+        <p:nvSpPr>
+          <p:cNvPr id="53" name="Rectangle 52">
+            <a:extLst>
+              <a:ext uri="{FF2B5EF4-FFF2-40B4-BE49-F238E27FC236}">
+                <a16:creationId xmlns:a16="http://schemas.microsoft.com/office/drawing/2014/main" id="{1F4BE228-5D43-A29A-4C7C-49115E1FC5E0}"/>
+              </a:ext>
+            </a:extLst>
+          </p:cNvPr>
+          <p:cNvSpPr/>
+          <p:nvPr/>
+        </p:nvSpPr>
+        <p:spPr>
+          <a:xfrm>
+            <a:off x="7254522" y="3903979"/>
+            <a:ext cx="942692" cy="231570"/>
+          </a:xfrm>
+          <a:prstGeom prst="rect">
+            <a:avLst/>
+          </a:prstGeom>
+          <a:solidFill>
+            <a:schemeClr val="accent2"/>
+          </a:solidFill>
+        </p:spPr>
+        <p:style>
+          <a:lnRef idx="2">
+            <a:schemeClr val="accent1">
+              <a:shade val="50000"/>
+            </a:schemeClr>
+          </a:lnRef>
+          <a:fillRef idx="1">
+            <a:schemeClr val="accent1"/>
+          </a:fillRef>
+          <a:effectRef idx="0">
+            <a:schemeClr val="accent1"/>
+          </a:effectRef>
+          <a:fontRef idx="minor">
+            <a:schemeClr val="lt1"/>
+          </a:fontRef>
+        </p:style>
+        <p:txBody>
+          <a:bodyPr rtlCol="0" anchor="ctr"/>
+          <a:lstStyle/>
+          <a:p>
+            <a:r>
+              <a:rPr lang="en-SG" sz="1200" b="1" dirty="0"/>
+              <a:t>Signals</a:t>
+            </a:r>
+          </a:p>
+        </p:txBody>
+      </p:sp>
+      <p:sp>
+        <p:nvSpPr>
+          <p:cNvPr id="58" name="TextBox 57">
+            <a:extLst>
+              <a:ext uri="{FF2B5EF4-FFF2-40B4-BE49-F238E27FC236}">
+                <a16:creationId xmlns:a16="http://schemas.microsoft.com/office/drawing/2014/main" id="{60CF2299-1131-345B-83F4-DD5747DB0483}"/>
+              </a:ext>
+            </a:extLst>
+          </p:cNvPr>
+          <p:cNvSpPr txBox="1"/>
+          <p:nvPr/>
+        </p:nvSpPr>
+        <p:spPr>
+          <a:xfrm>
+            <a:off x="2525967" y="2314237"/>
+            <a:ext cx="1175788" cy="461665"/>
+          </a:xfrm>
+          <a:prstGeom prst="rect">
+            <a:avLst/>
+          </a:prstGeom>
+          <a:noFill/>
+        </p:spPr>
+        <p:txBody>
+          <a:bodyPr wrap="square" rtlCol="0">
+            <a:spAutoFit/>
+          </a:bodyPr>
+          <a:lstStyle/>
+          <a:p>
+            <a:r>
+              <a:rPr lang="en-SG" sz="1200" b="1" dirty="0"/>
+              <a:t>Python Program</a:t>
+            </a:r>
+          </a:p>
+        </p:txBody>
+      </p:sp>
+      <p:sp>
+        <p:nvSpPr>
+          <p:cNvPr id="59" name="TextBox 58">
+            <a:extLst>
+              <a:ext uri="{FF2B5EF4-FFF2-40B4-BE49-F238E27FC236}">
+                <a16:creationId xmlns:a16="http://schemas.microsoft.com/office/drawing/2014/main" id="{C039414D-6C45-7B2C-64C5-1CFB3F3064EF}"/>
+              </a:ext>
+            </a:extLst>
+          </p:cNvPr>
+          <p:cNvSpPr txBox="1"/>
+          <p:nvPr/>
+        </p:nvSpPr>
+        <p:spPr>
+          <a:xfrm>
+            <a:off x="3909536" y="2988111"/>
+            <a:ext cx="1175788" cy="461665"/>
+          </a:xfrm>
+          <a:prstGeom prst="rect">
+            <a:avLst/>
+          </a:prstGeom>
+          <a:noFill/>
+        </p:spPr>
+        <p:txBody>
+          <a:bodyPr wrap="square" rtlCol="0">
+            <a:spAutoFit/>
+          </a:bodyPr>
+          <a:lstStyle/>
+          <a:p>
+            <a:r>
+              <a:rPr lang="en-SG" sz="1200" b="1" dirty="0">
+                <a:solidFill>
+                  <a:srgbClr val="0070C0"/>
+                </a:solidFill>
+              </a:rPr>
+              <a:t>SCADA Network</a:t>
+            </a:r>
+          </a:p>
+        </p:txBody>
+      </p:sp>
+      <p:cxnSp>
+        <p:nvCxnSpPr>
+          <p:cNvPr id="61" name="Straight Arrow Connector 60">
+            <a:extLst>
+              <a:ext uri="{FF2B5EF4-FFF2-40B4-BE49-F238E27FC236}">
+                <a16:creationId xmlns:a16="http://schemas.microsoft.com/office/drawing/2014/main" id="{C2092E7D-3DCA-DA32-FA39-B7FA369122EE}"/>
+              </a:ext>
+            </a:extLst>
+          </p:cNvPr>
+          <p:cNvCxnSpPr/>
+          <p:nvPr/>
+        </p:nvCxnSpPr>
+        <p:spPr>
+          <a:xfrm>
+            <a:off x="7005493" y="2868863"/>
+            <a:ext cx="211307" cy="0"/>
+          </a:xfrm>
+          <a:prstGeom prst="straightConnector1">
+            <a:avLst/>
+          </a:prstGeom>
+          <a:ln>
+            <a:solidFill>
+              <a:schemeClr val="accent2">
+                <a:lumMod val="75000"/>
+              </a:schemeClr>
+            </a:solidFill>
+            <a:tailEnd type="triangle"/>
+          </a:ln>
+        </p:spPr>
+        <p:style>
+          <a:lnRef idx="2">
+            <a:schemeClr val="accent1"/>
+          </a:lnRef>
+          <a:fillRef idx="0">
+            <a:schemeClr val="accent1"/>
+          </a:fillRef>
+          <a:effectRef idx="1">
+            <a:schemeClr val="accent1"/>
+          </a:effectRef>
+          <a:fontRef idx="minor">
+            <a:schemeClr val="tx1"/>
+          </a:fontRef>
+        </p:style>
+      </p:cxnSp>
+      <p:sp>
+        <p:nvSpPr>
+          <p:cNvPr id="62" name="Rectangle 61">
+            <a:extLst>
+              <a:ext uri="{FF2B5EF4-FFF2-40B4-BE49-F238E27FC236}">
+                <a16:creationId xmlns:a16="http://schemas.microsoft.com/office/drawing/2014/main" id="{2FFF5128-555D-2DFC-6CF4-F676FDD678CF}"/>
+              </a:ext>
+            </a:extLst>
+          </p:cNvPr>
+          <p:cNvSpPr/>
+          <p:nvPr/>
+        </p:nvSpPr>
+        <p:spPr>
+          <a:xfrm>
+            <a:off x="7239431" y="2781356"/>
+            <a:ext cx="942692" cy="231570"/>
+          </a:xfrm>
+          <a:prstGeom prst="rect">
+            <a:avLst/>
+          </a:prstGeom>
+          <a:solidFill>
+            <a:schemeClr val="accent2"/>
+          </a:solidFill>
+        </p:spPr>
+        <p:style>
+          <a:lnRef idx="2">
+            <a:schemeClr val="accent1">
+              <a:shade val="50000"/>
+            </a:schemeClr>
+          </a:lnRef>
+          <a:fillRef idx="1">
+            <a:schemeClr val="accent1"/>
+          </a:fillRef>
+          <a:effectRef idx="0">
+            <a:schemeClr val="accent1"/>
+          </a:effectRef>
+          <a:fontRef idx="minor">
+            <a:schemeClr val="lt1"/>
+          </a:fontRef>
+        </p:style>
+        <p:txBody>
+          <a:bodyPr rtlCol="0" anchor="ctr"/>
+          <a:lstStyle/>
+          <a:p>
+            <a:r>
+              <a:rPr lang="en-SG" sz="1200" b="1" dirty="0"/>
+              <a:t>Motors</a:t>
+            </a:r>
+          </a:p>
+        </p:txBody>
+      </p:sp>
+      <p:cxnSp>
+        <p:nvCxnSpPr>
+          <p:cNvPr id="63" name="Straight Arrow Connector 62">
+            <a:extLst>
+              <a:ext uri="{FF2B5EF4-FFF2-40B4-BE49-F238E27FC236}">
+                <a16:creationId xmlns:a16="http://schemas.microsoft.com/office/drawing/2014/main" id="{2F2FF647-C46D-7391-6292-C6754E7E046F}"/>
+              </a:ext>
+            </a:extLst>
+          </p:cNvPr>
+          <p:cNvCxnSpPr/>
+          <p:nvPr/>
+        </p:nvCxnSpPr>
+        <p:spPr>
+          <a:xfrm>
+            <a:off x="7003948" y="3232703"/>
+            <a:ext cx="211307" cy="0"/>
+          </a:xfrm>
+          <a:prstGeom prst="straightConnector1">
+            <a:avLst/>
+          </a:prstGeom>
+          <a:ln>
+            <a:solidFill>
+              <a:schemeClr val="accent2">
+                <a:lumMod val="75000"/>
+              </a:schemeClr>
+            </a:solidFill>
+            <a:tailEnd type="triangle"/>
+          </a:ln>
+        </p:spPr>
+        <p:style>
+          <a:lnRef idx="2">
+            <a:schemeClr val="accent1"/>
+          </a:lnRef>
+          <a:fillRef idx="0">
+            <a:schemeClr val="accent1"/>
+          </a:fillRef>
+          <a:effectRef idx="1">
+            <a:schemeClr val="accent1"/>
+          </a:effectRef>
+          <a:fontRef idx="minor">
+            <a:schemeClr val="tx1"/>
+          </a:fontRef>
+        </p:style>
+      </p:cxnSp>
+      <p:sp>
+        <p:nvSpPr>
+          <p:cNvPr id="64" name="Rectangle 63">
+            <a:extLst>
+              <a:ext uri="{FF2B5EF4-FFF2-40B4-BE49-F238E27FC236}">
+                <a16:creationId xmlns:a16="http://schemas.microsoft.com/office/drawing/2014/main" id="{030CBDDC-4F6B-3917-EFCA-91CA19944877}"/>
+              </a:ext>
+            </a:extLst>
+          </p:cNvPr>
+          <p:cNvSpPr/>
+          <p:nvPr/>
+        </p:nvSpPr>
+        <p:spPr>
+          <a:xfrm>
+            <a:off x="7252977" y="3116918"/>
+            <a:ext cx="942692" cy="231570"/>
+          </a:xfrm>
+          <a:prstGeom prst="rect">
+            <a:avLst/>
+          </a:prstGeom>
+          <a:solidFill>
+            <a:schemeClr val="accent2"/>
+          </a:solidFill>
+        </p:spPr>
+        <p:style>
+          <a:lnRef idx="2">
+            <a:schemeClr val="accent1">
+              <a:shade val="50000"/>
+            </a:schemeClr>
+          </a:lnRef>
+          <a:fillRef idx="1">
+            <a:schemeClr val="accent1"/>
+          </a:fillRef>
+          <a:effectRef idx="0">
+            <a:schemeClr val="accent1"/>
+          </a:effectRef>
+          <a:fontRef idx="minor">
+            <a:schemeClr val="lt1"/>
+          </a:fontRef>
+        </p:style>
+        <p:txBody>
+          <a:bodyPr rtlCol="0" anchor="ctr"/>
+          <a:lstStyle/>
+          <a:p>
+            <a:r>
+              <a:rPr lang="en-SG" sz="1200" b="1" dirty="0"/>
+              <a:t>Pumps</a:t>
+            </a:r>
+          </a:p>
+        </p:txBody>
+      </p:sp>
+      <p:sp>
+        <p:nvSpPr>
+          <p:cNvPr id="2" name="TextBox 1">
+            <a:extLst>
+              <a:ext uri="{FF2B5EF4-FFF2-40B4-BE49-F238E27FC236}">
+                <a16:creationId xmlns:a16="http://schemas.microsoft.com/office/drawing/2014/main" id="{6E08DDEB-00FA-2F45-E8FF-10DD130F1164}"/>
+              </a:ext>
+            </a:extLst>
+          </p:cNvPr>
+          <p:cNvSpPr txBox="1"/>
+          <p:nvPr/>
+        </p:nvSpPr>
+        <p:spPr>
+          <a:xfrm>
+            <a:off x="4295139" y="2466809"/>
+            <a:ext cx="1175788" cy="276999"/>
+          </a:xfrm>
+          <a:prstGeom prst="rect">
+            <a:avLst/>
+          </a:prstGeom>
+          <a:noFill/>
+        </p:spPr>
+        <p:txBody>
+          <a:bodyPr wrap="square" rtlCol="0">
+            <a:spAutoFit/>
+          </a:bodyPr>
+          <a:lstStyle/>
+          <a:p>
+            <a:r>
+              <a:rPr lang="en-US" sz="1200" b="1" dirty="0">
+                <a:solidFill>
+                  <a:schemeClr val="accent6">
+                    <a:lumMod val="50000"/>
+                  </a:schemeClr>
+                </a:solidFill>
+              </a:rPr>
+              <a:t>Modbus-TCP</a:t>
+            </a:r>
+            <a:endParaRPr lang="en-SG" sz="1200" b="1" dirty="0">
+              <a:solidFill>
+                <a:schemeClr val="accent6">
+                  <a:lumMod val="50000"/>
+                </a:schemeClr>
+              </a:solidFill>
+            </a:endParaRPr>
+          </a:p>
+        </p:txBody>
+      </p:sp>
+      <p:sp>
+        <p:nvSpPr>
+          <p:cNvPr id="3" name="TextBox 2">
+            <a:extLst>
+              <a:ext uri="{FF2B5EF4-FFF2-40B4-BE49-F238E27FC236}">
+                <a16:creationId xmlns:a16="http://schemas.microsoft.com/office/drawing/2014/main" id="{87677088-D7C6-CB05-F3BD-D1EF748ABB06}"/>
+              </a:ext>
+            </a:extLst>
+          </p:cNvPr>
+          <p:cNvSpPr txBox="1"/>
+          <p:nvPr/>
+        </p:nvSpPr>
+        <p:spPr>
+          <a:xfrm>
+            <a:off x="4368818" y="3742765"/>
+            <a:ext cx="1175788" cy="276999"/>
+          </a:xfrm>
+          <a:prstGeom prst="rect">
+            <a:avLst/>
+          </a:prstGeom>
+          <a:noFill/>
+        </p:spPr>
+        <p:txBody>
+          <a:bodyPr wrap="square" rtlCol="0">
+            <a:spAutoFit/>
+          </a:bodyPr>
+          <a:lstStyle/>
+          <a:p>
+            <a:r>
+              <a:rPr lang="en-US" sz="1200" b="1" dirty="0">
+                <a:solidFill>
+                  <a:srgbClr val="0070C0"/>
+                </a:solidFill>
+              </a:rPr>
+              <a:t>S7Comm</a:t>
+            </a:r>
+            <a:endParaRPr lang="en-SG" sz="1200" b="1" dirty="0">
+              <a:solidFill>
+                <a:srgbClr val="0070C0"/>
+              </a:solidFill>
+            </a:endParaRPr>
           </a:p>
         </p:txBody>
       </p:sp>
     </p:spTree>
     <p:extLst>
       <p:ext uri="{BB962C8B-B14F-4D97-AF65-F5344CB8AC3E}">
-        <p14:creationId xmlns:p14="http://schemas.microsoft.com/office/powerpoint/2010/main" val="4099937209"/>
+        <p14:creationId xmlns:p14="http://schemas.microsoft.com/office/powerpoint/2010/main" val="3265051970"/>
       </p:ext>
     </p:extLst>
   </p:cSld>

--- a/doc/designDoc.pptx
+++ b/doc/designDoc.pptx
@@ -5,7 +5,7 @@
     <p:sldMasterId id="2147483648" r:id="rId1"/>
   </p:sldMasterIdLst>
   <p:notesMasterIdLst>
-    <p:notesMasterId r:id="rId16"/>
+    <p:notesMasterId r:id="rId17"/>
   </p:notesMasterIdLst>
   <p:sldIdLst>
     <p:sldId id="256" r:id="rId2"/>
@@ -22,6 +22,7 @@
     <p:sldId id="265" r:id="rId13"/>
     <p:sldId id="259" r:id="rId14"/>
     <p:sldId id="266" r:id="rId15"/>
+    <p:sldId id="270" r:id="rId16"/>
   </p:sldIdLst>
   <p:sldSz cx="12192000" cy="6858000"/>
   <p:notesSz cx="6858000" cy="9144000"/>
@@ -210,7 +211,7 @@
           <a:p>
             <a:fld id="{CA98FC0A-A656-46B8-8BCE-B9957593F2EC}" type="datetimeFigureOut">
               <a:rPr lang="en-SG" smtClean="0"/>
-              <a:t>12/5/2025</a:t>
+              <a:t>13/5/2025</a:t>
             </a:fld>
             <a:endParaRPr lang="en-SG"/>
           </a:p>
@@ -711,7 +712,7 @@
           <a:p>
             <a:fld id="{F953FF10-B1B6-4147-A9BC-BC236B7E3AD4}" type="datetimeFigureOut">
               <a:rPr lang="en-SG" smtClean="0"/>
-              <a:t>12/5/2025</a:t>
+              <a:t>13/5/2025</a:t>
             </a:fld>
             <a:endParaRPr lang="en-SG"/>
           </a:p>
@@ -911,7 +912,7 @@
           <a:p>
             <a:fld id="{F953FF10-B1B6-4147-A9BC-BC236B7E3AD4}" type="datetimeFigureOut">
               <a:rPr lang="en-SG" smtClean="0"/>
-              <a:t>12/5/2025</a:t>
+              <a:t>13/5/2025</a:t>
             </a:fld>
             <a:endParaRPr lang="en-SG"/>
           </a:p>
@@ -1121,7 +1122,7 @@
           <a:p>
             <a:fld id="{F953FF10-B1B6-4147-A9BC-BC236B7E3AD4}" type="datetimeFigureOut">
               <a:rPr lang="en-SG" smtClean="0"/>
-              <a:t>12/5/2025</a:t>
+              <a:t>13/5/2025</a:t>
             </a:fld>
             <a:endParaRPr lang="en-SG"/>
           </a:p>
@@ -1321,7 +1322,7 @@
           <a:p>
             <a:fld id="{F953FF10-B1B6-4147-A9BC-BC236B7E3AD4}" type="datetimeFigureOut">
               <a:rPr lang="en-SG" smtClean="0"/>
-              <a:t>12/5/2025</a:t>
+              <a:t>13/5/2025</a:t>
             </a:fld>
             <a:endParaRPr lang="en-SG"/>
           </a:p>
@@ -1597,7 +1598,7 @@
           <a:p>
             <a:fld id="{F953FF10-B1B6-4147-A9BC-BC236B7E3AD4}" type="datetimeFigureOut">
               <a:rPr lang="en-SG" smtClean="0"/>
-              <a:t>12/5/2025</a:t>
+              <a:t>13/5/2025</a:t>
             </a:fld>
             <a:endParaRPr lang="en-SG"/>
           </a:p>
@@ -1865,7 +1866,7 @@
           <a:p>
             <a:fld id="{F953FF10-B1B6-4147-A9BC-BC236B7E3AD4}" type="datetimeFigureOut">
               <a:rPr lang="en-SG" smtClean="0"/>
-              <a:t>12/5/2025</a:t>
+              <a:t>13/5/2025</a:t>
             </a:fld>
             <a:endParaRPr lang="en-SG"/>
           </a:p>
@@ -2280,7 +2281,7 @@
           <a:p>
             <a:fld id="{F953FF10-B1B6-4147-A9BC-BC236B7E3AD4}" type="datetimeFigureOut">
               <a:rPr lang="en-SG" smtClean="0"/>
-              <a:t>12/5/2025</a:t>
+              <a:t>13/5/2025</a:t>
             </a:fld>
             <a:endParaRPr lang="en-SG"/>
           </a:p>
@@ -2422,7 +2423,7 @@
           <a:p>
             <a:fld id="{F953FF10-B1B6-4147-A9BC-BC236B7E3AD4}" type="datetimeFigureOut">
               <a:rPr lang="en-SG" smtClean="0"/>
-              <a:t>12/5/2025</a:t>
+              <a:t>13/5/2025</a:t>
             </a:fld>
             <a:endParaRPr lang="en-SG"/>
           </a:p>
@@ -2535,7 +2536,7 @@
           <a:p>
             <a:fld id="{F953FF10-B1B6-4147-A9BC-BC236B7E3AD4}" type="datetimeFigureOut">
               <a:rPr lang="en-SG" smtClean="0"/>
-              <a:t>12/5/2025</a:t>
+              <a:t>13/5/2025</a:t>
             </a:fld>
             <a:endParaRPr lang="en-SG"/>
           </a:p>
@@ -2848,7 +2849,7 @@
           <a:p>
             <a:fld id="{F953FF10-B1B6-4147-A9BC-BC236B7E3AD4}" type="datetimeFigureOut">
               <a:rPr lang="en-SG" smtClean="0"/>
-              <a:t>12/5/2025</a:t>
+              <a:t>13/5/2025</a:t>
             </a:fld>
             <a:endParaRPr lang="en-SG"/>
           </a:p>
@@ -3137,7 +3138,7 @@
           <a:p>
             <a:fld id="{F953FF10-B1B6-4147-A9BC-BC236B7E3AD4}" type="datetimeFigureOut">
               <a:rPr lang="en-SG" smtClean="0"/>
-              <a:t>12/5/2025</a:t>
+              <a:t>13/5/2025</a:t>
             </a:fld>
             <a:endParaRPr lang="en-SG"/>
           </a:p>
@@ -3380,7 +3381,7 @@
           <a:p>
             <a:fld id="{F953FF10-B1B6-4147-A9BC-BC236B7E3AD4}" type="datetimeFigureOut">
               <a:rPr lang="en-SG" smtClean="0"/>
-              <a:t>12/5/2025</a:t>
+              <a:t>13/5/2025</a:t>
             </a:fld>
             <a:endParaRPr lang="en-SG"/>
           </a:p>
@@ -16130,6 +16131,1616 @@
     <p:extLst>
       <p:ext uri="{BB962C8B-B14F-4D97-AF65-F5344CB8AC3E}">
         <p14:creationId xmlns:p14="http://schemas.microsoft.com/office/powerpoint/2010/main" val="3394858066"/>
+      </p:ext>
+    </p:extLst>
+  </p:cSld>
+  <p:clrMapOvr>
+    <a:masterClrMapping/>
+  </p:clrMapOvr>
+</p:sld>
+</file>
+
+<file path=ppt/slides/slide15.xml><?xml version="1.0" encoding="utf-8"?>
+<p:sld xmlns:a="http://schemas.openxmlformats.org/drawingml/2006/main" xmlns:r="http://schemas.openxmlformats.org/officeDocument/2006/relationships" xmlns:p="http://schemas.openxmlformats.org/presentationml/2006/main">
+  <p:cSld>
+    <p:spTree>
+      <p:nvGrpSpPr>
+        <p:cNvPr id="1" name=""/>
+        <p:cNvGrpSpPr/>
+        <p:nvPr/>
+      </p:nvGrpSpPr>
+      <p:grpSpPr>
+        <a:xfrm>
+          <a:off x="0" y="0"/>
+          <a:ext cx="0" cy="0"/>
+          <a:chOff x="0" y="0"/>
+          <a:chExt cx="0" cy="0"/>
+        </a:xfrm>
+      </p:grpSpPr>
+      <p:pic>
+        <p:nvPicPr>
+          <p:cNvPr id="4" name="Picture 3">
+            <a:extLst>
+              <a:ext uri="{FF2B5EF4-FFF2-40B4-BE49-F238E27FC236}">
+                <a16:creationId xmlns:a16="http://schemas.microsoft.com/office/drawing/2014/main" id="{705A6E65-F07E-ABAC-2998-EA412B17C65F}"/>
+              </a:ext>
+            </a:extLst>
+          </p:cNvPr>
+          <p:cNvPicPr>
+            <a:picLocks noChangeAspect="1"/>
+          </p:cNvPicPr>
+          <p:nvPr/>
+        </p:nvPicPr>
+        <p:blipFill>
+          <a:blip r:embed="rId2">
+            <a:extLst>
+              <a:ext uri="{28A0092B-C50C-407E-A947-70E740481C1C}">
+                <a14:useLocalDpi xmlns:a14="http://schemas.microsoft.com/office/drawing/2010/main" val="0"/>
+              </a:ext>
+            </a:extLst>
+          </a:blip>
+          <a:stretch>
+            <a:fillRect/>
+          </a:stretch>
+        </p:blipFill>
+        <p:spPr>
+          <a:xfrm>
+            <a:off x="2259911" y="1240921"/>
+            <a:ext cx="476190" cy="428571"/>
+          </a:xfrm>
+          <a:prstGeom prst="rect">
+            <a:avLst/>
+          </a:prstGeom>
+          <a:ln w="6350">
+            <a:solidFill>
+              <a:schemeClr val="tx1"/>
+            </a:solidFill>
+          </a:ln>
+        </p:spPr>
+      </p:pic>
+      <p:pic>
+        <p:nvPicPr>
+          <p:cNvPr id="5" name="Picture 4">
+            <a:extLst>
+              <a:ext uri="{FF2B5EF4-FFF2-40B4-BE49-F238E27FC236}">
+                <a16:creationId xmlns:a16="http://schemas.microsoft.com/office/drawing/2014/main" id="{AB5929AF-D732-E9B3-F474-2B3F77069F9B}"/>
+              </a:ext>
+            </a:extLst>
+          </p:cNvPr>
+          <p:cNvPicPr>
+            <a:picLocks noChangeAspect="1"/>
+          </p:cNvPicPr>
+          <p:nvPr/>
+        </p:nvPicPr>
+        <p:blipFill>
+          <a:blip r:embed="rId3">
+            <a:extLst>
+              <a:ext uri="{28A0092B-C50C-407E-A947-70E740481C1C}">
+                <a14:useLocalDpi xmlns:a14="http://schemas.microsoft.com/office/drawing/2010/main" val="0"/>
+              </a:ext>
+            </a:extLst>
+          </a:blip>
+          <a:stretch>
+            <a:fillRect/>
+          </a:stretch>
+        </p:blipFill>
+        <p:spPr>
+          <a:xfrm>
+            <a:off x="2259911" y="2056475"/>
+            <a:ext cx="476190" cy="409524"/>
+          </a:xfrm>
+          <a:prstGeom prst="rect">
+            <a:avLst/>
+          </a:prstGeom>
+          <a:ln w="6350">
+            <a:solidFill>
+              <a:schemeClr val="tx1"/>
+            </a:solidFill>
+          </a:ln>
+        </p:spPr>
+      </p:pic>
+      <p:cxnSp>
+        <p:nvCxnSpPr>
+          <p:cNvPr id="7" name="Straight Connector 6">
+            <a:extLst>
+              <a:ext uri="{FF2B5EF4-FFF2-40B4-BE49-F238E27FC236}">
+                <a16:creationId xmlns:a16="http://schemas.microsoft.com/office/drawing/2014/main" id="{17E1AA94-BF5E-C6EF-64B7-A36D9B3712AE}"/>
+              </a:ext>
+            </a:extLst>
+          </p:cNvPr>
+          <p:cNvCxnSpPr>
+            <a:cxnSpLocks/>
+          </p:cNvCxnSpPr>
+          <p:nvPr/>
+        </p:nvCxnSpPr>
+        <p:spPr>
+          <a:xfrm>
+            <a:off x="1521700" y="1519624"/>
+            <a:ext cx="696169" cy="0"/>
+          </a:xfrm>
+          <a:prstGeom prst="line">
+            <a:avLst/>
+          </a:prstGeom>
+        </p:spPr>
+        <p:style>
+          <a:lnRef idx="2">
+            <a:schemeClr val="accent1"/>
+          </a:lnRef>
+          <a:fillRef idx="0">
+            <a:schemeClr val="accent1"/>
+          </a:fillRef>
+          <a:effectRef idx="1">
+            <a:schemeClr val="accent1"/>
+          </a:effectRef>
+          <a:fontRef idx="minor">
+            <a:schemeClr val="tx1"/>
+          </a:fontRef>
+        </p:style>
+      </p:cxnSp>
+      <p:cxnSp>
+        <p:nvCxnSpPr>
+          <p:cNvPr id="11" name="Straight Connector 10">
+            <a:extLst>
+              <a:ext uri="{FF2B5EF4-FFF2-40B4-BE49-F238E27FC236}">
+                <a16:creationId xmlns:a16="http://schemas.microsoft.com/office/drawing/2014/main" id="{8BCF7221-8A13-38F7-A5A1-962B6786631E}"/>
+              </a:ext>
+            </a:extLst>
+          </p:cNvPr>
+          <p:cNvCxnSpPr>
+            <a:cxnSpLocks/>
+          </p:cNvCxnSpPr>
+          <p:nvPr/>
+        </p:nvCxnSpPr>
+        <p:spPr>
+          <a:xfrm>
+            <a:off x="1521699" y="2334176"/>
+            <a:ext cx="696169" cy="0"/>
+          </a:xfrm>
+          <a:prstGeom prst="line">
+            <a:avLst/>
+          </a:prstGeom>
+        </p:spPr>
+        <p:style>
+          <a:lnRef idx="2">
+            <a:schemeClr val="accent1"/>
+          </a:lnRef>
+          <a:fillRef idx="0">
+            <a:schemeClr val="accent1"/>
+          </a:fillRef>
+          <a:effectRef idx="1">
+            <a:schemeClr val="accent1"/>
+          </a:effectRef>
+          <a:fontRef idx="minor">
+            <a:schemeClr val="tx1"/>
+          </a:fontRef>
+        </p:style>
+      </p:cxnSp>
+      <p:sp>
+        <p:nvSpPr>
+          <p:cNvPr id="14" name="TextBox 13">
+            <a:extLst>
+              <a:ext uri="{FF2B5EF4-FFF2-40B4-BE49-F238E27FC236}">
+                <a16:creationId xmlns:a16="http://schemas.microsoft.com/office/drawing/2014/main" id="{0C45B73A-1FA5-FA89-B005-677F3C98C37C}"/>
+              </a:ext>
+            </a:extLst>
+          </p:cNvPr>
+          <p:cNvSpPr txBox="1"/>
+          <p:nvPr/>
+        </p:nvSpPr>
+        <p:spPr>
+          <a:xfrm>
+            <a:off x="352550" y="1326736"/>
+            <a:ext cx="1169149" cy="400110"/>
+          </a:xfrm>
+          <a:prstGeom prst="rect">
+            <a:avLst/>
+          </a:prstGeom>
+          <a:noFill/>
+        </p:spPr>
+        <p:txBody>
+          <a:bodyPr wrap="square" rtlCol="0">
+            <a:spAutoFit/>
+          </a:bodyPr>
+          <a:lstStyle/>
+          <a:p>
+            <a:r>
+              <a:rPr lang="en-US" sz="1000" b="1" dirty="0"/>
+              <a:t>Physical Sensor signal link to PT1</a:t>
+            </a:r>
+            <a:endParaRPr lang="en-SG" sz="1000" b="1" dirty="0"/>
+          </a:p>
+        </p:txBody>
+      </p:sp>
+      <p:sp>
+        <p:nvSpPr>
+          <p:cNvPr id="15" name="TextBox 14">
+            <a:extLst>
+              <a:ext uri="{FF2B5EF4-FFF2-40B4-BE49-F238E27FC236}">
+                <a16:creationId xmlns:a16="http://schemas.microsoft.com/office/drawing/2014/main" id="{0629A499-5278-135B-DAE0-23185E85ECEA}"/>
+              </a:ext>
+            </a:extLst>
+          </p:cNvPr>
+          <p:cNvSpPr txBox="1"/>
+          <p:nvPr/>
+        </p:nvSpPr>
+        <p:spPr>
+          <a:xfrm>
+            <a:off x="352550" y="2134121"/>
+            <a:ext cx="1169149" cy="400110"/>
+          </a:xfrm>
+          <a:prstGeom prst="rect">
+            <a:avLst/>
+          </a:prstGeom>
+          <a:noFill/>
+        </p:spPr>
+        <p:txBody>
+          <a:bodyPr wrap="square" rtlCol="0">
+            <a:spAutoFit/>
+          </a:bodyPr>
+          <a:lstStyle/>
+          <a:p>
+            <a:r>
+              <a:rPr lang="en-US" sz="1000" b="1" dirty="0"/>
+              <a:t>Physical Sensor signal link to PT2</a:t>
+            </a:r>
+            <a:endParaRPr lang="en-SG" sz="1000" b="1" dirty="0"/>
+          </a:p>
+        </p:txBody>
+      </p:sp>
+      <p:cxnSp>
+        <p:nvCxnSpPr>
+          <p:cNvPr id="16" name="Straight Connector 15">
+            <a:extLst>
+              <a:ext uri="{FF2B5EF4-FFF2-40B4-BE49-F238E27FC236}">
+                <a16:creationId xmlns:a16="http://schemas.microsoft.com/office/drawing/2014/main" id="{9A53902E-A04D-3B59-633B-0D3B853E2B01}"/>
+              </a:ext>
+            </a:extLst>
+          </p:cNvPr>
+          <p:cNvCxnSpPr>
+            <a:cxnSpLocks/>
+          </p:cNvCxnSpPr>
+          <p:nvPr/>
+        </p:nvCxnSpPr>
+        <p:spPr>
+          <a:xfrm>
+            <a:off x="2074994" y="917444"/>
+            <a:ext cx="0" cy="431103"/>
+          </a:xfrm>
+          <a:prstGeom prst="line">
+            <a:avLst/>
+          </a:prstGeom>
+        </p:spPr>
+        <p:style>
+          <a:lnRef idx="2">
+            <a:schemeClr val="accent1"/>
+          </a:lnRef>
+          <a:fillRef idx="0">
+            <a:schemeClr val="accent1"/>
+          </a:fillRef>
+          <a:effectRef idx="1">
+            <a:schemeClr val="accent1"/>
+          </a:effectRef>
+          <a:fontRef idx="minor">
+            <a:schemeClr val="tx1"/>
+          </a:fontRef>
+        </p:style>
+      </p:cxnSp>
+      <p:cxnSp>
+        <p:nvCxnSpPr>
+          <p:cNvPr id="18" name="Straight Connector 17">
+            <a:extLst>
+              <a:ext uri="{FF2B5EF4-FFF2-40B4-BE49-F238E27FC236}">
+                <a16:creationId xmlns:a16="http://schemas.microsoft.com/office/drawing/2014/main" id="{34817779-EC0A-1846-84B9-B5F7F8ABDF68}"/>
+              </a:ext>
+            </a:extLst>
+          </p:cNvPr>
+          <p:cNvCxnSpPr>
+            <a:cxnSpLocks/>
+          </p:cNvCxnSpPr>
+          <p:nvPr/>
+        </p:nvCxnSpPr>
+        <p:spPr>
+          <a:xfrm>
+            <a:off x="2074994" y="1348547"/>
+            <a:ext cx="142874" cy="0"/>
+          </a:xfrm>
+          <a:prstGeom prst="line">
+            <a:avLst/>
+          </a:prstGeom>
+        </p:spPr>
+        <p:style>
+          <a:lnRef idx="2">
+            <a:schemeClr val="accent1"/>
+          </a:lnRef>
+          <a:fillRef idx="0">
+            <a:schemeClr val="accent1"/>
+          </a:fillRef>
+          <a:effectRef idx="1">
+            <a:schemeClr val="accent1"/>
+          </a:effectRef>
+          <a:fontRef idx="minor">
+            <a:schemeClr val="tx1"/>
+          </a:fontRef>
+        </p:style>
+      </p:cxnSp>
+      <p:cxnSp>
+        <p:nvCxnSpPr>
+          <p:cNvPr id="22" name="Straight Connector 21">
+            <a:extLst>
+              <a:ext uri="{FF2B5EF4-FFF2-40B4-BE49-F238E27FC236}">
+                <a16:creationId xmlns:a16="http://schemas.microsoft.com/office/drawing/2014/main" id="{1B54ECE7-5CB8-F7E2-F7FC-3564A0C13B18}"/>
+              </a:ext>
+            </a:extLst>
+          </p:cNvPr>
+          <p:cNvCxnSpPr>
+            <a:cxnSpLocks/>
+          </p:cNvCxnSpPr>
+          <p:nvPr/>
+        </p:nvCxnSpPr>
+        <p:spPr>
+          <a:xfrm>
+            <a:off x="1693994" y="917443"/>
+            <a:ext cx="0" cy="1216678"/>
+          </a:xfrm>
+          <a:prstGeom prst="line">
+            <a:avLst/>
+          </a:prstGeom>
+        </p:spPr>
+        <p:style>
+          <a:lnRef idx="2">
+            <a:schemeClr val="accent1"/>
+          </a:lnRef>
+          <a:fillRef idx="0">
+            <a:schemeClr val="accent1"/>
+          </a:fillRef>
+          <a:effectRef idx="1">
+            <a:schemeClr val="accent1"/>
+          </a:effectRef>
+          <a:fontRef idx="minor">
+            <a:schemeClr val="tx1"/>
+          </a:fontRef>
+        </p:style>
+      </p:cxnSp>
+      <p:cxnSp>
+        <p:nvCxnSpPr>
+          <p:cNvPr id="23" name="Straight Connector 22">
+            <a:extLst>
+              <a:ext uri="{FF2B5EF4-FFF2-40B4-BE49-F238E27FC236}">
+                <a16:creationId xmlns:a16="http://schemas.microsoft.com/office/drawing/2014/main" id="{33F20152-23D6-FE0F-A00E-6B7A947A88C6}"/>
+              </a:ext>
+            </a:extLst>
+          </p:cNvPr>
+          <p:cNvCxnSpPr>
+            <a:cxnSpLocks/>
+          </p:cNvCxnSpPr>
+          <p:nvPr/>
+        </p:nvCxnSpPr>
+        <p:spPr>
+          <a:xfrm>
+            <a:off x="1693994" y="2134121"/>
+            <a:ext cx="523874" cy="0"/>
+          </a:xfrm>
+          <a:prstGeom prst="line">
+            <a:avLst/>
+          </a:prstGeom>
+        </p:spPr>
+        <p:style>
+          <a:lnRef idx="2">
+            <a:schemeClr val="accent1"/>
+          </a:lnRef>
+          <a:fillRef idx="0">
+            <a:schemeClr val="accent1"/>
+          </a:fillRef>
+          <a:effectRef idx="1">
+            <a:schemeClr val="accent1"/>
+          </a:effectRef>
+          <a:fontRef idx="minor">
+            <a:schemeClr val="tx1"/>
+          </a:fontRef>
+        </p:style>
+      </p:cxnSp>
+      <p:sp>
+        <p:nvSpPr>
+          <p:cNvPr id="26" name="TextBox 25">
+            <a:extLst>
+              <a:ext uri="{FF2B5EF4-FFF2-40B4-BE49-F238E27FC236}">
+                <a16:creationId xmlns:a16="http://schemas.microsoft.com/office/drawing/2014/main" id="{2D68B778-6198-361B-D075-210B347F48F7}"/>
+              </a:ext>
+            </a:extLst>
+          </p:cNvPr>
+          <p:cNvSpPr txBox="1"/>
+          <p:nvPr/>
+        </p:nvSpPr>
+        <p:spPr>
+          <a:xfrm>
+            <a:off x="1945651" y="517335"/>
+            <a:ext cx="790450" cy="400110"/>
+          </a:xfrm>
+          <a:prstGeom prst="rect">
+            <a:avLst/>
+          </a:prstGeom>
+          <a:noFill/>
+        </p:spPr>
+        <p:txBody>
+          <a:bodyPr wrap="square" rtlCol="0">
+            <a:spAutoFit/>
+          </a:bodyPr>
+          <a:lstStyle/>
+          <a:p>
+            <a:r>
+              <a:rPr lang="en-US" sz="1000" b="1" dirty="0"/>
+              <a:t>HMI Set Val to PT3</a:t>
+            </a:r>
+            <a:endParaRPr lang="en-SG" sz="1000" b="1" dirty="0"/>
+          </a:p>
+        </p:txBody>
+      </p:sp>
+      <p:sp>
+        <p:nvSpPr>
+          <p:cNvPr id="27" name="TextBox 26">
+            <a:extLst>
+              <a:ext uri="{FF2B5EF4-FFF2-40B4-BE49-F238E27FC236}">
+                <a16:creationId xmlns:a16="http://schemas.microsoft.com/office/drawing/2014/main" id="{8B0241FD-F538-4FDC-C866-E4A1FEC2C854}"/>
+              </a:ext>
+            </a:extLst>
+          </p:cNvPr>
+          <p:cNvSpPr txBox="1"/>
+          <p:nvPr/>
+        </p:nvSpPr>
+        <p:spPr>
+          <a:xfrm>
+            <a:off x="1165481" y="532831"/>
+            <a:ext cx="790450" cy="400110"/>
+          </a:xfrm>
+          <a:prstGeom prst="rect">
+            <a:avLst/>
+          </a:prstGeom>
+          <a:noFill/>
+        </p:spPr>
+        <p:txBody>
+          <a:bodyPr wrap="square" rtlCol="0">
+            <a:spAutoFit/>
+          </a:bodyPr>
+          <a:lstStyle/>
+          <a:p>
+            <a:r>
+              <a:rPr lang="en-US" sz="1000" b="1" dirty="0"/>
+              <a:t>HMI Set Val to PT4</a:t>
+            </a:r>
+            <a:endParaRPr lang="en-SG" sz="1000" b="1" dirty="0"/>
+          </a:p>
+        </p:txBody>
+      </p:sp>
+      <p:cxnSp>
+        <p:nvCxnSpPr>
+          <p:cNvPr id="28" name="Straight Connector 27">
+            <a:extLst>
+              <a:ext uri="{FF2B5EF4-FFF2-40B4-BE49-F238E27FC236}">
+                <a16:creationId xmlns:a16="http://schemas.microsoft.com/office/drawing/2014/main" id="{FC5345E2-8E6C-358A-51AB-5036FF8A2143}"/>
+              </a:ext>
+            </a:extLst>
+          </p:cNvPr>
+          <p:cNvCxnSpPr>
+            <a:cxnSpLocks/>
+          </p:cNvCxnSpPr>
+          <p:nvPr/>
+        </p:nvCxnSpPr>
+        <p:spPr>
+          <a:xfrm>
+            <a:off x="2736101" y="1455206"/>
+            <a:ext cx="696169" cy="0"/>
+          </a:xfrm>
+          <a:prstGeom prst="line">
+            <a:avLst/>
+          </a:prstGeom>
+        </p:spPr>
+        <p:style>
+          <a:lnRef idx="2">
+            <a:schemeClr val="accent1"/>
+          </a:lnRef>
+          <a:fillRef idx="0">
+            <a:schemeClr val="accent1"/>
+          </a:fillRef>
+          <a:effectRef idx="1">
+            <a:schemeClr val="accent1"/>
+          </a:effectRef>
+          <a:fontRef idx="minor">
+            <a:schemeClr val="tx1"/>
+          </a:fontRef>
+        </p:style>
+      </p:cxnSp>
+      <p:pic>
+        <p:nvPicPr>
+          <p:cNvPr id="29" name="Picture 28">
+            <a:extLst>
+              <a:ext uri="{FF2B5EF4-FFF2-40B4-BE49-F238E27FC236}">
+                <a16:creationId xmlns:a16="http://schemas.microsoft.com/office/drawing/2014/main" id="{FD4509EC-0768-959D-3D77-227BA4E90863}"/>
+              </a:ext>
+            </a:extLst>
+          </p:cNvPr>
+          <p:cNvPicPr>
+            <a:picLocks noChangeAspect="1"/>
+          </p:cNvPicPr>
+          <p:nvPr/>
+        </p:nvPicPr>
+        <p:blipFill>
+          <a:blip r:embed="rId2">
+            <a:extLst>
+              <a:ext uri="{28A0092B-C50C-407E-A947-70E740481C1C}">
+                <a14:useLocalDpi xmlns:a14="http://schemas.microsoft.com/office/drawing/2010/main" val="0"/>
+              </a:ext>
+            </a:extLst>
+          </a:blip>
+          <a:stretch>
+            <a:fillRect/>
+          </a:stretch>
+        </p:blipFill>
+        <p:spPr>
+          <a:xfrm>
+            <a:off x="3724275" y="1586369"/>
+            <a:ext cx="476190" cy="428571"/>
+          </a:xfrm>
+          <a:prstGeom prst="rect">
+            <a:avLst/>
+          </a:prstGeom>
+          <a:ln w="6350">
+            <a:solidFill>
+              <a:schemeClr val="tx1"/>
+            </a:solidFill>
+          </a:ln>
+        </p:spPr>
+      </p:pic>
+      <p:cxnSp>
+        <p:nvCxnSpPr>
+          <p:cNvPr id="30" name="Straight Connector 29">
+            <a:extLst>
+              <a:ext uri="{FF2B5EF4-FFF2-40B4-BE49-F238E27FC236}">
+                <a16:creationId xmlns:a16="http://schemas.microsoft.com/office/drawing/2014/main" id="{9CC07FB0-3A83-E36D-8932-DFC8AD31A2FF}"/>
+              </a:ext>
+            </a:extLst>
+          </p:cNvPr>
+          <p:cNvCxnSpPr>
+            <a:cxnSpLocks/>
+          </p:cNvCxnSpPr>
+          <p:nvPr/>
+        </p:nvCxnSpPr>
+        <p:spPr>
+          <a:xfrm>
+            <a:off x="2736101" y="2261237"/>
+            <a:ext cx="696169" cy="0"/>
+          </a:xfrm>
+          <a:prstGeom prst="line">
+            <a:avLst/>
+          </a:prstGeom>
+        </p:spPr>
+        <p:style>
+          <a:lnRef idx="2">
+            <a:schemeClr val="accent1"/>
+          </a:lnRef>
+          <a:fillRef idx="0">
+            <a:schemeClr val="accent1"/>
+          </a:fillRef>
+          <a:effectRef idx="1">
+            <a:schemeClr val="accent1"/>
+          </a:effectRef>
+          <a:fontRef idx="minor">
+            <a:schemeClr val="tx1"/>
+          </a:fontRef>
+        </p:style>
+      </p:cxnSp>
+      <p:cxnSp>
+        <p:nvCxnSpPr>
+          <p:cNvPr id="31" name="Straight Connector 30">
+            <a:extLst>
+              <a:ext uri="{FF2B5EF4-FFF2-40B4-BE49-F238E27FC236}">
+                <a16:creationId xmlns:a16="http://schemas.microsoft.com/office/drawing/2014/main" id="{67B55EF0-4BC8-0282-E50E-308746F6F6A3}"/>
+              </a:ext>
+            </a:extLst>
+          </p:cNvPr>
+          <p:cNvCxnSpPr>
+            <a:cxnSpLocks/>
+          </p:cNvCxnSpPr>
+          <p:nvPr/>
+        </p:nvCxnSpPr>
+        <p:spPr>
+          <a:xfrm>
+            <a:off x="3432270" y="1455206"/>
+            <a:ext cx="0" cy="224435"/>
+          </a:xfrm>
+          <a:prstGeom prst="line">
+            <a:avLst/>
+          </a:prstGeom>
+        </p:spPr>
+        <p:style>
+          <a:lnRef idx="2">
+            <a:schemeClr val="accent1"/>
+          </a:lnRef>
+          <a:fillRef idx="0">
+            <a:schemeClr val="accent1"/>
+          </a:fillRef>
+          <a:effectRef idx="1">
+            <a:schemeClr val="accent1"/>
+          </a:effectRef>
+          <a:fontRef idx="minor">
+            <a:schemeClr val="tx1"/>
+          </a:fontRef>
+        </p:style>
+      </p:cxnSp>
+      <p:cxnSp>
+        <p:nvCxnSpPr>
+          <p:cNvPr id="34" name="Straight Connector 33">
+            <a:extLst>
+              <a:ext uri="{FF2B5EF4-FFF2-40B4-BE49-F238E27FC236}">
+                <a16:creationId xmlns:a16="http://schemas.microsoft.com/office/drawing/2014/main" id="{4F7833C3-BE9D-3ABA-2C20-185709B3DD15}"/>
+              </a:ext>
+            </a:extLst>
+          </p:cNvPr>
+          <p:cNvCxnSpPr>
+            <a:cxnSpLocks/>
+          </p:cNvCxnSpPr>
+          <p:nvPr/>
+        </p:nvCxnSpPr>
+        <p:spPr>
+          <a:xfrm>
+            <a:off x="3423223" y="1689292"/>
+            <a:ext cx="292005" cy="5392"/>
+          </a:xfrm>
+          <a:prstGeom prst="line">
+            <a:avLst/>
+          </a:prstGeom>
+        </p:spPr>
+        <p:style>
+          <a:lnRef idx="2">
+            <a:schemeClr val="accent1"/>
+          </a:lnRef>
+          <a:fillRef idx="0">
+            <a:schemeClr val="accent1"/>
+          </a:fillRef>
+          <a:effectRef idx="1">
+            <a:schemeClr val="accent1"/>
+          </a:effectRef>
+          <a:fontRef idx="minor">
+            <a:schemeClr val="tx1"/>
+          </a:fontRef>
+        </p:style>
+      </p:cxnSp>
+      <p:cxnSp>
+        <p:nvCxnSpPr>
+          <p:cNvPr id="38" name="Straight Connector 37">
+            <a:extLst>
+              <a:ext uri="{FF2B5EF4-FFF2-40B4-BE49-F238E27FC236}">
+                <a16:creationId xmlns:a16="http://schemas.microsoft.com/office/drawing/2014/main" id="{C32BA773-9681-6581-56A4-017D8C33637C}"/>
+              </a:ext>
+            </a:extLst>
+          </p:cNvPr>
+          <p:cNvCxnSpPr>
+            <a:cxnSpLocks/>
+          </p:cNvCxnSpPr>
+          <p:nvPr/>
+        </p:nvCxnSpPr>
+        <p:spPr>
+          <a:xfrm>
+            <a:off x="3432270" y="1909632"/>
+            <a:ext cx="0" cy="371942"/>
+          </a:xfrm>
+          <a:prstGeom prst="line">
+            <a:avLst/>
+          </a:prstGeom>
+        </p:spPr>
+        <p:style>
+          <a:lnRef idx="2">
+            <a:schemeClr val="accent1"/>
+          </a:lnRef>
+          <a:fillRef idx="0">
+            <a:schemeClr val="accent1"/>
+          </a:fillRef>
+          <a:effectRef idx="1">
+            <a:schemeClr val="accent1"/>
+          </a:effectRef>
+          <a:fontRef idx="minor">
+            <a:schemeClr val="tx1"/>
+          </a:fontRef>
+        </p:style>
+      </p:cxnSp>
+      <p:cxnSp>
+        <p:nvCxnSpPr>
+          <p:cNvPr id="40" name="Straight Connector 39">
+            <a:extLst>
+              <a:ext uri="{FF2B5EF4-FFF2-40B4-BE49-F238E27FC236}">
+                <a16:creationId xmlns:a16="http://schemas.microsoft.com/office/drawing/2014/main" id="{74B8B6BB-2FC8-E3ED-BD8D-B71155E3441F}"/>
+              </a:ext>
+            </a:extLst>
+          </p:cNvPr>
+          <p:cNvCxnSpPr>
+            <a:cxnSpLocks/>
+          </p:cNvCxnSpPr>
+          <p:nvPr/>
+        </p:nvCxnSpPr>
+        <p:spPr>
+          <a:xfrm>
+            <a:off x="3423222" y="1906936"/>
+            <a:ext cx="292005" cy="5392"/>
+          </a:xfrm>
+          <a:prstGeom prst="line">
+            <a:avLst/>
+          </a:prstGeom>
+        </p:spPr>
+        <p:style>
+          <a:lnRef idx="2">
+            <a:schemeClr val="accent1"/>
+          </a:lnRef>
+          <a:fillRef idx="0">
+            <a:schemeClr val="accent1"/>
+          </a:fillRef>
+          <a:effectRef idx="1">
+            <a:schemeClr val="accent1"/>
+          </a:effectRef>
+          <a:fontRef idx="minor">
+            <a:schemeClr val="tx1"/>
+          </a:fontRef>
+        </p:style>
+      </p:cxnSp>
+      <p:cxnSp>
+        <p:nvCxnSpPr>
+          <p:cNvPr id="41" name="Straight Connector 40">
+            <a:extLst>
+              <a:ext uri="{FF2B5EF4-FFF2-40B4-BE49-F238E27FC236}">
+                <a16:creationId xmlns:a16="http://schemas.microsoft.com/office/drawing/2014/main" id="{DA9AD2EF-E604-4994-A6E4-A82B614E3D99}"/>
+              </a:ext>
+            </a:extLst>
+          </p:cNvPr>
+          <p:cNvCxnSpPr>
+            <a:cxnSpLocks/>
+          </p:cNvCxnSpPr>
+          <p:nvPr/>
+        </p:nvCxnSpPr>
+        <p:spPr>
+          <a:xfrm>
+            <a:off x="4209512" y="1816248"/>
+            <a:ext cx="292005" cy="5392"/>
+          </a:xfrm>
+          <a:prstGeom prst="line">
+            <a:avLst/>
+          </a:prstGeom>
+        </p:spPr>
+        <p:style>
+          <a:lnRef idx="2">
+            <a:schemeClr val="accent1"/>
+          </a:lnRef>
+          <a:fillRef idx="0">
+            <a:schemeClr val="accent1"/>
+          </a:fillRef>
+          <a:effectRef idx="1">
+            <a:schemeClr val="accent1"/>
+          </a:effectRef>
+          <a:fontRef idx="minor">
+            <a:schemeClr val="tx1"/>
+          </a:fontRef>
+        </p:style>
+      </p:cxnSp>
+      <p:sp>
+        <p:nvSpPr>
+          <p:cNvPr id="42" name="Rectangle 41">
+            <a:extLst>
+              <a:ext uri="{FF2B5EF4-FFF2-40B4-BE49-F238E27FC236}">
+                <a16:creationId xmlns:a16="http://schemas.microsoft.com/office/drawing/2014/main" id="{787EED31-52E4-7BC3-A4E6-B2A9C0AEC252}"/>
+              </a:ext>
+            </a:extLst>
+          </p:cNvPr>
+          <p:cNvSpPr/>
+          <p:nvPr/>
+        </p:nvSpPr>
+        <p:spPr>
+          <a:xfrm>
+            <a:off x="4411396" y="1390319"/>
+            <a:ext cx="1161785" cy="851857"/>
+          </a:xfrm>
+          <a:prstGeom prst="rect">
+            <a:avLst/>
+          </a:prstGeom>
+          <a:solidFill>
+            <a:schemeClr val="tx2">
+              <a:lumMod val="75000"/>
+              <a:lumOff val="25000"/>
+            </a:schemeClr>
+          </a:solidFill>
+          <a:ln>
+            <a:solidFill>
+              <a:schemeClr val="tx1"/>
+            </a:solidFill>
+          </a:ln>
+        </p:spPr>
+        <p:style>
+          <a:lnRef idx="2">
+            <a:schemeClr val="accent1">
+              <a:shade val="50000"/>
+            </a:schemeClr>
+          </a:lnRef>
+          <a:fillRef idx="1">
+            <a:schemeClr val="accent1"/>
+          </a:fillRef>
+          <a:effectRef idx="0">
+            <a:schemeClr val="accent1"/>
+          </a:effectRef>
+          <a:fontRef idx="minor">
+            <a:schemeClr val="lt1"/>
+          </a:fontRef>
+        </p:style>
+        <p:txBody>
+          <a:bodyPr rtlCol="0" anchor="ctr"/>
+          <a:lstStyle/>
+          <a:p>
+            <a:r>
+              <a:rPr lang="en-US" sz="1050" b="1" dirty="0"/>
+              <a:t>Condition value generator : </a:t>
+            </a:r>
+          </a:p>
+          <a:p>
+            <a:r>
+              <a:rPr lang="en-US" sz="1050" b="1" dirty="0"/>
+              <a:t>True -&gt; 1.01</a:t>
+            </a:r>
+          </a:p>
+          <a:p>
+            <a:r>
+              <a:rPr lang="en-US" sz="1050" b="1" dirty="0"/>
+              <a:t>False-&gt; 1.02</a:t>
+            </a:r>
+          </a:p>
+        </p:txBody>
+      </p:sp>
+      <p:cxnSp>
+        <p:nvCxnSpPr>
+          <p:cNvPr id="43" name="Straight Connector 42">
+            <a:extLst>
+              <a:ext uri="{FF2B5EF4-FFF2-40B4-BE49-F238E27FC236}">
+                <a16:creationId xmlns:a16="http://schemas.microsoft.com/office/drawing/2014/main" id="{B88B71CC-D6BD-656A-E7FE-FD4AC1F16DFC}"/>
+              </a:ext>
+            </a:extLst>
+          </p:cNvPr>
+          <p:cNvCxnSpPr>
+            <a:cxnSpLocks/>
+          </p:cNvCxnSpPr>
+          <p:nvPr/>
+        </p:nvCxnSpPr>
+        <p:spPr>
+          <a:xfrm>
+            <a:off x="5583755" y="1795262"/>
+            <a:ext cx="292005" cy="5392"/>
+          </a:xfrm>
+          <a:prstGeom prst="line">
+            <a:avLst/>
+          </a:prstGeom>
+        </p:spPr>
+        <p:style>
+          <a:lnRef idx="2">
+            <a:schemeClr val="accent1"/>
+          </a:lnRef>
+          <a:fillRef idx="0">
+            <a:schemeClr val="accent1"/>
+          </a:fillRef>
+          <a:effectRef idx="1">
+            <a:schemeClr val="accent1"/>
+          </a:effectRef>
+          <a:fontRef idx="minor">
+            <a:schemeClr val="tx1"/>
+          </a:fontRef>
+        </p:style>
+      </p:cxnSp>
+      <p:sp>
+        <p:nvSpPr>
+          <p:cNvPr id="44" name="TextBox 43">
+            <a:extLst>
+              <a:ext uri="{FF2B5EF4-FFF2-40B4-BE49-F238E27FC236}">
+                <a16:creationId xmlns:a16="http://schemas.microsoft.com/office/drawing/2014/main" id="{7084E172-827B-4624-6EFD-7B6298491417}"/>
+              </a:ext>
+            </a:extLst>
+          </p:cNvPr>
+          <p:cNvSpPr txBox="1"/>
+          <p:nvPr/>
+        </p:nvSpPr>
+        <p:spPr>
+          <a:xfrm>
+            <a:off x="5828371" y="1689292"/>
+            <a:ext cx="790450" cy="246221"/>
+          </a:xfrm>
+          <a:prstGeom prst="rect">
+            <a:avLst/>
+          </a:prstGeom>
+          <a:noFill/>
+        </p:spPr>
+        <p:txBody>
+          <a:bodyPr wrap="square" rtlCol="0">
+            <a:spAutoFit/>
+          </a:bodyPr>
+          <a:lstStyle/>
+          <a:p>
+            <a:r>
+              <a:rPr lang="en-US" sz="1000" b="1" dirty="0"/>
+              <a:t>Val to PT5</a:t>
+            </a:r>
+            <a:endParaRPr lang="en-SG" sz="1000" b="1" dirty="0"/>
+          </a:p>
+        </p:txBody>
+      </p:sp>
+      <p:pic>
+        <p:nvPicPr>
+          <p:cNvPr id="45" name="Picture 44">
+            <a:extLst>
+              <a:ext uri="{FF2B5EF4-FFF2-40B4-BE49-F238E27FC236}">
+                <a16:creationId xmlns:a16="http://schemas.microsoft.com/office/drawing/2014/main" id="{B26114E2-89DF-FCEB-E353-0820C657F505}"/>
+              </a:ext>
+            </a:extLst>
+          </p:cNvPr>
+          <p:cNvPicPr>
+            <a:picLocks noChangeAspect="1"/>
+          </p:cNvPicPr>
+          <p:nvPr/>
+        </p:nvPicPr>
+        <p:blipFill>
+          <a:blip r:embed="rId4">
+            <a:extLst>
+              <a:ext uri="{28A0092B-C50C-407E-A947-70E740481C1C}">
+                <a14:useLocalDpi xmlns:a14="http://schemas.microsoft.com/office/drawing/2010/main" val="0"/>
+              </a:ext>
+            </a:extLst>
+          </a:blip>
+          <a:stretch>
+            <a:fillRect/>
+          </a:stretch>
+        </p:blipFill>
+        <p:spPr>
+          <a:xfrm>
+            <a:off x="2480856" y="3682809"/>
+            <a:ext cx="506017" cy="400107"/>
+          </a:xfrm>
+          <a:prstGeom prst="rect">
+            <a:avLst/>
+          </a:prstGeom>
+        </p:spPr>
+      </p:pic>
+      <p:pic>
+        <p:nvPicPr>
+          <p:cNvPr id="46" name="Picture 45">
+            <a:extLst>
+              <a:ext uri="{FF2B5EF4-FFF2-40B4-BE49-F238E27FC236}">
+                <a16:creationId xmlns:a16="http://schemas.microsoft.com/office/drawing/2014/main" id="{17595D03-5C88-54AB-DA51-6D667C433F23}"/>
+              </a:ext>
+            </a:extLst>
+          </p:cNvPr>
+          <p:cNvPicPr>
+            <a:picLocks noChangeAspect="1"/>
+          </p:cNvPicPr>
+          <p:nvPr/>
+        </p:nvPicPr>
+        <p:blipFill>
+          <a:blip r:embed="rId4">
+            <a:extLst>
+              <a:ext uri="{28A0092B-C50C-407E-A947-70E740481C1C}">
+                <a14:useLocalDpi xmlns:a14="http://schemas.microsoft.com/office/drawing/2010/main" val="0"/>
+              </a:ext>
+            </a:extLst>
+          </a:blip>
+          <a:stretch>
+            <a:fillRect/>
+          </a:stretch>
+        </p:blipFill>
+        <p:spPr>
+          <a:xfrm>
+            <a:off x="3533244" y="3682809"/>
+            <a:ext cx="506017" cy="400107"/>
+          </a:xfrm>
+          <a:prstGeom prst="rect">
+            <a:avLst/>
+          </a:prstGeom>
+        </p:spPr>
+      </p:pic>
+      <p:cxnSp>
+        <p:nvCxnSpPr>
+          <p:cNvPr id="48" name="Straight Connector 47">
+            <a:extLst>
+              <a:ext uri="{FF2B5EF4-FFF2-40B4-BE49-F238E27FC236}">
+                <a16:creationId xmlns:a16="http://schemas.microsoft.com/office/drawing/2014/main" id="{7EFB06C9-EAF7-44D8-5051-8BFF8181875F}"/>
+              </a:ext>
+            </a:extLst>
+          </p:cNvPr>
+          <p:cNvCxnSpPr>
+            <a:cxnSpLocks/>
+          </p:cNvCxnSpPr>
+          <p:nvPr/>
+        </p:nvCxnSpPr>
+        <p:spPr>
+          <a:xfrm>
+            <a:off x="2986873" y="3873338"/>
+            <a:ext cx="546371" cy="0"/>
+          </a:xfrm>
+          <a:prstGeom prst="line">
+            <a:avLst/>
+          </a:prstGeom>
+        </p:spPr>
+        <p:style>
+          <a:lnRef idx="2">
+            <a:schemeClr val="dk1"/>
+          </a:lnRef>
+          <a:fillRef idx="0">
+            <a:schemeClr val="dk1"/>
+          </a:fillRef>
+          <a:effectRef idx="1">
+            <a:schemeClr val="dk1"/>
+          </a:effectRef>
+          <a:fontRef idx="minor">
+            <a:schemeClr val="tx1"/>
+          </a:fontRef>
+        </p:style>
+      </p:cxnSp>
+      <p:pic>
+        <p:nvPicPr>
+          <p:cNvPr id="49" name="Picture 48">
+            <a:extLst>
+              <a:ext uri="{FF2B5EF4-FFF2-40B4-BE49-F238E27FC236}">
+                <a16:creationId xmlns:a16="http://schemas.microsoft.com/office/drawing/2014/main" id="{EF074984-B882-03C8-DDEB-470BC21E829E}"/>
+              </a:ext>
+            </a:extLst>
+          </p:cNvPr>
+          <p:cNvPicPr>
+            <a:picLocks noChangeAspect="1"/>
+          </p:cNvPicPr>
+          <p:nvPr/>
+        </p:nvPicPr>
+        <p:blipFill>
+          <a:blip r:embed="rId4">
+            <a:extLst>
+              <a:ext uri="{28A0092B-C50C-407E-A947-70E740481C1C}">
+                <a14:useLocalDpi xmlns:a14="http://schemas.microsoft.com/office/drawing/2010/main" val="0"/>
+              </a:ext>
+            </a:extLst>
+          </a:blip>
+          <a:stretch>
+            <a:fillRect/>
+          </a:stretch>
+        </p:blipFill>
+        <p:spPr>
+          <a:xfrm>
+            <a:off x="909832" y="3692335"/>
+            <a:ext cx="506017" cy="400107"/>
+          </a:xfrm>
+          <a:prstGeom prst="rect">
+            <a:avLst/>
+          </a:prstGeom>
+        </p:spPr>
+      </p:pic>
+      <p:cxnSp>
+        <p:nvCxnSpPr>
+          <p:cNvPr id="50" name="Straight Connector 49">
+            <a:extLst>
+              <a:ext uri="{FF2B5EF4-FFF2-40B4-BE49-F238E27FC236}">
+                <a16:creationId xmlns:a16="http://schemas.microsoft.com/office/drawing/2014/main" id="{6318159D-87CC-187C-4997-A4256A4B74BC}"/>
+              </a:ext>
+            </a:extLst>
+          </p:cNvPr>
+          <p:cNvCxnSpPr>
+            <a:cxnSpLocks/>
+          </p:cNvCxnSpPr>
+          <p:nvPr/>
+        </p:nvCxnSpPr>
+        <p:spPr>
+          <a:xfrm>
+            <a:off x="1417102" y="3882863"/>
+            <a:ext cx="1077657" cy="0"/>
+          </a:xfrm>
+          <a:prstGeom prst="line">
+            <a:avLst/>
+          </a:prstGeom>
+        </p:spPr>
+        <p:style>
+          <a:lnRef idx="2">
+            <a:schemeClr val="dk1"/>
+          </a:lnRef>
+          <a:fillRef idx="0">
+            <a:schemeClr val="dk1"/>
+          </a:fillRef>
+          <a:effectRef idx="1">
+            <a:schemeClr val="dk1"/>
+          </a:effectRef>
+          <a:fontRef idx="minor">
+            <a:schemeClr val="tx1"/>
+          </a:fontRef>
+        </p:style>
+      </p:cxnSp>
+      <p:pic>
+        <p:nvPicPr>
+          <p:cNvPr id="52" name="Picture 51">
+            <a:extLst>
+              <a:ext uri="{FF2B5EF4-FFF2-40B4-BE49-F238E27FC236}">
+                <a16:creationId xmlns:a16="http://schemas.microsoft.com/office/drawing/2014/main" id="{F1B4E9CF-8B8D-B3EC-5A7F-124C7CC65B47}"/>
+              </a:ext>
+            </a:extLst>
+          </p:cNvPr>
+          <p:cNvPicPr>
+            <a:picLocks noChangeAspect="1"/>
+          </p:cNvPicPr>
+          <p:nvPr/>
+        </p:nvPicPr>
+        <p:blipFill>
+          <a:blip r:embed="rId4">
+            <a:extLst>
+              <a:ext uri="{28A0092B-C50C-407E-A947-70E740481C1C}">
+                <a14:useLocalDpi xmlns:a14="http://schemas.microsoft.com/office/drawing/2010/main" val="0"/>
+              </a:ext>
+            </a:extLst>
+          </a:blip>
+          <a:stretch>
+            <a:fillRect/>
+          </a:stretch>
+        </p:blipFill>
+        <p:spPr>
+          <a:xfrm>
+            <a:off x="908438" y="4350563"/>
+            <a:ext cx="506017" cy="400107"/>
+          </a:xfrm>
+          <a:prstGeom prst="rect">
+            <a:avLst/>
+          </a:prstGeom>
+        </p:spPr>
+      </p:pic>
+      <p:cxnSp>
+        <p:nvCxnSpPr>
+          <p:cNvPr id="54" name="Connector: Elbow 53">
+            <a:extLst>
+              <a:ext uri="{FF2B5EF4-FFF2-40B4-BE49-F238E27FC236}">
+                <a16:creationId xmlns:a16="http://schemas.microsoft.com/office/drawing/2014/main" id="{7E4E344B-C51D-ADEA-D1B2-57458699E8D7}"/>
+              </a:ext>
+            </a:extLst>
+          </p:cNvPr>
+          <p:cNvCxnSpPr>
+            <a:stCxn id="52" idx="3"/>
+          </p:cNvCxnSpPr>
+          <p:nvPr/>
+        </p:nvCxnSpPr>
+        <p:spPr>
+          <a:xfrm flipV="1">
+            <a:off x="1414455" y="3882863"/>
+            <a:ext cx="574287" cy="667754"/>
+          </a:xfrm>
+          <a:prstGeom prst="bentConnector2">
+            <a:avLst/>
+          </a:prstGeom>
+        </p:spPr>
+        <p:style>
+          <a:lnRef idx="2">
+            <a:schemeClr val="dk1"/>
+          </a:lnRef>
+          <a:fillRef idx="0">
+            <a:schemeClr val="dk1"/>
+          </a:fillRef>
+          <a:effectRef idx="1">
+            <a:schemeClr val="dk1"/>
+          </a:effectRef>
+          <a:fontRef idx="minor">
+            <a:schemeClr val="tx1"/>
+          </a:fontRef>
+        </p:style>
+      </p:cxnSp>
+      <p:cxnSp>
+        <p:nvCxnSpPr>
+          <p:cNvPr id="56" name="Straight Connector 55">
+            <a:extLst>
+              <a:ext uri="{FF2B5EF4-FFF2-40B4-BE49-F238E27FC236}">
+                <a16:creationId xmlns:a16="http://schemas.microsoft.com/office/drawing/2014/main" id="{2EE63ABC-F220-928A-7340-1B32D07A9F22}"/>
+              </a:ext>
+            </a:extLst>
+          </p:cNvPr>
+          <p:cNvCxnSpPr>
+            <a:cxnSpLocks/>
+          </p:cNvCxnSpPr>
+          <p:nvPr/>
+        </p:nvCxnSpPr>
+        <p:spPr>
+          <a:xfrm>
+            <a:off x="4007429" y="3873338"/>
+            <a:ext cx="696169" cy="0"/>
+          </a:xfrm>
+          <a:prstGeom prst="line">
+            <a:avLst/>
+          </a:prstGeom>
+        </p:spPr>
+        <p:style>
+          <a:lnRef idx="2">
+            <a:schemeClr val="accent1"/>
+          </a:lnRef>
+          <a:fillRef idx="0">
+            <a:schemeClr val="accent1"/>
+          </a:fillRef>
+          <a:effectRef idx="1">
+            <a:schemeClr val="accent1"/>
+          </a:effectRef>
+          <a:fontRef idx="minor">
+            <a:schemeClr val="tx1"/>
+          </a:fontRef>
+        </p:style>
+      </p:cxnSp>
+      <p:sp>
+        <p:nvSpPr>
+          <p:cNvPr id="55" name="Rectangle 54">
+            <a:extLst>
+              <a:ext uri="{FF2B5EF4-FFF2-40B4-BE49-F238E27FC236}">
+                <a16:creationId xmlns:a16="http://schemas.microsoft.com/office/drawing/2014/main" id="{43BA59A3-76C5-A00D-1BF4-95B0D886CA07}"/>
+              </a:ext>
+            </a:extLst>
+          </p:cNvPr>
+          <p:cNvSpPr/>
+          <p:nvPr/>
+        </p:nvSpPr>
+        <p:spPr>
+          <a:xfrm>
+            <a:off x="4601099" y="3656987"/>
+            <a:ext cx="1056751" cy="851857"/>
+          </a:xfrm>
+          <a:prstGeom prst="rect">
+            <a:avLst/>
+          </a:prstGeom>
+          <a:solidFill>
+            <a:schemeClr val="bg1"/>
+          </a:solidFill>
+          <a:ln>
+            <a:solidFill>
+              <a:schemeClr val="tx1"/>
+            </a:solidFill>
+          </a:ln>
+        </p:spPr>
+        <p:style>
+          <a:lnRef idx="2">
+            <a:schemeClr val="accent1">
+              <a:shade val="50000"/>
+            </a:schemeClr>
+          </a:lnRef>
+          <a:fillRef idx="1">
+            <a:schemeClr val="accent1"/>
+          </a:fillRef>
+          <a:effectRef idx="0">
+            <a:schemeClr val="accent1"/>
+          </a:effectRef>
+          <a:fontRef idx="minor">
+            <a:schemeClr val="lt1"/>
+          </a:fontRef>
+        </p:style>
+        <p:txBody>
+          <a:bodyPr rtlCol="0" anchor="ctr"/>
+          <a:lstStyle/>
+          <a:p>
+            <a:r>
+              <a:rPr lang="en-US" sz="1050" b="1" dirty="0">
+                <a:solidFill>
+                  <a:schemeClr val="tx1"/>
+                </a:solidFill>
+              </a:rPr>
+              <a:t>IF IN_STATA:</a:t>
+            </a:r>
+          </a:p>
+          <a:p>
+            <a:r>
+              <a:rPr lang="en-US" sz="1050" b="1" dirty="0">
+                <a:solidFill>
+                  <a:schemeClr val="tx1"/>
+                </a:solidFill>
+              </a:rPr>
+              <a:t>  OUT =  1.01</a:t>
+            </a:r>
+          </a:p>
+          <a:p>
+            <a:r>
+              <a:rPr lang="en-US" sz="1050" b="1" dirty="0">
+                <a:solidFill>
+                  <a:schemeClr val="tx1"/>
+                </a:solidFill>
+              </a:rPr>
+              <a:t>ELSE</a:t>
+            </a:r>
+          </a:p>
+          <a:p>
+            <a:r>
+              <a:rPr lang="en-US" sz="1050" b="1" dirty="0">
+                <a:solidFill>
+                  <a:schemeClr val="tx1"/>
+                </a:solidFill>
+              </a:rPr>
+              <a:t>  OUT  = 1.02</a:t>
+            </a:r>
+          </a:p>
+          <a:p>
+            <a:r>
+              <a:rPr lang="en-US" sz="1050" b="1" dirty="0">
+                <a:solidFill>
+                  <a:schemeClr val="tx1"/>
+                </a:solidFill>
+              </a:rPr>
+              <a:t>END IF </a:t>
+            </a:r>
+          </a:p>
+        </p:txBody>
+      </p:sp>
+      <p:cxnSp>
+        <p:nvCxnSpPr>
+          <p:cNvPr id="58" name="Straight Connector 57">
+            <a:extLst>
+              <a:ext uri="{FF2B5EF4-FFF2-40B4-BE49-F238E27FC236}">
+                <a16:creationId xmlns:a16="http://schemas.microsoft.com/office/drawing/2014/main" id="{BD9C6E96-2E1A-83E6-57AE-D8121CDB345F}"/>
+              </a:ext>
+            </a:extLst>
+          </p:cNvPr>
+          <p:cNvCxnSpPr>
+            <a:cxnSpLocks/>
+          </p:cNvCxnSpPr>
+          <p:nvPr/>
+        </p:nvCxnSpPr>
+        <p:spPr>
+          <a:xfrm>
+            <a:off x="5682368" y="3867946"/>
+            <a:ext cx="318382" cy="0"/>
+          </a:xfrm>
+          <a:prstGeom prst="line">
+            <a:avLst/>
+          </a:prstGeom>
+        </p:spPr>
+        <p:style>
+          <a:lnRef idx="2">
+            <a:schemeClr val="accent1"/>
+          </a:lnRef>
+          <a:fillRef idx="0">
+            <a:schemeClr val="accent1"/>
+          </a:fillRef>
+          <a:effectRef idx="1">
+            <a:schemeClr val="accent1"/>
+          </a:effectRef>
+          <a:fontRef idx="minor">
+            <a:schemeClr val="tx1"/>
+          </a:fontRef>
+        </p:style>
+      </p:cxnSp>
+      <p:sp>
+        <p:nvSpPr>
+          <p:cNvPr id="63" name="Rectangle 62">
+            <a:extLst>
+              <a:ext uri="{FF2B5EF4-FFF2-40B4-BE49-F238E27FC236}">
+                <a16:creationId xmlns:a16="http://schemas.microsoft.com/office/drawing/2014/main" id="{9A2D6FA0-C812-BE26-75CD-AB5C167CD4DA}"/>
+              </a:ext>
+            </a:extLst>
+          </p:cNvPr>
+          <p:cNvSpPr/>
+          <p:nvPr/>
+        </p:nvSpPr>
+        <p:spPr>
+          <a:xfrm>
+            <a:off x="6025268" y="3744835"/>
+            <a:ext cx="790451" cy="246221"/>
+          </a:xfrm>
+          <a:prstGeom prst="rect">
+            <a:avLst/>
+          </a:prstGeom>
+          <a:solidFill>
+            <a:schemeClr val="bg1"/>
+          </a:solidFill>
+          <a:ln>
+            <a:solidFill>
+              <a:schemeClr val="tx1"/>
+            </a:solidFill>
+          </a:ln>
+        </p:spPr>
+        <p:style>
+          <a:lnRef idx="2">
+            <a:schemeClr val="accent1">
+              <a:shade val="50000"/>
+            </a:schemeClr>
+          </a:lnRef>
+          <a:fillRef idx="1">
+            <a:schemeClr val="accent1"/>
+          </a:fillRef>
+          <a:effectRef idx="0">
+            <a:schemeClr val="accent1"/>
+          </a:effectRef>
+          <a:fontRef idx="minor">
+            <a:schemeClr val="lt1"/>
+          </a:fontRef>
+        </p:style>
+        <p:txBody>
+          <a:bodyPr rtlCol="0" anchor="ctr"/>
+          <a:lstStyle/>
+          <a:p>
+            <a:r>
+              <a:rPr lang="en-US" sz="1050" b="1" dirty="0">
+                <a:solidFill>
+                  <a:schemeClr val="tx1"/>
+                </a:solidFill>
+              </a:rPr>
+              <a:t>Address</a:t>
+            </a:r>
+          </a:p>
+        </p:txBody>
+      </p:sp>
+      <p:sp>
+        <p:nvSpPr>
+          <p:cNvPr id="64" name="TextBox 63">
+            <a:extLst>
+              <a:ext uri="{FF2B5EF4-FFF2-40B4-BE49-F238E27FC236}">
+                <a16:creationId xmlns:a16="http://schemas.microsoft.com/office/drawing/2014/main" id="{BF344703-DFB7-1E8E-4CF8-D8B5F2FFEDA2}"/>
+              </a:ext>
+            </a:extLst>
+          </p:cNvPr>
+          <p:cNvSpPr txBox="1"/>
+          <p:nvPr/>
+        </p:nvSpPr>
+        <p:spPr>
+          <a:xfrm>
+            <a:off x="731205" y="3455997"/>
+            <a:ext cx="1159879" cy="276999"/>
+          </a:xfrm>
+          <a:prstGeom prst="rect">
+            <a:avLst/>
+          </a:prstGeom>
+          <a:noFill/>
+        </p:spPr>
+        <p:txBody>
+          <a:bodyPr wrap="square" rtlCol="0">
+            <a:spAutoFit/>
+          </a:bodyPr>
+          <a:lstStyle/>
+          <a:p>
+            <a:r>
+              <a:rPr lang="en-US" sz="1200" b="1" dirty="0"/>
+              <a:t>%M = 000002</a:t>
+            </a:r>
+            <a:endParaRPr lang="en-SG" sz="1200" b="1" dirty="0"/>
+          </a:p>
+        </p:txBody>
+      </p:sp>
+      <p:sp>
+        <p:nvSpPr>
+          <p:cNvPr id="65" name="TextBox 64">
+            <a:extLst>
+              <a:ext uri="{FF2B5EF4-FFF2-40B4-BE49-F238E27FC236}">
+                <a16:creationId xmlns:a16="http://schemas.microsoft.com/office/drawing/2014/main" id="{74DD2FD4-603A-8A83-8392-0AECC08189A7}"/>
+              </a:ext>
+            </a:extLst>
+          </p:cNvPr>
+          <p:cNvSpPr txBox="1"/>
+          <p:nvPr/>
+        </p:nvSpPr>
+        <p:spPr>
+          <a:xfrm>
+            <a:off x="764448" y="4140985"/>
+            <a:ext cx="1159879" cy="276999"/>
+          </a:xfrm>
+          <a:prstGeom prst="rect">
+            <a:avLst/>
+          </a:prstGeom>
+          <a:noFill/>
+        </p:spPr>
+        <p:txBody>
+          <a:bodyPr wrap="square" rtlCol="0">
+            <a:spAutoFit/>
+          </a:bodyPr>
+          <a:lstStyle/>
+          <a:p>
+            <a:r>
+              <a:rPr lang="en-US" sz="1200" b="1" dirty="0"/>
+              <a:t>%M = 000004</a:t>
+            </a:r>
+            <a:endParaRPr lang="en-SG" sz="1200" b="1" dirty="0"/>
+          </a:p>
+        </p:txBody>
+      </p:sp>
+      <p:sp>
+        <p:nvSpPr>
+          <p:cNvPr id="66" name="TextBox 65">
+            <a:extLst>
+              <a:ext uri="{FF2B5EF4-FFF2-40B4-BE49-F238E27FC236}">
+                <a16:creationId xmlns:a16="http://schemas.microsoft.com/office/drawing/2014/main" id="{C610D34F-D15E-EC9D-CB40-7F4F81786691}"/>
+              </a:ext>
+            </a:extLst>
+          </p:cNvPr>
+          <p:cNvSpPr txBox="1"/>
+          <p:nvPr/>
+        </p:nvSpPr>
+        <p:spPr>
+          <a:xfrm>
+            <a:off x="2165182" y="3416217"/>
+            <a:ext cx="1159879" cy="276999"/>
+          </a:xfrm>
+          <a:prstGeom prst="rect">
+            <a:avLst/>
+          </a:prstGeom>
+          <a:noFill/>
+        </p:spPr>
+        <p:txBody>
+          <a:bodyPr wrap="square" rtlCol="0">
+            <a:spAutoFit/>
+          </a:bodyPr>
+          <a:lstStyle/>
+          <a:p>
+            <a:r>
+              <a:rPr lang="en-US" sz="1200" b="1" dirty="0"/>
+              <a:t>%M = 000001</a:t>
+            </a:r>
+            <a:endParaRPr lang="en-SG" sz="1200" b="1" dirty="0"/>
+          </a:p>
+        </p:txBody>
+      </p:sp>
+      <p:sp>
+        <p:nvSpPr>
+          <p:cNvPr id="67" name="TextBox 66">
+            <a:extLst>
+              <a:ext uri="{FF2B5EF4-FFF2-40B4-BE49-F238E27FC236}">
+                <a16:creationId xmlns:a16="http://schemas.microsoft.com/office/drawing/2014/main" id="{37C8D56D-2DCE-2A19-3C30-079801C3F768}"/>
+              </a:ext>
+            </a:extLst>
+          </p:cNvPr>
+          <p:cNvSpPr txBox="1"/>
+          <p:nvPr/>
+        </p:nvSpPr>
+        <p:spPr>
+          <a:xfrm>
+            <a:off x="3302547" y="3425169"/>
+            <a:ext cx="1159879" cy="276999"/>
+          </a:xfrm>
+          <a:prstGeom prst="rect">
+            <a:avLst/>
+          </a:prstGeom>
+          <a:noFill/>
+        </p:spPr>
+        <p:txBody>
+          <a:bodyPr wrap="square" rtlCol="0">
+            <a:spAutoFit/>
+          </a:bodyPr>
+          <a:lstStyle/>
+          <a:p>
+            <a:r>
+              <a:rPr lang="en-US" sz="1200" b="1" dirty="0"/>
+              <a:t>%M = 000003</a:t>
+            </a:r>
+            <a:endParaRPr lang="en-SG" sz="1200" b="1" dirty="0"/>
+          </a:p>
+        </p:txBody>
+      </p:sp>
+      <p:sp>
+        <p:nvSpPr>
+          <p:cNvPr id="68" name="TextBox 67">
+            <a:extLst>
+              <a:ext uri="{FF2B5EF4-FFF2-40B4-BE49-F238E27FC236}">
+                <a16:creationId xmlns:a16="http://schemas.microsoft.com/office/drawing/2014/main" id="{94482AE2-44F9-5775-AF9E-D9BFB7637FFF}"/>
+              </a:ext>
+            </a:extLst>
+          </p:cNvPr>
+          <p:cNvSpPr txBox="1"/>
+          <p:nvPr/>
+        </p:nvSpPr>
+        <p:spPr>
+          <a:xfrm>
+            <a:off x="5844793" y="3428740"/>
+            <a:ext cx="1159879" cy="276999"/>
+          </a:xfrm>
+          <a:prstGeom prst="rect">
+            <a:avLst/>
+          </a:prstGeom>
+          <a:noFill/>
+        </p:spPr>
+        <p:txBody>
+          <a:bodyPr wrap="square" rtlCol="0">
+            <a:spAutoFit/>
+          </a:bodyPr>
+          <a:lstStyle/>
+          <a:p>
+            <a:r>
+              <a:rPr lang="en-US" sz="1200" b="1" dirty="0"/>
+              <a:t>%M = 000005</a:t>
+            </a:r>
+            <a:endParaRPr lang="en-SG" sz="1200" b="1" dirty="0"/>
+          </a:p>
+        </p:txBody>
+      </p:sp>
+    </p:spTree>
+    <p:extLst>
+      <p:ext uri="{BB962C8B-B14F-4D97-AF65-F5344CB8AC3E}">
+        <p14:creationId xmlns:p14="http://schemas.microsoft.com/office/powerpoint/2010/main" val="2638083767"/>
       </p:ext>
     </p:extLst>
   </p:cSld>
@@ -27745,7 +29356,7 @@
         </p:nvSpPr>
         <p:spPr>
           <a:xfrm>
-            <a:off x="4465657" y="1197864"/>
+            <a:off x="4599007" y="1502664"/>
             <a:ext cx="3764376" cy="4669465"/>
           </a:xfrm>
           <a:prstGeom prst="rect">
@@ -27799,7 +29410,7 @@
         </p:nvCxnSpPr>
         <p:spPr>
           <a:xfrm>
-            <a:off x="4107287" y="766748"/>
+            <a:off x="4240637" y="1071548"/>
             <a:ext cx="0" cy="5378020"/>
           </a:xfrm>
           <a:prstGeom prst="line">
@@ -27843,7 +29454,7 @@
         </p:nvSpPr>
         <p:spPr>
           <a:xfrm>
-            <a:off x="336697" y="1197864"/>
+            <a:off x="470047" y="1502664"/>
             <a:ext cx="3476351" cy="4669465"/>
           </a:xfrm>
           <a:prstGeom prst="rect">
@@ -27909,7 +29520,7 @@
         </p:blipFill>
         <p:spPr>
           <a:xfrm>
-            <a:off x="466155" y="1505641"/>
+            <a:off x="599505" y="1810441"/>
             <a:ext cx="3290555" cy="1863919"/>
           </a:xfrm>
           <a:prstGeom prst="rect">
@@ -27936,7 +29547,7 @@
         </p:nvSpPr>
         <p:spPr>
           <a:xfrm>
-            <a:off x="275408" y="754486"/>
+            <a:off x="408758" y="1059286"/>
             <a:ext cx="3211175" cy="307777"/>
           </a:xfrm>
           <a:prstGeom prst="rect">
@@ -27972,7 +29583,7 @@
         </p:nvSpPr>
         <p:spPr>
           <a:xfrm>
-            <a:off x="3459417" y="3767331"/>
+            <a:off x="3592767" y="4072131"/>
             <a:ext cx="1478344" cy="429658"/>
           </a:xfrm>
           <a:prstGeom prst="rect">
@@ -28024,7 +29635,7 @@
         </p:nvSpPr>
         <p:spPr>
           <a:xfrm>
-            <a:off x="336697" y="1225291"/>
+            <a:off x="470047" y="1530091"/>
             <a:ext cx="2528203" cy="307777"/>
           </a:xfrm>
           <a:prstGeom prst="rect">
@@ -28074,7 +29685,7 @@
         </p:nvCxnSpPr>
         <p:spPr>
           <a:xfrm>
-            <a:off x="630936" y="3369560"/>
+            <a:off x="764286" y="3674360"/>
             <a:ext cx="0" cy="2208280"/>
           </a:xfrm>
           <a:prstGeom prst="line">
@@ -28110,7 +29721,7 @@
         </p:nvSpPr>
         <p:spPr>
           <a:xfrm>
-            <a:off x="852942" y="3547765"/>
+            <a:off x="986292" y="3852565"/>
             <a:ext cx="1892977" cy="295727"/>
           </a:xfrm>
           <a:prstGeom prst="rect">
@@ -28170,7 +29781,7 @@
         </p:nvSpPr>
         <p:spPr>
           <a:xfrm>
-            <a:off x="852942" y="4021697"/>
+            <a:off x="986292" y="4326497"/>
             <a:ext cx="2076186" cy="301751"/>
           </a:xfrm>
           <a:prstGeom prst="rect">
@@ -28230,7 +29841,7 @@
         </p:nvSpPr>
         <p:spPr>
           <a:xfrm>
-            <a:off x="852942" y="4449909"/>
+            <a:off x="986292" y="4754709"/>
             <a:ext cx="1783578" cy="301751"/>
           </a:xfrm>
           <a:prstGeom prst="rect">
@@ -28290,7 +29901,7 @@
         </p:nvSpPr>
         <p:spPr>
           <a:xfrm>
-            <a:off x="852932" y="4905549"/>
+            <a:off x="986282" y="5210349"/>
             <a:ext cx="2092701" cy="301751"/>
           </a:xfrm>
           <a:prstGeom prst="rect">
@@ -28350,7 +29961,7 @@
         </p:nvSpPr>
         <p:spPr>
           <a:xfrm>
-            <a:off x="3443412" y="5075649"/>
+            <a:off x="3576762" y="5380449"/>
             <a:ext cx="1478340" cy="429658"/>
           </a:xfrm>
           <a:prstGeom prst="rect">
@@ -28402,7 +30013,7 @@
         </p:nvSpPr>
         <p:spPr>
           <a:xfrm>
-            <a:off x="837189" y="5397769"/>
+            <a:off x="970539" y="5702569"/>
             <a:ext cx="2076196" cy="301751"/>
           </a:xfrm>
           <a:prstGeom prst="rect">
@@ -28465,7 +30076,7 @@
         </p:nvCxnSpPr>
         <p:spPr>
           <a:xfrm>
-            <a:off x="630936" y="3695629"/>
+            <a:off x="764286" y="4000429"/>
             <a:ext cx="222006" cy="0"/>
           </a:xfrm>
           <a:prstGeom prst="line">
@@ -28503,7 +30114,7 @@
         </p:nvCxnSpPr>
         <p:spPr>
           <a:xfrm>
-            <a:off x="630936" y="4178807"/>
+            <a:off x="764286" y="4483607"/>
             <a:ext cx="222006" cy="0"/>
           </a:xfrm>
           <a:prstGeom prst="line">
@@ -28541,7 +30152,7 @@
         </p:nvCxnSpPr>
         <p:spPr>
           <a:xfrm>
-            <a:off x="630936" y="4606981"/>
+            <a:off x="764286" y="4911781"/>
             <a:ext cx="222006" cy="0"/>
           </a:xfrm>
           <a:prstGeom prst="line">
@@ -28579,7 +30190,7 @@
         </p:nvCxnSpPr>
         <p:spPr>
           <a:xfrm>
-            <a:off x="630936" y="5024420"/>
+            <a:off x="764286" y="5329220"/>
             <a:ext cx="222006" cy="0"/>
           </a:xfrm>
           <a:prstGeom prst="line">
@@ -28617,7 +30228,7 @@
         </p:nvCxnSpPr>
         <p:spPr>
           <a:xfrm>
-            <a:off x="630936" y="5577840"/>
+            <a:off x="764286" y="5882640"/>
             <a:ext cx="222006" cy="0"/>
           </a:xfrm>
           <a:prstGeom prst="line">
@@ -28657,7 +30268,7 @@
         </p:nvCxnSpPr>
         <p:spPr>
           <a:xfrm flipV="1">
-            <a:off x="2945633" y="3982160"/>
+            <a:off x="3078983" y="4286960"/>
             <a:ext cx="513784" cy="1074265"/>
           </a:xfrm>
           <a:prstGeom prst="bentConnector3">
@@ -28698,7 +30309,7 @@
         </p:nvCxnSpPr>
         <p:spPr>
           <a:xfrm flipV="1">
-            <a:off x="2636520" y="4606981"/>
+            <a:off x="2769870" y="4911781"/>
             <a:ext cx="554736" cy="4501"/>
           </a:xfrm>
           <a:prstGeom prst="line">
@@ -28739,7 +30350,7 @@
         </p:nvCxnSpPr>
         <p:spPr>
           <a:xfrm>
-            <a:off x="2929128" y="4178807"/>
+            <a:off x="3062478" y="4483607"/>
             <a:ext cx="262128" cy="0"/>
           </a:xfrm>
           <a:prstGeom prst="line">
@@ -28780,7 +30391,7 @@
         </p:nvCxnSpPr>
         <p:spPr>
           <a:xfrm>
-            <a:off x="2745919" y="3700130"/>
+            <a:off x="2879269" y="4004930"/>
             <a:ext cx="445337" cy="0"/>
           </a:xfrm>
           <a:prstGeom prst="line">
@@ -28821,7 +30432,7 @@
         </p:nvCxnSpPr>
         <p:spPr>
           <a:xfrm>
-            <a:off x="3200400" y="3695629"/>
+            <a:off x="3333750" y="4000429"/>
             <a:ext cx="0" cy="391739"/>
           </a:xfrm>
           <a:prstGeom prst="line">
@@ -28864,7 +30475,7 @@
         </p:nvCxnSpPr>
         <p:spPr>
           <a:xfrm flipV="1">
-            <a:off x="2913385" y="5290478"/>
+            <a:off x="3046735" y="5595278"/>
             <a:ext cx="530027" cy="258167"/>
           </a:xfrm>
           <a:prstGeom prst="bentConnector3">
@@ -28905,7 +30516,7 @@
         </p:nvSpPr>
         <p:spPr>
           <a:xfrm>
-            <a:off x="4517710" y="1225291"/>
+            <a:off x="4651060" y="1530091"/>
             <a:ext cx="3437569" cy="307777"/>
           </a:xfrm>
           <a:prstGeom prst="rect">
@@ -28953,7 +30564,7 @@
         </p:nvSpPr>
         <p:spPr>
           <a:xfrm>
-            <a:off x="4465657" y="766748"/>
+            <a:off x="4599007" y="1071548"/>
             <a:ext cx="3211175" cy="307777"/>
           </a:xfrm>
           <a:prstGeom prst="rect">
@@ -28989,7 +30600,7 @@
         </p:nvSpPr>
         <p:spPr>
           <a:xfrm>
-            <a:off x="5271133" y="3678899"/>
+            <a:off x="5404483" y="3983699"/>
             <a:ext cx="800111" cy="295727"/>
           </a:xfrm>
           <a:prstGeom prst="rect">
@@ -29048,7 +30659,7 @@
         </p:nvSpPr>
         <p:spPr>
           <a:xfrm>
-            <a:off x="5267442" y="4064456"/>
+            <a:off x="5400792" y="4369256"/>
             <a:ext cx="800111" cy="295727"/>
           </a:xfrm>
           <a:prstGeom prst="rect">
@@ -29107,7 +30718,7 @@
         </p:nvSpPr>
         <p:spPr>
           <a:xfrm>
-            <a:off x="5267441" y="4431725"/>
+            <a:off x="5400791" y="4736525"/>
             <a:ext cx="800111" cy="295727"/>
           </a:xfrm>
           <a:prstGeom prst="rect">
@@ -29170,7 +30781,7 @@
         </p:nvCxnSpPr>
         <p:spPr>
           <a:xfrm rot="10800000">
-            <a:off x="4937761" y="3982161"/>
+            <a:off x="5071111" y="4286961"/>
             <a:ext cx="329680" cy="597429"/>
           </a:xfrm>
           <a:prstGeom prst="bentConnector3">
@@ -29214,7 +30825,7 @@
         </p:nvCxnSpPr>
         <p:spPr>
           <a:xfrm>
-            <a:off x="5102600" y="4212319"/>
+            <a:off x="5235950" y="4517119"/>
             <a:ext cx="164842" cy="1"/>
           </a:xfrm>
           <a:prstGeom prst="line">
@@ -29256,7 +30867,7 @@
         </p:nvCxnSpPr>
         <p:spPr>
           <a:xfrm rot="5400000" flipH="1" flipV="1">
-            <a:off x="5068020" y="3861344"/>
+            <a:off x="5201370" y="4166144"/>
             <a:ext cx="237693" cy="168533"/>
           </a:xfrm>
           <a:prstGeom prst="bentConnector2">
@@ -29295,7 +30906,7 @@
         </p:nvSpPr>
         <p:spPr>
           <a:xfrm>
-            <a:off x="4937760" y="3409265"/>
+            <a:off x="5071110" y="3714065"/>
             <a:ext cx="1478344" cy="276999"/>
           </a:xfrm>
           <a:prstGeom prst="rect">
@@ -29331,7 +30942,7 @@
         </p:nvSpPr>
         <p:spPr>
           <a:xfrm>
-            <a:off x="4876864" y="4801032"/>
+            <a:off x="5010214" y="5105832"/>
             <a:ext cx="1539240" cy="276999"/>
           </a:xfrm>
           <a:prstGeom prst="rect">
@@ -29367,7 +30978,7 @@
         </p:nvSpPr>
         <p:spPr>
           <a:xfrm>
-            <a:off x="5260329" y="5093046"/>
+            <a:off x="5393679" y="5397846"/>
             <a:ext cx="800111" cy="295727"/>
           </a:xfrm>
           <a:prstGeom prst="rect">
@@ -29426,7 +31037,7 @@
         </p:nvSpPr>
         <p:spPr>
           <a:xfrm>
-            <a:off x="5256638" y="5478603"/>
+            <a:off x="5389988" y="5783403"/>
             <a:ext cx="800111" cy="295727"/>
           </a:xfrm>
           <a:prstGeom prst="rect">
@@ -29489,7 +31100,7 @@
         </p:nvCxnSpPr>
         <p:spPr>
           <a:xfrm rot="10800000">
-            <a:off x="4921752" y="5290479"/>
+            <a:off x="5055102" y="5595279"/>
             <a:ext cx="334886" cy="335989"/>
           </a:xfrm>
           <a:prstGeom prst="bentConnector3">
@@ -29533,7 +31144,7 @@
         </p:nvCxnSpPr>
         <p:spPr>
           <a:xfrm rot="10800000" flipV="1">
-            <a:off x="5080743" y="5240909"/>
+            <a:off x="5214093" y="5545709"/>
             <a:ext cx="179586" cy="44863"/>
           </a:xfrm>
           <a:prstGeom prst="bentConnector3">
@@ -29574,7 +31185,7 @@
         </p:nvSpPr>
         <p:spPr>
           <a:xfrm>
-            <a:off x="6847731" y="3962364"/>
+            <a:off x="6981081" y="4267164"/>
             <a:ext cx="713346" cy="736098"/>
           </a:xfrm>
           <a:prstGeom prst="rect">
@@ -29633,7 +31244,7 @@
         </p:nvSpPr>
         <p:spPr>
           <a:xfrm>
-            <a:off x="6862225" y="4963422"/>
+            <a:off x="6995575" y="5268222"/>
             <a:ext cx="713345" cy="736098"/>
           </a:xfrm>
           <a:prstGeom prst="rect">
@@ -29694,7 +31305,7 @@
         </p:nvCxnSpPr>
         <p:spPr>
           <a:xfrm>
-            <a:off x="6423589" y="3190002"/>
+            <a:off x="6556939" y="3494802"/>
             <a:ext cx="0" cy="2502650"/>
           </a:xfrm>
           <a:prstGeom prst="line">
@@ -29732,7 +31343,7 @@
         </p:nvCxnSpPr>
         <p:spPr>
           <a:xfrm flipH="1">
-            <a:off x="6623368" y="3369560"/>
+            <a:off x="6756718" y="3674360"/>
             <a:ext cx="0" cy="2156584"/>
           </a:xfrm>
           <a:prstGeom prst="line">
@@ -29776,7 +31387,7 @@
         </p:nvCxnSpPr>
         <p:spPr>
           <a:xfrm>
-            <a:off x="6067552" y="3869364"/>
+            <a:off x="6200902" y="4174164"/>
             <a:ext cx="347200" cy="0"/>
           </a:xfrm>
           <a:prstGeom prst="line">
@@ -29813,7 +31424,7 @@
         </p:nvCxnSpPr>
         <p:spPr>
           <a:xfrm>
-            <a:off x="6067552" y="4211541"/>
+            <a:off x="6200902" y="4516341"/>
             <a:ext cx="348552" cy="0"/>
           </a:xfrm>
           <a:prstGeom prst="line">
@@ -29850,7 +31461,7 @@
         </p:nvCxnSpPr>
         <p:spPr>
           <a:xfrm>
-            <a:off x="6056749" y="4579588"/>
+            <a:off x="6190099" y="4884388"/>
             <a:ext cx="348552" cy="0"/>
           </a:xfrm>
           <a:prstGeom prst="line">
@@ -29887,7 +31498,7 @@
         </p:nvCxnSpPr>
         <p:spPr>
           <a:xfrm>
-            <a:off x="6056749" y="5240909"/>
+            <a:off x="6190099" y="5545709"/>
             <a:ext cx="348552" cy="0"/>
           </a:xfrm>
           <a:prstGeom prst="line">
@@ -29924,7 +31535,7 @@
         </p:nvCxnSpPr>
         <p:spPr>
           <a:xfrm>
-            <a:off x="6058408" y="5672448"/>
+            <a:off x="6191758" y="5977248"/>
             <a:ext cx="348552" cy="0"/>
           </a:xfrm>
           <a:prstGeom prst="line">
@@ -29963,7 +31574,7 @@
         </p:nvCxnSpPr>
         <p:spPr>
           <a:xfrm flipH="1">
-            <a:off x="6414752" y="5598910"/>
+            <a:off x="6548102" y="5903710"/>
             <a:ext cx="414690" cy="0"/>
           </a:xfrm>
           <a:prstGeom prst="line">
@@ -29999,7 +31610,7 @@
         </p:nvCxnSpPr>
         <p:spPr>
           <a:xfrm>
-            <a:off x="10543032" y="5207300"/>
+            <a:off x="10676382" y="5512100"/>
             <a:ext cx="0" cy="0"/>
           </a:xfrm>
           <a:prstGeom prst="line">
@@ -30037,7 +31648,7 @@
         </p:nvCxnSpPr>
         <p:spPr>
           <a:xfrm>
-            <a:off x="6090849" y="3713483"/>
+            <a:off x="6224199" y="4018283"/>
             <a:ext cx="531248" cy="0"/>
           </a:xfrm>
           <a:prstGeom prst="line">
@@ -30081,7 +31692,7 @@
         </p:nvCxnSpPr>
         <p:spPr>
           <a:xfrm>
-            <a:off x="6090849" y="4087368"/>
+            <a:off x="6224199" y="4392168"/>
             <a:ext cx="531248" cy="0"/>
           </a:xfrm>
           <a:prstGeom prst="line">
@@ -30125,7 +31736,7 @@
         </p:nvCxnSpPr>
         <p:spPr>
           <a:xfrm>
-            <a:off x="6067552" y="4489831"/>
+            <a:off x="6200902" y="4794631"/>
             <a:ext cx="531248" cy="0"/>
           </a:xfrm>
           <a:prstGeom prst="line">
@@ -30169,7 +31780,7 @@
         </p:nvCxnSpPr>
         <p:spPr>
           <a:xfrm>
-            <a:off x="6081705" y="5102190"/>
+            <a:off x="6215055" y="5406990"/>
             <a:ext cx="531248" cy="0"/>
           </a:xfrm>
           <a:prstGeom prst="line">
@@ -30213,7 +31824,7 @@
         </p:nvCxnSpPr>
         <p:spPr>
           <a:xfrm>
-            <a:off x="6067552" y="5505307"/>
+            <a:off x="6200902" y="5810107"/>
             <a:ext cx="554545" cy="0"/>
           </a:xfrm>
           <a:prstGeom prst="line">
@@ -30258,7 +31869,7 @@
         </p:nvCxnSpPr>
         <p:spPr>
           <a:xfrm flipH="1" flipV="1">
-            <a:off x="6622097" y="4315861"/>
+            <a:off x="6755447" y="4620661"/>
             <a:ext cx="225634" cy="0"/>
           </a:xfrm>
           <a:prstGeom prst="line">
@@ -30300,7 +31911,7 @@
         </p:nvSpPr>
         <p:spPr>
           <a:xfrm>
-            <a:off x="4657068" y="1614135"/>
+            <a:off x="4790418" y="1918935"/>
             <a:ext cx="2010494" cy="292817"/>
           </a:xfrm>
           <a:prstGeom prst="rect">
@@ -30368,7 +31979,7 @@
         </p:blipFill>
         <p:spPr>
           <a:xfrm>
-            <a:off x="7067047" y="3065461"/>
+            <a:off x="7200397" y="3370261"/>
             <a:ext cx="713345" cy="620803"/>
           </a:xfrm>
           <a:prstGeom prst="rect">
@@ -30395,7 +32006,7 @@
         </p:nvSpPr>
         <p:spPr>
           <a:xfrm>
-            <a:off x="6698721" y="2610717"/>
+            <a:off x="6832071" y="2915517"/>
             <a:ext cx="1631941" cy="461665"/>
           </a:xfrm>
           <a:prstGeom prst="rect">
@@ -30435,7 +32046,7 @@
         </p:nvCxnSpPr>
         <p:spPr>
           <a:xfrm rot="10800000" flipH="1" flipV="1">
-            <a:off x="7067047" y="3375863"/>
+            <a:off x="7200397" y="3680663"/>
             <a:ext cx="494030" cy="954550"/>
           </a:xfrm>
           <a:prstGeom prst="bentConnector5">
@@ -30479,7 +32090,7 @@
         </p:nvCxnSpPr>
         <p:spPr>
           <a:xfrm flipH="1">
-            <a:off x="7575570" y="3375863"/>
+            <a:off x="7708920" y="3680663"/>
             <a:ext cx="204822" cy="1955608"/>
           </a:xfrm>
           <a:prstGeom prst="bentConnector3">
@@ -30517,7 +32128,7 @@
         </p:nvSpPr>
         <p:spPr>
           <a:xfrm>
-            <a:off x="4673857" y="2893988"/>
+            <a:off x="4807207" y="3198788"/>
             <a:ext cx="2046968" cy="296014"/>
           </a:xfrm>
           <a:prstGeom prst="rect">
@@ -30577,7 +32188,7 @@
         </p:nvCxnSpPr>
         <p:spPr>
           <a:xfrm>
-            <a:off x="6640384" y="3150469"/>
+            <a:off x="6773734" y="3455269"/>
             <a:ext cx="408514" cy="0"/>
           </a:xfrm>
           <a:prstGeom prst="line">
@@ -30616,7 +32227,7 @@
         </p:nvCxnSpPr>
         <p:spPr>
           <a:xfrm rot="10800000">
-            <a:off x="5697341" y="3190002"/>
+            <a:off x="5830691" y="3494802"/>
             <a:ext cx="913756" cy="167140"/>
           </a:xfrm>
           <a:prstGeom prst="bentConnector2">
@@ -30660,7 +32271,7 @@
         </p:nvCxnSpPr>
         <p:spPr>
           <a:xfrm>
-            <a:off x="5079828" y="1906952"/>
+            <a:off x="5213178" y="2211752"/>
             <a:ext cx="0" cy="987036"/>
           </a:xfrm>
           <a:prstGeom prst="line">
@@ -30696,7 +32307,7 @@
         </p:nvSpPr>
         <p:spPr>
           <a:xfrm>
-            <a:off x="7034808" y="1707534"/>
+            <a:off x="7168158" y="2012334"/>
             <a:ext cx="1070290" cy="281016"/>
           </a:xfrm>
           <a:prstGeom prst="rect">
@@ -30748,7 +32359,7 @@
         </p:nvSpPr>
         <p:spPr>
           <a:xfrm>
-            <a:off x="7025932" y="2245573"/>
+            <a:off x="7159282" y="2550373"/>
             <a:ext cx="1070290" cy="281016"/>
           </a:xfrm>
           <a:prstGeom prst="rect">
@@ -30800,7 +32411,7 @@
         </p:nvSpPr>
         <p:spPr>
           <a:xfrm>
-            <a:off x="5431940" y="2160642"/>
+            <a:off x="5565290" y="2465442"/>
             <a:ext cx="1070291" cy="457697"/>
           </a:xfrm>
           <a:prstGeom prst="rect">
@@ -30863,7 +32474,7 @@
         </p:nvCxnSpPr>
         <p:spPr>
           <a:xfrm rot="16200000" flipH="1">
-            <a:off x="5091906" y="2049456"/>
+            <a:off x="5225256" y="2354256"/>
             <a:ext cx="476019" cy="204050"/>
           </a:xfrm>
           <a:prstGeom prst="bentConnector2">
@@ -30903,7 +32514,7 @@
         </p:nvCxnSpPr>
         <p:spPr>
           <a:xfrm flipV="1">
-            <a:off x="6502231" y="1848042"/>
+            <a:off x="6635581" y="2152842"/>
             <a:ext cx="532577" cy="541449"/>
           </a:xfrm>
           <a:prstGeom prst="bentConnector3">
@@ -30945,7 +32556,7 @@
         </p:nvCxnSpPr>
         <p:spPr>
           <a:xfrm flipV="1">
-            <a:off x="6502231" y="2386081"/>
+            <a:off x="6635581" y="2690881"/>
             <a:ext cx="523701" cy="3410"/>
           </a:xfrm>
           <a:prstGeom prst="bentConnector3">
@@ -30985,7 +32596,7 @@
         </p:nvCxnSpPr>
         <p:spPr>
           <a:xfrm>
-            <a:off x="8429351" y="766748"/>
+            <a:off x="8562701" y="1071548"/>
             <a:ext cx="0" cy="5378020"/>
           </a:xfrm>
           <a:prstGeom prst="line">
@@ -31029,7 +32640,7 @@
         </p:nvSpPr>
         <p:spPr>
           <a:xfrm>
-            <a:off x="8641240" y="1197864"/>
+            <a:off x="8774590" y="1502664"/>
             <a:ext cx="3005023" cy="4669465"/>
           </a:xfrm>
           <a:prstGeom prst="rect">
@@ -31081,7 +32692,7 @@
         </p:nvSpPr>
         <p:spPr>
           <a:xfrm>
-            <a:off x="8649948" y="1225291"/>
+            <a:off x="8783298" y="1530091"/>
             <a:ext cx="3048369" cy="307777"/>
           </a:xfrm>
           <a:prstGeom prst="rect">
@@ -31129,7 +32740,7 @@
         </p:nvSpPr>
         <p:spPr>
           <a:xfrm>
-            <a:off x="8949328" y="2245573"/>
+            <a:off x="9082678" y="2550373"/>
             <a:ext cx="1070290" cy="281016"/>
           </a:xfrm>
           <a:prstGeom prst="rect">
@@ -31181,7 +32792,7 @@
         </p:nvSpPr>
         <p:spPr>
           <a:xfrm>
-            <a:off x="6973083" y="1959788"/>
+            <a:off x="7106433" y="2264588"/>
             <a:ext cx="1328590" cy="246221"/>
           </a:xfrm>
           <a:prstGeom prst="rect">
@@ -31229,7 +32840,7 @@
         </p:nvSpPr>
         <p:spPr>
           <a:xfrm>
-            <a:off x="7011029" y="2475256"/>
+            <a:off x="7144379" y="2780056"/>
             <a:ext cx="1247646" cy="246221"/>
           </a:xfrm>
           <a:prstGeom prst="rect">
@@ -31277,7 +32888,7 @@
         </p:nvSpPr>
         <p:spPr>
           <a:xfrm>
-            <a:off x="10169876" y="2245573"/>
+            <a:off x="10303226" y="2550373"/>
             <a:ext cx="1070290" cy="281016"/>
           </a:xfrm>
           <a:prstGeom prst="rect">
@@ -31332,7 +32943,7 @@
         </p:nvCxnSpPr>
         <p:spPr>
           <a:xfrm>
-            <a:off x="8096222" y="2386081"/>
+            <a:off x="8229572" y="2690881"/>
             <a:ext cx="853106" cy="0"/>
           </a:xfrm>
           <a:prstGeom prst="straightConnector1">
@@ -31375,7 +32986,7 @@
         </p:nvSpPr>
         <p:spPr>
           <a:xfrm>
-            <a:off x="8628670" y="766748"/>
+            <a:off x="8762020" y="1071548"/>
             <a:ext cx="3211175" cy="307777"/>
           </a:xfrm>
           <a:prstGeom prst="rect">
@@ -31414,7 +33025,7 @@
         </p:nvCxnSpPr>
         <p:spPr>
           <a:xfrm>
-            <a:off x="8105098" y="1848042"/>
+            <a:off x="8238448" y="2152842"/>
             <a:ext cx="2599923" cy="397531"/>
           </a:xfrm>
           <a:prstGeom prst="bentConnector2">
@@ -31453,7 +33064,7 @@
         </p:nvSpPr>
         <p:spPr>
           <a:xfrm>
-            <a:off x="8590592" y="1988550"/>
+            <a:off x="8723942" y="2293350"/>
             <a:ext cx="1478344" cy="276999"/>
           </a:xfrm>
           <a:prstGeom prst="rect">
@@ -31489,7 +33100,7 @@
         </p:nvSpPr>
         <p:spPr>
           <a:xfrm>
-            <a:off x="10691516" y="1783908"/>
+            <a:off x="10824866" y="2088708"/>
             <a:ext cx="1092334" cy="461665"/>
           </a:xfrm>
           <a:prstGeom prst="rect">
@@ -31525,7 +33136,7 @@
         </p:nvSpPr>
         <p:spPr>
           <a:xfrm>
-            <a:off x="8982552" y="3135983"/>
+            <a:off x="9115902" y="3440783"/>
             <a:ext cx="1544041" cy="296014"/>
           </a:xfrm>
           <a:prstGeom prst="rect">
@@ -31585,7 +33196,7 @@
         </p:nvSpPr>
         <p:spPr>
           <a:xfrm>
-            <a:off x="9484473" y="2718549"/>
+            <a:off x="9617823" y="3023349"/>
             <a:ext cx="1830550" cy="296014"/>
           </a:xfrm>
           <a:prstGeom prst="rect">
@@ -31647,7 +33258,7 @@
         </p:nvCxnSpPr>
         <p:spPr>
           <a:xfrm>
-            <a:off x="9153144" y="2526589"/>
+            <a:off x="9286494" y="2831389"/>
             <a:ext cx="0" cy="623880"/>
           </a:xfrm>
           <a:prstGeom prst="line">
@@ -31690,7 +33301,7 @@
         </p:nvCxnSpPr>
         <p:spPr>
           <a:xfrm>
-            <a:off x="10686288" y="2526589"/>
+            <a:off x="10819638" y="2831389"/>
             <a:ext cx="0" cy="194888"/>
           </a:xfrm>
           <a:prstGeom prst="line">
@@ -31733,7 +33344,7 @@
         </p:nvCxnSpPr>
         <p:spPr>
           <a:xfrm>
-            <a:off x="9707880" y="3446726"/>
+            <a:off x="9841230" y="3751526"/>
             <a:ext cx="0" cy="165154"/>
           </a:xfrm>
           <a:prstGeom prst="line">
@@ -31776,7 +33387,7 @@
         </p:nvCxnSpPr>
         <p:spPr>
           <a:xfrm>
-            <a:off x="10710672" y="3001208"/>
+            <a:off x="10844022" y="3306008"/>
             <a:ext cx="0" cy="636904"/>
           </a:xfrm>
           <a:prstGeom prst="line">
@@ -31819,7 +33430,7 @@
         </p:nvCxnSpPr>
         <p:spPr>
           <a:xfrm>
-            <a:off x="9933439" y="3934128"/>
+            <a:off x="10066789" y="4238928"/>
             <a:ext cx="0" cy="244679"/>
           </a:xfrm>
           <a:prstGeom prst="line">
@@ -31860,7 +33471,7 @@
         </p:nvSpPr>
         <p:spPr>
           <a:xfrm>
-            <a:off x="8982552" y="3623183"/>
+            <a:off x="9115902" y="3927983"/>
             <a:ext cx="2046968" cy="296014"/>
           </a:xfrm>
           <a:prstGeom prst="rect">
@@ -31934,7 +33545,7 @@
         </p:blipFill>
         <p:spPr>
           <a:xfrm>
-            <a:off x="8861023" y="4138551"/>
+            <a:off x="8994373" y="4443351"/>
             <a:ext cx="2677947" cy="1533897"/>
           </a:xfrm>
           <a:prstGeom prst="rect">
@@ -31947,6 +33558,96 @@
           </a:ln>
         </p:spPr>
       </p:pic>
+      <p:sp>
+        <p:nvSpPr>
+          <p:cNvPr id="2" name="TextBox 1">
+            <a:extLst>
+              <a:ext uri="{FF2B5EF4-FFF2-40B4-BE49-F238E27FC236}">
+                <a16:creationId xmlns:a16="http://schemas.microsoft.com/office/drawing/2014/main" id="{2096BB40-06A0-F31E-0148-DA298030457F}"/>
+              </a:ext>
+            </a:extLst>
+          </p:cNvPr>
+          <p:cNvSpPr txBox="1"/>
+          <p:nvPr/>
+        </p:nvSpPr>
+        <p:spPr>
+          <a:xfrm>
+            <a:off x="470047" y="460438"/>
+            <a:ext cx="9813723" cy="400110"/>
+          </a:xfrm>
+          <a:prstGeom prst="rect">
+            <a:avLst/>
+          </a:prstGeom>
+          <a:noFill/>
+          <a:ln w="12700">
+            <a:solidFill>
+              <a:schemeClr val="tx1"/>
+            </a:solidFill>
+            <a:prstDash val="sysDash"/>
+          </a:ln>
+        </p:spPr>
+        <p:txBody>
+          <a:bodyPr wrap="square" rtlCol="0">
+            <a:spAutoFit/>
+          </a:bodyPr>
+          <a:lstStyle/>
+          <a:p>
+            <a:r>
+              <a:rPr lang="en-US" sz="2000" b="1" dirty="0"/>
+              <a:t>Python Virtual PLC/RTU  Simulator with IEC-60870-5-104 Communication Protocol </a:t>
+            </a:r>
+            <a:endParaRPr lang="en-SG" sz="2000" b="1" dirty="0"/>
+          </a:p>
+        </p:txBody>
+      </p:sp>
+      <p:sp>
+        <p:nvSpPr>
+          <p:cNvPr id="3" name="TextBox 2">
+            <a:extLst>
+              <a:ext uri="{FF2B5EF4-FFF2-40B4-BE49-F238E27FC236}">
+                <a16:creationId xmlns:a16="http://schemas.microsoft.com/office/drawing/2014/main" id="{8CD987F9-0801-DEA6-8F29-D80CA2A95758}"/>
+              </a:ext>
+            </a:extLst>
+          </p:cNvPr>
+          <p:cNvSpPr txBox="1"/>
+          <p:nvPr/>
+        </p:nvSpPr>
+        <p:spPr>
+          <a:xfrm>
+            <a:off x="3277079" y="4560425"/>
+            <a:ext cx="1171512" cy="707886"/>
+          </a:xfrm>
+          <a:prstGeom prst="rect">
+            <a:avLst/>
+          </a:prstGeom>
+          <a:noFill/>
+        </p:spPr>
+        <p:txBody>
+          <a:bodyPr wrap="square" rtlCol="0">
+            <a:spAutoFit/>
+          </a:bodyPr>
+          <a:lstStyle/>
+          <a:p>
+            <a:r>
+              <a:rPr lang="en-US" sz="1000" b="1" dirty="0"/>
+              <a:t>Simulated </a:t>
+            </a:r>
+          </a:p>
+          <a:p>
+            <a:r>
+              <a:rPr lang="en-US" sz="1000" b="1" dirty="0"/>
+              <a:t>analog /digital electrical </a:t>
+            </a:r>
+          </a:p>
+          <a:p>
+            <a:r>
+              <a:rPr lang="en-US" sz="1000" b="1" dirty="0"/>
+              <a:t>signals</a:t>
+            </a:r>
+            <a:endParaRPr lang="en-SG" sz="1000" b="1" dirty="0"/>
+          </a:p>
+        </p:txBody>
+      </p:sp>
     </p:spTree>
     <p:extLst>
       <p:ext uri="{BB962C8B-B14F-4D97-AF65-F5344CB8AC3E}">

--- a/doc/designDoc.pptx
+++ b/doc/designDoc.pptx
@@ -211,7 +211,7 @@
           <a:p>
             <a:fld id="{CA98FC0A-A656-46B8-8BCE-B9957593F2EC}" type="datetimeFigureOut">
               <a:rPr lang="en-SG" smtClean="0"/>
-              <a:t>13/5/2025</a:t>
+              <a:t>5/12/2025</a:t>
             </a:fld>
             <a:endParaRPr lang="en-SG"/>
           </a:p>
@@ -712,7 +712,7 @@
           <a:p>
             <a:fld id="{F953FF10-B1B6-4147-A9BC-BC236B7E3AD4}" type="datetimeFigureOut">
               <a:rPr lang="en-SG" smtClean="0"/>
-              <a:t>13/5/2025</a:t>
+              <a:t>5/12/2025</a:t>
             </a:fld>
             <a:endParaRPr lang="en-SG"/>
           </a:p>
@@ -912,7 +912,7 @@
           <a:p>
             <a:fld id="{F953FF10-B1B6-4147-A9BC-BC236B7E3AD4}" type="datetimeFigureOut">
               <a:rPr lang="en-SG" smtClean="0"/>
-              <a:t>13/5/2025</a:t>
+              <a:t>5/12/2025</a:t>
             </a:fld>
             <a:endParaRPr lang="en-SG"/>
           </a:p>
@@ -1122,7 +1122,7 @@
           <a:p>
             <a:fld id="{F953FF10-B1B6-4147-A9BC-BC236B7E3AD4}" type="datetimeFigureOut">
               <a:rPr lang="en-SG" smtClean="0"/>
-              <a:t>13/5/2025</a:t>
+              <a:t>5/12/2025</a:t>
             </a:fld>
             <a:endParaRPr lang="en-SG"/>
           </a:p>
@@ -1322,7 +1322,7 @@
           <a:p>
             <a:fld id="{F953FF10-B1B6-4147-A9BC-BC236B7E3AD4}" type="datetimeFigureOut">
               <a:rPr lang="en-SG" smtClean="0"/>
-              <a:t>13/5/2025</a:t>
+              <a:t>5/12/2025</a:t>
             </a:fld>
             <a:endParaRPr lang="en-SG"/>
           </a:p>
@@ -1598,7 +1598,7 @@
           <a:p>
             <a:fld id="{F953FF10-B1B6-4147-A9BC-BC236B7E3AD4}" type="datetimeFigureOut">
               <a:rPr lang="en-SG" smtClean="0"/>
-              <a:t>13/5/2025</a:t>
+              <a:t>5/12/2025</a:t>
             </a:fld>
             <a:endParaRPr lang="en-SG"/>
           </a:p>
@@ -1866,7 +1866,7 @@
           <a:p>
             <a:fld id="{F953FF10-B1B6-4147-A9BC-BC236B7E3AD4}" type="datetimeFigureOut">
               <a:rPr lang="en-SG" smtClean="0"/>
-              <a:t>13/5/2025</a:t>
+              <a:t>5/12/2025</a:t>
             </a:fld>
             <a:endParaRPr lang="en-SG"/>
           </a:p>
@@ -2281,7 +2281,7 @@
           <a:p>
             <a:fld id="{F953FF10-B1B6-4147-A9BC-BC236B7E3AD4}" type="datetimeFigureOut">
               <a:rPr lang="en-SG" smtClean="0"/>
-              <a:t>13/5/2025</a:t>
+              <a:t>5/12/2025</a:t>
             </a:fld>
             <a:endParaRPr lang="en-SG"/>
           </a:p>
@@ -2423,7 +2423,7 @@
           <a:p>
             <a:fld id="{F953FF10-B1B6-4147-A9BC-BC236B7E3AD4}" type="datetimeFigureOut">
               <a:rPr lang="en-SG" smtClean="0"/>
-              <a:t>13/5/2025</a:t>
+              <a:t>5/12/2025</a:t>
             </a:fld>
             <a:endParaRPr lang="en-SG"/>
           </a:p>
@@ -2536,7 +2536,7 @@
           <a:p>
             <a:fld id="{F953FF10-B1B6-4147-A9BC-BC236B7E3AD4}" type="datetimeFigureOut">
               <a:rPr lang="en-SG" smtClean="0"/>
-              <a:t>13/5/2025</a:t>
+              <a:t>5/12/2025</a:t>
             </a:fld>
             <a:endParaRPr lang="en-SG"/>
           </a:p>
@@ -2849,7 +2849,7 @@
           <a:p>
             <a:fld id="{F953FF10-B1B6-4147-A9BC-BC236B7E3AD4}" type="datetimeFigureOut">
               <a:rPr lang="en-SG" smtClean="0"/>
-              <a:t>13/5/2025</a:t>
+              <a:t>5/12/2025</a:t>
             </a:fld>
             <a:endParaRPr lang="en-SG"/>
           </a:p>
@@ -3138,7 +3138,7 @@
           <a:p>
             <a:fld id="{F953FF10-B1B6-4147-A9BC-BC236B7E3AD4}" type="datetimeFigureOut">
               <a:rPr lang="en-SG" smtClean="0"/>
-              <a:t>13/5/2025</a:t>
+              <a:t>5/12/2025</a:t>
             </a:fld>
             <a:endParaRPr lang="en-SG"/>
           </a:p>
@@ -3381,7 +3381,7 @@
           <a:p>
             <a:fld id="{F953FF10-B1B6-4147-A9BC-BC236B7E3AD4}" type="datetimeFigureOut">
               <a:rPr lang="en-SG" smtClean="0"/>
-              <a:t>13/5/2025</a:t>
+              <a:t>5/12/2025</a:t>
             </a:fld>
             <a:endParaRPr lang="en-SG"/>
           </a:p>
